--- a/poster.pptx
+++ b/poster.pptx
@@ -104,6 +104,11 @@
       </a:defRPr>
     </a:lvl9pPr>
   </p:defaultTextStyle>
+  <p:extLst>
+    <p:ext uri="{EFAFB233-063F-42B5-8137-9DF3F51BA10A}">
+      <p15:sldGuideLst xmlns:p15="http://schemas.microsoft.com/office/powerpoint/2012/main"/>
+    </p:ext>
+  </p:extLst>
 </p:presentation>
 </file>
 
@@ -4988,6 +4993,9 @@
               <a:prstGeom prst="rect">
                 <a:avLst/>
               </a:prstGeom>
+              <a:ln>
+                <a:noFill/>
+              </a:ln>
               <a:effectLst>
                 <a:softEdge rad="0"/>
               </a:effectLst>
@@ -5717,6 +5725,132 @@
           </p:txBody>
         </p:sp>
       </p:grpSp>
+      <p:sp>
+        <p:nvSpPr>
+          <p:cNvPr id="2" name="TextBox 1">
+            <a:extLst>
+              <a:ext uri="{FF2B5EF4-FFF2-40B4-BE49-F238E27FC236}">
+                <a16:creationId xmlns:a16="http://schemas.microsoft.com/office/drawing/2014/main" id="{14050F8D-7522-4453-A178-2ACCC1521BC9}"/>
+              </a:ext>
+            </a:extLst>
+          </p:cNvPr>
+          <p:cNvSpPr txBox="1"/>
+          <p:nvPr/>
+        </p:nvSpPr>
+        <p:spPr>
+          <a:xfrm>
+            <a:off x="11707831" y="23839323"/>
+            <a:ext cx="1567300" cy="400110"/>
+          </a:xfrm>
+          <a:prstGeom prst="rect">
+            <a:avLst/>
+          </a:prstGeom>
+          <a:solidFill>
+            <a:schemeClr val="bg1"/>
+          </a:solidFill>
+        </p:spPr>
+        <p:txBody>
+          <a:bodyPr wrap="square" rtlCol="0">
+            <a:spAutoFit/>
+          </a:bodyPr>
+          <a:lstStyle/>
+          <a:p>
+            <a:pPr algn="ctr"/>
+            <a:r>
+              <a:rPr lang="en-US" sz="2000" b="1" dirty="0">
+                <a:solidFill>
+                  <a:srgbClr val="5F8388"/>
+                </a:solidFill>
+              </a:rPr>
+              <a:t>original</a:t>
+            </a:r>
+          </a:p>
+        </p:txBody>
+      </p:sp>
+      <p:sp>
+        <p:nvSpPr>
+          <p:cNvPr id="60" name="TextBox 59">
+            <a:extLst>
+              <a:ext uri="{FF2B5EF4-FFF2-40B4-BE49-F238E27FC236}">
+                <a16:creationId xmlns:a16="http://schemas.microsoft.com/office/drawing/2014/main" id="{AEBC7705-6EA4-49D9-A532-D244300FA6C8}"/>
+              </a:ext>
+            </a:extLst>
+          </p:cNvPr>
+          <p:cNvSpPr txBox="1"/>
+          <p:nvPr/>
+        </p:nvSpPr>
+        <p:spPr>
+          <a:xfrm>
+            <a:off x="15537237" y="23839323"/>
+            <a:ext cx="1567300" cy="400110"/>
+          </a:xfrm>
+          <a:prstGeom prst="rect">
+            <a:avLst/>
+          </a:prstGeom>
+          <a:solidFill>
+            <a:schemeClr val="bg1"/>
+          </a:solidFill>
+        </p:spPr>
+        <p:txBody>
+          <a:bodyPr wrap="square" rtlCol="0">
+            <a:spAutoFit/>
+          </a:bodyPr>
+          <a:lstStyle/>
+          <a:p>
+            <a:pPr algn="ctr"/>
+            <a:r>
+              <a:rPr lang="en-US" sz="2000" b="1" dirty="0">
+                <a:solidFill>
+                  <a:srgbClr val="5F8388"/>
+                </a:solidFill>
+              </a:rPr>
+              <a:t>permutated</a:t>
+            </a:r>
+          </a:p>
+        </p:txBody>
+      </p:sp>
+      <p:sp>
+        <p:nvSpPr>
+          <p:cNvPr id="61" name="TextBox 60">
+            <a:extLst>
+              <a:ext uri="{FF2B5EF4-FFF2-40B4-BE49-F238E27FC236}">
+                <a16:creationId xmlns:a16="http://schemas.microsoft.com/office/drawing/2014/main" id="{DDC48DBD-CFA5-4ADE-94C9-D1A3CF3159C9}"/>
+              </a:ext>
+            </a:extLst>
+          </p:cNvPr>
+          <p:cNvSpPr txBox="1"/>
+          <p:nvPr/>
+        </p:nvSpPr>
+        <p:spPr>
+          <a:xfrm>
+            <a:off x="19288470" y="23839323"/>
+            <a:ext cx="1567300" cy="400110"/>
+          </a:xfrm>
+          <a:prstGeom prst="rect">
+            <a:avLst/>
+          </a:prstGeom>
+          <a:solidFill>
+            <a:schemeClr val="bg1"/>
+          </a:solidFill>
+        </p:spPr>
+        <p:txBody>
+          <a:bodyPr wrap="square" rtlCol="0">
+            <a:spAutoFit/>
+          </a:bodyPr>
+          <a:lstStyle/>
+          <a:p>
+            <a:pPr algn="ctr"/>
+            <a:r>
+              <a:rPr lang="en-US" sz="2000" b="1" dirty="0">
+                <a:solidFill>
+                  <a:srgbClr val="5F8388"/>
+                </a:solidFill>
+              </a:rPr>
+              <a:t>ctr</a:t>
+            </a:r>
+          </a:p>
+        </p:txBody>
+      </p:sp>
     </p:spTree>
     <p:extLst>
       <p:ext uri="{BB962C8B-B14F-4D97-AF65-F5344CB8AC3E}">

--- a/poster.pptx
+++ b/poster.pptx
@@ -243,7 +243,7 @@
           <a:p>
             <a:fld id="{FD4B236B-4127-4146-99ED-6A730B7745F6}" type="datetimeFigureOut">
               <a:rPr lang="en-US" smtClean="0"/>
-              <a:t>5/26/2019</a:t>
+              <a:t>5/27/2019</a:t>
             </a:fld>
             <a:endParaRPr lang="en-US"/>
           </a:p>
@@ -413,7 +413,7 @@
           <a:p>
             <a:fld id="{FD4B236B-4127-4146-99ED-6A730B7745F6}" type="datetimeFigureOut">
               <a:rPr lang="en-US" smtClean="0"/>
-              <a:t>5/26/2019</a:t>
+              <a:t>5/27/2019</a:t>
             </a:fld>
             <a:endParaRPr lang="en-US"/>
           </a:p>
@@ -593,7 +593,7 @@
           <a:p>
             <a:fld id="{FD4B236B-4127-4146-99ED-6A730B7745F6}" type="datetimeFigureOut">
               <a:rPr lang="en-US" smtClean="0"/>
-              <a:t>5/26/2019</a:t>
+              <a:t>5/27/2019</a:t>
             </a:fld>
             <a:endParaRPr lang="en-US"/>
           </a:p>
@@ -763,7 +763,7 @@
           <a:p>
             <a:fld id="{FD4B236B-4127-4146-99ED-6A730B7745F6}" type="datetimeFigureOut">
               <a:rPr lang="en-US" smtClean="0"/>
-              <a:t>5/26/2019</a:t>
+              <a:t>5/27/2019</a:t>
             </a:fld>
             <a:endParaRPr lang="en-US"/>
           </a:p>
@@ -1007,7 +1007,7 @@
           <a:p>
             <a:fld id="{FD4B236B-4127-4146-99ED-6A730B7745F6}" type="datetimeFigureOut">
               <a:rPr lang="en-US" smtClean="0"/>
-              <a:t>5/26/2019</a:t>
+              <a:t>5/27/2019</a:t>
             </a:fld>
             <a:endParaRPr lang="en-US"/>
           </a:p>
@@ -1239,7 +1239,7 @@
           <a:p>
             <a:fld id="{FD4B236B-4127-4146-99ED-6A730B7745F6}" type="datetimeFigureOut">
               <a:rPr lang="en-US" smtClean="0"/>
-              <a:t>5/26/2019</a:t>
+              <a:t>5/27/2019</a:t>
             </a:fld>
             <a:endParaRPr lang="en-US"/>
           </a:p>
@@ -1606,7 +1606,7 @@
           <a:p>
             <a:fld id="{FD4B236B-4127-4146-99ED-6A730B7745F6}" type="datetimeFigureOut">
               <a:rPr lang="en-US" smtClean="0"/>
-              <a:t>5/26/2019</a:t>
+              <a:t>5/27/2019</a:t>
             </a:fld>
             <a:endParaRPr lang="en-US"/>
           </a:p>
@@ -1724,7 +1724,7 @@
           <a:p>
             <a:fld id="{FD4B236B-4127-4146-99ED-6A730B7745F6}" type="datetimeFigureOut">
               <a:rPr lang="en-US" smtClean="0"/>
-              <a:t>5/26/2019</a:t>
+              <a:t>5/27/2019</a:t>
             </a:fld>
             <a:endParaRPr lang="en-US"/>
           </a:p>
@@ -1819,7 +1819,7 @@
           <a:p>
             <a:fld id="{FD4B236B-4127-4146-99ED-6A730B7745F6}" type="datetimeFigureOut">
               <a:rPr lang="en-US" smtClean="0"/>
-              <a:t>5/26/2019</a:t>
+              <a:t>5/27/2019</a:t>
             </a:fld>
             <a:endParaRPr lang="en-US"/>
           </a:p>
@@ -2096,7 +2096,7 @@
           <a:p>
             <a:fld id="{FD4B236B-4127-4146-99ED-6A730B7745F6}" type="datetimeFigureOut">
               <a:rPr lang="en-US" smtClean="0"/>
-              <a:t>5/26/2019</a:t>
+              <a:t>5/27/2019</a:t>
             </a:fld>
             <a:endParaRPr lang="en-US"/>
           </a:p>
@@ -2353,7 +2353,7 @@
           <a:p>
             <a:fld id="{FD4B236B-4127-4146-99ED-6A730B7745F6}" type="datetimeFigureOut">
               <a:rPr lang="en-US" smtClean="0"/>
-              <a:t>5/26/2019</a:t>
+              <a:t>5/27/2019</a:t>
             </a:fld>
             <a:endParaRPr lang="en-US"/>
           </a:p>
@@ -2566,7 +2566,7 @@
           <a:p>
             <a:fld id="{FD4B236B-4127-4146-99ED-6A730B7745F6}" type="datetimeFigureOut">
               <a:rPr lang="en-US" smtClean="0"/>
-              <a:t>5/26/2019</a:t>
+              <a:t>5/27/2019</a:t>
             </a:fld>
             <a:endParaRPr lang="en-US"/>
           </a:p>
@@ -4058,18 +4058,6 @@
             <a:r>
               <a:rPr lang="en-US" sz="5000" b="1" dirty="0">
                 <a:solidFill>
-                  <a:srgbClr val="5F8388"/>
-                </a:solidFill>
-                <a:effectLst/>
-                <a:latin typeface="Calibri" panose="020F0502020204030204" pitchFamily="34" charset="0"/>
-                <a:ea typeface="Calibri" panose="020F0502020204030204" pitchFamily="34" charset="0"/>
-                <a:cs typeface="Arial" panose="020B0604020202020204" pitchFamily="34" charset="0"/>
-              </a:rPr>
-              <a:t>Instructor</a:t>
-            </a:r>
-            <a:r>
-              <a:rPr lang="en-US" sz="5000" b="1" dirty="0">
-                <a:solidFill>
                   <a:srgbClr val="4A929C"/>
                 </a:solidFill>
                 <a:effectLst/>
@@ -4077,7 +4065,7 @@
                 <a:ea typeface="Calibri" panose="020F0502020204030204" pitchFamily="34" charset="0"/>
                 <a:cs typeface="Arial" panose="020B0604020202020204" pitchFamily="34" charset="0"/>
               </a:rPr>
-              <a:t>:</a:t>
+              <a:t>Instructor:</a:t>
             </a:r>
             <a:r>
               <a:rPr lang="en-US" sz="5000" dirty="0">
@@ -4796,9 +4784,9 @@
         <p:grpSpPr>
           <a:xfrm>
             <a:off x="6006771" y="10534239"/>
-            <a:ext cx="20347111" cy="5616717"/>
+            <a:ext cx="19295487" cy="5616717"/>
             <a:chOff x="4606761" y="10105499"/>
-            <a:chExt cx="20347111" cy="5616717"/>
+            <a:chExt cx="19295487" cy="5616717"/>
           </a:xfrm>
         </p:grpSpPr>
         <p:grpSp>
@@ -4816,9 +4804,9 @@
           <p:grpSpPr>
             <a:xfrm>
               <a:off x="4606761" y="10105499"/>
-              <a:ext cx="20347111" cy="5616717"/>
+              <a:ext cx="19295487" cy="5616717"/>
               <a:chOff x="4606761" y="10105499"/>
-              <a:chExt cx="20347111" cy="5616717"/>
+              <a:chExt cx="19295487" cy="5616717"/>
             </a:xfrm>
           </p:grpSpPr>
           <p:grpSp>
@@ -4973,7 +4961,7 @@
               </p:cNvPicPr>
               <p:nvPr/>
             </p:nvPicPr>
-            <p:blipFill>
+            <p:blipFill rotWithShape="1">
               <a:blip r:embed="rId11">
                 <a:extLst>
                   <a:ext uri="{28A0092B-C50C-407E-A947-70E740481C1C}">
@@ -4981,14 +4969,13 @@
                   </a:ext>
                 </a:extLst>
               </a:blip>
-              <a:stretch>
-                <a:fillRect/>
-              </a:stretch>
+              <a:srcRect l="9347" t="8383" r="9738" b="10816"/>
+              <a:stretch/>
             </p:blipFill>
             <p:spPr>
               <a:xfrm>
-                <a:off x="14153872" y="10672120"/>
-                <a:ext cx="10800000" cy="4287600"/>
+                <a:off x="15163362" y="11031574"/>
+                <a:ext cx="8738886" cy="3464390"/>
               </a:xfrm>
               <a:prstGeom prst="rect">
                 <a:avLst/>
@@ -5166,7 +5153,7 @@
               <a:r>
                 <a:rPr lang="en-US" sz="3000" b="1" dirty="0">
                   <a:solidFill>
-                    <a:srgbClr val="5F8388"/>
+                    <a:srgbClr val="4A929C"/>
                   </a:solidFill>
                 </a:rPr>
                 <a:t>Figure 1:</a:t>
@@ -5268,7 +5255,7 @@
               <a:r>
                 <a:rPr lang="en-US" sz="3000" b="1" dirty="0">
                   <a:solidFill>
-                    <a:srgbClr val="5F8388"/>
+                    <a:srgbClr val="4A929C"/>
                   </a:solidFill>
                 </a:rPr>
                 <a:t>Figure 2:</a:t>
@@ -5465,7 +5452,7 @@
               <a:r>
                 <a:rPr lang="en-US" sz="3000" b="1" dirty="0">
                   <a:solidFill>
-                    <a:srgbClr val="5F8388"/>
+                    <a:srgbClr val="4A929C"/>
                   </a:solidFill>
                 </a:rPr>
                 <a:t>Figure 3:</a:t>
@@ -5611,10 +5598,18 @@
               <a:r>
                 <a:rPr lang="en-US" sz="3000" b="1" dirty="0">
                   <a:solidFill>
+                    <a:srgbClr val="4A929C"/>
+                  </a:solidFill>
+                </a:rPr>
+                <a:t>Figure 4:</a:t>
+              </a:r>
+              <a:r>
+                <a:rPr lang="en-US" sz="3000" b="1" dirty="0">
+                  <a:solidFill>
                     <a:srgbClr val="5F8388"/>
                   </a:solidFill>
                 </a:rPr>
-                <a:t>Figure 4: </a:t>
+                <a:t> </a:t>
               </a:r>
               <a:r>
                 <a:rPr lang="en-US" sz="3000" dirty="0"/>
@@ -5712,10 +5707,18 @@
               <a:r>
                 <a:rPr lang="en-US" sz="3000" b="1" dirty="0">
                   <a:solidFill>
+                    <a:srgbClr val="4A929C"/>
+                  </a:solidFill>
+                </a:rPr>
+                <a:t>Figure 5:</a:t>
+              </a:r>
+              <a:r>
+                <a:rPr lang="en-US" sz="3000" b="1" dirty="0">
+                  <a:solidFill>
                     <a:srgbClr val="5F8388"/>
                   </a:solidFill>
                 </a:rPr>
-                <a:t>Figure 5: </a:t>
+                <a:t> </a:t>
               </a:r>
               <a:r>
                 <a:rPr lang="en-US" sz="3000" dirty="0"/>
@@ -5759,7 +5762,7 @@
             <a:r>
               <a:rPr lang="en-US" sz="2000" b="1" dirty="0">
                 <a:solidFill>
-                  <a:srgbClr val="5F8388"/>
+                  <a:srgbClr val="4A929C"/>
                 </a:solidFill>
               </a:rPr>
               <a:t>original</a:t>
@@ -5801,7 +5804,7 @@
             <a:r>
               <a:rPr lang="en-US" sz="2000" b="1" dirty="0">
                 <a:solidFill>
-                  <a:srgbClr val="5F8388"/>
+                  <a:srgbClr val="4A929C"/>
                 </a:solidFill>
               </a:rPr>
               <a:t>permutated</a:t>
@@ -5843,7 +5846,7 @@
             <a:r>
               <a:rPr lang="en-US" sz="2000" b="1" dirty="0">
                 <a:solidFill>
-                  <a:srgbClr val="5F8388"/>
+                  <a:srgbClr val="4A929C"/>
                 </a:solidFill>
               </a:rPr>
               <a:t>ctr</a:t>

--- a/poster.pptx
+++ b/poster.pptx
@@ -6,6 +6,7 @@
   </p:sldMasterIdLst>
   <p:sldIdLst>
     <p:sldId id="256" r:id="rId2"/>
+    <p:sldId id="257" r:id="rId3"/>
   </p:sldIdLst>
   <p:sldSz cx="32399288" cy="43200638"/>
   <p:notesSz cx="6858000" cy="9144000"/>
@@ -106,7 +107,7 @@
   </p:defaultTextStyle>
   <p:extLst>
     <p:ext uri="{EFAFB233-063F-42B5-8137-9DF3F51BA10A}">
-      <p15:sldGuideLst xmlns:p15="http://schemas.microsoft.com/office/powerpoint/2012/main"/>
+      <p15:sldGuideLst xmlns:p15="http://schemas.microsoft.com/office/powerpoint/2012/main" xmlns=""/>
     </p:ext>
   </p:extLst>
 </p:presentation>
@@ -243,7 +244,7 @@
           <a:p>
             <a:fld id="{FD4B236B-4127-4146-99ED-6A730B7745F6}" type="datetimeFigureOut">
               <a:rPr lang="en-US" smtClean="0"/>
-              <a:t>5/27/2019</a:t>
+              <a:t>27-May-19</a:t>
             </a:fld>
             <a:endParaRPr lang="en-US"/>
           </a:p>
@@ -251,7 +252,7 @@
       </p:sp>
       <p:sp>
         <p:nvSpPr>
-          <p:cNvPr id="5" name="Footer Placeholder 4"/>
+          <p:cNvPr id="5" name="Footer Placeholder 4" hidden="1"/>
           <p:cNvSpPr>
             <a:spLocks noGrp="1"/>
           </p:cNvSpPr>
@@ -413,7 +414,7 @@
           <a:p>
             <a:fld id="{FD4B236B-4127-4146-99ED-6A730B7745F6}" type="datetimeFigureOut">
               <a:rPr lang="en-US" smtClean="0"/>
-              <a:t>5/27/2019</a:t>
+              <a:t>27-May-19</a:t>
             </a:fld>
             <a:endParaRPr lang="en-US"/>
           </a:p>
@@ -421,7 +422,7 @@
       </p:sp>
       <p:sp>
         <p:nvSpPr>
-          <p:cNvPr id="5" name="Footer Placeholder 4"/>
+          <p:cNvPr id="5" name="Footer Placeholder 4" hidden="1"/>
           <p:cNvSpPr>
             <a:spLocks noGrp="1"/>
           </p:cNvSpPr>
@@ -593,7 +594,7 @@
           <a:p>
             <a:fld id="{FD4B236B-4127-4146-99ED-6A730B7745F6}" type="datetimeFigureOut">
               <a:rPr lang="en-US" smtClean="0"/>
-              <a:t>5/27/2019</a:t>
+              <a:t>27-May-19</a:t>
             </a:fld>
             <a:endParaRPr lang="en-US"/>
           </a:p>
@@ -601,7 +602,7 @@
       </p:sp>
       <p:sp>
         <p:nvSpPr>
-          <p:cNvPr id="5" name="Footer Placeholder 4"/>
+          <p:cNvPr id="5" name="Footer Placeholder 4" hidden="1"/>
           <p:cNvSpPr>
             <a:spLocks noGrp="1"/>
           </p:cNvSpPr>
@@ -763,7 +764,7 @@
           <a:p>
             <a:fld id="{FD4B236B-4127-4146-99ED-6A730B7745F6}" type="datetimeFigureOut">
               <a:rPr lang="en-US" smtClean="0"/>
-              <a:t>5/27/2019</a:t>
+              <a:t>27-May-19</a:t>
             </a:fld>
             <a:endParaRPr lang="en-US"/>
           </a:p>
@@ -771,7 +772,7 @@
       </p:sp>
       <p:sp>
         <p:nvSpPr>
-          <p:cNvPr id="5" name="Footer Placeholder 4"/>
+          <p:cNvPr id="5" name="Footer Placeholder 4" hidden="1"/>
           <p:cNvSpPr>
             <a:spLocks noGrp="1"/>
           </p:cNvSpPr>
@@ -1007,7 +1008,7 @@
           <a:p>
             <a:fld id="{FD4B236B-4127-4146-99ED-6A730B7745F6}" type="datetimeFigureOut">
               <a:rPr lang="en-US" smtClean="0"/>
-              <a:t>5/27/2019</a:t>
+              <a:t>27-May-19</a:t>
             </a:fld>
             <a:endParaRPr lang="en-US"/>
           </a:p>
@@ -1015,7 +1016,7 @@
       </p:sp>
       <p:sp>
         <p:nvSpPr>
-          <p:cNvPr id="5" name="Footer Placeholder 4"/>
+          <p:cNvPr id="5" name="Footer Placeholder 4" hidden="1"/>
           <p:cNvSpPr>
             <a:spLocks noGrp="1"/>
           </p:cNvSpPr>
@@ -1239,7 +1240,7 @@
           <a:p>
             <a:fld id="{FD4B236B-4127-4146-99ED-6A730B7745F6}" type="datetimeFigureOut">
               <a:rPr lang="en-US" smtClean="0"/>
-              <a:t>5/27/2019</a:t>
+              <a:t>27-May-19</a:t>
             </a:fld>
             <a:endParaRPr lang="en-US"/>
           </a:p>
@@ -1247,7 +1248,7 @@
       </p:sp>
       <p:sp>
         <p:nvSpPr>
-          <p:cNvPr id="6" name="Footer Placeholder 5"/>
+          <p:cNvPr id="6" name="Footer Placeholder 5" hidden="1"/>
           <p:cNvSpPr>
             <a:spLocks noGrp="1"/>
           </p:cNvSpPr>
@@ -1606,7 +1607,7 @@
           <a:p>
             <a:fld id="{FD4B236B-4127-4146-99ED-6A730B7745F6}" type="datetimeFigureOut">
               <a:rPr lang="en-US" smtClean="0"/>
-              <a:t>5/27/2019</a:t>
+              <a:t>27-May-19</a:t>
             </a:fld>
             <a:endParaRPr lang="en-US"/>
           </a:p>
@@ -1614,7 +1615,7 @@
       </p:sp>
       <p:sp>
         <p:nvSpPr>
-          <p:cNvPr id="8" name="Footer Placeholder 7"/>
+          <p:cNvPr id="8" name="Footer Placeholder 7" hidden="1"/>
           <p:cNvSpPr>
             <a:spLocks noGrp="1"/>
           </p:cNvSpPr>
@@ -1724,7 +1725,7 @@
           <a:p>
             <a:fld id="{FD4B236B-4127-4146-99ED-6A730B7745F6}" type="datetimeFigureOut">
               <a:rPr lang="en-US" smtClean="0"/>
-              <a:t>5/27/2019</a:t>
+              <a:t>27-May-19</a:t>
             </a:fld>
             <a:endParaRPr lang="en-US"/>
           </a:p>
@@ -1732,7 +1733,7 @@
       </p:sp>
       <p:sp>
         <p:nvSpPr>
-          <p:cNvPr id="4" name="Footer Placeholder 3"/>
+          <p:cNvPr id="4" name="Footer Placeholder 3" hidden="1"/>
           <p:cNvSpPr>
             <a:spLocks noGrp="1"/>
           </p:cNvSpPr>
@@ -1819,7 +1820,7 @@
           <a:p>
             <a:fld id="{FD4B236B-4127-4146-99ED-6A730B7745F6}" type="datetimeFigureOut">
               <a:rPr lang="en-US" smtClean="0"/>
-              <a:t>5/27/2019</a:t>
+              <a:t>27-May-19</a:t>
             </a:fld>
             <a:endParaRPr lang="en-US"/>
           </a:p>
@@ -1827,7 +1828,7 @@
       </p:sp>
       <p:sp>
         <p:nvSpPr>
-          <p:cNvPr id="3" name="Footer Placeholder 2"/>
+          <p:cNvPr id="3" name="Footer Placeholder 2" hidden="1"/>
           <p:cNvSpPr>
             <a:spLocks noGrp="1"/>
           </p:cNvSpPr>
@@ -2096,7 +2097,7 @@
           <a:p>
             <a:fld id="{FD4B236B-4127-4146-99ED-6A730B7745F6}" type="datetimeFigureOut">
               <a:rPr lang="en-US" smtClean="0"/>
-              <a:t>5/27/2019</a:t>
+              <a:t>27-May-19</a:t>
             </a:fld>
             <a:endParaRPr lang="en-US"/>
           </a:p>
@@ -2104,7 +2105,7 @@
       </p:sp>
       <p:sp>
         <p:nvSpPr>
-          <p:cNvPr id="6" name="Footer Placeholder 5"/>
+          <p:cNvPr id="6" name="Footer Placeholder 5" hidden="1"/>
           <p:cNvSpPr>
             <a:spLocks noGrp="1"/>
           </p:cNvSpPr>
@@ -2353,7 +2354,7 @@
           <a:p>
             <a:fld id="{FD4B236B-4127-4146-99ED-6A730B7745F6}" type="datetimeFigureOut">
               <a:rPr lang="en-US" smtClean="0"/>
-              <a:t>5/27/2019</a:t>
+              <a:t>27-May-19</a:t>
             </a:fld>
             <a:endParaRPr lang="en-US"/>
           </a:p>
@@ -2361,7 +2362,7 @@
       </p:sp>
       <p:sp>
         <p:nvSpPr>
-          <p:cNvPr id="6" name="Footer Placeholder 5"/>
+          <p:cNvPr id="6" name="Footer Placeholder 5" hidden="1"/>
           <p:cNvSpPr>
             <a:spLocks noGrp="1"/>
           </p:cNvSpPr>
@@ -2566,7 +2567,7 @@
           <a:p>
             <a:fld id="{FD4B236B-4127-4146-99ED-6A730B7745F6}" type="datetimeFigureOut">
               <a:rPr lang="en-US" smtClean="0"/>
-              <a:t>5/27/2019</a:t>
+              <a:t>27-May-19</a:t>
             </a:fld>
             <a:endParaRPr lang="en-US"/>
           </a:p>
@@ -2574,7 +2575,7 @@
       </p:sp>
       <p:sp>
         <p:nvSpPr>
-          <p:cNvPr id="5" name="Footer Placeholder 4"/>
+          <p:cNvPr id="5" name="Footer Placeholder 4" hidden="1"/>
           <p:cNvSpPr>
             <a:spLocks noGrp="1"/>
           </p:cNvSpPr>
@@ -2976,7 +2977,7 @@
           <p:cNvPr id="59" name="Picture 58">
             <a:extLst>
               <a:ext uri="{FF2B5EF4-FFF2-40B4-BE49-F238E27FC236}">
-                <a16:creationId xmlns:a16="http://schemas.microsoft.com/office/drawing/2014/main" id="{EB464702-8EF6-44EC-81DE-05D51CFE7C03}"/>
+                <a16:creationId xmlns:a16="http://schemas.microsoft.com/office/drawing/2014/main" xmlns="" id="{EB464702-8EF6-44EC-81DE-05D51CFE7C03}"/>
               </a:ext>
             </a:extLst>
           </p:cNvPr>
@@ -3012,7 +3013,7 @@
           <p:cNvPr id="4" name="Group 3">
             <a:extLst>
               <a:ext uri="{FF2B5EF4-FFF2-40B4-BE49-F238E27FC236}">
-                <a16:creationId xmlns:a16="http://schemas.microsoft.com/office/drawing/2014/main" id="{3DBFDD73-DA09-4DE4-A1B4-6995342975E6}"/>
+                <a16:creationId xmlns:a16="http://schemas.microsoft.com/office/drawing/2014/main" xmlns="" id="{3DBFDD73-DA09-4DE4-A1B4-6995342975E6}"/>
               </a:ext>
             </a:extLst>
           </p:cNvPr>
@@ -3032,7 +3033,7 @@
             <p:cNvPr id="5" name="תיבת טקסט 18">
               <a:extLst>
                 <a:ext uri="{FF2B5EF4-FFF2-40B4-BE49-F238E27FC236}">
-                  <a16:creationId xmlns:a16="http://schemas.microsoft.com/office/drawing/2014/main" id="{11E2C8DF-6C7E-459A-8C80-AD77732EC608}"/>
+                  <a16:creationId xmlns:a16="http://schemas.microsoft.com/office/drawing/2014/main" xmlns="" id="{11E2C8DF-6C7E-459A-8C80-AD77732EC608}"/>
                 </a:ext>
               </a:extLst>
             </p:cNvPr>
@@ -3216,7 +3217,7 @@
             <p:cNvPr id="6" name="Text Box 24">
               <a:extLst>
                 <a:ext uri="{FF2B5EF4-FFF2-40B4-BE49-F238E27FC236}">
-                  <a16:creationId xmlns:a16="http://schemas.microsoft.com/office/drawing/2014/main" id="{E7602CC7-07A0-4B8E-A4F2-960346B73912}"/>
+                  <a16:creationId xmlns:a16="http://schemas.microsoft.com/office/drawing/2014/main" xmlns="" id="{E7602CC7-07A0-4B8E-A4F2-960346B73912}"/>
                 </a:ext>
               </a:extLst>
             </p:cNvPr>
@@ -3280,7 +3281,7 @@
           <p:cNvPr id="7" name="Group 6">
             <a:extLst>
               <a:ext uri="{FF2B5EF4-FFF2-40B4-BE49-F238E27FC236}">
-                <a16:creationId xmlns:a16="http://schemas.microsoft.com/office/drawing/2014/main" id="{CC5316CA-6379-432F-8040-8D83D75DBCFE}"/>
+                <a16:creationId xmlns:a16="http://schemas.microsoft.com/office/drawing/2014/main" xmlns="" id="{CC5316CA-6379-432F-8040-8D83D75DBCFE}"/>
               </a:ext>
             </a:extLst>
           </p:cNvPr>
@@ -3300,7 +3301,7 @@
             <p:cNvPr id="8" name="תיבת טקסט 18">
               <a:extLst>
                 <a:ext uri="{FF2B5EF4-FFF2-40B4-BE49-F238E27FC236}">
-                  <a16:creationId xmlns:a16="http://schemas.microsoft.com/office/drawing/2014/main" id="{45167B33-E44C-4186-BA84-A09525555F46}"/>
+                  <a16:creationId xmlns:a16="http://schemas.microsoft.com/office/drawing/2014/main" xmlns="" id="{45167B33-E44C-4186-BA84-A09525555F46}"/>
                 </a:ext>
               </a:extLst>
             </p:cNvPr>
@@ -3399,7 +3400,7 @@
             <p:cNvPr id="9" name="Text Box 24">
               <a:extLst>
                 <a:ext uri="{FF2B5EF4-FFF2-40B4-BE49-F238E27FC236}">
-                  <a16:creationId xmlns:a16="http://schemas.microsoft.com/office/drawing/2014/main" id="{456083E0-3CAC-482B-89C7-9686DAF563B6}"/>
+                  <a16:creationId xmlns:a16="http://schemas.microsoft.com/office/drawing/2014/main" xmlns="" id="{456083E0-3CAC-482B-89C7-9686DAF563B6}"/>
                 </a:ext>
               </a:extLst>
             </p:cNvPr>
@@ -3463,7 +3464,7 @@
           <p:cNvPr id="10" name="Group 9">
             <a:extLst>
               <a:ext uri="{FF2B5EF4-FFF2-40B4-BE49-F238E27FC236}">
-                <a16:creationId xmlns:a16="http://schemas.microsoft.com/office/drawing/2014/main" id="{AB4F9E6A-B506-4CE4-A234-F78DBA10937A}"/>
+                <a16:creationId xmlns:a16="http://schemas.microsoft.com/office/drawing/2014/main" xmlns="" id="{AB4F9E6A-B506-4CE4-A234-F78DBA10937A}"/>
               </a:ext>
             </a:extLst>
           </p:cNvPr>
@@ -3483,7 +3484,7 @@
             <p:cNvPr id="11" name="תיבת טקסט 18">
               <a:extLst>
                 <a:ext uri="{FF2B5EF4-FFF2-40B4-BE49-F238E27FC236}">
-                  <a16:creationId xmlns:a16="http://schemas.microsoft.com/office/drawing/2014/main" id="{29FA4AFD-D496-4473-8EA2-27AA68B75EAB}"/>
+                  <a16:creationId xmlns:a16="http://schemas.microsoft.com/office/drawing/2014/main" xmlns="" id="{29FA4AFD-D496-4473-8EA2-27AA68B75EAB}"/>
                 </a:ext>
               </a:extLst>
             </p:cNvPr>
@@ -3538,7 +3539,7 @@
             <p:cNvPr id="12" name="Text Box 24">
               <a:extLst>
                 <a:ext uri="{FF2B5EF4-FFF2-40B4-BE49-F238E27FC236}">
-                  <a16:creationId xmlns:a16="http://schemas.microsoft.com/office/drawing/2014/main" id="{D069242E-43D3-4F1C-BC28-93F8D44AD17E}"/>
+                  <a16:creationId xmlns:a16="http://schemas.microsoft.com/office/drawing/2014/main" xmlns="" id="{D069242E-43D3-4F1C-BC28-93F8D44AD17E}"/>
                 </a:ext>
               </a:extLst>
             </p:cNvPr>
@@ -3602,7 +3603,7 @@
           <p:cNvPr id="13" name="Group 12">
             <a:extLst>
               <a:ext uri="{FF2B5EF4-FFF2-40B4-BE49-F238E27FC236}">
-                <a16:creationId xmlns:a16="http://schemas.microsoft.com/office/drawing/2014/main" id="{B65685AB-470C-43ED-AC69-E7CE5BB8BBFE}"/>
+                <a16:creationId xmlns:a16="http://schemas.microsoft.com/office/drawing/2014/main" xmlns="" id="{B65685AB-470C-43ED-AC69-E7CE5BB8BBFE}"/>
               </a:ext>
             </a:extLst>
           </p:cNvPr>
@@ -3622,7 +3623,7 @@
             <p:cNvPr id="14" name="תיבת טקסט 18">
               <a:extLst>
                 <a:ext uri="{FF2B5EF4-FFF2-40B4-BE49-F238E27FC236}">
-                  <a16:creationId xmlns:a16="http://schemas.microsoft.com/office/drawing/2014/main" id="{625E3163-6D63-4A11-870F-78EE2AC6C38F}"/>
+                  <a16:creationId xmlns:a16="http://schemas.microsoft.com/office/drawing/2014/main" xmlns="" id="{625E3163-6D63-4A11-870F-78EE2AC6C38F}"/>
                 </a:ext>
               </a:extLst>
             </p:cNvPr>
@@ -3675,7 +3676,7 @@
             <p:cNvPr id="15" name="Text Box 24">
               <a:extLst>
                 <a:ext uri="{FF2B5EF4-FFF2-40B4-BE49-F238E27FC236}">
-                  <a16:creationId xmlns:a16="http://schemas.microsoft.com/office/drawing/2014/main" id="{6863EBA4-EF1A-499F-9596-0FDE99AE3906}"/>
+                  <a16:creationId xmlns:a16="http://schemas.microsoft.com/office/drawing/2014/main" xmlns="" id="{6863EBA4-EF1A-499F-9596-0FDE99AE3906}"/>
                 </a:ext>
               </a:extLst>
             </p:cNvPr>
@@ -3744,7 +3745,7 @@
           <p:cNvPr id="16" name="Group 15">
             <a:extLst>
               <a:ext uri="{FF2B5EF4-FFF2-40B4-BE49-F238E27FC236}">
-                <a16:creationId xmlns:a16="http://schemas.microsoft.com/office/drawing/2014/main" id="{623FEC8C-E59C-41BB-BFDA-63741A91EE96}"/>
+                <a16:creationId xmlns:a16="http://schemas.microsoft.com/office/drawing/2014/main" xmlns="" id="{623FEC8C-E59C-41BB-BFDA-63741A91EE96}"/>
               </a:ext>
             </a:extLst>
           </p:cNvPr>
@@ -3764,7 +3765,7 @@
             <p:cNvPr id="17" name="תיבת טקסט 18">
               <a:extLst>
                 <a:ext uri="{FF2B5EF4-FFF2-40B4-BE49-F238E27FC236}">
-                  <a16:creationId xmlns:a16="http://schemas.microsoft.com/office/drawing/2014/main" id="{11733FDC-977C-4894-B1C3-8D2DF2B21B2B}"/>
+                  <a16:creationId xmlns:a16="http://schemas.microsoft.com/office/drawing/2014/main" xmlns="" id="{11733FDC-977C-4894-B1C3-8D2DF2B21B2B}"/>
                 </a:ext>
               </a:extLst>
             </p:cNvPr>
@@ -3863,7 +3864,7 @@
             <p:cNvPr id="18" name="Text Box 24">
               <a:extLst>
                 <a:ext uri="{FF2B5EF4-FFF2-40B4-BE49-F238E27FC236}">
-                  <a16:creationId xmlns:a16="http://schemas.microsoft.com/office/drawing/2014/main" id="{6C8FC5F1-6DE6-474A-809C-406894D86817}"/>
+                  <a16:creationId xmlns:a16="http://schemas.microsoft.com/office/drawing/2014/main" xmlns="" id="{6C8FC5F1-6DE6-474A-809C-406894D86817}"/>
                 </a:ext>
               </a:extLst>
             </p:cNvPr>
@@ -3932,7 +3933,7 @@
           <p:cNvPr id="19" name="names">
             <a:extLst>
               <a:ext uri="{FF2B5EF4-FFF2-40B4-BE49-F238E27FC236}">
-                <a16:creationId xmlns:a16="http://schemas.microsoft.com/office/drawing/2014/main" id="{E31C91E7-763E-4CE0-AE68-8ECAEAE218AD}"/>
+                <a16:creationId xmlns:a16="http://schemas.microsoft.com/office/drawing/2014/main" xmlns="" id="{E31C91E7-763E-4CE0-AE68-8ECAEAE218AD}"/>
               </a:ext>
             </a:extLst>
           </p:cNvPr>
@@ -4105,7 +4106,7 @@
           <p:cNvPr id="20" name="Title">
             <a:extLst>
               <a:ext uri="{FF2B5EF4-FFF2-40B4-BE49-F238E27FC236}">
-                <a16:creationId xmlns:a16="http://schemas.microsoft.com/office/drawing/2014/main" id="{7FB64525-1228-4A75-8932-4E1ACCC84E7D}"/>
+                <a16:creationId xmlns:a16="http://schemas.microsoft.com/office/drawing/2014/main" xmlns="" id="{7FB64525-1228-4A75-8932-4E1ACCC84E7D}"/>
               </a:ext>
             </a:extLst>
           </p:cNvPr>
@@ -4196,7 +4197,7 @@
           <p:cNvPr id="21" name="Picture 20" descr="A close up of a logo&#10;&#10;Description automatically generated">
             <a:extLst>
               <a:ext uri="{FF2B5EF4-FFF2-40B4-BE49-F238E27FC236}">
-                <a16:creationId xmlns:a16="http://schemas.microsoft.com/office/drawing/2014/main" id="{310AFD28-6F37-4262-92F8-79AEE079D30F}"/>
+                <a16:creationId xmlns:a16="http://schemas.microsoft.com/office/drawing/2014/main" xmlns="" id="{310AFD28-6F37-4262-92F8-79AEE079D30F}"/>
               </a:ext>
             </a:extLst>
           </p:cNvPr>
@@ -4232,7 +4233,7 @@
           <p:cNvPr id="22" name="Group 21">
             <a:extLst>
               <a:ext uri="{FF2B5EF4-FFF2-40B4-BE49-F238E27FC236}">
-                <a16:creationId xmlns:a16="http://schemas.microsoft.com/office/drawing/2014/main" id="{F99953DC-4A14-40CF-92F0-BCC5BCE6543C}"/>
+                <a16:creationId xmlns:a16="http://schemas.microsoft.com/office/drawing/2014/main" xmlns="" id="{F99953DC-4A14-40CF-92F0-BCC5BCE6543C}"/>
               </a:ext>
             </a:extLst>
           </p:cNvPr>
@@ -4252,7 +4253,7 @@
             <p:cNvPr id="23" name="תיבת טקסט 18">
               <a:extLst>
                 <a:ext uri="{FF2B5EF4-FFF2-40B4-BE49-F238E27FC236}">
-                  <a16:creationId xmlns:a16="http://schemas.microsoft.com/office/drawing/2014/main" id="{FB60CA16-1334-4B45-A873-85139D3D8A73}"/>
+                  <a16:creationId xmlns:a16="http://schemas.microsoft.com/office/drawing/2014/main" xmlns="" id="{FB60CA16-1334-4B45-A873-85139D3D8A73}"/>
                 </a:ext>
               </a:extLst>
             </p:cNvPr>
@@ -4317,7 +4318,7 @@
             <p:cNvPr id="24" name="Text Box 24">
               <a:extLst>
                 <a:ext uri="{FF2B5EF4-FFF2-40B4-BE49-F238E27FC236}">
-                  <a16:creationId xmlns:a16="http://schemas.microsoft.com/office/drawing/2014/main" id="{8F8F3380-FD3D-43F1-BABE-84B3BB16DA41}"/>
+                  <a16:creationId xmlns:a16="http://schemas.microsoft.com/office/drawing/2014/main" xmlns="" id="{8F8F3380-FD3D-43F1-BABE-84B3BB16DA41}"/>
                 </a:ext>
               </a:extLst>
             </p:cNvPr>
@@ -4386,7 +4387,7 @@
           <p:cNvPr id="25" name="Group 24">
             <a:extLst>
               <a:ext uri="{FF2B5EF4-FFF2-40B4-BE49-F238E27FC236}">
-                <a16:creationId xmlns:a16="http://schemas.microsoft.com/office/drawing/2014/main" id="{368FC610-7774-4120-8684-A1FE83E28CF6}"/>
+                <a16:creationId xmlns:a16="http://schemas.microsoft.com/office/drawing/2014/main" xmlns="" id="{368FC610-7774-4120-8684-A1FE83E28CF6}"/>
               </a:ext>
             </a:extLst>
           </p:cNvPr>
@@ -4406,7 +4407,7 @@
             <p:cNvPr id="26" name="תיבת טקסט 18">
               <a:extLst>
                 <a:ext uri="{FF2B5EF4-FFF2-40B4-BE49-F238E27FC236}">
-                  <a16:creationId xmlns:a16="http://schemas.microsoft.com/office/drawing/2014/main" id="{3C9C691E-1F66-45AE-A815-E534472C188B}"/>
+                  <a16:creationId xmlns:a16="http://schemas.microsoft.com/office/drawing/2014/main" xmlns="" id="{3C9C691E-1F66-45AE-A815-E534472C188B}"/>
                 </a:ext>
               </a:extLst>
             </p:cNvPr>
@@ -4517,7 +4518,7 @@
             <p:cNvPr id="27" name="Text Box 24">
               <a:extLst>
                 <a:ext uri="{FF2B5EF4-FFF2-40B4-BE49-F238E27FC236}">
-                  <a16:creationId xmlns:a16="http://schemas.microsoft.com/office/drawing/2014/main" id="{DDCE71D6-B80A-48A4-B7E6-F9BD6BB1729A}"/>
+                  <a16:creationId xmlns:a16="http://schemas.microsoft.com/office/drawing/2014/main" xmlns="" id="{DDCE71D6-B80A-48A4-B7E6-F9BD6BB1729A}"/>
                 </a:ext>
               </a:extLst>
             </p:cNvPr>
@@ -4586,7 +4587,7 @@
           <p:cNvPr id="28" name="Picture 27" descr="A close up of a logo&#10;&#10;Description automatically generated">
             <a:extLst>
               <a:ext uri="{FF2B5EF4-FFF2-40B4-BE49-F238E27FC236}">
-                <a16:creationId xmlns:a16="http://schemas.microsoft.com/office/drawing/2014/main" id="{BDAD8B8D-BD13-475B-BD37-08374462998E}"/>
+                <a16:creationId xmlns:a16="http://schemas.microsoft.com/office/drawing/2014/main" xmlns="" id="{BDAD8B8D-BD13-475B-BD37-08374462998E}"/>
               </a:ext>
             </a:extLst>
           </p:cNvPr>
@@ -4596,7 +4597,7 @@
           <p:nvPr/>
         </p:nvPicPr>
         <p:blipFill rotWithShape="1">
-          <a:blip r:embed="rId7">
+          <a:blip r:embed="rId7" cstate="print">
             <a:extLst>
               <a:ext uri="{28A0092B-C50C-407E-A947-70E740481C1C}">
                 <a14:useLocalDpi xmlns:a14="http://schemas.microsoft.com/office/drawing/2010/main" val="0"/>
@@ -4621,7 +4622,7 @@
           <p:cNvPr id="29" name="Picture 28" descr="A picture containing clipart&#10;&#10;Description automatically generated">
             <a:extLst>
               <a:ext uri="{FF2B5EF4-FFF2-40B4-BE49-F238E27FC236}">
-                <a16:creationId xmlns:a16="http://schemas.microsoft.com/office/drawing/2014/main" id="{9AB95EE0-B0D7-476C-9AFC-F27DE4BA86B1}"/>
+                <a16:creationId xmlns:a16="http://schemas.microsoft.com/office/drawing/2014/main" xmlns="" id="{9AB95EE0-B0D7-476C-9AFC-F27DE4BA86B1}"/>
               </a:ext>
             </a:extLst>
           </p:cNvPr>
@@ -4657,7 +4658,7 @@
           <p:cNvPr id="30" name="Picture 29">
             <a:extLst>
               <a:ext uri="{FF2B5EF4-FFF2-40B4-BE49-F238E27FC236}">
-                <a16:creationId xmlns:a16="http://schemas.microsoft.com/office/drawing/2014/main" id="{2D300F6E-3226-4B98-9BEA-5C5E9F3FCA2F}"/>
+                <a16:creationId xmlns:a16="http://schemas.microsoft.com/office/drawing/2014/main" xmlns="" id="{2D300F6E-3226-4B98-9BEA-5C5E9F3FCA2F}"/>
               </a:ext>
             </a:extLst>
           </p:cNvPr>
@@ -4693,7 +4694,7 @@
           <p:cNvPr id="31" name="Picture 30" descr="A close up of a sign&#10;&#10;Description automatically generated">
             <a:extLst>
               <a:ext uri="{FF2B5EF4-FFF2-40B4-BE49-F238E27FC236}">
-                <a16:creationId xmlns:a16="http://schemas.microsoft.com/office/drawing/2014/main" id="{5CFF3253-5155-4EF1-82F5-8ED05044D2E9}"/>
+                <a16:creationId xmlns:a16="http://schemas.microsoft.com/office/drawing/2014/main" xmlns="" id="{5CFF3253-5155-4EF1-82F5-8ED05044D2E9}"/>
               </a:ext>
             </a:extLst>
           </p:cNvPr>
@@ -4729,7 +4730,7 @@
           <p:cNvPr id="32" name="TextBox 31">
             <a:extLst>
               <a:ext uri="{FF2B5EF4-FFF2-40B4-BE49-F238E27FC236}">
-                <a16:creationId xmlns:a16="http://schemas.microsoft.com/office/drawing/2014/main" id="{FF86FB20-3B2F-4D4F-AED1-287B66222999}"/>
+                <a16:creationId xmlns:a16="http://schemas.microsoft.com/office/drawing/2014/main" xmlns="" id="{FF86FB20-3B2F-4D4F-AED1-287B66222999}"/>
               </a:ext>
             </a:extLst>
           </p:cNvPr>
@@ -4774,7 +4775,7 @@
           <p:cNvPr id="33" name="Group 32">
             <a:extLst>
               <a:ext uri="{FF2B5EF4-FFF2-40B4-BE49-F238E27FC236}">
-                <a16:creationId xmlns:a16="http://schemas.microsoft.com/office/drawing/2014/main" id="{EAAE9E83-C00C-4683-A515-2F1D877519A9}"/>
+                <a16:creationId xmlns:a16="http://schemas.microsoft.com/office/drawing/2014/main" xmlns="" id="{EAAE9E83-C00C-4683-A515-2F1D877519A9}"/>
               </a:ext>
             </a:extLst>
           </p:cNvPr>
@@ -4794,7 +4795,7 @@
             <p:cNvPr id="34" name="Group 33">
               <a:extLst>
                 <a:ext uri="{FF2B5EF4-FFF2-40B4-BE49-F238E27FC236}">
-                  <a16:creationId xmlns:a16="http://schemas.microsoft.com/office/drawing/2014/main" id="{09F0C379-63F2-4290-8C6C-3F483C9BB49C}"/>
+                  <a16:creationId xmlns:a16="http://schemas.microsoft.com/office/drawing/2014/main" xmlns="" id="{09F0C379-63F2-4290-8C6C-3F483C9BB49C}"/>
                 </a:ext>
               </a:extLst>
             </p:cNvPr>
@@ -4814,7 +4815,7 @@
               <p:cNvPr id="36" name="Group 35">
                 <a:extLst>
                   <a:ext uri="{FF2B5EF4-FFF2-40B4-BE49-F238E27FC236}">
-                    <a16:creationId xmlns:a16="http://schemas.microsoft.com/office/drawing/2014/main" id="{B3F72870-8CB5-4FAC-98A8-956E0DD27AB8}"/>
+                    <a16:creationId xmlns:a16="http://schemas.microsoft.com/office/drawing/2014/main" xmlns="" id="{B3F72870-8CB5-4FAC-98A8-956E0DD27AB8}"/>
                   </a:ext>
                 </a:extLst>
               </p:cNvPr>
@@ -4834,7 +4835,7 @@
                 <p:cNvPr id="41" name="תיבת טקסט 18">
                   <a:extLst>
                     <a:ext uri="{FF2B5EF4-FFF2-40B4-BE49-F238E27FC236}">
-                      <a16:creationId xmlns:a16="http://schemas.microsoft.com/office/drawing/2014/main" id="{B1E00C83-719F-4AD1-B51E-D29AE9D370DD}"/>
+                      <a16:creationId xmlns:a16="http://schemas.microsoft.com/office/drawing/2014/main" xmlns="" id="{B1E00C83-719F-4AD1-B51E-D29AE9D370DD}"/>
                     </a:ext>
                   </a:extLst>
                 </p:cNvPr>
@@ -4883,7 +4884,7 @@
                 <p:cNvPr id="42" name="Text Box 24">
                   <a:extLst>
                     <a:ext uri="{FF2B5EF4-FFF2-40B4-BE49-F238E27FC236}">
-                      <a16:creationId xmlns:a16="http://schemas.microsoft.com/office/drawing/2014/main" id="{0ECAC82C-BCA7-4C67-8209-EE4E98F3C078}"/>
+                      <a16:creationId xmlns:a16="http://schemas.microsoft.com/office/drawing/2014/main" xmlns="" id="{0ECAC82C-BCA7-4C67-8209-EE4E98F3C078}"/>
                     </a:ext>
                   </a:extLst>
                 </p:cNvPr>
@@ -4952,7 +4953,7 @@
               <p:cNvPr id="37" name="Picture 36" descr="A picture containing animal, mammal&#10;&#10;Description automatically generated">
                 <a:extLst>
                   <a:ext uri="{FF2B5EF4-FFF2-40B4-BE49-F238E27FC236}">
-                    <a16:creationId xmlns:a16="http://schemas.microsoft.com/office/drawing/2014/main" id="{FCA315CC-D12F-4979-BB29-E36310FBF040}"/>
+                    <a16:creationId xmlns:a16="http://schemas.microsoft.com/office/drawing/2014/main" xmlns="" id="{FCA315CC-D12F-4979-BB29-E36310FBF040}"/>
                   </a:ext>
                 </a:extLst>
               </p:cNvPr>
@@ -4993,7 +4994,7 @@
               <p:cNvPr id="38" name="Group 37">
                 <a:extLst>
                   <a:ext uri="{FF2B5EF4-FFF2-40B4-BE49-F238E27FC236}">
-                    <a16:creationId xmlns:a16="http://schemas.microsoft.com/office/drawing/2014/main" id="{097DF1FB-1902-4D2B-AC9A-5520312EF7D4}"/>
+                    <a16:creationId xmlns:a16="http://schemas.microsoft.com/office/drawing/2014/main" xmlns="" id="{097DF1FB-1902-4D2B-AC9A-5520312EF7D4}"/>
                   </a:ext>
                 </a:extLst>
               </p:cNvPr>
@@ -5013,7 +5014,7 @@
                 <p:cNvPr id="39" name="תיבת טקסט 18">
                   <a:extLst>
                     <a:ext uri="{FF2B5EF4-FFF2-40B4-BE49-F238E27FC236}">
-                      <a16:creationId xmlns:a16="http://schemas.microsoft.com/office/drawing/2014/main" id="{4C2DC625-B102-4C43-8CCF-3A5C9052D80E}"/>
+                      <a16:creationId xmlns:a16="http://schemas.microsoft.com/office/drawing/2014/main" xmlns="" id="{4C2DC625-B102-4C43-8CCF-3A5C9052D80E}"/>
                     </a:ext>
                   </a:extLst>
                 </p:cNvPr>
@@ -5056,7 +5057,7 @@
                 <p:cNvPr id="40" name="Text Box 24">
                   <a:extLst>
                     <a:ext uri="{FF2B5EF4-FFF2-40B4-BE49-F238E27FC236}">
-                      <a16:creationId xmlns:a16="http://schemas.microsoft.com/office/drawing/2014/main" id="{EF1C22F8-4F08-41F5-8D92-751AC30FF63D}"/>
+                      <a16:creationId xmlns:a16="http://schemas.microsoft.com/office/drawing/2014/main" xmlns="" id="{EF1C22F8-4F08-41F5-8D92-751AC30FF63D}"/>
                     </a:ext>
                   </a:extLst>
                 </p:cNvPr>
@@ -5126,7 +5127,7 @@
             <p:cNvPr id="35" name="TextBox 34">
               <a:extLst>
                 <a:ext uri="{FF2B5EF4-FFF2-40B4-BE49-F238E27FC236}">
-                  <a16:creationId xmlns:a16="http://schemas.microsoft.com/office/drawing/2014/main" id="{D4D5FA7C-76CF-48B8-8564-000535542AB2}"/>
+                  <a16:creationId xmlns:a16="http://schemas.microsoft.com/office/drawing/2014/main" xmlns="" id="{D4D5FA7C-76CF-48B8-8564-000535542AB2}"/>
                 </a:ext>
               </a:extLst>
             </p:cNvPr>
@@ -5172,7 +5173,7 @@
           <p:cNvPr id="43" name="Group 42">
             <a:extLst>
               <a:ext uri="{FF2B5EF4-FFF2-40B4-BE49-F238E27FC236}">
-                <a16:creationId xmlns:a16="http://schemas.microsoft.com/office/drawing/2014/main" id="{B058EA77-FB11-4A9B-84FB-10DEB68EB2F0}"/>
+                <a16:creationId xmlns:a16="http://schemas.microsoft.com/office/drawing/2014/main" xmlns="" id="{B058EA77-FB11-4A9B-84FB-10DEB68EB2F0}"/>
               </a:ext>
             </a:extLst>
           </p:cNvPr>
@@ -5192,7 +5193,7 @@
             <p:cNvPr id="44" name="Picture 43">
               <a:extLst>
                 <a:ext uri="{FF2B5EF4-FFF2-40B4-BE49-F238E27FC236}">
-                  <a16:creationId xmlns:a16="http://schemas.microsoft.com/office/drawing/2014/main" id="{183F4D8F-C0FC-4880-B20B-91ED8A9D00B8}"/>
+                  <a16:creationId xmlns:a16="http://schemas.microsoft.com/office/drawing/2014/main" xmlns="" id="{183F4D8F-C0FC-4880-B20B-91ED8A9D00B8}"/>
                 </a:ext>
               </a:extLst>
             </p:cNvPr>
@@ -5228,7 +5229,7 @@
             <p:cNvPr id="45" name="TextBox 44">
               <a:extLst>
                 <a:ext uri="{FF2B5EF4-FFF2-40B4-BE49-F238E27FC236}">
-                  <a16:creationId xmlns:a16="http://schemas.microsoft.com/office/drawing/2014/main" id="{7FCFA7D3-F8A1-43D0-94A1-382EABC6FA7B}"/>
+                  <a16:creationId xmlns:a16="http://schemas.microsoft.com/office/drawing/2014/main" xmlns="" id="{7FCFA7D3-F8A1-43D0-94A1-382EABC6FA7B}"/>
                 </a:ext>
               </a:extLst>
             </p:cNvPr>
@@ -5271,215 +5272,10 @@
       </p:grpSp>
       <p:grpSp>
         <p:nvGrpSpPr>
-          <p:cNvPr id="46" name="Group 45">
-            <a:extLst>
-              <a:ext uri="{FF2B5EF4-FFF2-40B4-BE49-F238E27FC236}">
-                <a16:creationId xmlns:a16="http://schemas.microsoft.com/office/drawing/2014/main" id="{24ED838A-64AB-48D2-8E80-0C822A9BD5F5}"/>
-              </a:ext>
-            </a:extLst>
-          </p:cNvPr>
-          <p:cNvGrpSpPr/>
-          <p:nvPr/>
-        </p:nvGrpSpPr>
-        <p:grpSpPr>
-          <a:xfrm>
-            <a:off x="10360762" y="23895961"/>
-            <a:ext cx="11775842" cy="4996942"/>
-            <a:chOff x="10360762" y="23895961"/>
-            <a:chExt cx="11775842" cy="4996942"/>
-          </a:xfrm>
-        </p:grpSpPr>
-        <p:grpSp>
-          <p:nvGrpSpPr>
-            <p:cNvPr id="47" name="Group 46">
-              <a:extLst>
-                <a:ext uri="{FF2B5EF4-FFF2-40B4-BE49-F238E27FC236}">
-                  <a16:creationId xmlns:a16="http://schemas.microsoft.com/office/drawing/2014/main" id="{F0B6B916-47D4-47D7-8707-42B3D2DF5719}"/>
-                </a:ext>
-              </a:extLst>
-            </p:cNvPr>
-            <p:cNvGrpSpPr>
-              <a:grpSpLocks noChangeAspect="1"/>
-            </p:cNvGrpSpPr>
-            <p:nvPr/>
-          </p:nvGrpSpPr>
-          <p:grpSpPr>
-            <a:xfrm>
-              <a:off x="10360762" y="23895961"/>
-              <a:ext cx="11775842" cy="3200400"/>
-              <a:chOff x="7421386" y="23646433"/>
-              <a:chExt cx="16171597" cy="4395064"/>
-            </a:xfrm>
-          </p:grpSpPr>
-          <p:pic>
-            <p:nvPicPr>
-              <p:cNvPr id="49" name="Picture 48" descr="A close up of a mans face&#10;&#10;Description automatically generated">
-                <a:extLst>
-                  <a:ext uri="{FF2B5EF4-FFF2-40B4-BE49-F238E27FC236}">
-                    <a16:creationId xmlns:a16="http://schemas.microsoft.com/office/drawing/2014/main" id="{32D2C511-A387-4025-86EA-DB5B0181FD54}"/>
-                  </a:ext>
-                </a:extLst>
-              </p:cNvPr>
-              <p:cNvPicPr>
-                <a:picLocks noChangeAspect="1"/>
-              </p:cNvPicPr>
-              <p:nvPr/>
-            </p:nvPicPr>
-            <p:blipFill>
-              <a:blip r:embed="rId13">
-                <a:extLst>
-                  <a:ext uri="{28A0092B-C50C-407E-A947-70E740481C1C}">
-                    <a14:useLocalDpi xmlns:a14="http://schemas.microsoft.com/office/drawing/2010/main" val="0"/>
-                  </a:ext>
-                </a:extLst>
-              </a:blip>
-              <a:stretch>
-                <a:fillRect/>
-              </a:stretch>
-            </p:blipFill>
-            <p:spPr>
-              <a:xfrm>
-                <a:off x="17740811" y="23646433"/>
-                <a:ext cx="5852172" cy="4389129"/>
-              </a:xfrm>
-              <a:prstGeom prst="rect">
-                <a:avLst/>
-              </a:prstGeom>
-            </p:spPr>
-          </p:pic>
-          <p:pic>
-            <p:nvPicPr>
-              <p:cNvPr id="50" name="Picture 49" descr="A picture containing crossword puzzle&#10;&#10;Description automatically generated">
-                <a:extLst>
-                  <a:ext uri="{FF2B5EF4-FFF2-40B4-BE49-F238E27FC236}">
-                    <a16:creationId xmlns:a16="http://schemas.microsoft.com/office/drawing/2014/main" id="{CD72D629-02A7-45B8-A561-8916419CA9C3}"/>
-                  </a:ext>
-                </a:extLst>
-              </p:cNvPr>
-              <p:cNvPicPr>
-                <a:picLocks noChangeAspect="1"/>
-              </p:cNvPicPr>
-              <p:nvPr/>
-            </p:nvPicPr>
-            <p:blipFill>
-              <a:blip r:embed="rId14">
-                <a:extLst>
-                  <a:ext uri="{28A0092B-C50C-407E-A947-70E740481C1C}">
-                    <a14:useLocalDpi xmlns:a14="http://schemas.microsoft.com/office/drawing/2010/main" val="0"/>
-                  </a:ext>
-                </a:extLst>
-              </a:blip>
-              <a:stretch>
-                <a:fillRect/>
-              </a:stretch>
-            </p:blipFill>
-            <p:spPr>
-              <a:xfrm>
-                <a:off x="12572901" y="23646434"/>
-                <a:ext cx="5852172" cy="4389129"/>
-              </a:xfrm>
-              <a:prstGeom prst="rect">
-                <a:avLst/>
-              </a:prstGeom>
-            </p:spPr>
-          </p:pic>
-          <p:pic>
-            <p:nvPicPr>
-              <p:cNvPr id="51" name="Picture 50" descr="A close up of a logo&#10;&#10;Description automatically generated">
-                <a:extLst>
-                  <a:ext uri="{FF2B5EF4-FFF2-40B4-BE49-F238E27FC236}">
-                    <a16:creationId xmlns:a16="http://schemas.microsoft.com/office/drawing/2014/main" id="{851CCF99-BF61-4C42-B20B-EE71645C9F91}"/>
-                  </a:ext>
-                </a:extLst>
-              </p:cNvPr>
-              <p:cNvPicPr>
-                <a:picLocks noChangeAspect="1"/>
-              </p:cNvPicPr>
-              <p:nvPr/>
-            </p:nvPicPr>
-            <p:blipFill>
-              <a:blip r:embed="rId15">
-                <a:extLst>
-                  <a:ext uri="{28A0092B-C50C-407E-A947-70E740481C1C}">
-                    <a14:useLocalDpi xmlns:a14="http://schemas.microsoft.com/office/drawing/2010/main" val="0"/>
-                  </a:ext>
-                </a:extLst>
-              </a:blip>
-              <a:stretch>
-                <a:fillRect/>
-              </a:stretch>
-            </p:blipFill>
-            <p:spPr>
-              <a:xfrm>
-                <a:off x="7421386" y="23652368"/>
-                <a:ext cx="5852172" cy="4389129"/>
-              </a:xfrm>
-              <a:prstGeom prst="rect">
-                <a:avLst/>
-              </a:prstGeom>
-            </p:spPr>
-          </p:pic>
-        </p:grpSp>
-        <p:sp>
-          <p:nvSpPr>
-            <p:cNvPr id="48" name="TextBox 47">
-              <a:extLst>
-                <a:ext uri="{FF2B5EF4-FFF2-40B4-BE49-F238E27FC236}">
-                  <a16:creationId xmlns:a16="http://schemas.microsoft.com/office/drawing/2014/main" id="{637C6D92-7606-4F84-8C01-1A37926C07EB}"/>
-                </a:ext>
-              </a:extLst>
-            </p:cNvPr>
-            <p:cNvSpPr txBox="1"/>
-            <p:nvPr/>
-          </p:nvSpPr>
-          <p:spPr>
-            <a:xfrm>
-              <a:off x="11447635" y="26953911"/>
-              <a:ext cx="9504018" cy="1938992"/>
-            </a:xfrm>
-            <a:prstGeom prst="rect">
-              <a:avLst/>
-            </a:prstGeom>
-            <a:noFill/>
-          </p:spPr>
-          <p:txBody>
-            <a:bodyPr wrap="square" rtlCol="0">
-              <a:spAutoFit/>
-            </a:bodyPr>
-            <a:lstStyle/>
-            <a:p>
-              <a:pPr algn="ctr"/>
-              <a:r>
-                <a:rPr lang="en-US" sz="3000" b="1" dirty="0">
-                  <a:solidFill>
-                    <a:srgbClr val="4A929C"/>
-                  </a:solidFill>
-                </a:rPr>
-                <a:t>Figure 3:</a:t>
-              </a:r>
-              <a:r>
-                <a:rPr lang="en-US" sz="3000" dirty="0"/>
-                <a:t> Sample of the encrypted images (permutated and </a:t>
-              </a:r>
-              <a:r>
-                <a:rPr lang="en-US" sz="3000" dirty="0" err="1"/>
-                <a:t>aes</a:t>
-              </a:r>
-              <a:r>
-                <a:rPr lang="en-US" sz="3000" dirty="0"/>
-                <a:t>-ctr). Interesting to see how for the human eyes it’s impossible to distinguish between various classes but a DNN model classifies quite well, see figure 5 for accuracies</a:t>
-              </a:r>
-              <a:endParaRPr lang="en-US" sz="3000" b="1" dirty="0"/>
-            </a:p>
-          </p:txBody>
-        </p:sp>
-      </p:grpSp>
-      <p:grpSp>
-        <p:nvGrpSpPr>
           <p:cNvPr id="52" name="Group 51">
             <a:extLst>
               <a:ext uri="{FF2B5EF4-FFF2-40B4-BE49-F238E27FC236}">
-                <a16:creationId xmlns:a16="http://schemas.microsoft.com/office/drawing/2014/main" id="{EB0912F7-8B3A-4AAC-AA96-728E3C48058F}"/>
+                <a16:creationId xmlns:a16="http://schemas.microsoft.com/office/drawing/2014/main" xmlns="" id="{EB0912F7-8B3A-4AAC-AA96-728E3C48058F}"/>
               </a:ext>
             </a:extLst>
           </p:cNvPr>
@@ -5499,7 +5295,7 @@
             <p:cNvPr id="53" name="Picture 52" descr="A screenshot of a cell phone&#10;&#10;Description automatically generated">
               <a:extLst>
                 <a:ext uri="{FF2B5EF4-FFF2-40B4-BE49-F238E27FC236}">
-                  <a16:creationId xmlns:a16="http://schemas.microsoft.com/office/drawing/2014/main" id="{6A2908E3-7247-4725-8E43-49AB065CB409}"/>
+                  <a16:creationId xmlns:a16="http://schemas.microsoft.com/office/drawing/2014/main" xmlns="" id="{6A2908E3-7247-4725-8E43-49AB065CB409}"/>
                 </a:ext>
               </a:extLst>
             </p:cNvPr>
@@ -5509,7 +5305,7 @@
             <p:nvPr/>
           </p:nvPicPr>
           <p:blipFill>
-            <a:blip r:embed="rId16">
+            <a:blip r:embed="rId13">
               <a:extLst>
                 <a:ext uri="{28A0092B-C50C-407E-A947-70E740481C1C}">
                   <a14:useLocalDpi xmlns:a14="http://schemas.microsoft.com/office/drawing/2010/main" val="0"/>
@@ -5535,7 +5331,7 @@
             <p:cNvPr id="54" name="Picture 53" descr="A screenshot of a cell phone&#10;&#10;Description automatically generated">
               <a:extLst>
                 <a:ext uri="{FF2B5EF4-FFF2-40B4-BE49-F238E27FC236}">
-                  <a16:creationId xmlns:a16="http://schemas.microsoft.com/office/drawing/2014/main" id="{D990B65E-456D-4494-9154-DB49D9FAD3C5}"/>
+                  <a16:creationId xmlns:a16="http://schemas.microsoft.com/office/drawing/2014/main" xmlns="" id="{D990B65E-456D-4494-9154-DB49D9FAD3C5}"/>
                 </a:ext>
               </a:extLst>
             </p:cNvPr>
@@ -5545,7 +5341,7 @@
             <p:nvPr/>
           </p:nvPicPr>
           <p:blipFill>
-            <a:blip r:embed="rId17">
+            <a:blip r:embed="rId14">
               <a:extLst>
                 <a:ext uri="{28A0092B-C50C-407E-A947-70E740481C1C}">
                   <a14:useLocalDpi xmlns:a14="http://schemas.microsoft.com/office/drawing/2010/main" val="0"/>
@@ -5571,7 +5367,7 @@
             <p:cNvPr id="55" name="TextBox 54">
               <a:extLst>
                 <a:ext uri="{FF2B5EF4-FFF2-40B4-BE49-F238E27FC236}">
-                  <a16:creationId xmlns:a16="http://schemas.microsoft.com/office/drawing/2014/main" id="{0220DA71-9439-428E-ACE0-C0136A19093E}"/>
+                  <a16:creationId xmlns:a16="http://schemas.microsoft.com/office/drawing/2014/main" xmlns="" id="{0220DA71-9439-428E-ACE0-C0136A19093E}"/>
                 </a:ext>
               </a:extLst>
             </p:cNvPr>
@@ -5624,7 +5420,7 @@
           <p:cNvPr id="56" name="Group 55">
             <a:extLst>
               <a:ext uri="{FF2B5EF4-FFF2-40B4-BE49-F238E27FC236}">
-                <a16:creationId xmlns:a16="http://schemas.microsoft.com/office/drawing/2014/main" id="{41514877-7A55-49CB-A4FB-A2AE2DEDCE5F}"/>
+                <a16:creationId xmlns:a16="http://schemas.microsoft.com/office/drawing/2014/main" xmlns="" id="{41514877-7A55-49CB-A4FB-A2AE2DEDCE5F}"/>
               </a:ext>
             </a:extLst>
           </p:cNvPr>
@@ -5644,7 +5440,7 @@
             <p:cNvPr id="57" name="Picture 56" descr="A screenshot of a cell phone&#10;&#10;Description automatically generated">
               <a:extLst>
                 <a:ext uri="{FF2B5EF4-FFF2-40B4-BE49-F238E27FC236}">
-                  <a16:creationId xmlns:a16="http://schemas.microsoft.com/office/drawing/2014/main" id="{496D2D3E-80C1-478A-ABCC-63E9EA54D44B}"/>
+                  <a16:creationId xmlns:a16="http://schemas.microsoft.com/office/drawing/2014/main" xmlns="" id="{496D2D3E-80C1-478A-ABCC-63E9EA54D44B}"/>
                 </a:ext>
               </a:extLst>
             </p:cNvPr>
@@ -5654,7 +5450,7 @@
             <p:nvPr/>
           </p:nvPicPr>
           <p:blipFill>
-            <a:blip r:embed="rId18">
+            <a:blip r:embed="rId15">
               <a:extLst>
                 <a:ext uri="{28A0092B-C50C-407E-A947-70E740481C1C}">
                   <a14:useLocalDpi xmlns:a14="http://schemas.microsoft.com/office/drawing/2010/main" val="0"/>
@@ -5680,7 +5476,7 @@
             <p:cNvPr id="58" name="TextBox 57">
               <a:extLst>
                 <a:ext uri="{FF2B5EF4-FFF2-40B4-BE49-F238E27FC236}">
-                  <a16:creationId xmlns:a16="http://schemas.microsoft.com/office/drawing/2014/main" id="{1ED11102-FED3-4699-B8AB-02B061BBA364}"/>
+                  <a16:creationId xmlns:a16="http://schemas.microsoft.com/office/drawing/2014/main" xmlns="" id="{1ED11102-FED3-4699-B8AB-02B061BBA364}"/>
                 </a:ext>
               </a:extLst>
             </p:cNvPr>
@@ -5728,12 +5524,1552 @@
           </p:txBody>
         </p:sp>
       </p:grpSp>
+      <p:grpSp>
+        <p:nvGrpSpPr>
+          <p:cNvPr id="63" name="Group 62"/>
+          <p:cNvGrpSpPr/>
+          <p:nvPr/>
+        </p:nvGrpSpPr>
+        <p:grpSpPr>
+          <a:xfrm>
+            <a:off x="10360762" y="23839323"/>
+            <a:ext cx="11775842" cy="5053580"/>
+            <a:chOff x="10360762" y="23839323"/>
+            <a:chExt cx="11775842" cy="5053580"/>
+          </a:xfrm>
+        </p:grpSpPr>
+        <p:grpSp>
+          <p:nvGrpSpPr>
+            <p:cNvPr id="62" name="Group 61"/>
+            <p:cNvGrpSpPr/>
+            <p:nvPr/>
+          </p:nvGrpSpPr>
+          <p:grpSpPr>
+            <a:xfrm>
+              <a:off x="10360762" y="23839323"/>
+              <a:ext cx="11775842" cy="5053580"/>
+              <a:chOff x="10360762" y="23839323"/>
+              <a:chExt cx="11775842" cy="5053580"/>
+            </a:xfrm>
+          </p:grpSpPr>
+          <p:grpSp>
+            <p:nvGrpSpPr>
+              <p:cNvPr id="3" name="Group 2"/>
+              <p:cNvGrpSpPr/>
+              <p:nvPr/>
+            </p:nvGrpSpPr>
+            <p:grpSpPr>
+              <a:xfrm>
+                <a:off x="10360762" y="23839323"/>
+                <a:ext cx="11775842" cy="5053580"/>
+                <a:chOff x="10360762" y="23839323"/>
+                <a:chExt cx="11775842" cy="5053580"/>
+              </a:xfrm>
+            </p:grpSpPr>
+            <p:grpSp>
+              <p:nvGrpSpPr>
+                <p:cNvPr id="46" name="Group 45">
+                  <a:extLst>
+                    <a:ext uri="{FF2B5EF4-FFF2-40B4-BE49-F238E27FC236}">
+                      <a16:creationId xmlns:a16="http://schemas.microsoft.com/office/drawing/2014/main" xmlns="" id="{24ED838A-64AB-48D2-8E80-0C822A9BD5F5}"/>
+                    </a:ext>
+                  </a:extLst>
+                </p:cNvPr>
+                <p:cNvGrpSpPr/>
+                <p:nvPr/>
+              </p:nvGrpSpPr>
+              <p:grpSpPr>
+                <a:xfrm>
+                  <a:off x="10360762" y="23895961"/>
+                  <a:ext cx="11775842" cy="4996942"/>
+                  <a:chOff x="10360762" y="23895961"/>
+                  <a:chExt cx="11775842" cy="4996942"/>
+                </a:xfrm>
+              </p:grpSpPr>
+              <p:grpSp>
+                <p:nvGrpSpPr>
+                  <p:cNvPr id="47" name="Group 46">
+                    <a:extLst>
+                      <a:ext uri="{FF2B5EF4-FFF2-40B4-BE49-F238E27FC236}">
+                        <a16:creationId xmlns:a16="http://schemas.microsoft.com/office/drawing/2014/main" xmlns="" id="{F0B6B916-47D4-47D7-8707-42B3D2DF5719}"/>
+                      </a:ext>
+                    </a:extLst>
+                  </p:cNvPr>
+                  <p:cNvGrpSpPr>
+                    <a:grpSpLocks noChangeAspect="1"/>
+                  </p:cNvGrpSpPr>
+                  <p:nvPr/>
+                </p:nvGrpSpPr>
+                <p:grpSpPr>
+                  <a:xfrm>
+                    <a:off x="10360762" y="23895961"/>
+                    <a:ext cx="11775842" cy="3200400"/>
+                    <a:chOff x="7421386" y="23646433"/>
+                    <a:chExt cx="16171597" cy="4395064"/>
+                  </a:xfrm>
+                </p:grpSpPr>
+                <p:pic>
+                  <p:nvPicPr>
+                    <p:cNvPr id="49" name="Picture 48" descr="A close up of a mans face&#10;&#10;Description automatically generated">
+                      <a:extLst>
+                        <a:ext uri="{FF2B5EF4-FFF2-40B4-BE49-F238E27FC236}">
+                          <a16:creationId xmlns:a16="http://schemas.microsoft.com/office/drawing/2014/main" xmlns="" id="{32D2C511-A387-4025-86EA-DB5B0181FD54}"/>
+                        </a:ext>
+                      </a:extLst>
+                    </p:cNvPr>
+                    <p:cNvPicPr>
+                      <a:picLocks noChangeAspect="1"/>
+                    </p:cNvPicPr>
+                    <p:nvPr/>
+                  </p:nvPicPr>
+                  <p:blipFill>
+                    <a:blip r:embed="rId16">
+                      <a:extLst>
+                        <a:ext uri="{28A0092B-C50C-407E-A947-70E740481C1C}">
+                          <a14:useLocalDpi xmlns:a14="http://schemas.microsoft.com/office/drawing/2010/main" val="0"/>
+                        </a:ext>
+                      </a:extLst>
+                    </a:blip>
+                    <a:stretch>
+                      <a:fillRect/>
+                    </a:stretch>
+                  </p:blipFill>
+                  <p:spPr>
+                    <a:xfrm>
+                      <a:off x="17740811" y="23646433"/>
+                      <a:ext cx="5852172" cy="4389129"/>
+                    </a:xfrm>
+                    <a:prstGeom prst="rect">
+                      <a:avLst/>
+                    </a:prstGeom>
+                  </p:spPr>
+                </p:pic>
+                <p:pic>
+                  <p:nvPicPr>
+                    <p:cNvPr id="50" name="Picture 49" descr="A picture containing crossword puzzle&#10;&#10;Description automatically generated">
+                      <a:extLst>
+                        <a:ext uri="{FF2B5EF4-FFF2-40B4-BE49-F238E27FC236}">
+                          <a16:creationId xmlns:a16="http://schemas.microsoft.com/office/drawing/2014/main" xmlns="" id="{CD72D629-02A7-45B8-A561-8916419CA9C3}"/>
+                        </a:ext>
+                      </a:extLst>
+                    </p:cNvPr>
+                    <p:cNvPicPr>
+                      <a:picLocks noChangeAspect="1"/>
+                    </p:cNvPicPr>
+                    <p:nvPr/>
+                  </p:nvPicPr>
+                  <p:blipFill>
+                    <a:blip r:embed="rId17">
+                      <a:extLst>
+                        <a:ext uri="{28A0092B-C50C-407E-A947-70E740481C1C}">
+                          <a14:useLocalDpi xmlns:a14="http://schemas.microsoft.com/office/drawing/2010/main" val="0"/>
+                        </a:ext>
+                      </a:extLst>
+                    </a:blip>
+                    <a:stretch>
+                      <a:fillRect/>
+                    </a:stretch>
+                  </p:blipFill>
+                  <p:spPr>
+                    <a:xfrm>
+                      <a:off x="12572901" y="23646434"/>
+                      <a:ext cx="5852172" cy="4389129"/>
+                    </a:xfrm>
+                    <a:prstGeom prst="rect">
+                      <a:avLst/>
+                    </a:prstGeom>
+                  </p:spPr>
+                </p:pic>
+                <p:pic>
+                  <p:nvPicPr>
+                    <p:cNvPr id="51" name="Picture 50" descr="A close up of a logo&#10;&#10;Description automatically generated">
+                      <a:extLst>
+                        <a:ext uri="{FF2B5EF4-FFF2-40B4-BE49-F238E27FC236}">
+                          <a16:creationId xmlns:a16="http://schemas.microsoft.com/office/drawing/2014/main" xmlns="" id="{851CCF99-BF61-4C42-B20B-EE71645C9F91}"/>
+                        </a:ext>
+                      </a:extLst>
+                    </p:cNvPr>
+                    <p:cNvPicPr>
+                      <a:picLocks noChangeAspect="1"/>
+                    </p:cNvPicPr>
+                    <p:nvPr/>
+                  </p:nvPicPr>
+                  <p:blipFill>
+                    <a:blip r:embed="rId18">
+                      <a:extLst>
+                        <a:ext uri="{28A0092B-C50C-407E-A947-70E740481C1C}">
+                          <a14:useLocalDpi xmlns:a14="http://schemas.microsoft.com/office/drawing/2010/main" val="0"/>
+                        </a:ext>
+                      </a:extLst>
+                    </a:blip>
+                    <a:stretch>
+                      <a:fillRect/>
+                    </a:stretch>
+                  </p:blipFill>
+                  <p:spPr>
+                    <a:xfrm>
+                      <a:off x="7421386" y="23652368"/>
+                      <a:ext cx="5852172" cy="4389129"/>
+                    </a:xfrm>
+                    <a:prstGeom prst="rect">
+                      <a:avLst/>
+                    </a:prstGeom>
+                  </p:spPr>
+                </p:pic>
+              </p:grpSp>
+              <p:sp>
+                <p:nvSpPr>
+                  <p:cNvPr id="48" name="TextBox 47">
+                    <a:extLst>
+                      <a:ext uri="{FF2B5EF4-FFF2-40B4-BE49-F238E27FC236}">
+                        <a16:creationId xmlns:a16="http://schemas.microsoft.com/office/drawing/2014/main" xmlns="" id="{637C6D92-7606-4F84-8C01-1A37926C07EB}"/>
+                      </a:ext>
+                    </a:extLst>
+                  </p:cNvPr>
+                  <p:cNvSpPr txBox="1"/>
+                  <p:nvPr/>
+                </p:nvSpPr>
+                <p:spPr>
+                  <a:xfrm>
+                    <a:off x="11447635" y="26953911"/>
+                    <a:ext cx="9504018" cy="1938992"/>
+                  </a:xfrm>
+                  <a:prstGeom prst="rect">
+                    <a:avLst/>
+                  </a:prstGeom>
+                  <a:noFill/>
+                </p:spPr>
+                <p:txBody>
+                  <a:bodyPr wrap="square" rtlCol="0">
+                    <a:spAutoFit/>
+                  </a:bodyPr>
+                  <a:lstStyle/>
+                  <a:p>
+                    <a:pPr algn="ctr"/>
+                    <a:r>
+                      <a:rPr lang="en-US" sz="3000" b="1" dirty="0">
+                        <a:solidFill>
+                          <a:srgbClr val="4A929C"/>
+                        </a:solidFill>
+                      </a:rPr>
+                      <a:t>Figure 3:</a:t>
+                    </a:r>
+                    <a:r>
+                      <a:rPr lang="en-US" sz="3000" dirty="0"/>
+                      <a:t> Sample of the encrypted images (permutated and </a:t>
+                    </a:r>
+                    <a:r>
+                      <a:rPr lang="en-US" sz="3000" dirty="0" err="1"/>
+                      <a:t>aes</a:t>
+                    </a:r>
+                    <a:r>
+                      <a:rPr lang="en-US" sz="3000" dirty="0"/>
+                      <a:t>-ctr). Interesting to see how for the human eyes it’s impossible to distinguish between various classes but a DNN model classifies quite well, see figure 5 for accuracies</a:t>
+                    </a:r>
+                    <a:endParaRPr lang="en-US" sz="3000" b="1" dirty="0"/>
+                  </a:p>
+                </p:txBody>
+              </p:sp>
+            </p:grpSp>
+            <p:sp>
+              <p:nvSpPr>
+                <p:cNvPr id="2" name="TextBox 1">
+                  <a:extLst>
+                    <a:ext uri="{FF2B5EF4-FFF2-40B4-BE49-F238E27FC236}">
+                      <a16:creationId xmlns:a16="http://schemas.microsoft.com/office/drawing/2014/main" xmlns="" id="{14050F8D-7522-4453-A178-2ACCC1521BC9}"/>
+                    </a:ext>
+                  </a:extLst>
+                </p:cNvPr>
+                <p:cNvSpPr txBox="1"/>
+                <p:nvPr/>
+              </p:nvSpPr>
+              <p:spPr>
+                <a:xfrm>
+                  <a:off x="11707831" y="23839323"/>
+                  <a:ext cx="1567300" cy="400110"/>
+                </a:xfrm>
+                <a:prstGeom prst="rect">
+                  <a:avLst/>
+                </a:prstGeom>
+                <a:solidFill>
+                  <a:schemeClr val="bg1"/>
+                </a:solidFill>
+              </p:spPr>
+              <p:txBody>
+                <a:bodyPr wrap="square" rtlCol="0">
+                  <a:spAutoFit/>
+                </a:bodyPr>
+                <a:lstStyle/>
+                <a:p>
+                  <a:pPr algn="ctr"/>
+                  <a:r>
+                    <a:rPr lang="en-US" sz="2000" b="1" dirty="0">
+                      <a:solidFill>
+                        <a:srgbClr val="4A929C"/>
+                      </a:solidFill>
+                    </a:rPr>
+                    <a:t>original</a:t>
+                  </a:r>
+                </a:p>
+              </p:txBody>
+            </p:sp>
+          </p:grpSp>
+          <p:sp>
+            <p:nvSpPr>
+              <p:cNvPr id="60" name="TextBox 59">
+                <a:extLst>
+                  <a:ext uri="{FF2B5EF4-FFF2-40B4-BE49-F238E27FC236}">
+                    <a16:creationId xmlns:a16="http://schemas.microsoft.com/office/drawing/2014/main" xmlns="" id="{AEBC7705-6EA4-49D9-A532-D244300FA6C8}"/>
+                  </a:ext>
+                </a:extLst>
+              </p:cNvPr>
+              <p:cNvSpPr txBox="1"/>
+              <p:nvPr/>
+            </p:nvSpPr>
+            <p:spPr>
+              <a:xfrm>
+                <a:off x="15537237" y="23839323"/>
+                <a:ext cx="1567300" cy="400110"/>
+              </a:xfrm>
+              <a:prstGeom prst="rect">
+                <a:avLst/>
+              </a:prstGeom>
+              <a:solidFill>
+                <a:schemeClr val="bg1"/>
+              </a:solidFill>
+            </p:spPr>
+            <p:txBody>
+              <a:bodyPr wrap="square" rtlCol="0">
+                <a:spAutoFit/>
+              </a:bodyPr>
+              <a:lstStyle/>
+              <a:p>
+                <a:pPr algn="ctr"/>
+                <a:r>
+                  <a:rPr lang="en-US" sz="2000" b="1" dirty="0">
+                    <a:solidFill>
+                      <a:srgbClr val="4A929C"/>
+                    </a:solidFill>
+                  </a:rPr>
+                  <a:t>permutated</a:t>
+                </a:r>
+              </a:p>
+            </p:txBody>
+          </p:sp>
+        </p:grpSp>
+        <p:sp>
+          <p:nvSpPr>
+            <p:cNvPr id="61" name="TextBox 60">
+              <a:extLst>
+                <a:ext uri="{FF2B5EF4-FFF2-40B4-BE49-F238E27FC236}">
+                  <a16:creationId xmlns:a16="http://schemas.microsoft.com/office/drawing/2014/main" xmlns="" id="{DDC48DBD-CFA5-4ADE-94C9-D1A3CF3159C9}"/>
+                </a:ext>
+              </a:extLst>
+            </p:cNvPr>
+            <p:cNvSpPr txBox="1"/>
+            <p:nvPr/>
+          </p:nvSpPr>
+          <p:spPr>
+            <a:xfrm>
+              <a:off x="19288470" y="23839323"/>
+              <a:ext cx="1567300" cy="400110"/>
+            </a:xfrm>
+            <a:prstGeom prst="rect">
+              <a:avLst/>
+            </a:prstGeom>
+            <a:solidFill>
+              <a:schemeClr val="bg1"/>
+            </a:solidFill>
+          </p:spPr>
+          <p:txBody>
+            <a:bodyPr wrap="square" rtlCol="0">
+              <a:spAutoFit/>
+            </a:bodyPr>
+            <a:lstStyle/>
+            <a:p>
+              <a:pPr algn="ctr"/>
+              <a:r>
+                <a:rPr lang="en-US" sz="2000" b="1" dirty="0">
+                  <a:solidFill>
+                    <a:srgbClr val="4A929C"/>
+                  </a:solidFill>
+                </a:rPr>
+                <a:t>ctr</a:t>
+              </a:r>
+            </a:p>
+          </p:txBody>
+        </p:sp>
+      </p:grpSp>
       <p:sp>
         <p:nvSpPr>
-          <p:cNvPr id="2" name="TextBox 1">
+          <p:cNvPr id="64" name="Footer Placeholder 63" hidden="1"/>
+          <p:cNvSpPr>
+            <a:spLocks noGrp="1"/>
+          </p:cNvSpPr>
+          <p:nvPr>
+            <p:ph type="ftr" sz="quarter" idx="11"/>
+          </p:nvPr>
+        </p:nvSpPr>
+        <p:spPr/>
+        <p:txBody>
+          <a:bodyPr/>
+          <a:lstStyle/>
+          <a:p>
+            <a:endParaRPr lang="en-US"/>
+          </a:p>
+        </p:txBody>
+      </p:sp>
+      <p:sp>
+        <p:nvSpPr>
+          <p:cNvPr id="65" name="Date Placeholder 64" hidden="1"/>
+          <p:cNvSpPr>
+            <a:spLocks noGrp="1"/>
+          </p:cNvSpPr>
+          <p:nvPr>
+            <p:ph type="dt" sz="half" idx="10"/>
+          </p:nvPr>
+        </p:nvSpPr>
+        <p:spPr/>
+        <p:txBody>
+          <a:bodyPr/>
+          <a:lstStyle/>
+          <a:p>
+            <a:endParaRPr lang="en-US"/>
+          </a:p>
+        </p:txBody>
+      </p:sp>
+    </p:spTree>
+    <p:extLst>
+      <p:ext uri="{BB962C8B-B14F-4D97-AF65-F5344CB8AC3E}">
+        <p14:creationId xmlns:p14="http://schemas.microsoft.com/office/powerpoint/2010/main" val="2310199070"/>
+      </p:ext>
+    </p:extLst>
+  </p:cSld>
+  <p:clrMapOvr>
+    <a:masterClrMapping/>
+  </p:clrMapOvr>
+</p:sld>
+</file>
+
+<file path=ppt/slides/slide2.xml><?xml version="1.0" encoding="utf-8"?>
+<p:sld xmlns:a="http://schemas.openxmlformats.org/drawingml/2006/main" xmlns:r="http://schemas.openxmlformats.org/officeDocument/2006/relationships" xmlns:p="http://schemas.openxmlformats.org/presentationml/2006/main">
+  <p:cSld>
+    <p:spTree>
+      <p:nvGrpSpPr>
+        <p:cNvPr id="1" name=""/>
+        <p:cNvGrpSpPr/>
+        <p:nvPr/>
+      </p:nvGrpSpPr>
+      <p:grpSpPr>
+        <a:xfrm>
+          <a:off x="0" y="0"/>
+          <a:ext cx="0" cy="0"/>
+          <a:chOff x="0" y="0"/>
+          <a:chExt cx="0" cy="0"/>
+        </a:xfrm>
+      </p:grpSpPr>
+      <p:pic>
+        <p:nvPicPr>
+          <p:cNvPr id="4" name="Picture 3">
             <a:extLst>
               <a:ext uri="{FF2B5EF4-FFF2-40B4-BE49-F238E27FC236}">
-                <a16:creationId xmlns:a16="http://schemas.microsoft.com/office/drawing/2014/main" id="{14050F8D-7522-4453-A178-2ACCC1521BC9}"/>
+                <a16:creationId xmlns:a16="http://schemas.microsoft.com/office/drawing/2014/main" xmlns="" id="{EB464702-8EF6-44EC-81DE-05D51CFE7C03}"/>
+              </a:ext>
+            </a:extLst>
+          </p:cNvPr>
+          <p:cNvPicPr>
+            <a:picLocks noChangeAspect="1"/>
+          </p:cNvPicPr>
+          <p:nvPr/>
+        </p:nvPicPr>
+        <p:blipFill>
+          <a:blip r:embed="rId2">
+            <a:extLst>
+              <a:ext uri="{28A0092B-C50C-407E-A947-70E740481C1C}">
+                <a14:useLocalDpi xmlns:a14="http://schemas.microsoft.com/office/drawing/2010/main" val="0"/>
+              </a:ext>
+            </a:extLst>
+          </a:blip>
+          <a:stretch>
+            <a:fillRect/>
+          </a:stretch>
+        </p:blipFill>
+        <p:spPr>
+          <a:xfrm>
+            <a:off x="-20054" y="0"/>
+            <a:ext cx="32400762" cy="43200000"/>
+          </a:xfrm>
+          <a:prstGeom prst="rect">
+            <a:avLst/>
+          </a:prstGeom>
+        </p:spPr>
+      </p:pic>
+      <p:grpSp>
+        <p:nvGrpSpPr>
+          <p:cNvPr id="5" name="Group 4">
+            <a:extLst>
+              <a:ext uri="{FF2B5EF4-FFF2-40B4-BE49-F238E27FC236}">
+                <a16:creationId xmlns:a16="http://schemas.microsoft.com/office/drawing/2014/main" xmlns="" id="{3DBFDD73-DA09-4DE4-A1B4-6995342975E6}"/>
+              </a:ext>
+            </a:extLst>
+          </p:cNvPr>
+          <p:cNvGrpSpPr/>
+          <p:nvPr/>
+        </p:nvGrpSpPr>
+        <p:grpSpPr>
+          <a:xfrm>
+            <a:off x="8963218" y="16368803"/>
+            <a:ext cx="5943600" cy="4788924"/>
+            <a:chOff x="0" y="1"/>
+            <a:chExt cx="2936623" cy="1350712"/>
+          </a:xfrm>
+        </p:grpSpPr>
+        <p:sp>
+          <p:nvSpPr>
+            <p:cNvPr id="6" name="תיבת טקסט 18">
+              <a:extLst>
+                <a:ext uri="{FF2B5EF4-FFF2-40B4-BE49-F238E27FC236}">
+                  <a16:creationId xmlns:a16="http://schemas.microsoft.com/office/drawing/2014/main" xmlns="" id="{11E2C8DF-6C7E-459A-8C80-AD77732EC608}"/>
+                </a:ext>
+              </a:extLst>
+            </p:cNvPr>
+            <p:cNvSpPr txBox="1"/>
+            <p:nvPr/>
+          </p:nvSpPr>
+          <p:spPr>
+            <a:xfrm>
+              <a:off x="5854" y="242463"/>
+              <a:ext cx="2930769" cy="1108250"/>
+            </a:xfrm>
+            <a:prstGeom prst="rect">
+              <a:avLst/>
+            </a:prstGeom>
+            <a:noFill/>
+            <a:ln w="25400" cap="flat" cmpd="sng" algn="ctr">
+              <a:noFill/>
+              <a:prstDash val="solid"/>
+            </a:ln>
+            <a:effectLst/>
+          </p:spPr>
+          <p:txBody>
+            <a:bodyPr rot="0" spcFirstLastPara="0" vert="horz" wrap="square" lIns="91440" tIns="45720" rIns="91440" bIns="45720" numCol="1" spcCol="0" rtlCol="1" fromWordArt="0" anchor="t" anchorCtr="0" forceAA="0" compatLnSpc="1">
+              <a:prstTxWarp prst="textNoShape">
+                <a:avLst/>
+              </a:prstTxWarp>
+              <a:noAutofit/>
+            </a:bodyPr>
+            <a:lstStyle/>
+            <a:p>
+              <a:pPr marL="0" marR="0" algn="l" rtl="0">
+                <a:spcBef>
+                  <a:spcPts val="0"/>
+                </a:spcBef>
+                <a:spcAft>
+                  <a:spcPts val="0"/>
+                </a:spcAft>
+              </a:pPr>
+              <a:r>
+                <a:rPr lang="en-US" sz="3000" dirty="0" smtClean="0">
+                  <a:effectLst/>
+                  <a:latin typeface="Calibri" panose="020F0502020204030204" pitchFamily="34" charset="0"/>
+                  <a:ea typeface="Calibri" panose="020F0502020204030204" pitchFamily="34" charset="0"/>
+                  <a:cs typeface="Arial" panose="020B0604020202020204" pitchFamily="34" charset="0"/>
+                </a:rPr>
+                <a:t>Our approach:</a:t>
+              </a:r>
+              <a:r>
+                <a:rPr lang="en-US" sz="3000" dirty="0">
+                  <a:latin typeface="Calibri" panose="020F0502020204030204" pitchFamily="34" charset="0"/>
+                  <a:ea typeface="Calibri" panose="020F0502020204030204" pitchFamily="34" charset="0"/>
+                  <a:cs typeface="Arial" panose="020B0604020202020204" pitchFamily="34" charset="0"/>
+                </a:rPr>
+                <a:t> </a:t>
+              </a:r>
+              <a:r>
+                <a:rPr lang="en-US" sz="3000" dirty="0" smtClean="0">
+                  <a:effectLst/>
+                  <a:latin typeface="Calibri" panose="020F0502020204030204" pitchFamily="34" charset="0"/>
+                  <a:ea typeface="Calibri" panose="020F0502020204030204" pitchFamily="34" charset="0"/>
+                  <a:cs typeface="Arial" panose="020B0604020202020204" pitchFamily="34" charset="0"/>
+                </a:rPr>
+                <a:t>training </a:t>
+              </a:r>
+              <a:r>
+                <a:rPr lang="en-US" sz="3000" dirty="0">
+                  <a:effectLst/>
+                  <a:latin typeface="Calibri" panose="020F0502020204030204" pitchFamily="34" charset="0"/>
+                  <a:ea typeface="Calibri" panose="020F0502020204030204" pitchFamily="34" charset="0"/>
+                  <a:cs typeface="Arial" panose="020B0604020202020204" pitchFamily="34" charset="0"/>
+                </a:rPr>
+                <a:t>models on </a:t>
+              </a:r>
+              <a:r>
+                <a:rPr lang="en-US" sz="3000" dirty="0" smtClean="0">
+                  <a:effectLst/>
+                  <a:latin typeface="Calibri" panose="020F0502020204030204" pitchFamily="34" charset="0"/>
+                  <a:ea typeface="Calibri" panose="020F0502020204030204" pitchFamily="34" charset="0"/>
+                  <a:cs typeface="Arial" panose="020B0604020202020204" pitchFamily="34" charset="0"/>
+                </a:rPr>
+                <a:t>encrypted images</a:t>
+              </a:r>
+              <a:r>
+                <a:rPr lang="en-US" sz="3000" dirty="0">
+                  <a:effectLst/>
+                  <a:latin typeface="Calibri" panose="020F0502020204030204" pitchFamily="34" charset="0"/>
+                  <a:ea typeface="Calibri" panose="020F0502020204030204" pitchFamily="34" charset="0"/>
+                  <a:cs typeface="Arial" panose="020B0604020202020204" pitchFamily="34" charset="0"/>
+                </a:rPr>
+                <a:t>, see figure 2.</a:t>
+              </a:r>
+            </a:p>
+            <a:p>
+              <a:pPr marL="0" marR="0" algn="l" rtl="0">
+                <a:spcBef>
+                  <a:spcPts val="0"/>
+                </a:spcBef>
+                <a:spcAft>
+                  <a:spcPts val="0"/>
+                </a:spcAft>
+              </a:pPr>
+              <a:r>
+                <a:rPr lang="en-US" sz="3000" dirty="0">
+                  <a:effectLst/>
+                  <a:latin typeface="Calibri" panose="020F0502020204030204" pitchFamily="34" charset="0"/>
+                  <a:ea typeface="Calibri" panose="020F0502020204030204" pitchFamily="34" charset="0"/>
+                  <a:cs typeface="Arial" panose="020B0604020202020204" pitchFamily="34" charset="0"/>
+                </a:rPr>
+                <a:t>Encryption techniques:</a:t>
+              </a:r>
+            </a:p>
+            <a:p>
+              <a:pPr marL="342900" marR="0" lvl="0" indent="-342900" algn="l" rtl="0">
+                <a:spcBef>
+                  <a:spcPts val="0"/>
+                </a:spcBef>
+                <a:spcAft>
+                  <a:spcPts val="0"/>
+                </a:spcAft>
+                <a:buFont typeface="Symbol" panose="05050102010706020507" pitchFamily="18" charset="2"/>
+                <a:buChar char=""/>
+              </a:pPr>
+              <a:r>
+                <a:rPr lang="en-US" sz="3000" dirty="0">
+                  <a:effectLst/>
+                  <a:latin typeface="Calibri" panose="020F0502020204030204" pitchFamily="34" charset="0"/>
+                  <a:ea typeface="Calibri" panose="020F0502020204030204" pitchFamily="34" charset="0"/>
+                  <a:cs typeface="Arial" panose="020B0604020202020204" pitchFamily="34" charset="0"/>
+                </a:rPr>
+                <a:t>Permutation on the pixels, as done in the article</a:t>
+              </a:r>
+            </a:p>
+            <a:p>
+              <a:pPr marL="342900" marR="0" lvl="0" indent="-342900" algn="l" rtl="0">
+                <a:spcBef>
+                  <a:spcPts val="0"/>
+                </a:spcBef>
+                <a:spcAft>
+                  <a:spcPts val="0"/>
+                </a:spcAft>
+                <a:buFont typeface="Symbol" panose="05050102010706020507" pitchFamily="18" charset="2"/>
+                <a:buChar char=""/>
+              </a:pPr>
+              <a:r>
+                <a:rPr lang="en-US" sz="3000" dirty="0">
+                  <a:effectLst/>
+                  <a:latin typeface="Calibri" panose="020F0502020204030204" pitchFamily="34" charset="0"/>
+                  <a:ea typeface="Calibri" panose="020F0502020204030204" pitchFamily="34" charset="0"/>
+                  <a:cs typeface="Arial" panose="020B0604020202020204" pitchFamily="34" charset="0"/>
+                </a:rPr>
+                <a:t>AES in ECB, CBC and CTR modes of operation</a:t>
+              </a:r>
+            </a:p>
+          </p:txBody>
+        </p:sp>
+        <p:sp>
+          <p:nvSpPr>
+            <p:cNvPr id="7" name="Text Box 24">
+              <a:extLst>
+                <a:ext uri="{FF2B5EF4-FFF2-40B4-BE49-F238E27FC236}">
+                  <a16:creationId xmlns:a16="http://schemas.microsoft.com/office/drawing/2014/main" xmlns="" id="{E7602CC7-07A0-4B8E-A4F2-960346B73912}"/>
+                </a:ext>
+              </a:extLst>
+            </p:cNvPr>
+            <p:cNvSpPr txBox="1"/>
+            <p:nvPr/>
+          </p:nvSpPr>
+          <p:spPr>
+            <a:xfrm>
+              <a:off x="0" y="1"/>
+              <a:ext cx="2934970" cy="237739"/>
+            </a:xfrm>
+            <a:prstGeom prst="rect">
+              <a:avLst/>
+            </a:prstGeom>
+            <a:solidFill>
+              <a:srgbClr val="FF8000"/>
+            </a:solidFill>
+            <a:ln w="6350">
+              <a:noFill/>
+            </a:ln>
+          </p:spPr>
+          <p:txBody>
+            <a:bodyPr rot="0" spcFirstLastPara="0" vert="horz" wrap="square" lIns="91440" tIns="45720" rIns="91440" bIns="45720" numCol="1" spcCol="0" rtlCol="0" fromWordArt="0" anchor="t" anchorCtr="0" forceAA="0" compatLnSpc="1">
+              <a:prstTxWarp prst="textNoShape">
+                <a:avLst/>
+              </a:prstTxWarp>
+              <a:noAutofit/>
+            </a:bodyPr>
+            <a:lstStyle/>
+            <a:p>
+              <a:pPr marL="742950" marR="0" lvl="0" indent="-742950" rtl="0">
+                <a:lnSpc>
+                  <a:spcPct val="115000"/>
+                </a:lnSpc>
+                <a:spcBef>
+                  <a:spcPts val="0"/>
+                </a:spcBef>
+                <a:spcAft>
+                  <a:spcPts val="1000"/>
+                </a:spcAft>
+                <a:buFont typeface="+mj-lt"/>
+                <a:buAutoNum type="arabicPeriod"/>
+              </a:pPr>
+              <a:r>
+                <a:rPr lang="en-US" sz="4000" b="1" kern="0" dirty="0">
+                  <a:solidFill>
+                    <a:srgbClr val="FFFFFF"/>
+                  </a:solidFill>
+                  <a:effectLst/>
+                  <a:latin typeface="Calibri" panose="020F0502020204030204" pitchFamily="34" charset="0"/>
+                  <a:cs typeface="Arial" panose="020B0604020202020204" pitchFamily="34" charset="0"/>
+                </a:rPr>
+                <a:t>Securing Models</a:t>
+              </a:r>
+            </a:p>
+          </p:txBody>
+        </p:sp>
+      </p:grpSp>
+      <p:grpSp>
+        <p:nvGrpSpPr>
+          <p:cNvPr id="8" name="Group 7">
+            <a:extLst>
+              <a:ext uri="{FF2B5EF4-FFF2-40B4-BE49-F238E27FC236}">
+                <a16:creationId xmlns:a16="http://schemas.microsoft.com/office/drawing/2014/main" xmlns="" id="{CC5316CA-6379-432F-8040-8D83D75DBCFE}"/>
+              </a:ext>
+            </a:extLst>
+          </p:cNvPr>
+          <p:cNvGrpSpPr/>
+          <p:nvPr/>
+        </p:nvGrpSpPr>
+        <p:grpSpPr>
+          <a:xfrm>
+            <a:off x="26151673" y="16368803"/>
+            <a:ext cx="5943600" cy="5231198"/>
+            <a:chOff x="0" y="1"/>
+            <a:chExt cx="2936623" cy="1475455"/>
+          </a:xfrm>
+        </p:grpSpPr>
+        <p:sp>
+          <p:nvSpPr>
+            <p:cNvPr id="9" name="תיבת טקסט 18">
+              <a:extLst>
+                <a:ext uri="{FF2B5EF4-FFF2-40B4-BE49-F238E27FC236}">
+                  <a16:creationId xmlns:a16="http://schemas.microsoft.com/office/drawing/2014/main" xmlns="" id="{45167B33-E44C-4186-BA84-A09525555F46}"/>
+                </a:ext>
+              </a:extLst>
+            </p:cNvPr>
+            <p:cNvSpPr txBox="1"/>
+            <p:nvPr/>
+          </p:nvSpPr>
+          <p:spPr>
+            <a:xfrm>
+              <a:off x="5854" y="242463"/>
+              <a:ext cx="2930769" cy="1232993"/>
+            </a:xfrm>
+            <a:prstGeom prst="rect">
+              <a:avLst/>
+            </a:prstGeom>
+            <a:noFill/>
+            <a:ln w="25400" cap="flat" cmpd="sng" algn="ctr">
+              <a:noFill/>
+              <a:prstDash val="solid"/>
+            </a:ln>
+            <a:effectLst/>
+          </p:spPr>
+          <p:txBody>
+            <a:bodyPr rot="0" spcFirstLastPara="0" vert="horz" wrap="square" lIns="91440" tIns="45720" rIns="91440" bIns="45720" numCol="1" spcCol="0" rtlCol="1" fromWordArt="0" anchor="t" anchorCtr="0" forceAA="0" compatLnSpc="1">
+              <a:prstTxWarp prst="textNoShape">
+                <a:avLst/>
+              </a:prstTxWarp>
+              <a:noAutofit/>
+            </a:bodyPr>
+            <a:lstStyle/>
+            <a:p>
+              <a:r>
+                <a:rPr lang="en-US" sz="3000" dirty="0"/>
+                <a:t>Attacking the sufficiently accurate models with the following attacks:</a:t>
+              </a:r>
+            </a:p>
+            <a:p>
+              <a:pPr marL="457200" lvl="0" indent="-457200">
+                <a:buFont typeface="Arial" panose="020B0604020202020204" pitchFamily="34" charset="0"/>
+                <a:buChar char="•"/>
+              </a:pPr>
+              <a:r>
+                <a:rPr lang="en-US" sz="3000" dirty="0" err="1"/>
+                <a:t>Carlini</a:t>
+              </a:r>
+              <a:r>
+                <a:rPr lang="en-US" sz="3000" dirty="0"/>
+                <a:t> &amp; Wagner, CW</a:t>
+              </a:r>
+            </a:p>
+            <a:p>
+              <a:pPr marL="457200" lvl="0" indent="-457200">
+                <a:buFont typeface="Arial" panose="020B0604020202020204" pitchFamily="34" charset="0"/>
+                <a:buChar char="•"/>
+              </a:pPr>
+              <a:r>
+                <a:rPr lang="en-US" sz="3000" dirty="0" smtClean="0"/>
+                <a:t>Fast </a:t>
+              </a:r>
+              <a:r>
+                <a:rPr lang="en-US" sz="3000" dirty="0"/>
+                <a:t>Gradient Sign Method, </a:t>
+              </a:r>
+              <a:r>
+                <a:rPr lang="en-US" sz="3000" dirty="0" smtClean="0"/>
+                <a:t>FGSM</a:t>
+              </a:r>
+              <a:endParaRPr lang="en-US" sz="3000" dirty="0"/>
+            </a:p>
+            <a:p>
+              <a:r>
+                <a:rPr lang="en-US" sz="3000" dirty="0"/>
+                <a:t>We focused on the ‘gray-box’ scenario, i.e. the attacker knows the architecture of the model but has no access to the private key.</a:t>
+              </a:r>
+            </a:p>
+            <a:p>
+              <a:r>
+                <a:rPr lang="en-US" sz="3000" dirty="0"/>
+                <a:t>See figure 4 for a visualization.</a:t>
+              </a:r>
+            </a:p>
+          </p:txBody>
+        </p:sp>
+        <p:sp>
+          <p:nvSpPr>
+            <p:cNvPr id="10" name="Text Box 24">
+              <a:extLst>
+                <a:ext uri="{FF2B5EF4-FFF2-40B4-BE49-F238E27FC236}">
+                  <a16:creationId xmlns:a16="http://schemas.microsoft.com/office/drawing/2014/main" xmlns="" id="{456083E0-3CAC-482B-89C7-9686DAF563B6}"/>
+                </a:ext>
+              </a:extLst>
+            </p:cNvPr>
+            <p:cNvSpPr txBox="1"/>
+            <p:nvPr/>
+          </p:nvSpPr>
+          <p:spPr>
+            <a:xfrm>
+              <a:off x="0" y="1"/>
+              <a:ext cx="2934970" cy="237739"/>
+            </a:xfrm>
+            <a:prstGeom prst="rect">
+              <a:avLst/>
+            </a:prstGeom>
+            <a:solidFill>
+              <a:srgbClr val="FF8000"/>
+            </a:solidFill>
+            <a:ln w="6350">
+              <a:noFill/>
+            </a:ln>
+          </p:spPr>
+          <p:txBody>
+            <a:bodyPr rot="0" spcFirstLastPara="0" vert="horz" wrap="square" lIns="91440" tIns="45720" rIns="91440" bIns="45720" numCol="1" spcCol="0" rtlCol="0" fromWordArt="0" anchor="t" anchorCtr="0" forceAA="0" compatLnSpc="1">
+              <a:prstTxWarp prst="textNoShape">
+                <a:avLst/>
+              </a:prstTxWarp>
+              <a:noAutofit/>
+            </a:bodyPr>
+            <a:lstStyle/>
+            <a:p>
+              <a:pPr marL="742950" marR="0" lvl="0" indent="-742950" rtl="0">
+                <a:lnSpc>
+                  <a:spcPct val="115000"/>
+                </a:lnSpc>
+                <a:spcBef>
+                  <a:spcPts val="0"/>
+                </a:spcBef>
+                <a:spcAft>
+                  <a:spcPts val="1000"/>
+                </a:spcAft>
+                <a:buFont typeface="+mj-lt"/>
+                <a:buAutoNum type="arabicPeriod" startAt="3"/>
+              </a:pPr>
+              <a:r>
+                <a:rPr lang="en-US" sz="4000" b="1" kern="0" dirty="0">
+                  <a:solidFill>
+                    <a:srgbClr val="FFFFFF"/>
+                  </a:solidFill>
+                  <a:effectLst/>
+                  <a:latin typeface="Calibri" panose="020F0502020204030204" pitchFamily="34" charset="0"/>
+                  <a:cs typeface="Arial" panose="020B0604020202020204" pitchFamily="34" charset="0"/>
+                </a:rPr>
+                <a:t>Attacking</a:t>
+              </a:r>
+            </a:p>
+          </p:txBody>
+        </p:sp>
+      </p:grpSp>
+      <p:grpSp>
+        <p:nvGrpSpPr>
+          <p:cNvPr id="11" name="Group 10">
+            <a:extLst>
+              <a:ext uri="{FF2B5EF4-FFF2-40B4-BE49-F238E27FC236}">
+                <a16:creationId xmlns:a16="http://schemas.microsoft.com/office/drawing/2014/main" xmlns="" id="{AB4F9E6A-B506-4CE4-A234-F78DBA10937A}"/>
+              </a:ext>
+            </a:extLst>
+          </p:cNvPr>
+          <p:cNvGrpSpPr/>
+          <p:nvPr/>
+        </p:nvGrpSpPr>
+        <p:grpSpPr>
+          <a:xfrm>
+            <a:off x="17577607" y="16368802"/>
+            <a:ext cx="5943600" cy="3833722"/>
+            <a:chOff x="0" y="1"/>
+            <a:chExt cx="2936623" cy="1081298"/>
+          </a:xfrm>
+        </p:grpSpPr>
+        <p:sp>
+          <p:nvSpPr>
+            <p:cNvPr id="12" name="תיבת טקסט 18">
+              <a:extLst>
+                <a:ext uri="{FF2B5EF4-FFF2-40B4-BE49-F238E27FC236}">
+                  <a16:creationId xmlns:a16="http://schemas.microsoft.com/office/drawing/2014/main" xmlns="" id="{29FA4AFD-D496-4473-8EA2-27AA68B75EAB}"/>
+                </a:ext>
+              </a:extLst>
+            </p:cNvPr>
+            <p:cNvSpPr txBox="1"/>
+            <p:nvPr/>
+          </p:nvSpPr>
+          <p:spPr>
+            <a:xfrm>
+              <a:off x="5854" y="242463"/>
+              <a:ext cx="2930769" cy="838836"/>
+            </a:xfrm>
+            <a:prstGeom prst="rect">
+              <a:avLst/>
+            </a:prstGeom>
+            <a:noFill/>
+            <a:ln w="25400" cap="flat" cmpd="sng" algn="ctr">
+              <a:noFill/>
+              <a:prstDash val="solid"/>
+            </a:ln>
+            <a:effectLst/>
+          </p:spPr>
+          <p:txBody>
+            <a:bodyPr rot="0" spcFirstLastPara="0" vert="horz" wrap="square" lIns="91440" tIns="45720" rIns="91440" bIns="45720" numCol="1" spcCol="0" rtlCol="1" fromWordArt="0" anchor="t" anchorCtr="0" forceAA="0" compatLnSpc="1">
+              <a:prstTxWarp prst="textNoShape">
+                <a:avLst/>
+              </a:prstTxWarp>
+              <a:noAutofit/>
+            </a:bodyPr>
+            <a:lstStyle/>
+            <a:p>
+              <a:r>
+                <a:rPr lang="en-US" sz="3000" dirty="0" smtClean="0"/>
+                <a:t>We </a:t>
+              </a:r>
+              <a:r>
+                <a:rPr lang="en-US" sz="3000" dirty="0"/>
+                <a:t>eliminated the models that did not learn well.</a:t>
+              </a:r>
+            </a:p>
+            <a:p>
+              <a:r>
+                <a:rPr lang="en-US" sz="3000" dirty="0"/>
+                <a:t>As can be seen in figure 3, learning is not so intuitive.</a:t>
+              </a:r>
+            </a:p>
+            <a:p>
+              <a:r>
+                <a:rPr lang="en-US" sz="3000" dirty="0"/>
+                <a:t>For this reason, </a:t>
+              </a:r>
+              <a:r>
+                <a:rPr lang="en-US" sz="3000" dirty="0" smtClean="0"/>
+                <a:t>ECB </a:t>
+              </a:r>
+              <a:r>
+                <a:rPr lang="en-US" sz="3000" dirty="0"/>
+                <a:t>and CBC mode were irrelevant to continue with.</a:t>
+              </a:r>
+            </a:p>
+          </p:txBody>
+        </p:sp>
+        <p:sp>
+          <p:nvSpPr>
+            <p:cNvPr id="13" name="Text Box 24">
+              <a:extLst>
+                <a:ext uri="{FF2B5EF4-FFF2-40B4-BE49-F238E27FC236}">
+                  <a16:creationId xmlns:a16="http://schemas.microsoft.com/office/drawing/2014/main" xmlns="" id="{D069242E-43D3-4F1C-BC28-93F8D44AD17E}"/>
+                </a:ext>
+              </a:extLst>
+            </p:cNvPr>
+            <p:cNvSpPr txBox="1"/>
+            <p:nvPr/>
+          </p:nvSpPr>
+          <p:spPr>
+            <a:xfrm>
+              <a:off x="0" y="1"/>
+              <a:ext cx="2934970" cy="237739"/>
+            </a:xfrm>
+            <a:prstGeom prst="rect">
+              <a:avLst/>
+            </a:prstGeom>
+            <a:solidFill>
+              <a:srgbClr val="FF8000"/>
+            </a:solidFill>
+            <a:ln w="6350">
+              <a:noFill/>
+            </a:ln>
+          </p:spPr>
+          <p:txBody>
+            <a:bodyPr rot="0" spcFirstLastPara="0" vert="horz" wrap="square" lIns="91440" tIns="45720" rIns="91440" bIns="45720" numCol="1" spcCol="0" rtlCol="0" fromWordArt="0" anchor="t" anchorCtr="0" forceAA="0" compatLnSpc="1">
+              <a:prstTxWarp prst="textNoShape">
+                <a:avLst/>
+              </a:prstTxWarp>
+              <a:noAutofit/>
+            </a:bodyPr>
+            <a:lstStyle/>
+            <a:p>
+              <a:pPr marL="742950" marR="0" lvl="0" indent="-742950" rtl="0">
+                <a:lnSpc>
+                  <a:spcPct val="115000"/>
+                </a:lnSpc>
+                <a:spcBef>
+                  <a:spcPts val="0"/>
+                </a:spcBef>
+                <a:spcAft>
+                  <a:spcPts val="1000"/>
+                </a:spcAft>
+                <a:buFont typeface="+mj-lt"/>
+                <a:buAutoNum type="arabicPeriod" startAt="2"/>
+              </a:pPr>
+              <a:r>
+                <a:rPr lang="en-US" sz="4000" b="1" kern="0" dirty="0">
+                  <a:solidFill>
+                    <a:srgbClr val="FFFFFF"/>
+                  </a:solidFill>
+                  <a:effectLst/>
+                  <a:latin typeface="Calibri" panose="020F0502020204030204" pitchFamily="34" charset="0"/>
+                  <a:cs typeface="Arial" panose="020B0604020202020204" pitchFamily="34" charset="0"/>
+                </a:rPr>
+                <a:t>Cutting loose ends</a:t>
+              </a:r>
+            </a:p>
+          </p:txBody>
+        </p:sp>
+      </p:grpSp>
+      <p:grpSp>
+        <p:nvGrpSpPr>
+          <p:cNvPr id="14" name="Group 13">
+            <a:extLst>
+              <a:ext uri="{FF2B5EF4-FFF2-40B4-BE49-F238E27FC236}">
+                <a16:creationId xmlns:a16="http://schemas.microsoft.com/office/drawing/2014/main" xmlns="" id="{B65685AB-470C-43ED-AC69-E7CE5BB8BBFE}"/>
+              </a:ext>
+            </a:extLst>
+          </p:cNvPr>
+          <p:cNvGrpSpPr/>
+          <p:nvPr/>
+        </p:nvGrpSpPr>
+        <p:grpSpPr>
+          <a:xfrm>
+            <a:off x="11474893" y="7141009"/>
+            <a:ext cx="9535641" cy="2155202"/>
+            <a:chOff x="0" y="1"/>
+            <a:chExt cx="2936623" cy="607873"/>
+          </a:xfrm>
+        </p:grpSpPr>
+        <p:sp>
+          <p:nvSpPr>
+            <p:cNvPr id="15" name="תיבת טקסט 18">
+              <a:extLst>
+                <a:ext uri="{FF2B5EF4-FFF2-40B4-BE49-F238E27FC236}">
+                  <a16:creationId xmlns:a16="http://schemas.microsoft.com/office/drawing/2014/main" xmlns="" id="{625E3163-6D63-4A11-870F-78EE2AC6C38F}"/>
+                </a:ext>
+              </a:extLst>
+            </p:cNvPr>
+            <p:cNvSpPr txBox="1"/>
+            <p:nvPr/>
+          </p:nvSpPr>
+          <p:spPr>
+            <a:xfrm>
+              <a:off x="5854" y="242463"/>
+              <a:ext cx="2930769" cy="365411"/>
+            </a:xfrm>
+            <a:prstGeom prst="rect">
+              <a:avLst/>
+            </a:prstGeom>
+            <a:noFill/>
+            <a:ln w="25400" cap="flat" cmpd="sng" algn="ctr">
+              <a:noFill/>
+              <a:prstDash val="solid"/>
+            </a:ln>
+            <a:effectLst/>
+          </p:spPr>
+          <p:txBody>
+            <a:bodyPr rot="0" spcFirstLastPara="0" vert="horz" wrap="square" lIns="91440" tIns="45720" rIns="91440" bIns="45720" numCol="1" spcCol="0" rtlCol="1" fromWordArt="0" anchor="t" anchorCtr="0" forceAA="0" compatLnSpc="1">
+              <a:prstTxWarp prst="textNoShape">
+                <a:avLst/>
+              </a:prstTxWarp>
+              <a:noAutofit/>
+            </a:bodyPr>
+            <a:lstStyle/>
+            <a:p>
+              <a:pPr algn="ctr"/>
+              <a:r>
+                <a:rPr lang="en-US" sz="3500" b="1" dirty="0">
+                  <a:effectLst>
+                    <a:outerShdw blurRad="38100" dist="19050" dir="2700000" algn="tl">
+                      <a:schemeClr val="dk1">
+                        <a:alpha val="40000"/>
+                      </a:schemeClr>
+                    </a:outerShdw>
+                  </a:effectLst>
+                </a:rPr>
+                <a:t>Building high accuracy DNN models which are sufficiently resistant to adversarial attacks</a:t>
+              </a:r>
+              <a:endParaRPr lang="en-US" sz="3500" b="1" dirty="0"/>
+            </a:p>
+          </p:txBody>
+        </p:sp>
+        <p:sp>
+          <p:nvSpPr>
+            <p:cNvPr id="16" name="Text Box 24">
+              <a:extLst>
+                <a:ext uri="{FF2B5EF4-FFF2-40B4-BE49-F238E27FC236}">
+                  <a16:creationId xmlns:a16="http://schemas.microsoft.com/office/drawing/2014/main" xmlns="" id="{6863EBA4-EF1A-499F-9596-0FDE99AE3906}"/>
+                </a:ext>
+              </a:extLst>
+            </p:cNvPr>
+            <p:cNvSpPr txBox="1"/>
+            <p:nvPr/>
+          </p:nvSpPr>
+          <p:spPr>
+            <a:xfrm>
+              <a:off x="0" y="1"/>
+              <a:ext cx="2934970" cy="237739"/>
+            </a:xfrm>
+            <a:prstGeom prst="rect">
+              <a:avLst/>
+            </a:prstGeom>
+            <a:solidFill>
+              <a:srgbClr val="FF8000"/>
+            </a:solidFill>
+            <a:ln w="6350">
+              <a:noFill/>
+            </a:ln>
+          </p:spPr>
+          <p:txBody>
+            <a:bodyPr rot="0" spcFirstLastPara="0" vert="horz" wrap="square" lIns="91440" tIns="45720" rIns="91440" bIns="45720" numCol="1" spcCol="0" rtlCol="0" fromWordArt="0" anchor="t" anchorCtr="0" forceAA="0" compatLnSpc="1">
+              <a:prstTxWarp prst="textNoShape">
+                <a:avLst/>
+              </a:prstTxWarp>
+              <a:noAutofit/>
+            </a:bodyPr>
+            <a:lstStyle/>
+            <a:p>
+              <a:pPr marR="0" lvl="0" rtl="0">
+                <a:lnSpc>
+                  <a:spcPct val="115000"/>
+                </a:lnSpc>
+                <a:spcBef>
+                  <a:spcPts val="0"/>
+                </a:spcBef>
+                <a:spcAft>
+                  <a:spcPts val="1000"/>
+                </a:spcAft>
+              </a:pPr>
+              <a:r>
+                <a:rPr lang="en-US" sz="4000" b="1" kern="0" dirty="0">
+                  <a:solidFill>
+                    <a:srgbClr val="FFFFFF"/>
+                  </a:solidFill>
+                  <a:latin typeface="Calibri" panose="020F0502020204030204" pitchFamily="34" charset="0"/>
+                  <a:cs typeface="Arial" panose="020B0604020202020204" pitchFamily="34" charset="0"/>
+                </a:rPr>
+                <a:t>Problem Description</a:t>
+              </a:r>
+              <a:endParaRPr lang="en-US" sz="4000" b="1" kern="0" dirty="0">
+                <a:solidFill>
+                  <a:srgbClr val="FFFFFF"/>
+                </a:solidFill>
+                <a:effectLst/>
+                <a:latin typeface="Calibri" panose="020F0502020204030204" pitchFamily="34" charset="0"/>
+                <a:cs typeface="Arial" panose="020B0604020202020204" pitchFamily="34" charset="0"/>
+              </a:endParaRPr>
+            </a:p>
+          </p:txBody>
+        </p:sp>
+      </p:grpSp>
+      <p:grpSp>
+        <p:nvGrpSpPr>
+          <p:cNvPr id="17" name="Group 16">
+            <a:extLst>
+              <a:ext uri="{FF2B5EF4-FFF2-40B4-BE49-F238E27FC236}">
+                <a16:creationId xmlns:a16="http://schemas.microsoft.com/office/drawing/2014/main" xmlns="" id="{623FEC8C-E59C-41BB-BFDA-63741A91EE96}"/>
+              </a:ext>
+            </a:extLst>
+          </p:cNvPr>
+          <p:cNvGrpSpPr/>
+          <p:nvPr/>
+        </p:nvGrpSpPr>
+        <p:grpSpPr>
+          <a:xfrm>
+            <a:off x="22559632" y="32891133"/>
+            <a:ext cx="9535641" cy="5444955"/>
+            <a:chOff x="0" y="1"/>
+            <a:chExt cx="2936623" cy="1535745"/>
+          </a:xfrm>
+        </p:grpSpPr>
+        <p:sp>
+          <p:nvSpPr>
+            <p:cNvPr id="18" name="תיבת טקסט 18">
+              <a:extLst>
+                <a:ext uri="{FF2B5EF4-FFF2-40B4-BE49-F238E27FC236}">
+                  <a16:creationId xmlns:a16="http://schemas.microsoft.com/office/drawing/2014/main" xmlns="" id="{11733FDC-977C-4894-B1C3-8D2DF2B21B2B}"/>
+                </a:ext>
+              </a:extLst>
+            </p:cNvPr>
+            <p:cNvSpPr txBox="1"/>
+            <p:nvPr/>
+          </p:nvSpPr>
+          <p:spPr>
+            <a:xfrm>
+              <a:off x="5854" y="242463"/>
+              <a:ext cx="2930769" cy="1293283"/>
+            </a:xfrm>
+            <a:prstGeom prst="rect">
+              <a:avLst/>
+            </a:prstGeom>
+            <a:noFill/>
+            <a:ln w="25400" cap="flat" cmpd="sng" algn="ctr">
+              <a:noFill/>
+              <a:prstDash val="solid"/>
+            </a:ln>
+            <a:effectLst/>
+          </p:spPr>
+          <p:txBody>
+            <a:bodyPr rot="0" spcFirstLastPara="0" vert="horz" wrap="square" lIns="91440" tIns="45720" rIns="91440" bIns="45720" numCol="1" spcCol="0" rtlCol="1" fromWordArt="0" anchor="t" anchorCtr="0" forceAA="0" compatLnSpc="1">
+              <a:prstTxWarp prst="textNoShape">
+                <a:avLst/>
+              </a:prstTxWarp>
+              <a:noAutofit/>
+            </a:bodyPr>
+            <a:lstStyle/>
+            <a:p>
+              <a:pPr marL="457200" lvl="0" indent="-457200">
+                <a:buFont typeface="Arial" panose="020B0604020202020204" pitchFamily="34" charset="0"/>
+                <a:buChar char="•"/>
+              </a:pPr>
+              <a:r>
+                <a:rPr lang="en-US" sz="3500" dirty="0"/>
+                <a:t>improve accuracy on AES-ECB model </a:t>
+              </a:r>
+              <a:r>
+                <a:rPr lang="en-US" sz="3500" dirty="0" smtClean="0"/>
+                <a:t>(as can be seen in the table, the model managed to learn)</a:t>
+              </a:r>
+              <a:endParaRPr lang="en-US" sz="3500" dirty="0"/>
+            </a:p>
+            <a:p>
+              <a:pPr marL="457200" lvl="0" indent="-457200">
+                <a:buFont typeface="Arial" panose="020B0604020202020204" pitchFamily="34" charset="0"/>
+                <a:buChar char="•"/>
+              </a:pPr>
+              <a:r>
+                <a:rPr lang="en-US" sz="3500" dirty="0"/>
+                <a:t>we contacted Nicholas </a:t>
+              </a:r>
+              <a:r>
+                <a:rPr lang="en-US" sz="3500" dirty="0" err="1"/>
+                <a:t>Carlini</a:t>
+              </a:r>
+              <a:r>
+                <a:rPr lang="en-US" sz="3500" dirty="0"/>
+                <a:t> (the ‘C’ in CW attack) and he believes we still might defeat these defenses</a:t>
+              </a:r>
+            </a:p>
+            <a:p>
+              <a:pPr marL="457200" lvl="0" indent="-457200">
+                <a:buFont typeface="Arial" panose="020B0604020202020204" pitchFamily="34" charset="0"/>
+                <a:buChar char="•"/>
+              </a:pPr>
+              <a:r>
+                <a:rPr lang="en-US" sz="3500" dirty="0"/>
+                <a:t>try some other datasets; i.e. cifar-10, its images are 3 layered (</a:t>
+              </a:r>
+              <a:r>
+                <a:rPr lang="en-US" sz="3500" dirty="0" err="1"/>
+                <a:t>rgb</a:t>
+              </a:r>
+              <a:r>
+                <a:rPr lang="en-US" sz="3500" dirty="0"/>
+                <a:t>) and might be more difficult to learn encrypted images</a:t>
+              </a:r>
+            </a:p>
+          </p:txBody>
+        </p:sp>
+        <p:sp>
+          <p:nvSpPr>
+            <p:cNvPr id="19" name="Text Box 24">
+              <a:extLst>
+                <a:ext uri="{FF2B5EF4-FFF2-40B4-BE49-F238E27FC236}">
+                  <a16:creationId xmlns:a16="http://schemas.microsoft.com/office/drawing/2014/main" xmlns="" id="{6C8FC5F1-6DE6-474A-809C-406894D86817}"/>
+                </a:ext>
+              </a:extLst>
+            </p:cNvPr>
+            <p:cNvSpPr txBox="1"/>
+            <p:nvPr/>
+          </p:nvSpPr>
+          <p:spPr>
+            <a:xfrm>
+              <a:off x="0" y="1"/>
+              <a:ext cx="2934970" cy="237739"/>
+            </a:xfrm>
+            <a:prstGeom prst="rect">
+              <a:avLst/>
+            </a:prstGeom>
+            <a:solidFill>
+              <a:srgbClr val="FF8000"/>
+            </a:solidFill>
+            <a:ln w="6350">
+              <a:noFill/>
+            </a:ln>
+          </p:spPr>
+          <p:txBody>
+            <a:bodyPr rot="0" spcFirstLastPara="0" vert="horz" wrap="square" lIns="91440" tIns="45720" rIns="91440" bIns="45720" numCol="1" spcCol="0" rtlCol="0" fromWordArt="0" anchor="t" anchorCtr="0" forceAA="0" compatLnSpc="1">
+              <a:prstTxWarp prst="textNoShape">
+                <a:avLst/>
+              </a:prstTxWarp>
+              <a:noAutofit/>
+            </a:bodyPr>
+            <a:lstStyle/>
+            <a:p>
+              <a:pPr marR="0" lvl="0" rtl="0">
+                <a:lnSpc>
+                  <a:spcPct val="115000"/>
+                </a:lnSpc>
+                <a:spcBef>
+                  <a:spcPts val="0"/>
+                </a:spcBef>
+                <a:spcAft>
+                  <a:spcPts val="1000"/>
+                </a:spcAft>
+              </a:pPr>
+              <a:r>
+                <a:rPr lang="en-US" sz="4000" b="1" kern="0" dirty="0">
+                  <a:solidFill>
+                    <a:srgbClr val="FFFFFF"/>
+                  </a:solidFill>
+                  <a:latin typeface="Calibri" panose="020F0502020204030204" pitchFamily="34" charset="0"/>
+                  <a:cs typeface="Arial" panose="020B0604020202020204" pitchFamily="34" charset="0"/>
+                </a:rPr>
+                <a:t>Future Work</a:t>
+              </a:r>
+              <a:endParaRPr lang="en-US" sz="4000" b="1" kern="0" dirty="0">
+                <a:solidFill>
+                  <a:srgbClr val="FFFFFF"/>
+                </a:solidFill>
+                <a:effectLst/>
+                <a:latin typeface="Calibri" panose="020F0502020204030204" pitchFamily="34" charset="0"/>
+                <a:cs typeface="Arial" panose="020B0604020202020204" pitchFamily="34" charset="0"/>
+              </a:endParaRPr>
+            </a:p>
+          </p:txBody>
+        </p:sp>
+      </p:grpSp>
+      <p:sp>
+        <p:nvSpPr>
+          <p:cNvPr id="20" name="names">
+            <a:extLst>
+              <a:ext uri="{FF2B5EF4-FFF2-40B4-BE49-F238E27FC236}">
+                <a16:creationId xmlns:a16="http://schemas.microsoft.com/office/drawing/2014/main" xmlns="" id="{E31C91E7-763E-4CE0-AE68-8ECAEAE218AD}"/>
+              </a:ext>
+            </a:extLst>
+          </p:cNvPr>
+          <p:cNvSpPr txBox="1">
+            <a:spLocks noChangeArrowheads="1"/>
+          </p:cNvSpPr>
+          <p:nvPr/>
+        </p:nvSpPr>
+        <p:spPr bwMode="auto">
+          <a:xfrm>
+            <a:off x="11422011" y="3951352"/>
+            <a:ext cx="9516632" cy="2400657"/>
+          </a:xfrm>
+          <a:prstGeom prst="rect">
+            <a:avLst/>
+          </a:prstGeom>
+          <a:solidFill>
+            <a:srgbClr val="FFFFFF"/>
+          </a:solidFill>
+          <a:ln w="9525">
+            <a:solidFill>
+              <a:schemeClr val="bg1"/>
+            </a:solidFill>
+            <a:miter lim="800000"/>
+            <a:headEnd/>
+            <a:tailEnd/>
+          </a:ln>
+        </p:spPr>
+        <p:txBody>
+          <a:bodyPr rot="0" vert="horz" wrap="square" lIns="91440" tIns="45720" rIns="91440" bIns="45720" anchor="ctr" anchorCtr="0">
+            <a:spAutoFit/>
+          </a:bodyPr>
+          <a:lstStyle/>
+          <a:p>
+            <a:pPr marL="0" marR="0" algn="ctr" rtl="0">
+              <a:spcBef>
+                <a:spcPts val="0"/>
+              </a:spcBef>
+              <a:spcAft>
+                <a:spcPts val="0"/>
+              </a:spcAft>
+            </a:pPr>
+            <a:r>
+              <a:rPr lang="en-US" sz="5000" dirty="0">
+                <a:solidFill>
+                  <a:srgbClr val="4A929C"/>
+                </a:solidFill>
+                <a:effectLst/>
+                <a:latin typeface="Calibri" panose="020F0502020204030204" pitchFamily="34" charset="0"/>
+                <a:ea typeface="Calibri" panose="020F0502020204030204" pitchFamily="34" charset="0"/>
+                <a:cs typeface="Arial" panose="020B0604020202020204" pitchFamily="34" charset="0"/>
+              </a:rPr>
+              <a:t>­­­­­­­­­</a:t>
+            </a:r>
+            <a:r>
+              <a:rPr lang="en-US" sz="5000" b="1" dirty="0">
+                <a:solidFill>
+                  <a:srgbClr val="4A929C"/>
+                </a:solidFill>
+                <a:effectLst/>
+                <a:latin typeface="Calibri" panose="020F0502020204030204" pitchFamily="34" charset="0"/>
+                <a:ea typeface="Calibri" panose="020F0502020204030204" pitchFamily="34" charset="0"/>
+                <a:cs typeface="Arial" panose="020B0604020202020204" pitchFamily="34" charset="0"/>
+              </a:rPr>
+              <a:t>___________________</a:t>
+            </a:r>
+            <a:endParaRPr lang="en-US" sz="5000" dirty="0">
+              <a:effectLst/>
+              <a:latin typeface="Calibri" panose="020F0502020204030204" pitchFamily="34" charset="0"/>
+              <a:ea typeface="Calibri" panose="020F0502020204030204" pitchFamily="34" charset="0"/>
+              <a:cs typeface="Arial" panose="020B0604020202020204" pitchFamily="34" charset="0"/>
+            </a:endParaRPr>
+          </a:p>
+          <a:p>
+            <a:pPr marL="0" marR="0" algn="ctr" rtl="0">
+              <a:spcBef>
+                <a:spcPts val="0"/>
+              </a:spcBef>
+              <a:spcAft>
+                <a:spcPts val="0"/>
+              </a:spcAft>
+            </a:pPr>
+            <a:r>
+              <a:rPr lang="en-US" sz="5000" dirty="0" err="1">
+                <a:solidFill>
+                  <a:srgbClr val="4A929C"/>
+                </a:solidFill>
+                <a:effectLst/>
+                <a:latin typeface="Calibri" panose="020F0502020204030204" pitchFamily="34" charset="0"/>
+                <a:ea typeface="Calibri" panose="020F0502020204030204" pitchFamily="34" charset="0"/>
+                <a:cs typeface="Arial" panose="020B0604020202020204" pitchFamily="34" charset="0"/>
+              </a:rPr>
+              <a:t>Yishay</a:t>
+            </a:r>
+            <a:r>
+              <a:rPr lang="en-US" sz="5000" dirty="0">
+                <a:solidFill>
+                  <a:srgbClr val="4A929C"/>
+                </a:solidFill>
+                <a:effectLst/>
+                <a:latin typeface="Calibri" panose="020F0502020204030204" pitchFamily="34" charset="0"/>
+                <a:ea typeface="Calibri" panose="020F0502020204030204" pitchFamily="34" charset="0"/>
+                <a:cs typeface="Arial" panose="020B0604020202020204" pitchFamily="34" charset="0"/>
+              </a:rPr>
+              <a:t> Asher • Steve Gutfreund</a:t>
+            </a:r>
+            <a:endParaRPr lang="en-US" sz="5000" dirty="0">
+              <a:effectLst/>
+              <a:latin typeface="Calibri" panose="020F0502020204030204" pitchFamily="34" charset="0"/>
+              <a:ea typeface="Calibri" panose="020F0502020204030204" pitchFamily="34" charset="0"/>
+              <a:cs typeface="Arial" panose="020B0604020202020204" pitchFamily="34" charset="0"/>
+            </a:endParaRPr>
+          </a:p>
+          <a:p>
+            <a:pPr marL="0" marR="0" algn="ctr" rtl="0">
+              <a:spcBef>
+                <a:spcPts val="0"/>
+              </a:spcBef>
+              <a:spcAft>
+                <a:spcPts val="0"/>
+              </a:spcAft>
+            </a:pPr>
+            <a:r>
+              <a:rPr lang="en-US" sz="5000" b="1" dirty="0">
+                <a:solidFill>
+                  <a:srgbClr val="4A929C"/>
+                </a:solidFill>
+                <a:effectLst/>
+                <a:latin typeface="Calibri" panose="020F0502020204030204" pitchFamily="34" charset="0"/>
+                <a:ea typeface="Calibri" panose="020F0502020204030204" pitchFamily="34" charset="0"/>
+                <a:cs typeface="Arial" panose="020B0604020202020204" pitchFamily="34" charset="0"/>
+              </a:rPr>
+              <a:t>Instructor:</a:t>
+            </a:r>
+            <a:r>
+              <a:rPr lang="en-US" sz="5000" dirty="0">
+                <a:solidFill>
+                  <a:srgbClr val="4A929C"/>
+                </a:solidFill>
+                <a:effectLst/>
+                <a:latin typeface="Calibri" panose="020F0502020204030204" pitchFamily="34" charset="0"/>
+                <a:ea typeface="Calibri" panose="020F0502020204030204" pitchFamily="34" charset="0"/>
+                <a:cs typeface="Arial" panose="020B0604020202020204" pitchFamily="34" charset="0"/>
+              </a:rPr>
+              <a:t> Hanan </a:t>
+            </a:r>
+            <a:r>
+              <a:rPr lang="en-US" sz="5000" dirty="0" err="1">
+                <a:solidFill>
+                  <a:srgbClr val="4A929C"/>
+                </a:solidFill>
+                <a:effectLst/>
+                <a:latin typeface="Calibri" panose="020F0502020204030204" pitchFamily="34" charset="0"/>
+                <a:ea typeface="Calibri" panose="020F0502020204030204" pitchFamily="34" charset="0"/>
+                <a:cs typeface="Arial" panose="020B0604020202020204" pitchFamily="34" charset="0"/>
+              </a:rPr>
+              <a:t>Rosemarin</a:t>
+            </a:r>
+            <a:endParaRPr lang="en-US" sz="5000" dirty="0">
+              <a:effectLst/>
+              <a:latin typeface="Calibri" panose="020F0502020204030204" pitchFamily="34" charset="0"/>
+              <a:ea typeface="Calibri" panose="020F0502020204030204" pitchFamily="34" charset="0"/>
+              <a:cs typeface="Arial" panose="020B0604020202020204" pitchFamily="34" charset="0"/>
+            </a:endParaRPr>
+          </a:p>
+        </p:txBody>
+      </p:sp>
+      <p:sp>
+        <p:nvSpPr>
+          <p:cNvPr id="21" name="Title">
+            <a:extLst>
+              <a:ext uri="{FF2B5EF4-FFF2-40B4-BE49-F238E27FC236}">
+                <a16:creationId xmlns:a16="http://schemas.microsoft.com/office/drawing/2014/main" xmlns="" id="{7FB64525-1228-4A75-8932-4E1ACCC84E7D}"/>
               </a:ext>
             </a:extLst>
           </p:cNvPr>
@@ -5742,40 +7078,632 @@
         </p:nvSpPr>
         <p:spPr>
           <a:xfrm>
-            <a:off x="11707831" y="23839323"/>
-            <a:ext cx="1567300" cy="400110"/>
+            <a:off x="11727002" y="2553286"/>
+            <a:ext cx="8906650" cy="1647631"/>
           </a:xfrm>
           <a:prstGeom prst="rect">
             <a:avLst/>
           </a:prstGeom>
-          <a:solidFill>
-            <a:schemeClr val="bg1"/>
-          </a:solidFill>
+          <a:noFill/>
+          <a:ln>
+            <a:noFill/>
+          </a:ln>
         </p:spPr>
         <p:txBody>
-          <a:bodyPr wrap="square" rtlCol="0">
-            <a:spAutoFit/>
+          <a:bodyPr rot="0" spcFirstLastPara="0" vert="horz" wrap="square" lIns="91440" tIns="45720" rIns="91440" bIns="45720" numCol="1" spcCol="0" rtlCol="0" fromWordArt="0" anchor="t" anchorCtr="0" forceAA="0" compatLnSpc="1">
+            <a:prstTxWarp prst="textNoShape">
+              <a:avLst/>
+            </a:prstTxWarp>
+            <a:noAutofit/>
           </a:bodyPr>
           <a:lstStyle/>
           <a:p>
-            <a:pPr algn="ctr"/>
+            <a:pPr marL="0" marR="0" algn="ctr" rtl="1">
+              <a:spcBef>
+                <a:spcPts val="0"/>
+              </a:spcBef>
+              <a:spcAft>
+                <a:spcPts val="0"/>
+              </a:spcAft>
+            </a:pPr>
             <a:r>
-              <a:rPr lang="en-US" sz="2000" b="1" dirty="0">
+              <a:rPr lang="en-US" sz="6000" b="1" dirty="0">
                 <a:solidFill>
                   <a:srgbClr val="4A929C"/>
                 </a:solidFill>
+                <a:effectLst/>
+                <a:latin typeface="Calibri" panose="020F0502020204030204" pitchFamily="34" charset="0"/>
+                <a:ea typeface="Calibri" panose="020F0502020204030204" pitchFamily="34" charset="0"/>
+                <a:cs typeface="Arial" panose="020B0604020202020204" pitchFamily="34" charset="0"/>
               </a:rPr>
-              <a:t>original</a:t>
+              <a:t>DEFENCE AGAINST</a:t>
             </a:r>
+            <a:endParaRPr lang="en-US" sz="6000" dirty="0">
+              <a:effectLst/>
+              <a:latin typeface="Calibri" panose="020F0502020204030204" pitchFamily="34" charset="0"/>
+              <a:ea typeface="Calibri" panose="020F0502020204030204" pitchFamily="34" charset="0"/>
+              <a:cs typeface="Arial" panose="020B0604020202020204" pitchFamily="34" charset="0"/>
+            </a:endParaRPr>
+          </a:p>
+          <a:p>
+            <a:pPr marL="0" marR="0" algn="ctr" rtl="1">
+              <a:spcBef>
+                <a:spcPts val="0"/>
+              </a:spcBef>
+              <a:spcAft>
+                <a:spcPts val="0"/>
+              </a:spcAft>
+            </a:pPr>
+            <a:r>
+              <a:rPr lang="en-US" sz="6000" b="1" dirty="0">
+                <a:solidFill>
+                  <a:srgbClr val="4A929C"/>
+                </a:solidFill>
+                <a:effectLst/>
+                <a:latin typeface="Calibri" panose="020F0502020204030204" pitchFamily="34" charset="0"/>
+                <a:ea typeface="Calibri" panose="020F0502020204030204" pitchFamily="34" charset="0"/>
+                <a:cs typeface="Arial" panose="020B0604020202020204" pitchFamily="34" charset="0"/>
+              </a:rPr>
+              <a:t>ADVERSARIAL EXAMPLES</a:t>
+            </a:r>
+            <a:endParaRPr lang="en-US" sz="6000" dirty="0">
+              <a:effectLst/>
+              <a:latin typeface="Calibri" panose="020F0502020204030204" pitchFamily="34" charset="0"/>
+              <a:ea typeface="Calibri" panose="020F0502020204030204" pitchFamily="34" charset="0"/>
+              <a:cs typeface="Arial" panose="020B0604020202020204" pitchFamily="34" charset="0"/>
+            </a:endParaRPr>
           </a:p>
         </p:txBody>
       </p:sp>
+      <p:pic>
+        <p:nvPicPr>
+          <p:cNvPr id="22" name="Picture 21" descr="A close up of a logo&#10;&#10;Description automatically generated">
+            <a:extLst>
+              <a:ext uri="{FF2B5EF4-FFF2-40B4-BE49-F238E27FC236}">
+                <a16:creationId xmlns:a16="http://schemas.microsoft.com/office/drawing/2014/main" xmlns="" id="{310AFD28-6F37-4262-92F8-79AEE079D30F}"/>
+              </a:ext>
+            </a:extLst>
+          </p:cNvPr>
+          <p:cNvPicPr>
+            <a:picLocks noChangeAspect="1"/>
+          </p:cNvPicPr>
+          <p:nvPr/>
+        </p:nvPicPr>
+        <p:blipFill>
+          <a:blip r:embed="rId3">
+            <a:extLst>
+              <a:ext uri="{28A0092B-C50C-407E-A947-70E740481C1C}">
+                <a14:useLocalDpi xmlns:a14="http://schemas.microsoft.com/office/drawing/2010/main" val="0"/>
+              </a:ext>
+            </a:extLst>
+          </a:blip>
+          <a:stretch>
+            <a:fillRect/>
+          </a:stretch>
+        </p:blipFill>
+        <p:spPr>
+          <a:xfrm>
+            <a:off x="41233" y="4551361"/>
+            <a:ext cx="9169074" cy="4196874"/>
+          </a:xfrm>
+          <a:prstGeom prst="rect">
+            <a:avLst/>
+          </a:prstGeom>
+        </p:spPr>
+      </p:pic>
+      <p:grpSp>
+        <p:nvGrpSpPr>
+          <p:cNvPr id="23" name="Group 22">
+            <a:extLst>
+              <a:ext uri="{FF2B5EF4-FFF2-40B4-BE49-F238E27FC236}">
+                <a16:creationId xmlns:a16="http://schemas.microsoft.com/office/drawing/2014/main" xmlns="" id="{F99953DC-4A14-40CF-92F0-BCC5BCE6543C}"/>
+              </a:ext>
+            </a:extLst>
+          </p:cNvPr>
+          <p:cNvGrpSpPr/>
+          <p:nvPr/>
+        </p:nvGrpSpPr>
+        <p:grpSpPr>
+          <a:xfrm>
+            <a:off x="278236" y="16368803"/>
+            <a:ext cx="5943600" cy="2598015"/>
+            <a:chOff x="0" y="1"/>
+            <a:chExt cx="2936623" cy="732768"/>
+          </a:xfrm>
+        </p:grpSpPr>
+        <p:sp>
+          <p:nvSpPr>
+            <p:cNvPr id="24" name="תיבת טקסט 18">
+              <a:extLst>
+                <a:ext uri="{FF2B5EF4-FFF2-40B4-BE49-F238E27FC236}">
+                  <a16:creationId xmlns:a16="http://schemas.microsoft.com/office/drawing/2014/main" xmlns="" id="{FB60CA16-1334-4B45-A873-85139D3D8A73}"/>
+                </a:ext>
+              </a:extLst>
+            </p:cNvPr>
+            <p:cNvSpPr txBox="1"/>
+            <p:nvPr/>
+          </p:nvSpPr>
+          <p:spPr>
+            <a:xfrm>
+              <a:off x="5854" y="242463"/>
+              <a:ext cx="2930769" cy="490306"/>
+            </a:xfrm>
+            <a:prstGeom prst="rect">
+              <a:avLst/>
+            </a:prstGeom>
+            <a:noFill/>
+            <a:ln w="25400" cap="flat" cmpd="sng" algn="ctr">
+              <a:noFill/>
+              <a:prstDash val="solid"/>
+            </a:ln>
+            <a:effectLst/>
+          </p:spPr>
+          <p:txBody>
+            <a:bodyPr rot="0" spcFirstLastPara="0" vert="horz" wrap="square" lIns="91440" tIns="45720" rIns="91440" bIns="45720" numCol="1" spcCol="0" rtlCol="1" fromWordArt="0" anchor="t" anchorCtr="0" forceAA="0" compatLnSpc="1">
+              <a:prstTxWarp prst="textNoShape">
+                <a:avLst/>
+              </a:prstTxWarp>
+              <a:noAutofit/>
+            </a:bodyPr>
+            <a:lstStyle/>
+            <a:p>
+              <a:pPr marL="457200" indent="-457200">
+                <a:buFont typeface="Wingdings" pitchFamily="2" charset="2"/>
+                <a:buChar char="ü"/>
+              </a:pPr>
+              <a:r>
+                <a:rPr lang="en-US" sz="3000" dirty="0" err="1" smtClean="0"/>
+                <a:t>Mnist</a:t>
+              </a:r>
+              <a:r>
+                <a:rPr lang="en-US" sz="3000" dirty="0" smtClean="0"/>
+                <a:t> and fashion-</a:t>
+              </a:r>
+              <a:r>
+                <a:rPr lang="en-US" sz="3000" dirty="0" err="1" smtClean="0"/>
+                <a:t>mnist</a:t>
+              </a:r>
+              <a:endParaRPr lang="en-US" sz="3000" dirty="0" smtClean="0"/>
+            </a:p>
+            <a:p>
+              <a:pPr marL="457200" indent="-457200">
+                <a:buFont typeface="Wingdings" pitchFamily="2" charset="2"/>
+                <a:buChar char="ü"/>
+              </a:pPr>
+              <a:r>
+                <a:rPr lang="en-US" sz="3000" dirty="0" smtClean="0"/>
+                <a:t>Using well-known neural nets for these datasets</a:t>
+              </a:r>
+              <a:endParaRPr lang="en-US" sz="3000" dirty="0" smtClean="0"/>
+            </a:p>
+          </p:txBody>
+        </p:sp>
+        <p:sp>
+          <p:nvSpPr>
+            <p:cNvPr id="25" name="Text Box 24">
+              <a:extLst>
+                <a:ext uri="{FF2B5EF4-FFF2-40B4-BE49-F238E27FC236}">
+                  <a16:creationId xmlns:a16="http://schemas.microsoft.com/office/drawing/2014/main" xmlns="" id="{8F8F3380-FD3D-43F1-BABE-84B3BB16DA41}"/>
+                </a:ext>
+              </a:extLst>
+            </p:cNvPr>
+            <p:cNvSpPr txBox="1"/>
+            <p:nvPr/>
+          </p:nvSpPr>
+          <p:spPr>
+            <a:xfrm>
+              <a:off x="0" y="1"/>
+              <a:ext cx="2934970" cy="237739"/>
+            </a:xfrm>
+            <a:prstGeom prst="rect">
+              <a:avLst/>
+            </a:prstGeom>
+            <a:solidFill>
+              <a:srgbClr val="FF8000"/>
+            </a:solidFill>
+            <a:ln w="6350">
+              <a:noFill/>
+            </a:ln>
+          </p:spPr>
+          <p:txBody>
+            <a:bodyPr rot="0" spcFirstLastPara="0" vert="horz" wrap="square" lIns="91440" tIns="45720" rIns="91440" bIns="45720" numCol="1" spcCol="0" rtlCol="0" fromWordArt="0" anchor="t" anchorCtr="0" forceAA="0" compatLnSpc="1">
+              <a:prstTxWarp prst="textNoShape">
+                <a:avLst/>
+              </a:prstTxWarp>
+              <a:noAutofit/>
+            </a:bodyPr>
+            <a:lstStyle/>
+            <a:p>
+              <a:pPr marR="0" lvl="0" rtl="0">
+                <a:lnSpc>
+                  <a:spcPct val="115000"/>
+                </a:lnSpc>
+                <a:spcBef>
+                  <a:spcPts val="0"/>
+                </a:spcBef>
+                <a:spcAft>
+                  <a:spcPts val="1000"/>
+                </a:spcAft>
+              </a:pPr>
+              <a:r>
+                <a:rPr lang="en-US" sz="4000" b="1" kern="0" dirty="0">
+                  <a:solidFill>
+                    <a:srgbClr val="FFFFFF"/>
+                  </a:solidFill>
+                  <a:latin typeface="Calibri" panose="020F0502020204030204" pitchFamily="34" charset="0"/>
+                  <a:cs typeface="Arial" panose="020B0604020202020204" pitchFamily="34" charset="0"/>
+                </a:rPr>
+                <a:t>Set-Up</a:t>
+              </a:r>
+              <a:endParaRPr lang="en-US" sz="4000" b="1" kern="0" dirty="0">
+                <a:solidFill>
+                  <a:srgbClr val="FFFFFF"/>
+                </a:solidFill>
+                <a:effectLst/>
+                <a:latin typeface="Calibri" panose="020F0502020204030204" pitchFamily="34" charset="0"/>
+                <a:cs typeface="Arial" panose="020B0604020202020204" pitchFamily="34" charset="0"/>
+              </a:endParaRPr>
+            </a:p>
+          </p:txBody>
+        </p:sp>
+      </p:grpSp>
+      <p:grpSp>
+        <p:nvGrpSpPr>
+          <p:cNvPr id="26" name="Group 25">
+            <a:extLst>
+              <a:ext uri="{FF2B5EF4-FFF2-40B4-BE49-F238E27FC236}">
+                <a16:creationId xmlns:a16="http://schemas.microsoft.com/office/drawing/2014/main" xmlns="" id="{368FC610-7774-4120-8684-A1FE83E28CF6}"/>
+              </a:ext>
+            </a:extLst>
+          </p:cNvPr>
+          <p:cNvGrpSpPr/>
+          <p:nvPr/>
+        </p:nvGrpSpPr>
+        <p:grpSpPr>
+          <a:xfrm>
+            <a:off x="290084" y="28149413"/>
+            <a:ext cx="9535641" cy="6370776"/>
+            <a:chOff x="0" y="1"/>
+            <a:chExt cx="2936623" cy="1796872"/>
+          </a:xfrm>
+        </p:grpSpPr>
+        <p:sp>
+          <p:nvSpPr>
+            <p:cNvPr id="27" name="תיבת טקסט 18">
+              <a:extLst>
+                <a:ext uri="{FF2B5EF4-FFF2-40B4-BE49-F238E27FC236}">
+                  <a16:creationId xmlns:a16="http://schemas.microsoft.com/office/drawing/2014/main" xmlns="" id="{3C9C691E-1F66-45AE-A815-E534472C188B}"/>
+                </a:ext>
+              </a:extLst>
+            </p:cNvPr>
+            <p:cNvSpPr txBox="1"/>
+            <p:nvPr/>
+          </p:nvSpPr>
+          <p:spPr>
+            <a:xfrm>
+              <a:off x="5854" y="242463"/>
+              <a:ext cx="2930769" cy="1554410"/>
+            </a:xfrm>
+            <a:prstGeom prst="rect">
+              <a:avLst/>
+            </a:prstGeom>
+            <a:noFill/>
+            <a:ln w="25400" cap="flat" cmpd="sng" algn="ctr">
+              <a:noFill/>
+              <a:prstDash val="solid"/>
+            </a:ln>
+            <a:effectLst/>
+          </p:spPr>
+          <p:txBody>
+            <a:bodyPr rot="0" spcFirstLastPara="0" vert="horz" wrap="square" lIns="91440" tIns="45720" rIns="91440" bIns="45720" numCol="1" spcCol="0" rtlCol="1" fromWordArt="0" anchor="t" anchorCtr="0" forceAA="0" compatLnSpc="1">
+              <a:prstTxWarp prst="textNoShape">
+                <a:avLst/>
+              </a:prstTxWarp>
+              <a:noAutofit/>
+            </a:bodyPr>
+            <a:lstStyle/>
+            <a:p>
+              <a:pPr lvl="0"/>
+              <a:r>
+                <a:rPr lang="en-US" sz="3500" dirty="0"/>
+                <a:t>There’s a tradeoff between accuracy on the original images and the accuracy on the adversarial images.</a:t>
+              </a:r>
+            </a:p>
+            <a:p>
+              <a:pPr marL="457200" lvl="0" indent="-457200">
+                <a:buFont typeface="Arial" panose="020B0604020202020204" pitchFamily="34" charset="0"/>
+                <a:buChar char="•"/>
+              </a:pPr>
+              <a:r>
+                <a:rPr lang="en-US" sz="3500" dirty="0"/>
+                <a:t>permutation: although the error rate on the originals increased by a little bit (1% on </a:t>
+              </a:r>
+              <a:r>
+                <a:rPr lang="en-US" sz="3500" dirty="0" err="1"/>
+                <a:t>mnist</a:t>
+              </a:r>
+              <a:r>
+                <a:rPr lang="en-US" sz="3500" dirty="0"/>
+                <a:t> and 4% on fashion-</a:t>
+              </a:r>
+              <a:r>
+                <a:rPr lang="en-US" sz="3500" dirty="0" err="1"/>
+                <a:t>mnist</a:t>
+              </a:r>
+              <a:r>
+                <a:rPr lang="en-US" sz="3500" dirty="0"/>
+                <a:t>), the error rate on the adversarial decreased significantly</a:t>
+              </a:r>
+            </a:p>
+            <a:p>
+              <a:pPr marL="457200" lvl="0" indent="-457200">
+                <a:buFont typeface="Arial" panose="020B0604020202020204" pitchFamily="34" charset="0"/>
+                <a:buChar char="•"/>
+              </a:pPr>
+              <a:r>
+                <a:rPr lang="en-US" sz="3500" dirty="0"/>
+                <a:t>AES-CTR: on </a:t>
+              </a:r>
+              <a:r>
+                <a:rPr lang="en-US" sz="3500" dirty="0" err="1"/>
+                <a:t>mnist</a:t>
+              </a:r>
+              <a:r>
+                <a:rPr lang="en-US" sz="3500" dirty="0"/>
+                <a:t> it performs better than permutation but yet on fashion </a:t>
+              </a:r>
+              <a:r>
+                <a:rPr lang="en-US" sz="3500" dirty="0" err="1"/>
+                <a:t>mnist</a:t>
+              </a:r>
+              <a:r>
+                <a:rPr lang="en-US" sz="3500" dirty="0"/>
+                <a:t> the error rate on the </a:t>
+              </a:r>
+              <a:r>
+                <a:rPr lang="en-US" sz="3500" dirty="0" err="1"/>
+                <a:t>adversarials</a:t>
+              </a:r>
+              <a:r>
+                <a:rPr lang="en-US" sz="3500" dirty="0"/>
+                <a:t> is slightly higher</a:t>
+              </a:r>
+            </a:p>
+            <a:p>
+              <a:pPr lvl="0"/>
+              <a:r>
+                <a:rPr lang="en-US" sz="3500" dirty="0"/>
+                <a:t>See </a:t>
+              </a:r>
+              <a:r>
+                <a:rPr lang="en-US" sz="3500" dirty="0" smtClean="0"/>
+                <a:t>table 1 </a:t>
+              </a:r>
+              <a:r>
+                <a:rPr lang="en-US" sz="3500" dirty="0"/>
+                <a:t>for the detailed results.</a:t>
+              </a:r>
+            </a:p>
+          </p:txBody>
+        </p:sp>
+        <p:sp>
+          <p:nvSpPr>
+            <p:cNvPr id="28" name="Text Box 24">
+              <a:extLst>
+                <a:ext uri="{FF2B5EF4-FFF2-40B4-BE49-F238E27FC236}">
+                  <a16:creationId xmlns:a16="http://schemas.microsoft.com/office/drawing/2014/main" xmlns="" id="{DDCE71D6-B80A-48A4-B7E6-F9BD6BB1729A}"/>
+                </a:ext>
+              </a:extLst>
+            </p:cNvPr>
+            <p:cNvSpPr txBox="1"/>
+            <p:nvPr/>
+          </p:nvSpPr>
+          <p:spPr>
+            <a:xfrm>
+              <a:off x="0" y="1"/>
+              <a:ext cx="2934970" cy="237739"/>
+            </a:xfrm>
+            <a:prstGeom prst="rect">
+              <a:avLst/>
+            </a:prstGeom>
+            <a:solidFill>
+              <a:srgbClr val="FF8000"/>
+            </a:solidFill>
+            <a:ln w="6350">
+              <a:noFill/>
+            </a:ln>
+          </p:spPr>
+          <p:txBody>
+            <a:bodyPr rot="0" spcFirstLastPara="0" vert="horz" wrap="square" lIns="91440" tIns="45720" rIns="91440" bIns="45720" numCol="1" spcCol="0" rtlCol="0" fromWordArt="0" anchor="t" anchorCtr="0" forceAA="0" compatLnSpc="1">
+              <a:prstTxWarp prst="textNoShape">
+                <a:avLst/>
+              </a:prstTxWarp>
+              <a:noAutofit/>
+            </a:bodyPr>
+            <a:lstStyle/>
+            <a:p>
+              <a:pPr marR="0" lvl="0" rtl="0">
+                <a:lnSpc>
+                  <a:spcPct val="115000"/>
+                </a:lnSpc>
+                <a:spcBef>
+                  <a:spcPts val="0"/>
+                </a:spcBef>
+                <a:spcAft>
+                  <a:spcPts val="1000"/>
+                </a:spcAft>
+              </a:pPr>
+              <a:r>
+                <a:rPr lang="en-US" sz="4000" b="1" kern="0" dirty="0">
+                  <a:solidFill>
+                    <a:srgbClr val="FFFFFF"/>
+                  </a:solidFill>
+                  <a:latin typeface="Calibri" panose="020F0502020204030204" pitchFamily="34" charset="0"/>
+                  <a:cs typeface="Arial" panose="020B0604020202020204" pitchFamily="34" charset="0"/>
+                </a:rPr>
+                <a:t>Results</a:t>
+              </a:r>
+              <a:endParaRPr lang="en-US" sz="4000" b="1" kern="0" dirty="0">
+                <a:solidFill>
+                  <a:srgbClr val="FFFFFF"/>
+                </a:solidFill>
+                <a:effectLst/>
+                <a:latin typeface="Calibri" panose="020F0502020204030204" pitchFamily="34" charset="0"/>
+                <a:cs typeface="Arial" panose="020B0604020202020204" pitchFamily="34" charset="0"/>
+              </a:endParaRPr>
+            </a:p>
+          </p:txBody>
+        </p:sp>
+      </p:grpSp>
+      <p:pic>
+        <p:nvPicPr>
+          <p:cNvPr id="29" name="Picture 28" descr="A close up of a logo&#10;&#10;Description automatically generated">
+            <a:extLst>
+              <a:ext uri="{FF2B5EF4-FFF2-40B4-BE49-F238E27FC236}">
+                <a16:creationId xmlns:a16="http://schemas.microsoft.com/office/drawing/2014/main" xmlns="" id="{BDAD8B8D-BD13-475B-BD37-08374462998E}"/>
+              </a:ext>
+            </a:extLst>
+          </p:cNvPr>
+          <p:cNvPicPr>
+            <a:picLocks noChangeAspect="1"/>
+          </p:cNvPicPr>
+          <p:nvPr/>
+        </p:nvPicPr>
+        <p:blipFill rotWithShape="1">
+          <a:blip r:embed="rId4" cstate="print">
+            <a:extLst>
+              <a:ext uri="{28A0092B-C50C-407E-A947-70E740481C1C}">
+                <a14:useLocalDpi xmlns:a14="http://schemas.microsoft.com/office/drawing/2010/main" val="0"/>
+              </a:ext>
+            </a:extLst>
+          </a:blip>
+          <a:srcRect l="-6981" t="5497" r="6981" b="7881"/>
+          <a:stretch/>
+        </p:blipFill>
+        <p:spPr>
+          <a:xfrm>
+            <a:off x="27446288" y="40348818"/>
+            <a:ext cx="4953000" cy="2858050"/>
+          </a:xfrm>
+          <a:prstGeom prst="rect">
+            <a:avLst/>
+          </a:prstGeom>
+        </p:spPr>
+      </p:pic>
+      <p:pic>
+        <p:nvPicPr>
+          <p:cNvPr id="30" name="Picture 29" descr="A picture containing clipart&#10;&#10;Description automatically generated">
+            <a:extLst>
+              <a:ext uri="{FF2B5EF4-FFF2-40B4-BE49-F238E27FC236}">
+                <a16:creationId xmlns:a16="http://schemas.microsoft.com/office/drawing/2014/main" xmlns="" id="{9AB95EE0-B0D7-476C-9AFC-F27DE4BA86B1}"/>
+              </a:ext>
+            </a:extLst>
+          </p:cNvPr>
+          <p:cNvPicPr>
+            <a:picLocks noChangeAspect="1"/>
+          </p:cNvPicPr>
+          <p:nvPr/>
+        </p:nvPicPr>
+        <p:blipFill>
+          <a:blip r:embed="rId5">
+            <a:extLst>
+              <a:ext uri="{28A0092B-C50C-407E-A947-70E740481C1C}">
+                <a14:useLocalDpi xmlns:a14="http://schemas.microsoft.com/office/drawing/2010/main" val="0"/>
+              </a:ext>
+            </a:extLst>
+          </a:blip>
+          <a:stretch>
+            <a:fillRect/>
+          </a:stretch>
+        </p:blipFill>
+        <p:spPr>
+          <a:xfrm>
+            <a:off x="23928442" y="41442673"/>
+            <a:ext cx="3971925" cy="1152525"/>
+          </a:xfrm>
+          <a:prstGeom prst="rect">
+            <a:avLst/>
+          </a:prstGeom>
+        </p:spPr>
+      </p:pic>
+      <p:pic>
+        <p:nvPicPr>
+          <p:cNvPr id="31" name="Picture 30">
+            <a:extLst>
+              <a:ext uri="{FF2B5EF4-FFF2-40B4-BE49-F238E27FC236}">
+                <a16:creationId xmlns:a16="http://schemas.microsoft.com/office/drawing/2014/main" xmlns="" id="{2D300F6E-3226-4B98-9BEA-5C5E9F3FCA2F}"/>
+              </a:ext>
+            </a:extLst>
+          </p:cNvPr>
+          <p:cNvPicPr>
+            <a:picLocks noChangeAspect="1"/>
+          </p:cNvPicPr>
+          <p:nvPr/>
+        </p:nvPicPr>
+        <p:blipFill>
+          <a:blip r:embed="rId6">
+            <a:extLst>
+              <a:ext uri="{28A0092B-C50C-407E-A947-70E740481C1C}">
+                <a14:useLocalDpi xmlns:a14="http://schemas.microsoft.com/office/drawing/2010/main" val="0"/>
+              </a:ext>
+            </a:extLst>
+          </a:blip>
+          <a:stretch>
+            <a:fillRect/>
+          </a:stretch>
+        </p:blipFill>
+        <p:spPr>
+          <a:xfrm>
+            <a:off x="17400033" y="41563478"/>
+            <a:ext cx="3686175" cy="1238250"/>
+          </a:xfrm>
+          <a:prstGeom prst="rect">
+            <a:avLst/>
+          </a:prstGeom>
+        </p:spPr>
+      </p:pic>
+      <p:pic>
+        <p:nvPicPr>
+          <p:cNvPr id="32" name="Picture 31" descr="A close up of a sign&#10;&#10;Description automatically generated">
+            <a:extLst>
+              <a:ext uri="{FF2B5EF4-FFF2-40B4-BE49-F238E27FC236}">
+                <a16:creationId xmlns:a16="http://schemas.microsoft.com/office/drawing/2014/main" xmlns="" id="{5CFF3253-5155-4EF1-82F5-8ED05044D2E9}"/>
+              </a:ext>
+            </a:extLst>
+          </p:cNvPr>
+          <p:cNvPicPr>
+            <a:picLocks noChangeAspect="1"/>
+          </p:cNvPicPr>
+          <p:nvPr/>
+        </p:nvPicPr>
+        <p:blipFill>
+          <a:blip r:embed="rId7">
+            <a:extLst>
+              <a:ext uri="{28A0092B-C50C-407E-A947-70E740481C1C}">
+                <a14:useLocalDpi xmlns:a14="http://schemas.microsoft.com/office/drawing/2010/main" val="0"/>
+              </a:ext>
+            </a:extLst>
+          </a:blip>
+          <a:stretch>
+            <a:fillRect/>
+          </a:stretch>
+        </p:blipFill>
+        <p:spPr>
+          <a:xfrm>
+            <a:off x="21035643" y="40801530"/>
+            <a:ext cx="2343150" cy="1952625"/>
+          </a:xfrm>
+          <a:prstGeom prst="rect">
+            <a:avLst/>
+          </a:prstGeom>
+        </p:spPr>
+      </p:pic>
       <p:sp>
         <p:nvSpPr>
-          <p:cNvPr id="60" name="TextBox 59">
+          <p:cNvPr id="33" name="TextBox 32">
             <a:extLst>
               <a:ext uri="{FF2B5EF4-FFF2-40B4-BE49-F238E27FC236}">
-                <a16:creationId xmlns:a16="http://schemas.microsoft.com/office/drawing/2014/main" id="{AEBC7705-6EA4-49D9-A532-D244300FA6C8}"/>
+                <a16:creationId xmlns:a16="http://schemas.microsoft.com/office/drawing/2014/main" xmlns="" id="{FF86FB20-3B2F-4D4F-AED1-287B66222999}"/>
               </a:ext>
             </a:extLst>
           </p:cNvPr>
@@ -5784,15 +7712,13 @@
         </p:nvSpPr>
         <p:spPr>
           <a:xfrm>
-            <a:off x="15537237" y="23839323"/>
-            <a:ext cx="1567300" cy="400110"/>
+            <a:off x="30127482" y="0"/>
+            <a:ext cx="2271806" cy="553998"/>
           </a:xfrm>
           <a:prstGeom prst="rect">
             <a:avLst/>
           </a:prstGeom>
-          <a:solidFill>
-            <a:schemeClr val="bg1"/>
-          </a:solidFill>
+          <a:noFill/>
         </p:spPr>
         <p:txBody>
           <a:bodyPr wrap="square" rtlCol="0">
@@ -5800,64 +7726,1594 @@
           </a:bodyPr>
           <a:lstStyle/>
           <a:p>
-            <a:pPr algn="ctr"/>
+            <a:pPr algn="r" rtl="1"/>
             <a:r>
-              <a:rPr lang="en-US" sz="2000" b="1" dirty="0">
+              <a:rPr lang="he-IL" sz="3000" b="1" dirty="0">
                 <a:solidFill>
-                  <a:srgbClr val="4A929C"/>
+                  <a:schemeClr val="bg1"/>
                 </a:solidFill>
               </a:rPr>
-              <a:t>permutated</a:t>
+              <a:t>בס"ד</a:t>
             </a:r>
+            <a:endParaRPr lang="en-US" sz="3000" b="1" dirty="0">
+              <a:solidFill>
+                <a:schemeClr val="bg1"/>
+              </a:solidFill>
+            </a:endParaRPr>
+          </a:p>
+        </p:txBody>
+      </p:sp>
+      <p:grpSp>
+        <p:nvGrpSpPr>
+          <p:cNvPr id="34" name="Group 33">
+            <a:extLst>
+              <a:ext uri="{FF2B5EF4-FFF2-40B4-BE49-F238E27FC236}">
+                <a16:creationId xmlns:a16="http://schemas.microsoft.com/office/drawing/2014/main" xmlns="" id="{EAAE9E83-C00C-4683-A515-2F1D877519A9}"/>
+              </a:ext>
+            </a:extLst>
+          </p:cNvPr>
+          <p:cNvGrpSpPr/>
+          <p:nvPr/>
+        </p:nvGrpSpPr>
+        <p:grpSpPr>
+          <a:xfrm>
+            <a:off x="6006771" y="9673631"/>
+            <a:ext cx="19295487" cy="5616717"/>
+            <a:chOff x="4606761" y="10105499"/>
+            <a:chExt cx="19295487" cy="5616717"/>
+          </a:xfrm>
+        </p:grpSpPr>
+        <p:grpSp>
+          <p:nvGrpSpPr>
+            <p:cNvPr id="35" name="Group 34">
+              <a:extLst>
+                <a:ext uri="{FF2B5EF4-FFF2-40B4-BE49-F238E27FC236}">
+                  <a16:creationId xmlns:a16="http://schemas.microsoft.com/office/drawing/2014/main" xmlns="" id="{09F0C379-63F2-4290-8C6C-3F483C9BB49C}"/>
+                </a:ext>
+              </a:extLst>
+            </p:cNvPr>
+            <p:cNvGrpSpPr/>
+            <p:nvPr/>
+          </p:nvGrpSpPr>
+          <p:grpSpPr>
+            <a:xfrm>
+              <a:off x="4606761" y="10105499"/>
+              <a:ext cx="19295487" cy="5616717"/>
+              <a:chOff x="4606761" y="10105499"/>
+              <a:chExt cx="19295487" cy="5616717"/>
+            </a:xfrm>
+          </p:grpSpPr>
+          <p:grpSp>
+            <p:nvGrpSpPr>
+              <p:cNvPr id="37" name="Group 36">
+                <a:extLst>
+                  <a:ext uri="{FF2B5EF4-FFF2-40B4-BE49-F238E27FC236}">
+                    <a16:creationId xmlns:a16="http://schemas.microsoft.com/office/drawing/2014/main" xmlns="" id="{B3F72870-8CB5-4FAC-98A8-956E0DD27AB8}"/>
+                  </a:ext>
+                </a:extLst>
+              </p:cNvPr>
+              <p:cNvGrpSpPr/>
+              <p:nvPr/>
+            </p:nvGrpSpPr>
+            <p:grpSpPr>
+              <a:xfrm>
+                <a:off x="4606761" y="10105499"/>
+                <a:ext cx="9535641" cy="3460042"/>
+                <a:chOff x="0" y="1"/>
+                <a:chExt cx="2936623" cy="975902"/>
+              </a:xfrm>
+            </p:grpSpPr>
+            <p:sp>
+              <p:nvSpPr>
+                <p:cNvPr id="42" name="תיבת טקסט 18">
+                  <a:extLst>
+                    <a:ext uri="{FF2B5EF4-FFF2-40B4-BE49-F238E27FC236}">
+                      <a16:creationId xmlns:a16="http://schemas.microsoft.com/office/drawing/2014/main" xmlns="" id="{B1E00C83-719F-4AD1-B51E-D29AE9D370DD}"/>
+                    </a:ext>
+                  </a:extLst>
+                </p:cNvPr>
+                <p:cNvSpPr txBox="1"/>
+                <p:nvPr/>
+              </p:nvSpPr>
+              <p:spPr>
+                <a:xfrm>
+                  <a:off x="5854" y="242463"/>
+                  <a:ext cx="2930769" cy="733440"/>
+                </a:xfrm>
+                <a:prstGeom prst="rect">
+                  <a:avLst/>
+                </a:prstGeom>
+                <a:noFill/>
+                <a:ln w="25400" cap="flat" cmpd="sng" algn="ctr">
+                  <a:noFill/>
+                  <a:prstDash val="solid"/>
+                </a:ln>
+                <a:effectLst/>
+              </p:spPr>
+              <p:txBody>
+                <a:bodyPr rot="0" spcFirstLastPara="0" vert="horz" wrap="square" lIns="91440" tIns="45720" rIns="91440" bIns="45720" numCol="1" spcCol="0" rtlCol="1" fromWordArt="0" anchor="t" anchorCtr="0" forceAA="0" compatLnSpc="1">
+                  <a:prstTxWarp prst="textNoShape">
+                    <a:avLst/>
+                  </a:prstTxWarp>
+                  <a:noAutofit/>
+                </a:bodyPr>
+                <a:lstStyle/>
+                <a:p>
+                  <a:r>
+                    <a:rPr lang="en-US" sz="3500" dirty="0"/>
+                    <a:t>An adversarial example is an instance with small, intentional feature perturbations that cause a machine learning model to make a false prediction.</a:t>
+                  </a:r>
+                </a:p>
+                <a:p>
+                  <a:r>
+                    <a:rPr lang="en-US" sz="3500" dirty="0"/>
+                    <a:t>(See figure 1)</a:t>
+                  </a:r>
+                </a:p>
+              </p:txBody>
+            </p:sp>
+            <p:sp>
+              <p:nvSpPr>
+                <p:cNvPr id="43" name="Text Box 24">
+                  <a:extLst>
+                    <a:ext uri="{FF2B5EF4-FFF2-40B4-BE49-F238E27FC236}">
+                      <a16:creationId xmlns:a16="http://schemas.microsoft.com/office/drawing/2014/main" xmlns="" id="{0ECAC82C-BCA7-4C67-8209-EE4E98F3C078}"/>
+                    </a:ext>
+                  </a:extLst>
+                </p:cNvPr>
+                <p:cNvSpPr txBox="1"/>
+                <p:nvPr/>
+              </p:nvSpPr>
+              <p:spPr>
+                <a:xfrm>
+                  <a:off x="0" y="1"/>
+                  <a:ext cx="2934970" cy="237739"/>
+                </a:xfrm>
+                <a:prstGeom prst="rect">
+                  <a:avLst/>
+                </a:prstGeom>
+                <a:solidFill>
+                  <a:srgbClr val="FF8000"/>
+                </a:solidFill>
+                <a:ln w="6350">
+                  <a:noFill/>
+                </a:ln>
+              </p:spPr>
+              <p:txBody>
+                <a:bodyPr rot="0" spcFirstLastPara="0" vert="horz" wrap="square" lIns="91440" tIns="45720" rIns="91440" bIns="45720" numCol="1" spcCol="0" rtlCol="0" fromWordArt="0" anchor="t" anchorCtr="0" forceAA="0" compatLnSpc="1">
+                  <a:prstTxWarp prst="textNoShape">
+                    <a:avLst/>
+                  </a:prstTxWarp>
+                  <a:noAutofit/>
+                </a:bodyPr>
+                <a:lstStyle/>
+                <a:p>
+                  <a:pPr marR="0" lvl="0" rtl="0">
+                    <a:lnSpc>
+                      <a:spcPct val="115000"/>
+                    </a:lnSpc>
+                    <a:spcBef>
+                      <a:spcPts val="0"/>
+                    </a:spcBef>
+                    <a:spcAft>
+                      <a:spcPts val="1000"/>
+                    </a:spcAft>
+                  </a:pPr>
+                  <a:r>
+                    <a:rPr lang="en-US" sz="4000" b="1" kern="0" dirty="0">
+                      <a:solidFill>
+                        <a:srgbClr val="FFFFFF"/>
+                      </a:solidFill>
+                      <a:latin typeface="Calibri" panose="020F0502020204030204" pitchFamily="34" charset="0"/>
+                      <a:cs typeface="Arial" panose="020B0604020202020204" pitchFamily="34" charset="0"/>
+                    </a:rPr>
+                    <a:t>Background</a:t>
+                  </a:r>
+                  <a:endParaRPr lang="en-US" sz="4000" b="1" kern="0" dirty="0">
+                    <a:solidFill>
+                      <a:srgbClr val="FFFFFF"/>
+                    </a:solidFill>
+                    <a:effectLst/>
+                    <a:latin typeface="Calibri" panose="020F0502020204030204" pitchFamily="34" charset="0"/>
+                    <a:cs typeface="Arial" panose="020B0604020202020204" pitchFamily="34" charset="0"/>
+                  </a:endParaRPr>
+                </a:p>
+              </p:txBody>
+            </p:sp>
+          </p:grpSp>
+          <p:pic>
+            <p:nvPicPr>
+              <p:cNvPr id="38" name="Picture 37" descr="A picture containing animal, mammal&#10;&#10;Description automatically generated">
+                <a:extLst>
+                  <a:ext uri="{FF2B5EF4-FFF2-40B4-BE49-F238E27FC236}">
+                    <a16:creationId xmlns:a16="http://schemas.microsoft.com/office/drawing/2014/main" xmlns="" id="{FCA315CC-D12F-4979-BB29-E36310FBF040}"/>
+                  </a:ext>
+                </a:extLst>
+              </p:cNvPr>
+              <p:cNvPicPr>
+                <a:picLocks noChangeAspect="1"/>
+              </p:cNvPicPr>
+              <p:nvPr/>
+            </p:nvPicPr>
+            <p:blipFill rotWithShape="1">
+              <a:blip r:embed="rId8">
+                <a:extLst>
+                  <a:ext uri="{28A0092B-C50C-407E-A947-70E740481C1C}">
+                    <a14:useLocalDpi xmlns:a14="http://schemas.microsoft.com/office/drawing/2010/main" val="0"/>
+                  </a:ext>
+                </a:extLst>
+              </a:blip>
+              <a:srcRect l="9347" t="8383" r="9738" b="10816"/>
+              <a:stretch/>
+            </p:blipFill>
+            <p:spPr>
+              <a:xfrm>
+                <a:off x="15163362" y="11031574"/>
+                <a:ext cx="8738886" cy="3464390"/>
+              </a:xfrm>
+              <a:prstGeom prst="rect">
+                <a:avLst/>
+              </a:prstGeom>
+              <a:ln>
+                <a:noFill/>
+              </a:ln>
+              <a:effectLst>
+                <a:softEdge rad="0"/>
+              </a:effectLst>
+            </p:spPr>
+          </p:pic>
+          <p:grpSp>
+            <p:nvGrpSpPr>
+              <p:cNvPr id="39" name="Group 38">
+                <a:extLst>
+                  <a:ext uri="{FF2B5EF4-FFF2-40B4-BE49-F238E27FC236}">
+                    <a16:creationId xmlns:a16="http://schemas.microsoft.com/office/drawing/2014/main" xmlns="" id="{097DF1FB-1902-4D2B-AC9A-5520312EF7D4}"/>
+                  </a:ext>
+                </a:extLst>
+              </p:cNvPr>
+              <p:cNvGrpSpPr/>
+              <p:nvPr/>
+            </p:nvGrpSpPr>
+            <p:grpSpPr>
+              <a:xfrm>
+                <a:off x="4608981" y="13636321"/>
+                <a:ext cx="9535641" cy="2085895"/>
+                <a:chOff x="0" y="1"/>
+                <a:chExt cx="2936623" cy="588325"/>
+              </a:xfrm>
+            </p:grpSpPr>
+            <p:sp>
+              <p:nvSpPr>
+                <p:cNvPr id="40" name="תיבת טקסט 18">
+                  <a:extLst>
+                    <a:ext uri="{FF2B5EF4-FFF2-40B4-BE49-F238E27FC236}">
+                      <a16:creationId xmlns:a16="http://schemas.microsoft.com/office/drawing/2014/main" xmlns="" id="{4C2DC625-B102-4C43-8CCF-3A5C9052D80E}"/>
+                    </a:ext>
+                  </a:extLst>
+                </p:cNvPr>
+                <p:cNvSpPr txBox="1"/>
+                <p:nvPr/>
+              </p:nvSpPr>
+              <p:spPr>
+                <a:xfrm>
+                  <a:off x="5854" y="242463"/>
+                  <a:ext cx="2930769" cy="345863"/>
+                </a:xfrm>
+                <a:prstGeom prst="rect">
+                  <a:avLst/>
+                </a:prstGeom>
+                <a:noFill/>
+                <a:ln w="25400" cap="flat" cmpd="sng" algn="ctr">
+                  <a:noFill/>
+                  <a:prstDash val="solid"/>
+                </a:ln>
+                <a:effectLst/>
+              </p:spPr>
+              <p:txBody>
+                <a:bodyPr rot="0" spcFirstLastPara="0" vert="horz" wrap="square" lIns="91440" tIns="45720" rIns="91440" bIns="45720" numCol="1" spcCol="0" rtlCol="1" fromWordArt="0" anchor="t" anchorCtr="0" forceAA="0" compatLnSpc="1">
+                  <a:prstTxWarp prst="textNoShape">
+                    <a:avLst/>
+                  </a:prstTxWarp>
+                  <a:noAutofit/>
+                </a:bodyPr>
+                <a:lstStyle/>
+                <a:p>
+                  <a:r>
+                    <a:rPr lang="en-US" sz="3500" dirty="0"/>
+                    <a:t>Find a way to train ‘secured’ models such that this sort of attacks should not affect them.</a:t>
+                  </a:r>
+                </a:p>
+              </p:txBody>
+            </p:sp>
+            <p:sp>
+              <p:nvSpPr>
+                <p:cNvPr id="41" name="Text Box 24">
+                  <a:extLst>
+                    <a:ext uri="{FF2B5EF4-FFF2-40B4-BE49-F238E27FC236}">
+                      <a16:creationId xmlns:a16="http://schemas.microsoft.com/office/drawing/2014/main" xmlns="" id="{EF1C22F8-4F08-41F5-8D92-751AC30FF63D}"/>
+                    </a:ext>
+                  </a:extLst>
+                </p:cNvPr>
+                <p:cNvSpPr txBox="1"/>
+                <p:nvPr/>
+              </p:nvSpPr>
+              <p:spPr>
+                <a:xfrm>
+                  <a:off x="0" y="1"/>
+                  <a:ext cx="2934970" cy="237739"/>
+                </a:xfrm>
+                <a:prstGeom prst="rect">
+                  <a:avLst/>
+                </a:prstGeom>
+                <a:solidFill>
+                  <a:srgbClr val="FF8000"/>
+                </a:solidFill>
+                <a:ln w="6350">
+                  <a:noFill/>
+                </a:ln>
+              </p:spPr>
+              <p:txBody>
+                <a:bodyPr rot="0" spcFirstLastPara="0" vert="horz" wrap="square" lIns="91440" tIns="45720" rIns="91440" bIns="45720" numCol="1" spcCol="0" rtlCol="0" fromWordArt="0" anchor="t" anchorCtr="0" forceAA="0" compatLnSpc="1">
+                  <a:prstTxWarp prst="textNoShape">
+                    <a:avLst/>
+                  </a:prstTxWarp>
+                  <a:noAutofit/>
+                </a:bodyPr>
+                <a:lstStyle/>
+                <a:p>
+                  <a:pPr marR="0" lvl="0" rtl="0">
+                    <a:lnSpc>
+                      <a:spcPct val="115000"/>
+                    </a:lnSpc>
+                    <a:spcBef>
+                      <a:spcPts val="0"/>
+                    </a:spcBef>
+                    <a:spcAft>
+                      <a:spcPts val="1000"/>
+                    </a:spcAft>
+                  </a:pPr>
+                  <a:r>
+                    <a:rPr lang="en-US" sz="4000" b="1" kern="0" dirty="0">
+                      <a:solidFill>
+                        <a:srgbClr val="FFFFFF"/>
+                      </a:solidFill>
+                      <a:latin typeface="Calibri" panose="020F0502020204030204" pitchFamily="34" charset="0"/>
+                      <a:cs typeface="Arial" panose="020B0604020202020204" pitchFamily="34" charset="0"/>
+                    </a:rPr>
+                    <a:t>Goal</a:t>
+                  </a:r>
+                  <a:endParaRPr lang="en-US" sz="4000" b="1" kern="0" dirty="0">
+                    <a:solidFill>
+                      <a:srgbClr val="FFFFFF"/>
+                    </a:solidFill>
+                    <a:effectLst/>
+                    <a:latin typeface="Calibri" panose="020F0502020204030204" pitchFamily="34" charset="0"/>
+                    <a:cs typeface="Arial" panose="020B0604020202020204" pitchFamily="34" charset="0"/>
+                  </a:endParaRPr>
+                </a:p>
+              </p:txBody>
+            </p:sp>
+          </p:grpSp>
+        </p:grpSp>
+        <p:sp>
+          <p:nvSpPr>
+            <p:cNvPr id="36" name="TextBox 35">
+              <a:extLst>
+                <a:ext uri="{FF2B5EF4-FFF2-40B4-BE49-F238E27FC236}">
+                  <a16:creationId xmlns:a16="http://schemas.microsoft.com/office/drawing/2014/main" xmlns="" id="{D4D5FA7C-76CF-48B8-8564-000535542AB2}"/>
+                </a:ext>
+              </a:extLst>
+            </p:cNvPr>
+            <p:cNvSpPr txBox="1"/>
+            <p:nvPr/>
+          </p:nvSpPr>
+          <p:spPr>
+            <a:xfrm>
+              <a:off x="15439072" y="14495965"/>
+              <a:ext cx="8229600" cy="553998"/>
+            </a:xfrm>
+            <a:prstGeom prst="rect">
+              <a:avLst/>
+            </a:prstGeom>
+            <a:noFill/>
+          </p:spPr>
+          <p:txBody>
+            <a:bodyPr wrap="square" rtlCol="0">
+              <a:spAutoFit/>
+            </a:bodyPr>
+            <a:lstStyle/>
+            <a:p>
+              <a:pPr algn="ctr"/>
+              <a:r>
+                <a:rPr lang="en-US" sz="3000" b="1" dirty="0">
+                  <a:solidFill>
+                    <a:srgbClr val="4A929C"/>
+                  </a:solidFill>
+                </a:rPr>
+                <a:t>Figure 1:</a:t>
+              </a:r>
+              <a:r>
+                <a:rPr lang="en-US" sz="3000" dirty="0"/>
+                <a:t> example of an adversarial example</a:t>
+              </a:r>
+              <a:endParaRPr lang="en-US" sz="3000" b="1" dirty="0"/>
+            </a:p>
+          </p:txBody>
+        </p:sp>
+      </p:grpSp>
+      <p:sp>
+        <p:nvSpPr>
+          <p:cNvPr id="64" name="Right Arrow 63"/>
+          <p:cNvSpPr/>
+          <p:nvPr/>
+        </p:nvSpPr>
+        <p:spPr>
+          <a:xfrm>
+            <a:off x="6490776" y="16537780"/>
+            <a:ext cx="2190980" cy="1481286"/>
+          </a:xfrm>
+          <a:prstGeom prst="rightArrow">
+            <a:avLst/>
+          </a:prstGeom>
+          <a:noFill/>
+          <a:ln w="76200">
+            <a:solidFill>
+              <a:srgbClr val="4A929C"/>
+            </a:solidFill>
+          </a:ln>
+        </p:spPr>
+        <p:style>
+          <a:lnRef idx="2">
+            <a:schemeClr val="accent1">
+              <a:shade val="50000"/>
+            </a:schemeClr>
+          </a:lnRef>
+          <a:fillRef idx="1">
+            <a:schemeClr val="accent1"/>
+          </a:fillRef>
+          <a:effectRef idx="0">
+            <a:schemeClr val="accent1"/>
+          </a:effectRef>
+          <a:fontRef idx="minor">
+            <a:schemeClr val="lt1"/>
+          </a:fontRef>
+        </p:style>
+        <p:txBody>
+          <a:bodyPr rtlCol="0" anchor="ctr"/>
+          <a:lstStyle/>
+          <a:p>
+            <a:pPr algn="ctr"/>
+            <a:endParaRPr lang="en-US"/>
           </a:p>
         </p:txBody>
       </p:sp>
       <p:sp>
         <p:nvSpPr>
-          <p:cNvPr id="61" name="TextBox 60">
-            <a:extLst>
-              <a:ext uri="{FF2B5EF4-FFF2-40B4-BE49-F238E27FC236}">
-                <a16:creationId xmlns:a16="http://schemas.microsoft.com/office/drawing/2014/main" id="{DDC48DBD-CFA5-4ADE-94C9-D1A3CF3159C9}"/>
-              </a:ext>
-            </a:extLst>
-          </p:cNvPr>
-          <p:cNvSpPr txBox="1"/>
+          <p:cNvPr id="65" name="Right Arrow 64"/>
+          <p:cNvSpPr/>
           <p:nvPr/>
         </p:nvSpPr>
         <p:spPr>
           <a:xfrm>
-            <a:off x="19288470" y="23839323"/>
-            <a:ext cx="1567300" cy="400110"/>
+            <a:off x="15151903" y="16537780"/>
+            <a:ext cx="2190980" cy="1481286"/>
           </a:xfrm>
-          <a:prstGeom prst="rect">
+          <a:prstGeom prst="rightArrow">
             <a:avLst/>
           </a:prstGeom>
-          <a:solidFill>
-            <a:schemeClr val="bg1"/>
-          </a:solidFill>
+          <a:noFill/>
+          <a:ln w="76200">
+            <a:solidFill>
+              <a:srgbClr val="4A929C"/>
+            </a:solidFill>
+          </a:ln>
         </p:spPr>
+        <p:style>
+          <a:lnRef idx="2">
+            <a:schemeClr val="accent1">
+              <a:shade val="50000"/>
+            </a:schemeClr>
+          </a:lnRef>
+          <a:fillRef idx="1">
+            <a:schemeClr val="accent1"/>
+          </a:fillRef>
+          <a:effectRef idx="0">
+            <a:schemeClr val="accent1"/>
+          </a:effectRef>
+          <a:fontRef idx="minor">
+            <a:schemeClr val="lt1"/>
+          </a:fontRef>
+        </p:style>
         <p:txBody>
-          <a:bodyPr wrap="square" rtlCol="0">
-            <a:spAutoFit/>
-          </a:bodyPr>
+          <a:bodyPr rtlCol="0" anchor="ctr"/>
           <a:lstStyle/>
           <a:p>
             <a:pPr algn="ctr"/>
-            <a:r>
-              <a:rPr lang="en-US" sz="2000" b="1" dirty="0">
+            <a:endParaRPr lang="en-US"/>
+          </a:p>
+        </p:txBody>
+      </p:sp>
+      <p:sp>
+        <p:nvSpPr>
+          <p:cNvPr id="66" name="Right Arrow 65"/>
+          <p:cNvSpPr/>
+          <p:nvPr/>
+        </p:nvSpPr>
+        <p:spPr>
+          <a:xfrm>
+            <a:off x="23751999" y="16537780"/>
+            <a:ext cx="2190980" cy="1481286"/>
+          </a:xfrm>
+          <a:prstGeom prst="rightArrow">
+            <a:avLst/>
+          </a:prstGeom>
+          <a:noFill/>
+          <a:ln w="76200">
+            <a:solidFill>
+              <a:srgbClr val="4A929C"/>
+            </a:solidFill>
+          </a:ln>
+        </p:spPr>
+        <p:style>
+          <a:lnRef idx="2">
+            <a:schemeClr val="accent1">
+              <a:shade val="50000"/>
+            </a:schemeClr>
+          </a:lnRef>
+          <a:fillRef idx="1">
+            <a:schemeClr val="accent1"/>
+          </a:fillRef>
+          <a:effectRef idx="0">
+            <a:schemeClr val="accent1"/>
+          </a:effectRef>
+          <a:fontRef idx="minor">
+            <a:schemeClr val="lt1"/>
+          </a:fontRef>
+        </p:style>
+        <p:txBody>
+          <a:bodyPr rtlCol="0" anchor="ctr"/>
+          <a:lstStyle/>
+          <a:p>
+            <a:pPr algn="ctr"/>
+            <a:endParaRPr lang="en-US"/>
+          </a:p>
+        </p:txBody>
+      </p:sp>
+      <p:grpSp>
+        <p:nvGrpSpPr>
+          <p:cNvPr id="67" name="Group 66">
+            <a:extLst>
+              <a:ext uri="{FF2B5EF4-FFF2-40B4-BE49-F238E27FC236}">
+                <a16:creationId xmlns:a16="http://schemas.microsoft.com/office/drawing/2014/main" xmlns="" id="{B058EA77-FB11-4A9B-84FB-10DEB68EB2F0}"/>
+              </a:ext>
+            </a:extLst>
+          </p:cNvPr>
+          <p:cNvGrpSpPr/>
+          <p:nvPr/>
+        </p:nvGrpSpPr>
+        <p:grpSpPr>
+          <a:xfrm>
+            <a:off x="-20054" y="22652314"/>
+            <a:ext cx="10759440" cy="4030404"/>
+            <a:chOff x="11002127" y="17994589"/>
+            <a:chExt cx="10759440" cy="4030404"/>
+          </a:xfrm>
+        </p:grpSpPr>
+        <p:pic>
+          <p:nvPicPr>
+            <p:cNvPr id="68" name="Picture 67">
+              <a:extLst>
+                <a:ext uri="{FF2B5EF4-FFF2-40B4-BE49-F238E27FC236}">
+                  <a16:creationId xmlns:a16="http://schemas.microsoft.com/office/drawing/2014/main" xmlns="" id="{183F4D8F-C0FC-4880-B20B-91ED8A9D00B8}"/>
+                </a:ext>
+              </a:extLst>
+            </p:cNvPr>
+            <p:cNvPicPr>
+              <a:picLocks noChangeAspect="1"/>
+            </p:cNvPicPr>
+            <p:nvPr/>
+          </p:nvPicPr>
+          <p:blipFill>
+            <a:blip r:embed="rId9">
+              <a:extLst>
+                <a:ext uri="{28A0092B-C50C-407E-A947-70E740481C1C}">
+                  <a14:useLocalDpi xmlns:a14="http://schemas.microsoft.com/office/drawing/2010/main" val="0"/>
+                </a:ext>
+              </a:extLst>
+            </a:blip>
+            <a:stretch>
+              <a:fillRect/>
+            </a:stretch>
+          </p:blipFill>
+          <p:spPr>
+            <a:xfrm>
+              <a:off x="11002127" y="17994589"/>
+              <a:ext cx="10759440" cy="3642360"/>
+            </a:xfrm>
+            <a:prstGeom prst="rect">
+              <a:avLst/>
+            </a:prstGeom>
+          </p:spPr>
+        </p:pic>
+        <p:sp>
+          <p:nvSpPr>
+            <p:cNvPr id="69" name="TextBox 68">
+              <a:extLst>
+                <a:ext uri="{FF2B5EF4-FFF2-40B4-BE49-F238E27FC236}">
+                  <a16:creationId xmlns:a16="http://schemas.microsoft.com/office/drawing/2014/main" xmlns="" id="{7FCFA7D3-F8A1-43D0-94A1-382EABC6FA7B}"/>
+                </a:ext>
+              </a:extLst>
+            </p:cNvPr>
+            <p:cNvSpPr txBox="1"/>
+            <p:nvPr/>
+          </p:nvSpPr>
+          <p:spPr>
+            <a:xfrm>
+              <a:off x="12267724" y="21470995"/>
+              <a:ext cx="8229600" cy="553998"/>
+            </a:xfrm>
+            <a:prstGeom prst="rect">
+              <a:avLst/>
+            </a:prstGeom>
+            <a:noFill/>
+          </p:spPr>
+          <p:txBody>
+            <a:bodyPr wrap="square" rtlCol="0">
+              <a:spAutoFit/>
+            </a:bodyPr>
+            <a:lstStyle/>
+            <a:p>
+              <a:pPr algn="ctr"/>
+              <a:r>
+                <a:rPr lang="en-US" sz="3000" b="1" dirty="0">
+                  <a:solidFill>
+                    <a:srgbClr val="4A929C"/>
+                  </a:solidFill>
+                </a:rPr>
+                <a:t>Figure 2:</a:t>
+              </a:r>
+              <a:r>
+                <a:rPr lang="en-US" sz="3000" dirty="0"/>
+                <a:t> architecture of the secure models</a:t>
+              </a:r>
+              <a:endParaRPr lang="en-US" sz="3000" b="1" dirty="0"/>
+            </a:p>
+          </p:txBody>
+        </p:sp>
+      </p:grpSp>
+      <p:grpSp>
+        <p:nvGrpSpPr>
+          <p:cNvPr id="70" name="Group 69"/>
+          <p:cNvGrpSpPr/>
+          <p:nvPr/>
+        </p:nvGrpSpPr>
+        <p:grpSpPr>
+          <a:xfrm>
+            <a:off x="11526932" y="22652314"/>
+            <a:ext cx="11775842" cy="5053580"/>
+            <a:chOff x="10360762" y="23839323"/>
+            <a:chExt cx="11775842" cy="5053580"/>
+          </a:xfrm>
+        </p:grpSpPr>
+        <p:grpSp>
+          <p:nvGrpSpPr>
+            <p:cNvPr id="71" name="Group 70"/>
+            <p:cNvGrpSpPr/>
+            <p:nvPr/>
+          </p:nvGrpSpPr>
+          <p:grpSpPr>
+            <a:xfrm>
+              <a:off x="10360762" y="23839323"/>
+              <a:ext cx="11775842" cy="5053580"/>
+              <a:chOff x="10360762" y="23839323"/>
+              <a:chExt cx="11775842" cy="5053580"/>
+            </a:xfrm>
+          </p:grpSpPr>
+          <p:grpSp>
+            <p:nvGrpSpPr>
+              <p:cNvPr id="73" name="Group 72"/>
+              <p:cNvGrpSpPr/>
+              <p:nvPr/>
+            </p:nvGrpSpPr>
+            <p:grpSpPr>
+              <a:xfrm>
+                <a:off x="10360762" y="23839323"/>
+                <a:ext cx="11775842" cy="5053580"/>
+                <a:chOff x="10360762" y="23839323"/>
+                <a:chExt cx="11775842" cy="5053580"/>
+              </a:xfrm>
+            </p:grpSpPr>
+            <p:grpSp>
+              <p:nvGrpSpPr>
+                <p:cNvPr id="75" name="Group 74">
+                  <a:extLst>
+                    <a:ext uri="{FF2B5EF4-FFF2-40B4-BE49-F238E27FC236}">
+                      <a16:creationId xmlns:a16="http://schemas.microsoft.com/office/drawing/2014/main" xmlns="" id="{24ED838A-64AB-48D2-8E80-0C822A9BD5F5}"/>
+                    </a:ext>
+                  </a:extLst>
+                </p:cNvPr>
+                <p:cNvGrpSpPr/>
+                <p:nvPr/>
+              </p:nvGrpSpPr>
+              <p:grpSpPr>
+                <a:xfrm>
+                  <a:off x="10360762" y="23895961"/>
+                  <a:ext cx="11775842" cy="4996942"/>
+                  <a:chOff x="10360762" y="23895961"/>
+                  <a:chExt cx="11775842" cy="4996942"/>
+                </a:xfrm>
+              </p:grpSpPr>
+              <p:grpSp>
+                <p:nvGrpSpPr>
+                  <p:cNvPr id="77" name="Group 76">
+                    <a:extLst>
+                      <a:ext uri="{FF2B5EF4-FFF2-40B4-BE49-F238E27FC236}">
+                        <a16:creationId xmlns:a16="http://schemas.microsoft.com/office/drawing/2014/main" xmlns="" id="{F0B6B916-47D4-47D7-8707-42B3D2DF5719}"/>
+                      </a:ext>
+                    </a:extLst>
+                  </p:cNvPr>
+                  <p:cNvGrpSpPr>
+                    <a:grpSpLocks noChangeAspect="1"/>
+                  </p:cNvGrpSpPr>
+                  <p:nvPr/>
+                </p:nvGrpSpPr>
+                <p:grpSpPr>
+                  <a:xfrm>
+                    <a:off x="10360762" y="23895961"/>
+                    <a:ext cx="11775842" cy="3200400"/>
+                    <a:chOff x="7421386" y="23646433"/>
+                    <a:chExt cx="16171597" cy="4395064"/>
+                  </a:xfrm>
+                </p:grpSpPr>
+                <p:pic>
+                  <p:nvPicPr>
+                    <p:cNvPr id="79" name="Picture 78" descr="A close up of a mans face&#10;&#10;Description automatically generated">
+                      <a:extLst>
+                        <a:ext uri="{FF2B5EF4-FFF2-40B4-BE49-F238E27FC236}">
+                          <a16:creationId xmlns:a16="http://schemas.microsoft.com/office/drawing/2014/main" xmlns="" id="{32D2C511-A387-4025-86EA-DB5B0181FD54}"/>
+                        </a:ext>
+                      </a:extLst>
+                    </p:cNvPr>
+                    <p:cNvPicPr>
+                      <a:picLocks noChangeAspect="1"/>
+                    </p:cNvPicPr>
+                    <p:nvPr/>
+                  </p:nvPicPr>
+                  <p:blipFill>
+                    <a:blip r:embed="rId10">
+                      <a:extLst>
+                        <a:ext uri="{28A0092B-C50C-407E-A947-70E740481C1C}">
+                          <a14:useLocalDpi xmlns:a14="http://schemas.microsoft.com/office/drawing/2010/main" val="0"/>
+                        </a:ext>
+                      </a:extLst>
+                    </a:blip>
+                    <a:stretch>
+                      <a:fillRect/>
+                    </a:stretch>
+                  </p:blipFill>
+                  <p:spPr>
+                    <a:xfrm>
+                      <a:off x="17740811" y="23646433"/>
+                      <a:ext cx="5852172" cy="4389129"/>
+                    </a:xfrm>
+                    <a:prstGeom prst="rect">
+                      <a:avLst/>
+                    </a:prstGeom>
+                  </p:spPr>
+                </p:pic>
+                <p:pic>
+                  <p:nvPicPr>
+                    <p:cNvPr id="80" name="Picture 79" descr="A picture containing crossword puzzle&#10;&#10;Description automatically generated">
+                      <a:extLst>
+                        <a:ext uri="{FF2B5EF4-FFF2-40B4-BE49-F238E27FC236}">
+                          <a16:creationId xmlns:a16="http://schemas.microsoft.com/office/drawing/2014/main" xmlns="" id="{CD72D629-02A7-45B8-A561-8916419CA9C3}"/>
+                        </a:ext>
+                      </a:extLst>
+                    </p:cNvPr>
+                    <p:cNvPicPr>
+                      <a:picLocks noChangeAspect="1"/>
+                    </p:cNvPicPr>
+                    <p:nvPr/>
+                  </p:nvPicPr>
+                  <p:blipFill>
+                    <a:blip r:embed="rId11">
+                      <a:extLst>
+                        <a:ext uri="{28A0092B-C50C-407E-A947-70E740481C1C}">
+                          <a14:useLocalDpi xmlns:a14="http://schemas.microsoft.com/office/drawing/2010/main" val="0"/>
+                        </a:ext>
+                      </a:extLst>
+                    </a:blip>
+                    <a:stretch>
+                      <a:fillRect/>
+                    </a:stretch>
+                  </p:blipFill>
+                  <p:spPr>
+                    <a:xfrm>
+                      <a:off x="12572901" y="23646434"/>
+                      <a:ext cx="5852172" cy="4389129"/>
+                    </a:xfrm>
+                    <a:prstGeom prst="rect">
+                      <a:avLst/>
+                    </a:prstGeom>
+                  </p:spPr>
+                </p:pic>
+                <p:pic>
+                  <p:nvPicPr>
+                    <p:cNvPr id="81" name="Picture 80" descr="A close up of a logo&#10;&#10;Description automatically generated">
+                      <a:extLst>
+                        <a:ext uri="{FF2B5EF4-FFF2-40B4-BE49-F238E27FC236}">
+                          <a16:creationId xmlns:a16="http://schemas.microsoft.com/office/drawing/2014/main" xmlns="" id="{851CCF99-BF61-4C42-B20B-EE71645C9F91}"/>
+                        </a:ext>
+                      </a:extLst>
+                    </p:cNvPr>
+                    <p:cNvPicPr>
+                      <a:picLocks noChangeAspect="1"/>
+                    </p:cNvPicPr>
+                    <p:nvPr/>
+                  </p:nvPicPr>
+                  <p:blipFill>
+                    <a:blip r:embed="rId12">
+                      <a:extLst>
+                        <a:ext uri="{28A0092B-C50C-407E-A947-70E740481C1C}">
+                          <a14:useLocalDpi xmlns:a14="http://schemas.microsoft.com/office/drawing/2010/main" val="0"/>
+                        </a:ext>
+                      </a:extLst>
+                    </a:blip>
+                    <a:stretch>
+                      <a:fillRect/>
+                    </a:stretch>
+                  </p:blipFill>
+                  <p:spPr>
+                    <a:xfrm>
+                      <a:off x="7421386" y="23652368"/>
+                      <a:ext cx="5852172" cy="4389129"/>
+                    </a:xfrm>
+                    <a:prstGeom prst="rect">
+                      <a:avLst/>
+                    </a:prstGeom>
+                  </p:spPr>
+                </p:pic>
+              </p:grpSp>
+              <p:sp>
+                <p:nvSpPr>
+                  <p:cNvPr id="78" name="TextBox 77">
+                    <a:extLst>
+                      <a:ext uri="{FF2B5EF4-FFF2-40B4-BE49-F238E27FC236}">
+                        <a16:creationId xmlns:a16="http://schemas.microsoft.com/office/drawing/2014/main" xmlns="" id="{637C6D92-7606-4F84-8C01-1A37926C07EB}"/>
+                      </a:ext>
+                    </a:extLst>
+                  </p:cNvPr>
+                  <p:cNvSpPr txBox="1"/>
+                  <p:nvPr/>
+                </p:nvSpPr>
+                <p:spPr>
+                  <a:xfrm>
+                    <a:off x="11447635" y="26953911"/>
+                    <a:ext cx="9504018" cy="1938992"/>
+                  </a:xfrm>
+                  <a:prstGeom prst="rect">
+                    <a:avLst/>
+                  </a:prstGeom>
+                  <a:noFill/>
+                </p:spPr>
+                <p:txBody>
+                  <a:bodyPr wrap="square" rtlCol="0">
+                    <a:spAutoFit/>
+                  </a:bodyPr>
+                  <a:lstStyle/>
+                  <a:p>
+                    <a:pPr algn="ctr"/>
+                    <a:r>
+                      <a:rPr lang="en-US" sz="3000" b="1" dirty="0">
+                        <a:solidFill>
+                          <a:srgbClr val="4A929C"/>
+                        </a:solidFill>
+                      </a:rPr>
+                      <a:t>Figure 3:</a:t>
+                    </a:r>
+                    <a:r>
+                      <a:rPr lang="en-US" sz="3000" dirty="0"/>
+                      <a:t> Sample of the encrypted images (permutated and </a:t>
+                    </a:r>
+                    <a:r>
+                      <a:rPr lang="en-US" sz="3000" dirty="0" err="1"/>
+                      <a:t>aes</a:t>
+                    </a:r>
+                    <a:r>
+                      <a:rPr lang="en-US" sz="3000" dirty="0"/>
+                      <a:t>-ctr). Interesting to see how for the human eyes it’s impossible to distinguish between various classes but a DNN model classifies quite well, see figure 5 for accuracies</a:t>
+                    </a:r>
+                    <a:endParaRPr lang="en-US" sz="3000" b="1" dirty="0"/>
+                  </a:p>
+                </p:txBody>
+              </p:sp>
+            </p:grpSp>
+            <p:sp>
+              <p:nvSpPr>
+                <p:cNvPr id="76" name="TextBox 75">
+                  <a:extLst>
+                    <a:ext uri="{FF2B5EF4-FFF2-40B4-BE49-F238E27FC236}">
+                      <a16:creationId xmlns:a16="http://schemas.microsoft.com/office/drawing/2014/main" xmlns="" id="{14050F8D-7522-4453-A178-2ACCC1521BC9}"/>
+                    </a:ext>
+                  </a:extLst>
+                </p:cNvPr>
+                <p:cNvSpPr txBox="1"/>
+                <p:nvPr/>
+              </p:nvSpPr>
+              <p:spPr>
+                <a:xfrm>
+                  <a:off x="11707831" y="23839323"/>
+                  <a:ext cx="1567300" cy="400110"/>
+                </a:xfrm>
+                <a:prstGeom prst="rect">
+                  <a:avLst/>
+                </a:prstGeom>
                 <a:solidFill>
-                  <a:srgbClr val="4A929C"/>
+                  <a:schemeClr val="bg1"/>
                 </a:solidFill>
-              </a:rPr>
-              <a:t>ctr</a:t>
-            </a:r>
+              </p:spPr>
+              <p:txBody>
+                <a:bodyPr wrap="square" rtlCol="0">
+                  <a:spAutoFit/>
+                </a:bodyPr>
+                <a:lstStyle/>
+                <a:p>
+                  <a:pPr algn="ctr"/>
+                  <a:r>
+                    <a:rPr lang="en-US" sz="2000" b="1" dirty="0">
+                      <a:solidFill>
+                        <a:srgbClr val="4A929C"/>
+                      </a:solidFill>
+                    </a:rPr>
+                    <a:t>original</a:t>
+                  </a:r>
+                </a:p>
+              </p:txBody>
+            </p:sp>
+          </p:grpSp>
+          <p:sp>
+            <p:nvSpPr>
+              <p:cNvPr id="74" name="TextBox 73">
+                <a:extLst>
+                  <a:ext uri="{FF2B5EF4-FFF2-40B4-BE49-F238E27FC236}">
+                    <a16:creationId xmlns:a16="http://schemas.microsoft.com/office/drawing/2014/main" xmlns="" id="{AEBC7705-6EA4-49D9-A532-D244300FA6C8}"/>
+                  </a:ext>
+                </a:extLst>
+              </p:cNvPr>
+              <p:cNvSpPr txBox="1"/>
+              <p:nvPr/>
+            </p:nvSpPr>
+            <p:spPr>
+              <a:xfrm>
+                <a:off x="15537237" y="23839323"/>
+                <a:ext cx="1567300" cy="400110"/>
+              </a:xfrm>
+              <a:prstGeom prst="rect">
+                <a:avLst/>
+              </a:prstGeom>
+              <a:solidFill>
+                <a:schemeClr val="bg1"/>
+              </a:solidFill>
+            </p:spPr>
+            <p:txBody>
+              <a:bodyPr wrap="square" rtlCol="0">
+                <a:spAutoFit/>
+              </a:bodyPr>
+              <a:lstStyle/>
+              <a:p>
+                <a:pPr algn="ctr"/>
+                <a:r>
+                  <a:rPr lang="en-US" sz="2000" b="1" dirty="0">
+                    <a:solidFill>
+                      <a:srgbClr val="4A929C"/>
+                    </a:solidFill>
+                  </a:rPr>
+                  <a:t>permutated</a:t>
+                </a:r>
+              </a:p>
+            </p:txBody>
+          </p:sp>
+        </p:grpSp>
+        <p:sp>
+          <p:nvSpPr>
+            <p:cNvPr id="72" name="TextBox 71">
+              <a:extLst>
+                <a:ext uri="{FF2B5EF4-FFF2-40B4-BE49-F238E27FC236}">
+                  <a16:creationId xmlns:a16="http://schemas.microsoft.com/office/drawing/2014/main" xmlns="" id="{DDC48DBD-CFA5-4ADE-94C9-D1A3CF3159C9}"/>
+                </a:ext>
+              </a:extLst>
+            </p:cNvPr>
+            <p:cNvSpPr txBox="1"/>
+            <p:nvPr/>
+          </p:nvSpPr>
+          <p:spPr>
+            <a:xfrm>
+              <a:off x="19288470" y="23839323"/>
+              <a:ext cx="1567300" cy="400110"/>
+            </a:xfrm>
+            <a:prstGeom prst="rect">
+              <a:avLst/>
+            </a:prstGeom>
+            <a:solidFill>
+              <a:schemeClr val="bg1"/>
+            </a:solidFill>
+          </p:spPr>
+          <p:txBody>
+            <a:bodyPr wrap="square" rtlCol="0">
+              <a:spAutoFit/>
+            </a:bodyPr>
+            <a:lstStyle/>
+            <a:p>
+              <a:pPr algn="ctr"/>
+              <a:r>
+                <a:rPr lang="en-US" sz="2000" b="1" dirty="0">
+                  <a:solidFill>
+                    <a:srgbClr val="4A929C"/>
+                  </a:solidFill>
+                </a:rPr>
+                <a:t>ctr</a:t>
+              </a:r>
+            </a:p>
+          </p:txBody>
+        </p:sp>
+      </p:grpSp>
+      <p:grpSp>
+        <p:nvGrpSpPr>
+          <p:cNvPr id="82" name="Group 81">
+            <a:extLst>
+              <a:ext uri="{FF2B5EF4-FFF2-40B4-BE49-F238E27FC236}">
+                <a16:creationId xmlns:a16="http://schemas.microsoft.com/office/drawing/2014/main" xmlns="" id="{EB0912F7-8B3A-4AAC-AA96-728E3C48058F}"/>
+              </a:ext>
+            </a:extLst>
+          </p:cNvPr>
+          <p:cNvGrpSpPr/>
+          <p:nvPr/>
+        </p:nvGrpSpPr>
+        <p:grpSpPr>
+          <a:xfrm>
+            <a:off x="23579923" y="21796965"/>
+            <a:ext cx="8229600" cy="8314887"/>
+            <a:chOff x="12127914" y="29786254"/>
+            <a:chExt cx="8229600" cy="8314887"/>
+          </a:xfrm>
+        </p:grpSpPr>
+        <p:pic>
+          <p:nvPicPr>
+            <p:cNvPr id="83" name="Picture 82" descr="A screenshot of a cell phone&#10;&#10;Description automatically generated">
+              <a:extLst>
+                <a:ext uri="{FF2B5EF4-FFF2-40B4-BE49-F238E27FC236}">
+                  <a16:creationId xmlns:a16="http://schemas.microsoft.com/office/drawing/2014/main" xmlns="" id="{6A2908E3-7247-4725-8E43-49AB065CB409}"/>
+                </a:ext>
+              </a:extLst>
+            </p:cNvPr>
+            <p:cNvPicPr>
+              <a:picLocks noChangeAspect="1"/>
+            </p:cNvPicPr>
+            <p:nvPr/>
+          </p:nvPicPr>
+          <p:blipFill>
+            <a:blip r:embed="rId13">
+              <a:extLst>
+                <a:ext uri="{28A0092B-C50C-407E-A947-70E740481C1C}">
+                  <a14:useLocalDpi xmlns:a14="http://schemas.microsoft.com/office/drawing/2010/main" val="0"/>
+                </a:ext>
+              </a:extLst>
+            </a:blip>
+            <a:stretch>
+              <a:fillRect/>
+            </a:stretch>
+          </p:blipFill>
+          <p:spPr>
+            <a:xfrm>
+              <a:off x="13316628" y="29786254"/>
+              <a:ext cx="5852172" cy="4389129"/>
+            </a:xfrm>
+            <a:prstGeom prst="rect">
+              <a:avLst/>
+            </a:prstGeom>
+          </p:spPr>
+        </p:pic>
+        <p:pic>
+          <p:nvPicPr>
+            <p:cNvPr id="84" name="Picture 83" descr="A screenshot of a cell phone&#10;&#10;Description automatically generated">
+              <a:extLst>
+                <a:ext uri="{FF2B5EF4-FFF2-40B4-BE49-F238E27FC236}">
+                  <a16:creationId xmlns:a16="http://schemas.microsoft.com/office/drawing/2014/main" xmlns="" id="{D990B65E-456D-4494-9154-DB49D9FAD3C5}"/>
+                </a:ext>
+              </a:extLst>
+            </p:cNvPr>
+            <p:cNvPicPr>
+              <a:picLocks noChangeAspect="1"/>
+            </p:cNvPicPr>
+            <p:nvPr/>
+          </p:nvPicPr>
+          <p:blipFill>
+            <a:blip r:embed="rId14">
+              <a:extLst>
+                <a:ext uri="{28A0092B-C50C-407E-A947-70E740481C1C}">
+                  <a14:useLocalDpi xmlns:a14="http://schemas.microsoft.com/office/drawing/2010/main" val="0"/>
+                </a:ext>
+              </a:extLst>
+            </a:blip>
+            <a:stretch>
+              <a:fillRect/>
+            </a:stretch>
+          </p:blipFill>
+          <p:spPr>
+            <a:xfrm>
+              <a:off x="13322080" y="33712012"/>
+              <a:ext cx="5852172" cy="4389129"/>
+            </a:xfrm>
+            <a:prstGeom prst="rect">
+              <a:avLst/>
+            </a:prstGeom>
+          </p:spPr>
+        </p:pic>
+        <p:sp>
+          <p:nvSpPr>
+            <p:cNvPr id="85" name="TextBox 84">
+              <a:extLst>
+                <a:ext uri="{FF2B5EF4-FFF2-40B4-BE49-F238E27FC236}">
+                  <a16:creationId xmlns:a16="http://schemas.microsoft.com/office/drawing/2014/main" xmlns="" id="{0220DA71-9439-428E-ACE0-C0136A19093E}"/>
+                </a:ext>
+              </a:extLst>
+            </p:cNvPr>
+            <p:cNvSpPr txBox="1"/>
+            <p:nvPr/>
+          </p:nvSpPr>
+          <p:spPr>
+            <a:xfrm>
+              <a:off x="12127914" y="37291010"/>
+              <a:ext cx="8229600" cy="553998"/>
+            </a:xfrm>
+            <a:prstGeom prst="rect">
+              <a:avLst/>
+            </a:prstGeom>
+            <a:noFill/>
+          </p:spPr>
+          <p:txBody>
+            <a:bodyPr wrap="square" rtlCol="0">
+              <a:spAutoFit/>
+            </a:bodyPr>
+            <a:lstStyle/>
+            <a:p>
+              <a:pPr algn="ctr"/>
+              <a:r>
+                <a:rPr lang="en-US" sz="3000" b="1" dirty="0">
+                  <a:solidFill>
+                    <a:srgbClr val="4A929C"/>
+                  </a:solidFill>
+                </a:rPr>
+                <a:t>Figure 4:</a:t>
+              </a:r>
+              <a:r>
+                <a:rPr lang="en-US" sz="3000" b="1" dirty="0">
+                  <a:solidFill>
+                    <a:srgbClr val="5F8388"/>
+                  </a:solidFill>
+                </a:rPr>
+                <a:t> </a:t>
+              </a:r>
+              <a:r>
+                <a:rPr lang="en-US" sz="3000" dirty="0"/>
+                <a:t>visualization of a CW and FGSM attack</a:t>
+              </a:r>
+            </a:p>
+          </p:txBody>
+        </p:sp>
+      </p:grpSp>
+      <p:grpSp>
+        <p:nvGrpSpPr>
+          <p:cNvPr id="86" name="Group 85">
+            <a:extLst>
+              <a:ext uri="{FF2B5EF4-FFF2-40B4-BE49-F238E27FC236}">
+                <a16:creationId xmlns:a16="http://schemas.microsoft.com/office/drawing/2014/main" xmlns="" id="{41514877-7A55-49CB-A4FB-A2AE2DEDCE5F}"/>
+              </a:ext>
+            </a:extLst>
+          </p:cNvPr>
+          <p:cNvGrpSpPr/>
+          <p:nvPr/>
+        </p:nvGrpSpPr>
+        <p:grpSpPr>
+          <a:xfrm>
+            <a:off x="10977243" y="28207051"/>
+            <a:ext cx="10058400" cy="7805553"/>
+            <a:chOff x="22097789" y="24778545"/>
+            <a:chExt cx="10058400" cy="7805553"/>
+          </a:xfrm>
+        </p:grpSpPr>
+        <p:pic>
+          <p:nvPicPr>
+            <p:cNvPr id="87" name="Picture 86" descr="A screenshot of a cell phone&#10;&#10;Description automatically generated">
+              <a:extLst>
+                <a:ext uri="{FF2B5EF4-FFF2-40B4-BE49-F238E27FC236}">
+                  <a16:creationId xmlns:a16="http://schemas.microsoft.com/office/drawing/2014/main" xmlns="" id="{496D2D3E-80C1-478A-ABCC-63E9EA54D44B}"/>
+                </a:ext>
+              </a:extLst>
+            </p:cNvPr>
+            <p:cNvPicPr>
+              <a:picLocks noChangeAspect="1"/>
+            </p:cNvPicPr>
+            <p:nvPr/>
+          </p:nvPicPr>
+          <p:blipFill>
+            <a:blip r:embed="rId15">
+              <a:extLst>
+                <a:ext uri="{28A0092B-C50C-407E-A947-70E740481C1C}">
+                  <a14:useLocalDpi xmlns:a14="http://schemas.microsoft.com/office/drawing/2010/main" val="0"/>
+                </a:ext>
+              </a:extLst>
+            </a:blip>
+            <a:stretch>
+              <a:fillRect/>
+            </a:stretch>
+          </p:blipFill>
+          <p:spPr>
+            <a:xfrm>
+              <a:off x="22097789" y="24778545"/>
+              <a:ext cx="10058400" cy="7055633"/>
+            </a:xfrm>
+            <a:prstGeom prst="rect">
+              <a:avLst/>
+            </a:prstGeom>
+          </p:spPr>
+        </p:pic>
+        <p:sp>
+          <p:nvSpPr>
+            <p:cNvPr id="88" name="TextBox 87">
+              <a:extLst>
+                <a:ext uri="{FF2B5EF4-FFF2-40B4-BE49-F238E27FC236}">
+                  <a16:creationId xmlns:a16="http://schemas.microsoft.com/office/drawing/2014/main" xmlns="" id="{1ED11102-FED3-4699-B8AB-02B061BBA364}"/>
+                </a:ext>
+              </a:extLst>
+            </p:cNvPr>
+            <p:cNvSpPr txBox="1"/>
+            <p:nvPr/>
+          </p:nvSpPr>
+          <p:spPr>
+            <a:xfrm>
+              <a:off x="23012189" y="32030100"/>
+              <a:ext cx="8229600" cy="553998"/>
+            </a:xfrm>
+            <a:prstGeom prst="rect">
+              <a:avLst/>
+            </a:prstGeom>
+            <a:noFill/>
+          </p:spPr>
+          <p:txBody>
+            <a:bodyPr wrap="square" rtlCol="0">
+              <a:spAutoFit/>
+            </a:bodyPr>
+            <a:lstStyle/>
+            <a:p>
+              <a:pPr algn="ctr"/>
+              <a:r>
+                <a:rPr lang="en-US" sz="3000" b="1" dirty="0" smtClean="0">
+                  <a:solidFill>
+                    <a:srgbClr val="4A929C"/>
+                  </a:solidFill>
+                </a:rPr>
+                <a:t>Table</a:t>
+              </a:r>
+              <a:r>
+                <a:rPr lang="en-US" sz="3000" b="1" dirty="0" smtClean="0">
+                  <a:solidFill>
+                    <a:srgbClr val="4A929C"/>
+                  </a:solidFill>
+                </a:rPr>
+                <a:t> 1:</a:t>
+              </a:r>
+              <a:r>
+                <a:rPr lang="en-US" sz="3000" b="1" dirty="0" smtClean="0">
+                  <a:solidFill>
+                    <a:srgbClr val="5F8388"/>
+                  </a:solidFill>
+                </a:rPr>
+                <a:t> </a:t>
+              </a:r>
+              <a:r>
+                <a:rPr lang="en-US" sz="3000" dirty="0"/>
+                <a:t>table containing all the results</a:t>
+              </a:r>
+            </a:p>
+          </p:txBody>
+        </p:sp>
+      </p:grpSp>
+      <p:grpSp>
+        <p:nvGrpSpPr>
+          <p:cNvPr id="89" name="Group 88">
+            <a:extLst>
+              <a:ext uri="{FF2B5EF4-FFF2-40B4-BE49-F238E27FC236}">
+                <a16:creationId xmlns:a16="http://schemas.microsoft.com/office/drawing/2014/main" xmlns="" id="{368FC610-7774-4120-8684-A1FE83E28CF6}"/>
+              </a:ext>
+            </a:extLst>
+          </p:cNvPr>
+          <p:cNvGrpSpPr/>
+          <p:nvPr/>
+        </p:nvGrpSpPr>
+        <p:grpSpPr>
+          <a:xfrm>
+            <a:off x="278236" y="37068158"/>
+            <a:ext cx="9535641" cy="3132879"/>
+            <a:chOff x="0" y="1"/>
+            <a:chExt cx="2936623" cy="883626"/>
+          </a:xfrm>
+        </p:grpSpPr>
+        <p:sp>
+          <p:nvSpPr>
+            <p:cNvPr id="90" name="תיבת טקסט 18">
+              <a:extLst>
+                <a:ext uri="{FF2B5EF4-FFF2-40B4-BE49-F238E27FC236}">
+                  <a16:creationId xmlns:a16="http://schemas.microsoft.com/office/drawing/2014/main" xmlns="" id="{3C9C691E-1F66-45AE-A815-E534472C188B}"/>
+                </a:ext>
+              </a:extLst>
+            </p:cNvPr>
+            <p:cNvSpPr txBox="1"/>
+            <p:nvPr/>
+          </p:nvSpPr>
+          <p:spPr>
+            <a:xfrm>
+              <a:off x="5854" y="242463"/>
+              <a:ext cx="2930769" cy="641164"/>
+            </a:xfrm>
+            <a:prstGeom prst="rect">
+              <a:avLst/>
+            </a:prstGeom>
+            <a:noFill/>
+            <a:ln w="25400" cap="flat" cmpd="sng" algn="ctr">
+              <a:noFill/>
+              <a:prstDash val="solid"/>
+            </a:ln>
+            <a:effectLst/>
+          </p:spPr>
+          <p:txBody>
+            <a:bodyPr rot="0" spcFirstLastPara="0" vert="horz" wrap="square" lIns="91440" tIns="45720" rIns="91440" bIns="45720" numCol="1" spcCol="0" rtlCol="1" fromWordArt="0" anchor="t" anchorCtr="0" forceAA="0" compatLnSpc="1">
+              <a:prstTxWarp prst="textNoShape">
+                <a:avLst/>
+              </a:prstTxWarp>
+              <a:noAutofit/>
+            </a:bodyPr>
+            <a:lstStyle/>
+            <a:p>
+              <a:pPr lvl="0"/>
+              <a:r>
+                <a:rPr lang="en-US" sz="3500" dirty="0" smtClean="0"/>
+                <a:t>In order to check the efficiency of training models on permutated data, we trained models on images with greater dimensions.</a:t>
+              </a:r>
+            </a:p>
+            <a:p>
+              <a:pPr lvl="0"/>
+              <a:r>
+                <a:rPr lang="en-US" sz="3500" dirty="0" smtClean="0"/>
+                <a:t>See table 2 for the results.</a:t>
+              </a:r>
+            </a:p>
+            <a:p>
+              <a:pPr lvl="0"/>
+              <a:endParaRPr lang="en-US" sz="3500" dirty="0"/>
+            </a:p>
+          </p:txBody>
+        </p:sp>
+        <p:sp>
+          <p:nvSpPr>
+            <p:cNvPr id="91" name="Text Box 24">
+              <a:extLst>
+                <a:ext uri="{FF2B5EF4-FFF2-40B4-BE49-F238E27FC236}">
+                  <a16:creationId xmlns:a16="http://schemas.microsoft.com/office/drawing/2014/main" xmlns="" id="{DDCE71D6-B80A-48A4-B7E6-F9BD6BB1729A}"/>
+                </a:ext>
+              </a:extLst>
+            </p:cNvPr>
+            <p:cNvSpPr txBox="1"/>
+            <p:nvPr/>
+          </p:nvSpPr>
+          <p:spPr>
+            <a:xfrm>
+              <a:off x="0" y="1"/>
+              <a:ext cx="2934970" cy="237739"/>
+            </a:xfrm>
+            <a:prstGeom prst="rect">
+              <a:avLst/>
+            </a:prstGeom>
+            <a:solidFill>
+              <a:srgbClr val="FF8000"/>
+            </a:solidFill>
+            <a:ln w="6350">
+              <a:noFill/>
+            </a:ln>
+          </p:spPr>
+          <p:txBody>
+            <a:bodyPr rot="0" spcFirstLastPara="0" vert="horz" wrap="square" lIns="91440" tIns="45720" rIns="91440" bIns="45720" numCol="1" spcCol="0" rtlCol="0" fromWordArt="0" anchor="t" anchorCtr="0" forceAA="0" compatLnSpc="1">
+              <a:prstTxWarp prst="textNoShape">
+                <a:avLst/>
+              </a:prstTxWarp>
+              <a:noAutofit/>
+            </a:bodyPr>
+            <a:lstStyle/>
+            <a:p>
+              <a:pPr marR="0" lvl="0" rtl="0">
+                <a:lnSpc>
+                  <a:spcPct val="115000"/>
+                </a:lnSpc>
+                <a:spcBef>
+                  <a:spcPts val="0"/>
+                </a:spcBef>
+                <a:spcAft>
+                  <a:spcPts val="1000"/>
+                </a:spcAft>
+              </a:pPr>
+              <a:r>
+                <a:rPr lang="en-US" sz="4000" b="1" kern="0" dirty="0" smtClean="0">
+                  <a:solidFill>
+                    <a:srgbClr val="FFFFFF"/>
+                  </a:solidFill>
+                  <a:latin typeface="Calibri" panose="020F0502020204030204" pitchFamily="34" charset="0"/>
+                  <a:cs typeface="Arial" panose="020B0604020202020204" pitchFamily="34" charset="0"/>
+                </a:rPr>
+                <a:t>Efficiency of Permutation</a:t>
+              </a:r>
+              <a:endParaRPr lang="en-US" sz="4000" b="1" kern="0" dirty="0">
+                <a:solidFill>
+                  <a:srgbClr val="FFFFFF"/>
+                </a:solidFill>
+                <a:effectLst/>
+                <a:latin typeface="Calibri" panose="020F0502020204030204" pitchFamily="34" charset="0"/>
+                <a:cs typeface="Arial" panose="020B0604020202020204" pitchFamily="34" charset="0"/>
+              </a:endParaRPr>
+            </a:p>
+          </p:txBody>
+        </p:sp>
+      </p:grpSp>
+      <p:grpSp>
+        <p:nvGrpSpPr>
+          <p:cNvPr id="92" name="Group 91"/>
+          <p:cNvGrpSpPr/>
+          <p:nvPr/>
+        </p:nvGrpSpPr>
+        <p:grpSpPr>
+          <a:xfrm>
+            <a:off x="11891643" y="36582383"/>
+            <a:ext cx="8229600" cy="4672061"/>
+            <a:chOff x="12055337" y="36868133"/>
+            <a:chExt cx="8229600" cy="4672061"/>
+          </a:xfrm>
+        </p:grpSpPr>
+        <p:pic>
+          <p:nvPicPr>
+            <p:cNvPr id="1026" name="Picture 2" descr="C:\Users\steveg\Desktop\padding_accuracies.PNG"/>
+            <p:cNvPicPr>
+              <a:picLocks noChangeAspect="1" noChangeArrowheads="1"/>
+            </p:cNvPicPr>
+            <p:nvPr/>
+          </p:nvPicPr>
+          <p:blipFill>
+            <a:blip r:embed="rId16">
+              <a:extLst>
+                <a:ext uri="{28A0092B-C50C-407E-A947-70E740481C1C}">
+                  <a14:useLocalDpi xmlns:a14="http://schemas.microsoft.com/office/drawing/2010/main" val="0"/>
+                </a:ext>
+              </a:extLst>
+            </a:blip>
+            <a:srcRect/>
+            <a:stretch>
+              <a:fillRect/>
+            </a:stretch>
+          </p:blipFill>
+          <p:spPr bwMode="auto">
+            <a:xfrm>
+              <a:off x="13212736" y="36868133"/>
+              <a:ext cx="5935182" cy="3507411"/>
+            </a:xfrm>
+            <a:prstGeom prst="rect">
+              <a:avLst/>
+            </a:prstGeom>
+            <a:noFill/>
+            <a:extLst>
+              <a:ext uri="{909E8E84-426E-40DD-AFC4-6F175D3DCCD1}">
+                <a14:hiddenFill xmlns:a14="http://schemas.microsoft.com/office/drawing/2010/main">
+                  <a:solidFill>
+                    <a:srgbClr val="FFFFFF"/>
+                  </a:solidFill>
+                </a14:hiddenFill>
+              </a:ext>
+            </a:extLst>
+          </p:spPr>
+        </p:pic>
+        <p:sp>
+          <p:nvSpPr>
+            <p:cNvPr id="93" name="TextBox 92">
+              <a:extLst>
+                <a:ext uri="{FF2B5EF4-FFF2-40B4-BE49-F238E27FC236}">
+                  <a16:creationId xmlns:a16="http://schemas.microsoft.com/office/drawing/2014/main" xmlns="" id="{1ED11102-FED3-4699-B8AB-02B061BBA364}"/>
+                </a:ext>
+              </a:extLst>
+            </p:cNvPr>
+            <p:cNvSpPr txBox="1"/>
+            <p:nvPr/>
+          </p:nvSpPr>
+          <p:spPr>
+            <a:xfrm>
+              <a:off x="12055337" y="40524531"/>
+              <a:ext cx="8229600" cy="1015663"/>
+            </a:xfrm>
+            <a:prstGeom prst="rect">
+              <a:avLst/>
+            </a:prstGeom>
+            <a:noFill/>
+          </p:spPr>
+          <p:txBody>
+            <a:bodyPr wrap="square" rtlCol="0">
+              <a:spAutoFit/>
+            </a:bodyPr>
+            <a:lstStyle/>
+            <a:p>
+              <a:pPr algn="ctr"/>
+              <a:r>
+                <a:rPr lang="en-US" sz="3000" b="1" dirty="0" smtClean="0">
+                  <a:solidFill>
+                    <a:srgbClr val="4A929C"/>
+                  </a:solidFill>
+                </a:rPr>
+                <a:t>Table 2:</a:t>
+              </a:r>
+              <a:r>
+                <a:rPr lang="en-US" sz="3000" b="1" dirty="0" smtClean="0">
+                  <a:solidFill>
+                    <a:srgbClr val="5F8388"/>
+                  </a:solidFill>
+                </a:rPr>
+                <a:t> </a:t>
+              </a:r>
+              <a:r>
+                <a:rPr lang="en-US" sz="3000" dirty="0" smtClean="0"/>
+                <a:t>results for training permutated data, various image dimensions</a:t>
+              </a:r>
+              <a:endParaRPr lang="en-US" sz="3000" dirty="0"/>
+            </a:p>
+          </p:txBody>
+        </p:sp>
+      </p:grpSp>
+      <p:sp>
+        <p:nvSpPr>
+          <p:cNvPr id="94" name="Footer Placeholder 93" hidden="1"/>
+          <p:cNvSpPr>
+            <a:spLocks noGrp="1"/>
+          </p:cNvSpPr>
+          <p:nvPr>
+            <p:ph type="ftr" sz="quarter" idx="11"/>
+          </p:nvPr>
+        </p:nvSpPr>
+        <p:spPr/>
+        <p:txBody>
+          <a:bodyPr/>
+          <a:lstStyle/>
+          <a:p>
+            <a:endParaRPr lang="en-US"/>
+          </a:p>
+        </p:txBody>
+      </p:sp>
+      <p:sp>
+        <p:nvSpPr>
+          <p:cNvPr id="95" name="Date Placeholder 94" hidden="1"/>
+          <p:cNvSpPr>
+            <a:spLocks noGrp="1"/>
+          </p:cNvSpPr>
+          <p:nvPr>
+            <p:ph type="dt" sz="half" idx="10"/>
+          </p:nvPr>
+        </p:nvSpPr>
+        <p:spPr/>
+        <p:txBody>
+          <a:bodyPr/>
+          <a:lstStyle/>
+          <a:p>
+            <a:endParaRPr lang="en-US"/>
           </a:p>
         </p:txBody>
       </p:sp>
     </p:spTree>
     <p:extLst>
       <p:ext uri="{BB962C8B-B14F-4D97-AF65-F5344CB8AC3E}">
-        <p14:creationId xmlns:p14="http://schemas.microsoft.com/office/powerpoint/2010/main" val="2310199070"/>
+        <p14:creationId xmlns:p14="http://schemas.microsoft.com/office/powerpoint/2010/main" val="3382025273"/>
       </p:ext>
     </p:extLst>
   </p:cSld>
@@ -5910,7 +9366,7 @@
     </a:clrScheme>
     <a:fontScheme name="Office Theme">
       <a:majorFont>
-        <a:latin typeface="Calibri Light" panose="020F0302020204030204"/>
+        <a:latin typeface="Calibri Light"/>
         <a:ea typeface=""/>
         <a:cs typeface=""/>
         <a:font script="Jpan" typeface="游ゴシック Light"/>
@@ -5945,7 +9401,7 @@
         <a:font script="Geor" typeface="Sylfaen"/>
       </a:majorFont>
       <a:minorFont>
-        <a:latin typeface="Calibri" panose="020F0502020204030204"/>
+        <a:latin typeface="Calibri"/>
         <a:ea typeface=""/>
         <a:cs typeface=""/>
         <a:font script="Jpan" typeface="游ゴシック"/>
@@ -6122,7 +9578,7 @@
   <a:extraClrSchemeLst/>
   <a:extLst>
     <a:ext uri="{05A4C25C-085E-4340-85A3-A5531E510DB2}">
-      <thm15:themeFamily xmlns:thm15="http://schemas.microsoft.com/office/thememl/2012/main" name="Office Theme" id="{62F939B6-93AF-4DB8-9C6B-D6C7DFDC589F}" vid="{4A3C46E8-61CC-4603-A589-7422A47A8E4A}"/>
+      <thm15:themeFamily xmlns:thm15="http://schemas.microsoft.com/office/thememl/2012/main" xmlns="" name="Office Theme" id="{62F939B6-93AF-4DB8-9C6B-D6C7DFDC589F}" vid="{4A3C46E8-61CC-4603-A589-7422A47A8E4A}"/>
     </a:ext>
   </a:extLst>
 </a:theme>

--- a/poster.pptx
+++ b/poster.pptx
@@ -107,7 +107,18 @@
   </p:defaultTextStyle>
   <p:extLst>
     <p:ext uri="{EFAFB233-063F-42B5-8137-9DF3F51BA10A}">
-      <p15:sldGuideLst xmlns:p15="http://schemas.microsoft.com/office/powerpoint/2012/main" xmlns=""/>
+      <p15:sldGuideLst xmlns:p15="http://schemas.microsoft.com/office/powerpoint/2012/main">
+        <p15:guide id="1" orient="horz" pos="13606">
+          <p15:clr>
+            <a:srgbClr val="A4A3A4"/>
+          </p15:clr>
+        </p15:guide>
+        <p15:guide id="2" pos="10204">
+          <p15:clr>
+            <a:srgbClr val="A4A3A4"/>
+          </p15:clr>
+        </p15:guide>
+      </p15:sldGuideLst>
     </p:ext>
   </p:extLst>
 </p:presentation>
@@ -244,7 +255,7 @@
           <a:p>
             <a:fld id="{FD4B236B-4127-4146-99ED-6A730B7745F6}" type="datetimeFigureOut">
               <a:rPr lang="en-US" smtClean="0"/>
-              <a:t>27-May-19</a:t>
+              <a:t>5/27/2019</a:t>
             </a:fld>
             <a:endParaRPr lang="en-US"/>
           </a:p>
@@ -414,7 +425,7 @@
           <a:p>
             <a:fld id="{FD4B236B-4127-4146-99ED-6A730B7745F6}" type="datetimeFigureOut">
               <a:rPr lang="en-US" smtClean="0"/>
-              <a:t>27-May-19</a:t>
+              <a:t>5/27/2019</a:t>
             </a:fld>
             <a:endParaRPr lang="en-US"/>
           </a:p>
@@ -594,7 +605,7 @@
           <a:p>
             <a:fld id="{FD4B236B-4127-4146-99ED-6A730B7745F6}" type="datetimeFigureOut">
               <a:rPr lang="en-US" smtClean="0"/>
-              <a:t>27-May-19</a:t>
+              <a:t>5/27/2019</a:t>
             </a:fld>
             <a:endParaRPr lang="en-US"/>
           </a:p>
@@ -764,7 +775,7 @@
           <a:p>
             <a:fld id="{FD4B236B-4127-4146-99ED-6A730B7745F6}" type="datetimeFigureOut">
               <a:rPr lang="en-US" smtClean="0"/>
-              <a:t>27-May-19</a:t>
+              <a:t>5/27/2019</a:t>
             </a:fld>
             <a:endParaRPr lang="en-US"/>
           </a:p>
@@ -1008,7 +1019,7 @@
           <a:p>
             <a:fld id="{FD4B236B-4127-4146-99ED-6A730B7745F6}" type="datetimeFigureOut">
               <a:rPr lang="en-US" smtClean="0"/>
-              <a:t>27-May-19</a:t>
+              <a:t>5/27/2019</a:t>
             </a:fld>
             <a:endParaRPr lang="en-US"/>
           </a:p>
@@ -1240,7 +1251,7 @@
           <a:p>
             <a:fld id="{FD4B236B-4127-4146-99ED-6A730B7745F6}" type="datetimeFigureOut">
               <a:rPr lang="en-US" smtClean="0"/>
-              <a:t>27-May-19</a:t>
+              <a:t>5/27/2019</a:t>
             </a:fld>
             <a:endParaRPr lang="en-US"/>
           </a:p>
@@ -1607,7 +1618,7 @@
           <a:p>
             <a:fld id="{FD4B236B-4127-4146-99ED-6A730B7745F6}" type="datetimeFigureOut">
               <a:rPr lang="en-US" smtClean="0"/>
-              <a:t>27-May-19</a:t>
+              <a:t>5/27/2019</a:t>
             </a:fld>
             <a:endParaRPr lang="en-US"/>
           </a:p>
@@ -1725,7 +1736,7 @@
           <a:p>
             <a:fld id="{FD4B236B-4127-4146-99ED-6A730B7745F6}" type="datetimeFigureOut">
               <a:rPr lang="en-US" smtClean="0"/>
-              <a:t>27-May-19</a:t>
+              <a:t>5/27/2019</a:t>
             </a:fld>
             <a:endParaRPr lang="en-US"/>
           </a:p>
@@ -1820,7 +1831,7 @@
           <a:p>
             <a:fld id="{FD4B236B-4127-4146-99ED-6A730B7745F6}" type="datetimeFigureOut">
               <a:rPr lang="en-US" smtClean="0"/>
-              <a:t>27-May-19</a:t>
+              <a:t>5/27/2019</a:t>
             </a:fld>
             <a:endParaRPr lang="en-US"/>
           </a:p>
@@ -2097,7 +2108,7 @@
           <a:p>
             <a:fld id="{FD4B236B-4127-4146-99ED-6A730B7745F6}" type="datetimeFigureOut">
               <a:rPr lang="en-US" smtClean="0"/>
-              <a:t>27-May-19</a:t>
+              <a:t>5/27/2019</a:t>
             </a:fld>
             <a:endParaRPr lang="en-US"/>
           </a:p>
@@ -2354,7 +2365,7 @@
           <a:p>
             <a:fld id="{FD4B236B-4127-4146-99ED-6A730B7745F6}" type="datetimeFigureOut">
               <a:rPr lang="en-US" smtClean="0"/>
-              <a:t>27-May-19</a:t>
+              <a:t>5/27/2019</a:t>
             </a:fld>
             <a:endParaRPr lang="en-US"/>
           </a:p>
@@ -2567,7 +2578,7 @@
           <a:p>
             <a:fld id="{FD4B236B-4127-4146-99ED-6A730B7745F6}" type="datetimeFigureOut">
               <a:rPr lang="en-US" smtClean="0"/>
-              <a:t>27-May-19</a:t>
+              <a:t>5/27/2019</a:t>
             </a:fld>
             <a:endParaRPr lang="en-US"/>
           </a:p>
@@ -2977,7 +2988,7 @@
           <p:cNvPr id="59" name="Picture 58">
             <a:extLst>
               <a:ext uri="{FF2B5EF4-FFF2-40B4-BE49-F238E27FC236}">
-                <a16:creationId xmlns:a16="http://schemas.microsoft.com/office/drawing/2014/main" xmlns="" id="{EB464702-8EF6-44EC-81DE-05D51CFE7C03}"/>
+                <a16:creationId xmlns:a16="http://schemas.microsoft.com/office/drawing/2014/main" id="{EB464702-8EF6-44EC-81DE-05D51CFE7C03}"/>
               </a:ext>
             </a:extLst>
           </p:cNvPr>
@@ -3013,7 +3024,7 @@
           <p:cNvPr id="4" name="Group 3">
             <a:extLst>
               <a:ext uri="{FF2B5EF4-FFF2-40B4-BE49-F238E27FC236}">
-                <a16:creationId xmlns:a16="http://schemas.microsoft.com/office/drawing/2014/main" xmlns="" id="{3DBFDD73-DA09-4DE4-A1B4-6995342975E6}"/>
+                <a16:creationId xmlns:a16="http://schemas.microsoft.com/office/drawing/2014/main" id="{3DBFDD73-DA09-4DE4-A1B4-6995342975E6}"/>
               </a:ext>
             </a:extLst>
           </p:cNvPr>
@@ -3033,7 +3044,7 @@
             <p:cNvPr id="5" name="תיבת טקסט 18">
               <a:extLst>
                 <a:ext uri="{FF2B5EF4-FFF2-40B4-BE49-F238E27FC236}">
-                  <a16:creationId xmlns:a16="http://schemas.microsoft.com/office/drawing/2014/main" xmlns="" id="{11E2C8DF-6C7E-459A-8C80-AD77732EC608}"/>
+                  <a16:creationId xmlns:a16="http://schemas.microsoft.com/office/drawing/2014/main" id="{11E2C8DF-6C7E-459A-8C80-AD77732EC608}"/>
                 </a:ext>
               </a:extLst>
             </p:cNvPr>
@@ -3217,7 +3228,7 @@
             <p:cNvPr id="6" name="Text Box 24">
               <a:extLst>
                 <a:ext uri="{FF2B5EF4-FFF2-40B4-BE49-F238E27FC236}">
-                  <a16:creationId xmlns:a16="http://schemas.microsoft.com/office/drawing/2014/main" xmlns="" id="{E7602CC7-07A0-4B8E-A4F2-960346B73912}"/>
+                  <a16:creationId xmlns:a16="http://schemas.microsoft.com/office/drawing/2014/main" id="{E7602CC7-07A0-4B8E-A4F2-960346B73912}"/>
                 </a:ext>
               </a:extLst>
             </p:cNvPr>
@@ -3281,7 +3292,7 @@
           <p:cNvPr id="7" name="Group 6">
             <a:extLst>
               <a:ext uri="{FF2B5EF4-FFF2-40B4-BE49-F238E27FC236}">
-                <a16:creationId xmlns:a16="http://schemas.microsoft.com/office/drawing/2014/main" xmlns="" id="{CC5316CA-6379-432F-8040-8D83D75DBCFE}"/>
+                <a16:creationId xmlns:a16="http://schemas.microsoft.com/office/drawing/2014/main" id="{CC5316CA-6379-432F-8040-8D83D75DBCFE}"/>
               </a:ext>
             </a:extLst>
           </p:cNvPr>
@@ -3301,7 +3312,7 @@
             <p:cNvPr id="8" name="תיבת טקסט 18">
               <a:extLst>
                 <a:ext uri="{FF2B5EF4-FFF2-40B4-BE49-F238E27FC236}">
-                  <a16:creationId xmlns:a16="http://schemas.microsoft.com/office/drawing/2014/main" xmlns="" id="{45167B33-E44C-4186-BA84-A09525555F46}"/>
+                  <a16:creationId xmlns:a16="http://schemas.microsoft.com/office/drawing/2014/main" id="{45167B33-E44C-4186-BA84-A09525555F46}"/>
                 </a:ext>
               </a:extLst>
             </p:cNvPr>
@@ -3400,7 +3411,7 @@
             <p:cNvPr id="9" name="Text Box 24">
               <a:extLst>
                 <a:ext uri="{FF2B5EF4-FFF2-40B4-BE49-F238E27FC236}">
-                  <a16:creationId xmlns:a16="http://schemas.microsoft.com/office/drawing/2014/main" xmlns="" id="{456083E0-3CAC-482B-89C7-9686DAF563B6}"/>
+                  <a16:creationId xmlns:a16="http://schemas.microsoft.com/office/drawing/2014/main" id="{456083E0-3CAC-482B-89C7-9686DAF563B6}"/>
                 </a:ext>
               </a:extLst>
             </p:cNvPr>
@@ -3464,7 +3475,7 @@
           <p:cNvPr id="10" name="Group 9">
             <a:extLst>
               <a:ext uri="{FF2B5EF4-FFF2-40B4-BE49-F238E27FC236}">
-                <a16:creationId xmlns:a16="http://schemas.microsoft.com/office/drawing/2014/main" xmlns="" id="{AB4F9E6A-B506-4CE4-A234-F78DBA10937A}"/>
+                <a16:creationId xmlns:a16="http://schemas.microsoft.com/office/drawing/2014/main" id="{AB4F9E6A-B506-4CE4-A234-F78DBA10937A}"/>
               </a:ext>
             </a:extLst>
           </p:cNvPr>
@@ -3484,7 +3495,7 @@
             <p:cNvPr id="11" name="תיבת טקסט 18">
               <a:extLst>
                 <a:ext uri="{FF2B5EF4-FFF2-40B4-BE49-F238E27FC236}">
-                  <a16:creationId xmlns:a16="http://schemas.microsoft.com/office/drawing/2014/main" xmlns="" id="{29FA4AFD-D496-4473-8EA2-27AA68B75EAB}"/>
+                  <a16:creationId xmlns:a16="http://schemas.microsoft.com/office/drawing/2014/main" id="{29FA4AFD-D496-4473-8EA2-27AA68B75EAB}"/>
                 </a:ext>
               </a:extLst>
             </p:cNvPr>
@@ -3539,7 +3550,7 @@
             <p:cNvPr id="12" name="Text Box 24">
               <a:extLst>
                 <a:ext uri="{FF2B5EF4-FFF2-40B4-BE49-F238E27FC236}">
-                  <a16:creationId xmlns:a16="http://schemas.microsoft.com/office/drawing/2014/main" xmlns="" id="{D069242E-43D3-4F1C-BC28-93F8D44AD17E}"/>
+                  <a16:creationId xmlns:a16="http://schemas.microsoft.com/office/drawing/2014/main" id="{D069242E-43D3-4F1C-BC28-93F8D44AD17E}"/>
                 </a:ext>
               </a:extLst>
             </p:cNvPr>
@@ -3603,7 +3614,7 @@
           <p:cNvPr id="13" name="Group 12">
             <a:extLst>
               <a:ext uri="{FF2B5EF4-FFF2-40B4-BE49-F238E27FC236}">
-                <a16:creationId xmlns:a16="http://schemas.microsoft.com/office/drawing/2014/main" xmlns="" id="{B65685AB-470C-43ED-AC69-E7CE5BB8BBFE}"/>
+                <a16:creationId xmlns:a16="http://schemas.microsoft.com/office/drawing/2014/main" id="{B65685AB-470C-43ED-AC69-E7CE5BB8BBFE}"/>
               </a:ext>
             </a:extLst>
           </p:cNvPr>
@@ -3623,7 +3634,7 @@
             <p:cNvPr id="14" name="תיבת טקסט 18">
               <a:extLst>
                 <a:ext uri="{FF2B5EF4-FFF2-40B4-BE49-F238E27FC236}">
-                  <a16:creationId xmlns:a16="http://schemas.microsoft.com/office/drawing/2014/main" xmlns="" id="{625E3163-6D63-4A11-870F-78EE2AC6C38F}"/>
+                  <a16:creationId xmlns:a16="http://schemas.microsoft.com/office/drawing/2014/main" id="{625E3163-6D63-4A11-870F-78EE2AC6C38F}"/>
                 </a:ext>
               </a:extLst>
             </p:cNvPr>
@@ -3676,7 +3687,7 @@
             <p:cNvPr id="15" name="Text Box 24">
               <a:extLst>
                 <a:ext uri="{FF2B5EF4-FFF2-40B4-BE49-F238E27FC236}">
-                  <a16:creationId xmlns:a16="http://schemas.microsoft.com/office/drawing/2014/main" xmlns="" id="{6863EBA4-EF1A-499F-9596-0FDE99AE3906}"/>
+                  <a16:creationId xmlns:a16="http://schemas.microsoft.com/office/drawing/2014/main" id="{6863EBA4-EF1A-499F-9596-0FDE99AE3906}"/>
                 </a:ext>
               </a:extLst>
             </p:cNvPr>
@@ -3745,7 +3756,7 @@
           <p:cNvPr id="16" name="Group 15">
             <a:extLst>
               <a:ext uri="{FF2B5EF4-FFF2-40B4-BE49-F238E27FC236}">
-                <a16:creationId xmlns:a16="http://schemas.microsoft.com/office/drawing/2014/main" xmlns="" id="{623FEC8C-E59C-41BB-BFDA-63741A91EE96}"/>
+                <a16:creationId xmlns:a16="http://schemas.microsoft.com/office/drawing/2014/main" id="{623FEC8C-E59C-41BB-BFDA-63741A91EE96}"/>
               </a:ext>
             </a:extLst>
           </p:cNvPr>
@@ -3765,7 +3776,7 @@
             <p:cNvPr id="17" name="תיבת טקסט 18">
               <a:extLst>
                 <a:ext uri="{FF2B5EF4-FFF2-40B4-BE49-F238E27FC236}">
-                  <a16:creationId xmlns:a16="http://schemas.microsoft.com/office/drawing/2014/main" xmlns="" id="{11733FDC-977C-4894-B1C3-8D2DF2B21B2B}"/>
+                  <a16:creationId xmlns:a16="http://schemas.microsoft.com/office/drawing/2014/main" id="{11733FDC-977C-4894-B1C3-8D2DF2B21B2B}"/>
                 </a:ext>
               </a:extLst>
             </p:cNvPr>
@@ -3864,7 +3875,7 @@
             <p:cNvPr id="18" name="Text Box 24">
               <a:extLst>
                 <a:ext uri="{FF2B5EF4-FFF2-40B4-BE49-F238E27FC236}">
-                  <a16:creationId xmlns:a16="http://schemas.microsoft.com/office/drawing/2014/main" xmlns="" id="{6C8FC5F1-6DE6-474A-809C-406894D86817}"/>
+                  <a16:creationId xmlns:a16="http://schemas.microsoft.com/office/drawing/2014/main" id="{6C8FC5F1-6DE6-474A-809C-406894D86817}"/>
                 </a:ext>
               </a:extLst>
             </p:cNvPr>
@@ -3933,7 +3944,7 @@
           <p:cNvPr id="19" name="names">
             <a:extLst>
               <a:ext uri="{FF2B5EF4-FFF2-40B4-BE49-F238E27FC236}">
-                <a16:creationId xmlns:a16="http://schemas.microsoft.com/office/drawing/2014/main" xmlns="" id="{E31C91E7-763E-4CE0-AE68-8ECAEAE218AD}"/>
+                <a16:creationId xmlns:a16="http://schemas.microsoft.com/office/drawing/2014/main" id="{E31C91E7-763E-4CE0-AE68-8ECAEAE218AD}"/>
               </a:ext>
             </a:extLst>
           </p:cNvPr>
@@ -4106,7 +4117,7 @@
           <p:cNvPr id="20" name="Title">
             <a:extLst>
               <a:ext uri="{FF2B5EF4-FFF2-40B4-BE49-F238E27FC236}">
-                <a16:creationId xmlns:a16="http://schemas.microsoft.com/office/drawing/2014/main" xmlns="" id="{7FB64525-1228-4A75-8932-4E1ACCC84E7D}"/>
+                <a16:creationId xmlns:a16="http://schemas.microsoft.com/office/drawing/2014/main" id="{7FB64525-1228-4A75-8932-4E1ACCC84E7D}"/>
               </a:ext>
             </a:extLst>
           </p:cNvPr>
@@ -4197,7 +4208,7 @@
           <p:cNvPr id="21" name="Picture 20" descr="A close up of a logo&#10;&#10;Description automatically generated">
             <a:extLst>
               <a:ext uri="{FF2B5EF4-FFF2-40B4-BE49-F238E27FC236}">
-                <a16:creationId xmlns:a16="http://schemas.microsoft.com/office/drawing/2014/main" xmlns="" id="{310AFD28-6F37-4262-92F8-79AEE079D30F}"/>
+                <a16:creationId xmlns:a16="http://schemas.microsoft.com/office/drawing/2014/main" id="{310AFD28-6F37-4262-92F8-79AEE079D30F}"/>
               </a:ext>
             </a:extLst>
           </p:cNvPr>
@@ -4233,7 +4244,7 @@
           <p:cNvPr id="22" name="Group 21">
             <a:extLst>
               <a:ext uri="{FF2B5EF4-FFF2-40B4-BE49-F238E27FC236}">
-                <a16:creationId xmlns:a16="http://schemas.microsoft.com/office/drawing/2014/main" xmlns="" id="{F99953DC-4A14-40CF-92F0-BCC5BCE6543C}"/>
+                <a16:creationId xmlns:a16="http://schemas.microsoft.com/office/drawing/2014/main" id="{F99953DC-4A14-40CF-92F0-BCC5BCE6543C}"/>
               </a:ext>
             </a:extLst>
           </p:cNvPr>
@@ -4253,7 +4264,7 @@
             <p:cNvPr id="23" name="תיבת טקסט 18">
               <a:extLst>
                 <a:ext uri="{FF2B5EF4-FFF2-40B4-BE49-F238E27FC236}">
-                  <a16:creationId xmlns:a16="http://schemas.microsoft.com/office/drawing/2014/main" xmlns="" id="{FB60CA16-1334-4B45-A873-85139D3D8A73}"/>
+                  <a16:creationId xmlns:a16="http://schemas.microsoft.com/office/drawing/2014/main" id="{FB60CA16-1334-4B45-A873-85139D3D8A73}"/>
                 </a:ext>
               </a:extLst>
             </p:cNvPr>
@@ -4318,7 +4329,7 @@
             <p:cNvPr id="24" name="Text Box 24">
               <a:extLst>
                 <a:ext uri="{FF2B5EF4-FFF2-40B4-BE49-F238E27FC236}">
-                  <a16:creationId xmlns:a16="http://schemas.microsoft.com/office/drawing/2014/main" xmlns="" id="{8F8F3380-FD3D-43F1-BABE-84B3BB16DA41}"/>
+                  <a16:creationId xmlns:a16="http://schemas.microsoft.com/office/drawing/2014/main" id="{8F8F3380-FD3D-43F1-BABE-84B3BB16DA41}"/>
                 </a:ext>
               </a:extLst>
             </p:cNvPr>
@@ -4387,7 +4398,7 @@
           <p:cNvPr id="25" name="Group 24">
             <a:extLst>
               <a:ext uri="{FF2B5EF4-FFF2-40B4-BE49-F238E27FC236}">
-                <a16:creationId xmlns:a16="http://schemas.microsoft.com/office/drawing/2014/main" xmlns="" id="{368FC610-7774-4120-8684-A1FE83E28CF6}"/>
+                <a16:creationId xmlns:a16="http://schemas.microsoft.com/office/drawing/2014/main" id="{368FC610-7774-4120-8684-A1FE83E28CF6}"/>
               </a:ext>
             </a:extLst>
           </p:cNvPr>
@@ -4407,7 +4418,7 @@
             <p:cNvPr id="26" name="תיבת טקסט 18">
               <a:extLst>
                 <a:ext uri="{FF2B5EF4-FFF2-40B4-BE49-F238E27FC236}">
-                  <a16:creationId xmlns:a16="http://schemas.microsoft.com/office/drawing/2014/main" xmlns="" id="{3C9C691E-1F66-45AE-A815-E534472C188B}"/>
+                  <a16:creationId xmlns:a16="http://schemas.microsoft.com/office/drawing/2014/main" id="{3C9C691E-1F66-45AE-A815-E534472C188B}"/>
                 </a:ext>
               </a:extLst>
             </p:cNvPr>
@@ -4518,7 +4529,7 @@
             <p:cNvPr id="27" name="Text Box 24">
               <a:extLst>
                 <a:ext uri="{FF2B5EF4-FFF2-40B4-BE49-F238E27FC236}">
-                  <a16:creationId xmlns:a16="http://schemas.microsoft.com/office/drawing/2014/main" xmlns="" id="{DDCE71D6-B80A-48A4-B7E6-F9BD6BB1729A}"/>
+                  <a16:creationId xmlns:a16="http://schemas.microsoft.com/office/drawing/2014/main" id="{DDCE71D6-B80A-48A4-B7E6-F9BD6BB1729A}"/>
                 </a:ext>
               </a:extLst>
             </p:cNvPr>
@@ -4587,7 +4598,7 @@
           <p:cNvPr id="28" name="Picture 27" descr="A close up of a logo&#10;&#10;Description automatically generated">
             <a:extLst>
               <a:ext uri="{FF2B5EF4-FFF2-40B4-BE49-F238E27FC236}">
-                <a16:creationId xmlns:a16="http://schemas.microsoft.com/office/drawing/2014/main" xmlns="" id="{BDAD8B8D-BD13-475B-BD37-08374462998E}"/>
+                <a16:creationId xmlns:a16="http://schemas.microsoft.com/office/drawing/2014/main" id="{BDAD8B8D-BD13-475B-BD37-08374462998E}"/>
               </a:ext>
             </a:extLst>
           </p:cNvPr>
@@ -4622,7 +4633,7 @@
           <p:cNvPr id="29" name="Picture 28" descr="A picture containing clipart&#10;&#10;Description automatically generated">
             <a:extLst>
               <a:ext uri="{FF2B5EF4-FFF2-40B4-BE49-F238E27FC236}">
-                <a16:creationId xmlns:a16="http://schemas.microsoft.com/office/drawing/2014/main" xmlns="" id="{9AB95EE0-B0D7-476C-9AFC-F27DE4BA86B1}"/>
+                <a16:creationId xmlns:a16="http://schemas.microsoft.com/office/drawing/2014/main" id="{9AB95EE0-B0D7-476C-9AFC-F27DE4BA86B1}"/>
               </a:ext>
             </a:extLst>
           </p:cNvPr>
@@ -4658,7 +4669,7 @@
           <p:cNvPr id="30" name="Picture 29">
             <a:extLst>
               <a:ext uri="{FF2B5EF4-FFF2-40B4-BE49-F238E27FC236}">
-                <a16:creationId xmlns:a16="http://schemas.microsoft.com/office/drawing/2014/main" xmlns="" id="{2D300F6E-3226-4B98-9BEA-5C5E9F3FCA2F}"/>
+                <a16:creationId xmlns:a16="http://schemas.microsoft.com/office/drawing/2014/main" id="{2D300F6E-3226-4B98-9BEA-5C5E9F3FCA2F}"/>
               </a:ext>
             </a:extLst>
           </p:cNvPr>
@@ -4694,7 +4705,7 @@
           <p:cNvPr id="31" name="Picture 30" descr="A close up of a sign&#10;&#10;Description automatically generated">
             <a:extLst>
               <a:ext uri="{FF2B5EF4-FFF2-40B4-BE49-F238E27FC236}">
-                <a16:creationId xmlns:a16="http://schemas.microsoft.com/office/drawing/2014/main" xmlns="" id="{5CFF3253-5155-4EF1-82F5-8ED05044D2E9}"/>
+                <a16:creationId xmlns:a16="http://schemas.microsoft.com/office/drawing/2014/main" id="{5CFF3253-5155-4EF1-82F5-8ED05044D2E9}"/>
               </a:ext>
             </a:extLst>
           </p:cNvPr>
@@ -4730,7 +4741,7 @@
           <p:cNvPr id="32" name="TextBox 31">
             <a:extLst>
               <a:ext uri="{FF2B5EF4-FFF2-40B4-BE49-F238E27FC236}">
-                <a16:creationId xmlns:a16="http://schemas.microsoft.com/office/drawing/2014/main" xmlns="" id="{FF86FB20-3B2F-4D4F-AED1-287B66222999}"/>
+                <a16:creationId xmlns:a16="http://schemas.microsoft.com/office/drawing/2014/main" id="{FF86FB20-3B2F-4D4F-AED1-287B66222999}"/>
               </a:ext>
             </a:extLst>
           </p:cNvPr>
@@ -4775,7 +4786,7 @@
           <p:cNvPr id="33" name="Group 32">
             <a:extLst>
               <a:ext uri="{FF2B5EF4-FFF2-40B4-BE49-F238E27FC236}">
-                <a16:creationId xmlns:a16="http://schemas.microsoft.com/office/drawing/2014/main" xmlns="" id="{EAAE9E83-C00C-4683-A515-2F1D877519A9}"/>
+                <a16:creationId xmlns:a16="http://schemas.microsoft.com/office/drawing/2014/main" id="{EAAE9E83-C00C-4683-A515-2F1D877519A9}"/>
               </a:ext>
             </a:extLst>
           </p:cNvPr>
@@ -4795,7 +4806,7 @@
             <p:cNvPr id="34" name="Group 33">
               <a:extLst>
                 <a:ext uri="{FF2B5EF4-FFF2-40B4-BE49-F238E27FC236}">
-                  <a16:creationId xmlns:a16="http://schemas.microsoft.com/office/drawing/2014/main" xmlns="" id="{09F0C379-63F2-4290-8C6C-3F483C9BB49C}"/>
+                  <a16:creationId xmlns:a16="http://schemas.microsoft.com/office/drawing/2014/main" id="{09F0C379-63F2-4290-8C6C-3F483C9BB49C}"/>
                 </a:ext>
               </a:extLst>
             </p:cNvPr>
@@ -4815,7 +4826,7 @@
               <p:cNvPr id="36" name="Group 35">
                 <a:extLst>
                   <a:ext uri="{FF2B5EF4-FFF2-40B4-BE49-F238E27FC236}">
-                    <a16:creationId xmlns:a16="http://schemas.microsoft.com/office/drawing/2014/main" xmlns="" id="{B3F72870-8CB5-4FAC-98A8-956E0DD27AB8}"/>
+                    <a16:creationId xmlns:a16="http://schemas.microsoft.com/office/drawing/2014/main" id="{B3F72870-8CB5-4FAC-98A8-956E0DD27AB8}"/>
                   </a:ext>
                 </a:extLst>
               </p:cNvPr>
@@ -4835,7 +4846,7 @@
                 <p:cNvPr id="41" name="תיבת טקסט 18">
                   <a:extLst>
                     <a:ext uri="{FF2B5EF4-FFF2-40B4-BE49-F238E27FC236}">
-                      <a16:creationId xmlns:a16="http://schemas.microsoft.com/office/drawing/2014/main" xmlns="" id="{B1E00C83-719F-4AD1-B51E-D29AE9D370DD}"/>
+                      <a16:creationId xmlns:a16="http://schemas.microsoft.com/office/drawing/2014/main" id="{B1E00C83-719F-4AD1-B51E-D29AE9D370DD}"/>
                     </a:ext>
                   </a:extLst>
                 </p:cNvPr>
@@ -4884,7 +4895,7 @@
                 <p:cNvPr id="42" name="Text Box 24">
                   <a:extLst>
                     <a:ext uri="{FF2B5EF4-FFF2-40B4-BE49-F238E27FC236}">
-                      <a16:creationId xmlns:a16="http://schemas.microsoft.com/office/drawing/2014/main" xmlns="" id="{0ECAC82C-BCA7-4C67-8209-EE4E98F3C078}"/>
+                      <a16:creationId xmlns:a16="http://schemas.microsoft.com/office/drawing/2014/main" id="{0ECAC82C-BCA7-4C67-8209-EE4E98F3C078}"/>
                     </a:ext>
                   </a:extLst>
                 </p:cNvPr>
@@ -4953,7 +4964,7 @@
               <p:cNvPr id="37" name="Picture 36" descr="A picture containing animal, mammal&#10;&#10;Description automatically generated">
                 <a:extLst>
                   <a:ext uri="{FF2B5EF4-FFF2-40B4-BE49-F238E27FC236}">
-                    <a16:creationId xmlns:a16="http://schemas.microsoft.com/office/drawing/2014/main" xmlns="" id="{FCA315CC-D12F-4979-BB29-E36310FBF040}"/>
+                    <a16:creationId xmlns:a16="http://schemas.microsoft.com/office/drawing/2014/main" id="{FCA315CC-D12F-4979-BB29-E36310FBF040}"/>
                   </a:ext>
                 </a:extLst>
               </p:cNvPr>
@@ -4994,7 +5005,7 @@
               <p:cNvPr id="38" name="Group 37">
                 <a:extLst>
                   <a:ext uri="{FF2B5EF4-FFF2-40B4-BE49-F238E27FC236}">
-                    <a16:creationId xmlns:a16="http://schemas.microsoft.com/office/drawing/2014/main" xmlns="" id="{097DF1FB-1902-4D2B-AC9A-5520312EF7D4}"/>
+                    <a16:creationId xmlns:a16="http://schemas.microsoft.com/office/drawing/2014/main" id="{097DF1FB-1902-4D2B-AC9A-5520312EF7D4}"/>
                   </a:ext>
                 </a:extLst>
               </p:cNvPr>
@@ -5014,7 +5025,7 @@
                 <p:cNvPr id="39" name="תיבת טקסט 18">
                   <a:extLst>
                     <a:ext uri="{FF2B5EF4-FFF2-40B4-BE49-F238E27FC236}">
-                      <a16:creationId xmlns:a16="http://schemas.microsoft.com/office/drawing/2014/main" xmlns="" id="{4C2DC625-B102-4C43-8CCF-3A5C9052D80E}"/>
+                      <a16:creationId xmlns:a16="http://schemas.microsoft.com/office/drawing/2014/main" id="{4C2DC625-B102-4C43-8CCF-3A5C9052D80E}"/>
                     </a:ext>
                   </a:extLst>
                 </p:cNvPr>
@@ -5057,7 +5068,7 @@
                 <p:cNvPr id="40" name="Text Box 24">
                   <a:extLst>
                     <a:ext uri="{FF2B5EF4-FFF2-40B4-BE49-F238E27FC236}">
-                      <a16:creationId xmlns:a16="http://schemas.microsoft.com/office/drawing/2014/main" xmlns="" id="{EF1C22F8-4F08-41F5-8D92-751AC30FF63D}"/>
+                      <a16:creationId xmlns:a16="http://schemas.microsoft.com/office/drawing/2014/main" id="{EF1C22F8-4F08-41F5-8D92-751AC30FF63D}"/>
                     </a:ext>
                   </a:extLst>
                 </p:cNvPr>
@@ -5127,7 +5138,7 @@
             <p:cNvPr id="35" name="TextBox 34">
               <a:extLst>
                 <a:ext uri="{FF2B5EF4-FFF2-40B4-BE49-F238E27FC236}">
-                  <a16:creationId xmlns:a16="http://schemas.microsoft.com/office/drawing/2014/main" xmlns="" id="{D4D5FA7C-76CF-48B8-8564-000535542AB2}"/>
+                  <a16:creationId xmlns:a16="http://schemas.microsoft.com/office/drawing/2014/main" id="{D4D5FA7C-76CF-48B8-8564-000535542AB2}"/>
                 </a:ext>
               </a:extLst>
             </p:cNvPr>
@@ -5173,7 +5184,7 @@
           <p:cNvPr id="43" name="Group 42">
             <a:extLst>
               <a:ext uri="{FF2B5EF4-FFF2-40B4-BE49-F238E27FC236}">
-                <a16:creationId xmlns:a16="http://schemas.microsoft.com/office/drawing/2014/main" xmlns="" id="{B058EA77-FB11-4A9B-84FB-10DEB68EB2F0}"/>
+                <a16:creationId xmlns:a16="http://schemas.microsoft.com/office/drawing/2014/main" id="{B058EA77-FB11-4A9B-84FB-10DEB68EB2F0}"/>
               </a:ext>
             </a:extLst>
           </p:cNvPr>
@@ -5193,7 +5204,7 @@
             <p:cNvPr id="44" name="Picture 43">
               <a:extLst>
                 <a:ext uri="{FF2B5EF4-FFF2-40B4-BE49-F238E27FC236}">
-                  <a16:creationId xmlns:a16="http://schemas.microsoft.com/office/drawing/2014/main" xmlns="" id="{183F4D8F-C0FC-4880-B20B-91ED8A9D00B8}"/>
+                  <a16:creationId xmlns:a16="http://schemas.microsoft.com/office/drawing/2014/main" id="{183F4D8F-C0FC-4880-B20B-91ED8A9D00B8}"/>
                 </a:ext>
               </a:extLst>
             </p:cNvPr>
@@ -5229,7 +5240,7 @@
             <p:cNvPr id="45" name="TextBox 44">
               <a:extLst>
                 <a:ext uri="{FF2B5EF4-FFF2-40B4-BE49-F238E27FC236}">
-                  <a16:creationId xmlns:a16="http://schemas.microsoft.com/office/drawing/2014/main" xmlns="" id="{7FCFA7D3-F8A1-43D0-94A1-382EABC6FA7B}"/>
+                  <a16:creationId xmlns:a16="http://schemas.microsoft.com/office/drawing/2014/main" id="{7FCFA7D3-F8A1-43D0-94A1-382EABC6FA7B}"/>
                 </a:ext>
               </a:extLst>
             </p:cNvPr>
@@ -5275,7 +5286,7 @@
           <p:cNvPr id="52" name="Group 51">
             <a:extLst>
               <a:ext uri="{FF2B5EF4-FFF2-40B4-BE49-F238E27FC236}">
-                <a16:creationId xmlns:a16="http://schemas.microsoft.com/office/drawing/2014/main" xmlns="" id="{EB0912F7-8B3A-4AAC-AA96-728E3C48058F}"/>
+                <a16:creationId xmlns:a16="http://schemas.microsoft.com/office/drawing/2014/main" id="{EB0912F7-8B3A-4AAC-AA96-728E3C48058F}"/>
               </a:ext>
             </a:extLst>
           </p:cNvPr>
@@ -5295,7 +5306,7 @@
             <p:cNvPr id="53" name="Picture 52" descr="A screenshot of a cell phone&#10;&#10;Description automatically generated">
               <a:extLst>
                 <a:ext uri="{FF2B5EF4-FFF2-40B4-BE49-F238E27FC236}">
-                  <a16:creationId xmlns:a16="http://schemas.microsoft.com/office/drawing/2014/main" xmlns="" id="{6A2908E3-7247-4725-8E43-49AB065CB409}"/>
+                  <a16:creationId xmlns:a16="http://schemas.microsoft.com/office/drawing/2014/main" id="{6A2908E3-7247-4725-8E43-49AB065CB409}"/>
                 </a:ext>
               </a:extLst>
             </p:cNvPr>
@@ -5331,7 +5342,7 @@
             <p:cNvPr id="54" name="Picture 53" descr="A screenshot of a cell phone&#10;&#10;Description automatically generated">
               <a:extLst>
                 <a:ext uri="{FF2B5EF4-FFF2-40B4-BE49-F238E27FC236}">
-                  <a16:creationId xmlns:a16="http://schemas.microsoft.com/office/drawing/2014/main" xmlns="" id="{D990B65E-456D-4494-9154-DB49D9FAD3C5}"/>
+                  <a16:creationId xmlns:a16="http://schemas.microsoft.com/office/drawing/2014/main" id="{D990B65E-456D-4494-9154-DB49D9FAD3C5}"/>
                 </a:ext>
               </a:extLst>
             </p:cNvPr>
@@ -5367,7 +5378,7 @@
             <p:cNvPr id="55" name="TextBox 54">
               <a:extLst>
                 <a:ext uri="{FF2B5EF4-FFF2-40B4-BE49-F238E27FC236}">
-                  <a16:creationId xmlns:a16="http://schemas.microsoft.com/office/drawing/2014/main" xmlns="" id="{0220DA71-9439-428E-ACE0-C0136A19093E}"/>
+                  <a16:creationId xmlns:a16="http://schemas.microsoft.com/office/drawing/2014/main" id="{0220DA71-9439-428E-ACE0-C0136A19093E}"/>
                 </a:ext>
               </a:extLst>
             </p:cNvPr>
@@ -5420,7 +5431,7 @@
           <p:cNvPr id="56" name="Group 55">
             <a:extLst>
               <a:ext uri="{FF2B5EF4-FFF2-40B4-BE49-F238E27FC236}">
-                <a16:creationId xmlns:a16="http://schemas.microsoft.com/office/drawing/2014/main" xmlns="" id="{41514877-7A55-49CB-A4FB-A2AE2DEDCE5F}"/>
+                <a16:creationId xmlns:a16="http://schemas.microsoft.com/office/drawing/2014/main" id="{41514877-7A55-49CB-A4FB-A2AE2DEDCE5F}"/>
               </a:ext>
             </a:extLst>
           </p:cNvPr>
@@ -5440,7 +5451,7 @@
             <p:cNvPr id="57" name="Picture 56" descr="A screenshot of a cell phone&#10;&#10;Description automatically generated">
               <a:extLst>
                 <a:ext uri="{FF2B5EF4-FFF2-40B4-BE49-F238E27FC236}">
-                  <a16:creationId xmlns:a16="http://schemas.microsoft.com/office/drawing/2014/main" xmlns="" id="{496D2D3E-80C1-478A-ABCC-63E9EA54D44B}"/>
+                  <a16:creationId xmlns:a16="http://schemas.microsoft.com/office/drawing/2014/main" id="{496D2D3E-80C1-478A-ABCC-63E9EA54D44B}"/>
                 </a:ext>
               </a:extLst>
             </p:cNvPr>
@@ -5476,7 +5487,7 @@
             <p:cNvPr id="58" name="TextBox 57">
               <a:extLst>
                 <a:ext uri="{FF2B5EF4-FFF2-40B4-BE49-F238E27FC236}">
-                  <a16:creationId xmlns:a16="http://schemas.microsoft.com/office/drawing/2014/main" xmlns="" id="{1ED11102-FED3-4699-B8AB-02B061BBA364}"/>
+                  <a16:creationId xmlns:a16="http://schemas.microsoft.com/office/drawing/2014/main" id="{1ED11102-FED3-4699-B8AB-02B061BBA364}"/>
                 </a:ext>
               </a:extLst>
             </p:cNvPr>
@@ -5571,7 +5582,7 @@
                 <p:cNvPr id="46" name="Group 45">
                   <a:extLst>
                     <a:ext uri="{FF2B5EF4-FFF2-40B4-BE49-F238E27FC236}">
-                      <a16:creationId xmlns:a16="http://schemas.microsoft.com/office/drawing/2014/main" xmlns="" id="{24ED838A-64AB-48D2-8E80-0C822A9BD5F5}"/>
+                      <a16:creationId xmlns:a16="http://schemas.microsoft.com/office/drawing/2014/main" id="{24ED838A-64AB-48D2-8E80-0C822A9BD5F5}"/>
                     </a:ext>
                   </a:extLst>
                 </p:cNvPr>
@@ -5591,7 +5602,7 @@
                   <p:cNvPr id="47" name="Group 46">
                     <a:extLst>
                       <a:ext uri="{FF2B5EF4-FFF2-40B4-BE49-F238E27FC236}">
-                        <a16:creationId xmlns:a16="http://schemas.microsoft.com/office/drawing/2014/main" xmlns="" id="{F0B6B916-47D4-47D7-8707-42B3D2DF5719}"/>
+                        <a16:creationId xmlns:a16="http://schemas.microsoft.com/office/drawing/2014/main" id="{F0B6B916-47D4-47D7-8707-42B3D2DF5719}"/>
                       </a:ext>
                     </a:extLst>
                   </p:cNvPr>
@@ -5613,7 +5624,7 @@
                     <p:cNvPr id="49" name="Picture 48" descr="A close up of a mans face&#10;&#10;Description automatically generated">
                       <a:extLst>
                         <a:ext uri="{FF2B5EF4-FFF2-40B4-BE49-F238E27FC236}">
-                          <a16:creationId xmlns:a16="http://schemas.microsoft.com/office/drawing/2014/main" xmlns="" id="{32D2C511-A387-4025-86EA-DB5B0181FD54}"/>
+                          <a16:creationId xmlns:a16="http://schemas.microsoft.com/office/drawing/2014/main" id="{32D2C511-A387-4025-86EA-DB5B0181FD54}"/>
                         </a:ext>
                       </a:extLst>
                     </p:cNvPr>
@@ -5649,7 +5660,7 @@
                     <p:cNvPr id="50" name="Picture 49" descr="A picture containing crossword puzzle&#10;&#10;Description automatically generated">
                       <a:extLst>
                         <a:ext uri="{FF2B5EF4-FFF2-40B4-BE49-F238E27FC236}">
-                          <a16:creationId xmlns:a16="http://schemas.microsoft.com/office/drawing/2014/main" xmlns="" id="{CD72D629-02A7-45B8-A561-8916419CA9C3}"/>
+                          <a16:creationId xmlns:a16="http://schemas.microsoft.com/office/drawing/2014/main" id="{CD72D629-02A7-45B8-A561-8916419CA9C3}"/>
                         </a:ext>
                       </a:extLst>
                     </p:cNvPr>
@@ -5685,7 +5696,7 @@
                     <p:cNvPr id="51" name="Picture 50" descr="A close up of a logo&#10;&#10;Description automatically generated">
                       <a:extLst>
                         <a:ext uri="{FF2B5EF4-FFF2-40B4-BE49-F238E27FC236}">
-                          <a16:creationId xmlns:a16="http://schemas.microsoft.com/office/drawing/2014/main" xmlns="" id="{851CCF99-BF61-4C42-B20B-EE71645C9F91}"/>
+                          <a16:creationId xmlns:a16="http://schemas.microsoft.com/office/drawing/2014/main" id="{851CCF99-BF61-4C42-B20B-EE71645C9F91}"/>
                         </a:ext>
                       </a:extLst>
                     </p:cNvPr>
@@ -5722,7 +5733,7 @@
                   <p:cNvPr id="48" name="TextBox 47">
                     <a:extLst>
                       <a:ext uri="{FF2B5EF4-FFF2-40B4-BE49-F238E27FC236}">
-                        <a16:creationId xmlns:a16="http://schemas.microsoft.com/office/drawing/2014/main" xmlns="" id="{637C6D92-7606-4F84-8C01-1A37926C07EB}"/>
+                        <a16:creationId xmlns:a16="http://schemas.microsoft.com/office/drawing/2014/main" id="{637C6D92-7606-4F84-8C01-1A37926C07EB}"/>
                       </a:ext>
                     </a:extLst>
                   </p:cNvPr>
@@ -5776,7 +5787,7 @@
                 <p:cNvPr id="2" name="TextBox 1">
                   <a:extLst>
                     <a:ext uri="{FF2B5EF4-FFF2-40B4-BE49-F238E27FC236}">
-                      <a16:creationId xmlns:a16="http://schemas.microsoft.com/office/drawing/2014/main" xmlns="" id="{14050F8D-7522-4453-A178-2ACCC1521BC9}"/>
+                      <a16:creationId xmlns:a16="http://schemas.microsoft.com/office/drawing/2014/main" id="{14050F8D-7522-4453-A178-2ACCC1521BC9}"/>
                     </a:ext>
                   </a:extLst>
                 </p:cNvPr>
@@ -5819,7 +5830,7 @@
               <p:cNvPr id="60" name="TextBox 59">
                 <a:extLst>
                   <a:ext uri="{FF2B5EF4-FFF2-40B4-BE49-F238E27FC236}">
-                    <a16:creationId xmlns:a16="http://schemas.microsoft.com/office/drawing/2014/main" xmlns="" id="{AEBC7705-6EA4-49D9-A532-D244300FA6C8}"/>
+                    <a16:creationId xmlns:a16="http://schemas.microsoft.com/office/drawing/2014/main" id="{AEBC7705-6EA4-49D9-A532-D244300FA6C8}"/>
                   </a:ext>
                 </a:extLst>
               </p:cNvPr>
@@ -5862,7 +5873,7 @@
             <p:cNvPr id="61" name="TextBox 60">
               <a:extLst>
                 <a:ext uri="{FF2B5EF4-FFF2-40B4-BE49-F238E27FC236}">
-                  <a16:creationId xmlns:a16="http://schemas.microsoft.com/office/drawing/2014/main" xmlns="" id="{DDC48DBD-CFA5-4ADE-94C9-D1A3CF3159C9}"/>
+                  <a16:creationId xmlns:a16="http://schemas.microsoft.com/office/drawing/2014/main" id="{DDC48DBD-CFA5-4ADE-94C9-D1A3CF3159C9}"/>
                 </a:ext>
               </a:extLst>
             </p:cNvPr>
@@ -5973,7 +5984,7 @@
           <p:cNvPr id="4" name="Picture 3">
             <a:extLst>
               <a:ext uri="{FF2B5EF4-FFF2-40B4-BE49-F238E27FC236}">
-                <a16:creationId xmlns:a16="http://schemas.microsoft.com/office/drawing/2014/main" xmlns="" id="{EB464702-8EF6-44EC-81DE-05D51CFE7C03}"/>
+                <a16:creationId xmlns:a16="http://schemas.microsoft.com/office/drawing/2014/main" id="{EB464702-8EF6-44EC-81DE-05D51CFE7C03}"/>
               </a:ext>
             </a:extLst>
           </p:cNvPr>
@@ -5996,7 +6007,7 @@
         </p:blipFill>
         <p:spPr>
           <a:xfrm>
-            <a:off x="-20054" y="0"/>
+            <a:off x="46160" y="278080"/>
             <a:ext cx="32400762" cy="43200000"/>
           </a:xfrm>
           <a:prstGeom prst="rect">
@@ -6009,7 +6020,7 @@
           <p:cNvPr id="5" name="Group 4">
             <a:extLst>
               <a:ext uri="{FF2B5EF4-FFF2-40B4-BE49-F238E27FC236}">
-                <a16:creationId xmlns:a16="http://schemas.microsoft.com/office/drawing/2014/main" xmlns="" id="{3DBFDD73-DA09-4DE4-A1B4-6995342975E6}"/>
+                <a16:creationId xmlns:a16="http://schemas.microsoft.com/office/drawing/2014/main" id="{3DBFDD73-DA09-4DE4-A1B4-6995342975E6}"/>
               </a:ext>
             </a:extLst>
           </p:cNvPr>
@@ -6018,10 +6029,10 @@
         </p:nvGrpSpPr>
         <p:grpSpPr>
           <a:xfrm>
-            <a:off x="8963218" y="16368803"/>
-            <a:ext cx="5943600" cy="4788924"/>
+            <a:off x="501098" y="17421790"/>
+            <a:ext cx="7200000" cy="3283704"/>
             <a:chOff x="0" y="1"/>
-            <a:chExt cx="2936623" cy="1350712"/>
+            <a:chExt cx="2936623" cy="926166"/>
           </a:xfrm>
         </p:grpSpPr>
         <p:sp>
@@ -6029,7 +6040,7 @@
             <p:cNvPr id="6" name="תיבת טקסט 18">
               <a:extLst>
                 <a:ext uri="{FF2B5EF4-FFF2-40B4-BE49-F238E27FC236}">
-                  <a16:creationId xmlns:a16="http://schemas.microsoft.com/office/drawing/2014/main" xmlns="" id="{11E2C8DF-6C7E-459A-8C80-AD77732EC608}"/>
+                  <a16:creationId xmlns:a16="http://schemas.microsoft.com/office/drawing/2014/main" id="{11E2C8DF-6C7E-459A-8C80-AD77732EC608}"/>
                 </a:ext>
               </a:extLst>
             </p:cNvPr>
@@ -6039,7 +6050,7 @@
           <p:spPr>
             <a:xfrm>
               <a:off x="5854" y="242463"/>
-              <a:ext cx="2930769" cy="1108250"/>
+              <a:ext cx="2930769" cy="683704"/>
             </a:xfrm>
             <a:prstGeom prst="rect">
               <a:avLst/>
@@ -6069,13 +6080,21 @@
                 </a:spcAft>
               </a:pPr>
               <a:r>
-                <a:rPr lang="en-US" sz="3000" dirty="0" smtClean="0">
+                <a:rPr lang="en-US" sz="3000" dirty="0">
+                  <a:latin typeface="Calibri" panose="020F0502020204030204" pitchFamily="34" charset="0"/>
+                  <a:ea typeface="Calibri" panose="020F0502020204030204" pitchFamily="34" charset="0"/>
+                  <a:cs typeface="Arial" panose="020B0604020202020204" pitchFamily="34" charset="0"/>
+                </a:rPr>
+                <a:t>A</a:t>
+              </a:r>
+              <a:r>
+                <a:rPr lang="en-US" sz="3000" dirty="0">
                   <a:effectLst/>
                   <a:latin typeface="Calibri" panose="020F0502020204030204" pitchFamily="34" charset="0"/>
                   <a:ea typeface="Calibri" panose="020F0502020204030204" pitchFamily="34" charset="0"/>
                   <a:cs typeface="Arial" panose="020B0604020202020204" pitchFamily="34" charset="0"/>
                 </a:rPr>
-                <a:t>Our approach:</a:t>
+                <a:t>pproach:</a:t>
               </a:r>
               <a:r>
                 <a:rPr lang="en-US" sz="3000" dirty="0">
@@ -6086,40 +6105,13 @@
                 <a:t> </a:t>
               </a:r>
               <a:r>
-                <a:rPr lang="en-US" sz="3000" dirty="0" smtClean="0">
-                  <a:effectLst/>
-                  <a:latin typeface="Calibri" panose="020F0502020204030204" pitchFamily="34" charset="0"/>
-                  <a:ea typeface="Calibri" panose="020F0502020204030204" pitchFamily="34" charset="0"/>
-                  <a:cs typeface="Arial" panose="020B0604020202020204" pitchFamily="34" charset="0"/>
-                </a:rPr>
-                <a:t>training </a:t>
-              </a:r>
-              <a:r>
                 <a:rPr lang="en-US" sz="3000" dirty="0">
                   <a:effectLst/>
                   <a:latin typeface="Calibri" panose="020F0502020204030204" pitchFamily="34" charset="0"/>
                   <a:ea typeface="Calibri" panose="020F0502020204030204" pitchFamily="34" charset="0"/>
                   <a:cs typeface="Arial" panose="020B0604020202020204" pitchFamily="34" charset="0"/>
                 </a:rPr>
-                <a:t>models on </a:t>
-              </a:r>
-              <a:r>
-                <a:rPr lang="en-US" sz="3000" dirty="0" smtClean="0">
-                  <a:effectLst/>
-                  <a:latin typeface="Calibri" panose="020F0502020204030204" pitchFamily="34" charset="0"/>
-                  <a:ea typeface="Calibri" panose="020F0502020204030204" pitchFamily="34" charset="0"/>
-                  <a:cs typeface="Arial" panose="020B0604020202020204" pitchFamily="34" charset="0"/>
-                </a:rPr>
-                <a:t>encrypted images</a:t>
-              </a:r>
-              <a:r>
-                <a:rPr lang="en-US" sz="3000" dirty="0">
-                  <a:effectLst/>
-                  <a:latin typeface="Calibri" panose="020F0502020204030204" pitchFamily="34" charset="0"/>
-                  <a:ea typeface="Calibri" panose="020F0502020204030204" pitchFamily="34" charset="0"/>
-                  <a:cs typeface="Arial" panose="020B0604020202020204" pitchFamily="34" charset="0"/>
-                </a:rPr>
-                <a:t>, see figure 2.</a:t>
+                <a:t>training models on encrypted images</a:t>
               </a:r>
             </a:p>
             <a:p>
@@ -6140,48 +6132,56 @@
                 </a:rPr>
                 <a:t>Encryption techniques:</a:t>
               </a:r>
+              <a:endParaRPr lang="en-US" sz="3000" dirty="0">
+                <a:latin typeface="Calibri" panose="020F0502020204030204" pitchFamily="34" charset="0"/>
+                <a:ea typeface="Calibri" panose="020F0502020204030204" pitchFamily="34" charset="0"/>
+                <a:cs typeface="Arial" panose="020B0604020202020204" pitchFamily="34" charset="0"/>
+              </a:endParaRPr>
             </a:p>
             <a:p>
-              <a:pPr marL="342900" marR="0" lvl="0" indent="-342900" algn="l" rtl="0">
+              <a:pPr marL="457200" indent="-457200">
+                <a:buFont typeface="Wingdings" pitchFamily="2" charset="2"/>
+                <a:buChar char="ü"/>
+              </a:pPr>
+              <a:r>
+                <a:rPr lang="en-US" sz="3000" dirty="0">
+                  <a:latin typeface="Calibri" panose="020F0502020204030204" pitchFamily="34" charset="0"/>
+                  <a:ea typeface="Calibri" panose="020F0502020204030204" pitchFamily="34" charset="0"/>
+                  <a:cs typeface="Arial" panose="020B0604020202020204" pitchFamily="34" charset="0"/>
+                </a:rPr>
+                <a:t>Permutation</a:t>
+              </a:r>
+            </a:p>
+            <a:p>
+              <a:pPr marL="457200" indent="-457200">
+                <a:buFont typeface="Wingdings" pitchFamily="2" charset="2"/>
+                <a:buChar char="ü"/>
+              </a:pPr>
+              <a:r>
+                <a:rPr lang="en-US" sz="3000" dirty="0">
+                  <a:latin typeface="Calibri" panose="020F0502020204030204" pitchFamily="34" charset="0"/>
+                  <a:ea typeface="Calibri" panose="020F0502020204030204" pitchFamily="34" charset="0"/>
+                  <a:cs typeface="Arial" panose="020B0604020202020204" pitchFamily="34" charset="0"/>
+                </a:rPr>
+                <a:t>AES in ECB, CBC and CTR modes</a:t>
+              </a:r>
+              <a:endParaRPr lang="en-US" sz="3000" dirty="0"/>
+            </a:p>
+            <a:p>
+              <a:pPr marR="0" lvl="0" algn="l" rtl="0">
                 <a:spcBef>
                   <a:spcPts val="0"/>
                 </a:spcBef>
                 <a:spcAft>
                   <a:spcPts val="0"/>
                 </a:spcAft>
-                <a:buFont typeface="Symbol" panose="05050102010706020507" pitchFamily="18" charset="2"/>
-                <a:buChar char=""/>
               </a:pPr>
-              <a:r>
-                <a:rPr lang="en-US" sz="3000" dirty="0">
-                  <a:effectLst/>
-                  <a:latin typeface="Calibri" panose="020F0502020204030204" pitchFamily="34" charset="0"/>
-                  <a:ea typeface="Calibri" panose="020F0502020204030204" pitchFamily="34" charset="0"/>
-                  <a:cs typeface="Arial" panose="020B0604020202020204" pitchFamily="34" charset="0"/>
-                </a:rPr>
-                <a:t>Permutation on the pixels, as done in the article</a:t>
-              </a:r>
-            </a:p>
-            <a:p>
-              <a:pPr marL="342900" marR="0" lvl="0" indent="-342900" algn="l" rtl="0">
-                <a:spcBef>
-                  <a:spcPts val="0"/>
-                </a:spcBef>
-                <a:spcAft>
-                  <a:spcPts val="0"/>
-                </a:spcAft>
-                <a:buFont typeface="Symbol" panose="05050102010706020507" pitchFamily="18" charset="2"/>
-                <a:buChar char=""/>
-              </a:pPr>
-              <a:r>
-                <a:rPr lang="en-US" sz="3000" dirty="0">
-                  <a:effectLst/>
-                  <a:latin typeface="Calibri" panose="020F0502020204030204" pitchFamily="34" charset="0"/>
-                  <a:ea typeface="Calibri" panose="020F0502020204030204" pitchFamily="34" charset="0"/>
-                  <a:cs typeface="Arial" panose="020B0604020202020204" pitchFamily="34" charset="0"/>
-                </a:rPr>
-                <a:t>AES in ECB, CBC and CTR modes of operation</a:t>
-              </a:r>
+              <a:endParaRPr lang="en-US" sz="3000" dirty="0">
+                <a:effectLst/>
+                <a:latin typeface="Calibri" panose="020F0502020204030204" pitchFamily="34" charset="0"/>
+                <a:ea typeface="Calibri" panose="020F0502020204030204" pitchFamily="34" charset="0"/>
+                <a:cs typeface="Arial" panose="020B0604020202020204" pitchFamily="34" charset="0"/>
+              </a:endParaRPr>
             </a:p>
           </p:txBody>
         </p:sp>
@@ -6190,7 +6190,7 @@
             <p:cNvPr id="7" name="Text Box 24">
               <a:extLst>
                 <a:ext uri="{FF2B5EF4-FFF2-40B4-BE49-F238E27FC236}">
-                  <a16:creationId xmlns:a16="http://schemas.microsoft.com/office/drawing/2014/main" xmlns="" id="{E7602CC7-07A0-4B8E-A4F2-960346B73912}"/>
+                  <a16:creationId xmlns:a16="http://schemas.microsoft.com/office/drawing/2014/main" id="{E7602CC7-07A0-4B8E-A4F2-960346B73912}"/>
                 </a:ext>
               </a:extLst>
             </p:cNvPr>
@@ -6254,7 +6254,7 @@
           <p:cNvPr id="8" name="Group 7">
             <a:extLst>
               <a:ext uri="{FF2B5EF4-FFF2-40B4-BE49-F238E27FC236}">
-                <a16:creationId xmlns:a16="http://schemas.microsoft.com/office/drawing/2014/main" xmlns="" id="{CC5316CA-6379-432F-8040-8D83D75DBCFE}"/>
+                <a16:creationId xmlns:a16="http://schemas.microsoft.com/office/drawing/2014/main" id="{CC5316CA-6379-432F-8040-8D83D75DBCFE}"/>
               </a:ext>
             </a:extLst>
           </p:cNvPr>
@@ -6263,10 +6263,10 @@
         </p:nvGrpSpPr>
         <p:grpSpPr>
           <a:xfrm>
-            <a:off x="26151673" y="16368803"/>
-            <a:ext cx="5943600" cy="5231198"/>
+            <a:off x="482558" y="23522225"/>
+            <a:ext cx="7200000" cy="3622181"/>
             <a:chOff x="0" y="1"/>
-            <a:chExt cx="2936623" cy="1475455"/>
+            <a:chExt cx="2936623" cy="1021633"/>
           </a:xfrm>
         </p:grpSpPr>
         <p:sp>
@@ -6274,7 +6274,7 @@
             <p:cNvPr id="9" name="תיבת טקסט 18">
               <a:extLst>
                 <a:ext uri="{FF2B5EF4-FFF2-40B4-BE49-F238E27FC236}">
-                  <a16:creationId xmlns:a16="http://schemas.microsoft.com/office/drawing/2014/main" xmlns="" id="{45167B33-E44C-4186-BA84-A09525555F46}"/>
+                  <a16:creationId xmlns:a16="http://schemas.microsoft.com/office/drawing/2014/main" id="{45167B33-E44C-4186-BA84-A09525555F46}"/>
                 </a:ext>
               </a:extLst>
             </p:cNvPr>
@@ -6284,7 +6284,7 @@
           <p:spPr>
             <a:xfrm>
               <a:off x="5854" y="242463"/>
-              <a:ext cx="2930769" cy="1232993"/>
+              <a:ext cx="2930769" cy="779171"/>
             </a:xfrm>
             <a:prstGeom prst="rect">
               <a:avLst/>
@@ -6307,13 +6307,13 @@
             <a:p>
               <a:r>
                 <a:rPr lang="en-US" sz="3000" dirty="0"/>
-                <a:t>Attacking the sufficiently accurate models with the following attacks:</a:t>
+                <a:t>Attacks:</a:t>
               </a:r>
             </a:p>
             <a:p>
-              <a:pPr marL="457200" lvl="0" indent="-457200">
-                <a:buFont typeface="Arial" panose="020B0604020202020204" pitchFamily="34" charset="0"/>
-                <a:buChar char="•"/>
+              <a:pPr marL="457200" indent="-457200">
+                <a:buFont typeface="Wingdings" pitchFamily="2" charset="2"/>
+                <a:buChar char="ü"/>
               </a:pPr>
               <a:r>
                 <a:rPr lang="en-US" sz="3000" dirty="0" err="1"/>
@@ -6323,36 +6323,26 @@
                 <a:rPr lang="en-US" sz="3000" dirty="0"/>
                 <a:t> &amp; Wagner, CW</a:t>
               </a:r>
+              <a:endParaRPr lang="en-US" sz="3000" dirty="0">
+                <a:latin typeface="Calibri" panose="020F0502020204030204" pitchFamily="34" charset="0"/>
+                <a:ea typeface="Calibri" panose="020F0502020204030204" pitchFamily="34" charset="0"/>
+                <a:cs typeface="Arial" panose="020B0604020202020204" pitchFamily="34" charset="0"/>
+              </a:endParaRPr>
             </a:p>
             <a:p>
-              <a:pPr marL="457200" lvl="0" indent="-457200">
-                <a:buFont typeface="Arial" panose="020B0604020202020204" pitchFamily="34" charset="0"/>
-                <a:buChar char="•"/>
+              <a:pPr marL="457200" indent="-457200">
+                <a:buFont typeface="Wingdings" pitchFamily="2" charset="2"/>
+                <a:buChar char="ü"/>
               </a:pPr>
               <a:r>
-                <a:rPr lang="en-US" sz="3000" dirty="0" smtClean="0"/>
-                <a:t>Fast </a:t>
-              </a:r>
-              <a:r>
                 <a:rPr lang="en-US" sz="3000" dirty="0"/>
-                <a:t>Gradient Sign Method, </a:t>
-              </a:r>
-              <a:r>
-                <a:rPr lang="en-US" sz="3000" dirty="0" smtClean="0"/>
-                <a:t>FGSM</a:t>
-              </a:r>
-              <a:endParaRPr lang="en-US" sz="3000" dirty="0"/>
+                <a:t>Fast Gradient Sign Method, FGSM</a:t>
+              </a:r>
             </a:p>
             <a:p>
               <a:r>
                 <a:rPr lang="en-US" sz="3000" dirty="0"/>
-                <a:t>We focused on the ‘gray-box’ scenario, i.e. the attacker knows the architecture of the model but has no access to the private key.</a:t>
-              </a:r>
-            </a:p>
-            <a:p>
-              <a:r>
-                <a:rPr lang="en-US" sz="3000" dirty="0"/>
-                <a:t>See figure 4 for a visualization.</a:t>
+                <a:t>‘gray-box’ scenario, i.e. the attacker knows the architecture of the model but has no access to the private key.</a:t>
               </a:r>
             </a:p>
           </p:txBody>
@@ -6362,7 +6352,7 @@
             <p:cNvPr id="10" name="Text Box 24">
               <a:extLst>
                 <a:ext uri="{FF2B5EF4-FFF2-40B4-BE49-F238E27FC236}">
-                  <a16:creationId xmlns:a16="http://schemas.microsoft.com/office/drawing/2014/main" xmlns="" id="{456083E0-3CAC-482B-89C7-9686DAF563B6}"/>
+                  <a16:creationId xmlns:a16="http://schemas.microsoft.com/office/drawing/2014/main" id="{456083E0-3CAC-482B-89C7-9686DAF563B6}"/>
                 </a:ext>
               </a:extLst>
             </p:cNvPr>
@@ -6426,7 +6416,7 @@
           <p:cNvPr id="11" name="Group 10">
             <a:extLst>
               <a:ext uri="{FF2B5EF4-FFF2-40B4-BE49-F238E27FC236}">
-                <a16:creationId xmlns:a16="http://schemas.microsoft.com/office/drawing/2014/main" xmlns="" id="{AB4F9E6A-B506-4CE4-A234-F78DBA10937A}"/>
+                <a16:creationId xmlns:a16="http://schemas.microsoft.com/office/drawing/2014/main" id="{AB4F9E6A-B506-4CE4-A234-F78DBA10937A}"/>
               </a:ext>
             </a:extLst>
           </p:cNvPr>
@@ -6435,10 +6425,10 @@
         </p:nvGrpSpPr>
         <p:grpSpPr>
           <a:xfrm>
-            <a:off x="17577607" y="16368802"/>
-            <a:ext cx="5943600" cy="3833722"/>
+            <a:off x="485904" y="21163548"/>
+            <a:ext cx="7200000" cy="1921353"/>
             <a:chOff x="0" y="1"/>
-            <a:chExt cx="2936623" cy="1081298"/>
+            <a:chExt cx="2936623" cy="541916"/>
           </a:xfrm>
         </p:grpSpPr>
         <p:sp>
@@ -6446,7 +6436,7 @@
             <p:cNvPr id="12" name="תיבת טקסט 18">
               <a:extLst>
                 <a:ext uri="{FF2B5EF4-FFF2-40B4-BE49-F238E27FC236}">
-                  <a16:creationId xmlns:a16="http://schemas.microsoft.com/office/drawing/2014/main" xmlns="" id="{29FA4AFD-D496-4473-8EA2-27AA68B75EAB}"/>
+                  <a16:creationId xmlns:a16="http://schemas.microsoft.com/office/drawing/2014/main" id="{29FA4AFD-D496-4473-8EA2-27AA68B75EAB}"/>
                 </a:ext>
               </a:extLst>
             </p:cNvPr>
@@ -6456,7 +6446,7 @@
           <p:spPr>
             <a:xfrm>
               <a:off x="5854" y="242463"/>
-              <a:ext cx="2930769" cy="838836"/>
+              <a:ext cx="2930769" cy="299454"/>
             </a:xfrm>
             <a:prstGeom prst="rect">
               <a:avLst/>
@@ -6478,32 +6468,8 @@
             <a:lstStyle/>
             <a:p>
               <a:r>
-                <a:rPr lang="en-US" sz="3000" dirty="0" smtClean="0"/>
-                <a:t>We </a:t>
-              </a:r>
-              <a:r>
                 <a:rPr lang="en-US" sz="3000" dirty="0"/>
-                <a:t>eliminated the models that did not learn well.</a:t>
-              </a:r>
-            </a:p>
-            <a:p>
-              <a:r>
-                <a:rPr lang="en-US" sz="3000" dirty="0"/>
-                <a:t>As can be seen in figure 3, learning is not so intuitive.</a:t>
-              </a:r>
-            </a:p>
-            <a:p>
-              <a:r>
-                <a:rPr lang="en-US" sz="3000" dirty="0"/>
-                <a:t>For this reason, </a:t>
-              </a:r>
-              <a:r>
-                <a:rPr lang="en-US" sz="3000" dirty="0" smtClean="0"/>
-                <a:t>ECB </a:t>
-              </a:r>
-              <a:r>
-                <a:rPr lang="en-US" sz="3000" dirty="0"/>
-                <a:t>and CBC mode were irrelevant to continue with.</a:t>
+                <a:t>Eliminated the models that did not learn well.</a:t>
               </a:r>
             </a:p>
           </p:txBody>
@@ -6513,7 +6479,7 @@
             <p:cNvPr id="13" name="Text Box 24">
               <a:extLst>
                 <a:ext uri="{FF2B5EF4-FFF2-40B4-BE49-F238E27FC236}">
-                  <a16:creationId xmlns:a16="http://schemas.microsoft.com/office/drawing/2014/main" xmlns="" id="{D069242E-43D3-4F1C-BC28-93F8D44AD17E}"/>
+                  <a16:creationId xmlns:a16="http://schemas.microsoft.com/office/drawing/2014/main" id="{D069242E-43D3-4F1C-BC28-93F8D44AD17E}"/>
                 </a:ext>
               </a:extLst>
             </p:cNvPr>
@@ -6577,7 +6543,7 @@
           <p:cNvPr id="14" name="Group 13">
             <a:extLst>
               <a:ext uri="{FF2B5EF4-FFF2-40B4-BE49-F238E27FC236}">
-                <a16:creationId xmlns:a16="http://schemas.microsoft.com/office/drawing/2014/main" xmlns="" id="{B65685AB-470C-43ED-AC69-E7CE5BB8BBFE}"/>
+                <a16:creationId xmlns:a16="http://schemas.microsoft.com/office/drawing/2014/main" id="{B65685AB-470C-43ED-AC69-E7CE5BB8BBFE}"/>
               </a:ext>
             </a:extLst>
           </p:cNvPr>
@@ -6597,7 +6563,7 @@
             <p:cNvPr id="15" name="תיבת טקסט 18">
               <a:extLst>
                 <a:ext uri="{FF2B5EF4-FFF2-40B4-BE49-F238E27FC236}">
-                  <a16:creationId xmlns:a16="http://schemas.microsoft.com/office/drawing/2014/main" xmlns="" id="{625E3163-6D63-4A11-870F-78EE2AC6C38F}"/>
+                  <a16:creationId xmlns:a16="http://schemas.microsoft.com/office/drawing/2014/main" id="{625E3163-6D63-4A11-870F-78EE2AC6C38F}"/>
                 </a:ext>
               </a:extLst>
             </p:cNvPr>
@@ -6650,7 +6616,7 @@
             <p:cNvPr id="16" name="Text Box 24">
               <a:extLst>
                 <a:ext uri="{FF2B5EF4-FFF2-40B4-BE49-F238E27FC236}">
-                  <a16:creationId xmlns:a16="http://schemas.microsoft.com/office/drawing/2014/main" xmlns="" id="{6863EBA4-EF1A-499F-9596-0FDE99AE3906}"/>
+                  <a16:creationId xmlns:a16="http://schemas.microsoft.com/office/drawing/2014/main" id="{6863EBA4-EF1A-499F-9596-0FDE99AE3906}"/>
                 </a:ext>
               </a:extLst>
             </p:cNvPr>
@@ -6719,7 +6685,7 @@
           <p:cNvPr id="17" name="Group 16">
             <a:extLst>
               <a:ext uri="{FF2B5EF4-FFF2-40B4-BE49-F238E27FC236}">
-                <a16:creationId xmlns:a16="http://schemas.microsoft.com/office/drawing/2014/main" xmlns="" id="{623FEC8C-E59C-41BB-BFDA-63741A91EE96}"/>
+                <a16:creationId xmlns:a16="http://schemas.microsoft.com/office/drawing/2014/main" id="{623FEC8C-E59C-41BB-BFDA-63741A91EE96}"/>
               </a:ext>
             </a:extLst>
           </p:cNvPr>
@@ -6728,10 +6694,10 @@
         </p:nvGrpSpPr>
         <p:grpSpPr>
           <a:xfrm>
-            <a:off x="22559632" y="32891133"/>
-            <a:ext cx="9535641" cy="5444955"/>
+            <a:off x="24560654" y="34412245"/>
+            <a:ext cx="7200000" cy="4750261"/>
             <a:chOff x="0" y="1"/>
-            <a:chExt cx="2936623" cy="1535745"/>
+            <a:chExt cx="2936623" cy="1339807"/>
           </a:xfrm>
         </p:grpSpPr>
         <p:sp>
@@ -6739,7 +6705,7 @@
             <p:cNvPr id="18" name="תיבת טקסט 18">
               <a:extLst>
                 <a:ext uri="{FF2B5EF4-FFF2-40B4-BE49-F238E27FC236}">
-                  <a16:creationId xmlns:a16="http://schemas.microsoft.com/office/drawing/2014/main" xmlns="" id="{11733FDC-977C-4894-B1C3-8D2DF2B21B2B}"/>
+                  <a16:creationId xmlns:a16="http://schemas.microsoft.com/office/drawing/2014/main" id="{11733FDC-977C-4894-B1C3-8D2DF2B21B2B}"/>
                 </a:ext>
               </a:extLst>
             </p:cNvPr>
@@ -6749,7 +6715,7 @@
           <p:spPr>
             <a:xfrm>
               <a:off x="5854" y="242463"/>
-              <a:ext cx="2930769" cy="1293283"/>
+              <a:ext cx="2930769" cy="1097345"/>
             </a:xfrm>
             <a:prstGeom prst="rect">
               <a:avLst/>
@@ -6775,14 +6741,9 @@
                 <a:buChar char="•"/>
               </a:pPr>
               <a:r>
-                <a:rPr lang="en-US" sz="3500" dirty="0"/>
-                <a:t>improve accuracy on AES-ECB model </a:t>
-              </a:r>
-              <a:r>
-                <a:rPr lang="en-US" sz="3500" dirty="0" smtClean="0"/>
-                <a:t>(as can be seen in the table, the model managed to learn)</a:t>
-              </a:r>
-              <a:endParaRPr lang="en-US" sz="3500" dirty="0"/>
+                <a:rPr lang="en-US" sz="3000" dirty="0"/>
+                <a:t>improve accuracy on AES-ECB model</a:t>
+              </a:r>
             </a:p>
             <a:p>
               <a:pPr marL="457200" lvl="0" indent="-457200">
@@ -6790,16 +6751,23 @@
                 <a:buChar char="•"/>
               </a:pPr>
               <a:r>
-                <a:rPr lang="en-US" sz="3500" dirty="0"/>
-                <a:t>we contacted Nicholas </a:t>
-              </a:r>
-              <a:r>
-                <a:rPr lang="en-US" sz="3500" dirty="0" err="1"/>
+                <a:rPr lang="en-US" sz="3000" dirty="0"/>
+                <a:t>Nicholas </a:t>
+              </a:r>
+              <a:r>
+                <a:rPr lang="en-US" sz="3000" dirty="0" err="1"/>
                 <a:t>Carlini</a:t>
               </a:r>
               <a:r>
-                <a:rPr lang="en-US" sz="3500" dirty="0"/>
-                <a:t> (the ‘C’ in CW attack) and he believes we still might defeat these defenses</a:t>
+                <a:rPr lang="en-US" sz="3000" dirty="0"/>
+                <a:t> (the ‘C’ in CW attack) believes we still might defeat these defenses</a:t>
+              </a:r>
+            </a:p>
+            <a:p>
+              <a:pPr lvl="0"/>
+              <a:r>
+                <a:rPr lang="en-US" sz="3000" dirty="0"/>
+                <a:t>	(we contacted him)</a:t>
               </a:r>
             </a:p>
             <a:p>
@@ -6808,16 +6776,8 @@
                 <a:buChar char="•"/>
               </a:pPr>
               <a:r>
-                <a:rPr lang="en-US" sz="3500" dirty="0"/>
-                <a:t>try some other datasets; i.e. cifar-10, its images are 3 layered (</a:t>
-              </a:r>
-              <a:r>
-                <a:rPr lang="en-US" sz="3500" dirty="0" err="1"/>
-                <a:t>rgb</a:t>
-              </a:r>
-              <a:r>
-                <a:rPr lang="en-US" sz="3500" dirty="0"/>
-                <a:t>) and might be more difficult to learn encrypted images</a:t>
+                <a:rPr lang="en-US" sz="3000" dirty="0"/>
+                <a:t>Test on more complicated datasets; i.e. cifar-10</a:t>
               </a:r>
             </a:p>
           </p:txBody>
@@ -6827,7 +6787,7 @@
             <p:cNvPr id="19" name="Text Box 24">
               <a:extLst>
                 <a:ext uri="{FF2B5EF4-FFF2-40B4-BE49-F238E27FC236}">
-                  <a16:creationId xmlns:a16="http://schemas.microsoft.com/office/drawing/2014/main" xmlns="" id="{6C8FC5F1-6DE6-474A-809C-406894D86817}"/>
+                  <a16:creationId xmlns:a16="http://schemas.microsoft.com/office/drawing/2014/main" id="{6C8FC5F1-6DE6-474A-809C-406894D86817}"/>
                 </a:ext>
               </a:extLst>
             </p:cNvPr>
@@ -6896,7 +6856,7 @@
           <p:cNvPr id="20" name="names">
             <a:extLst>
               <a:ext uri="{FF2B5EF4-FFF2-40B4-BE49-F238E27FC236}">
-                <a16:creationId xmlns:a16="http://schemas.microsoft.com/office/drawing/2014/main" xmlns="" id="{E31C91E7-763E-4CE0-AE68-8ECAEAE218AD}"/>
+                <a16:creationId xmlns:a16="http://schemas.microsoft.com/office/drawing/2014/main" id="{E31C91E7-763E-4CE0-AE68-8ECAEAE218AD}"/>
               </a:ext>
             </a:extLst>
           </p:cNvPr>
@@ -7069,7 +7029,7 @@
           <p:cNvPr id="21" name="Title">
             <a:extLst>
               <a:ext uri="{FF2B5EF4-FFF2-40B4-BE49-F238E27FC236}">
-                <a16:creationId xmlns:a16="http://schemas.microsoft.com/office/drawing/2014/main" xmlns="" id="{7FB64525-1228-4A75-8932-4E1ACCC84E7D}"/>
+                <a16:creationId xmlns:a16="http://schemas.microsoft.com/office/drawing/2014/main" id="{7FB64525-1228-4A75-8932-4E1ACCC84E7D}"/>
               </a:ext>
             </a:extLst>
           </p:cNvPr>
@@ -7160,7 +7120,7 @@
           <p:cNvPr id="22" name="Picture 21" descr="A close up of a logo&#10;&#10;Description automatically generated">
             <a:extLst>
               <a:ext uri="{FF2B5EF4-FFF2-40B4-BE49-F238E27FC236}">
-                <a16:creationId xmlns:a16="http://schemas.microsoft.com/office/drawing/2014/main" xmlns="" id="{310AFD28-6F37-4262-92F8-79AEE079D30F}"/>
+                <a16:creationId xmlns:a16="http://schemas.microsoft.com/office/drawing/2014/main" id="{310AFD28-6F37-4262-92F8-79AEE079D30F}"/>
               </a:ext>
             </a:extLst>
           </p:cNvPr>
@@ -7196,7 +7156,7 @@
           <p:cNvPr id="23" name="Group 22">
             <a:extLst>
               <a:ext uri="{FF2B5EF4-FFF2-40B4-BE49-F238E27FC236}">
-                <a16:creationId xmlns:a16="http://schemas.microsoft.com/office/drawing/2014/main" xmlns="" id="{F99953DC-4A14-40CF-92F0-BCC5BCE6543C}"/>
+                <a16:creationId xmlns:a16="http://schemas.microsoft.com/office/drawing/2014/main" id="{F99953DC-4A14-40CF-92F0-BCC5BCE6543C}"/>
               </a:ext>
             </a:extLst>
           </p:cNvPr>
@@ -7205,10 +7165,10 @@
         </p:nvGrpSpPr>
         <p:grpSpPr>
           <a:xfrm>
-            <a:off x="278236" y="16368803"/>
-            <a:ext cx="5943600" cy="2598015"/>
+            <a:off x="508259" y="14973087"/>
+            <a:ext cx="7200000" cy="1921353"/>
             <a:chOff x="0" y="1"/>
-            <a:chExt cx="2936623" cy="732768"/>
+            <a:chExt cx="2936623" cy="541916"/>
           </a:xfrm>
         </p:grpSpPr>
         <p:sp>
@@ -7216,7 +7176,7 @@
             <p:cNvPr id="24" name="תיבת טקסט 18">
               <a:extLst>
                 <a:ext uri="{FF2B5EF4-FFF2-40B4-BE49-F238E27FC236}">
-                  <a16:creationId xmlns:a16="http://schemas.microsoft.com/office/drawing/2014/main" xmlns="" id="{FB60CA16-1334-4B45-A873-85139D3D8A73}"/>
+                  <a16:creationId xmlns:a16="http://schemas.microsoft.com/office/drawing/2014/main" id="{FB60CA16-1334-4B45-A873-85139D3D8A73}"/>
                 </a:ext>
               </a:extLst>
             </p:cNvPr>
@@ -7226,7 +7186,7 @@
           <p:spPr>
             <a:xfrm>
               <a:off x="5854" y="242463"/>
-              <a:ext cx="2930769" cy="490306"/>
+              <a:ext cx="2930769" cy="299454"/>
             </a:xfrm>
             <a:prstGeom prst="rect">
               <a:avLst/>
@@ -7252,18 +7212,18 @@
                 <a:buChar char="ü"/>
               </a:pPr>
               <a:r>
-                <a:rPr lang="en-US" sz="3000" dirty="0" err="1" smtClean="0"/>
+                <a:rPr lang="en-US" sz="3000" dirty="0" err="1"/>
                 <a:t>Mnist</a:t>
               </a:r>
               <a:r>
-                <a:rPr lang="en-US" sz="3000" dirty="0" smtClean="0"/>
+                <a:rPr lang="en-US" sz="3000" dirty="0"/>
                 <a:t> and fashion-</a:t>
               </a:r>
               <a:r>
-                <a:rPr lang="en-US" sz="3000" dirty="0" err="1" smtClean="0"/>
+                <a:rPr lang="en-US" sz="3000" dirty="0" err="1"/>
                 <a:t>mnist</a:t>
               </a:r>
-              <a:endParaRPr lang="en-US" sz="3000" dirty="0" smtClean="0"/>
+              <a:endParaRPr lang="en-US" sz="3000" dirty="0"/>
             </a:p>
             <a:p>
               <a:pPr marL="457200" indent="-457200">
@@ -7271,10 +7231,9 @@
                 <a:buChar char="ü"/>
               </a:pPr>
               <a:r>
-                <a:rPr lang="en-US" sz="3000" dirty="0" smtClean="0"/>
-                <a:t>Using well-known neural nets for these datasets</a:t>
-              </a:r>
-              <a:endParaRPr lang="en-US" sz="3000" dirty="0" smtClean="0"/>
+                <a:rPr lang="en-US" sz="3000" dirty="0"/>
+                <a:t>Using well-known neural nets</a:t>
+              </a:r>
             </a:p>
           </p:txBody>
         </p:sp>
@@ -7283,7 +7242,7 @@
             <p:cNvPr id="25" name="Text Box 24">
               <a:extLst>
                 <a:ext uri="{FF2B5EF4-FFF2-40B4-BE49-F238E27FC236}">
-                  <a16:creationId xmlns:a16="http://schemas.microsoft.com/office/drawing/2014/main" xmlns="" id="{8F8F3380-FD3D-43F1-BABE-84B3BB16DA41}"/>
+                  <a16:creationId xmlns:a16="http://schemas.microsoft.com/office/drawing/2014/main" id="{8F8F3380-FD3D-43F1-BABE-84B3BB16DA41}"/>
                 </a:ext>
               </a:extLst>
             </p:cNvPr>
@@ -7352,7 +7311,7 @@
           <p:cNvPr id="26" name="Group 25">
             <a:extLst>
               <a:ext uri="{FF2B5EF4-FFF2-40B4-BE49-F238E27FC236}">
-                <a16:creationId xmlns:a16="http://schemas.microsoft.com/office/drawing/2014/main" xmlns="" id="{368FC610-7774-4120-8684-A1FE83E28CF6}"/>
+                <a16:creationId xmlns:a16="http://schemas.microsoft.com/office/drawing/2014/main" id="{368FC610-7774-4120-8684-A1FE83E28CF6}"/>
               </a:ext>
             </a:extLst>
           </p:cNvPr>
@@ -7361,10 +7320,10 @@
         </p:nvGrpSpPr>
         <p:grpSpPr>
           <a:xfrm>
-            <a:off x="290084" y="28149413"/>
-            <a:ext cx="9535641" cy="6370776"/>
+            <a:off x="522612" y="27866587"/>
+            <a:ext cx="7200000" cy="3798150"/>
             <a:chOff x="0" y="1"/>
-            <a:chExt cx="2936623" cy="1796872"/>
+            <a:chExt cx="2936623" cy="1071265"/>
           </a:xfrm>
         </p:grpSpPr>
         <p:sp>
@@ -7372,7 +7331,7 @@
             <p:cNvPr id="27" name="תיבת טקסט 18">
               <a:extLst>
                 <a:ext uri="{FF2B5EF4-FFF2-40B4-BE49-F238E27FC236}">
-                  <a16:creationId xmlns:a16="http://schemas.microsoft.com/office/drawing/2014/main" xmlns="" id="{3C9C691E-1F66-45AE-A815-E534472C188B}"/>
+                  <a16:creationId xmlns:a16="http://schemas.microsoft.com/office/drawing/2014/main" id="{3C9C691E-1F66-45AE-A815-E534472C188B}"/>
                 </a:ext>
               </a:extLst>
             </p:cNvPr>
@@ -7382,7 +7341,7 @@
           <p:spPr>
             <a:xfrm>
               <a:off x="5854" y="242463"/>
-              <a:ext cx="2930769" cy="1554410"/>
+              <a:ext cx="2930769" cy="828803"/>
             </a:xfrm>
             <a:prstGeom prst="rect">
               <a:avLst/>
@@ -7405,83 +7364,15 @@
             <a:p>
               <a:pPr lvl="0"/>
               <a:r>
-                <a:rPr lang="en-US" sz="3500" dirty="0"/>
-                <a:t>There’s a tradeoff between accuracy on the original images and the accuracy on the adversarial images.</a:t>
-              </a:r>
-            </a:p>
-            <a:p>
-              <a:pPr marL="457200" lvl="0" indent="-457200">
-                <a:buFont typeface="Arial" panose="020B0604020202020204" pitchFamily="34" charset="0"/>
-                <a:buChar char="•"/>
-              </a:pPr>
-              <a:r>
-                <a:rPr lang="en-US" sz="3500" dirty="0"/>
-                <a:t>permutation: although the error rate on the originals increased by a little bit (1% on </a:t>
-              </a:r>
-              <a:r>
-                <a:rPr lang="en-US" sz="3500" dirty="0" err="1"/>
-                <a:t>mnist</a:t>
-              </a:r>
-              <a:r>
-                <a:rPr lang="en-US" sz="3500" dirty="0"/>
-                <a:t> and 4% on fashion-</a:t>
-              </a:r>
-              <a:r>
-                <a:rPr lang="en-US" sz="3500" dirty="0" err="1"/>
-                <a:t>mnist</a:t>
-              </a:r>
-              <a:r>
-                <a:rPr lang="en-US" sz="3500" dirty="0"/>
-                <a:t>), the error rate on the adversarial decreased significantly</a:t>
-              </a:r>
-            </a:p>
-            <a:p>
-              <a:pPr marL="457200" lvl="0" indent="-457200">
-                <a:buFont typeface="Arial" panose="020B0604020202020204" pitchFamily="34" charset="0"/>
-                <a:buChar char="•"/>
-              </a:pPr>
-              <a:r>
-                <a:rPr lang="en-US" sz="3500" dirty="0"/>
-                <a:t>AES-CTR: on </a:t>
-              </a:r>
-              <a:r>
-                <a:rPr lang="en-US" sz="3500" dirty="0" err="1"/>
-                <a:t>mnist</a:t>
-              </a:r>
-              <a:r>
-                <a:rPr lang="en-US" sz="3500" dirty="0"/>
-                <a:t> it performs better than permutation but yet on fashion </a:t>
-              </a:r>
-              <a:r>
-                <a:rPr lang="en-US" sz="3500" dirty="0" err="1"/>
-                <a:t>mnist</a:t>
-              </a:r>
-              <a:r>
-                <a:rPr lang="en-US" sz="3500" dirty="0"/>
-                <a:t> the error rate on the </a:t>
-              </a:r>
-              <a:r>
-                <a:rPr lang="en-US" sz="3500" dirty="0" err="1"/>
-                <a:t>adversarials</a:t>
-              </a:r>
-              <a:r>
-                <a:rPr lang="en-US" sz="3500" dirty="0"/>
-                <a:t> is slightly higher</a:t>
+                <a:rPr lang="en-US" sz="3000" dirty="0"/>
+                <a:t>There’s a slight tradeoff between accuracy on the original images and the accuracy on the adversarial images, but overall, there is a way of securing models.</a:t>
               </a:r>
             </a:p>
             <a:p>
               <a:pPr lvl="0"/>
               <a:r>
-                <a:rPr lang="en-US" sz="3500" dirty="0"/>
-                <a:t>See </a:t>
-              </a:r>
-              <a:r>
-                <a:rPr lang="en-US" sz="3500" dirty="0" smtClean="0"/>
-                <a:t>table 1 </a:t>
-              </a:r>
-              <a:r>
-                <a:rPr lang="en-US" sz="3500" dirty="0"/>
-                <a:t>for the detailed results.</a:t>
+                <a:rPr lang="en-US" sz="3000" dirty="0"/>
+                <a:t>See table 1 for the detailed results.</a:t>
               </a:r>
             </a:p>
           </p:txBody>
@@ -7491,7 +7382,7 @@
             <p:cNvPr id="28" name="Text Box 24">
               <a:extLst>
                 <a:ext uri="{FF2B5EF4-FFF2-40B4-BE49-F238E27FC236}">
-                  <a16:creationId xmlns:a16="http://schemas.microsoft.com/office/drawing/2014/main" xmlns="" id="{DDCE71D6-B80A-48A4-B7E6-F9BD6BB1729A}"/>
+                  <a16:creationId xmlns:a16="http://schemas.microsoft.com/office/drawing/2014/main" id="{DDCE71D6-B80A-48A4-B7E6-F9BD6BB1729A}"/>
                 </a:ext>
               </a:extLst>
             </p:cNvPr>
@@ -7560,7 +7451,7 @@
           <p:cNvPr id="29" name="Picture 28" descr="A close up of a logo&#10;&#10;Description automatically generated">
             <a:extLst>
               <a:ext uri="{FF2B5EF4-FFF2-40B4-BE49-F238E27FC236}">
-                <a16:creationId xmlns:a16="http://schemas.microsoft.com/office/drawing/2014/main" xmlns="" id="{BDAD8B8D-BD13-475B-BD37-08374462998E}"/>
+                <a16:creationId xmlns:a16="http://schemas.microsoft.com/office/drawing/2014/main" id="{BDAD8B8D-BD13-475B-BD37-08374462998E}"/>
               </a:ext>
             </a:extLst>
           </p:cNvPr>
@@ -7595,7 +7486,7 @@
           <p:cNvPr id="30" name="Picture 29" descr="A picture containing clipart&#10;&#10;Description automatically generated">
             <a:extLst>
               <a:ext uri="{FF2B5EF4-FFF2-40B4-BE49-F238E27FC236}">
-                <a16:creationId xmlns:a16="http://schemas.microsoft.com/office/drawing/2014/main" xmlns="" id="{9AB95EE0-B0D7-476C-9AFC-F27DE4BA86B1}"/>
+                <a16:creationId xmlns:a16="http://schemas.microsoft.com/office/drawing/2014/main" id="{9AB95EE0-B0D7-476C-9AFC-F27DE4BA86B1}"/>
               </a:ext>
             </a:extLst>
           </p:cNvPr>
@@ -7631,7 +7522,7 @@
           <p:cNvPr id="31" name="Picture 30">
             <a:extLst>
               <a:ext uri="{FF2B5EF4-FFF2-40B4-BE49-F238E27FC236}">
-                <a16:creationId xmlns:a16="http://schemas.microsoft.com/office/drawing/2014/main" xmlns="" id="{2D300F6E-3226-4B98-9BEA-5C5E9F3FCA2F}"/>
+                <a16:creationId xmlns:a16="http://schemas.microsoft.com/office/drawing/2014/main" id="{2D300F6E-3226-4B98-9BEA-5C5E9F3FCA2F}"/>
               </a:ext>
             </a:extLst>
           </p:cNvPr>
@@ -7667,7 +7558,7 @@
           <p:cNvPr id="32" name="Picture 31" descr="A close up of a sign&#10;&#10;Description automatically generated">
             <a:extLst>
               <a:ext uri="{FF2B5EF4-FFF2-40B4-BE49-F238E27FC236}">
-                <a16:creationId xmlns:a16="http://schemas.microsoft.com/office/drawing/2014/main" xmlns="" id="{5CFF3253-5155-4EF1-82F5-8ED05044D2E9}"/>
+                <a16:creationId xmlns:a16="http://schemas.microsoft.com/office/drawing/2014/main" id="{5CFF3253-5155-4EF1-82F5-8ED05044D2E9}"/>
               </a:ext>
             </a:extLst>
           </p:cNvPr>
@@ -7703,7 +7594,7 @@
           <p:cNvPr id="33" name="TextBox 32">
             <a:extLst>
               <a:ext uri="{FF2B5EF4-FFF2-40B4-BE49-F238E27FC236}">
-                <a16:creationId xmlns:a16="http://schemas.microsoft.com/office/drawing/2014/main" xmlns="" id="{FF86FB20-3B2F-4D4F-AED1-287B66222999}"/>
+                <a16:creationId xmlns:a16="http://schemas.microsoft.com/office/drawing/2014/main" id="{FF86FB20-3B2F-4D4F-AED1-287B66222999}"/>
               </a:ext>
             </a:extLst>
           </p:cNvPr>
@@ -7748,7 +7639,7 @@
           <p:cNvPr id="34" name="Group 33">
             <a:extLst>
               <a:ext uri="{FF2B5EF4-FFF2-40B4-BE49-F238E27FC236}">
-                <a16:creationId xmlns:a16="http://schemas.microsoft.com/office/drawing/2014/main" xmlns="" id="{EAAE9E83-C00C-4683-A515-2F1D877519A9}"/>
+                <a16:creationId xmlns:a16="http://schemas.microsoft.com/office/drawing/2014/main" id="{EAAE9E83-C00C-4683-A515-2F1D877519A9}"/>
               </a:ext>
             </a:extLst>
           </p:cNvPr>
@@ -7757,10 +7648,10 @@
         </p:nvGrpSpPr>
         <p:grpSpPr>
           <a:xfrm>
-            <a:off x="6006771" y="9673631"/>
-            <a:ext cx="19295487" cy="5616717"/>
+            <a:off x="6817714" y="9735468"/>
+            <a:ext cx="18725226" cy="4077134"/>
             <a:chOff x="4606761" y="10105499"/>
-            <a:chExt cx="19295487" cy="5616717"/>
+            <a:chExt cx="18725226" cy="4077134"/>
           </a:xfrm>
         </p:grpSpPr>
         <p:grpSp>
@@ -7768,7 +7659,7 @@
             <p:cNvPr id="35" name="Group 34">
               <a:extLst>
                 <a:ext uri="{FF2B5EF4-FFF2-40B4-BE49-F238E27FC236}">
-                  <a16:creationId xmlns:a16="http://schemas.microsoft.com/office/drawing/2014/main" xmlns="" id="{09F0C379-63F2-4290-8C6C-3F483C9BB49C}"/>
+                  <a16:creationId xmlns:a16="http://schemas.microsoft.com/office/drawing/2014/main" id="{09F0C379-63F2-4290-8C6C-3F483C9BB49C}"/>
                 </a:ext>
               </a:extLst>
             </p:cNvPr>
@@ -7778,9 +7669,9 @@
           <p:grpSpPr>
             <a:xfrm>
               <a:off x="4606761" y="10105499"/>
-              <a:ext cx="19295487" cy="5616717"/>
+              <a:ext cx="18725226" cy="4077133"/>
               <a:chOff x="4606761" y="10105499"/>
-              <a:chExt cx="19295487" cy="5616717"/>
+              <a:chExt cx="18725226" cy="4077133"/>
             </a:xfrm>
           </p:grpSpPr>
           <p:grpSp>
@@ -7788,7 +7679,7 @@
               <p:cNvPr id="37" name="Group 36">
                 <a:extLst>
                   <a:ext uri="{FF2B5EF4-FFF2-40B4-BE49-F238E27FC236}">
-                    <a16:creationId xmlns:a16="http://schemas.microsoft.com/office/drawing/2014/main" xmlns="" id="{B3F72870-8CB5-4FAC-98A8-956E0DD27AB8}"/>
+                    <a16:creationId xmlns:a16="http://schemas.microsoft.com/office/drawing/2014/main" id="{B3F72870-8CB5-4FAC-98A8-956E0DD27AB8}"/>
                   </a:ext>
                 </a:extLst>
               </p:cNvPr>
@@ -7798,9 +7689,9 @@
             <p:grpSpPr>
               <a:xfrm>
                 <a:off x="4606761" y="10105499"/>
-                <a:ext cx="9535641" cy="3460042"/>
+                <a:ext cx="9535641" cy="4077133"/>
                 <a:chOff x="0" y="1"/>
-                <a:chExt cx="2936623" cy="975902"/>
+                <a:chExt cx="2936623" cy="1149952"/>
               </a:xfrm>
             </p:grpSpPr>
             <p:sp>
@@ -7808,7 +7699,7 @@
                 <p:cNvPr id="42" name="תיבת טקסט 18">
                   <a:extLst>
                     <a:ext uri="{FF2B5EF4-FFF2-40B4-BE49-F238E27FC236}">
-                      <a16:creationId xmlns:a16="http://schemas.microsoft.com/office/drawing/2014/main" xmlns="" id="{B1E00C83-719F-4AD1-B51E-D29AE9D370DD}"/>
+                      <a16:creationId xmlns:a16="http://schemas.microsoft.com/office/drawing/2014/main" id="{B1E00C83-719F-4AD1-B51E-D29AE9D370DD}"/>
                     </a:ext>
                   </a:extLst>
                 </p:cNvPr>
@@ -7818,7 +7709,7 @@
               <p:spPr>
                 <a:xfrm>
                   <a:off x="5854" y="242463"/>
-                  <a:ext cx="2930769" cy="733440"/>
+                  <a:ext cx="2930769" cy="907490"/>
                 </a:xfrm>
                 <a:prstGeom prst="rect">
                   <a:avLst/>
@@ -7839,16 +7730,71 @@
                 </a:bodyPr>
                 <a:lstStyle/>
                 <a:p>
+                  <a:pPr marL="457200" indent="-457200">
+                    <a:buFont typeface="Wingdings" pitchFamily="2" charset="2"/>
+                    <a:buChar char="ü"/>
+                  </a:pPr>
                   <a:r>
-                    <a:rPr lang="en-US" sz="3500" dirty="0"/>
+                    <a:rPr lang="en-US" sz="3000" dirty="0"/>
                     <a:t>An adversarial example is an instance with small, intentional feature perturbations that cause a machine learning model to make a false prediction.</a:t>
                   </a:r>
                 </a:p>
                 <a:p>
+                  <a:pPr marL="457200" indent="-457200">
+                    <a:buFont typeface="Wingdings" pitchFamily="2" charset="2"/>
+                    <a:buChar char="ü"/>
+                  </a:pPr>
                   <a:r>
-                    <a:rPr lang="en-US" sz="3500" dirty="0"/>
-                    <a:t>(See figure 1)</a:t>
+                    <a:rPr lang="en-US" sz="3000" dirty="0"/>
+                    <a:t>The goal is to Find a way to train ‘secured’ models such that this sort of attacks should not affect them.</a:t>
                   </a:r>
+                </a:p>
+                <a:p>
+                  <a:pPr marL="457200" indent="-457200">
+                    <a:buFont typeface="Wingdings" pitchFamily="2" charset="2"/>
+                    <a:buChar char="ü"/>
+                  </a:pPr>
+                  <a:r>
+                    <a:rPr lang="en-US" sz="3000" dirty="0"/>
+                    <a:t>Project based on the article </a:t>
+                  </a:r>
+                  <a:r>
+                    <a:rPr lang="en-US" sz="3000" u="sng" dirty="0">
+                      <a:solidFill>
+                        <a:srgbClr val="0563C1"/>
+                      </a:solidFill>
+                      <a:latin typeface="Calibri" panose="020F0502020204030204" pitchFamily="34" charset="0"/>
+                      <a:ea typeface="Calibri" panose="020F0502020204030204" pitchFamily="34" charset="0"/>
+                      <a:cs typeface="Arial" panose="020B0604020202020204" pitchFamily="34" charset="0"/>
+                      <a:hlinkClick r:id="rId8"/>
+                    </a:rPr>
+                    <a:t>Bridging machine learning and cryptography in </a:t>
+                  </a:r>
+                  <a:r>
+                    <a:rPr lang="en-US" sz="3000" u="sng" dirty="0" err="1">
+                      <a:solidFill>
+                        <a:srgbClr val="0563C1"/>
+                      </a:solidFill>
+                      <a:latin typeface="Calibri" panose="020F0502020204030204" pitchFamily="34" charset="0"/>
+                      <a:ea typeface="Calibri" panose="020F0502020204030204" pitchFamily="34" charset="0"/>
+                      <a:cs typeface="Arial" panose="020B0604020202020204" pitchFamily="34" charset="0"/>
+                      <a:hlinkClick r:id="rId8"/>
+                    </a:rPr>
+                    <a:t>defence</a:t>
+                  </a:r>
+                  <a:r>
+                    <a:rPr lang="en-US" sz="3000" u="sng" dirty="0">
+                      <a:solidFill>
+                        <a:srgbClr val="0563C1"/>
+                      </a:solidFill>
+                      <a:latin typeface="Calibri" panose="020F0502020204030204" pitchFamily="34" charset="0"/>
+                      <a:ea typeface="Calibri" panose="020F0502020204030204" pitchFamily="34" charset="0"/>
+                      <a:cs typeface="Arial" panose="020B0604020202020204" pitchFamily="34" charset="0"/>
+                      <a:hlinkClick r:id="rId8"/>
+                    </a:rPr>
+                    <a:t> against adversarial attacks</a:t>
+                  </a:r>
+                  <a:endParaRPr lang="en-US" sz="3000" dirty="0"/>
                 </a:p>
               </p:txBody>
             </p:sp>
@@ -7857,7 +7803,7 @@
                 <p:cNvPr id="43" name="Text Box 24">
                   <a:extLst>
                     <a:ext uri="{FF2B5EF4-FFF2-40B4-BE49-F238E27FC236}">
-                      <a16:creationId xmlns:a16="http://schemas.microsoft.com/office/drawing/2014/main" xmlns="" id="{0ECAC82C-BCA7-4C67-8209-EE4E98F3C078}"/>
+                      <a16:creationId xmlns:a16="http://schemas.microsoft.com/office/drawing/2014/main" id="{0ECAC82C-BCA7-4C67-8209-EE4E98F3C078}"/>
                     </a:ext>
                   </a:extLst>
                 </p:cNvPr>
@@ -7907,7 +7853,7 @@
                       <a:latin typeface="Calibri" panose="020F0502020204030204" pitchFamily="34" charset="0"/>
                       <a:cs typeface="Arial" panose="020B0604020202020204" pitchFamily="34" charset="0"/>
                     </a:rPr>
-                    <a:t>Background</a:t>
+                    <a:t>Background and Goal</a:t>
                   </a:r>
                   <a:endParaRPr lang="en-US" sz="4000" b="1" kern="0" dirty="0">
                     <a:solidFill>
@@ -7926,7 +7872,7 @@
               <p:cNvPr id="38" name="Picture 37" descr="A picture containing animal, mammal&#10;&#10;Description automatically generated">
                 <a:extLst>
                   <a:ext uri="{FF2B5EF4-FFF2-40B4-BE49-F238E27FC236}">
-                    <a16:creationId xmlns:a16="http://schemas.microsoft.com/office/drawing/2014/main" xmlns="" id="{FCA315CC-D12F-4979-BB29-E36310FBF040}"/>
+                    <a16:creationId xmlns:a16="http://schemas.microsoft.com/office/drawing/2014/main" id="{FCA315CC-D12F-4979-BB29-E36310FBF040}"/>
                   </a:ext>
                 </a:extLst>
               </p:cNvPr>
@@ -7936,7 +7882,7 @@
               <p:nvPr/>
             </p:nvPicPr>
             <p:blipFill rotWithShape="1">
-              <a:blip r:embed="rId8">
+              <a:blip r:embed="rId9">
                 <a:extLst>
                   <a:ext uri="{28A0092B-C50C-407E-A947-70E740481C1C}">
                     <a14:useLocalDpi xmlns:a14="http://schemas.microsoft.com/office/drawing/2010/main" val="0"/>
@@ -7948,7 +7894,7 @@
             </p:blipFill>
             <p:spPr>
               <a:xfrm>
-                <a:off x="15163362" y="11031574"/>
+                <a:off x="14593101" y="10257144"/>
                 <a:ext cx="8738886" cy="3464390"/>
               </a:xfrm>
               <a:prstGeom prst="rect">
@@ -7962,145 +7908,13 @@
               </a:effectLst>
             </p:spPr>
           </p:pic>
-          <p:grpSp>
-            <p:nvGrpSpPr>
-              <p:cNvPr id="39" name="Group 38">
-                <a:extLst>
-                  <a:ext uri="{FF2B5EF4-FFF2-40B4-BE49-F238E27FC236}">
-                    <a16:creationId xmlns:a16="http://schemas.microsoft.com/office/drawing/2014/main" xmlns="" id="{097DF1FB-1902-4D2B-AC9A-5520312EF7D4}"/>
-                  </a:ext>
-                </a:extLst>
-              </p:cNvPr>
-              <p:cNvGrpSpPr/>
-              <p:nvPr/>
-            </p:nvGrpSpPr>
-            <p:grpSpPr>
-              <a:xfrm>
-                <a:off x="4608981" y="13636321"/>
-                <a:ext cx="9535641" cy="2085895"/>
-                <a:chOff x="0" y="1"/>
-                <a:chExt cx="2936623" cy="588325"/>
-              </a:xfrm>
-            </p:grpSpPr>
-            <p:sp>
-              <p:nvSpPr>
-                <p:cNvPr id="40" name="תיבת טקסט 18">
-                  <a:extLst>
-                    <a:ext uri="{FF2B5EF4-FFF2-40B4-BE49-F238E27FC236}">
-                      <a16:creationId xmlns:a16="http://schemas.microsoft.com/office/drawing/2014/main" xmlns="" id="{4C2DC625-B102-4C43-8CCF-3A5C9052D80E}"/>
-                    </a:ext>
-                  </a:extLst>
-                </p:cNvPr>
-                <p:cNvSpPr txBox="1"/>
-                <p:nvPr/>
-              </p:nvSpPr>
-              <p:spPr>
-                <a:xfrm>
-                  <a:off x="5854" y="242463"/>
-                  <a:ext cx="2930769" cy="345863"/>
-                </a:xfrm>
-                <a:prstGeom prst="rect">
-                  <a:avLst/>
-                </a:prstGeom>
-                <a:noFill/>
-                <a:ln w="25400" cap="flat" cmpd="sng" algn="ctr">
-                  <a:noFill/>
-                  <a:prstDash val="solid"/>
-                </a:ln>
-                <a:effectLst/>
-              </p:spPr>
-              <p:txBody>
-                <a:bodyPr rot="0" spcFirstLastPara="0" vert="horz" wrap="square" lIns="91440" tIns="45720" rIns="91440" bIns="45720" numCol="1" spcCol="0" rtlCol="1" fromWordArt="0" anchor="t" anchorCtr="0" forceAA="0" compatLnSpc="1">
-                  <a:prstTxWarp prst="textNoShape">
-                    <a:avLst/>
-                  </a:prstTxWarp>
-                  <a:noAutofit/>
-                </a:bodyPr>
-                <a:lstStyle/>
-                <a:p>
-                  <a:r>
-                    <a:rPr lang="en-US" sz="3500" dirty="0"/>
-                    <a:t>Find a way to train ‘secured’ models such that this sort of attacks should not affect them.</a:t>
-                  </a:r>
-                </a:p>
-              </p:txBody>
-            </p:sp>
-            <p:sp>
-              <p:nvSpPr>
-                <p:cNvPr id="41" name="Text Box 24">
-                  <a:extLst>
-                    <a:ext uri="{FF2B5EF4-FFF2-40B4-BE49-F238E27FC236}">
-                      <a16:creationId xmlns:a16="http://schemas.microsoft.com/office/drawing/2014/main" xmlns="" id="{EF1C22F8-4F08-41F5-8D92-751AC30FF63D}"/>
-                    </a:ext>
-                  </a:extLst>
-                </p:cNvPr>
-                <p:cNvSpPr txBox="1"/>
-                <p:nvPr/>
-              </p:nvSpPr>
-              <p:spPr>
-                <a:xfrm>
-                  <a:off x="0" y="1"/>
-                  <a:ext cx="2934970" cy="237739"/>
-                </a:xfrm>
-                <a:prstGeom prst="rect">
-                  <a:avLst/>
-                </a:prstGeom>
-                <a:solidFill>
-                  <a:srgbClr val="FF8000"/>
-                </a:solidFill>
-                <a:ln w="6350">
-                  <a:noFill/>
-                </a:ln>
-              </p:spPr>
-              <p:txBody>
-                <a:bodyPr rot="0" spcFirstLastPara="0" vert="horz" wrap="square" lIns="91440" tIns="45720" rIns="91440" bIns="45720" numCol="1" spcCol="0" rtlCol="0" fromWordArt="0" anchor="t" anchorCtr="0" forceAA="0" compatLnSpc="1">
-                  <a:prstTxWarp prst="textNoShape">
-                    <a:avLst/>
-                  </a:prstTxWarp>
-                  <a:noAutofit/>
-                </a:bodyPr>
-                <a:lstStyle/>
-                <a:p>
-                  <a:pPr marR="0" lvl="0" rtl="0">
-                    <a:lnSpc>
-                      <a:spcPct val="115000"/>
-                    </a:lnSpc>
-                    <a:spcBef>
-                      <a:spcPts val="0"/>
-                    </a:spcBef>
-                    <a:spcAft>
-                      <a:spcPts val="1000"/>
-                    </a:spcAft>
-                  </a:pPr>
-                  <a:r>
-                    <a:rPr lang="en-US" sz="4000" b="1" kern="0" dirty="0">
-                      <a:solidFill>
-                        <a:srgbClr val="FFFFFF"/>
-                      </a:solidFill>
-                      <a:latin typeface="Calibri" panose="020F0502020204030204" pitchFamily="34" charset="0"/>
-                      <a:cs typeface="Arial" panose="020B0604020202020204" pitchFamily="34" charset="0"/>
-                    </a:rPr>
-                    <a:t>Goal</a:t>
-                  </a:r>
-                  <a:endParaRPr lang="en-US" sz="4000" b="1" kern="0" dirty="0">
-                    <a:solidFill>
-                      <a:srgbClr val="FFFFFF"/>
-                    </a:solidFill>
-                    <a:effectLst/>
-                    <a:latin typeface="Calibri" panose="020F0502020204030204" pitchFamily="34" charset="0"/>
-                    <a:cs typeface="Arial" panose="020B0604020202020204" pitchFamily="34" charset="0"/>
-                  </a:endParaRPr>
-                </a:p>
-              </p:txBody>
-            </p:sp>
-          </p:grpSp>
         </p:grpSp>
         <p:sp>
           <p:nvSpPr>
             <p:cNvPr id="36" name="TextBox 35">
               <a:extLst>
                 <a:ext uri="{FF2B5EF4-FFF2-40B4-BE49-F238E27FC236}">
-                  <a16:creationId xmlns:a16="http://schemas.microsoft.com/office/drawing/2014/main" xmlns="" id="{D4D5FA7C-76CF-48B8-8564-000535542AB2}"/>
+                  <a16:creationId xmlns:a16="http://schemas.microsoft.com/office/drawing/2014/main" id="{D4D5FA7C-76CF-48B8-8564-000535542AB2}"/>
                 </a:ext>
               </a:extLst>
             </p:cNvPr>
@@ -8109,7 +7923,7 @@
           </p:nvSpPr>
           <p:spPr>
             <a:xfrm>
-              <a:off x="15439072" y="14495965"/>
+              <a:off x="14847744" y="13628635"/>
               <a:ext cx="8229600" cy="553998"/>
             </a:xfrm>
             <a:prstGeom prst="rect">
@@ -8141,162 +7955,26 @@
           </p:txBody>
         </p:sp>
       </p:grpSp>
-      <p:sp>
-        <p:nvSpPr>
-          <p:cNvPr id="64" name="Right Arrow 63"/>
-          <p:cNvSpPr/>
-          <p:nvPr/>
-        </p:nvSpPr>
-        <p:spPr>
-          <a:xfrm>
-            <a:off x="6490776" y="16537780"/>
-            <a:ext cx="2190980" cy="1481286"/>
-          </a:xfrm>
-          <a:prstGeom prst="rightArrow">
-            <a:avLst/>
-          </a:prstGeom>
-          <a:noFill/>
-          <a:ln w="76200">
-            <a:solidFill>
-              <a:srgbClr val="4A929C"/>
-            </a:solidFill>
-          </a:ln>
-        </p:spPr>
-        <p:style>
-          <a:lnRef idx="2">
-            <a:schemeClr val="accent1">
-              <a:shade val="50000"/>
-            </a:schemeClr>
-          </a:lnRef>
-          <a:fillRef idx="1">
-            <a:schemeClr val="accent1"/>
-          </a:fillRef>
-          <a:effectRef idx="0">
-            <a:schemeClr val="accent1"/>
-          </a:effectRef>
-          <a:fontRef idx="minor">
-            <a:schemeClr val="lt1"/>
-          </a:fontRef>
-        </p:style>
-        <p:txBody>
-          <a:bodyPr rtlCol="0" anchor="ctr"/>
-          <a:lstStyle/>
-          <a:p>
-            <a:pPr algn="ctr"/>
-            <a:endParaRPr lang="en-US"/>
-          </a:p>
-        </p:txBody>
-      </p:sp>
-      <p:sp>
-        <p:nvSpPr>
-          <p:cNvPr id="65" name="Right Arrow 64"/>
-          <p:cNvSpPr/>
-          <p:nvPr/>
-        </p:nvSpPr>
-        <p:spPr>
-          <a:xfrm>
-            <a:off x="15151903" y="16537780"/>
-            <a:ext cx="2190980" cy="1481286"/>
-          </a:xfrm>
-          <a:prstGeom prst="rightArrow">
-            <a:avLst/>
-          </a:prstGeom>
-          <a:noFill/>
-          <a:ln w="76200">
-            <a:solidFill>
-              <a:srgbClr val="4A929C"/>
-            </a:solidFill>
-          </a:ln>
-        </p:spPr>
-        <p:style>
-          <a:lnRef idx="2">
-            <a:schemeClr val="accent1">
-              <a:shade val="50000"/>
-            </a:schemeClr>
-          </a:lnRef>
-          <a:fillRef idx="1">
-            <a:schemeClr val="accent1"/>
-          </a:fillRef>
-          <a:effectRef idx="0">
-            <a:schemeClr val="accent1"/>
-          </a:effectRef>
-          <a:fontRef idx="minor">
-            <a:schemeClr val="lt1"/>
-          </a:fontRef>
-        </p:style>
-        <p:txBody>
-          <a:bodyPr rtlCol="0" anchor="ctr"/>
-          <a:lstStyle/>
-          <a:p>
-            <a:pPr algn="ctr"/>
-            <a:endParaRPr lang="en-US"/>
-          </a:p>
-        </p:txBody>
-      </p:sp>
-      <p:sp>
-        <p:nvSpPr>
-          <p:cNvPr id="66" name="Right Arrow 65"/>
-          <p:cNvSpPr/>
-          <p:nvPr/>
-        </p:nvSpPr>
-        <p:spPr>
-          <a:xfrm>
-            <a:off x="23751999" y="16537780"/>
-            <a:ext cx="2190980" cy="1481286"/>
-          </a:xfrm>
-          <a:prstGeom prst="rightArrow">
-            <a:avLst/>
-          </a:prstGeom>
-          <a:noFill/>
-          <a:ln w="76200">
-            <a:solidFill>
-              <a:srgbClr val="4A929C"/>
-            </a:solidFill>
-          </a:ln>
-        </p:spPr>
-        <p:style>
-          <a:lnRef idx="2">
-            <a:schemeClr val="accent1">
-              <a:shade val="50000"/>
-            </a:schemeClr>
-          </a:lnRef>
-          <a:fillRef idx="1">
-            <a:schemeClr val="accent1"/>
-          </a:fillRef>
-          <a:effectRef idx="0">
-            <a:schemeClr val="accent1"/>
-          </a:effectRef>
-          <a:fontRef idx="minor">
-            <a:schemeClr val="lt1"/>
-          </a:fontRef>
-        </p:style>
-        <p:txBody>
-          <a:bodyPr rtlCol="0" anchor="ctr"/>
-          <a:lstStyle/>
-          <a:p>
-            <a:pPr algn="ctr"/>
-            <a:endParaRPr lang="en-US"/>
-          </a:p>
-        </p:txBody>
-      </p:sp>
       <p:grpSp>
         <p:nvGrpSpPr>
           <p:cNvPr id="67" name="Group 66">
             <a:extLst>
               <a:ext uri="{FF2B5EF4-FFF2-40B4-BE49-F238E27FC236}">
-                <a16:creationId xmlns:a16="http://schemas.microsoft.com/office/drawing/2014/main" xmlns="" id="{B058EA77-FB11-4A9B-84FB-10DEB68EB2F0}"/>
+                <a16:creationId xmlns:a16="http://schemas.microsoft.com/office/drawing/2014/main" id="{B058EA77-FB11-4A9B-84FB-10DEB68EB2F0}"/>
               </a:ext>
             </a:extLst>
           </p:cNvPr>
-          <p:cNvGrpSpPr/>
+          <p:cNvGrpSpPr>
+            <a:grpSpLocks noChangeAspect="1"/>
+          </p:cNvGrpSpPr>
           <p:nvPr/>
         </p:nvGrpSpPr>
         <p:grpSpPr>
           <a:xfrm>
-            <a:off x="-20054" y="22652314"/>
-            <a:ext cx="10759440" cy="4030404"/>
+            <a:off x="8417447" y="15489322"/>
+            <a:ext cx="14823838" cy="5400000"/>
             <a:chOff x="11002127" y="17994589"/>
-            <a:chExt cx="10759440" cy="4030404"/>
+            <a:chExt cx="10759440" cy="3919429"/>
           </a:xfrm>
         </p:grpSpPr>
         <p:pic>
@@ -8304,7 +7982,7 @@
             <p:cNvPr id="68" name="Picture 67">
               <a:extLst>
                 <a:ext uri="{FF2B5EF4-FFF2-40B4-BE49-F238E27FC236}">
-                  <a16:creationId xmlns:a16="http://schemas.microsoft.com/office/drawing/2014/main" xmlns="" id="{183F4D8F-C0FC-4880-B20B-91ED8A9D00B8}"/>
+                  <a16:creationId xmlns:a16="http://schemas.microsoft.com/office/drawing/2014/main" id="{183F4D8F-C0FC-4880-B20B-91ED8A9D00B8}"/>
                 </a:ext>
               </a:extLst>
             </p:cNvPr>
@@ -8314,7 +7992,7 @@
             <p:nvPr/>
           </p:nvPicPr>
           <p:blipFill>
-            <a:blip r:embed="rId9">
+            <a:blip r:embed="rId10">
               <a:extLst>
                 <a:ext uri="{28A0092B-C50C-407E-A947-70E740481C1C}">
                   <a14:useLocalDpi xmlns:a14="http://schemas.microsoft.com/office/drawing/2010/main" val="0"/>
@@ -8340,7 +8018,7 @@
             <p:cNvPr id="69" name="TextBox 68">
               <a:extLst>
                 <a:ext uri="{FF2B5EF4-FFF2-40B4-BE49-F238E27FC236}">
-                  <a16:creationId xmlns:a16="http://schemas.microsoft.com/office/drawing/2014/main" xmlns="" id="{7FCFA7D3-F8A1-43D0-94A1-382EABC6FA7B}"/>
+                  <a16:creationId xmlns:a16="http://schemas.microsoft.com/office/drawing/2014/main" id="{7FCFA7D3-F8A1-43D0-94A1-382EABC6FA7B}"/>
                 </a:ext>
               </a:extLst>
             </p:cNvPr>
@@ -8350,7 +8028,7 @@
           <p:spPr>
             <a:xfrm>
               <a:off x="12267724" y="21470995"/>
-              <a:ext cx="8229600" cy="553998"/>
+              <a:ext cx="8229600" cy="443023"/>
             </a:xfrm>
             <a:prstGeom prst="rect">
               <a:avLst/>
@@ -8374,7 +8052,7 @@
               </a:r>
               <a:r>
                 <a:rPr lang="en-US" sz="3000" dirty="0"/>
-                <a:t> architecture of the secure models</a:t>
+                <a:t> architecture for securing models</a:t>
               </a:r>
               <a:endParaRPr lang="en-US" sz="3000" b="1" dirty="0"/>
             </a:p>
@@ -8384,13 +8062,15 @@
       <p:grpSp>
         <p:nvGrpSpPr>
           <p:cNvPr id="70" name="Group 69"/>
-          <p:cNvGrpSpPr/>
+          <p:cNvGrpSpPr>
+            <a:grpSpLocks noChangeAspect="1"/>
+          </p:cNvGrpSpPr>
           <p:nvPr/>
         </p:nvGrpSpPr>
         <p:grpSpPr>
           <a:xfrm>
-            <a:off x="11526932" y="22652314"/>
-            <a:ext cx="11775842" cy="5053580"/>
+            <a:off x="7959274" y="21790970"/>
+            <a:ext cx="16777426" cy="7200000"/>
             <a:chOff x="10360762" y="23839323"/>
             <a:chExt cx="11775842" cy="5053580"/>
           </a:xfrm>
@@ -8428,7 +8108,7 @@
                 <p:cNvPr id="75" name="Group 74">
                   <a:extLst>
                     <a:ext uri="{FF2B5EF4-FFF2-40B4-BE49-F238E27FC236}">
-                      <a16:creationId xmlns:a16="http://schemas.microsoft.com/office/drawing/2014/main" xmlns="" id="{24ED838A-64AB-48D2-8E80-0C822A9BD5F5}"/>
+                      <a16:creationId xmlns:a16="http://schemas.microsoft.com/office/drawing/2014/main" id="{24ED838A-64AB-48D2-8E80-0C822A9BD5F5}"/>
                     </a:ext>
                   </a:extLst>
                 </p:cNvPr>
@@ -8448,7 +8128,7 @@
                   <p:cNvPr id="77" name="Group 76">
                     <a:extLst>
                       <a:ext uri="{FF2B5EF4-FFF2-40B4-BE49-F238E27FC236}">
-                        <a16:creationId xmlns:a16="http://schemas.microsoft.com/office/drawing/2014/main" xmlns="" id="{F0B6B916-47D4-47D7-8707-42B3D2DF5719}"/>
+                        <a16:creationId xmlns:a16="http://schemas.microsoft.com/office/drawing/2014/main" id="{F0B6B916-47D4-47D7-8707-42B3D2DF5719}"/>
                       </a:ext>
                     </a:extLst>
                   </p:cNvPr>
@@ -8470,7 +8150,7 @@
                     <p:cNvPr id="79" name="Picture 78" descr="A close up of a mans face&#10;&#10;Description automatically generated">
                       <a:extLst>
                         <a:ext uri="{FF2B5EF4-FFF2-40B4-BE49-F238E27FC236}">
-                          <a16:creationId xmlns:a16="http://schemas.microsoft.com/office/drawing/2014/main" xmlns="" id="{32D2C511-A387-4025-86EA-DB5B0181FD54}"/>
+                          <a16:creationId xmlns:a16="http://schemas.microsoft.com/office/drawing/2014/main" id="{32D2C511-A387-4025-86EA-DB5B0181FD54}"/>
                         </a:ext>
                       </a:extLst>
                     </p:cNvPr>
@@ -8480,7 +8160,7 @@
                     <p:nvPr/>
                   </p:nvPicPr>
                   <p:blipFill>
-                    <a:blip r:embed="rId10">
+                    <a:blip r:embed="rId11">
                       <a:extLst>
                         <a:ext uri="{28A0092B-C50C-407E-A947-70E740481C1C}">
                           <a14:useLocalDpi xmlns:a14="http://schemas.microsoft.com/office/drawing/2010/main" val="0"/>
@@ -8506,7 +8186,7 @@
                     <p:cNvPr id="80" name="Picture 79" descr="A picture containing crossword puzzle&#10;&#10;Description automatically generated">
                       <a:extLst>
                         <a:ext uri="{FF2B5EF4-FFF2-40B4-BE49-F238E27FC236}">
-                          <a16:creationId xmlns:a16="http://schemas.microsoft.com/office/drawing/2014/main" xmlns="" id="{CD72D629-02A7-45B8-A561-8916419CA9C3}"/>
+                          <a16:creationId xmlns:a16="http://schemas.microsoft.com/office/drawing/2014/main" id="{CD72D629-02A7-45B8-A561-8916419CA9C3}"/>
                         </a:ext>
                       </a:extLst>
                     </p:cNvPr>
@@ -8516,7 +8196,7 @@
                     <p:nvPr/>
                   </p:nvPicPr>
                   <p:blipFill>
-                    <a:blip r:embed="rId11">
+                    <a:blip r:embed="rId12">
                       <a:extLst>
                         <a:ext uri="{28A0092B-C50C-407E-A947-70E740481C1C}">
                           <a14:useLocalDpi xmlns:a14="http://schemas.microsoft.com/office/drawing/2010/main" val="0"/>
@@ -8542,7 +8222,7 @@
                     <p:cNvPr id="81" name="Picture 80" descr="A close up of a logo&#10;&#10;Description automatically generated">
                       <a:extLst>
                         <a:ext uri="{FF2B5EF4-FFF2-40B4-BE49-F238E27FC236}">
-                          <a16:creationId xmlns:a16="http://schemas.microsoft.com/office/drawing/2014/main" xmlns="" id="{851CCF99-BF61-4C42-B20B-EE71645C9F91}"/>
+                          <a16:creationId xmlns:a16="http://schemas.microsoft.com/office/drawing/2014/main" id="{851CCF99-BF61-4C42-B20B-EE71645C9F91}"/>
                         </a:ext>
                       </a:extLst>
                     </p:cNvPr>
@@ -8552,7 +8232,7 @@
                     <p:nvPr/>
                   </p:nvPicPr>
                   <p:blipFill>
-                    <a:blip r:embed="rId12">
+                    <a:blip r:embed="rId13">
                       <a:extLst>
                         <a:ext uri="{28A0092B-C50C-407E-A947-70E740481C1C}">
                           <a14:useLocalDpi xmlns:a14="http://schemas.microsoft.com/office/drawing/2010/main" val="0"/>
@@ -8579,7 +8259,7 @@
                   <p:cNvPr id="78" name="TextBox 77">
                     <a:extLst>
                       <a:ext uri="{FF2B5EF4-FFF2-40B4-BE49-F238E27FC236}">
-                        <a16:creationId xmlns:a16="http://schemas.microsoft.com/office/drawing/2014/main" xmlns="" id="{637C6D92-7606-4F84-8C01-1A37926C07EB}"/>
+                        <a16:creationId xmlns:a16="http://schemas.microsoft.com/office/drawing/2014/main" id="{637C6D92-7606-4F84-8C01-1A37926C07EB}"/>
                       </a:ext>
                     </a:extLst>
                   </p:cNvPr>
@@ -8613,15 +8293,7 @@
                     </a:r>
                     <a:r>
                       <a:rPr lang="en-US" sz="3000" dirty="0"/>
-                      <a:t> Sample of the encrypted images (permutated and </a:t>
-                    </a:r>
-                    <a:r>
-                      <a:rPr lang="en-US" sz="3000" dirty="0" err="1"/>
-                      <a:t>aes</a:t>
-                    </a:r>
-                    <a:r>
-                      <a:rPr lang="en-US" sz="3000" dirty="0"/>
-                      <a:t>-ctr). Interesting to see how for the human eyes it’s impossible to distinguish between various classes but a DNN model classifies quite well, see figure 5 for accuracies</a:t>
+                      <a:t> Sample of the encrypted images. Interesting to see how for the human eye it’s impossible to distinguish between various classes but a DNN model classifies quite well, as in table 1</a:t>
                     </a:r>
                     <a:endParaRPr lang="en-US" sz="3000" b="1" dirty="0"/>
                   </a:p>
@@ -8633,7 +8305,7 @@
                 <p:cNvPr id="76" name="TextBox 75">
                   <a:extLst>
                     <a:ext uri="{FF2B5EF4-FFF2-40B4-BE49-F238E27FC236}">
-                      <a16:creationId xmlns:a16="http://schemas.microsoft.com/office/drawing/2014/main" xmlns="" id="{14050F8D-7522-4453-A178-2ACCC1521BC9}"/>
+                      <a16:creationId xmlns:a16="http://schemas.microsoft.com/office/drawing/2014/main" id="{14050F8D-7522-4453-A178-2ACCC1521BC9}"/>
                     </a:ext>
                   </a:extLst>
                 </p:cNvPr>
@@ -8676,7 +8348,7 @@
               <p:cNvPr id="74" name="TextBox 73">
                 <a:extLst>
                   <a:ext uri="{FF2B5EF4-FFF2-40B4-BE49-F238E27FC236}">
-                    <a16:creationId xmlns:a16="http://schemas.microsoft.com/office/drawing/2014/main" xmlns="" id="{AEBC7705-6EA4-49D9-A532-D244300FA6C8}"/>
+                    <a16:creationId xmlns:a16="http://schemas.microsoft.com/office/drawing/2014/main" id="{AEBC7705-6EA4-49D9-A532-D244300FA6C8}"/>
                   </a:ext>
                 </a:extLst>
               </p:cNvPr>
@@ -8719,7 +8391,7 @@
             <p:cNvPr id="72" name="TextBox 71">
               <a:extLst>
                 <a:ext uri="{FF2B5EF4-FFF2-40B4-BE49-F238E27FC236}">
-                  <a16:creationId xmlns:a16="http://schemas.microsoft.com/office/drawing/2014/main" xmlns="" id="{DDC48DBD-CFA5-4ADE-94C9-D1A3CF3159C9}"/>
+                  <a16:creationId xmlns:a16="http://schemas.microsoft.com/office/drawing/2014/main" id="{DDC48DBD-CFA5-4ADE-94C9-D1A3CF3159C9}"/>
                 </a:ext>
               </a:extLst>
             </p:cNvPr>
@@ -8762,7 +8434,7 @@
           <p:cNvPr id="82" name="Group 81">
             <a:extLst>
               <a:ext uri="{FF2B5EF4-FFF2-40B4-BE49-F238E27FC236}">
-                <a16:creationId xmlns:a16="http://schemas.microsoft.com/office/drawing/2014/main" xmlns="" id="{EB0912F7-8B3A-4AAC-AA96-728E3C48058F}"/>
+                <a16:creationId xmlns:a16="http://schemas.microsoft.com/office/drawing/2014/main" id="{EB0912F7-8B3A-4AAC-AA96-728E3C48058F}"/>
               </a:ext>
             </a:extLst>
           </p:cNvPr>
@@ -8771,7 +8443,7 @@
         </p:nvGrpSpPr>
         <p:grpSpPr>
           <a:xfrm>
-            <a:off x="23579923" y="21796965"/>
+            <a:off x="510970" y="33399821"/>
             <a:ext cx="8229600" cy="8314887"/>
             <a:chOff x="12127914" y="29786254"/>
             <a:chExt cx="8229600" cy="8314887"/>
@@ -8782,7 +8454,7 @@
             <p:cNvPr id="83" name="Picture 82" descr="A screenshot of a cell phone&#10;&#10;Description automatically generated">
               <a:extLst>
                 <a:ext uri="{FF2B5EF4-FFF2-40B4-BE49-F238E27FC236}">
-                  <a16:creationId xmlns:a16="http://schemas.microsoft.com/office/drawing/2014/main" xmlns="" id="{6A2908E3-7247-4725-8E43-49AB065CB409}"/>
+                  <a16:creationId xmlns:a16="http://schemas.microsoft.com/office/drawing/2014/main" id="{6A2908E3-7247-4725-8E43-49AB065CB409}"/>
                 </a:ext>
               </a:extLst>
             </p:cNvPr>
@@ -8792,7 +8464,7 @@
             <p:nvPr/>
           </p:nvPicPr>
           <p:blipFill>
-            <a:blip r:embed="rId13">
+            <a:blip r:embed="rId14">
               <a:extLst>
                 <a:ext uri="{28A0092B-C50C-407E-A947-70E740481C1C}">
                   <a14:useLocalDpi xmlns:a14="http://schemas.microsoft.com/office/drawing/2010/main" val="0"/>
@@ -8818,7 +8490,7 @@
             <p:cNvPr id="84" name="Picture 83" descr="A screenshot of a cell phone&#10;&#10;Description automatically generated">
               <a:extLst>
                 <a:ext uri="{FF2B5EF4-FFF2-40B4-BE49-F238E27FC236}">
-                  <a16:creationId xmlns:a16="http://schemas.microsoft.com/office/drawing/2014/main" xmlns="" id="{D990B65E-456D-4494-9154-DB49D9FAD3C5}"/>
+                  <a16:creationId xmlns:a16="http://schemas.microsoft.com/office/drawing/2014/main" id="{D990B65E-456D-4494-9154-DB49D9FAD3C5}"/>
                 </a:ext>
               </a:extLst>
             </p:cNvPr>
@@ -8828,7 +8500,7 @@
             <p:nvPr/>
           </p:nvPicPr>
           <p:blipFill>
-            <a:blip r:embed="rId14">
+            <a:blip r:embed="rId15">
               <a:extLst>
                 <a:ext uri="{28A0092B-C50C-407E-A947-70E740481C1C}">
                   <a14:useLocalDpi xmlns:a14="http://schemas.microsoft.com/office/drawing/2010/main" val="0"/>
@@ -8854,7 +8526,7 @@
             <p:cNvPr id="85" name="TextBox 84">
               <a:extLst>
                 <a:ext uri="{FF2B5EF4-FFF2-40B4-BE49-F238E27FC236}">
-                  <a16:creationId xmlns:a16="http://schemas.microsoft.com/office/drawing/2014/main" xmlns="" id="{0220DA71-9439-428E-ACE0-C0136A19093E}"/>
+                  <a16:creationId xmlns:a16="http://schemas.microsoft.com/office/drawing/2014/main" id="{0220DA71-9439-428E-ACE0-C0136A19093E}"/>
                 </a:ext>
               </a:extLst>
             </p:cNvPr>
@@ -8907,17 +8579,19 @@
           <p:cNvPr id="86" name="Group 85">
             <a:extLst>
               <a:ext uri="{FF2B5EF4-FFF2-40B4-BE49-F238E27FC236}">
-                <a16:creationId xmlns:a16="http://schemas.microsoft.com/office/drawing/2014/main" xmlns="" id="{41514877-7A55-49CB-A4FB-A2AE2DEDCE5F}"/>
+                <a16:creationId xmlns:a16="http://schemas.microsoft.com/office/drawing/2014/main" id="{41514877-7A55-49CB-A4FB-A2AE2DEDCE5F}"/>
               </a:ext>
             </a:extLst>
           </p:cNvPr>
-          <p:cNvGrpSpPr/>
+          <p:cNvGrpSpPr>
+            <a:grpSpLocks noChangeAspect="1"/>
+          </p:cNvGrpSpPr>
           <p:nvPr/>
         </p:nvGrpSpPr>
         <p:grpSpPr>
           <a:xfrm>
-            <a:off x="10977243" y="28207051"/>
-            <a:ext cx="10058400" cy="7805553"/>
+            <a:off x="9240419" y="29496250"/>
+            <a:ext cx="13918450" cy="10800000"/>
             <a:chOff x="22097789" y="24778545"/>
             <a:chExt cx="10058400" cy="7805553"/>
           </a:xfrm>
@@ -8927,7 +8601,7 @@
             <p:cNvPr id="87" name="Picture 86" descr="A screenshot of a cell phone&#10;&#10;Description automatically generated">
               <a:extLst>
                 <a:ext uri="{FF2B5EF4-FFF2-40B4-BE49-F238E27FC236}">
-                  <a16:creationId xmlns:a16="http://schemas.microsoft.com/office/drawing/2014/main" xmlns="" id="{496D2D3E-80C1-478A-ABCC-63E9EA54D44B}"/>
+                  <a16:creationId xmlns:a16="http://schemas.microsoft.com/office/drawing/2014/main" id="{496D2D3E-80C1-478A-ABCC-63E9EA54D44B}"/>
                 </a:ext>
               </a:extLst>
             </p:cNvPr>
@@ -8937,7 +8611,7 @@
             <p:nvPr/>
           </p:nvPicPr>
           <p:blipFill>
-            <a:blip r:embed="rId15">
+            <a:blip r:embed="rId16">
               <a:extLst>
                 <a:ext uri="{28A0092B-C50C-407E-A947-70E740481C1C}">
                   <a14:useLocalDpi xmlns:a14="http://schemas.microsoft.com/office/drawing/2010/main" val="0"/>
@@ -8963,7 +8637,7 @@
             <p:cNvPr id="88" name="TextBox 87">
               <a:extLst>
                 <a:ext uri="{FF2B5EF4-FFF2-40B4-BE49-F238E27FC236}">
-                  <a16:creationId xmlns:a16="http://schemas.microsoft.com/office/drawing/2014/main" xmlns="" id="{1ED11102-FED3-4699-B8AB-02B061BBA364}"/>
+                  <a16:creationId xmlns:a16="http://schemas.microsoft.com/office/drawing/2014/main" id="{1ED11102-FED3-4699-B8AB-02B061BBA364}"/>
                 </a:ext>
               </a:extLst>
             </p:cNvPr>
@@ -8988,23 +8662,15 @@
             <a:p>
               <a:pPr algn="ctr"/>
               <a:r>
-                <a:rPr lang="en-US" sz="3000" b="1" dirty="0" smtClean="0">
+                <a:rPr lang="en-US" sz="3000" b="1" dirty="0">
                   <a:solidFill>
                     <a:srgbClr val="4A929C"/>
                   </a:solidFill>
                 </a:rPr>
-                <a:t>Table</a:t>
-              </a:r>
-              <a:r>
-                <a:rPr lang="en-US" sz="3000" b="1" dirty="0" smtClean="0">
-                  <a:solidFill>
-                    <a:srgbClr val="4A929C"/>
-                  </a:solidFill>
-                </a:rPr>
-                <a:t> 1:</a:t>
-              </a:r>
-              <a:r>
-                <a:rPr lang="en-US" sz="3000" b="1" dirty="0" smtClean="0">
+                <a:t>Table 1:</a:t>
+              </a:r>
+              <a:r>
+                <a:rPr lang="en-US" sz="3000" b="1" dirty="0">
                   <a:solidFill>
                     <a:srgbClr val="5F8388"/>
                   </a:solidFill>
@@ -9024,7 +8690,7 @@
           <p:cNvPr id="89" name="Group 88">
             <a:extLst>
               <a:ext uri="{FF2B5EF4-FFF2-40B4-BE49-F238E27FC236}">
-                <a16:creationId xmlns:a16="http://schemas.microsoft.com/office/drawing/2014/main" xmlns="" id="{368FC610-7774-4120-8684-A1FE83E28CF6}"/>
+                <a16:creationId xmlns:a16="http://schemas.microsoft.com/office/drawing/2014/main" id="{368FC610-7774-4120-8684-A1FE83E28CF6}"/>
               </a:ext>
             </a:extLst>
           </p:cNvPr>
@@ -9033,10 +8699,10 @@
         </p:nvGrpSpPr>
         <p:grpSpPr>
           <a:xfrm>
-            <a:off x="278236" y="37068158"/>
-            <a:ext cx="9535641" cy="3132879"/>
+            <a:off x="24975842" y="18421802"/>
+            <a:ext cx="7200000" cy="3337304"/>
             <a:chOff x="0" y="1"/>
-            <a:chExt cx="2936623" cy="883626"/>
+            <a:chExt cx="2936623" cy="941284"/>
           </a:xfrm>
         </p:grpSpPr>
         <p:sp>
@@ -9044,7 +8710,7 @@
             <p:cNvPr id="90" name="תיבת טקסט 18">
               <a:extLst>
                 <a:ext uri="{FF2B5EF4-FFF2-40B4-BE49-F238E27FC236}">
-                  <a16:creationId xmlns:a16="http://schemas.microsoft.com/office/drawing/2014/main" xmlns="" id="{3C9C691E-1F66-45AE-A815-E534472C188B}"/>
+                  <a16:creationId xmlns:a16="http://schemas.microsoft.com/office/drawing/2014/main" id="{3C9C691E-1F66-45AE-A815-E534472C188B}"/>
                 </a:ext>
               </a:extLst>
             </p:cNvPr>
@@ -9054,7 +8720,7 @@
           <p:spPr>
             <a:xfrm>
               <a:off x="5854" y="242463"/>
-              <a:ext cx="2930769" cy="641164"/>
+              <a:ext cx="2930769" cy="698822"/>
             </a:xfrm>
             <a:prstGeom prst="rect">
               <a:avLst/>
@@ -9077,20 +8743,20 @@
             <a:p>
               <a:pPr lvl="0"/>
               <a:r>
-                <a:rPr lang="en-US" sz="3500" dirty="0" smtClean="0"/>
+                <a:rPr lang="en-US" sz="3000" dirty="0"/>
                 <a:t>In order to check the efficiency of training models on permutated data, we trained models on images with greater dimensions.</a:t>
               </a:r>
             </a:p>
             <a:p>
               <a:pPr lvl="0"/>
               <a:r>
-                <a:rPr lang="en-US" sz="3500" dirty="0" smtClean="0"/>
+                <a:rPr lang="en-US" sz="3000" dirty="0"/>
                 <a:t>See table 2 for the results.</a:t>
               </a:r>
             </a:p>
             <a:p>
               <a:pPr lvl="0"/>
-              <a:endParaRPr lang="en-US" sz="3500" dirty="0"/>
+              <a:endParaRPr lang="en-US" sz="3000" dirty="0"/>
             </a:p>
           </p:txBody>
         </p:sp>
@@ -9099,7 +8765,7 @@
             <p:cNvPr id="91" name="Text Box 24">
               <a:extLst>
                 <a:ext uri="{FF2B5EF4-FFF2-40B4-BE49-F238E27FC236}">
-                  <a16:creationId xmlns:a16="http://schemas.microsoft.com/office/drawing/2014/main" xmlns="" id="{DDCE71D6-B80A-48A4-B7E6-F9BD6BB1729A}"/>
+                  <a16:creationId xmlns:a16="http://schemas.microsoft.com/office/drawing/2014/main" id="{DDCE71D6-B80A-48A4-B7E6-F9BD6BB1729A}"/>
                 </a:ext>
               </a:extLst>
             </p:cNvPr>
@@ -9142,7 +8808,7 @@
                 </a:spcAft>
               </a:pPr>
               <a:r>
-                <a:rPr lang="en-US" sz="4000" b="1" kern="0" dirty="0" smtClean="0">
+                <a:rPr lang="en-US" sz="4000" b="1" kern="0" dirty="0">
                   <a:solidFill>
                     <a:srgbClr val="FFFFFF"/>
                   </a:solidFill>
@@ -9171,7 +8837,7 @@
         </p:nvGrpSpPr>
         <p:grpSpPr>
           <a:xfrm>
-            <a:off x="11891643" y="36582383"/>
+            <a:off x="24668073" y="21853369"/>
             <a:ext cx="8229600" cy="4672061"/>
             <a:chOff x="12055337" y="36868133"/>
             <a:chExt cx="8229600" cy="4672061"/>
@@ -9186,7 +8852,7 @@
             <p:nvPr/>
           </p:nvPicPr>
           <p:blipFill>
-            <a:blip r:embed="rId16">
+            <a:blip r:embed="rId17">
               <a:extLst>
                 <a:ext uri="{28A0092B-C50C-407E-A947-70E740481C1C}">
                   <a14:useLocalDpi xmlns:a14="http://schemas.microsoft.com/office/drawing/2010/main" val="0"/>
@@ -9223,7 +8889,7 @@
             <p:cNvPr id="93" name="TextBox 92">
               <a:extLst>
                 <a:ext uri="{FF2B5EF4-FFF2-40B4-BE49-F238E27FC236}">
-                  <a16:creationId xmlns:a16="http://schemas.microsoft.com/office/drawing/2014/main" xmlns="" id="{1ED11102-FED3-4699-B8AB-02B061BBA364}"/>
+                  <a16:creationId xmlns:a16="http://schemas.microsoft.com/office/drawing/2014/main" id="{1ED11102-FED3-4699-B8AB-02B061BBA364}"/>
                 </a:ext>
               </a:extLst>
             </p:cNvPr>
@@ -9248,7 +8914,7 @@
             <a:p>
               <a:pPr algn="ctr"/>
               <a:r>
-                <a:rPr lang="en-US" sz="3000" b="1" dirty="0" smtClean="0">
+                <a:rPr lang="en-US" sz="3000" b="1" dirty="0">
                   <a:solidFill>
                     <a:srgbClr val="4A929C"/>
                   </a:solidFill>
@@ -9256,7 +8922,7 @@
                 <a:t>Table 2:</a:t>
               </a:r>
               <a:r>
-                <a:rPr lang="en-US" sz="3000" b="1" dirty="0" smtClean="0">
+                <a:rPr lang="en-US" sz="3000" b="1" dirty="0">
                   <a:solidFill>
                     <a:srgbClr val="5F8388"/>
                   </a:solidFill>
@@ -9264,10 +8930,9 @@
                 <a:t> </a:t>
               </a:r>
               <a:r>
-                <a:rPr lang="en-US" sz="3000" dirty="0" smtClean="0"/>
+                <a:rPr lang="en-US" sz="3000" dirty="0"/>
                 <a:t>results for training permutated data, various image dimensions</a:t>
               </a:r>
-              <a:endParaRPr lang="en-US" sz="3000" dirty="0"/>
             </a:p>
           </p:txBody>
         </p:sp>
@@ -9578,7 +9243,7 @@
   <a:extraClrSchemeLst/>
   <a:extLst>
     <a:ext uri="{05A4C25C-085E-4340-85A3-A5531E510DB2}">
-      <thm15:themeFamily xmlns:thm15="http://schemas.microsoft.com/office/thememl/2012/main" xmlns="" name="Office Theme" id="{62F939B6-93AF-4DB8-9C6B-D6C7DFDC589F}" vid="{4A3C46E8-61CC-4603-A589-7422A47A8E4A}"/>
+      <thm15:themeFamily xmlns:thm15="http://schemas.microsoft.com/office/thememl/2012/main" name="Office Theme" id="{62F939B6-93AF-4DB8-9C6B-D6C7DFDC589F}" vid="{4A3C46E8-61CC-4603-A589-7422A47A8E4A}"/>
     </a:ext>
   </a:extLst>
 </a:theme>

--- a/poster.pptx
+++ b/poster.pptx
@@ -5,8 +5,7 @@
     <p:sldMasterId id="2147483660" r:id="rId1"/>
   </p:sldMasterIdLst>
   <p:sldIdLst>
-    <p:sldId id="256" r:id="rId2"/>
-    <p:sldId id="257" r:id="rId3"/>
+    <p:sldId id="257" r:id="rId2"/>
   </p:sldIdLst>
   <p:sldSz cx="32399288" cy="43200638"/>
   <p:notesSz cx="6858000" cy="9144000"/>
@@ -255,7 +254,7 @@
           <a:p>
             <a:fld id="{FD4B236B-4127-4146-99ED-6A730B7745F6}" type="datetimeFigureOut">
               <a:rPr lang="en-US" smtClean="0"/>
-              <a:t>5/27/2019</a:t>
+              <a:t>5/28/2019</a:t>
             </a:fld>
             <a:endParaRPr lang="en-US"/>
           </a:p>
@@ -425,7 +424,7 @@
           <a:p>
             <a:fld id="{FD4B236B-4127-4146-99ED-6A730B7745F6}" type="datetimeFigureOut">
               <a:rPr lang="en-US" smtClean="0"/>
-              <a:t>5/27/2019</a:t>
+              <a:t>5/28/2019</a:t>
             </a:fld>
             <a:endParaRPr lang="en-US"/>
           </a:p>
@@ -605,7 +604,7 @@
           <a:p>
             <a:fld id="{FD4B236B-4127-4146-99ED-6A730B7745F6}" type="datetimeFigureOut">
               <a:rPr lang="en-US" smtClean="0"/>
-              <a:t>5/27/2019</a:t>
+              <a:t>5/28/2019</a:t>
             </a:fld>
             <a:endParaRPr lang="en-US"/>
           </a:p>
@@ -775,7 +774,7 @@
           <a:p>
             <a:fld id="{FD4B236B-4127-4146-99ED-6A730B7745F6}" type="datetimeFigureOut">
               <a:rPr lang="en-US" smtClean="0"/>
-              <a:t>5/27/2019</a:t>
+              <a:t>5/28/2019</a:t>
             </a:fld>
             <a:endParaRPr lang="en-US"/>
           </a:p>
@@ -1019,7 +1018,7 @@
           <a:p>
             <a:fld id="{FD4B236B-4127-4146-99ED-6A730B7745F6}" type="datetimeFigureOut">
               <a:rPr lang="en-US" smtClean="0"/>
-              <a:t>5/27/2019</a:t>
+              <a:t>5/28/2019</a:t>
             </a:fld>
             <a:endParaRPr lang="en-US"/>
           </a:p>
@@ -1251,7 +1250,7 @@
           <a:p>
             <a:fld id="{FD4B236B-4127-4146-99ED-6A730B7745F6}" type="datetimeFigureOut">
               <a:rPr lang="en-US" smtClean="0"/>
-              <a:t>5/27/2019</a:t>
+              <a:t>5/28/2019</a:t>
             </a:fld>
             <a:endParaRPr lang="en-US"/>
           </a:p>
@@ -1618,7 +1617,7 @@
           <a:p>
             <a:fld id="{FD4B236B-4127-4146-99ED-6A730B7745F6}" type="datetimeFigureOut">
               <a:rPr lang="en-US" smtClean="0"/>
-              <a:t>5/27/2019</a:t>
+              <a:t>5/28/2019</a:t>
             </a:fld>
             <a:endParaRPr lang="en-US"/>
           </a:p>
@@ -1736,7 +1735,7 @@
           <a:p>
             <a:fld id="{FD4B236B-4127-4146-99ED-6A730B7745F6}" type="datetimeFigureOut">
               <a:rPr lang="en-US" smtClean="0"/>
-              <a:t>5/27/2019</a:t>
+              <a:t>5/28/2019</a:t>
             </a:fld>
             <a:endParaRPr lang="en-US"/>
           </a:p>
@@ -1831,7 +1830,7 @@
           <a:p>
             <a:fld id="{FD4B236B-4127-4146-99ED-6A730B7745F6}" type="datetimeFigureOut">
               <a:rPr lang="en-US" smtClean="0"/>
-              <a:t>5/27/2019</a:t>
+              <a:t>5/28/2019</a:t>
             </a:fld>
             <a:endParaRPr lang="en-US"/>
           </a:p>
@@ -2108,7 +2107,7 @@
           <a:p>
             <a:fld id="{FD4B236B-4127-4146-99ED-6A730B7745F6}" type="datetimeFigureOut">
               <a:rPr lang="en-US" smtClean="0"/>
-              <a:t>5/27/2019</a:t>
+              <a:t>5/28/2019</a:t>
             </a:fld>
             <a:endParaRPr lang="en-US"/>
           </a:p>
@@ -2365,7 +2364,7 @@
           <a:p>
             <a:fld id="{FD4B236B-4127-4146-99ED-6A730B7745F6}" type="datetimeFigureOut">
               <a:rPr lang="en-US" smtClean="0"/>
-              <a:t>5/27/2019</a:t>
+              <a:t>5/28/2019</a:t>
             </a:fld>
             <a:endParaRPr lang="en-US"/>
           </a:p>
@@ -2578,7 +2577,7 @@
           <a:p>
             <a:fld id="{FD4B236B-4127-4146-99ED-6A730B7745F6}" type="datetimeFigureOut">
               <a:rPr lang="en-US" smtClean="0"/>
-              <a:t>5/27/2019</a:t>
+              <a:t>5/28/2019</a:t>
             </a:fld>
             <a:endParaRPr lang="en-US"/>
           </a:p>
@@ -2985,7 +2984,7 @@
       </p:grpSpPr>
       <p:pic>
         <p:nvPicPr>
-          <p:cNvPr id="59" name="Picture 58">
+          <p:cNvPr id="4" name="biu frame">
             <a:extLst>
               <a:ext uri="{FF2B5EF4-FFF2-40B4-BE49-F238E27FC236}">
                 <a16:creationId xmlns:a16="http://schemas.microsoft.com/office/drawing/2014/main" id="{EB464702-8EF6-44EC-81DE-05D51CFE7C03}"/>
@@ -3011,7 +3010,7 @@
         </p:blipFill>
         <p:spPr>
           <a:xfrm>
-            <a:off x="-20054" y="0"/>
+            <a:off x="-23094" y="638"/>
             <a:ext cx="32400762" cy="43200000"/>
           </a:xfrm>
           <a:prstGeom prst="rect">
@@ -3021,2187 +3020,29 @@
       </p:pic>
       <p:grpSp>
         <p:nvGrpSpPr>
-          <p:cNvPr id="4" name="Group 3">
-            <a:extLst>
-              <a:ext uri="{FF2B5EF4-FFF2-40B4-BE49-F238E27FC236}">
-                <a16:creationId xmlns:a16="http://schemas.microsoft.com/office/drawing/2014/main" id="{3DBFDD73-DA09-4DE4-A1B4-6995342975E6}"/>
-              </a:ext>
-            </a:extLst>
-          </p:cNvPr>
-          <p:cNvGrpSpPr/>
-          <p:nvPr/>
-        </p:nvGrpSpPr>
-        <p:grpSpPr>
-          <a:xfrm>
-            <a:off x="1087312" y="21312356"/>
-            <a:ext cx="9535641" cy="4788924"/>
-            <a:chOff x="0" y="1"/>
-            <a:chExt cx="2936623" cy="1350712"/>
-          </a:xfrm>
-        </p:grpSpPr>
-        <p:sp>
-          <p:nvSpPr>
-            <p:cNvPr id="5" name="תיבת טקסט 18">
-              <a:extLst>
-                <a:ext uri="{FF2B5EF4-FFF2-40B4-BE49-F238E27FC236}">
-                  <a16:creationId xmlns:a16="http://schemas.microsoft.com/office/drawing/2014/main" id="{11E2C8DF-6C7E-459A-8C80-AD77732EC608}"/>
-                </a:ext>
-              </a:extLst>
-            </p:cNvPr>
-            <p:cNvSpPr txBox="1"/>
-            <p:nvPr/>
-          </p:nvSpPr>
-          <p:spPr>
-            <a:xfrm>
-              <a:off x="5854" y="242463"/>
-              <a:ext cx="2930769" cy="1108250"/>
-            </a:xfrm>
-            <a:prstGeom prst="rect">
-              <a:avLst/>
-            </a:prstGeom>
-            <a:noFill/>
-            <a:ln w="25400" cap="flat" cmpd="sng" algn="ctr">
-              <a:noFill/>
-              <a:prstDash val="solid"/>
-            </a:ln>
-            <a:effectLst/>
-          </p:spPr>
-          <p:txBody>
-            <a:bodyPr rot="0" spcFirstLastPara="0" vert="horz" wrap="square" lIns="91440" tIns="45720" rIns="91440" bIns="45720" numCol="1" spcCol="0" rtlCol="1" fromWordArt="0" anchor="t" anchorCtr="0" forceAA="0" compatLnSpc="1">
-              <a:prstTxWarp prst="textNoShape">
-                <a:avLst/>
-              </a:prstTxWarp>
-              <a:noAutofit/>
-            </a:bodyPr>
-            <a:lstStyle/>
-            <a:p>
-              <a:pPr marL="0" marR="0" algn="l" rtl="0">
-                <a:spcBef>
-                  <a:spcPts val="0"/>
-                </a:spcBef>
-                <a:spcAft>
-                  <a:spcPts val="0"/>
-                </a:spcAft>
-              </a:pPr>
-              <a:r>
-                <a:rPr lang="en-US" sz="3500" dirty="0">
-                  <a:effectLst/>
-                  <a:latin typeface="Calibri" panose="020F0502020204030204" pitchFamily="34" charset="0"/>
-                  <a:ea typeface="Calibri" panose="020F0502020204030204" pitchFamily="34" charset="0"/>
-                  <a:cs typeface="Arial" panose="020B0604020202020204" pitchFamily="34" charset="0"/>
-                </a:rPr>
-                <a:t>We followed the approach presented in the article ‘</a:t>
-              </a:r>
-              <a:r>
-                <a:rPr lang="en-US" sz="3500" u="sng" dirty="0">
-                  <a:solidFill>
-                    <a:srgbClr val="0563C1"/>
-                  </a:solidFill>
-                  <a:effectLst/>
-                  <a:latin typeface="Calibri" panose="020F0502020204030204" pitchFamily="34" charset="0"/>
-                  <a:ea typeface="Calibri" panose="020F0502020204030204" pitchFamily="34" charset="0"/>
-                  <a:cs typeface="Arial" panose="020B0604020202020204" pitchFamily="34" charset="0"/>
-                  <a:hlinkClick r:id="rId3"/>
-                </a:rPr>
-                <a:t>Bridging machine learning and cryptography in </a:t>
-              </a:r>
-              <a:r>
-                <a:rPr lang="en-US" sz="3500" u="sng" dirty="0" err="1">
-                  <a:solidFill>
-                    <a:srgbClr val="0563C1"/>
-                  </a:solidFill>
-                  <a:effectLst/>
-                  <a:latin typeface="Calibri" panose="020F0502020204030204" pitchFamily="34" charset="0"/>
-                  <a:ea typeface="Calibri" panose="020F0502020204030204" pitchFamily="34" charset="0"/>
-                  <a:cs typeface="Arial" panose="020B0604020202020204" pitchFamily="34" charset="0"/>
-                  <a:hlinkClick r:id="rId3"/>
-                </a:rPr>
-                <a:t>defence</a:t>
-              </a:r>
-              <a:r>
-                <a:rPr lang="en-US" sz="3500" u="sng" dirty="0">
-                  <a:solidFill>
-                    <a:srgbClr val="0563C1"/>
-                  </a:solidFill>
-                  <a:effectLst/>
-                  <a:latin typeface="Calibri" panose="020F0502020204030204" pitchFamily="34" charset="0"/>
-                  <a:ea typeface="Calibri" panose="020F0502020204030204" pitchFamily="34" charset="0"/>
-                  <a:cs typeface="Arial" panose="020B0604020202020204" pitchFamily="34" charset="0"/>
-                  <a:hlinkClick r:id="rId3"/>
-                </a:rPr>
-                <a:t> against adversarial attacks</a:t>
-              </a:r>
-              <a:r>
-                <a:rPr lang="en-US" sz="3500" dirty="0">
-                  <a:effectLst/>
-                  <a:latin typeface="Calibri" panose="020F0502020204030204" pitchFamily="34" charset="0"/>
-                  <a:ea typeface="Calibri" panose="020F0502020204030204" pitchFamily="34" charset="0"/>
-                  <a:cs typeface="Arial" panose="020B0604020202020204" pitchFamily="34" charset="0"/>
-                </a:rPr>
-                <a:t>’:</a:t>
-              </a:r>
-            </a:p>
-            <a:p>
-              <a:pPr marL="0" marR="0" algn="l" rtl="0">
-                <a:spcBef>
-                  <a:spcPts val="0"/>
-                </a:spcBef>
-                <a:spcAft>
-                  <a:spcPts val="0"/>
-                </a:spcAft>
-              </a:pPr>
-              <a:r>
-                <a:rPr lang="en-US" sz="3500" dirty="0">
-                  <a:effectLst/>
-                  <a:latin typeface="Calibri" panose="020F0502020204030204" pitchFamily="34" charset="0"/>
-                  <a:ea typeface="Calibri" panose="020F0502020204030204" pitchFamily="34" charset="0"/>
-                  <a:cs typeface="Arial" panose="020B0604020202020204" pitchFamily="34" charset="0"/>
-                </a:rPr>
-                <a:t>training models on encrypted images, see figure 2.</a:t>
-              </a:r>
-            </a:p>
-            <a:p>
-              <a:pPr marL="0" marR="0" algn="l" rtl="0">
-                <a:spcBef>
-                  <a:spcPts val="0"/>
-                </a:spcBef>
-                <a:spcAft>
-                  <a:spcPts val="0"/>
-                </a:spcAft>
-              </a:pPr>
-              <a:r>
-                <a:rPr lang="en-US" sz="3500" dirty="0">
-                  <a:effectLst/>
-                  <a:latin typeface="Calibri" panose="020F0502020204030204" pitchFamily="34" charset="0"/>
-                  <a:ea typeface="Calibri" panose="020F0502020204030204" pitchFamily="34" charset="0"/>
-                  <a:cs typeface="Arial" panose="020B0604020202020204" pitchFamily="34" charset="0"/>
-                </a:rPr>
-                <a:t>Encryption techniques:</a:t>
-              </a:r>
-            </a:p>
-            <a:p>
-              <a:pPr marL="342900" marR="0" lvl="0" indent="-342900" algn="l" rtl="0">
-                <a:spcBef>
-                  <a:spcPts val="0"/>
-                </a:spcBef>
-                <a:spcAft>
-                  <a:spcPts val="0"/>
-                </a:spcAft>
-                <a:buFont typeface="Symbol" panose="05050102010706020507" pitchFamily="18" charset="2"/>
-                <a:buChar char=""/>
-              </a:pPr>
-              <a:r>
-                <a:rPr lang="en-US" sz="3500" dirty="0">
-                  <a:effectLst/>
-                  <a:latin typeface="Calibri" panose="020F0502020204030204" pitchFamily="34" charset="0"/>
-                  <a:ea typeface="Calibri" panose="020F0502020204030204" pitchFamily="34" charset="0"/>
-                  <a:cs typeface="Arial" panose="020B0604020202020204" pitchFamily="34" charset="0"/>
-                </a:rPr>
-                <a:t>Permutation on the pixels, as done in the article</a:t>
-              </a:r>
-            </a:p>
-            <a:p>
-              <a:pPr marL="342900" marR="0" lvl="0" indent="-342900" algn="l" rtl="0">
-                <a:spcBef>
-                  <a:spcPts val="0"/>
-                </a:spcBef>
-                <a:spcAft>
-                  <a:spcPts val="0"/>
-                </a:spcAft>
-                <a:buFont typeface="Symbol" panose="05050102010706020507" pitchFamily="18" charset="2"/>
-                <a:buChar char=""/>
-              </a:pPr>
-              <a:r>
-                <a:rPr lang="en-US" sz="3500" dirty="0">
-                  <a:effectLst/>
-                  <a:latin typeface="Calibri" panose="020F0502020204030204" pitchFamily="34" charset="0"/>
-                  <a:ea typeface="Calibri" panose="020F0502020204030204" pitchFamily="34" charset="0"/>
-                  <a:cs typeface="Arial" panose="020B0604020202020204" pitchFamily="34" charset="0"/>
-                </a:rPr>
-                <a:t>AES in ECB, CBC and CTR modes of operation</a:t>
-              </a:r>
-            </a:p>
-          </p:txBody>
-        </p:sp>
-        <p:sp>
-          <p:nvSpPr>
-            <p:cNvPr id="6" name="Text Box 24">
-              <a:extLst>
-                <a:ext uri="{FF2B5EF4-FFF2-40B4-BE49-F238E27FC236}">
-                  <a16:creationId xmlns:a16="http://schemas.microsoft.com/office/drawing/2014/main" id="{E7602CC7-07A0-4B8E-A4F2-960346B73912}"/>
-                </a:ext>
-              </a:extLst>
-            </p:cNvPr>
-            <p:cNvSpPr txBox="1"/>
-            <p:nvPr/>
-          </p:nvSpPr>
-          <p:spPr>
-            <a:xfrm>
-              <a:off x="0" y="1"/>
-              <a:ext cx="2934970" cy="237739"/>
-            </a:xfrm>
-            <a:prstGeom prst="rect">
-              <a:avLst/>
-            </a:prstGeom>
-            <a:solidFill>
-              <a:srgbClr val="FF8000"/>
-            </a:solidFill>
-            <a:ln w="6350">
-              <a:noFill/>
-            </a:ln>
-          </p:spPr>
-          <p:txBody>
-            <a:bodyPr rot="0" spcFirstLastPara="0" vert="horz" wrap="square" lIns="91440" tIns="45720" rIns="91440" bIns="45720" numCol="1" spcCol="0" rtlCol="0" fromWordArt="0" anchor="t" anchorCtr="0" forceAA="0" compatLnSpc="1">
-              <a:prstTxWarp prst="textNoShape">
-                <a:avLst/>
-              </a:prstTxWarp>
-              <a:noAutofit/>
-            </a:bodyPr>
-            <a:lstStyle/>
-            <a:p>
-              <a:pPr marL="742950" marR="0" lvl="0" indent="-742950" rtl="0">
-                <a:lnSpc>
-                  <a:spcPct val="115000"/>
-                </a:lnSpc>
-                <a:spcBef>
-                  <a:spcPts val="0"/>
-                </a:spcBef>
-                <a:spcAft>
-                  <a:spcPts val="1000"/>
-                </a:spcAft>
-                <a:buFont typeface="+mj-lt"/>
-                <a:buAutoNum type="arabicPeriod"/>
-              </a:pPr>
-              <a:r>
-                <a:rPr lang="en-US" sz="4000" b="1" kern="0" dirty="0">
-                  <a:solidFill>
-                    <a:srgbClr val="FFFFFF"/>
-                  </a:solidFill>
-                  <a:effectLst/>
-                  <a:latin typeface="Calibri" panose="020F0502020204030204" pitchFamily="34" charset="0"/>
-                  <a:cs typeface="Arial" panose="020B0604020202020204" pitchFamily="34" charset="0"/>
-                </a:rPr>
-                <a:t>Securing Models</a:t>
-              </a:r>
-            </a:p>
-          </p:txBody>
-        </p:sp>
-      </p:grpSp>
-      <p:grpSp>
-        <p:nvGrpSpPr>
-          <p:cNvPr id="7" name="Group 6">
-            <a:extLst>
-              <a:ext uri="{FF2B5EF4-FFF2-40B4-BE49-F238E27FC236}">
-                <a16:creationId xmlns:a16="http://schemas.microsoft.com/office/drawing/2014/main" id="{CC5316CA-6379-432F-8040-8D83D75DBCFE}"/>
-              </a:ext>
-            </a:extLst>
-          </p:cNvPr>
-          <p:cNvGrpSpPr/>
-          <p:nvPr/>
-        </p:nvGrpSpPr>
-        <p:grpSpPr>
-          <a:xfrm>
-            <a:off x="1083176" y="32845290"/>
-            <a:ext cx="9535641" cy="6770277"/>
-            <a:chOff x="0" y="1"/>
-            <a:chExt cx="2936623" cy="1909551"/>
-          </a:xfrm>
-        </p:grpSpPr>
-        <p:sp>
-          <p:nvSpPr>
-            <p:cNvPr id="8" name="תיבת טקסט 18">
-              <a:extLst>
-                <a:ext uri="{FF2B5EF4-FFF2-40B4-BE49-F238E27FC236}">
-                  <a16:creationId xmlns:a16="http://schemas.microsoft.com/office/drawing/2014/main" id="{45167B33-E44C-4186-BA84-A09525555F46}"/>
-                </a:ext>
-              </a:extLst>
-            </p:cNvPr>
-            <p:cNvSpPr txBox="1"/>
-            <p:nvPr/>
-          </p:nvSpPr>
-          <p:spPr>
-            <a:xfrm>
-              <a:off x="5854" y="242463"/>
-              <a:ext cx="2930769" cy="1667089"/>
-            </a:xfrm>
-            <a:prstGeom prst="rect">
-              <a:avLst/>
-            </a:prstGeom>
-            <a:noFill/>
-            <a:ln w="25400" cap="flat" cmpd="sng" algn="ctr">
-              <a:noFill/>
-              <a:prstDash val="solid"/>
-            </a:ln>
-            <a:effectLst/>
-          </p:spPr>
-          <p:txBody>
-            <a:bodyPr rot="0" spcFirstLastPara="0" vert="horz" wrap="square" lIns="91440" tIns="45720" rIns="91440" bIns="45720" numCol="1" spcCol="0" rtlCol="1" fromWordArt="0" anchor="t" anchorCtr="0" forceAA="0" compatLnSpc="1">
-              <a:prstTxWarp prst="textNoShape">
-                <a:avLst/>
-              </a:prstTxWarp>
-              <a:noAutofit/>
-            </a:bodyPr>
-            <a:lstStyle/>
-            <a:p>
-              <a:r>
-                <a:rPr lang="en-US" sz="3500" dirty="0"/>
-                <a:t>Attacking the sufficiently accurate models with the following attacks:</a:t>
-              </a:r>
-            </a:p>
-            <a:p>
-              <a:pPr marL="457200" lvl="0" indent="-457200">
-                <a:buFont typeface="Arial" panose="020B0604020202020204" pitchFamily="34" charset="0"/>
-                <a:buChar char="•"/>
-              </a:pPr>
-              <a:r>
-                <a:rPr lang="en-US" sz="3500" dirty="0" err="1"/>
-                <a:t>Carlini</a:t>
-              </a:r>
-              <a:r>
-                <a:rPr lang="en-US" sz="3500" dirty="0"/>
-                <a:t> &amp; Wagner, CW</a:t>
-              </a:r>
-            </a:p>
-            <a:p>
-              <a:pPr lvl="1"/>
-              <a:r>
-                <a:rPr lang="en-US" sz="3500" u="sng" dirty="0">
-                  <a:hlinkClick r:id="rId4"/>
-                </a:rPr>
-                <a:t>https://github.com/carlini/nn_robust_attacks</a:t>
-              </a:r>
-              <a:endParaRPr lang="en-US" sz="3500" dirty="0"/>
-            </a:p>
-            <a:p>
-              <a:pPr marL="457200" lvl="0" indent="-457200">
-                <a:buFont typeface="Arial" panose="020B0604020202020204" pitchFamily="34" charset="0"/>
-                <a:buChar char="•"/>
-              </a:pPr>
-              <a:r>
-                <a:rPr lang="en-US" sz="3500" dirty="0"/>
-                <a:t>Fast Gradient Sign Method, FGSM</a:t>
-              </a:r>
-            </a:p>
-            <a:p>
-              <a:pPr lvl="1"/>
-              <a:r>
-                <a:rPr lang="en-US" sz="3500" u="sng" dirty="0">
-                  <a:hlinkClick r:id="rId5"/>
-                </a:rPr>
-                <a:t>https://github.com/tensorflow/cleverhans</a:t>
-              </a:r>
-              <a:endParaRPr lang="en-US" sz="3500" dirty="0"/>
-            </a:p>
-            <a:p>
-              <a:r>
-                <a:rPr lang="en-US" sz="3500" dirty="0"/>
-                <a:t>We focused on the ‘gray-box’ scenario, i.e. the attacker knows the architecture of the model but has no access to the private key.</a:t>
-              </a:r>
-            </a:p>
-            <a:p>
-              <a:r>
-                <a:rPr lang="en-US" sz="3500" dirty="0"/>
-                <a:t>See figure 4 for a visualization.</a:t>
-              </a:r>
-            </a:p>
-          </p:txBody>
-        </p:sp>
-        <p:sp>
-          <p:nvSpPr>
-            <p:cNvPr id="9" name="Text Box 24">
-              <a:extLst>
-                <a:ext uri="{FF2B5EF4-FFF2-40B4-BE49-F238E27FC236}">
-                  <a16:creationId xmlns:a16="http://schemas.microsoft.com/office/drawing/2014/main" id="{456083E0-3CAC-482B-89C7-9686DAF563B6}"/>
-                </a:ext>
-              </a:extLst>
-            </p:cNvPr>
-            <p:cNvSpPr txBox="1"/>
-            <p:nvPr/>
-          </p:nvSpPr>
-          <p:spPr>
-            <a:xfrm>
-              <a:off x="0" y="1"/>
-              <a:ext cx="2934970" cy="237739"/>
-            </a:xfrm>
-            <a:prstGeom prst="rect">
-              <a:avLst/>
-            </a:prstGeom>
-            <a:solidFill>
-              <a:srgbClr val="FF8000"/>
-            </a:solidFill>
-            <a:ln w="6350">
-              <a:noFill/>
-            </a:ln>
-          </p:spPr>
-          <p:txBody>
-            <a:bodyPr rot="0" spcFirstLastPara="0" vert="horz" wrap="square" lIns="91440" tIns="45720" rIns="91440" bIns="45720" numCol="1" spcCol="0" rtlCol="0" fromWordArt="0" anchor="t" anchorCtr="0" forceAA="0" compatLnSpc="1">
-              <a:prstTxWarp prst="textNoShape">
-                <a:avLst/>
-              </a:prstTxWarp>
-              <a:noAutofit/>
-            </a:bodyPr>
-            <a:lstStyle/>
-            <a:p>
-              <a:pPr marL="742950" marR="0" lvl="0" indent="-742950" rtl="0">
-                <a:lnSpc>
-                  <a:spcPct val="115000"/>
-                </a:lnSpc>
-                <a:spcBef>
-                  <a:spcPts val="0"/>
-                </a:spcBef>
-                <a:spcAft>
-                  <a:spcPts val="1000"/>
-                </a:spcAft>
-                <a:buFont typeface="+mj-lt"/>
-                <a:buAutoNum type="arabicPeriod" startAt="3"/>
-              </a:pPr>
-              <a:r>
-                <a:rPr lang="en-US" sz="4000" b="1" kern="0" dirty="0">
-                  <a:solidFill>
-                    <a:srgbClr val="FFFFFF"/>
-                  </a:solidFill>
-                  <a:effectLst/>
-                  <a:latin typeface="Calibri" panose="020F0502020204030204" pitchFamily="34" charset="0"/>
-                  <a:cs typeface="Arial" panose="020B0604020202020204" pitchFamily="34" charset="0"/>
-                </a:rPr>
-                <a:t>Attacking</a:t>
-              </a:r>
-            </a:p>
-          </p:txBody>
-        </p:sp>
-      </p:grpSp>
-      <p:grpSp>
-        <p:nvGrpSpPr>
-          <p:cNvPr id="10" name="Group 9">
-            <a:extLst>
-              <a:ext uri="{FF2B5EF4-FFF2-40B4-BE49-F238E27FC236}">
-                <a16:creationId xmlns:a16="http://schemas.microsoft.com/office/drawing/2014/main" id="{AB4F9E6A-B506-4CE4-A234-F78DBA10937A}"/>
-              </a:ext>
-            </a:extLst>
-          </p:cNvPr>
-          <p:cNvGrpSpPr/>
-          <p:nvPr/>
-        </p:nvGrpSpPr>
-        <p:grpSpPr>
-          <a:xfrm>
-            <a:off x="1077808" y="27505842"/>
-            <a:ext cx="9535641" cy="4788925"/>
-            <a:chOff x="0" y="1"/>
-            <a:chExt cx="2936623" cy="1350712"/>
-          </a:xfrm>
-        </p:grpSpPr>
-        <p:sp>
-          <p:nvSpPr>
-            <p:cNvPr id="11" name="תיבת טקסט 18">
-              <a:extLst>
-                <a:ext uri="{FF2B5EF4-FFF2-40B4-BE49-F238E27FC236}">
-                  <a16:creationId xmlns:a16="http://schemas.microsoft.com/office/drawing/2014/main" id="{29FA4AFD-D496-4473-8EA2-27AA68B75EAB}"/>
-                </a:ext>
-              </a:extLst>
-            </p:cNvPr>
-            <p:cNvSpPr txBox="1"/>
-            <p:nvPr/>
-          </p:nvSpPr>
-          <p:spPr>
-            <a:xfrm>
-              <a:off x="5854" y="242463"/>
-              <a:ext cx="2930769" cy="1108250"/>
-            </a:xfrm>
-            <a:prstGeom prst="rect">
-              <a:avLst/>
-            </a:prstGeom>
-            <a:noFill/>
-            <a:ln w="25400" cap="flat" cmpd="sng" algn="ctr">
-              <a:noFill/>
-              <a:prstDash val="solid"/>
-            </a:ln>
-            <a:effectLst/>
-          </p:spPr>
-          <p:txBody>
-            <a:bodyPr rot="0" spcFirstLastPara="0" vert="horz" wrap="square" lIns="91440" tIns="45720" rIns="91440" bIns="45720" numCol="1" spcCol="0" rtlCol="1" fromWordArt="0" anchor="t" anchorCtr="0" forceAA="0" compatLnSpc="1">
-              <a:prstTxWarp prst="textNoShape">
-                <a:avLst/>
-              </a:prstTxWarp>
-              <a:noAutofit/>
-            </a:bodyPr>
-            <a:lstStyle/>
-            <a:p>
-              <a:r>
-                <a:rPr lang="en-US" sz="3500" dirty="0"/>
-                <a:t>Before performing an attack, we eliminated the models that did not learn well.</a:t>
-              </a:r>
-            </a:p>
-            <a:p>
-              <a:r>
-                <a:rPr lang="en-US" sz="3500" dirty="0"/>
-                <a:t>As can be seen in figure 3, learning is not so intuitive.</a:t>
-              </a:r>
-            </a:p>
-            <a:p>
-              <a:r>
-                <a:rPr lang="en-US" sz="3500" dirty="0"/>
-                <a:t>For this reason, AES in ECB and CBC mode were irrelevant to continue with.</a:t>
-              </a:r>
-            </a:p>
-          </p:txBody>
-        </p:sp>
-        <p:sp>
-          <p:nvSpPr>
-            <p:cNvPr id="12" name="Text Box 24">
-              <a:extLst>
-                <a:ext uri="{FF2B5EF4-FFF2-40B4-BE49-F238E27FC236}">
-                  <a16:creationId xmlns:a16="http://schemas.microsoft.com/office/drawing/2014/main" id="{D069242E-43D3-4F1C-BC28-93F8D44AD17E}"/>
-                </a:ext>
-              </a:extLst>
-            </p:cNvPr>
-            <p:cNvSpPr txBox="1"/>
-            <p:nvPr/>
-          </p:nvSpPr>
-          <p:spPr>
-            <a:xfrm>
-              <a:off x="0" y="1"/>
-              <a:ext cx="2934970" cy="237739"/>
-            </a:xfrm>
-            <a:prstGeom prst="rect">
-              <a:avLst/>
-            </a:prstGeom>
-            <a:solidFill>
-              <a:srgbClr val="FF8000"/>
-            </a:solidFill>
-            <a:ln w="6350">
-              <a:noFill/>
-            </a:ln>
-          </p:spPr>
-          <p:txBody>
-            <a:bodyPr rot="0" spcFirstLastPara="0" vert="horz" wrap="square" lIns="91440" tIns="45720" rIns="91440" bIns="45720" numCol="1" spcCol="0" rtlCol="0" fromWordArt="0" anchor="t" anchorCtr="0" forceAA="0" compatLnSpc="1">
-              <a:prstTxWarp prst="textNoShape">
-                <a:avLst/>
-              </a:prstTxWarp>
-              <a:noAutofit/>
-            </a:bodyPr>
-            <a:lstStyle/>
-            <a:p>
-              <a:pPr marL="742950" marR="0" lvl="0" indent="-742950" rtl="0">
-                <a:lnSpc>
-                  <a:spcPct val="115000"/>
-                </a:lnSpc>
-                <a:spcBef>
-                  <a:spcPts val="0"/>
-                </a:spcBef>
-                <a:spcAft>
-                  <a:spcPts val="1000"/>
-                </a:spcAft>
-                <a:buFont typeface="+mj-lt"/>
-                <a:buAutoNum type="arabicPeriod" startAt="2"/>
-              </a:pPr>
-              <a:r>
-                <a:rPr lang="en-US" sz="4000" b="1" kern="0" dirty="0">
-                  <a:solidFill>
-                    <a:srgbClr val="FFFFFF"/>
-                  </a:solidFill>
-                  <a:effectLst/>
-                  <a:latin typeface="Calibri" panose="020F0502020204030204" pitchFamily="34" charset="0"/>
-                  <a:cs typeface="Arial" panose="020B0604020202020204" pitchFamily="34" charset="0"/>
-                </a:rPr>
-                <a:t>Cutting loose ends</a:t>
-              </a:r>
-            </a:p>
-          </p:txBody>
-        </p:sp>
-      </p:grpSp>
-      <p:grpSp>
-        <p:nvGrpSpPr>
-          <p:cNvPr id="13" name="Group 12">
-            <a:extLst>
-              <a:ext uri="{FF2B5EF4-FFF2-40B4-BE49-F238E27FC236}">
-                <a16:creationId xmlns:a16="http://schemas.microsoft.com/office/drawing/2014/main" id="{B65685AB-470C-43ED-AC69-E7CE5BB8BBFE}"/>
-              </a:ext>
-            </a:extLst>
-          </p:cNvPr>
-          <p:cNvGrpSpPr/>
-          <p:nvPr/>
-        </p:nvGrpSpPr>
-        <p:grpSpPr>
-          <a:xfrm>
-            <a:off x="11474893" y="7141009"/>
-            <a:ext cx="9535641" cy="2155202"/>
-            <a:chOff x="0" y="1"/>
-            <a:chExt cx="2936623" cy="607873"/>
-          </a:xfrm>
-        </p:grpSpPr>
-        <p:sp>
-          <p:nvSpPr>
-            <p:cNvPr id="14" name="תיבת טקסט 18">
-              <a:extLst>
-                <a:ext uri="{FF2B5EF4-FFF2-40B4-BE49-F238E27FC236}">
-                  <a16:creationId xmlns:a16="http://schemas.microsoft.com/office/drawing/2014/main" id="{625E3163-6D63-4A11-870F-78EE2AC6C38F}"/>
-                </a:ext>
-              </a:extLst>
-            </p:cNvPr>
-            <p:cNvSpPr txBox="1"/>
-            <p:nvPr/>
-          </p:nvSpPr>
-          <p:spPr>
-            <a:xfrm>
-              <a:off x="5854" y="242463"/>
-              <a:ext cx="2930769" cy="365411"/>
-            </a:xfrm>
-            <a:prstGeom prst="rect">
-              <a:avLst/>
-            </a:prstGeom>
-            <a:noFill/>
-            <a:ln w="25400" cap="flat" cmpd="sng" algn="ctr">
-              <a:noFill/>
-              <a:prstDash val="solid"/>
-            </a:ln>
-            <a:effectLst/>
-          </p:spPr>
-          <p:txBody>
-            <a:bodyPr rot="0" spcFirstLastPara="0" vert="horz" wrap="square" lIns="91440" tIns="45720" rIns="91440" bIns="45720" numCol="1" spcCol="0" rtlCol="1" fromWordArt="0" anchor="t" anchorCtr="0" forceAA="0" compatLnSpc="1">
-              <a:prstTxWarp prst="textNoShape">
-                <a:avLst/>
-              </a:prstTxWarp>
-              <a:noAutofit/>
-            </a:bodyPr>
-            <a:lstStyle/>
-            <a:p>
-              <a:pPr algn="ctr"/>
-              <a:r>
-                <a:rPr lang="en-US" sz="3500" b="1" dirty="0">
-                  <a:effectLst>
-                    <a:outerShdw blurRad="38100" dist="19050" dir="2700000" algn="tl">
-                      <a:schemeClr val="dk1">
-                        <a:alpha val="40000"/>
-                      </a:schemeClr>
-                    </a:outerShdw>
-                  </a:effectLst>
-                </a:rPr>
-                <a:t>Building high accuracy DNN models which are sufficiently resistant to adversarial attacks</a:t>
-              </a:r>
-              <a:endParaRPr lang="en-US" sz="3500" b="1" dirty="0"/>
-            </a:p>
-          </p:txBody>
-        </p:sp>
-        <p:sp>
-          <p:nvSpPr>
-            <p:cNvPr id="15" name="Text Box 24">
-              <a:extLst>
-                <a:ext uri="{FF2B5EF4-FFF2-40B4-BE49-F238E27FC236}">
-                  <a16:creationId xmlns:a16="http://schemas.microsoft.com/office/drawing/2014/main" id="{6863EBA4-EF1A-499F-9596-0FDE99AE3906}"/>
-                </a:ext>
-              </a:extLst>
-            </p:cNvPr>
-            <p:cNvSpPr txBox="1"/>
-            <p:nvPr/>
-          </p:nvSpPr>
-          <p:spPr>
-            <a:xfrm>
-              <a:off x="0" y="1"/>
-              <a:ext cx="2934970" cy="237739"/>
-            </a:xfrm>
-            <a:prstGeom prst="rect">
-              <a:avLst/>
-            </a:prstGeom>
-            <a:solidFill>
-              <a:srgbClr val="FF8000"/>
-            </a:solidFill>
-            <a:ln w="6350">
-              <a:noFill/>
-            </a:ln>
-          </p:spPr>
-          <p:txBody>
-            <a:bodyPr rot="0" spcFirstLastPara="0" vert="horz" wrap="square" lIns="91440" tIns="45720" rIns="91440" bIns="45720" numCol="1" spcCol="0" rtlCol="0" fromWordArt="0" anchor="t" anchorCtr="0" forceAA="0" compatLnSpc="1">
-              <a:prstTxWarp prst="textNoShape">
-                <a:avLst/>
-              </a:prstTxWarp>
-              <a:noAutofit/>
-            </a:bodyPr>
-            <a:lstStyle/>
-            <a:p>
-              <a:pPr marR="0" lvl="0" rtl="0">
-                <a:lnSpc>
-                  <a:spcPct val="115000"/>
-                </a:lnSpc>
-                <a:spcBef>
-                  <a:spcPts val="0"/>
-                </a:spcBef>
-                <a:spcAft>
-                  <a:spcPts val="1000"/>
-                </a:spcAft>
-              </a:pPr>
-              <a:r>
-                <a:rPr lang="en-US" sz="4000" b="1" kern="0" dirty="0">
-                  <a:solidFill>
-                    <a:srgbClr val="FFFFFF"/>
-                  </a:solidFill>
-                  <a:latin typeface="Calibri" panose="020F0502020204030204" pitchFamily="34" charset="0"/>
-                  <a:cs typeface="Arial" panose="020B0604020202020204" pitchFamily="34" charset="0"/>
-                </a:rPr>
-                <a:t>Problem Description</a:t>
-              </a:r>
-              <a:endParaRPr lang="en-US" sz="4000" b="1" kern="0" dirty="0">
-                <a:solidFill>
-                  <a:srgbClr val="FFFFFF"/>
-                </a:solidFill>
-                <a:effectLst/>
-                <a:latin typeface="Calibri" panose="020F0502020204030204" pitchFamily="34" charset="0"/>
-                <a:cs typeface="Arial" panose="020B0604020202020204" pitchFamily="34" charset="0"/>
-              </a:endParaRPr>
-            </a:p>
-          </p:txBody>
-        </p:sp>
-      </p:grpSp>
-      <p:grpSp>
-        <p:nvGrpSpPr>
-          <p:cNvPr id="16" name="Group 15">
-            <a:extLst>
-              <a:ext uri="{FF2B5EF4-FFF2-40B4-BE49-F238E27FC236}">
-                <a16:creationId xmlns:a16="http://schemas.microsoft.com/office/drawing/2014/main" id="{623FEC8C-E59C-41BB-BFDA-63741A91EE96}"/>
-              </a:ext>
-            </a:extLst>
-          </p:cNvPr>
-          <p:cNvGrpSpPr/>
-          <p:nvPr/>
-        </p:nvGrpSpPr>
-        <p:grpSpPr>
-          <a:xfrm>
-            <a:off x="22031599" y="34175383"/>
-            <a:ext cx="9535641" cy="5985010"/>
-            <a:chOff x="0" y="1"/>
-            <a:chExt cx="2936623" cy="1688067"/>
-          </a:xfrm>
-        </p:grpSpPr>
-        <p:sp>
-          <p:nvSpPr>
-            <p:cNvPr id="17" name="תיבת טקסט 18">
-              <a:extLst>
-                <a:ext uri="{FF2B5EF4-FFF2-40B4-BE49-F238E27FC236}">
-                  <a16:creationId xmlns:a16="http://schemas.microsoft.com/office/drawing/2014/main" id="{11733FDC-977C-4894-B1C3-8D2DF2B21B2B}"/>
-                </a:ext>
-              </a:extLst>
-            </p:cNvPr>
-            <p:cNvSpPr txBox="1"/>
-            <p:nvPr/>
-          </p:nvSpPr>
-          <p:spPr>
-            <a:xfrm>
-              <a:off x="5854" y="242463"/>
-              <a:ext cx="2930769" cy="1445605"/>
-            </a:xfrm>
-            <a:prstGeom prst="rect">
-              <a:avLst/>
-            </a:prstGeom>
-            <a:noFill/>
-            <a:ln w="25400" cap="flat" cmpd="sng" algn="ctr">
-              <a:noFill/>
-              <a:prstDash val="solid"/>
-            </a:ln>
-            <a:effectLst/>
-          </p:spPr>
-          <p:txBody>
-            <a:bodyPr rot="0" spcFirstLastPara="0" vert="horz" wrap="square" lIns="91440" tIns="45720" rIns="91440" bIns="45720" numCol="1" spcCol="0" rtlCol="1" fromWordArt="0" anchor="t" anchorCtr="0" forceAA="0" compatLnSpc="1">
-              <a:prstTxWarp prst="textNoShape">
-                <a:avLst/>
-              </a:prstTxWarp>
-              <a:noAutofit/>
-            </a:bodyPr>
-            <a:lstStyle/>
-            <a:p>
-              <a:pPr marL="457200" lvl="0" indent="-457200">
-                <a:buFont typeface="Arial" panose="020B0604020202020204" pitchFamily="34" charset="0"/>
-                <a:buChar char="•"/>
-              </a:pPr>
-              <a:r>
-                <a:rPr lang="en-US" sz="3500" dirty="0"/>
-                <a:t>improve accuracy on AES-ECB model (we got error rate of 19% on </a:t>
-              </a:r>
-              <a:r>
-                <a:rPr lang="en-US" sz="3500" dirty="0" err="1"/>
-                <a:t>mnist</a:t>
-              </a:r>
-              <a:r>
-                <a:rPr lang="en-US" sz="3500" dirty="0"/>
-                <a:t> and 55% on fashion-</a:t>
-              </a:r>
-              <a:r>
-                <a:rPr lang="en-US" sz="3500" dirty="0" err="1"/>
-                <a:t>mnist</a:t>
-              </a:r>
-              <a:r>
-                <a:rPr lang="en-US" sz="3500" dirty="0"/>
-                <a:t>)</a:t>
-              </a:r>
-            </a:p>
-            <a:p>
-              <a:pPr marL="457200" lvl="0" indent="-457200">
-                <a:buFont typeface="Arial" panose="020B0604020202020204" pitchFamily="34" charset="0"/>
-                <a:buChar char="•"/>
-              </a:pPr>
-              <a:r>
-                <a:rPr lang="en-US" sz="3500" dirty="0"/>
-                <a:t>we contacted Nicholas </a:t>
-              </a:r>
-              <a:r>
-                <a:rPr lang="en-US" sz="3500" dirty="0" err="1"/>
-                <a:t>Carlini</a:t>
-              </a:r>
-              <a:r>
-                <a:rPr lang="en-US" sz="3500" dirty="0"/>
-                <a:t> (the ‘C’ in CW attack) and he believes we still might defeat these defenses</a:t>
-              </a:r>
-            </a:p>
-            <a:p>
-              <a:pPr marL="457200" lvl="0" indent="-457200">
-                <a:buFont typeface="Arial" panose="020B0604020202020204" pitchFamily="34" charset="0"/>
-                <a:buChar char="•"/>
-              </a:pPr>
-              <a:r>
-                <a:rPr lang="en-US" sz="3500" dirty="0"/>
-                <a:t>try some other datasets; i.e. cifar-10, its images are 3 layered (</a:t>
-              </a:r>
-              <a:r>
-                <a:rPr lang="en-US" sz="3500" dirty="0" err="1"/>
-                <a:t>rgb</a:t>
-              </a:r>
-              <a:r>
-                <a:rPr lang="en-US" sz="3500" dirty="0"/>
-                <a:t>) and might be more difficult to learn encrypted images</a:t>
-              </a:r>
-            </a:p>
-          </p:txBody>
-        </p:sp>
-        <p:sp>
-          <p:nvSpPr>
-            <p:cNvPr id="18" name="Text Box 24">
-              <a:extLst>
-                <a:ext uri="{FF2B5EF4-FFF2-40B4-BE49-F238E27FC236}">
-                  <a16:creationId xmlns:a16="http://schemas.microsoft.com/office/drawing/2014/main" id="{6C8FC5F1-6DE6-474A-809C-406894D86817}"/>
-                </a:ext>
-              </a:extLst>
-            </p:cNvPr>
-            <p:cNvSpPr txBox="1"/>
-            <p:nvPr/>
-          </p:nvSpPr>
-          <p:spPr>
-            <a:xfrm>
-              <a:off x="0" y="1"/>
-              <a:ext cx="2934970" cy="237739"/>
-            </a:xfrm>
-            <a:prstGeom prst="rect">
-              <a:avLst/>
-            </a:prstGeom>
-            <a:solidFill>
-              <a:srgbClr val="FF8000"/>
-            </a:solidFill>
-            <a:ln w="6350">
-              <a:noFill/>
-            </a:ln>
-          </p:spPr>
-          <p:txBody>
-            <a:bodyPr rot="0" spcFirstLastPara="0" vert="horz" wrap="square" lIns="91440" tIns="45720" rIns="91440" bIns="45720" numCol="1" spcCol="0" rtlCol="0" fromWordArt="0" anchor="t" anchorCtr="0" forceAA="0" compatLnSpc="1">
-              <a:prstTxWarp prst="textNoShape">
-                <a:avLst/>
-              </a:prstTxWarp>
-              <a:noAutofit/>
-            </a:bodyPr>
-            <a:lstStyle/>
-            <a:p>
-              <a:pPr marR="0" lvl="0" rtl="0">
-                <a:lnSpc>
-                  <a:spcPct val="115000"/>
-                </a:lnSpc>
-                <a:spcBef>
-                  <a:spcPts val="0"/>
-                </a:spcBef>
-                <a:spcAft>
-                  <a:spcPts val="1000"/>
-                </a:spcAft>
-              </a:pPr>
-              <a:r>
-                <a:rPr lang="en-US" sz="4000" b="1" kern="0" dirty="0">
-                  <a:solidFill>
-                    <a:srgbClr val="FFFFFF"/>
-                  </a:solidFill>
-                  <a:latin typeface="Calibri" panose="020F0502020204030204" pitchFamily="34" charset="0"/>
-                  <a:cs typeface="Arial" panose="020B0604020202020204" pitchFamily="34" charset="0"/>
-                </a:rPr>
-                <a:t>Future Work</a:t>
-              </a:r>
-              <a:endParaRPr lang="en-US" sz="4000" b="1" kern="0" dirty="0">
-                <a:solidFill>
-                  <a:srgbClr val="FFFFFF"/>
-                </a:solidFill>
-                <a:effectLst/>
-                <a:latin typeface="Calibri" panose="020F0502020204030204" pitchFamily="34" charset="0"/>
-                <a:cs typeface="Arial" panose="020B0604020202020204" pitchFamily="34" charset="0"/>
-              </a:endParaRPr>
-            </a:p>
-          </p:txBody>
-        </p:sp>
-      </p:grpSp>
-      <p:sp>
-        <p:nvSpPr>
-          <p:cNvPr id="19" name="names">
-            <a:extLst>
-              <a:ext uri="{FF2B5EF4-FFF2-40B4-BE49-F238E27FC236}">
-                <a16:creationId xmlns:a16="http://schemas.microsoft.com/office/drawing/2014/main" id="{E31C91E7-763E-4CE0-AE68-8ECAEAE218AD}"/>
-              </a:ext>
-            </a:extLst>
-          </p:cNvPr>
-          <p:cNvSpPr txBox="1">
-            <a:spLocks noChangeArrowheads="1"/>
-          </p:cNvSpPr>
-          <p:nvPr/>
-        </p:nvSpPr>
-        <p:spPr bwMode="auto">
-          <a:xfrm>
-            <a:off x="11422011" y="3951352"/>
-            <a:ext cx="9516632" cy="2400657"/>
-          </a:xfrm>
-          <a:prstGeom prst="rect">
-            <a:avLst/>
-          </a:prstGeom>
-          <a:solidFill>
-            <a:srgbClr val="FFFFFF"/>
-          </a:solidFill>
-          <a:ln w="9525">
-            <a:solidFill>
-              <a:schemeClr val="bg1"/>
-            </a:solidFill>
-            <a:miter lim="800000"/>
-            <a:headEnd/>
-            <a:tailEnd/>
-          </a:ln>
-        </p:spPr>
-        <p:txBody>
-          <a:bodyPr rot="0" vert="horz" wrap="square" lIns="91440" tIns="45720" rIns="91440" bIns="45720" anchor="ctr" anchorCtr="0">
-            <a:spAutoFit/>
-          </a:bodyPr>
-          <a:lstStyle/>
-          <a:p>
-            <a:pPr marL="0" marR="0" algn="ctr" rtl="0">
-              <a:spcBef>
-                <a:spcPts val="0"/>
-              </a:spcBef>
-              <a:spcAft>
-                <a:spcPts val="0"/>
-              </a:spcAft>
-            </a:pPr>
-            <a:r>
-              <a:rPr lang="en-US" sz="5000" dirty="0">
-                <a:solidFill>
-                  <a:srgbClr val="4A929C"/>
-                </a:solidFill>
-                <a:effectLst/>
-                <a:latin typeface="Calibri" panose="020F0502020204030204" pitchFamily="34" charset="0"/>
-                <a:ea typeface="Calibri" panose="020F0502020204030204" pitchFamily="34" charset="0"/>
-                <a:cs typeface="Arial" panose="020B0604020202020204" pitchFamily="34" charset="0"/>
-              </a:rPr>
-              <a:t>­­­­­­­­­</a:t>
-            </a:r>
-            <a:r>
-              <a:rPr lang="en-US" sz="5000" b="1" dirty="0">
-                <a:solidFill>
-                  <a:srgbClr val="4A929C"/>
-                </a:solidFill>
-                <a:effectLst/>
-                <a:latin typeface="Calibri" panose="020F0502020204030204" pitchFamily="34" charset="0"/>
-                <a:ea typeface="Calibri" panose="020F0502020204030204" pitchFamily="34" charset="0"/>
-                <a:cs typeface="Arial" panose="020B0604020202020204" pitchFamily="34" charset="0"/>
-              </a:rPr>
-              <a:t>___________________</a:t>
-            </a:r>
-            <a:endParaRPr lang="en-US" sz="5000" dirty="0">
-              <a:effectLst/>
-              <a:latin typeface="Calibri" panose="020F0502020204030204" pitchFamily="34" charset="0"/>
-              <a:ea typeface="Calibri" panose="020F0502020204030204" pitchFamily="34" charset="0"/>
-              <a:cs typeface="Arial" panose="020B0604020202020204" pitchFamily="34" charset="0"/>
-            </a:endParaRPr>
-          </a:p>
-          <a:p>
-            <a:pPr marL="0" marR="0" algn="ctr" rtl="0">
-              <a:spcBef>
-                <a:spcPts val="0"/>
-              </a:spcBef>
-              <a:spcAft>
-                <a:spcPts val="0"/>
-              </a:spcAft>
-            </a:pPr>
-            <a:r>
-              <a:rPr lang="en-US" sz="5000" dirty="0" err="1">
-                <a:solidFill>
-                  <a:srgbClr val="4A929C"/>
-                </a:solidFill>
-                <a:effectLst/>
-                <a:latin typeface="Calibri" panose="020F0502020204030204" pitchFamily="34" charset="0"/>
-                <a:ea typeface="Calibri" panose="020F0502020204030204" pitchFamily="34" charset="0"/>
-                <a:cs typeface="Arial" panose="020B0604020202020204" pitchFamily="34" charset="0"/>
-              </a:rPr>
-              <a:t>Yishay</a:t>
-            </a:r>
-            <a:r>
-              <a:rPr lang="en-US" sz="5000" dirty="0">
-                <a:solidFill>
-                  <a:srgbClr val="4A929C"/>
-                </a:solidFill>
-                <a:effectLst/>
-                <a:latin typeface="Calibri" panose="020F0502020204030204" pitchFamily="34" charset="0"/>
-                <a:ea typeface="Calibri" panose="020F0502020204030204" pitchFamily="34" charset="0"/>
-                <a:cs typeface="Arial" panose="020B0604020202020204" pitchFamily="34" charset="0"/>
-              </a:rPr>
-              <a:t> Asher • Steve Gutfreund</a:t>
-            </a:r>
-            <a:endParaRPr lang="en-US" sz="5000" dirty="0">
-              <a:effectLst/>
-              <a:latin typeface="Calibri" panose="020F0502020204030204" pitchFamily="34" charset="0"/>
-              <a:ea typeface="Calibri" panose="020F0502020204030204" pitchFamily="34" charset="0"/>
-              <a:cs typeface="Arial" panose="020B0604020202020204" pitchFamily="34" charset="0"/>
-            </a:endParaRPr>
-          </a:p>
-          <a:p>
-            <a:pPr marL="0" marR="0" algn="ctr" rtl="0">
-              <a:spcBef>
-                <a:spcPts val="0"/>
-              </a:spcBef>
-              <a:spcAft>
-                <a:spcPts val="0"/>
-              </a:spcAft>
-            </a:pPr>
-            <a:r>
-              <a:rPr lang="en-US" sz="5000" b="1" dirty="0">
-                <a:solidFill>
-                  <a:srgbClr val="4A929C"/>
-                </a:solidFill>
-                <a:effectLst/>
-                <a:latin typeface="Calibri" panose="020F0502020204030204" pitchFamily="34" charset="0"/>
-                <a:ea typeface="Calibri" panose="020F0502020204030204" pitchFamily="34" charset="0"/>
-                <a:cs typeface="Arial" panose="020B0604020202020204" pitchFamily="34" charset="0"/>
-              </a:rPr>
-              <a:t>Instructor:</a:t>
-            </a:r>
-            <a:r>
-              <a:rPr lang="en-US" sz="5000" dirty="0">
-                <a:solidFill>
-                  <a:srgbClr val="4A929C"/>
-                </a:solidFill>
-                <a:effectLst/>
-                <a:latin typeface="Calibri" panose="020F0502020204030204" pitchFamily="34" charset="0"/>
-                <a:ea typeface="Calibri" panose="020F0502020204030204" pitchFamily="34" charset="0"/>
-                <a:cs typeface="Arial" panose="020B0604020202020204" pitchFamily="34" charset="0"/>
-              </a:rPr>
-              <a:t> Hanan </a:t>
-            </a:r>
-            <a:r>
-              <a:rPr lang="en-US" sz="5000" dirty="0" err="1">
-                <a:solidFill>
-                  <a:srgbClr val="4A929C"/>
-                </a:solidFill>
-                <a:effectLst/>
-                <a:latin typeface="Calibri" panose="020F0502020204030204" pitchFamily="34" charset="0"/>
-                <a:ea typeface="Calibri" panose="020F0502020204030204" pitchFamily="34" charset="0"/>
-                <a:cs typeface="Arial" panose="020B0604020202020204" pitchFamily="34" charset="0"/>
-              </a:rPr>
-              <a:t>Rosemarin</a:t>
-            </a:r>
-            <a:endParaRPr lang="en-US" sz="5000" dirty="0">
-              <a:effectLst/>
-              <a:latin typeface="Calibri" panose="020F0502020204030204" pitchFamily="34" charset="0"/>
-              <a:ea typeface="Calibri" panose="020F0502020204030204" pitchFamily="34" charset="0"/>
-              <a:cs typeface="Arial" panose="020B0604020202020204" pitchFamily="34" charset="0"/>
-            </a:endParaRPr>
-          </a:p>
-        </p:txBody>
-      </p:sp>
-      <p:sp>
-        <p:nvSpPr>
-          <p:cNvPr id="20" name="Title">
-            <a:extLst>
-              <a:ext uri="{FF2B5EF4-FFF2-40B4-BE49-F238E27FC236}">
-                <a16:creationId xmlns:a16="http://schemas.microsoft.com/office/drawing/2014/main" id="{7FB64525-1228-4A75-8932-4E1ACCC84E7D}"/>
-              </a:ext>
-            </a:extLst>
-          </p:cNvPr>
-          <p:cNvSpPr txBox="1"/>
-          <p:nvPr/>
-        </p:nvSpPr>
-        <p:spPr>
-          <a:xfrm>
-            <a:off x="11727002" y="2553286"/>
-            <a:ext cx="8906650" cy="1647631"/>
-          </a:xfrm>
-          <a:prstGeom prst="rect">
-            <a:avLst/>
-          </a:prstGeom>
-          <a:noFill/>
-          <a:ln>
-            <a:noFill/>
-          </a:ln>
-        </p:spPr>
-        <p:txBody>
-          <a:bodyPr rot="0" spcFirstLastPara="0" vert="horz" wrap="square" lIns="91440" tIns="45720" rIns="91440" bIns="45720" numCol="1" spcCol="0" rtlCol="0" fromWordArt="0" anchor="t" anchorCtr="0" forceAA="0" compatLnSpc="1">
-            <a:prstTxWarp prst="textNoShape">
-              <a:avLst/>
-            </a:prstTxWarp>
-            <a:noAutofit/>
-          </a:bodyPr>
-          <a:lstStyle/>
-          <a:p>
-            <a:pPr marL="0" marR="0" algn="ctr" rtl="1">
-              <a:spcBef>
-                <a:spcPts val="0"/>
-              </a:spcBef>
-              <a:spcAft>
-                <a:spcPts val="0"/>
-              </a:spcAft>
-            </a:pPr>
-            <a:r>
-              <a:rPr lang="en-US" sz="6000" b="1" dirty="0">
-                <a:solidFill>
-                  <a:srgbClr val="4A929C"/>
-                </a:solidFill>
-                <a:effectLst/>
-                <a:latin typeface="Calibri" panose="020F0502020204030204" pitchFamily="34" charset="0"/>
-                <a:ea typeface="Calibri" panose="020F0502020204030204" pitchFamily="34" charset="0"/>
-                <a:cs typeface="Arial" panose="020B0604020202020204" pitchFamily="34" charset="0"/>
-              </a:rPr>
-              <a:t>DEFENCE AGAINST</a:t>
-            </a:r>
-            <a:endParaRPr lang="en-US" sz="6000" dirty="0">
-              <a:effectLst/>
-              <a:latin typeface="Calibri" panose="020F0502020204030204" pitchFamily="34" charset="0"/>
-              <a:ea typeface="Calibri" panose="020F0502020204030204" pitchFamily="34" charset="0"/>
-              <a:cs typeface="Arial" panose="020B0604020202020204" pitchFamily="34" charset="0"/>
-            </a:endParaRPr>
-          </a:p>
-          <a:p>
-            <a:pPr marL="0" marR="0" algn="ctr" rtl="1">
-              <a:spcBef>
-                <a:spcPts val="0"/>
-              </a:spcBef>
-              <a:spcAft>
-                <a:spcPts val="0"/>
-              </a:spcAft>
-            </a:pPr>
-            <a:r>
-              <a:rPr lang="en-US" sz="6000" b="1" dirty="0">
-                <a:solidFill>
-                  <a:srgbClr val="4A929C"/>
-                </a:solidFill>
-                <a:effectLst/>
-                <a:latin typeface="Calibri" panose="020F0502020204030204" pitchFamily="34" charset="0"/>
-                <a:ea typeface="Calibri" panose="020F0502020204030204" pitchFamily="34" charset="0"/>
-                <a:cs typeface="Arial" panose="020B0604020202020204" pitchFamily="34" charset="0"/>
-              </a:rPr>
-              <a:t>ADVERSARIAL EXAMPLES</a:t>
-            </a:r>
-            <a:endParaRPr lang="en-US" sz="6000" dirty="0">
-              <a:effectLst/>
-              <a:latin typeface="Calibri" panose="020F0502020204030204" pitchFamily="34" charset="0"/>
-              <a:ea typeface="Calibri" panose="020F0502020204030204" pitchFamily="34" charset="0"/>
-              <a:cs typeface="Arial" panose="020B0604020202020204" pitchFamily="34" charset="0"/>
-            </a:endParaRPr>
-          </a:p>
-        </p:txBody>
-      </p:sp>
-      <p:pic>
-        <p:nvPicPr>
-          <p:cNvPr id="21" name="Picture 20" descr="A close up of a logo&#10;&#10;Description automatically generated">
-            <a:extLst>
-              <a:ext uri="{FF2B5EF4-FFF2-40B4-BE49-F238E27FC236}">
-                <a16:creationId xmlns:a16="http://schemas.microsoft.com/office/drawing/2014/main" id="{310AFD28-6F37-4262-92F8-79AEE079D30F}"/>
-              </a:ext>
-            </a:extLst>
-          </p:cNvPr>
-          <p:cNvPicPr>
-            <a:picLocks noChangeAspect="1"/>
-          </p:cNvPicPr>
-          <p:nvPr/>
-        </p:nvPicPr>
-        <p:blipFill>
-          <a:blip r:embed="rId6">
-            <a:extLst>
-              <a:ext uri="{28A0092B-C50C-407E-A947-70E740481C1C}">
-                <a14:useLocalDpi xmlns:a14="http://schemas.microsoft.com/office/drawing/2010/main" val="0"/>
-              </a:ext>
-            </a:extLst>
-          </a:blip>
-          <a:stretch>
-            <a:fillRect/>
-          </a:stretch>
-        </p:blipFill>
-        <p:spPr>
-          <a:xfrm>
-            <a:off x="41233" y="4551361"/>
-            <a:ext cx="9169074" cy="4196874"/>
-          </a:xfrm>
-          <a:prstGeom prst="rect">
-            <a:avLst/>
-          </a:prstGeom>
-        </p:spPr>
-      </p:pic>
-      <p:grpSp>
-        <p:nvGrpSpPr>
-          <p:cNvPr id="22" name="Group 21">
-            <a:extLst>
-              <a:ext uri="{FF2B5EF4-FFF2-40B4-BE49-F238E27FC236}">
-                <a16:creationId xmlns:a16="http://schemas.microsoft.com/office/drawing/2014/main" id="{F99953DC-4A14-40CF-92F0-BCC5BCE6543C}"/>
-              </a:ext>
-            </a:extLst>
-          </p:cNvPr>
-          <p:cNvGrpSpPr/>
-          <p:nvPr/>
-        </p:nvGrpSpPr>
-        <p:grpSpPr>
-          <a:xfrm>
-            <a:off x="1072440" y="16951490"/>
-            <a:ext cx="9535641" cy="2598015"/>
-            <a:chOff x="0" y="1"/>
-            <a:chExt cx="2936623" cy="732768"/>
-          </a:xfrm>
-        </p:grpSpPr>
-        <p:sp>
-          <p:nvSpPr>
-            <p:cNvPr id="23" name="תיבת טקסט 18">
-              <a:extLst>
-                <a:ext uri="{FF2B5EF4-FFF2-40B4-BE49-F238E27FC236}">
-                  <a16:creationId xmlns:a16="http://schemas.microsoft.com/office/drawing/2014/main" id="{FB60CA16-1334-4B45-A873-85139D3D8A73}"/>
-                </a:ext>
-              </a:extLst>
-            </p:cNvPr>
-            <p:cNvSpPr txBox="1"/>
-            <p:nvPr/>
-          </p:nvSpPr>
-          <p:spPr>
-            <a:xfrm>
-              <a:off x="5854" y="242463"/>
-              <a:ext cx="2930769" cy="490306"/>
-            </a:xfrm>
-            <a:prstGeom prst="rect">
-              <a:avLst/>
-            </a:prstGeom>
-            <a:noFill/>
-            <a:ln w="25400" cap="flat" cmpd="sng" algn="ctr">
-              <a:noFill/>
-              <a:prstDash val="solid"/>
-            </a:ln>
-            <a:effectLst/>
-          </p:spPr>
-          <p:txBody>
-            <a:bodyPr rot="0" spcFirstLastPara="0" vert="horz" wrap="square" lIns="91440" tIns="45720" rIns="91440" bIns="45720" numCol="1" spcCol="0" rtlCol="1" fromWordArt="0" anchor="t" anchorCtr="0" forceAA="0" compatLnSpc="1">
-              <a:prstTxWarp prst="textNoShape">
-                <a:avLst/>
-              </a:prstTxWarp>
-              <a:noAutofit/>
-            </a:bodyPr>
-            <a:lstStyle/>
-            <a:p>
-              <a:r>
-                <a:rPr lang="en-US" sz="3500" dirty="0"/>
-                <a:t>We worked on </a:t>
-              </a:r>
-              <a:r>
-                <a:rPr lang="en-US" sz="3500" dirty="0" err="1"/>
-                <a:t>mnist</a:t>
-              </a:r>
-              <a:r>
-                <a:rPr lang="en-US" sz="3500" dirty="0"/>
-                <a:t> and fashion-</a:t>
-              </a:r>
-              <a:r>
-                <a:rPr lang="en-US" sz="3500" dirty="0" err="1"/>
-                <a:t>mnist</a:t>
-              </a:r>
-              <a:r>
-                <a:rPr lang="en-US" sz="3500" dirty="0"/>
-                <a:t>.</a:t>
-              </a:r>
-            </a:p>
-            <a:p>
-              <a:r>
-                <a:rPr lang="en-US" sz="3500" dirty="0"/>
-                <a:t>We’ve set neural networks known to be able to learn these datasets very well.</a:t>
-              </a:r>
-            </a:p>
-          </p:txBody>
-        </p:sp>
-        <p:sp>
-          <p:nvSpPr>
-            <p:cNvPr id="24" name="Text Box 24">
-              <a:extLst>
-                <a:ext uri="{FF2B5EF4-FFF2-40B4-BE49-F238E27FC236}">
-                  <a16:creationId xmlns:a16="http://schemas.microsoft.com/office/drawing/2014/main" id="{8F8F3380-FD3D-43F1-BABE-84B3BB16DA41}"/>
-                </a:ext>
-              </a:extLst>
-            </p:cNvPr>
-            <p:cNvSpPr txBox="1"/>
-            <p:nvPr/>
-          </p:nvSpPr>
-          <p:spPr>
-            <a:xfrm>
-              <a:off x="0" y="1"/>
-              <a:ext cx="2934970" cy="237739"/>
-            </a:xfrm>
-            <a:prstGeom prst="rect">
-              <a:avLst/>
-            </a:prstGeom>
-            <a:solidFill>
-              <a:srgbClr val="FF8000"/>
-            </a:solidFill>
-            <a:ln w="6350">
-              <a:noFill/>
-            </a:ln>
-          </p:spPr>
-          <p:txBody>
-            <a:bodyPr rot="0" spcFirstLastPara="0" vert="horz" wrap="square" lIns="91440" tIns="45720" rIns="91440" bIns="45720" numCol="1" spcCol="0" rtlCol="0" fromWordArt="0" anchor="t" anchorCtr="0" forceAA="0" compatLnSpc="1">
-              <a:prstTxWarp prst="textNoShape">
-                <a:avLst/>
-              </a:prstTxWarp>
-              <a:noAutofit/>
-            </a:bodyPr>
-            <a:lstStyle/>
-            <a:p>
-              <a:pPr marR="0" lvl="0" rtl="0">
-                <a:lnSpc>
-                  <a:spcPct val="115000"/>
-                </a:lnSpc>
-                <a:spcBef>
-                  <a:spcPts val="0"/>
-                </a:spcBef>
-                <a:spcAft>
-                  <a:spcPts val="1000"/>
-                </a:spcAft>
-              </a:pPr>
-              <a:r>
-                <a:rPr lang="en-US" sz="4000" b="1" kern="0" dirty="0">
-                  <a:solidFill>
-                    <a:srgbClr val="FFFFFF"/>
-                  </a:solidFill>
-                  <a:latin typeface="Calibri" panose="020F0502020204030204" pitchFamily="34" charset="0"/>
-                  <a:cs typeface="Arial" panose="020B0604020202020204" pitchFamily="34" charset="0"/>
-                </a:rPr>
-                <a:t>Set-Up</a:t>
-              </a:r>
-              <a:endParaRPr lang="en-US" sz="4000" b="1" kern="0" dirty="0">
-                <a:solidFill>
-                  <a:srgbClr val="FFFFFF"/>
-                </a:solidFill>
-                <a:effectLst/>
-                <a:latin typeface="Calibri" panose="020F0502020204030204" pitchFamily="34" charset="0"/>
-                <a:cs typeface="Arial" panose="020B0604020202020204" pitchFamily="34" charset="0"/>
-              </a:endParaRPr>
-            </a:p>
-          </p:txBody>
-        </p:sp>
-      </p:grpSp>
-      <p:grpSp>
-        <p:nvGrpSpPr>
-          <p:cNvPr id="25" name="Group 24">
-            <a:extLst>
-              <a:ext uri="{FF2B5EF4-FFF2-40B4-BE49-F238E27FC236}">
-                <a16:creationId xmlns:a16="http://schemas.microsoft.com/office/drawing/2014/main" id="{368FC610-7774-4120-8684-A1FE83E28CF6}"/>
-              </a:ext>
-            </a:extLst>
-          </p:cNvPr>
-          <p:cNvGrpSpPr/>
-          <p:nvPr/>
-        </p:nvGrpSpPr>
-        <p:grpSpPr>
-          <a:xfrm>
-            <a:off x="22136604" y="16951490"/>
-            <a:ext cx="9535641" cy="6370776"/>
-            <a:chOff x="0" y="1"/>
-            <a:chExt cx="2936623" cy="1796872"/>
-          </a:xfrm>
-        </p:grpSpPr>
-        <p:sp>
-          <p:nvSpPr>
-            <p:cNvPr id="26" name="תיבת טקסט 18">
-              <a:extLst>
-                <a:ext uri="{FF2B5EF4-FFF2-40B4-BE49-F238E27FC236}">
-                  <a16:creationId xmlns:a16="http://schemas.microsoft.com/office/drawing/2014/main" id="{3C9C691E-1F66-45AE-A815-E534472C188B}"/>
-                </a:ext>
-              </a:extLst>
-            </p:cNvPr>
-            <p:cNvSpPr txBox="1"/>
-            <p:nvPr/>
-          </p:nvSpPr>
-          <p:spPr>
-            <a:xfrm>
-              <a:off x="5854" y="242463"/>
-              <a:ext cx="2930769" cy="1554410"/>
-            </a:xfrm>
-            <a:prstGeom prst="rect">
-              <a:avLst/>
-            </a:prstGeom>
-            <a:noFill/>
-            <a:ln w="25400" cap="flat" cmpd="sng" algn="ctr">
-              <a:noFill/>
-              <a:prstDash val="solid"/>
-            </a:ln>
-            <a:effectLst/>
-          </p:spPr>
-          <p:txBody>
-            <a:bodyPr rot="0" spcFirstLastPara="0" vert="horz" wrap="square" lIns="91440" tIns="45720" rIns="91440" bIns="45720" numCol="1" spcCol="0" rtlCol="1" fromWordArt="0" anchor="t" anchorCtr="0" forceAA="0" compatLnSpc="1">
-              <a:prstTxWarp prst="textNoShape">
-                <a:avLst/>
-              </a:prstTxWarp>
-              <a:noAutofit/>
-            </a:bodyPr>
-            <a:lstStyle/>
-            <a:p>
-              <a:pPr lvl="0"/>
-              <a:r>
-                <a:rPr lang="en-US" sz="3500" dirty="0"/>
-                <a:t>There’s a tradeoff between accuracy on the original images and the accuracy on the adversarial images.</a:t>
-              </a:r>
-            </a:p>
-            <a:p>
-              <a:pPr marL="457200" lvl="0" indent="-457200">
-                <a:buFont typeface="Arial" panose="020B0604020202020204" pitchFamily="34" charset="0"/>
-                <a:buChar char="•"/>
-              </a:pPr>
-              <a:r>
-                <a:rPr lang="en-US" sz="3500" dirty="0"/>
-                <a:t>permutation: although the error rate on the originals increased by a little bit (1% on </a:t>
-              </a:r>
-              <a:r>
-                <a:rPr lang="en-US" sz="3500" dirty="0" err="1"/>
-                <a:t>mnist</a:t>
-              </a:r>
-              <a:r>
-                <a:rPr lang="en-US" sz="3500" dirty="0"/>
-                <a:t> and 4% on fashion-</a:t>
-              </a:r>
-              <a:r>
-                <a:rPr lang="en-US" sz="3500" dirty="0" err="1"/>
-                <a:t>mnist</a:t>
-              </a:r>
-              <a:r>
-                <a:rPr lang="en-US" sz="3500" dirty="0"/>
-                <a:t>), the error rate on the adversarial decreased significantly</a:t>
-              </a:r>
-            </a:p>
-            <a:p>
-              <a:pPr marL="457200" lvl="0" indent="-457200">
-                <a:buFont typeface="Arial" panose="020B0604020202020204" pitchFamily="34" charset="0"/>
-                <a:buChar char="•"/>
-              </a:pPr>
-              <a:r>
-                <a:rPr lang="en-US" sz="3500" dirty="0"/>
-                <a:t>AES-CTR: on </a:t>
-              </a:r>
-              <a:r>
-                <a:rPr lang="en-US" sz="3500" dirty="0" err="1"/>
-                <a:t>mnist</a:t>
-              </a:r>
-              <a:r>
-                <a:rPr lang="en-US" sz="3500" dirty="0"/>
-                <a:t> it performs better than permutation but yet on fashion </a:t>
-              </a:r>
-              <a:r>
-                <a:rPr lang="en-US" sz="3500" dirty="0" err="1"/>
-                <a:t>mnist</a:t>
-              </a:r>
-              <a:r>
-                <a:rPr lang="en-US" sz="3500" dirty="0"/>
-                <a:t> the error rate on the </a:t>
-              </a:r>
-              <a:r>
-                <a:rPr lang="en-US" sz="3500" dirty="0" err="1"/>
-                <a:t>adversarials</a:t>
-              </a:r>
-              <a:r>
-                <a:rPr lang="en-US" sz="3500" dirty="0"/>
-                <a:t> is slightly higher</a:t>
-              </a:r>
-            </a:p>
-            <a:p>
-              <a:pPr lvl="0"/>
-              <a:r>
-                <a:rPr lang="en-US" sz="3500" dirty="0"/>
-                <a:t>See figure 5 for the detailed results.</a:t>
-              </a:r>
-            </a:p>
-          </p:txBody>
-        </p:sp>
-        <p:sp>
-          <p:nvSpPr>
-            <p:cNvPr id="27" name="Text Box 24">
-              <a:extLst>
-                <a:ext uri="{FF2B5EF4-FFF2-40B4-BE49-F238E27FC236}">
-                  <a16:creationId xmlns:a16="http://schemas.microsoft.com/office/drawing/2014/main" id="{DDCE71D6-B80A-48A4-B7E6-F9BD6BB1729A}"/>
-                </a:ext>
-              </a:extLst>
-            </p:cNvPr>
-            <p:cNvSpPr txBox="1"/>
-            <p:nvPr/>
-          </p:nvSpPr>
-          <p:spPr>
-            <a:xfrm>
-              <a:off x="0" y="1"/>
-              <a:ext cx="2934970" cy="237739"/>
-            </a:xfrm>
-            <a:prstGeom prst="rect">
-              <a:avLst/>
-            </a:prstGeom>
-            <a:solidFill>
-              <a:srgbClr val="FF8000"/>
-            </a:solidFill>
-            <a:ln w="6350">
-              <a:noFill/>
-            </a:ln>
-          </p:spPr>
-          <p:txBody>
-            <a:bodyPr rot="0" spcFirstLastPara="0" vert="horz" wrap="square" lIns="91440" tIns="45720" rIns="91440" bIns="45720" numCol="1" spcCol="0" rtlCol="0" fromWordArt="0" anchor="t" anchorCtr="0" forceAA="0" compatLnSpc="1">
-              <a:prstTxWarp prst="textNoShape">
-                <a:avLst/>
-              </a:prstTxWarp>
-              <a:noAutofit/>
-            </a:bodyPr>
-            <a:lstStyle/>
-            <a:p>
-              <a:pPr marR="0" lvl="0" rtl="0">
-                <a:lnSpc>
-                  <a:spcPct val="115000"/>
-                </a:lnSpc>
-                <a:spcBef>
-                  <a:spcPts val="0"/>
-                </a:spcBef>
-                <a:spcAft>
-                  <a:spcPts val="1000"/>
-                </a:spcAft>
-              </a:pPr>
-              <a:r>
-                <a:rPr lang="en-US" sz="4000" b="1" kern="0" dirty="0">
-                  <a:solidFill>
-                    <a:srgbClr val="FFFFFF"/>
-                  </a:solidFill>
-                  <a:latin typeface="Calibri" panose="020F0502020204030204" pitchFamily="34" charset="0"/>
-                  <a:cs typeface="Arial" panose="020B0604020202020204" pitchFamily="34" charset="0"/>
-                </a:rPr>
-                <a:t>Results</a:t>
-              </a:r>
-              <a:endParaRPr lang="en-US" sz="4000" b="1" kern="0" dirty="0">
-                <a:solidFill>
-                  <a:srgbClr val="FFFFFF"/>
-                </a:solidFill>
-                <a:effectLst/>
-                <a:latin typeface="Calibri" panose="020F0502020204030204" pitchFamily="34" charset="0"/>
-                <a:cs typeface="Arial" panose="020B0604020202020204" pitchFamily="34" charset="0"/>
-              </a:endParaRPr>
-            </a:p>
-          </p:txBody>
-        </p:sp>
-      </p:grpSp>
-      <p:pic>
-        <p:nvPicPr>
-          <p:cNvPr id="28" name="Picture 27" descr="A close up of a logo&#10;&#10;Description automatically generated">
-            <a:extLst>
-              <a:ext uri="{FF2B5EF4-FFF2-40B4-BE49-F238E27FC236}">
-                <a16:creationId xmlns:a16="http://schemas.microsoft.com/office/drawing/2014/main" id="{BDAD8B8D-BD13-475B-BD37-08374462998E}"/>
-              </a:ext>
-            </a:extLst>
-          </p:cNvPr>
-          <p:cNvPicPr>
-            <a:picLocks noChangeAspect="1"/>
-          </p:cNvPicPr>
-          <p:nvPr/>
-        </p:nvPicPr>
-        <p:blipFill rotWithShape="1">
-          <a:blip r:embed="rId7" cstate="print">
-            <a:extLst>
-              <a:ext uri="{28A0092B-C50C-407E-A947-70E740481C1C}">
-                <a14:useLocalDpi xmlns:a14="http://schemas.microsoft.com/office/drawing/2010/main" val="0"/>
-              </a:ext>
-            </a:extLst>
-          </a:blip>
-          <a:srcRect l="-6981" t="5497" r="6981" b="7881"/>
-          <a:stretch/>
-        </p:blipFill>
-        <p:spPr>
-          <a:xfrm>
-            <a:off x="27446288" y="40348818"/>
-            <a:ext cx="4953000" cy="2858050"/>
-          </a:xfrm>
-          <a:prstGeom prst="rect">
-            <a:avLst/>
-          </a:prstGeom>
-        </p:spPr>
-      </p:pic>
-      <p:pic>
-        <p:nvPicPr>
-          <p:cNvPr id="29" name="Picture 28" descr="A picture containing clipart&#10;&#10;Description automatically generated">
-            <a:extLst>
-              <a:ext uri="{FF2B5EF4-FFF2-40B4-BE49-F238E27FC236}">
-                <a16:creationId xmlns:a16="http://schemas.microsoft.com/office/drawing/2014/main" id="{9AB95EE0-B0D7-476C-9AFC-F27DE4BA86B1}"/>
-              </a:ext>
-            </a:extLst>
-          </p:cNvPr>
-          <p:cNvPicPr>
-            <a:picLocks noChangeAspect="1"/>
-          </p:cNvPicPr>
-          <p:nvPr/>
-        </p:nvPicPr>
-        <p:blipFill>
-          <a:blip r:embed="rId8">
-            <a:extLst>
-              <a:ext uri="{28A0092B-C50C-407E-A947-70E740481C1C}">
-                <a14:useLocalDpi xmlns:a14="http://schemas.microsoft.com/office/drawing/2010/main" val="0"/>
-              </a:ext>
-            </a:extLst>
-          </a:blip>
-          <a:stretch>
-            <a:fillRect/>
-          </a:stretch>
-        </p:blipFill>
-        <p:spPr>
-          <a:xfrm>
-            <a:off x="23928442" y="41442673"/>
-            <a:ext cx="3971925" cy="1152525"/>
-          </a:xfrm>
-          <a:prstGeom prst="rect">
-            <a:avLst/>
-          </a:prstGeom>
-        </p:spPr>
-      </p:pic>
-      <p:pic>
-        <p:nvPicPr>
-          <p:cNvPr id="30" name="Picture 29">
-            <a:extLst>
-              <a:ext uri="{FF2B5EF4-FFF2-40B4-BE49-F238E27FC236}">
-                <a16:creationId xmlns:a16="http://schemas.microsoft.com/office/drawing/2014/main" id="{2D300F6E-3226-4B98-9BEA-5C5E9F3FCA2F}"/>
-              </a:ext>
-            </a:extLst>
-          </p:cNvPr>
-          <p:cNvPicPr>
-            <a:picLocks noChangeAspect="1"/>
-          </p:cNvPicPr>
-          <p:nvPr/>
-        </p:nvPicPr>
-        <p:blipFill>
-          <a:blip r:embed="rId9">
-            <a:extLst>
-              <a:ext uri="{28A0092B-C50C-407E-A947-70E740481C1C}">
-                <a14:useLocalDpi xmlns:a14="http://schemas.microsoft.com/office/drawing/2010/main" val="0"/>
-              </a:ext>
-            </a:extLst>
-          </a:blip>
-          <a:stretch>
-            <a:fillRect/>
-          </a:stretch>
-        </p:blipFill>
-        <p:spPr>
-          <a:xfrm>
-            <a:off x="17400033" y="41563478"/>
-            <a:ext cx="3686175" cy="1238250"/>
-          </a:xfrm>
-          <a:prstGeom prst="rect">
-            <a:avLst/>
-          </a:prstGeom>
-        </p:spPr>
-      </p:pic>
-      <p:pic>
-        <p:nvPicPr>
-          <p:cNvPr id="31" name="Picture 30" descr="A close up of a sign&#10;&#10;Description automatically generated">
-            <a:extLst>
-              <a:ext uri="{FF2B5EF4-FFF2-40B4-BE49-F238E27FC236}">
-                <a16:creationId xmlns:a16="http://schemas.microsoft.com/office/drawing/2014/main" id="{5CFF3253-5155-4EF1-82F5-8ED05044D2E9}"/>
-              </a:ext>
-            </a:extLst>
-          </p:cNvPr>
-          <p:cNvPicPr>
-            <a:picLocks noChangeAspect="1"/>
-          </p:cNvPicPr>
-          <p:nvPr/>
-        </p:nvPicPr>
-        <p:blipFill>
-          <a:blip r:embed="rId10">
-            <a:extLst>
-              <a:ext uri="{28A0092B-C50C-407E-A947-70E740481C1C}">
-                <a14:useLocalDpi xmlns:a14="http://schemas.microsoft.com/office/drawing/2010/main" val="0"/>
-              </a:ext>
-            </a:extLst>
-          </a:blip>
-          <a:stretch>
-            <a:fillRect/>
-          </a:stretch>
-        </p:blipFill>
-        <p:spPr>
-          <a:xfrm>
-            <a:off x="21035643" y="40801530"/>
-            <a:ext cx="2343150" cy="1952625"/>
-          </a:xfrm>
-          <a:prstGeom prst="rect">
-            <a:avLst/>
-          </a:prstGeom>
-        </p:spPr>
-      </p:pic>
-      <p:sp>
-        <p:nvSpPr>
-          <p:cNvPr id="32" name="TextBox 31">
-            <a:extLst>
-              <a:ext uri="{FF2B5EF4-FFF2-40B4-BE49-F238E27FC236}">
-                <a16:creationId xmlns:a16="http://schemas.microsoft.com/office/drawing/2014/main" id="{FF86FB20-3B2F-4D4F-AED1-287B66222999}"/>
-              </a:ext>
-            </a:extLst>
-          </p:cNvPr>
-          <p:cNvSpPr txBox="1"/>
-          <p:nvPr/>
-        </p:nvSpPr>
-        <p:spPr>
-          <a:xfrm>
-            <a:off x="30127482" y="0"/>
-            <a:ext cx="2271806" cy="553998"/>
-          </a:xfrm>
-          <a:prstGeom prst="rect">
-            <a:avLst/>
-          </a:prstGeom>
-          <a:noFill/>
-        </p:spPr>
-        <p:txBody>
-          <a:bodyPr wrap="square" rtlCol="0">
-            <a:spAutoFit/>
-          </a:bodyPr>
-          <a:lstStyle/>
-          <a:p>
-            <a:pPr algn="r" rtl="1"/>
-            <a:r>
-              <a:rPr lang="he-IL" sz="3000" b="1" dirty="0">
-                <a:solidFill>
-                  <a:schemeClr val="bg1"/>
-                </a:solidFill>
-              </a:rPr>
-              <a:t>בס"ד</a:t>
-            </a:r>
-            <a:endParaRPr lang="en-US" sz="3000" b="1" dirty="0">
-              <a:solidFill>
-                <a:schemeClr val="bg1"/>
-              </a:solidFill>
-            </a:endParaRPr>
-          </a:p>
-        </p:txBody>
-      </p:sp>
-      <p:grpSp>
-        <p:nvGrpSpPr>
-          <p:cNvPr id="33" name="Group 32">
-            <a:extLst>
-              <a:ext uri="{FF2B5EF4-FFF2-40B4-BE49-F238E27FC236}">
-                <a16:creationId xmlns:a16="http://schemas.microsoft.com/office/drawing/2014/main" id="{EAAE9E83-C00C-4683-A515-2F1D877519A9}"/>
-              </a:ext>
-            </a:extLst>
-          </p:cNvPr>
-          <p:cNvGrpSpPr/>
-          <p:nvPr/>
-        </p:nvGrpSpPr>
-        <p:grpSpPr>
-          <a:xfrm>
-            <a:off x="6006771" y="10534239"/>
-            <a:ext cx="19295487" cy="5616717"/>
-            <a:chOff x="4606761" y="10105499"/>
-            <a:chExt cx="19295487" cy="5616717"/>
-          </a:xfrm>
-        </p:grpSpPr>
-        <p:grpSp>
-          <p:nvGrpSpPr>
-            <p:cNvPr id="34" name="Group 33">
-              <a:extLst>
-                <a:ext uri="{FF2B5EF4-FFF2-40B4-BE49-F238E27FC236}">
-                  <a16:creationId xmlns:a16="http://schemas.microsoft.com/office/drawing/2014/main" id="{09F0C379-63F2-4290-8C6C-3F483C9BB49C}"/>
-                </a:ext>
-              </a:extLst>
-            </p:cNvPr>
-            <p:cNvGrpSpPr/>
-            <p:nvPr/>
-          </p:nvGrpSpPr>
-          <p:grpSpPr>
-            <a:xfrm>
-              <a:off x="4606761" y="10105499"/>
-              <a:ext cx="19295487" cy="5616717"/>
-              <a:chOff x="4606761" y="10105499"/>
-              <a:chExt cx="19295487" cy="5616717"/>
-            </a:xfrm>
-          </p:grpSpPr>
-          <p:grpSp>
-            <p:nvGrpSpPr>
-              <p:cNvPr id="36" name="Group 35">
-                <a:extLst>
-                  <a:ext uri="{FF2B5EF4-FFF2-40B4-BE49-F238E27FC236}">
-                    <a16:creationId xmlns:a16="http://schemas.microsoft.com/office/drawing/2014/main" id="{B3F72870-8CB5-4FAC-98A8-956E0DD27AB8}"/>
-                  </a:ext>
-                </a:extLst>
-              </p:cNvPr>
-              <p:cNvGrpSpPr/>
-              <p:nvPr/>
-            </p:nvGrpSpPr>
-            <p:grpSpPr>
-              <a:xfrm>
-                <a:off x="4606761" y="10105499"/>
-                <a:ext cx="9535641" cy="3460042"/>
-                <a:chOff x="0" y="1"/>
-                <a:chExt cx="2936623" cy="975902"/>
-              </a:xfrm>
-            </p:grpSpPr>
-            <p:sp>
-              <p:nvSpPr>
-                <p:cNvPr id="41" name="תיבת טקסט 18">
-                  <a:extLst>
-                    <a:ext uri="{FF2B5EF4-FFF2-40B4-BE49-F238E27FC236}">
-                      <a16:creationId xmlns:a16="http://schemas.microsoft.com/office/drawing/2014/main" id="{B1E00C83-719F-4AD1-B51E-D29AE9D370DD}"/>
-                    </a:ext>
-                  </a:extLst>
-                </p:cNvPr>
-                <p:cNvSpPr txBox="1"/>
-                <p:nvPr/>
-              </p:nvSpPr>
-              <p:spPr>
-                <a:xfrm>
-                  <a:off x="5854" y="242463"/>
-                  <a:ext cx="2930769" cy="733440"/>
-                </a:xfrm>
-                <a:prstGeom prst="rect">
-                  <a:avLst/>
-                </a:prstGeom>
-                <a:noFill/>
-                <a:ln w="25400" cap="flat" cmpd="sng" algn="ctr">
-                  <a:noFill/>
-                  <a:prstDash val="solid"/>
-                </a:ln>
-                <a:effectLst/>
-              </p:spPr>
-              <p:txBody>
-                <a:bodyPr rot="0" spcFirstLastPara="0" vert="horz" wrap="square" lIns="91440" tIns="45720" rIns="91440" bIns="45720" numCol="1" spcCol="0" rtlCol="1" fromWordArt="0" anchor="t" anchorCtr="0" forceAA="0" compatLnSpc="1">
-                  <a:prstTxWarp prst="textNoShape">
-                    <a:avLst/>
-                  </a:prstTxWarp>
-                  <a:noAutofit/>
-                </a:bodyPr>
-                <a:lstStyle/>
-                <a:p>
-                  <a:r>
-                    <a:rPr lang="en-US" sz="3500" dirty="0"/>
-                    <a:t>An adversarial example is an instance with small, intentional feature perturbations that cause a machine learning model to make a false prediction.</a:t>
-                  </a:r>
-                </a:p>
-                <a:p>
-                  <a:r>
-                    <a:rPr lang="en-US" sz="3500" dirty="0"/>
-                    <a:t>(See figure 1)</a:t>
-                  </a:r>
-                </a:p>
-              </p:txBody>
-            </p:sp>
-            <p:sp>
-              <p:nvSpPr>
-                <p:cNvPr id="42" name="Text Box 24">
-                  <a:extLst>
-                    <a:ext uri="{FF2B5EF4-FFF2-40B4-BE49-F238E27FC236}">
-                      <a16:creationId xmlns:a16="http://schemas.microsoft.com/office/drawing/2014/main" id="{0ECAC82C-BCA7-4C67-8209-EE4E98F3C078}"/>
-                    </a:ext>
-                  </a:extLst>
-                </p:cNvPr>
-                <p:cNvSpPr txBox="1"/>
-                <p:nvPr/>
-              </p:nvSpPr>
-              <p:spPr>
-                <a:xfrm>
-                  <a:off x="0" y="1"/>
-                  <a:ext cx="2934970" cy="237739"/>
-                </a:xfrm>
-                <a:prstGeom prst="rect">
-                  <a:avLst/>
-                </a:prstGeom>
-                <a:solidFill>
-                  <a:srgbClr val="FF8000"/>
-                </a:solidFill>
-                <a:ln w="6350">
-                  <a:noFill/>
-                </a:ln>
-              </p:spPr>
-              <p:txBody>
-                <a:bodyPr rot="0" spcFirstLastPara="0" vert="horz" wrap="square" lIns="91440" tIns="45720" rIns="91440" bIns="45720" numCol="1" spcCol="0" rtlCol="0" fromWordArt="0" anchor="t" anchorCtr="0" forceAA="0" compatLnSpc="1">
-                  <a:prstTxWarp prst="textNoShape">
-                    <a:avLst/>
-                  </a:prstTxWarp>
-                  <a:noAutofit/>
-                </a:bodyPr>
-                <a:lstStyle/>
-                <a:p>
-                  <a:pPr marR="0" lvl="0" rtl="0">
-                    <a:lnSpc>
-                      <a:spcPct val="115000"/>
-                    </a:lnSpc>
-                    <a:spcBef>
-                      <a:spcPts val="0"/>
-                    </a:spcBef>
-                    <a:spcAft>
-                      <a:spcPts val="1000"/>
-                    </a:spcAft>
-                  </a:pPr>
-                  <a:r>
-                    <a:rPr lang="en-US" sz="4000" b="1" kern="0" dirty="0">
-                      <a:solidFill>
-                        <a:srgbClr val="FFFFFF"/>
-                      </a:solidFill>
-                      <a:latin typeface="Calibri" panose="020F0502020204030204" pitchFamily="34" charset="0"/>
-                      <a:cs typeface="Arial" panose="020B0604020202020204" pitchFamily="34" charset="0"/>
-                    </a:rPr>
-                    <a:t>Background</a:t>
-                  </a:r>
-                  <a:endParaRPr lang="en-US" sz="4000" b="1" kern="0" dirty="0">
-                    <a:solidFill>
-                      <a:srgbClr val="FFFFFF"/>
-                    </a:solidFill>
-                    <a:effectLst/>
-                    <a:latin typeface="Calibri" panose="020F0502020204030204" pitchFamily="34" charset="0"/>
-                    <a:cs typeface="Arial" panose="020B0604020202020204" pitchFamily="34" charset="0"/>
-                  </a:endParaRPr>
-                </a:p>
-              </p:txBody>
-            </p:sp>
-          </p:grpSp>
-          <p:pic>
-            <p:nvPicPr>
-              <p:cNvPr id="37" name="Picture 36" descr="A picture containing animal, mammal&#10;&#10;Description automatically generated">
-                <a:extLst>
-                  <a:ext uri="{FF2B5EF4-FFF2-40B4-BE49-F238E27FC236}">
-                    <a16:creationId xmlns:a16="http://schemas.microsoft.com/office/drawing/2014/main" id="{FCA315CC-D12F-4979-BB29-E36310FBF040}"/>
-                  </a:ext>
-                </a:extLst>
-              </p:cNvPr>
-              <p:cNvPicPr>
-                <a:picLocks noChangeAspect="1"/>
-              </p:cNvPicPr>
-              <p:nvPr/>
-            </p:nvPicPr>
-            <p:blipFill rotWithShape="1">
-              <a:blip r:embed="rId11">
-                <a:extLst>
-                  <a:ext uri="{28A0092B-C50C-407E-A947-70E740481C1C}">
-                    <a14:useLocalDpi xmlns:a14="http://schemas.microsoft.com/office/drawing/2010/main" val="0"/>
-                  </a:ext>
-                </a:extLst>
-              </a:blip>
-              <a:srcRect l="9347" t="8383" r="9738" b="10816"/>
-              <a:stretch/>
-            </p:blipFill>
-            <p:spPr>
-              <a:xfrm>
-                <a:off x="15163362" y="11031574"/>
-                <a:ext cx="8738886" cy="3464390"/>
-              </a:xfrm>
-              <a:prstGeom prst="rect">
-                <a:avLst/>
-              </a:prstGeom>
-              <a:ln>
-                <a:noFill/>
-              </a:ln>
-              <a:effectLst>
-                <a:softEdge rad="0"/>
-              </a:effectLst>
-            </p:spPr>
-          </p:pic>
-          <p:grpSp>
-            <p:nvGrpSpPr>
-              <p:cNvPr id="38" name="Group 37">
-                <a:extLst>
-                  <a:ext uri="{FF2B5EF4-FFF2-40B4-BE49-F238E27FC236}">
-                    <a16:creationId xmlns:a16="http://schemas.microsoft.com/office/drawing/2014/main" id="{097DF1FB-1902-4D2B-AC9A-5520312EF7D4}"/>
-                  </a:ext>
-                </a:extLst>
-              </p:cNvPr>
-              <p:cNvGrpSpPr/>
-              <p:nvPr/>
-            </p:nvGrpSpPr>
-            <p:grpSpPr>
-              <a:xfrm>
-                <a:off x="4608981" y="13636321"/>
-                <a:ext cx="9535641" cy="2085895"/>
-                <a:chOff x="0" y="1"/>
-                <a:chExt cx="2936623" cy="588325"/>
-              </a:xfrm>
-            </p:grpSpPr>
-            <p:sp>
-              <p:nvSpPr>
-                <p:cNvPr id="39" name="תיבת טקסט 18">
-                  <a:extLst>
-                    <a:ext uri="{FF2B5EF4-FFF2-40B4-BE49-F238E27FC236}">
-                      <a16:creationId xmlns:a16="http://schemas.microsoft.com/office/drawing/2014/main" id="{4C2DC625-B102-4C43-8CCF-3A5C9052D80E}"/>
-                    </a:ext>
-                  </a:extLst>
-                </p:cNvPr>
-                <p:cNvSpPr txBox="1"/>
-                <p:nvPr/>
-              </p:nvSpPr>
-              <p:spPr>
-                <a:xfrm>
-                  <a:off x="5854" y="242463"/>
-                  <a:ext cx="2930769" cy="345863"/>
-                </a:xfrm>
-                <a:prstGeom prst="rect">
-                  <a:avLst/>
-                </a:prstGeom>
-                <a:noFill/>
-                <a:ln w="25400" cap="flat" cmpd="sng" algn="ctr">
-                  <a:noFill/>
-                  <a:prstDash val="solid"/>
-                </a:ln>
-                <a:effectLst/>
-              </p:spPr>
-              <p:txBody>
-                <a:bodyPr rot="0" spcFirstLastPara="0" vert="horz" wrap="square" lIns="91440" tIns="45720" rIns="91440" bIns="45720" numCol="1" spcCol="0" rtlCol="1" fromWordArt="0" anchor="t" anchorCtr="0" forceAA="0" compatLnSpc="1">
-                  <a:prstTxWarp prst="textNoShape">
-                    <a:avLst/>
-                  </a:prstTxWarp>
-                  <a:noAutofit/>
-                </a:bodyPr>
-                <a:lstStyle/>
-                <a:p>
-                  <a:r>
-                    <a:rPr lang="en-US" sz="3500" dirty="0"/>
-                    <a:t>Find a way to train ‘secured’ models such that this sort of attacks should not affect them.</a:t>
-                  </a:r>
-                </a:p>
-              </p:txBody>
-            </p:sp>
-            <p:sp>
-              <p:nvSpPr>
-                <p:cNvPr id="40" name="Text Box 24">
-                  <a:extLst>
-                    <a:ext uri="{FF2B5EF4-FFF2-40B4-BE49-F238E27FC236}">
-                      <a16:creationId xmlns:a16="http://schemas.microsoft.com/office/drawing/2014/main" id="{EF1C22F8-4F08-41F5-8D92-751AC30FF63D}"/>
-                    </a:ext>
-                  </a:extLst>
-                </p:cNvPr>
-                <p:cNvSpPr txBox="1"/>
-                <p:nvPr/>
-              </p:nvSpPr>
-              <p:spPr>
-                <a:xfrm>
-                  <a:off x="0" y="1"/>
-                  <a:ext cx="2934970" cy="237739"/>
-                </a:xfrm>
-                <a:prstGeom prst="rect">
-                  <a:avLst/>
-                </a:prstGeom>
-                <a:solidFill>
-                  <a:srgbClr val="FF8000"/>
-                </a:solidFill>
-                <a:ln w="6350">
-                  <a:noFill/>
-                </a:ln>
-              </p:spPr>
-              <p:txBody>
-                <a:bodyPr rot="0" spcFirstLastPara="0" vert="horz" wrap="square" lIns="91440" tIns="45720" rIns="91440" bIns="45720" numCol="1" spcCol="0" rtlCol="0" fromWordArt="0" anchor="t" anchorCtr="0" forceAA="0" compatLnSpc="1">
-                  <a:prstTxWarp prst="textNoShape">
-                    <a:avLst/>
-                  </a:prstTxWarp>
-                  <a:noAutofit/>
-                </a:bodyPr>
-                <a:lstStyle/>
-                <a:p>
-                  <a:pPr marR="0" lvl="0" rtl="0">
-                    <a:lnSpc>
-                      <a:spcPct val="115000"/>
-                    </a:lnSpc>
-                    <a:spcBef>
-                      <a:spcPts val="0"/>
-                    </a:spcBef>
-                    <a:spcAft>
-                      <a:spcPts val="1000"/>
-                    </a:spcAft>
-                  </a:pPr>
-                  <a:r>
-                    <a:rPr lang="en-US" sz="4000" b="1" kern="0" dirty="0">
-                      <a:solidFill>
-                        <a:srgbClr val="FFFFFF"/>
-                      </a:solidFill>
-                      <a:latin typeface="Calibri" panose="020F0502020204030204" pitchFamily="34" charset="0"/>
-                      <a:cs typeface="Arial" panose="020B0604020202020204" pitchFamily="34" charset="0"/>
-                    </a:rPr>
-                    <a:t>Goal</a:t>
-                  </a:r>
-                  <a:endParaRPr lang="en-US" sz="4000" b="1" kern="0" dirty="0">
-                    <a:solidFill>
-                      <a:srgbClr val="FFFFFF"/>
-                    </a:solidFill>
-                    <a:effectLst/>
-                    <a:latin typeface="Calibri" panose="020F0502020204030204" pitchFamily="34" charset="0"/>
-                    <a:cs typeface="Arial" panose="020B0604020202020204" pitchFamily="34" charset="0"/>
-                  </a:endParaRPr>
-                </a:p>
-              </p:txBody>
-            </p:sp>
-          </p:grpSp>
-        </p:grpSp>
-        <p:sp>
-          <p:nvSpPr>
-            <p:cNvPr id="35" name="TextBox 34">
-              <a:extLst>
-                <a:ext uri="{FF2B5EF4-FFF2-40B4-BE49-F238E27FC236}">
-                  <a16:creationId xmlns:a16="http://schemas.microsoft.com/office/drawing/2014/main" id="{D4D5FA7C-76CF-48B8-8564-000535542AB2}"/>
-                </a:ext>
-              </a:extLst>
-            </p:cNvPr>
-            <p:cNvSpPr txBox="1"/>
-            <p:nvPr/>
-          </p:nvSpPr>
-          <p:spPr>
-            <a:xfrm>
-              <a:off x="15439072" y="14495965"/>
-              <a:ext cx="8229600" cy="553998"/>
-            </a:xfrm>
-            <a:prstGeom prst="rect">
-              <a:avLst/>
-            </a:prstGeom>
-            <a:noFill/>
-          </p:spPr>
-          <p:txBody>
-            <a:bodyPr wrap="square" rtlCol="0">
-              <a:spAutoFit/>
-            </a:bodyPr>
-            <a:lstStyle/>
-            <a:p>
-              <a:pPr algn="ctr"/>
-              <a:r>
-                <a:rPr lang="en-US" sz="3000" b="1" dirty="0">
-                  <a:solidFill>
-                    <a:srgbClr val="4A929C"/>
-                  </a:solidFill>
-                </a:rPr>
-                <a:t>Figure 1:</a:t>
-              </a:r>
-              <a:r>
-                <a:rPr lang="en-US" sz="3000" dirty="0"/>
-                <a:t> example of an adversarial example</a:t>
-              </a:r>
-              <a:endParaRPr lang="en-US" sz="3000" b="1" dirty="0"/>
-            </a:p>
-          </p:txBody>
-        </p:sp>
-      </p:grpSp>
-      <p:grpSp>
-        <p:nvGrpSpPr>
-          <p:cNvPr id="43" name="Group 42">
+          <p:cNvPr id="67" name="Group 66">
             <a:extLst>
               <a:ext uri="{FF2B5EF4-FFF2-40B4-BE49-F238E27FC236}">
                 <a16:creationId xmlns:a16="http://schemas.microsoft.com/office/drawing/2014/main" id="{B058EA77-FB11-4A9B-84FB-10DEB68EB2F0}"/>
               </a:ext>
             </a:extLst>
           </p:cNvPr>
-          <p:cNvGrpSpPr/>
+          <p:cNvGrpSpPr>
+            <a:grpSpLocks noChangeAspect="1"/>
+          </p:cNvGrpSpPr>
           <p:nvPr/>
         </p:nvGrpSpPr>
         <p:grpSpPr>
           <a:xfrm>
-            <a:off x="11002127" y="17994589"/>
-            <a:ext cx="10759440" cy="4030404"/>
+            <a:off x="322139" y="24369365"/>
+            <a:ext cx="14823838" cy="5400000"/>
             <a:chOff x="11002127" y="17994589"/>
-            <a:chExt cx="10759440" cy="4030404"/>
+            <a:chExt cx="10759440" cy="3919429"/>
           </a:xfrm>
         </p:grpSpPr>
         <p:pic>
           <p:nvPicPr>
-            <p:cNvPr id="44" name="Picture 43">
+            <p:cNvPr id="68" name="Picture 67">
               <a:extLst>
                 <a:ext uri="{FF2B5EF4-FFF2-40B4-BE49-F238E27FC236}">
                   <a16:creationId xmlns:a16="http://schemas.microsoft.com/office/drawing/2014/main" id="{183F4D8F-C0FC-4880-B20B-91ED8A9D00B8}"/>
@@ -5214,7 +3055,7 @@
             <p:nvPr/>
           </p:nvPicPr>
           <p:blipFill>
-            <a:blip r:embed="rId12">
+            <a:blip r:embed="rId3">
               <a:extLst>
                 <a:ext uri="{28A0092B-C50C-407E-A947-70E740481C1C}">
                   <a14:useLocalDpi xmlns:a14="http://schemas.microsoft.com/office/drawing/2010/main" val="0"/>
@@ -5237,7 +3078,7 @@
         </p:pic>
         <p:sp>
           <p:nvSpPr>
-            <p:cNvPr id="45" name="TextBox 44">
+            <p:cNvPr id="69" name="TextBox 68">
               <a:extLst>
                 <a:ext uri="{FF2B5EF4-FFF2-40B4-BE49-F238E27FC236}">
                   <a16:creationId xmlns:a16="http://schemas.microsoft.com/office/drawing/2014/main" id="{7FCFA7D3-F8A1-43D0-94A1-382EABC6FA7B}"/>
@@ -5250,7 +3091,7 @@
           <p:spPr>
             <a:xfrm>
               <a:off x="12267724" y="21470995"/>
-              <a:ext cx="8229600" cy="553998"/>
+              <a:ext cx="8229600" cy="443023"/>
             </a:xfrm>
             <a:prstGeom prst="rect">
               <a:avLst/>
@@ -5274,7 +3115,7 @@
               </a:r>
               <a:r>
                 <a:rPr lang="en-US" sz="3000" dirty="0"/>
-                <a:t> architecture of the secure models</a:t>
+                <a:t> architecture for securing models</a:t>
               </a:r>
               <a:endParaRPr lang="en-US" sz="3000" b="1" dirty="0"/>
             </a:p>
@@ -5283,30 +3124,32 @@
       </p:grpSp>
       <p:grpSp>
         <p:nvGrpSpPr>
-          <p:cNvPr id="52" name="Group 51">
+          <p:cNvPr id="86" name="Group 85">
             <a:extLst>
               <a:ext uri="{FF2B5EF4-FFF2-40B4-BE49-F238E27FC236}">
-                <a16:creationId xmlns:a16="http://schemas.microsoft.com/office/drawing/2014/main" id="{EB0912F7-8B3A-4AAC-AA96-728E3C48058F}"/>
+                <a16:creationId xmlns:a16="http://schemas.microsoft.com/office/drawing/2014/main" id="{41514877-7A55-49CB-A4FB-A2AE2DEDCE5F}"/>
               </a:ext>
             </a:extLst>
           </p:cNvPr>
-          <p:cNvGrpSpPr/>
+          <p:cNvGrpSpPr>
+            <a:grpSpLocks noChangeAspect="1"/>
+          </p:cNvGrpSpPr>
           <p:nvPr/>
         </p:nvGrpSpPr>
         <p:grpSpPr>
           <a:xfrm>
-            <a:off x="12127914" y="31371214"/>
-            <a:ext cx="8229600" cy="8314887"/>
-            <a:chOff x="12127914" y="29786254"/>
-            <a:chExt cx="8229600" cy="8314887"/>
+            <a:off x="18804899" y="21018124"/>
+            <a:ext cx="12600000" cy="9767047"/>
+            <a:chOff x="22097789" y="24786452"/>
+            <a:chExt cx="10058400" cy="7797646"/>
           </a:xfrm>
         </p:grpSpPr>
         <p:pic>
           <p:nvPicPr>
-            <p:cNvPr id="53" name="Picture 52" descr="A screenshot of a cell phone&#10;&#10;Description automatically generated">
+            <p:cNvPr id="87" name="Picture 86">
               <a:extLst>
                 <a:ext uri="{FF2B5EF4-FFF2-40B4-BE49-F238E27FC236}">
-                  <a16:creationId xmlns:a16="http://schemas.microsoft.com/office/drawing/2014/main" id="{6A2908E3-7247-4725-8E43-49AB065CB409}"/>
+                  <a16:creationId xmlns:a16="http://schemas.microsoft.com/office/drawing/2014/main" id="{496D2D3E-80C1-478A-ABCC-63E9EA54D44B}"/>
                 </a:ext>
               </a:extLst>
             </p:cNvPr>
@@ -5316,7 +3159,7 @@
             <p:nvPr/>
           </p:nvPicPr>
           <p:blipFill>
-            <a:blip r:embed="rId13">
+            <a:blip r:embed="rId4">
               <a:extLst>
                 <a:ext uri="{28A0092B-C50C-407E-A947-70E740481C1C}">
                   <a14:useLocalDpi xmlns:a14="http://schemas.microsoft.com/office/drawing/2010/main" val="0"/>
@@ -5329,44 +3172,8 @@
           </p:blipFill>
           <p:spPr>
             <a:xfrm>
-              <a:off x="13316628" y="29786254"/>
-              <a:ext cx="5852172" cy="4389129"/>
-            </a:xfrm>
-            <a:prstGeom prst="rect">
-              <a:avLst/>
-            </a:prstGeom>
-          </p:spPr>
-        </p:pic>
-        <p:pic>
-          <p:nvPicPr>
-            <p:cNvPr id="54" name="Picture 53" descr="A screenshot of a cell phone&#10;&#10;Description automatically generated">
-              <a:extLst>
-                <a:ext uri="{FF2B5EF4-FFF2-40B4-BE49-F238E27FC236}">
-                  <a16:creationId xmlns:a16="http://schemas.microsoft.com/office/drawing/2014/main" id="{D990B65E-456D-4494-9154-DB49D9FAD3C5}"/>
-                </a:ext>
-              </a:extLst>
-            </p:cNvPr>
-            <p:cNvPicPr>
-              <a:picLocks noChangeAspect="1"/>
-            </p:cNvPicPr>
-            <p:nvPr/>
-          </p:nvPicPr>
-          <p:blipFill>
-            <a:blip r:embed="rId14">
-              <a:extLst>
-                <a:ext uri="{28A0092B-C50C-407E-A947-70E740481C1C}">
-                  <a14:useLocalDpi xmlns:a14="http://schemas.microsoft.com/office/drawing/2010/main" val="0"/>
-                </a:ext>
-              </a:extLst>
-            </a:blip>
-            <a:stretch>
-              <a:fillRect/>
-            </a:stretch>
-          </p:blipFill>
-          <p:spPr>
-            <a:xfrm>
-              <a:off x="13322080" y="33712012"/>
-              <a:ext cx="5852172" cy="4389129"/>
+              <a:off x="22097789" y="24786452"/>
+              <a:ext cx="10058400" cy="7039819"/>
             </a:xfrm>
             <a:prstGeom prst="rect">
               <a:avLst/>
@@ -5375,7 +3182,173 @@
         </p:pic>
         <p:sp>
           <p:nvSpPr>
-            <p:cNvPr id="55" name="TextBox 54">
+            <p:cNvPr id="88" name="TextBox 87">
+              <a:extLst>
+                <a:ext uri="{FF2B5EF4-FFF2-40B4-BE49-F238E27FC236}">
+                  <a16:creationId xmlns:a16="http://schemas.microsoft.com/office/drawing/2014/main" id="{1ED11102-FED3-4699-B8AB-02B061BBA364}"/>
+                </a:ext>
+              </a:extLst>
+            </p:cNvPr>
+            <p:cNvSpPr txBox="1"/>
+            <p:nvPr/>
+          </p:nvSpPr>
+          <p:spPr>
+            <a:xfrm>
+              <a:off x="23012189" y="32030100"/>
+              <a:ext cx="8229600" cy="553998"/>
+            </a:xfrm>
+            <a:prstGeom prst="rect">
+              <a:avLst/>
+            </a:prstGeom>
+            <a:noFill/>
+          </p:spPr>
+          <p:txBody>
+            <a:bodyPr wrap="square" rtlCol="0">
+              <a:spAutoFit/>
+            </a:bodyPr>
+            <a:lstStyle/>
+            <a:p>
+              <a:pPr algn="ctr"/>
+              <a:r>
+                <a:rPr lang="en-US" sz="3000" b="1" dirty="0">
+                  <a:solidFill>
+                    <a:srgbClr val="4A929C"/>
+                  </a:solidFill>
+                </a:rPr>
+                <a:t>Table 1:</a:t>
+              </a:r>
+              <a:r>
+                <a:rPr lang="en-US" sz="3000" b="1" dirty="0">
+                  <a:solidFill>
+                    <a:srgbClr val="5F8388"/>
+                  </a:solidFill>
+                </a:rPr>
+                <a:t> </a:t>
+              </a:r>
+              <a:r>
+                <a:rPr lang="en-US" sz="3000" dirty="0"/>
+                <a:t>table containing all the results</a:t>
+              </a:r>
+            </a:p>
+          </p:txBody>
+        </p:sp>
+      </p:grpSp>
+      <p:grpSp>
+        <p:nvGrpSpPr>
+          <p:cNvPr id="39" name="Group 38">
+            <a:extLst>
+              <a:ext uri="{FF2B5EF4-FFF2-40B4-BE49-F238E27FC236}">
+                <a16:creationId xmlns:a16="http://schemas.microsoft.com/office/drawing/2014/main" id="{BC81B82C-BA83-4C8D-8F17-1B0665DBDAD1}"/>
+              </a:ext>
+            </a:extLst>
+          </p:cNvPr>
+          <p:cNvGrpSpPr/>
+          <p:nvPr/>
+        </p:nvGrpSpPr>
+        <p:grpSpPr>
+          <a:xfrm>
+            <a:off x="19335240" y="13068714"/>
+            <a:ext cx="11574288" cy="4389130"/>
+            <a:chOff x="18931929" y="13914720"/>
+            <a:chExt cx="11574288" cy="4389130"/>
+          </a:xfrm>
+        </p:grpSpPr>
+        <p:grpSp>
+          <p:nvGrpSpPr>
+            <p:cNvPr id="3" name="Group 2">
+              <a:extLst>
+                <a:ext uri="{FF2B5EF4-FFF2-40B4-BE49-F238E27FC236}">
+                  <a16:creationId xmlns:a16="http://schemas.microsoft.com/office/drawing/2014/main" id="{82852AF6-16C2-4267-95BD-5D35C1F3C071}"/>
+                </a:ext>
+              </a:extLst>
+            </p:cNvPr>
+            <p:cNvGrpSpPr/>
+            <p:nvPr/>
+          </p:nvGrpSpPr>
+          <p:grpSpPr>
+            <a:xfrm>
+              <a:off x="18931929" y="13914720"/>
+              <a:ext cx="11574288" cy="4389130"/>
+              <a:chOff x="18931929" y="13914720"/>
+              <a:chExt cx="11574288" cy="4389130"/>
+            </a:xfrm>
+          </p:grpSpPr>
+          <p:pic>
+            <p:nvPicPr>
+              <p:cNvPr id="83" name="Picture 82" descr="A screenshot of a cell phone&#10;&#10;Description automatically generated">
+                <a:extLst>
+                  <a:ext uri="{FF2B5EF4-FFF2-40B4-BE49-F238E27FC236}">
+                    <a16:creationId xmlns:a16="http://schemas.microsoft.com/office/drawing/2014/main" id="{6A2908E3-7247-4725-8E43-49AB065CB409}"/>
+                  </a:ext>
+                </a:extLst>
+              </p:cNvPr>
+              <p:cNvPicPr>
+                <a:picLocks noChangeAspect="1"/>
+              </p:cNvPicPr>
+              <p:nvPr/>
+            </p:nvPicPr>
+            <p:blipFill>
+              <a:blip r:embed="rId5">
+                <a:extLst>
+                  <a:ext uri="{28A0092B-C50C-407E-A947-70E740481C1C}">
+                    <a14:useLocalDpi xmlns:a14="http://schemas.microsoft.com/office/drawing/2010/main" val="0"/>
+                  </a:ext>
+                </a:extLst>
+              </a:blip>
+              <a:stretch>
+                <a:fillRect/>
+              </a:stretch>
+            </p:blipFill>
+            <p:spPr>
+              <a:xfrm>
+                <a:off x="18931929" y="13914721"/>
+                <a:ext cx="5852172" cy="4389129"/>
+              </a:xfrm>
+              <a:prstGeom prst="rect">
+                <a:avLst/>
+              </a:prstGeom>
+            </p:spPr>
+          </p:pic>
+          <p:pic>
+            <p:nvPicPr>
+              <p:cNvPr id="84" name="Picture 83" descr="A screenshot of a cell phone&#10;&#10;Description automatically generated">
+                <a:extLst>
+                  <a:ext uri="{FF2B5EF4-FFF2-40B4-BE49-F238E27FC236}">
+                    <a16:creationId xmlns:a16="http://schemas.microsoft.com/office/drawing/2014/main" id="{D990B65E-456D-4494-9154-DB49D9FAD3C5}"/>
+                  </a:ext>
+                </a:extLst>
+              </p:cNvPr>
+              <p:cNvPicPr>
+                <a:picLocks noChangeAspect="1"/>
+              </p:cNvPicPr>
+              <p:nvPr/>
+            </p:nvPicPr>
+            <p:blipFill>
+              <a:blip r:embed="rId6">
+                <a:extLst>
+                  <a:ext uri="{28A0092B-C50C-407E-A947-70E740481C1C}">
+                    <a14:useLocalDpi xmlns:a14="http://schemas.microsoft.com/office/drawing/2010/main" val="0"/>
+                  </a:ext>
+                </a:extLst>
+              </a:blip>
+              <a:stretch>
+                <a:fillRect/>
+              </a:stretch>
+            </p:blipFill>
+            <p:spPr>
+              <a:xfrm>
+                <a:off x="24654045" y="13914720"/>
+                <a:ext cx="5852172" cy="4389129"/>
+              </a:xfrm>
+              <a:prstGeom prst="rect">
+                <a:avLst/>
+              </a:prstGeom>
+            </p:spPr>
+          </p:pic>
+        </p:grpSp>
+        <p:sp>
+          <p:nvSpPr>
+            <p:cNvPr id="85" name="TextBox 84">
               <a:extLst>
                 <a:ext uri="{FF2B5EF4-FFF2-40B4-BE49-F238E27FC236}">
                   <a16:creationId xmlns:a16="http://schemas.microsoft.com/office/drawing/2014/main" id="{0220DA71-9439-428E-ACE0-C0136A19093E}"/>
@@ -5387,7 +3360,7 @@
           </p:nvSpPr>
           <p:spPr>
             <a:xfrm>
-              <a:off x="12127914" y="37291010"/>
+              <a:off x="20539245" y="17438181"/>
               <a:ext cx="8229600" cy="553998"/>
             </a:xfrm>
             <a:prstGeom prst="rect">
@@ -5428,595 +3401,6 @@
       </p:grpSp>
       <p:grpSp>
         <p:nvGrpSpPr>
-          <p:cNvPr id="56" name="Group 55">
-            <a:extLst>
-              <a:ext uri="{FF2B5EF4-FFF2-40B4-BE49-F238E27FC236}">
-                <a16:creationId xmlns:a16="http://schemas.microsoft.com/office/drawing/2014/main" id="{41514877-7A55-49CB-A4FB-A2AE2DEDCE5F}"/>
-              </a:ext>
-            </a:extLst>
-          </p:cNvPr>
-          <p:cNvGrpSpPr/>
-          <p:nvPr/>
-        </p:nvGrpSpPr>
-        <p:grpSpPr>
-          <a:xfrm>
-            <a:off x="22097789" y="24778545"/>
-            <a:ext cx="10058400" cy="7805553"/>
-            <a:chOff x="22097789" y="24778545"/>
-            <a:chExt cx="10058400" cy="7805553"/>
-          </a:xfrm>
-        </p:grpSpPr>
-        <p:pic>
-          <p:nvPicPr>
-            <p:cNvPr id="57" name="Picture 56" descr="A screenshot of a cell phone&#10;&#10;Description automatically generated">
-              <a:extLst>
-                <a:ext uri="{FF2B5EF4-FFF2-40B4-BE49-F238E27FC236}">
-                  <a16:creationId xmlns:a16="http://schemas.microsoft.com/office/drawing/2014/main" id="{496D2D3E-80C1-478A-ABCC-63E9EA54D44B}"/>
-                </a:ext>
-              </a:extLst>
-            </p:cNvPr>
-            <p:cNvPicPr>
-              <a:picLocks noChangeAspect="1"/>
-            </p:cNvPicPr>
-            <p:nvPr/>
-          </p:nvPicPr>
-          <p:blipFill>
-            <a:blip r:embed="rId15">
-              <a:extLst>
-                <a:ext uri="{28A0092B-C50C-407E-A947-70E740481C1C}">
-                  <a14:useLocalDpi xmlns:a14="http://schemas.microsoft.com/office/drawing/2010/main" val="0"/>
-                </a:ext>
-              </a:extLst>
-            </a:blip>
-            <a:stretch>
-              <a:fillRect/>
-            </a:stretch>
-          </p:blipFill>
-          <p:spPr>
-            <a:xfrm>
-              <a:off x="22097789" y="24778545"/>
-              <a:ext cx="10058400" cy="7055633"/>
-            </a:xfrm>
-            <a:prstGeom prst="rect">
-              <a:avLst/>
-            </a:prstGeom>
-          </p:spPr>
-        </p:pic>
-        <p:sp>
-          <p:nvSpPr>
-            <p:cNvPr id="58" name="TextBox 57">
-              <a:extLst>
-                <a:ext uri="{FF2B5EF4-FFF2-40B4-BE49-F238E27FC236}">
-                  <a16:creationId xmlns:a16="http://schemas.microsoft.com/office/drawing/2014/main" id="{1ED11102-FED3-4699-B8AB-02B061BBA364}"/>
-                </a:ext>
-              </a:extLst>
-            </p:cNvPr>
-            <p:cNvSpPr txBox="1"/>
-            <p:nvPr/>
-          </p:nvSpPr>
-          <p:spPr>
-            <a:xfrm>
-              <a:off x="23012189" y="32030100"/>
-              <a:ext cx="8229600" cy="553998"/>
-            </a:xfrm>
-            <a:prstGeom prst="rect">
-              <a:avLst/>
-            </a:prstGeom>
-            <a:noFill/>
-          </p:spPr>
-          <p:txBody>
-            <a:bodyPr wrap="square" rtlCol="0">
-              <a:spAutoFit/>
-            </a:bodyPr>
-            <a:lstStyle/>
-            <a:p>
-              <a:pPr algn="ctr"/>
-              <a:r>
-                <a:rPr lang="en-US" sz="3000" b="1" dirty="0">
-                  <a:solidFill>
-                    <a:srgbClr val="4A929C"/>
-                  </a:solidFill>
-                </a:rPr>
-                <a:t>Figure 5:</a:t>
-              </a:r>
-              <a:r>
-                <a:rPr lang="en-US" sz="3000" b="1" dirty="0">
-                  <a:solidFill>
-                    <a:srgbClr val="5F8388"/>
-                  </a:solidFill>
-                </a:rPr>
-                <a:t> </a:t>
-              </a:r>
-              <a:r>
-                <a:rPr lang="en-US" sz="3000" dirty="0"/>
-                <a:t>table containing all the results</a:t>
-              </a:r>
-            </a:p>
-          </p:txBody>
-        </p:sp>
-      </p:grpSp>
-      <p:grpSp>
-        <p:nvGrpSpPr>
-          <p:cNvPr id="63" name="Group 62"/>
-          <p:cNvGrpSpPr/>
-          <p:nvPr/>
-        </p:nvGrpSpPr>
-        <p:grpSpPr>
-          <a:xfrm>
-            <a:off x="10360762" y="23839323"/>
-            <a:ext cx="11775842" cy="5053580"/>
-            <a:chOff x="10360762" y="23839323"/>
-            <a:chExt cx="11775842" cy="5053580"/>
-          </a:xfrm>
-        </p:grpSpPr>
-        <p:grpSp>
-          <p:nvGrpSpPr>
-            <p:cNvPr id="62" name="Group 61"/>
-            <p:cNvGrpSpPr/>
-            <p:nvPr/>
-          </p:nvGrpSpPr>
-          <p:grpSpPr>
-            <a:xfrm>
-              <a:off x="10360762" y="23839323"/>
-              <a:ext cx="11775842" cy="5053580"/>
-              <a:chOff x="10360762" y="23839323"/>
-              <a:chExt cx="11775842" cy="5053580"/>
-            </a:xfrm>
-          </p:grpSpPr>
-          <p:grpSp>
-            <p:nvGrpSpPr>
-              <p:cNvPr id="3" name="Group 2"/>
-              <p:cNvGrpSpPr/>
-              <p:nvPr/>
-            </p:nvGrpSpPr>
-            <p:grpSpPr>
-              <a:xfrm>
-                <a:off x="10360762" y="23839323"/>
-                <a:ext cx="11775842" cy="5053580"/>
-                <a:chOff x="10360762" y="23839323"/>
-                <a:chExt cx="11775842" cy="5053580"/>
-              </a:xfrm>
-            </p:grpSpPr>
-            <p:grpSp>
-              <p:nvGrpSpPr>
-                <p:cNvPr id="46" name="Group 45">
-                  <a:extLst>
-                    <a:ext uri="{FF2B5EF4-FFF2-40B4-BE49-F238E27FC236}">
-                      <a16:creationId xmlns:a16="http://schemas.microsoft.com/office/drawing/2014/main" id="{24ED838A-64AB-48D2-8E80-0C822A9BD5F5}"/>
-                    </a:ext>
-                  </a:extLst>
-                </p:cNvPr>
-                <p:cNvGrpSpPr/>
-                <p:nvPr/>
-              </p:nvGrpSpPr>
-              <p:grpSpPr>
-                <a:xfrm>
-                  <a:off x="10360762" y="23895961"/>
-                  <a:ext cx="11775842" cy="4996942"/>
-                  <a:chOff x="10360762" y="23895961"/>
-                  <a:chExt cx="11775842" cy="4996942"/>
-                </a:xfrm>
-              </p:grpSpPr>
-              <p:grpSp>
-                <p:nvGrpSpPr>
-                  <p:cNvPr id="47" name="Group 46">
-                    <a:extLst>
-                      <a:ext uri="{FF2B5EF4-FFF2-40B4-BE49-F238E27FC236}">
-                        <a16:creationId xmlns:a16="http://schemas.microsoft.com/office/drawing/2014/main" id="{F0B6B916-47D4-47D7-8707-42B3D2DF5719}"/>
-                      </a:ext>
-                    </a:extLst>
-                  </p:cNvPr>
-                  <p:cNvGrpSpPr>
-                    <a:grpSpLocks noChangeAspect="1"/>
-                  </p:cNvGrpSpPr>
-                  <p:nvPr/>
-                </p:nvGrpSpPr>
-                <p:grpSpPr>
-                  <a:xfrm>
-                    <a:off x="10360762" y="23895961"/>
-                    <a:ext cx="11775842" cy="3200400"/>
-                    <a:chOff x="7421386" y="23646433"/>
-                    <a:chExt cx="16171597" cy="4395064"/>
-                  </a:xfrm>
-                </p:grpSpPr>
-                <p:pic>
-                  <p:nvPicPr>
-                    <p:cNvPr id="49" name="Picture 48" descr="A close up of a mans face&#10;&#10;Description automatically generated">
-                      <a:extLst>
-                        <a:ext uri="{FF2B5EF4-FFF2-40B4-BE49-F238E27FC236}">
-                          <a16:creationId xmlns:a16="http://schemas.microsoft.com/office/drawing/2014/main" id="{32D2C511-A387-4025-86EA-DB5B0181FD54}"/>
-                        </a:ext>
-                      </a:extLst>
-                    </p:cNvPr>
-                    <p:cNvPicPr>
-                      <a:picLocks noChangeAspect="1"/>
-                    </p:cNvPicPr>
-                    <p:nvPr/>
-                  </p:nvPicPr>
-                  <p:blipFill>
-                    <a:blip r:embed="rId16">
-                      <a:extLst>
-                        <a:ext uri="{28A0092B-C50C-407E-A947-70E740481C1C}">
-                          <a14:useLocalDpi xmlns:a14="http://schemas.microsoft.com/office/drawing/2010/main" val="0"/>
-                        </a:ext>
-                      </a:extLst>
-                    </a:blip>
-                    <a:stretch>
-                      <a:fillRect/>
-                    </a:stretch>
-                  </p:blipFill>
-                  <p:spPr>
-                    <a:xfrm>
-                      <a:off x="17740811" y="23646433"/>
-                      <a:ext cx="5852172" cy="4389129"/>
-                    </a:xfrm>
-                    <a:prstGeom prst="rect">
-                      <a:avLst/>
-                    </a:prstGeom>
-                  </p:spPr>
-                </p:pic>
-                <p:pic>
-                  <p:nvPicPr>
-                    <p:cNvPr id="50" name="Picture 49" descr="A picture containing crossword puzzle&#10;&#10;Description automatically generated">
-                      <a:extLst>
-                        <a:ext uri="{FF2B5EF4-FFF2-40B4-BE49-F238E27FC236}">
-                          <a16:creationId xmlns:a16="http://schemas.microsoft.com/office/drawing/2014/main" id="{CD72D629-02A7-45B8-A561-8916419CA9C3}"/>
-                        </a:ext>
-                      </a:extLst>
-                    </p:cNvPr>
-                    <p:cNvPicPr>
-                      <a:picLocks noChangeAspect="1"/>
-                    </p:cNvPicPr>
-                    <p:nvPr/>
-                  </p:nvPicPr>
-                  <p:blipFill>
-                    <a:blip r:embed="rId17">
-                      <a:extLst>
-                        <a:ext uri="{28A0092B-C50C-407E-A947-70E740481C1C}">
-                          <a14:useLocalDpi xmlns:a14="http://schemas.microsoft.com/office/drawing/2010/main" val="0"/>
-                        </a:ext>
-                      </a:extLst>
-                    </a:blip>
-                    <a:stretch>
-                      <a:fillRect/>
-                    </a:stretch>
-                  </p:blipFill>
-                  <p:spPr>
-                    <a:xfrm>
-                      <a:off x="12572901" y="23646434"/>
-                      <a:ext cx="5852172" cy="4389129"/>
-                    </a:xfrm>
-                    <a:prstGeom prst="rect">
-                      <a:avLst/>
-                    </a:prstGeom>
-                  </p:spPr>
-                </p:pic>
-                <p:pic>
-                  <p:nvPicPr>
-                    <p:cNvPr id="51" name="Picture 50" descr="A close up of a logo&#10;&#10;Description automatically generated">
-                      <a:extLst>
-                        <a:ext uri="{FF2B5EF4-FFF2-40B4-BE49-F238E27FC236}">
-                          <a16:creationId xmlns:a16="http://schemas.microsoft.com/office/drawing/2014/main" id="{851CCF99-BF61-4C42-B20B-EE71645C9F91}"/>
-                        </a:ext>
-                      </a:extLst>
-                    </p:cNvPr>
-                    <p:cNvPicPr>
-                      <a:picLocks noChangeAspect="1"/>
-                    </p:cNvPicPr>
-                    <p:nvPr/>
-                  </p:nvPicPr>
-                  <p:blipFill>
-                    <a:blip r:embed="rId18">
-                      <a:extLst>
-                        <a:ext uri="{28A0092B-C50C-407E-A947-70E740481C1C}">
-                          <a14:useLocalDpi xmlns:a14="http://schemas.microsoft.com/office/drawing/2010/main" val="0"/>
-                        </a:ext>
-                      </a:extLst>
-                    </a:blip>
-                    <a:stretch>
-                      <a:fillRect/>
-                    </a:stretch>
-                  </p:blipFill>
-                  <p:spPr>
-                    <a:xfrm>
-                      <a:off x="7421386" y="23652368"/>
-                      <a:ext cx="5852172" cy="4389129"/>
-                    </a:xfrm>
-                    <a:prstGeom prst="rect">
-                      <a:avLst/>
-                    </a:prstGeom>
-                  </p:spPr>
-                </p:pic>
-              </p:grpSp>
-              <p:sp>
-                <p:nvSpPr>
-                  <p:cNvPr id="48" name="TextBox 47">
-                    <a:extLst>
-                      <a:ext uri="{FF2B5EF4-FFF2-40B4-BE49-F238E27FC236}">
-                        <a16:creationId xmlns:a16="http://schemas.microsoft.com/office/drawing/2014/main" id="{637C6D92-7606-4F84-8C01-1A37926C07EB}"/>
-                      </a:ext>
-                    </a:extLst>
-                  </p:cNvPr>
-                  <p:cNvSpPr txBox="1"/>
-                  <p:nvPr/>
-                </p:nvSpPr>
-                <p:spPr>
-                  <a:xfrm>
-                    <a:off x="11447635" y="26953911"/>
-                    <a:ext cx="9504018" cy="1938992"/>
-                  </a:xfrm>
-                  <a:prstGeom prst="rect">
-                    <a:avLst/>
-                  </a:prstGeom>
-                  <a:noFill/>
-                </p:spPr>
-                <p:txBody>
-                  <a:bodyPr wrap="square" rtlCol="0">
-                    <a:spAutoFit/>
-                  </a:bodyPr>
-                  <a:lstStyle/>
-                  <a:p>
-                    <a:pPr algn="ctr"/>
-                    <a:r>
-                      <a:rPr lang="en-US" sz="3000" b="1" dirty="0">
-                        <a:solidFill>
-                          <a:srgbClr val="4A929C"/>
-                        </a:solidFill>
-                      </a:rPr>
-                      <a:t>Figure 3:</a:t>
-                    </a:r>
-                    <a:r>
-                      <a:rPr lang="en-US" sz="3000" dirty="0"/>
-                      <a:t> Sample of the encrypted images (permutated and </a:t>
-                    </a:r>
-                    <a:r>
-                      <a:rPr lang="en-US" sz="3000" dirty="0" err="1"/>
-                      <a:t>aes</a:t>
-                    </a:r>
-                    <a:r>
-                      <a:rPr lang="en-US" sz="3000" dirty="0"/>
-                      <a:t>-ctr). Interesting to see how for the human eyes it’s impossible to distinguish between various classes but a DNN model classifies quite well, see figure 5 for accuracies</a:t>
-                    </a:r>
-                    <a:endParaRPr lang="en-US" sz="3000" b="1" dirty="0"/>
-                  </a:p>
-                </p:txBody>
-              </p:sp>
-            </p:grpSp>
-            <p:sp>
-              <p:nvSpPr>
-                <p:cNvPr id="2" name="TextBox 1">
-                  <a:extLst>
-                    <a:ext uri="{FF2B5EF4-FFF2-40B4-BE49-F238E27FC236}">
-                      <a16:creationId xmlns:a16="http://schemas.microsoft.com/office/drawing/2014/main" id="{14050F8D-7522-4453-A178-2ACCC1521BC9}"/>
-                    </a:ext>
-                  </a:extLst>
-                </p:cNvPr>
-                <p:cNvSpPr txBox="1"/>
-                <p:nvPr/>
-              </p:nvSpPr>
-              <p:spPr>
-                <a:xfrm>
-                  <a:off x="11707831" y="23839323"/>
-                  <a:ext cx="1567300" cy="400110"/>
-                </a:xfrm>
-                <a:prstGeom prst="rect">
-                  <a:avLst/>
-                </a:prstGeom>
-                <a:solidFill>
-                  <a:schemeClr val="bg1"/>
-                </a:solidFill>
-              </p:spPr>
-              <p:txBody>
-                <a:bodyPr wrap="square" rtlCol="0">
-                  <a:spAutoFit/>
-                </a:bodyPr>
-                <a:lstStyle/>
-                <a:p>
-                  <a:pPr algn="ctr"/>
-                  <a:r>
-                    <a:rPr lang="en-US" sz="2000" b="1" dirty="0">
-                      <a:solidFill>
-                        <a:srgbClr val="4A929C"/>
-                      </a:solidFill>
-                    </a:rPr>
-                    <a:t>original</a:t>
-                  </a:r>
-                </a:p>
-              </p:txBody>
-            </p:sp>
-          </p:grpSp>
-          <p:sp>
-            <p:nvSpPr>
-              <p:cNvPr id="60" name="TextBox 59">
-                <a:extLst>
-                  <a:ext uri="{FF2B5EF4-FFF2-40B4-BE49-F238E27FC236}">
-                    <a16:creationId xmlns:a16="http://schemas.microsoft.com/office/drawing/2014/main" id="{AEBC7705-6EA4-49D9-A532-D244300FA6C8}"/>
-                  </a:ext>
-                </a:extLst>
-              </p:cNvPr>
-              <p:cNvSpPr txBox="1"/>
-              <p:nvPr/>
-            </p:nvSpPr>
-            <p:spPr>
-              <a:xfrm>
-                <a:off x="15537237" y="23839323"/>
-                <a:ext cx="1567300" cy="400110"/>
-              </a:xfrm>
-              <a:prstGeom prst="rect">
-                <a:avLst/>
-              </a:prstGeom>
-              <a:solidFill>
-                <a:schemeClr val="bg1"/>
-              </a:solidFill>
-            </p:spPr>
-            <p:txBody>
-              <a:bodyPr wrap="square" rtlCol="0">
-                <a:spAutoFit/>
-              </a:bodyPr>
-              <a:lstStyle/>
-              <a:p>
-                <a:pPr algn="ctr"/>
-                <a:r>
-                  <a:rPr lang="en-US" sz="2000" b="1" dirty="0">
-                    <a:solidFill>
-                      <a:srgbClr val="4A929C"/>
-                    </a:solidFill>
-                  </a:rPr>
-                  <a:t>permutated</a:t>
-                </a:r>
-              </a:p>
-            </p:txBody>
-          </p:sp>
-        </p:grpSp>
-        <p:sp>
-          <p:nvSpPr>
-            <p:cNvPr id="61" name="TextBox 60">
-              <a:extLst>
-                <a:ext uri="{FF2B5EF4-FFF2-40B4-BE49-F238E27FC236}">
-                  <a16:creationId xmlns:a16="http://schemas.microsoft.com/office/drawing/2014/main" id="{DDC48DBD-CFA5-4ADE-94C9-D1A3CF3159C9}"/>
-                </a:ext>
-              </a:extLst>
-            </p:cNvPr>
-            <p:cNvSpPr txBox="1"/>
-            <p:nvPr/>
-          </p:nvSpPr>
-          <p:spPr>
-            <a:xfrm>
-              <a:off x="19288470" y="23839323"/>
-              <a:ext cx="1567300" cy="400110"/>
-            </a:xfrm>
-            <a:prstGeom prst="rect">
-              <a:avLst/>
-            </a:prstGeom>
-            <a:solidFill>
-              <a:schemeClr val="bg1"/>
-            </a:solidFill>
-          </p:spPr>
-          <p:txBody>
-            <a:bodyPr wrap="square" rtlCol="0">
-              <a:spAutoFit/>
-            </a:bodyPr>
-            <a:lstStyle/>
-            <a:p>
-              <a:pPr algn="ctr"/>
-              <a:r>
-                <a:rPr lang="en-US" sz="2000" b="1" dirty="0">
-                  <a:solidFill>
-                    <a:srgbClr val="4A929C"/>
-                  </a:solidFill>
-                </a:rPr>
-                <a:t>ctr</a:t>
-              </a:r>
-            </a:p>
-          </p:txBody>
-        </p:sp>
-      </p:grpSp>
-      <p:sp>
-        <p:nvSpPr>
-          <p:cNvPr id="64" name="Footer Placeholder 63" hidden="1"/>
-          <p:cNvSpPr>
-            <a:spLocks noGrp="1"/>
-          </p:cNvSpPr>
-          <p:nvPr>
-            <p:ph type="ftr" sz="quarter" idx="11"/>
-          </p:nvPr>
-        </p:nvSpPr>
-        <p:spPr/>
-        <p:txBody>
-          <a:bodyPr/>
-          <a:lstStyle/>
-          <a:p>
-            <a:endParaRPr lang="en-US"/>
-          </a:p>
-        </p:txBody>
-      </p:sp>
-      <p:sp>
-        <p:nvSpPr>
-          <p:cNvPr id="65" name="Date Placeholder 64" hidden="1"/>
-          <p:cNvSpPr>
-            <a:spLocks noGrp="1"/>
-          </p:cNvSpPr>
-          <p:nvPr>
-            <p:ph type="dt" sz="half" idx="10"/>
-          </p:nvPr>
-        </p:nvSpPr>
-        <p:spPr/>
-        <p:txBody>
-          <a:bodyPr/>
-          <a:lstStyle/>
-          <a:p>
-            <a:endParaRPr lang="en-US"/>
-          </a:p>
-        </p:txBody>
-      </p:sp>
-    </p:spTree>
-    <p:extLst>
-      <p:ext uri="{BB962C8B-B14F-4D97-AF65-F5344CB8AC3E}">
-        <p14:creationId xmlns:p14="http://schemas.microsoft.com/office/powerpoint/2010/main" val="2310199070"/>
-      </p:ext>
-    </p:extLst>
-  </p:cSld>
-  <p:clrMapOvr>
-    <a:masterClrMapping/>
-  </p:clrMapOvr>
-</p:sld>
-</file>
-
-<file path=ppt/slides/slide2.xml><?xml version="1.0" encoding="utf-8"?>
-<p:sld xmlns:a="http://schemas.openxmlformats.org/drawingml/2006/main" xmlns:r="http://schemas.openxmlformats.org/officeDocument/2006/relationships" xmlns:p="http://schemas.openxmlformats.org/presentationml/2006/main">
-  <p:cSld>
-    <p:spTree>
-      <p:nvGrpSpPr>
-        <p:cNvPr id="1" name=""/>
-        <p:cNvGrpSpPr/>
-        <p:nvPr/>
-      </p:nvGrpSpPr>
-      <p:grpSpPr>
-        <a:xfrm>
-          <a:off x="0" y="0"/>
-          <a:ext cx="0" cy="0"/>
-          <a:chOff x="0" y="0"/>
-          <a:chExt cx="0" cy="0"/>
-        </a:xfrm>
-      </p:grpSpPr>
-      <p:pic>
-        <p:nvPicPr>
-          <p:cNvPr id="4" name="Picture 3">
-            <a:extLst>
-              <a:ext uri="{FF2B5EF4-FFF2-40B4-BE49-F238E27FC236}">
-                <a16:creationId xmlns:a16="http://schemas.microsoft.com/office/drawing/2014/main" id="{EB464702-8EF6-44EC-81DE-05D51CFE7C03}"/>
-              </a:ext>
-            </a:extLst>
-          </p:cNvPr>
-          <p:cNvPicPr>
-            <a:picLocks noChangeAspect="1"/>
-          </p:cNvPicPr>
-          <p:nvPr/>
-        </p:nvPicPr>
-        <p:blipFill>
-          <a:blip r:embed="rId2">
-            <a:extLst>
-              <a:ext uri="{28A0092B-C50C-407E-A947-70E740481C1C}">
-                <a14:useLocalDpi xmlns:a14="http://schemas.microsoft.com/office/drawing/2010/main" val="0"/>
-              </a:ext>
-            </a:extLst>
-          </a:blip>
-          <a:stretch>
-            <a:fillRect/>
-          </a:stretch>
-        </p:blipFill>
-        <p:spPr>
-          <a:xfrm>
-            <a:off x="46160" y="278080"/>
-            <a:ext cx="32400762" cy="43200000"/>
-          </a:xfrm>
-          <a:prstGeom prst="rect">
-            <a:avLst/>
-          </a:prstGeom>
-        </p:spPr>
-      </p:pic>
-      <p:grpSp>
-        <p:nvGrpSpPr>
           <p:cNvPr id="5" name="Group 4">
             <a:extLst>
               <a:ext uri="{FF2B5EF4-FFF2-40B4-BE49-F238E27FC236}">
@@ -6024,13 +3408,15 @@
               </a:ext>
             </a:extLst>
           </p:cNvPr>
-          <p:cNvGrpSpPr/>
+          <p:cNvGrpSpPr>
+            <a:grpSpLocks/>
+          </p:cNvGrpSpPr>
           <p:nvPr/>
         </p:nvGrpSpPr>
         <p:grpSpPr>
           <a:xfrm>
-            <a:off x="501098" y="17421790"/>
-            <a:ext cx="7200000" cy="3283704"/>
+            <a:off x="478505" y="21089806"/>
+            <a:ext cx="13680000" cy="3283704"/>
             <a:chOff x="0" y="1"/>
             <a:chExt cx="2936623" cy="926166"/>
           </a:xfrm>
@@ -6080,7 +3466,7 @@
                 </a:spcAft>
               </a:pPr>
               <a:r>
-                <a:rPr lang="en-US" sz="3000" dirty="0">
+                <a:rPr lang="en-US" sz="3500" dirty="0">
                   <a:latin typeface="Calibri" panose="020F0502020204030204" pitchFamily="34" charset="0"/>
                   <a:ea typeface="Calibri" panose="020F0502020204030204" pitchFamily="34" charset="0"/>
                   <a:cs typeface="Arial" panose="020B0604020202020204" pitchFamily="34" charset="0"/>
@@ -6088,7 +3474,7 @@
                 <a:t>A</a:t>
               </a:r>
               <a:r>
-                <a:rPr lang="en-US" sz="3000" dirty="0">
+                <a:rPr lang="en-US" sz="3500" dirty="0">
                   <a:effectLst/>
                   <a:latin typeface="Calibri" panose="020F0502020204030204" pitchFamily="34" charset="0"/>
                   <a:ea typeface="Calibri" panose="020F0502020204030204" pitchFamily="34" charset="0"/>
@@ -6097,7 +3483,7 @@
                 <a:t>pproach:</a:t>
               </a:r>
               <a:r>
-                <a:rPr lang="en-US" sz="3000" dirty="0">
+                <a:rPr lang="en-US" sz="3500" dirty="0">
                   <a:latin typeface="Calibri" panose="020F0502020204030204" pitchFamily="34" charset="0"/>
                   <a:ea typeface="Calibri" panose="020F0502020204030204" pitchFamily="34" charset="0"/>
                   <a:cs typeface="Arial" panose="020B0604020202020204" pitchFamily="34" charset="0"/>
@@ -6105,7 +3491,7 @@
                 <a:t> </a:t>
               </a:r>
               <a:r>
-                <a:rPr lang="en-US" sz="3000" dirty="0">
+                <a:rPr lang="en-US" sz="3500" dirty="0">
                   <a:effectLst/>
                   <a:latin typeface="Calibri" panose="020F0502020204030204" pitchFamily="34" charset="0"/>
                   <a:ea typeface="Calibri" panose="020F0502020204030204" pitchFamily="34" charset="0"/>
@@ -6124,7 +3510,7 @@
                 </a:spcAft>
               </a:pPr>
               <a:r>
-                <a:rPr lang="en-US" sz="3000" dirty="0">
+                <a:rPr lang="en-US" sz="3500" dirty="0">
                   <a:effectLst/>
                   <a:latin typeface="Calibri" panose="020F0502020204030204" pitchFamily="34" charset="0"/>
                   <a:ea typeface="Calibri" panose="020F0502020204030204" pitchFamily="34" charset="0"/>
@@ -6132,7 +3518,7 @@
                 </a:rPr>
                 <a:t>Encryption techniques:</a:t>
               </a:r>
-              <a:endParaRPr lang="en-US" sz="3000" dirty="0">
+              <a:endParaRPr lang="en-US" sz="3500" dirty="0">
                 <a:latin typeface="Calibri" panose="020F0502020204030204" pitchFamily="34" charset="0"/>
                 <a:ea typeface="Calibri" panose="020F0502020204030204" pitchFamily="34" charset="0"/>
                 <a:cs typeface="Arial" panose="020B0604020202020204" pitchFamily="34" charset="0"/>
@@ -6144,7 +3530,7 @@
                 <a:buChar char="ü"/>
               </a:pPr>
               <a:r>
-                <a:rPr lang="en-US" sz="3000" dirty="0">
+                <a:rPr lang="en-US" sz="3500" dirty="0">
                   <a:latin typeface="Calibri" panose="020F0502020204030204" pitchFamily="34" charset="0"/>
                   <a:ea typeface="Calibri" panose="020F0502020204030204" pitchFamily="34" charset="0"/>
                   <a:cs typeface="Arial" panose="020B0604020202020204" pitchFamily="34" charset="0"/>
@@ -6158,14 +3544,14 @@
                 <a:buChar char="ü"/>
               </a:pPr>
               <a:r>
-                <a:rPr lang="en-US" sz="3000" dirty="0">
+                <a:rPr lang="en-US" sz="3500" dirty="0">
                   <a:latin typeface="Calibri" panose="020F0502020204030204" pitchFamily="34" charset="0"/>
                   <a:ea typeface="Calibri" panose="020F0502020204030204" pitchFamily="34" charset="0"/>
                   <a:cs typeface="Arial" panose="020B0604020202020204" pitchFamily="34" charset="0"/>
                 </a:rPr>
                 <a:t>AES in ECB, CBC and CTR modes</a:t>
               </a:r>
-              <a:endParaRPr lang="en-US" sz="3000" dirty="0"/>
+              <a:endParaRPr lang="en-US" sz="3500" dirty="0"/>
             </a:p>
             <a:p>
               <a:pPr marR="0" lvl="0" algn="l" rtl="0">
@@ -6176,7 +3562,7 @@
                   <a:spcPts val="0"/>
                 </a:spcAft>
               </a:pPr>
-              <a:endParaRPr lang="en-US" sz="3000" dirty="0">
+              <a:endParaRPr lang="en-US" sz="3500" dirty="0">
                 <a:effectLst/>
                 <a:latin typeface="Calibri" panose="020F0502020204030204" pitchFamily="34" charset="0"/>
                 <a:ea typeface="Calibri" panose="020F0502020204030204" pitchFamily="34" charset="0"/>
@@ -6263,8 +3649,8 @@
         </p:nvGrpSpPr>
         <p:grpSpPr>
           <a:xfrm>
-            <a:off x="482558" y="23522225"/>
-            <a:ext cx="7200000" cy="3622181"/>
+            <a:off x="18268749" y="9312956"/>
+            <a:ext cx="13680000" cy="3622181"/>
             <a:chOff x="0" y="1"/>
             <a:chExt cx="2936623" cy="1021633"/>
           </a:xfrm>
@@ -6306,7 +3692,7 @@
             <a:lstStyle/>
             <a:p>
               <a:r>
-                <a:rPr lang="en-US" sz="3000" dirty="0"/>
+                <a:rPr lang="en-US" sz="3500" dirty="0"/>
                 <a:t>Attacks:</a:t>
               </a:r>
             </a:p>
@@ -6316,14 +3702,14 @@
                 <a:buChar char="ü"/>
               </a:pPr>
               <a:r>
-                <a:rPr lang="en-US" sz="3000" dirty="0" err="1"/>
+                <a:rPr lang="en-US" sz="3500" dirty="0" err="1"/>
                 <a:t>Carlini</a:t>
               </a:r>
               <a:r>
-                <a:rPr lang="en-US" sz="3000" dirty="0"/>
+                <a:rPr lang="en-US" sz="3500" dirty="0"/>
                 <a:t> &amp; Wagner, CW</a:t>
               </a:r>
-              <a:endParaRPr lang="en-US" sz="3000" dirty="0">
+              <a:endParaRPr lang="en-US" sz="3500" dirty="0">
                 <a:latin typeface="Calibri" panose="020F0502020204030204" pitchFamily="34" charset="0"/>
                 <a:ea typeface="Calibri" panose="020F0502020204030204" pitchFamily="34" charset="0"/>
                 <a:cs typeface="Arial" panose="020B0604020202020204" pitchFamily="34" charset="0"/>
@@ -6335,13 +3721,13 @@
                 <a:buChar char="ü"/>
               </a:pPr>
               <a:r>
-                <a:rPr lang="en-US" sz="3000" dirty="0"/>
+                <a:rPr lang="en-US" sz="3500" dirty="0"/>
                 <a:t>Fast Gradient Sign Method, FGSM</a:t>
               </a:r>
             </a:p>
             <a:p>
               <a:r>
-                <a:rPr lang="en-US" sz="3000" dirty="0"/>
+                <a:rPr lang="en-US" sz="3500" dirty="0"/>
                 <a:t>‘gray-box’ scenario, i.e. the attacker knows the architecture of the model but has no access to the private key.</a:t>
               </a:r>
             </a:p>
@@ -6362,7 +3748,7 @@
           <p:spPr>
             <a:xfrm>
               <a:off x="0" y="1"/>
-              <a:ext cx="2934970" cy="237739"/>
+              <a:ext cx="2936623" cy="237739"/>
             </a:xfrm>
             <a:prstGeom prst="rect">
               <a:avLst/>
@@ -6425,8 +3811,8 @@
         </p:nvGrpSpPr>
         <p:grpSpPr>
           <a:xfrm>
-            <a:off x="485904" y="21163548"/>
-            <a:ext cx="7200000" cy="1921353"/>
+            <a:off x="501567" y="30429721"/>
+            <a:ext cx="13680000" cy="1921353"/>
             <a:chOff x="0" y="1"/>
             <a:chExt cx="2936623" cy="541916"/>
           </a:xfrm>
@@ -6468,8 +3854,8 @@
             <a:lstStyle/>
             <a:p>
               <a:r>
-                <a:rPr lang="en-US" sz="3000" dirty="0"/>
-                <a:t>Eliminated the models that did not learn well.</a:t>
+                <a:rPr lang="en-US" sz="3500" dirty="0"/>
+                <a:t>Eliminated the models that did not learn well. Learning encrypted images is not very intuitive, as can be seen in figure 3.</a:t>
               </a:r>
             </a:p>
           </p:txBody>
@@ -6552,8 +3938,8 @@
         </p:nvGrpSpPr>
         <p:grpSpPr>
           <a:xfrm>
-            <a:off x="11474893" y="7141009"/>
-            <a:ext cx="9535641" cy="2155202"/>
+            <a:off x="10780327" y="6765680"/>
+            <a:ext cx="10800000" cy="2155202"/>
             <a:chOff x="0" y="1"/>
             <a:chExt cx="2936623" cy="607873"/>
           </a:xfrm>
@@ -6596,18 +3982,9 @@
             <a:p>
               <a:pPr algn="ctr"/>
               <a:r>
-                <a:rPr lang="en-US" sz="3500" b="1" dirty="0">
-                  <a:effectLst>
-                    <a:outerShdw blurRad="38100" dist="19050" dir="2700000" algn="tl">
-                      <a:schemeClr val="dk1">
-                        <a:alpha val="40000"/>
-                      </a:schemeClr>
-                    </a:outerShdw>
-                  </a:effectLst>
-                </a:rPr>
+                <a:rPr lang="en-US" sz="3500" b="1" dirty="0"/>
                 <a:t>Building high accuracy DNN models which are sufficiently resistant to adversarial attacks</a:t>
               </a:r>
-              <a:endParaRPr lang="en-US" sz="3500" b="1" dirty="0"/>
             </a:p>
           </p:txBody>
         </p:sp>
@@ -6694,10 +4071,10 @@
         </p:nvGrpSpPr>
         <p:grpSpPr>
           <a:xfrm>
-            <a:off x="24560654" y="34412245"/>
-            <a:ext cx="7200000" cy="4750261"/>
+            <a:off x="10801856" y="38128967"/>
+            <a:ext cx="10800000" cy="2817303"/>
             <a:chOff x="0" y="1"/>
-            <a:chExt cx="2936623" cy="1339807"/>
+            <a:chExt cx="2936623" cy="794618"/>
           </a:xfrm>
         </p:grpSpPr>
         <p:sp>
@@ -6715,7 +4092,7 @@
           <p:spPr>
             <a:xfrm>
               <a:off x="5854" y="242463"/>
-              <a:ext cx="2930769" cy="1097345"/>
+              <a:ext cx="2930769" cy="552156"/>
             </a:xfrm>
             <a:prstGeom prst="rect">
               <a:avLst/>
@@ -6737,46 +4114,39 @@
             <a:lstStyle/>
             <a:p>
               <a:pPr marL="457200" lvl="0" indent="-457200">
-                <a:buFont typeface="Arial" panose="020B0604020202020204" pitchFamily="34" charset="0"/>
-                <a:buChar char="•"/>
+                <a:buFont typeface="Wingdings" panose="05000000000000000000" pitchFamily="2" charset="2"/>
+                <a:buChar char="ü"/>
               </a:pPr>
               <a:r>
-                <a:rPr lang="en-US" sz="3000" dirty="0"/>
+                <a:rPr lang="en-US" sz="3500" dirty="0"/>
                 <a:t>improve accuracy on AES-ECB model</a:t>
               </a:r>
             </a:p>
             <a:p>
               <a:pPr marL="457200" lvl="0" indent="-457200">
-                <a:buFont typeface="Arial" panose="020B0604020202020204" pitchFamily="34" charset="0"/>
-                <a:buChar char="•"/>
+                <a:buFont typeface="Wingdings" panose="05000000000000000000" pitchFamily="2" charset="2"/>
+                <a:buChar char="ü"/>
               </a:pPr>
               <a:r>
-                <a:rPr lang="en-US" sz="3000" dirty="0"/>
+                <a:rPr lang="en-US" sz="3500" dirty="0"/>
                 <a:t>Nicholas </a:t>
               </a:r>
               <a:r>
-                <a:rPr lang="en-US" sz="3000" dirty="0" err="1"/>
+                <a:rPr lang="en-US" sz="3500" dirty="0" err="1"/>
                 <a:t>Carlini</a:t>
               </a:r>
               <a:r>
-                <a:rPr lang="en-US" sz="3000" dirty="0"/>
-                <a:t> (the ‘C’ in CW attack) believes we still might defeat these defenses</a:t>
-              </a:r>
-            </a:p>
-            <a:p>
-              <a:pPr lvl="0"/>
-              <a:r>
-                <a:rPr lang="en-US" sz="3000" dirty="0"/>
-                <a:t>	(we contacted him)</a:t>
+                <a:rPr lang="en-US" sz="3500" dirty="0"/>
+                <a:t> (the ‘C’ in CW attack) believes we still might defeat these defenses, 	(we contacted him)</a:t>
               </a:r>
             </a:p>
             <a:p>
               <a:pPr marL="457200" lvl="0" indent="-457200">
-                <a:buFont typeface="Arial" panose="020B0604020202020204" pitchFamily="34" charset="0"/>
-                <a:buChar char="•"/>
+                <a:buFont typeface="Wingdings" panose="05000000000000000000" pitchFamily="2" charset="2"/>
+                <a:buChar char="ü"/>
               </a:pPr>
               <a:r>
-                <a:rPr lang="en-US" sz="3000" dirty="0"/>
+                <a:rPr lang="en-US" sz="3500" dirty="0"/>
                 <a:t>Test on more complicated datasets; i.e. cifar-10</a:t>
               </a:r>
             </a:p>
@@ -7130,7 +4500,7 @@
           <p:nvPr/>
         </p:nvPicPr>
         <p:blipFill>
-          <a:blip r:embed="rId3">
+          <a:blip r:embed="rId7">
             <a:extLst>
               <a:ext uri="{28A0092B-C50C-407E-A947-70E740481C1C}">
                 <a14:useLocalDpi xmlns:a14="http://schemas.microsoft.com/office/drawing/2010/main" val="0"/>
@@ -7165,8 +4535,8 @@
         </p:nvGrpSpPr>
         <p:grpSpPr>
           <a:xfrm>
-            <a:off x="508259" y="14973087"/>
-            <a:ext cx="7200000" cy="1921353"/>
+            <a:off x="478505" y="18361027"/>
+            <a:ext cx="13680000" cy="1921353"/>
             <a:chOff x="0" y="1"/>
             <a:chExt cx="2936623" cy="541916"/>
           </a:xfrm>
@@ -7212,18 +4582,18 @@
                 <a:buChar char="ü"/>
               </a:pPr>
               <a:r>
-                <a:rPr lang="en-US" sz="3000" dirty="0" err="1"/>
+                <a:rPr lang="en-US" sz="3500" dirty="0" err="1"/>
                 <a:t>Mnist</a:t>
               </a:r>
               <a:r>
-                <a:rPr lang="en-US" sz="3000" dirty="0"/>
+                <a:rPr lang="en-US" sz="3500" dirty="0"/>
                 <a:t> and fashion-</a:t>
               </a:r>
               <a:r>
-                <a:rPr lang="en-US" sz="3000" dirty="0" err="1"/>
+                <a:rPr lang="en-US" sz="3500" dirty="0" err="1"/>
                 <a:t>mnist</a:t>
               </a:r>
-              <a:endParaRPr lang="en-US" sz="3000" dirty="0"/>
+              <a:endParaRPr lang="en-US" sz="3500" dirty="0"/>
             </a:p>
             <a:p>
               <a:pPr marL="457200" indent="-457200">
@@ -7231,7 +4601,7 @@
                 <a:buChar char="ü"/>
               </a:pPr>
               <a:r>
-                <a:rPr lang="en-US" sz="3000" dirty="0"/>
+                <a:rPr lang="en-US" sz="3500" dirty="0"/>
                 <a:t>Using well-known neural nets</a:t>
               </a:r>
             </a:p>
@@ -7320,10 +4690,10 @@
         </p:nvGrpSpPr>
         <p:grpSpPr>
           <a:xfrm>
-            <a:off x="522612" y="27866587"/>
-            <a:ext cx="7200000" cy="3798150"/>
+            <a:off x="18293866" y="18118036"/>
+            <a:ext cx="13680000" cy="2502021"/>
             <a:chOff x="0" y="1"/>
-            <a:chExt cx="2936623" cy="1071265"/>
+            <a:chExt cx="2936623" cy="705693"/>
           </a:xfrm>
         </p:grpSpPr>
         <p:sp>
@@ -7341,7 +4711,7 @@
           <p:spPr>
             <a:xfrm>
               <a:off x="5854" y="242463"/>
-              <a:ext cx="2930769" cy="828803"/>
+              <a:ext cx="2930769" cy="463231"/>
             </a:xfrm>
             <a:prstGeom prst="rect">
               <a:avLst/>
@@ -7364,14 +4734,14 @@
             <a:p>
               <a:pPr lvl="0"/>
               <a:r>
-                <a:rPr lang="en-US" sz="3000" dirty="0"/>
-                <a:t>There’s a slight tradeoff between accuracy on the original images and the accuracy on the adversarial images, but overall, there is a way of securing models.</a:t>
+                <a:rPr lang="en-US" sz="3500" dirty="0"/>
+                <a:t>There’s a slight tradeoff between accuracy on the original images and the accuracy on the adversarial images, but overall, accuracies are good.</a:t>
               </a:r>
             </a:p>
             <a:p>
               <a:pPr lvl="0"/>
               <a:r>
-                <a:rPr lang="en-US" sz="3000" dirty="0"/>
+                <a:rPr lang="en-US" sz="3500" dirty="0"/>
                 <a:t>See table 1 for the detailed results.</a:t>
               </a:r>
             </a:p>
@@ -7461,7 +4831,7 @@
           <p:nvPr/>
         </p:nvPicPr>
         <p:blipFill rotWithShape="1">
-          <a:blip r:embed="rId4" cstate="print">
+          <a:blip r:embed="rId8" cstate="print">
             <a:extLst>
               <a:ext uri="{28A0092B-C50C-407E-A947-70E740481C1C}">
                 <a14:useLocalDpi xmlns:a14="http://schemas.microsoft.com/office/drawing/2010/main" val="0"/>
@@ -7496,7 +4866,7 @@
           <p:nvPr/>
         </p:nvPicPr>
         <p:blipFill>
-          <a:blip r:embed="rId5">
+          <a:blip r:embed="rId9">
             <a:extLst>
               <a:ext uri="{28A0092B-C50C-407E-A947-70E740481C1C}">
                 <a14:useLocalDpi xmlns:a14="http://schemas.microsoft.com/office/drawing/2010/main" val="0"/>
@@ -7532,7 +4902,7 @@
           <p:nvPr/>
         </p:nvPicPr>
         <p:blipFill>
-          <a:blip r:embed="rId6">
+          <a:blip r:embed="rId10">
             <a:extLst>
               <a:ext uri="{28A0092B-C50C-407E-A947-70E740481C1C}">
                 <a14:useLocalDpi xmlns:a14="http://schemas.microsoft.com/office/drawing/2010/main" val="0"/>
@@ -7568,7 +4938,7 @@
           <p:nvPr/>
         </p:nvPicPr>
         <p:blipFill>
-          <a:blip r:embed="rId7">
+          <a:blip r:embed="rId11">
             <a:extLst>
               <a:ext uri="{28A0092B-C50C-407E-A947-70E740481C1C}">
                 <a14:useLocalDpi xmlns:a14="http://schemas.microsoft.com/office/drawing/2010/main" val="0"/>
@@ -7636,10 +5006,10 @@
       </p:sp>
       <p:grpSp>
         <p:nvGrpSpPr>
-          <p:cNvPr id="34" name="Group 33">
+          <p:cNvPr id="37" name="Group 36">
             <a:extLst>
               <a:ext uri="{FF2B5EF4-FFF2-40B4-BE49-F238E27FC236}">
-                <a16:creationId xmlns:a16="http://schemas.microsoft.com/office/drawing/2014/main" id="{EAAE9E83-C00C-4683-A515-2F1D877519A9}"/>
+                <a16:creationId xmlns:a16="http://schemas.microsoft.com/office/drawing/2014/main" id="{B3F72870-8CB5-4FAC-98A8-956E0DD27AB8}"/>
               </a:ext>
             </a:extLst>
           </p:cNvPr>
@@ -7648,267 +5018,246 @@
         </p:nvGrpSpPr>
         <p:grpSpPr>
           <a:xfrm>
-            <a:off x="6817714" y="9735468"/>
-            <a:ext cx="18725226" cy="4077134"/>
-            <a:chOff x="4606761" y="10105499"/>
-            <a:chExt cx="18725226" cy="4077134"/>
+            <a:off x="507601" y="9313658"/>
+            <a:ext cx="13680000" cy="4705857"/>
+            <a:chOff x="0" y="1"/>
+            <a:chExt cx="2936623" cy="1327283"/>
           </a:xfrm>
         </p:grpSpPr>
-        <p:grpSp>
-          <p:nvGrpSpPr>
-            <p:cNvPr id="35" name="Group 34">
+        <p:sp>
+          <p:nvSpPr>
+            <p:cNvPr id="42" name="תיבת טקסט 18">
               <a:extLst>
                 <a:ext uri="{FF2B5EF4-FFF2-40B4-BE49-F238E27FC236}">
-                  <a16:creationId xmlns:a16="http://schemas.microsoft.com/office/drawing/2014/main" id="{09F0C379-63F2-4290-8C6C-3F483C9BB49C}"/>
+                  <a16:creationId xmlns:a16="http://schemas.microsoft.com/office/drawing/2014/main" id="{B1E00C83-719F-4AD1-B51E-D29AE9D370DD}"/>
                 </a:ext>
               </a:extLst>
             </p:cNvPr>
-            <p:cNvGrpSpPr/>
+            <p:cNvSpPr txBox="1"/>
             <p:nvPr/>
-          </p:nvGrpSpPr>
-          <p:grpSpPr>
+          </p:nvSpPr>
+          <p:spPr>
             <a:xfrm>
-              <a:off x="4606761" y="10105499"/>
-              <a:ext cx="18725226" cy="4077133"/>
-              <a:chOff x="4606761" y="10105499"/>
-              <a:chExt cx="18725226" cy="4077133"/>
+              <a:off x="5854" y="242463"/>
+              <a:ext cx="2930769" cy="1084821"/>
             </a:xfrm>
-          </p:grpSpPr>
-          <p:grpSp>
-            <p:nvGrpSpPr>
-              <p:cNvPr id="37" name="Group 36">
-                <a:extLst>
-                  <a:ext uri="{FF2B5EF4-FFF2-40B4-BE49-F238E27FC236}">
-                    <a16:creationId xmlns:a16="http://schemas.microsoft.com/office/drawing/2014/main" id="{B3F72870-8CB5-4FAC-98A8-956E0DD27AB8}"/>
-                  </a:ext>
-                </a:extLst>
-              </p:cNvPr>
-              <p:cNvGrpSpPr/>
-              <p:nvPr/>
-            </p:nvGrpSpPr>
-            <p:grpSpPr>
-              <a:xfrm>
-                <a:off x="4606761" y="10105499"/>
-                <a:ext cx="9535641" cy="4077133"/>
-                <a:chOff x="0" y="1"/>
-                <a:chExt cx="2936623" cy="1149952"/>
-              </a:xfrm>
-            </p:grpSpPr>
-            <p:sp>
-              <p:nvSpPr>
-                <p:cNvPr id="42" name="תיבת טקסט 18">
-                  <a:extLst>
-                    <a:ext uri="{FF2B5EF4-FFF2-40B4-BE49-F238E27FC236}">
-                      <a16:creationId xmlns:a16="http://schemas.microsoft.com/office/drawing/2014/main" id="{B1E00C83-719F-4AD1-B51E-D29AE9D370DD}"/>
-                    </a:ext>
-                  </a:extLst>
-                </p:cNvPr>
-                <p:cNvSpPr txBox="1"/>
-                <p:nvPr/>
-              </p:nvSpPr>
-              <p:spPr>
-                <a:xfrm>
-                  <a:off x="5854" y="242463"/>
-                  <a:ext cx="2930769" cy="907490"/>
-                </a:xfrm>
-                <a:prstGeom prst="rect">
-                  <a:avLst/>
-                </a:prstGeom>
-                <a:noFill/>
-                <a:ln w="25400" cap="flat" cmpd="sng" algn="ctr">
-                  <a:noFill/>
-                  <a:prstDash val="solid"/>
-                </a:ln>
+            <a:prstGeom prst="rect">
+              <a:avLst/>
+            </a:prstGeom>
+            <a:noFill/>
+            <a:ln w="25400" cap="flat" cmpd="sng" algn="ctr">
+              <a:noFill/>
+              <a:prstDash val="solid"/>
+            </a:ln>
+            <a:effectLst/>
+          </p:spPr>
+          <p:txBody>
+            <a:bodyPr rot="0" spcFirstLastPara="0" vert="horz" wrap="square" lIns="91440" tIns="45720" rIns="91440" bIns="45720" numCol="1" spcCol="0" rtlCol="1" fromWordArt="0" anchor="t" anchorCtr="0" forceAA="0" compatLnSpc="1">
+              <a:prstTxWarp prst="textNoShape">
+                <a:avLst/>
+              </a:prstTxWarp>
+              <a:noAutofit/>
+            </a:bodyPr>
+            <a:lstStyle/>
+            <a:p>
+              <a:pPr marL="457200" indent="-457200">
+                <a:buFont typeface="Wingdings" pitchFamily="2" charset="2"/>
+                <a:buChar char="ü"/>
+              </a:pPr>
+              <a:r>
+                <a:rPr lang="en-US" sz="3500" dirty="0"/>
+                <a:t>An adversarial example is an instance with small, intentional feature perturbations that cause a machine learning model to make a false prediction.</a:t>
+              </a:r>
+            </a:p>
+            <a:p>
+              <a:pPr marL="457200" indent="-457200">
+                <a:buFont typeface="Wingdings" pitchFamily="2" charset="2"/>
+                <a:buChar char="ü"/>
+              </a:pPr>
+              <a:r>
+                <a:rPr lang="en-US" sz="3500" dirty="0"/>
+                <a:t>The goal is to Find a way to train ‘secured’ models such that this sort of attacks should not affect them.</a:t>
+              </a:r>
+            </a:p>
+            <a:p>
+              <a:pPr marL="457200" indent="-457200">
+                <a:buFont typeface="Wingdings" pitchFamily="2" charset="2"/>
+                <a:buChar char="ü"/>
+              </a:pPr>
+              <a:r>
+                <a:rPr lang="en-US" sz="3500" dirty="0"/>
+                <a:t>Project based on the article </a:t>
+              </a:r>
+              <a:r>
+                <a:rPr lang="en-US" sz="3500" u="sng" dirty="0">
+                  <a:solidFill>
+                    <a:srgbClr val="0563C1"/>
+                  </a:solidFill>
+                  <a:latin typeface="Calibri" panose="020F0502020204030204" pitchFamily="34" charset="0"/>
+                  <a:ea typeface="Calibri" panose="020F0502020204030204" pitchFamily="34" charset="0"/>
+                  <a:cs typeface="Arial" panose="020B0604020202020204" pitchFamily="34" charset="0"/>
+                  <a:hlinkClick r:id="rId12"/>
+                </a:rPr>
+                <a:t>Bridging machine learning and cryptography in </a:t>
+              </a:r>
+              <a:r>
+                <a:rPr lang="en-US" sz="3500" u="sng" dirty="0" err="1">
+                  <a:solidFill>
+                    <a:srgbClr val="0563C1"/>
+                  </a:solidFill>
+                  <a:latin typeface="Calibri" panose="020F0502020204030204" pitchFamily="34" charset="0"/>
+                  <a:ea typeface="Calibri" panose="020F0502020204030204" pitchFamily="34" charset="0"/>
+                  <a:cs typeface="Arial" panose="020B0604020202020204" pitchFamily="34" charset="0"/>
+                  <a:hlinkClick r:id="rId12"/>
+                </a:rPr>
+                <a:t>defence</a:t>
+              </a:r>
+              <a:r>
+                <a:rPr lang="en-US" sz="3500" u="sng" dirty="0">
+                  <a:solidFill>
+                    <a:srgbClr val="0563C1"/>
+                  </a:solidFill>
+                  <a:latin typeface="Calibri" panose="020F0502020204030204" pitchFamily="34" charset="0"/>
+                  <a:ea typeface="Calibri" panose="020F0502020204030204" pitchFamily="34" charset="0"/>
+                  <a:cs typeface="Arial" panose="020B0604020202020204" pitchFamily="34" charset="0"/>
+                  <a:hlinkClick r:id="rId12"/>
+                </a:rPr>
+                <a:t> against adversarial attacks</a:t>
+              </a:r>
+              <a:endParaRPr lang="en-US" sz="3500" dirty="0"/>
+            </a:p>
+          </p:txBody>
+        </p:sp>
+        <p:sp>
+          <p:nvSpPr>
+            <p:cNvPr id="43" name="Text Box 24">
+              <a:extLst>
+                <a:ext uri="{FF2B5EF4-FFF2-40B4-BE49-F238E27FC236}">
+                  <a16:creationId xmlns:a16="http://schemas.microsoft.com/office/drawing/2014/main" id="{0ECAC82C-BCA7-4C67-8209-EE4E98F3C078}"/>
+                </a:ext>
+              </a:extLst>
+            </p:cNvPr>
+            <p:cNvSpPr txBox="1"/>
+            <p:nvPr/>
+          </p:nvSpPr>
+          <p:spPr>
+            <a:xfrm>
+              <a:off x="0" y="1"/>
+              <a:ext cx="2934970" cy="237739"/>
+            </a:xfrm>
+            <a:prstGeom prst="rect">
+              <a:avLst/>
+            </a:prstGeom>
+            <a:solidFill>
+              <a:srgbClr val="FF8000"/>
+            </a:solidFill>
+            <a:ln w="6350">
+              <a:noFill/>
+            </a:ln>
+          </p:spPr>
+          <p:txBody>
+            <a:bodyPr rot="0" spcFirstLastPara="0" vert="horz" wrap="square" lIns="91440" tIns="45720" rIns="91440" bIns="45720" numCol="1" spcCol="0" rtlCol="0" fromWordArt="0" anchor="t" anchorCtr="0" forceAA="0" compatLnSpc="1">
+              <a:prstTxWarp prst="textNoShape">
+                <a:avLst/>
+              </a:prstTxWarp>
+              <a:noAutofit/>
+            </a:bodyPr>
+            <a:lstStyle/>
+            <a:p>
+              <a:pPr marR="0" lvl="0" rtl="0">
+                <a:lnSpc>
+                  <a:spcPct val="115000"/>
+                </a:lnSpc>
+                <a:spcBef>
+                  <a:spcPts val="0"/>
+                </a:spcBef>
+                <a:spcAft>
+                  <a:spcPts val="1000"/>
+                </a:spcAft>
+              </a:pPr>
+              <a:r>
+                <a:rPr lang="en-US" sz="4000" b="1" kern="0" dirty="0">
+                  <a:solidFill>
+                    <a:srgbClr val="FFFFFF"/>
+                  </a:solidFill>
+                  <a:latin typeface="Calibri" panose="020F0502020204030204" pitchFamily="34" charset="0"/>
+                  <a:cs typeface="Arial" panose="020B0604020202020204" pitchFamily="34" charset="0"/>
+                </a:rPr>
+                <a:t>Background and Goal</a:t>
+              </a:r>
+              <a:endParaRPr lang="en-US" sz="4000" b="1" kern="0" dirty="0">
+                <a:solidFill>
+                  <a:srgbClr val="FFFFFF"/>
+                </a:solidFill>
                 <a:effectLst/>
-              </p:spPr>
-              <p:txBody>
-                <a:bodyPr rot="0" spcFirstLastPara="0" vert="horz" wrap="square" lIns="91440" tIns="45720" rIns="91440" bIns="45720" numCol="1" spcCol="0" rtlCol="1" fromWordArt="0" anchor="t" anchorCtr="0" forceAA="0" compatLnSpc="1">
-                  <a:prstTxWarp prst="textNoShape">
-                    <a:avLst/>
-                  </a:prstTxWarp>
-                  <a:noAutofit/>
-                </a:bodyPr>
-                <a:lstStyle/>
-                <a:p>
-                  <a:pPr marL="457200" indent="-457200">
-                    <a:buFont typeface="Wingdings" pitchFamily="2" charset="2"/>
-                    <a:buChar char="ü"/>
-                  </a:pPr>
-                  <a:r>
-                    <a:rPr lang="en-US" sz="3000" dirty="0"/>
-                    <a:t>An adversarial example is an instance with small, intentional feature perturbations that cause a machine learning model to make a false prediction.</a:t>
-                  </a:r>
-                </a:p>
-                <a:p>
-                  <a:pPr marL="457200" indent="-457200">
-                    <a:buFont typeface="Wingdings" pitchFamily="2" charset="2"/>
-                    <a:buChar char="ü"/>
-                  </a:pPr>
-                  <a:r>
-                    <a:rPr lang="en-US" sz="3000" dirty="0"/>
-                    <a:t>The goal is to Find a way to train ‘secured’ models such that this sort of attacks should not affect them.</a:t>
-                  </a:r>
-                </a:p>
-                <a:p>
-                  <a:pPr marL="457200" indent="-457200">
-                    <a:buFont typeface="Wingdings" pitchFamily="2" charset="2"/>
-                    <a:buChar char="ü"/>
-                  </a:pPr>
-                  <a:r>
-                    <a:rPr lang="en-US" sz="3000" dirty="0"/>
-                    <a:t>Project based on the article </a:t>
-                  </a:r>
-                  <a:r>
-                    <a:rPr lang="en-US" sz="3000" u="sng" dirty="0">
-                      <a:solidFill>
-                        <a:srgbClr val="0563C1"/>
-                      </a:solidFill>
-                      <a:latin typeface="Calibri" panose="020F0502020204030204" pitchFamily="34" charset="0"/>
-                      <a:ea typeface="Calibri" panose="020F0502020204030204" pitchFamily="34" charset="0"/>
-                      <a:cs typeface="Arial" panose="020B0604020202020204" pitchFamily="34" charset="0"/>
-                      <a:hlinkClick r:id="rId8"/>
-                    </a:rPr>
-                    <a:t>Bridging machine learning and cryptography in </a:t>
-                  </a:r>
-                  <a:r>
-                    <a:rPr lang="en-US" sz="3000" u="sng" dirty="0" err="1">
-                      <a:solidFill>
-                        <a:srgbClr val="0563C1"/>
-                      </a:solidFill>
-                      <a:latin typeface="Calibri" panose="020F0502020204030204" pitchFamily="34" charset="0"/>
-                      <a:ea typeface="Calibri" panose="020F0502020204030204" pitchFamily="34" charset="0"/>
-                      <a:cs typeface="Arial" panose="020B0604020202020204" pitchFamily="34" charset="0"/>
-                      <a:hlinkClick r:id="rId8"/>
-                    </a:rPr>
-                    <a:t>defence</a:t>
-                  </a:r>
-                  <a:r>
-                    <a:rPr lang="en-US" sz="3000" u="sng" dirty="0">
-                      <a:solidFill>
-                        <a:srgbClr val="0563C1"/>
-                      </a:solidFill>
-                      <a:latin typeface="Calibri" panose="020F0502020204030204" pitchFamily="34" charset="0"/>
-                      <a:ea typeface="Calibri" panose="020F0502020204030204" pitchFamily="34" charset="0"/>
-                      <a:cs typeface="Arial" panose="020B0604020202020204" pitchFamily="34" charset="0"/>
-                      <a:hlinkClick r:id="rId8"/>
-                    </a:rPr>
-                    <a:t> against adversarial attacks</a:t>
-                  </a:r>
-                  <a:endParaRPr lang="en-US" sz="3000" dirty="0"/>
-                </a:p>
-              </p:txBody>
-            </p:sp>
-            <p:sp>
-              <p:nvSpPr>
-                <p:cNvPr id="43" name="Text Box 24">
-                  <a:extLst>
-                    <a:ext uri="{FF2B5EF4-FFF2-40B4-BE49-F238E27FC236}">
-                      <a16:creationId xmlns:a16="http://schemas.microsoft.com/office/drawing/2014/main" id="{0ECAC82C-BCA7-4C67-8209-EE4E98F3C078}"/>
-                    </a:ext>
-                  </a:extLst>
-                </p:cNvPr>
-                <p:cNvSpPr txBox="1"/>
-                <p:nvPr/>
-              </p:nvSpPr>
-              <p:spPr>
-                <a:xfrm>
-                  <a:off x="0" y="1"/>
-                  <a:ext cx="2934970" cy="237739"/>
-                </a:xfrm>
-                <a:prstGeom prst="rect">
-                  <a:avLst/>
-                </a:prstGeom>
-                <a:solidFill>
-                  <a:srgbClr val="FF8000"/>
-                </a:solidFill>
-                <a:ln w="6350">
-                  <a:noFill/>
-                </a:ln>
-              </p:spPr>
-              <p:txBody>
-                <a:bodyPr rot="0" spcFirstLastPara="0" vert="horz" wrap="square" lIns="91440" tIns="45720" rIns="91440" bIns="45720" numCol="1" spcCol="0" rtlCol="0" fromWordArt="0" anchor="t" anchorCtr="0" forceAA="0" compatLnSpc="1">
-                  <a:prstTxWarp prst="textNoShape">
-                    <a:avLst/>
-                  </a:prstTxWarp>
-                  <a:noAutofit/>
-                </a:bodyPr>
-                <a:lstStyle/>
-                <a:p>
-                  <a:pPr marR="0" lvl="0" rtl="0">
-                    <a:lnSpc>
-                      <a:spcPct val="115000"/>
-                    </a:lnSpc>
-                    <a:spcBef>
-                      <a:spcPts val="0"/>
-                    </a:spcBef>
-                    <a:spcAft>
-                      <a:spcPts val="1000"/>
-                    </a:spcAft>
-                  </a:pPr>
-                  <a:r>
-                    <a:rPr lang="en-US" sz="4000" b="1" kern="0" dirty="0">
-                      <a:solidFill>
-                        <a:srgbClr val="FFFFFF"/>
-                      </a:solidFill>
-                      <a:latin typeface="Calibri" panose="020F0502020204030204" pitchFamily="34" charset="0"/>
-                      <a:cs typeface="Arial" panose="020B0604020202020204" pitchFamily="34" charset="0"/>
-                    </a:rPr>
-                    <a:t>Background and Goal</a:t>
-                  </a:r>
-                  <a:endParaRPr lang="en-US" sz="4000" b="1" kern="0" dirty="0">
-                    <a:solidFill>
-                      <a:srgbClr val="FFFFFF"/>
-                    </a:solidFill>
-                    <a:effectLst/>
-                    <a:latin typeface="Calibri" panose="020F0502020204030204" pitchFamily="34" charset="0"/>
-                    <a:cs typeface="Arial" panose="020B0604020202020204" pitchFamily="34" charset="0"/>
-                  </a:endParaRPr>
-                </a:p>
-              </p:txBody>
-            </p:sp>
-          </p:grpSp>
-          <p:pic>
-            <p:nvPicPr>
-              <p:cNvPr id="38" name="Picture 37" descr="A picture containing animal, mammal&#10;&#10;Description automatically generated">
-                <a:extLst>
-                  <a:ext uri="{FF2B5EF4-FFF2-40B4-BE49-F238E27FC236}">
-                    <a16:creationId xmlns:a16="http://schemas.microsoft.com/office/drawing/2014/main" id="{FCA315CC-D12F-4979-BB29-E36310FBF040}"/>
-                  </a:ext>
-                </a:extLst>
-              </p:cNvPr>
-              <p:cNvPicPr>
-                <a:picLocks noChangeAspect="1"/>
-              </p:cNvPicPr>
-              <p:nvPr/>
-            </p:nvPicPr>
-            <p:blipFill rotWithShape="1">
-              <a:blip r:embed="rId9">
-                <a:extLst>
-                  <a:ext uri="{28A0092B-C50C-407E-A947-70E740481C1C}">
-                    <a14:useLocalDpi xmlns:a14="http://schemas.microsoft.com/office/drawing/2010/main" val="0"/>
-                  </a:ext>
-                </a:extLst>
-              </a:blip>
-              <a:srcRect l="9347" t="8383" r="9738" b="10816"/>
-              <a:stretch/>
-            </p:blipFill>
-            <p:spPr>
-              <a:xfrm>
-                <a:off x="14593101" y="10257144"/>
-                <a:ext cx="8738886" cy="3464390"/>
-              </a:xfrm>
-              <a:prstGeom prst="rect">
-                <a:avLst/>
-              </a:prstGeom>
-              <a:ln>
-                <a:noFill/>
-              </a:ln>
-              <a:effectLst>
-                <a:softEdge rad="0"/>
-              </a:effectLst>
-            </p:spPr>
-          </p:pic>
-        </p:grpSp>
+                <a:latin typeface="Calibri" panose="020F0502020204030204" pitchFamily="34" charset="0"/>
+                <a:cs typeface="Arial" panose="020B0604020202020204" pitchFamily="34" charset="0"/>
+              </a:endParaRPr>
+            </a:p>
+          </p:txBody>
+        </p:sp>
+      </p:grpSp>
+      <p:grpSp>
+        <p:nvGrpSpPr>
+          <p:cNvPr id="2" name="Group 1">
+            <a:extLst>
+              <a:ext uri="{FF2B5EF4-FFF2-40B4-BE49-F238E27FC236}">
+                <a16:creationId xmlns:a16="http://schemas.microsoft.com/office/drawing/2014/main" id="{CED7DE05-2EEE-4E41-A4A0-33A37DC1C761}"/>
+              </a:ext>
+            </a:extLst>
+          </p:cNvPr>
+          <p:cNvGrpSpPr/>
+          <p:nvPr/>
+        </p:nvGrpSpPr>
+        <p:grpSpPr>
+          <a:xfrm>
+            <a:off x="2430560" y="13993454"/>
+            <a:ext cx="8738886" cy="3925489"/>
+            <a:chOff x="10468898" y="9534868"/>
+            <a:chExt cx="8738886" cy="3925489"/>
+          </a:xfrm>
+        </p:grpSpPr>
+        <p:pic>
+          <p:nvPicPr>
+            <p:cNvPr id="38" name="Picture 37" descr="A picture containing animal, mammal&#10;&#10;Description automatically generated">
+              <a:extLst>
+                <a:ext uri="{FF2B5EF4-FFF2-40B4-BE49-F238E27FC236}">
+                  <a16:creationId xmlns:a16="http://schemas.microsoft.com/office/drawing/2014/main" id="{FCA315CC-D12F-4979-BB29-E36310FBF040}"/>
+                </a:ext>
+              </a:extLst>
+            </p:cNvPr>
+            <p:cNvPicPr>
+              <a:picLocks noChangeAspect="1"/>
+            </p:cNvPicPr>
+            <p:nvPr/>
+          </p:nvPicPr>
+          <p:blipFill rotWithShape="1">
+            <a:blip r:embed="rId13">
+              <a:extLst>
+                <a:ext uri="{28A0092B-C50C-407E-A947-70E740481C1C}">
+                  <a14:useLocalDpi xmlns:a14="http://schemas.microsoft.com/office/drawing/2010/main" val="0"/>
+                </a:ext>
+              </a:extLst>
+            </a:blip>
+            <a:srcRect l="9347" t="8383" r="9738" b="10816"/>
+            <a:stretch/>
+          </p:blipFill>
+          <p:spPr>
+            <a:xfrm>
+              <a:off x="10468898" y="9534868"/>
+              <a:ext cx="8738886" cy="3464390"/>
+            </a:xfrm>
+            <a:prstGeom prst="rect">
+              <a:avLst/>
+            </a:prstGeom>
+            <a:ln>
+              <a:noFill/>
+            </a:ln>
+            <a:effectLst>
+              <a:softEdge rad="0"/>
+            </a:effectLst>
+          </p:spPr>
+        </p:pic>
         <p:sp>
           <p:nvSpPr>
             <p:cNvPr id="36" name="TextBox 35">
@@ -7923,7 +5272,7 @@
           </p:nvSpPr>
           <p:spPr>
             <a:xfrm>
-              <a:off x="14847744" y="13628635"/>
+              <a:off x="10723541" y="12906359"/>
               <a:ext cx="8229600" cy="553998"/>
             </a:xfrm>
             <a:prstGeom prst="rect">
@@ -7957,110 +5306,6 @@
       </p:grpSp>
       <p:grpSp>
         <p:nvGrpSpPr>
-          <p:cNvPr id="67" name="Group 66">
-            <a:extLst>
-              <a:ext uri="{FF2B5EF4-FFF2-40B4-BE49-F238E27FC236}">
-                <a16:creationId xmlns:a16="http://schemas.microsoft.com/office/drawing/2014/main" id="{B058EA77-FB11-4A9B-84FB-10DEB68EB2F0}"/>
-              </a:ext>
-            </a:extLst>
-          </p:cNvPr>
-          <p:cNvGrpSpPr>
-            <a:grpSpLocks noChangeAspect="1"/>
-          </p:cNvGrpSpPr>
-          <p:nvPr/>
-        </p:nvGrpSpPr>
-        <p:grpSpPr>
-          <a:xfrm>
-            <a:off x="8417447" y="15489322"/>
-            <a:ext cx="14823838" cy="5400000"/>
-            <a:chOff x="11002127" y="17994589"/>
-            <a:chExt cx="10759440" cy="3919429"/>
-          </a:xfrm>
-        </p:grpSpPr>
-        <p:pic>
-          <p:nvPicPr>
-            <p:cNvPr id="68" name="Picture 67">
-              <a:extLst>
-                <a:ext uri="{FF2B5EF4-FFF2-40B4-BE49-F238E27FC236}">
-                  <a16:creationId xmlns:a16="http://schemas.microsoft.com/office/drawing/2014/main" id="{183F4D8F-C0FC-4880-B20B-91ED8A9D00B8}"/>
-                </a:ext>
-              </a:extLst>
-            </p:cNvPr>
-            <p:cNvPicPr>
-              <a:picLocks noChangeAspect="1"/>
-            </p:cNvPicPr>
-            <p:nvPr/>
-          </p:nvPicPr>
-          <p:blipFill>
-            <a:blip r:embed="rId10">
-              <a:extLst>
-                <a:ext uri="{28A0092B-C50C-407E-A947-70E740481C1C}">
-                  <a14:useLocalDpi xmlns:a14="http://schemas.microsoft.com/office/drawing/2010/main" val="0"/>
-                </a:ext>
-              </a:extLst>
-            </a:blip>
-            <a:stretch>
-              <a:fillRect/>
-            </a:stretch>
-          </p:blipFill>
-          <p:spPr>
-            <a:xfrm>
-              <a:off x="11002127" y="17994589"/>
-              <a:ext cx="10759440" cy="3642360"/>
-            </a:xfrm>
-            <a:prstGeom prst="rect">
-              <a:avLst/>
-            </a:prstGeom>
-          </p:spPr>
-        </p:pic>
-        <p:sp>
-          <p:nvSpPr>
-            <p:cNvPr id="69" name="TextBox 68">
-              <a:extLst>
-                <a:ext uri="{FF2B5EF4-FFF2-40B4-BE49-F238E27FC236}">
-                  <a16:creationId xmlns:a16="http://schemas.microsoft.com/office/drawing/2014/main" id="{7FCFA7D3-F8A1-43D0-94A1-382EABC6FA7B}"/>
-                </a:ext>
-              </a:extLst>
-            </p:cNvPr>
-            <p:cNvSpPr txBox="1"/>
-            <p:nvPr/>
-          </p:nvSpPr>
-          <p:spPr>
-            <a:xfrm>
-              <a:off x="12267724" y="21470995"/>
-              <a:ext cx="8229600" cy="443023"/>
-            </a:xfrm>
-            <a:prstGeom prst="rect">
-              <a:avLst/>
-            </a:prstGeom>
-            <a:noFill/>
-          </p:spPr>
-          <p:txBody>
-            <a:bodyPr wrap="square" rtlCol="0">
-              <a:spAutoFit/>
-            </a:bodyPr>
-            <a:lstStyle/>
-            <a:p>
-              <a:pPr algn="ctr"/>
-              <a:r>
-                <a:rPr lang="en-US" sz="3000" b="1" dirty="0">
-                  <a:solidFill>
-                    <a:srgbClr val="4A929C"/>
-                  </a:solidFill>
-                </a:rPr>
-                <a:t>Figure 2:</a:t>
-              </a:r>
-              <a:r>
-                <a:rPr lang="en-US" sz="3000" dirty="0"/>
-                <a:t> architecture for securing models</a:t>
-              </a:r>
-              <a:endParaRPr lang="en-US" sz="3000" b="1" dirty="0"/>
-            </a:p>
-          </p:txBody>
-        </p:sp>
-      </p:grpSp>
-      <p:grpSp>
-        <p:nvGrpSpPr>
           <p:cNvPr id="70" name="Group 69"/>
           <p:cNvGrpSpPr>
             <a:grpSpLocks noChangeAspect="1"/>
@@ -8069,10 +5314,10 @@
         </p:nvGrpSpPr>
         <p:grpSpPr>
           <a:xfrm>
-            <a:off x="7959274" y="21790970"/>
-            <a:ext cx="16777426" cy="7200000"/>
+            <a:off x="1014655" y="32662331"/>
+            <a:ext cx="12600000" cy="4809897"/>
             <a:chOff x="10360762" y="23839323"/>
-            <a:chExt cx="11775842" cy="5053580"/>
+            <a:chExt cx="11775842" cy="4495285"/>
           </a:xfrm>
         </p:grpSpPr>
         <p:grpSp>
@@ -8084,9 +5329,9 @@
           <p:grpSpPr>
             <a:xfrm>
               <a:off x="10360762" y="23839323"/>
-              <a:ext cx="11775842" cy="5053580"/>
+              <a:ext cx="11775842" cy="4495285"/>
               <a:chOff x="10360762" y="23839323"/>
-              <a:chExt cx="11775842" cy="5053580"/>
+              <a:chExt cx="11775842" cy="4495285"/>
             </a:xfrm>
           </p:grpSpPr>
           <p:grpSp>
@@ -8098,9 +5343,9 @@
             <p:grpSpPr>
               <a:xfrm>
                 <a:off x="10360762" y="23839323"/>
-                <a:ext cx="11775842" cy="5053580"/>
+                <a:ext cx="11775842" cy="4495285"/>
                 <a:chOff x="10360762" y="23839323"/>
-                <a:chExt cx="11775842" cy="5053580"/>
+                <a:chExt cx="11775842" cy="4495285"/>
               </a:xfrm>
             </p:grpSpPr>
             <p:grpSp>
@@ -8118,9 +5363,9 @@
               <p:grpSpPr>
                 <a:xfrm>
                   <a:off x="10360762" y="23895961"/>
-                  <a:ext cx="11775842" cy="4996942"/>
+                  <a:ext cx="11775842" cy="4438647"/>
                   <a:chOff x="10360762" y="23895961"/>
-                  <a:chExt cx="11775842" cy="4996942"/>
+                  <a:chExt cx="11775842" cy="4438647"/>
                 </a:xfrm>
               </p:grpSpPr>
               <p:grpSp>
@@ -8160,7 +5405,7 @@
                     <p:nvPr/>
                   </p:nvPicPr>
                   <p:blipFill>
-                    <a:blip r:embed="rId11">
+                    <a:blip r:embed="rId14">
                       <a:extLst>
                         <a:ext uri="{28A0092B-C50C-407E-A947-70E740481C1C}">
                           <a14:useLocalDpi xmlns:a14="http://schemas.microsoft.com/office/drawing/2010/main" val="0"/>
@@ -8196,7 +5441,7 @@
                     <p:nvPr/>
                   </p:nvPicPr>
                   <p:blipFill>
-                    <a:blip r:embed="rId12">
+                    <a:blip r:embed="rId15">
                       <a:extLst>
                         <a:ext uri="{28A0092B-C50C-407E-A947-70E740481C1C}">
                           <a14:useLocalDpi xmlns:a14="http://schemas.microsoft.com/office/drawing/2010/main" val="0"/>
@@ -8232,7 +5477,7 @@
                     <p:nvPr/>
                   </p:nvPicPr>
                   <p:blipFill>
-                    <a:blip r:embed="rId13">
+                    <a:blip r:embed="rId16">
                       <a:extLst>
                         <a:ext uri="{28A0092B-C50C-407E-A947-70E740481C1C}">
                           <a14:useLocalDpi xmlns:a14="http://schemas.microsoft.com/office/drawing/2010/main" val="0"/>
@@ -8268,8 +5513,8 @@
                 </p:nvSpPr>
                 <p:spPr>
                   <a:xfrm>
-                    <a:off x="11447635" y="26953911"/>
-                    <a:ext cx="9504018" cy="1938992"/>
+                    <a:off x="11206598" y="26953911"/>
+                    <a:ext cx="10065260" cy="1380697"/>
                   </a:xfrm>
                   <a:prstGeom prst="rect">
                     <a:avLst/>
@@ -8431,262 +5676,6 @@
       </p:grpSp>
       <p:grpSp>
         <p:nvGrpSpPr>
-          <p:cNvPr id="82" name="Group 81">
-            <a:extLst>
-              <a:ext uri="{FF2B5EF4-FFF2-40B4-BE49-F238E27FC236}">
-                <a16:creationId xmlns:a16="http://schemas.microsoft.com/office/drawing/2014/main" id="{EB0912F7-8B3A-4AAC-AA96-728E3C48058F}"/>
-              </a:ext>
-            </a:extLst>
-          </p:cNvPr>
-          <p:cNvGrpSpPr/>
-          <p:nvPr/>
-        </p:nvGrpSpPr>
-        <p:grpSpPr>
-          <a:xfrm>
-            <a:off x="510970" y="33399821"/>
-            <a:ext cx="8229600" cy="8314887"/>
-            <a:chOff x="12127914" y="29786254"/>
-            <a:chExt cx="8229600" cy="8314887"/>
-          </a:xfrm>
-        </p:grpSpPr>
-        <p:pic>
-          <p:nvPicPr>
-            <p:cNvPr id="83" name="Picture 82" descr="A screenshot of a cell phone&#10;&#10;Description automatically generated">
-              <a:extLst>
-                <a:ext uri="{FF2B5EF4-FFF2-40B4-BE49-F238E27FC236}">
-                  <a16:creationId xmlns:a16="http://schemas.microsoft.com/office/drawing/2014/main" id="{6A2908E3-7247-4725-8E43-49AB065CB409}"/>
-                </a:ext>
-              </a:extLst>
-            </p:cNvPr>
-            <p:cNvPicPr>
-              <a:picLocks noChangeAspect="1"/>
-            </p:cNvPicPr>
-            <p:nvPr/>
-          </p:nvPicPr>
-          <p:blipFill>
-            <a:blip r:embed="rId14">
-              <a:extLst>
-                <a:ext uri="{28A0092B-C50C-407E-A947-70E740481C1C}">
-                  <a14:useLocalDpi xmlns:a14="http://schemas.microsoft.com/office/drawing/2010/main" val="0"/>
-                </a:ext>
-              </a:extLst>
-            </a:blip>
-            <a:stretch>
-              <a:fillRect/>
-            </a:stretch>
-          </p:blipFill>
-          <p:spPr>
-            <a:xfrm>
-              <a:off x="13316628" y="29786254"/>
-              <a:ext cx="5852172" cy="4389129"/>
-            </a:xfrm>
-            <a:prstGeom prst="rect">
-              <a:avLst/>
-            </a:prstGeom>
-          </p:spPr>
-        </p:pic>
-        <p:pic>
-          <p:nvPicPr>
-            <p:cNvPr id="84" name="Picture 83" descr="A screenshot of a cell phone&#10;&#10;Description automatically generated">
-              <a:extLst>
-                <a:ext uri="{FF2B5EF4-FFF2-40B4-BE49-F238E27FC236}">
-                  <a16:creationId xmlns:a16="http://schemas.microsoft.com/office/drawing/2014/main" id="{D990B65E-456D-4494-9154-DB49D9FAD3C5}"/>
-                </a:ext>
-              </a:extLst>
-            </p:cNvPr>
-            <p:cNvPicPr>
-              <a:picLocks noChangeAspect="1"/>
-            </p:cNvPicPr>
-            <p:nvPr/>
-          </p:nvPicPr>
-          <p:blipFill>
-            <a:blip r:embed="rId15">
-              <a:extLst>
-                <a:ext uri="{28A0092B-C50C-407E-A947-70E740481C1C}">
-                  <a14:useLocalDpi xmlns:a14="http://schemas.microsoft.com/office/drawing/2010/main" val="0"/>
-                </a:ext>
-              </a:extLst>
-            </a:blip>
-            <a:stretch>
-              <a:fillRect/>
-            </a:stretch>
-          </p:blipFill>
-          <p:spPr>
-            <a:xfrm>
-              <a:off x="13322080" y="33712012"/>
-              <a:ext cx="5852172" cy="4389129"/>
-            </a:xfrm>
-            <a:prstGeom prst="rect">
-              <a:avLst/>
-            </a:prstGeom>
-          </p:spPr>
-        </p:pic>
-        <p:sp>
-          <p:nvSpPr>
-            <p:cNvPr id="85" name="TextBox 84">
-              <a:extLst>
-                <a:ext uri="{FF2B5EF4-FFF2-40B4-BE49-F238E27FC236}">
-                  <a16:creationId xmlns:a16="http://schemas.microsoft.com/office/drawing/2014/main" id="{0220DA71-9439-428E-ACE0-C0136A19093E}"/>
-                </a:ext>
-              </a:extLst>
-            </p:cNvPr>
-            <p:cNvSpPr txBox="1"/>
-            <p:nvPr/>
-          </p:nvSpPr>
-          <p:spPr>
-            <a:xfrm>
-              <a:off x="12127914" y="37291010"/>
-              <a:ext cx="8229600" cy="553998"/>
-            </a:xfrm>
-            <a:prstGeom prst="rect">
-              <a:avLst/>
-            </a:prstGeom>
-            <a:noFill/>
-          </p:spPr>
-          <p:txBody>
-            <a:bodyPr wrap="square" rtlCol="0">
-              <a:spAutoFit/>
-            </a:bodyPr>
-            <a:lstStyle/>
-            <a:p>
-              <a:pPr algn="ctr"/>
-              <a:r>
-                <a:rPr lang="en-US" sz="3000" b="1" dirty="0">
-                  <a:solidFill>
-                    <a:srgbClr val="4A929C"/>
-                  </a:solidFill>
-                </a:rPr>
-                <a:t>Figure 4:</a:t>
-              </a:r>
-              <a:r>
-                <a:rPr lang="en-US" sz="3000" b="1" dirty="0">
-                  <a:solidFill>
-                    <a:srgbClr val="5F8388"/>
-                  </a:solidFill>
-                </a:rPr>
-                <a:t> </a:t>
-              </a:r>
-              <a:r>
-                <a:rPr lang="en-US" sz="3000" dirty="0"/>
-                <a:t>visualization of a CW and FGSM attack</a:t>
-              </a:r>
-            </a:p>
-          </p:txBody>
-        </p:sp>
-      </p:grpSp>
-      <p:grpSp>
-        <p:nvGrpSpPr>
-          <p:cNvPr id="86" name="Group 85">
-            <a:extLst>
-              <a:ext uri="{FF2B5EF4-FFF2-40B4-BE49-F238E27FC236}">
-                <a16:creationId xmlns:a16="http://schemas.microsoft.com/office/drawing/2014/main" id="{41514877-7A55-49CB-A4FB-A2AE2DEDCE5F}"/>
-              </a:ext>
-            </a:extLst>
-          </p:cNvPr>
-          <p:cNvGrpSpPr>
-            <a:grpSpLocks noChangeAspect="1"/>
-          </p:cNvGrpSpPr>
-          <p:nvPr/>
-        </p:nvGrpSpPr>
-        <p:grpSpPr>
-          <a:xfrm>
-            <a:off x="9240419" y="29496250"/>
-            <a:ext cx="13918450" cy="10800000"/>
-            <a:chOff x="22097789" y="24778545"/>
-            <a:chExt cx="10058400" cy="7805553"/>
-          </a:xfrm>
-        </p:grpSpPr>
-        <p:pic>
-          <p:nvPicPr>
-            <p:cNvPr id="87" name="Picture 86" descr="A screenshot of a cell phone&#10;&#10;Description automatically generated">
-              <a:extLst>
-                <a:ext uri="{FF2B5EF4-FFF2-40B4-BE49-F238E27FC236}">
-                  <a16:creationId xmlns:a16="http://schemas.microsoft.com/office/drawing/2014/main" id="{496D2D3E-80C1-478A-ABCC-63E9EA54D44B}"/>
-                </a:ext>
-              </a:extLst>
-            </p:cNvPr>
-            <p:cNvPicPr>
-              <a:picLocks noChangeAspect="1"/>
-            </p:cNvPicPr>
-            <p:nvPr/>
-          </p:nvPicPr>
-          <p:blipFill>
-            <a:blip r:embed="rId16">
-              <a:extLst>
-                <a:ext uri="{28A0092B-C50C-407E-A947-70E740481C1C}">
-                  <a14:useLocalDpi xmlns:a14="http://schemas.microsoft.com/office/drawing/2010/main" val="0"/>
-                </a:ext>
-              </a:extLst>
-            </a:blip>
-            <a:stretch>
-              <a:fillRect/>
-            </a:stretch>
-          </p:blipFill>
-          <p:spPr>
-            <a:xfrm>
-              <a:off x="22097789" y="24778545"/>
-              <a:ext cx="10058400" cy="7055633"/>
-            </a:xfrm>
-            <a:prstGeom prst="rect">
-              <a:avLst/>
-            </a:prstGeom>
-          </p:spPr>
-        </p:pic>
-        <p:sp>
-          <p:nvSpPr>
-            <p:cNvPr id="88" name="TextBox 87">
-              <a:extLst>
-                <a:ext uri="{FF2B5EF4-FFF2-40B4-BE49-F238E27FC236}">
-                  <a16:creationId xmlns:a16="http://schemas.microsoft.com/office/drawing/2014/main" id="{1ED11102-FED3-4699-B8AB-02B061BBA364}"/>
-                </a:ext>
-              </a:extLst>
-            </p:cNvPr>
-            <p:cNvSpPr txBox="1"/>
-            <p:nvPr/>
-          </p:nvSpPr>
-          <p:spPr>
-            <a:xfrm>
-              <a:off x="23012189" y="32030100"/>
-              <a:ext cx="8229600" cy="553998"/>
-            </a:xfrm>
-            <a:prstGeom prst="rect">
-              <a:avLst/>
-            </a:prstGeom>
-            <a:noFill/>
-          </p:spPr>
-          <p:txBody>
-            <a:bodyPr wrap="square" rtlCol="0">
-              <a:spAutoFit/>
-            </a:bodyPr>
-            <a:lstStyle/>
-            <a:p>
-              <a:pPr algn="ctr"/>
-              <a:r>
-                <a:rPr lang="en-US" sz="3000" b="1" dirty="0">
-                  <a:solidFill>
-                    <a:srgbClr val="4A929C"/>
-                  </a:solidFill>
-                </a:rPr>
-                <a:t>Table 1:</a:t>
-              </a:r>
-              <a:r>
-                <a:rPr lang="en-US" sz="3000" b="1" dirty="0">
-                  <a:solidFill>
-                    <a:srgbClr val="5F8388"/>
-                  </a:solidFill>
-                </a:rPr>
-                <a:t> </a:t>
-              </a:r>
-              <a:r>
-                <a:rPr lang="en-US" sz="3000" dirty="0"/>
-                <a:t>table containing all the results</a:t>
-              </a:r>
-            </a:p>
-          </p:txBody>
-        </p:sp>
-      </p:grpSp>
-      <p:grpSp>
-        <p:nvGrpSpPr>
           <p:cNvPr id="89" name="Group 88">
             <a:extLst>
               <a:ext uri="{FF2B5EF4-FFF2-40B4-BE49-F238E27FC236}">
@@ -8699,10 +5688,10 @@
         </p:nvGrpSpPr>
         <p:grpSpPr>
           <a:xfrm>
-            <a:off x="24975842" y="18421802"/>
-            <a:ext cx="7200000" cy="3337304"/>
+            <a:off x="18268749" y="31396841"/>
+            <a:ext cx="13680000" cy="2007642"/>
             <a:chOff x="0" y="1"/>
-            <a:chExt cx="2936623" cy="941284"/>
+            <a:chExt cx="2936623" cy="566254"/>
           </a:xfrm>
         </p:grpSpPr>
         <p:sp>
@@ -8720,7 +5709,7 @@
           <p:spPr>
             <a:xfrm>
               <a:off x="5854" y="242463"/>
-              <a:ext cx="2930769" cy="698822"/>
+              <a:ext cx="2930769" cy="323792"/>
             </a:xfrm>
             <a:prstGeom prst="rect">
               <a:avLst/>
@@ -8743,20 +5732,13 @@
             <a:p>
               <a:pPr lvl="0"/>
               <a:r>
-                <a:rPr lang="en-US" sz="3000" dirty="0"/>
-                <a:t>In order to check the efficiency of training models on permutated data, we trained models on images with greater dimensions.</a:t>
+                <a:rPr lang="en-US" sz="3500" dirty="0"/>
+                <a:t>In order to check the efficiency of training models on permutated data, we trained models on images with greater dimensions. See table 2 for results.</a:t>
               </a:r>
             </a:p>
             <a:p>
               <a:pPr lvl="0"/>
-              <a:r>
-                <a:rPr lang="en-US" sz="3000" dirty="0"/>
-                <a:t>See table 2 for the results.</a:t>
-              </a:r>
-            </a:p>
-            <a:p>
-              <a:pPr lvl="0"/>
-              <a:endParaRPr lang="en-US" sz="3000" dirty="0"/>
+              <a:endParaRPr lang="en-US" sz="3500" dirty="0"/>
             </a:p>
           </p:txBody>
         </p:sp>
@@ -8837,7 +5819,7 @@
         </p:nvGrpSpPr>
         <p:grpSpPr>
           <a:xfrm>
-            <a:off x="24668073" y="21853369"/>
+            <a:off x="21310999" y="33573659"/>
             <a:ext cx="8229600" cy="4672061"/>
             <a:chOff x="12055337" y="36868133"/>
             <a:chExt cx="8229600" cy="4672061"/>
@@ -8975,6 +5957,49 @@
           </a:p>
         </p:txBody>
       </p:sp>
+      <p:pic>
+        <p:nvPicPr>
+          <p:cNvPr id="41" name="Picture 40">
+            <a:extLst>
+              <a:ext uri="{FF2B5EF4-FFF2-40B4-BE49-F238E27FC236}">
+                <a16:creationId xmlns:a16="http://schemas.microsoft.com/office/drawing/2014/main" id="{E7A0CEFF-D6B3-428A-ABA9-65F13F2D64F6}"/>
+              </a:ext>
+            </a:extLst>
+          </p:cNvPr>
+          <p:cNvPicPr>
+            <a:picLocks noChangeAspect="1"/>
+          </p:cNvPicPr>
+          <p:nvPr/>
+        </p:nvPicPr>
+        <p:blipFill>
+          <a:blip r:embed="rId18">
+            <a:alphaModFix amt="5000"/>
+            <a:extLst>
+              <a:ext uri="{28A0092B-C50C-407E-A947-70E740481C1C}">
+                <a14:useLocalDpi xmlns:a14="http://schemas.microsoft.com/office/drawing/2010/main" val="0"/>
+              </a:ext>
+            </a:extLst>
+          </a:blip>
+          <a:stretch>
+            <a:fillRect/>
+          </a:stretch>
+        </p:blipFill>
+        <p:spPr>
+          <a:xfrm>
+            <a:off x="9877287" y="15211255"/>
+            <a:ext cx="12600000" cy="12600000"/>
+          </a:xfrm>
+          <a:prstGeom prst="ellipse">
+            <a:avLst/>
+          </a:prstGeom>
+          <a:ln>
+            <a:noFill/>
+          </a:ln>
+          <a:effectLst>
+            <a:softEdge rad="635000"/>
+          </a:effectLst>
+        </p:spPr>
+      </p:pic>
     </p:spTree>
     <p:extLst>
       <p:ext uri="{BB962C8B-B14F-4D97-AF65-F5344CB8AC3E}">

--- a/poster.pptx
+++ b/poster.pptx
@@ -7,13 +7,13 @@
   <p:sldIdLst>
     <p:sldId id="259" r:id="rId2"/>
   </p:sldIdLst>
-  <p:sldSz cx="32399288" cy="43200638"/>
+  <p:sldSz cx="32404050" cy="43205400"/>
   <p:notesSz cx="6858000" cy="9144000"/>
   <p:defaultTextStyle>
     <a:defPPr>
       <a:defRPr lang="en-US"/>
     </a:defPPr>
-    <a:lvl1pPr marL="0" algn="l" defTabSz="457200" rtl="0" eaLnBrk="1" latinLnBrk="0" hangingPunct="1">
+    <a:lvl1pPr marL="0" algn="l" defTabSz="457246" rtl="0" eaLnBrk="1" latinLnBrk="0" hangingPunct="1">
       <a:defRPr sz="1800" kern="1200">
         <a:solidFill>
           <a:schemeClr val="tx1"/>
@@ -23,7 +23,7 @@
         <a:cs typeface="+mn-cs"/>
       </a:defRPr>
     </a:lvl1pPr>
-    <a:lvl2pPr marL="457200" algn="l" defTabSz="457200" rtl="0" eaLnBrk="1" latinLnBrk="0" hangingPunct="1">
+    <a:lvl2pPr marL="457246" algn="l" defTabSz="457246" rtl="0" eaLnBrk="1" latinLnBrk="0" hangingPunct="1">
       <a:defRPr sz="1800" kern="1200">
         <a:solidFill>
           <a:schemeClr val="tx1"/>
@@ -33,7 +33,7 @@
         <a:cs typeface="+mn-cs"/>
       </a:defRPr>
     </a:lvl2pPr>
-    <a:lvl3pPr marL="914400" algn="l" defTabSz="457200" rtl="0" eaLnBrk="1" latinLnBrk="0" hangingPunct="1">
+    <a:lvl3pPr marL="914491" algn="l" defTabSz="457246" rtl="0" eaLnBrk="1" latinLnBrk="0" hangingPunct="1">
       <a:defRPr sz="1800" kern="1200">
         <a:solidFill>
           <a:schemeClr val="tx1"/>
@@ -43,7 +43,7 @@
         <a:cs typeface="+mn-cs"/>
       </a:defRPr>
     </a:lvl3pPr>
-    <a:lvl4pPr marL="1371600" algn="l" defTabSz="457200" rtl="0" eaLnBrk="1" latinLnBrk="0" hangingPunct="1">
+    <a:lvl4pPr marL="1371737" algn="l" defTabSz="457246" rtl="0" eaLnBrk="1" latinLnBrk="0" hangingPunct="1">
       <a:defRPr sz="1800" kern="1200">
         <a:solidFill>
           <a:schemeClr val="tx1"/>
@@ -53,7 +53,7 @@
         <a:cs typeface="+mn-cs"/>
       </a:defRPr>
     </a:lvl4pPr>
-    <a:lvl5pPr marL="1828800" algn="l" defTabSz="457200" rtl="0" eaLnBrk="1" latinLnBrk="0" hangingPunct="1">
+    <a:lvl5pPr marL="1828983" algn="l" defTabSz="457246" rtl="0" eaLnBrk="1" latinLnBrk="0" hangingPunct="1">
       <a:defRPr sz="1800" kern="1200">
         <a:solidFill>
           <a:schemeClr val="tx1"/>
@@ -63,7 +63,7 @@
         <a:cs typeface="+mn-cs"/>
       </a:defRPr>
     </a:lvl5pPr>
-    <a:lvl6pPr marL="2286000" algn="l" defTabSz="457200" rtl="0" eaLnBrk="1" latinLnBrk="0" hangingPunct="1">
+    <a:lvl6pPr marL="2286229" algn="l" defTabSz="457246" rtl="0" eaLnBrk="1" latinLnBrk="0" hangingPunct="1">
       <a:defRPr sz="1800" kern="1200">
         <a:solidFill>
           <a:schemeClr val="tx1"/>
@@ -73,7 +73,7 @@
         <a:cs typeface="+mn-cs"/>
       </a:defRPr>
     </a:lvl6pPr>
-    <a:lvl7pPr marL="2743200" algn="l" defTabSz="457200" rtl="0" eaLnBrk="1" latinLnBrk="0" hangingPunct="1">
+    <a:lvl7pPr marL="2743474" algn="l" defTabSz="457246" rtl="0" eaLnBrk="1" latinLnBrk="0" hangingPunct="1">
       <a:defRPr sz="1800" kern="1200">
         <a:solidFill>
           <a:schemeClr val="tx1"/>
@@ -83,7 +83,7 @@
         <a:cs typeface="+mn-cs"/>
       </a:defRPr>
     </a:lvl7pPr>
-    <a:lvl8pPr marL="3200400" algn="l" defTabSz="457200" rtl="0" eaLnBrk="1" latinLnBrk="0" hangingPunct="1">
+    <a:lvl8pPr marL="3200720" algn="l" defTabSz="457246" rtl="0" eaLnBrk="1" latinLnBrk="0" hangingPunct="1">
       <a:defRPr sz="1800" kern="1200">
         <a:solidFill>
           <a:schemeClr val="tx1"/>
@@ -93,7 +93,7 @@
         <a:cs typeface="+mn-cs"/>
       </a:defRPr>
     </a:lvl8pPr>
-    <a:lvl9pPr marL="3657600" algn="l" defTabSz="457200" rtl="0" eaLnBrk="1" latinLnBrk="0" hangingPunct="1">
+    <a:lvl9pPr marL="3657966" algn="l" defTabSz="457246" rtl="0" eaLnBrk="1" latinLnBrk="0" hangingPunct="1">
       <a:defRPr sz="1800" kern="1200">
         <a:solidFill>
           <a:schemeClr val="tx1"/>
@@ -106,7 +106,7 @@
   </p:defaultTextStyle>
   <p:extLst>
     <p:ext uri="{EFAFB233-063F-42B5-8137-9DF3F51BA10A}">
-      <p15:sldGuideLst xmlns:p15="http://schemas.microsoft.com/office/powerpoint/2012/main">
+      <p15:sldGuideLst xmlns:p15="http://schemas.microsoft.com/office/powerpoint/2012/main" xmlns="">
         <p15:guide id="1" orient="horz" pos="13606">
           <p15:clr>
             <a:srgbClr val="A4A3A4"/>
@@ -152,15 +152,15 @@
         </p:nvSpPr>
         <p:spPr>
           <a:xfrm>
-            <a:off x="2429947" y="7070108"/>
-            <a:ext cx="27539395" cy="15040222"/>
+            <a:off x="2430305" y="7070887"/>
+            <a:ext cx="27543443" cy="15041880"/>
           </a:xfrm>
         </p:spPr>
         <p:txBody>
           <a:bodyPr anchor="b"/>
           <a:lstStyle>
             <a:lvl1pPr algn="ctr">
-              <a:defRPr sz="21259"/>
+              <a:defRPr sz="21300"/>
             </a:lvl1pPr>
           </a:lstStyle>
           <a:p>
@@ -184,8 +184,8 @@
         </p:nvSpPr>
         <p:spPr>
           <a:xfrm>
-            <a:off x="4049911" y="22690338"/>
-            <a:ext cx="24299466" cy="10430151"/>
+            <a:off x="4050506" y="22692840"/>
+            <a:ext cx="24303038" cy="10431301"/>
           </a:xfrm>
         </p:spPr>
         <p:txBody>
@@ -193,39 +193,39 @@
           <a:lstStyle>
             <a:lvl1pPr marL="0" indent="0" algn="ctr">
               <a:buNone/>
-              <a:defRPr sz="8504"/>
+              <a:defRPr sz="8500"/>
             </a:lvl1pPr>
-            <a:lvl2pPr marL="1619951" indent="0" algn="ctr">
+            <a:lvl2pPr marL="1620113" indent="0" algn="ctr">
               <a:buNone/>
-              <a:defRPr sz="7086"/>
+              <a:defRPr sz="7100"/>
             </a:lvl2pPr>
-            <a:lvl3pPr marL="3239902" indent="0" algn="ctr">
+            <a:lvl3pPr marL="3240226" indent="0" algn="ctr">
               <a:buNone/>
-              <a:defRPr sz="6378"/>
+              <a:defRPr sz="6400"/>
             </a:lvl3pPr>
-            <a:lvl4pPr marL="4859853" indent="0" algn="ctr">
+            <a:lvl4pPr marL="4860339" indent="0" algn="ctr">
               <a:buNone/>
-              <a:defRPr sz="5669"/>
+              <a:defRPr sz="5700"/>
             </a:lvl4pPr>
-            <a:lvl5pPr marL="6479804" indent="0" algn="ctr">
+            <a:lvl5pPr marL="6480452" indent="0" algn="ctr">
               <a:buNone/>
-              <a:defRPr sz="5669"/>
+              <a:defRPr sz="5700"/>
             </a:lvl5pPr>
-            <a:lvl6pPr marL="8099755" indent="0" algn="ctr">
+            <a:lvl6pPr marL="8100565" indent="0" algn="ctr">
               <a:buNone/>
-              <a:defRPr sz="5669"/>
+              <a:defRPr sz="5700"/>
             </a:lvl6pPr>
-            <a:lvl7pPr marL="9719706" indent="0" algn="ctr">
+            <a:lvl7pPr marL="9720678" indent="0" algn="ctr">
               <a:buNone/>
-              <a:defRPr sz="5669"/>
+              <a:defRPr sz="5700"/>
             </a:lvl7pPr>
-            <a:lvl8pPr marL="11339657" indent="0" algn="ctr">
+            <a:lvl8pPr marL="11340791" indent="0" algn="ctr">
               <a:buNone/>
-              <a:defRPr sz="5669"/>
+              <a:defRPr sz="5700"/>
             </a:lvl8pPr>
-            <a:lvl9pPr marL="12959608" indent="0" algn="ctr">
+            <a:lvl9pPr marL="12960904" indent="0" algn="ctr">
               <a:buNone/>
-              <a:defRPr sz="5669"/>
+              <a:defRPr sz="5700"/>
             </a:lvl9pPr>
           </a:lstStyle>
           <a:p>
@@ -254,7 +254,7 @@
           <a:p>
             <a:fld id="{FD4B236B-4127-4146-99ED-6A730B7745F6}" type="datetimeFigureOut">
               <a:rPr lang="en-US" smtClean="0"/>
-              <a:t>5/29/2019</a:t>
+              <a:t>30-May-19</a:t>
             </a:fld>
             <a:endParaRPr lang="en-US"/>
           </a:p>
@@ -424,7 +424,7 @@
           <a:p>
             <a:fld id="{FD4B236B-4127-4146-99ED-6A730B7745F6}" type="datetimeFigureOut">
               <a:rPr lang="en-US" smtClean="0"/>
-              <a:t>5/29/2019</a:t>
+              <a:t>30-May-19</a:t>
             </a:fld>
             <a:endParaRPr lang="en-US"/>
           </a:p>
@@ -514,8 +514,8 @@
         </p:nvSpPr>
         <p:spPr>
           <a:xfrm>
-            <a:off x="23185742" y="2300034"/>
-            <a:ext cx="6986096" cy="36610544"/>
+            <a:off x="23189150" y="2300287"/>
+            <a:ext cx="6987123" cy="36614580"/>
           </a:xfrm>
         </p:spPr>
         <p:txBody>
@@ -542,8 +542,8 @@
         </p:nvSpPr>
         <p:spPr>
           <a:xfrm>
-            <a:off x="2227453" y="2300034"/>
-            <a:ext cx="20553298" cy="36610544"/>
+            <a:off x="2227780" y="2300287"/>
+            <a:ext cx="20556319" cy="36614580"/>
           </a:xfrm>
         </p:spPr>
         <p:txBody>
@@ -604,7 +604,7 @@
           <a:p>
             <a:fld id="{FD4B236B-4127-4146-99ED-6A730B7745F6}" type="datetimeFigureOut">
               <a:rPr lang="en-US" smtClean="0"/>
-              <a:t>5/29/2019</a:t>
+              <a:t>30-May-19</a:t>
             </a:fld>
             <a:endParaRPr lang="en-US"/>
           </a:p>
@@ -774,7 +774,7 @@
           <a:p>
             <a:fld id="{FD4B236B-4127-4146-99ED-6A730B7745F6}" type="datetimeFigureOut">
               <a:rPr lang="en-US" smtClean="0"/>
-              <a:t>5/29/2019</a:t>
+              <a:t>30-May-19</a:t>
             </a:fld>
             <a:endParaRPr lang="en-US"/>
           </a:p>
@@ -864,15 +864,15 @@
         </p:nvSpPr>
         <p:spPr>
           <a:xfrm>
-            <a:off x="2210578" y="10770172"/>
-            <a:ext cx="27944386" cy="17970262"/>
+            <a:off x="2210903" y="10771359"/>
+            <a:ext cx="27948493" cy="17972243"/>
           </a:xfrm>
         </p:spPr>
         <p:txBody>
           <a:bodyPr anchor="b"/>
           <a:lstStyle>
             <a:lvl1pPr>
-              <a:defRPr sz="21259"/>
+              <a:defRPr sz="21300"/>
             </a:lvl1pPr>
           </a:lstStyle>
           <a:p>
@@ -896,8 +896,8 @@
         </p:nvSpPr>
         <p:spPr>
           <a:xfrm>
-            <a:off x="2210578" y="28910440"/>
-            <a:ext cx="27944386" cy="9450136"/>
+            <a:off x="2210903" y="28913627"/>
+            <a:ext cx="27948493" cy="9451178"/>
           </a:xfrm>
         </p:spPr>
         <p:txBody>
@@ -905,15 +905,15 @@
           <a:lstStyle>
             <a:lvl1pPr marL="0" indent="0">
               <a:buNone/>
-              <a:defRPr sz="8504">
+              <a:defRPr sz="8500">
                 <a:solidFill>
                   <a:schemeClr val="tx1"/>
                 </a:solidFill>
               </a:defRPr>
             </a:lvl1pPr>
-            <a:lvl2pPr marL="1619951" indent="0">
+            <a:lvl2pPr marL="1620113" indent="0">
               <a:buNone/>
-              <a:defRPr sz="7086">
+              <a:defRPr sz="7100">
                 <a:solidFill>
                   <a:schemeClr val="tx1">
                     <a:tint val="75000"/>
@@ -921,9 +921,9 @@
                 </a:solidFill>
               </a:defRPr>
             </a:lvl2pPr>
-            <a:lvl3pPr marL="3239902" indent="0">
+            <a:lvl3pPr marL="3240226" indent="0">
               <a:buNone/>
-              <a:defRPr sz="6378">
+              <a:defRPr sz="6400">
                 <a:solidFill>
                   <a:schemeClr val="tx1">
                     <a:tint val="75000"/>
@@ -931,9 +931,9 @@
                 </a:solidFill>
               </a:defRPr>
             </a:lvl3pPr>
-            <a:lvl4pPr marL="4859853" indent="0">
+            <a:lvl4pPr marL="4860339" indent="0">
               <a:buNone/>
-              <a:defRPr sz="5669">
+              <a:defRPr sz="5700">
                 <a:solidFill>
                   <a:schemeClr val="tx1">
                     <a:tint val="75000"/>
@@ -941,9 +941,9 @@
                 </a:solidFill>
               </a:defRPr>
             </a:lvl4pPr>
-            <a:lvl5pPr marL="6479804" indent="0">
+            <a:lvl5pPr marL="6480452" indent="0">
               <a:buNone/>
-              <a:defRPr sz="5669">
+              <a:defRPr sz="5700">
                 <a:solidFill>
                   <a:schemeClr val="tx1">
                     <a:tint val="75000"/>
@@ -951,9 +951,9 @@
                 </a:solidFill>
               </a:defRPr>
             </a:lvl5pPr>
-            <a:lvl6pPr marL="8099755" indent="0">
+            <a:lvl6pPr marL="8100565" indent="0">
               <a:buNone/>
-              <a:defRPr sz="5669">
+              <a:defRPr sz="5700">
                 <a:solidFill>
                   <a:schemeClr val="tx1">
                     <a:tint val="75000"/>
@@ -961,9 +961,9 @@
                 </a:solidFill>
               </a:defRPr>
             </a:lvl6pPr>
-            <a:lvl7pPr marL="9719706" indent="0">
+            <a:lvl7pPr marL="9720678" indent="0">
               <a:buNone/>
-              <a:defRPr sz="5669">
+              <a:defRPr sz="5700">
                 <a:solidFill>
                   <a:schemeClr val="tx1">
                     <a:tint val="75000"/>
@@ -971,9 +971,9 @@
                 </a:solidFill>
               </a:defRPr>
             </a:lvl7pPr>
-            <a:lvl8pPr marL="11339657" indent="0">
+            <a:lvl8pPr marL="11340791" indent="0">
               <a:buNone/>
-              <a:defRPr sz="5669">
+              <a:defRPr sz="5700">
                 <a:solidFill>
                   <a:schemeClr val="tx1">
                     <a:tint val="75000"/>
@@ -981,9 +981,9 @@
                 </a:solidFill>
               </a:defRPr>
             </a:lvl8pPr>
-            <a:lvl9pPr marL="12959608" indent="0">
+            <a:lvl9pPr marL="12960904" indent="0">
               <a:buNone/>
-              <a:defRPr sz="5669">
+              <a:defRPr sz="5700">
                 <a:solidFill>
                   <a:schemeClr val="tx1">
                     <a:tint val="75000"/>
@@ -1018,7 +1018,7 @@
           <a:p>
             <a:fld id="{FD4B236B-4127-4146-99ED-6A730B7745F6}" type="datetimeFigureOut">
               <a:rPr lang="en-US" smtClean="0"/>
-              <a:t>5/29/2019</a:t>
+              <a:t>30-May-19</a:t>
             </a:fld>
             <a:endParaRPr lang="en-US"/>
           </a:p>
@@ -1131,8 +1131,8 @@
         </p:nvSpPr>
         <p:spPr>
           <a:xfrm>
-            <a:off x="2227451" y="11500170"/>
-            <a:ext cx="13769697" cy="27410408"/>
+            <a:off x="2227779" y="11501438"/>
+            <a:ext cx="13771721" cy="27413429"/>
           </a:xfrm>
         </p:spPr>
         <p:txBody>
@@ -1188,8 +1188,8 @@
         </p:nvSpPr>
         <p:spPr>
           <a:xfrm>
-            <a:off x="16402140" y="11500170"/>
-            <a:ext cx="13769697" cy="27410408"/>
+            <a:off x="16404551" y="11501438"/>
+            <a:ext cx="13771721" cy="27413429"/>
           </a:xfrm>
         </p:spPr>
         <p:txBody>
@@ -1250,7 +1250,7 @@
           <a:p>
             <a:fld id="{FD4B236B-4127-4146-99ED-6A730B7745F6}" type="datetimeFigureOut">
               <a:rPr lang="en-US" smtClean="0"/>
-              <a:t>5/29/2019</a:t>
+              <a:t>30-May-19</a:t>
             </a:fld>
             <a:endParaRPr lang="en-US"/>
           </a:p>
@@ -1340,8 +1340,8 @@
         </p:nvSpPr>
         <p:spPr>
           <a:xfrm>
-            <a:off x="2231671" y="2300044"/>
-            <a:ext cx="27944386" cy="8350126"/>
+            <a:off x="2231999" y="2300298"/>
+            <a:ext cx="27948493" cy="8351046"/>
           </a:xfrm>
         </p:spPr>
         <p:txBody>
@@ -1368,8 +1368,8 @@
         </p:nvSpPr>
         <p:spPr>
           <a:xfrm>
-            <a:off x="2231675" y="10590160"/>
-            <a:ext cx="13706415" cy="5190073"/>
+            <a:off x="2232003" y="10591328"/>
+            <a:ext cx="13708430" cy="5190645"/>
           </a:xfrm>
         </p:spPr>
         <p:txBody>
@@ -1377,39 +1377,39 @@
           <a:lstStyle>
             <a:lvl1pPr marL="0" indent="0">
               <a:buNone/>
-              <a:defRPr sz="8504" b="1"/>
+              <a:defRPr sz="8500" b="1"/>
             </a:lvl1pPr>
-            <a:lvl2pPr marL="1619951" indent="0">
+            <a:lvl2pPr marL="1620113" indent="0">
               <a:buNone/>
-              <a:defRPr sz="7086" b="1"/>
+              <a:defRPr sz="7100" b="1"/>
             </a:lvl2pPr>
-            <a:lvl3pPr marL="3239902" indent="0">
+            <a:lvl3pPr marL="3240226" indent="0">
               <a:buNone/>
-              <a:defRPr sz="6378" b="1"/>
+              <a:defRPr sz="6400" b="1"/>
             </a:lvl3pPr>
-            <a:lvl4pPr marL="4859853" indent="0">
+            <a:lvl4pPr marL="4860339" indent="0">
               <a:buNone/>
-              <a:defRPr sz="5669" b="1"/>
+              <a:defRPr sz="5700" b="1"/>
             </a:lvl4pPr>
-            <a:lvl5pPr marL="6479804" indent="0">
+            <a:lvl5pPr marL="6480452" indent="0">
               <a:buNone/>
-              <a:defRPr sz="5669" b="1"/>
+              <a:defRPr sz="5700" b="1"/>
             </a:lvl5pPr>
-            <a:lvl6pPr marL="8099755" indent="0">
+            <a:lvl6pPr marL="8100565" indent="0">
               <a:buNone/>
-              <a:defRPr sz="5669" b="1"/>
+              <a:defRPr sz="5700" b="1"/>
             </a:lvl6pPr>
-            <a:lvl7pPr marL="9719706" indent="0">
+            <a:lvl7pPr marL="9720678" indent="0">
               <a:buNone/>
-              <a:defRPr sz="5669" b="1"/>
+              <a:defRPr sz="5700" b="1"/>
             </a:lvl7pPr>
-            <a:lvl8pPr marL="11339657" indent="0">
+            <a:lvl8pPr marL="11340791" indent="0">
               <a:buNone/>
-              <a:defRPr sz="5669" b="1"/>
+              <a:defRPr sz="5700" b="1"/>
             </a:lvl8pPr>
-            <a:lvl9pPr marL="12959608" indent="0">
+            <a:lvl9pPr marL="12960904" indent="0">
               <a:buNone/>
-              <a:defRPr sz="5669" b="1"/>
+              <a:defRPr sz="5700" b="1"/>
             </a:lvl9pPr>
           </a:lstStyle>
           <a:p>
@@ -1433,8 +1433,8 @@
         </p:nvSpPr>
         <p:spPr>
           <a:xfrm>
-            <a:off x="2231675" y="15780233"/>
-            <a:ext cx="13706415" cy="23210346"/>
+            <a:off x="2232003" y="15781973"/>
+            <a:ext cx="13708430" cy="23212904"/>
           </a:xfrm>
         </p:spPr>
         <p:txBody>
@@ -1490,8 +1490,8 @@
         </p:nvSpPr>
         <p:spPr>
           <a:xfrm>
-            <a:off x="16402142" y="10590160"/>
-            <a:ext cx="13773917" cy="5190073"/>
+            <a:off x="16404553" y="10591328"/>
+            <a:ext cx="13775941" cy="5190645"/>
           </a:xfrm>
         </p:spPr>
         <p:txBody>
@@ -1499,39 +1499,39 @@
           <a:lstStyle>
             <a:lvl1pPr marL="0" indent="0">
               <a:buNone/>
-              <a:defRPr sz="8504" b="1"/>
+              <a:defRPr sz="8500" b="1"/>
             </a:lvl1pPr>
-            <a:lvl2pPr marL="1619951" indent="0">
+            <a:lvl2pPr marL="1620113" indent="0">
               <a:buNone/>
-              <a:defRPr sz="7086" b="1"/>
+              <a:defRPr sz="7100" b="1"/>
             </a:lvl2pPr>
-            <a:lvl3pPr marL="3239902" indent="0">
+            <a:lvl3pPr marL="3240226" indent="0">
               <a:buNone/>
-              <a:defRPr sz="6378" b="1"/>
+              <a:defRPr sz="6400" b="1"/>
             </a:lvl3pPr>
-            <a:lvl4pPr marL="4859853" indent="0">
+            <a:lvl4pPr marL="4860339" indent="0">
               <a:buNone/>
-              <a:defRPr sz="5669" b="1"/>
+              <a:defRPr sz="5700" b="1"/>
             </a:lvl4pPr>
-            <a:lvl5pPr marL="6479804" indent="0">
+            <a:lvl5pPr marL="6480452" indent="0">
               <a:buNone/>
-              <a:defRPr sz="5669" b="1"/>
+              <a:defRPr sz="5700" b="1"/>
             </a:lvl5pPr>
-            <a:lvl6pPr marL="8099755" indent="0">
+            <a:lvl6pPr marL="8100565" indent="0">
               <a:buNone/>
-              <a:defRPr sz="5669" b="1"/>
+              <a:defRPr sz="5700" b="1"/>
             </a:lvl6pPr>
-            <a:lvl7pPr marL="9719706" indent="0">
+            <a:lvl7pPr marL="9720678" indent="0">
               <a:buNone/>
-              <a:defRPr sz="5669" b="1"/>
+              <a:defRPr sz="5700" b="1"/>
             </a:lvl7pPr>
-            <a:lvl8pPr marL="11339657" indent="0">
+            <a:lvl8pPr marL="11340791" indent="0">
               <a:buNone/>
-              <a:defRPr sz="5669" b="1"/>
+              <a:defRPr sz="5700" b="1"/>
             </a:lvl8pPr>
-            <a:lvl9pPr marL="12959608" indent="0">
+            <a:lvl9pPr marL="12960904" indent="0">
               <a:buNone/>
-              <a:defRPr sz="5669" b="1"/>
+              <a:defRPr sz="5700" b="1"/>
             </a:lvl9pPr>
           </a:lstStyle>
           <a:p>
@@ -1555,8 +1555,8 @@
         </p:nvSpPr>
         <p:spPr>
           <a:xfrm>
-            <a:off x="16402142" y="15780233"/>
-            <a:ext cx="13773917" cy="23210346"/>
+            <a:off x="16404553" y="15781973"/>
+            <a:ext cx="13775941" cy="23212904"/>
           </a:xfrm>
         </p:spPr>
         <p:txBody>
@@ -1617,7 +1617,7 @@
           <a:p>
             <a:fld id="{FD4B236B-4127-4146-99ED-6A730B7745F6}" type="datetimeFigureOut">
               <a:rPr lang="en-US" smtClean="0"/>
-              <a:t>5/29/2019</a:t>
+              <a:t>30-May-19</a:t>
             </a:fld>
             <a:endParaRPr lang="en-US"/>
           </a:p>
@@ -1735,7 +1735,7 @@
           <a:p>
             <a:fld id="{FD4B236B-4127-4146-99ED-6A730B7745F6}" type="datetimeFigureOut">
               <a:rPr lang="en-US" smtClean="0"/>
-              <a:t>5/29/2019</a:t>
+              <a:t>30-May-19</a:t>
             </a:fld>
             <a:endParaRPr lang="en-US"/>
           </a:p>
@@ -1830,7 +1830,7 @@
           <a:p>
             <a:fld id="{FD4B236B-4127-4146-99ED-6A730B7745F6}" type="datetimeFigureOut">
               <a:rPr lang="en-US" smtClean="0"/>
-              <a:t>5/29/2019</a:t>
+              <a:t>30-May-19</a:t>
             </a:fld>
             <a:endParaRPr lang="en-US"/>
           </a:p>
@@ -1920,15 +1920,15 @@
         </p:nvSpPr>
         <p:spPr>
           <a:xfrm>
-            <a:off x="2231671" y="2880042"/>
-            <a:ext cx="10449614" cy="10080149"/>
+            <a:off x="2231999" y="2880360"/>
+            <a:ext cx="10451150" cy="10081260"/>
           </a:xfrm>
         </p:spPr>
         <p:txBody>
           <a:bodyPr anchor="b"/>
           <a:lstStyle>
             <a:lvl1pPr>
-              <a:defRPr sz="11338"/>
+              <a:defRPr sz="11300"/>
             </a:lvl1pPr>
           </a:lstStyle>
           <a:p>
@@ -1952,39 +1952,39 @@
         </p:nvSpPr>
         <p:spPr>
           <a:xfrm>
-            <a:off x="13773917" y="6220102"/>
-            <a:ext cx="16402140" cy="30700453"/>
+            <a:off x="13775941" y="6220788"/>
+            <a:ext cx="16404551" cy="30703837"/>
           </a:xfrm>
         </p:spPr>
         <p:txBody>
           <a:bodyPr/>
           <a:lstStyle>
             <a:lvl1pPr>
-              <a:defRPr sz="11338"/>
+              <a:defRPr sz="11300"/>
             </a:lvl1pPr>
             <a:lvl2pPr>
-              <a:defRPr sz="9921"/>
+              <a:defRPr sz="9900"/>
             </a:lvl2pPr>
             <a:lvl3pPr>
-              <a:defRPr sz="8504"/>
+              <a:defRPr sz="8500"/>
             </a:lvl3pPr>
             <a:lvl4pPr>
-              <a:defRPr sz="7086"/>
+              <a:defRPr sz="7100"/>
             </a:lvl4pPr>
             <a:lvl5pPr>
-              <a:defRPr sz="7086"/>
+              <a:defRPr sz="7100"/>
             </a:lvl5pPr>
             <a:lvl6pPr>
-              <a:defRPr sz="7086"/>
+              <a:defRPr sz="7100"/>
             </a:lvl6pPr>
             <a:lvl7pPr>
-              <a:defRPr sz="7086"/>
+              <a:defRPr sz="7100"/>
             </a:lvl7pPr>
             <a:lvl8pPr>
-              <a:defRPr sz="7086"/>
+              <a:defRPr sz="7100"/>
             </a:lvl8pPr>
             <a:lvl9pPr>
-              <a:defRPr sz="7086"/>
+              <a:defRPr sz="7100"/>
             </a:lvl9pPr>
           </a:lstStyle>
           <a:p>
@@ -2037,8 +2037,8 @@
         </p:nvSpPr>
         <p:spPr>
           <a:xfrm>
-            <a:off x="2231671" y="12960191"/>
-            <a:ext cx="10449614" cy="24010358"/>
+            <a:off x="2231999" y="12961619"/>
+            <a:ext cx="10451150" cy="24013005"/>
           </a:xfrm>
         </p:spPr>
         <p:txBody>
@@ -2046,39 +2046,39 @@
           <a:lstStyle>
             <a:lvl1pPr marL="0" indent="0">
               <a:buNone/>
-              <a:defRPr sz="5669"/>
+              <a:defRPr sz="5700"/>
             </a:lvl1pPr>
-            <a:lvl2pPr marL="1619951" indent="0">
+            <a:lvl2pPr marL="1620113" indent="0">
               <a:buNone/>
-              <a:defRPr sz="4960"/>
+              <a:defRPr sz="5000"/>
             </a:lvl2pPr>
-            <a:lvl3pPr marL="3239902" indent="0">
+            <a:lvl3pPr marL="3240226" indent="0">
               <a:buNone/>
-              <a:defRPr sz="4252"/>
+              <a:defRPr sz="4300"/>
             </a:lvl3pPr>
-            <a:lvl4pPr marL="4859853" indent="0">
+            <a:lvl4pPr marL="4860339" indent="0">
               <a:buNone/>
-              <a:defRPr sz="3543"/>
+              <a:defRPr sz="3500"/>
             </a:lvl4pPr>
-            <a:lvl5pPr marL="6479804" indent="0">
+            <a:lvl5pPr marL="6480452" indent="0">
               <a:buNone/>
-              <a:defRPr sz="3543"/>
+              <a:defRPr sz="3500"/>
             </a:lvl5pPr>
-            <a:lvl6pPr marL="8099755" indent="0">
+            <a:lvl6pPr marL="8100565" indent="0">
               <a:buNone/>
-              <a:defRPr sz="3543"/>
+              <a:defRPr sz="3500"/>
             </a:lvl6pPr>
-            <a:lvl7pPr marL="9719706" indent="0">
+            <a:lvl7pPr marL="9720678" indent="0">
               <a:buNone/>
-              <a:defRPr sz="3543"/>
+              <a:defRPr sz="3500"/>
             </a:lvl7pPr>
-            <a:lvl8pPr marL="11339657" indent="0">
+            <a:lvl8pPr marL="11340791" indent="0">
               <a:buNone/>
-              <a:defRPr sz="3543"/>
+              <a:defRPr sz="3500"/>
             </a:lvl8pPr>
-            <a:lvl9pPr marL="12959608" indent="0">
+            <a:lvl9pPr marL="12960904" indent="0">
               <a:buNone/>
-              <a:defRPr sz="3543"/>
+              <a:defRPr sz="3500"/>
             </a:lvl9pPr>
           </a:lstStyle>
           <a:p>
@@ -2107,7 +2107,7 @@
           <a:p>
             <a:fld id="{FD4B236B-4127-4146-99ED-6A730B7745F6}" type="datetimeFigureOut">
               <a:rPr lang="en-US" smtClean="0"/>
-              <a:t>5/29/2019</a:t>
+              <a:t>30-May-19</a:t>
             </a:fld>
             <a:endParaRPr lang="en-US"/>
           </a:p>
@@ -2197,15 +2197,15 @@
         </p:nvSpPr>
         <p:spPr>
           <a:xfrm>
-            <a:off x="2231671" y="2880042"/>
-            <a:ext cx="10449614" cy="10080149"/>
+            <a:off x="2231999" y="2880360"/>
+            <a:ext cx="10451150" cy="10081260"/>
           </a:xfrm>
         </p:spPr>
         <p:txBody>
           <a:bodyPr anchor="b"/>
           <a:lstStyle>
             <a:lvl1pPr>
-              <a:defRPr sz="11338"/>
+              <a:defRPr sz="11300"/>
             </a:lvl1pPr>
           </a:lstStyle>
           <a:p>
@@ -2229,8 +2229,8 @@
         </p:nvSpPr>
         <p:spPr>
           <a:xfrm>
-            <a:off x="13773917" y="6220102"/>
-            <a:ext cx="16402140" cy="30700453"/>
+            <a:off x="13775941" y="6220788"/>
+            <a:ext cx="16404551" cy="30703837"/>
           </a:xfrm>
         </p:spPr>
         <p:txBody>
@@ -2238,39 +2238,39 @@
           <a:lstStyle>
             <a:lvl1pPr marL="0" indent="0">
               <a:buNone/>
-              <a:defRPr sz="11338"/>
+              <a:defRPr sz="11300"/>
             </a:lvl1pPr>
-            <a:lvl2pPr marL="1619951" indent="0">
+            <a:lvl2pPr marL="1620113" indent="0">
               <a:buNone/>
-              <a:defRPr sz="9921"/>
+              <a:defRPr sz="9900"/>
             </a:lvl2pPr>
-            <a:lvl3pPr marL="3239902" indent="0">
+            <a:lvl3pPr marL="3240226" indent="0">
               <a:buNone/>
-              <a:defRPr sz="8504"/>
+              <a:defRPr sz="8500"/>
             </a:lvl3pPr>
-            <a:lvl4pPr marL="4859853" indent="0">
+            <a:lvl4pPr marL="4860339" indent="0">
               <a:buNone/>
-              <a:defRPr sz="7086"/>
+              <a:defRPr sz="7100"/>
             </a:lvl4pPr>
-            <a:lvl5pPr marL="6479804" indent="0">
+            <a:lvl5pPr marL="6480452" indent="0">
               <a:buNone/>
-              <a:defRPr sz="7086"/>
+              <a:defRPr sz="7100"/>
             </a:lvl5pPr>
-            <a:lvl6pPr marL="8099755" indent="0">
+            <a:lvl6pPr marL="8100565" indent="0">
               <a:buNone/>
-              <a:defRPr sz="7086"/>
+              <a:defRPr sz="7100"/>
             </a:lvl6pPr>
-            <a:lvl7pPr marL="9719706" indent="0">
+            <a:lvl7pPr marL="9720678" indent="0">
               <a:buNone/>
-              <a:defRPr sz="7086"/>
+              <a:defRPr sz="7100"/>
             </a:lvl7pPr>
-            <a:lvl8pPr marL="11339657" indent="0">
+            <a:lvl8pPr marL="11340791" indent="0">
               <a:buNone/>
-              <a:defRPr sz="7086"/>
+              <a:defRPr sz="7100"/>
             </a:lvl8pPr>
-            <a:lvl9pPr marL="12959608" indent="0">
+            <a:lvl9pPr marL="12960904" indent="0">
               <a:buNone/>
-              <a:defRPr sz="7086"/>
+              <a:defRPr sz="7100"/>
             </a:lvl9pPr>
           </a:lstStyle>
           <a:p>
@@ -2294,8 +2294,8 @@
         </p:nvSpPr>
         <p:spPr>
           <a:xfrm>
-            <a:off x="2231671" y="12960191"/>
-            <a:ext cx="10449614" cy="24010358"/>
+            <a:off x="2231999" y="12961619"/>
+            <a:ext cx="10451150" cy="24013005"/>
           </a:xfrm>
         </p:spPr>
         <p:txBody>
@@ -2303,39 +2303,39 @@
           <a:lstStyle>
             <a:lvl1pPr marL="0" indent="0">
               <a:buNone/>
-              <a:defRPr sz="5669"/>
+              <a:defRPr sz="5700"/>
             </a:lvl1pPr>
-            <a:lvl2pPr marL="1619951" indent="0">
+            <a:lvl2pPr marL="1620113" indent="0">
               <a:buNone/>
-              <a:defRPr sz="4960"/>
+              <a:defRPr sz="5000"/>
             </a:lvl2pPr>
-            <a:lvl3pPr marL="3239902" indent="0">
+            <a:lvl3pPr marL="3240226" indent="0">
               <a:buNone/>
-              <a:defRPr sz="4252"/>
+              <a:defRPr sz="4300"/>
             </a:lvl3pPr>
-            <a:lvl4pPr marL="4859853" indent="0">
+            <a:lvl4pPr marL="4860339" indent="0">
               <a:buNone/>
-              <a:defRPr sz="3543"/>
+              <a:defRPr sz="3500"/>
             </a:lvl4pPr>
-            <a:lvl5pPr marL="6479804" indent="0">
+            <a:lvl5pPr marL="6480452" indent="0">
               <a:buNone/>
-              <a:defRPr sz="3543"/>
+              <a:defRPr sz="3500"/>
             </a:lvl5pPr>
-            <a:lvl6pPr marL="8099755" indent="0">
+            <a:lvl6pPr marL="8100565" indent="0">
               <a:buNone/>
-              <a:defRPr sz="3543"/>
+              <a:defRPr sz="3500"/>
             </a:lvl6pPr>
-            <a:lvl7pPr marL="9719706" indent="0">
+            <a:lvl7pPr marL="9720678" indent="0">
               <a:buNone/>
-              <a:defRPr sz="3543"/>
+              <a:defRPr sz="3500"/>
             </a:lvl7pPr>
-            <a:lvl8pPr marL="11339657" indent="0">
+            <a:lvl8pPr marL="11340791" indent="0">
               <a:buNone/>
-              <a:defRPr sz="3543"/>
+              <a:defRPr sz="3500"/>
             </a:lvl8pPr>
-            <a:lvl9pPr marL="12959608" indent="0">
+            <a:lvl9pPr marL="12960904" indent="0">
               <a:buNone/>
-              <a:defRPr sz="3543"/>
+              <a:defRPr sz="3500"/>
             </a:lvl9pPr>
           </a:lstStyle>
           <a:p>
@@ -2364,7 +2364,7 @@
           <a:p>
             <a:fld id="{FD4B236B-4127-4146-99ED-6A730B7745F6}" type="datetimeFigureOut">
               <a:rPr lang="en-US" smtClean="0"/>
-              <a:t>5/29/2019</a:t>
+              <a:t>30-May-19</a:t>
             </a:fld>
             <a:endParaRPr lang="en-US"/>
           </a:p>
@@ -2459,15 +2459,15 @@
         </p:nvSpPr>
         <p:spPr>
           <a:xfrm>
-            <a:off x="2227451" y="2300044"/>
-            <a:ext cx="27944386" cy="8350126"/>
+            <a:off x="2227779" y="2300298"/>
+            <a:ext cx="27948493" cy="8351046"/>
           </a:xfrm>
           <a:prstGeom prst="rect">
             <a:avLst/>
           </a:prstGeom>
         </p:spPr>
         <p:txBody>
-          <a:bodyPr vert="horz" lIns="91440" tIns="45720" rIns="91440" bIns="45720" rtlCol="0" anchor="ctr">
+          <a:bodyPr vert="horz" lIns="91449" tIns="45725" rIns="91449" bIns="45725" rtlCol="0" anchor="ctr">
             <a:normAutofit/>
           </a:bodyPr>
           <a:lstStyle/>
@@ -2492,15 +2492,15 @@
         </p:nvSpPr>
         <p:spPr>
           <a:xfrm>
-            <a:off x="2227451" y="11500170"/>
-            <a:ext cx="27944386" cy="27410408"/>
+            <a:off x="2227779" y="11501438"/>
+            <a:ext cx="27948493" cy="27413429"/>
           </a:xfrm>
           <a:prstGeom prst="rect">
             <a:avLst/>
           </a:prstGeom>
         </p:spPr>
         <p:txBody>
-          <a:bodyPr vert="horz" lIns="91440" tIns="45720" rIns="91440" bIns="45720" rtlCol="0">
+          <a:bodyPr vert="horz" lIns="91449" tIns="45725" rIns="91449" bIns="45725" rtlCol="0">
             <a:normAutofit/>
           </a:bodyPr>
           <a:lstStyle/>
@@ -2554,18 +2554,18 @@
         </p:nvSpPr>
         <p:spPr>
           <a:xfrm>
-            <a:off x="2227451" y="40040601"/>
-            <a:ext cx="7289840" cy="2300034"/>
+            <a:off x="2227779" y="40045014"/>
+            <a:ext cx="7290911" cy="2300288"/>
           </a:xfrm>
           <a:prstGeom prst="rect">
             <a:avLst/>
           </a:prstGeom>
         </p:spPr>
         <p:txBody>
-          <a:bodyPr vert="horz" lIns="91440" tIns="45720" rIns="91440" bIns="45720" rtlCol="0" anchor="ctr"/>
+          <a:bodyPr vert="horz" lIns="91449" tIns="45725" rIns="91449" bIns="45725" rtlCol="0" anchor="ctr"/>
           <a:lstStyle>
             <a:lvl1pPr algn="l">
-              <a:defRPr sz="4252">
+              <a:defRPr sz="4300">
                 <a:solidFill>
                   <a:schemeClr val="tx1">
                     <a:tint val="75000"/>
@@ -2577,7 +2577,7 @@
           <a:p>
             <a:fld id="{FD4B236B-4127-4146-99ED-6A730B7745F6}" type="datetimeFigureOut">
               <a:rPr lang="en-US" smtClean="0"/>
-              <a:t>5/29/2019</a:t>
+              <a:t>30-May-19</a:t>
             </a:fld>
             <a:endParaRPr lang="en-US"/>
           </a:p>
@@ -2595,18 +2595,18 @@
         </p:nvSpPr>
         <p:spPr>
           <a:xfrm>
-            <a:off x="10732264" y="40040601"/>
-            <a:ext cx="10934760" cy="2300034"/>
+            <a:off x="10733842" y="40045014"/>
+            <a:ext cx="10936367" cy="2300288"/>
           </a:xfrm>
           <a:prstGeom prst="rect">
             <a:avLst/>
           </a:prstGeom>
         </p:spPr>
         <p:txBody>
-          <a:bodyPr vert="horz" lIns="91440" tIns="45720" rIns="91440" bIns="45720" rtlCol="0" anchor="ctr"/>
+          <a:bodyPr vert="horz" lIns="91449" tIns="45725" rIns="91449" bIns="45725" rtlCol="0" anchor="ctr"/>
           <a:lstStyle>
             <a:lvl1pPr algn="ctr">
-              <a:defRPr sz="4252">
+              <a:defRPr sz="4300">
                 <a:solidFill>
                   <a:schemeClr val="tx1">
                     <a:tint val="75000"/>
@@ -2632,18 +2632,18 @@
         </p:nvSpPr>
         <p:spPr>
           <a:xfrm>
-            <a:off x="22881997" y="40040601"/>
-            <a:ext cx="7289840" cy="2300034"/>
+            <a:off x="22885360" y="40045014"/>
+            <a:ext cx="7290911" cy="2300288"/>
           </a:xfrm>
           <a:prstGeom prst="rect">
             <a:avLst/>
           </a:prstGeom>
         </p:spPr>
         <p:txBody>
-          <a:bodyPr vert="horz" lIns="91440" tIns="45720" rIns="91440" bIns="45720" rtlCol="0" anchor="ctr"/>
+          <a:bodyPr vert="horz" lIns="91449" tIns="45725" rIns="91449" bIns="45725" rtlCol="0" anchor="ctr"/>
           <a:lstStyle>
             <a:lvl1pPr algn="r">
-              <a:defRPr sz="4252">
+              <a:defRPr sz="4300">
                 <a:solidFill>
                   <a:schemeClr val="tx1">
                     <a:tint val="75000"/>
@@ -2684,7 +2684,7 @@
   </p:sldLayoutIdLst>
   <p:txStyles>
     <p:titleStyle>
-      <a:lvl1pPr algn="l" defTabSz="3239902" rtl="0" eaLnBrk="1" latinLnBrk="0" hangingPunct="1">
+      <a:lvl1pPr algn="l" defTabSz="3240226" rtl="0" eaLnBrk="1" latinLnBrk="0" hangingPunct="1">
         <a:lnSpc>
           <a:spcPct val="90000"/>
         </a:lnSpc>
@@ -2692,7 +2692,7 @@
           <a:spcPct val="0"/>
         </a:spcBef>
         <a:buNone/>
-        <a:defRPr sz="15590" kern="1200">
+        <a:defRPr sz="15600" kern="1200">
           <a:solidFill>
             <a:schemeClr val="tx1"/>
           </a:solidFill>
@@ -2703,7 +2703,7 @@
       </a:lvl1pPr>
     </p:titleStyle>
     <p:bodyStyle>
-      <a:lvl1pPr marL="809976" indent="-809976" algn="l" defTabSz="3239902" rtl="0" eaLnBrk="1" latinLnBrk="0" hangingPunct="1">
+      <a:lvl1pPr marL="810057" indent="-810057" algn="l" defTabSz="3240226" rtl="0" eaLnBrk="1" latinLnBrk="0" hangingPunct="1">
         <a:lnSpc>
           <a:spcPct val="90000"/>
         </a:lnSpc>
@@ -2712,7 +2712,7 @@
         </a:spcBef>
         <a:buFont typeface="Arial" panose="020B0604020202020204" pitchFamily="34" charset="0"/>
         <a:buChar char="•"/>
-        <a:defRPr sz="9921" kern="1200">
+        <a:defRPr sz="9900" kern="1200">
           <a:solidFill>
             <a:schemeClr val="tx1"/>
           </a:solidFill>
@@ -2721,7 +2721,7 @@
           <a:cs typeface="+mn-cs"/>
         </a:defRPr>
       </a:lvl1pPr>
-      <a:lvl2pPr marL="2429927" indent="-809976" algn="l" defTabSz="3239902" rtl="0" eaLnBrk="1" latinLnBrk="0" hangingPunct="1">
+      <a:lvl2pPr marL="2430170" indent="-810057" algn="l" defTabSz="3240226" rtl="0" eaLnBrk="1" latinLnBrk="0" hangingPunct="1">
         <a:lnSpc>
           <a:spcPct val="90000"/>
         </a:lnSpc>
@@ -2730,7 +2730,7 @@
         </a:spcBef>
         <a:buFont typeface="Arial" panose="020B0604020202020204" pitchFamily="34" charset="0"/>
         <a:buChar char="•"/>
-        <a:defRPr sz="8504" kern="1200">
+        <a:defRPr sz="8500" kern="1200">
           <a:solidFill>
             <a:schemeClr val="tx1"/>
           </a:solidFill>
@@ -2739,7 +2739,7 @@
           <a:cs typeface="+mn-cs"/>
         </a:defRPr>
       </a:lvl2pPr>
-      <a:lvl3pPr marL="4049878" indent="-809976" algn="l" defTabSz="3239902" rtl="0" eaLnBrk="1" latinLnBrk="0" hangingPunct="1">
+      <a:lvl3pPr marL="4050283" indent="-810057" algn="l" defTabSz="3240226" rtl="0" eaLnBrk="1" latinLnBrk="0" hangingPunct="1">
         <a:lnSpc>
           <a:spcPct val="90000"/>
         </a:lnSpc>
@@ -2748,7 +2748,7 @@
         </a:spcBef>
         <a:buFont typeface="Arial" panose="020B0604020202020204" pitchFamily="34" charset="0"/>
         <a:buChar char="•"/>
-        <a:defRPr sz="7086" kern="1200">
+        <a:defRPr sz="7100" kern="1200">
           <a:solidFill>
             <a:schemeClr val="tx1"/>
           </a:solidFill>
@@ -2757,7 +2757,7 @@
           <a:cs typeface="+mn-cs"/>
         </a:defRPr>
       </a:lvl3pPr>
-      <a:lvl4pPr marL="5669829" indent="-809976" algn="l" defTabSz="3239902" rtl="0" eaLnBrk="1" latinLnBrk="0" hangingPunct="1">
+      <a:lvl4pPr marL="5670396" indent="-810057" algn="l" defTabSz="3240226" rtl="0" eaLnBrk="1" latinLnBrk="0" hangingPunct="1">
         <a:lnSpc>
           <a:spcPct val="90000"/>
         </a:lnSpc>
@@ -2766,7 +2766,7 @@
         </a:spcBef>
         <a:buFont typeface="Arial" panose="020B0604020202020204" pitchFamily="34" charset="0"/>
         <a:buChar char="•"/>
-        <a:defRPr sz="6378" kern="1200">
+        <a:defRPr sz="6400" kern="1200">
           <a:solidFill>
             <a:schemeClr val="tx1"/>
           </a:solidFill>
@@ -2775,7 +2775,7 @@
           <a:cs typeface="+mn-cs"/>
         </a:defRPr>
       </a:lvl4pPr>
-      <a:lvl5pPr marL="7289780" indent="-809976" algn="l" defTabSz="3239902" rtl="0" eaLnBrk="1" latinLnBrk="0" hangingPunct="1">
+      <a:lvl5pPr marL="7290509" indent="-810057" algn="l" defTabSz="3240226" rtl="0" eaLnBrk="1" latinLnBrk="0" hangingPunct="1">
         <a:lnSpc>
           <a:spcPct val="90000"/>
         </a:lnSpc>
@@ -2784,7 +2784,7 @@
         </a:spcBef>
         <a:buFont typeface="Arial" panose="020B0604020202020204" pitchFamily="34" charset="0"/>
         <a:buChar char="•"/>
-        <a:defRPr sz="6378" kern="1200">
+        <a:defRPr sz="6400" kern="1200">
           <a:solidFill>
             <a:schemeClr val="tx1"/>
           </a:solidFill>
@@ -2793,7 +2793,7 @@
           <a:cs typeface="+mn-cs"/>
         </a:defRPr>
       </a:lvl5pPr>
-      <a:lvl6pPr marL="8909731" indent="-809976" algn="l" defTabSz="3239902" rtl="0" eaLnBrk="1" latinLnBrk="0" hangingPunct="1">
+      <a:lvl6pPr marL="8910622" indent="-810057" algn="l" defTabSz="3240226" rtl="0" eaLnBrk="1" latinLnBrk="0" hangingPunct="1">
         <a:lnSpc>
           <a:spcPct val="90000"/>
         </a:lnSpc>
@@ -2802,7 +2802,7 @@
         </a:spcBef>
         <a:buFont typeface="Arial" panose="020B0604020202020204" pitchFamily="34" charset="0"/>
         <a:buChar char="•"/>
-        <a:defRPr sz="6378" kern="1200">
+        <a:defRPr sz="6400" kern="1200">
           <a:solidFill>
             <a:schemeClr val="tx1"/>
           </a:solidFill>
@@ -2811,7 +2811,7 @@
           <a:cs typeface="+mn-cs"/>
         </a:defRPr>
       </a:lvl6pPr>
-      <a:lvl7pPr marL="10529682" indent="-809976" algn="l" defTabSz="3239902" rtl="0" eaLnBrk="1" latinLnBrk="0" hangingPunct="1">
+      <a:lvl7pPr marL="10530735" indent="-810057" algn="l" defTabSz="3240226" rtl="0" eaLnBrk="1" latinLnBrk="0" hangingPunct="1">
         <a:lnSpc>
           <a:spcPct val="90000"/>
         </a:lnSpc>
@@ -2820,7 +2820,7 @@
         </a:spcBef>
         <a:buFont typeface="Arial" panose="020B0604020202020204" pitchFamily="34" charset="0"/>
         <a:buChar char="•"/>
-        <a:defRPr sz="6378" kern="1200">
+        <a:defRPr sz="6400" kern="1200">
           <a:solidFill>
             <a:schemeClr val="tx1"/>
           </a:solidFill>
@@ -2829,7 +2829,7 @@
           <a:cs typeface="+mn-cs"/>
         </a:defRPr>
       </a:lvl7pPr>
-      <a:lvl8pPr marL="12149633" indent="-809976" algn="l" defTabSz="3239902" rtl="0" eaLnBrk="1" latinLnBrk="0" hangingPunct="1">
+      <a:lvl8pPr marL="12150848" indent="-810057" algn="l" defTabSz="3240226" rtl="0" eaLnBrk="1" latinLnBrk="0" hangingPunct="1">
         <a:lnSpc>
           <a:spcPct val="90000"/>
         </a:lnSpc>
@@ -2838,7 +2838,7 @@
         </a:spcBef>
         <a:buFont typeface="Arial" panose="020B0604020202020204" pitchFamily="34" charset="0"/>
         <a:buChar char="•"/>
-        <a:defRPr sz="6378" kern="1200">
+        <a:defRPr sz="6400" kern="1200">
           <a:solidFill>
             <a:schemeClr val="tx1"/>
           </a:solidFill>
@@ -2847,7 +2847,7 @@
           <a:cs typeface="+mn-cs"/>
         </a:defRPr>
       </a:lvl8pPr>
-      <a:lvl9pPr marL="13769584" indent="-809976" algn="l" defTabSz="3239902" rtl="0" eaLnBrk="1" latinLnBrk="0" hangingPunct="1">
+      <a:lvl9pPr marL="13770961" indent="-810057" algn="l" defTabSz="3240226" rtl="0" eaLnBrk="1" latinLnBrk="0" hangingPunct="1">
         <a:lnSpc>
           <a:spcPct val="90000"/>
         </a:lnSpc>
@@ -2856,7 +2856,7 @@
         </a:spcBef>
         <a:buFont typeface="Arial" panose="020B0604020202020204" pitchFamily="34" charset="0"/>
         <a:buChar char="•"/>
-        <a:defRPr sz="6378" kern="1200">
+        <a:defRPr sz="6400" kern="1200">
           <a:solidFill>
             <a:schemeClr val="tx1"/>
           </a:solidFill>
@@ -2870,8 +2870,8 @@
       <a:defPPr>
         <a:defRPr lang="en-US"/>
       </a:defPPr>
-      <a:lvl1pPr marL="0" algn="l" defTabSz="3239902" rtl="0" eaLnBrk="1" latinLnBrk="0" hangingPunct="1">
-        <a:defRPr sz="6378" kern="1200">
+      <a:lvl1pPr marL="0" algn="l" defTabSz="3240226" rtl="0" eaLnBrk="1" latinLnBrk="0" hangingPunct="1">
+        <a:defRPr sz="6400" kern="1200">
           <a:solidFill>
             <a:schemeClr val="tx1"/>
           </a:solidFill>
@@ -2880,8 +2880,8 @@
           <a:cs typeface="+mn-cs"/>
         </a:defRPr>
       </a:lvl1pPr>
-      <a:lvl2pPr marL="1619951" algn="l" defTabSz="3239902" rtl="0" eaLnBrk="1" latinLnBrk="0" hangingPunct="1">
-        <a:defRPr sz="6378" kern="1200">
+      <a:lvl2pPr marL="1620113" algn="l" defTabSz="3240226" rtl="0" eaLnBrk="1" latinLnBrk="0" hangingPunct="1">
+        <a:defRPr sz="6400" kern="1200">
           <a:solidFill>
             <a:schemeClr val="tx1"/>
           </a:solidFill>
@@ -2890,8 +2890,8 @@
           <a:cs typeface="+mn-cs"/>
         </a:defRPr>
       </a:lvl2pPr>
-      <a:lvl3pPr marL="3239902" algn="l" defTabSz="3239902" rtl="0" eaLnBrk="1" latinLnBrk="0" hangingPunct="1">
-        <a:defRPr sz="6378" kern="1200">
+      <a:lvl3pPr marL="3240226" algn="l" defTabSz="3240226" rtl="0" eaLnBrk="1" latinLnBrk="0" hangingPunct="1">
+        <a:defRPr sz="6400" kern="1200">
           <a:solidFill>
             <a:schemeClr val="tx1"/>
           </a:solidFill>
@@ -2900,8 +2900,8 @@
           <a:cs typeface="+mn-cs"/>
         </a:defRPr>
       </a:lvl3pPr>
-      <a:lvl4pPr marL="4859853" algn="l" defTabSz="3239902" rtl="0" eaLnBrk="1" latinLnBrk="0" hangingPunct="1">
-        <a:defRPr sz="6378" kern="1200">
+      <a:lvl4pPr marL="4860339" algn="l" defTabSz="3240226" rtl="0" eaLnBrk="1" latinLnBrk="0" hangingPunct="1">
+        <a:defRPr sz="6400" kern="1200">
           <a:solidFill>
             <a:schemeClr val="tx1"/>
           </a:solidFill>
@@ -2910,8 +2910,8 @@
           <a:cs typeface="+mn-cs"/>
         </a:defRPr>
       </a:lvl4pPr>
-      <a:lvl5pPr marL="6479804" algn="l" defTabSz="3239902" rtl="0" eaLnBrk="1" latinLnBrk="0" hangingPunct="1">
-        <a:defRPr sz="6378" kern="1200">
+      <a:lvl5pPr marL="6480452" algn="l" defTabSz="3240226" rtl="0" eaLnBrk="1" latinLnBrk="0" hangingPunct="1">
+        <a:defRPr sz="6400" kern="1200">
           <a:solidFill>
             <a:schemeClr val="tx1"/>
           </a:solidFill>
@@ -2920,8 +2920,8 @@
           <a:cs typeface="+mn-cs"/>
         </a:defRPr>
       </a:lvl5pPr>
-      <a:lvl6pPr marL="8099755" algn="l" defTabSz="3239902" rtl="0" eaLnBrk="1" latinLnBrk="0" hangingPunct="1">
-        <a:defRPr sz="6378" kern="1200">
+      <a:lvl6pPr marL="8100565" algn="l" defTabSz="3240226" rtl="0" eaLnBrk="1" latinLnBrk="0" hangingPunct="1">
+        <a:defRPr sz="6400" kern="1200">
           <a:solidFill>
             <a:schemeClr val="tx1"/>
           </a:solidFill>
@@ -2930,8 +2930,8 @@
           <a:cs typeface="+mn-cs"/>
         </a:defRPr>
       </a:lvl6pPr>
-      <a:lvl7pPr marL="9719706" algn="l" defTabSz="3239902" rtl="0" eaLnBrk="1" latinLnBrk="0" hangingPunct="1">
-        <a:defRPr sz="6378" kern="1200">
+      <a:lvl7pPr marL="9720678" algn="l" defTabSz="3240226" rtl="0" eaLnBrk="1" latinLnBrk="0" hangingPunct="1">
+        <a:defRPr sz="6400" kern="1200">
           <a:solidFill>
             <a:schemeClr val="tx1"/>
           </a:solidFill>
@@ -2940,8 +2940,8 @@
           <a:cs typeface="+mn-cs"/>
         </a:defRPr>
       </a:lvl7pPr>
-      <a:lvl8pPr marL="11339657" algn="l" defTabSz="3239902" rtl="0" eaLnBrk="1" latinLnBrk="0" hangingPunct="1">
-        <a:defRPr sz="6378" kern="1200">
+      <a:lvl8pPr marL="11340791" algn="l" defTabSz="3240226" rtl="0" eaLnBrk="1" latinLnBrk="0" hangingPunct="1">
+        <a:defRPr sz="6400" kern="1200">
           <a:solidFill>
             <a:schemeClr val="tx1"/>
           </a:solidFill>
@@ -2950,8 +2950,8 @@
           <a:cs typeface="+mn-cs"/>
         </a:defRPr>
       </a:lvl8pPr>
-      <a:lvl9pPr marL="12959608" algn="l" defTabSz="3239902" rtl="0" eaLnBrk="1" latinLnBrk="0" hangingPunct="1">
-        <a:defRPr sz="6378" kern="1200">
+      <a:lvl9pPr marL="12960904" algn="l" defTabSz="3240226" rtl="0" eaLnBrk="1" latinLnBrk="0" hangingPunct="1">
+        <a:defRPr sz="6400" kern="1200">
           <a:solidFill>
             <a:schemeClr val="tx1"/>
           </a:solidFill>
@@ -2987,7 +2987,7 @@
           <p:cNvPr id="4" name="biu frame">
             <a:extLst>
               <a:ext uri="{FF2B5EF4-FFF2-40B4-BE49-F238E27FC236}">
-                <a16:creationId xmlns:a16="http://schemas.microsoft.com/office/drawing/2014/main" id="{DBB6CD8F-ED58-4F76-A838-487C812DCD46}"/>
+                <a16:creationId xmlns:a16="http://schemas.microsoft.com/office/drawing/2014/main" xmlns="" id="{DBB6CD8F-ED58-4F76-A838-487C812DCD46}"/>
               </a:ext>
             </a:extLst>
           </p:cNvPr>
@@ -3010,8 +3010,8 @@
         </p:blipFill>
         <p:spPr>
           <a:xfrm>
-            <a:off x="-23094" y="638"/>
-            <a:ext cx="32400762" cy="43200000"/>
+            <a:off x="-23098" y="638"/>
+            <a:ext cx="32427147" cy="43204762"/>
           </a:xfrm>
           <a:prstGeom prst="rect">
             <a:avLst/>
@@ -3023,7 +3023,7 @@
           <p:cNvPr id="10" name="TextBox 9">
             <a:extLst>
               <a:ext uri="{FF2B5EF4-FFF2-40B4-BE49-F238E27FC236}">
-                <a16:creationId xmlns:a16="http://schemas.microsoft.com/office/drawing/2014/main" id="{21C35AA9-4CC2-4426-A6E4-1B8D70582002}"/>
+                <a16:creationId xmlns:a16="http://schemas.microsoft.com/office/drawing/2014/main" xmlns="" id="{21C35AA9-4CC2-4426-A6E4-1B8D70582002}"/>
               </a:ext>
             </a:extLst>
           </p:cNvPr>
@@ -3032,8 +3032,8 @@
         </p:nvSpPr>
         <p:spPr>
           <a:xfrm>
-            <a:off x="19993635" y="29839099"/>
-            <a:ext cx="9720000" cy="654265"/>
+            <a:off x="19996573" y="29842389"/>
+            <a:ext cx="9721429" cy="554008"/>
           </a:xfrm>
           <a:prstGeom prst="rect">
             <a:avLst/>
@@ -3041,7 +3041,7 @@
           <a:noFill/>
         </p:spPr>
         <p:txBody>
-          <a:bodyPr wrap="square" rtlCol="0">
+          <a:bodyPr wrap="square" lIns="91449" tIns="45725" rIns="91449" bIns="45725" rtlCol="0">
             <a:spAutoFit/>
           </a:bodyPr>
           <a:lstStyle/>
@@ -3075,7 +3075,7 @@
           <p:cNvPr id="16" name="Group 15">
             <a:extLst>
               <a:ext uri="{FF2B5EF4-FFF2-40B4-BE49-F238E27FC236}">
-                <a16:creationId xmlns:a16="http://schemas.microsoft.com/office/drawing/2014/main" id="{BCEB0613-7A4B-4017-B08D-16B2F3CF6257}"/>
+                <a16:creationId xmlns:a16="http://schemas.microsoft.com/office/drawing/2014/main" xmlns="" id="{BCEB0613-7A4B-4017-B08D-16B2F3CF6257}"/>
               </a:ext>
             </a:extLst>
           </p:cNvPr>
@@ -3086,8 +3086,8 @@
         </p:nvGrpSpPr>
         <p:grpSpPr>
           <a:xfrm>
-            <a:off x="720000" y="21638446"/>
-            <a:ext cx="13680000" cy="3283704"/>
+            <a:off x="720106" y="21640831"/>
+            <a:ext cx="13682011" cy="3284066"/>
             <a:chOff x="0" y="1"/>
             <a:chExt cx="2936623" cy="926166"/>
           </a:xfrm>
@@ -3097,7 +3097,7 @@
             <p:cNvPr id="17" name="תיבת טקסט 18">
               <a:extLst>
                 <a:ext uri="{FF2B5EF4-FFF2-40B4-BE49-F238E27FC236}">
-                  <a16:creationId xmlns:a16="http://schemas.microsoft.com/office/drawing/2014/main" id="{16681B08-B5BB-4072-8771-E8321F8CFC99}"/>
+                  <a16:creationId xmlns:a16="http://schemas.microsoft.com/office/drawing/2014/main" xmlns="" id="{16681B08-B5BB-4072-8771-E8321F8CFC99}"/>
                 </a:ext>
               </a:extLst>
             </p:cNvPr>
@@ -3128,75 +3128,27 @@
             </a:bodyPr>
             <a:lstStyle/>
             <a:p>
-              <a:pPr marL="0" marR="0" algn="l" rtl="0">
-                <a:spcBef>
-                  <a:spcPts val="0"/>
-                </a:spcBef>
-                <a:spcAft>
-                  <a:spcPts val="0"/>
-                </a:spcAft>
-              </a:pPr>
               <a:r>
                 <a:rPr lang="en-US" sz="3500" dirty="0">
                   <a:latin typeface="Calibri" panose="020F0502020204030204" pitchFamily="34" charset="0"/>
                   <a:ea typeface="Calibri" panose="020F0502020204030204" pitchFamily="34" charset="0"/>
                   <a:cs typeface="Arial" panose="020B0604020202020204" pitchFamily="34" charset="0"/>
                 </a:rPr>
-                <a:t>A</a:t>
+                <a:t>Approach: training models on encrypted images.</a:t>
               </a:r>
-              <a:r>
-                <a:rPr lang="en-US" sz="3500" dirty="0">
-                  <a:effectLst/>
-                  <a:latin typeface="Calibri" panose="020F0502020204030204" pitchFamily="34" charset="0"/>
-                  <a:ea typeface="Calibri" panose="020F0502020204030204" pitchFamily="34" charset="0"/>
-                  <a:cs typeface="Arial" panose="020B0604020202020204" pitchFamily="34" charset="0"/>
-                </a:rPr>
-                <a:t>pproach:</a:t>
-              </a:r>
+            </a:p>
+            <a:p>
               <a:r>
                 <a:rPr lang="en-US" sz="3500" dirty="0">
                   <a:latin typeface="Calibri" panose="020F0502020204030204" pitchFamily="34" charset="0"/>
                   <a:ea typeface="Calibri" panose="020F0502020204030204" pitchFamily="34" charset="0"/>
                   <a:cs typeface="Arial" panose="020B0604020202020204" pitchFamily="34" charset="0"/>
                 </a:rPr>
-                <a:t> </a:t>
-              </a:r>
-              <a:r>
-                <a:rPr lang="en-US" sz="3500" dirty="0">
-                  <a:effectLst/>
-                  <a:latin typeface="Calibri" panose="020F0502020204030204" pitchFamily="34" charset="0"/>
-                  <a:ea typeface="Calibri" panose="020F0502020204030204" pitchFamily="34" charset="0"/>
-                  <a:cs typeface="Arial" panose="020B0604020202020204" pitchFamily="34" charset="0"/>
-                </a:rPr>
-                <a:t>training models on encrypted images.</a:t>
+                <a:t>Encryption techniques:</a:t>
               </a:r>
             </a:p>
             <a:p>
-              <a:pPr marL="0" marR="0" algn="l" rtl="0">
-                <a:spcBef>
-                  <a:spcPts val="0"/>
-                </a:spcBef>
-                <a:spcAft>
-                  <a:spcPts val="0"/>
-                </a:spcAft>
-              </a:pPr>
-              <a:r>
-                <a:rPr lang="en-US" sz="3500" dirty="0">
-                  <a:effectLst/>
-                  <a:latin typeface="Calibri" panose="020F0502020204030204" pitchFamily="34" charset="0"/>
-                  <a:ea typeface="Calibri" panose="020F0502020204030204" pitchFamily="34" charset="0"/>
-                  <a:cs typeface="Arial" panose="020B0604020202020204" pitchFamily="34" charset="0"/>
-                </a:rPr>
-                <a:t>Encryption techniques:</a:t>
-              </a:r>
-              <a:endParaRPr lang="en-US" sz="3500" dirty="0">
-                <a:latin typeface="Calibri" panose="020F0502020204030204" pitchFamily="34" charset="0"/>
-                <a:ea typeface="Calibri" panose="020F0502020204030204" pitchFamily="34" charset="0"/>
-                <a:cs typeface="Arial" panose="020B0604020202020204" pitchFamily="34" charset="0"/>
-              </a:endParaRPr>
-            </a:p>
-            <a:p>
-              <a:pPr marL="457200" indent="-457200">
+              <a:pPr marL="457246" indent="-457246">
                 <a:buFont typeface="Wingdings" pitchFamily="2" charset="2"/>
                 <a:buChar char="ü"/>
               </a:pPr>
@@ -3210,7 +3162,7 @@
               </a:r>
             </a:p>
             <a:p>
-              <a:pPr marL="457200" indent="-457200">
+              <a:pPr marL="457246" indent="-457246">
                 <a:buFont typeface="Wingdings" pitchFamily="2" charset="2"/>
                 <a:buChar char="ü"/>
               </a:pPr>
@@ -3225,16 +3177,7 @@
               <a:endParaRPr lang="en-US" sz="3500" dirty="0"/>
             </a:p>
             <a:p>
-              <a:pPr marR="0" lvl="0" algn="l" rtl="0">
-                <a:spcBef>
-                  <a:spcPts val="0"/>
-                </a:spcBef>
-                <a:spcAft>
-                  <a:spcPts val="0"/>
-                </a:spcAft>
-              </a:pPr>
               <a:endParaRPr lang="en-US" sz="3500" dirty="0">
-                <a:effectLst/>
                 <a:latin typeface="Calibri" panose="020F0502020204030204" pitchFamily="34" charset="0"/>
                 <a:ea typeface="Calibri" panose="020F0502020204030204" pitchFamily="34" charset="0"/>
                 <a:cs typeface="Arial" panose="020B0604020202020204" pitchFamily="34" charset="0"/>
@@ -3247,7 +3190,7 @@
             <p:cNvPr id="18" name="Text Box 24">
               <a:extLst>
                 <a:ext uri="{FF2B5EF4-FFF2-40B4-BE49-F238E27FC236}">
-                  <a16:creationId xmlns:a16="http://schemas.microsoft.com/office/drawing/2014/main" id="{381F52DF-4A25-4DD5-9D0F-C809759D92B7}"/>
+                  <a16:creationId xmlns:a16="http://schemas.microsoft.com/office/drawing/2014/main" xmlns="" id="{381F52DF-4A25-4DD5-9D0F-C809759D92B7}"/>
                 </a:ext>
               </a:extLst>
             </p:cNvPr>
@@ -3278,13 +3221,10 @@
             </a:bodyPr>
             <a:lstStyle/>
             <a:p>
-              <a:pPr marL="742950" marR="0" lvl="0" indent="-742950" rtl="0">
+              <a:pPr marL="743024" indent="-743024">
                 <a:lnSpc>
                   <a:spcPct val="115000"/>
                 </a:lnSpc>
-                <a:spcBef>
-                  <a:spcPts val="0"/>
-                </a:spcBef>
                 <a:spcAft>
                   <a:spcPts val="1000"/>
                 </a:spcAft>
@@ -3296,7 +3236,6 @@
                   <a:solidFill>
                     <a:srgbClr val="FFFFFF"/>
                   </a:solidFill>
-                  <a:effectLst/>
                   <a:latin typeface="Calibri" panose="020F0502020204030204" pitchFamily="34" charset="0"/>
                   <a:cs typeface="Arial" panose="020B0604020202020204" pitchFamily="34" charset="0"/>
                 </a:rPr>
@@ -3311,7 +3250,7 @@
           <p:cNvPr id="19" name="Group 18">
             <a:extLst>
               <a:ext uri="{FF2B5EF4-FFF2-40B4-BE49-F238E27FC236}">
-                <a16:creationId xmlns:a16="http://schemas.microsoft.com/office/drawing/2014/main" id="{213AB796-6D44-478C-94D2-A45B981805E4}"/>
+                <a16:creationId xmlns:a16="http://schemas.microsoft.com/office/drawing/2014/main" xmlns="" id="{213AB796-6D44-478C-94D2-A45B981805E4}"/>
               </a:ext>
             </a:extLst>
           </p:cNvPr>
@@ -3320,8 +3259,8 @@
         </p:nvGrpSpPr>
         <p:grpSpPr>
           <a:xfrm>
-            <a:off x="18000000" y="9312956"/>
-            <a:ext cx="13680000" cy="3622181"/>
+            <a:off x="18002645" y="9313983"/>
+            <a:ext cx="13682011" cy="3622580"/>
             <a:chOff x="0" y="1"/>
             <a:chExt cx="2936623" cy="1021633"/>
           </a:xfrm>
@@ -3331,7 +3270,7 @@
             <p:cNvPr id="20" name="תיבת טקסט 18">
               <a:extLst>
                 <a:ext uri="{FF2B5EF4-FFF2-40B4-BE49-F238E27FC236}">
-                  <a16:creationId xmlns:a16="http://schemas.microsoft.com/office/drawing/2014/main" id="{5829F93E-C6BE-4714-B2D5-973472A44C1D}"/>
+                  <a16:creationId xmlns:a16="http://schemas.microsoft.com/office/drawing/2014/main" xmlns="" id="{5829F93E-C6BE-4714-B2D5-973472A44C1D}"/>
                 </a:ext>
               </a:extLst>
             </p:cNvPr>
@@ -3368,7 +3307,7 @@
               </a:r>
             </a:p>
             <a:p>
-              <a:pPr marL="457200" indent="-457200">
+              <a:pPr marL="457246" indent="-457246">
                 <a:buFont typeface="Wingdings" pitchFamily="2" charset="2"/>
                 <a:buChar char="ü"/>
               </a:pPr>
@@ -3387,7 +3326,7 @@
               </a:endParaRPr>
             </a:p>
             <a:p>
-              <a:pPr marL="457200" indent="-457200">
+              <a:pPr marL="457246" indent="-457246">
                 <a:buFont typeface="Wingdings" pitchFamily="2" charset="2"/>
                 <a:buChar char="ü"/>
               </a:pPr>
@@ -3409,7 +3348,7 @@
             <p:cNvPr id="21" name="Text Box 24">
               <a:extLst>
                 <a:ext uri="{FF2B5EF4-FFF2-40B4-BE49-F238E27FC236}">
-                  <a16:creationId xmlns:a16="http://schemas.microsoft.com/office/drawing/2014/main" id="{61B4D10A-7422-45CD-A48E-E673CACB8BE8}"/>
+                  <a16:creationId xmlns:a16="http://schemas.microsoft.com/office/drawing/2014/main" xmlns="" id="{61B4D10A-7422-45CD-A48E-E673CACB8BE8}"/>
                 </a:ext>
               </a:extLst>
             </p:cNvPr>
@@ -3440,13 +3379,10 @@
             </a:bodyPr>
             <a:lstStyle/>
             <a:p>
-              <a:pPr marL="742950" marR="0" lvl="0" indent="-742950" rtl="0">
+              <a:pPr marL="743024" indent="-743024">
                 <a:lnSpc>
                   <a:spcPct val="115000"/>
                 </a:lnSpc>
-                <a:spcBef>
-                  <a:spcPts val="0"/>
-                </a:spcBef>
                 <a:spcAft>
                   <a:spcPts val="1000"/>
                 </a:spcAft>
@@ -3458,7 +3394,6 @@
                   <a:solidFill>
                     <a:srgbClr val="FFFFFF"/>
                   </a:solidFill>
-                  <a:effectLst/>
                   <a:latin typeface="Calibri" panose="020F0502020204030204" pitchFamily="34" charset="0"/>
                   <a:cs typeface="Arial" panose="020B0604020202020204" pitchFamily="34" charset="0"/>
                 </a:rPr>
@@ -3473,7 +3408,7 @@
           <p:cNvPr id="22" name="Group 21">
             <a:extLst>
               <a:ext uri="{FF2B5EF4-FFF2-40B4-BE49-F238E27FC236}">
-                <a16:creationId xmlns:a16="http://schemas.microsoft.com/office/drawing/2014/main" id="{EEA89EBD-FDDE-48A6-8855-66923377C367}"/>
+                <a16:creationId xmlns:a16="http://schemas.microsoft.com/office/drawing/2014/main" xmlns="" id="{EEA89EBD-FDDE-48A6-8855-66923377C367}"/>
               </a:ext>
             </a:extLst>
           </p:cNvPr>
@@ -3482,8 +3417,8 @@
         </p:nvGrpSpPr>
         <p:grpSpPr>
           <a:xfrm>
-            <a:off x="720000" y="30338281"/>
-            <a:ext cx="13680000" cy="1921353"/>
+            <a:off x="720106" y="30341626"/>
+            <a:ext cx="13682011" cy="1921565"/>
             <a:chOff x="0" y="1"/>
             <a:chExt cx="2936623" cy="541916"/>
           </a:xfrm>
@@ -3493,7 +3428,7 @@
             <p:cNvPr id="23" name="תיבת טקסט 18">
               <a:extLst>
                 <a:ext uri="{FF2B5EF4-FFF2-40B4-BE49-F238E27FC236}">
-                  <a16:creationId xmlns:a16="http://schemas.microsoft.com/office/drawing/2014/main" id="{EFAD3A93-6265-4D90-B121-E7210ACAD82E}"/>
+                  <a16:creationId xmlns:a16="http://schemas.microsoft.com/office/drawing/2014/main" xmlns="" id="{EFAD3A93-6265-4D90-B121-E7210ACAD82E}"/>
                 </a:ext>
               </a:extLst>
             </p:cNvPr>
@@ -3536,7 +3471,7 @@
             <p:cNvPr id="24" name="Text Box 24">
               <a:extLst>
                 <a:ext uri="{FF2B5EF4-FFF2-40B4-BE49-F238E27FC236}">
-                  <a16:creationId xmlns:a16="http://schemas.microsoft.com/office/drawing/2014/main" id="{2D0005CC-35A2-4D6D-ABF5-9D776BB2B284}"/>
+                  <a16:creationId xmlns:a16="http://schemas.microsoft.com/office/drawing/2014/main" xmlns="" id="{2D0005CC-35A2-4D6D-ABF5-9D776BB2B284}"/>
                 </a:ext>
               </a:extLst>
             </p:cNvPr>
@@ -3567,13 +3502,10 @@
             </a:bodyPr>
             <a:lstStyle/>
             <a:p>
-              <a:pPr marL="742950" marR="0" lvl="0" indent="-742950" rtl="0">
+              <a:pPr marL="743024" indent="-743024">
                 <a:lnSpc>
                   <a:spcPct val="115000"/>
                 </a:lnSpc>
-                <a:spcBef>
-                  <a:spcPts val="0"/>
-                </a:spcBef>
                 <a:spcAft>
                   <a:spcPts val="1000"/>
                 </a:spcAft>
@@ -3585,32 +3517,10 @@
                   <a:solidFill>
                     <a:srgbClr val="FFFFFF"/>
                   </a:solidFill>
-                  <a:effectLst/>
                   <a:latin typeface="Calibri" panose="020F0502020204030204" pitchFamily="34" charset="0"/>
                   <a:cs typeface="Arial" panose="020B0604020202020204" pitchFamily="34" charset="0"/>
                 </a:rPr>
-                <a:t>Cutting Loose </a:t>
-              </a:r>
-              <a:r>
-                <a:rPr lang="en-US" sz="4000" b="1" kern="0" dirty="0">
-                  <a:solidFill>
-                    <a:srgbClr val="FFFFFF"/>
-                  </a:solidFill>
-                  <a:latin typeface="Calibri" panose="020F0502020204030204" pitchFamily="34" charset="0"/>
-                  <a:cs typeface="Arial" panose="020B0604020202020204" pitchFamily="34" charset="0"/>
-                </a:rPr>
-                <a:t>E</a:t>
-              </a:r>
-              <a:r>
-                <a:rPr lang="en-US" sz="4000" b="1" kern="0" dirty="0">
-                  <a:solidFill>
-                    <a:srgbClr val="FFFFFF"/>
-                  </a:solidFill>
-                  <a:effectLst/>
-                  <a:latin typeface="Calibri" panose="020F0502020204030204" pitchFamily="34" charset="0"/>
-                  <a:cs typeface="Arial" panose="020B0604020202020204" pitchFamily="34" charset="0"/>
-                </a:rPr>
-                <a:t>nds</a:t>
+                <a:t>Cutting Loose Ends</a:t>
               </a:r>
             </a:p>
           </p:txBody>
@@ -3621,7 +3531,7 @@
           <p:cNvPr id="25" name="Group 24">
             <a:extLst>
               <a:ext uri="{FF2B5EF4-FFF2-40B4-BE49-F238E27FC236}">
-                <a16:creationId xmlns:a16="http://schemas.microsoft.com/office/drawing/2014/main" id="{86DF5ED0-1140-4DE6-9986-617C295E9972}"/>
+                <a16:creationId xmlns:a16="http://schemas.microsoft.com/office/drawing/2014/main" xmlns="" id="{86DF5ED0-1140-4DE6-9986-617C295E9972}"/>
               </a:ext>
             </a:extLst>
           </p:cNvPr>
@@ -3630,8 +3540,8 @@
         </p:nvGrpSpPr>
         <p:grpSpPr>
           <a:xfrm>
-            <a:off x="10780327" y="6278000"/>
-            <a:ext cx="10800000" cy="2155202"/>
+            <a:off x="10781912" y="6278692"/>
+            <a:ext cx="10801587" cy="2155440"/>
             <a:chOff x="0" y="1"/>
             <a:chExt cx="2936623" cy="607873"/>
           </a:xfrm>
@@ -3641,7 +3551,7 @@
             <p:cNvPr id="26" name="תיבת טקסט 18">
               <a:extLst>
                 <a:ext uri="{FF2B5EF4-FFF2-40B4-BE49-F238E27FC236}">
-                  <a16:creationId xmlns:a16="http://schemas.microsoft.com/office/drawing/2014/main" id="{7231FC04-FE29-41A3-A56A-F24A16325C5E}"/>
+                  <a16:creationId xmlns:a16="http://schemas.microsoft.com/office/drawing/2014/main" xmlns="" id="{7231FC04-FE29-41A3-A56A-F24A16325C5E}"/>
                 </a:ext>
               </a:extLst>
             </p:cNvPr>
@@ -3685,7 +3595,7 @@
             <p:cNvPr id="27" name="Text Box 24">
               <a:extLst>
                 <a:ext uri="{FF2B5EF4-FFF2-40B4-BE49-F238E27FC236}">
-                  <a16:creationId xmlns:a16="http://schemas.microsoft.com/office/drawing/2014/main" id="{BBDFD652-0BF1-49B2-8BA9-681958173701}"/>
+                  <a16:creationId xmlns:a16="http://schemas.microsoft.com/office/drawing/2014/main" xmlns="" id="{BBDFD652-0BF1-49B2-8BA9-681958173701}"/>
                 </a:ext>
               </a:extLst>
             </p:cNvPr>
@@ -3716,13 +3626,10 @@
             </a:bodyPr>
             <a:lstStyle/>
             <a:p>
-              <a:pPr marR="0" lvl="0" rtl="0">
+              <a:pPr>
                 <a:lnSpc>
                   <a:spcPct val="115000"/>
                 </a:lnSpc>
-                <a:spcBef>
-                  <a:spcPts val="0"/>
-                </a:spcBef>
                 <a:spcAft>
                   <a:spcPts val="1000"/>
                 </a:spcAft>
@@ -3737,14 +3644,6 @@
                 </a:rPr>
                 <a:t>Problem Description</a:t>
               </a:r>
-              <a:endParaRPr lang="en-US" sz="4000" b="1" kern="0" dirty="0">
-                <a:solidFill>
-                  <a:srgbClr val="FFFFFF"/>
-                </a:solidFill>
-                <a:effectLst/>
-                <a:latin typeface="Calibri" panose="020F0502020204030204" pitchFamily="34" charset="0"/>
-                <a:cs typeface="Arial" panose="020B0604020202020204" pitchFamily="34" charset="0"/>
-              </a:endParaRPr>
             </a:p>
           </p:txBody>
         </p:sp>
@@ -3754,7 +3653,7 @@
           <p:cNvPr id="28" name="Group 27">
             <a:extLst>
               <a:ext uri="{FF2B5EF4-FFF2-40B4-BE49-F238E27FC236}">
-                <a16:creationId xmlns:a16="http://schemas.microsoft.com/office/drawing/2014/main" id="{806CC6DC-751D-431B-A607-96ED6DCDB3E7}"/>
+                <a16:creationId xmlns:a16="http://schemas.microsoft.com/office/drawing/2014/main" xmlns="" id="{806CC6DC-751D-431B-A607-96ED6DCDB3E7}"/>
               </a:ext>
             </a:extLst>
           </p:cNvPr>
@@ -3763,8 +3662,8 @@
         </p:nvGrpSpPr>
         <p:grpSpPr>
           <a:xfrm>
-            <a:off x="10801856" y="38189927"/>
-            <a:ext cx="10800000" cy="2817303"/>
+            <a:off x="10803444" y="38194137"/>
+            <a:ext cx="10801587" cy="2817614"/>
             <a:chOff x="0" y="1"/>
             <a:chExt cx="2936623" cy="794618"/>
           </a:xfrm>
@@ -3774,7 +3673,7 @@
             <p:cNvPr id="29" name="תיבת טקסט 18">
               <a:extLst>
                 <a:ext uri="{FF2B5EF4-FFF2-40B4-BE49-F238E27FC236}">
-                  <a16:creationId xmlns:a16="http://schemas.microsoft.com/office/drawing/2014/main" id="{C990978E-F894-4DC0-BF26-414CBC82D697}"/>
+                  <a16:creationId xmlns:a16="http://schemas.microsoft.com/office/drawing/2014/main" xmlns="" id="{C990978E-F894-4DC0-BF26-414CBC82D697}"/>
                 </a:ext>
               </a:extLst>
             </p:cNvPr>
@@ -3805,7 +3704,7 @@
             </a:bodyPr>
             <a:lstStyle/>
             <a:p>
-              <a:pPr marL="457200" lvl="0" indent="-457200">
+              <a:pPr marL="457246" indent="-457246">
                 <a:buFont typeface="Wingdings" panose="05000000000000000000" pitchFamily="2" charset="2"/>
                 <a:buChar char="ü"/>
               </a:pPr>
@@ -3815,7 +3714,7 @@
               </a:r>
             </a:p>
             <a:p>
-              <a:pPr marL="457200" lvl="0" indent="-457200">
+              <a:pPr marL="457246" indent="-457246">
                 <a:buFont typeface="Wingdings" panose="05000000000000000000" pitchFamily="2" charset="2"/>
                 <a:buChar char="ü"/>
               </a:pPr>
@@ -3833,7 +3732,7 @@
               </a:r>
             </a:p>
             <a:p>
-              <a:pPr marL="457200" lvl="0" indent="-457200">
+              <a:pPr marL="457246" indent="-457246">
                 <a:buFont typeface="Wingdings" panose="05000000000000000000" pitchFamily="2" charset="2"/>
                 <a:buChar char="ü"/>
               </a:pPr>
@@ -3849,7 +3748,7 @@
             <p:cNvPr id="30" name="Text Box 24">
               <a:extLst>
                 <a:ext uri="{FF2B5EF4-FFF2-40B4-BE49-F238E27FC236}">
-                  <a16:creationId xmlns:a16="http://schemas.microsoft.com/office/drawing/2014/main" id="{268AC337-F800-4C0F-A092-659D9DC33F98}"/>
+                  <a16:creationId xmlns:a16="http://schemas.microsoft.com/office/drawing/2014/main" xmlns="" id="{268AC337-F800-4C0F-A092-659D9DC33F98}"/>
                 </a:ext>
               </a:extLst>
             </p:cNvPr>
@@ -3880,13 +3779,10 @@
             </a:bodyPr>
             <a:lstStyle/>
             <a:p>
-              <a:pPr marR="0" lvl="0" rtl="0">
+              <a:pPr>
                 <a:lnSpc>
                   <a:spcPct val="115000"/>
                 </a:lnSpc>
-                <a:spcBef>
-                  <a:spcPts val="0"/>
-                </a:spcBef>
                 <a:spcAft>
                   <a:spcPts val="1000"/>
                 </a:spcAft>
@@ -3901,14 +3797,6 @@
                 </a:rPr>
                 <a:t>Future Work</a:t>
               </a:r>
-              <a:endParaRPr lang="en-US" sz="4000" b="1" kern="0" dirty="0">
-                <a:solidFill>
-                  <a:srgbClr val="FFFFFF"/>
-                </a:solidFill>
-                <a:effectLst/>
-                <a:latin typeface="Calibri" panose="020F0502020204030204" pitchFamily="34" charset="0"/>
-                <a:cs typeface="Arial" panose="020B0604020202020204" pitchFamily="34" charset="0"/>
-              </a:endParaRPr>
             </a:p>
           </p:txBody>
         </p:sp>
@@ -3918,7 +3806,7 @@
           <p:cNvPr id="31" name="names">
             <a:extLst>
               <a:ext uri="{FF2B5EF4-FFF2-40B4-BE49-F238E27FC236}">
-                <a16:creationId xmlns:a16="http://schemas.microsoft.com/office/drawing/2014/main" id="{50263BFB-E418-4A74-AECE-CAD600D1406C}"/>
+                <a16:creationId xmlns:a16="http://schemas.microsoft.com/office/drawing/2014/main" xmlns="" id="{50263BFB-E418-4A74-AECE-CAD600D1406C}"/>
               </a:ext>
             </a:extLst>
           </p:cNvPr>
@@ -3929,8 +3817,8 @@
         </p:nvSpPr>
         <p:spPr bwMode="auto">
           <a:xfrm>
-            <a:off x="11422011" y="3219832"/>
-            <a:ext cx="9516632" cy="2400657"/>
+            <a:off x="11423690" y="3220187"/>
+            <a:ext cx="9518031" cy="2400922"/>
           </a:xfrm>
           <a:prstGeom prst="rect">
             <a:avLst/>
@@ -3948,25 +3836,17 @@
           </a:ln>
         </p:spPr>
         <p:txBody>
-          <a:bodyPr rot="0" vert="horz" wrap="square" lIns="91440" tIns="45720" rIns="91440" bIns="45720" anchor="ctr" anchorCtr="0">
+          <a:bodyPr rot="0" vert="horz" wrap="square" lIns="91449" tIns="45725" rIns="91449" bIns="45725" anchor="ctr" anchorCtr="0">
             <a:spAutoFit/>
           </a:bodyPr>
           <a:lstStyle/>
           <a:p>
-            <a:pPr marL="0" marR="0" algn="ctr" rtl="0">
-              <a:spcBef>
-                <a:spcPts val="0"/>
-              </a:spcBef>
-              <a:spcAft>
-                <a:spcPts val="0"/>
-              </a:spcAft>
-            </a:pPr>
+            <a:pPr algn="ctr"/>
             <a:r>
               <a:rPr lang="en-US" sz="5000" dirty="0">
                 <a:solidFill>
                   <a:srgbClr val="4A929C"/>
                 </a:solidFill>
-                <a:effectLst/>
                 <a:latin typeface="Calibri" panose="020F0502020204030204" pitchFamily="34" charset="0"/>
                 <a:ea typeface="Calibri" panose="020F0502020204030204" pitchFamily="34" charset="0"/>
                 <a:cs typeface="Arial" panose="020B0604020202020204" pitchFamily="34" charset="0"/>
@@ -3978,7 +3858,6 @@
                 <a:solidFill>
                   <a:srgbClr val="4A929C"/>
                 </a:solidFill>
-                <a:effectLst/>
                 <a:latin typeface="Calibri" panose="020F0502020204030204" pitchFamily="34" charset="0"/>
                 <a:ea typeface="Calibri" panose="020F0502020204030204" pitchFamily="34" charset="0"/>
                 <a:cs typeface="Arial" panose="020B0604020202020204" pitchFamily="34" charset="0"/>
@@ -3986,27 +3865,18 @@
               <a:t>___________________</a:t>
             </a:r>
             <a:endParaRPr lang="en-US" sz="5000" dirty="0">
-              <a:effectLst/>
               <a:latin typeface="Calibri" panose="020F0502020204030204" pitchFamily="34" charset="0"/>
               <a:ea typeface="Calibri" panose="020F0502020204030204" pitchFamily="34" charset="0"/>
               <a:cs typeface="Arial" panose="020B0604020202020204" pitchFamily="34" charset="0"/>
             </a:endParaRPr>
           </a:p>
           <a:p>
-            <a:pPr marL="0" marR="0" algn="ctr" rtl="0">
-              <a:spcBef>
-                <a:spcPts val="0"/>
-              </a:spcBef>
-              <a:spcAft>
-                <a:spcPts val="0"/>
-              </a:spcAft>
-            </a:pPr>
+            <a:pPr algn="ctr"/>
             <a:r>
               <a:rPr lang="en-US" sz="5000" dirty="0" err="1">
                 <a:solidFill>
                   <a:srgbClr val="4A929C"/>
                 </a:solidFill>
-                <a:effectLst/>
                 <a:latin typeface="Calibri" panose="020F0502020204030204" pitchFamily="34" charset="0"/>
                 <a:ea typeface="Calibri" panose="020F0502020204030204" pitchFamily="34" charset="0"/>
                 <a:cs typeface="Arial" panose="020B0604020202020204" pitchFamily="34" charset="0"/>
@@ -4018,7 +3888,6 @@
                 <a:solidFill>
                   <a:srgbClr val="4A929C"/>
                 </a:solidFill>
-                <a:effectLst/>
                 <a:latin typeface="Calibri" panose="020F0502020204030204" pitchFamily="34" charset="0"/>
                 <a:ea typeface="Calibri" panose="020F0502020204030204" pitchFamily="34" charset="0"/>
                 <a:cs typeface="Arial" panose="020B0604020202020204" pitchFamily="34" charset="0"/>
@@ -4026,27 +3895,18 @@
               <a:t> Asher • Steve Gutfreund</a:t>
             </a:r>
             <a:endParaRPr lang="en-US" sz="5000" dirty="0">
-              <a:effectLst/>
               <a:latin typeface="Calibri" panose="020F0502020204030204" pitchFamily="34" charset="0"/>
               <a:ea typeface="Calibri" panose="020F0502020204030204" pitchFamily="34" charset="0"/>
               <a:cs typeface="Arial" panose="020B0604020202020204" pitchFamily="34" charset="0"/>
             </a:endParaRPr>
           </a:p>
           <a:p>
-            <a:pPr marL="0" marR="0" algn="ctr" rtl="0">
-              <a:spcBef>
-                <a:spcPts val="0"/>
-              </a:spcBef>
-              <a:spcAft>
-                <a:spcPts val="0"/>
-              </a:spcAft>
-            </a:pPr>
+            <a:pPr algn="ctr"/>
             <a:r>
               <a:rPr lang="en-US" sz="5000" b="1" dirty="0">
                 <a:solidFill>
                   <a:srgbClr val="4A929C"/>
                 </a:solidFill>
-                <a:effectLst/>
                 <a:latin typeface="Calibri" panose="020F0502020204030204" pitchFamily="34" charset="0"/>
                 <a:ea typeface="Calibri" panose="020F0502020204030204" pitchFamily="34" charset="0"/>
                 <a:cs typeface="Arial" panose="020B0604020202020204" pitchFamily="34" charset="0"/>
@@ -4058,7 +3918,6 @@
                 <a:solidFill>
                   <a:srgbClr val="4A929C"/>
                 </a:solidFill>
-                <a:effectLst/>
                 <a:latin typeface="Calibri" panose="020F0502020204030204" pitchFamily="34" charset="0"/>
                 <a:ea typeface="Calibri" panose="020F0502020204030204" pitchFamily="34" charset="0"/>
                 <a:cs typeface="Arial" panose="020B0604020202020204" pitchFamily="34" charset="0"/>
@@ -4070,7 +3929,6 @@
                 <a:solidFill>
                   <a:srgbClr val="4A929C"/>
                 </a:solidFill>
-                <a:effectLst/>
                 <a:latin typeface="Calibri" panose="020F0502020204030204" pitchFamily="34" charset="0"/>
                 <a:ea typeface="Calibri" panose="020F0502020204030204" pitchFamily="34" charset="0"/>
                 <a:cs typeface="Arial" panose="020B0604020202020204" pitchFamily="34" charset="0"/>
@@ -4078,7 +3936,6 @@
               <a:t>Rosemarin</a:t>
             </a:r>
             <a:endParaRPr lang="en-US" sz="5000" dirty="0">
-              <a:effectLst/>
               <a:latin typeface="Calibri" panose="020F0502020204030204" pitchFamily="34" charset="0"/>
               <a:ea typeface="Calibri" panose="020F0502020204030204" pitchFamily="34" charset="0"/>
               <a:cs typeface="Arial" panose="020B0604020202020204" pitchFamily="34" charset="0"/>
@@ -4091,7 +3948,7 @@
           <p:cNvPr id="32" name="Title">
             <a:extLst>
               <a:ext uri="{FF2B5EF4-FFF2-40B4-BE49-F238E27FC236}">
-                <a16:creationId xmlns:a16="http://schemas.microsoft.com/office/drawing/2014/main" id="{815970DA-DF7D-459C-9C4D-F65236746442}"/>
+                <a16:creationId xmlns:a16="http://schemas.microsoft.com/office/drawing/2014/main" xmlns="" id="{815970DA-DF7D-459C-9C4D-F65236746442}"/>
               </a:ext>
             </a:extLst>
           </p:cNvPr>
@@ -4100,8 +3957,8 @@
         </p:nvSpPr>
         <p:spPr>
           <a:xfrm>
-            <a:off x="11727002" y="1882726"/>
-            <a:ext cx="8906650" cy="1647631"/>
+            <a:off x="11728726" y="1882934"/>
+            <a:ext cx="8907959" cy="1647813"/>
           </a:xfrm>
           <a:prstGeom prst="rect">
             <a:avLst/>
@@ -4112,7 +3969,7 @@
           </a:ln>
         </p:spPr>
         <p:txBody>
-          <a:bodyPr rot="0" spcFirstLastPara="0" vert="horz" wrap="square" lIns="91440" tIns="45720" rIns="91440" bIns="45720" numCol="1" spcCol="0" rtlCol="0" fromWordArt="0" anchor="t" anchorCtr="0" forceAA="0" compatLnSpc="1">
+          <a:bodyPr rot="0" spcFirstLastPara="0" vert="horz" wrap="square" lIns="91449" tIns="45725" rIns="91449" bIns="45725" numCol="1" spcCol="0" rtlCol="0" fromWordArt="0" anchor="t" anchorCtr="0" forceAA="0" compatLnSpc="1">
             <a:prstTxWarp prst="textNoShape">
               <a:avLst/>
             </a:prstTxWarp>
@@ -4120,20 +3977,12 @@
           </a:bodyPr>
           <a:lstStyle/>
           <a:p>
-            <a:pPr marL="0" marR="0" algn="ctr" rtl="1">
-              <a:spcBef>
-                <a:spcPts val="0"/>
-              </a:spcBef>
-              <a:spcAft>
-                <a:spcPts val="0"/>
-              </a:spcAft>
-            </a:pPr>
+            <a:pPr algn="ctr" rtl="1"/>
             <a:r>
               <a:rPr lang="en-US" sz="6000" b="1" dirty="0">
                 <a:solidFill>
                   <a:srgbClr val="4A929C"/>
                 </a:solidFill>
-                <a:effectLst/>
                 <a:latin typeface="Calibri" panose="020F0502020204030204" pitchFamily="34" charset="0"/>
                 <a:ea typeface="Calibri" panose="020F0502020204030204" pitchFamily="34" charset="0"/>
                 <a:cs typeface="Arial" panose="020B0604020202020204" pitchFamily="34" charset="0"/>
@@ -4141,27 +3990,18 @@
               <a:t>DEFENCE AGAINST</a:t>
             </a:r>
             <a:endParaRPr lang="en-US" sz="6000" dirty="0">
-              <a:effectLst/>
               <a:latin typeface="Calibri" panose="020F0502020204030204" pitchFamily="34" charset="0"/>
               <a:ea typeface="Calibri" panose="020F0502020204030204" pitchFamily="34" charset="0"/>
               <a:cs typeface="Arial" panose="020B0604020202020204" pitchFamily="34" charset="0"/>
             </a:endParaRPr>
           </a:p>
           <a:p>
-            <a:pPr marL="0" marR="0" algn="ctr" rtl="1">
-              <a:spcBef>
-                <a:spcPts val="0"/>
-              </a:spcBef>
-              <a:spcAft>
-                <a:spcPts val="0"/>
-              </a:spcAft>
-            </a:pPr>
+            <a:pPr algn="ctr" rtl="1"/>
             <a:r>
               <a:rPr lang="en-US" sz="6000" b="1" dirty="0">
                 <a:solidFill>
                   <a:srgbClr val="4A929C"/>
                 </a:solidFill>
-                <a:effectLst/>
                 <a:latin typeface="Calibri" panose="020F0502020204030204" pitchFamily="34" charset="0"/>
                 <a:ea typeface="Calibri" panose="020F0502020204030204" pitchFamily="34" charset="0"/>
                 <a:cs typeface="Arial" panose="020B0604020202020204" pitchFamily="34" charset="0"/>
@@ -4169,7 +4009,6 @@
               <a:t>ADVERSARIAL EXAMPLES</a:t>
             </a:r>
             <a:endParaRPr lang="en-US" sz="6000" dirty="0">
-              <a:effectLst/>
               <a:latin typeface="Calibri" panose="020F0502020204030204" pitchFamily="34" charset="0"/>
               <a:ea typeface="Calibri" panose="020F0502020204030204" pitchFamily="34" charset="0"/>
               <a:cs typeface="Arial" panose="020B0604020202020204" pitchFamily="34" charset="0"/>
@@ -4182,7 +4021,7 @@
           <p:cNvPr id="33" name="Picture 32" descr="A close up of a logo&#10;&#10;Description automatically generated">
             <a:extLst>
               <a:ext uri="{FF2B5EF4-FFF2-40B4-BE49-F238E27FC236}">
-                <a16:creationId xmlns:a16="http://schemas.microsoft.com/office/drawing/2014/main" id="{1B0E9798-6ED7-438D-99F7-E4A7EAF64FE6}"/>
+                <a16:creationId xmlns:a16="http://schemas.microsoft.com/office/drawing/2014/main" xmlns="" id="{1B0E9798-6ED7-438D-99F7-E4A7EAF64FE6}"/>
               </a:ext>
             </a:extLst>
           </p:cNvPr>
@@ -4205,8 +4044,8 @@
         </p:blipFill>
         <p:spPr>
           <a:xfrm>
-            <a:off x="41233" y="4551361"/>
-            <a:ext cx="9169074" cy="4196874"/>
+            <a:off x="41239" y="4551863"/>
+            <a:ext cx="9170422" cy="4197337"/>
           </a:xfrm>
           <a:prstGeom prst="rect">
             <a:avLst/>
@@ -4218,7 +4057,7 @@
           <p:cNvPr id="34" name="Group 33">
             <a:extLst>
               <a:ext uri="{FF2B5EF4-FFF2-40B4-BE49-F238E27FC236}">
-                <a16:creationId xmlns:a16="http://schemas.microsoft.com/office/drawing/2014/main" id="{53C697AF-52E9-4D36-A2E7-D8ED4F552308}"/>
+                <a16:creationId xmlns:a16="http://schemas.microsoft.com/office/drawing/2014/main" xmlns="" id="{53C697AF-52E9-4D36-A2E7-D8ED4F552308}"/>
               </a:ext>
             </a:extLst>
           </p:cNvPr>
@@ -4227,8 +4066,8 @@
         </p:nvGrpSpPr>
         <p:grpSpPr>
           <a:xfrm>
-            <a:off x="720000" y="18665827"/>
-            <a:ext cx="13680000" cy="1921353"/>
+            <a:off x="720106" y="18667885"/>
+            <a:ext cx="13682011" cy="1921565"/>
             <a:chOff x="0" y="1"/>
             <a:chExt cx="2936623" cy="541916"/>
           </a:xfrm>
@@ -4238,7 +4077,7 @@
             <p:cNvPr id="35" name="תיבת טקסט 18">
               <a:extLst>
                 <a:ext uri="{FF2B5EF4-FFF2-40B4-BE49-F238E27FC236}">
-                  <a16:creationId xmlns:a16="http://schemas.microsoft.com/office/drawing/2014/main" id="{6C754D3D-FCC2-4053-9892-AAF25C0F628F}"/>
+                  <a16:creationId xmlns:a16="http://schemas.microsoft.com/office/drawing/2014/main" xmlns="" id="{6C754D3D-FCC2-4053-9892-AAF25C0F628F}"/>
                 </a:ext>
               </a:extLst>
             </p:cNvPr>
@@ -4269,7 +4108,7 @@
             </a:bodyPr>
             <a:lstStyle/>
             <a:p>
-              <a:pPr marL="457200" indent="-457200">
+              <a:pPr marL="457246" indent="-457246">
                 <a:buFont typeface="Wingdings" pitchFamily="2" charset="2"/>
                 <a:buChar char="ü"/>
               </a:pPr>
@@ -4291,7 +4130,7 @@
               </a:r>
             </a:p>
             <a:p>
-              <a:pPr marL="457200" indent="-457200">
+              <a:pPr marL="457246" indent="-457246">
                 <a:buFont typeface="Wingdings" pitchFamily="2" charset="2"/>
                 <a:buChar char="ü"/>
               </a:pPr>
@@ -4307,7 +4146,7 @@
             <p:cNvPr id="36" name="Text Box 24">
               <a:extLst>
                 <a:ext uri="{FF2B5EF4-FFF2-40B4-BE49-F238E27FC236}">
-                  <a16:creationId xmlns:a16="http://schemas.microsoft.com/office/drawing/2014/main" id="{5784222E-502A-4E2C-92F0-7F73523B69C2}"/>
+                  <a16:creationId xmlns:a16="http://schemas.microsoft.com/office/drawing/2014/main" xmlns="" id="{5784222E-502A-4E2C-92F0-7F73523B69C2}"/>
                 </a:ext>
               </a:extLst>
             </p:cNvPr>
@@ -4338,13 +4177,10 @@
             </a:bodyPr>
             <a:lstStyle/>
             <a:p>
-              <a:pPr marR="0" lvl="0" rtl="0">
+              <a:pPr>
                 <a:lnSpc>
                   <a:spcPct val="115000"/>
                 </a:lnSpc>
-                <a:spcBef>
-                  <a:spcPts val="0"/>
-                </a:spcBef>
                 <a:spcAft>
                   <a:spcPts val="1000"/>
                 </a:spcAft>
@@ -4359,14 +4195,6 @@
                 </a:rPr>
                 <a:t>Set-Up</a:t>
               </a:r>
-              <a:endParaRPr lang="en-US" sz="4000" b="1" kern="0" dirty="0">
-                <a:solidFill>
-                  <a:srgbClr val="FFFFFF"/>
-                </a:solidFill>
-                <a:effectLst/>
-                <a:latin typeface="Calibri" panose="020F0502020204030204" pitchFamily="34" charset="0"/>
-                <a:cs typeface="Arial" panose="020B0604020202020204" pitchFamily="34" charset="0"/>
-              </a:endParaRPr>
             </a:p>
           </p:txBody>
         </p:sp>
@@ -4376,7 +4204,7 @@
           <p:cNvPr id="37" name="Group 36">
             <a:extLst>
               <a:ext uri="{FF2B5EF4-FFF2-40B4-BE49-F238E27FC236}">
-                <a16:creationId xmlns:a16="http://schemas.microsoft.com/office/drawing/2014/main" id="{BE2EB11C-DC87-4601-B21E-EF3216172AD9}"/>
+                <a16:creationId xmlns:a16="http://schemas.microsoft.com/office/drawing/2014/main" xmlns="" id="{BE2EB11C-DC87-4601-B21E-EF3216172AD9}"/>
               </a:ext>
             </a:extLst>
           </p:cNvPr>
@@ -4385,8 +4213,8 @@
         </p:nvGrpSpPr>
         <p:grpSpPr>
           <a:xfrm>
-            <a:off x="18000000" y="17515942"/>
-            <a:ext cx="13680000" cy="1964168"/>
+            <a:off x="18002645" y="17517873"/>
+            <a:ext cx="13682011" cy="1964385"/>
             <a:chOff x="0" y="1"/>
             <a:chExt cx="2936623" cy="553992"/>
           </a:xfrm>
@@ -4396,7 +4224,7 @@
             <p:cNvPr id="38" name="תיבת טקסט 18">
               <a:extLst>
                 <a:ext uri="{FF2B5EF4-FFF2-40B4-BE49-F238E27FC236}">
-                  <a16:creationId xmlns:a16="http://schemas.microsoft.com/office/drawing/2014/main" id="{533A65D4-67FB-4E41-9421-FD9DB044B4D3}"/>
+                  <a16:creationId xmlns:a16="http://schemas.microsoft.com/office/drawing/2014/main" xmlns="" id="{533A65D4-67FB-4E41-9421-FD9DB044B4D3}"/>
                 </a:ext>
               </a:extLst>
             </p:cNvPr>
@@ -4440,7 +4268,7 @@
             <p:cNvPr id="39" name="Text Box 24">
               <a:extLst>
                 <a:ext uri="{FF2B5EF4-FFF2-40B4-BE49-F238E27FC236}">
-                  <a16:creationId xmlns:a16="http://schemas.microsoft.com/office/drawing/2014/main" id="{2A78BB05-F2A3-49E9-8FBE-55ACFE4F4914}"/>
+                  <a16:creationId xmlns:a16="http://schemas.microsoft.com/office/drawing/2014/main" xmlns="" id="{2A78BB05-F2A3-49E9-8FBE-55ACFE4F4914}"/>
                 </a:ext>
               </a:extLst>
             </p:cNvPr>
@@ -4471,13 +4299,10 @@
             </a:bodyPr>
             <a:lstStyle/>
             <a:p>
-              <a:pPr marR="0" lvl="0" rtl="0">
+              <a:pPr>
                 <a:lnSpc>
                   <a:spcPct val="115000"/>
                 </a:lnSpc>
-                <a:spcBef>
-                  <a:spcPts val="0"/>
-                </a:spcBef>
                 <a:spcAft>
                   <a:spcPts val="1000"/>
                 </a:spcAft>
@@ -4492,14 +4317,6 @@
                 </a:rPr>
                 <a:t>Results</a:t>
               </a:r>
-              <a:endParaRPr lang="en-US" sz="4000" b="1" kern="0" dirty="0">
-                <a:solidFill>
-                  <a:srgbClr val="FFFFFF"/>
-                </a:solidFill>
-                <a:effectLst/>
-                <a:latin typeface="Calibri" panose="020F0502020204030204" pitchFamily="34" charset="0"/>
-                <a:cs typeface="Arial" panose="020B0604020202020204" pitchFamily="34" charset="0"/>
-              </a:endParaRPr>
             </a:p>
           </p:txBody>
         </p:sp>
@@ -4509,7 +4326,7 @@
           <p:cNvPr id="40" name="Group 39">
             <a:extLst>
               <a:ext uri="{FF2B5EF4-FFF2-40B4-BE49-F238E27FC236}">
-                <a16:creationId xmlns:a16="http://schemas.microsoft.com/office/drawing/2014/main" id="{F92E5F21-DD7C-4E20-8464-70E4350F0D83}"/>
+                <a16:creationId xmlns:a16="http://schemas.microsoft.com/office/drawing/2014/main" xmlns="" id="{F92E5F21-DD7C-4E20-8464-70E4350F0D83}"/>
               </a:ext>
             </a:extLst>
           </p:cNvPr>
@@ -4518,8 +4335,8 @@
         </p:nvGrpSpPr>
         <p:grpSpPr>
           <a:xfrm>
-            <a:off x="17400033" y="40512940"/>
-            <a:ext cx="14768090" cy="2527030"/>
+            <a:off x="17402590" y="40517406"/>
+            <a:ext cx="14770261" cy="2527309"/>
             <a:chOff x="17400033" y="40348818"/>
             <a:chExt cx="14768090" cy="2527030"/>
           </a:xfrm>
@@ -4529,7 +4346,7 @@
             <p:cNvPr id="41" name="Picture 40" descr="A close up of a logo&#10;&#10;Description automatically generated">
               <a:extLst>
                 <a:ext uri="{FF2B5EF4-FFF2-40B4-BE49-F238E27FC236}">
-                  <a16:creationId xmlns:a16="http://schemas.microsoft.com/office/drawing/2014/main" id="{B3F83FF5-25B8-41FA-9C74-5B360C983A7E}"/>
+                  <a16:creationId xmlns:a16="http://schemas.microsoft.com/office/drawing/2014/main" xmlns="" id="{B3F83FF5-25B8-41FA-9C74-5B360C983A7E}"/>
                 </a:ext>
               </a:extLst>
             </p:cNvPr>
@@ -4564,7 +4381,7 @@
             <p:cNvPr id="42" name="Picture 41" descr="A picture containing clipart&#10;&#10;Description automatically generated">
               <a:extLst>
                 <a:ext uri="{FF2B5EF4-FFF2-40B4-BE49-F238E27FC236}">
-                  <a16:creationId xmlns:a16="http://schemas.microsoft.com/office/drawing/2014/main" id="{AF35BE45-91AC-4A08-8BFB-02C0C1E2C7A6}"/>
+                  <a16:creationId xmlns:a16="http://schemas.microsoft.com/office/drawing/2014/main" xmlns="" id="{AF35BE45-91AC-4A08-8BFB-02C0C1E2C7A6}"/>
                 </a:ext>
               </a:extLst>
             </p:cNvPr>
@@ -4600,7 +4417,7 @@
             <p:cNvPr id="43" name="Picture 42">
               <a:extLst>
                 <a:ext uri="{FF2B5EF4-FFF2-40B4-BE49-F238E27FC236}">
-                  <a16:creationId xmlns:a16="http://schemas.microsoft.com/office/drawing/2014/main" id="{57D61071-AC5B-42B2-9AC8-47E326D48F9D}"/>
+                  <a16:creationId xmlns:a16="http://schemas.microsoft.com/office/drawing/2014/main" xmlns="" id="{57D61071-AC5B-42B2-9AC8-47E326D48F9D}"/>
                 </a:ext>
               </a:extLst>
             </p:cNvPr>
@@ -4636,7 +4453,7 @@
             <p:cNvPr id="44" name="Picture 43" descr="A close up of a sign&#10;&#10;Description automatically generated">
               <a:extLst>
                 <a:ext uri="{FF2B5EF4-FFF2-40B4-BE49-F238E27FC236}">
-                  <a16:creationId xmlns:a16="http://schemas.microsoft.com/office/drawing/2014/main" id="{96007492-C48A-41CF-AD99-39166572FA35}"/>
+                  <a16:creationId xmlns:a16="http://schemas.microsoft.com/office/drawing/2014/main" xmlns="" id="{96007492-C48A-41CF-AD99-39166572FA35}"/>
                 </a:ext>
               </a:extLst>
             </p:cNvPr>
@@ -4673,7 +4490,7 @@
           <p:cNvPr id="45" name="TextBox 44">
             <a:extLst>
               <a:ext uri="{FF2B5EF4-FFF2-40B4-BE49-F238E27FC236}">
-                <a16:creationId xmlns:a16="http://schemas.microsoft.com/office/drawing/2014/main" id="{FD1E00FF-0C3B-4DEB-9A22-B15A2A4305D1}"/>
+                <a16:creationId xmlns:a16="http://schemas.microsoft.com/office/drawing/2014/main" xmlns="" id="{FD1E00FF-0C3B-4DEB-9A22-B15A2A4305D1}"/>
               </a:ext>
             </a:extLst>
           </p:cNvPr>
@@ -4682,8 +4499,8 @@
         </p:nvSpPr>
         <p:spPr>
           <a:xfrm>
-            <a:off x="30127482" y="0"/>
-            <a:ext cx="2271806" cy="553998"/>
+            <a:off x="30131910" y="0"/>
+            <a:ext cx="2272140" cy="554059"/>
           </a:xfrm>
           <a:prstGeom prst="rect">
             <a:avLst/>
@@ -4691,7 +4508,7 @@
           <a:noFill/>
         </p:spPr>
         <p:txBody>
-          <a:bodyPr wrap="square" rtlCol="0">
+          <a:bodyPr wrap="square" lIns="91449" tIns="45725" rIns="91449" bIns="45725" rtlCol="0">
             <a:spAutoFit/>
           </a:bodyPr>
           <a:lstStyle/>
@@ -4718,7 +4535,7 @@
           <p:cNvPr id="46" name="Group 45">
             <a:extLst>
               <a:ext uri="{FF2B5EF4-FFF2-40B4-BE49-F238E27FC236}">
-                <a16:creationId xmlns:a16="http://schemas.microsoft.com/office/drawing/2014/main" id="{FA965725-A401-41A8-8CF1-A77E14832757}"/>
+                <a16:creationId xmlns:a16="http://schemas.microsoft.com/office/drawing/2014/main" xmlns="" id="{FA965725-A401-41A8-8CF1-A77E14832757}"/>
               </a:ext>
             </a:extLst>
           </p:cNvPr>
@@ -4727,8 +4544,8 @@
         </p:nvGrpSpPr>
         <p:grpSpPr>
           <a:xfrm>
-            <a:off x="720000" y="9313658"/>
-            <a:ext cx="13680000" cy="4705857"/>
+            <a:off x="720106" y="9314685"/>
+            <a:ext cx="13682011" cy="4706376"/>
             <a:chOff x="0" y="1"/>
             <a:chExt cx="2936623" cy="1327283"/>
           </a:xfrm>
@@ -4738,7 +4555,7 @@
             <p:cNvPr id="47" name="תיבת טקסט 18">
               <a:extLst>
                 <a:ext uri="{FF2B5EF4-FFF2-40B4-BE49-F238E27FC236}">
-                  <a16:creationId xmlns:a16="http://schemas.microsoft.com/office/drawing/2014/main" id="{DFA3AD4F-9BEE-44BC-8F51-FA5B66553EE6}"/>
+                  <a16:creationId xmlns:a16="http://schemas.microsoft.com/office/drawing/2014/main" xmlns="" id="{DFA3AD4F-9BEE-44BC-8F51-FA5B66553EE6}"/>
                 </a:ext>
               </a:extLst>
             </p:cNvPr>
@@ -4769,7 +4586,7 @@
             </a:bodyPr>
             <a:lstStyle/>
             <a:p>
-              <a:pPr marL="457200" indent="-457200">
+              <a:pPr marL="457246" indent="-457246">
                 <a:buFont typeface="Wingdings" pitchFamily="2" charset="2"/>
                 <a:buChar char="ü"/>
               </a:pPr>
@@ -4779,7 +4596,7 @@
               </a:r>
             </a:p>
             <a:p>
-              <a:pPr marL="457200" indent="-457200">
+              <a:pPr marL="457246" indent="-457246">
                 <a:buFont typeface="Wingdings" pitchFamily="2" charset="2"/>
                 <a:buChar char="ü"/>
               </a:pPr>
@@ -4789,7 +4606,7 @@
               </a:r>
             </a:p>
             <a:p>
-              <a:pPr marL="457200" indent="-457200">
+              <a:pPr marL="457246" indent="-457246">
                 <a:buFont typeface="Wingdings" pitchFamily="2" charset="2"/>
                 <a:buChar char="ü"/>
               </a:pPr>
@@ -4842,7 +4659,7 @@
             <p:cNvPr id="48" name="Text Box 24">
               <a:extLst>
                 <a:ext uri="{FF2B5EF4-FFF2-40B4-BE49-F238E27FC236}">
-                  <a16:creationId xmlns:a16="http://schemas.microsoft.com/office/drawing/2014/main" id="{A9FDB1ED-C4C0-480D-80A6-DF5E91D7F8BC}"/>
+                  <a16:creationId xmlns:a16="http://schemas.microsoft.com/office/drawing/2014/main" xmlns="" id="{A9FDB1ED-C4C0-480D-80A6-DF5E91D7F8BC}"/>
                 </a:ext>
               </a:extLst>
             </p:cNvPr>
@@ -4873,13 +4690,10 @@
             </a:bodyPr>
             <a:lstStyle/>
             <a:p>
-              <a:pPr marR="0" lvl="0" rtl="0">
+              <a:pPr>
                 <a:lnSpc>
                   <a:spcPct val="115000"/>
                 </a:lnSpc>
-                <a:spcBef>
-                  <a:spcPts val="0"/>
-                </a:spcBef>
                 <a:spcAft>
                   <a:spcPts val="1000"/>
                 </a:spcAft>
@@ -4894,14 +4708,6 @@
                 </a:rPr>
                 <a:t>Background and Goal</a:t>
               </a:r>
-              <a:endParaRPr lang="en-US" sz="4000" b="1" kern="0" dirty="0">
-                <a:solidFill>
-                  <a:srgbClr val="FFFFFF"/>
-                </a:solidFill>
-                <a:effectLst/>
-                <a:latin typeface="Calibri" panose="020F0502020204030204" pitchFamily="34" charset="0"/>
-                <a:cs typeface="Arial" panose="020B0604020202020204" pitchFamily="34" charset="0"/>
-              </a:endParaRPr>
             </a:p>
           </p:txBody>
         </p:sp>
@@ -4911,7 +4717,7 @@
           <p:cNvPr id="49" name="Group 48">
             <a:extLst>
               <a:ext uri="{FF2B5EF4-FFF2-40B4-BE49-F238E27FC236}">
-                <a16:creationId xmlns:a16="http://schemas.microsoft.com/office/drawing/2014/main" id="{AB331618-4256-41BA-8FDD-536DA6766F66}"/>
+                <a16:creationId xmlns:a16="http://schemas.microsoft.com/office/drawing/2014/main" xmlns="" id="{AB331618-4256-41BA-8FDD-536DA6766F66}"/>
               </a:ext>
             </a:extLst>
           </p:cNvPr>
@@ -4922,8 +4728,8 @@
         </p:nvGrpSpPr>
         <p:grpSpPr>
           <a:xfrm>
-            <a:off x="1256150" y="32599560"/>
-            <a:ext cx="12600000" cy="4809897"/>
+            <a:off x="1256335" y="32603154"/>
+            <a:ext cx="12601852" cy="4810427"/>
             <a:chOff x="10360762" y="23839323"/>
             <a:chExt cx="11775842" cy="4495285"/>
           </a:xfrm>
@@ -4933,7 +4739,7 @@
             <p:cNvPr id="50" name="Group 49">
               <a:extLst>
                 <a:ext uri="{FF2B5EF4-FFF2-40B4-BE49-F238E27FC236}">
-                  <a16:creationId xmlns:a16="http://schemas.microsoft.com/office/drawing/2014/main" id="{5B9B95DD-047D-422E-9197-8EB8322A507F}"/>
+                  <a16:creationId xmlns:a16="http://schemas.microsoft.com/office/drawing/2014/main" xmlns="" id="{5B9B95DD-047D-422E-9197-8EB8322A507F}"/>
                 </a:ext>
               </a:extLst>
             </p:cNvPr>
@@ -4953,7 +4759,7 @@
               <p:cNvPr id="52" name="Group 51">
                 <a:extLst>
                   <a:ext uri="{FF2B5EF4-FFF2-40B4-BE49-F238E27FC236}">
-                    <a16:creationId xmlns:a16="http://schemas.microsoft.com/office/drawing/2014/main" id="{0F05674C-EA0D-400B-AF01-2B79607B49E6}"/>
+                    <a16:creationId xmlns:a16="http://schemas.microsoft.com/office/drawing/2014/main" xmlns="" id="{0F05674C-EA0D-400B-AF01-2B79607B49E6}"/>
                   </a:ext>
                 </a:extLst>
               </p:cNvPr>
@@ -4973,7 +4779,7 @@
                 <p:cNvPr id="54" name="Group 53">
                   <a:extLst>
                     <a:ext uri="{FF2B5EF4-FFF2-40B4-BE49-F238E27FC236}">
-                      <a16:creationId xmlns:a16="http://schemas.microsoft.com/office/drawing/2014/main" id="{B60FC61F-D124-4385-9B15-65551D1814D4}"/>
+                      <a16:creationId xmlns:a16="http://schemas.microsoft.com/office/drawing/2014/main" xmlns="" id="{B60FC61F-D124-4385-9B15-65551D1814D4}"/>
                     </a:ext>
                   </a:extLst>
                 </p:cNvPr>
@@ -4993,7 +4799,7 @@
                   <p:cNvPr id="56" name="Group 55">
                     <a:extLst>
                       <a:ext uri="{FF2B5EF4-FFF2-40B4-BE49-F238E27FC236}">
-                        <a16:creationId xmlns:a16="http://schemas.microsoft.com/office/drawing/2014/main" id="{7EE2AEAC-C313-4E78-9FAF-E53B60D27895}"/>
+                        <a16:creationId xmlns:a16="http://schemas.microsoft.com/office/drawing/2014/main" xmlns="" id="{7EE2AEAC-C313-4E78-9FAF-E53B60D27895}"/>
                       </a:ext>
                     </a:extLst>
                   </p:cNvPr>
@@ -5015,7 +4821,7 @@
                     <p:cNvPr id="58" name="Picture 57" descr="A close up of a mans face&#10;&#10;Description automatically generated">
                       <a:extLst>
                         <a:ext uri="{FF2B5EF4-FFF2-40B4-BE49-F238E27FC236}">
-                          <a16:creationId xmlns:a16="http://schemas.microsoft.com/office/drawing/2014/main" id="{2957E089-22FB-4FBD-A6DA-88A57E473D60}"/>
+                          <a16:creationId xmlns:a16="http://schemas.microsoft.com/office/drawing/2014/main" xmlns="" id="{2957E089-22FB-4FBD-A6DA-88A57E473D60}"/>
                         </a:ext>
                       </a:extLst>
                     </p:cNvPr>
@@ -5051,7 +4857,7 @@
                     <p:cNvPr id="59" name="Picture 58" descr="A picture containing crossword puzzle&#10;&#10;Description automatically generated">
                       <a:extLst>
                         <a:ext uri="{FF2B5EF4-FFF2-40B4-BE49-F238E27FC236}">
-                          <a16:creationId xmlns:a16="http://schemas.microsoft.com/office/drawing/2014/main" id="{E1BEC1F8-4C66-44D4-BBC9-5E470E373D7F}"/>
+                          <a16:creationId xmlns:a16="http://schemas.microsoft.com/office/drawing/2014/main" xmlns="" id="{E1BEC1F8-4C66-44D4-BBC9-5E470E373D7F}"/>
                         </a:ext>
                       </a:extLst>
                     </p:cNvPr>
@@ -5087,7 +4893,7 @@
                     <p:cNvPr id="60" name="Picture 59" descr="A close up of a logo&#10;&#10;Description automatically generated">
                       <a:extLst>
                         <a:ext uri="{FF2B5EF4-FFF2-40B4-BE49-F238E27FC236}">
-                          <a16:creationId xmlns:a16="http://schemas.microsoft.com/office/drawing/2014/main" id="{D06E24C7-E118-4768-A7AF-D5733E2080D1}"/>
+                          <a16:creationId xmlns:a16="http://schemas.microsoft.com/office/drawing/2014/main" xmlns="" id="{D06E24C7-E118-4768-A7AF-D5733E2080D1}"/>
                         </a:ext>
                       </a:extLst>
                     </p:cNvPr>
@@ -5124,7 +4930,7 @@
                   <p:cNvPr id="57" name="TextBox 56">
                     <a:extLst>
                       <a:ext uri="{FF2B5EF4-FFF2-40B4-BE49-F238E27FC236}">
-                        <a16:creationId xmlns:a16="http://schemas.microsoft.com/office/drawing/2014/main" id="{C79294A2-E6F5-4FE6-A5C7-31B7AD74C375}"/>
+                        <a16:creationId xmlns:a16="http://schemas.microsoft.com/office/drawing/2014/main" xmlns="" id="{C79294A2-E6F5-4FE6-A5C7-31B7AD74C375}"/>
                       </a:ext>
                     </a:extLst>
                   </p:cNvPr>
@@ -5158,7 +4964,7 @@
                     </a:r>
                     <a:r>
                       <a:rPr lang="en-US" sz="3000" dirty="0"/>
-                      <a:t> Sample of the encrypted images. Interesting to see how for the human eye it’s not easy to distinguish between various classes but a DNN model classifies quite well, as can be seen in table 1</a:t>
+                      <a:t> Sample of the encrypted images. Interesting to see how for the human eye it’s difficult to distinguish between various classes but a DNN model classifies quite well, as can be seen in table 1</a:t>
                     </a:r>
                     <a:endParaRPr lang="en-US" sz="3000" b="1" dirty="0"/>
                   </a:p>
@@ -5170,7 +4976,7 @@
                 <p:cNvPr id="55" name="TextBox 54">
                   <a:extLst>
                     <a:ext uri="{FF2B5EF4-FFF2-40B4-BE49-F238E27FC236}">
-                      <a16:creationId xmlns:a16="http://schemas.microsoft.com/office/drawing/2014/main" id="{1B59A4E0-9B34-4F5E-95D6-EC4DB8C829AC}"/>
+                      <a16:creationId xmlns:a16="http://schemas.microsoft.com/office/drawing/2014/main" xmlns="" id="{1B59A4E0-9B34-4F5E-95D6-EC4DB8C829AC}"/>
                     </a:ext>
                   </a:extLst>
                 </p:cNvPr>
@@ -5180,7 +4986,7 @@
               <p:spPr>
                 <a:xfrm>
                   <a:off x="11707831" y="23839323"/>
-                  <a:ext cx="1567300" cy="400110"/>
+                  <a:ext cx="1567300" cy="373898"/>
                 </a:xfrm>
                 <a:prstGeom prst="rect">
                   <a:avLst/>
@@ -5213,7 +5019,7 @@
               <p:cNvPr id="53" name="TextBox 52">
                 <a:extLst>
                   <a:ext uri="{FF2B5EF4-FFF2-40B4-BE49-F238E27FC236}">
-                    <a16:creationId xmlns:a16="http://schemas.microsoft.com/office/drawing/2014/main" id="{4902E1DB-BD07-4673-82A5-D643E909A61D}"/>
+                    <a16:creationId xmlns:a16="http://schemas.microsoft.com/office/drawing/2014/main" xmlns="" id="{4902E1DB-BD07-4673-82A5-D643E909A61D}"/>
                   </a:ext>
                 </a:extLst>
               </p:cNvPr>
@@ -5223,7 +5029,7 @@
             <p:spPr>
               <a:xfrm>
                 <a:off x="15537237" y="23839323"/>
-                <a:ext cx="1567300" cy="400110"/>
+                <a:ext cx="1567300" cy="373898"/>
               </a:xfrm>
               <a:prstGeom prst="rect">
                 <a:avLst/>
@@ -5256,7 +5062,7 @@
             <p:cNvPr id="51" name="TextBox 50">
               <a:extLst>
                 <a:ext uri="{FF2B5EF4-FFF2-40B4-BE49-F238E27FC236}">
-                  <a16:creationId xmlns:a16="http://schemas.microsoft.com/office/drawing/2014/main" id="{B6393C5B-F0A1-46CD-AD56-C03B7F835399}"/>
+                  <a16:creationId xmlns:a16="http://schemas.microsoft.com/office/drawing/2014/main" xmlns="" id="{B6393C5B-F0A1-46CD-AD56-C03B7F835399}"/>
                 </a:ext>
               </a:extLst>
             </p:cNvPr>
@@ -5266,7 +5072,7 @@
           <p:spPr>
             <a:xfrm>
               <a:off x="19288470" y="23839323"/>
-              <a:ext cx="1567300" cy="400110"/>
+              <a:ext cx="1567300" cy="373898"/>
             </a:xfrm>
             <a:prstGeom prst="rect">
               <a:avLst/>
@@ -5299,7 +5105,7 @@
           <p:cNvPr id="61" name="Group 60">
             <a:extLst>
               <a:ext uri="{FF2B5EF4-FFF2-40B4-BE49-F238E27FC236}">
-                <a16:creationId xmlns:a16="http://schemas.microsoft.com/office/drawing/2014/main" id="{A6F5447A-CAD7-4B0C-AAAD-385327A25D87}"/>
+                <a16:creationId xmlns:a16="http://schemas.microsoft.com/office/drawing/2014/main" xmlns="" id="{A6F5447A-CAD7-4B0C-AAAD-385327A25D87}"/>
               </a:ext>
             </a:extLst>
           </p:cNvPr>
@@ -5308,8 +5114,8 @@
         </p:nvGrpSpPr>
         <p:grpSpPr>
           <a:xfrm>
-            <a:off x="18000000" y="30765600"/>
-            <a:ext cx="13680000" cy="2585282"/>
+            <a:off x="18002645" y="30768991"/>
+            <a:ext cx="13682011" cy="2585567"/>
             <a:chOff x="0" y="1"/>
             <a:chExt cx="2936623" cy="729177"/>
           </a:xfrm>
@@ -5319,7 +5125,7 @@
             <p:cNvPr id="62" name="תיבת טקסט 18">
               <a:extLst>
                 <a:ext uri="{FF2B5EF4-FFF2-40B4-BE49-F238E27FC236}">
-                  <a16:creationId xmlns:a16="http://schemas.microsoft.com/office/drawing/2014/main" id="{2B868D60-4E17-4C1B-82F1-887DBBBB59F6}"/>
+                  <a16:creationId xmlns:a16="http://schemas.microsoft.com/office/drawing/2014/main" xmlns="" id="{2B868D60-4E17-4C1B-82F1-887DBBBB59F6}"/>
                 </a:ext>
               </a:extLst>
             </p:cNvPr>
@@ -5374,7 +5180,7 @@
             <p:cNvPr id="63" name="Text Box 24">
               <a:extLst>
                 <a:ext uri="{FF2B5EF4-FFF2-40B4-BE49-F238E27FC236}">
-                  <a16:creationId xmlns:a16="http://schemas.microsoft.com/office/drawing/2014/main" id="{C182ADF9-CED3-4761-B7DC-EEDC3DB3BE98}"/>
+                  <a16:creationId xmlns:a16="http://schemas.microsoft.com/office/drawing/2014/main" xmlns="" id="{C182ADF9-CED3-4761-B7DC-EEDC3DB3BE98}"/>
                 </a:ext>
               </a:extLst>
             </p:cNvPr>
@@ -5405,13 +5211,10 @@
             </a:bodyPr>
             <a:lstStyle/>
             <a:p>
-              <a:pPr marR="0" lvl="0" rtl="0">
+              <a:pPr>
                 <a:lnSpc>
                   <a:spcPct val="115000"/>
                 </a:lnSpc>
-                <a:spcBef>
-                  <a:spcPts val="0"/>
-                </a:spcBef>
                 <a:spcAft>
                   <a:spcPts val="1000"/>
                 </a:spcAft>
@@ -5426,14 +5229,6 @@
                 </a:rPr>
                 <a:t>Success with Permutation , Coincidence? </a:t>
               </a:r>
-              <a:endParaRPr lang="en-US" sz="4000" b="1" kern="0" dirty="0">
-                <a:solidFill>
-                  <a:srgbClr val="FFFFFF"/>
-                </a:solidFill>
-                <a:effectLst/>
-                <a:latin typeface="Calibri" panose="020F0502020204030204" pitchFamily="34" charset="0"/>
-                <a:cs typeface="Arial" panose="020B0604020202020204" pitchFamily="34" charset="0"/>
-              </a:endParaRPr>
             </a:p>
           </p:txBody>
         </p:sp>
@@ -5443,7 +5238,7 @@
           <p:cNvPr id="66" name="TextBox 65">
             <a:extLst>
               <a:ext uri="{FF2B5EF4-FFF2-40B4-BE49-F238E27FC236}">
-                <a16:creationId xmlns:a16="http://schemas.microsoft.com/office/drawing/2014/main" id="{5A745D60-7A1A-45E0-8C8E-624EF6E2C95C}"/>
+                <a16:creationId xmlns:a16="http://schemas.microsoft.com/office/drawing/2014/main" xmlns="" id="{5A745D60-7A1A-45E0-8C8E-624EF6E2C95C}"/>
               </a:ext>
             </a:extLst>
           </p:cNvPr>
@@ -5452,8 +5247,8 @@
         </p:nvSpPr>
         <p:spPr>
           <a:xfrm>
-            <a:off x="20803863" y="37232985"/>
-            <a:ext cx="8229600" cy="1015663"/>
+            <a:off x="19245949" y="37313298"/>
+            <a:ext cx="11448111" cy="554059"/>
           </a:xfrm>
           <a:prstGeom prst="rect">
             <a:avLst/>
@@ -5461,7 +5256,7 @@
           <a:noFill/>
         </p:spPr>
         <p:txBody>
-          <a:bodyPr wrap="square" rtlCol="0">
+          <a:bodyPr wrap="square" lIns="91449" tIns="45725" rIns="91449" bIns="45725" rtlCol="0">
             <a:spAutoFit/>
           </a:bodyPr>
           <a:lstStyle/>
@@ -5495,7 +5290,7 @@
           <p:cNvPr id="70" name="Picture 69">
             <a:extLst>
               <a:ext uri="{FF2B5EF4-FFF2-40B4-BE49-F238E27FC236}">
-                <a16:creationId xmlns:a16="http://schemas.microsoft.com/office/drawing/2014/main" id="{603A7175-7B04-40A4-994D-D93110F266A4}"/>
+                <a16:creationId xmlns:a16="http://schemas.microsoft.com/office/drawing/2014/main" xmlns="" id="{603A7175-7B04-40A4-994D-D93110F266A4}"/>
               </a:ext>
             </a:extLst>
           </p:cNvPr>
@@ -5519,8 +5314,8 @@
         </p:blipFill>
         <p:spPr>
           <a:xfrm>
-            <a:off x="9877287" y="15211255"/>
-            <a:ext cx="12600000" cy="12600000"/>
+            <a:off x="9878739" y="15212932"/>
+            <a:ext cx="12601852" cy="12601389"/>
           </a:xfrm>
           <a:prstGeom prst="ellipse">
             <a:avLst/>
@@ -5533,14 +5328,14 @@
           </a:effectLst>
         </p:spPr>
       </p:pic>
-      <mc:AlternateContent xmlns:mc="http://schemas.openxmlformats.org/markup-compatibility/2006">
-        <mc:Choice xmlns:a14="http://schemas.microsoft.com/office/drawing/2010/main" Requires="a14">
+      <mc:AlternateContent xmlns:mc="http://schemas.openxmlformats.org/markup-compatibility/2006" xmlns:a14="http://schemas.microsoft.com/office/drawing/2010/main">
+        <mc:Choice Requires="a14">
           <p:graphicFrame>
             <p:nvGraphicFramePr>
               <p:cNvPr id="72" name="Table 71">
                 <a:extLst>
                   <a:ext uri="{FF2B5EF4-FFF2-40B4-BE49-F238E27FC236}">
-                    <a16:creationId xmlns:a16="http://schemas.microsoft.com/office/drawing/2014/main" id="{DC293643-0FF5-47CC-9190-0D1D19D1CA0B}"/>
+                    <a16:creationId xmlns:a16="http://schemas.microsoft.com/office/drawing/2014/main" xmlns="" id="{DC293643-0FF5-47CC-9190-0D1D19D1CA0B}"/>
                   </a:ext>
                 </a:extLst>
               </p:cNvPr>
@@ -5556,8 +5351,8 @@
               </p:nvPr>
             </p:nvGraphicFramePr>
             <p:xfrm>
-              <a:off x="18428150" y="19792143"/>
-              <a:ext cx="12816000" cy="9946640"/>
+              <a:off x="18430858" y="19794325"/>
+              <a:ext cx="12817883" cy="9947729"/>
             </p:xfrm>
             <a:graphic>
               <a:graphicData uri="http://schemas.openxmlformats.org/drawingml/2006/table">
@@ -5566,64 +5361,64 @@
                     <a:tableStyleId>{5C22544A-7EE6-4342-B048-85BDC9FD1C3A}</a:tableStyleId>
                   </a:tblPr>
                   <a:tblGrid>
-                    <a:gridCol w="2556000">
+                    <a:gridCol w="2556376">
                       <a:extLst>
                         <a:ext uri="{9D8B030D-6E8A-4147-A177-3AD203B41FA5}">
-                          <a16:colId xmlns:a16="http://schemas.microsoft.com/office/drawing/2014/main" val="1946601345"/>
+                          <a16:colId xmlns:a16="http://schemas.microsoft.com/office/drawing/2014/main" xmlns="" val="1946601345"/>
                         </a:ext>
                       </a:extLst>
                     </a:gridCol>
-                    <a:gridCol w="1188000">
+                    <a:gridCol w="1188175">
                       <a:extLst>
                         <a:ext uri="{9D8B030D-6E8A-4147-A177-3AD203B41FA5}">
-                          <a16:colId xmlns:a16="http://schemas.microsoft.com/office/drawing/2014/main" val="1319595562"/>
+                          <a16:colId xmlns:a16="http://schemas.microsoft.com/office/drawing/2014/main" xmlns="" val="1319595562"/>
                         </a:ext>
                       </a:extLst>
                     </a:gridCol>
-                    <a:gridCol w="1404000">
+                    <a:gridCol w="1404206">
                       <a:extLst>
                         <a:ext uri="{9D8B030D-6E8A-4147-A177-3AD203B41FA5}">
-                          <a16:colId xmlns:a16="http://schemas.microsoft.com/office/drawing/2014/main" val="3671013873"/>
+                          <a16:colId xmlns:a16="http://schemas.microsoft.com/office/drawing/2014/main" xmlns="" val="3671013873"/>
                         </a:ext>
                       </a:extLst>
                     </a:gridCol>
-                    <a:gridCol w="1404000">
+                    <a:gridCol w="1404206">
                       <a:extLst>
                         <a:ext uri="{9D8B030D-6E8A-4147-A177-3AD203B41FA5}">
-                          <a16:colId xmlns:a16="http://schemas.microsoft.com/office/drawing/2014/main" val="2049267816"/>
+                          <a16:colId xmlns:a16="http://schemas.microsoft.com/office/drawing/2014/main" xmlns="" val="2049267816"/>
                         </a:ext>
                       </a:extLst>
                     </a:gridCol>
-                    <a:gridCol w="1728000">
+                    <a:gridCol w="1728254">
                       <a:extLst>
                         <a:ext uri="{9D8B030D-6E8A-4147-A177-3AD203B41FA5}">
-                          <a16:colId xmlns:a16="http://schemas.microsoft.com/office/drawing/2014/main" val="966686260"/>
+                          <a16:colId xmlns:a16="http://schemas.microsoft.com/office/drawing/2014/main" xmlns="" val="966686260"/>
                         </a:ext>
                       </a:extLst>
                     </a:gridCol>
-                    <a:gridCol w="1404000">
+                    <a:gridCol w="1404206">
                       <a:extLst>
                         <a:ext uri="{9D8B030D-6E8A-4147-A177-3AD203B41FA5}">
-                          <a16:colId xmlns:a16="http://schemas.microsoft.com/office/drawing/2014/main" val="2377125529"/>
+                          <a16:colId xmlns:a16="http://schemas.microsoft.com/office/drawing/2014/main" xmlns="" val="2377125529"/>
                         </a:ext>
                       </a:extLst>
                     </a:gridCol>
-                    <a:gridCol w="1404000">
+                    <a:gridCol w="1404206">
                       <a:extLst>
                         <a:ext uri="{9D8B030D-6E8A-4147-A177-3AD203B41FA5}">
-                          <a16:colId xmlns:a16="http://schemas.microsoft.com/office/drawing/2014/main" val="1858987758"/>
+                          <a16:colId xmlns:a16="http://schemas.microsoft.com/office/drawing/2014/main" xmlns="" val="1858987758"/>
                         </a:ext>
                       </a:extLst>
                     </a:gridCol>
-                    <a:gridCol w="1728000">
+                    <a:gridCol w="1728254">
                       <a:extLst>
                         <a:ext uri="{9D8B030D-6E8A-4147-A177-3AD203B41FA5}">
-                          <a16:colId xmlns:a16="http://schemas.microsoft.com/office/drawing/2014/main" val="922372244"/>
+                          <a16:colId xmlns:a16="http://schemas.microsoft.com/office/drawing/2014/main" xmlns="" val="922372244"/>
                         </a:ext>
                       </a:extLst>
                     </a:gridCol>
                   </a:tblGrid>
-                  <a:tr h="0">
+                  <a:tr h="548700">
                     <a:tc gridSpan="8">
                       <a:txBody>
                         <a:bodyPr/>
@@ -5640,7 +5435,7 @@
                           </a:r>
                         </a:p>
                       </a:txBody>
-                      <a:tcPr anchor="ctr">
+                      <a:tcPr marL="91453" marR="91453" marT="45725" marB="45725" anchor="ctr">
                         <a:lnL w="38100" cap="flat" cmpd="sng" algn="ctr">
                           <a:solidFill>
                             <a:schemeClr val="tx1"/>
@@ -5962,11 +5757,11 @@
                     </a:tc>
                     <a:extLst>
                       <a:ext uri="{0D108BD9-81ED-4DB2-BD59-A6C34878D82A}">
-                        <a16:rowId xmlns:a16="http://schemas.microsoft.com/office/drawing/2014/main" val="1487559327"/>
+                        <a16:rowId xmlns:a16="http://schemas.microsoft.com/office/drawing/2014/main" xmlns="" val="1487559327"/>
                       </a:ext>
                     </a:extLst>
                   </a:tr>
-                  <a:tr h="0">
+                  <a:tr h="548700">
                     <a:tc rowSpan="5">
                       <a:txBody>
                         <a:bodyPr/>
@@ -5980,7 +5775,7 @@
                           </a:endParaRPr>
                         </a:p>
                       </a:txBody>
-                      <a:tcPr anchor="ctr">
+                      <a:tcPr marL="91453" marR="91453" marT="45725" marB="45725" anchor="ctr">
                         <a:lnL w="38100" cap="flat" cmpd="sng" algn="ctr">
                           <a:solidFill>
                             <a:schemeClr val="tx1"/>
@@ -6042,7 +5837,7 @@
                           </a:r>
                         </a:p>
                       </a:txBody>
-                      <a:tcPr anchor="ctr">
+                      <a:tcPr marL="91453" marR="91453" marT="45725" marB="45725" anchor="ctr">
                         <a:lnL w="12700" cap="flat" cmpd="sng" algn="ctr">
                           <a:noFill/>
                           <a:prstDash val="solid"/>
@@ -6101,7 +5896,7 @@
                           </a:endParaRPr>
                         </a:p>
                       </a:txBody>
-                      <a:tcPr anchor="ctr">
+                      <a:tcPr marL="91453" marR="91453" marT="45725" marB="45725" anchor="ctr">
                         <a:lnL w="38100" cap="flat" cmpd="sng" algn="ctr">
                           <a:solidFill>
                             <a:schemeClr val="tx1"/>
@@ -6208,7 +6003,7 @@
                           </a:endParaRPr>
                         </a:p>
                       </a:txBody>
-                      <a:tcPr anchor="ctr">
+                      <a:tcPr marL="91453" marR="91453" marT="45725" marB="45725" anchor="ctr">
                         <a:lnL w="38100" cap="flat" cmpd="sng" algn="ctr">
                           <a:solidFill>
                             <a:schemeClr val="tx1"/>
@@ -6354,11 +6149,11 @@
                     </a:tc>
                     <a:extLst>
                       <a:ext uri="{0D108BD9-81ED-4DB2-BD59-A6C34878D82A}">
-                        <a16:rowId xmlns:a16="http://schemas.microsoft.com/office/drawing/2014/main" val="2670774814"/>
+                        <a16:rowId xmlns:a16="http://schemas.microsoft.com/office/drawing/2014/main" xmlns="" val="2670774814"/>
                       </a:ext>
                     </a:extLst>
                   </a:tr>
-                  <a:tr h="0">
+                  <a:tr h="71128">
                     <a:tc vMerge="1">
                       <a:txBody>
                         <a:bodyPr/>
@@ -6395,7 +6190,7 @@
                           </a:r>
                         </a:p>
                       </a:txBody>
-                      <a:tcPr anchor="ctr">
+                      <a:tcPr marL="91453" marR="91453" marT="45725" marB="45725" anchor="ctr">
                         <a:lnL w="38100" cap="flat" cmpd="sng" algn="ctr">
                           <a:solidFill>
                             <a:schemeClr val="tx1"/>
@@ -6457,7 +6252,7 @@
                           </a:r>
                         </a:p>
                       </a:txBody>
-                      <a:tcPr anchor="ctr">
+                      <a:tcPr marL="91453" marR="91453" marT="45725" marB="45725" anchor="ctr">
                         <a:lnL w="9525" cap="flat" cmpd="sng" algn="ctr">
                           <a:solidFill>
                             <a:schemeClr val="tx1"/>
@@ -6549,11 +6344,11 @@
                     </a:tc>
                     <a:extLst>
                       <a:ext uri="{0D108BD9-81ED-4DB2-BD59-A6C34878D82A}">
-                        <a16:rowId xmlns:a16="http://schemas.microsoft.com/office/drawing/2014/main" val="2343822438"/>
+                        <a16:rowId xmlns:a16="http://schemas.microsoft.com/office/drawing/2014/main" xmlns="" val="2343822438"/>
                       </a:ext>
                     </a:extLst>
                   </a:tr>
-                  <a:tr h="0">
+                  <a:tr h="477573">
                     <a:tc vMerge="1">
                       <a:txBody>
                         <a:bodyPr/>
@@ -6620,7 +6415,7 @@
                           </a:r>
                         </a:p>
                       </a:txBody>
-                      <a:tcPr anchor="ctr">
+                      <a:tcPr marL="91453" marR="91453" marT="45725" marB="45725" anchor="ctr">
                         <a:lnL w="38100" cap="flat" cmpd="sng" algn="ctr">
                           <a:solidFill>
                             <a:schemeClr val="tx1"/>
@@ -6680,10 +6475,10 @@
                             </a:rPr>
                             <a:t>adversarial images</a:t>
                           </a:r>
-                          <a:endParaRPr lang="en-US" b="1" dirty="0"/>
-                        </a:p>
-                      </a:txBody>
-                      <a:tcPr anchor="ctr">
+                          <a:endParaRPr lang="en-US" sz="6400" b="1" dirty="0"/>
+                        </a:p>
+                      </a:txBody>
+                      <a:tcPr marL="91453" marR="91453" marT="45725" marB="45725" anchor="ctr">
                         <a:lnL w="9525" cap="flat" cmpd="sng" algn="ctr">
                           <a:solidFill>
                             <a:schemeClr val="tx1"/>
@@ -6758,11 +6553,11 @@
                     </a:tc>
                     <a:extLst>
                       <a:ext uri="{0D108BD9-81ED-4DB2-BD59-A6C34878D82A}">
-                        <a16:rowId xmlns:a16="http://schemas.microsoft.com/office/drawing/2014/main" val="4008647147"/>
+                        <a16:rowId xmlns:a16="http://schemas.microsoft.com/office/drawing/2014/main" xmlns="" val="4008647147"/>
                       </a:ext>
                     </a:extLst>
                   </a:tr>
-                  <a:tr h="0">
+                  <a:tr h="71128">
                     <a:tc vMerge="1">
                       <a:txBody>
                         <a:bodyPr/>
@@ -6809,7 +6604,7 @@
                           </a:r>
                         </a:p>
                       </a:txBody>
-                      <a:tcPr anchor="ctr">
+                      <a:tcPr marL="91453" marR="91453" marT="45725" marB="45725" anchor="ctr">
                         <a:lnL w="9525" cap="flat" cmpd="sng" algn="ctr">
                           <a:solidFill>
                             <a:schemeClr val="tx1"/>
@@ -6871,7 +6666,7 @@
                           </a:r>
                         </a:p>
                       </a:txBody>
-                      <a:tcPr anchor="ctr">
+                      <a:tcPr marL="91453" marR="91453" marT="45725" marB="45725" anchor="ctr">
                         <a:lnL w="9525" cap="flat" cmpd="sng" algn="ctr">
                           <a:solidFill>
                             <a:schemeClr val="tx1"/>
@@ -6937,11 +6732,11 @@
                     </a:tc>
                     <a:extLst>
                       <a:ext uri="{0D108BD9-81ED-4DB2-BD59-A6C34878D82A}">
-                        <a16:rowId xmlns:a16="http://schemas.microsoft.com/office/drawing/2014/main" val="1184920339"/>
+                        <a16:rowId xmlns:a16="http://schemas.microsoft.com/office/drawing/2014/main" xmlns="" val="1184920339"/>
                       </a:ext>
                     </a:extLst>
                   </a:tr>
-                  <a:tr h="0">
+                  <a:tr h="548700">
                     <a:tc vMerge="1">
                       <a:txBody>
                         <a:bodyPr/>
@@ -7016,10 +6811,10 @@
                             </a:rPr>
                             <a:t>attack</a:t>
                           </a:r>
-                          <a:endParaRPr lang="en-US" b="1" dirty="0"/>
-                        </a:p>
-                      </a:txBody>
-                      <a:tcPr anchor="ctr">
+                          <a:endParaRPr lang="en-US" sz="6400" b="1" dirty="0"/>
+                        </a:p>
+                      </a:txBody>
+                      <a:tcPr marL="91453" marR="91453" marT="45725" marB="45725" anchor="ctr">
                         <a:lnL w="9525" cap="flat" cmpd="sng" algn="ctr">
                           <a:solidFill>
                             <a:schemeClr val="tx1"/>
@@ -7077,10 +6872,10 @@
                             </a:rPr>
                             <a:t>gray box</a:t>
                           </a:r>
-                          <a:endParaRPr lang="en-US" b="1" dirty="0"/>
-                        </a:p>
-                      </a:txBody>
-                      <a:tcPr anchor="ctr">
+                          <a:endParaRPr lang="en-US" sz="6400" b="1" dirty="0"/>
+                        </a:p>
+                      </a:txBody>
+                      <a:tcPr marL="91453" marR="91453" marT="45725" marB="45725" anchor="ctr">
                         <a:lnL w="12700" cap="flat" cmpd="sng" algn="ctr">
                           <a:noFill/>
                           <a:prstDash val="solid"/>
@@ -7114,11 +6909,11 @@
                     </a:tc>
                     <a:extLst>
                       <a:ext uri="{0D108BD9-81ED-4DB2-BD59-A6C34878D82A}">
-                        <a16:rowId xmlns:a16="http://schemas.microsoft.com/office/drawing/2014/main" val="161192191"/>
+                        <a16:rowId xmlns:a16="http://schemas.microsoft.com/office/drawing/2014/main" xmlns="" val="161192191"/>
                       </a:ext>
                     </a:extLst>
                   </a:tr>
-                  <a:tr h="0">
+                  <a:tr h="548700">
                     <a:tc rowSpan="4">
                       <a:txBody>
                         <a:bodyPr/>
@@ -7135,7 +6930,7 @@
                           </a:r>
                         </a:p>
                       </a:txBody>
-                      <a:tcPr anchor="ctr">
+                      <a:tcPr marL="91453" marR="91453" marT="45725" marB="45725" anchor="ctr">
                         <a:lnL w="38100" cap="flat" cmpd="sng" algn="ctr">
                           <a:solidFill>
                             <a:schemeClr val="tx1"/>
@@ -7191,7 +6986,7 @@
                           </a:r>
                         </a:p>
                       </a:txBody>
-                      <a:tcPr anchor="ctr">
+                      <a:tcPr marL="91453" marR="91453" marT="45725" marB="45725" anchor="ctr">
                         <a:lnL w="38100" cap="flat" cmpd="sng" algn="ctr">
                           <a:solidFill>
                             <a:schemeClr val="bg1"/>
@@ -7247,7 +7042,7 @@
                           </a:r>
                         </a:p>
                       </a:txBody>
-                      <a:tcPr anchor="ctr">
+                      <a:tcPr marL="91453" marR="91453" marT="45725" marB="45725" anchor="ctr">
                         <a:lnL w="38100" cap="flat" cmpd="sng" algn="ctr">
                           <a:solidFill>
                             <a:schemeClr val="tx1"/>
@@ -7303,7 +7098,7 @@
                                 <m:sSubPr>
                                   <m:ctrlPr>
                                     <a:rPr lang="en-US" sz="3000" b="1" i="1" smtClean="0">
-                                      <a:latin typeface="Cambria Math" panose="02040503050406030204" pitchFamily="18" charset="0"/>
+                                      <a:latin typeface="Cambria Math"/>
                                     </a:rPr>
                                   </m:ctrlPr>
                                 </m:sSubPr>
@@ -7329,7 +7124,7 @@
                           <a:endParaRPr lang="en-US" sz="3000" b="1" dirty="0"/>
                         </a:p>
                       </a:txBody>
-                      <a:tcPr anchor="ctr">
+                      <a:tcPr marL="91453" marR="91453" marT="45725" marB="45725" anchor="ctr">
                         <a:lnL w="12700" cap="flat" cmpd="sng" algn="ctr">
                           <a:solidFill>
                             <a:schemeClr val="tx1"/>
@@ -7385,7 +7180,7 @@
                           </a:r>
                         </a:p>
                       </a:txBody>
-                      <a:tcPr anchor="ctr">
+                      <a:tcPr marL="91453" marR="91453" marT="45725" marB="45725" anchor="ctr">
                         <a:lnL w="12700" cap="flat" cmpd="sng" algn="ctr">
                           <a:solidFill>
                             <a:schemeClr val="tx1"/>
@@ -7441,7 +7236,7 @@
                           </a:r>
                         </a:p>
                       </a:txBody>
-                      <a:tcPr anchor="ctr">
+                      <a:tcPr marL="91453" marR="91453" marT="45725" marB="45725" anchor="ctr">
                         <a:lnL w="38100" cap="flat" cmpd="sng" algn="ctr">
                           <a:solidFill>
                             <a:schemeClr val="tx1"/>
@@ -7497,7 +7292,7 @@
                                 <m:sSubPr>
                                   <m:ctrlPr>
                                     <a:rPr lang="en-US" sz="3000" b="1" i="1" smtClean="0">
-                                      <a:latin typeface="Cambria Math" panose="02040503050406030204" pitchFamily="18" charset="0"/>
+                                      <a:latin typeface="Cambria Math"/>
                                     </a:rPr>
                                   </m:ctrlPr>
                                 </m:sSubPr>
@@ -7523,7 +7318,7 @@
                           <a:endParaRPr lang="en-US" sz="3000" b="1" dirty="0"/>
                         </a:p>
                       </a:txBody>
-                      <a:tcPr anchor="ctr">
+                      <a:tcPr marL="91453" marR="91453" marT="45725" marB="45725" anchor="ctr">
                         <a:lnL w="12700" cap="flat" cmpd="sng" algn="ctr">
                           <a:solidFill>
                             <a:schemeClr val="tx1"/>
@@ -7579,7 +7374,7 @@
                           </a:r>
                         </a:p>
                       </a:txBody>
-                      <a:tcPr anchor="ctr">
+                      <a:tcPr marL="91453" marR="91453" marT="45725" marB="45725" anchor="ctr">
                         <a:lnL w="12700" cap="flat" cmpd="sng" algn="ctr">
                           <a:solidFill>
                             <a:schemeClr val="tx1"/>
@@ -7621,11 +7416,11 @@
                     </a:tc>
                     <a:extLst>
                       <a:ext uri="{0D108BD9-81ED-4DB2-BD59-A6C34878D82A}">
-                        <a16:rowId xmlns:a16="http://schemas.microsoft.com/office/drawing/2014/main" val="2324081285"/>
+                        <a16:rowId xmlns:a16="http://schemas.microsoft.com/office/drawing/2014/main" xmlns="" val="2324081285"/>
                       </a:ext>
                     </a:extLst>
                   </a:tr>
-                  <a:tr h="0">
+                  <a:tr h="548700">
                     <a:tc vMerge="1">
                       <a:txBody>
                         <a:bodyPr/>
@@ -7801,7 +7596,7 @@
                                 <m:sSubPr>
                                   <m:ctrlPr>
                                     <a:rPr lang="en-US" sz="3000" b="1" i="1" smtClean="0">
-                                      <a:latin typeface="Cambria Math" panose="02040503050406030204" pitchFamily="18" charset="0"/>
+                                      <a:latin typeface="Cambria Math"/>
                                     </a:rPr>
                                   </m:ctrlPr>
                                 </m:sSubPr>
@@ -7827,7 +7622,7 @@
                           <a:endParaRPr lang="en-US" sz="3000" b="1" dirty="0"/>
                         </a:p>
                       </a:txBody>
-                      <a:tcPr anchor="ctr">
+                      <a:tcPr marL="91453" marR="91453" marT="45725" marB="45725" anchor="ctr">
                         <a:lnL w="12700" cap="flat" cmpd="sng" algn="ctr">
                           <a:solidFill>
                             <a:schemeClr val="tx1"/>
@@ -7883,7 +7678,7 @@
                           </a:r>
                         </a:p>
                       </a:txBody>
-                      <a:tcPr anchor="ctr">
+                      <a:tcPr marL="91453" marR="91453" marT="45725" marB="45725" anchor="ctr">
                         <a:lnL w="12700" cap="flat" cmpd="sng" algn="ctr">
                           <a:solidFill>
                             <a:schemeClr val="tx1"/>
@@ -7992,7 +7787,7 @@
                                 <m:sSubPr>
                                   <m:ctrlPr>
                                     <a:rPr lang="en-US" sz="3000" b="1" i="1" smtClean="0">
-                                      <a:latin typeface="Cambria Math" panose="02040503050406030204" pitchFamily="18" charset="0"/>
+                                      <a:latin typeface="Cambria Math"/>
                                     </a:rPr>
                                   </m:ctrlPr>
                                 </m:sSubPr>
@@ -8018,7 +7813,7 @@
                           <a:endParaRPr lang="en-US" sz="3000" b="1" dirty="0"/>
                         </a:p>
                       </a:txBody>
-                      <a:tcPr anchor="ctr">
+                      <a:tcPr marL="91453" marR="91453" marT="45725" marB="45725" anchor="ctr">
                         <a:lnL w="12700" cap="flat" cmpd="sng" algn="ctr">
                           <a:solidFill>
                             <a:schemeClr val="tx1"/>
@@ -8074,7 +7869,7 @@
                           </a:r>
                         </a:p>
                       </a:txBody>
-                      <a:tcPr anchor="ctr">
+                      <a:tcPr marL="91453" marR="91453" marT="45725" marB="45725" anchor="ctr">
                         <a:lnL w="12700" cap="flat" cmpd="sng" algn="ctr">
                           <a:solidFill>
                             <a:schemeClr val="tx1"/>
@@ -8116,11 +7911,11 @@
                     </a:tc>
                     <a:extLst>
                       <a:ext uri="{0D108BD9-81ED-4DB2-BD59-A6C34878D82A}">
-                        <a16:rowId xmlns:a16="http://schemas.microsoft.com/office/drawing/2014/main" val="1330813689"/>
+                        <a16:rowId xmlns:a16="http://schemas.microsoft.com/office/drawing/2014/main" xmlns="" val="1330813689"/>
                       </a:ext>
                     </a:extLst>
                   </a:tr>
-                  <a:tr h="0">
+                  <a:tr h="548700">
                     <a:tc vMerge="1">
                       <a:txBody>
                         <a:bodyPr/>
@@ -8296,7 +8091,7 @@
                                 <m:sSubPr>
                                   <m:ctrlPr>
                                     <a:rPr lang="en-US" sz="3000" b="1" i="1" smtClean="0">
-                                      <a:latin typeface="Cambria Math" panose="02040503050406030204" pitchFamily="18" charset="0"/>
+                                      <a:latin typeface="Cambria Math"/>
                                     </a:rPr>
                                   </m:ctrlPr>
                                 </m:sSubPr>
@@ -8323,7 +8118,7 @@
                           <a:endParaRPr lang="en-US" sz="3000" b="1" dirty="0"/>
                         </a:p>
                       </a:txBody>
-                      <a:tcPr anchor="ctr">
+                      <a:tcPr marL="91453" marR="91453" marT="45725" marB="45725" anchor="ctr">
                         <a:lnL w="12700" cap="flat" cmpd="sng" algn="ctr">
                           <a:solidFill>
                             <a:schemeClr val="tx1"/>
@@ -8379,7 +8174,7 @@
                           </a:r>
                         </a:p>
                       </a:txBody>
-                      <a:tcPr anchor="ctr">
+                      <a:tcPr marL="91453" marR="91453" marT="45725" marB="45725" anchor="ctr">
                         <a:lnL w="12700" cap="flat" cmpd="sng" algn="ctr">
                           <a:solidFill>
                             <a:schemeClr val="tx1"/>
@@ -8488,7 +8283,7 @@
                                 <m:sSubPr>
                                   <m:ctrlPr>
                                     <a:rPr lang="en-US" sz="3000" b="1" i="1" smtClean="0">
-                                      <a:latin typeface="Cambria Math" panose="02040503050406030204" pitchFamily="18" charset="0"/>
+                                      <a:latin typeface="Cambria Math"/>
                                     </a:rPr>
                                   </m:ctrlPr>
                                 </m:sSubPr>
@@ -8515,7 +8310,7 @@
                           <a:endParaRPr lang="en-US" sz="3000" b="1" dirty="0"/>
                         </a:p>
                       </a:txBody>
-                      <a:tcPr anchor="ctr">
+                      <a:tcPr marL="91453" marR="91453" marT="45725" marB="45725" anchor="ctr">
                         <a:lnL w="12700" cap="flat" cmpd="sng" algn="ctr">
                           <a:solidFill>
                             <a:schemeClr val="tx1"/>
@@ -8571,7 +8366,7 @@
                           </a:r>
                         </a:p>
                       </a:txBody>
-                      <a:tcPr anchor="ctr">
+                      <a:tcPr marL="91453" marR="91453" marT="45725" marB="45725" anchor="ctr">
                         <a:lnL w="12700" cap="flat" cmpd="sng" algn="ctr">
                           <a:solidFill>
                             <a:schemeClr val="tx1"/>
@@ -8613,11 +8408,11 @@
                     </a:tc>
                     <a:extLst>
                       <a:ext uri="{0D108BD9-81ED-4DB2-BD59-A6C34878D82A}">
-                        <a16:rowId xmlns:a16="http://schemas.microsoft.com/office/drawing/2014/main" val="1559508821"/>
+                        <a16:rowId xmlns:a16="http://schemas.microsoft.com/office/drawing/2014/main" xmlns="" val="1559508821"/>
                       </a:ext>
                     </a:extLst>
                   </a:tr>
-                  <a:tr h="0">
+                  <a:tr h="548700">
                     <a:tc vMerge="1">
                       <a:txBody>
                         <a:bodyPr/>
@@ -8687,7 +8482,7 @@
                           </a:r>
                         </a:p>
                       </a:txBody>
-                      <a:tcPr anchor="ctr">
+                      <a:tcPr marL="91453" marR="91453" marT="45725" marB="45725" anchor="ctr">
                         <a:lnL w="38100" cap="flat" cmpd="sng" algn="ctr">
                           <a:solidFill>
                             <a:schemeClr val="bg1"/>
@@ -8743,7 +8538,7 @@
                           </a:r>
                         </a:p>
                       </a:txBody>
-                      <a:tcPr anchor="ctr">
+                      <a:tcPr marL="91453" marR="91453" marT="45725" marB="45725" anchor="ctr">
                         <a:lnL w="38100" cap="flat" cmpd="sng" algn="ctr">
                           <a:solidFill>
                             <a:schemeClr val="tx1"/>
@@ -8795,7 +8590,7 @@
                           </a:r>
                         </a:p>
                       </a:txBody>
-                      <a:tcPr anchor="ctr">
+                      <a:tcPr marL="91453" marR="91453" marT="45725" marB="45725" anchor="ctr">
                         <a:lnL w="12700" cap="flat" cmpd="sng" algn="ctr">
                           <a:solidFill>
                             <a:schemeClr val="tx1"/>
@@ -8851,7 +8646,7 @@
                           </a:r>
                         </a:p>
                       </a:txBody>
-                      <a:tcPr anchor="ctr">
+                      <a:tcPr marL="91453" marR="91453" marT="45725" marB="45725" anchor="ctr">
                         <a:lnL w="12700" cap="flat" cmpd="sng" algn="ctr">
                           <a:solidFill>
                             <a:schemeClr val="tx1"/>
@@ -8907,7 +8702,7 @@
                           </a:r>
                         </a:p>
                       </a:txBody>
-                      <a:tcPr anchor="ctr">
+                      <a:tcPr marL="91453" marR="91453" marT="45725" marB="45725" anchor="ctr">
                         <a:lnL w="38100" cap="flat" cmpd="sng" algn="ctr">
                           <a:solidFill>
                             <a:schemeClr val="tx1"/>
@@ -8959,7 +8754,7 @@
                           </a:r>
                         </a:p>
                       </a:txBody>
-                      <a:tcPr anchor="ctr">
+                      <a:tcPr marL="91453" marR="91453" marT="45725" marB="45725" anchor="ctr">
                         <a:lnL w="12700" cap="flat" cmpd="sng" algn="ctr">
                           <a:solidFill>
                             <a:schemeClr val="tx1"/>
@@ -9015,7 +8810,7 @@
                           </a:r>
                         </a:p>
                       </a:txBody>
-                      <a:tcPr anchor="ctr">
+                      <a:tcPr marL="91453" marR="91453" marT="45725" marB="45725" anchor="ctr">
                         <a:lnL w="12700" cap="flat" cmpd="sng" algn="ctr">
                           <a:solidFill>
                             <a:schemeClr val="tx1"/>
@@ -9057,11 +8852,11 @@
                     </a:tc>
                     <a:extLst>
                       <a:ext uri="{0D108BD9-81ED-4DB2-BD59-A6C34878D82A}">
-                        <a16:rowId xmlns:a16="http://schemas.microsoft.com/office/drawing/2014/main" val="1073051094"/>
+                        <a16:rowId xmlns:a16="http://schemas.microsoft.com/office/drawing/2014/main" xmlns="" val="1073051094"/>
                       </a:ext>
                     </a:extLst>
                   </a:tr>
-                  <a:tr h="0">
+                  <a:tr h="548700">
                     <a:tc rowSpan="4">
                       <a:txBody>
                         <a:bodyPr/>
@@ -9078,7 +8873,7 @@
                           </a:r>
                         </a:p>
                       </a:txBody>
-                      <a:tcPr anchor="ctr">
+                      <a:tcPr marL="91453" marR="91453" marT="45725" marB="45725" anchor="ctr">
                         <a:lnL w="38100" cap="flat" cmpd="sng" algn="ctr">
                           <a:solidFill>
                             <a:schemeClr val="tx1"/>
@@ -9134,7 +8929,7 @@
                           </a:r>
                         </a:p>
                       </a:txBody>
-                      <a:tcPr anchor="ctr">
+                      <a:tcPr marL="91453" marR="91453" marT="45725" marB="45725" anchor="ctr">
                         <a:lnL w="38100" cap="flat" cmpd="sng" algn="ctr">
                           <a:solidFill>
                             <a:schemeClr val="bg1"/>
@@ -9190,7 +8985,7 @@
                           </a:r>
                         </a:p>
                       </a:txBody>
-                      <a:tcPr anchor="ctr">
+                      <a:tcPr marL="91453" marR="91453" marT="45725" marB="45725" anchor="ctr">
                         <a:lnL w="38100" cap="flat" cmpd="sng" algn="ctr">
                           <a:solidFill>
                             <a:schemeClr val="tx1"/>
@@ -9246,7 +9041,7 @@
                                 <m:sSubPr>
                                   <m:ctrlPr>
                                     <a:rPr lang="en-US" sz="3000" b="1" i="1" smtClean="0">
-                                      <a:latin typeface="Cambria Math" panose="02040503050406030204" pitchFamily="18" charset="0"/>
+                                      <a:latin typeface="Cambria Math"/>
                                     </a:rPr>
                                   </m:ctrlPr>
                                 </m:sSubPr>
@@ -9272,7 +9067,7 @@
                           <a:endParaRPr lang="en-US" sz="3000" b="1" dirty="0"/>
                         </a:p>
                       </a:txBody>
-                      <a:tcPr anchor="ctr">
+                      <a:tcPr marL="91453" marR="91453" marT="45725" marB="45725" anchor="ctr">
                         <a:lnL w="12700" cap="flat" cmpd="sng" algn="ctr">
                           <a:solidFill>
                             <a:schemeClr val="tx1"/>
@@ -9330,7 +9125,7 @@
                           </a:r>
                         </a:p>
                       </a:txBody>
-                      <a:tcPr anchor="ctr">
+                      <a:tcPr marL="91453" marR="91453" marT="45725" marB="45725" anchor="ctr">
                         <a:lnL w="12700" cap="flat" cmpd="sng" algn="ctr">
                           <a:solidFill>
                             <a:schemeClr val="tx1"/>
@@ -9386,7 +9181,7 @@
                           </a:r>
                         </a:p>
                       </a:txBody>
-                      <a:tcPr anchor="ctr">
+                      <a:tcPr marL="91453" marR="91453" marT="45725" marB="45725" anchor="ctr">
                         <a:lnL w="38100" cap="flat" cmpd="sng" algn="ctr">
                           <a:solidFill>
                             <a:schemeClr val="tx1"/>
@@ -9442,7 +9237,7 @@
                                 <m:sSubPr>
                                   <m:ctrlPr>
                                     <a:rPr lang="en-US" sz="3000" b="1" i="1" smtClean="0">
-                                      <a:latin typeface="Cambria Math" panose="02040503050406030204" pitchFamily="18" charset="0"/>
+                                      <a:latin typeface="Cambria Math"/>
                                     </a:rPr>
                                   </m:ctrlPr>
                                 </m:sSubPr>
@@ -9468,7 +9263,7 @@
                           <a:endParaRPr lang="en-US" sz="3000" b="1" dirty="0"/>
                         </a:p>
                       </a:txBody>
-                      <a:tcPr anchor="ctr">
+                      <a:tcPr marL="91453" marR="91453" marT="45725" marB="45725" anchor="ctr">
                         <a:lnL w="12700" cap="flat" cmpd="sng" algn="ctr">
                           <a:solidFill>
                             <a:schemeClr val="tx1"/>
@@ -9526,7 +9321,7 @@
                           </a:r>
                         </a:p>
                       </a:txBody>
-                      <a:tcPr anchor="ctr">
+                      <a:tcPr marL="91453" marR="91453" marT="45725" marB="45725" anchor="ctr">
                         <a:lnL w="12700" cap="flat" cmpd="sng" algn="ctr">
                           <a:solidFill>
                             <a:schemeClr val="tx1"/>
@@ -9568,11 +9363,11 @@
                     </a:tc>
                     <a:extLst>
                       <a:ext uri="{0D108BD9-81ED-4DB2-BD59-A6C34878D82A}">
-                        <a16:rowId xmlns:a16="http://schemas.microsoft.com/office/drawing/2014/main" val="653722751"/>
+                        <a16:rowId xmlns:a16="http://schemas.microsoft.com/office/drawing/2014/main" xmlns="" val="653722751"/>
                       </a:ext>
                     </a:extLst>
                   </a:tr>
-                  <a:tr h="0">
+                  <a:tr h="548700">
                     <a:tc vMerge="1">
                       <a:txBody>
                         <a:bodyPr/>
@@ -9748,7 +9543,7 @@
                                 <m:sSubPr>
                                   <m:ctrlPr>
                                     <a:rPr lang="en-US" sz="3000" b="1" i="1" smtClean="0">
-                                      <a:latin typeface="Cambria Math" panose="02040503050406030204" pitchFamily="18" charset="0"/>
+                                      <a:latin typeface="Cambria Math"/>
                                     </a:rPr>
                                   </m:ctrlPr>
                                 </m:sSubPr>
@@ -9774,7 +9569,7 @@
                           <a:endParaRPr lang="en-US" sz="3000" b="1" dirty="0"/>
                         </a:p>
                       </a:txBody>
-                      <a:tcPr anchor="ctr">
+                      <a:tcPr marL="91453" marR="91453" marT="45725" marB="45725" anchor="ctr">
                         <a:lnL w="12700" cap="flat" cmpd="sng" algn="ctr">
                           <a:solidFill>
                             <a:schemeClr val="tx1"/>
@@ -9832,7 +9627,7 @@
                           </a:r>
                         </a:p>
                       </a:txBody>
-                      <a:tcPr anchor="ctr">
+                      <a:tcPr marL="91453" marR="91453" marT="45725" marB="45725" anchor="ctr">
                         <a:lnL w="12700" cap="flat" cmpd="sng" algn="ctr">
                           <a:solidFill>
                             <a:schemeClr val="tx1"/>
@@ -9941,7 +9736,7 @@
                                 <m:sSubPr>
                                   <m:ctrlPr>
                                     <a:rPr lang="en-US" sz="3000" b="1" i="1" smtClean="0">
-                                      <a:latin typeface="Cambria Math" panose="02040503050406030204" pitchFamily="18" charset="0"/>
+                                      <a:latin typeface="Cambria Math"/>
                                     </a:rPr>
                                   </m:ctrlPr>
                                 </m:sSubPr>
@@ -9967,7 +9762,7 @@
                           <a:endParaRPr lang="en-US" sz="3000" b="1" dirty="0"/>
                         </a:p>
                       </a:txBody>
-                      <a:tcPr anchor="ctr">
+                      <a:tcPr marL="91453" marR="91453" marT="45725" marB="45725" anchor="ctr">
                         <a:lnL w="12700" cap="flat" cmpd="sng" algn="ctr">
                           <a:solidFill>
                             <a:schemeClr val="tx1"/>
@@ -10025,7 +9820,7 @@
                           </a:r>
                         </a:p>
                       </a:txBody>
-                      <a:tcPr anchor="ctr">
+                      <a:tcPr marL="91453" marR="91453" marT="45725" marB="45725" anchor="ctr">
                         <a:lnL w="12700" cap="flat" cmpd="sng" algn="ctr">
                           <a:solidFill>
                             <a:schemeClr val="tx1"/>
@@ -10067,11 +9862,11 @@
                     </a:tc>
                     <a:extLst>
                       <a:ext uri="{0D108BD9-81ED-4DB2-BD59-A6C34878D82A}">
-                        <a16:rowId xmlns:a16="http://schemas.microsoft.com/office/drawing/2014/main" val="2111612218"/>
+                        <a16:rowId xmlns:a16="http://schemas.microsoft.com/office/drawing/2014/main" xmlns="" val="2111612218"/>
                       </a:ext>
                     </a:extLst>
                   </a:tr>
-                  <a:tr h="0">
+                  <a:tr h="548700">
                     <a:tc vMerge="1">
                       <a:txBody>
                         <a:bodyPr/>
@@ -10247,7 +10042,7 @@
                                 <m:sSubPr>
                                   <m:ctrlPr>
                                     <a:rPr lang="en-US" sz="3000" b="1" i="1" smtClean="0">
-                                      <a:latin typeface="Cambria Math" panose="02040503050406030204" pitchFamily="18" charset="0"/>
+                                      <a:latin typeface="Cambria Math"/>
                                     </a:rPr>
                                   </m:ctrlPr>
                                 </m:sSubPr>
@@ -10274,7 +10069,7 @@
                           <a:endParaRPr lang="en-US" sz="3000" b="1" dirty="0"/>
                         </a:p>
                       </a:txBody>
-                      <a:tcPr anchor="ctr">
+                      <a:tcPr marL="91453" marR="91453" marT="45725" marB="45725" anchor="ctr">
                         <a:lnL w="12700" cap="flat" cmpd="sng" algn="ctr">
                           <a:solidFill>
                             <a:schemeClr val="tx1"/>
@@ -10332,7 +10127,7 @@
                           </a:r>
                         </a:p>
                       </a:txBody>
-                      <a:tcPr anchor="ctr">
+                      <a:tcPr marL="91453" marR="91453" marT="45725" marB="45725" anchor="ctr">
                         <a:lnL w="12700" cap="flat" cmpd="sng" algn="ctr">
                           <a:solidFill>
                             <a:schemeClr val="tx1"/>
@@ -10441,7 +10236,7 @@
                                 <m:sSubPr>
                                   <m:ctrlPr>
                                     <a:rPr lang="en-US" sz="3000" b="1" i="1" smtClean="0">
-                                      <a:latin typeface="Cambria Math" panose="02040503050406030204" pitchFamily="18" charset="0"/>
+                                      <a:latin typeface="Cambria Math"/>
                                     </a:rPr>
                                   </m:ctrlPr>
                                 </m:sSubPr>
@@ -10468,7 +10263,7 @@
                           <a:endParaRPr lang="en-US" sz="3000" b="1" dirty="0"/>
                         </a:p>
                       </a:txBody>
-                      <a:tcPr anchor="ctr">
+                      <a:tcPr marL="91453" marR="91453" marT="45725" marB="45725" anchor="ctr">
                         <a:lnL w="12700" cap="flat" cmpd="sng" algn="ctr">
                           <a:solidFill>
                             <a:schemeClr val="tx1"/>
@@ -10526,7 +10321,7 @@
                           </a:r>
                         </a:p>
                       </a:txBody>
-                      <a:tcPr anchor="ctr">
+                      <a:tcPr marL="91453" marR="91453" marT="45725" marB="45725" anchor="ctr">
                         <a:lnL w="12700" cap="flat" cmpd="sng" algn="ctr">
                           <a:solidFill>
                             <a:schemeClr val="tx1"/>
@@ -10568,11 +10363,11 @@
                     </a:tc>
                     <a:extLst>
                       <a:ext uri="{0D108BD9-81ED-4DB2-BD59-A6C34878D82A}">
-                        <a16:rowId xmlns:a16="http://schemas.microsoft.com/office/drawing/2014/main" val="1638457691"/>
+                        <a16:rowId xmlns:a16="http://schemas.microsoft.com/office/drawing/2014/main" xmlns="" val="1638457691"/>
                       </a:ext>
                     </a:extLst>
                   </a:tr>
-                  <a:tr h="0">
+                  <a:tr h="548700">
                     <a:tc vMerge="1">
                       <a:txBody>
                         <a:bodyPr/>
@@ -10642,7 +10437,7 @@
                           </a:r>
                         </a:p>
                       </a:txBody>
-                      <a:tcPr anchor="ctr">
+                      <a:tcPr marL="91453" marR="91453" marT="45725" marB="45725" anchor="ctr">
                         <a:lnL w="38100" cap="flat" cmpd="sng" algn="ctr">
                           <a:solidFill>
                             <a:schemeClr val="bg1"/>
@@ -10698,7 +10493,7 @@
                           </a:r>
                         </a:p>
                       </a:txBody>
-                      <a:tcPr anchor="ctr">
+                      <a:tcPr marL="91453" marR="91453" marT="45725" marB="45725" anchor="ctr">
                         <a:lnL w="38100" cap="flat" cmpd="sng" algn="ctr">
                           <a:solidFill>
                             <a:schemeClr val="tx1"/>
@@ -10750,7 +10545,7 @@
                           </a:r>
                         </a:p>
                       </a:txBody>
-                      <a:tcPr anchor="ctr">
+                      <a:tcPr marL="91453" marR="91453" marT="45725" marB="45725" anchor="ctr">
                         <a:lnL w="12700" cap="flat" cmpd="sng" algn="ctr">
                           <a:solidFill>
                             <a:schemeClr val="tx1"/>
@@ -10808,7 +10603,7 @@
                           </a:r>
                         </a:p>
                       </a:txBody>
-                      <a:tcPr anchor="ctr">
+                      <a:tcPr marL="91453" marR="91453" marT="45725" marB="45725" anchor="ctr">
                         <a:lnL w="12700" cap="flat" cmpd="sng" algn="ctr">
                           <a:solidFill>
                             <a:schemeClr val="tx1"/>
@@ -10864,7 +10659,7 @@
                           </a:r>
                         </a:p>
                       </a:txBody>
-                      <a:tcPr anchor="ctr">
+                      <a:tcPr marL="91453" marR="91453" marT="45725" marB="45725" anchor="ctr">
                         <a:lnL w="38100" cap="flat" cmpd="sng" algn="ctr">
                           <a:solidFill>
                             <a:schemeClr val="tx1"/>
@@ -10916,7 +10711,7 @@
                           </a:r>
                         </a:p>
                       </a:txBody>
-                      <a:tcPr anchor="ctr">
+                      <a:tcPr marL="91453" marR="91453" marT="45725" marB="45725" anchor="ctr">
                         <a:lnL w="12700" cap="flat" cmpd="sng" algn="ctr">
                           <a:solidFill>
                             <a:schemeClr val="tx1"/>
@@ -10974,7 +10769,7 @@
                           </a:r>
                         </a:p>
                       </a:txBody>
-                      <a:tcPr anchor="ctr">
+                      <a:tcPr marL="91453" marR="91453" marT="45725" marB="45725" anchor="ctr">
                         <a:lnL w="12700" cap="flat" cmpd="sng" algn="ctr">
                           <a:solidFill>
                             <a:schemeClr val="tx1"/>
@@ -11016,11 +10811,11 @@
                     </a:tc>
                     <a:extLst>
                       <a:ext uri="{0D108BD9-81ED-4DB2-BD59-A6C34878D82A}">
-                        <a16:rowId xmlns:a16="http://schemas.microsoft.com/office/drawing/2014/main" val="3317433048"/>
+                        <a16:rowId xmlns:a16="http://schemas.microsoft.com/office/drawing/2014/main" xmlns="" val="3317433048"/>
                       </a:ext>
                     </a:extLst>
                   </a:tr>
-                  <a:tr h="0">
+                  <a:tr h="548700">
                     <a:tc rowSpan="2">
                       <a:txBody>
                         <a:bodyPr/>
@@ -11037,7 +10832,7 @@
                           </a:r>
                         </a:p>
                       </a:txBody>
-                      <a:tcPr anchor="ctr">
+                      <a:tcPr marL="91453" marR="91453" marT="45725" marB="45725" anchor="ctr">
                         <a:lnL w="38100" cap="flat" cmpd="sng" algn="ctr">
                           <a:solidFill>
                             <a:schemeClr val="tx1"/>
@@ -11093,7 +10888,7 @@
                           </a:r>
                         </a:p>
                       </a:txBody>
-                      <a:tcPr anchor="ctr">
+                      <a:tcPr marL="91453" marR="91453" marT="45725" marB="45725" anchor="ctr">
                         <a:lnL w="38100" cap="flat" cmpd="sng" algn="ctr">
                           <a:solidFill>
                             <a:schemeClr val="bg1"/>
@@ -11149,7 +10944,7 @@
                           </a:r>
                         </a:p>
                       </a:txBody>
-                      <a:tcPr anchor="ctr">
+                      <a:tcPr marL="91453" marR="91453" marT="45725" marB="45725" anchor="ctr">
                         <a:lnL w="38100" cap="flat" cmpd="sng" algn="ctr">
                           <a:solidFill>
                             <a:schemeClr val="tx1"/>
@@ -11205,7 +11000,7 @@
                                 <m:sSubPr>
                                   <m:ctrlPr>
                                     <a:rPr lang="en-US" sz="3000" b="1" i="1" smtClean="0">
-                                      <a:latin typeface="Cambria Math" panose="02040503050406030204" pitchFamily="18" charset="0"/>
+                                      <a:latin typeface="Cambria Math"/>
                                     </a:rPr>
                                   </m:ctrlPr>
                                 </m:sSubPr>
@@ -11231,7 +11026,7 @@
                           <a:endParaRPr lang="en-US" sz="3000" b="1" dirty="0"/>
                         </a:p>
                       </a:txBody>
-                      <a:tcPr anchor="ctr">
+                      <a:tcPr marL="91453" marR="91453" marT="45725" marB="45725" anchor="ctr">
                         <a:lnL w="12700" cap="flat" cmpd="sng" algn="ctr">
                           <a:solidFill>
                             <a:schemeClr val="tx1"/>
@@ -11289,7 +11084,7 @@
                           </a:r>
                         </a:p>
                       </a:txBody>
-                      <a:tcPr anchor="ctr">
+                      <a:tcPr marL="91453" marR="91453" marT="45725" marB="45725" anchor="ctr">
                         <a:lnL w="12700" cap="flat" cmpd="sng" algn="ctr">
                           <a:solidFill>
                             <a:schemeClr val="tx1"/>
@@ -11345,7 +11140,7 @@
                           </a:r>
                         </a:p>
                       </a:txBody>
-                      <a:tcPr anchor="ctr">
+                      <a:tcPr marL="91453" marR="91453" marT="45725" marB="45725" anchor="ctr">
                         <a:lnL w="38100" cap="flat" cmpd="sng" algn="ctr">
                           <a:solidFill>
                             <a:schemeClr val="tx1"/>
@@ -11401,7 +11196,7 @@
                                 <m:sSubPr>
                                   <m:ctrlPr>
                                     <a:rPr lang="en-US" sz="3000" b="1" i="1" smtClean="0">
-                                      <a:latin typeface="Cambria Math" panose="02040503050406030204" pitchFamily="18" charset="0"/>
+                                      <a:latin typeface="Cambria Math"/>
                                     </a:rPr>
                                   </m:ctrlPr>
                                 </m:sSubPr>
@@ -11427,7 +11222,7 @@
                           <a:endParaRPr lang="en-US" sz="3000" b="1" dirty="0"/>
                         </a:p>
                       </a:txBody>
-                      <a:tcPr anchor="ctr">
+                      <a:tcPr marL="91453" marR="91453" marT="45725" marB="45725" anchor="ctr">
                         <a:lnL w="12700" cap="flat" cmpd="sng" algn="ctr">
                           <a:solidFill>
                             <a:schemeClr val="tx1"/>
@@ -11490,7 +11285,7 @@
                           </a:endParaRPr>
                         </a:p>
                       </a:txBody>
-                      <a:tcPr anchor="ctr">
+                      <a:tcPr marL="91453" marR="91453" marT="45725" marB="45725" anchor="ctr">
                         <a:lnL w="12700" cap="flat" cmpd="sng" algn="ctr">
                           <a:solidFill>
                             <a:schemeClr val="tx1"/>
@@ -11532,11 +11327,11 @@
                     </a:tc>
                     <a:extLst>
                       <a:ext uri="{0D108BD9-81ED-4DB2-BD59-A6C34878D82A}">
-                        <a16:rowId xmlns:a16="http://schemas.microsoft.com/office/drawing/2014/main" val="1150070244"/>
+                        <a16:rowId xmlns:a16="http://schemas.microsoft.com/office/drawing/2014/main" xmlns="" val="1150070244"/>
                       </a:ext>
                     </a:extLst>
                   </a:tr>
-                  <a:tr h="0">
+                  <a:tr h="548700">
                     <a:tc vMerge="1">
                       <a:txBody>
                         <a:bodyPr/>
@@ -11606,7 +11401,7 @@
                           </a:r>
                         </a:p>
                       </a:txBody>
-                      <a:tcPr anchor="ctr">
+                      <a:tcPr marL="91453" marR="91453" marT="45725" marB="45725" anchor="ctr">
                         <a:lnL w="38100" cap="flat" cmpd="sng" algn="ctr">
                           <a:solidFill>
                             <a:schemeClr val="bg1"/>
@@ -11662,7 +11457,7 @@
                           </a:r>
                         </a:p>
                       </a:txBody>
-                      <a:tcPr anchor="ctr">
+                      <a:tcPr marL="91453" marR="91453" marT="45725" marB="45725" anchor="ctr">
                         <a:lnL w="38100" cap="flat" cmpd="sng" algn="ctr">
                           <a:solidFill>
                             <a:schemeClr val="tx1"/>
@@ -11714,7 +11509,7 @@
                           </a:r>
                         </a:p>
                       </a:txBody>
-                      <a:tcPr anchor="ctr">
+                      <a:tcPr marL="91453" marR="91453" marT="45725" marB="45725" anchor="ctr">
                         <a:lnL w="12700" cap="flat" cmpd="sng" algn="ctr">
                           <a:solidFill>
                             <a:schemeClr val="tx1"/>
@@ -11819,7 +11614,7 @@
                           </a:r>
                         </a:p>
                       </a:txBody>
-                      <a:tcPr anchor="ctr">
+                      <a:tcPr marL="91453" marR="91453" marT="45725" marB="45725" anchor="ctr">
                         <a:lnL w="38100" cap="flat" cmpd="sng" algn="ctr">
                           <a:solidFill>
                             <a:schemeClr val="tx1"/>
@@ -11871,7 +11666,7 @@
                           </a:r>
                         </a:p>
                       </a:txBody>
-                      <a:tcPr anchor="ctr">
+                      <a:tcPr marL="91453" marR="91453" marT="45725" marB="45725" anchor="ctr">
                         <a:lnL w="12700" cap="flat" cmpd="sng" algn="ctr">
                           <a:solidFill>
                             <a:schemeClr val="tx1"/>
@@ -11966,11 +11761,11 @@
                     </a:tc>
                     <a:extLst>
                       <a:ext uri="{0D108BD9-81ED-4DB2-BD59-A6C34878D82A}">
-                        <a16:rowId xmlns:a16="http://schemas.microsoft.com/office/drawing/2014/main" val="1352560717"/>
+                        <a16:rowId xmlns:a16="http://schemas.microsoft.com/office/drawing/2014/main" xmlns="" val="1352560717"/>
                       </a:ext>
                     </a:extLst>
                   </a:tr>
-                  <a:tr h="0">
+                  <a:tr h="548700">
                     <a:tc rowSpan="2">
                       <a:txBody>
                         <a:bodyPr/>
@@ -11987,7 +11782,7 @@
                           </a:r>
                         </a:p>
                       </a:txBody>
-                      <a:tcPr anchor="ctr">
+                      <a:tcPr marL="91453" marR="91453" marT="45725" marB="45725" anchor="ctr">
                         <a:lnL w="38100" cap="flat" cmpd="sng" algn="ctr">
                           <a:solidFill>
                             <a:schemeClr val="tx1"/>
@@ -12043,7 +11838,7 @@
                           </a:r>
                         </a:p>
                       </a:txBody>
-                      <a:tcPr anchor="ctr">
+                      <a:tcPr marL="91453" marR="91453" marT="45725" marB="45725" anchor="ctr">
                         <a:lnL w="38100" cap="flat" cmpd="sng" algn="ctr">
                           <a:solidFill>
                             <a:schemeClr val="bg1"/>
@@ -12099,7 +11894,7 @@
                           </a:r>
                         </a:p>
                       </a:txBody>
-                      <a:tcPr anchor="ctr">
+                      <a:tcPr marL="91453" marR="91453" marT="45725" marB="45725" anchor="ctr">
                         <a:lnL w="38100" cap="flat" cmpd="sng" algn="ctr">
                           <a:solidFill>
                             <a:schemeClr val="tx1"/>
@@ -12155,7 +11950,7 @@
                                 <m:sSubPr>
                                   <m:ctrlPr>
                                     <a:rPr lang="en-US" sz="3000" b="1" i="1" smtClean="0">
-                                      <a:latin typeface="Cambria Math" panose="02040503050406030204" pitchFamily="18" charset="0"/>
+                                      <a:latin typeface="Cambria Math"/>
                                     </a:rPr>
                                   </m:ctrlPr>
                                 </m:sSubPr>
@@ -12181,7 +11976,7 @@
                           <a:endParaRPr lang="en-US" sz="3000" b="1" dirty="0"/>
                         </a:p>
                       </a:txBody>
-                      <a:tcPr anchor="ctr">
+                      <a:tcPr marL="91453" marR="91453" marT="45725" marB="45725" anchor="ctr">
                         <a:lnL w="12700" cap="flat" cmpd="sng" algn="ctr">
                           <a:solidFill>
                             <a:schemeClr val="tx1"/>
@@ -12240,7 +12035,7 @@
                           <a:endParaRPr lang="en-US" sz="3000" dirty="0"/>
                         </a:p>
                       </a:txBody>
-                      <a:tcPr anchor="ctr">
+                      <a:tcPr marL="91453" marR="91453" marT="45725" marB="45725" anchor="ctr">
                         <a:lnL w="12700" cap="flat" cmpd="sng" algn="ctr">
                           <a:solidFill>
                             <a:schemeClr val="tx1"/>
@@ -12296,7 +12091,7 @@
                           </a:r>
                         </a:p>
                       </a:txBody>
-                      <a:tcPr anchor="ctr">
+                      <a:tcPr marL="91453" marR="91453" marT="45725" marB="45725" anchor="ctr">
                         <a:lnL w="38100" cap="flat" cmpd="sng" algn="ctr">
                           <a:solidFill>
                             <a:schemeClr val="tx1"/>
@@ -12352,7 +12147,7 @@
                                 <m:sSubPr>
                                   <m:ctrlPr>
                                     <a:rPr lang="en-US" sz="3000" b="1" i="1" smtClean="0">
-                                      <a:latin typeface="Cambria Math" panose="02040503050406030204" pitchFamily="18" charset="0"/>
+                                      <a:latin typeface="Cambria Math"/>
                                     </a:rPr>
                                   </m:ctrlPr>
                                 </m:sSubPr>
@@ -12378,7 +12173,7 @@
                           <a:endParaRPr lang="en-US" sz="3000" b="1" dirty="0"/>
                         </a:p>
                       </a:txBody>
-                      <a:tcPr anchor="ctr">
+                      <a:tcPr marL="91453" marR="91453" marT="45725" marB="45725" anchor="ctr">
                         <a:lnL w="12700" cap="flat" cmpd="sng" algn="ctr">
                           <a:solidFill>
                             <a:schemeClr val="tx1"/>
@@ -12441,7 +12236,7 @@
                           </a:endParaRPr>
                         </a:p>
                       </a:txBody>
-                      <a:tcPr anchor="ctr">
+                      <a:tcPr marL="91453" marR="91453" marT="45725" marB="45725" anchor="ctr">
                         <a:lnL w="12700" cap="flat" cmpd="sng" algn="ctr">
                           <a:solidFill>
                             <a:schemeClr val="tx1"/>
@@ -12483,11 +12278,11 @@
                     </a:tc>
                     <a:extLst>
                       <a:ext uri="{0D108BD9-81ED-4DB2-BD59-A6C34878D82A}">
-                        <a16:rowId xmlns:a16="http://schemas.microsoft.com/office/drawing/2014/main" val="2159292062"/>
+                        <a16:rowId xmlns:a16="http://schemas.microsoft.com/office/drawing/2014/main" xmlns="" val="2159292062"/>
                       </a:ext>
                     </a:extLst>
                   </a:tr>
-                  <a:tr h="0">
+                  <a:tr h="548700">
                     <a:tc vMerge="1">
                       <a:txBody>
                         <a:bodyPr/>
@@ -12557,7 +12352,7 @@
                           </a:r>
                         </a:p>
                       </a:txBody>
-                      <a:tcPr anchor="ctr">
+                      <a:tcPr marL="91453" marR="91453" marT="45725" marB="45725" anchor="ctr">
                         <a:lnL w="38100" cap="flat" cmpd="sng" algn="ctr">
                           <a:solidFill>
                             <a:schemeClr val="bg1"/>
@@ -12613,7 +12408,7 @@
                           </a:r>
                         </a:p>
                       </a:txBody>
-                      <a:tcPr anchor="ctr">
+                      <a:tcPr marL="91453" marR="91453" marT="45725" marB="45725" anchor="ctr">
                         <a:lnL w="38100" cap="flat" cmpd="sng" algn="ctr">
                           <a:solidFill>
                             <a:schemeClr val="tx1"/>
@@ -12665,7 +12460,7 @@
                           </a:r>
                         </a:p>
                       </a:txBody>
-                      <a:tcPr anchor="ctr">
+                      <a:tcPr marL="91453" marR="91453" marT="45725" marB="45725" anchor="ctr">
                         <a:lnL w="12700" cap="flat" cmpd="sng" algn="ctr">
                           <a:solidFill>
                             <a:schemeClr val="tx1"/>
@@ -12770,7 +12565,7 @@
                           </a:r>
                         </a:p>
                       </a:txBody>
-                      <a:tcPr anchor="ctr">
+                      <a:tcPr marL="91453" marR="91453" marT="45725" marB="45725" anchor="ctr">
                         <a:lnL w="38100" cap="flat" cmpd="sng" algn="ctr">
                           <a:solidFill>
                             <a:schemeClr val="tx1"/>
@@ -12822,7 +12617,7 @@
                           </a:r>
                         </a:p>
                       </a:txBody>
-                      <a:tcPr anchor="ctr">
+                      <a:tcPr marL="91453" marR="91453" marT="45725" marB="45725" anchor="ctr">
                         <a:lnL w="12700" cap="flat" cmpd="sng" algn="ctr">
                           <a:solidFill>
                             <a:schemeClr val="tx1"/>
@@ -12917,11 +12712,11 @@
                     </a:tc>
                     <a:extLst>
                       <a:ext uri="{0D108BD9-81ED-4DB2-BD59-A6C34878D82A}">
-                        <a16:rowId xmlns:a16="http://schemas.microsoft.com/office/drawing/2014/main" val="3057922804"/>
+                        <a16:rowId xmlns:a16="http://schemas.microsoft.com/office/drawing/2014/main" xmlns="" val="3057922804"/>
                       </a:ext>
                     </a:extLst>
                   </a:tr>
-                  <a:tr h="0">
+                  <a:tr h="548700">
                     <a:tc rowSpan="2">
                       <a:txBody>
                         <a:bodyPr/>
@@ -12938,7 +12733,7 @@
                           </a:r>
                         </a:p>
                       </a:txBody>
-                      <a:tcPr anchor="ctr">
+                      <a:tcPr marL="91453" marR="91453" marT="45725" marB="45725" anchor="ctr">
                         <a:lnL w="38100" cap="flat" cmpd="sng" algn="ctr">
                           <a:solidFill>
                             <a:schemeClr val="tx1"/>
@@ -12994,7 +12789,7 @@
                           </a:r>
                         </a:p>
                       </a:txBody>
-                      <a:tcPr anchor="ctr">
+                      <a:tcPr marL="91453" marR="91453" marT="45725" marB="45725" anchor="ctr">
                         <a:lnL w="38100" cap="flat" cmpd="sng" algn="ctr">
                           <a:solidFill>
                             <a:schemeClr val="bg1"/>
@@ -13050,7 +12845,7 @@
                           </a:r>
                         </a:p>
                       </a:txBody>
-                      <a:tcPr anchor="ctr">
+                      <a:tcPr marL="91453" marR="91453" marT="45725" marB="45725" anchor="ctr">
                         <a:lnL w="38100" cap="flat" cmpd="sng" algn="ctr">
                           <a:solidFill>
                             <a:schemeClr val="tx1"/>
@@ -13106,7 +12901,7 @@
                                 <m:sSubPr>
                                   <m:ctrlPr>
                                     <a:rPr lang="en-US" sz="3000" b="1" i="1" smtClean="0">
-                                      <a:latin typeface="Cambria Math" panose="02040503050406030204" pitchFamily="18" charset="0"/>
+                                      <a:latin typeface="Cambria Math"/>
                                     </a:rPr>
                                   </m:ctrlPr>
                                 </m:sSubPr>
@@ -13132,7 +12927,7 @@
                           <a:endParaRPr lang="en-US" sz="3000" b="1" dirty="0"/>
                         </a:p>
                       </a:txBody>
-                      <a:tcPr anchor="ctr">
+                      <a:tcPr marL="91453" marR="91453" marT="45725" marB="45725" anchor="ctr">
                         <a:lnL w="12700" cap="flat" cmpd="sng" algn="ctr">
                           <a:solidFill>
                             <a:schemeClr val="tx1"/>
@@ -13190,7 +12985,7 @@
                           </a:r>
                         </a:p>
                       </a:txBody>
-                      <a:tcPr anchor="ctr">
+                      <a:tcPr marL="91453" marR="91453" marT="45725" marB="45725" anchor="ctr">
                         <a:lnL w="12700" cap="flat" cmpd="sng" algn="ctr">
                           <a:solidFill>
                             <a:schemeClr val="tx1"/>
@@ -13246,7 +13041,7 @@
                           </a:r>
                         </a:p>
                       </a:txBody>
-                      <a:tcPr anchor="ctr">
+                      <a:tcPr marL="91453" marR="91453" marT="45725" marB="45725" anchor="ctr">
                         <a:lnL w="38100" cap="flat" cmpd="sng" algn="ctr">
                           <a:solidFill>
                             <a:schemeClr val="tx1"/>
@@ -13302,7 +13097,7 @@
                                 <m:sSubPr>
                                   <m:ctrlPr>
                                     <a:rPr lang="en-US" sz="3000" b="1" i="1" smtClean="0">
-                                      <a:latin typeface="Cambria Math" panose="02040503050406030204" pitchFamily="18" charset="0"/>
+                                      <a:latin typeface="Cambria Math"/>
                                     </a:rPr>
                                   </m:ctrlPr>
                                 </m:sSubPr>
@@ -13328,7 +13123,7 @@
                           <a:endParaRPr lang="en-US" sz="3000" b="1" dirty="0"/>
                         </a:p>
                       </a:txBody>
-                      <a:tcPr anchor="ctr">
+                      <a:tcPr marL="91453" marR="91453" marT="45725" marB="45725" anchor="ctr">
                         <a:lnL w="12700" cap="flat" cmpd="sng" algn="ctr">
                           <a:solidFill>
                             <a:schemeClr val="tx1"/>
@@ -13386,7 +13181,7 @@
                           </a:r>
                         </a:p>
                       </a:txBody>
-                      <a:tcPr anchor="ctr">
+                      <a:tcPr marL="91453" marR="91453" marT="45725" marB="45725" anchor="ctr">
                         <a:lnL w="12700" cap="flat" cmpd="sng" algn="ctr">
                           <a:solidFill>
                             <a:schemeClr val="tx1"/>
@@ -13428,11 +13223,11 @@
                     </a:tc>
                     <a:extLst>
                       <a:ext uri="{0D108BD9-81ED-4DB2-BD59-A6C34878D82A}">
-                        <a16:rowId xmlns:a16="http://schemas.microsoft.com/office/drawing/2014/main" val="861605503"/>
+                        <a16:rowId xmlns:a16="http://schemas.microsoft.com/office/drawing/2014/main" xmlns="" val="861605503"/>
                       </a:ext>
                     </a:extLst>
                   </a:tr>
-                  <a:tr h="0">
+                  <a:tr h="548700">
                     <a:tc vMerge="1">
                       <a:txBody>
                         <a:bodyPr/>
@@ -13502,7 +13297,7 @@
                           </a:r>
                         </a:p>
                       </a:txBody>
-                      <a:tcPr anchor="ctr">
+                      <a:tcPr marL="91453" marR="91453" marT="45725" marB="45725" anchor="ctr">
                         <a:lnL w="38100" cap="flat" cmpd="sng" algn="ctr">
                           <a:solidFill>
                             <a:schemeClr val="bg1"/>
@@ -13558,7 +13353,7 @@
                           </a:r>
                         </a:p>
                       </a:txBody>
-                      <a:tcPr anchor="ctr">
+                      <a:tcPr marL="91453" marR="91453" marT="45725" marB="45725" anchor="ctr">
                         <a:lnL w="38100" cap="flat" cmpd="sng" algn="ctr">
                           <a:solidFill>
                             <a:schemeClr val="tx1"/>
@@ -13610,7 +13405,7 @@
                           </a:r>
                         </a:p>
                       </a:txBody>
-                      <a:tcPr anchor="ctr">
+                      <a:tcPr marL="91453" marR="91453" marT="45725" marB="45725" anchor="ctr">
                         <a:lnL w="12700" cap="flat" cmpd="sng" algn="ctr">
                           <a:solidFill>
                             <a:schemeClr val="tx1"/>
@@ -13668,7 +13463,7 @@
                           </a:r>
                         </a:p>
                       </a:txBody>
-                      <a:tcPr anchor="ctr">
+                      <a:tcPr marL="91453" marR="91453" marT="45725" marB="45725" anchor="ctr">
                         <a:lnL w="12700" cap="flat" cmpd="sng" algn="ctr">
                           <a:solidFill>
                             <a:schemeClr val="tx1"/>
@@ -13724,7 +13519,7 @@
                           </a:r>
                         </a:p>
                       </a:txBody>
-                      <a:tcPr anchor="ctr">
+                      <a:tcPr marL="91453" marR="91453" marT="45725" marB="45725" anchor="ctr">
                         <a:lnL w="38100" cap="flat" cmpd="sng" algn="ctr">
                           <a:solidFill>
                             <a:schemeClr val="tx1"/>
@@ -13776,7 +13571,7 @@
                           </a:r>
                         </a:p>
                       </a:txBody>
-                      <a:tcPr anchor="ctr">
+                      <a:tcPr marL="91453" marR="91453" marT="45725" marB="45725" anchor="ctr">
                         <a:lnL w="12700" cap="flat" cmpd="sng" algn="ctr">
                           <a:solidFill>
                             <a:schemeClr val="tx1"/>
@@ -13834,7 +13629,7 @@
                           </a:r>
                         </a:p>
                       </a:txBody>
-                      <a:tcPr anchor="ctr">
+                      <a:tcPr marL="91453" marR="91453" marT="45725" marB="45725" anchor="ctr">
                         <a:lnL w="12700" cap="flat" cmpd="sng" algn="ctr">
                           <a:solidFill>
                             <a:schemeClr val="tx1"/>
@@ -13876,7 +13671,7 @@
                     </a:tc>
                     <a:extLst>
                       <a:ext uri="{0D108BD9-81ED-4DB2-BD59-A6C34878D82A}">
-                        <a16:rowId xmlns:a16="http://schemas.microsoft.com/office/drawing/2014/main" val="1158839360"/>
+                        <a16:rowId xmlns:a16="http://schemas.microsoft.com/office/drawing/2014/main" xmlns="" val="1158839360"/>
                       </a:ext>
                     </a:extLst>
                   </a:tr>
@@ -13885,7 +13680,7 @@
             </a:graphic>
           </p:graphicFrame>
         </mc:Choice>
-        <mc:Fallback>
+        <mc:Fallback xmlns="">
           <p:graphicFrame>
             <p:nvGraphicFramePr>
               <p:cNvPr id="72" name="Table 71">
@@ -21716,7 +21511,7 @@
           <p:cNvPr id="73" name="Table 72">
             <a:extLst>
               <a:ext uri="{FF2B5EF4-FFF2-40B4-BE49-F238E27FC236}">
-                <a16:creationId xmlns:a16="http://schemas.microsoft.com/office/drawing/2014/main" id="{8B34A129-BE35-458F-B5CF-AF5BE1647015}"/>
+                <a16:creationId xmlns:a16="http://schemas.microsoft.com/office/drawing/2014/main" xmlns="" id="{8B34A129-BE35-458F-B5CF-AF5BE1647015}"/>
               </a:ext>
             </a:extLst>
           </p:cNvPr>
@@ -21732,8 +21527,8 @@
           </p:nvPr>
         </p:nvGraphicFramePr>
         <p:xfrm>
-          <a:off x="21948663" y="33428762"/>
-          <a:ext cx="5940000" cy="3791060"/>
+          <a:off x="21951889" y="33432447"/>
+          <a:ext cx="5940874" cy="3791480"/>
         </p:xfrm>
         <a:graphic>
           <a:graphicData uri="http://schemas.openxmlformats.org/drawingml/2006/table">
@@ -21742,29 +21537,29 @@
                 <a:tableStyleId>{5C22544A-7EE6-4342-B048-85BDC9FD1C3A}</a:tableStyleId>
               </a:tblPr>
               <a:tblGrid>
-                <a:gridCol w="2340000">
+                <a:gridCol w="2340344">
                   <a:extLst>
                     <a:ext uri="{9D8B030D-6E8A-4147-A177-3AD203B41FA5}">
-                      <a16:colId xmlns:a16="http://schemas.microsoft.com/office/drawing/2014/main" val="2977598269"/>
+                      <a16:colId xmlns:a16="http://schemas.microsoft.com/office/drawing/2014/main" xmlns="" val="2977598269"/>
                     </a:ext>
                   </a:extLst>
                 </a:gridCol>
-                <a:gridCol w="1800000">
+                <a:gridCol w="1800265">
                   <a:extLst>
                     <a:ext uri="{9D8B030D-6E8A-4147-A177-3AD203B41FA5}">
-                      <a16:colId xmlns:a16="http://schemas.microsoft.com/office/drawing/2014/main" val="1958273809"/>
+                      <a16:colId xmlns:a16="http://schemas.microsoft.com/office/drawing/2014/main" xmlns="" val="1958273809"/>
                     </a:ext>
                   </a:extLst>
                 </a:gridCol>
-                <a:gridCol w="1800000">
+                <a:gridCol w="1800265">
                   <a:extLst>
                     <a:ext uri="{9D8B030D-6E8A-4147-A177-3AD203B41FA5}">
-                      <a16:colId xmlns:a16="http://schemas.microsoft.com/office/drawing/2014/main" val="1797041600"/>
+                      <a16:colId xmlns:a16="http://schemas.microsoft.com/office/drawing/2014/main" xmlns="" val="1797041600"/>
                     </a:ext>
                   </a:extLst>
                 </a:gridCol>
               </a:tblGrid>
-              <a:tr h="504000">
+              <a:tr h="541640">
                 <a:tc>
                   <a:txBody>
                     <a:bodyPr/>
@@ -21778,7 +21573,7 @@
                       </a:endParaRPr>
                     </a:p>
                   </a:txBody>
-                  <a:tcPr marL="84380" marR="84380" marT="42190" marB="42190" anchor="ctr">
+                  <a:tcPr marL="84392" marR="84392" marT="42195" marB="42195" anchor="ctr">
                     <a:lnL w="38100" cap="flat" cmpd="sng" algn="ctr">
                       <a:solidFill>
                         <a:schemeClr val="tx1"/>
@@ -21844,7 +21639,7 @@
                       </a:r>
                     </a:p>
                   </a:txBody>
-                  <a:tcPr marL="84380" marR="84380" marT="42190" marB="42190" anchor="ctr">
+                  <a:tcPr marL="84392" marR="84392" marT="42195" marB="42195" anchor="ctr">
                     <a:lnL w="38100" cap="flat" cmpd="sng" algn="ctr">
                       <a:solidFill>
                         <a:schemeClr val="tx1"/>
@@ -21910,7 +21705,7 @@
                       </a:r>
                     </a:p>
                   </a:txBody>
-                  <a:tcPr marL="84380" marR="84380" marT="42190" marB="42190" anchor="ctr">
+                  <a:tcPr marL="84392" marR="84392" marT="42195" marB="42195" anchor="ctr">
                     <a:lnL w="38100" cap="flat" cmpd="sng" algn="ctr">
                       <a:solidFill>
                         <a:schemeClr val="tx1"/>
@@ -21962,11 +21757,11 @@
                 </a:tc>
                 <a:extLst>
                   <a:ext uri="{0D108BD9-81ED-4DB2-BD59-A6C34878D82A}">
-                    <a16:rowId xmlns:a16="http://schemas.microsoft.com/office/drawing/2014/main" val="662979093"/>
+                    <a16:rowId xmlns:a16="http://schemas.microsoft.com/office/drawing/2014/main" xmlns="" val="662979093"/>
                   </a:ext>
                 </a:extLst>
               </a:tr>
-              <a:tr h="504000">
+              <a:tr h="541640">
                 <a:tc rowSpan="3">
                   <a:txBody>
                     <a:bodyPr/>
@@ -21988,7 +21783,7 @@
                       </a:endParaRPr>
                     </a:p>
                   </a:txBody>
-                  <a:tcPr marL="84380" marR="84380" marT="42190" marB="42190" anchor="ctr">
+                  <a:tcPr marL="84392" marR="84392" marT="42195" marB="42195" anchor="ctr">
                     <a:lnL w="38100" cap="flat" cmpd="sng" algn="ctr">
                       <a:solidFill>
                         <a:schemeClr val="tx1"/>
@@ -22054,7 +21849,7 @@
                       </a:r>
                     </a:p>
                   </a:txBody>
-                  <a:tcPr marL="84380" marR="84380" marT="42190" marB="42190" anchor="ctr">
+                  <a:tcPr marL="84392" marR="84392" marT="42195" marB="42195" anchor="ctr">
                     <a:lnL w="38100" cap="flat" cmpd="sng" algn="ctr">
                       <a:solidFill>
                         <a:schemeClr val="tx1"/>
@@ -22120,7 +21915,7 @@
                       </a:r>
                     </a:p>
                   </a:txBody>
-                  <a:tcPr marL="84380" marR="84380" marT="42190" marB="42190" anchor="ctr">
+                  <a:tcPr marL="84392" marR="84392" marT="42195" marB="42195" anchor="ctr">
                     <a:lnL w="38100" cap="flat" cmpd="sng" algn="ctr">
                       <a:solidFill>
                         <a:schemeClr val="tx1"/>
@@ -22172,11 +21967,11 @@
                 </a:tc>
                 <a:extLst>
                   <a:ext uri="{0D108BD9-81ED-4DB2-BD59-A6C34878D82A}">
-                    <a16:rowId xmlns:a16="http://schemas.microsoft.com/office/drawing/2014/main" val="2925520719"/>
+                    <a16:rowId xmlns:a16="http://schemas.microsoft.com/office/drawing/2014/main" xmlns="" val="2925520719"/>
                   </a:ext>
                 </a:extLst>
               </a:tr>
-              <a:tr h="504000">
+              <a:tr h="541640">
                 <a:tc vMerge="1">
                   <a:txBody>
                     <a:bodyPr/>
@@ -22243,7 +22038,7 @@
                       </a:r>
                     </a:p>
                   </a:txBody>
-                  <a:tcPr marL="84380" marR="84380" marT="42190" marB="42190" anchor="ctr">
+                  <a:tcPr marL="84392" marR="84392" marT="42195" marB="42195" anchor="ctr">
                     <a:lnL w="38100" cap="flat" cmpd="sng" algn="ctr">
                       <a:solidFill>
                         <a:schemeClr val="tx1"/>
@@ -22309,7 +22104,7 @@
                       </a:r>
                     </a:p>
                   </a:txBody>
-                  <a:tcPr marL="84380" marR="84380" marT="42190" marB="42190" anchor="ctr">
+                  <a:tcPr marL="84392" marR="84392" marT="42195" marB="42195" anchor="ctr">
                     <a:lnL w="38100" cap="flat" cmpd="sng" algn="ctr">
                       <a:solidFill>
                         <a:schemeClr val="tx1"/>
@@ -22361,11 +22156,11 @@
                 </a:tc>
                 <a:extLst>
                   <a:ext uri="{0D108BD9-81ED-4DB2-BD59-A6C34878D82A}">
-                    <a16:rowId xmlns:a16="http://schemas.microsoft.com/office/drawing/2014/main" val="2124887621"/>
+                    <a16:rowId xmlns:a16="http://schemas.microsoft.com/office/drawing/2014/main" xmlns="" val="2124887621"/>
                   </a:ext>
                 </a:extLst>
               </a:tr>
-              <a:tr h="504000">
+              <a:tr h="541640">
                 <a:tc vMerge="1">
                   <a:txBody>
                     <a:bodyPr/>
@@ -22432,7 +22227,7 @@
                       </a:r>
                     </a:p>
                   </a:txBody>
-                  <a:tcPr marL="84380" marR="84380" marT="42190" marB="42190" anchor="ctr">
+                  <a:tcPr marL="84392" marR="84392" marT="42195" marB="42195" anchor="ctr">
                     <a:lnL w="38100" cap="flat" cmpd="sng" algn="ctr">
                       <a:solidFill>
                         <a:schemeClr val="tx1"/>
@@ -22498,7 +22293,7 @@
                       </a:r>
                     </a:p>
                   </a:txBody>
-                  <a:tcPr marL="84380" marR="84380" marT="42190" marB="42190" anchor="ctr">
+                  <a:tcPr marL="84392" marR="84392" marT="42195" marB="42195" anchor="ctr">
                     <a:lnL w="38100" cap="flat" cmpd="sng" algn="ctr">
                       <a:solidFill>
                         <a:schemeClr val="tx1"/>
@@ -22550,11 +22345,11 @@
                 </a:tc>
                 <a:extLst>
                   <a:ext uri="{0D108BD9-81ED-4DB2-BD59-A6C34878D82A}">
-                    <a16:rowId xmlns:a16="http://schemas.microsoft.com/office/drawing/2014/main" val="3021274662"/>
+                    <a16:rowId xmlns:a16="http://schemas.microsoft.com/office/drawing/2014/main" xmlns="" val="3021274662"/>
                   </a:ext>
                 </a:extLst>
               </a:tr>
-              <a:tr h="504000">
+              <a:tr h="541640">
                 <a:tc rowSpan="3">
                   <a:txBody>
                     <a:bodyPr/>
@@ -22584,7 +22379,7 @@
                       </a:endParaRPr>
                     </a:p>
                   </a:txBody>
-                  <a:tcPr marL="84380" marR="84380" marT="42190" marB="42190" anchor="ctr">
+                  <a:tcPr marL="84392" marR="84392" marT="42195" marB="42195" anchor="ctr">
                     <a:lnL w="38100" cap="flat" cmpd="sng" algn="ctr">
                       <a:solidFill>
                         <a:schemeClr val="tx1"/>
@@ -22650,7 +22445,7 @@
                       </a:r>
                     </a:p>
                   </a:txBody>
-                  <a:tcPr marL="84380" marR="84380" marT="42190" marB="42190" anchor="ctr">
+                  <a:tcPr marL="84392" marR="84392" marT="42195" marB="42195" anchor="ctr">
                     <a:lnL w="38100" cap="flat" cmpd="sng" algn="ctr">
                       <a:solidFill>
                         <a:schemeClr val="tx1"/>
@@ -22716,7 +22511,7 @@
                       </a:r>
                     </a:p>
                   </a:txBody>
-                  <a:tcPr marL="84380" marR="84380" marT="42190" marB="42190" anchor="ctr">
+                  <a:tcPr marL="84392" marR="84392" marT="42195" marB="42195" anchor="ctr">
                     <a:lnL w="38100" cap="flat" cmpd="sng" algn="ctr">
                       <a:solidFill>
                         <a:schemeClr val="tx1"/>
@@ -22768,11 +22563,11 @@
                 </a:tc>
                 <a:extLst>
                   <a:ext uri="{0D108BD9-81ED-4DB2-BD59-A6C34878D82A}">
-                    <a16:rowId xmlns:a16="http://schemas.microsoft.com/office/drawing/2014/main" val="3319115553"/>
+                    <a16:rowId xmlns:a16="http://schemas.microsoft.com/office/drawing/2014/main" xmlns="" val="3319115553"/>
                   </a:ext>
                 </a:extLst>
               </a:tr>
-              <a:tr h="504000">
+              <a:tr h="541640">
                 <a:tc vMerge="1">
                   <a:txBody>
                     <a:bodyPr/>
@@ -22839,7 +22634,7 @@
                       </a:r>
                     </a:p>
                   </a:txBody>
-                  <a:tcPr marL="84380" marR="84380" marT="42190" marB="42190" anchor="ctr">
+                  <a:tcPr marL="84392" marR="84392" marT="42195" marB="42195" anchor="ctr">
                     <a:lnL w="38100" cap="flat" cmpd="sng" algn="ctr">
                       <a:solidFill>
                         <a:schemeClr val="tx1"/>
@@ -22905,7 +22700,7 @@
                       </a:r>
                     </a:p>
                   </a:txBody>
-                  <a:tcPr marL="84380" marR="84380" marT="42190" marB="42190" anchor="ctr">
+                  <a:tcPr marL="84392" marR="84392" marT="42195" marB="42195" anchor="ctr">
                     <a:lnL w="38100" cap="flat" cmpd="sng" algn="ctr">
                       <a:solidFill>
                         <a:schemeClr val="tx1"/>
@@ -22957,11 +22752,11 @@
                 </a:tc>
                 <a:extLst>
                   <a:ext uri="{0D108BD9-81ED-4DB2-BD59-A6C34878D82A}">
-                    <a16:rowId xmlns:a16="http://schemas.microsoft.com/office/drawing/2014/main" val="2189012797"/>
+                    <a16:rowId xmlns:a16="http://schemas.microsoft.com/office/drawing/2014/main" xmlns="" val="2189012797"/>
                   </a:ext>
                 </a:extLst>
               </a:tr>
-              <a:tr h="504000">
+              <a:tr h="541640">
                 <a:tc vMerge="1">
                   <a:txBody>
                     <a:bodyPr/>
@@ -23028,7 +22823,7 @@
                       </a:r>
                     </a:p>
                   </a:txBody>
-                  <a:tcPr marL="84380" marR="84380" marT="42190" marB="42190" anchor="ctr">
+                  <a:tcPr marL="84392" marR="84392" marT="42195" marB="42195" anchor="ctr">
                     <a:lnL w="38100" cap="flat" cmpd="sng" algn="ctr">
                       <a:solidFill>
                         <a:schemeClr val="tx1"/>
@@ -23094,7 +22889,7 @@
                       </a:r>
                     </a:p>
                   </a:txBody>
-                  <a:tcPr marL="84380" marR="84380" marT="42190" marB="42190" anchor="ctr">
+                  <a:tcPr marL="84392" marR="84392" marT="42195" marB="42195" anchor="ctr">
                     <a:lnL w="38100" cap="flat" cmpd="sng" algn="ctr">
                       <a:solidFill>
                         <a:schemeClr val="tx1"/>
@@ -23146,7 +22941,7 @@
                 </a:tc>
                 <a:extLst>
                   <a:ext uri="{0D108BD9-81ED-4DB2-BD59-A6C34878D82A}">
-                    <a16:rowId xmlns:a16="http://schemas.microsoft.com/office/drawing/2014/main" val="1799581859"/>
+                    <a16:rowId xmlns:a16="http://schemas.microsoft.com/office/drawing/2014/main" xmlns="" val="1799581859"/>
                   </a:ext>
                 </a:extLst>
               </a:tr>
@@ -23159,7 +22954,7 @@
           <p:cNvPr id="179" name="Group 178">
             <a:extLst>
               <a:ext uri="{FF2B5EF4-FFF2-40B4-BE49-F238E27FC236}">
-                <a16:creationId xmlns:a16="http://schemas.microsoft.com/office/drawing/2014/main" id="{637694B7-B59B-4709-A786-03DE0A339FF9}"/>
+                <a16:creationId xmlns:a16="http://schemas.microsoft.com/office/drawing/2014/main" xmlns="" id="{637694B7-B59B-4709-A786-03DE0A339FF9}"/>
               </a:ext>
             </a:extLst>
           </p:cNvPr>
@@ -23168,8 +22963,8 @@
         </p:nvGrpSpPr>
         <p:grpSpPr>
           <a:xfrm>
-            <a:off x="19442008" y="12935952"/>
-            <a:ext cx="10469467" cy="4088996"/>
+            <a:off x="19444866" y="12937378"/>
+            <a:ext cx="10471006" cy="4089447"/>
             <a:chOff x="19442008" y="12935952"/>
             <a:chExt cx="10469467" cy="4088996"/>
           </a:xfrm>
@@ -23179,7 +22974,7 @@
             <p:cNvPr id="13" name="TextBox 12">
               <a:extLst>
                 <a:ext uri="{FF2B5EF4-FFF2-40B4-BE49-F238E27FC236}">
-                  <a16:creationId xmlns:a16="http://schemas.microsoft.com/office/drawing/2014/main" id="{9AFC47EB-42FA-43B1-B48C-00D6F8E3D06D}"/>
+                  <a16:creationId xmlns:a16="http://schemas.microsoft.com/office/drawing/2014/main" xmlns="" id="{9AFC47EB-42FA-43B1-B48C-00D6F8E3D06D}"/>
                 </a:ext>
               </a:extLst>
             </p:cNvPr>
@@ -23231,7 +23026,7 @@
             <p:cNvPr id="178" name="Group 177">
               <a:extLst>
                 <a:ext uri="{FF2B5EF4-FFF2-40B4-BE49-F238E27FC236}">
-                  <a16:creationId xmlns:a16="http://schemas.microsoft.com/office/drawing/2014/main" id="{ED32B511-0E3E-4DE1-B134-A452408ABAB8}"/>
+                  <a16:creationId xmlns:a16="http://schemas.microsoft.com/office/drawing/2014/main" xmlns="" id="{ED32B511-0E3E-4DE1-B134-A452408ABAB8}"/>
                 </a:ext>
               </a:extLst>
             </p:cNvPr>
@@ -23241,9 +23036,9 @@
           <p:grpSpPr>
             <a:xfrm>
               <a:off x="19442008" y="12935952"/>
-              <a:ext cx="10183497" cy="3488660"/>
+              <a:ext cx="9753419" cy="3494902"/>
               <a:chOff x="19442008" y="12753072"/>
-              <a:chExt cx="10183497" cy="3488660"/>
+              <a:chExt cx="9753419" cy="3494902"/>
             </a:xfrm>
           </p:grpSpPr>
           <p:grpSp>
@@ -23251,7 +23046,7 @@
               <p:cNvPr id="177" name="Group 176">
                 <a:extLst>
                   <a:ext uri="{FF2B5EF4-FFF2-40B4-BE49-F238E27FC236}">
-                    <a16:creationId xmlns:a16="http://schemas.microsoft.com/office/drawing/2014/main" id="{125B5DCB-4636-445B-A635-238A15DE4132}"/>
+                    <a16:creationId xmlns:a16="http://schemas.microsoft.com/office/drawing/2014/main" xmlns="" id="{125B5DCB-4636-445B-A635-238A15DE4132}"/>
                   </a:ext>
                 </a:extLst>
               </p:cNvPr>
@@ -23271,7 +23066,7 @@
                 <p:cNvPr id="152" name="Picture 151" descr="A close up of a person&#10;&#10;Description automatically generated">
                   <a:extLst>
                     <a:ext uri="{FF2B5EF4-FFF2-40B4-BE49-F238E27FC236}">
-                      <a16:creationId xmlns:a16="http://schemas.microsoft.com/office/drawing/2014/main" id="{81682841-10C6-478C-8E71-C4D5B442C2D4}"/>
+                      <a16:creationId xmlns:a16="http://schemas.microsoft.com/office/drawing/2014/main" xmlns="" id="{81682841-10C6-478C-8E71-C4D5B442C2D4}"/>
                     </a:ext>
                   </a:extLst>
                 </p:cNvPr>
@@ -23307,7 +23102,7 @@
                 <p:cNvPr id="153" name="Picture 152" descr="A close up of a logo&#10;&#10;Description automatically generated">
                   <a:extLst>
                     <a:ext uri="{FF2B5EF4-FFF2-40B4-BE49-F238E27FC236}">
-                      <a16:creationId xmlns:a16="http://schemas.microsoft.com/office/drawing/2014/main" id="{D6B359FB-9A67-42EA-A4D5-41493FC97E4D}"/>
+                      <a16:creationId xmlns:a16="http://schemas.microsoft.com/office/drawing/2014/main" xmlns="" id="{D6B359FB-9A67-42EA-A4D5-41493FC97E4D}"/>
                     </a:ext>
                   </a:extLst>
                 </p:cNvPr>
@@ -23343,7 +23138,7 @@
                 <p:cNvPr id="154" name="Picture 153" descr="A close up of a logo&#10;&#10;Description automatically generated">
                   <a:extLst>
                     <a:ext uri="{FF2B5EF4-FFF2-40B4-BE49-F238E27FC236}">
-                      <a16:creationId xmlns:a16="http://schemas.microsoft.com/office/drawing/2014/main" id="{F7B74625-E64F-42CD-A757-795B53D0C962}"/>
+                      <a16:creationId xmlns:a16="http://schemas.microsoft.com/office/drawing/2014/main" xmlns="" id="{F7B74625-E64F-42CD-A757-795B53D0C962}"/>
                     </a:ext>
                   </a:extLst>
                 </p:cNvPr>
@@ -23379,7 +23174,7 @@
                 <p:cNvPr id="150" name="TextBox 149">
                   <a:extLst>
                     <a:ext uri="{FF2B5EF4-FFF2-40B4-BE49-F238E27FC236}">
-                      <a16:creationId xmlns:a16="http://schemas.microsoft.com/office/drawing/2014/main" id="{3DDD1541-8047-44BB-9199-9795894A96C2}"/>
+                      <a16:creationId xmlns:a16="http://schemas.microsoft.com/office/drawing/2014/main" xmlns="" id="{3DDD1541-8047-44BB-9199-9795894A96C2}"/>
                     </a:ext>
                   </a:extLst>
                 </p:cNvPr>
@@ -23415,7 +23210,7 @@
                 <p:cNvPr id="151" name="TextBox 150">
                   <a:extLst>
                     <a:ext uri="{FF2B5EF4-FFF2-40B4-BE49-F238E27FC236}">
-                      <a16:creationId xmlns:a16="http://schemas.microsoft.com/office/drawing/2014/main" id="{D2C6FFDE-1D92-4368-9EE1-96CB4B026C9A}"/>
+                      <a16:creationId xmlns:a16="http://schemas.microsoft.com/office/drawing/2014/main" xmlns="" id="{D2C6FFDE-1D92-4368-9EE1-96CB4B026C9A}"/>
                     </a:ext>
                   </a:extLst>
                 </p:cNvPr>
@@ -23451,7 +23246,7 @@
                 <p:cNvPr id="159" name="TextBox 158">
                   <a:extLst>
                     <a:ext uri="{FF2B5EF4-FFF2-40B4-BE49-F238E27FC236}">
-                      <a16:creationId xmlns:a16="http://schemas.microsoft.com/office/drawing/2014/main" id="{91FA1A4A-799D-4C1C-B711-221B958168CA}"/>
+                      <a16:creationId xmlns:a16="http://schemas.microsoft.com/office/drawing/2014/main" xmlns="" id="{91FA1A4A-799D-4C1C-B711-221B958168CA}"/>
                     </a:ext>
                   </a:extLst>
                 </p:cNvPr>
@@ -23491,7 +23286,7 @@
                 <p:cNvPr id="158" name="TextBox 157">
                   <a:extLst>
                     <a:ext uri="{FF2B5EF4-FFF2-40B4-BE49-F238E27FC236}">
-                      <a16:creationId xmlns:a16="http://schemas.microsoft.com/office/drawing/2014/main" id="{75333DDE-85A8-4F7A-AB5E-D95541C8839B}"/>
+                      <a16:creationId xmlns:a16="http://schemas.microsoft.com/office/drawing/2014/main" xmlns="" id="{75333DDE-85A8-4F7A-AB5E-D95541C8839B}"/>
                     </a:ext>
                   </a:extLst>
                 </p:cNvPr>
@@ -23531,7 +23326,7 @@
                 <p:cNvPr id="157" name="TextBox 156">
                   <a:extLst>
                     <a:ext uri="{FF2B5EF4-FFF2-40B4-BE49-F238E27FC236}">
-                      <a16:creationId xmlns:a16="http://schemas.microsoft.com/office/drawing/2014/main" id="{BC69923F-D19A-46C6-98D4-0A7872704C55}"/>
+                      <a16:creationId xmlns:a16="http://schemas.microsoft.com/office/drawing/2014/main" xmlns="" id="{BC69923F-D19A-46C6-98D4-0A7872704C55}"/>
                     </a:ext>
                   </a:extLst>
                 </p:cNvPr>
@@ -23572,7 +23367,7 @@
               <p:cNvPr id="155" name="TextBox 154">
                 <a:extLst>
                   <a:ext uri="{FF2B5EF4-FFF2-40B4-BE49-F238E27FC236}">
-                    <a16:creationId xmlns:a16="http://schemas.microsoft.com/office/drawing/2014/main" id="{C52B1F06-4451-433B-937C-57BBD07EF5D0}"/>
+                    <a16:creationId xmlns:a16="http://schemas.microsoft.com/office/drawing/2014/main" xmlns="" id="{C52B1F06-4451-433B-937C-57BBD07EF5D0}"/>
                   </a:ext>
                 </a:extLst>
               </p:cNvPr>
@@ -23581,7 +23376,7 @@
             </p:nvSpPr>
             <p:spPr>
               <a:xfrm>
-                <a:off x="20133904" y="15360280"/>
+                <a:off x="19465177" y="15386200"/>
                 <a:ext cx="3597960" cy="861774"/>
               </a:xfrm>
               <a:prstGeom prst="rect">
@@ -23629,7 +23424,7 @@
               <p:cNvPr id="156" name="TextBox 155">
                 <a:extLst>
                   <a:ext uri="{FF2B5EF4-FFF2-40B4-BE49-F238E27FC236}">
-                    <a16:creationId xmlns:a16="http://schemas.microsoft.com/office/drawing/2014/main" id="{33AFBAEF-7695-476D-981C-61694EFA6AE1}"/>
+                    <a16:creationId xmlns:a16="http://schemas.microsoft.com/office/drawing/2014/main" xmlns="" id="{33AFBAEF-7695-476D-981C-61694EFA6AE1}"/>
                   </a:ext>
                 </a:extLst>
               </p:cNvPr>
@@ -23638,7 +23433,7 @@
             </p:nvSpPr>
             <p:spPr>
               <a:xfrm>
-                <a:off x="26294229" y="15379958"/>
+                <a:off x="25729789" y="15378946"/>
                 <a:ext cx="3331276" cy="861774"/>
               </a:xfrm>
               <a:prstGeom prst="rect">
@@ -23688,7 +23483,7 @@
           <p:cNvPr id="185" name="Group 184">
             <a:extLst>
               <a:ext uri="{FF2B5EF4-FFF2-40B4-BE49-F238E27FC236}">
-                <a16:creationId xmlns:a16="http://schemas.microsoft.com/office/drawing/2014/main" id="{62AC035D-436E-41C1-B871-8391C604BDB0}"/>
+                <a16:creationId xmlns:a16="http://schemas.microsoft.com/office/drawing/2014/main" xmlns="" id="{62AC035D-436E-41C1-B871-8391C604BDB0}"/>
               </a:ext>
             </a:extLst>
           </p:cNvPr>
@@ -23697,8 +23492,8 @@
         </p:nvGrpSpPr>
         <p:grpSpPr>
           <a:xfrm>
-            <a:off x="2867778" y="14147817"/>
-            <a:ext cx="9411713" cy="4077251"/>
+            <a:off x="2868200" y="14206534"/>
+            <a:ext cx="9413096" cy="4077700"/>
             <a:chOff x="2845605" y="14264034"/>
             <a:chExt cx="9411713" cy="4077251"/>
           </a:xfrm>
@@ -23708,7 +23503,7 @@
             <p:cNvPr id="172" name="Group 171">
               <a:extLst>
                 <a:ext uri="{FF2B5EF4-FFF2-40B4-BE49-F238E27FC236}">
-                  <a16:creationId xmlns:a16="http://schemas.microsoft.com/office/drawing/2014/main" id="{A69FAACF-ABA8-43EA-B200-A749581D5FFA}"/>
+                  <a16:creationId xmlns:a16="http://schemas.microsoft.com/office/drawing/2014/main" xmlns="" id="{A69FAACF-ABA8-43EA-B200-A749581D5FFA}"/>
                 </a:ext>
               </a:extLst>
             </p:cNvPr>
@@ -23728,7 +23523,7 @@
               <p:cNvPr id="68" name="TextBox 67">
                 <a:extLst>
                   <a:ext uri="{FF2B5EF4-FFF2-40B4-BE49-F238E27FC236}">
-                    <a16:creationId xmlns:a16="http://schemas.microsoft.com/office/drawing/2014/main" id="{C916F37C-FEE4-420B-AE8A-7CA4F54B8DED}"/>
+                    <a16:creationId xmlns:a16="http://schemas.microsoft.com/office/drawing/2014/main" xmlns="" id="{C916F37C-FEE4-420B-AE8A-7CA4F54B8DED}"/>
                   </a:ext>
                 </a:extLst>
               </p:cNvPr>
@@ -23773,7 +23568,7 @@
               <p:cNvPr id="135" name="Group 134">
                 <a:extLst>
                   <a:ext uri="{FF2B5EF4-FFF2-40B4-BE49-F238E27FC236}">
-                    <a16:creationId xmlns:a16="http://schemas.microsoft.com/office/drawing/2014/main" id="{8245CA0B-71BC-476F-B724-07C1A7884AB8}"/>
+                    <a16:creationId xmlns:a16="http://schemas.microsoft.com/office/drawing/2014/main" xmlns="" id="{8245CA0B-71BC-476F-B724-07C1A7884AB8}"/>
                   </a:ext>
                 </a:extLst>
               </p:cNvPr>
@@ -23793,7 +23588,7 @@
                 <p:cNvPr id="127" name="Picture 126">
                   <a:extLst>
                     <a:ext uri="{FF2B5EF4-FFF2-40B4-BE49-F238E27FC236}">
-                      <a16:creationId xmlns:a16="http://schemas.microsoft.com/office/drawing/2014/main" id="{2EF5CCF5-AAD4-4B46-ABEB-DD8C5E367C82}"/>
+                      <a16:creationId xmlns:a16="http://schemas.microsoft.com/office/drawing/2014/main" xmlns="" id="{2EF5CCF5-AAD4-4B46-ABEB-DD8C5E367C82}"/>
                     </a:ext>
                   </a:extLst>
                 </p:cNvPr>
@@ -23837,7 +23632,7 @@
                 <p:cNvPr id="129" name="Picture 128">
                   <a:extLst>
                     <a:ext uri="{FF2B5EF4-FFF2-40B4-BE49-F238E27FC236}">
-                      <a16:creationId xmlns:a16="http://schemas.microsoft.com/office/drawing/2014/main" id="{A5C44788-A675-4567-8E8D-B6D1147623DC}"/>
+                      <a16:creationId xmlns:a16="http://schemas.microsoft.com/office/drawing/2014/main" xmlns="" id="{A5C44788-A675-4567-8E8D-B6D1147623DC}"/>
                     </a:ext>
                   </a:extLst>
                 </p:cNvPr>
@@ -23881,7 +23676,7 @@
                 <p:cNvPr id="130" name="Picture 129">
                   <a:extLst>
                     <a:ext uri="{FF2B5EF4-FFF2-40B4-BE49-F238E27FC236}">
-                      <a16:creationId xmlns:a16="http://schemas.microsoft.com/office/drawing/2014/main" id="{36D592D0-3739-47AF-9271-C5BDC31C8A94}"/>
+                      <a16:creationId xmlns:a16="http://schemas.microsoft.com/office/drawing/2014/main" xmlns="" id="{36D592D0-3739-47AF-9271-C5BDC31C8A94}"/>
                     </a:ext>
                   </a:extLst>
                 </p:cNvPr>
@@ -23925,7 +23720,7 @@
                 <p:cNvPr id="131" name="TextBox 130">
                   <a:extLst>
                     <a:ext uri="{FF2B5EF4-FFF2-40B4-BE49-F238E27FC236}">
-                      <a16:creationId xmlns:a16="http://schemas.microsoft.com/office/drawing/2014/main" id="{8C9D5431-47C9-446E-8E17-F2D21D9E0F4E}"/>
+                      <a16:creationId xmlns:a16="http://schemas.microsoft.com/office/drawing/2014/main" xmlns="" id="{8C9D5431-47C9-446E-8E17-F2D21D9E0F4E}"/>
                     </a:ext>
                   </a:extLst>
                 </p:cNvPr>
@@ -23961,7 +23756,7 @@
                 <p:cNvPr id="132" name="TextBox 131">
                   <a:extLst>
                     <a:ext uri="{FF2B5EF4-FFF2-40B4-BE49-F238E27FC236}">
-                      <a16:creationId xmlns:a16="http://schemas.microsoft.com/office/drawing/2014/main" id="{C08A810E-0F9F-4B99-916F-CEC853B93B2E}"/>
+                      <a16:creationId xmlns:a16="http://schemas.microsoft.com/office/drawing/2014/main" xmlns="" id="{C08A810E-0F9F-4B99-916F-CEC853B93B2E}"/>
                     </a:ext>
                   </a:extLst>
                 </p:cNvPr>
@@ -23999,7 +23794,7 @@
             <p:cNvPr id="180" name="TextBox 179">
               <a:extLst>
                 <a:ext uri="{FF2B5EF4-FFF2-40B4-BE49-F238E27FC236}">
-                  <a16:creationId xmlns:a16="http://schemas.microsoft.com/office/drawing/2014/main" id="{8783E3E6-8DA0-4B43-8796-87BCCF6FDC3C}"/>
+                  <a16:creationId xmlns:a16="http://schemas.microsoft.com/office/drawing/2014/main" xmlns="" id="{8783E3E6-8DA0-4B43-8796-87BCCF6FDC3C}"/>
                 </a:ext>
               </a:extLst>
             </p:cNvPr>
@@ -24039,7 +23834,7 @@
             <p:cNvPr id="181" name="TextBox 180">
               <a:extLst>
                 <a:ext uri="{FF2B5EF4-FFF2-40B4-BE49-F238E27FC236}">
-                  <a16:creationId xmlns:a16="http://schemas.microsoft.com/office/drawing/2014/main" id="{E6E73A88-46EA-4CE7-9A89-D02616A68D39}"/>
+                  <a16:creationId xmlns:a16="http://schemas.microsoft.com/office/drawing/2014/main" xmlns="" id="{E6E73A88-46EA-4CE7-9A89-D02616A68D39}"/>
                 </a:ext>
               </a:extLst>
             </p:cNvPr>
@@ -24079,7 +23874,7 @@
             <p:cNvPr id="182" name="TextBox 181">
               <a:extLst>
                 <a:ext uri="{FF2B5EF4-FFF2-40B4-BE49-F238E27FC236}">
-                  <a16:creationId xmlns:a16="http://schemas.microsoft.com/office/drawing/2014/main" id="{E94ECADF-7BEE-4462-9B64-71E30E31F5F8}"/>
+                  <a16:creationId xmlns:a16="http://schemas.microsoft.com/office/drawing/2014/main" xmlns="" id="{E94ECADF-7BEE-4462-9B64-71E30E31F5F8}"/>
                 </a:ext>
               </a:extLst>
             </p:cNvPr>
@@ -24119,7 +23914,7 @@
             <p:cNvPr id="183" name="TextBox 182">
               <a:extLst>
                 <a:ext uri="{FF2B5EF4-FFF2-40B4-BE49-F238E27FC236}">
-                  <a16:creationId xmlns:a16="http://schemas.microsoft.com/office/drawing/2014/main" id="{1BEBFB0E-1131-4431-A1CB-0C5AB8076F74}"/>
+                  <a16:creationId xmlns:a16="http://schemas.microsoft.com/office/drawing/2014/main" xmlns="" id="{1BEBFB0E-1131-4431-A1CB-0C5AB8076F74}"/>
                 </a:ext>
               </a:extLst>
             </p:cNvPr>
@@ -24159,7 +23954,7 @@
             <p:cNvPr id="184" name="TextBox 183">
               <a:extLst>
                 <a:ext uri="{FF2B5EF4-FFF2-40B4-BE49-F238E27FC236}">
-                  <a16:creationId xmlns:a16="http://schemas.microsoft.com/office/drawing/2014/main" id="{0247A0ED-9373-4A7C-B2A7-CF82E9F82D9D}"/>
+                  <a16:creationId xmlns:a16="http://schemas.microsoft.com/office/drawing/2014/main" xmlns="" id="{0247A0ED-9373-4A7C-B2A7-CF82E9F82D9D}"/>
                 </a:ext>
               </a:extLst>
             </p:cNvPr>
@@ -24200,7 +23995,7 @@
           <p:cNvPr id="196" name="Group 195">
             <a:extLst>
               <a:ext uri="{FF2B5EF4-FFF2-40B4-BE49-F238E27FC236}">
-                <a16:creationId xmlns:a16="http://schemas.microsoft.com/office/drawing/2014/main" id="{77345A03-AF8A-4091-BFC4-B48BFBAC4FC3}"/>
+                <a16:creationId xmlns:a16="http://schemas.microsoft.com/office/drawing/2014/main" xmlns="" id="{77345A03-AF8A-4091-BFC4-B48BFBAC4FC3}"/>
               </a:ext>
             </a:extLst>
           </p:cNvPr>
@@ -24209,10 +24004,10 @@
         </p:nvGrpSpPr>
         <p:grpSpPr>
           <a:xfrm>
-            <a:off x="450669" y="24785738"/>
-            <a:ext cx="14503821" cy="4615674"/>
+            <a:off x="679369" y="24978991"/>
+            <a:ext cx="13572366" cy="4616183"/>
             <a:chOff x="450669" y="24785738"/>
-            <a:chExt cx="14503821" cy="4615674"/>
+            <a:chExt cx="13570371" cy="4615674"/>
           </a:xfrm>
         </p:grpSpPr>
         <p:grpSp>
@@ -24220,7 +24015,7 @@
             <p:cNvPr id="195" name="Group 194">
               <a:extLst>
                 <a:ext uri="{FF2B5EF4-FFF2-40B4-BE49-F238E27FC236}">
-                  <a16:creationId xmlns:a16="http://schemas.microsoft.com/office/drawing/2014/main" id="{96BB160D-7952-462E-8AB7-F23EFCD94AB7}"/>
+                  <a16:creationId xmlns:a16="http://schemas.microsoft.com/office/drawing/2014/main" xmlns="" id="{96BB160D-7952-462E-8AB7-F23EFCD94AB7}"/>
                 </a:ext>
               </a:extLst>
             </p:cNvPr>
@@ -24230,9 +24025,9 @@
           <p:grpSpPr>
             <a:xfrm>
               <a:off x="450669" y="24785738"/>
-              <a:ext cx="14503821" cy="4615674"/>
+              <a:ext cx="13570371" cy="4615674"/>
               <a:chOff x="770709" y="24785738"/>
-              <a:chExt cx="14503821" cy="4615674"/>
+              <a:chExt cx="13570371" cy="4615674"/>
             </a:xfrm>
           </p:grpSpPr>
           <p:grpSp>
@@ -24240,7 +24035,7 @@
               <p:cNvPr id="173" name="Group 172">
                 <a:extLst>
                   <a:ext uri="{FF2B5EF4-FFF2-40B4-BE49-F238E27FC236}">
-                    <a16:creationId xmlns:a16="http://schemas.microsoft.com/office/drawing/2014/main" id="{D877ED0F-2157-4E59-BE17-9E02CDA5B4FB}"/>
+                    <a16:creationId xmlns:a16="http://schemas.microsoft.com/office/drawing/2014/main" xmlns="" id="{D877ED0F-2157-4E59-BE17-9E02CDA5B4FB}"/>
                   </a:ext>
                 </a:extLst>
               </p:cNvPr>
@@ -24260,7 +24055,7 @@
                 <p:cNvPr id="7" name="TextBox 6">
                   <a:extLst>
                     <a:ext uri="{FF2B5EF4-FFF2-40B4-BE49-F238E27FC236}">
-                      <a16:creationId xmlns:a16="http://schemas.microsoft.com/office/drawing/2014/main" id="{E0F126E1-DD37-4C09-9297-4337CA2A2036}"/>
+                      <a16:creationId xmlns:a16="http://schemas.microsoft.com/office/drawing/2014/main" xmlns="" id="{E0F126E1-DD37-4C09-9297-4337CA2A2036}"/>
                     </a:ext>
                   </a:extLst>
                 </p:cNvPr>
@@ -24305,7 +24100,7 @@
                 <p:cNvPr id="96" name="Group 95">
                   <a:extLst>
                     <a:ext uri="{FF2B5EF4-FFF2-40B4-BE49-F238E27FC236}">
-                      <a16:creationId xmlns:a16="http://schemas.microsoft.com/office/drawing/2014/main" id="{B3828EFC-7000-46BF-BD2A-1FC171B21C1C}"/>
+                      <a16:creationId xmlns:a16="http://schemas.microsoft.com/office/drawing/2014/main" xmlns="" id="{B3828EFC-7000-46BF-BD2A-1FC171B21C1C}"/>
                     </a:ext>
                   </a:extLst>
                 </p:cNvPr>
@@ -24315,9 +24110,9 @@
               <p:grpSpPr>
                 <a:xfrm>
                   <a:off x="770709" y="24541898"/>
-                  <a:ext cx="11958454" cy="4047773"/>
+                  <a:ext cx="10993515" cy="4047773"/>
                   <a:chOff x="4090983" y="20099382"/>
-                  <a:chExt cx="11958454" cy="4047773"/>
+                  <a:chExt cx="10993515" cy="4047773"/>
                 </a:xfrm>
               </p:grpSpPr>
               <p:grpSp>
@@ -24325,7 +24120,7 @@
                   <p:cNvPr id="97" name="Group 96">
                     <a:extLst>
                       <a:ext uri="{FF2B5EF4-FFF2-40B4-BE49-F238E27FC236}">
-                        <a16:creationId xmlns:a16="http://schemas.microsoft.com/office/drawing/2014/main" id="{A59C9991-9736-408F-A168-BFB599E667AC}"/>
+                        <a16:creationId xmlns:a16="http://schemas.microsoft.com/office/drawing/2014/main" xmlns="" id="{A59C9991-9736-408F-A168-BFB599E667AC}"/>
                       </a:ext>
                     </a:extLst>
                   </p:cNvPr>
@@ -24334,10 +24129,10 @@
                 </p:nvGrpSpPr>
                 <p:grpSpPr>
                   <a:xfrm>
-                    <a:off x="4090983" y="20305379"/>
-                    <a:ext cx="11724088" cy="3781953"/>
-                    <a:chOff x="4273863" y="20092019"/>
-                    <a:chExt cx="11724088" cy="3781953"/>
+                    <a:off x="4090983" y="20586785"/>
+                    <a:ext cx="10821078" cy="3203523"/>
+                    <a:chOff x="4273863" y="20373425"/>
+                    <a:chExt cx="10821078" cy="3203523"/>
                   </a:xfrm>
                 </p:grpSpPr>
                 <p:grpSp>
@@ -24345,7 +24140,7 @@
                     <p:cNvPr id="99" name="Group 98">
                       <a:extLst>
                         <a:ext uri="{FF2B5EF4-FFF2-40B4-BE49-F238E27FC236}">
-                          <a16:creationId xmlns:a16="http://schemas.microsoft.com/office/drawing/2014/main" id="{DC5EF675-B421-4463-9738-25F436D61089}"/>
+                          <a16:creationId xmlns:a16="http://schemas.microsoft.com/office/drawing/2014/main" xmlns="" id="{DC5EF675-B421-4463-9738-25F436D61089}"/>
                         </a:ext>
                       </a:extLst>
                     </p:cNvPr>
@@ -24354,10 +24149,10 @@
                   </p:nvGrpSpPr>
                   <p:grpSpPr>
                     <a:xfrm>
-                      <a:off x="6963134" y="20992956"/>
-                      <a:ext cx="1260000" cy="2118889"/>
-                      <a:chOff x="15389768" y="19428930"/>
-                      <a:chExt cx="1260000" cy="2118889"/>
+                      <a:off x="7039334" y="21202506"/>
+                      <a:ext cx="963162" cy="1565513"/>
+                      <a:chOff x="15465968" y="19638480"/>
+                      <a:chExt cx="963162" cy="1565513"/>
                     </a:xfrm>
                   </p:grpSpPr>
                   <p:pic>
@@ -24365,7 +24160,7 @@
                       <p:cNvPr id="106" name="Picture 105" descr="A close up of a device&#10;&#10;Description automatically generated">
                         <a:extLst>
                           <a:ext uri="{FF2B5EF4-FFF2-40B4-BE49-F238E27FC236}">
-                            <a16:creationId xmlns:a16="http://schemas.microsoft.com/office/drawing/2014/main" id="{3B7195B5-32C1-4328-86E8-011BFABB93A6}"/>
+                            <a16:creationId xmlns:a16="http://schemas.microsoft.com/office/drawing/2014/main" xmlns="" id="{3B7195B5-32C1-4328-86E8-011BFABB93A6}"/>
                           </a:ext>
                         </a:extLst>
                       </p:cNvPr>
@@ -24388,7 +24183,7 @@
                     </p:blipFill>
                     <p:spPr>
                       <a:xfrm>
-                        <a:off x="15612904" y="20647819"/>
+                        <a:off x="15529130" y="20303993"/>
                         <a:ext cx="900000" cy="900000"/>
                       </a:xfrm>
                       <a:prstGeom prst="rect">
@@ -24401,7 +24196,7 @@
                       <p:cNvPr id="107" name="Picture 106">
                         <a:extLst>
                           <a:ext uri="{FF2B5EF4-FFF2-40B4-BE49-F238E27FC236}">
-                            <a16:creationId xmlns:a16="http://schemas.microsoft.com/office/drawing/2014/main" id="{7E459366-728A-45AF-B85E-046A28505D58}"/>
+                            <a16:creationId xmlns:a16="http://schemas.microsoft.com/office/drawing/2014/main" xmlns="" id="{7E459366-728A-45AF-B85E-046A28505D58}"/>
                           </a:ext>
                         </a:extLst>
                       </p:cNvPr>
@@ -24411,7 +24206,7 @@
                       <p:nvPr/>
                     </p:nvPicPr>
                     <p:blipFill>
-                      <a:blip r:embed="rId21">
+                      <a:blip r:embed="rId21" cstate="print">
                         <a:extLst>
                           <a:ext uri="{28A0092B-C50C-407E-A947-70E740481C1C}">
                             <a14:useLocalDpi xmlns:a14="http://schemas.microsoft.com/office/drawing/2010/main" val="0"/>
@@ -24424,8 +24219,8 @@
                     </p:blipFill>
                     <p:spPr>
                       <a:xfrm>
-                        <a:off x="15389768" y="19428930"/>
-                        <a:ext cx="1260000" cy="1258716"/>
+                        <a:off x="15465968" y="19638480"/>
+                        <a:ext cx="914400" cy="913468"/>
                       </a:xfrm>
                       <a:prstGeom prst="rect">
                         <a:avLst/>
@@ -24438,7 +24233,7 @@
                     <p:cNvPr id="100" name="Picture 99" descr="A close up of a device&#10;&#10;Description automatically generated">
                       <a:extLst>
                         <a:ext uri="{FF2B5EF4-FFF2-40B4-BE49-F238E27FC236}">
-                          <a16:creationId xmlns:a16="http://schemas.microsoft.com/office/drawing/2014/main" id="{E24AD8BE-4DE1-4538-9331-4E3990B50345}"/>
+                          <a16:creationId xmlns:a16="http://schemas.microsoft.com/office/drawing/2014/main" xmlns="" id="{E24AD8BE-4DE1-4538-9331-4E3990B50345}"/>
                         </a:ext>
                       </a:extLst>
                     </p:cNvPr>
@@ -24473,7 +24268,7 @@
                     <p:cNvPr id="101" name="Picture 100" descr="A picture containing crossword puzzle, text, black, floor&#10;&#10;Description automatically generated">
                       <a:extLst>
                         <a:ext uri="{FF2B5EF4-FFF2-40B4-BE49-F238E27FC236}">
-                          <a16:creationId xmlns:a16="http://schemas.microsoft.com/office/drawing/2014/main" id="{C80C5476-8CCA-486C-90D3-FA0B1C5D7683}"/>
+                          <a16:creationId xmlns:a16="http://schemas.microsoft.com/office/drawing/2014/main" xmlns="" id="{C80C5476-8CCA-486C-90D3-FA0B1C5D7683}"/>
                         </a:ext>
                       </a:extLst>
                     </p:cNvPr>
@@ -24496,7 +24291,7 @@
                   </p:blipFill>
                   <p:spPr>
                     <a:xfrm>
-                      <a:off x="8639861" y="20827697"/>
+                      <a:off x="8354111" y="20827697"/>
                       <a:ext cx="2880000" cy="2160000"/>
                     </a:xfrm>
                     <a:prstGeom prst="rect">
@@ -24509,7 +24304,7 @@
                     <p:cNvPr id="103" name="Picture 102">
                       <a:extLst>
                         <a:ext uri="{FF2B5EF4-FFF2-40B4-BE49-F238E27FC236}">
-                          <a16:creationId xmlns:a16="http://schemas.microsoft.com/office/drawing/2014/main" id="{7B2482F8-8B5C-4925-B39C-C0974E45A424}"/>
+                          <a16:creationId xmlns:a16="http://schemas.microsoft.com/office/drawing/2014/main" xmlns="" id="{7B2482F8-8B5C-4925-B39C-C0974E45A424}"/>
                         </a:ext>
                       </a:extLst>
                     </p:cNvPr>
@@ -24532,8 +24327,8 @@
                   </p:blipFill>
                   <p:spPr>
                     <a:xfrm>
-                      <a:off x="11895834" y="20092019"/>
-                      <a:ext cx="4102117" cy="3781953"/>
+                      <a:off x="11620221" y="20373425"/>
+                      <a:ext cx="3474720" cy="3203523"/>
                     </a:xfrm>
                     <a:prstGeom prst="rect">
                       <a:avLst/>
@@ -24546,7 +24341,7 @@
                   <p:cNvPr id="98" name="Rectangle: Rounded Corners 97">
                     <a:extLst>
                       <a:ext uri="{FF2B5EF4-FFF2-40B4-BE49-F238E27FC236}">
-                        <a16:creationId xmlns:a16="http://schemas.microsoft.com/office/drawing/2014/main" id="{7082610D-6AD0-4B72-8799-8EF096B5C63B}"/>
+                        <a16:creationId xmlns:a16="http://schemas.microsoft.com/office/drawing/2014/main" xmlns="" id="{7082610D-6AD0-4B72-8799-8EF096B5C63B}"/>
                       </a:ext>
                     </a:extLst>
                   </p:cNvPr>
@@ -24556,7 +24351,7 @@
                 <p:spPr>
                   <a:xfrm>
                     <a:off x="6329133" y="20099382"/>
-                    <a:ext cx="9720304" cy="4047773"/>
+                    <a:ext cx="8755365" cy="4047773"/>
                   </a:xfrm>
                   <a:prstGeom prst="roundRect">
                     <a:avLst/>
@@ -24600,7 +24395,7 @@
               <p:cNvPr id="188" name="Speech Bubble: Oval 187">
                 <a:extLst>
                   <a:ext uri="{FF2B5EF4-FFF2-40B4-BE49-F238E27FC236}">
-                    <a16:creationId xmlns:a16="http://schemas.microsoft.com/office/drawing/2014/main" id="{078F6DC7-CB18-4D83-B6C3-E52851F35E01}"/>
+                    <a16:creationId xmlns:a16="http://schemas.microsoft.com/office/drawing/2014/main" xmlns="" id="{078F6DC7-CB18-4D83-B6C3-E52851F35E01}"/>
                   </a:ext>
                 </a:extLst>
               </p:cNvPr>
@@ -24609,7 +24404,7 @@
             </p:nvSpPr>
             <p:spPr>
               <a:xfrm>
-                <a:off x="12869913" y="25832243"/>
+                <a:off x="11936463" y="25832243"/>
                 <a:ext cx="2404617" cy="1061710"/>
               </a:xfrm>
               <a:prstGeom prst="wedgeEllipseCallout">
@@ -24663,7 +24458,7 @@
             <p:cNvPr id="192" name="Straight Arrow Connector 191">
               <a:extLst>
                 <a:ext uri="{FF2B5EF4-FFF2-40B4-BE49-F238E27FC236}">
-                  <a16:creationId xmlns:a16="http://schemas.microsoft.com/office/drawing/2014/main" id="{1338B41E-BE41-4E7F-AB5D-DBDF1AC91A9C}"/>
+                  <a16:creationId xmlns:a16="http://schemas.microsoft.com/office/drawing/2014/main" xmlns="" id="{1338B41E-BE41-4E7F-AB5D-DBDF1AC91A9C}"/>
                 </a:ext>
               </a:extLst>
             </p:cNvPr>
@@ -24672,8 +24467,8 @@
           </p:nvCxnSpPr>
           <p:spPr>
             <a:xfrm>
-              <a:off x="7362034" y="26791200"/>
-              <a:ext cx="748987" cy="0"/>
+              <a:off x="7076284" y="26791200"/>
+              <a:ext cx="640080" cy="0"/>
             </a:xfrm>
             <a:prstGeom prst="straightConnector1">
               <a:avLst/>
@@ -24705,7 +24500,7 @@
             <p:cNvPr id="193" name="Straight Arrow Connector 192">
               <a:extLst>
                 <a:ext uri="{FF2B5EF4-FFF2-40B4-BE49-F238E27FC236}">
-                  <a16:creationId xmlns:a16="http://schemas.microsoft.com/office/drawing/2014/main" id="{138E9ACB-E391-4CA5-9E66-988BB55833A3}"/>
+                  <a16:creationId xmlns:a16="http://schemas.microsoft.com/office/drawing/2014/main" xmlns="" id="{138E9ACB-E391-4CA5-9E66-988BB55833A3}"/>
                 </a:ext>
               </a:extLst>
             </p:cNvPr>
@@ -24714,8 +24509,8 @@
           </p:nvCxnSpPr>
           <p:spPr>
             <a:xfrm>
-              <a:off x="4575387" y="26792679"/>
-              <a:ext cx="748987" cy="0"/>
+              <a:off x="4365837" y="26792679"/>
+              <a:ext cx="640080" cy="0"/>
             </a:xfrm>
             <a:prstGeom prst="straightConnector1">
               <a:avLst/>
@@ -24747,7 +24542,7 @@
             <p:cNvPr id="194" name="Straight Arrow Connector 193">
               <a:extLst>
                 <a:ext uri="{FF2B5EF4-FFF2-40B4-BE49-F238E27FC236}">
-                  <a16:creationId xmlns:a16="http://schemas.microsoft.com/office/drawing/2014/main" id="{2C7BE932-3BC3-4A8A-9590-5CF30E25BF8F}"/>
+                  <a16:creationId xmlns:a16="http://schemas.microsoft.com/office/drawing/2014/main" xmlns="" id="{2C7BE932-3BC3-4A8A-9590-5CF30E25BF8F}"/>
                 </a:ext>
               </a:extLst>
             </p:cNvPr>
@@ -25053,7 +24848,7 @@
   <a:extraClrSchemeLst/>
   <a:extLst>
     <a:ext uri="{05A4C25C-085E-4340-85A3-A5531E510DB2}">
-      <thm15:themeFamily xmlns:thm15="http://schemas.microsoft.com/office/thememl/2012/main" name="Office Theme" id="{62F939B6-93AF-4DB8-9C6B-D6C7DFDC589F}" vid="{4A3C46E8-61CC-4603-A589-7422A47A8E4A}"/>
+      <thm15:themeFamily xmlns:thm15="http://schemas.microsoft.com/office/thememl/2012/main" xmlns="" name="Office Theme" id="{62F939B6-93AF-4DB8-9C6B-D6C7DFDC589F}" vid="{4A3C46E8-61CC-4603-A589-7422A47A8E4A}"/>
     </a:ext>
   </a:extLst>
 </a:theme>

--- a/poster.pptx
+++ b/poster.pptx
@@ -2,18 +2,18 @@
 <file path=ppt/presentation.xml><?xml version="1.0" encoding="utf-8"?>
 <p:presentation xmlns:a="http://schemas.openxmlformats.org/drawingml/2006/main" xmlns:r="http://schemas.openxmlformats.org/officeDocument/2006/relationships" xmlns:p="http://schemas.openxmlformats.org/presentationml/2006/main" saveSubsetFonts="1">
   <p:sldMasterIdLst>
-    <p:sldMasterId id="2147483660" r:id="rId1"/>
+    <p:sldMasterId id="2147483672" r:id="rId1"/>
   </p:sldMasterIdLst>
   <p:sldIdLst>
-    <p:sldId id="259" r:id="rId2"/>
+    <p:sldId id="260" r:id="rId2"/>
   </p:sldIdLst>
-  <p:sldSz cx="32404050" cy="43205400"/>
+  <p:sldSz cx="32399288" cy="43200638"/>
   <p:notesSz cx="6858000" cy="9144000"/>
   <p:defaultTextStyle>
     <a:defPPr>
       <a:defRPr lang="en-US"/>
     </a:defPPr>
-    <a:lvl1pPr marL="0" algn="l" defTabSz="457246" rtl="0" eaLnBrk="1" latinLnBrk="0" hangingPunct="1">
+    <a:lvl1pPr marL="0" algn="l" defTabSz="457200" rtl="0" eaLnBrk="1" latinLnBrk="0" hangingPunct="1">
       <a:defRPr sz="1800" kern="1200">
         <a:solidFill>
           <a:schemeClr val="tx1"/>
@@ -23,7 +23,7 @@
         <a:cs typeface="+mn-cs"/>
       </a:defRPr>
     </a:lvl1pPr>
-    <a:lvl2pPr marL="457246" algn="l" defTabSz="457246" rtl="0" eaLnBrk="1" latinLnBrk="0" hangingPunct="1">
+    <a:lvl2pPr marL="457200" algn="l" defTabSz="457200" rtl="0" eaLnBrk="1" latinLnBrk="0" hangingPunct="1">
       <a:defRPr sz="1800" kern="1200">
         <a:solidFill>
           <a:schemeClr val="tx1"/>
@@ -33,7 +33,7 @@
         <a:cs typeface="+mn-cs"/>
       </a:defRPr>
     </a:lvl2pPr>
-    <a:lvl3pPr marL="914491" algn="l" defTabSz="457246" rtl="0" eaLnBrk="1" latinLnBrk="0" hangingPunct="1">
+    <a:lvl3pPr marL="914400" algn="l" defTabSz="457200" rtl="0" eaLnBrk="1" latinLnBrk="0" hangingPunct="1">
       <a:defRPr sz="1800" kern="1200">
         <a:solidFill>
           <a:schemeClr val="tx1"/>
@@ -43,7 +43,7 @@
         <a:cs typeface="+mn-cs"/>
       </a:defRPr>
     </a:lvl3pPr>
-    <a:lvl4pPr marL="1371737" algn="l" defTabSz="457246" rtl="0" eaLnBrk="1" latinLnBrk="0" hangingPunct="1">
+    <a:lvl4pPr marL="1371600" algn="l" defTabSz="457200" rtl="0" eaLnBrk="1" latinLnBrk="0" hangingPunct="1">
       <a:defRPr sz="1800" kern="1200">
         <a:solidFill>
           <a:schemeClr val="tx1"/>
@@ -53,7 +53,7 @@
         <a:cs typeface="+mn-cs"/>
       </a:defRPr>
     </a:lvl4pPr>
-    <a:lvl5pPr marL="1828983" algn="l" defTabSz="457246" rtl="0" eaLnBrk="1" latinLnBrk="0" hangingPunct="1">
+    <a:lvl5pPr marL="1828800" algn="l" defTabSz="457200" rtl="0" eaLnBrk="1" latinLnBrk="0" hangingPunct="1">
       <a:defRPr sz="1800" kern="1200">
         <a:solidFill>
           <a:schemeClr val="tx1"/>
@@ -63,7 +63,7 @@
         <a:cs typeface="+mn-cs"/>
       </a:defRPr>
     </a:lvl5pPr>
-    <a:lvl6pPr marL="2286229" algn="l" defTabSz="457246" rtl="0" eaLnBrk="1" latinLnBrk="0" hangingPunct="1">
+    <a:lvl6pPr marL="2286000" algn="l" defTabSz="457200" rtl="0" eaLnBrk="1" latinLnBrk="0" hangingPunct="1">
       <a:defRPr sz="1800" kern="1200">
         <a:solidFill>
           <a:schemeClr val="tx1"/>
@@ -73,7 +73,7 @@
         <a:cs typeface="+mn-cs"/>
       </a:defRPr>
     </a:lvl6pPr>
-    <a:lvl7pPr marL="2743474" algn="l" defTabSz="457246" rtl="0" eaLnBrk="1" latinLnBrk="0" hangingPunct="1">
+    <a:lvl7pPr marL="2743200" algn="l" defTabSz="457200" rtl="0" eaLnBrk="1" latinLnBrk="0" hangingPunct="1">
       <a:defRPr sz="1800" kern="1200">
         <a:solidFill>
           <a:schemeClr val="tx1"/>
@@ -83,7 +83,7 @@
         <a:cs typeface="+mn-cs"/>
       </a:defRPr>
     </a:lvl7pPr>
-    <a:lvl8pPr marL="3200720" algn="l" defTabSz="457246" rtl="0" eaLnBrk="1" latinLnBrk="0" hangingPunct="1">
+    <a:lvl8pPr marL="3200400" algn="l" defTabSz="457200" rtl="0" eaLnBrk="1" latinLnBrk="0" hangingPunct="1">
       <a:defRPr sz="1800" kern="1200">
         <a:solidFill>
           <a:schemeClr val="tx1"/>
@@ -93,7 +93,7 @@
         <a:cs typeface="+mn-cs"/>
       </a:defRPr>
     </a:lvl8pPr>
-    <a:lvl9pPr marL="3657966" algn="l" defTabSz="457246" rtl="0" eaLnBrk="1" latinLnBrk="0" hangingPunct="1">
+    <a:lvl9pPr marL="3657600" algn="l" defTabSz="457200" rtl="0" eaLnBrk="1" latinLnBrk="0" hangingPunct="1">
       <a:defRPr sz="1800" kern="1200">
         <a:solidFill>
           <a:schemeClr val="tx1"/>
@@ -106,13 +106,23 @@
   </p:defaultTextStyle>
   <p:extLst>
     <p:ext uri="{EFAFB233-063F-42B5-8137-9DF3F51BA10A}">
-      <p15:sldGuideLst xmlns:p15="http://schemas.microsoft.com/office/powerpoint/2012/main" xmlns="">
-        <p15:guide id="1" orient="horz" pos="13606">
+      <p15:sldGuideLst xmlns:p15="http://schemas.microsoft.com/office/powerpoint/2012/main">
+        <p15:guide id="1" orient="horz" pos="13605" userDrawn="1">
           <p15:clr>
             <a:srgbClr val="A4A3A4"/>
           </p15:clr>
         </p15:guide>
-        <p15:guide id="2" pos="10204">
+        <p15:guide id="2" pos="10203" userDrawn="1">
+          <p15:clr>
+            <a:srgbClr val="A4A3A4"/>
+          </p15:clr>
+        </p15:guide>
+        <p15:guide id="3" orient="horz" pos="13606" userDrawn="1">
+          <p15:clr>
+            <a:srgbClr val="A4A3A4"/>
+          </p15:clr>
+        </p15:guide>
+        <p15:guide id="4" pos="10204" userDrawn="1">
           <p15:clr>
             <a:srgbClr val="A4A3A4"/>
           </p15:clr>
@@ -152,15 +162,15 @@
         </p:nvSpPr>
         <p:spPr>
           <a:xfrm>
-            <a:off x="2430305" y="7070887"/>
-            <a:ext cx="27543443" cy="15041880"/>
+            <a:off x="2429947" y="7070108"/>
+            <a:ext cx="27539395" cy="15040222"/>
           </a:xfrm>
         </p:spPr>
         <p:txBody>
           <a:bodyPr anchor="b"/>
           <a:lstStyle>
             <a:lvl1pPr algn="ctr">
-              <a:defRPr sz="21300"/>
+              <a:defRPr sz="21259"/>
             </a:lvl1pPr>
           </a:lstStyle>
           <a:p>
@@ -184,8 +194,8 @@
         </p:nvSpPr>
         <p:spPr>
           <a:xfrm>
-            <a:off x="4050506" y="22692840"/>
-            <a:ext cx="24303038" cy="10431301"/>
+            <a:off x="4049911" y="22690338"/>
+            <a:ext cx="24299466" cy="10430151"/>
           </a:xfrm>
         </p:spPr>
         <p:txBody>
@@ -193,39 +203,39 @@
           <a:lstStyle>
             <a:lvl1pPr marL="0" indent="0" algn="ctr">
               <a:buNone/>
-              <a:defRPr sz="8500"/>
+              <a:defRPr sz="8504"/>
             </a:lvl1pPr>
-            <a:lvl2pPr marL="1620113" indent="0" algn="ctr">
+            <a:lvl2pPr marL="1619951" indent="0" algn="ctr">
               <a:buNone/>
-              <a:defRPr sz="7100"/>
+              <a:defRPr sz="7086"/>
             </a:lvl2pPr>
-            <a:lvl3pPr marL="3240226" indent="0" algn="ctr">
+            <a:lvl3pPr marL="3239902" indent="0" algn="ctr">
               <a:buNone/>
-              <a:defRPr sz="6400"/>
+              <a:defRPr sz="6378"/>
             </a:lvl3pPr>
-            <a:lvl4pPr marL="4860339" indent="0" algn="ctr">
+            <a:lvl4pPr marL="4859853" indent="0" algn="ctr">
               <a:buNone/>
-              <a:defRPr sz="5700"/>
+              <a:defRPr sz="5669"/>
             </a:lvl4pPr>
-            <a:lvl5pPr marL="6480452" indent="0" algn="ctr">
+            <a:lvl5pPr marL="6479804" indent="0" algn="ctr">
               <a:buNone/>
-              <a:defRPr sz="5700"/>
+              <a:defRPr sz="5669"/>
             </a:lvl5pPr>
-            <a:lvl6pPr marL="8100565" indent="0" algn="ctr">
+            <a:lvl6pPr marL="8099755" indent="0" algn="ctr">
               <a:buNone/>
-              <a:defRPr sz="5700"/>
+              <a:defRPr sz="5669"/>
             </a:lvl6pPr>
-            <a:lvl7pPr marL="9720678" indent="0" algn="ctr">
+            <a:lvl7pPr marL="9719706" indent="0" algn="ctr">
               <a:buNone/>
-              <a:defRPr sz="5700"/>
+              <a:defRPr sz="5669"/>
             </a:lvl7pPr>
-            <a:lvl8pPr marL="11340791" indent="0" algn="ctr">
+            <a:lvl8pPr marL="11339657" indent="0" algn="ctr">
               <a:buNone/>
-              <a:defRPr sz="5700"/>
+              <a:defRPr sz="5669"/>
             </a:lvl8pPr>
-            <a:lvl9pPr marL="12960904" indent="0" algn="ctr">
+            <a:lvl9pPr marL="12959608" indent="0" algn="ctr">
               <a:buNone/>
-              <a:defRPr sz="5700"/>
+              <a:defRPr sz="5669"/>
             </a:lvl9pPr>
           </a:lstStyle>
           <a:p>
@@ -254,7 +264,7 @@
           <a:p>
             <a:fld id="{FD4B236B-4127-4146-99ED-6A730B7745F6}" type="datetimeFigureOut">
               <a:rPr lang="en-US" smtClean="0"/>
-              <a:t>30-May-19</a:t>
+              <a:t>6/2/2019</a:t>
             </a:fld>
             <a:endParaRPr lang="en-US"/>
           </a:p>
@@ -262,7 +272,7 @@
       </p:sp>
       <p:sp>
         <p:nvSpPr>
-          <p:cNvPr id="5" name="Footer Placeholder 4" hidden="1"/>
+          <p:cNvPr id="5" name="Footer Placeholder 4"/>
           <p:cNvSpPr>
             <a:spLocks noGrp="1"/>
           </p:cNvSpPr>
@@ -305,7 +315,7 @@
     </p:spTree>
     <p:extLst>
       <p:ext uri="{BB962C8B-B14F-4D97-AF65-F5344CB8AC3E}">
-        <p14:creationId xmlns:p14="http://schemas.microsoft.com/office/powerpoint/2010/main" val="1217651398"/>
+        <p14:creationId xmlns:p14="http://schemas.microsoft.com/office/powerpoint/2010/main" val="4217376125"/>
       </p:ext>
     </p:extLst>
   </p:cSld>
@@ -424,7 +434,7 @@
           <a:p>
             <a:fld id="{FD4B236B-4127-4146-99ED-6A730B7745F6}" type="datetimeFigureOut">
               <a:rPr lang="en-US" smtClean="0"/>
-              <a:t>30-May-19</a:t>
+              <a:t>6/2/2019</a:t>
             </a:fld>
             <a:endParaRPr lang="en-US"/>
           </a:p>
@@ -432,7 +442,7 @@
       </p:sp>
       <p:sp>
         <p:nvSpPr>
-          <p:cNvPr id="5" name="Footer Placeholder 4" hidden="1"/>
+          <p:cNvPr id="5" name="Footer Placeholder 4"/>
           <p:cNvSpPr>
             <a:spLocks noGrp="1"/>
           </p:cNvSpPr>
@@ -475,7 +485,7 @@
     </p:spTree>
     <p:extLst>
       <p:ext uri="{BB962C8B-B14F-4D97-AF65-F5344CB8AC3E}">
-        <p14:creationId xmlns:p14="http://schemas.microsoft.com/office/powerpoint/2010/main" val="3390715884"/>
+        <p14:creationId xmlns:p14="http://schemas.microsoft.com/office/powerpoint/2010/main" val="1555360918"/>
       </p:ext>
     </p:extLst>
   </p:cSld>
@@ -514,8 +524,8 @@
         </p:nvSpPr>
         <p:spPr>
           <a:xfrm>
-            <a:off x="23189150" y="2300287"/>
-            <a:ext cx="6987123" cy="36614580"/>
+            <a:off x="23185742" y="2300034"/>
+            <a:ext cx="6986096" cy="36610544"/>
           </a:xfrm>
         </p:spPr>
         <p:txBody>
@@ -542,8 +552,8 @@
         </p:nvSpPr>
         <p:spPr>
           <a:xfrm>
-            <a:off x="2227780" y="2300287"/>
-            <a:ext cx="20556319" cy="36614580"/>
+            <a:off x="2227453" y="2300034"/>
+            <a:ext cx="20553298" cy="36610544"/>
           </a:xfrm>
         </p:spPr>
         <p:txBody>
@@ -604,7 +614,7 @@
           <a:p>
             <a:fld id="{FD4B236B-4127-4146-99ED-6A730B7745F6}" type="datetimeFigureOut">
               <a:rPr lang="en-US" smtClean="0"/>
-              <a:t>30-May-19</a:t>
+              <a:t>6/2/2019</a:t>
             </a:fld>
             <a:endParaRPr lang="en-US"/>
           </a:p>
@@ -612,7 +622,7 @@
       </p:sp>
       <p:sp>
         <p:nvSpPr>
-          <p:cNvPr id="5" name="Footer Placeholder 4" hidden="1"/>
+          <p:cNvPr id="5" name="Footer Placeholder 4"/>
           <p:cNvSpPr>
             <a:spLocks noGrp="1"/>
           </p:cNvSpPr>
@@ -655,7 +665,7 @@
     </p:spTree>
     <p:extLst>
       <p:ext uri="{BB962C8B-B14F-4D97-AF65-F5344CB8AC3E}">
-        <p14:creationId xmlns:p14="http://schemas.microsoft.com/office/powerpoint/2010/main" val="4028642836"/>
+        <p14:creationId xmlns:p14="http://schemas.microsoft.com/office/powerpoint/2010/main" val="1440150583"/>
       </p:ext>
     </p:extLst>
   </p:cSld>
@@ -774,7 +784,7 @@
           <a:p>
             <a:fld id="{FD4B236B-4127-4146-99ED-6A730B7745F6}" type="datetimeFigureOut">
               <a:rPr lang="en-US" smtClean="0"/>
-              <a:t>30-May-19</a:t>
+              <a:t>6/2/2019</a:t>
             </a:fld>
             <a:endParaRPr lang="en-US"/>
           </a:p>
@@ -782,7 +792,7 @@
       </p:sp>
       <p:sp>
         <p:nvSpPr>
-          <p:cNvPr id="5" name="Footer Placeholder 4" hidden="1"/>
+          <p:cNvPr id="5" name="Footer Placeholder 4"/>
           <p:cNvSpPr>
             <a:spLocks noGrp="1"/>
           </p:cNvSpPr>
@@ -825,7 +835,7 @@
     </p:spTree>
     <p:extLst>
       <p:ext uri="{BB962C8B-B14F-4D97-AF65-F5344CB8AC3E}">
-        <p14:creationId xmlns:p14="http://schemas.microsoft.com/office/powerpoint/2010/main" val="852661473"/>
+        <p14:creationId xmlns:p14="http://schemas.microsoft.com/office/powerpoint/2010/main" val="337054921"/>
       </p:ext>
     </p:extLst>
   </p:cSld>
@@ -864,15 +874,15 @@
         </p:nvSpPr>
         <p:spPr>
           <a:xfrm>
-            <a:off x="2210903" y="10771359"/>
-            <a:ext cx="27948493" cy="17972243"/>
+            <a:off x="2210578" y="10770172"/>
+            <a:ext cx="27944386" cy="17970262"/>
           </a:xfrm>
         </p:spPr>
         <p:txBody>
           <a:bodyPr anchor="b"/>
           <a:lstStyle>
             <a:lvl1pPr>
-              <a:defRPr sz="21300"/>
+              <a:defRPr sz="21259"/>
             </a:lvl1pPr>
           </a:lstStyle>
           <a:p>
@@ -896,8 +906,8 @@
         </p:nvSpPr>
         <p:spPr>
           <a:xfrm>
-            <a:off x="2210903" y="28913627"/>
-            <a:ext cx="27948493" cy="9451178"/>
+            <a:off x="2210578" y="28910440"/>
+            <a:ext cx="27944386" cy="9450136"/>
           </a:xfrm>
         </p:spPr>
         <p:txBody>
@@ -905,15 +915,15 @@
           <a:lstStyle>
             <a:lvl1pPr marL="0" indent="0">
               <a:buNone/>
-              <a:defRPr sz="8500">
+              <a:defRPr sz="8504">
                 <a:solidFill>
                   <a:schemeClr val="tx1"/>
                 </a:solidFill>
               </a:defRPr>
             </a:lvl1pPr>
-            <a:lvl2pPr marL="1620113" indent="0">
+            <a:lvl2pPr marL="1619951" indent="0">
               <a:buNone/>
-              <a:defRPr sz="7100">
+              <a:defRPr sz="7086">
                 <a:solidFill>
                   <a:schemeClr val="tx1">
                     <a:tint val="75000"/>
@@ -921,9 +931,9 @@
                 </a:solidFill>
               </a:defRPr>
             </a:lvl2pPr>
-            <a:lvl3pPr marL="3240226" indent="0">
+            <a:lvl3pPr marL="3239902" indent="0">
               <a:buNone/>
-              <a:defRPr sz="6400">
+              <a:defRPr sz="6378">
                 <a:solidFill>
                   <a:schemeClr val="tx1">
                     <a:tint val="75000"/>
@@ -931,9 +941,9 @@
                 </a:solidFill>
               </a:defRPr>
             </a:lvl3pPr>
-            <a:lvl4pPr marL="4860339" indent="0">
+            <a:lvl4pPr marL="4859853" indent="0">
               <a:buNone/>
-              <a:defRPr sz="5700">
+              <a:defRPr sz="5669">
                 <a:solidFill>
                   <a:schemeClr val="tx1">
                     <a:tint val="75000"/>
@@ -941,9 +951,9 @@
                 </a:solidFill>
               </a:defRPr>
             </a:lvl4pPr>
-            <a:lvl5pPr marL="6480452" indent="0">
+            <a:lvl5pPr marL="6479804" indent="0">
               <a:buNone/>
-              <a:defRPr sz="5700">
+              <a:defRPr sz="5669">
                 <a:solidFill>
                   <a:schemeClr val="tx1">
                     <a:tint val="75000"/>
@@ -951,9 +961,9 @@
                 </a:solidFill>
               </a:defRPr>
             </a:lvl5pPr>
-            <a:lvl6pPr marL="8100565" indent="0">
+            <a:lvl6pPr marL="8099755" indent="0">
               <a:buNone/>
-              <a:defRPr sz="5700">
+              <a:defRPr sz="5669">
                 <a:solidFill>
                   <a:schemeClr val="tx1">
                     <a:tint val="75000"/>
@@ -961,9 +971,9 @@
                 </a:solidFill>
               </a:defRPr>
             </a:lvl6pPr>
-            <a:lvl7pPr marL="9720678" indent="0">
+            <a:lvl7pPr marL="9719706" indent="0">
               <a:buNone/>
-              <a:defRPr sz="5700">
+              <a:defRPr sz="5669">
                 <a:solidFill>
                   <a:schemeClr val="tx1">
                     <a:tint val="75000"/>
@@ -971,9 +981,9 @@
                 </a:solidFill>
               </a:defRPr>
             </a:lvl7pPr>
-            <a:lvl8pPr marL="11340791" indent="0">
+            <a:lvl8pPr marL="11339657" indent="0">
               <a:buNone/>
-              <a:defRPr sz="5700">
+              <a:defRPr sz="5669">
                 <a:solidFill>
                   <a:schemeClr val="tx1">
                     <a:tint val="75000"/>
@@ -981,9 +991,9 @@
                 </a:solidFill>
               </a:defRPr>
             </a:lvl8pPr>
-            <a:lvl9pPr marL="12960904" indent="0">
+            <a:lvl9pPr marL="12959608" indent="0">
               <a:buNone/>
-              <a:defRPr sz="5700">
+              <a:defRPr sz="5669">
                 <a:solidFill>
                   <a:schemeClr val="tx1">
                     <a:tint val="75000"/>
@@ -1018,7 +1028,7 @@
           <a:p>
             <a:fld id="{FD4B236B-4127-4146-99ED-6A730B7745F6}" type="datetimeFigureOut">
               <a:rPr lang="en-US" smtClean="0"/>
-              <a:t>30-May-19</a:t>
+              <a:t>6/2/2019</a:t>
             </a:fld>
             <a:endParaRPr lang="en-US"/>
           </a:p>
@@ -1026,7 +1036,7 @@
       </p:sp>
       <p:sp>
         <p:nvSpPr>
-          <p:cNvPr id="5" name="Footer Placeholder 4" hidden="1"/>
+          <p:cNvPr id="5" name="Footer Placeholder 4"/>
           <p:cNvSpPr>
             <a:spLocks noGrp="1"/>
           </p:cNvSpPr>
@@ -1069,7 +1079,7 @@
     </p:spTree>
     <p:extLst>
       <p:ext uri="{BB962C8B-B14F-4D97-AF65-F5344CB8AC3E}">
-        <p14:creationId xmlns:p14="http://schemas.microsoft.com/office/powerpoint/2010/main" val="3897732631"/>
+        <p14:creationId xmlns:p14="http://schemas.microsoft.com/office/powerpoint/2010/main" val="208891317"/>
       </p:ext>
     </p:extLst>
   </p:cSld>
@@ -1131,8 +1141,8 @@
         </p:nvSpPr>
         <p:spPr>
           <a:xfrm>
-            <a:off x="2227779" y="11501438"/>
-            <a:ext cx="13771721" cy="27413429"/>
+            <a:off x="2227451" y="11500170"/>
+            <a:ext cx="13769697" cy="27410408"/>
           </a:xfrm>
         </p:spPr>
         <p:txBody>
@@ -1188,8 +1198,8 @@
         </p:nvSpPr>
         <p:spPr>
           <a:xfrm>
-            <a:off x="16404551" y="11501438"/>
-            <a:ext cx="13771721" cy="27413429"/>
+            <a:off x="16402140" y="11500170"/>
+            <a:ext cx="13769697" cy="27410408"/>
           </a:xfrm>
         </p:spPr>
         <p:txBody>
@@ -1250,7 +1260,7 @@
           <a:p>
             <a:fld id="{FD4B236B-4127-4146-99ED-6A730B7745F6}" type="datetimeFigureOut">
               <a:rPr lang="en-US" smtClean="0"/>
-              <a:t>30-May-19</a:t>
+              <a:t>6/2/2019</a:t>
             </a:fld>
             <a:endParaRPr lang="en-US"/>
           </a:p>
@@ -1258,7 +1268,7 @@
       </p:sp>
       <p:sp>
         <p:nvSpPr>
-          <p:cNvPr id="6" name="Footer Placeholder 5" hidden="1"/>
+          <p:cNvPr id="6" name="Footer Placeholder 5"/>
           <p:cNvSpPr>
             <a:spLocks noGrp="1"/>
           </p:cNvSpPr>
@@ -1301,7 +1311,7 @@
     </p:spTree>
     <p:extLst>
       <p:ext uri="{BB962C8B-B14F-4D97-AF65-F5344CB8AC3E}">
-        <p14:creationId xmlns:p14="http://schemas.microsoft.com/office/powerpoint/2010/main" val="346185079"/>
+        <p14:creationId xmlns:p14="http://schemas.microsoft.com/office/powerpoint/2010/main" val="717145825"/>
       </p:ext>
     </p:extLst>
   </p:cSld>
@@ -1340,8 +1350,8 @@
         </p:nvSpPr>
         <p:spPr>
           <a:xfrm>
-            <a:off x="2231999" y="2300298"/>
-            <a:ext cx="27948493" cy="8351046"/>
+            <a:off x="2231671" y="2300044"/>
+            <a:ext cx="27944386" cy="8350126"/>
           </a:xfrm>
         </p:spPr>
         <p:txBody>
@@ -1368,8 +1378,8 @@
         </p:nvSpPr>
         <p:spPr>
           <a:xfrm>
-            <a:off x="2232003" y="10591328"/>
-            <a:ext cx="13708430" cy="5190645"/>
+            <a:off x="2231675" y="10590160"/>
+            <a:ext cx="13706415" cy="5190073"/>
           </a:xfrm>
         </p:spPr>
         <p:txBody>
@@ -1377,39 +1387,39 @@
           <a:lstStyle>
             <a:lvl1pPr marL="0" indent="0">
               <a:buNone/>
-              <a:defRPr sz="8500" b="1"/>
+              <a:defRPr sz="8504" b="1"/>
             </a:lvl1pPr>
-            <a:lvl2pPr marL="1620113" indent="0">
+            <a:lvl2pPr marL="1619951" indent="0">
               <a:buNone/>
-              <a:defRPr sz="7100" b="1"/>
+              <a:defRPr sz="7086" b="1"/>
             </a:lvl2pPr>
-            <a:lvl3pPr marL="3240226" indent="0">
+            <a:lvl3pPr marL="3239902" indent="0">
               <a:buNone/>
-              <a:defRPr sz="6400" b="1"/>
+              <a:defRPr sz="6378" b="1"/>
             </a:lvl3pPr>
-            <a:lvl4pPr marL="4860339" indent="0">
+            <a:lvl4pPr marL="4859853" indent="0">
               <a:buNone/>
-              <a:defRPr sz="5700" b="1"/>
+              <a:defRPr sz="5669" b="1"/>
             </a:lvl4pPr>
-            <a:lvl5pPr marL="6480452" indent="0">
+            <a:lvl5pPr marL="6479804" indent="0">
               <a:buNone/>
-              <a:defRPr sz="5700" b="1"/>
+              <a:defRPr sz="5669" b="1"/>
             </a:lvl5pPr>
-            <a:lvl6pPr marL="8100565" indent="0">
+            <a:lvl6pPr marL="8099755" indent="0">
               <a:buNone/>
-              <a:defRPr sz="5700" b="1"/>
+              <a:defRPr sz="5669" b="1"/>
             </a:lvl6pPr>
-            <a:lvl7pPr marL="9720678" indent="0">
+            <a:lvl7pPr marL="9719706" indent="0">
               <a:buNone/>
-              <a:defRPr sz="5700" b="1"/>
+              <a:defRPr sz="5669" b="1"/>
             </a:lvl7pPr>
-            <a:lvl8pPr marL="11340791" indent="0">
+            <a:lvl8pPr marL="11339657" indent="0">
               <a:buNone/>
-              <a:defRPr sz="5700" b="1"/>
+              <a:defRPr sz="5669" b="1"/>
             </a:lvl8pPr>
-            <a:lvl9pPr marL="12960904" indent="0">
+            <a:lvl9pPr marL="12959608" indent="0">
               <a:buNone/>
-              <a:defRPr sz="5700" b="1"/>
+              <a:defRPr sz="5669" b="1"/>
             </a:lvl9pPr>
           </a:lstStyle>
           <a:p>
@@ -1433,8 +1443,8 @@
         </p:nvSpPr>
         <p:spPr>
           <a:xfrm>
-            <a:off x="2232003" y="15781973"/>
-            <a:ext cx="13708430" cy="23212904"/>
+            <a:off x="2231675" y="15780233"/>
+            <a:ext cx="13706415" cy="23210346"/>
           </a:xfrm>
         </p:spPr>
         <p:txBody>
@@ -1490,8 +1500,8 @@
         </p:nvSpPr>
         <p:spPr>
           <a:xfrm>
-            <a:off x="16404553" y="10591328"/>
-            <a:ext cx="13775941" cy="5190645"/>
+            <a:off x="16402142" y="10590160"/>
+            <a:ext cx="13773917" cy="5190073"/>
           </a:xfrm>
         </p:spPr>
         <p:txBody>
@@ -1499,39 +1509,39 @@
           <a:lstStyle>
             <a:lvl1pPr marL="0" indent="0">
               <a:buNone/>
-              <a:defRPr sz="8500" b="1"/>
+              <a:defRPr sz="8504" b="1"/>
             </a:lvl1pPr>
-            <a:lvl2pPr marL="1620113" indent="0">
+            <a:lvl2pPr marL="1619951" indent="0">
               <a:buNone/>
-              <a:defRPr sz="7100" b="1"/>
+              <a:defRPr sz="7086" b="1"/>
             </a:lvl2pPr>
-            <a:lvl3pPr marL="3240226" indent="0">
+            <a:lvl3pPr marL="3239902" indent="0">
               <a:buNone/>
-              <a:defRPr sz="6400" b="1"/>
+              <a:defRPr sz="6378" b="1"/>
             </a:lvl3pPr>
-            <a:lvl4pPr marL="4860339" indent="0">
+            <a:lvl4pPr marL="4859853" indent="0">
               <a:buNone/>
-              <a:defRPr sz="5700" b="1"/>
+              <a:defRPr sz="5669" b="1"/>
             </a:lvl4pPr>
-            <a:lvl5pPr marL="6480452" indent="0">
+            <a:lvl5pPr marL="6479804" indent="0">
               <a:buNone/>
-              <a:defRPr sz="5700" b="1"/>
+              <a:defRPr sz="5669" b="1"/>
             </a:lvl5pPr>
-            <a:lvl6pPr marL="8100565" indent="0">
+            <a:lvl6pPr marL="8099755" indent="0">
               <a:buNone/>
-              <a:defRPr sz="5700" b="1"/>
+              <a:defRPr sz="5669" b="1"/>
             </a:lvl6pPr>
-            <a:lvl7pPr marL="9720678" indent="0">
+            <a:lvl7pPr marL="9719706" indent="0">
               <a:buNone/>
-              <a:defRPr sz="5700" b="1"/>
+              <a:defRPr sz="5669" b="1"/>
             </a:lvl7pPr>
-            <a:lvl8pPr marL="11340791" indent="0">
+            <a:lvl8pPr marL="11339657" indent="0">
               <a:buNone/>
-              <a:defRPr sz="5700" b="1"/>
+              <a:defRPr sz="5669" b="1"/>
             </a:lvl8pPr>
-            <a:lvl9pPr marL="12960904" indent="0">
+            <a:lvl9pPr marL="12959608" indent="0">
               <a:buNone/>
-              <a:defRPr sz="5700" b="1"/>
+              <a:defRPr sz="5669" b="1"/>
             </a:lvl9pPr>
           </a:lstStyle>
           <a:p>
@@ -1555,8 +1565,8 @@
         </p:nvSpPr>
         <p:spPr>
           <a:xfrm>
-            <a:off x="16404553" y="15781973"/>
-            <a:ext cx="13775941" cy="23212904"/>
+            <a:off x="16402142" y="15780233"/>
+            <a:ext cx="13773917" cy="23210346"/>
           </a:xfrm>
         </p:spPr>
         <p:txBody>
@@ -1617,7 +1627,7 @@
           <a:p>
             <a:fld id="{FD4B236B-4127-4146-99ED-6A730B7745F6}" type="datetimeFigureOut">
               <a:rPr lang="en-US" smtClean="0"/>
-              <a:t>30-May-19</a:t>
+              <a:t>6/2/2019</a:t>
             </a:fld>
             <a:endParaRPr lang="en-US"/>
           </a:p>
@@ -1625,7 +1635,7 @@
       </p:sp>
       <p:sp>
         <p:nvSpPr>
-          <p:cNvPr id="8" name="Footer Placeholder 7" hidden="1"/>
+          <p:cNvPr id="8" name="Footer Placeholder 7"/>
           <p:cNvSpPr>
             <a:spLocks noGrp="1"/>
           </p:cNvSpPr>
@@ -1668,7 +1678,7 @@
     </p:spTree>
     <p:extLst>
       <p:ext uri="{BB962C8B-B14F-4D97-AF65-F5344CB8AC3E}">
-        <p14:creationId xmlns:p14="http://schemas.microsoft.com/office/powerpoint/2010/main" val="303387935"/>
+        <p14:creationId xmlns:p14="http://schemas.microsoft.com/office/powerpoint/2010/main" val="1002844353"/>
       </p:ext>
     </p:extLst>
   </p:cSld>
@@ -1735,7 +1745,7 @@
           <a:p>
             <a:fld id="{FD4B236B-4127-4146-99ED-6A730B7745F6}" type="datetimeFigureOut">
               <a:rPr lang="en-US" smtClean="0"/>
-              <a:t>30-May-19</a:t>
+              <a:t>6/2/2019</a:t>
             </a:fld>
             <a:endParaRPr lang="en-US"/>
           </a:p>
@@ -1743,7 +1753,7 @@
       </p:sp>
       <p:sp>
         <p:nvSpPr>
-          <p:cNvPr id="4" name="Footer Placeholder 3" hidden="1"/>
+          <p:cNvPr id="4" name="Footer Placeholder 3"/>
           <p:cNvSpPr>
             <a:spLocks noGrp="1"/>
           </p:cNvSpPr>
@@ -1786,7 +1796,7 @@
     </p:spTree>
     <p:extLst>
       <p:ext uri="{BB962C8B-B14F-4D97-AF65-F5344CB8AC3E}">
-        <p14:creationId xmlns:p14="http://schemas.microsoft.com/office/powerpoint/2010/main" val="3733594330"/>
+        <p14:creationId xmlns:p14="http://schemas.microsoft.com/office/powerpoint/2010/main" val="3805613395"/>
       </p:ext>
     </p:extLst>
   </p:cSld>
@@ -1830,7 +1840,7 @@
           <a:p>
             <a:fld id="{FD4B236B-4127-4146-99ED-6A730B7745F6}" type="datetimeFigureOut">
               <a:rPr lang="en-US" smtClean="0"/>
-              <a:t>30-May-19</a:t>
+              <a:t>6/2/2019</a:t>
             </a:fld>
             <a:endParaRPr lang="en-US"/>
           </a:p>
@@ -1838,7 +1848,7 @@
       </p:sp>
       <p:sp>
         <p:nvSpPr>
-          <p:cNvPr id="3" name="Footer Placeholder 2" hidden="1"/>
+          <p:cNvPr id="3" name="Footer Placeholder 2"/>
           <p:cNvSpPr>
             <a:spLocks noGrp="1"/>
           </p:cNvSpPr>
@@ -1881,7 +1891,7 @@
     </p:spTree>
     <p:extLst>
       <p:ext uri="{BB962C8B-B14F-4D97-AF65-F5344CB8AC3E}">
-        <p14:creationId xmlns:p14="http://schemas.microsoft.com/office/powerpoint/2010/main" val="2627030470"/>
+        <p14:creationId xmlns:p14="http://schemas.microsoft.com/office/powerpoint/2010/main" val="973736640"/>
       </p:ext>
     </p:extLst>
   </p:cSld>
@@ -1920,15 +1930,15 @@
         </p:nvSpPr>
         <p:spPr>
           <a:xfrm>
-            <a:off x="2231999" y="2880360"/>
-            <a:ext cx="10451150" cy="10081260"/>
+            <a:off x="2231671" y="2880042"/>
+            <a:ext cx="10449614" cy="10080149"/>
           </a:xfrm>
         </p:spPr>
         <p:txBody>
           <a:bodyPr anchor="b"/>
           <a:lstStyle>
             <a:lvl1pPr>
-              <a:defRPr sz="11300"/>
+              <a:defRPr sz="11338"/>
             </a:lvl1pPr>
           </a:lstStyle>
           <a:p>
@@ -1952,39 +1962,39 @@
         </p:nvSpPr>
         <p:spPr>
           <a:xfrm>
-            <a:off x="13775941" y="6220788"/>
-            <a:ext cx="16404551" cy="30703837"/>
+            <a:off x="13773917" y="6220102"/>
+            <a:ext cx="16402140" cy="30700453"/>
           </a:xfrm>
         </p:spPr>
         <p:txBody>
           <a:bodyPr/>
           <a:lstStyle>
             <a:lvl1pPr>
-              <a:defRPr sz="11300"/>
+              <a:defRPr sz="11338"/>
             </a:lvl1pPr>
             <a:lvl2pPr>
-              <a:defRPr sz="9900"/>
+              <a:defRPr sz="9921"/>
             </a:lvl2pPr>
             <a:lvl3pPr>
-              <a:defRPr sz="8500"/>
+              <a:defRPr sz="8504"/>
             </a:lvl3pPr>
             <a:lvl4pPr>
-              <a:defRPr sz="7100"/>
+              <a:defRPr sz="7086"/>
             </a:lvl4pPr>
             <a:lvl5pPr>
-              <a:defRPr sz="7100"/>
+              <a:defRPr sz="7086"/>
             </a:lvl5pPr>
             <a:lvl6pPr>
-              <a:defRPr sz="7100"/>
+              <a:defRPr sz="7086"/>
             </a:lvl6pPr>
             <a:lvl7pPr>
-              <a:defRPr sz="7100"/>
+              <a:defRPr sz="7086"/>
             </a:lvl7pPr>
             <a:lvl8pPr>
-              <a:defRPr sz="7100"/>
+              <a:defRPr sz="7086"/>
             </a:lvl8pPr>
             <a:lvl9pPr>
-              <a:defRPr sz="7100"/>
+              <a:defRPr sz="7086"/>
             </a:lvl9pPr>
           </a:lstStyle>
           <a:p>
@@ -2037,8 +2047,8 @@
         </p:nvSpPr>
         <p:spPr>
           <a:xfrm>
-            <a:off x="2231999" y="12961619"/>
-            <a:ext cx="10451150" cy="24013005"/>
+            <a:off x="2231671" y="12960191"/>
+            <a:ext cx="10449614" cy="24010358"/>
           </a:xfrm>
         </p:spPr>
         <p:txBody>
@@ -2046,39 +2056,39 @@
           <a:lstStyle>
             <a:lvl1pPr marL="0" indent="0">
               <a:buNone/>
-              <a:defRPr sz="5700"/>
+              <a:defRPr sz="5669"/>
             </a:lvl1pPr>
-            <a:lvl2pPr marL="1620113" indent="0">
+            <a:lvl2pPr marL="1619951" indent="0">
               <a:buNone/>
-              <a:defRPr sz="5000"/>
+              <a:defRPr sz="4960"/>
             </a:lvl2pPr>
-            <a:lvl3pPr marL="3240226" indent="0">
+            <a:lvl3pPr marL="3239902" indent="0">
               <a:buNone/>
-              <a:defRPr sz="4300"/>
+              <a:defRPr sz="4252"/>
             </a:lvl3pPr>
-            <a:lvl4pPr marL="4860339" indent="0">
+            <a:lvl4pPr marL="4859853" indent="0">
               <a:buNone/>
-              <a:defRPr sz="3500"/>
+              <a:defRPr sz="3543"/>
             </a:lvl4pPr>
-            <a:lvl5pPr marL="6480452" indent="0">
+            <a:lvl5pPr marL="6479804" indent="0">
               <a:buNone/>
-              <a:defRPr sz="3500"/>
+              <a:defRPr sz="3543"/>
             </a:lvl5pPr>
-            <a:lvl6pPr marL="8100565" indent="0">
+            <a:lvl6pPr marL="8099755" indent="0">
               <a:buNone/>
-              <a:defRPr sz="3500"/>
+              <a:defRPr sz="3543"/>
             </a:lvl6pPr>
-            <a:lvl7pPr marL="9720678" indent="0">
+            <a:lvl7pPr marL="9719706" indent="0">
               <a:buNone/>
-              <a:defRPr sz="3500"/>
+              <a:defRPr sz="3543"/>
             </a:lvl7pPr>
-            <a:lvl8pPr marL="11340791" indent="0">
+            <a:lvl8pPr marL="11339657" indent="0">
               <a:buNone/>
-              <a:defRPr sz="3500"/>
+              <a:defRPr sz="3543"/>
             </a:lvl8pPr>
-            <a:lvl9pPr marL="12960904" indent="0">
+            <a:lvl9pPr marL="12959608" indent="0">
               <a:buNone/>
-              <a:defRPr sz="3500"/>
+              <a:defRPr sz="3543"/>
             </a:lvl9pPr>
           </a:lstStyle>
           <a:p>
@@ -2107,7 +2117,7 @@
           <a:p>
             <a:fld id="{FD4B236B-4127-4146-99ED-6A730B7745F6}" type="datetimeFigureOut">
               <a:rPr lang="en-US" smtClean="0"/>
-              <a:t>30-May-19</a:t>
+              <a:t>6/2/2019</a:t>
             </a:fld>
             <a:endParaRPr lang="en-US"/>
           </a:p>
@@ -2115,7 +2125,7 @@
       </p:sp>
       <p:sp>
         <p:nvSpPr>
-          <p:cNvPr id="6" name="Footer Placeholder 5" hidden="1"/>
+          <p:cNvPr id="6" name="Footer Placeholder 5"/>
           <p:cNvSpPr>
             <a:spLocks noGrp="1"/>
           </p:cNvSpPr>
@@ -2158,7 +2168,7 @@
     </p:spTree>
     <p:extLst>
       <p:ext uri="{BB962C8B-B14F-4D97-AF65-F5344CB8AC3E}">
-        <p14:creationId xmlns:p14="http://schemas.microsoft.com/office/powerpoint/2010/main" val="2458445359"/>
+        <p14:creationId xmlns:p14="http://schemas.microsoft.com/office/powerpoint/2010/main" val="2040724130"/>
       </p:ext>
     </p:extLst>
   </p:cSld>
@@ -2197,15 +2207,15 @@
         </p:nvSpPr>
         <p:spPr>
           <a:xfrm>
-            <a:off x="2231999" y="2880360"/>
-            <a:ext cx="10451150" cy="10081260"/>
+            <a:off x="2231671" y="2880042"/>
+            <a:ext cx="10449614" cy="10080149"/>
           </a:xfrm>
         </p:spPr>
         <p:txBody>
           <a:bodyPr anchor="b"/>
           <a:lstStyle>
             <a:lvl1pPr>
-              <a:defRPr sz="11300"/>
+              <a:defRPr sz="11338"/>
             </a:lvl1pPr>
           </a:lstStyle>
           <a:p>
@@ -2229,8 +2239,8 @@
         </p:nvSpPr>
         <p:spPr>
           <a:xfrm>
-            <a:off x="13775941" y="6220788"/>
-            <a:ext cx="16404551" cy="30703837"/>
+            <a:off x="13773917" y="6220102"/>
+            <a:ext cx="16402140" cy="30700453"/>
           </a:xfrm>
         </p:spPr>
         <p:txBody>
@@ -2238,39 +2248,39 @@
           <a:lstStyle>
             <a:lvl1pPr marL="0" indent="0">
               <a:buNone/>
-              <a:defRPr sz="11300"/>
+              <a:defRPr sz="11338"/>
             </a:lvl1pPr>
-            <a:lvl2pPr marL="1620113" indent="0">
+            <a:lvl2pPr marL="1619951" indent="0">
               <a:buNone/>
-              <a:defRPr sz="9900"/>
+              <a:defRPr sz="9921"/>
             </a:lvl2pPr>
-            <a:lvl3pPr marL="3240226" indent="0">
+            <a:lvl3pPr marL="3239902" indent="0">
               <a:buNone/>
-              <a:defRPr sz="8500"/>
+              <a:defRPr sz="8504"/>
             </a:lvl3pPr>
-            <a:lvl4pPr marL="4860339" indent="0">
+            <a:lvl4pPr marL="4859853" indent="0">
               <a:buNone/>
-              <a:defRPr sz="7100"/>
+              <a:defRPr sz="7086"/>
             </a:lvl4pPr>
-            <a:lvl5pPr marL="6480452" indent="0">
+            <a:lvl5pPr marL="6479804" indent="0">
               <a:buNone/>
-              <a:defRPr sz="7100"/>
+              <a:defRPr sz="7086"/>
             </a:lvl5pPr>
-            <a:lvl6pPr marL="8100565" indent="0">
+            <a:lvl6pPr marL="8099755" indent="0">
               <a:buNone/>
-              <a:defRPr sz="7100"/>
+              <a:defRPr sz="7086"/>
             </a:lvl6pPr>
-            <a:lvl7pPr marL="9720678" indent="0">
+            <a:lvl7pPr marL="9719706" indent="0">
               <a:buNone/>
-              <a:defRPr sz="7100"/>
+              <a:defRPr sz="7086"/>
             </a:lvl7pPr>
-            <a:lvl8pPr marL="11340791" indent="0">
+            <a:lvl8pPr marL="11339657" indent="0">
               <a:buNone/>
-              <a:defRPr sz="7100"/>
+              <a:defRPr sz="7086"/>
             </a:lvl8pPr>
-            <a:lvl9pPr marL="12960904" indent="0">
+            <a:lvl9pPr marL="12959608" indent="0">
               <a:buNone/>
-              <a:defRPr sz="7100"/>
+              <a:defRPr sz="7086"/>
             </a:lvl9pPr>
           </a:lstStyle>
           <a:p>
@@ -2294,8 +2304,8 @@
         </p:nvSpPr>
         <p:spPr>
           <a:xfrm>
-            <a:off x="2231999" y="12961619"/>
-            <a:ext cx="10451150" cy="24013005"/>
+            <a:off x="2231671" y="12960191"/>
+            <a:ext cx="10449614" cy="24010358"/>
           </a:xfrm>
         </p:spPr>
         <p:txBody>
@@ -2303,39 +2313,39 @@
           <a:lstStyle>
             <a:lvl1pPr marL="0" indent="0">
               <a:buNone/>
-              <a:defRPr sz="5700"/>
+              <a:defRPr sz="5669"/>
             </a:lvl1pPr>
-            <a:lvl2pPr marL="1620113" indent="0">
+            <a:lvl2pPr marL="1619951" indent="0">
               <a:buNone/>
-              <a:defRPr sz="5000"/>
+              <a:defRPr sz="4960"/>
             </a:lvl2pPr>
-            <a:lvl3pPr marL="3240226" indent="0">
+            <a:lvl3pPr marL="3239902" indent="0">
               <a:buNone/>
-              <a:defRPr sz="4300"/>
+              <a:defRPr sz="4252"/>
             </a:lvl3pPr>
-            <a:lvl4pPr marL="4860339" indent="0">
+            <a:lvl4pPr marL="4859853" indent="0">
               <a:buNone/>
-              <a:defRPr sz="3500"/>
+              <a:defRPr sz="3543"/>
             </a:lvl4pPr>
-            <a:lvl5pPr marL="6480452" indent="0">
+            <a:lvl5pPr marL="6479804" indent="0">
               <a:buNone/>
-              <a:defRPr sz="3500"/>
+              <a:defRPr sz="3543"/>
             </a:lvl5pPr>
-            <a:lvl6pPr marL="8100565" indent="0">
+            <a:lvl6pPr marL="8099755" indent="0">
               <a:buNone/>
-              <a:defRPr sz="3500"/>
+              <a:defRPr sz="3543"/>
             </a:lvl6pPr>
-            <a:lvl7pPr marL="9720678" indent="0">
+            <a:lvl7pPr marL="9719706" indent="0">
               <a:buNone/>
-              <a:defRPr sz="3500"/>
+              <a:defRPr sz="3543"/>
             </a:lvl7pPr>
-            <a:lvl8pPr marL="11340791" indent="0">
+            <a:lvl8pPr marL="11339657" indent="0">
               <a:buNone/>
-              <a:defRPr sz="3500"/>
+              <a:defRPr sz="3543"/>
             </a:lvl8pPr>
-            <a:lvl9pPr marL="12960904" indent="0">
+            <a:lvl9pPr marL="12959608" indent="0">
               <a:buNone/>
-              <a:defRPr sz="3500"/>
+              <a:defRPr sz="3543"/>
             </a:lvl9pPr>
           </a:lstStyle>
           <a:p>
@@ -2364,7 +2374,7 @@
           <a:p>
             <a:fld id="{FD4B236B-4127-4146-99ED-6A730B7745F6}" type="datetimeFigureOut">
               <a:rPr lang="en-US" smtClean="0"/>
-              <a:t>30-May-19</a:t>
+              <a:t>6/2/2019</a:t>
             </a:fld>
             <a:endParaRPr lang="en-US"/>
           </a:p>
@@ -2372,7 +2382,7 @@
       </p:sp>
       <p:sp>
         <p:nvSpPr>
-          <p:cNvPr id="6" name="Footer Placeholder 5" hidden="1"/>
+          <p:cNvPr id="6" name="Footer Placeholder 5"/>
           <p:cNvSpPr>
             <a:spLocks noGrp="1"/>
           </p:cNvSpPr>
@@ -2415,7 +2425,7 @@
     </p:spTree>
     <p:extLst>
       <p:ext uri="{BB962C8B-B14F-4D97-AF65-F5344CB8AC3E}">
-        <p14:creationId xmlns:p14="http://schemas.microsoft.com/office/powerpoint/2010/main" val="328666405"/>
+        <p14:creationId xmlns:p14="http://schemas.microsoft.com/office/powerpoint/2010/main" val="3186998766"/>
       </p:ext>
     </p:extLst>
   </p:cSld>
@@ -2459,15 +2469,15 @@
         </p:nvSpPr>
         <p:spPr>
           <a:xfrm>
-            <a:off x="2227779" y="2300298"/>
-            <a:ext cx="27948493" cy="8351046"/>
+            <a:off x="2227451" y="2300044"/>
+            <a:ext cx="27944386" cy="8350126"/>
           </a:xfrm>
           <a:prstGeom prst="rect">
             <a:avLst/>
           </a:prstGeom>
         </p:spPr>
         <p:txBody>
-          <a:bodyPr vert="horz" lIns="91449" tIns="45725" rIns="91449" bIns="45725" rtlCol="0" anchor="ctr">
+          <a:bodyPr vert="horz" lIns="91440" tIns="45720" rIns="91440" bIns="45720" rtlCol="0" anchor="ctr">
             <a:normAutofit/>
           </a:bodyPr>
           <a:lstStyle/>
@@ -2492,15 +2502,15 @@
         </p:nvSpPr>
         <p:spPr>
           <a:xfrm>
-            <a:off x="2227779" y="11501438"/>
-            <a:ext cx="27948493" cy="27413429"/>
+            <a:off x="2227451" y="11500170"/>
+            <a:ext cx="27944386" cy="27410408"/>
           </a:xfrm>
           <a:prstGeom prst="rect">
             <a:avLst/>
           </a:prstGeom>
         </p:spPr>
         <p:txBody>
-          <a:bodyPr vert="horz" lIns="91449" tIns="45725" rIns="91449" bIns="45725" rtlCol="0">
+          <a:bodyPr vert="horz" lIns="91440" tIns="45720" rIns="91440" bIns="45720" rtlCol="0">
             <a:normAutofit/>
           </a:bodyPr>
           <a:lstStyle/>
@@ -2554,18 +2564,18 @@
         </p:nvSpPr>
         <p:spPr>
           <a:xfrm>
-            <a:off x="2227779" y="40045014"/>
-            <a:ext cx="7290911" cy="2300288"/>
+            <a:off x="2227451" y="40040601"/>
+            <a:ext cx="7289840" cy="2300034"/>
           </a:xfrm>
           <a:prstGeom prst="rect">
             <a:avLst/>
           </a:prstGeom>
         </p:spPr>
         <p:txBody>
-          <a:bodyPr vert="horz" lIns="91449" tIns="45725" rIns="91449" bIns="45725" rtlCol="0" anchor="ctr"/>
+          <a:bodyPr vert="horz" lIns="91440" tIns="45720" rIns="91440" bIns="45720" rtlCol="0" anchor="ctr"/>
           <a:lstStyle>
             <a:lvl1pPr algn="l">
-              <a:defRPr sz="4300">
+              <a:defRPr sz="4252">
                 <a:solidFill>
                   <a:schemeClr val="tx1">
                     <a:tint val="75000"/>
@@ -2577,7 +2587,7 @@
           <a:p>
             <a:fld id="{FD4B236B-4127-4146-99ED-6A730B7745F6}" type="datetimeFigureOut">
               <a:rPr lang="en-US" smtClean="0"/>
-              <a:t>30-May-19</a:t>
+              <a:t>6/2/2019</a:t>
             </a:fld>
             <a:endParaRPr lang="en-US"/>
           </a:p>
@@ -2585,7 +2595,7 @@
       </p:sp>
       <p:sp>
         <p:nvSpPr>
-          <p:cNvPr id="5" name="Footer Placeholder 4" hidden="1"/>
+          <p:cNvPr id="5" name="Footer Placeholder 4"/>
           <p:cNvSpPr>
             <a:spLocks noGrp="1"/>
           </p:cNvSpPr>
@@ -2595,18 +2605,18 @@
         </p:nvSpPr>
         <p:spPr>
           <a:xfrm>
-            <a:off x="10733842" y="40045014"/>
-            <a:ext cx="10936367" cy="2300288"/>
+            <a:off x="10732264" y="40040601"/>
+            <a:ext cx="10934760" cy="2300034"/>
           </a:xfrm>
           <a:prstGeom prst="rect">
             <a:avLst/>
           </a:prstGeom>
         </p:spPr>
         <p:txBody>
-          <a:bodyPr vert="horz" lIns="91449" tIns="45725" rIns="91449" bIns="45725" rtlCol="0" anchor="ctr"/>
+          <a:bodyPr vert="horz" lIns="91440" tIns="45720" rIns="91440" bIns="45720" rtlCol="0" anchor="ctr"/>
           <a:lstStyle>
             <a:lvl1pPr algn="ctr">
-              <a:defRPr sz="4300">
+              <a:defRPr sz="4252">
                 <a:solidFill>
                   <a:schemeClr val="tx1">
                     <a:tint val="75000"/>
@@ -2632,18 +2642,18 @@
         </p:nvSpPr>
         <p:spPr>
           <a:xfrm>
-            <a:off x="22885360" y="40045014"/>
-            <a:ext cx="7290911" cy="2300288"/>
+            <a:off x="22881997" y="40040601"/>
+            <a:ext cx="7289840" cy="2300034"/>
           </a:xfrm>
           <a:prstGeom prst="rect">
             <a:avLst/>
           </a:prstGeom>
         </p:spPr>
         <p:txBody>
-          <a:bodyPr vert="horz" lIns="91449" tIns="45725" rIns="91449" bIns="45725" rtlCol="0" anchor="ctr"/>
+          <a:bodyPr vert="horz" lIns="91440" tIns="45720" rIns="91440" bIns="45720" rtlCol="0" anchor="ctr"/>
           <a:lstStyle>
             <a:lvl1pPr algn="r">
-              <a:defRPr sz="4300">
+              <a:defRPr sz="4252">
                 <a:solidFill>
                   <a:schemeClr val="tx1">
                     <a:tint val="75000"/>
@@ -2664,27 +2674,27 @@
     </p:spTree>
     <p:extLst>
       <p:ext uri="{BB962C8B-B14F-4D97-AF65-F5344CB8AC3E}">
-        <p14:creationId xmlns:p14="http://schemas.microsoft.com/office/powerpoint/2010/main" val="832580591"/>
+        <p14:creationId xmlns:p14="http://schemas.microsoft.com/office/powerpoint/2010/main" val="867111874"/>
       </p:ext>
     </p:extLst>
   </p:cSld>
   <p:clrMap bg1="lt1" tx1="dk1" bg2="lt2" tx2="dk2" accent1="accent1" accent2="accent2" accent3="accent3" accent4="accent4" accent5="accent5" accent6="accent6" hlink="hlink" folHlink="folHlink"/>
   <p:sldLayoutIdLst>
-    <p:sldLayoutId id="2147483661" r:id="rId1"/>
-    <p:sldLayoutId id="2147483662" r:id="rId2"/>
-    <p:sldLayoutId id="2147483663" r:id="rId3"/>
-    <p:sldLayoutId id="2147483664" r:id="rId4"/>
-    <p:sldLayoutId id="2147483665" r:id="rId5"/>
-    <p:sldLayoutId id="2147483666" r:id="rId6"/>
-    <p:sldLayoutId id="2147483667" r:id="rId7"/>
-    <p:sldLayoutId id="2147483668" r:id="rId8"/>
-    <p:sldLayoutId id="2147483669" r:id="rId9"/>
-    <p:sldLayoutId id="2147483670" r:id="rId10"/>
-    <p:sldLayoutId id="2147483671" r:id="rId11"/>
+    <p:sldLayoutId id="2147483673" r:id="rId1"/>
+    <p:sldLayoutId id="2147483674" r:id="rId2"/>
+    <p:sldLayoutId id="2147483675" r:id="rId3"/>
+    <p:sldLayoutId id="2147483676" r:id="rId4"/>
+    <p:sldLayoutId id="2147483677" r:id="rId5"/>
+    <p:sldLayoutId id="2147483678" r:id="rId6"/>
+    <p:sldLayoutId id="2147483679" r:id="rId7"/>
+    <p:sldLayoutId id="2147483680" r:id="rId8"/>
+    <p:sldLayoutId id="2147483681" r:id="rId9"/>
+    <p:sldLayoutId id="2147483682" r:id="rId10"/>
+    <p:sldLayoutId id="2147483683" r:id="rId11"/>
   </p:sldLayoutIdLst>
   <p:txStyles>
     <p:titleStyle>
-      <a:lvl1pPr algn="l" defTabSz="3240226" rtl="0" eaLnBrk="1" latinLnBrk="0" hangingPunct="1">
+      <a:lvl1pPr algn="l" defTabSz="3239902" rtl="0" eaLnBrk="1" latinLnBrk="0" hangingPunct="1">
         <a:lnSpc>
           <a:spcPct val="90000"/>
         </a:lnSpc>
@@ -2692,7 +2702,7 @@
           <a:spcPct val="0"/>
         </a:spcBef>
         <a:buNone/>
-        <a:defRPr sz="15600" kern="1200">
+        <a:defRPr sz="15590" kern="1200">
           <a:solidFill>
             <a:schemeClr val="tx1"/>
           </a:solidFill>
@@ -2703,7 +2713,7 @@
       </a:lvl1pPr>
     </p:titleStyle>
     <p:bodyStyle>
-      <a:lvl1pPr marL="810057" indent="-810057" algn="l" defTabSz="3240226" rtl="0" eaLnBrk="1" latinLnBrk="0" hangingPunct="1">
+      <a:lvl1pPr marL="809976" indent="-809976" algn="l" defTabSz="3239902" rtl="0" eaLnBrk="1" latinLnBrk="0" hangingPunct="1">
         <a:lnSpc>
           <a:spcPct val="90000"/>
         </a:lnSpc>
@@ -2712,7 +2722,7 @@
         </a:spcBef>
         <a:buFont typeface="Arial" panose="020B0604020202020204" pitchFamily="34" charset="0"/>
         <a:buChar char="•"/>
-        <a:defRPr sz="9900" kern="1200">
+        <a:defRPr sz="9921" kern="1200">
           <a:solidFill>
             <a:schemeClr val="tx1"/>
           </a:solidFill>
@@ -2721,7 +2731,7 @@
           <a:cs typeface="+mn-cs"/>
         </a:defRPr>
       </a:lvl1pPr>
-      <a:lvl2pPr marL="2430170" indent="-810057" algn="l" defTabSz="3240226" rtl="0" eaLnBrk="1" latinLnBrk="0" hangingPunct="1">
+      <a:lvl2pPr marL="2429927" indent="-809976" algn="l" defTabSz="3239902" rtl="0" eaLnBrk="1" latinLnBrk="0" hangingPunct="1">
         <a:lnSpc>
           <a:spcPct val="90000"/>
         </a:lnSpc>
@@ -2730,7 +2740,7 @@
         </a:spcBef>
         <a:buFont typeface="Arial" panose="020B0604020202020204" pitchFamily="34" charset="0"/>
         <a:buChar char="•"/>
-        <a:defRPr sz="8500" kern="1200">
+        <a:defRPr sz="8504" kern="1200">
           <a:solidFill>
             <a:schemeClr val="tx1"/>
           </a:solidFill>
@@ -2739,7 +2749,7 @@
           <a:cs typeface="+mn-cs"/>
         </a:defRPr>
       </a:lvl2pPr>
-      <a:lvl3pPr marL="4050283" indent="-810057" algn="l" defTabSz="3240226" rtl="0" eaLnBrk="1" latinLnBrk="0" hangingPunct="1">
+      <a:lvl3pPr marL="4049878" indent="-809976" algn="l" defTabSz="3239902" rtl="0" eaLnBrk="1" latinLnBrk="0" hangingPunct="1">
         <a:lnSpc>
           <a:spcPct val="90000"/>
         </a:lnSpc>
@@ -2748,7 +2758,7 @@
         </a:spcBef>
         <a:buFont typeface="Arial" panose="020B0604020202020204" pitchFamily="34" charset="0"/>
         <a:buChar char="•"/>
-        <a:defRPr sz="7100" kern="1200">
+        <a:defRPr sz="7086" kern="1200">
           <a:solidFill>
             <a:schemeClr val="tx1"/>
           </a:solidFill>
@@ -2757,7 +2767,7 @@
           <a:cs typeface="+mn-cs"/>
         </a:defRPr>
       </a:lvl3pPr>
-      <a:lvl4pPr marL="5670396" indent="-810057" algn="l" defTabSz="3240226" rtl="0" eaLnBrk="1" latinLnBrk="0" hangingPunct="1">
+      <a:lvl4pPr marL="5669829" indent="-809976" algn="l" defTabSz="3239902" rtl="0" eaLnBrk="1" latinLnBrk="0" hangingPunct="1">
         <a:lnSpc>
           <a:spcPct val="90000"/>
         </a:lnSpc>
@@ -2766,7 +2776,7 @@
         </a:spcBef>
         <a:buFont typeface="Arial" panose="020B0604020202020204" pitchFamily="34" charset="0"/>
         <a:buChar char="•"/>
-        <a:defRPr sz="6400" kern="1200">
+        <a:defRPr sz="6378" kern="1200">
           <a:solidFill>
             <a:schemeClr val="tx1"/>
           </a:solidFill>
@@ -2775,7 +2785,7 @@
           <a:cs typeface="+mn-cs"/>
         </a:defRPr>
       </a:lvl4pPr>
-      <a:lvl5pPr marL="7290509" indent="-810057" algn="l" defTabSz="3240226" rtl="0" eaLnBrk="1" latinLnBrk="0" hangingPunct="1">
+      <a:lvl5pPr marL="7289780" indent="-809976" algn="l" defTabSz="3239902" rtl="0" eaLnBrk="1" latinLnBrk="0" hangingPunct="1">
         <a:lnSpc>
           <a:spcPct val="90000"/>
         </a:lnSpc>
@@ -2784,7 +2794,7 @@
         </a:spcBef>
         <a:buFont typeface="Arial" panose="020B0604020202020204" pitchFamily="34" charset="0"/>
         <a:buChar char="•"/>
-        <a:defRPr sz="6400" kern="1200">
+        <a:defRPr sz="6378" kern="1200">
           <a:solidFill>
             <a:schemeClr val="tx1"/>
           </a:solidFill>
@@ -2793,7 +2803,7 @@
           <a:cs typeface="+mn-cs"/>
         </a:defRPr>
       </a:lvl5pPr>
-      <a:lvl6pPr marL="8910622" indent="-810057" algn="l" defTabSz="3240226" rtl="0" eaLnBrk="1" latinLnBrk="0" hangingPunct="1">
+      <a:lvl6pPr marL="8909731" indent="-809976" algn="l" defTabSz="3239902" rtl="0" eaLnBrk="1" latinLnBrk="0" hangingPunct="1">
         <a:lnSpc>
           <a:spcPct val="90000"/>
         </a:lnSpc>
@@ -2802,7 +2812,7 @@
         </a:spcBef>
         <a:buFont typeface="Arial" panose="020B0604020202020204" pitchFamily="34" charset="0"/>
         <a:buChar char="•"/>
-        <a:defRPr sz="6400" kern="1200">
+        <a:defRPr sz="6378" kern="1200">
           <a:solidFill>
             <a:schemeClr val="tx1"/>
           </a:solidFill>
@@ -2811,7 +2821,7 @@
           <a:cs typeface="+mn-cs"/>
         </a:defRPr>
       </a:lvl6pPr>
-      <a:lvl7pPr marL="10530735" indent="-810057" algn="l" defTabSz="3240226" rtl="0" eaLnBrk="1" latinLnBrk="0" hangingPunct="1">
+      <a:lvl7pPr marL="10529682" indent="-809976" algn="l" defTabSz="3239902" rtl="0" eaLnBrk="1" latinLnBrk="0" hangingPunct="1">
         <a:lnSpc>
           <a:spcPct val="90000"/>
         </a:lnSpc>
@@ -2820,7 +2830,7 @@
         </a:spcBef>
         <a:buFont typeface="Arial" panose="020B0604020202020204" pitchFamily="34" charset="0"/>
         <a:buChar char="•"/>
-        <a:defRPr sz="6400" kern="1200">
+        <a:defRPr sz="6378" kern="1200">
           <a:solidFill>
             <a:schemeClr val="tx1"/>
           </a:solidFill>
@@ -2829,7 +2839,7 @@
           <a:cs typeface="+mn-cs"/>
         </a:defRPr>
       </a:lvl7pPr>
-      <a:lvl8pPr marL="12150848" indent="-810057" algn="l" defTabSz="3240226" rtl="0" eaLnBrk="1" latinLnBrk="0" hangingPunct="1">
+      <a:lvl8pPr marL="12149633" indent="-809976" algn="l" defTabSz="3239902" rtl="0" eaLnBrk="1" latinLnBrk="0" hangingPunct="1">
         <a:lnSpc>
           <a:spcPct val="90000"/>
         </a:lnSpc>
@@ -2838,7 +2848,7 @@
         </a:spcBef>
         <a:buFont typeface="Arial" panose="020B0604020202020204" pitchFamily="34" charset="0"/>
         <a:buChar char="•"/>
-        <a:defRPr sz="6400" kern="1200">
+        <a:defRPr sz="6378" kern="1200">
           <a:solidFill>
             <a:schemeClr val="tx1"/>
           </a:solidFill>
@@ -2847,7 +2857,7 @@
           <a:cs typeface="+mn-cs"/>
         </a:defRPr>
       </a:lvl8pPr>
-      <a:lvl9pPr marL="13770961" indent="-810057" algn="l" defTabSz="3240226" rtl="0" eaLnBrk="1" latinLnBrk="0" hangingPunct="1">
+      <a:lvl9pPr marL="13769584" indent="-809976" algn="l" defTabSz="3239902" rtl="0" eaLnBrk="1" latinLnBrk="0" hangingPunct="1">
         <a:lnSpc>
           <a:spcPct val="90000"/>
         </a:lnSpc>
@@ -2856,7 +2866,7 @@
         </a:spcBef>
         <a:buFont typeface="Arial" panose="020B0604020202020204" pitchFamily="34" charset="0"/>
         <a:buChar char="•"/>
-        <a:defRPr sz="6400" kern="1200">
+        <a:defRPr sz="6378" kern="1200">
           <a:solidFill>
             <a:schemeClr val="tx1"/>
           </a:solidFill>
@@ -2870,8 +2880,8 @@
       <a:defPPr>
         <a:defRPr lang="en-US"/>
       </a:defPPr>
-      <a:lvl1pPr marL="0" algn="l" defTabSz="3240226" rtl="0" eaLnBrk="1" latinLnBrk="0" hangingPunct="1">
-        <a:defRPr sz="6400" kern="1200">
+      <a:lvl1pPr marL="0" algn="l" defTabSz="3239902" rtl="0" eaLnBrk="1" latinLnBrk="0" hangingPunct="1">
+        <a:defRPr sz="6378" kern="1200">
           <a:solidFill>
             <a:schemeClr val="tx1"/>
           </a:solidFill>
@@ -2880,8 +2890,8 @@
           <a:cs typeface="+mn-cs"/>
         </a:defRPr>
       </a:lvl1pPr>
-      <a:lvl2pPr marL="1620113" algn="l" defTabSz="3240226" rtl="0" eaLnBrk="1" latinLnBrk="0" hangingPunct="1">
-        <a:defRPr sz="6400" kern="1200">
+      <a:lvl2pPr marL="1619951" algn="l" defTabSz="3239902" rtl="0" eaLnBrk="1" latinLnBrk="0" hangingPunct="1">
+        <a:defRPr sz="6378" kern="1200">
           <a:solidFill>
             <a:schemeClr val="tx1"/>
           </a:solidFill>
@@ -2890,8 +2900,8 @@
           <a:cs typeface="+mn-cs"/>
         </a:defRPr>
       </a:lvl2pPr>
-      <a:lvl3pPr marL="3240226" algn="l" defTabSz="3240226" rtl="0" eaLnBrk="1" latinLnBrk="0" hangingPunct="1">
-        <a:defRPr sz="6400" kern="1200">
+      <a:lvl3pPr marL="3239902" algn="l" defTabSz="3239902" rtl="0" eaLnBrk="1" latinLnBrk="0" hangingPunct="1">
+        <a:defRPr sz="6378" kern="1200">
           <a:solidFill>
             <a:schemeClr val="tx1"/>
           </a:solidFill>
@@ -2900,8 +2910,8 @@
           <a:cs typeface="+mn-cs"/>
         </a:defRPr>
       </a:lvl3pPr>
-      <a:lvl4pPr marL="4860339" algn="l" defTabSz="3240226" rtl="0" eaLnBrk="1" latinLnBrk="0" hangingPunct="1">
-        <a:defRPr sz="6400" kern="1200">
+      <a:lvl4pPr marL="4859853" algn="l" defTabSz="3239902" rtl="0" eaLnBrk="1" latinLnBrk="0" hangingPunct="1">
+        <a:defRPr sz="6378" kern="1200">
           <a:solidFill>
             <a:schemeClr val="tx1"/>
           </a:solidFill>
@@ -2910,8 +2920,8 @@
           <a:cs typeface="+mn-cs"/>
         </a:defRPr>
       </a:lvl4pPr>
-      <a:lvl5pPr marL="6480452" algn="l" defTabSz="3240226" rtl="0" eaLnBrk="1" latinLnBrk="0" hangingPunct="1">
-        <a:defRPr sz="6400" kern="1200">
+      <a:lvl5pPr marL="6479804" algn="l" defTabSz="3239902" rtl="0" eaLnBrk="1" latinLnBrk="0" hangingPunct="1">
+        <a:defRPr sz="6378" kern="1200">
           <a:solidFill>
             <a:schemeClr val="tx1"/>
           </a:solidFill>
@@ -2920,8 +2930,8 @@
           <a:cs typeface="+mn-cs"/>
         </a:defRPr>
       </a:lvl5pPr>
-      <a:lvl6pPr marL="8100565" algn="l" defTabSz="3240226" rtl="0" eaLnBrk="1" latinLnBrk="0" hangingPunct="1">
-        <a:defRPr sz="6400" kern="1200">
+      <a:lvl6pPr marL="8099755" algn="l" defTabSz="3239902" rtl="0" eaLnBrk="1" latinLnBrk="0" hangingPunct="1">
+        <a:defRPr sz="6378" kern="1200">
           <a:solidFill>
             <a:schemeClr val="tx1"/>
           </a:solidFill>
@@ -2930,8 +2940,8 @@
           <a:cs typeface="+mn-cs"/>
         </a:defRPr>
       </a:lvl6pPr>
-      <a:lvl7pPr marL="9720678" algn="l" defTabSz="3240226" rtl="0" eaLnBrk="1" latinLnBrk="0" hangingPunct="1">
-        <a:defRPr sz="6400" kern="1200">
+      <a:lvl7pPr marL="9719706" algn="l" defTabSz="3239902" rtl="0" eaLnBrk="1" latinLnBrk="0" hangingPunct="1">
+        <a:defRPr sz="6378" kern="1200">
           <a:solidFill>
             <a:schemeClr val="tx1"/>
           </a:solidFill>
@@ -2940,8 +2950,8 @@
           <a:cs typeface="+mn-cs"/>
         </a:defRPr>
       </a:lvl7pPr>
-      <a:lvl8pPr marL="11340791" algn="l" defTabSz="3240226" rtl="0" eaLnBrk="1" latinLnBrk="0" hangingPunct="1">
-        <a:defRPr sz="6400" kern="1200">
+      <a:lvl8pPr marL="11339657" algn="l" defTabSz="3239902" rtl="0" eaLnBrk="1" latinLnBrk="0" hangingPunct="1">
+        <a:defRPr sz="6378" kern="1200">
           <a:solidFill>
             <a:schemeClr val="tx1"/>
           </a:solidFill>
@@ -2950,8 +2960,8 @@
           <a:cs typeface="+mn-cs"/>
         </a:defRPr>
       </a:lvl8pPr>
-      <a:lvl9pPr marL="12960904" algn="l" defTabSz="3240226" rtl="0" eaLnBrk="1" latinLnBrk="0" hangingPunct="1">
-        <a:defRPr sz="6400" kern="1200">
+      <a:lvl9pPr marL="12959608" algn="l" defTabSz="3239902" rtl="0" eaLnBrk="1" latinLnBrk="0" hangingPunct="1">
+        <a:defRPr sz="6378" kern="1200">
           <a:solidFill>
             <a:schemeClr val="tx1"/>
           </a:solidFill>
@@ -2984,16 +2994,8 @@
       </p:grpSpPr>
       <p:pic>
         <p:nvPicPr>
-          <p:cNvPr id="4" name="biu frame">
-            <a:extLst>
-              <a:ext uri="{FF2B5EF4-FFF2-40B4-BE49-F238E27FC236}">
-                <a16:creationId xmlns:a16="http://schemas.microsoft.com/office/drawing/2014/main" xmlns="" id="{DBB6CD8F-ED58-4F76-A838-487C812DCD46}"/>
-              </a:ext>
-            </a:extLst>
-          </p:cNvPr>
-          <p:cNvPicPr>
-            <a:picLocks noChangeAspect="1"/>
-          </p:cNvPicPr>
+          <p:cNvPr id="105" name="תמונה 1"/>
+          <p:cNvPicPr/>
           <p:nvPr/>
         </p:nvPicPr>
         <p:blipFill>
@@ -3008,22 +3010,30 @@
             <a:fillRect/>
           </a:stretch>
         </p:blipFill>
-        <p:spPr>
+        <p:spPr bwMode="auto">
           <a:xfrm>
-            <a:off x="-23098" y="638"/>
-            <a:ext cx="32427147" cy="43204762"/>
+            <a:off x="0" y="0"/>
+            <a:ext cx="32400000" cy="43200000"/>
           </a:xfrm>
           <a:prstGeom prst="rect">
             <a:avLst/>
           </a:prstGeom>
+          <a:ln>
+            <a:noFill/>
+          </a:ln>
+          <a:extLst>
+            <a:ext uri="{53640926-AAD7-44D8-BBD7-CCE9431645EC}">
+              <a14:shadowObscured xmlns:a14="http://schemas.microsoft.com/office/drawing/2010/main"/>
+            </a:ext>
+          </a:extLst>
         </p:spPr>
       </p:pic>
       <p:sp>
         <p:nvSpPr>
-          <p:cNvPr id="10" name="TextBox 9">
+          <p:cNvPr id="5" name="TextBox 4">
             <a:extLst>
               <a:ext uri="{FF2B5EF4-FFF2-40B4-BE49-F238E27FC236}">
-                <a16:creationId xmlns:a16="http://schemas.microsoft.com/office/drawing/2014/main" xmlns="" id="{21C35AA9-4CC2-4426-A6E4-1B8D70582002}"/>
+                <a16:creationId xmlns:a16="http://schemas.microsoft.com/office/drawing/2014/main" id="{21C35AA9-4CC2-4426-A6E4-1B8D70582002}"/>
               </a:ext>
             </a:extLst>
           </p:cNvPr>
@@ -3032,7 +3042,7 @@
         </p:nvSpPr>
         <p:spPr>
           <a:xfrm>
-            <a:off x="19996573" y="29842389"/>
+            <a:off x="19994193" y="29840008"/>
             <a:ext cx="9721429" cy="554008"/>
           </a:xfrm>
           <a:prstGeom prst="rect">
@@ -3072,10 +3082,10 @@
       </p:sp>
       <p:grpSp>
         <p:nvGrpSpPr>
-          <p:cNvPr id="16" name="Group 15">
+          <p:cNvPr id="6" name="Group 5">
             <a:extLst>
               <a:ext uri="{FF2B5EF4-FFF2-40B4-BE49-F238E27FC236}">
-                <a16:creationId xmlns:a16="http://schemas.microsoft.com/office/drawing/2014/main" xmlns="" id="{BCEB0613-7A4B-4017-B08D-16B2F3CF6257}"/>
+                <a16:creationId xmlns:a16="http://schemas.microsoft.com/office/drawing/2014/main" id="{BCEB0613-7A4B-4017-B08D-16B2F3CF6257}"/>
               </a:ext>
             </a:extLst>
           </p:cNvPr>
@@ -3086,7 +3096,7 @@
         </p:nvGrpSpPr>
         <p:grpSpPr>
           <a:xfrm>
-            <a:off x="720106" y="21640831"/>
+            <a:off x="717726" y="21638450"/>
             <a:ext cx="13682011" cy="3284066"/>
             <a:chOff x="0" y="1"/>
             <a:chExt cx="2936623" cy="926166"/>
@@ -3094,10 +3104,10 @@
         </p:grpSpPr>
         <p:sp>
           <p:nvSpPr>
-            <p:cNvPr id="17" name="תיבת טקסט 18">
+            <p:cNvPr id="7" name="תיבת טקסט 18">
               <a:extLst>
                 <a:ext uri="{FF2B5EF4-FFF2-40B4-BE49-F238E27FC236}">
-                  <a16:creationId xmlns:a16="http://schemas.microsoft.com/office/drawing/2014/main" xmlns="" id="{16681B08-B5BB-4072-8771-E8321F8CFC99}"/>
+                  <a16:creationId xmlns:a16="http://schemas.microsoft.com/office/drawing/2014/main" id="{16681B08-B5BB-4072-8771-E8321F8CFC99}"/>
                 </a:ext>
               </a:extLst>
             </p:cNvPr>
@@ -3187,10 +3197,10 @@
         </p:sp>
         <p:sp>
           <p:nvSpPr>
-            <p:cNvPr id="18" name="Text Box 24">
+            <p:cNvPr id="8" name="Text Box 24">
               <a:extLst>
                 <a:ext uri="{FF2B5EF4-FFF2-40B4-BE49-F238E27FC236}">
-                  <a16:creationId xmlns:a16="http://schemas.microsoft.com/office/drawing/2014/main" xmlns="" id="{381F52DF-4A25-4DD5-9D0F-C809759D92B7}"/>
+                  <a16:creationId xmlns:a16="http://schemas.microsoft.com/office/drawing/2014/main" id="{381F52DF-4A25-4DD5-9D0F-C809759D92B7}"/>
                 </a:ext>
               </a:extLst>
             </p:cNvPr>
@@ -3247,10 +3257,10 @@
       </p:grpSp>
       <p:grpSp>
         <p:nvGrpSpPr>
-          <p:cNvPr id="19" name="Group 18">
+          <p:cNvPr id="9" name="Group 8">
             <a:extLst>
               <a:ext uri="{FF2B5EF4-FFF2-40B4-BE49-F238E27FC236}">
-                <a16:creationId xmlns:a16="http://schemas.microsoft.com/office/drawing/2014/main" xmlns="" id="{213AB796-6D44-478C-94D2-A45B981805E4}"/>
+                <a16:creationId xmlns:a16="http://schemas.microsoft.com/office/drawing/2014/main" id="{213AB796-6D44-478C-94D2-A45B981805E4}"/>
               </a:ext>
             </a:extLst>
           </p:cNvPr>
@@ -3259,7 +3269,7 @@
         </p:nvGrpSpPr>
         <p:grpSpPr>
           <a:xfrm>
-            <a:off x="18002645" y="9313983"/>
+            <a:off x="18000265" y="9311602"/>
             <a:ext cx="13682011" cy="3622580"/>
             <a:chOff x="0" y="1"/>
             <a:chExt cx="2936623" cy="1021633"/>
@@ -3267,10 +3277,10 @@
         </p:grpSpPr>
         <p:sp>
           <p:nvSpPr>
-            <p:cNvPr id="20" name="תיבת טקסט 18">
+            <p:cNvPr id="10" name="תיבת טקסט 18">
               <a:extLst>
                 <a:ext uri="{FF2B5EF4-FFF2-40B4-BE49-F238E27FC236}">
-                  <a16:creationId xmlns:a16="http://schemas.microsoft.com/office/drawing/2014/main" xmlns="" id="{5829F93E-C6BE-4714-B2D5-973472A44C1D}"/>
+                  <a16:creationId xmlns:a16="http://schemas.microsoft.com/office/drawing/2014/main" id="{5829F93E-C6BE-4714-B2D5-973472A44C1D}"/>
                 </a:ext>
               </a:extLst>
             </p:cNvPr>
@@ -3345,10 +3355,10 @@
         </p:sp>
         <p:sp>
           <p:nvSpPr>
-            <p:cNvPr id="21" name="Text Box 24">
+            <p:cNvPr id="11" name="Text Box 24">
               <a:extLst>
                 <a:ext uri="{FF2B5EF4-FFF2-40B4-BE49-F238E27FC236}">
-                  <a16:creationId xmlns:a16="http://schemas.microsoft.com/office/drawing/2014/main" xmlns="" id="{61B4D10A-7422-45CD-A48E-E673CACB8BE8}"/>
+                  <a16:creationId xmlns:a16="http://schemas.microsoft.com/office/drawing/2014/main" id="{61B4D10A-7422-45CD-A48E-E673CACB8BE8}"/>
                 </a:ext>
               </a:extLst>
             </p:cNvPr>
@@ -3405,10 +3415,10 @@
       </p:grpSp>
       <p:grpSp>
         <p:nvGrpSpPr>
-          <p:cNvPr id="22" name="Group 21">
+          <p:cNvPr id="12" name="Group 11">
             <a:extLst>
               <a:ext uri="{FF2B5EF4-FFF2-40B4-BE49-F238E27FC236}">
-                <a16:creationId xmlns:a16="http://schemas.microsoft.com/office/drawing/2014/main" xmlns="" id="{EEA89EBD-FDDE-48A6-8855-66923377C367}"/>
+                <a16:creationId xmlns:a16="http://schemas.microsoft.com/office/drawing/2014/main" id="{EEA89EBD-FDDE-48A6-8855-66923377C367}"/>
               </a:ext>
             </a:extLst>
           </p:cNvPr>
@@ -3417,7 +3427,7 @@
         </p:nvGrpSpPr>
         <p:grpSpPr>
           <a:xfrm>
-            <a:off x="720106" y="30341626"/>
+            <a:off x="717726" y="30339246"/>
             <a:ext cx="13682011" cy="1921565"/>
             <a:chOff x="0" y="1"/>
             <a:chExt cx="2936623" cy="541916"/>
@@ -3425,10 +3435,10 @@
         </p:grpSpPr>
         <p:sp>
           <p:nvSpPr>
-            <p:cNvPr id="23" name="תיבת טקסט 18">
+            <p:cNvPr id="13" name="תיבת טקסט 18">
               <a:extLst>
                 <a:ext uri="{FF2B5EF4-FFF2-40B4-BE49-F238E27FC236}">
-                  <a16:creationId xmlns:a16="http://schemas.microsoft.com/office/drawing/2014/main" xmlns="" id="{EFAD3A93-6265-4D90-B121-E7210ACAD82E}"/>
+                  <a16:creationId xmlns:a16="http://schemas.microsoft.com/office/drawing/2014/main" id="{EFAD3A93-6265-4D90-B121-E7210ACAD82E}"/>
                 </a:ext>
               </a:extLst>
             </p:cNvPr>
@@ -3468,10 +3478,10 @@
         </p:sp>
         <p:sp>
           <p:nvSpPr>
-            <p:cNvPr id="24" name="Text Box 24">
+            <p:cNvPr id="14" name="Text Box 24">
               <a:extLst>
                 <a:ext uri="{FF2B5EF4-FFF2-40B4-BE49-F238E27FC236}">
-                  <a16:creationId xmlns:a16="http://schemas.microsoft.com/office/drawing/2014/main" xmlns="" id="{2D0005CC-35A2-4D6D-ABF5-9D776BB2B284}"/>
+                  <a16:creationId xmlns:a16="http://schemas.microsoft.com/office/drawing/2014/main" id="{2D0005CC-35A2-4D6D-ABF5-9D776BB2B284}"/>
                 </a:ext>
               </a:extLst>
             </p:cNvPr>
@@ -3528,10 +3538,10 @@
       </p:grpSp>
       <p:grpSp>
         <p:nvGrpSpPr>
-          <p:cNvPr id="25" name="Group 24">
+          <p:cNvPr id="15" name="Group 14">
             <a:extLst>
               <a:ext uri="{FF2B5EF4-FFF2-40B4-BE49-F238E27FC236}">
-                <a16:creationId xmlns:a16="http://schemas.microsoft.com/office/drawing/2014/main" xmlns="" id="{86DF5ED0-1140-4DE6-9986-617C295E9972}"/>
+                <a16:creationId xmlns:a16="http://schemas.microsoft.com/office/drawing/2014/main" id="{86DF5ED0-1140-4DE6-9986-617C295E9972}"/>
               </a:ext>
             </a:extLst>
           </p:cNvPr>
@@ -3540,7 +3550,7 @@
         </p:nvGrpSpPr>
         <p:grpSpPr>
           <a:xfrm>
-            <a:off x="10781912" y="6278692"/>
+            <a:off x="10779532" y="6276311"/>
             <a:ext cx="10801587" cy="2155440"/>
             <a:chOff x="0" y="1"/>
             <a:chExt cx="2936623" cy="607873"/>
@@ -3548,10 +3558,10 @@
         </p:grpSpPr>
         <p:sp>
           <p:nvSpPr>
-            <p:cNvPr id="26" name="תיבת טקסט 18">
+            <p:cNvPr id="16" name="תיבת טקסט 18">
               <a:extLst>
                 <a:ext uri="{FF2B5EF4-FFF2-40B4-BE49-F238E27FC236}">
-                  <a16:creationId xmlns:a16="http://schemas.microsoft.com/office/drawing/2014/main" xmlns="" id="{7231FC04-FE29-41A3-A56A-F24A16325C5E}"/>
+                  <a16:creationId xmlns:a16="http://schemas.microsoft.com/office/drawing/2014/main" id="{7231FC04-FE29-41A3-A56A-F24A16325C5E}"/>
                 </a:ext>
               </a:extLst>
             </p:cNvPr>
@@ -3592,10 +3602,10 @@
         </p:sp>
         <p:sp>
           <p:nvSpPr>
-            <p:cNvPr id="27" name="Text Box 24">
+            <p:cNvPr id="17" name="Text Box 24">
               <a:extLst>
                 <a:ext uri="{FF2B5EF4-FFF2-40B4-BE49-F238E27FC236}">
-                  <a16:creationId xmlns:a16="http://schemas.microsoft.com/office/drawing/2014/main" xmlns="" id="{BBDFD652-0BF1-49B2-8BA9-681958173701}"/>
+                  <a16:creationId xmlns:a16="http://schemas.microsoft.com/office/drawing/2014/main" id="{BBDFD652-0BF1-49B2-8BA9-681958173701}"/>
                 </a:ext>
               </a:extLst>
             </p:cNvPr>
@@ -3650,10 +3660,10 @@
       </p:grpSp>
       <p:grpSp>
         <p:nvGrpSpPr>
-          <p:cNvPr id="28" name="Group 27">
+          <p:cNvPr id="18" name="Group 17">
             <a:extLst>
               <a:ext uri="{FF2B5EF4-FFF2-40B4-BE49-F238E27FC236}">
-                <a16:creationId xmlns:a16="http://schemas.microsoft.com/office/drawing/2014/main" xmlns="" id="{806CC6DC-751D-431B-A607-96ED6DCDB3E7}"/>
+                <a16:creationId xmlns:a16="http://schemas.microsoft.com/office/drawing/2014/main" id="{806CC6DC-751D-431B-A607-96ED6DCDB3E7}"/>
               </a:ext>
             </a:extLst>
           </p:cNvPr>
@@ -3662,7 +3672,7 @@
         </p:nvGrpSpPr>
         <p:grpSpPr>
           <a:xfrm>
-            <a:off x="10803444" y="38194137"/>
+            <a:off x="10801064" y="38191756"/>
             <a:ext cx="10801587" cy="2817614"/>
             <a:chOff x="0" y="1"/>
             <a:chExt cx="2936623" cy="794618"/>
@@ -3670,10 +3680,10 @@
         </p:grpSpPr>
         <p:sp>
           <p:nvSpPr>
-            <p:cNvPr id="29" name="תיבת טקסט 18">
+            <p:cNvPr id="19" name="תיבת טקסט 18">
               <a:extLst>
                 <a:ext uri="{FF2B5EF4-FFF2-40B4-BE49-F238E27FC236}">
-                  <a16:creationId xmlns:a16="http://schemas.microsoft.com/office/drawing/2014/main" xmlns="" id="{C990978E-F894-4DC0-BF26-414CBC82D697}"/>
+                  <a16:creationId xmlns:a16="http://schemas.microsoft.com/office/drawing/2014/main" id="{C990978E-F894-4DC0-BF26-414CBC82D697}"/>
                 </a:ext>
               </a:extLst>
             </p:cNvPr>
@@ -3745,10 +3755,10 @@
         </p:sp>
         <p:sp>
           <p:nvSpPr>
-            <p:cNvPr id="30" name="Text Box 24">
+            <p:cNvPr id="20" name="Text Box 24">
               <a:extLst>
                 <a:ext uri="{FF2B5EF4-FFF2-40B4-BE49-F238E27FC236}">
-                  <a16:creationId xmlns:a16="http://schemas.microsoft.com/office/drawing/2014/main" xmlns="" id="{268AC337-F800-4C0F-A092-659D9DC33F98}"/>
+                  <a16:creationId xmlns:a16="http://schemas.microsoft.com/office/drawing/2014/main" id="{268AC337-F800-4C0F-A092-659D9DC33F98}"/>
                 </a:ext>
               </a:extLst>
             </p:cNvPr>
@@ -3803,10 +3813,10 @@
       </p:grpSp>
       <p:sp>
         <p:nvSpPr>
-          <p:cNvPr id="31" name="names">
+          <p:cNvPr id="21" name="names">
             <a:extLst>
               <a:ext uri="{FF2B5EF4-FFF2-40B4-BE49-F238E27FC236}">
-                <a16:creationId xmlns:a16="http://schemas.microsoft.com/office/drawing/2014/main" xmlns="" id="{50263BFB-E418-4A74-AECE-CAD600D1406C}"/>
+                <a16:creationId xmlns:a16="http://schemas.microsoft.com/office/drawing/2014/main" id="{50263BFB-E418-4A74-AECE-CAD600D1406C}"/>
               </a:ext>
             </a:extLst>
           </p:cNvPr>
@@ -3817,7 +3827,7 @@
         </p:nvSpPr>
         <p:spPr bwMode="auto">
           <a:xfrm>
-            <a:off x="11423690" y="3220187"/>
+            <a:off x="11421310" y="3217806"/>
             <a:ext cx="9518031" cy="2400922"/>
           </a:xfrm>
           <a:prstGeom prst="rect">
@@ -3945,10 +3955,10 @@
       </p:sp>
       <p:sp>
         <p:nvSpPr>
-          <p:cNvPr id="32" name="Title">
+          <p:cNvPr id="22" name="Title">
             <a:extLst>
               <a:ext uri="{FF2B5EF4-FFF2-40B4-BE49-F238E27FC236}">
-                <a16:creationId xmlns:a16="http://schemas.microsoft.com/office/drawing/2014/main" xmlns="" id="{815970DA-DF7D-459C-9C4D-F65236746442}"/>
+                <a16:creationId xmlns:a16="http://schemas.microsoft.com/office/drawing/2014/main" id="{815970DA-DF7D-459C-9C4D-F65236746442}"/>
               </a:ext>
             </a:extLst>
           </p:cNvPr>
@@ -3957,7 +3967,7 @@
         </p:nvSpPr>
         <p:spPr>
           <a:xfrm>
-            <a:off x="11728726" y="1882934"/>
+            <a:off x="11726346" y="1880554"/>
             <a:ext cx="8907959" cy="1647813"/>
           </a:xfrm>
           <a:prstGeom prst="rect">
@@ -4018,10 +4028,10 @@
       </p:sp>
       <p:pic>
         <p:nvPicPr>
-          <p:cNvPr id="33" name="Picture 32" descr="A close up of a logo&#10;&#10;Description automatically generated">
+          <p:cNvPr id="23" name="Picture 22" descr="A close up of a logo&#10;&#10;Description automatically generated">
             <a:extLst>
               <a:ext uri="{FF2B5EF4-FFF2-40B4-BE49-F238E27FC236}">
-                <a16:creationId xmlns:a16="http://schemas.microsoft.com/office/drawing/2014/main" xmlns="" id="{1B0E9798-6ED7-438D-99F7-E4A7EAF64FE6}"/>
+                <a16:creationId xmlns:a16="http://schemas.microsoft.com/office/drawing/2014/main" id="{1B0E9798-6ED7-438D-99F7-E4A7EAF64FE6}"/>
               </a:ext>
             </a:extLst>
           </p:cNvPr>
@@ -4044,7 +4054,7 @@
         </p:blipFill>
         <p:spPr>
           <a:xfrm>
-            <a:off x="41239" y="4551863"/>
+            <a:off x="1491134" y="4818423"/>
             <a:ext cx="9170422" cy="4197337"/>
           </a:xfrm>
           <a:prstGeom prst="rect">
@@ -4054,10 +4064,10 @@
       </p:pic>
       <p:grpSp>
         <p:nvGrpSpPr>
-          <p:cNvPr id="34" name="Group 33">
+          <p:cNvPr id="24" name="Group 23">
             <a:extLst>
               <a:ext uri="{FF2B5EF4-FFF2-40B4-BE49-F238E27FC236}">
-                <a16:creationId xmlns:a16="http://schemas.microsoft.com/office/drawing/2014/main" xmlns="" id="{53C697AF-52E9-4D36-A2E7-D8ED4F552308}"/>
+                <a16:creationId xmlns:a16="http://schemas.microsoft.com/office/drawing/2014/main" id="{53C697AF-52E9-4D36-A2E7-D8ED4F552308}"/>
               </a:ext>
             </a:extLst>
           </p:cNvPr>
@@ -4066,7 +4076,7 @@
         </p:nvGrpSpPr>
         <p:grpSpPr>
           <a:xfrm>
-            <a:off x="720106" y="18667885"/>
+            <a:off x="717726" y="18665505"/>
             <a:ext cx="13682011" cy="1921565"/>
             <a:chOff x="0" y="1"/>
             <a:chExt cx="2936623" cy="541916"/>
@@ -4074,10 +4084,10 @@
         </p:grpSpPr>
         <p:sp>
           <p:nvSpPr>
-            <p:cNvPr id="35" name="תיבת טקסט 18">
+            <p:cNvPr id="25" name="תיבת טקסט 18">
               <a:extLst>
                 <a:ext uri="{FF2B5EF4-FFF2-40B4-BE49-F238E27FC236}">
-                  <a16:creationId xmlns:a16="http://schemas.microsoft.com/office/drawing/2014/main" xmlns="" id="{6C754D3D-FCC2-4053-9892-AAF25C0F628F}"/>
+                  <a16:creationId xmlns:a16="http://schemas.microsoft.com/office/drawing/2014/main" id="{6C754D3D-FCC2-4053-9892-AAF25C0F628F}"/>
                 </a:ext>
               </a:extLst>
             </p:cNvPr>
@@ -4143,10 +4153,10 @@
         </p:sp>
         <p:sp>
           <p:nvSpPr>
-            <p:cNvPr id="36" name="Text Box 24">
+            <p:cNvPr id="26" name="Text Box 24">
               <a:extLst>
                 <a:ext uri="{FF2B5EF4-FFF2-40B4-BE49-F238E27FC236}">
-                  <a16:creationId xmlns:a16="http://schemas.microsoft.com/office/drawing/2014/main" xmlns="" id="{5784222E-502A-4E2C-92F0-7F73523B69C2}"/>
+                  <a16:creationId xmlns:a16="http://schemas.microsoft.com/office/drawing/2014/main" id="{5784222E-502A-4E2C-92F0-7F73523B69C2}"/>
                 </a:ext>
               </a:extLst>
             </p:cNvPr>
@@ -4201,10 +4211,10 @@
       </p:grpSp>
       <p:grpSp>
         <p:nvGrpSpPr>
-          <p:cNvPr id="37" name="Group 36">
+          <p:cNvPr id="27" name="Group 26">
             <a:extLst>
               <a:ext uri="{FF2B5EF4-FFF2-40B4-BE49-F238E27FC236}">
-                <a16:creationId xmlns:a16="http://schemas.microsoft.com/office/drawing/2014/main" xmlns="" id="{BE2EB11C-DC87-4601-B21E-EF3216172AD9}"/>
+                <a16:creationId xmlns:a16="http://schemas.microsoft.com/office/drawing/2014/main" id="{BE2EB11C-DC87-4601-B21E-EF3216172AD9}"/>
               </a:ext>
             </a:extLst>
           </p:cNvPr>
@@ -4213,7 +4223,7 @@
         </p:nvGrpSpPr>
         <p:grpSpPr>
           <a:xfrm>
-            <a:off x="18002645" y="17517873"/>
+            <a:off x="18000265" y="17515493"/>
             <a:ext cx="13682011" cy="1964385"/>
             <a:chOff x="0" y="1"/>
             <a:chExt cx="2936623" cy="553992"/>
@@ -4221,10 +4231,10 @@
         </p:grpSpPr>
         <p:sp>
           <p:nvSpPr>
-            <p:cNvPr id="38" name="תיבת טקסט 18">
+            <p:cNvPr id="28" name="תיבת טקסט 18">
               <a:extLst>
                 <a:ext uri="{FF2B5EF4-FFF2-40B4-BE49-F238E27FC236}">
-                  <a16:creationId xmlns:a16="http://schemas.microsoft.com/office/drawing/2014/main" xmlns="" id="{533A65D4-67FB-4E41-9421-FD9DB044B4D3}"/>
+                  <a16:creationId xmlns:a16="http://schemas.microsoft.com/office/drawing/2014/main" id="{533A65D4-67FB-4E41-9421-FD9DB044B4D3}"/>
                 </a:ext>
               </a:extLst>
             </p:cNvPr>
@@ -4265,10 +4275,10 @@
         </p:sp>
         <p:sp>
           <p:nvSpPr>
-            <p:cNvPr id="39" name="Text Box 24">
+            <p:cNvPr id="29" name="Text Box 24">
               <a:extLst>
                 <a:ext uri="{FF2B5EF4-FFF2-40B4-BE49-F238E27FC236}">
-                  <a16:creationId xmlns:a16="http://schemas.microsoft.com/office/drawing/2014/main" xmlns="" id="{2A78BB05-F2A3-49E9-8FBE-55ACFE4F4914}"/>
+                  <a16:creationId xmlns:a16="http://schemas.microsoft.com/office/drawing/2014/main" id="{2A78BB05-F2A3-49E9-8FBE-55ACFE4F4914}"/>
                 </a:ext>
               </a:extLst>
             </p:cNvPr>
@@ -4321,176 +4331,164 @@
           </p:txBody>
         </p:sp>
       </p:grpSp>
-      <p:grpSp>
-        <p:nvGrpSpPr>
-          <p:cNvPr id="40" name="Group 39">
+      <p:pic>
+        <p:nvPicPr>
+          <p:cNvPr id="31" name="Picture 30">
             <a:extLst>
               <a:ext uri="{FF2B5EF4-FFF2-40B4-BE49-F238E27FC236}">
-                <a16:creationId xmlns:a16="http://schemas.microsoft.com/office/drawing/2014/main" xmlns="" id="{F92E5F21-DD7C-4E20-8464-70E4350F0D83}"/>
+                <a16:creationId xmlns:a16="http://schemas.microsoft.com/office/drawing/2014/main" id="{B3F83FF5-25B8-41FA-9C74-5B360C983A7E}"/>
               </a:ext>
             </a:extLst>
           </p:cNvPr>
-          <p:cNvGrpSpPr/>
+          <p:cNvPicPr>
+            <a:picLocks noChangeAspect="1"/>
+          </p:cNvPicPr>
           <p:nvPr/>
-        </p:nvGrpSpPr>
-        <p:grpSpPr>
+        </p:nvPicPr>
+        <p:blipFill rotWithShape="1">
+          <a:blip r:embed="rId4" cstate="print">
+            <a:extLst>
+              <a:ext uri="{28A0092B-C50C-407E-A947-70E740481C1C}">
+                <a14:useLocalDpi xmlns:a14="http://schemas.microsoft.com/office/drawing/2010/main" val="0"/>
+              </a:ext>
+            </a:extLst>
+          </a:blip>
+          <a:srcRect l="2126" t="12555" r="3964" b="11108"/>
+          <a:stretch/>
+        </p:blipFill>
+        <p:spPr>
           <a:xfrm>
-            <a:off x="17402590" y="40517406"/>
-            <a:ext cx="14770261" cy="2527309"/>
-            <a:chOff x="17400033" y="40348818"/>
-            <a:chExt cx="14768090" cy="2527030"/>
+            <a:off x="9850947" y="41667321"/>
+            <a:ext cx="3268975" cy="1437771"/>
           </a:xfrm>
-        </p:grpSpPr>
-        <p:pic>
-          <p:nvPicPr>
-            <p:cNvPr id="41" name="Picture 40" descr="A close up of a logo&#10;&#10;Description automatically generated">
-              <a:extLst>
-                <a:ext uri="{FF2B5EF4-FFF2-40B4-BE49-F238E27FC236}">
-                  <a16:creationId xmlns:a16="http://schemas.microsoft.com/office/drawing/2014/main" xmlns="" id="{B3F83FF5-25B8-41FA-9C74-5B360C983A7E}"/>
-                </a:ext>
-              </a:extLst>
-            </p:cNvPr>
-            <p:cNvPicPr>
-              <a:picLocks noChangeAspect="1"/>
-            </p:cNvPicPr>
-            <p:nvPr/>
-          </p:nvPicPr>
-          <p:blipFill rotWithShape="1">
-            <a:blip r:embed="rId4" cstate="print">
-              <a:extLst>
-                <a:ext uri="{28A0092B-C50C-407E-A947-70E740481C1C}">
-                  <a14:useLocalDpi xmlns:a14="http://schemas.microsoft.com/office/drawing/2010/main" val="0"/>
-                </a:ext>
-              </a:extLst>
-            </a:blip>
-            <a:srcRect l="-6981" t="5497" r="11649" b="17914"/>
-            <a:stretch/>
-          </p:blipFill>
-          <p:spPr>
-            <a:xfrm>
-              <a:off x="27446288" y="40348818"/>
-              <a:ext cx="4721835" cy="2527030"/>
-            </a:xfrm>
-            <a:prstGeom prst="rect">
-              <a:avLst/>
-            </a:prstGeom>
-          </p:spPr>
-        </p:pic>
-        <p:pic>
-          <p:nvPicPr>
-            <p:cNvPr id="42" name="Picture 41" descr="A picture containing clipart&#10;&#10;Description automatically generated">
-              <a:extLst>
-                <a:ext uri="{FF2B5EF4-FFF2-40B4-BE49-F238E27FC236}">
-                  <a16:creationId xmlns:a16="http://schemas.microsoft.com/office/drawing/2014/main" xmlns="" id="{AF35BE45-91AC-4A08-8BFB-02C0C1E2C7A6}"/>
-                </a:ext>
-              </a:extLst>
-            </p:cNvPr>
-            <p:cNvPicPr>
-              <a:picLocks noChangeAspect="1"/>
-            </p:cNvPicPr>
-            <p:nvPr/>
-          </p:nvPicPr>
-          <p:blipFill>
-            <a:blip r:embed="rId5">
-              <a:extLst>
-                <a:ext uri="{28A0092B-C50C-407E-A947-70E740481C1C}">
-                  <a14:useLocalDpi xmlns:a14="http://schemas.microsoft.com/office/drawing/2010/main" val="0"/>
-                </a:ext>
-              </a:extLst>
-            </a:blip>
-            <a:stretch>
-              <a:fillRect/>
-            </a:stretch>
-          </p:blipFill>
-          <p:spPr>
-            <a:xfrm>
-              <a:off x="23928442" y="41442673"/>
-              <a:ext cx="3971925" cy="1152525"/>
-            </a:xfrm>
-            <a:prstGeom prst="rect">
-              <a:avLst/>
-            </a:prstGeom>
-          </p:spPr>
-        </p:pic>
-        <p:pic>
-          <p:nvPicPr>
-            <p:cNvPr id="43" name="Picture 42">
-              <a:extLst>
-                <a:ext uri="{FF2B5EF4-FFF2-40B4-BE49-F238E27FC236}">
-                  <a16:creationId xmlns:a16="http://schemas.microsoft.com/office/drawing/2014/main" xmlns="" id="{57D61071-AC5B-42B2-9AC8-47E326D48F9D}"/>
-                </a:ext>
-              </a:extLst>
-            </p:cNvPr>
-            <p:cNvPicPr>
-              <a:picLocks noChangeAspect="1"/>
-            </p:cNvPicPr>
-            <p:nvPr/>
-          </p:nvPicPr>
-          <p:blipFill>
-            <a:blip r:embed="rId6">
-              <a:extLst>
-                <a:ext uri="{28A0092B-C50C-407E-A947-70E740481C1C}">
-                  <a14:useLocalDpi xmlns:a14="http://schemas.microsoft.com/office/drawing/2010/main" val="0"/>
-                </a:ext>
-              </a:extLst>
-            </a:blip>
-            <a:stretch>
-              <a:fillRect/>
-            </a:stretch>
-          </p:blipFill>
-          <p:spPr>
-            <a:xfrm>
-              <a:off x="17400033" y="41563478"/>
-              <a:ext cx="3686175" cy="1238250"/>
-            </a:xfrm>
-            <a:prstGeom prst="rect">
-              <a:avLst/>
-            </a:prstGeom>
-          </p:spPr>
-        </p:pic>
-        <p:pic>
-          <p:nvPicPr>
-            <p:cNvPr id="44" name="Picture 43" descr="A close up of a sign&#10;&#10;Description automatically generated">
-              <a:extLst>
-                <a:ext uri="{FF2B5EF4-FFF2-40B4-BE49-F238E27FC236}">
-                  <a16:creationId xmlns:a16="http://schemas.microsoft.com/office/drawing/2014/main" xmlns="" id="{96007492-C48A-41CF-AD99-39166572FA35}"/>
-                </a:ext>
-              </a:extLst>
-            </p:cNvPr>
-            <p:cNvPicPr>
-              <a:picLocks noChangeAspect="1"/>
-            </p:cNvPicPr>
-            <p:nvPr/>
-          </p:nvPicPr>
-          <p:blipFill>
-            <a:blip r:embed="rId7">
-              <a:extLst>
-                <a:ext uri="{28A0092B-C50C-407E-A947-70E740481C1C}">
-                  <a14:useLocalDpi xmlns:a14="http://schemas.microsoft.com/office/drawing/2010/main" val="0"/>
-                </a:ext>
-              </a:extLst>
-            </a:blip>
-            <a:stretch>
-              <a:fillRect/>
-            </a:stretch>
-          </p:blipFill>
-          <p:spPr>
-            <a:xfrm>
-              <a:off x="21035643" y="40801530"/>
-              <a:ext cx="2343150" cy="1952625"/>
-            </a:xfrm>
-            <a:prstGeom prst="rect">
-              <a:avLst/>
-            </a:prstGeom>
-          </p:spPr>
-        </p:pic>
-      </p:grpSp>
+          <a:prstGeom prst="rect">
+            <a:avLst/>
+          </a:prstGeom>
+        </p:spPr>
+      </p:pic>
+      <p:pic>
+        <p:nvPicPr>
+          <p:cNvPr id="32" name="Picture 31">
+            <a:extLst>
+              <a:ext uri="{FF2B5EF4-FFF2-40B4-BE49-F238E27FC236}">
+                <a16:creationId xmlns:a16="http://schemas.microsoft.com/office/drawing/2014/main" id="{AF35BE45-91AC-4A08-8BFB-02C0C1E2C7A6}"/>
+              </a:ext>
+            </a:extLst>
+          </p:cNvPr>
+          <p:cNvPicPr>
+            <a:picLocks noChangeAspect="1"/>
+          </p:cNvPicPr>
+          <p:nvPr/>
+        </p:nvPicPr>
+        <p:blipFill>
+          <a:blip r:embed="rId5" cstate="print">
+            <a:extLst>
+              <a:ext uri="{28A0092B-C50C-407E-A947-70E740481C1C}">
+                <a14:useLocalDpi xmlns:a14="http://schemas.microsoft.com/office/drawing/2010/main" val="0"/>
+              </a:ext>
+            </a:extLst>
+          </a:blip>
+          <a:stretch>
+            <a:fillRect/>
+          </a:stretch>
+        </p:blipFill>
+        <p:spPr>
+          <a:xfrm>
+            <a:off x="6296567" y="41951953"/>
+            <a:ext cx="3483683" cy="1010267"/>
+          </a:xfrm>
+          <a:prstGeom prst="rect">
+            <a:avLst/>
+          </a:prstGeom>
+        </p:spPr>
+      </p:pic>
+      <p:pic>
+        <p:nvPicPr>
+          <p:cNvPr id="33" name="Picture 32">
+            <a:extLst>
+              <a:ext uri="{FF2B5EF4-FFF2-40B4-BE49-F238E27FC236}">
+                <a16:creationId xmlns:a16="http://schemas.microsoft.com/office/drawing/2014/main" id="{57D61071-AC5B-42B2-9AC8-47E326D48F9D}"/>
+              </a:ext>
+            </a:extLst>
+          </p:cNvPr>
+          <p:cNvPicPr>
+            <a:picLocks noChangeAspect="1"/>
+          </p:cNvPicPr>
+          <p:nvPr/>
+        </p:nvPicPr>
+        <p:blipFill>
+          <a:blip r:embed="rId6">
+            <a:extLst>
+              <a:ext uri="{28A0092B-C50C-407E-A947-70E740481C1C}">
+                <a14:useLocalDpi xmlns:a14="http://schemas.microsoft.com/office/drawing/2010/main" val="0"/>
+              </a:ext>
+            </a:extLst>
+          </a:blip>
+          <a:stretch>
+            <a:fillRect/>
+          </a:stretch>
+        </p:blipFill>
+        <p:spPr>
+          <a:xfrm>
+            <a:off x="237625" y="42030886"/>
+            <a:ext cx="3456162" cy="827736"/>
+          </a:xfrm>
+          <a:prstGeom prst="rect">
+            <a:avLst/>
+          </a:prstGeom>
+        </p:spPr>
+      </p:pic>
+      <p:pic>
+        <p:nvPicPr>
+          <p:cNvPr id="34" name="Picture 33">
+            <a:extLst>
+              <a:ext uri="{FF2B5EF4-FFF2-40B4-BE49-F238E27FC236}">
+                <a16:creationId xmlns:a16="http://schemas.microsoft.com/office/drawing/2014/main" id="{96007492-C48A-41CF-AD99-39166572FA35}"/>
+              </a:ext>
+            </a:extLst>
+          </p:cNvPr>
+          <p:cNvPicPr>
+            <a:picLocks noChangeAspect="1"/>
+          </p:cNvPicPr>
+          <p:nvPr/>
+        </p:nvPicPr>
+        <p:blipFill rotWithShape="1">
+          <a:blip r:embed="rId7" cstate="print">
+            <a:extLst>
+              <a:ext uri="{28A0092B-C50C-407E-A947-70E740481C1C}">
+                <a14:useLocalDpi xmlns:a14="http://schemas.microsoft.com/office/drawing/2010/main" val="0"/>
+              </a:ext>
+            </a:extLst>
+          </a:blip>
+          <a:srcRect t="481" b="-1"/>
+          <a:stretch/>
+        </p:blipFill>
+        <p:spPr>
+          <a:xfrm>
+            <a:off x="3997848" y="41564688"/>
+            <a:ext cx="1889203" cy="1566503"/>
+          </a:xfrm>
+          <a:prstGeom prst="rect">
+            <a:avLst/>
+          </a:prstGeom>
+          <a:ln>
+            <a:noFill/>
+          </a:ln>
+          <a:effectLst>
+            <a:outerShdw blurRad="292100" dist="139700" dir="2700000" algn="tl" rotWithShape="0">
+              <a:srgbClr val="333333">
+                <a:alpha val="65000"/>
+              </a:srgbClr>
+            </a:outerShdw>
+          </a:effectLst>
+        </p:spPr>
+      </p:pic>
       <p:sp>
         <p:nvSpPr>
-          <p:cNvPr id="45" name="TextBox 44">
+          <p:cNvPr id="35" name="TextBox 34">
             <a:extLst>
               <a:ext uri="{FF2B5EF4-FFF2-40B4-BE49-F238E27FC236}">
-                <a16:creationId xmlns:a16="http://schemas.microsoft.com/office/drawing/2014/main" xmlns="" id="{FD1E00FF-0C3B-4DEB-9A22-B15A2A4305D1}"/>
+                <a16:creationId xmlns:a16="http://schemas.microsoft.com/office/drawing/2014/main" id="{FD1E00FF-0C3B-4DEB-9A22-B15A2A4305D1}"/>
               </a:ext>
             </a:extLst>
           </p:cNvPr>
@@ -4499,7 +4497,7 @@
         </p:nvSpPr>
         <p:spPr>
           <a:xfrm>
-            <a:off x="30131910" y="0"/>
+            <a:off x="30129529" y="-2381"/>
             <a:ext cx="2272140" cy="554059"/>
           </a:xfrm>
           <a:prstGeom prst="rect">
@@ -4532,10 +4530,10 @@
       </p:sp>
       <p:grpSp>
         <p:nvGrpSpPr>
-          <p:cNvPr id="46" name="Group 45">
+          <p:cNvPr id="36" name="Group 35">
             <a:extLst>
               <a:ext uri="{FF2B5EF4-FFF2-40B4-BE49-F238E27FC236}">
-                <a16:creationId xmlns:a16="http://schemas.microsoft.com/office/drawing/2014/main" xmlns="" id="{FA965725-A401-41A8-8CF1-A77E14832757}"/>
+                <a16:creationId xmlns:a16="http://schemas.microsoft.com/office/drawing/2014/main" id="{FA965725-A401-41A8-8CF1-A77E14832757}"/>
               </a:ext>
             </a:extLst>
           </p:cNvPr>
@@ -4544,7 +4542,7 @@
         </p:nvGrpSpPr>
         <p:grpSpPr>
           <a:xfrm>
-            <a:off x="720106" y="9314685"/>
+            <a:off x="717726" y="9312304"/>
             <a:ext cx="13682011" cy="4706376"/>
             <a:chOff x="0" y="1"/>
             <a:chExt cx="2936623" cy="1327283"/>
@@ -4552,10 +4550,10 @@
         </p:grpSpPr>
         <p:sp>
           <p:nvSpPr>
-            <p:cNvPr id="47" name="תיבת טקסט 18">
+            <p:cNvPr id="37" name="תיבת טקסט 18">
               <a:extLst>
                 <a:ext uri="{FF2B5EF4-FFF2-40B4-BE49-F238E27FC236}">
-                  <a16:creationId xmlns:a16="http://schemas.microsoft.com/office/drawing/2014/main" xmlns="" id="{DFA3AD4F-9BEE-44BC-8F51-FA5B66553EE6}"/>
+                  <a16:creationId xmlns:a16="http://schemas.microsoft.com/office/drawing/2014/main" id="{DFA3AD4F-9BEE-44BC-8F51-FA5B66553EE6}"/>
                 </a:ext>
               </a:extLst>
             </p:cNvPr>
@@ -4656,10 +4654,10 @@
         </p:sp>
         <p:sp>
           <p:nvSpPr>
-            <p:cNvPr id="48" name="Text Box 24">
+            <p:cNvPr id="38" name="Text Box 24">
               <a:extLst>
                 <a:ext uri="{FF2B5EF4-FFF2-40B4-BE49-F238E27FC236}">
-                  <a16:creationId xmlns:a16="http://schemas.microsoft.com/office/drawing/2014/main" xmlns="" id="{A9FDB1ED-C4C0-480D-80A6-DF5E91D7F8BC}"/>
+                  <a16:creationId xmlns:a16="http://schemas.microsoft.com/office/drawing/2014/main" id="{A9FDB1ED-C4C0-480D-80A6-DF5E91D7F8BC}"/>
                 </a:ext>
               </a:extLst>
             </p:cNvPr>
@@ -4714,10 +4712,10 @@
       </p:grpSp>
       <p:grpSp>
         <p:nvGrpSpPr>
-          <p:cNvPr id="49" name="Group 48">
+          <p:cNvPr id="39" name="Group 38">
             <a:extLst>
               <a:ext uri="{FF2B5EF4-FFF2-40B4-BE49-F238E27FC236}">
-                <a16:creationId xmlns:a16="http://schemas.microsoft.com/office/drawing/2014/main" xmlns="" id="{AB331618-4256-41BA-8FDD-536DA6766F66}"/>
+                <a16:creationId xmlns:a16="http://schemas.microsoft.com/office/drawing/2014/main" id="{AB331618-4256-41BA-8FDD-536DA6766F66}"/>
               </a:ext>
             </a:extLst>
           </p:cNvPr>
@@ -4728,7 +4726,7 @@
         </p:nvGrpSpPr>
         <p:grpSpPr>
           <a:xfrm>
-            <a:off x="1256335" y="32603154"/>
+            <a:off x="1253954" y="32600774"/>
             <a:ext cx="12601852" cy="4810427"/>
             <a:chOff x="10360762" y="23839323"/>
             <a:chExt cx="11775842" cy="4495285"/>
@@ -4736,10 +4734,10 @@
         </p:grpSpPr>
         <p:grpSp>
           <p:nvGrpSpPr>
-            <p:cNvPr id="50" name="Group 49">
+            <p:cNvPr id="40" name="Group 39">
               <a:extLst>
                 <a:ext uri="{FF2B5EF4-FFF2-40B4-BE49-F238E27FC236}">
-                  <a16:creationId xmlns:a16="http://schemas.microsoft.com/office/drawing/2014/main" xmlns="" id="{5B9B95DD-047D-422E-9197-8EB8322A507F}"/>
+                  <a16:creationId xmlns:a16="http://schemas.microsoft.com/office/drawing/2014/main" id="{5B9B95DD-047D-422E-9197-8EB8322A507F}"/>
                 </a:ext>
               </a:extLst>
             </p:cNvPr>
@@ -4756,10 +4754,10 @@
           </p:grpSpPr>
           <p:grpSp>
             <p:nvGrpSpPr>
-              <p:cNvPr id="52" name="Group 51">
+              <p:cNvPr id="42" name="Group 41">
                 <a:extLst>
                   <a:ext uri="{FF2B5EF4-FFF2-40B4-BE49-F238E27FC236}">
-                    <a16:creationId xmlns:a16="http://schemas.microsoft.com/office/drawing/2014/main" xmlns="" id="{0F05674C-EA0D-400B-AF01-2B79607B49E6}"/>
+                    <a16:creationId xmlns:a16="http://schemas.microsoft.com/office/drawing/2014/main" id="{0F05674C-EA0D-400B-AF01-2B79607B49E6}"/>
                   </a:ext>
                 </a:extLst>
               </p:cNvPr>
@@ -4776,10 +4774,10 @@
             </p:grpSpPr>
             <p:grpSp>
               <p:nvGrpSpPr>
-                <p:cNvPr id="54" name="Group 53">
+                <p:cNvPr id="44" name="Group 43">
                   <a:extLst>
                     <a:ext uri="{FF2B5EF4-FFF2-40B4-BE49-F238E27FC236}">
-                      <a16:creationId xmlns:a16="http://schemas.microsoft.com/office/drawing/2014/main" xmlns="" id="{B60FC61F-D124-4385-9B15-65551D1814D4}"/>
+                      <a16:creationId xmlns:a16="http://schemas.microsoft.com/office/drawing/2014/main" id="{B60FC61F-D124-4385-9B15-65551D1814D4}"/>
                     </a:ext>
                   </a:extLst>
                 </p:cNvPr>
@@ -4796,10 +4794,10 @@
               </p:grpSpPr>
               <p:grpSp>
                 <p:nvGrpSpPr>
-                  <p:cNvPr id="56" name="Group 55">
+                  <p:cNvPr id="46" name="Group 45">
                     <a:extLst>
                       <a:ext uri="{FF2B5EF4-FFF2-40B4-BE49-F238E27FC236}">
-                        <a16:creationId xmlns:a16="http://schemas.microsoft.com/office/drawing/2014/main" xmlns="" id="{7EE2AEAC-C313-4E78-9FAF-E53B60D27895}"/>
+                        <a16:creationId xmlns:a16="http://schemas.microsoft.com/office/drawing/2014/main" id="{7EE2AEAC-C313-4E78-9FAF-E53B60D27895}"/>
                       </a:ext>
                     </a:extLst>
                   </p:cNvPr>
@@ -4818,10 +4816,10 @@
                 </p:grpSpPr>
                 <p:pic>
                   <p:nvPicPr>
-                    <p:cNvPr id="58" name="Picture 57" descr="A close up of a mans face&#10;&#10;Description automatically generated">
+                    <p:cNvPr id="48" name="Picture 47" descr="A close up of a mans face&#10;&#10;Description automatically generated">
                       <a:extLst>
                         <a:ext uri="{FF2B5EF4-FFF2-40B4-BE49-F238E27FC236}">
-                          <a16:creationId xmlns:a16="http://schemas.microsoft.com/office/drawing/2014/main" xmlns="" id="{2957E089-22FB-4FBD-A6DA-88A57E473D60}"/>
+                          <a16:creationId xmlns:a16="http://schemas.microsoft.com/office/drawing/2014/main" id="{2957E089-22FB-4FBD-A6DA-88A57E473D60}"/>
                         </a:ext>
                       </a:extLst>
                     </p:cNvPr>
@@ -4854,10 +4852,10 @@
                 </p:pic>
                 <p:pic>
                   <p:nvPicPr>
-                    <p:cNvPr id="59" name="Picture 58" descr="A picture containing crossword puzzle&#10;&#10;Description automatically generated">
+                    <p:cNvPr id="49" name="Picture 48" descr="A picture containing crossword puzzle&#10;&#10;Description automatically generated">
                       <a:extLst>
                         <a:ext uri="{FF2B5EF4-FFF2-40B4-BE49-F238E27FC236}">
-                          <a16:creationId xmlns:a16="http://schemas.microsoft.com/office/drawing/2014/main" xmlns="" id="{E1BEC1F8-4C66-44D4-BBC9-5E470E373D7F}"/>
+                          <a16:creationId xmlns:a16="http://schemas.microsoft.com/office/drawing/2014/main" id="{E1BEC1F8-4C66-44D4-BBC9-5E470E373D7F}"/>
                         </a:ext>
                       </a:extLst>
                     </p:cNvPr>
@@ -4890,10 +4888,10 @@
                 </p:pic>
                 <p:pic>
                   <p:nvPicPr>
-                    <p:cNvPr id="60" name="Picture 59" descr="A close up of a logo&#10;&#10;Description automatically generated">
+                    <p:cNvPr id="50" name="Picture 49" descr="A close up of a logo&#10;&#10;Description automatically generated">
                       <a:extLst>
                         <a:ext uri="{FF2B5EF4-FFF2-40B4-BE49-F238E27FC236}">
-                          <a16:creationId xmlns:a16="http://schemas.microsoft.com/office/drawing/2014/main" xmlns="" id="{D06E24C7-E118-4768-A7AF-D5733E2080D1}"/>
+                          <a16:creationId xmlns:a16="http://schemas.microsoft.com/office/drawing/2014/main" id="{D06E24C7-E118-4768-A7AF-D5733E2080D1}"/>
                         </a:ext>
                       </a:extLst>
                     </p:cNvPr>
@@ -4927,10 +4925,10 @@
               </p:grpSp>
               <p:sp>
                 <p:nvSpPr>
-                  <p:cNvPr id="57" name="TextBox 56">
+                  <p:cNvPr id="47" name="TextBox 46">
                     <a:extLst>
                       <a:ext uri="{FF2B5EF4-FFF2-40B4-BE49-F238E27FC236}">
-                        <a16:creationId xmlns:a16="http://schemas.microsoft.com/office/drawing/2014/main" xmlns="" id="{C79294A2-E6F5-4FE6-A5C7-31B7AD74C375}"/>
+                        <a16:creationId xmlns:a16="http://schemas.microsoft.com/office/drawing/2014/main" id="{C79294A2-E6F5-4FE6-A5C7-31B7AD74C375}"/>
                       </a:ext>
                     </a:extLst>
                   </p:cNvPr>
@@ -4973,10 +4971,10 @@
             </p:grpSp>
             <p:sp>
               <p:nvSpPr>
-                <p:cNvPr id="55" name="TextBox 54">
+                <p:cNvPr id="45" name="TextBox 44">
                   <a:extLst>
                     <a:ext uri="{FF2B5EF4-FFF2-40B4-BE49-F238E27FC236}">
-                      <a16:creationId xmlns:a16="http://schemas.microsoft.com/office/drawing/2014/main" xmlns="" id="{1B59A4E0-9B34-4F5E-95D6-EC4DB8C829AC}"/>
+                      <a16:creationId xmlns:a16="http://schemas.microsoft.com/office/drawing/2014/main" id="{1B59A4E0-9B34-4F5E-95D6-EC4DB8C829AC}"/>
                     </a:ext>
                   </a:extLst>
                 </p:cNvPr>
@@ -5016,10 +5014,10 @@
           </p:grpSp>
           <p:sp>
             <p:nvSpPr>
-              <p:cNvPr id="53" name="TextBox 52">
+              <p:cNvPr id="43" name="TextBox 42">
                 <a:extLst>
                   <a:ext uri="{FF2B5EF4-FFF2-40B4-BE49-F238E27FC236}">
-                    <a16:creationId xmlns:a16="http://schemas.microsoft.com/office/drawing/2014/main" xmlns="" id="{4902E1DB-BD07-4673-82A5-D643E909A61D}"/>
+                    <a16:creationId xmlns:a16="http://schemas.microsoft.com/office/drawing/2014/main" id="{4902E1DB-BD07-4673-82A5-D643E909A61D}"/>
                   </a:ext>
                 </a:extLst>
               </p:cNvPr>
@@ -5059,10 +5057,10 @@
         </p:grpSp>
         <p:sp>
           <p:nvSpPr>
-            <p:cNvPr id="51" name="TextBox 50">
+            <p:cNvPr id="41" name="TextBox 40">
               <a:extLst>
                 <a:ext uri="{FF2B5EF4-FFF2-40B4-BE49-F238E27FC236}">
-                  <a16:creationId xmlns:a16="http://schemas.microsoft.com/office/drawing/2014/main" xmlns="" id="{B6393C5B-F0A1-46CD-AD56-C03B7F835399}"/>
+                  <a16:creationId xmlns:a16="http://schemas.microsoft.com/office/drawing/2014/main" id="{B6393C5B-F0A1-46CD-AD56-C03B7F835399}"/>
                 </a:ext>
               </a:extLst>
             </p:cNvPr>
@@ -5102,10 +5100,10 @@
       </p:grpSp>
       <p:grpSp>
         <p:nvGrpSpPr>
-          <p:cNvPr id="61" name="Group 60">
+          <p:cNvPr id="51" name="Group 50">
             <a:extLst>
               <a:ext uri="{FF2B5EF4-FFF2-40B4-BE49-F238E27FC236}">
-                <a16:creationId xmlns:a16="http://schemas.microsoft.com/office/drawing/2014/main" xmlns="" id="{A6F5447A-CAD7-4B0C-AAAD-385327A25D87}"/>
+                <a16:creationId xmlns:a16="http://schemas.microsoft.com/office/drawing/2014/main" id="{A6F5447A-CAD7-4B0C-AAAD-385327A25D87}"/>
               </a:ext>
             </a:extLst>
           </p:cNvPr>
@@ -5114,7 +5112,7 @@
         </p:nvGrpSpPr>
         <p:grpSpPr>
           <a:xfrm>
-            <a:off x="18002645" y="30768991"/>
+            <a:off x="18000265" y="30766611"/>
             <a:ext cx="13682011" cy="2585567"/>
             <a:chOff x="0" y="1"/>
             <a:chExt cx="2936623" cy="729177"/>
@@ -5122,10 +5120,10 @@
         </p:grpSpPr>
         <p:sp>
           <p:nvSpPr>
-            <p:cNvPr id="62" name="תיבת טקסט 18">
+            <p:cNvPr id="52" name="תיבת טקסט 18">
               <a:extLst>
                 <a:ext uri="{FF2B5EF4-FFF2-40B4-BE49-F238E27FC236}">
-                  <a16:creationId xmlns:a16="http://schemas.microsoft.com/office/drawing/2014/main" xmlns="" id="{2B868D60-4E17-4C1B-82F1-887DBBBB59F6}"/>
+                  <a16:creationId xmlns:a16="http://schemas.microsoft.com/office/drawing/2014/main" id="{2B868D60-4E17-4C1B-82F1-887DBBBB59F6}"/>
                 </a:ext>
               </a:extLst>
             </p:cNvPr>
@@ -5177,10 +5175,10 @@
         </p:sp>
         <p:sp>
           <p:nvSpPr>
-            <p:cNvPr id="63" name="Text Box 24">
+            <p:cNvPr id="53" name="Text Box 24">
               <a:extLst>
                 <a:ext uri="{FF2B5EF4-FFF2-40B4-BE49-F238E27FC236}">
-                  <a16:creationId xmlns:a16="http://schemas.microsoft.com/office/drawing/2014/main" xmlns="" id="{C182ADF9-CED3-4761-B7DC-EEDC3DB3BE98}"/>
+                  <a16:creationId xmlns:a16="http://schemas.microsoft.com/office/drawing/2014/main" id="{C182ADF9-CED3-4761-B7DC-EEDC3DB3BE98}"/>
                 </a:ext>
               </a:extLst>
             </p:cNvPr>
@@ -5235,10 +5233,10 @@
       </p:grpSp>
       <p:sp>
         <p:nvSpPr>
-          <p:cNvPr id="66" name="TextBox 65">
+          <p:cNvPr id="54" name="TextBox 53">
             <a:extLst>
               <a:ext uri="{FF2B5EF4-FFF2-40B4-BE49-F238E27FC236}">
-                <a16:creationId xmlns:a16="http://schemas.microsoft.com/office/drawing/2014/main" xmlns="" id="{5A745D60-7A1A-45E0-8C8E-624EF6E2C95C}"/>
+                <a16:creationId xmlns:a16="http://schemas.microsoft.com/office/drawing/2014/main" id="{5A745D60-7A1A-45E0-8C8E-624EF6E2C95C}"/>
               </a:ext>
             </a:extLst>
           </p:cNvPr>
@@ -5247,7 +5245,7 @@
         </p:nvSpPr>
         <p:spPr>
           <a:xfrm>
-            <a:off x="19245949" y="37313298"/>
+            <a:off x="19243569" y="37310918"/>
             <a:ext cx="11448111" cy="554059"/>
           </a:xfrm>
           <a:prstGeom prst="rect">
@@ -5287,10 +5285,10 @@
       </p:sp>
       <p:pic>
         <p:nvPicPr>
-          <p:cNvPr id="70" name="Picture 69">
+          <p:cNvPr id="55" name="Picture 54">
             <a:extLst>
               <a:ext uri="{FF2B5EF4-FFF2-40B4-BE49-F238E27FC236}">
-                <a16:creationId xmlns:a16="http://schemas.microsoft.com/office/drawing/2014/main" xmlns="" id="{603A7175-7B04-40A4-994D-D93110F266A4}"/>
+                <a16:creationId xmlns:a16="http://schemas.microsoft.com/office/drawing/2014/main" id="{603A7175-7B04-40A4-994D-D93110F266A4}"/>
               </a:ext>
             </a:extLst>
           </p:cNvPr>
@@ -5314,7 +5312,7 @@
         </p:blipFill>
         <p:spPr>
           <a:xfrm>
-            <a:off x="9878739" y="15212932"/>
+            <a:off x="9876358" y="15210552"/>
             <a:ext cx="12601852" cy="12601389"/>
           </a:xfrm>
           <a:prstGeom prst="ellipse">
@@ -5328,14 +5326,14 @@
           </a:effectLst>
         </p:spPr>
       </p:pic>
-      <mc:AlternateContent xmlns:mc="http://schemas.openxmlformats.org/markup-compatibility/2006" xmlns:a14="http://schemas.microsoft.com/office/drawing/2010/main">
-        <mc:Choice Requires="a14">
+      <mc:AlternateContent xmlns:mc="http://schemas.openxmlformats.org/markup-compatibility/2006">
+        <mc:Choice xmlns:a14="http://schemas.microsoft.com/office/drawing/2010/main" Requires="a14">
           <p:graphicFrame>
             <p:nvGraphicFramePr>
-              <p:cNvPr id="72" name="Table 71">
+              <p:cNvPr id="56" name="Table 55">
                 <a:extLst>
                   <a:ext uri="{FF2B5EF4-FFF2-40B4-BE49-F238E27FC236}">
-                    <a16:creationId xmlns:a16="http://schemas.microsoft.com/office/drawing/2014/main" xmlns="" id="{DC293643-0FF5-47CC-9190-0D1D19D1CA0B}"/>
+                    <a16:creationId xmlns:a16="http://schemas.microsoft.com/office/drawing/2014/main" id="{DC293643-0FF5-47CC-9190-0D1D19D1CA0B}"/>
                   </a:ext>
                 </a:extLst>
               </p:cNvPr>
@@ -5345,13 +5343,13 @@
               <p:nvPr>
                 <p:extLst>
                   <p:ext uri="{D42A27DB-BD31-4B8C-83A1-F6EECF244321}">
-                    <p14:modId xmlns:p14="http://schemas.microsoft.com/office/powerpoint/2010/main" val="894255552"/>
+                    <p14:modId xmlns:p14="http://schemas.microsoft.com/office/powerpoint/2010/main" val="4215231854"/>
                   </p:ext>
                 </p:extLst>
               </p:nvPr>
             </p:nvGraphicFramePr>
             <p:xfrm>
-              <a:off x="18430858" y="19794325"/>
+              <a:off x="18428478" y="19791945"/>
               <a:ext cx="12817883" cy="9947729"/>
             </p:xfrm>
             <a:graphic>
@@ -5364,56 +5362,56 @@
                     <a:gridCol w="2556376">
                       <a:extLst>
                         <a:ext uri="{9D8B030D-6E8A-4147-A177-3AD203B41FA5}">
-                          <a16:colId xmlns:a16="http://schemas.microsoft.com/office/drawing/2014/main" xmlns="" val="1946601345"/>
+                          <a16:colId xmlns:a16="http://schemas.microsoft.com/office/drawing/2014/main" val="1946601345"/>
                         </a:ext>
                       </a:extLst>
                     </a:gridCol>
                     <a:gridCol w="1188175">
                       <a:extLst>
                         <a:ext uri="{9D8B030D-6E8A-4147-A177-3AD203B41FA5}">
-                          <a16:colId xmlns:a16="http://schemas.microsoft.com/office/drawing/2014/main" xmlns="" val="1319595562"/>
+                          <a16:colId xmlns:a16="http://schemas.microsoft.com/office/drawing/2014/main" val="1319595562"/>
                         </a:ext>
                       </a:extLst>
                     </a:gridCol>
                     <a:gridCol w="1404206">
                       <a:extLst>
                         <a:ext uri="{9D8B030D-6E8A-4147-A177-3AD203B41FA5}">
-                          <a16:colId xmlns:a16="http://schemas.microsoft.com/office/drawing/2014/main" xmlns="" val="3671013873"/>
+                          <a16:colId xmlns:a16="http://schemas.microsoft.com/office/drawing/2014/main" val="3671013873"/>
                         </a:ext>
                       </a:extLst>
                     </a:gridCol>
                     <a:gridCol w="1404206">
                       <a:extLst>
                         <a:ext uri="{9D8B030D-6E8A-4147-A177-3AD203B41FA5}">
-                          <a16:colId xmlns:a16="http://schemas.microsoft.com/office/drawing/2014/main" xmlns="" val="2049267816"/>
+                          <a16:colId xmlns:a16="http://schemas.microsoft.com/office/drawing/2014/main" val="2049267816"/>
                         </a:ext>
                       </a:extLst>
                     </a:gridCol>
                     <a:gridCol w="1728254">
                       <a:extLst>
                         <a:ext uri="{9D8B030D-6E8A-4147-A177-3AD203B41FA5}">
-                          <a16:colId xmlns:a16="http://schemas.microsoft.com/office/drawing/2014/main" xmlns="" val="966686260"/>
+                          <a16:colId xmlns:a16="http://schemas.microsoft.com/office/drawing/2014/main" val="966686260"/>
                         </a:ext>
                       </a:extLst>
                     </a:gridCol>
                     <a:gridCol w="1404206">
                       <a:extLst>
                         <a:ext uri="{9D8B030D-6E8A-4147-A177-3AD203B41FA5}">
-                          <a16:colId xmlns:a16="http://schemas.microsoft.com/office/drawing/2014/main" xmlns="" val="2377125529"/>
+                          <a16:colId xmlns:a16="http://schemas.microsoft.com/office/drawing/2014/main" val="2377125529"/>
                         </a:ext>
                       </a:extLst>
                     </a:gridCol>
                     <a:gridCol w="1404206">
                       <a:extLst>
                         <a:ext uri="{9D8B030D-6E8A-4147-A177-3AD203B41FA5}">
-                          <a16:colId xmlns:a16="http://schemas.microsoft.com/office/drawing/2014/main" xmlns="" val="1858987758"/>
+                          <a16:colId xmlns:a16="http://schemas.microsoft.com/office/drawing/2014/main" val="1858987758"/>
                         </a:ext>
                       </a:extLst>
                     </a:gridCol>
                     <a:gridCol w="1728254">
                       <a:extLst>
                         <a:ext uri="{9D8B030D-6E8A-4147-A177-3AD203B41FA5}">
-                          <a16:colId xmlns:a16="http://schemas.microsoft.com/office/drawing/2014/main" xmlns="" val="922372244"/>
+                          <a16:colId xmlns:a16="http://schemas.microsoft.com/office/drawing/2014/main" val="922372244"/>
                         </a:ext>
                       </a:extLst>
                     </a:gridCol>
@@ -5757,7 +5755,7 @@
                     </a:tc>
                     <a:extLst>
                       <a:ext uri="{0D108BD9-81ED-4DB2-BD59-A6C34878D82A}">
-                        <a16:rowId xmlns:a16="http://schemas.microsoft.com/office/drawing/2014/main" xmlns="" val="1487559327"/>
+                        <a16:rowId xmlns:a16="http://schemas.microsoft.com/office/drawing/2014/main" val="1487559327"/>
                       </a:ext>
                     </a:extLst>
                   </a:tr>
@@ -6149,7 +6147,7 @@
                     </a:tc>
                     <a:extLst>
                       <a:ext uri="{0D108BD9-81ED-4DB2-BD59-A6C34878D82A}">
-                        <a16:rowId xmlns:a16="http://schemas.microsoft.com/office/drawing/2014/main" xmlns="" val="2670774814"/>
+                        <a16:rowId xmlns:a16="http://schemas.microsoft.com/office/drawing/2014/main" val="2670774814"/>
                       </a:ext>
                     </a:extLst>
                   </a:tr>
@@ -6344,7 +6342,7 @@
                     </a:tc>
                     <a:extLst>
                       <a:ext uri="{0D108BD9-81ED-4DB2-BD59-A6C34878D82A}">
-                        <a16:rowId xmlns:a16="http://schemas.microsoft.com/office/drawing/2014/main" xmlns="" val="2343822438"/>
+                        <a16:rowId xmlns:a16="http://schemas.microsoft.com/office/drawing/2014/main" val="2343822438"/>
                       </a:ext>
                     </a:extLst>
                   </a:tr>
@@ -6553,7 +6551,7 @@
                     </a:tc>
                     <a:extLst>
                       <a:ext uri="{0D108BD9-81ED-4DB2-BD59-A6C34878D82A}">
-                        <a16:rowId xmlns:a16="http://schemas.microsoft.com/office/drawing/2014/main" xmlns="" val="4008647147"/>
+                        <a16:rowId xmlns:a16="http://schemas.microsoft.com/office/drawing/2014/main" val="4008647147"/>
                       </a:ext>
                     </a:extLst>
                   </a:tr>
@@ -6656,14 +6654,11 @@
                         <a:lstStyle/>
                         <a:p>
                           <a:pPr algn="ctr"/>
-                          <a:r>
-                            <a:rPr lang="en-US" sz="3000" b="1" dirty="0">
-                              <a:solidFill>
-                                <a:schemeClr val="tx1"/>
-                              </a:solidFill>
-                            </a:rPr>
-                            <a:t>gray box</a:t>
-                          </a:r>
+                          <a:endParaRPr lang="en-US" sz="3000" b="1" dirty="0">
+                            <a:solidFill>
+                              <a:schemeClr val="tx1"/>
+                            </a:solidFill>
+                          </a:endParaRPr>
                         </a:p>
                       </a:txBody>
                       <a:tcPr marL="91453" marR="91453" marT="45725" marB="45725" anchor="ctr">
@@ -6732,7 +6727,7 @@
                     </a:tc>
                     <a:extLst>
                       <a:ext uri="{0D108BD9-81ED-4DB2-BD59-A6C34878D82A}">
-                        <a16:rowId xmlns:a16="http://schemas.microsoft.com/office/drawing/2014/main" xmlns="" val="1184920339"/>
+                        <a16:rowId xmlns:a16="http://schemas.microsoft.com/office/drawing/2014/main" val="1184920339"/>
                       </a:ext>
                     </a:extLst>
                   </a:tr>
@@ -6825,7 +6820,9 @@
                           <a:tailEnd type="none" w="med" len="med"/>
                         </a:lnL>
                         <a:lnR w="12700" cap="flat" cmpd="sng" algn="ctr">
-                          <a:noFill/>
+                          <a:solidFill>
+                            <a:schemeClr val="tx1"/>
+                          </a:solidFill>
                           <a:prstDash val="solid"/>
                           <a:round/>
                           <a:headEnd type="none" w="med" len="med"/>
@@ -6864,20 +6861,14 @@
                         <a:lstStyle/>
                         <a:p>
                           <a:pPr algn="ctr"/>
-                          <a:r>
-                            <a:rPr lang="en-US" sz="3000" b="1" dirty="0">
-                              <a:solidFill>
-                                <a:schemeClr val="tx1"/>
-                              </a:solidFill>
-                            </a:rPr>
-                            <a:t>gray box</a:t>
-                          </a:r>
-                          <a:endParaRPr lang="en-US" sz="6400" b="1" dirty="0"/>
+                          <a:endParaRPr lang="en-US" sz="3000" b="1" dirty="0"/>
                         </a:p>
                       </a:txBody>
                       <a:tcPr marL="91453" marR="91453" marT="45725" marB="45725" anchor="ctr">
                         <a:lnL w="12700" cap="flat" cmpd="sng" algn="ctr">
-                          <a:noFill/>
+                          <a:solidFill>
+                            <a:schemeClr val="tx1"/>
+                          </a:solidFill>
                           <a:prstDash val="solid"/>
                           <a:round/>
                           <a:headEnd type="none" w="med" len="med"/>
@@ -6909,7 +6900,7 @@
                     </a:tc>
                     <a:extLst>
                       <a:ext uri="{0D108BD9-81ED-4DB2-BD59-A6C34878D82A}">
-                        <a16:rowId xmlns:a16="http://schemas.microsoft.com/office/drawing/2014/main" xmlns="" val="161192191"/>
+                        <a16:rowId xmlns:a16="http://schemas.microsoft.com/office/drawing/2014/main" val="161192191"/>
                       </a:ext>
                     </a:extLst>
                   </a:tr>
@@ -7098,7 +7089,7 @@
                                 <m:sSubPr>
                                   <m:ctrlPr>
                                     <a:rPr lang="en-US" sz="3000" b="1" i="1" smtClean="0">
-                                      <a:latin typeface="Cambria Math"/>
+                                      <a:latin typeface="Cambria Math" panose="02040503050406030204" pitchFamily="18" charset="0"/>
                                     </a:rPr>
                                   </m:ctrlPr>
                                 </m:sSubPr>
@@ -7292,7 +7283,7 @@
                                 <m:sSubPr>
                                   <m:ctrlPr>
                                     <a:rPr lang="en-US" sz="3000" b="1" i="1" smtClean="0">
-                                      <a:latin typeface="Cambria Math"/>
+                                      <a:latin typeface="Cambria Math" panose="02040503050406030204" pitchFamily="18" charset="0"/>
                                     </a:rPr>
                                   </m:ctrlPr>
                                 </m:sSubPr>
@@ -7416,7 +7407,7 @@
                     </a:tc>
                     <a:extLst>
                       <a:ext uri="{0D108BD9-81ED-4DB2-BD59-A6C34878D82A}">
-                        <a16:rowId xmlns:a16="http://schemas.microsoft.com/office/drawing/2014/main" xmlns="" val="2324081285"/>
+                        <a16:rowId xmlns:a16="http://schemas.microsoft.com/office/drawing/2014/main" val="2324081285"/>
                       </a:ext>
                     </a:extLst>
                   </a:tr>
@@ -7596,7 +7587,7 @@
                                 <m:sSubPr>
                                   <m:ctrlPr>
                                     <a:rPr lang="en-US" sz="3000" b="1" i="1" smtClean="0">
-                                      <a:latin typeface="Cambria Math"/>
+                                      <a:latin typeface="Cambria Math" panose="02040503050406030204" pitchFamily="18" charset="0"/>
                                     </a:rPr>
                                   </m:ctrlPr>
                                 </m:sSubPr>
@@ -7787,7 +7778,7 @@
                                 <m:sSubPr>
                                   <m:ctrlPr>
                                     <a:rPr lang="en-US" sz="3000" b="1" i="1" smtClean="0">
-                                      <a:latin typeface="Cambria Math"/>
+                                      <a:latin typeface="Cambria Math" panose="02040503050406030204" pitchFamily="18" charset="0"/>
                                     </a:rPr>
                                   </m:ctrlPr>
                                 </m:sSubPr>
@@ -7911,7 +7902,7 @@
                     </a:tc>
                     <a:extLst>
                       <a:ext uri="{0D108BD9-81ED-4DB2-BD59-A6C34878D82A}">
-                        <a16:rowId xmlns:a16="http://schemas.microsoft.com/office/drawing/2014/main" xmlns="" val="1330813689"/>
+                        <a16:rowId xmlns:a16="http://schemas.microsoft.com/office/drawing/2014/main" val="1330813689"/>
                       </a:ext>
                     </a:extLst>
                   </a:tr>
@@ -8091,7 +8082,7 @@
                                 <m:sSubPr>
                                   <m:ctrlPr>
                                     <a:rPr lang="en-US" sz="3000" b="1" i="1" smtClean="0">
-                                      <a:latin typeface="Cambria Math"/>
+                                      <a:latin typeface="Cambria Math" panose="02040503050406030204" pitchFamily="18" charset="0"/>
                                     </a:rPr>
                                   </m:ctrlPr>
                                 </m:sSubPr>
@@ -8283,7 +8274,7 @@
                                 <m:sSubPr>
                                   <m:ctrlPr>
                                     <a:rPr lang="en-US" sz="3000" b="1" i="1" smtClean="0">
-                                      <a:latin typeface="Cambria Math"/>
+                                      <a:latin typeface="Cambria Math" panose="02040503050406030204" pitchFamily="18" charset="0"/>
                                     </a:rPr>
                                   </m:ctrlPr>
                                 </m:sSubPr>
@@ -8408,7 +8399,7 @@
                     </a:tc>
                     <a:extLst>
                       <a:ext uri="{0D108BD9-81ED-4DB2-BD59-A6C34878D82A}">
-                        <a16:rowId xmlns:a16="http://schemas.microsoft.com/office/drawing/2014/main" xmlns="" val="1559508821"/>
+                        <a16:rowId xmlns:a16="http://schemas.microsoft.com/office/drawing/2014/main" val="1559508821"/>
                       </a:ext>
                     </a:extLst>
                   </a:tr>
@@ -8852,7 +8843,7 @@
                     </a:tc>
                     <a:extLst>
                       <a:ext uri="{0D108BD9-81ED-4DB2-BD59-A6C34878D82A}">
-                        <a16:rowId xmlns:a16="http://schemas.microsoft.com/office/drawing/2014/main" xmlns="" val="1073051094"/>
+                        <a16:rowId xmlns:a16="http://schemas.microsoft.com/office/drawing/2014/main" val="1073051094"/>
                       </a:ext>
                     </a:extLst>
                   </a:tr>
@@ -9041,7 +9032,7 @@
                                 <m:sSubPr>
                                   <m:ctrlPr>
                                     <a:rPr lang="en-US" sz="3000" b="1" i="1" smtClean="0">
-                                      <a:latin typeface="Cambria Math"/>
+                                      <a:latin typeface="Cambria Math" panose="02040503050406030204" pitchFamily="18" charset="0"/>
                                     </a:rPr>
                                   </m:ctrlPr>
                                 </m:sSubPr>
@@ -9237,7 +9228,7 @@
                                 <m:sSubPr>
                                   <m:ctrlPr>
                                     <a:rPr lang="en-US" sz="3000" b="1" i="1" smtClean="0">
-                                      <a:latin typeface="Cambria Math"/>
+                                      <a:latin typeface="Cambria Math" panose="02040503050406030204" pitchFamily="18" charset="0"/>
                                     </a:rPr>
                                   </m:ctrlPr>
                                 </m:sSubPr>
@@ -9363,7 +9354,7 @@
                     </a:tc>
                     <a:extLst>
                       <a:ext uri="{0D108BD9-81ED-4DB2-BD59-A6C34878D82A}">
-                        <a16:rowId xmlns:a16="http://schemas.microsoft.com/office/drawing/2014/main" xmlns="" val="653722751"/>
+                        <a16:rowId xmlns:a16="http://schemas.microsoft.com/office/drawing/2014/main" val="653722751"/>
                       </a:ext>
                     </a:extLst>
                   </a:tr>
@@ -9543,7 +9534,7 @@
                                 <m:sSubPr>
                                   <m:ctrlPr>
                                     <a:rPr lang="en-US" sz="3000" b="1" i="1" smtClean="0">
-                                      <a:latin typeface="Cambria Math"/>
+                                      <a:latin typeface="Cambria Math" panose="02040503050406030204" pitchFamily="18" charset="0"/>
                                     </a:rPr>
                                   </m:ctrlPr>
                                 </m:sSubPr>
@@ -9736,7 +9727,7 @@
                                 <m:sSubPr>
                                   <m:ctrlPr>
                                     <a:rPr lang="en-US" sz="3000" b="1" i="1" smtClean="0">
-                                      <a:latin typeface="Cambria Math"/>
+                                      <a:latin typeface="Cambria Math" panose="02040503050406030204" pitchFamily="18" charset="0"/>
                                     </a:rPr>
                                   </m:ctrlPr>
                                 </m:sSubPr>
@@ -9862,7 +9853,7 @@
                     </a:tc>
                     <a:extLst>
                       <a:ext uri="{0D108BD9-81ED-4DB2-BD59-A6C34878D82A}">
-                        <a16:rowId xmlns:a16="http://schemas.microsoft.com/office/drawing/2014/main" xmlns="" val="2111612218"/>
+                        <a16:rowId xmlns:a16="http://schemas.microsoft.com/office/drawing/2014/main" val="2111612218"/>
                       </a:ext>
                     </a:extLst>
                   </a:tr>
@@ -10042,7 +10033,7 @@
                                 <m:sSubPr>
                                   <m:ctrlPr>
                                     <a:rPr lang="en-US" sz="3000" b="1" i="1" smtClean="0">
-                                      <a:latin typeface="Cambria Math"/>
+                                      <a:latin typeface="Cambria Math" panose="02040503050406030204" pitchFamily="18" charset="0"/>
                                     </a:rPr>
                                   </m:ctrlPr>
                                 </m:sSubPr>
@@ -10236,7 +10227,7 @@
                                 <m:sSubPr>
                                   <m:ctrlPr>
                                     <a:rPr lang="en-US" sz="3000" b="1" i="1" smtClean="0">
-                                      <a:latin typeface="Cambria Math"/>
+                                      <a:latin typeface="Cambria Math" panose="02040503050406030204" pitchFamily="18" charset="0"/>
                                     </a:rPr>
                                   </m:ctrlPr>
                                 </m:sSubPr>
@@ -10363,7 +10354,7 @@
                     </a:tc>
                     <a:extLst>
                       <a:ext uri="{0D108BD9-81ED-4DB2-BD59-A6C34878D82A}">
-                        <a16:rowId xmlns:a16="http://schemas.microsoft.com/office/drawing/2014/main" xmlns="" val="1638457691"/>
+                        <a16:rowId xmlns:a16="http://schemas.microsoft.com/office/drawing/2014/main" val="1638457691"/>
                       </a:ext>
                     </a:extLst>
                   </a:tr>
@@ -10811,7 +10802,7 @@
                     </a:tc>
                     <a:extLst>
                       <a:ext uri="{0D108BD9-81ED-4DB2-BD59-A6C34878D82A}">
-                        <a16:rowId xmlns:a16="http://schemas.microsoft.com/office/drawing/2014/main" xmlns="" val="3317433048"/>
+                        <a16:rowId xmlns:a16="http://schemas.microsoft.com/office/drawing/2014/main" val="3317433048"/>
                       </a:ext>
                     </a:extLst>
                   </a:tr>
@@ -11000,7 +10991,7 @@
                                 <m:sSubPr>
                                   <m:ctrlPr>
                                     <a:rPr lang="en-US" sz="3000" b="1" i="1" smtClean="0">
-                                      <a:latin typeface="Cambria Math"/>
+                                      <a:latin typeface="Cambria Math" panose="02040503050406030204" pitchFamily="18" charset="0"/>
                                     </a:rPr>
                                   </m:ctrlPr>
                                 </m:sSubPr>
@@ -11196,7 +11187,7 @@
                                 <m:sSubPr>
                                   <m:ctrlPr>
                                     <a:rPr lang="en-US" sz="3000" b="1" i="1" smtClean="0">
-                                      <a:latin typeface="Cambria Math"/>
+                                      <a:latin typeface="Cambria Math" panose="02040503050406030204" pitchFamily="18" charset="0"/>
                                     </a:rPr>
                                   </m:ctrlPr>
                                 </m:sSubPr>
@@ -11327,7 +11318,7 @@
                     </a:tc>
                     <a:extLst>
                       <a:ext uri="{0D108BD9-81ED-4DB2-BD59-A6C34878D82A}">
-                        <a16:rowId xmlns:a16="http://schemas.microsoft.com/office/drawing/2014/main" xmlns="" val="1150070244"/>
+                        <a16:rowId xmlns:a16="http://schemas.microsoft.com/office/drawing/2014/main" val="1150070244"/>
                       </a:ext>
                     </a:extLst>
                   </a:tr>
@@ -11761,7 +11752,7 @@
                     </a:tc>
                     <a:extLst>
                       <a:ext uri="{0D108BD9-81ED-4DB2-BD59-A6C34878D82A}">
-                        <a16:rowId xmlns:a16="http://schemas.microsoft.com/office/drawing/2014/main" xmlns="" val="1352560717"/>
+                        <a16:rowId xmlns:a16="http://schemas.microsoft.com/office/drawing/2014/main" val="1352560717"/>
                       </a:ext>
                     </a:extLst>
                   </a:tr>
@@ -11950,7 +11941,7 @@
                                 <m:sSubPr>
                                   <m:ctrlPr>
                                     <a:rPr lang="en-US" sz="3000" b="1" i="1" smtClean="0">
-                                      <a:latin typeface="Cambria Math"/>
+                                      <a:latin typeface="Cambria Math" panose="02040503050406030204" pitchFamily="18" charset="0"/>
                                     </a:rPr>
                                   </m:ctrlPr>
                                 </m:sSubPr>
@@ -12147,7 +12138,7 @@
                                 <m:sSubPr>
                                   <m:ctrlPr>
                                     <a:rPr lang="en-US" sz="3000" b="1" i="1" smtClean="0">
-                                      <a:latin typeface="Cambria Math"/>
+                                      <a:latin typeface="Cambria Math" panose="02040503050406030204" pitchFamily="18" charset="0"/>
                                     </a:rPr>
                                   </m:ctrlPr>
                                 </m:sSubPr>
@@ -12278,7 +12269,7 @@
                     </a:tc>
                     <a:extLst>
                       <a:ext uri="{0D108BD9-81ED-4DB2-BD59-A6C34878D82A}">
-                        <a16:rowId xmlns:a16="http://schemas.microsoft.com/office/drawing/2014/main" xmlns="" val="2159292062"/>
+                        <a16:rowId xmlns:a16="http://schemas.microsoft.com/office/drawing/2014/main" val="2159292062"/>
                       </a:ext>
                     </a:extLst>
                   </a:tr>
@@ -12712,7 +12703,7 @@
                     </a:tc>
                     <a:extLst>
                       <a:ext uri="{0D108BD9-81ED-4DB2-BD59-A6C34878D82A}">
-                        <a16:rowId xmlns:a16="http://schemas.microsoft.com/office/drawing/2014/main" xmlns="" val="3057922804"/>
+                        <a16:rowId xmlns:a16="http://schemas.microsoft.com/office/drawing/2014/main" val="3057922804"/>
                       </a:ext>
                     </a:extLst>
                   </a:tr>
@@ -12901,7 +12892,7 @@
                                 <m:sSubPr>
                                   <m:ctrlPr>
                                     <a:rPr lang="en-US" sz="3000" b="1" i="1" smtClean="0">
-                                      <a:latin typeface="Cambria Math"/>
+                                      <a:latin typeface="Cambria Math" panose="02040503050406030204" pitchFamily="18" charset="0"/>
                                     </a:rPr>
                                   </m:ctrlPr>
                                 </m:sSubPr>
@@ -13097,7 +13088,7 @@
                                 <m:sSubPr>
                                   <m:ctrlPr>
                                     <a:rPr lang="en-US" sz="3000" b="1" i="1" smtClean="0">
-                                      <a:latin typeface="Cambria Math"/>
+                                      <a:latin typeface="Cambria Math" panose="02040503050406030204" pitchFamily="18" charset="0"/>
                                     </a:rPr>
                                   </m:ctrlPr>
                                 </m:sSubPr>
@@ -13223,7 +13214,7 @@
                     </a:tc>
                     <a:extLst>
                       <a:ext uri="{0D108BD9-81ED-4DB2-BD59-A6C34878D82A}">
-                        <a16:rowId xmlns:a16="http://schemas.microsoft.com/office/drawing/2014/main" xmlns="" val="861605503"/>
+                        <a16:rowId xmlns:a16="http://schemas.microsoft.com/office/drawing/2014/main" val="861605503"/>
                       </a:ext>
                     </a:extLst>
                   </a:tr>
@@ -13671,7 +13662,7 @@
                     </a:tc>
                     <a:extLst>
                       <a:ext uri="{0D108BD9-81ED-4DB2-BD59-A6C34878D82A}">
-                        <a16:rowId xmlns:a16="http://schemas.microsoft.com/office/drawing/2014/main" xmlns="" val="1158839360"/>
+                        <a16:rowId xmlns:a16="http://schemas.microsoft.com/office/drawing/2014/main" val="1158839360"/>
                       </a:ext>
                     </a:extLst>
                   </a:tr>
@@ -13680,10 +13671,10 @@
             </a:graphic>
           </p:graphicFrame>
         </mc:Choice>
-        <mc:Fallback xmlns="">
+        <mc:Fallback>
           <p:graphicFrame>
             <p:nvGraphicFramePr>
-              <p:cNvPr id="72" name="Table 71">
+              <p:cNvPr id="56" name="Table 55">
                 <a:extLst>
                   <a:ext uri="{FF2B5EF4-FFF2-40B4-BE49-F238E27FC236}">
                     <a16:creationId xmlns:a16="http://schemas.microsoft.com/office/drawing/2014/main" id="{DC293643-0FF5-47CC-9190-0D1D19D1CA0B}"/>
@@ -13696,14 +13687,14 @@
               <p:nvPr>
                 <p:extLst>
                   <p:ext uri="{D42A27DB-BD31-4B8C-83A1-F6EECF244321}">
-                    <p14:modId xmlns:p14="http://schemas.microsoft.com/office/powerpoint/2010/main" val="894255552"/>
+                    <p14:modId xmlns:p14="http://schemas.microsoft.com/office/powerpoint/2010/main" val="4215231854"/>
                   </p:ext>
                 </p:extLst>
               </p:nvPr>
             </p:nvGraphicFramePr>
             <p:xfrm>
-              <a:off x="18428150" y="19792143"/>
-              <a:ext cx="12816000" cy="9946640"/>
+              <a:off x="18428478" y="19791945"/>
+              <a:ext cx="12817883" cy="9947729"/>
             </p:xfrm>
             <a:graphic>
               <a:graphicData uri="http://schemas.openxmlformats.org/drawingml/2006/table">
@@ -13712,56 +13703,56 @@
                     <a:tableStyleId>{5C22544A-7EE6-4342-B048-85BDC9FD1C3A}</a:tableStyleId>
                   </a:tblPr>
                   <a:tblGrid>
-                    <a:gridCol w="2556000">
+                    <a:gridCol w="2556376">
                       <a:extLst>
                         <a:ext uri="{9D8B030D-6E8A-4147-A177-3AD203B41FA5}">
                           <a16:colId xmlns:a16="http://schemas.microsoft.com/office/drawing/2014/main" val="1946601345"/>
                         </a:ext>
                       </a:extLst>
                     </a:gridCol>
-                    <a:gridCol w="1188000">
+                    <a:gridCol w="1188175">
                       <a:extLst>
                         <a:ext uri="{9D8B030D-6E8A-4147-A177-3AD203B41FA5}">
                           <a16:colId xmlns:a16="http://schemas.microsoft.com/office/drawing/2014/main" val="1319595562"/>
                         </a:ext>
                       </a:extLst>
                     </a:gridCol>
-                    <a:gridCol w="1404000">
+                    <a:gridCol w="1404206">
                       <a:extLst>
                         <a:ext uri="{9D8B030D-6E8A-4147-A177-3AD203B41FA5}">
                           <a16:colId xmlns:a16="http://schemas.microsoft.com/office/drawing/2014/main" val="3671013873"/>
                         </a:ext>
                       </a:extLst>
                     </a:gridCol>
-                    <a:gridCol w="1404000">
+                    <a:gridCol w="1404206">
                       <a:extLst>
                         <a:ext uri="{9D8B030D-6E8A-4147-A177-3AD203B41FA5}">
                           <a16:colId xmlns:a16="http://schemas.microsoft.com/office/drawing/2014/main" val="2049267816"/>
                         </a:ext>
                       </a:extLst>
                     </a:gridCol>
-                    <a:gridCol w="1728000">
+                    <a:gridCol w="1728254">
                       <a:extLst>
                         <a:ext uri="{9D8B030D-6E8A-4147-A177-3AD203B41FA5}">
                           <a16:colId xmlns:a16="http://schemas.microsoft.com/office/drawing/2014/main" val="966686260"/>
                         </a:ext>
                       </a:extLst>
                     </a:gridCol>
-                    <a:gridCol w="1404000">
+                    <a:gridCol w="1404206">
                       <a:extLst>
                         <a:ext uri="{9D8B030D-6E8A-4147-A177-3AD203B41FA5}">
                           <a16:colId xmlns:a16="http://schemas.microsoft.com/office/drawing/2014/main" val="2377125529"/>
                         </a:ext>
                       </a:extLst>
                     </a:gridCol>
-                    <a:gridCol w="1404000">
+                    <a:gridCol w="1404206">
                       <a:extLst>
                         <a:ext uri="{9D8B030D-6E8A-4147-A177-3AD203B41FA5}">
                           <a16:colId xmlns:a16="http://schemas.microsoft.com/office/drawing/2014/main" val="1858987758"/>
                         </a:ext>
                       </a:extLst>
                     </a:gridCol>
-                    <a:gridCol w="1728000">
+                    <a:gridCol w="1728254">
                       <a:extLst>
                         <a:ext uri="{9D8B030D-6E8A-4147-A177-3AD203B41FA5}">
                           <a16:colId xmlns:a16="http://schemas.microsoft.com/office/drawing/2014/main" val="922372244"/>
@@ -13769,7 +13760,7 @@
                       </a:extLst>
                     </a:gridCol>
                   </a:tblGrid>
-                  <a:tr h="548640">
+                  <a:tr h="548700">
                     <a:tc gridSpan="8">
                       <a:txBody>
                         <a:bodyPr/>
@@ -13786,7 +13777,7 @@
                           </a:r>
                         </a:p>
                       </a:txBody>
-                      <a:tcPr anchor="ctr">
+                      <a:tcPr marL="91453" marR="91453" marT="45725" marB="45725" anchor="ctr">
                         <a:lnL w="38100" cap="flat" cmpd="sng" algn="ctr">
                           <a:solidFill>
                             <a:schemeClr val="tx1"/>
@@ -14112,7 +14103,7 @@
                       </a:ext>
                     </a:extLst>
                   </a:tr>
-                  <a:tr h="548640">
+                  <a:tr h="548700">
                     <a:tc rowSpan="5">
                       <a:txBody>
                         <a:bodyPr/>
@@ -14126,7 +14117,7 @@
                           </a:endParaRPr>
                         </a:p>
                       </a:txBody>
-                      <a:tcPr anchor="ctr">
+                      <a:tcPr marL="91453" marR="91453" marT="45725" marB="45725" anchor="ctr">
                         <a:lnL w="38100" cap="flat" cmpd="sng" algn="ctr">
                           <a:solidFill>
                             <a:schemeClr val="tx1"/>
@@ -14188,7 +14179,7 @@
                           </a:r>
                         </a:p>
                       </a:txBody>
-                      <a:tcPr anchor="ctr">
+                      <a:tcPr marL="91453" marR="91453" marT="45725" marB="45725" anchor="ctr">
                         <a:lnL w="12700" cap="flat" cmpd="sng" algn="ctr">
                           <a:noFill/>
                           <a:prstDash val="solid"/>
@@ -14247,7 +14238,7 @@
                           </a:endParaRPr>
                         </a:p>
                       </a:txBody>
-                      <a:tcPr anchor="ctr">
+                      <a:tcPr marL="91453" marR="91453" marT="45725" marB="45725" anchor="ctr">
                         <a:lnL w="38100" cap="flat" cmpd="sng" algn="ctr">
                           <a:solidFill>
                             <a:schemeClr val="tx1"/>
@@ -14354,7 +14345,7 @@
                           </a:endParaRPr>
                         </a:p>
                       </a:txBody>
-                      <a:tcPr anchor="ctr">
+                      <a:tcPr marL="91453" marR="91453" marT="45725" marB="45725" anchor="ctr">
                         <a:lnL w="38100" cap="flat" cmpd="sng" algn="ctr">
                           <a:solidFill>
                             <a:schemeClr val="tx1"/>
@@ -14504,7 +14495,7 @@
                       </a:ext>
                     </a:extLst>
                   </a:tr>
-                  <a:tr h="71120">
+                  <a:tr h="71128">
                     <a:tc vMerge="1">
                       <a:txBody>
                         <a:bodyPr/>
@@ -14541,7 +14532,7 @@
                           </a:r>
                         </a:p>
                       </a:txBody>
-                      <a:tcPr anchor="ctr">
+                      <a:tcPr marL="91453" marR="91453" marT="45725" marB="45725" anchor="ctr">
                         <a:lnL w="38100" cap="flat" cmpd="sng" algn="ctr">
                           <a:solidFill>
                             <a:schemeClr val="tx1"/>
@@ -14603,7 +14594,7 @@
                           </a:r>
                         </a:p>
                       </a:txBody>
-                      <a:tcPr anchor="ctr">
+                      <a:tcPr marL="91453" marR="91453" marT="45725" marB="45725" anchor="ctr">
                         <a:lnL w="9525" cap="flat" cmpd="sng" algn="ctr">
                           <a:solidFill>
                             <a:schemeClr val="tx1"/>
@@ -14699,7 +14690,7 @@
                       </a:ext>
                     </a:extLst>
                   </a:tr>
-                  <a:tr h="477520">
+                  <a:tr h="477573">
                     <a:tc vMerge="1">
                       <a:txBody>
                         <a:bodyPr/>
@@ -14766,7 +14757,7 @@
                           </a:r>
                         </a:p>
                       </a:txBody>
-                      <a:tcPr anchor="ctr">
+                      <a:tcPr marL="91453" marR="91453" marT="45725" marB="45725" anchor="ctr">
                         <a:lnL w="38100" cap="flat" cmpd="sng" algn="ctr">
                           <a:solidFill>
                             <a:schemeClr val="tx1"/>
@@ -14826,10 +14817,10 @@
                             </a:rPr>
                             <a:t>adversarial images</a:t>
                           </a:r>
-                          <a:endParaRPr lang="en-US" b="1" dirty="0"/>
-                        </a:p>
-                      </a:txBody>
-                      <a:tcPr anchor="ctr">
+                          <a:endParaRPr lang="en-US" sz="6400" b="1" dirty="0"/>
+                        </a:p>
+                      </a:txBody>
+                      <a:tcPr marL="91453" marR="91453" marT="45725" marB="45725" anchor="ctr">
                         <a:lnL w="9525" cap="flat" cmpd="sng" algn="ctr">
                           <a:solidFill>
                             <a:schemeClr val="tx1"/>
@@ -14908,7 +14899,7 @@
                       </a:ext>
                     </a:extLst>
                   </a:tr>
-                  <a:tr h="71120">
+                  <a:tr h="71128">
                     <a:tc vMerge="1">
                       <a:txBody>
                         <a:bodyPr/>
@@ -14955,7 +14946,7 @@
                           </a:r>
                         </a:p>
                       </a:txBody>
-                      <a:tcPr anchor="ctr">
+                      <a:tcPr marL="91453" marR="91453" marT="45725" marB="45725" anchor="ctr">
                         <a:lnL w="9525" cap="flat" cmpd="sng" algn="ctr">
                           <a:solidFill>
                             <a:schemeClr val="tx1"/>
@@ -15007,17 +14998,14 @@
                         <a:lstStyle/>
                         <a:p>
                           <a:pPr algn="ctr"/>
-                          <a:r>
-                            <a:rPr lang="en-US" sz="3000" b="1" dirty="0">
-                              <a:solidFill>
-                                <a:schemeClr val="tx1"/>
-                              </a:solidFill>
-                            </a:rPr>
-                            <a:t>gray box</a:t>
-                          </a:r>
-                        </a:p>
-                      </a:txBody>
-                      <a:tcPr anchor="ctr">
+                          <a:endParaRPr lang="en-US" sz="3000" b="1" dirty="0">
+                            <a:solidFill>
+                              <a:schemeClr val="tx1"/>
+                            </a:solidFill>
+                          </a:endParaRPr>
+                        </a:p>
+                      </a:txBody>
+                      <a:tcPr marL="91453" marR="91453" marT="45725" marB="45725" anchor="ctr">
                         <a:lnL w="9525" cap="flat" cmpd="sng" algn="ctr">
                           <a:solidFill>
                             <a:schemeClr val="tx1"/>
@@ -15087,7 +15075,7 @@
                       </a:ext>
                     </a:extLst>
                   </a:tr>
-                  <a:tr h="548640">
+                  <a:tr h="548700">
                     <a:tc vMerge="1">
                       <a:txBody>
                         <a:bodyPr/>
@@ -15162,10 +15150,10 @@
                             </a:rPr>
                             <a:t>attack</a:t>
                           </a:r>
-                          <a:endParaRPr lang="en-US" b="1" dirty="0"/>
-                        </a:p>
-                      </a:txBody>
-                      <a:tcPr anchor="ctr">
+                          <a:endParaRPr lang="en-US" sz="6400" b="1" dirty="0"/>
+                        </a:p>
+                      </a:txBody>
+                      <a:tcPr marL="91453" marR="91453" marT="45725" marB="45725" anchor="ctr">
                         <a:lnL w="9525" cap="flat" cmpd="sng" algn="ctr">
                           <a:solidFill>
                             <a:schemeClr val="tx1"/>
@@ -15176,7 +15164,9 @@
                           <a:tailEnd type="none" w="med" len="med"/>
                         </a:lnL>
                         <a:lnR w="12700" cap="flat" cmpd="sng" algn="ctr">
-                          <a:noFill/>
+                          <a:solidFill>
+                            <a:schemeClr val="tx1"/>
+                          </a:solidFill>
                           <a:prstDash val="solid"/>
                           <a:round/>
                           <a:headEnd type="none" w="med" len="med"/>
@@ -15215,20 +15205,14 @@
                         <a:lstStyle/>
                         <a:p>
                           <a:pPr algn="ctr"/>
-                          <a:r>
-                            <a:rPr lang="en-US" sz="3000" b="1" dirty="0">
-                              <a:solidFill>
-                                <a:schemeClr val="tx1"/>
-                              </a:solidFill>
-                            </a:rPr>
-                            <a:t>gray box</a:t>
-                          </a:r>
-                          <a:endParaRPr lang="en-US" b="1" dirty="0"/>
-                        </a:p>
-                      </a:txBody>
-                      <a:tcPr anchor="ctr">
+                          <a:endParaRPr lang="en-US" sz="3000" b="1" dirty="0"/>
+                        </a:p>
+                      </a:txBody>
+                      <a:tcPr marL="91453" marR="91453" marT="45725" marB="45725" anchor="ctr">
                         <a:lnL w="12700" cap="flat" cmpd="sng" algn="ctr">
-                          <a:noFill/>
+                          <a:solidFill>
+                            <a:schemeClr val="tx1"/>
+                          </a:solidFill>
                           <a:prstDash val="solid"/>
                           <a:round/>
                           <a:headEnd type="none" w="med" len="med"/>
@@ -15264,7 +15248,7 @@
                       </a:ext>
                     </a:extLst>
                   </a:tr>
-                  <a:tr h="548640">
+                  <a:tr h="548700">
                     <a:tc rowSpan="4">
                       <a:txBody>
                         <a:bodyPr/>
@@ -15281,7 +15265,7 @@
                           </a:r>
                         </a:p>
                       </a:txBody>
-                      <a:tcPr anchor="ctr">
+                      <a:tcPr marL="91453" marR="91453" marT="45725" marB="45725" anchor="ctr">
                         <a:lnL w="38100" cap="flat" cmpd="sng" algn="ctr">
                           <a:solidFill>
                             <a:schemeClr val="tx1"/>
@@ -15337,7 +15321,7 @@
                           </a:r>
                         </a:p>
                       </a:txBody>
-                      <a:tcPr anchor="ctr">
+                      <a:tcPr marL="91453" marR="91453" marT="45725" marB="45725" anchor="ctr">
                         <a:lnL w="38100" cap="flat" cmpd="sng" algn="ctr">
                           <a:solidFill>
                             <a:schemeClr val="bg1"/>
@@ -15393,7 +15377,7 @@
                           </a:r>
                         </a:p>
                       </a:txBody>
-                      <a:tcPr anchor="ctr">
+                      <a:tcPr marL="91453" marR="91453" marT="45725" marB="45725" anchor="ctr">
                         <a:lnL w="38100" cap="flat" cmpd="sng" algn="ctr">
                           <a:solidFill>
                             <a:schemeClr val="tx1"/>
@@ -15441,7 +15425,7 @@
                           <a:endParaRPr lang="en-US"/>
                         </a:p>
                       </a:txBody>
-                      <a:tcPr anchor="ctr">
+                      <a:tcPr marL="91453" marR="91453" marT="45725" marB="45725" anchor="ctr">
                         <a:lnL w="12700" cap="flat" cmpd="sng" algn="ctr">
                           <a:solidFill>
                             <a:schemeClr val="tx1"/>
@@ -15481,7 +15465,7 @@
                         <a:blipFill>
                           <a:blip r:embed="rId13"/>
                           <a:stretch>
-                            <a:fillRect l="-367100" t="-425556" r="-447619" b="-1335556"/>
+                            <a:fillRect l="-369130" t="-425556" r="-449565" b="-1336667"/>
                           </a:stretch>
                         </a:blipFill>
                       </a:tcPr>
@@ -15502,7 +15486,7 @@
                           </a:r>
                         </a:p>
                       </a:txBody>
-                      <a:tcPr anchor="ctr">
+                      <a:tcPr marL="91453" marR="91453" marT="45725" marB="45725" anchor="ctr">
                         <a:lnL w="12700" cap="flat" cmpd="sng" algn="ctr">
                           <a:solidFill>
                             <a:schemeClr val="tx1"/>
@@ -15558,7 +15542,7 @@
                           </a:r>
                         </a:p>
                       </a:txBody>
-                      <a:tcPr anchor="ctr">
+                      <a:tcPr marL="91453" marR="91453" marT="45725" marB="45725" anchor="ctr">
                         <a:lnL w="38100" cap="flat" cmpd="sng" algn="ctr">
                           <a:solidFill>
                             <a:schemeClr val="tx1"/>
@@ -15606,7 +15590,7 @@
                           <a:endParaRPr lang="en-US"/>
                         </a:p>
                       </a:txBody>
-                      <a:tcPr anchor="ctr">
+                      <a:tcPr marL="91453" marR="91453" marT="45725" marB="45725" anchor="ctr">
                         <a:lnL w="12700" cap="flat" cmpd="sng" algn="ctr">
                           <a:solidFill>
                             <a:schemeClr val="tx1"/>
@@ -15646,7 +15630,7 @@
                         <a:blipFill>
                           <a:blip r:embed="rId13"/>
                           <a:stretch>
-                            <a:fillRect l="-692609" t="-425556" r="-126087" b="-1335556"/>
+                            <a:fillRect l="-692609" t="-425556" r="-126087" b="-1336667"/>
                           </a:stretch>
                         </a:blipFill>
                       </a:tcPr>
@@ -15667,7 +15651,7 @@
                           </a:r>
                         </a:p>
                       </a:txBody>
-                      <a:tcPr anchor="ctr">
+                      <a:tcPr marL="91453" marR="91453" marT="45725" marB="45725" anchor="ctr">
                         <a:lnL w="12700" cap="flat" cmpd="sng" algn="ctr">
                           <a:solidFill>
                             <a:schemeClr val="tx1"/>
@@ -15713,7 +15697,7 @@
                       </a:ext>
                     </a:extLst>
                   </a:tr>
-                  <a:tr h="548640">
+                  <a:tr h="548700">
                     <a:tc vMerge="1">
                       <a:txBody>
                         <a:bodyPr/>
@@ -15881,7 +15865,7 @@
                           <a:endParaRPr lang="en-US"/>
                         </a:p>
                       </a:txBody>
-                      <a:tcPr anchor="ctr">
+                      <a:tcPr marL="91453" marR="91453" marT="45725" marB="45725" anchor="ctr">
                         <a:lnL w="12700" cap="flat" cmpd="sng" algn="ctr">
                           <a:solidFill>
                             <a:schemeClr val="tx1"/>
@@ -15921,7 +15905,7 @@
                         <a:blipFill>
                           <a:blip r:embed="rId13"/>
                           <a:stretch>
-                            <a:fillRect l="-367100" t="-525556" r="-447619" b="-1235556"/>
+                            <a:fillRect l="-369130" t="-525556" r="-449565" b="-1236667"/>
                           </a:stretch>
                         </a:blipFill>
                       </a:tcPr>
@@ -15942,7 +15926,7 @@
                           </a:r>
                         </a:p>
                       </a:txBody>
-                      <a:tcPr anchor="ctr">
+                      <a:tcPr marL="91453" marR="91453" marT="45725" marB="45725" anchor="ctr">
                         <a:lnL w="12700" cap="flat" cmpd="sng" algn="ctr">
                           <a:solidFill>
                             <a:schemeClr val="tx1"/>
@@ -16043,7 +16027,7 @@
                           <a:endParaRPr lang="en-US"/>
                         </a:p>
                       </a:txBody>
-                      <a:tcPr anchor="ctr">
+                      <a:tcPr marL="91453" marR="91453" marT="45725" marB="45725" anchor="ctr">
                         <a:lnL w="12700" cap="flat" cmpd="sng" algn="ctr">
                           <a:solidFill>
                             <a:schemeClr val="tx1"/>
@@ -16083,7 +16067,7 @@
                         <a:blipFill>
                           <a:blip r:embed="rId13"/>
                           <a:stretch>
-                            <a:fillRect l="-692609" t="-525556" r="-126087" b="-1235556"/>
+                            <a:fillRect l="-692609" t="-525556" r="-126087" b="-1236667"/>
                           </a:stretch>
                         </a:blipFill>
                       </a:tcPr>
@@ -16104,7 +16088,7 @@
                           </a:r>
                         </a:p>
                       </a:txBody>
-                      <a:tcPr anchor="ctr">
+                      <a:tcPr marL="91453" marR="91453" marT="45725" marB="45725" anchor="ctr">
                         <a:lnL w="12700" cap="flat" cmpd="sng" algn="ctr">
                           <a:solidFill>
                             <a:schemeClr val="tx1"/>
@@ -16150,7 +16134,7 @@
                       </a:ext>
                     </a:extLst>
                   </a:tr>
-                  <a:tr h="548640">
+                  <a:tr h="548700">
                     <a:tc vMerge="1">
                       <a:txBody>
                         <a:bodyPr/>
@@ -16318,7 +16302,7 @@
                           <a:endParaRPr lang="en-US"/>
                         </a:p>
                       </a:txBody>
-                      <a:tcPr anchor="ctr">
+                      <a:tcPr marL="91453" marR="91453" marT="45725" marB="45725" anchor="ctr">
                         <a:lnL w="12700" cap="flat" cmpd="sng" algn="ctr">
                           <a:solidFill>
                             <a:schemeClr val="tx1"/>
@@ -16358,7 +16342,7 @@
                         <a:blipFill>
                           <a:blip r:embed="rId13"/>
                           <a:stretch>
-                            <a:fillRect l="-367100" t="-625556" r="-447619" b="-1135556"/>
+                            <a:fillRect l="-369130" t="-625556" r="-449565" b="-1136667"/>
                           </a:stretch>
                         </a:blipFill>
                       </a:tcPr>
@@ -16379,7 +16363,7 @@
                           </a:r>
                         </a:p>
                       </a:txBody>
-                      <a:tcPr anchor="ctr">
+                      <a:tcPr marL="91453" marR="91453" marT="45725" marB="45725" anchor="ctr">
                         <a:lnL w="12700" cap="flat" cmpd="sng" algn="ctr">
                           <a:solidFill>
                             <a:schemeClr val="tx1"/>
@@ -16480,7 +16464,7 @@
                           <a:endParaRPr lang="en-US"/>
                         </a:p>
                       </a:txBody>
-                      <a:tcPr anchor="ctr">
+                      <a:tcPr marL="91453" marR="91453" marT="45725" marB="45725" anchor="ctr">
                         <a:lnL w="12700" cap="flat" cmpd="sng" algn="ctr">
                           <a:solidFill>
                             <a:schemeClr val="tx1"/>
@@ -16520,7 +16504,7 @@
                         <a:blipFill>
                           <a:blip r:embed="rId13"/>
                           <a:stretch>
-                            <a:fillRect l="-692609" t="-625556" r="-126087" b="-1135556"/>
+                            <a:fillRect l="-692609" t="-625556" r="-126087" b="-1136667"/>
                           </a:stretch>
                         </a:blipFill>
                       </a:tcPr>
@@ -16541,7 +16525,7 @@
                           </a:r>
                         </a:p>
                       </a:txBody>
-                      <a:tcPr anchor="ctr">
+                      <a:tcPr marL="91453" marR="91453" marT="45725" marB="45725" anchor="ctr">
                         <a:lnL w="12700" cap="flat" cmpd="sng" algn="ctr">
                           <a:solidFill>
                             <a:schemeClr val="tx1"/>
@@ -16587,7 +16571,7 @@
                       </a:ext>
                     </a:extLst>
                   </a:tr>
-                  <a:tr h="548640">
+                  <a:tr h="548700">
                     <a:tc vMerge="1">
                       <a:txBody>
                         <a:bodyPr/>
@@ -16657,7 +16641,7 @@
                           </a:r>
                         </a:p>
                       </a:txBody>
-                      <a:tcPr anchor="ctr">
+                      <a:tcPr marL="91453" marR="91453" marT="45725" marB="45725" anchor="ctr">
                         <a:lnL w="38100" cap="flat" cmpd="sng" algn="ctr">
                           <a:solidFill>
                             <a:schemeClr val="bg1"/>
@@ -16713,7 +16697,7 @@
                           </a:r>
                         </a:p>
                       </a:txBody>
-                      <a:tcPr anchor="ctr">
+                      <a:tcPr marL="91453" marR="91453" marT="45725" marB="45725" anchor="ctr">
                         <a:lnL w="38100" cap="flat" cmpd="sng" algn="ctr">
                           <a:solidFill>
                             <a:schemeClr val="tx1"/>
@@ -16765,7 +16749,7 @@
                           </a:r>
                         </a:p>
                       </a:txBody>
-                      <a:tcPr anchor="ctr">
+                      <a:tcPr marL="91453" marR="91453" marT="45725" marB="45725" anchor="ctr">
                         <a:lnL w="12700" cap="flat" cmpd="sng" algn="ctr">
                           <a:solidFill>
                             <a:schemeClr val="tx1"/>
@@ -16821,7 +16805,7 @@
                           </a:r>
                         </a:p>
                       </a:txBody>
-                      <a:tcPr anchor="ctr">
+                      <a:tcPr marL="91453" marR="91453" marT="45725" marB="45725" anchor="ctr">
                         <a:lnL w="12700" cap="flat" cmpd="sng" algn="ctr">
                           <a:solidFill>
                             <a:schemeClr val="tx1"/>
@@ -16877,7 +16861,7 @@
                           </a:r>
                         </a:p>
                       </a:txBody>
-                      <a:tcPr anchor="ctr">
+                      <a:tcPr marL="91453" marR="91453" marT="45725" marB="45725" anchor="ctr">
                         <a:lnL w="38100" cap="flat" cmpd="sng" algn="ctr">
                           <a:solidFill>
                             <a:schemeClr val="tx1"/>
@@ -16929,7 +16913,7 @@
                           </a:r>
                         </a:p>
                       </a:txBody>
-                      <a:tcPr anchor="ctr">
+                      <a:tcPr marL="91453" marR="91453" marT="45725" marB="45725" anchor="ctr">
                         <a:lnL w="12700" cap="flat" cmpd="sng" algn="ctr">
                           <a:solidFill>
                             <a:schemeClr val="tx1"/>
@@ -16985,7 +16969,7 @@
                           </a:r>
                         </a:p>
                       </a:txBody>
-                      <a:tcPr anchor="ctr">
+                      <a:tcPr marL="91453" marR="91453" marT="45725" marB="45725" anchor="ctr">
                         <a:lnL w="12700" cap="flat" cmpd="sng" algn="ctr">
                           <a:solidFill>
                             <a:schemeClr val="tx1"/>
@@ -17031,7 +17015,7 @@
                       </a:ext>
                     </a:extLst>
                   </a:tr>
-                  <a:tr h="548640">
+                  <a:tr h="548700">
                     <a:tc rowSpan="4">
                       <a:txBody>
                         <a:bodyPr/>
@@ -17048,7 +17032,7 @@
                           </a:r>
                         </a:p>
                       </a:txBody>
-                      <a:tcPr anchor="ctr">
+                      <a:tcPr marL="91453" marR="91453" marT="45725" marB="45725" anchor="ctr">
                         <a:lnL w="38100" cap="flat" cmpd="sng" algn="ctr">
                           <a:solidFill>
                             <a:schemeClr val="tx1"/>
@@ -17104,7 +17088,7 @@
                           </a:r>
                         </a:p>
                       </a:txBody>
-                      <a:tcPr anchor="ctr">
+                      <a:tcPr marL="91453" marR="91453" marT="45725" marB="45725" anchor="ctr">
                         <a:lnL w="38100" cap="flat" cmpd="sng" algn="ctr">
                           <a:solidFill>
                             <a:schemeClr val="bg1"/>
@@ -17160,7 +17144,7 @@
                           </a:r>
                         </a:p>
                       </a:txBody>
-                      <a:tcPr anchor="ctr">
+                      <a:tcPr marL="91453" marR="91453" marT="45725" marB="45725" anchor="ctr">
                         <a:lnL w="38100" cap="flat" cmpd="sng" algn="ctr">
                           <a:solidFill>
                             <a:schemeClr val="tx1"/>
@@ -17208,7 +17192,7 @@
                           <a:endParaRPr lang="en-US"/>
                         </a:p>
                       </a:txBody>
-                      <a:tcPr anchor="ctr">
+                      <a:tcPr marL="91453" marR="91453" marT="45725" marB="45725" anchor="ctr">
                         <a:lnL w="12700" cap="flat" cmpd="sng" algn="ctr">
                           <a:solidFill>
                             <a:schemeClr val="tx1"/>
@@ -17248,7 +17232,7 @@
                         <a:blipFill>
                           <a:blip r:embed="rId13"/>
                           <a:stretch>
-                            <a:fillRect l="-367100" t="-825556" r="-447619" b="-935556"/>
+                            <a:fillRect l="-369130" t="-825556" r="-449565" b="-936667"/>
                           </a:stretch>
                         </a:blipFill>
                       </a:tcPr>
@@ -17271,7 +17255,7 @@
                           </a:r>
                         </a:p>
                       </a:txBody>
-                      <a:tcPr anchor="ctr">
+                      <a:tcPr marL="91453" marR="91453" marT="45725" marB="45725" anchor="ctr">
                         <a:lnL w="12700" cap="flat" cmpd="sng" algn="ctr">
                           <a:solidFill>
                             <a:schemeClr val="tx1"/>
@@ -17327,7 +17311,7 @@
                           </a:r>
                         </a:p>
                       </a:txBody>
-                      <a:tcPr anchor="ctr">
+                      <a:tcPr marL="91453" marR="91453" marT="45725" marB="45725" anchor="ctr">
                         <a:lnL w="38100" cap="flat" cmpd="sng" algn="ctr">
                           <a:solidFill>
                             <a:schemeClr val="tx1"/>
@@ -17375,7 +17359,7 @@
                           <a:endParaRPr lang="en-US"/>
                         </a:p>
                       </a:txBody>
-                      <a:tcPr anchor="ctr">
+                      <a:tcPr marL="91453" marR="91453" marT="45725" marB="45725" anchor="ctr">
                         <a:lnL w="12700" cap="flat" cmpd="sng" algn="ctr">
                           <a:solidFill>
                             <a:schemeClr val="tx1"/>
@@ -17415,7 +17399,7 @@
                         <a:blipFill>
                           <a:blip r:embed="rId13"/>
                           <a:stretch>
-                            <a:fillRect l="-692609" t="-825556" r="-126087" b="-935556"/>
+                            <a:fillRect l="-692609" t="-825556" r="-126087" b="-936667"/>
                           </a:stretch>
                         </a:blipFill>
                       </a:tcPr>
@@ -17438,7 +17422,7 @@
                           </a:r>
                         </a:p>
                       </a:txBody>
-                      <a:tcPr anchor="ctr">
+                      <a:tcPr marL="91453" marR="91453" marT="45725" marB="45725" anchor="ctr">
                         <a:lnL w="12700" cap="flat" cmpd="sng" algn="ctr">
                           <a:solidFill>
                             <a:schemeClr val="tx1"/>
@@ -17484,7 +17468,7 @@
                       </a:ext>
                     </a:extLst>
                   </a:tr>
-                  <a:tr h="548640">
+                  <a:tr h="548700">
                     <a:tc vMerge="1">
                       <a:txBody>
                         <a:bodyPr/>
@@ -17652,7 +17636,7 @@
                           <a:endParaRPr lang="en-US"/>
                         </a:p>
                       </a:txBody>
-                      <a:tcPr anchor="ctr">
+                      <a:tcPr marL="91453" marR="91453" marT="45725" marB="45725" anchor="ctr">
                         <a:lnL w="12700" cap="flat" cmpd="sng" algn="ctr">
                           <a:solidFill>
                             <a:schemeClr val="tx1"/>
@@ -17692,7 +17676,7 @@
                         <a:blipFill>
                           <a:blip r:embed="rId13"/>
                           <a:stretch>
-                            <a:fillRect l="-367100" t="-925556" r="-447619" b="-835556"/>
+                            <a:fillRect l="-369130" t="-925556" r="-449565" b="-836667"/>
                           </a:stretch>
                         </a:blipFill>
                       </a:tcPr>
@@ -17715,7 +17699,7 @@
                           </a:r>
                         </a:p>
                       </a:txBody>
-                      <a:tcPr anchor="ctr">
+                      <a:tcPr marL="91453" marR="91453" marT="45725" marB="45725" anchor="ctr">
                         <a:lnL w="12700" cap="flat" cmpd="sng" algn="ctr">
                           <a:solidFill>
                             <a:schemeClr val="tx1"/>
@@ -17816,7 +17800,7 @@
                           <a:endParaRPr lang="en-US"/>
                         </a:p>
                       </a:txBody>
-                      <a:tcPr anchor="ctr">
+                      <a:tcPr marL="91453" marR="91453" marT="45725" marB="45725" anchor="ctr">
                         <a:lnL w="12700" cap="flat" cmpd="sng" algn="ctr">
                           <a:solidFill>
                             <a:schemeClr val="tx1"/>
@@ -17856,7 +17840,7 @@
                         <a:blipFill>
                           <a:blip r:embed="rId13"/>
                           <a:stretch>
-                            <a:fillRect l="-692609" t="-925556" r="-126087" b="-835556"/>
+                            <a:fillRect l="-692609" t="-925556" r="-126087" b="-836667"/>
                           </a:stretch>
                         </a:blipFill>
                       </a:tcPr>
@@ -17879,7 +17863,7 @@
                           </a:r>
                         </a:p>
                       </a:txBody>
-                      <a:tcPr anchor="ctr">
+                      <a:tcPr marL="91453" marR="91453" marT="45725" marB="45725" anchor="ctr">
                         <a:lnL w="12700" cap="flat" cmpd="sng" algn="ctr">
                           <a:solidFill>
                             <a:schemeClr val="tx1"/>
@@ -17925,7 +17909,7 @@
                       </a:ext>
                     </a:extLst>
                   </a:tr>
-                  <a:tr h="548640">
+                  <a:tr h="548700">
                     <a:tc vMerge="1">
                       <a:txBody>
                         <a:bodyPr/>
@@ -18093,7 +18077,7 @@
                           <a:endParaRPr lang="en-US"/>
                         </a:p>
                       </a:txBody>
-                      <a:tcPr anchor="ctr">
+                      <a:tcPr marL="91453" marR="91453" marT="45725" marB="45725" anchor="ctr">
                         <a:lnL w="12700" cap="flat" cmpd="sng" algn="ctr">
                           <a:solidFill>
                             <a:schemeClr val="tx1"/>
@@ -18133,7 +18117,7 @@
                         <a:blipFill>
                           <a:blip r:embed="rId13"/>
                           <a:stretch>
-                            <a:fillRect l="-367100" t="-1025556" r="-447619" b="-735556"/>
+                            <a:fillRect l="-369130" t="-1025556" r="-449565" b="-736667"/>
                           </a:stretch>
                         </a:blipFill>
                       </a:tcPr>
@@ -18156,7 +18140,7 @@
                           </a:r>
                         </a:p>
                       </a:txBody>
-                      <a:tcPr anchor="ctr">
+                      <a:tcPr marL="91453" marR="91453" marT="45725" marB="45725" anchor="ctr">
                         <a:lnL w="12700" cap="flat" cmpd="sng" algn="ctr">
                           <a:solidFill>
                             <a:schemeClr val="tx1"/>
@@ -18257,7 +18241,7 @@
                           <a:endParaRPr lang="en-US"/>
                         </a:p>
                       </a:txBody>
-                      <a:tcPr anchor="ctr">
+                      <a:tcPr marL="91453" marR="91453" marT="45725" marB="45725" anchor="ctr">
                         <a:lnL w="12700" cap="flat" cmpd="sng" algn="ctr">
                           <a:solidFill>
                             <a:schemeClr val="tx1"/>
@@ -18297,7 +18281,7 @@
                         <a:blipFill>
                           <a:blip r:embed="rId13"/>
                           <a:stretch>
-                            <a:fillRect l="-692609" t="-1025556" r="-126087" b="-735556"/>
+                            <a:fillRect l="-692609" t="-1025556" r="-126087" b="-736667"/>
                           </a:stretch>
                         </a:blipFill>
                       </a:tcPr>
@@ -18320,7 +18304,7 @@
                           </a:r>
                         </a:p>
                       </a:txBody>
-                      <a:tcPr anchor="ctr">
+                      <a:tcPr marL="91453" marR="91453" marT="45725" marB="45725" anchor="ctr">
                         <a:lnL w="12700" cap="flat" cmpd="sng" algn="ctr">
                           <a:solidFill>
                             <a:schemeClr val="tx1"/>
@@ -18366,7 +18350,7 @@
                       </a:ext>
                     </a:extLst>
                   </a:tr>
-                  <a:tr h="548640">
+                  <a:tr h="548700">
                     <a:tc vMerge="1">
                       <a:txBody>
                         <a:bodyPr/>
@@ -18436,7 +18420,7 @@
                           </a:r>
                         </a:p>
                       </a:txBody>
-                      <a:tcPr anchor="ctr">
+                      <a:tcPr marL="91453" marR="91453" marT="45725" marB="45725" anchor="ctr">
                         <a:lnL w="38100" cap="flat" cmpd="sng" algn="ctr">
                           <a:solidFill>
                             <a:schemeClr val="bg1"/>
@@ -18492,7 +18476,7 @@
                           </a:r>
                         </a:p>
                       </a:txBody>
-                      <a:tcPr anchor="ctr">
+                      <a:tcPr marL="91453" marR="91453" marT="45725" marB="45725" anchor="ctr">
                         <a:lnL w="38100" cap="flat" cmpd="sng" algn="ctr">
                           <a:solidFill>
                             <a:schemeClr val="tx1"/>
@@ -18544,7 +18528,7 @@
                           </a:r>
                         </a:p>
                       </a:txBody>
-                      <a:tcPr anchor="ctr">
+                      <a:tcPr marL="91453" marR="91453" marT="45725" marB="45725" anchor="ctr">
                         <a:lnL w="12700" cap="flat" cmpd="sng" algn="ctr">
                           <a:solidFill>
                             <a:schemeClr val="tx1"/>
@@ -18602,7 +18586,7 @@
                           </a:r>
                         </a:p>
                       </a:txBody>
-                      <a:tcPr anchor="ctr">
+                      <a:tcPr marL="91453" marR="91453" marT="45725" marB="45725" anchor="ctr">
                         <a:lnL w="12700" cap="flat" cmpd="sng" algn="ctr">
                           <a:solidFill>
                             <a:schemeClr val="tx1"/>
@@ -18658,7 +18642,7 @@
                           </a:r>
                         </a:p>
                       </a:txBody>
-                      <a:tcPr anchor="ctr">
+                      <a:tcPr marL="91453" marR="91453" marT="45725" marB="45725" anchor="ctr">
                         <a:lnL w="38100" cap="flat" cmpd="sng" algn="ctr">
                           <a:solidFill>
                             <a:schemeClr val="tx1"/>
@@ -18710,7 +18694,7 @@
                           </a:r>
                         </a:p>
                       </a:txBody>
-                      <a:tcPr anchor="ctr">
+                      <a:tcPr marL="91453" marR="91453" marT="45725" marB="45725" anchor="ctr">
                         <a:lnL w="12700" cap="flat" cmpd="sng" algn="ctr">
                           <a:solidFill>
                             <a:schemeClr val="tx1"/>
@@ -18768,7 +18752,7 @@
                           </a:r>
                         </a:p>
                       </a:txBody>
-                      <a:tcPr anchor="ctr">
+                      <a:tcPr marL="91453" marR="91453" marT="45725" marB="45725" anchor="ctr">
                         <a:lnL w="12700" cap="flat" cmpd="sng" algn="ctr">
                           <a:solidFill>
                             <a:schemeClr val="tx1"/>
@@ -18814,7 +18798,7 @@
                       </a:ext>
                     </a:extLst>
                   </a:tr>
-                  <a:tr h="548640">
+                  <a:tr h="548700">
                     <a:tc rowSpan="2">
                       <a:txBody>
                         <a:bodyPr/>
@@ -18831,7 +18815,7 @@
                           </a:r>
                         </a:p>
                       </a:txBody>
-                      <a:tcPr anchor="ctr">
+                      <a:tcPr marL="91453" marR="91453" marT="45725" marB="45725" anchor="ctr">
                         <a:lnL w="38100" cap="flat" cmpd="sng" algn="ctr">
                           <a:solidFill>
                             <a:schemeClr val="tx1"/>
@@ -18887,7 +18871,7 @@
                           </a:r>
                         </a:p>
                       </a:txBody>
-                      <a:tcPr anchor="ctr">
+                      <a:tcPr marL="91453" marR="91453" marT="45725" marB="45725" anchor="ctr">
                         <a:lnL w="38100" cap="flat" cmpd="sng" algn="ctr">
                           <a:solidFill>
                             <a:schemeClr val="bg1"/>
@@ -18943,7 +18927,7 @@
                           </a:r>
                         </a:p>
                       </a:txBody>
-                      <a:tcPr anchor="ctr">
+                      <a:tcPr marL="91453" marR="91453" marT="45725" marB="45725" anchor="ctr">
                         <a:lnL w="38100" cap="flat" cmpd="sng" algn="ctr">
                           <a:solidFill>
                             <a:schemeClr val="tx1"/>
@@ -18991,7 +18975,7 @@
                           <a:endParaRPr lang="en-US"/>
                         </a:p>
                       </a:txBody>
-                      <a:tcPr anchor="ctr">
+                      <a:tcPr marL="91453" marR="91453" marT="45725" marB="45725" anchor="ctr">
                         <a:lnL w="12700" cap="flat" cmpd="sng" algn="ctr">
                           <a:solidFill>
                             <a:schemeClr val="tx1"/>
@@ -19031,7 +19015,7 @@
                         <a:blipFill>
                           <a:blip r:embed="rId13"/>
                           <a:stretch>
-                            <a:fillRect l="-367100" t="-1226667" r="-447619" b="-534444"/>
+                            <a:fillRect l="-369130" t="-1226667" r="-449565" b="-535556"/>
                           </a:stretch>
                         </a:blipFill>
                       </a:tcPr>
@@ -19054,7 +19038,7 @@
                           </a:r>
                         </a:p>
                       </a:txBody>
-                      <a:tcPr anchor="ctr">
+                      <a:tcPr marL="91453" marR="91453" marT="45725" marB="45725" anchor="ctr">
                         <a:lnL w="12700" cap="flat" cmpd="sng" algn="ctr">
                           <a:solidFill>
                             <a:schemeClr val="tx1"/>
@@ -19110,7 +19094,7 @@
                           </a:r>
                         </a:p>
                       </a:txBody>
-                      <a:tcPr anchor="ctr">
+                      <a:tcPr marL="91453" marR="91453" marT="45725" marB="45725" anchor="ctr">
                         <a:lnL w="38100" cap="flat" cmpd="sng" algn="ctr">
                           <a:solidFill>
                             <a:schemeClr val="tx1"/>
@@ -19158,7 +19142,7 @@
                           <a:endParaRPr lang="en-US"/>
                         </a:p>
                       </a:txBody>
-                      <a:tcPr anchor="ctr">
+                      <a:tcPr marL="91453" marR="91453" marT="45725" marB="45725" anchor="ctr">
                         <a:lnL w="12700" cap="flat" cmpd="sng" algn="ctr">
                           <a:solidFill>
                             <a:schemeClr val="tx1"/>
@@ -19198,7 +19182,7 @@
                         <a:blipFill>
                           <a:blip r:embed="rId13"/>
                           <a:stretch>
-                            <a:fillRect l="-692609" t="-1226667" r="-126087" b="-534444"/>
+                            <a:fillRect l="-692609" t="-1226667" r="-126087" b="-535556"/>
                           </a:stretch>
                         </a:blipFill>
                       </a:tcPr>
@@ -19226,7 +19210,7 @@
                           </a:endParaRPr>
                         </a:p>
                       </a:txBody>
-                      <a:tcPr anchor="ctr">
+                      <a:tcPr marL="91453" marR="91453" marT="45725" marB="45725" anchor="ctr">
                         <a:lnL w="12700" cap="flat" cmpd="sng" algn="ctr">
                           <a:solidFill>
                             <a:schemeClr val="tx1"/>
@@ -19272,7 +19256,7 @@
                       </a:ext>
                     </a:extLst>
                   </a:tr>
-                  <a:tr h="548640">
+                  <a:tr h="548700">
                     <a:tc vMerge="1">
                       <a:txBody>
                         <a:bodyPr/>
@@ -19342,7 +19326,7 @@
                           </a:r>
                         </a:p>
                       </a:txBody>
-                      <a:tcPr anchor="ctr">
+                      <a:tcPr marL="91453" marR="91453" marT="45725" marB="45725" anchor="ctr">
                         <a:lnL w="38100" cap="flat" cmpd="sng" algn="ctr">
                           <a:solidFill>
                             <a:schemeClr val="bg1"/>
@@ -19398,7 +19382,7 @@
                           </a:r>
                         </a:p>
                       </a:txBody>
-                      <a:tcPr anchor="ctr">
+                      <a:tcPr marL="91453" marR="91453" marT="45725" marB="45725" anchor="ctr">
                         <a:lnL w="38100" cap="flat" cmpd="sng" algn="ctr">
                           <a:solidFill>
                             <a:schemeClr val="tx1"/>
@@ -19450,7 +19434,7 @@
                           </a:r>
                         </a:p>
                       </a:txBody>
-                      <a:tcPr anchor="ctr">
+                      <a:tcPr marL="91453" marR="91453" marT="45725" marB="45725" anchor="ctr">
                         <a:lnL w="12700" cap="flat" cmpd="sng" algn="ctr">
                           <a:solidFill>
                             <a:schemeClr val="tx1"/>
@@ -19555,7 +19539,7 @@
                           </a:r>
                         </a:p>
                       </a:txBody>
-                      <a:tcPr anchor="ctr">
+                      <a:tcPr marL="91453" marR="91453" marT="45725" marB="45725" anchor="ctr">
                         <a:lnL w="38100" cap="flat" cmpd="sng" algn="ctr">
                           <a:solidFill>
                             <a:schemeClr val="tx1"/>
@@ -19607,7 +19591,7 @@
                           </a:r>
                         </a:p>
                       </a:txBody>
-                      <a:tcPr anchor="ctr">
+                      <a:tcPr marL="91453" marR="91453" marT="45725" marB="45725" anchor="ctr">
                         <a:lnL w="12700" cap="flat" cmpd="sng" algn="ctr">
                           <a:solidFill>
                             <a:schemeClr val="tx1"/>
@@ -19706,7 +19690,7 @@
                       </a:ext>
                     </a:extLst>
                   </a:tr>
-                  <a:tr h="548640">
+                  <a:tr h="548700">
                     <a:tc rowSpan="2">
                       <a:txBody>
                         <a:bodyPr/>
@@ -19723,7 +19707,7 @@
                           </a:r>
                         </a:p>
                       </a:txBody>
-                      <a:tcPr anchor="ctr">
+                      <a:tcPr marL="91453" marR="91453" marT="45725" marB="45725" anchor="ctr">
                         <a:lnL w="38100" cap="flat" cmpd="sng" algn="ctr">
                           <a:solidFill>
                             <a:schemeClr val="tx1"/>
@@ -19779,7 +19763,7 @@
                           </a:r>
                         </a:p>
                       </a:txBody>
-                      <a:tcPr anchor="ctr">
+                      <a:tcPr marL="91453" marR="91453" marT="45725" marB="45725" anchor="ctr">
                         <a:lnL w="38100" cap="flat" cmpd="sng" algn="ctr">
                           <a:solidFill>
                             <a:schemeClr val="bg1"/>
@@ -19835,7 +19819,7 @@
                           </a:r>
                         </a:p>
                       </a:txBody>
-                      <a:tcPr anchor="ctr">
+                      <a:tcPr marL="91453" marR="91453" marT="45725" marB="45725" anchor="ctr">
                         <a:lnL w="38100" cap="flat" cmpd="sng" algn="ctr">
                           <a:solidFill>
                             <a:schemeClr val="tx1"/>
@@ -19883,7 +19867,7 @@
                           <a:endParaRPr lang="en-US"/>
                         </a:p>
                       </a:txBody>
-                      <a:tcPr anchor="ctr">
+                      <a:tcPr marL="91453" marR="91453" marT="45725" marB="45725" anchor="ctr">
                         <a:lnL w="12700" cap="flat" cmpd="sng" algn="ctr">
                           <a:solidFill>
                             <a:schemeClr val="tx1"/>
@@ -19923,7 +19907,7 @@
                         <a:blipFill>
                           <a:blip r:embed="rId13"/>
                           <a:stretch>
-                            <a:fillRect l="-367100" t="-1426667" r="-447619" b="-334444"/>
+                            <a:fillRect l="-369130" t="-1426667" r="-449565" b="-335556"/>
                           </a:stretch>
                         </a:blipFill>
                       </a:tcPr>
@@ -19947,7 +19931,7 @@
                           <a:endParaRPr lang="en-US" sz="3000" dirty="0"/>
                         </a:p>
                       </a:txBody>
-                      <a:tcPr anchor="ctr">
+                      <a:tcPr marL="91453" marR="91453" marT="45725" marB="45725" anchor="ctr">
                         <a:lnL w="12700" cap="flat" cmpd="sng" algn="ctr">
                           <a:solidFill>
                             <a:schemeClr val="tx1"/>
@@ -20003,7 +19987,7 @@
                           </a:r>
                         </a:p>
                       </a:txBody>
-                      <a:tcPr anchor="ctr">
+                      <a:tcPr marL="91453" marR="91453" marT="45725" marB="45725" anchor="ctr">
                         <a:lnL w="38100" cap="flat" cmpd="sng" algn="ctr">
                           <a:solidFill>
                             <a:schemeClr val="tx1"/>
@@ -20051,7 +20035,7 @@
                           <a:endParaRPr lang="en-US"/>
                         </a:p>
                       </a:txBody>
-                      <a:tcPr anchor="ctr">
+                      <a:tcPr marL="91453" marR="91453" marT="45725" marB="45725" anchor="ctr">
                         <a:lnL w="12700" cap="flat" cmpd="sng" algn="ctr">
                           <a:solidFill>
                             <a:schemeClr val="tx1"/>
@@ -20091,7 +20075,7 @@
                         <a:blipFill>
                           <a:blip r:embed="rId13"/>
                           <a:stretch>
-                            <a:fillRect l="-692609" t="-1426667" r="-126087" b="-334444"/>
+                            <a:fillRect l="-692609" t="-1426667" r="-126087" b="-335556"/>
                           </a:stretch>
                         </a:blipFill>
                       </a:tcPr>
@@ -20119,7 +20103,7 @@
                           </a:endParaRPr>
                         </a:p>
                       </a:txBody>
-                      <a:tcPr anchor="ctr">
+                      <a:tcPr marL="91453" marR="91453" marT="45725" marB="45725" anchor="ctr">
                         <a:lnL w="12700" cap="flat" cmpd="sng" algn="ctr">
                           <a:solidFill>
                             <a:schemeClr val="tx1"/>
@@ -20165,7 +20149,7 @@
                       </a:ext>
                     </a:extLst>
                   </a:tr>
-                  <a:tr h="548640">
+                  <a:tr h="548700">
                     <a:tc vMerge="1">
                       <a:txBody>
                         <a:bodyPr/>
@@ -20235,7 +20219,7 @@
                           </a:r>
                         </a:p>
                       </a:txBody>
-                      <a:tcPr anchor="ctr">
+                      <a:tcPr marL="91453" marR="91453" marT="45725" marB="45725" anchor="ctr">
                         <a:lnL w="38100" cap="flat" cmpd="sng" algn="ctr">
                           <a:solidFill>
                             <a:schemeClr val="bg1"/>
@@ -20291,7 +20275,7 @@
                           </a:r>
                         </a:p>
                       </a:txBody>
-                      <a:tcPr anchor="ctr">
+                      <a:tcPr marL="91453" marR="91453" marT="45725" marB="45725" anchor="ctr">
                         <a:lnL w="38100" cap="flat" cmpd="sng" algn="ctr">
                           <a:solidFill>
                             <a:schemeClr val="tx1"/>
@@ -20343,7 +20327,7 @@
                           </a:r>
                         </a:p>
                       </a:txBody>
-                      <a:tcPr anchor="ctr">
+                      <a:tcPr marL="91453" marR="91453" marT="45725" marB="45725" anchor="ctr">
                         <a:lnL w="12700" cap="flat" cmpd="sng" algn="ctr">
                           <a:solidFill>
                             <a:schemeClr val="tx1"/>
@@ -20448,7 +20432,7 @@
                           </a:r>
                         </a:p>
                       </a:txBody>
-                      <a:tcPr anchor="ctr">
+                      <a:tcPr marL="91453" marR="91453" marT="45725" marB="45725" anchor="ctr">
                         <a:lnL w="38100" cap="flat" cmpd="sng" algn="ctr">
                           <a:solidFill>
                             <a:schemeClr val="tx1"/>
@@ -20500,7 +20484,7 @@
                           </a:r>
                         </a:p>
                       </a:txBody>
-                      <a:tcPr anchor="ctr">
+                      <a:tcPr marL="91453" marR="91453" marT="45725" marB="45725" anchor="ctr">
                         <a:lnL w="12700" cap="flat" cmpd="sng" algn="ctr">
                           <a:solidFill>
                             <a:schemeClr val="tx1"/>
@@ -20599,7 +20583,7 @@
                       </a:ext>
                     </a:extLst>
                   </a:tr>
-                  <a:tr h="548640">
+                  <a:tr h="548700">
                     <a:tc rowSpan="2">
                       <a:txBody>
                         <a:bodyPr/>
@@ -20616,7 +20600,7 @@
                           </a:r>
                         </a:p>
                       </a:txBody>
-                      <a:tcPr anchor="ctr">
+                      <a:tcPr marL="91453" marR="91453" marT="45725" marB="45725" anchor="ctr">
                         <a:lnL w="38100" cap="flat" cmpd="sng" algn="ctr">
                           <a:solidFill>
                             <a:schemeClr val="tx1"/>
@@ -20672,7 +20656,7 @@
                           </a:r>
                         </a:p>
                       </a:txBody>
-                      <a:tcPr anchor="ctr">
+                      <a:tcPr marL="91453" marR="91453" marT="45725" marB="45725" anchor="ctr">
                         <a:lnL w="38100" cap="flat" cmpd="sng" algn="ctr">
                           <a:solidFill>
                             <a:schemeClr val="bg1"/>
@@ -20728,7 +20712,7 @@
                           </a:r>
                         </a:p>
                       </a:txBody>
-                      <a:tcPr anchor="ctr">
+                      <a:tcPr marL="91453" marR="91453" marT="45725" marB="45725" anchor="ctr">
                         <a:lnL w="38100" cap="flat" cmpd="sng" algn="ctr">
                           <a:solidFill>
                             <a:schemeClr val="tx1"/>
@@ -20776,7 +20760,7 @@
                           <a:endParaRPr lang="en-US"/>
                         </a:p>
                       </a:txBody>
-                      <a:tcPr anchor="ctr">
+                      <a:tcPr marL="91453" marR="91453" marT="45725" marB="45725" anchor="ctr">
                         <a:lnL w="12700" cap="flat" cmpd="sng" algn="ctr">
                           <a:solidFill>
                             <a:schemeClr val="tx1"/>
@@ -20816,7 +20800,7 @@
                         <a:blipFill>
                           <a:blip r:embed="rId13"/>
                           <a:stretch>
-                            <a:fillRect l="-367100" t="-1626667" r="-447619" b="-134444"/>
+                            <a:fillRect l="-369130" t="-1626667" r="-449565" b="-135556"/>
                           </a:stretch>
                         </a:blipFill>
                       </a:tcPr>
@@ -20839,7 +20823,7 @@
                           </a:r>
                         </a:p>
                       </a:txBody>
-                      <a:tcPr anchor="ctr">
+                      <a:tcPr marL="91453" marR="91453" marT="45725" marB="45725" anchor="ctr">
                         <a:lnL w="12700" cap="flat" cmpd="sng" algn="ctr">
                           <a:solidFill>
                             <a:schemeClr val="tx1"/>
@@ -20895,7 +20879,7 @@
                           </a:r>
                         </a:p>
                       </a:txBody>
-                      <a:tcPr anchor="ctr">
+                      <a:tcPr marL="91453" marR="91453" marT="45725" marB="45725" anchor="ctr">
                         <a:lnL w="38100" cap="flat" cmpd="sng" algn="ctr">
                           <a:solidFill>
                             <a:schemeClr val="tx1"/>
@@ -20943,7 +20927,7 @@
                           <a:endParaRPr lang="en-US"/>
                         </a:p>
                       </a:txBody>
-                      <a:tcPr anchor="ctr">
+                      <a:tcPr marL="91453" marR="91453" marT="45725" marB="45725" anchor="ctr">
                         <a:lnL w="12700" cap="flat" cmpd="sng" algn="ctr">
                           <a:solidFill>
                             <a:schemeClr val="tx1"/>
@@ -20983,7 +20967,7 @@
                         <a:blipFill>
                           <a:blip r:embed="rId13"/>
                           <a:stretch>
-                            <a:fillRect l="-692609" t="-1626667" r="-126087" b="-134444"/>
+                            <a:fillRect l="-692609" t="-1626667" r="-126087" b="-135556"/>
                           </a:stretch>
                         </a:blipFill>
                       </a:tcPr>
@@ -21006,7 +20990,7 @@
                           </a:r>
                         </a:p>
                       </a:txBody>
-                      <a:tcPr anchor="ctr">
+                      <a:tcPr marL="91453" marR="91453" marT="45725" marB="45725" anchor="ctr">
                         <a:lnL w="12700" cap="flat" cmpd="sng" algn="ctr">
                           <a:solidFill>
                             <a:schemeClr val="tx1"/>
@@ -21052,7 +21036,7 @@
                       </a:ext>
                     </a:extLst>
                   </a:tr>
-                  <a:tr h="548640">
+                  <a:tr h="548700">
                     <a:tc vMerge="1">
                       <a:txBody>
                         <a:bodyPr/>
@@ -21122,7 +21106,7 @@
                           </a:r>
                         </a:p>
                       </a:txBody>
-                      <a:tcPr anchor="ctr">
+                      <a:tcPr marL="91453" marR="91453" marT="45725" marB="45725" anchor="ctr">
                         <a:lnL w="38100" cap="flat" cmpd="sng" algn="ctr">
                           <a:solidFill>
                             <a:schemeClr val="bg1"/>
@@ -21178,7 +21162,7 @@
                           </a:r>
                         </a:p>
                       </a:txBody>
-                      <a:tcPr anchor="ctr">
+                      <a:tcPr marL="91453" marR="91453" marT="45725" marB="45725" anchor="ctr">
                         <a:lnL w="38100" cap="flat" cmpd="sng" algn="ctr">
                           <a:solidFill>
                             <a:schemeClr val="tx1"/>
@@ -21230,7 +21214,7 @@
                           </a:r>
                         </a:p>
                       </a:txBody>
-                      <a:tcPr anchor="ctr">
+                      <a:tcPr marL="91453" marR="91453" marT="45725" marB="45725" anchor="ctr">
                         <a:lnL w="12700" cap="flat" cmpd="sng" algn="ctr">
                           <a:solidFill>
                             <a:schemeClr val="tx1"/>
@@ -21288,7 +21272,7 @@
                           </a:r>
                         </a:p>
                       </a:txBody>
-                      <a:tcPr anchor="ctr">
+                      <a:tcPr marL="91453" marR="91453" marT="45725" marB="45725" anchor="ctr">
                         <a:lnL w="12700" cap="flat" cmpd="sng" algn="ctr">
                           <a:solidFill>
                             <a:schemeClr val="tx1"/>
@@ -21344,7 +21328,7 @@
                           </a:r>
                         </a:p>
                       </a:txBody>
-                      <a:tcPr anchor="ctr">
+                      <a:tcPr marL="91453" marR="91453" marT="45725" marB="45725" anchor="ctr">
                         <a:lnL w="38100" cap="flat" cmpd="sng" algn="ctr">
                           <a:solidFill>
                             <a:schemeClr val="tx1"/>
@@ -21396,7 +21380,7 @@
                           </a:r>
                         </a:p>
                       </a:txBody>
-                      <a:tcPr anchor="ctr">
+                      <a:tcPr marL="91453" marR="91453" marT="45725" marB="45725" anchor="ctr">
                         <a:lnL w="12700" cap="flat" cmpd="sng" algn="ctr">
                           <a:solidFill>
                             <a:schemeClr val="tx1"/>
@@ -21454,7 +21438,7 @@
                           </a:r>
                         </a:p>
                       </a:txBody>
-                      <a:tcPr anchor="ctr">
+                      <a:tcPr marL="91453" marR="91453" marT="45725" marB="45725" anchor="ctr">
                         <a:lnL w="12700" cap="flat" cmpd="sng" algn="ctr">
                           <a:solidFill>
                             <a:schemeClr val="tx1"/>
@@ -21508,10 +21492,10 @@
       </mc:AlternateContent>
       <p:graphicFrame>
         <p:nvGraphicFramePr>
-          <p:cNvPr id="73" name="Table 72">
+          <p:cNvPr id="57" name="Table 56">
             <a:extLst>
               <a:ext uri="{FF2B5EF4-FFF2-40B4-BE49-F238E27FC236}">
-                <a16:creationId xmlns:a16="http://schemas.microsoft.com/office/drawing/2014/main" xmlns="" id="{8B34A129-BE35-458F-B5CF-AF5BE1647015}"/>
+                <a16:creationId xmlns:a16="http://schemas.microsoft.com/office/drawing/2014/main" id="{8B34A129-BE35-458F-B5CF-AF5BE1647015}"/>
               </a:ext>
             </a:extLst>
           </p:cNvPr>
@@ -21521,13 +21505,13 @@
           <p:nvPr>
             <p:extLst>
               <p:ext uri="{D42A27DB-BD31-4B8C-83A1-F6EECF244321}">
-                <p14:modId xmlns:p14="http://schemas.microsoft.com/office/powerpoint/2010/main" val="1366610658"/>
+                <p14:modId xmlns:p14="http://schemas.microsoft.com/office/powerpoint/2010/main" val="3717645745"/>
               </p:ext>
             </p:extLst>
           </p:nvPr>
         </p:nvGraphicFramePr>
         <p:xfrm>
-          <a:off x="21951889" y="33432447"/>
+          <a:off x="21949508" y="33430066"/>
           <a:ext cx="5940874" cy="3791480"/>
         </p:xfrm>
         <a:graphic>
@@ -21540,21 +21524,21 @@
                 <a:gridCol w="2340344">
                   <a:extLst>
                     <a:ext uri="{9D8B030D-6E8A-4147-A177-3AD203B41FA5}">
-                      <a16:colId xmlns:a16="http://schemas.microsoft.com/office/drawing/2014/main" xmlns="" val="2977598269"/>
+                      <a16:colId xmlns:a16="http://schemas.microsoft.com/office/drawing/2014/main" val="2977598269"/>
                     </a:ext>
                   </a:extLst>
                 </a:gridCol>
                 <a:gridCol w="1800265">
                   <a:extLst>
                     <a:ext uri="{9D8B030D-6E8A-4147-A177-3AD203B41FA5}">
-                      <a16:colId xmlns:a16="http://schemas.microsoft.com/office/drawing/2014/main" xmlns="" val="1958273809"/>
+                      <a16:colId xmlns:a16="http://schemas.microsoft.com/office/drawing/2014/main" val="1958273809"/>
                     </a:ext>
                   </a:extLst>
                 </a:gridCol>
                 <a:gridCol w="1800265">
                   <a:extLst>
                     <a:ext uri="{9D8B030D-6E8A-4147-A177-3AD203B41FA5}">
-                      <a16:colId xmlns:a16="http://schemas.microsoft.com/office/drawing/2014/main" xmlns="" val="1797041600"/>
+                      <a16:colId xmlns:a16="http://schemas.microsoft.com/office/drawing/2014/main" val="1797041600"/>
                     </a:ext>
                   </a:extLst>
                 </a:gridCol>
@@ -21757,7 +21741,7 @@
                 </a:tc>
                 <a:extLst>
                   <a:ext uri="{0D108BD9-81ED-4DB2-BD59-A6C34878D82A}">
-                    <a16:rowId xmlns:a16="http://schemas.microsoft.com/office/drawing/2014/main" xmlns="" val="662979093"/>
+                    <a16:rowId xmlns:a16="http://schemas.microsoft.com/office/drawing/2014/main" val="662979093"/>
                   </a:ext>
                 </a:extLst>
               </a:tr>
@@ -21967,7 +21951,7 @@
                 </a:tc>
                 <a:extLst>
                   <a:ext uri="{0D108BD9-81ED-4DB2-BD59-A6C34878D82A}">
-                    <a16:rowId xmlns:a16="http://schemas.microsoft.com/office/drawing/2014/main" xmlns="" val="2925520719"/>
+                    <a16:rowId xmlns:a16="http://schemas.microsoft.com/office/drawing/2014/main" val="2925520719"/>
                   </a:ext>
                 </a:extLst>
               </a:tr>
@@ -22156,7 +22140,7 @@
                 </a:tc>
                 <a:extLst>
                   <a:ext uri="{0D108BD9-81ED-4DB2-BD59-A6C34878D82A}">
-                    <a16:rowId xmlns:a16="http://schemas.microsoft.com/office/drawing/2014/main" xmlns="" val="2124887621"/>
+                    <a16:rowId xmlns:a16="http://schemas.microsoft.com/office/drawing/2014/main" val="2124887621"/>
                   </a:ext>
                 </a:extLst>
               </a:tr>
@@ -22345,7 +22329,7 @@
                 </a:tc>
                 <a:extLst>
                   <a:ext uri="{0D108BD9-81ED-4DB2-BD59-A6C34878D82A}">
-                    <a16:rowId xmlns:a16="http://schemas.microsoft.com/office/drawing/2014/main" xmlns="" val="3021274662"/>
+                    <a16:rowId xmlns:a16="http://schemas.microsoft.com/office/drawing/2014/main" val="3021274662"/>
                   </a:ext>
                 </a:extLst>
               </a:tr>
@@ -22563,7 +22547,7 @@
                 </a:tc>
                 <a:extLst>
                   <a:ext uri="{0D108BD9-81ED-4DB2-BD59-A6C34878D82A}">
-                    <a16:rowId xmlns:a16="http://schemas.microsoft.com/office/drawing/2014/main" xmlns="" val="3319115553"/>
+                    <a16:rowId xmlns:a16="http://schemas.microsoft.com/office/drawing/2014/main" val="3319115553"/>
                   </a:ext>
                 </a:extLst>
               </a:tr>
@@ -22752,7 +22736,7 @@
                 </a:tc>
                 <a:extLst>
                   <a:ext uri="{0D108BD9-81ED-4DB2-BD59-A6C34878D82A}">
-                    <a16:rowId xmlns:a16="http://schemas.microsoft.com/office/drawing/2014/main" xmlns="" val="2189012797"/>
+                    <a16:rowId xmlns:a16="http://schemas.microsoft.com/office/drawing/2014/main" val="2189012797"/>
                   </a:ext>
                 </a:extLst>
               </a:tr>
@@ -22941,7 +22925,7 @@
                 </a:tc>
                 <a:extLst>
                   <a:ext uri="{0D108BD9-81ED-4DB2-BD59-A6C34878D82A}">
-                    <a16:rowId xmlns:a16="http://schemas.microsoft.com/office/drawing/2014/main" xmlns="" val="1799581859"/>
+                    <a16:rowId xmlns:a16="http://schemas.microsoft.com/office/drawing/2014/main" val="1799581859"/>
                   </a:ext>
                 </a:extLst>
               </a:tr>
@@ -22951,10 +22935,10 @@
       </p:graphicFrame>
       <p:grpSp>
         <p:nvGrpSpPr>
-          <p:cNvPr id="179" name="Group 178">
+          <p:cNvPr id="58" name="Group 57">
             <a:extLst>
               <a:ext uri="{FF2B5EF4-FFF2-40B4-BE49-F238E27FC236}">
-                <a16:creationId xmlns:a16="http://schemas.microsoft.com/office/drawing/2014/main" xmlns="" id="{637694B7-B59B-4709-A786-03DE0A339FF9}"/>
+                <a16:creationId xmlns:a16="http://schemas.microsoft.com/office/drawing/2014/main" id="{637694B7-B59B-4709-A786-03DE0A339FF9}"/>
               </a:ext>
             </a:extLst>
           </p:cNvPr>
@@ -22963,7 +22947,7 @@
         </p:nvGrpSpPr>
         <p:grpSpPr>
           <a:xfrm>
-            <a:off x="19444866" y="12937378"/>
+            <a:off x="19442485" y="12934998"/>
             <a:ext cx="10471006" cy="4089447"/>
             <a:chOff x="19442008" y="12935952"/>
             <a:chExt cx="10469467" cy="4088996"/>
@@ -22971,10 +22955,10 @@
         </p:grpSpPr>
         <p:sp>
           <p:nvSpPr>
-            <p:cNvPr id="13" name="TextBox 12">
+            <p:cNvPr id="59" name="TextBox 58">
               <a:extLst>
                 <a:ext uri="{FF2B5EF4-FFF2-40B4-BE49-F238E27FC236}">
-                  <a16:creationId xmlns:a16="http://schemas.microsoft.com/office/drawing/2014/main" xmlns="" id="{9AFC47EB-42FA-43B1-B48C-00D6F8E3D06D}"/>
+                  <a16:creationId xmlns:a16="http://schemas.microsoft.com/office/drawing/2014/main" id="{9AFC47EB-42FA-43B1-B48C-00D6F8E3D06D}"/>
                 </a:ext>
               </a:extLst>
             </p:cNvPr>
@@ -23023,10 +23007,10 @@
         </p:sp>
         <p:grpSp>
           <p:nvGrpSpPr>
-            <p:cNvPr id="178" name="Group 177">
+            <p:cNvPr id="60" name="Group 59">
               <a:extLst>
                 <a:ext uri="{FF2B5EF4-FFF2-40B4-BE49-F238E27FC236}">
-                  <a16:creationId xmlns:a16="http://schemas.microsoft.com/office/drawing/2014/main" xmlns="" id="{ED32B511-0E3E-4DE1-B134-A452408ABAB8}"/>
+                  <a16:creationId xmlns:a16="http://schemas.microsoft.com/office/drawing/2014/main" id="{ED32B511-0E3E-4DE1-B134-A452408ABAB8}"/>
                 </a:ext>
               </a:extLst>
             </p:cNvPr>
@@ -23036,17 +23020,17 @@
           <p:grpSpPr>
             <a:xfrm>
               <a:off x="19442008" y="12935952"/>
-              <a:ext cx="9753419" cy="3494902"/>
+              <a:ext cx="9816300" cy="3494902"/>
               <a:chOff x="19442008" y="12753072"/>
-              <a:chExt cx="9753419" cy="3494902"/>
+              <a:chExt cx="9816300" cy="3494902"/>
             </a:xfrm>
           </p:grpSpPr>
           <p:grpSp>
             <p:nvGrpSpPr>
-              <p:cNvPr id="177" name="Group 176">
+              <p:cNvPr id="61" name="Group 60">
                 <a:extLst>
                   <a:ext uri="{FF2B5EF4-FFF2-40B4-BE49-F238E27FC236}">
-                    <a16:creationId xmlns:a16="http://schemas.microsoft.com/office/drawing/2014/main" xmlns="" id="{125B5DCB-4636-445B-A635-238A15DE4132}"/>
+                    <a16:creationId xmlns:a16="http://schemas.microsoft.com/office/drawing/2014/main" id="{125B5DCB-4636-445B-A635-238A15DE4132}"/>
                   </a:ext>
                 </a:extLst>
               </p:cNvPr>
@@ -23063,10 +23047,10 @@
             </p:grpSpPr>
             <p:pic>
               <p:nvPicPr>
-                <p:cNvPr id="152" name="Picture 151" descr="A close up of a person&#10;&#10;Description automatically generated">
+                <p:cNvPr id="64" name="Picture 63" descr="A close up of a person&#10;&#10;Description automatically generated">
                   <a:extLst>
                     <a:ext uri="{FF2B5EF4-FFF2-40B4-BE49-F238E27FC236}">
-                      <a16:creationId xmlns:a16="http://schemas.microsoft.com/office/drawing/2014/main" xmlns="" id="{81682841-10C6-478C-8E71-C4D5B442C2D4}"/>
+                      <a16:creationId xmlns:a16="http://schemas.microsoft.com/office/drawing/2014/main" id="{81682841-10C6-478C-8E71-C4D5B442C2D4}"/>
                     </a:ext>
                   </a:extLst>
                 </p:cNvPr>
@@ -23099,10 +23083,10 @@
             </p:pic>
             <p:pic>
               <p:nvPicPr>
-                <p:cNvPr id="153" name="Picture 152" descr="A close up of a logo&#10;&#10;Description automatically generated">
+                <p:cNvPr id="65" name="Picture 64" descr="A close up of a logo&#10;&#10;Description automatically generated">
                   <a:extLst>
                     <a:ext uri="{FF2B5EF4-FFF2-40B4-BE49-F238E27FC236}">
-                      <a16:creationId xmlns:a16="http://schemas.microsoft.com/office/drawing/2014/main" xmlns="" id="{D6B359FB-9A67-42EA-A4D5-41493FC97E4D}"/>
+                      <a16:creationId xmlns:a16="http://schemas.microsoft.com/office/drawing/2014/main" id="{D6B359FB-9A67-42EA-A4D5-41493FC97E4D}"/>
                     </a:ext>
                   </a:extLst>
                 </p:cNvPr>
@@ -23135,10 +23119,10 @@
             </p:pic>
             <p:pic>
               <p:nvPicPr>
-                <p:cNvPr id="154" name="Picture 153" descr="A close up of a logo&#10;&#10;Description automatically generated">
+                <p:cNvPr id="66" name="Picture 65" descr="A close up of a logo&#10;&#10;Description automatically generated">
                   <a:extLst>
                     <a:ext uri="{FF2B5EF4-FFF2-40B4-BE49-F238E27FC236}">
-                      <a16:creationId xmlns:a16="http://schemas.microsoft.com/office/drawing/2014/main" xmlns="" id="{F7B74625-E64F-42CD-A757-795B53D0C962}"/>
+                      <a16:creationId xmlns:a16="http://schemas.microsoft.com/office/drawing/2014/main" id="{F7B74625-E64F-42CD-A757-795B53D0C962}"/>
                     </a:ext>
                   </a:extLst>
                 </p:cNvPr>
@@ -23171,10 +23155,10 @@
             </p:pic>
             <p:sp>
               <p:nvSpPr>
-                <p:cNvPr id="150" name="TextBox 149">
+                <p:cNvPr id="67" name="TextBox 66">
                   <a:extLst>
                     <a:ext uri="{FF2B5EF4-FFF2-40B4-BE49-F238E27FC236}">
-                      <a16:creationId xmlns:a16="http://schemas.microsoft.com/office/drawing/2014/main" xmlns="" id="{3DDD1541-8047-44BB-9199-9795894A96C2}"/>
+                      <a16:creationId xmlns:a16="http://schemas.microsoft.com/office/drawing/2014/main" id="{3DDD1541-8047-44BB-9199-9795894A96C2}"/>
                     </a:ext>
                   </a:extLst>
                 </p:cNvPr>
@@ -23207,10 +23191,10 @@
             </p:sp>
             <p:sp>
               <p:nvSpPr>
-                <p:cNvPr id="151" name="TextBox 150">
+                <p:cNvPr id="68" name="TextBox 67">
                   <a:extLst>
                     <a:ext uri="{FF2B5EF4-FFF2-40B4-BE49-F238E27FC236}">
-                      <a16:creationId xmlns:a16="http://schemas.microsoft.com/office/drawing/2014/main" xmlns="" id="{D2C6FFDE-1D92-4368-9EE1-96CB4B026C9A}"/>
+                      <a16:creationId xmlns:a16="http://schemas.microsoft.com/office/drawing/2014/main" id="{D2C6FFDE-1D92-4368-9EE1-96CB4B026C9A}"/>
                     </a:ext>
                   </a:extLst>
                 </p:cNvPr>
@@ -23243,10 +23227,10 @@
             </p:sp>
             <p:sp>
               <p:nvSpPr>
-                <p:cNvPr id="159" name="TextBox 158">
+                <p:cNvPr id="69" name="TextBox 68">
                   <a:extLst>
                     <a:ext uri="{FF2B5EF4-FFF2-40B4-BE49-F238E27FC236}">
-                      <a16:creationId xmlns:a16="http://schemas.microsoft.com/office/drawing/2014/main" xmlns="" id="{91FA1A4A-799D-4C1C-B711-221B958168CA}"/>
+                      <a16:creationId xmlns:a16="http://schemas.microsoft.com/office/drawing/2014/main" id="{91FA1A4A-799D-4C1C-B711-221B958168CA}"/>
                     </a:ext>
                   </a:extLst>
                 </p:cNvPr>
@@ -23283,10 +23267,10 @@
             </p:sp>
             <p:sp>
               <p:nvSpPr>
-                <p:cNvPr id="158" name="TextBox 157">
+                <p:cNvPr id="70" name="TextBox 69">
                   <a:extLst>
                     <a:ext uri="{FF2B5EF4-FFF2-40B4-BE49-F238E27FC236}">
-                      <a16:creationId xmlns:a16="http://schemas.microsoft.com/office/drawing/2014/main" xmlns="" id="{75333DDE-85A8-4F7A-AB5E-D95541C8839B}"/>
+                      <a16:creationId xmlns:a16="http://schemas.microsoft.com/office/drawing/2014/main" id="{75333DDE-85A8-4F7A-AB5E-D95541C8839B}"/>
                     </a:ext>
                   </a:extLst>
                 </p:cNvPr>
@@ -23323,10 +23307,10 @@
             </p:sp>
             <p:sp>
               <p:nvSpPr>
-                <p:cNvPr id="157" name="TextBox 156">
+                <p:cNvPr id="71" name="TextBox 70">
                   <a:extLst>
                     <a:ext uri="{FF2B5EF4-FFF2-40B4-BE49-F238E27FC236}">
-                      <a16:creationId xmlns:a16="http://schemas.microsoft.com/office/drawing/2014/main" xmlns="" id="{BC69923F-D19A-46C6-98D4-0A7872704C55}"/>
+                      <a16:creationId xmlns:a16="http://schemas.microsoft.com/office/drawing/2014/main" id="{BC69923F-D19A-46C6-98D4-0A7872704C55}"/>
                     </a:ext>
                   </a:extLst>
                 </p:cNvPr>
@@ -23364,10 +23348,10 @@
           </p:grpSp>
           <p:sp>
             <p:nvSpPr>
-              <p:cNvPr id="155" name="TextBox 154">
+              <p:cNvPr id="62" name="TextBox 61">
                 <a:extLst>
                   <a:ext uri="{FF2B5EF4-FFF2-40B4-BE49-F238E27FC236}">
-                    <a16:creationId xmlns:a16="http://schemas.microsoft.com/office/drawing/2014/main" xmlns="" id="{C52B1F06-4451-433B-937C-57BBD07EF5D0}"/>
+                    <a16:creationId xmlns:a16="http://schemas.microsoft.com/office/drawing/2014/main" id="{C52B1F06-4451-433B-937C-57BBD07EF5D0}"/>
                   </a:ext>
                 </a:extLst>
               </p:cNvPr>
@@ -23400,7 +23384,7 @@
                       <a:schemeClr val="accent6"/>
                     </a:solidFill>
                   </a:rPr>
-                  <a:t>100% it’s two</a:t>
+                  <a:t>100% it’s “two”</a:t>
                 </a:r>
               </a:p>
               <a:p>
@@ -23414,17 +23398,17 @@
                       <a:schemeClr val="accent6"/>
                     </a:solidFill>
                   </a:rPr>
-                  <a:t>100% it’s two</a:t>
+                  <a:t>100% it’s “two”</a:t>
                 </a:r>
               </a:p>
             </p:txBody>
           </p:sp>
           <p:sp>
             <p:nvSpPr>
-              <p:cNvPr id="156" name="TextBox 155">
+              <p:cNvPr id="63" name="TextBox 62">
                 <a:extLst>
                   <a:ext uri="{FF2B5EF4-FFF2-40B4-BE49-F238E27FC236}">
-                    <a16:creationId xmlns:a16="http://schemas.microsoft.com/office/drawing/2014/main" xmlns="" id="{33AFBAEF-7695-476D-981C-61694EFA6AE1}"/>
+                    <a16:creationId xmlns:a16="http://schemas.microsoft.com/office/drawing/2014/main" id="{33AFBAEF-7695-476D-981C-61694EFA6AE1}"/>
                   </a:ext>
                 </a:extLst>
               </p:cNvPr>
@@ -23433,8 +23417,8 @@
             </p:nvSpPr>
             <p:spPr>
               <a:xfrm>
-                <a:off x="25729789" y="15378946"/>
-                <a:ext cx="3331276" cy="861774"/>
+                <a:off x="25660348" y="15378946"/>
+                <a:ext cx="3597960" cy="861679"/>
               </a:xfrm>
               <a:prstGeom prst="rect">
                 <a:avLst/>
@@ -23457,7 +23441,7 @@
                       <a:srgbClr val="FF0000"/>
                     </a:solidFill>
                   </a:rPr>
-                  <a:t>49% it’s one</a:t>
+                  <a:t>49% it’s “one”</a:t>
                 </a:r>
               </a:p>
               <a:p>
@@ -23471,19 +23455,127 @@
                       <a:schemeClr val="accent6"/>
                     </a:solidFill>
                   </a:rPr>
-                  <a:t>100% it’s two</a:t>
+                  <a:t>100% it’s “two”</a:t>
                 </a:r>
               </a:p>
             </p:txBody>
           </p:sp>
         </p:grpSp>
       </p:grpSp>
+      <p:pic>
+        <p:nvPicPr>
+          <p:cNvPr id="3" name="Picture 2" descr="A close up of a mans face&#10;&#10;Description automatically generated">
+            <a:extLst>
+              <a:ext uri="{FF2B5EF4-FFF2-40B4-BE49-F238E27FC236}">
+                <a16:creationId xmlns:a16="http://schemas.microsoft.com/office/drawing/2014/main" id="{60C6E0F5-EDE5-43BC-A80F-0F77FC9146A1}"/>
+              </a:ext>
+            </a:extLst>
+          </p:cNvPr>
+          <p:cNvPicPr>
+            <a:picLocks noChangeAspect="1"/>
+          </p:cNvPicPr>
+          <p:nvPr/>
+        </p:nvPicPr>
+        <p:blipFill>
+          <a:blip r:embed="rId17">
+            <a:extLst>
+              <a:ext uri="{28A0092B-C50C-407E-A947-70E740481C1C}">
+                <a14:useLocalDpi xmlns:a14="http://schemas.microsoft.com/office/drawing/2010/main" val="0"/>
+              </a:ext>
+            </a:extLst>
+          </a:blip>
+          <a:stretch>
+            <a:fillRect/>
+          </a:stretch>
+        </p:blipFill>
+        <p:spPr>
+          <a:xfrm>
+            <a:off x="2792732" y="14400000"/>
+            <a:ext cx="3600000" cy="2700000"/>
+          </a:xfrm>
+          <a:prstGeom prst="rect">
+            <a:avLst/>
+          </a:prstGeom>
+        </p:spPr>
+      </p:pic>
+      <p:pic>
+        <p:nvPicPr>
+          <p:cNvPr id="30" name="Picture 29">
+            <a:extLst>
+              <a:ext uri="{FF2B5EF4-FFF2-40B4-BE49-F238E27FC236}">
+                <a16:creationId xmlns:a16="http://schemas.microsoft.com/office/drawing/2014/main" id="{F1DDB929-1259-4DB5-9EB3-7613CF4EAA90}"/>
+              </a:ext>
+            </a:extLst>
+          </p:cNvPr>
+          <p:cNvPicPr>
+            <a:picLocks noChangeAspect="1"/>
+          </p:cNvPicPr>
+          <p:nvPr/>
+        </p:nvPicPr>
+        <p:blipFill>
+          <a:blip r:embed="rId18">
+            <a:extLst>
+              <a:ext uri="{28A0092B-C50C-407E-A947-70E740481C1C}">
+                <a14:useLocalDpi xmlns:a14="http://schemas.microsoft.com/office/drawing/2010/main" val="0"/>
+              </a:ext>
+            </a:extLst>
+          </a:blip>
+          <a:stretch>
+            <a:fillRect/>
+          </a:stretch>
+        </p:blipFill>
+        <p:spPr>
+          <a:xfrm>
+            <a:off x="5847014" y="14400000"/>
+            <a:ext cx="3600000" cy="2700000"/>
+          </a:xfrm>
+          <a:prstGeom prst="rect">
+            <a:avLst/>
+          </a:prstGeom>
+        </p:spPr>
+      </p:pic>
+      <p:pic>
+        <p:nvPicPr>
+          <p:cNvPr id="108" name="Picture 107">
+            <a:extLst>
+              <a:ext uri="{FF2B5EF4-FFF2-40B4-BE49-F238E27FC236}">
+                <a16:creationId xmlns:a16="http://schemas.microsoft.com/office/drawing/2014/main" id="{BCB65BF7-4179-4B4F-9585-E15CF5BFA81A}"/>
+              </a:ext>
+            </a:extLst>
+          </p:cNvPr>
+          <p:cNvPicPr>
+            <a:picLocks noChangeAspect="1"/>
+          </p:cNvPicPr>
+          <p:nvPr/>
+        </p:nvPicPr>
+        <p:blipFill>
+          <a:blip r:embed="rId19">
+            <a:extLst>
+              <a:ext uri="{28A0092B-C50C-407E-A947-70E740481C1C}">
+                <a14:useLocalDpi xmlns:a14="http://schemas.microsoft.com/office/drawing/2010/main" val="0"/>
+              </a:ext>
+            </a:extLst>
+          </a:blip>
+          <a:stretch>
+            <a:fillRect/>
+          </a:stretch>
+        </p:blipFill>
+        <p:spPr>
+          <a:xfrm>
+            <a:off x="8933253" y="14400000"/>
+            <a:ext cx="3600000" cy="2700000"/>
+          </a:xfrm>
+          <a:prstGeom prst="rect">
+            <a:avLst/>
+          </a:prstGeom>
+        </p:spPr>
+      </p:pic>
       <p:grpSp>
         <p:nvGrpSpPr>
-          <p:cNvPr id="185" name="Group 184">
+          <p:cNvPr id="72" name="Group 71">
             <a:extLst>
               <a:ext uri="{FF2B5EF4-FFF2-40B4-BE49-F238E27FC236}">
-                <a16:creationId xmlns:a16="http://schemas.microsoft.com/office/drawing/2014/main" xmlns="" id="{62AC035D-436E-41C1-B871-8391C604BDB0}"/>
+                <a16:creationId xmlns:a16="http://schemas.microsoft.com/office/drawing/2014/main" id="{62AC035D-436E-41C1-B871-8391C604BDB0}"/>
               </a:ext>
             </a:extLst>
           </p:cNvPr>
@@ -23492,18 +23584,18 @@
         </p:nvGrpSpPr>
         <p:grpSpPr>
           <a:xfrm>
-            <a:off x="2868200" y="14206534"/>
-            <a:ext cx="9413096" cy="4077700"/>
-            <a:chOff x="2845605" y="14264034"/>
-            <a:chExt cx="9411713" cy="4077251"/>
+            <a:off x="2747208" y="14201806"/>
+            <a:ext cx="9820873" cy="3874785"/>
+            <a:chOff x="2727011" y="14316298"/>
+            <a:chExt cx="9819431" cy="3874359"/>
           </a:xfrm>
         </p:grpSpPr>
         <p:grpSp>
           <p:nvGrpSpPr>
-            <p:cNvPr id="172" name="Group 171">
+            <p:cNvPr id="73" name="Group 72">
               <a:extLst>
                 <a:ext uri="{FF2B5EF4-FFF2-40B4-BE49-F238E27FC236}">
-                  <a16:creationId xmlns:a16="http://schemas.microsoft.com/office/drawing/2014/main" xmlns="" id="{A69FAACF-ABA8-43EA-B200-A749581D5FFA}"/>
+                  <a16:creationId xmlns:a16="http://schemas.microsoft.com/office/drawing/2014/main" id="{A69FAACF-ABA8-43EA-B200-A749581D5FFA}"/>
                 </a:ext>
               </a:extLst>
             </p:cNvPr>
@@ -23512,18 +23604,18 @@
           </p:nvGrpSpPr>
           <p:grpSpPr>
             <a:xfrm>
-              <a:off x="3441350" y="14796985"/>
-              <a:ext cx="8229600" cy="3544300"/>
-              <a:chOff x="3441350" y="14492185"/>
-              <a:chExt cx="8229600" cy="3544300"/>
+              <a:off x="3571554" y="15622402"/>
+              <a:ext cx="8229600" cy="2568255"/>
+              <a:chOff x="3571554" y="15317602"/>
+              <a:chExt cx="8229600" cy="2568255"/>
             </a:xfrm>
           </p:grpSpPr>
           <p:sp>
             <p:nvSpPr>
-              <p:cNvPr id="68" name="TextBox 67">
+              <p:cNvPr id="79" name="TextBox 78">
                 <a:extLst>
                   <a:ext uri="{FF2B5EF4-FFF2-40B4-BE49-F238E27FC236}">
-                    <a16:creationId xmlns:a16="http://schemas.microsoft.com/office/drawing/2014/main" xmlns="" id="{C916F37C-FEE4-420B-AE8A-7CA4F54B8DED}"/>
+                    <a16:creationId xmlns:a16="http://schemas.microsoft.com/office/drawing/2014/main" id="{C916F37C-FEE4-420B-AE8A-7CA4F54B8DED}"/>
                   </a:ext>
                 </a:extLst>
               </p:cNvPr>
@@ -23532,7 +23624,7 @@
             </p:nvSpPr>
             <p:spPr>
               <a:xfrm>
-                <a:off x="3441350" y="17482487"/>
+                <a:off x="3571554" y="17331859"/>
                 <a:ext cx="8229600" cy="553998"/>
               </a:xfrm>
               <a:prstGeom prst="rect">
@@ -23565,10 +23657,10 @@
           </p:sp>
           <p:grpSp>
             <p:nvGrpSpPr>
-              <p:cNvPr id="135" name="Group 134">
+              <p:cNvPr id="80" name="Group 79">
                 <a:extLst>
                   <a:ext uri="{FF2B5EF4-FFF2-40B4-BE49-F238E27FC236}">
-                    <a16:creationId xmlns:a16="http://schemas.microsoft.com/office/drawing/2014/main" xmlns="" id="{8245CA0B-71BC-476F-B724-07C1A7884AB8}"/>
+                    <a16:creationId xmlns:a16="http://schemas.microsoft.com/office/drawing/2014/main" id="{8245CA0B-71BC-476F-B724-07C1A7884AB8}"/>
                   </a:ext>
                 </a:extLst>
               </p:cNvPr>
@@ -23577,150 +23669,18 @@
             </p:nvGrpSpPr>
             <p:grpSpPr>
               <a:xfrm>
-                <a:off x="3688079" y="14492185"/>
-                <a:ext cx="7733932" cy="1608521"/>
-                <a:chOff x="3688079" y="14492185"/>
-                <a:chExt cx="7733932" cy="1608521"/>
+                <a:off x="5667159" y="15317602"/>
+                <a:ext cx="4035247" cy="554742"/>
+                <a:chOff x="5667159" y="15317602"/>
+                <a:chExt cx="4035247" cy="554742"/>
               </a:xfrm>
             </p:grpSpPr>
-            <p:pic>
-              <p:nvPicPr>
-                <p:cNvPr id="127" name="Picture 126">
+            <p:sp>
+              <p:nvSpPr>
+                <p:cNvPr id="84" name="TextBox 83">
                   <a:extLst>
                     <a:ext uri="{FF2B5EF4-FFF2-40B4-BE49-F238E27FC236}">
-                      <a16:creationId xmlns:a16="http://schemas.microsoft.com/office/drawing/2014/main" xmlns="" id="{2EF5CCF5-AAD4-4B46-ABEB-DD8C5E367C82}"/>
-                    </a:ext>
-                  </a:extLst>
-                </p:cNvPr>
-                <p:cNvPicPr>
-                  <a:picLocks noChangeAspect="1"/>
-                </p:cNvPicPr>
-                <p:nvPr/>
-              </p:nvPicPr>
-              <p:blipFill rotWithShape="1">
-                <a:blip r:embed="rId17">
-                  <a:extLst>
-                    <a:ext uri="{28A0092B-C50C-407E-A947-70E740481C1C}">
-                      <a14:useLocalDpi xmlns:a14="http://schemas.microsoft.com/office/drawing/2010/main" val="0"/>
-                    </a:ext>
-                  </a:extLst>
-                </a:blip>
-                <a:srcRect l="25187" r="19401"/>
-                <a:stretch>
-                  <a:fillRect/>
-                </a:stretch>
-              </p:blipFill>
-              <p:spPr>
-                <a:xfrm>
-                  <a:off x="3688079" y="14504890"/>
-                  <a:ext cx="2127755" cy="1595816"/>
-                </a:xfrm>
-                <a:prstGeom prst="rect">
-                  <a:avLst/>
-                </a:prstGeom>
-                <a:ln>
-                  <a:solidFill>
-                    <a:schemeClr val="bg1">
-                      <a:lumMod val="75000"/>
-                    </a:schemeClr>
-                  </a:solidFill>
-                </a:ln>
-              </p:spPr>
-            </p:pic>
-            <p:pic>
-              <p:nvPicPr>
-                <p:cNvPr id="129" name="Picture 128">
-                  <a:extLst>
-                    <a:ext uri="{FF2B5EF4-FFF2-40B4-BE49-F238E27FC236}">
-                      <a16:creationId xmlns:a16="http://schemas.microsoft.com/office/drawing/2014/main" xmlns="" id="{A5C44788-A675-4567-8E8D-B6D1147623DC}"/>
-                    </a:ext>
-                  </a:extLst>
-                </p:cNvPr>
-                <p:cNvPicPr>
-                  <a:picLocks noChangeAspect="1"/>
-                </p:cNvPicPr>
-                <p:nvPr/>
-              </p:nvPicPr>
-              <p:blipFill rotWithShape="1">
-                <a:blip r:embed="rId18">
-                  <a:extLst>
-                    <a:ext uri="{28A0092B-C50C-407E-A947-70E740481C1C}">
-                      <a14:useLocalDpi xmlns:a14="http://schemas.microsoft.com/office/drawing/2010/main" val="0"/>
-                    </a:ext>
-                  </a:extLst>
-                </a:blip>
-                <a:srcRect r="43888"/>
-                <a:stretch>
-                  <a:fillRect/>
-                </a:stretch>
-              </p:blipFill>
-              <p:spPr>
-                <a:xfrm>
-                  <a:off x="6506784" y="14492185"/>
-                  <a:ext cx="2127600" cy="1595700"/>
-                </a:xfrm>
-                <a:prstGeom prst="rect">
-                  <a:avLst/>
-                </a:prstGeom>
-                <a:ln>
-                  <a:solidFill>
-                    <a:schemeClr val="bg1">
-                      <a:lumMod val="75000"/>
-                    </a:schemeClr>
-                  </a:solidFill>
-                </a:ln>
-              </p:spPr>
-            </p:pic>
-            <p:pic>
-              <p:nvPicPr>
-                <p:cNvPr id="130" name="Picture 129">
-                  <a:extLst>
-                    <a:ext uri="{FF2B5EF4-FFF2-40B4-BE49-F238E27FC236}">
-                      <a16:creationId xmlns:a16="http://schemas.microsoft.com/office/drawing/2014/main" xmlns="" id="{36D592D0-3739-47AF-9271-C5BDC31C8A94}"/>
-                    </a:ext>
-                  </a:extLst>
-                </p:cNvPr>
-                <p:cNvPicPr>
-                  <a:picLocks noChangeAspect="1"/>
-                </p:cNvPicPr>
-                <p:nvPr/>
-              </p:nvPicPr>
-              <p:blipFill rotWithShape="1">
-                <a:blip r:embed="rId19">
-                  <a:extLst>
-                    <a:ext uri="{28A0092B-C50C-407E-A947-70E740481C1C}">
-                      <a14:useLocalDpi xmlns:a14="http://schemas.microsoft.com/office/drawing/2010/main" val="0"/>
-                    </a:ext>
-                  </a:extLst>
-                </a:blip>
-                <a:srcRect l="25187" r="19401"/>
-                <a:stretch>
-                  <a:fillRect/>
-                </a:stretch>
-              </p:blipFill>
-              <p:spPr>
-                <a:xfrm>
-                  <a:off x="9294256" y="14504890"/>
-                  <a:ext cx="2127755" cy="1595816"/>
-                </a:xfrm>
-                <a:prstGeom prst="rect">
-                  <a:avLst/>
-                </a:prstGeom>
-                <a:ln>
-                  <a:solidFill>
-                    <a:schemeClr val="bg1">
-                      <a:lumMod val="75000"/>
-                    </a:schemeClr>
-                  </a:solidFill>
-                </a:ln>
-              </p:spPr>
-            </p:pic>
-            <p:sp>
-              <p:nvSpPr>
-                <p:cNvPr id="131" name="TextBox 130">
-                  <a:extLst>
-                    <a:ext uri="{FF2B5EF4-FFF2-40B4-BE49-F238E27FC236}">
-                      <a16:creationId xmlns:a16="http://schemas.microsoft.com/office/drawing/2014/main" xmlns="" id="{8C9D5431-47C9-446E-8E17-F2D21D9E0F4E}"/>
+                      <a16:creationId xmlns:a16="http://schemas.microsoft.com/office/drawing/2014/main" id="{8C9D5431-47C9-446E-8E17-F2D21D9E0F4E}"/>
                     </a:ext>
                   </a:extLst>
                 </p:cNvPr>
@@ -23729,7 +23689,7 @@
               </p:nvSpPr>
               <p:spPr>
                 <a:xfrm>
-                  <a:off x="8499536" y="14997796"/>
+                  <a:off x="8728106" y="15318346"/>
                   <a:ext cx="974300" cy="553998"/>
                 </a:xfrm>
                 <a:prstGeom prst="rect">
@@ -23753,10 +23713,10 @@
             </p:sp>
             <p:sp>
               <p:nvSpPr>
-                <p:cNvPr id="132" name="TextBox 131">
+                <p:cNvPr id="85" name="TextBox 84">
                   <a:extLst>
                     <a:ext uri="{FF2B5EF4-FFF2-40B4-BE49-F238E27FC236}">
-                      <a16:creationId xmlns:a16="http://schemas.microsoft.com/office/drawing/2014/main" xmlns="" id="{C08A810E-0F9F-4B99-916F-CEC853B93B2E}"/>
+                      <a16:creationId xmlns:a16="http://schemas.microsoft.com/office/drawing/2014/main" id="{C08A810E-0F9F-4B99-916F-CEC853B93B2E}"/>
                     </a:ext>
                   </a:extLst>
                 </p:cNvPr>
@@ -23765,7 +23725,7 @@
               </p:nvSpPr>
               <p:spPr>
                 <a:xfrm>
-                  <a:off x="5667159" y="14997600"/>
+                  <a:off x="5667159" y="15317602"/>
                   <a:ext cx="974300" cy="553998"/>
                 </a:xfrm>
                 <a:prstGeom prst="rect">
@@ -23791,10 +23751,10 @@
         </p:grpSp>
         <p:sp>
           <p:nvSpPr>
-            <p:cNvPr id="180" name="TextBox 179">
+            <p:cNvPr id="74" name="TextBox 73">
               <a:extLst>
                 <a:ext uri="{FF2B5EF4-FFF2-40B4-BE49-F238E27FC236}">
-                  <a16:creationId xmlns:a16="http://schemas.microsoft.com/office/drawing/2014/main" xmlns="" id="{8783E3E6-8DA0-4B43-8796-87BCCF6FDC3C}"/>
+                  <a16:creationId xmlns:a16="http://schemas.microsoft.com/office/drawing/2014/main" id="{8783E3E6-8DA0-4B43-8796-87BCCF6FDC3C}"/>
                 </a:ext>
               </a:extLst>
             </p:cNvPr>
@@ -23803,7 +23763,7 @@
           </p:nvSpPr>
           <p:spPr>
             <a:xfrm>
-              <a:off x="2845605" y="16567133"/>
+              <a:off x="2727011" y="16977655"/>
               <a:ext cx="4020662" cy="553998"/>
             </a:xfrm>
             <a:prstGeom prst="rect">
@@ -23831,10 +23791,10 @@
         </p:sp>
         <p:sp>
           <p:nvSpPr>
-            <p:cNvPr id="181" name="TextBox 180">
+            <p:cNvPr id="75" name="TextBox 74">
               <a:extLst>
                 <a:ext uri="{FF2B5EF4-FFF2-40B4-BE49-F238E27FC236}">
-                  <a16:creationId xmlns:a16="http://schemas.microsoft.com/office/drawing/2014/main" xmlns="" id="{E6E73A88-46EA-4CE7-9A89-D02616A68D39}"/>
+                  <a16:creationId xmlns:a16="http://schemas.microsoft.com/office/drawing/2014/main" id="{E6E73A88-46EA-4CE7-9A89-D02616A68D39}"/>
                 </a:ext>
               </a:extLst>
             </p:cNvPr>
@@ -23843,7 +23803,7 @@
           </p:nvSpPr>
           <p:spPr>
             <a:xfrm>
-              <a:off x="8680744" y="16629216"/>
+              <a:off x="8969868" y="16916658"/>
               <a:ext cx="3576574" cy="553998"/>
             </a:xfrm>
             <a:prstGeom prst="rect">
@@ -23864,17 +23824,17 @@
                     <a:srgbClr val="FF0000"/>
                   </a:solidFill>
                 </a:rPr>
-                <a:t>50% it’s "sandal”</a:t>
+                <a:t>52% it’s “sandal”</a:t>
               </a:r>
             </a:p>
           </p:txBody>
         </p:sp>
         <p:sp>
           <p:nvSpPr>
-            <p:cNvPr id="182" name="TextBox 181">
+            <p:cNvPr id="76" name="TextBox 75">
               <a:extLst>
                 <a:ext uri="{FF2B5EF4-FFF2-40B4-BE49-F238E27FC236}">
-                  <a16:creationId xmlns:a16="http://schemas.microsoft.com/office/drawing/2014/main" xmlns="" id="{E94ECADF-7BEE-4462-9B64-71E30E31F5F8}"/>
+                  <a16:creationId xmlns:a16="http://schemas.microsoft.com/office/drawing/2014/main" id="{E94ECADF-7BEE-4462-9B64-71E30E31F5F8}"/>
                 </a:ext>
               </a:extLst>
             </p:cNvPr>
@@ -23883,7 +23843,7 @@
           </p:nvSpPr>
           <p:spPr>
             <a:xfrm>
-              <a:off x="9383371" y="14279274"/>
+              <a:off x="9778875" y="14316490"/>
               <a:ext cx="1937128" cy="523220"/>
             </a:xfrm>
             <a:prstGeom prst="rect">
@@ -23911,10 +23871,10 @@
         </p:sp>
         <p:sp>
           <p:nvSpPr>
-            <p:cNvPr id="183" name="TextBox 182">
+            <p:cNvPr id="77" name="TextBox 76">
               <a:extLst>
                 <a:ext uri="{FF2B5EF4-FFF2-40B4-BE49-F238E27FC236}">
-                  <a16:creationId xmlns:a16="http://schemas.microsoft.com/office/drawing/2014/main" xmlns="" id="{1BEBFB0E-1131-4431-A1CB-0C5AB8076F74}"/>
+                  <a16:creationId xmlns:a16="http://schemas.microsoft.com/office/drawing/2014/main" id="{1BEBFB0E-1131-4431-A1CB-0C5AB8076F74}"/>
                 </a:ext>
               </a:extLst>
             </p:cNvPr>
@@ -23923,7 +23883,7 @@
           </p:nvSpPr>
           <p:spPr>
             <a:xfrm>
-              <a:off x="6792171" y="14264034"/>
+              <a:off x="6907895" y="14316490"/>
               <a:ext cx="1556920" cy="523220"/>
             </a:xfrm>
             <a:prstGeom prst="rect">
@@ -23951,10 +23911,10 @@
         </p:sp>
         <p:sp>
           <p:nvSpPr>
-            <p:cNvPr id="184" name="TextBox 183">
+            <p:cNvPr id="78" name="TextBox 77">
               <a:extLst>
                 <a:ext uri="{FF2B5EF4-FFF2-40B4-BE49-F238E27FC236}">
-                  <a16:creationId xmlns:a16="http://schemas.microsoft.com/office/drawing/2014/main" xmlns="" id="{0247A0ED-9373-4A7C-B2A7-CF82E9F82D9D}"/>
+                  <a16:creationId xmlns:a16="http://schemas.microsoft.com/office/drawing/2014/main" id="{0247A0ED-9373-4A7C-B2A7-CF82E9F82D9D}"/>
                 </a:ext>
               </a:extLst>
             </p:cNvPr>
@@ -23963,7 +23923,7 @@
           </p:nvSpPr>
           <p:spPr>
             <a:xfrm>
-              <a:off x="3985085" y="14267347"/>
+              <a:off x="3788319" y="14316298"/>
               <a:ext cx="1556920" cy="523220"/>
             </a:xfrm>
             <a:prstGeom prst="rect">
@@ -23992,10 +23952,10 @@
       </p:grpSp>
       <p:grpSp>
         <p:nvGrpSpPr>
-          <p:cNvPr id="196" name="Group 195">
+          <p:cNvPr id="86" name="Group 85">
             <a:extLst>
               <a:ext uri="{FF2B5EF4-FFF2-40B4-BE49-F238E27FC236}">
-                <a16:creationId xmlns:a16="http://schemas.microsoft.com/office/drawing/2014/main" xmlns="" id="{77345A03-AF8A-4091-BFC4-B48BFBAC4FC3}"/>
+                <a16:creationId xmlns:a16="http://schemas.microsoft.com/office/drawing/2014/main" id="{77345A03-AF8A-4091-BFC4-B48BFBAC4FC3}"/>
               </a:ext>
             </a:extLst>
           </p:cNvPr>
@@ -24004,7 +23964,7 @@
         </p:nvGrpSpPr>
         <p:grpSpPr>
           <a:xfrm>
-            <a:off x="679369" y="24978991"/>
+            <a:off x="676988" y="24976611"/>
             <a:ext cx="13572366" cy="4616183"/>
             <a:chOff x="450669" y="24785738"/>
             <a:chExt cx="13570371" cy="4615674"/>
@@ -24012,10 +23972,10 @@
         </p:grpSpPr>
         <p:grpSp>
           <p:nvGrpSpPr>
-            <p:cNvPr id="195" name="Group 194">
+            <p:cNvPr id="87" name="Group 86">
               <a:extLst>
                 <a:ext uri="{FF2B5EF4-FFF2-40B4-BE49-F238E27FC236}">
-                  <a16:creationId xmlns:a16="http://schemas.microsoft.com/office/drawing/2014/main" xmlns="" id="{96BB160D-7952-462E-8AB7-F23EFCD94AB7}"/>
+                  <a16:creationId xmlns:a16="http://schemas.microsoft.com/office/drawing/2014/main" id="{96BB160D-7952-462E-8AB7-F23EFCD94AB7}"/>
                 </a:ext>
               </a:extLst>
             </p:cNvPr>
@@ -24032,10 +23992,10 @@
           </p:grpSpPr>
           <p:grpSp>
             <p:nvGrpSpPr>
-              <p:cNvPr id="173" name="Group 172">
+              <p:cNvPr id="91" name="Group 90">
                 <a:extLst>
                   <a:ext uri="{FF2B5EF4-FFF2-40B4-BE49-F238E27FC236}">
-                    <a16:creationId xmlns:a16="http://schemas.microsoft.com/office/drawing/2014/main" xmlns="" id="{D877ED0F-2157-4E59-BE17-9E02CDA5B4FB}"/>
+                    <a16:creationId xmlns:a16="http://schemas.microsoft.com/office/drawing/2014/main" id="{D877ED0F-2157-4E59-BE17-9E02CDA5B4FB}"/>
                   </a:ext>
                 </a:extLst>
               </p:cNvPr>
@@ -24052,10 +24012,10 @@
             </p:grpSpPr>
             <p:sp>
               <p:nvSpPr>
-                <p:cNvPr id="7" name="TextBox 6">
+                <p:cNvPr id="93" name="TextBox 92">
                   <a:extLst>
                     <a:ext uri="{FF2B5EF4-FFF2-40B4-BE49-F238E27FC236}">
-                      <a16:creationId xmlns:a16="http://schemas.microsoft.com/office/drawing/2014/main" xmlns="" id="{E0F126E1-DD37-4C09-9297-4337CA2A2036}"/>
+                      <a16:creationId xmlns:a16="http://schemas.microsoft.com/office/drawing/2014/main" id="{E0F126E1-DD37-4C09-9297-4337CA2A2036}"/>
                     </a:ext>
                   </a:extLst>
                 </p:cNvPr>
@@ -24097,10 +24057,10 @@
             </p:sp>
             <p:grpSp>
               <p:nvGrpSpPr>
-                <p:cNvPr id="96" name="Group 95">
+                <p:cNvPr id="94" name="Group 93">
                   <a:extLst>
                     <a:ext uri="{FF2B5EF4-FFF2-40B4-BE49-F238E27FC236}">
-                      <a16:creationId xmlns:a16="http://schemas.microsoft.com/office/drawing/2014/main" xmlns="" id="{B3828EFC-7000-46BF-BD2A-1FC171B21C1C}"/>
+                      <a16:creationId xmlns:a16="http://schemas.microsoft.com/office/drawing/2014/main" id="{B3828EFC-7000-46BF-BD2A-1FC171B21C1C}"/>
                     </a:ext>
                   </a:extLst>
                 </p:cNvPr>
@@ -24117,10 +24077,10 @@
               </p:grpSpPr>
               <p:grpSp>
                 <p:nvGrpSpPr>
-                  <p:cNvPr id="97" name="Group 96">
+                  <p:cNvPr id="95" name="Group 94">
                     <a:extLst>
                       <a:ext uri="{FF2B5EF4-FFF2-40B4-BE49-F238E27FC236}">
-                        <a16:creationId xmlns:a16="http://schemas.microsoft.com/office/drawing/2014/main" xmlns="" id="{A59C9991-9736-408F-A168-BFB599E667AC}"/>
+                        <a16:creationId xmlns:a16="http://schemas.microsoft.com/office/drawing/2014/main" id="{A59C9991-9736-408F-A168-BFB599E667AC}"/>
                       </a:ext>
                     </a:extLst>
                   </p:cNvPr>
@@ -24137,10 +24097,10 @@
                 </p:grpSpPr>
                 <p:grpSp>
                   <p:nvGrpSpPr>
-                    <p:cNvPr id="99" name="Group 98">
+                    <p:cNvPr id="97" name="Group 96">
                       <a:extLst>
                         <a:ext uri="{FF2B5EF4-FFF2-40B4-BE49-F238E27FC236}">
-                          <a16:creationId xmlns:a16="http://schemas.microsoft.com/office/drawing/2014/main" xmlns="" id="{DC5EF675-B421-4463-9738-25F436D61089}"/>
+                          <a16:creationId xmlns:a16="http://schemas.microsoft.com/office/drawing/2014/main" id="{DC5EF675-B421-4463-9738-25F436D61089}"/>
                         </a:ext>
                       </a:extLst>
                     </p:cNvPr>
@@ -24157,10 +24117,10 @@
                   </p:grpSpPr>
                   <p:pic>
                     <p:nvPicPr>
-                      <p:cNvPr id="106" name="Picture 105" descr="A close up of a device&#10;&#10;Description automatically generated">
+                      <p:cNvPr id="101" name="Picture 100" descr="A close up of a device&#10;&#10;Description automatically generated">
                         <a:extLst>
                           <a:ext uri="{FF2B5EF4-FFF2-40B4-BE49-F238E27FC236}">
-                            <a16:creationId xmlns:a16="http://schemas.microsoft.com/office/drawing/2014/main" xmlns="" id="{3B7195B5-32C1-4328-86E8-011BFABB93A6}"/>
+                            <a16:creationId xmlns:a16="http://schemas.microsoft.com/office/drawing/2014/main" id="{3B7195B5-32C1-4328-86E8-011BFABB93A6}"/>
                           </a:ext>
                         </a:extLst>
                       </p:cNvPr>
@@ -24193,10 +24153,10 @@
                   </p:pic>
                   <p:pic>
                     <p:nvPicPr>
-                      <p:cNvPr id="107" name="Picture 106">
+                      <p:cNvPr id="102" name="Picture 101">
                         <a:extLst>
                           <a:ext uri="{FF2B5EF4-FFF2-40B4-BE49-F238E27FC236}">
-                            <a16:creationId xmlns:a16="http://schemas.microsoft.com/office/drawing/2014/main" xmlns="" id="{7E459366-728A-45AF-B85E-046A28505D58}"/>
+                            <a16:creationId xmlns:a16="http://schemas.microsoft.com/office/drawing/2014/main" id="{7E459366-728A-45AF-B85E-046A28505D58}"/>
                           </a:ext>
                         </a:extLst>
                       </p:cNvPr>
@@ -24230,10 +24190,10 @@
                 </p:grpSp>
                 <p:pic>
                   <p:nvPicPr>
-                    <p:cNvPr id="100" name="Picture 99" descr="A close up of a device&#10;&#10;Description automatically generated">
+                    <p:cNvPr id="98" name="Picture 97" descr="A close up of a device&#10;&#10;Description automatically generated">
                       <a:extLst>
                         <a:ext uri="{FF2B5EF4-FFF2-40B4-BE49-F238E27FC236}">
-                          <a16:creationId xmlns:a16="http://schemas.microsoft.com/office/drawing/2014/main" xmlns="" id="{E24AD8BE-4DE1-4538-9331-4E3990B50345}"/>
+                          <a16:creationId xmlns:a16="http://schemas.microsoft.com/office/drawing/2014/main" id="{E24AD8BE-4DE1-4538-9331-4E3990B50345}"/>
                         </a:ext>
                       </a:extLst>
                     </p:cNvPr>
@@ -24265,10 +24225,10 @@
                 </p:pic>
                 <p:pic>
                   <p:nvPicPr>
-                    <p:cNvPr id="101" name="Picture 100" descr="A picture containing crossword puzzle, text, black, floor&#10;&#10;Description automatically generated">
+                    <p:cNvPr id="99" name="Picture 98" descr="A picture containing crossword puzzle, text, black, floor&#10;&#10;Description automatically generated">
                       <a:extLst>
                         <a:ext uri="{FF2B5EF4-FFF2-40B4-BE49-F238E27FC236}">
-                          <a16:creationId xmlns:a16="http://schemas.microsoft.com/office/drawing/2014/main" xmlns="" id="{C80C5476-8CCA-486C-90D3-FA0B1C5D7683}"/>
+                          <a16:creationId xmlns:a16="http://schemas.microsoft.com/office/drawing/2014/main" id="{C80C5476-8CCA-486C-90D3-FA0B1C5D7683}"/>
                         </a:ext>
                       </a:extLst>
                     </p:cNvPr>
@@ -24301,10 +24261,10 @@
                 </p:pic>
                 <p:pic>
                   <p:nvPicPr>
-                    <p:cNvPr id="103" name="Picture 102">
+                    <p:cNvPr id="100" name="Picture 99">
                       <a:extLst>
                         <a:ext uri="{FF2B5EF4-FFF2-40B4-BE49-F238E27FC236}">
-                          <a16:creationId xmlns:a16="http://schemas.microsoft.com/office/drawing/2014/main" xmlns="" id="{7B2482F8-8B5C-4925-B39C-C0974E45A424}"/>
+                          <a16:creationId xmlns:a16="http://schemas.microsoft.com/office/drawing/2014/main" id="{7B2482F8-8B5C-4925-B39C-C0974E45A424}"/>
                         </a:ext>
                       </a:extLst>
                     </p:cNvPr>
@@ -24338,10 +24298,10 @@
               </p:grpSp>
               <p:sp>
                 <p:nvSpPr>
-                  <p:cNvPr id="98" name="Rectangle: Rounded Corners 97">
+                  <p:cNvPr id="96" name="Rectangle: Rounded Corners 97">
                     <a:extLst>
                       <a:ext uri="{FF2B5EF4-FFF2-40B4-BE49-F238E27FC236}">
-                        <a16:creationId xmlns:a16="http://schemas.microsoft.com/office/drawing/2014/main" xmlns="" id="{7082610D-6AD0-4B72-8799-8EF096B5C63B}"/>
+                        <a16:creationId xmlns:a16="http://schemas.microsoft.com/office/drawing/2014/main" id="{7082610D-6AD0-4B72-8799-8EF096B5C63B}"/>
                       </a:ext>
                     </a:extLst>
                   </p:cNvPr>
@@ -24392,10 +24352,10 @@
           </p:grpSp>
           <p:sp>
             <p:nvSpPr>
-              <p:cNvPr id="188" name="Speech Bubble: Oval 187">
+              <p:cNvPr id="92" name="Speech Bubble: Oval 187">
                 <a:extLst>
                   <a:ext uri="{FF2B5EF4-FFF2-40B4-BE49-F238E27FC236}">
-                    <a16:creationId xmlns:a16="http://schemas.microsoft.com/office/drawing/2014/main" xmlns="" id="{078F6DC7-CB18-4D83-B6C3-E52851F35E01}"/>
+                    <a16:creationId xmlns:a16="http://schemas.microsoft.com/office/drawing/2014/main" id="{078F6DC7-CB18-4D83-B6C3-E52851F35E01}"/>
                   </a:ext>
                 </a:extLst>
               </p:cNvPr>
@@ -24455,10 +24415,10 @@
         </p:grpSp>
         <p:cxnSp>
           <p:nvCxnSpPr>
-            <p:cNvPr id="192" name="Straight Arrow Connector 191">
+            <p:cNvPr id="88" name="Straight Arrow Connector 87">
               <a:extLst>
                 <a:ext uri="{FF2B5EF4-FFF2-40B4-BE49-F238E27FC236}">
-                  <a16:creationId xmlns:a16="http://schemas.microsoft.com/office/drawing/2014/main" xmlns="" id="{1338B41E-BE41-4E7F-AB5D-DBDF1AC91A9C}"/>
+                  <a16:creationId xmlns:a16="http://schemas.microsoft.com/office/drawing/2014/main" id="{1338B41E-BE41-4E7F-AB5D-DBDF1AC91A9C}"/>
                 </a:ext>
               </a:extLst>
             </p:cNvPr>
@@ -24497,10 +24457,10 @@
         </p:cxnSp>
         <p:cxnSp>
           <p:nvCxnSpPr>
-            <p:cNvPr id="193" name="Straight Arrow Connector 192">
+            <p:cNvPr id="89" name="Straight Arrow Connector 88">
               <a:extLst>
                 <a:ext uri="{FF2B5EF4-FFF2-40B4-BE49-F238E27FC236}">
-                  <a16:creationId xmlns:a16="http://schemas.microsoft.com/office/drawing/2014/main" xmlns="" id="{138E9ACB-E391-4CA5-9E66-988BB55833A3}"/>
+                  <a16:creationId xmlns:a16="http://schemas.microsoft.com/office/drawing/2014/main" id="{138E9ACB-E391-4CA5-9E66-988BB55833A3}"/>
                 </a:ext>
               </a:extLst>
             </p:cNvPr>
@@ -24539,10 +24499,10 @@
         </p:cxnSp>
         <p:cxnSp>
           <p:nvCxnSpPr>
-            <p:cNvPr id="194" name="Straight Arrow Connector 193">
+            <p:cNvPr id="90" name="Straight Arrow Connector 89">
               <a:extLst>
                 <a:ext uri="{FF2B5EF4-FFF2-40B4-BE49-F238E27FC236}">
-                  <a16:creationId xmlns:a16="http://schemas.microsoft.com/office/drawing/2014/main" xmlns="" id="{2C7BE932-3BC3-4A8A-9590-5CF30E25BF8F}"/>
+                  <a16:creationId xmlns:a16="http://schemas.microsoft.com/office/drawing/2014/main" id="{2C7BE932-3BC3-4A8A-9590-5CF30E25BF8F}"/>
                 </a:ext>
               </a:extLst>
             </p:cNvPr>
@@ -24580,10 +24540,86 @@
           </p:style>
         </p:cxnSp>
       </p:grpSp>
+      <p:sp>
+        <p:nvSpPr>
+          <p:cNvPr id="104" name="Date Placeholder 103" hidden="1"/>
+          <p:cNvSpPr>
+            <a:spLocks noGrp="1"/>
+          </p:cNvSpPr>
+          <p:nvPr>
+            <p:ph type="dt" sz="half" idx="10"/>
+          </p:nvPr>
+        </p:nvSpPr>
+        <p:spPr/>
+        <p:txBody>
+          <a:bodyPr/>
+          <a:lstStyle/>
+          <a:p>
+            <a:endParaRPr lang="en-US"/>
+          </a:p>
+        </p:txBody>
+      </p:sp>
+      <p:sp>
+        <p:nvSpPr>
+          <p:cNvPr id="103" name="Footer Placeholder 102" hidden="1"/>
+          <p:cNvSpPr>
+            <a:spLocks noGrp="1"/>
+          </p:cNvSpPr>
+          <p:nvPr>
+            <p:ph type="ftr" sz="quarter" idx="11"/>
+          </p:nvPr>
+        </p:nvSpPr>
+        <p:spPr/>
+        <p:txBody>
+          <a:bodyPr/>
+          <a:lstStyle/>
+          <a:p>
+            <a:endParaRPr lang="en-US"/>
+          </a:p>
+        </p:txBody>
+      </p:sp>
+      <p:pic>
+        <p:nvPicPr>
+          <p:cNvPr id="107" name="Picture 106" descr="../Dropbox/Graphics/CS%20Bar%20Ilan/CSBIUProfileWhite.jpg"/>
+          <p:cNvPicPr>
+            <a:picLocks noChangeAspect="1"/>
+          </p:cNvPicPr>
+          <p:nvPr/>
+        </p:nvPicPr>
+        <p:blipFill rotWithShape="1">
+          <a:blip r:embed="rId25">
+            <a:extLst>
+              <a:ext uri="{28A0092B-C50C-407E-A947-70E740481C1C}">
+                <a14:useLocalDpi xmlns:a14="http://schemas.microsoft.com/office/drawing/2010/main" val="0"/>
+              </a:ext>
+            </a:extLst>
+          </a:blip>
+          <a:srcRect t="28646" b="22245"/>
+          <a:stretch/>
+        </p:blipFill>
+        <p:spPr bwMode="auto">
+          <a:xfrm>
+            <a:off x="2410207" y="1880553"/>
+            <a:ext cx="7332277" cy="3600000"/>
+          </a:xfrm>
+          <a:prstGeom prst="rect">
+            <a:avLst/>
+          </a:prstGeom>
+          <a:noFill/>
+          <a:ln>
+            <a:noFill/>
+          </a:ln>
+          <a:extLst>
+            <a:ext uri="{53640926-AAD7-44D8-BBD7-CCE9431645EC}">
+              <a14:shadowObscured xmlns:a14="http://schemas.microsoft.com/office/drawing/2010/main"/>
+            </a:ext>
+          </a:extLst>
+        </p:spPr>
+      </p:pic>
     </p:spTree>
     <p:extLst>
       <p:ext uri="{BB962C8B-B14F-4D97-AF65-F5344CB8AC3E}">
-        <p14:creationId xmlns:p14="http://schemas.microsoft.com/office/powerpoint/2010/main" val="875518605"/>
+        <p14:creationId xmlns:p14="http://schemas.microsoft.com/office/powerpoint/2010/main" val="771378761"/>
       </p:ext>
     </p:extLst>
   </p:cSld>
@@ -24636,7 +24672,7 @@
     </a:clrScheme>
     <a:fontScheme name="Office Theme">
       <a:majorFont>
-        <a:latin typeface="Calibri Light"/>
+        <a:latin typeface="Calibri Light" panose="020F0302020204030204"/>
         <a:ea typeface=""/>
         <a:cs typeface=""/>
         <a:font script="Jpan" typeface="游ゴシック Light"/>
@@ -24671,7 +24707,7 @@
         <a:font script="Geor" typeface="Sylfaen"/>
       </a:majorFont>
       <a:minorFont>
-        <a:latin typeface="Calibri"/>
+        <a:latin typeface="Calibri" panose="020F0502020204030204"/>
         <a:ea typeface=""/>
         <a:cs typeface=""/>
         <a:font script="Jpan" typeface="游ゴシック"/>
@@ -24848,7 +24884,7 @@
   <a:extraClrSchemeLst/>
   <a:extLst>
     <a:ext uri="{05A4C25C-085E-4340-85A3-A5531E510DB2}">
-      <thm15:themeFamily xmlns:thm15="http://schemas.microsoft.com/office/thememl/2012/main" xmlns="" name="Office Theme" id="{62F939B6-93AF-4DB8-9C6B-D6C7DFDC589F}" vid="{4A3C46E8-61CC-4603-A589-7422A47A8E4A}"/>
+      <thm15:themeFamily xmlns:thm15="http://schemas.microsoft.com/office/thememl/2012/main" name="Office Theme" id="{62F939B6-93AF-4DB8-9C6B-D6C7DFDC589F}" vid="{4A3C46E8-61CC-4603-A589-7422A47A8E4A}"/>
     </a:ext>
   </a:extLst>
 </a:theme>

--- a/poster.pptx
+++ b/poster.pptx
@@ -264,7 +264,7 @@
           <a:p>
             <a:fld id="{FD4B236B-4127-4146-99ED-6A730B7745F6}" type="datetimeFigureOut">
               <a:rPr lang="en-US" smtClean="0"/>
-              <a:t>6/5/2019</a:t>
+              <a:t>6/6/2019</a:t>
             </a:fld>
             <a:endParaRPr lang="en-US"/>
           </a:p>
@@ -434,7 +434,7 @@
           <a:p>
             <a:fld id="{FD4B236B-4127-4146-99ED-6A730B7745F6}" type="datetimeFigureOut">
               <a:rPr lang="en-US" smtClean="0"/>
-              <a:t>6/5/2019</a:t>
+              <a:t>6/6/2019</a:t>
             </a:fld>
             <a:endParaRPr lang="en-US"/>
           </a:p>
@@ -614,7 +614,7 @@
           <a:p>
             <a:fld id="{FD4B236B-4127-4146-99ED-6A730B7745F6}" type="datetimeFigureOut">
               <a:rPr lang="en-US" smtClean="0"/>
-              <a:t>6/5/2019</a:t>
+              <a:t>6/6/2019</a:t>
             </a:fld>
             <a:endParaRPr lang="en-US"/>
           </a:p>
@@ -784,7 +784,7 @@
           <a:p>
             <a:fld id="{FD4B236B-4127-4146-99ED-6A730B7745F6}" type="datetimeFigureOut">
               <a:rPr lang="en-US" smtClean="0"/>
-              <a:t>6/5/2019</a:t>
+              <a:t>6/6/2019</a:t>
             </a:fld>
             <a:endParaRPr lang="en-US"/>
           </a:p>
@@ -1028,7 +1028,7 @@
           <a:p>
             <a:fld id="{FD4B236B-4127-4146-99ED-6A730B7745F6}" type="datetimeFigureOut">
               <a:rPr lang="en-US" smtClean="0"/>
-              <a:t>6/5/2019</a:t>
+              <a:t>6/6/2019</a:t>
             </a:fld>
             <a:endParaRPr lang="en-US"/>
           </a:p>
@@ -1260,7 +1260,7 @@
           <a:p>
             <a:fld id="{FD4B236B-4127-4146-99ED-6A730B7745F6}" type="datetimeFigureOut">
               <a:rPr lang="en-US" smtClean="0"/>
-              <a:t>6/5/2019</a:t>
+              <a:t>6/6/2019</a:t>
             </a:fld>
             <a:endParaRPr lang="en-US"/>
           </a:p>
@@ -1627,7 +1627,7 @@
           <a:p>
             <a:fld id="{FD4B236B-4127-4146-99ED-6A730B7745F6}" type="datetimeFigureOut">
               <a:rPr lang="en-US" smtClean="0"/>
-              <a:t>6/5/2019</a:t>
+              <a:t>6/6/2019</a:t>
             </a:fld>
             <a:endParaRPr lang="en-US"/>
           </a:p>
@@ -1745,7 +1745,7 @@
           <a:p>
             <a:fld id="{FD4B236B-4127-4146-99ED-6A730B7745F6}" type="datetimeFigureOut">
               <a:rPr lang="en-US" smtClean="0"/>
-              <a:t>6/5/2019</a:t>
+              <a:t>6/6/2019</a:t>
             </a:fld>
             <a:endParaRPr lang="en-US"/>
           </a:p>
@@ -1840,7 +1840,7 @@
           <a:p>
             <a:fld id="{FD4B236B-4127-4146-99ED-6A730B7745F6}" type="datetimeFigureOut">
               <a:rPr lang="en-US" smtClean="0"/>
-              <a:t>6/5/2019</a:t>
+              <a:t>6/6/2019</a:t>
             </a:fld>
             <a:endParaRPr lang="en-US"/>
           </a:p>
@@ -2117,7 +2117,7 @@
           <a:p>
             <a:fld id="{FD4B236B-4127-4146-99ED-6A730B7745F6}" type="datetimeFigureOut">
               <a:rPr lang="en-US" smtClean="0"/>
-              <a:t>6/5/2019</a:t>
+              <a:t>6/6/2019</a:t>
             </a:fld>
             <a:endParaRPr lang="en-US"/>
           </a:p>
@@ -2374,7 +2374,7 @@
           <a:p>
             <a:fld id="{FD4B236B-4127-4146-99ED-6A730B7745F6}" type="datetimeFigureOut">
               <a:rPr lang="en-US" smtClean="0"/>
-              <a:t>6/5/2019</a:t>
+              <a:t>6/6/2019</a:t>
             </a:fld>
             <a:endParaRPr lang="en-US"/>
           </a:p>
@@ -2587,7 +2587,7 @@
           <a:p>
             <a:fld id="{FD4B236B-4127-4146-99ED-6A730B7745F6}" type="datetimeFigureOut">
               <a:rPr lang="en-US" smtClean="0"/>
-              <a:t>6/5/2019</a:t>
+              <a:t>6/6/2019</a:t>
             </a:fld>
             <a:endParaRPr lang="en-US"/>
           </a:p>
@@ -8550,7 +8550,7 @@
               <p:nvPr>
                 <p:extLst>
                   <p:ext uri="{D42A27DB-BD31-4B8C-83A1-F6EECF244321}">
-                    <p14:modId xmlns:p14="http://schemas.microsoft.com/office/powerpoint/2010/main" val="3312649132"/>
+                    <p14:modId xmlns:p14="http://schemas.microsoft.com/office/powerpoint/2010/main" val="1219633544"/>
                   </p:ext>
                 </p:extLst>
               </p:nvPr>
@@ -11264,11 +11264,14 @@
                         <a:lstStyle/>
                         <a:p>
                           <a:pPr algn="ctr"/>
-                          <a:endParaRPr lang="en-US" sz="3500" dirty="0">
-                            <a:solidFill>
-                              <a:srgbClr val="00B050"/>
-                            </a:solidFill>
-                          </a:endParaRPr>
+                          <a:r>
+                            <a:rPr lang="en-US" sz="3500" dirty="0">
+                              <a:solidFill>
+                                <a:srgbClr val="00B050"/>
+                              </a:solidFill>
+                            </a:rPr>
+                            <a:t>9.60</a:t>
+                          </a:r>
                         </a:p>
                       </a:txBody>
                       <a:tcPr anchor="ctr">
@@ -11679,6 +11682,14 @@
                         <a:lstStyle/>
                         <a:p>
                           <a:pPr algn="ctr"/>
+                          <a:r>
+                            <a:rPr lang="en-US" sz="3500">
+                              <a:solidFill>
+                                <a:srgbClr val="00B050"/>
+                              </a:solidFill>
+                            </a:rPr>
+                            <a:t>4.90</a:t>
+                          </a:r>
                           <a:endParaRPr lang="en-US" sz="3500" dirty="0">
                             <a:solidFill>
                               <a:srgbClr val="00B050"/>
@@ -16072,7 +16083,7 @@
               <p:nvPr>
                 <p:extLst>
                   <p:ext uri="{D42A27DB-BD31-4B8C-83A1-F6EECF244321}">
-                    <p14:modId xmlns:p14="http://schemas.microsoft.com/office/powerpoint/2010/main" val="3312649132"/>
+                    <p14:modId xmlns:p14="http://schemas.microsoft.com/office/powerpoint/2010/main" val="1219633544"/>
                   </p:ext>
                 </p:extLst>
               </p:nvPr>
@@ -18704,11 +18715,14 @@
                         <a:lstStyle/>
                         <a:p>
                           <a:pPr algn="ctr"/>
-                          <a:endParaRPr lang="en-US" sz="3500" dirty="0">
-                            <a:solidFill>
-                              <a:srgbClr val="00B050"/>
-                            </a:solidFill>
-                          </a:endParaRPr>
+                          <a:r>
+                            <a:rPr lang="en-US" sz="3500" dirty="0">
+                              <a:solidFill>
+                                <a:srgbClr val="00B050"/>
+                              </a:solidFill>
+                            </a:rPr>
+                            <a:t>9.60</a:t>
+                          </a:r>
                         </a:p>
                       </a:txBody>
                       <a:tcPr anchor="ctr">
@@ -19085,6 +19099,14 @@
                         <a:lstStyle/>
                         <a:p>
                           <a:pPr algn="ctr"/>
+                          <a:r>
+                            <a:rPr lang="en-US" sz="3500">
+                              <a:solidFill>
+                                <a:srgbClr val="00B050"/>
+                              </a:solidFill>
+                            </a:rPr>
+                            <a:t>4.90</a:t>
+                          </a:r>
                           <a:endParaRPr lang="en-US" sz="3500" dirty="0">
                             <a:solidFill>
                               <a:srgbClr val="00B050"/>

--- a/poster.pptx
+++ b/poster.pptx
@@ -264,7 +264,7 @@
           <a:p>
             <a:fld id="{FD4B236B-4127-4146-99ED-6A730B7745F6}" type="datetimeFigureOut">
               <a:rPr lang="en-US" smtClean="0"/>
-              <a:t>6/6/2019</a:t>
+              <a:t>6/10/2019</a:t>
             </a:fld>
             <a:endParaRPr lang="en-US"/>
           </a:p>
@@ -434,7 +434,7 @@
           <a:p>
             <a:fld id="{FD4B236B-4127-4146-99ED-6A730B7745F6}" type="datetimeFigureOut">
               <a:rPr lang="en-US" smtClean="0"/>
-              <a:t>6/6/2019</a:t>
+              <a:t>6/10/2019</a:t>
             </a:fld>
             <a:endParaRPr lang="en-US"/>
           </a:p>
@@ -614,7 +614,7 @@
           <a:p>
             <a:fld id="{FD4B236B-4127-4146-99ED-6A730B7745F6}" type="datetimeFigureOut">
               <a:rPr lang="en-US" smtClean="0"/>
-              <a:t>6/6/2019</a:t>
+              <a:t>6/10/2019</a:t>
             </a:fld>
             <a:endParaRPr lang="en-US"/>
           </a:p>
@@ -784,7 +784,7 @@
           <a:p>
             <a:fld id="{FD4B236B-4127-4146-99ED-6A730B7745F6}" type="datetimeFigureOut">
               <a:rPr lang="en-US" smtClean="0"/>
-              <a:t>6/6/2019</a:t>
+              <a:t>6/10/2019</a:t>
             </a:fld>
             <a:endParaRPr lang="en-US"/>
           </a:p>
@@ -1028,7 +1028,7 @@
           <a:p>
             <a:fld id="{FD4B236B-4127-4146-99ED-6A730B7745F6}" type="datetimeFigureOut">
               <a:rPr lang="en-US" smtClean="0"/>
-              <a:t>6/6/2019</a:t>
+              <a:t>6/10/2019</a:t>
             </a:fld>
             <a:endParaRPr lang="en-US"/>
           </a:p>
@@ -1260,7 +1260,7 @@
           <a:p>
             <a:fld id="{FD4B236B-4127-4146-99ED-6A730B7745F6}" type="datetimeFigureOut">
               <a:rPr lang="en-US" smtClean="0"/>
-              <a:t>6/6/2019</a:t>
+              <a:t>6/10/2019</a:t>
             </a:fld>
             <a:endParaRPr lang="en-US"/>
           </a:p>
@@ -1627,7 +1627,7 @@
           <a:p>
             <a:fld id="{FD4B236B-4127-4146-99ED-6A730B7745F6}" type="datetimeFigureOut">
               <a:rPr lang="en-US" smtClean="0"/>
-              <a:t>6/6/2019</a:t>
+              <a:t>6/10/2019</a:t>
             </a:fld>
             <a:endParaRPr lang="en-US"/>
           </a:p>
@@ -1745,7 +1745,7 @@
           <a:p>
             <a:fld id="{FD4B236B-4127-4146-99ED-6A730B7745F6}" type="datetimeFigureOut">
               <a:rPr lang="en-US" smtClean="0"/>
-              <a:t>6/6/2019</a:t>
+              <a:t>6/10/2019</a:t>
             </a:fld>
             <a:endParaRPr lang="en-US"/>
           </a:p>
@@ -1840,7 +1840,7 @@
           <a:p>
             <a:fld id="{FD4B236B-4127-4146-99ED-6A730B7745F6}" type="datetimeFigureOut">
               <a:rPr lang="en-US" smtClean="0"/>
-              <a:t>6/6/2019</a:t>
+              <a:t>6/10/2019</a:t>
             </a:fld>
             <a:endParaRPr lang="en-US"/>
           </a:p>
@@ -2117,7 +2117,7 @@
           <a:p>
             <a:fld id="{FD4B236B-4127-4146-99ED-6A730B7745F6}" type="datetimeFigureOut">
               <a:rPr lang="en-US" smtClean="0"/>
-              <a:t>6/6/2019</a:t>
+              <a:t>6/10/2019</a:t>
             </a:fld>
             <a:endParaRPr lang="en-US"/>
           </a:p>
@@ -2374,7 +2374,7 @@
           <a:p>
             <a:fld id="{FD4B236B-4127-4146-99ED-6A730B7745F6}" type="datetimeFigureOut">
               <a:rPr lang="en-US" smtClean="0"/>
-              <a:t>6/6/2019</a:t>
+              <a:t>6/10/2019</a:t>
             </a:fld>
             <a:endParaRPr lang="en-US"/>
           </a:p>
@@ -2587,7 +2587,7 @@
           <a:p>
             <a:fld id="{FD4B236B-4127-4146-99ED-6A730B7745F6}" type="datetimeFigureOut">
               <a:rPr lang="en-US" smtClean="0"/>
-              <a:t>6/6/2019</a:t>
+              <a:t>6/10/2019</a:t>
             </a:fld>
             <a:endParaRPr lang="en-US"/>
           </a:p>
@@ -8550,7 +8550,7 @@
               <p:nvPr>
                 <p:extLst>
                   <p:ext uri="{D42A27DB-BD31-4B8C-83A1-F6EECF244321}">
-                    <p14:modId xmlns:p14="http://schemas.microsoft.com/office/powerpoint/2010/main" val="1219633544"/>
+                    <p14:modId xmlns:p14="http://schemas.microsoft.com/office/powerpoint/2010/main" val="3929535977"/>
                   </p:ext>
                 </p:extLst>
               </p:nvPr>
@@ -14762,11 +14762,14 @@
                         <a:lstStyle/>
                         <a:p>
                           <a:pPr algn="ctr"/>
-                          <a:endParaRPr lang="en-US" sz="3500" dirty="0">
-                            <a:solidFill>
-                              <a:srgbClr val="00B050"/>
-                            </a:solidFill>
-                          </a:endParaRPr>
+                          <a:r>
+                            <a:rPr lang="en-US" sz="3500" dirty="0">
+                              <a:solidFill>
+                                <a:srgbClr val="00B050"/>
+                              </a:solidFill>
+                            </a:rPr>
+                            <a:t>18.70</a:t>
+                          </a:r>
                         </a:p>
                       </a:txBody>
                       <a:tcPr anchor="ctr">
@@ -15187,6 +15190,14 @@
                         <a:lstStyle/>
                         <a:p>
                           <a:pPr algn="ctr"/>
+                          <a:r>
+                            <a:rPr lang="en-US" sz="3500">
+                              <a:solidFill>
+                                <a:srgbClr val="00B050"/>
+                              </a:solidFill>
+                            </a:rPr>
+                            <a:t>17.80</a:t>
+                          </a:r>
                           <a:endParaRPr lang="en-US" sz="3500" dirty="0">
                             <a:solidFill>
                               <a:srgbClr val="00B050"/>
@@ -16083,7 +16094,7 @@
               <p:nvPr>
                 <p:extLst>
                   <p:ext uri="{D42A27DB-BD31-4B8C-83A1-F6EECF244321}">
-                    <p14:modId xmlns:p14="http://schemas.microsoft.com/office/powerpoint/2010/main" val="1219633544"/>
+                    <p14:modId xmlns:p14="http://schemas.microsoft.com/office/powerpoint/2010/main" val="3929535977"/>
                   </p:ext>
                 </p:extLst>
               </p:nvPr>
@@ -22097,11 +22108,14 @@
                         <a:lstStyle/>
                         <a:p>
                           <a:pPr algn="ctr"/>
-                          <a:endParaRPr lang="en-US" sz="3500" dirty="0">
-                            <a:solidFill>
-                              <a:srgbClr val="00B050"/>
-                            </a:solidFill>
-                          </a:endParaRPr>
+                          <a:r>
+                            <a:rPr lang="en-US" sz="3500" dirty="0">
+                              <a:solidFill>
+                                <a:srgbClr val="00B050"/>
+                              </a:solidFill>
+                            </a:rPr>
+                            <a:t>18.70</a:t>
+                          </a:r>
                         </a:p>
                       </a:txBody>
                       <a:tcPr anchor="ctr">
@@ -22488,6 +22502,14 @@
                         <a:lstStyle/>
                         <a:p>
                           <a:pPr algn="ctr"/>
+                          <a:r>
+                            <a:rPr lang="en-US" sz="3500">
+                              <a:solidFill>
+                                <a:srgbClr val="00B050"/>
+                              </a:solidFill>
+                            </a:rPr>
+                            <a:t>17.80</a:t>
+                          </a:r>
                           <a:endParaRPr lang="en-US" sz="3500" dirty="0">
                             <a:solidFill>
                               <a:srgbClr val="00B050"/>
@@ -23431,10 +23453,10 @@
       </p:sp>
       <p:graphicFrame>
         <p:nvGraphicFramePr>
-          <p:cNvPr id="114" name="Table 113">
+          <p:cNvPr id="111" name="Table 110">
             <a:extLst>
               <a:ext uri="{FF2B5EF4-FFF2-40B4-BE49-F238E27FC236}">
-                <a16:creationId xmlns:a16="http://schemas.microsoft.com/office/drawing/2014/main" id="{1F14B970-BBEC-495B-9415-28942C53746F}"/>
+                <a16:creationId xmlns:a16="http://schemas.microsoft.com/office/drawing/2014/main" id="{256B0E97-9FC0-4336-A0AA-EF10AB8858AB}"/>
               </a:ext>
             </a:extLst>
           </p:cNvPr>
@@ -23444,14 +23466,14 @@
           <p:nvPr>
             <p:extLst>
               <p:ext uri="{D42A27DB-BD31-4B8C-83A1-F6EECF244321}">
-                <p14:modId xmlns:p14="http://schemas.microsoft.com/office/powerpoint/2010/main" val="1752010781"/>
+                <p14:modId xmlns:p14="http://schemas.microsoft.com/office/powerpoint/2010/main" val="2649121743"/>
               </p:ext>
             </p:extLst>
           </p:nvPr>
         </p:nvGraphicFramePr>
         <p:xfrm>
           <a:off x="6120000" y="39593515"/>
-          <a:ext cx="20160000" cy="1737360"/>
+          <a:ext cx="20160000" cy="1738800"/>
         </p:xfrm>
         <a:graphic>
           <a:graphicData uri="http://schemas.openxmlformats.org/drawingml/2006/table">
@@ -23482,7 +23504,7 @@
                   </a:extLst>
                 </a:gridCol>
               </a:tblGrid>
-              <a:tr h="370840">
+              <a:tr h="1738800">
                 <a:tc>
                   <a:txBody>
                     <a:bodyPr/>
@@ -23572,7 +23594,7 @@
                         <a:buChar char="•"/>
                       </a:pPr>
                       <a:r>
-                        <a:rPr lang="en-US" sz="3600" b="0" dirty="0">
+                        <a:rPr lang="en-US" sz="3500" b="0" dirty="0">
                           <a:ln>
                             <a:noFill/>
                           </a:ln>
@@ -23583,7 +23605,7 @@
                         <a:t>Nicholas </a:t>
                       </a:r>
                       <a:r>
-                        <a:rPr lang="en-US" sz="3600" b="0" dirty="0" err="1">
+                        <a:rPr lang="en-US" sz="3500" b="0" dirty="0" err="1">
                           <a:ln>
                             <a:noFill/>
                           </a:ln>
@@ -23594,7 +23616,7 @@
                         <a:t>Carlini</a:t>
                       </a:r>
                       <a:r>
-                        <a:rPr lang="en-US" sz="3600" b="0" dirty="0">
+                        <a:rPr lang="en-US" sz="3500" b="0" dirty="0">
                           <a:ln>
                             <a:noFill/>
                           </a:ln>
@@ -23602,16 +23624,8 @@
                             <a:schemeClr val="tx1"/>
                           </a:solidFill>
                         </a:rPr>
-                        <a:t> (the ‘C’ in CW) believes we still might defeat these defenses</a:t>
+                        <a:t> (‘C’ in CW) believes that CW might still defeat these defenses</a:t>
                       </a:r>
-                      <a:endParaRPr lang="en-US" sz="3500" b="0" dirty="0">
-                        <a:ln>
-                          <a:noFill/>
-                        </a:ln>
-                        <a:solidFill>
-                          <a:schemeClr val="tx1"/>
-                        </a:solidFill>
-                      </a:endParaRPr>
                     </a:p>
                   </a:txBody>
                   <a:tcPr anchor="ctr">
@@ -23667,25 +23681,12 @@
                     <a:bodyPr/>
                     <a:lstStyle/>
                     <a:p>
-                      <a:pPr marL="571500" marR="0" lvl="0" indent="-571500" algn="ctr" defTabSz="3239902" rtl="0" eaLnBrk="1" fontAlgn="auto" latinLnBrk="0" hangingPunct="1">
-                        <a:lnSpc>
-                          <a:spcPct val="100000"/>
-                        </a:lnSpc>
-                        <a:spcBef>
-                          <a:spcPts val="0"/>
-                        </a:spcBef>
-                        <a:spcAft>
-                          <a:spcPts val="0"/>
-                        </a:spcAft>
-                        <a:buClrTx/>
-                        <a:buSzTx/>
+                      <a:pPr marL="457200" indent="-457200" algn="ctr">
                         <a:buFont typeface="Arial" panose="020B0604020202020204" pitchFamily="34" charset="0"/>
                         <a:buChar char="•"/>
-                        <a:tabLst/>
-                        <a:defRPr/>
                       </a:pPr>
                       <a:r>
-                        <a:rPr lang="en-US" sz="3600" b="0" dirty="0">
+                        <a:rPr lang="en-US" sz="3500" b="0" dirty="0">
                           <a:ln>
                             <a:noFill/>
                           </a:ln>
@@ -23695,17 +23696,6 @@
                         </a:rPr>
                         <a:t>Test on more complicated datasets; i.e. Cifar-10</a:t>
                       </a:r>
-                    </a:p>
-                    <a:p>
-                      <a:pPr algn="ctr"/>
-                      <a:endParaRPr lang="en-US" sz="3500" b="0" dirty="0">
-                        <a:ln>
-                          <a:noFill/>
-                        </a:ln>
-                        <a:solidFill>
-                          <a:schemeClr val="tx1"/>
-                        </a:solidFill>
-                      </a:endParaRPr>
                     </a:p>
                   </a:txBody>
                   <a:tcPr anchor="ctr">

--- a/poster.pptx
+++ b/poster.pptx
@@ -7,13 +7,13 @@
   <p:sldIdLst>
     <p:sldId id="260" r:id="rId2"/>
   </p:sldIdLst>
-  <p:sldSz cx="32399288" cy="43200638"/>
+  <p:sldSz cx="32404050" cy="43205400"/>
   <p:notesSz cx="6858000" cy="9144000"/>
   <p:defaultTextStyle>
     <a:defPPr>
       <a:defRPr lang="en-US"/>
     </a:defPPr>
-    <a:lvl1pPr marL="0" algn="l" defTabSz="457200" rtl="0" eaLnBrk="1" latinLnBrk="0" hangingPunct="1">
+    <a:lvl1pPr marL="0" algn="l" defTabSz="457246" rtl="0" eaLnBrk="1" latinLnBrk="0" hangingPunct="1">
       <a:defRPr sz="1800" kern="1200">
         <a:solidFill>
           <a:schemeClr val="tx1"/>
@@ -23,7 +23,7 @@
         <a:cs typeface="+mn-cs"/>
       </a:defRPr>
     </a:lvl1pPr>
-    <a:lvl2pPr marL="457200" algn="l" defTabSz="457200" rtl="0" eaLnBrk="1" latinLnBrk="0" hangingPunct="1">
+    <a:lvl2pPr marL="457246" algn="l" defTabSz="457246" rtl="0" eaLnBrk="1" latinLnBrk="0" hangingPunct="1">
       <a:defRPr sz="1800" kern="1200">
         <a:solidFill>
           <a:schemeClr val="tx1"/>
@@ -33,7 +33,7 @@
         <a:cs typeface="+mn-cs"/>
       </a:defRPr>
     </a:lvl2pPr>
-    <a:lvl3pPr marL="914400" algn="l" defTabSz="457200" rtl="0" eaLnBrk="1" latinLnBrk="0" hangingPunct="1">
+    <a:lvl3pPr marL="914491" algn="l" defTabSz="457246" rtl="0" eaLnBrk="1" latinLnBrk="0" hangingPunct="1">
       <a:defRPr sz="1800" kern="1200">
         <a:solidFill>
           <a:schemeClr val="tx1"/>
@@ -43,7 +43,7 @@
         <a:cs typeface="+mn-cs"/>
       </a:defRPr>
     </a:lvl3pPr>
-    <a:lvl4pPr marL="1371600" algn="l" defTabSz="457200" rtl="0" eaLnBrk="1" latinLnBrk="0" hangingPunct="1">
+    <a:lvl4pPr marL="1371737" algn="l" defTabSz="457246" rtl="0" eaLnBrk="1" latinLnBrk="0" hangingPunct="1">
       <a:defRPr sz="1800" kern="1200">
         <a:solidFill>
           <a:schemeClr val="tx1"/>
@@ -53,7 +53,7 @@
         <a:cs typeface="+mn-cs"/>
       </a:defRPr>
     </a:lvl4pPr>
-    <a:lvl5pPr marL="1828800" algn="l" defTabSz="457200" rtl="0" eaLnBrk="1" latinLnBrk="0" hangingPunct="1">
+    <a:lvl5pPr marL="1828983" algn="l" defTabSz="457246" rtl="0" eaLnBrk="1" latinLnBrk="0" hangingPunct="1">
       <a:defRPr sz="1800" kern="1200">
         <a:solidFill>
           <a:schemeClr val="tx1"/>
@@ -63,7 +63,7 @@
         <a:cs typeface="+mn-cs"/>
       </a:defRPr>
     </a:lvl5pPr>
-    <a:lvl6pPr marL="2286000" algn="l" defTabSz="457200" rtl="0" eaLnBrk="1" latinLnBrk="0" hangingPunct="1">
+    <a:lvl6pPr marL="2286229" algn="l" defTabSz="457246" rtl="0" eaLnBrk="1" latinLnBrk="0" hangingPunct="1">
       <a:defRPr sz="1800" kern="1200">
         <a:solidFill>
           <a:schemeClr val="tx1"/>
@@ -73,7 +73,7 @@
         <a:cs typeface="+mn-cs"/>
       </a:defRPr>
     </a:lvl6pPr>
-    <a:lvl7pPr marL="2743200" algn="l" defTabSz="457200" rtl="0" eaLnBrk="1" latinLnBrk="0" hangingPunct="1">
+    <a:lvl7pPr marL="2743474" algn="l" defTabSz="457246" rtl="0" eaLnBrk="1" latinLnBrk="0" hangingPunct="1">
       <a:defRPr sz="1800" kern="1200">
         <a:solidFill>
           <a:schemeClr val="tx1"/>
@@ -83,7 +83,7 @@
         <a:cs typeface="+mn-cs"/>
       </a:defRPr>
     </a:lvl7pPr>
-    <a:lvl8pPr marL="3200400" algn="l" defTabSz="457200" rtl="0" eaLnBrk="1" latinLnBrk="0" hangingPunct="1">
+    <a:lvl8pPr marL="3200720" algn="l" defTabSz="457246" rtl="0" eaLnBrk="1" latinLnBrk="0" hangingPunct="1">
       <a:defRPr sz="1800" kern="1200">
         <a:solidFill>
           <a:schemeClr val="tx1"/>
@@ -93,7 +93,7 @@
         <a:cs typeface="+mn-cs"/>
       </a:defRPr>
     </a:lvl8pPr>
-    <a:lvl9pPr marL="3657600" algn="l" defTabSz="457200" rtl="0" eaLnBrk="1" latinLnBrk="0" hangingPunct="1">
+    <a:lvl9pPr marL="3657966" algn="l" defTabSz="457246" rtl="0" eaLnBrk="1" latinLnBrk="0" hangingPunct="1">
       <a:defRPr sz="1800" kern="1200">
         <a:solidFill>
           <a:schemeClr val="tx1"/>
@@ -106,7 +106,7 @@
   </p:defaultTextStyle>
   <p:extLst>
     <p:ext uri="{EFAFB233-063F-42B5-8137-9DF3F51BA10A}">
-      <p15:sldGuideLst xmlns:p15="http://schemas.microsoft.com/office/powerpoint/2012/main">
+      <p15:sldGuideLst xmlns:p15="http://schemas.microsoft.com/office/powerpoint/2012/main" xmlns="">
         <p15:guide id="1" orient="horz" pos="13605" userDrawn="1">
           <p15:clr>
             <a:srgbClr val="A4A3A4"/>
@@ -162,15 +162,15 @@
         </p:nvSpPr>
         <p:spPr>
           <a:xfrm>
-            <a:off x="2429947" y="7070108"/>
-            <a:ext cx="27539395" cy="15040222"/>
+            <a:off x="2430305" y="7070887"/>
+            <a:ext cx="27543443" cy="15041880"/>
           </a:xfrm>
         </p:spPr>
         <p:txBody>
           <a:bodyPr anchor="b"/>
           <a:lstStyle>
             <a:lvl1pPr algn="ctr">
-              <a:defRPr sz="21259"/>
+              <a:defRPr sz="21300"/>
             </a:lvl1pPr>
           </a:lstStyle>
           <a:p>
@@ -194,8 +194,8 @@
         </p:nvSpPr>
         <p:spPr>
           <a:xfrm>
-            <a:off x="4049911" y="22690338"/>
-            <a:ext cx="24299466" cy="10430151"/>
+            <a:off x="4050506" y="22692840"/>
+            <a:ext cx="24303038" cy="10431301"/>
           </a:xfrm>
         </p:spPr>
         <p:txBody>
@@ -203,39 +203,39 @@
           <a:lstStyle>
             <a:lvl1pPr marL="0" indent="0" algn="ctr">
               <a:buNone/>
-              <a:defRPr sz="8504"/>
+              <a:defRPr sz="8500"/>
             </a:lvl1pPr>
-            <a:lvl2pPr marL="1619951" indent="0" algn="ctr">
+            <a:lvl2pPr marL="1620113" indent="0" algn="ctr">
               <a:buNone/>
-              <a:defRPr sz="7086"/>
+              <a:defRPr sz="7100"/>
             </a:lvl2pPr>
-            <a:lvl3pPr marL="3239902" indent="0" algn="ctr">
+            <a:lvl3pPr marL="3240226" indent="0" algn="ctr">
               <a:buNone/>
-              <a:defRPr sz="6378"/>
+              <a:defRPr sz="6400"/>
             </a:lvl3pPr>
-            <a:lvl4pPr marL="4859853" indent="0" algn="ctr">
+            <a:lvl4pPr marL="4860339" indent="0" algn="ctr">
               <a:buNone/>
-              <a:defRPr sz="5669"/>
+              <a:defRPr sz="5700"/>
             </a:lvl4pPr>
-            <a:lvl5pPr marL="6479804" indent="0" algn="ctr">
+            <a:lvl5pPr marL="6480452" indent="0" algn="ctr">
               <a:buNone/>
-              <a:defRPr sz="5669"/>
+              <a:defRPr sz="5700"/>
             </a:lvl5pPr>
-            <a:lvl6pPr marL="8099755" indent="0" algn="ctr">
+            <a:lvl6pPr marL="8100565" indent="0" algn="ctr">
               <a:buNone/>
-              <a:defRPr sz="5669"/>
+              <a:defRPr sz="5700"/>
             </a:lvl6pPr>
-            <a:lvl7pPr marL="9719706" indent="0" algn="ctr">
+            <a:lvl7pPr marL="9720678" indent="0" algn="ctr">
               <a:buNone/>
-              <a:defRPr sz="5669"/>
+              <a:defRPr sz="5700"/>
             </a:lvl7pPr>
-            <a:lvl8pPr marL="11339657" indent="0" algn="ctr">
+            <a:lvl8pPr marL="11340791" indent="0" algn="ctr">
               <a:buNone/>
-              <a:defRPr sz="5669"/>
+              <a:defRPr sz="5700"/>
             </a:lvl8pPr>
-            <a:lvl9pPr marL="12959608" indent="0" algn="ctr">
+            <a:lvl9pPr marL="12960904" indent="0" algn="ctr">
               <a:buNone/>
-              <a:defRPr sz="5669"/>
+              <a:defRPr sz="5700"/>
             </a:lvl9pPr>
           </a:lstStyle>
           <a:p>
@@ -264,7 +264,7 @@
           <a:p>
             <a:fld id="{FD4B236B-4127-4146-99ED-6A730B7745F6}" type="datetimeFigureOut">
               <a:rPr lang="en-US" smtClean="0"/>
-              <a:t>6/10/2019</a:t>
+              <a:t>11-Jun-19</a:t>
             </a:fld>
             <a:endParaRPr lang="en-US"/>
           </a:p>
@@ -272,7 +272,7 @@
       </p:sp>
       <p:sp>
         <p:nvSpPr>
-          <p:cNvPr id="5" name="Footer Placeholder 4"/>
+          <p:cNvPr id="5" name="Footer Placeholder 4" hidden="1"/>
           <p:cNvSpPr>
             <a:spLocks noGrp="1"/>
           </p:cNvSpPr>
@@ -434,7 +434,7 @@
           <a:p>
             <a:fld id="{FD4B236B-4127-4146-99ED-6A730B7745F6}" type="datetimeFigureOut">
               <a:rPr lang="en-US" smtClean="0"/>
-              <a:t>6/10/2019</a:t>
+              <a:t>11-Jun-19</a:t>
             </a:fld>
             <a:endParaRPr lang="en-US"/>
           </a:p>
@@ -442,7 +442,7 @@
       </p:sp>
       <p:sp>
         <p:nvSpPr>
-          <p:cNvPr id="5" name="Footer Placeholder 4"/>
+          <p:cNvPr id="5" name="Footer Placeholder 4" hidden="1"/>
           <p:cNvSpPr>
             <a:spLocks noGrp="1"/>
           </p:cNvSpPr>
@@ -524,8 +524,8 @@
         </p:nvSpPr>
         <p:spPr>
           <a:xfrm>
-            <a:off x="23185742" y="2300034"/>
-            <a:ext cx="6986096" cy="36610544"/>
+            <a:off x="23189150" y="2300287"/>
+            <a:ext cx="6987123" cy="36614580"/>
           </a:xfrm>
         </p:spPr>
         <p:txBody>
@@ -552,8 +552,8 @@
         </p:nvSpPr>
         <p:spPr>
           <a:xfrm>
-            <a:off x="2227453" y="2300034"/>
-            <a:ext cx="20553298" cy="36610544"/>
+            <a:off x="2227780" y="2300287"/>
+            <a:ext cx="20556319" cy="36614580"/>
           </a:xfrm>
         </p:spPr>
         <p:txBody>
@@ -614,7 +614,7 @@
           <a:p>
             <a:fld id="{FD4B236B-4127-4146-99ED-6A730B7745F6}" type="datetimeFigureOut">
               <a:rPr lang="en-US" smtClean="0"/>
-              <a:t>6/10/2019</a:t>
+              <a:t>11-Jun-19</a:t>
             </a:fld>
             <a:endParaRPr lang="en-US"/>
           </a:p>
@@ -622,7 +622,7 @@
       </p:sp>
       <p:sp>
         <p:nvSpPr>
-          <p:cNvPr id="5" name="Footer Placeholder 4"/>
+          <p:cNvPr id="5" name="Footer Placeholder 4" hidden="1"/>
           <p:cNvSpPr>
             <a:spLocks noGrp="1"/>
           </p:cNvSpPr>
@@ -784,7 +784,7 @@
           <a:p>
             <a:fld id="{FD4B236B-4127-4146-99ED-6A730B7745F6}" type="datetimeFigureOut">
               <a:rPr lang="en-US" smtClean="0"/>
-              <a:t>6/10/2019</a:t>
+              <a:t>11-Jun-19</a:t>
             </a:fld>
             <a:endParaRPr lang="en-US"/>
           </a:p>
@@ -792,7 +792,7 @@
       </p:sp>
       <p:sp>
         <p:nvSpPr>
-          <p:cNvPr id="5" name="Footer Placeholder 4"/>
+          <p:cNvPr id="5" name="Footer Placeholder 4" hidden="1"/>
           <p:cNvSpPr>
             <a:spLocks noGrp="1"/>
           </p:cNvSpPr>
@@ -874,15 +874,15 @@
         </p:nvSpPr>
         <p:spPr>
           <a:xfrm>
-            <a:off x="2210578" y="10770172"/>
-            <a:ext cx="27944386" cy="17970262"/>
+            <a:off x="2210903" y="10771359"/>
+            <a:ext cx="27948493" cy="17972243"/>
           </a:xfrm>
         </p:spPr>
         <p:txBody>
           <a:bodyPr anchor="b"/>
           <a:lstStyle>
             <a:lvl1pPr>
-              <a:defRPr sz="21259"/>
+              <a:defRPr sz="21300"/>
             </a:lvl1pPr>
           </a:lstStyle>
           <a:p>
@@ -906,8 +906,8 @@
         </p:nvSpPr>
         <p:spPr>
           <a:xfrm>
-            <a:off x="2210578" y="28910440"/>
-            <a:ext cx="27944386" cy="9450136"/>
+            <a:off x="2210903" y="28913627"/>
+            <a:ext cx="27948493" cy="9451178"/>
           </a:xfrm>
         </p:spPr>
         <p:txBody>
@@ -915,15 +915,15 @@
           <a:lstStyle>
             <a:lvl1pPr marL="0" indent="0">
               <a:buNone/>
-              <a:defRPr sz="8504">
+              <a:defRPr sz="8500">
                 <a:solidFill>
                   <a:schemeClr val="tx1"/>
                 </a:solidFill>
               </a:defRPr>
             </a:lvl1pPr>
-            <a:lvl2pPr marL="1619951" indent="0">
+            <a:lvl2pPr marL="1620113" indent="0">
               <a:buNone/>
-              <a:defRPr sz="7086">
+              <a:defRPr sz="7100">
                 <a:solidFill>
                   <a:schemeClr val="tx1">
                     <a:tint val="75000"/>
@@ -931,9 +931,9 @@
                 </a:solidFill>
               </a:defRPr>
             </a:lvl2pPr>
-            <a:lvl3pPr marL="3239902" indent="0">
+            <a:lvl3pPr marL="3240226" indent="0">
               <a:buNone/>
-              <a:defRPr sz="6378">
+              <a:defRPr sz="6400">
                 <a:solidFill>
                   <a:schemeClr val="tx1">
                     <a:tint val="75000"/>
@@ -941,9 +941,9 @@
                 </a:solidFill>
               </a:defRPr>
             </a:lvl3pPr>
-            <a:lvl4pPr marL="4859853" indent="0">
+            <a:lvl4pPr marL="4860339" indent="0">
               <a:buNone/>
-              <a:defRPr sz="5669">
+              <a:defRPr sz="5700">
                 <a:solidFill>
                   <a:schemeClr val="tx1">
                     <a:tint val="75000"/>
@@ -951,9 +951,9 @@
                 </a:solidFill>
               </a:defRPr>
             </a:lvl4pPr>
-            <a:lvl5pPr marL="6479804" indent="0">
+            <a:lvl5pPr marL="6480452" indent="0">
               <a:buNone/>
-              <a:defRPr sz="5669">
+              <a:defRPr sz="5700">
                 <a:solidFill>
                   <a:schemeClr val="tx1">
                     <a:tint val="75000"/>
@@ -961,9 +961,9 @@
                 </a:solidFill>
               </a:defRPr>
             </a:lvl5pPr>
-            <a:lvl6pPr marL="8099755" indent="0">
+            <a:lvl6pPr marL="8100565" indent="0">
               <a:buNone/>
-              <a:defRPr sz="5669">
+              <a:defRPr sz="5700">
                 <a:solidFill>
                   <a:schemeClr val="tx1">
                     <a:tint val="75000"/>
@@ -971,9 +971,9 @@
                 </a:solidFill>
               </a:defRPr>
             </a:lvl6pPr>
-            <a:lvl7pPr marL="9719706" indent="0">
+            <a:lvl7pPr marL="9720678" indent="0">
               <a:buNone/>
-              <a:defRPr sz="5669">
+              <a:defRPr sz="5700">
                 <a:solidFill>
                   <a:schemeClr val="tx1">
                     <a:tint val="75000"/>
@@ -981,9 +981,9 @@
                 </a:solidFill>
               </a:defRPr>
             </a:lvl7pPr>
-            <a:lvl8pPr marL="11339657" indent="0">
+            <a:lvl8pPr marL="11340791" indent="0">
               <a:buNone/>
-              <a:defRPr sz="5669">
+              <a:defRPr sz="5700">
                 <a:solidFill>
                   <a:schemeClr val="tx1">
                     <a:tint val="75000"/>
@@ -991,9 +991,9 @@
                 </a:solidFill>
               </a:defRPr>
             </a:lvl8pPr>
-            <a:lvl9pPr marL="12959608" indent="0">
+            <a:lvl9pPr marL="12960904" indent="0">
               <a:buNone/>
-              <a:defRPr sz="5669">
+              <a:defRPr sz="5700">
                 <a:solidFill>
                   <a:schemeClr val="tx1">
                     <a:tint val="75000"/>
@@ -1028,7 +1028,7 @@
           <a:p>
             <a:fld id="{FD4B236B-4127-4146-99ED-6A730B7745F6}" type="datetimeFigureOut">
               <a:rPr lang="en-US" smtClean="0"/>
-              <a:t>6/10/2019</a:t>
+              <a:t>11-Jun-19</a:t>
             </a:fld>
             <a:endParaRPr lang="en-US"/>
           </a:p>
@@ -1036,7 +1036,7 @@
       </p:sp>
       <p:sp>
         <p:nvSpPr>
-          <p:cNvPr id="5" name="Footer Placeholder 4"/>
+          <p:cNvPr id="5" name="Footer Placeholder 4" hidden="1"/>
           <p:cNvSpPr>
             <a:spLocks noGrp="1"/>
           </p:cNvSpPr>
@@ -1141,8 +1141,8 @@
         </p:nvSpPr>
         <p:spPr>
           <a:xfrm>
-            <a:off x="2227451" y="11500170"/>
-            <a:ext cx="13769697" cy="27410408"/>
+            <a:off x="2227779" y="11501438"/>
+            <a:ext cx="13771721" cy="27413429"/>
           </a:xfrm>
         </p:spPr>
         <p:txBody>
@@ -1198,8 +1198,8 @@
         </p:nvSpPr>
         <p:spPr>
           <a:xfrm>
-            <a:off x="16402140" y="11500170"/>
-            <a:ext cx="13769697" cy="27410408"/>
+            <a:off x="16404551" y="11501438"/>
+            <a:ext cx="13771721" cy="27413429"/>
           </a:xfrm>
         </p:spPr>
         <p:txBody>
@@ -1260,7 +1260,7 @@
           <a:p>
             <a:fld id="{FD4B236B-4127-4146-99ED-6A730B7745F6}" type="datetimeFigureOut">
               <a:rPr lang="en-US" smtClean="0"/>
-              <a:t>6/10/2019</a:t>
+              <a:t>11-Jun-19</a:t>
             </a:fld>
             <a:endParaRPr lang="en-US"/>
           </a:p>
@@ -1268,7 +1268,7 @@
       </p:sp>
       <p:sp>
         <p:nvSpPr>
-          <p:cNvPr id="6" name="Footer Placeholder 5"/>
+          <p:cNvPr id="6" name="Footer Placeholder 5" hidden="1"/>
           <p:cNvSpPr>
             <a:spLocks noGrp="1"/>
           </p:cNvSpPr>
@@ -1350,8 +1350,8 @@
         </p:nvSpPr>
         <p:spPr>
           <a:xfrm>
-            <a:off x="2231671" y="2300044"/>
-            <a:ext cx="27944386" cy="8350126"/>
+            <a:off x="2231999" y="2300298"/>
+            <a:ext cx="27948493" cy="8351046"/>
           </a:xfrm>
         </p:spPr>
         <p:txBody>
@@ -1378,8 +1378,8 @@
         </p:nvSpPr>
         <p:spPr>
           <a:xfrm>
-            <a:off x="2231675" y="10590160"/>
-            <a:ext cx="13706415" cy="5190073"/>
+            <a:off x="2232003" y="10591328"/>
+            <a:ext cx="13708430" cy="5190645"/>
           </a:xfrm>
         </p:spPr>
         <p:txBody>
@@ -1387,39 +1387,39 @@
           <a:lstStyle>
             <a:lvl1pPr marL="0" indent="0">
               <a:buNone/>
-              <a:defRPr sz="8504" b="1"/>
+              <a:defRPr sz="8500" b="1"/>
             </a:lvl1pPr>
-            <a:lvl2pPr marL="1619951" indent="0">
+            <a:lvl2pPr marL="1620113" indent="0">
               <a:buNone/>
-              <a:defRPr sz="7086" b="1"/>
+              <a:defRPr sz="7100" b="1"/>
             </a:lvl2pPr>
-            <a:lvl3pPr marL="3239902" indent="0">
+            <a:lvl3pPr marL="3240226" indent="0">
               <a:buNone/>
-              <a:defRPr sz="6378" b="1"/>
+              <a:defRPr sz="6400" b="1"/>
             </a:lvl3pPr>
-            <a:lvl4pPr marL="4859853" indent="0">
+            <a:lvl4pPr marL="4860339" indent="0">
               <a:buNone/>
-              <a:defRPr sz="5669" b="1"/>
+              <a:defRPr sz="5700" b="1"/>
             </a:lvl4pPr>
-            <a:lvl5pPr marL="6479804" indent="0">
+            <a:lvl5pPr marL="6480452" indent="0">
               <a:buNone/>
-              <a:defRPr sz="5669" b="1"/>
+              <a:defRPr sz="5700" b="1"/>
             </a:lvl5pPr>
-            <a:lvl6pPr marL="8099755" indent="0">
+            <a:lvl6pPr marL="8100565" indent="0">
               <a:buNone/>
-              <a:defRPr sz="5669" b="1"/>
+              <a:defRPr sz="5700" b="1"/>
             </a:lvl6pPr>
-            <a:lvl7pPr marL="9719706" indent="0">
+            <a:lvl7pPr marL="9720678" indent="0">
               <a:buNone/>
-              <a:defRPr sz="5669" b="1"/>
+              <a:defRPr sz="5700" b="1"/>
             </a:lvl7pPr>
-            <a:lvl8pPr marL="11339657" indent="0">
+            <a:lvl8pPr marL="11340791" indent="0">
               <a:buNone/>
-              <a:defRPr sz="5669" b="1"/>
+              <a:defRPr sz="5700" b="1"/>
             </a:lvl8pPr>
-            <a:lvl9pPr marL="12959608" indent="0">
+            <a:lvl9pPr marL="12960904" indent="0">
               <a:buNone/>
-              <a:defRPr sz="5669" b="1"/>
+              <a:defRPr sz="5700" b="1"/>
             </a:lvl9pPr>
           </a:lstStyle>
           <a:p>
@@ -1443,8 +1443,8 @@
         </p:nvSpPr>
         <p:spPr>
           <a:xfrm>
-            <a:off x="2231675" y="15780233"/>
-            <a:ext cx="13706415" cy="23210346"/>
+            <a:off x="2232003" y="15781973"/>
+            <a:ext cx="13708430" cy="23212904"/>
           </a:xfrm>
         </p:spPr>
         <p:txBody>
@@ -1500,8 +1500,8 @@
         </p:nvSpPr>
         <p:spPr>
           <a:xfrm>
-            <a:off x="16402142" y="10590160"/>
-            <a:ext cx="13773917" cy="5190073"/>
+            <a:off x="16404553" y="10591328"/>
+            <a:ext cx="13775941" cy="5190645"/>
           </a:xfrm>
         </p:spPr>
         <p:txBody>
@@ -1509,39 +1509,39 @@
           <a:lstStyle>
             <a:lvl1pPr marL="0" indent="0">
               <a:buNone/>
-              <a:defRPr sz="8504" b="1"/>
+              <a:defRPr sz="8500" b="1"/>
             </a:lvl1pPr>
-            <a:lvl2pPr marL="1619951" indent="0">
+            <a:lvl2pPr marL="1620113" indent="0">
               <a:buNone/>
-              <a:defRPr sz="7086" b="1"/>
+              <a:defRPr sz="7100" b="1"/>
             </a:lvl2pPr>
-            <a:lvl3pPr marL="3239902" indent="0">
+            <a:lvl3pPr marL="3240226" indent="0">
               <a:buNone/>
-              <a:defRPr sz="6378" b="1"/>
+              <a:defRPr sz="6400" b="1"/>
             </a:lvl3pPr>
-            <a:lvl4pPr marL="4859853" indent="0">
+            <a:lvl4pPr marL="4860339" indent="0">
               <a:buNone/>
-              <a:defRPr sz="5669" b="1"/>
+              <a:defRPr sz="5700" b="1"/>
             </a:lvl4pPr>
-            <a:lvl5pPr marL="6479804" indent="0">
+            <a:lvl5pPr marL="6480452" indent="0">
               <a:buNone/>
-              <a:defRPr sz="5669" b="1"/>
+              <a:defRPr sz="5700" b="1"/>
             </a:lvl5pPr>
-            <a:lvl6pPr marL="8099755" indent="0">
+            <a:lvl6pPr marL="8100565" indent="0">
               <a:buNone/>
-              <a:defRPr sz="5669" b="1"/>
+              <a:defRPr sz="5700" b="1"/>
             </a:lvl6pPr>
-            <a:lvl7pPr marL="9719706" indent="0">
+            <a:lvl7pPr marL="9720678" indent="0">
               <a:buNone/>
-              <a:defRPr sz="5669" b="1"/>
+              <a:defRPr sz="5700" b="1"/>
             </a:lvl7pPr>
-            <a:lvl8pPr marL="11339657" indent="0">
+            <a:lvl8pPr marL="11340791" indent="0">
               <a:buNone/>
-              <a:defRPr sz="5669" b="1"/>
+              <a:defRPr sz="5700" b="1"/>
             </a:lvl8pPr>
-            <a:lvl9pPr marL="12959608" indent="0">
+            <a:lvl9pPr marL="12960904" indent="0">
               <a:buNone/>
-              <a:defRPr sz="5669" b="1"/>
+              <a:defRPr sz="5700" b="1"/>
             </a:lvl9pPr>
           </a:lstStyle>
           <a:p>
@@ -1565,8 +1565,8 @@
         </p:nvSpPr>
         <p:spPr>
           <a:xfrm>
-            <a:off x="16402142" y="15780233"/>
-            <a:ext cx="13773917" cy="23210346"/>
+            <a:off x="16404553" y="15781973"/>
+            <a:ext cx="13775941" cy="23212904"/>
           </a:xfrm>
         </p:spPr>
         <p:txBody>
@@ -1627,7 +1627,7 @@
           <a:p>
             <a:fld id="{FD4B236B-4127-4146-99ED-6A730B7745F6}" type="datetimeFigureOut">
               <a:rPr lang="en-US" smtClean="0"/>
-              <a:t>6/10/2019</a:t>
+              <a:t>11-Jun-19</a:t>
             </a:fld>
             <a:endParaRPr lang="en-US"/>
           </a:p>
@@ -1635,7 +1635,7 @@
       </p:sp>
       <p:sp>
         <p:nvSpPr>
-          <p:cNvPr id="8" name="Footer Placeholder 7"/>
+          <p:cNvPr id="8" name="Footer Placeholder 7" hidden="1"/>
           <p:cNvSpPr>
             <a:spLocks noGrp="1"/>
           </p:cNvSpPr>
@@ -1745,7 +1745,7 @@
           <a:p>
             <a:fld id="{FD4B236B-4127-4146-99ED-6A730B7745F6}" type="datetimeFigureOut">
               <a:rPr lang="en-US" smtClean="0"/>
-              <a:t>6/10/2019</a:t>
+              <a:t>11-Jun-19</a:t>
             </a:fld>
             <a:endParaRPr lang="en-US"/>
           </a:p>
@@ -1753,7 +1753,7 @@
       </p:sp>
       <p:sp>
         <p:nvSpPr>
-          <p:cNvPr id="4" name="Footer Placeholder 3"/>
+          <p:cNvPr id="4" name="Footer Placeholder 3" hidden="1"/>
           <p:cNvSpPr>
             <a:spLocks noGrp="1"/>
           </p:cNvSpPr>
@@ -1840,7 +1840,7 @@
           <a:p>
             <a:fld id="{FD4B236B-4127-4146-99ED-6A730B7745F6}" type="datetimeFigureOut">
               <a:rPr lang="en-US" smtClean="0"/>
-              <a:t>6/10/2019</a:t>
+              <a:t>11-Jun-19</a:t>
             </a:fld>
             <a:endParaRPr lang="en-US"/>
           </a:p>
@@ -1848,7 +1848,7 @@
       </p:sp>
       <p:sp>
         <p:nvSpPr>
-          <p:cNvPr id="3" name="Footer Placeholder 2"/>
+          <p:cNvPr id="3" name="Footer Placeholder 2" hidden="1"/>
           <p:cNvSpPr>
             <a:spLocks noGrp="1"/>
           </p:cNvSpPr>
@@ -1930,15 +1930,15 @@
         </p:nvSpPr>
         <p:spPr>
           <a:xfrm>
-            <a:off x="2231671" y="2880042"/>
-            <a:ext cx="10449614" cy="10080149"/>
+            <a:off x="2231999" y="2880360"/>
+            <a:ext cx="10451150" cy="10081260"/>
           </a:xfrm>
         </p:spPr>
         <p:txBody>
           <a:bodyPr anchor="b"/>
           <a:lstStyle>
             <a:lvl1pPr>
-              <a:defRPr sz="11338"/>
+              <a:defRPr sz="11300"/>
             </a:lvl1pPr>
           </a:lstStyle>
           <a:p>
@@ -1962,39 +1962,39 @@
         </p:nvSpPr>
         <p:spPr>
           <a:xfrm>
-            <a:off x="13773917" y="6220102"/>
-            <a:ext cx="16402140" cy="30700453"/>
+            <a:off x="13775941" y="6220788"/>
+            <a:ext cx="16404551" cy="30703837"/>
           </a:xfrm>
         </p:spPr>
         <p:txBody>
           <a:bodyPr/>
           <a:lstStyle>
             <a:lvl1pPr>
-              <a:defRPr sz="11338"/>
+              <a:defRPr sz="11300"/>
             </a:lvl1pPr>
             <a:lvl2pPr>
-              <a:defRPr sz="9921"/>
+              <a:defRPr sz="9900"/>
             </a:lvl2pPr>
             <a:lvl3pPr>
-              <a:defRPr sz="8504"/>
+              <a:defRPr sz="8500"/>
             </a:lvl3pPr>
             <a:lvl4pPr>
-              <a:defRPr sz="7086"/>
+              <a:defRPr sz="7100"/>
             </a:lvl4pPr>
             <a:lvl5pPr>
-              <a:defRPr sz="7086"/>
+              <a:defRPr sz="7100"/>
             </a:lvl5pPr>
             <a:lvl6pPr>
-              <a:defRPr sz="7086"/>
+              <a:defRPr sz="7100"/>
             </a:lvl6pPr>
             <a:lvl7pPr>
-              <a:defRPr sz="7086"/>
+              <a:defRPr sz="7100"/>
             </a:lvl7pPr>
             <a:lvl8pPr>
-              <a:defRPr sz="7086"/>
+              <a:defRPr sz="7100"/>
             </a:lvl8pPr>
             <a:lvl9pPr>
-              <a:defRPr sz="7086"/>
+              <a:defRPr sz="7100"/>
             </a:lvl9pPr>
           </a:lstStyle>
           <a:p>
@@ -2047,8 +2047,8 @@
         </p:nvSpPr>
         <p:spPr>
           <a:xfrm>
-            <a:off x="2231671" y="12960191"/>
-            <a:ext cx="10449614" cy="24010358"/>
+            <a:off x="2231999" y="12961619"/>
+            <a:ext cx="10451150" cy="24013005"/>
           </a:xfrm>
         </p:spPr>
         <p:txBody>
@@ -2056,39 +2056,39 @@
           <a:lstStyle>
             <a:lvl1pPr marL="0" indent="0">
               <a:buNone/>
-              <a:defRPr sz="5669"/>
+              <a:defRPr sz="5700"/>
             </a:lvl1pPr>
-            <a:lvl2pPr marL="1619951" indent="0">
+            <a:lvl2pPr marL="1620113" indent="0">
               <a:buNone/>
-              <a:defRPr sz="4960"/>
+              <a:defRPr sz="5000"/>
             </a:lvl2pPr>
-            <a:lvl3pPr marL="3239902" indent="0">
+            <a:lvl3pPr marL="3240226" indent="0">
               <a:buNone/>
-              <a:defRPr sz="4252"/>
+              <a:defRPr sz="4300"/>
             </a:lvl3pPr>
-            <a:lvl4pPr marL="4859853" indent="0">
+            <a:lvl4pPr marL="4860339" indent="0">
               <a:buNone/>
-              <a:defRPr sz="3543"/>
+              <a:defRPr sz="3500"/>
             </a:lvl4pPr>
-            <a:lvl5pPr marL="6479804" indent="0">
+            <a:lvl5pPr marL="6480452" indent="0">
               <a:buNone/>
-              <a:defRPr sz="3543"/>
+              <a:defRPr sz="3500"/>
             </a:lvl5pPr>
-            <a:lvl6pPr marL="8099755" indent="0">
+            <a:lvl6pPr marL="8100565" indent="0">
               <a:buNone/>
-              <a:defRPr sz="3543"/>
+              <a:defRPr sz="3500"/>
             </a:lvl6pPr>
-            <a:lvl7pPr marL="9719706" indent="0">
+            <a:lvl7pPr marL="9720678" indent="0">
               <a:buNone/>
-              <a:defRPr sz="3543"/>
+              <a:defRPr sz="3500"/>
             </a:lvl7pPr>
-            <a:lvl8pPr marL="11339657" indent="0">
+            <a:lvl8pPr marL="11340791" indent="0">
               <a:buNone/>
-              <a:defRPr sz="3543"/>
+              <a:defRPr sz="3500"/>
             </a:lvl8pPr>
-            <a:lvl9pPr marL="12959608" indent="0">
+            <a:lvl9pPr marL="12960904" indent="0">
               <a:buNone/>
-              <a:defRPr sz="3543"/>
+              <a:defRPr sz="3500"/>
             </a:lvl9pPr>
           </a:lstStyle>
           <a:p>
@@ -2117,7 +2117,7 @@
           <a:p>
             <a:fld id="{FD4B236B-4127-4146-99ED-6A730B7745F6}" type="datetimeFigureOut">
               <a:rPr lang="en-US" smtClean="0"/>
-              <a:t>6/10/2019</a:t>
+              <a:t>11-Jun-19</a:t>
             </a:fld>
             <a:endParaRPr lang="en-US"/>
           </a:p>
@@ -2125,7 +2125,7 @@
       </p:sp>
       <p:sp>
         <p:nvSpPr>
-          <p:cNvPr id="6" name="Footer Placeholder 5"/>
+          <p:cNvPr id="6" name="Footer Placeholder 5" hidden="1"/>
           <p:cNvSpPr>
             <a:spLocks noGrp="1"/>
           </p:cNvSpPr>
@@ -2207,15 +2207,15 @@
         </p:nvSpPr>
         <p:spPr>
           <a:xfrm>
-            <a:off x="2231671" y="2880042"/>
-            <a:ext cx="10449614" cy="10080149"/>
+            <a:off x="2231999" y="2880360"/>
+            <a:ext cx="10451150" cy="10081260"/>
           </a:xfrm>
         </p:spPr>
         <p:txBody>
           <a:bodyPr anchor="b"/>
           <a:lstStyle>
             <a:lvl1pPr>
-              <a:defRPr sz="11338"/>
+              <a:defRPr sz="11300"/>
             </a:lvl1pPr>
           </a:lstStyle>
           <a:p>
@@ -2239,8 +2239,8 @@
         </p:nvSpPr>
         <p:spPr>
           <a:xfrm>
-            <a:off x="13773917" y="6220102"/>
-            <a:ext cx="16402140" cy="30700453"/>
+            <a:off x="13775941" y="6220788"/>
+            <a:ext cx="16404551" cy="30703837"/>
           </a:xfrm>
         </p:spPr>
         <p:txBody>
@@ -2248,39 +2248,39 @@
           <a:lstStyle>
             <a:lvl1pPr marL="0" indent="0">
               <a:buNone/>
-              <a:defRPr sz="11338"/>
+              <a:defRPr sz="11300"/>
             </a:lvl1pPr>
-            <a:lvl2pPr marL="1619951" indent="0">
+            <a:lvl2pPr marL="1620113" indent="0">
               <a:buNone/>
-              <a:defRPr sz="9921"/>
+              <a:defRPr sz="9900"/>
             </a:lvl2pPr>
-            <a:lvl3pPr marL="3239902" indent="0">
+            <a:lvl3pPr marL="3240226" indent="0">
               <a:buNone/>
-              <a:defRPr sz="8504"/>
+              <a:defRPr sz="8500"/>
             </a:lvl3pPr>
-            <a:lvl4pPr marL="4859853" indent="0">
+            <a:lvl4pPr marL="4860339" indent="0">
               <a:buNone/>
-              <a:defRPr sz="7086"/>
+              <a:defRPr sz="7100"/>
             </a:lvl4pPr>
-            <a:lvl5pPr marL="6479804" indent="0">
+            <a:lvl5pPr marL="6480452" indent="0">
               <a:buNone/>
-              <a:defRPr sz="7086"/>
+              <a:defRPr sz="7100"/>
             </a:lvl5pPr>
-            <a:lvl6pPr marL="8099755" indent="0">
+            <a:lvl6pPr marL="8100565" indent="0">
               <a:buNone/>
-              <a:defRPr sz="7086"/>
+              <a:defRPr sz="7100"/>
             </a:lvl6pPr>
-            <a:lvl7pPr marL="9719706" indent="0">
+            <a:lvl7pPr marL="9720678" indent="0">
               <a:buNone/>
-              <a:defRPr sz="7086"/>
+              <a:defRPr sz="7100"/>
             </a:lvl7pPr>
-            <a:lvl8pPr marL="11339657" indent="0">
+            <a:lvl8pPr marL="11340791" indent="0">
               <a:buNone/>
-              <a:defRPr sz="7086"/>
+              <a:defRPr sz="7100"/>
             </a:lvl8pPr>
-            <a:lvl9pPr marL="12959608" indent="0">
+            <a:lvl9pPr marL="12960904" indent="0">
               <a:buNone/>
-              <a:defRPr sz="7086"/>
+              <a:defRPr sz="7100"/>
             </a:lvl9pPr>
           </a:lstStyle>
           <a:p>
@@ -2304,8 +2304,8 @@
         </p:nvSpPr>
         <p:spPr>
           <a:xfrm>
-            <a:off x="2231671" y="12960191"/>
-            <a:ext cx="10449614" cy="24010358"/>
+            <a:off x="2231999" y="12961619"/>
+            <a:ext cx="10451150" cy="24013005"/>
           </a:xfrm>
         </p:spPr>
         <p:txBody>
@@ -2313,39 +2313,39 @@
           <a:lstStyle>
             <a:lvl1pPr marL="0" indent="0">
               <a:buNone/>
-              <a:defRPr sz="5669"/>
+              <a:defRPr sz="5700"/>
             </a:lvl1pPr>
-            <a:lvl2pPr marL="1619951" indent="0">
+            <a:lvl2pPr marL="1620113" indent="0">
               <a:buNone/>
-              <a:defRPr sz="4960"/>
+              <a:defRPr sz="5000"/>
             </a:lvl2pPr>
-            <a:lvl3pPr marL="3239902" indent="0">
+            <a:lvl3pPr marL="3240226" indent="0">
               <a:buNone/>
-              <a:defRPr sz="4252"/>
+              <a:defRPr sz="4300"/>
             </a:lvl3pPr>
-            <a:lvl4pPr marL="4859853" indent="0">
+            <a:lvl4pPr marL="4860339" indent="0">
               <a:buNone/>
-              <a:defRPr sz="3543"/>
+              <a:defRPr sz="3500"/>
             </a:lvl4pPr>
-            <a:lvl5pPr marL="6479804" indent="0">
+            <a:lvl5pPr marL="6480452" indent="0">
               <a:buNone/>
-              <a:defRPr sz="3543"/>
+              <a:defRPr sz="3500"/>
             </a:lvl5pPr>
-            <a:lvl6pPr marL="8099755" indent="0">
+            <a:lvl6pPr marL="8100565" indent="0">
               <a:buNone/>
-              <a:defRPr sz="3543"/>
+              <a:defRPr sz="3500"/>
             </a:lvl6pPr>
-            <a:lvl7pPr marL="9719706" indent="0">
+            <a:lvl7pPr marL="9720678" indent="0">
               <a:buNone/>
-              <a:defRPr sz="3543"/>
+              <a:defRPr sz="3500"/>
             </a:lvl7pPr>
-            <a:lvl8pPr marL="11339657" indent="0">
+            <a:lvl8pPr marL="11340791" indent="0">
               <a:buNone/>
-              <a:defRPr sz="3543"/>
+              <a:defRPr sz="3500"/>
             </a:lvl8pPr>
-            <a:lvl9pPr marL="12959608" indent="0">
+            <a:lvl9pPr marL="12960904" indent="0">
               <a:buNone/>
-              <a:defRPr sz="3543"/>
+              <a:defRPr sz="3500"/>
             </a:lvl9pPr>
           </a:lstStyle>
           <a:p>
@@ -2374,7 +2374,7 @@
           <a:p>
             <a:fld id="{FD4B236B-4127-4146-99ED-6A730B7745F6}" type="datetimeFigureOut">
               <a:rPr lang="en-US" smtClean="0"/>
-              <a:t>6/10/2019</a:t>
+              <a:t>11-Jun-19</a:t>
             </a:fld>
             <a:endParaRPr lang="en-US"/>
           </a:p>
@@ -2382,7 +2382,7 @@
       </p:sp>
       <p:sp>
         <p:nvSpPr>
-          <p:cNvPr id="6" name="Footer Placeholder 5"/>
+          <p:cNvPr id="6" name="Footer Placeholder 5" hidden="1"/>
           <p:cNvSpPr>
             <a:spLocks noGrp="1"/>
           </p:cNvSpPr>
@@ -2469,15 +2469,15 @@
         </p:nvSpPr>
         <p:spPr>
           <a:xfrm>
-            <a:off x="2227451" y="2300044"/>
-            <a:ext cx="27944386" cy="8350126"/>
+            <a:off x="2227779" y="2300298"/>
+            <a:ext cx="27948493" cy="8351046"/>
           </a:xfrm>
           <a:prstGeom prst="rect">
             <a:avLst/>
           </a:prstGeom>
         </p:spPr>
         <p:txBody>
-          <a:bodyPr vert="horz" lIns="91440" tIns="45720" rIns="91440" bIns="45720" rtlCol="0" anchor="ctr">
+          <a:bodyPr vert="horz" lIns="91449" tIns="45725" rIns="91449" bIns="45725" rtlCol="0" anchor="ctr">
             <a:normAutofit/>
           </a:bodyPr>
           <a:lstStyle/>
@@ -2502,15 +2502,15 @@
         </p:nvSpPr>
         <p:spPr>
           <a:xfrm>
-            <a:off x="2227451" y="11500170"/>
-            <a:ext cx="27944386" cy="27410408"/>
+            <a:off x="2227779" y="11501438"/>
+            <a:ext cx="27948493" cy="27413429"/>
           </a:xfrm>
           <a:prstGeom prst="rect">
             <a:avLst/>
           </a:prstGeom>
         </p:spPr>
         <p:txBody>
-          <a:bodyPr vert="horz" lIns="91440" tIns="45720" rIns="91440" bIns="45720" rtlCol="0">
+          <a:bodyPr vert="horz" lIns="91449" tIns="45725" rIns="91449" bIns="45725" rtlCol="0">
             <a:normAutofit/>
           </a:bodyPr>
           <a:lstStyle/>
@@ -2564,18 +2564,18 @@
         </p:nvSpPr>
         <p:spPr>
           <a:xfrm>
-            <a:off x="2227451" y="40040601"/>
-            <a:ext cx="7289840" cy="2300034"/>
+            <a:off x="2227779" y="40045014"/>
+            <a:ext cx="7290911" cy="2300288"/>
           </a:xfrm>
           <a:prstGeom prst="rect">
             <a:avLst/>
           </a:prstGeom>
         </p:spPr>
         <p:txBody>
-          <a:bodyPr vert="horz" lIns="91440" tIns="45720" rIns="91440" bIns="45720" rtlCol="0" anchor="ctr"/>
+          <a:bodyPr vert="horz" lIns="91449" tIns="45725" rIns="91449" bIns="45725" rtlCol="0" anchor="ctr"/>
           <a:lstStyle>
             <a:lvl1pPr algn="l">
-              <a:defRPr sz="4252">
+              <a:defRPr sz="4300">
                 <a:solidFill>
                   <a:schemeClr val="tx1">
                     <a:tint val="75000"/>
@@ -2587,7 +2587,7 @@
           <a:p>
             <a:fld id="{FD4B236B-4127-4146-99ED-6A730B7745F6}" type="datetimeFigureOut">
               <a:rPr lang="en-US" smtClean="0"/>
-              <a:t>6/10/2019</a:t>
+              <a:t>11-Jun-19</a:t>
             </a:fld>
             <a:endParaRPr lang="en-US"/>
           </a:p>
@@ -2595,7 +2595,7 @@
       </p:sp>
       <p:sp>
         <p:nvSpPr>
-          <p:cNvPr id="5" name="Footer Placeholder 4"/>
+          <p:cNvPr id="5" name="Footer Placeholder 4" hidden="1"/>
           <p:cNvSpPr>
             <a:spLocks noGrp="1"/>
           </p:cNvSpPr>
@@ -2605,18 +2605,18 @@
         </p:nvSpPr>
         <p:spPr>
           <a:xfrm>
-            <a:off x="10732264" y="40040601"/>
-            <a:ext cx="10934760" cy="2300034"/>
+            <a:off x="10733842" y="40045014"/>
+            <a:ext cx="10936367" cy="2300288"/>
           </a:xfrm>
           <a:prstGeom prst="rect">
             <a:avLst/>
           </a:prstGeom>
         </p:spPr>
         <p:txBody>
-          <a:bodyPr vert="horz" lIns="91440" tIns="45720" rIns="91440" bIns="45720" rtlCol="0" anchor="ctr"/>
+          <a:bodyPr vert="horz" lIns="91449" tIns="45725" rIns="91449" bIns="45725" rtlCol="0" anchor="ctr"/>
           <a:lstStyle>
             <a:lvl1pPr algn="ctr">
-              <a:defRPr sz="4252">
+              <a:defRPr sz="4300">
                 <a:solidFill>
                   <a:schemeClr val="tx1">
                     <a:tint val="75000"/>
@@ -2642,18 +2642,18 @@
         </p:nvSpPr>
         <p:spPr>
           <a:xfrm>
-            <a:off x="22881997" y="40040601"/>
-            <a:ext cx="7289840" cy="2300034"/>
+            <a:off x="22885360" y="40045014"/>
+            <a:ext cx="7290911" cy="2300288"/>
           </a:xfrm>
           <a:prstGeom prst="rect">
             <a:avLst/>
           </a:prstGeom>
         </p:spPr>
         <p:txBody>
-          <a:bodyPr vert="horz" lIns="91440" tIns="45720" rIns="91440" bIns="45720" rtlCol="0" anchor="ctr"/>
+          <a:bodyPr vert="horz" lIns="91449" tIns="45725" rIns="91449" bIns="45725" rtlCol="0" anchor="ctr"/>
           <a:lstStyle>
             <a:lvl1pPr algn="r">
-              <a:defRPr sz="4252">
+              <a:defRPr sz="4300">
                 <a:solidFill>
                   <a:schemeClr val="tx1">
                     <a:tint val="75000"/>
@@ -2694,7 +2694,7 @@
   </p:sldLayoutIdLst>
   <p:txStyles>
     <p:titleStyle>
-      <a:lvl1pPr algn="l" defTabSz="3239902" rtl="0" eaLnBrk="1" latinLnBrk="0" hangingPunct="1">
+      <a:lvl1pPr algn="l" defTabSz="3240226" rtl="0" eaLnBrk="1" latinLnBrk="0" hangingPunct="1">
         <a:lnSpc>
           <a:spcPct val="90000"/>
         </a:lnSpc>
@@ -2702,7 +2702,7 @@
           <a:spcPct val="0"/>
         </a:spcBef>
         <a:buNone/>
-        <a:defRPr sz="15590" kern="1200">
+        <a:defRPr sz="15600" kern="1200">
           <a:solidFill>
             <a:schemeClr val="tx1"/>
           </a:solidFill>
@@ -2713,7 +2713,7 @@
       </a:lvl1pPr>
     </p:titleStyle>
     <p:bodyStyle>
-      <a:lvl1pPr marL="809976" indent="-809976" algn="l" defTabSz="3239902" rtl="0" eaLnBrk="1" latinLnBrk="0" hangingPunct="1">
+      <a:lvl1pPr marL="810057" indent="-810057" algn="l" defTabSz="3240226" rtl="0" eaLnBrk="1" latinLnBrk="0" hangingPunct="1">
         <a:lnSpc>
           <a:spcPct val="90000"/>
         </a:lnSpc>
@@ -2722,7 +2722,7 @@
         </a:spcBef>
         <a:buFont typeface="Arial" panose="020B0604020202020204" pitchFamily="34" charset="0"/>
         <a:buChar char="•"/>
-        <a:defRPr sz="9921" kern="1200">
+        <a:defRPr sz="9900" kern="1200">
           <a:solidFill>
             <a:schemeClr val="tx1"/>
           </a:solidFill>
@@ -2731,7 +2731,7 @@
           <a:cs typeface="+mn-cs"/>
         </a:defRPr>
       </a:lvl1pPr>
-      <a:lvl2pPr marL="2429927" indent="-809976" algn="l" defTabSz="3239902" rtl="0" eaLnBrk="1" latinLnBrk="0" hangingPunct="1">
+      <a:lvl2pPr marL="2430170" indent="-810057" algn="l" defTabSz="3240226" rtl="0" eaLnBrk="1" latinLnBrk="0" hangingPunct="1">
         <a:lnSpc>
           <a:spcPct val="90000"/>
         </a:lnSpc>
@@ -2740,7 +2740,7 @@
         </a:spcBef>
         <a:buFont typeface="Arial" panose="020B0604020202020204" pitchFamily="34" charset="0"/>
         <a:buChar char="•"/>
-        <a:defRPr sz="8504" kern="1200">
+        <a:defRPr sz="8500" kern="1200">
           <a:solidFill>
             <a:schemeClr val="tx1"/>
           </a:solidFill>
@@ -2749,7 +2749,7 @@
           <a:cs typeface="+mn-cs"/>
         </a:defRPr>
       </a:lvl2pPr>
-      <a:lvl3pPr marL="4049878" indent="-809976" algn="l" defTabSz="3239902" rtl="0" eaLnBrk="1" latinLnBrk="0" hangingPunct="1">
+      <a:lvl3pPr marL="4050283" indent="-810057" algn="l" defTabSz="3240226" rtl="0" eaLnBrk="1" latinLnBrk="0" hangingPunct="1">
         <a:lnSpc>
           <a:spcPct val="90000"/>
         </a:lnSpc>
@@ -2758,7 +2758,7 @@
         </a:spcBef>
         <a:buFont typeface="Arial" panose="020B0604020202020204" pitchFamily="34" charset="0"/>
         <a:buChar char="•"/>
-        <a:defRPr sz="7086" kern="1200">
+        <a:defRPr sz="7100" kern="1200">
           <a:solidFill>
             <a:schemeClr val="tx1"/>
           </a:solidFill>
@@ -2767,7 +2767,7 @@
           <a:cs typeface="+mn-cs"/>
         </a:defRPr>
       </a:lvl3pPr>
-      <a:lvl4pPr marL="5669829" indent="-809976" algn="l" defTabSz="3239902" rtl="0" eaLnBrk="1" latinLnBrk="0" hangingPunct="1">
+      <a:lvl4pPr marL="5670396" indent="-810057" algn="l" defTabSz="3240226" rtl="0" eaLnBrk="1" latinLnBrk="0" hangingPunct="1">
         <a:lnSpc>
           <a:spcPct val="90000"/>
         </a:lnSpc>
@@ -2776,7 +2776,7 @@
         </a:spcBef>
         <a:buFont typeface="Arial" panose="020B0604020202020204" pitchFamily="34" charset="0"/>
         <a:buChar char="•"/>
-        <a:defRPr sz="6378" kern="1200">
+        <a:defRPr sz="6400" kern="1200">
           <a:solidFill>
             <a:schemeClr val="tx1"/>
           </a:solidFill>
@@ -2785,7 +2785,7 @@
           <a:cs typeface="+mn-cs"/>
         </a:defRPr>
       </a:lvl4pPr>
-      <a:lvl5pPr marL="7289780" indent="-809976" algn="l" defTabSz="3239902" rtl="0" eaLnBrk="1" latinLnBrk="0" hangingPunct="1">
+      <a:lvl5pPr marL="7290509" indent="-810057" algn="l" defTabSz="3240226" rtl="0" eaLnBrk="1" latinLnBrk="0" hangingPunct="1">
         <a:lnSpc>
           <a:spcPct val="90000"/>
         </a:lnSpc>
@@ -2794,7 +2794,7 @@
         </a:spcBef>
         <a:buFont typeface="Arial" panose="020B0604020202020204" pitchFamily="34" charset="0"/>
         <a:buChar char="•"/>
-        <a:defRPr sz="6378" kern="1200">
+        <a:defRPr sz="6400" kern="1200">
           <a:solidFill>
             <a:schemeClr val="tx1"/>
           </a:solidFill>
@@ -2803,7 +2803,7 @@
           <a:cs typeface="+mn-cs"/>
         </a:defRPr>
       </a:lvl5pPr>
-      <a:lvl6pPr marL="8909731" indent="-809976" algn="l" defTabSz="3239902" rtl="0" eaLnBrk="1" latinLnBrk="0" hangingPunct="1">
+      <a:lvl6pPr marL="8910622" indent="-810057" algn="l" defTabSz="3240226" rtl="0" eaLnBrk="1" latinLnBrk="0" hangingPunct="1">
         <a:lnSpc>
           <a:spcPct val="90000"/>
         </a:lnSpc>
@@ -2812,7 +2812,7 @@
         </a:spcBef>
         <a:buFont typeface="Arial" panose="020B0604020202020204" pitchFamily="34" charset="0"/>
         <a:buChar char="•"/>
-        <a:defRPr sz="6378" kern="1200">
+        <a:defRPr sz="6400" kern="1200">
           <a:solidFill>
             <a:schemeClr val="tx1"/>
           </a:solidFill>
@@ -2821,7 +2821,7 @@
           <a:cs typeface="+mn-cs"/>
         </a:defRPr>
       </a:lvl6pPr>
-      <a:lvl7pPr marL="10529682" indent="-809976" algn="l" defTabSz="3239902" rtl="0" eaLnBrk="1" latinLnBrk="0" hangingPunct="1">
+      <a:lvl7pPr marL="10530735" indent="-810057" algn="l" defTabSz="3240226" rtl="0" eaLnBrk="1" latinLnBrk="0" hangingPunct="1">
         <a:lnSpc>
           <a:spcPct val="90000"/>
         </a:lnSpc>
@@ -2830,7 +2830,7 @@
         </a:spcBef>
         <a:buFont typeface="Arial" panose="020B0604020202020204" pitchFamily="34" charset="0"/>
         <a:buChar char="•"/>
-        <a:defRPr sz="6378" kern="1200">
+        <a:defRPr sz="6400" kern="1200">
           <a:solidFill>
             <a:schemeClr val="tx1"/>
           </a:solidFill>
@@ -2839,7 +2839,7 @@
           <a:cs typeface="+mn-cs"/>
         </a:defRPr>
       </a:lvl7pPr>
-      <a:lvl8pPr marL="12149633" indent="-809976" algn="l" defTabSz="3239902" rtl="0" eaLnBrk="1" latinLnBrk="0" hangingPunct="1">
+      <a:lvl8pPr marL="12150848" indent="-810057" algn="l" defTabSz="3240226" rtl="0" eaLnBrk="1" latinLnBrk="0" hangingPunct="1">
         <a:lnSpc>
           <a:spcPct val="90000"/>
         </a:lnSpc>
@@ -2848,7 +2848,7 @@
         </a:spcBef>
         <a:buFont typeface="Arial" panose="020B0604020202020204" pitchFamily="34" charset="0"/>
         <a:buChar char="•"/>
-        <a:defRPr sz="6378" kern="1200">
+        <a:defRPr sz="6400" kern="1200">
           <a:solidFill>
             <a:schemeClr val="tx1"/>
           </a:solidFill>
@@ -2857,7 +2857,7 @@
           <a:cs typeface="+mn-cs"/>
         </a:defRPr>
       </a:lvl8pPr>
-      <a:lvl9pPr marL="13769584" indent="-809976" algn="l" defTabSz="3239902" rtl="0" eaLnBrk="1" latinLnBrk="0" hangingPunct="1">
+      <a:lvl9pPr marL="13770961" indent="-810057" algn="l" defTabSz="3240226" rtl="0" eaLnBrk="1" latinLnBrk="0" hangingPunct="1">
         <a:lnSpc>
           <a:spcPct val="90000"/>
         </a:lnSpc>
@@ -2866,7 +2866,7 @@
         </a:spcBef>
         <a:buFont typeface="Arial" panose="020B0604020202020204" pitchFamily="34" charset="0"/>
         <a:buChar char="•"/>
-        <a:defRPr sz="6378" kern="1200">
+        <a:defRPr sz="6400" kern="1200">
           <a:solidFill>
             <a:schemeClr val="tx1"/>
           </a:solidFill>
@@ -2880,8 +2880,8 @@
       <a:defPPr>
         <a:defRPr lang="en-US"/>
       </a:defPPr>
-      <a:lvl1pPr marL="0" algn="l" defTabSz="3239902" rtl="0" eaLnBrk="1" latinLnBrk="0" hangingPunct="1">
-        <a:defRPr sz="6378" kern="1200">
+      <a:lvl1pPr marL="0" algn="l" defTabSz="3240226" rtl="0" eaLnBrk="1" latinLnBrk="0" hangingPunct="1">
+        <a:defRPr sz="6400" kern="1200">
           <a:solidFill>
             <a:schemeClr val="tx1"/>
           </a:solidFill>
@@ -2890,8 +2890,8 @@
           <a:cs typeface="+mn-cs"/>
         </a:defRPr>
       </a:lvl1pPr>
-      <a:lvl2pPr marL="1619951" algn="l" defTabSz="3239902" rtl="0" eaLnBrk="1" latinLnBrk="0" hangingPunct="1">
-        <a:defRPr sz="6378" kern="1200">
+      <a:lvl2pPr marL="1620113" algn="l" defTabSz="3240226" rtl="0" eaLnBrk="1" latinLnBrk="0" hangingPunct="1">
+        <a:defRPr sz="6400" kern="1200">
           <a:solidFill>
             <a:schemeClr val="tx1"/>
           </a:solidFill>
@@ -2900,8 +2900,8 @@
           <a:cs typeface="+mn-cs"/>
         </a:defRPr>
       </a:lvl2pPr>
-      <a:lvl3pPr marL="3239902" algn="l" defTabSz="3239902" rtl="0" eaLnBrk="1" latinLnBrk="0" hangingPunct="1">
-        <a:defRPr sz="6378" kern="1200">
+      <a:lvl3pPr marL="3240226" algn="l" defTabSz="3240226" rtl="0" eaLnBrk="1" latinLnBrk="0" hangingPunct="1">
+        <a:defRPr sz="6400" kern="1200">
           <a:solidFill>
             <a:schemeClr val="tx1"/>
           </a:solidFill>
@@ -2910,8 +2910,8 @@
           <a:cs typeface="+mn-cs"/>
         </a:defRPr>
       </a:lvl3pPr>
-      <a:lvl4pPr marL="4859853" algn="l" defTabSz="3239902" rtl="0" eaLnBrk="1" latinLnBrk="0" hangingPunct="1">
-        <a:defRPr sz="6378" kern="1200">
+      <a:lvl4pPr marL="4860339" algn="l" defTabSz="3240226" rtl="0" eaLnBrk="1" latinLnBrk="0" hangingPunct="1">
+        <a:defRPr sz="6400" kern="1200">
           <a:solidFill>
             <a:schemeClr val="tx1"/>
           </a:solidFill>
@@ -2920,8 +2920,8 @@
           <a:cs typeface="+mn-cs"/>
         </a:defRPr>
       </a:lvl4pPr>
-      <a:lvl5pPr marL="6479804" algn="l" defTabSz="3239902" rtl="0" eaLnBrk="1" latinLnBrk="0" hangingPunct="1">
-        <a:defRPr sz="6378" kern="1200">
+      <a:lvl5pPr marL="6480452" algn="l" defTabSz="3240226" rtl="0" eaLnBrk="1" latinLnBrk="0" hangingPunct="1">
+        <a:defRPr sz="6400" kern="1200">
           <a:solidFill>
             <a:schemeClr val="tx1"/>
           </a:solidFill>
@@ -2930,8 +2930,8 @@
           <a:cs typeface="+mn-cs"/>
         </a:defRPr>
       </a:lvl5pPr>
-      <a:lvl6pPr marL="8099755" algn="l" defTabSz="3239902" rtl="0" eaLnBrk="1" latinLnBrk="0" hangingPunct="1">
-        <a:defRPr sz="6378" kern="1200">
+      <a:lvl6pPr marL="8100565" algn="l" defTabSz="3240226" rtl="0" eaLnBrk="1" latinLnBrk="0" hangingPunct="1">
+        <a:defRPr sz="6400" kern="1200">
           <a:solidFill>
             <a:schemeClr val="tx1"/>
           </a:solidFill>
@@ -2940,8 +2940,8 @@
           <a:cs typeface="+mn-cs"/>
         </a:defRPr>
       </a:lvl6pPr>
-      <a:lvl7pPr marL="9719706" algn="l" defTabSz="3239902" rtl="0" eaLnBrk="1" latinLnBrk="0" hangingPunct="1">
-        <a:defRPr sz="6378" kern="1200">
+      <a:lvl7pPr marL="9720678" algn="l" defTabSz="3240226" rtl="0" eaLnBrk="1" latinLnBrk="0" hangingPunct="1">
+        <a:defRPr sz="6400" kern="1200">
           <a:solidFill>
             <a:schemeClr val="tx1"/>
           </a:solidFill>
@@ -2950,8 +2950,8 @@
           <a:cs typeface="+mn-cs"/>
         </a:defRPr>
       </a:lvl7pPr>
-      <a:lvl8pPr marL="11339657" algn="l" defTabSz="3239902" rtl="0" eaLnBrk="1" latinLnBrk="0" hangingPunct="1">
-        <a:defRPr sz="6378" kern="1200">
+      <a:lvl8pPr marL="11340791" algn="l" defTabSz="3240226" rtl="0" eaLnBrk="1" latinLnBrk="0" hangingPunct="1">
+        <a:defRPr sz="6400" kern="1200">
           <a:solidFill>
             <a:schemeClr val="tx1"/>
           </a:solidFill>
@@ -2960,8 +2960,8 @@
           <a:cs typeface="+mn-cs"/>
         </a:defRPr>
       </a:lvl8pPr>
-      <a:lvl9pPr marL="12959608" algn="l" defTabSz="3239902" rtl="0" eaLnBrk="1" latinLnBrk="0" hangingPunct="1">
-        <a:defRPr sz="6378" kern="1200">
+      <a:lvl9pPr marL="12960904" algn="l" defTabSz="3240226" rtl="0" eaLnBrk="1" latinLnBrk="0" hangingPunct="1">
+        <a:defRPr sz="6400" kern="1200">
           <a:solidFill>
             <a:schemeClr val="tx1"/>
           </a:solidFill>
@@ -3013,7 +3013,7 @@
         <p:spPr bwMode="auto">
           <a:xfrm>
             <a:off x="0" y="0"/>
-            <a:ext cx="32400000" cy="43200000"/>
+            <a:ext cx="32404762" cy="43204762"/>
           </a:xfrm>
           <a:prstGeom prst="rect">
             <a:avLst/>
@@ -3033,7 +3033,7 @@
           <p:cNvPr id="5" name="TextBox 4">
             <a:extLst>
               <a:ext uri="{FF2B5EF4-FFF2-40B4-BE49-F238E27FC236}">
-                <a16:creationId xmlns:a16="http://schemas.microsoft.com/office/drawing/2014/main" id="{21C35AA9-4CC2-4426-A6E4-1B8D70582002}"/>
+                <a16:creationId xmlns:a16="http://schemas.microsoft.com/office/drawing/2014/main" xmlns="" id="{21C35AA9-4CC2-4426-A6E4-1B8D70582002}"/>
               </a:ext>
             </a:extLst>
           </p:cNvPr>
@@ -3042,8 +3042,8 @@
         </p:nvSpPr>
         <p:spPr>
           <a:xfrm>
-            <a:off x="19665949" y="30510568"/>
-            <a:ext cx="9721429" cy="630952"/>
+            <a:off x="19668840" y="30513931"/>
+            <a:ext cx="9722858" cy="631022"/>
           </a:xfrm>
           <a:prstGeom prst="rect">
             <a:avLst/>
@@ -3051,7 +3051,7 @@
           <a:noFill/>
         </p:spPr>
         <p:txBody>
-          <a:bodyPr wrap="square" lIns="91449" tIns="45725" rIns="91449" bIns="45725" rtlCol="0">
+          <a:bodyPr wrap="square" lIns="91458" tIns="45730" rIns="91458" bIns="45730" rtlCol="0">
             <a:spAutoFit/>
           </a:bodyPr>
           <a:lstStyle/>
@@ -3085,7 +3085,7 @@
           <p:cNvPr id="15" name="Group 14">
             <a:extLst>
               <a:ext uri="{FF2B5EF4-FFF2-40B4-BE49-F238E27FC236}">
-                <a16:creationId xmlns:a16="http://schemas.microsoft.com/office/drawing/2014/main" id="{86DF5ED0-1140-4DE6-9986-617C295E9972}"/>
+                <a16:creationId xmlns:a16="http://schemas.microsoft.com/office/drawing/2014/main" xmlns="" id="{86DF5ED0-1140-4DE6-9986-617C295E9972}"/>
               </a:ext>
             </a:extLst>
           </p:cNvPr>
@@ -3094,8 +3094,8 @@
         </p:nvGrpSpPr>
         <p:grpSpPr>
           <a:xfrm>
-            <a:off x="10800001" y="6276311"/>
-            <a:ext cx="10800002" cy="2155440"/>
+            <a:off x="10801589" y="6277003"/>
+            <a:ext cx="10801589" cy="2155678"/>
             <a:chOff x="5565" y="1"/>
             <a:chExt cx="2936192" cy="607873"/>
           </a:xfrm>
@@ -3105,7 +3105,7 @@
             <p:cNvPr id="16" name="תיבת טקסט 18">
               <a:extLst>
                 <a:ext uri="{FF2B5EF4-FFF2-40B4-BE49-F238E27FC236}">
-                  <a16:creationId xmlns:a16="http://schemas.microsoft.com/office/drawing/2014/main" id="{7231FC04-FE29-41A3-A56A-F24A16325C5E}"/>
+                  <a16:creationId xmlns:a16="http://schemas.microsoft.com/office/drawing/2014/main" xmlns="" id="{7231FC04-FE29-41A3-A56A-F24A16325C5E}"/>
                 </a:ext>
               </a:extLst>
             </p:cNvPr>
@@ -3149,7 +3149,7 @@
             <p:cNvPr id="17" name="Text Box 24">
               <a:extLst>
                 <a:ext uri="{FF2B5EF4-FFF2-40B4-BE49-F238E27FC236}">
-                  <a16:creationId xmlns:a16="http://schemas.microsoft.com/office/drawing/2014/main" id="{BBDFD652-0BF1-49B2-8BA9-681958173701}"/>
+                  <a16:creationId xmlns:a16="http://schemas.microsoft.com/office/drawing/2014/main" xmlns="" id="{BBDFD652-0BF1-49B2-8BA9-681958173701}"/>
                 </a:ext>
               </a:extLst>
             </p:cNvPr>
@@ -3207,7 +3207,7 @@
           <p:cNvPr id="21" name="names">
             <a:extLst>
               <a:ext uri="{FF2B5EF4-FFF2-40B4-BE49-F238E27FC236}">
-                <a16:creationId xmlns:a16="http://schemas.microsoft.com/office/drawing/2014/main" id="{50263BFB-E418-4A74-AECE-CAD600D1406C}"/>
+                <a16:creationId xmlns:a16="http://schemas.microsoft.com/office/drawing/2014/main" xmlns="" id="{50263BFB-E418-4A74-AECE-CAD600D1406C}"/>
               </a:ext>
             </a:extLst>
           </p:cNvPr>
@@ -3218,8 +3218,8 @@
         </p:nvSpPr>
         <p:spPr bwMode="auto">
           <a:xfrm>
-            <a:off x="11421310" y="3217806"/>
-            <a:ext cx="9518031" cy="2400922"/>
+            <a:off x="11422989" y="3218161"/>
+            <a:ext cx="9519430" cy="2401187"/>
           </a:xfrm>
           <a:prstGeom prst="rect">
             <a:avLst/>
@@ -3237,7 +3237,7 @@
           </a:ln>
         </p:spPr>
         <p:txBody>
-          <a:bodyPr rot="0" vert="horz" wrap="square" lIns="91449" tIns="45725" rIns="91449" bIns="45725" anchor="ctr" anchorCtr="0">
+          <a:bodyPr rot="0" vert="horz" wrap="square" lIns="91458" tIns="45730" rIns="91458" bIns="45730" anchor="ctr" anchorCtr="0">
             <a:spAutoFit/>
           </a:bodyPr>
           <a:lstStyle/>
@@ -3349,7 +3349,7 @@
           <p:cNvPr id="22" name="Title">
             <a:extLst>
               <a:ext uri="{FF2B5EF4-FFF2-40B4-BE49-F238E27FC236}">
-                <a16:creationId xmlns:a16="http://schemas.microsoft.com/office/drawing/2014/main" id="{815970DA-DF7D-459C-9C4D-F65236746442}"/>
+                <a16:creationId xmlns:a16="http://schemas.microsoft.com/office/drawing/2014/main" xmlns="" id="{815970DA-DF7D-459C-9C4D-F65236746442}"/>
               </a:ext>
             </a:extLst>
           </p:cNvPr>
@@ -3358,8 +3358,8 @@
         </p:nvSpPr>
         <p:spPr>
           <a:xfrm>
-            <a:off x="11726346" y="1880554"/>
-            <a:ext cx="8907959" cy="1647813"/>
+            <a:off x="11728070" y="1880762"/>
+            <a:ext cx="8909268" cy="1647995"/>
           </a:xfrm>
           <a:prstGeom prst="rect">
             <a:avLst/>
@@ -3370,7 +3370,7 @@
           </a:ln>
         </p:spPr>
         <p:txBody>
-          <a:bodyPr rot="0" spcFirstLastPara="0" vert="horz" wrap="square" lIns="91449" tIns="45725" rIns="91449" bIns="45725" numCol="1" spcCol="0" rtlCol="0" fromWordArt="0" anchor="t" anchorCtr="0" forceAA="0" compatLnSpc="1">
+          <a:bodyPr rot="0" spcFirstLastPara="0" vert="horz" wrap="square" lIns="91458" tIns="45730" rIns="91458" bIns="45730" numCol="1" spcCol="0" rtlCol="0" fromWordArt="0" anchor="t" anchorCtr="0" forceAA="0" compatLnSpc="1">
             <a:prstTxWarp prst="textNoShape">
               <a:avLst/>
             </a:prstTxWarp>
@@ -3422,7 +3422,7 @@
           <p:cNvPr id="23" name="Picture 22" descr="A close up of a logo&#10;&#10;Description automatically generated">
             <a:extLst>
               <a:ext uri="{FF2B5EF4-FFF2-40B4-BE49-F238E27FC236}">
-                <a16:creationId xmlns:a16="http://schemas.microsoft.com/office/drawing/2014/main" id="{1B0E9798-6ED7-438D-99F7-E4A7EAF64FE6}"/>
+                <a16:creationId xmlns:a16="http://schemas.microsoft.com/office/drawing/2014/main" xmlns="" id="{1B0E9798-6ED7-438D-99F7-E4A7EAF64FE6}"/>
               </a:ext>
             </a:extLst>
           </p:cNvPr>
@@ -3445,8 +3445,8 @@
         </p:blipFill>
         <p:spPr>
           <a:xfrm>
-            <a:off x="1491134" y="4818423"/>
-            <a:ext cx="9170422" cy="4197337"/>
+            <a:off x="1491353" y="4818954"/>
+            <a:ext cx="9171770" cy="4197800"/>
           </a:xfrm>
           <a:prstGeom prst="rect">
             <a:avLst/>
@@ -3458,7 +3458,7 @@
           <p:cNvPr id="24" name="Group 23">
             <a:extLst>
               <a:ext uri="{FF2B5EF4-FFF2-40B4-BE49-F238E27FC236}">
-                <a16:creationId xmlns:a16="http://schemas.microsoft.com/office/drawing/2014/main" id="{53C697AF-52E9-4D36-A2E7-D8ED4F552308}"/>
+                <a16:creationId xmlns:a16="http://schemas.microsoft.com/office/drawing/2014/main" xmlns="" id="{53C697AF-52E9-4D36-A2E7-D8ED4F552308}"/>
               </a:ext>
             </a:extLst>
           </p:cNvPr>
@@ -3467,8 +3467,8 @@
         </p:nvGrpSpPr>
         <p:grpSpPr>
           <a:xfrm>
-            <a:off x="719999" y="18899965"/>
-            <a:ext cx="14400002" cy="1921565"/>
+            <a:off x="720105" y="18902049"/>
+            <a:ext cx="14402118" cy="1921777"/>
             <a:chOff x="488" y="1"/>
             <a:chExt cx="3090728" cy="541916"/>
           </a:xfrm>
@@ -3478,7 +3478,7 @@
             <p:cNvPr id="25" name="תיבת טקסט 18">
               <a:extLst>
                 <a:ext uri="{FF2B5EF4-FFF2-40B4-BE49-F238E27FC236}">
-                  <a16:creationId xmlns:a16="http://schemas.microsoft.com/office/drawing/2014/main" id="{6C754D3D-FCC2-4053-9892-AAF25C0F628F}"/>
+                  <a16:creationId xmlns:a16="http://schemas.microsoft.com/office/drawing/2014/main" xmlns="" id="{6C754D3D-FCC2-4053-9892-AAF25C0F628F}"/>
                 </a:ext>
               </a:extLst>
             </p:cNvPr>
@@ -3509,7 +3509,7 @@
             </a:bodyPr>
             <a:lstStyle/>
             <a:p>
-              <a:pPr marL="457246" indent="-457246">
+              <a:pPr marL="457292" indent="-457292">
                 <a:buFont typeface="Wingdings" pitchFamily="2" charset="2"/>
                 <a:buChar char="ü"/>
               </a:pPr>
@@ -3531,7 +3531,7 @@
               </a:r>
             </a:p>
             <a:p>
-              <a:pPr marL="457246" indent="-457246">
+              <a:pPr marL="457292" indent="-457292">
                 <a:buFont typeface="Wingdings" pitchFamily="2" charset="2"/>
                 <a:buChar char="ü"/>
               </a:pPr>
@@ -3547,7 +3547,7 @@
             <p:cNvPr id="26" name="Text Box 24">
               <a:extLst>
                 <a:ext uri="{FF2B5EF4-FFF2-40B4-BE49-F238E27FC236}">
-                  <a16:creationId xmlns:a16="http://schemas.microsoft.com/office/drawing/2014/main" id="{5784222E-502A-4E2C-92F0-7F73523B69C2}"/>
+                  <a16:creationId xmlns:a16="http://schemas.microsoft.com/office/drawing/2014/main" xmlns="" id="{5784222E-502A-4E2C-92F0-7F73523B69C2}"/>
                 </a:ext>
               </a:extLst>
             </p:cNvPr>
@@ -3605,7 +3605,7 @@
           <p:cNvPr id="27" name="Group 26">
             <a:extLst>
               <a:ext uri="{FF2B5EF4-FFF2-40B4-BE49-F238E27FC236}">
-                <a16:creationId xmlns:a16="http://schemas.microsoft.com/office/drawing/2014/main" id="{BE2EB11C-DC87-4601-B21E-EF3216172AD9}"/>
+                <a16:creationId xmlns:a16="http://schemas.microsoft.com/office/drawing/2014/main" xmlns="" id="{BE2EB11C-DC87-4601-B21E-EF3216172AD9}"/>
               </a:ext>
             </a:extLst>
           </p:cNvPr>
@@ -3614,8 +3614,8 @@
         </p:nvGrpSpPr>
         <p:grpSpPr>
           <a:xfrm>
-            <a:off x="17280001" y="18155573"/>
-            <a:ext cx="14400002" cy="1964385"/>
+            <a:off x="17282541" y="18157575"/>
+            <a:ext cx="14402118" cy="1964602"/>
             <a:chOff x="-154593" y="1"/>
             <a:chExt cx="3090728" cy="553992"/>
           </a:xfrm>
@@ -3625,7 +3625,7 @@
             <p:cNvPr id="28" name="תיבת טקסט 18">
               <a:extLst>
                 <a:ext uri="{FF2B5EF4-FFF2-40B4-BE49-F238E27FC236}">
-                  <a16:creationId xmlns:a16="http://schemas.microsoft.com/office/drawing/2014/main" id="{533A65D4-67FB-4E41-9421-FD9DB044B4D3}"/>
+                  <a16:creationId xmlns:a16="http://schemas.microsoft.com/office/drawing/2014/main" xmlns="" id="{533A65D4-67FB-4E41-9421-FD9DB044B4D3}"/>
                 </a:ext>
               </a:extLst>
             </p:cNvPr>
@@ -3669,7 +3669,7 @@
             <p:cNvPr id="29" name="Text Box 24">
               <a:extLst>
                 <a:ext uri="{FF2B5EF4-FFF2-40B4-BE49-F238E27FC236}">
-                  <a16:creationId xmlns:a16="http://schemas.microsoft.com/office/drawing/2014/main" id="{2A78BB05-F2A3-49E9-8FBE-55ACFE4F4914}"/>
+                  <a16:creationId xmlns:a16="http://schemas.microsoft.com/office/drawing/2014/main" xmlns="" id="{2A78BB05-F2A3-49E9-8FBE-55ACFE4F4914}"/>
                 </a:ext>
               </a:extLst>
             </p:cNvPr>
@@ -3727,7 +3727,7 @@
           <p:cNvPr id="31" name="Picture 30">
             <a:extLst>
               <a:ext uri="{FF2B5EF4-FFF2-40B4-BE49-F238E27FC236}">
-                <a16:creationId xmlns:a16="http://schemas.microsoft.com/office/drawing/2014/main" id="{B3F83FF5-25B8-41FA-9C74-5B360C983A7E}"/>
+                <a16:creationId xmlns:a16="http://schemas.microsoft.com/office/drawing/2014/main" xmlns="" id="{B3F83FF5-25B8-41FA-9C74-5B360C983A7E}"/>
               </a:ext>
             </a:extLst>
           </p:cNvPr>
@@ -3749,8 +3749,8 @@
         </p:blipFill>
         <p:spPr>
           <a:xfrm>
-            <a:off x="9850947" y="41667321"/>
-            <a:ext cx="3268975" cy="1437771"/>
+            <a:off x="9852396" y="41671915"/>
+            <a:ext cx="3269455" cy="1437929"/>
           </a:xfrm>
           <a:prstGeom prst="rect">
             <a:avLst/>
@@ -3762,7 +3762,7 @@
           <p:cNvPr id="32" name="Picture 31">
             <a:extLst>
               <a:ext uri="{FF2B5EF4-FFF2-40B4-BE49-F238E27FC236}">
-                <a16:creationId xmlns:a16="http://schemas.microsoft.com/office/drawing/2014/main" id="{AF35BE45-91AC-4A08-8BFB-02C0C1E2C7A6}"/>
+                <a16:creationId xmlns:a16="http://schemas.microsoft.com/office/drawing/2014/main" xmlns="" id="{AF35BE45-91AC-4A08-8BFB-02C0C1E2C7A6}"/>
               </a:ext>
             </a:extLst>
           </p:cNvPr>
@@ -3785,8 +3785,8 @@
         </p:blipFill>
         <p:spPr>
           <a:xfrm>
-            <a:off x="6296567" y="41951953"/>
-            <a:ext cx="3483683" cy="1010267"/>
+            <a:off x="6297493" y="41956578"/>
+            <a:ext cx="3484195" cy="1010378"/>
           </a:xfrm>
           <a:prstGeom prst="rect">
             <a:avLst/>
@@ -3798,7 +3798,7 @@
           <p:cNvPr id="33" name="Picture 32">
             <a:extLst>
               <a:ext uri="{FF2B5EF4-FFF2-40B4-BE49-F238E27FC236}">
-                <a16:creationId xmlns:a16="http://schemas.microsoft.com/office/drawing/2014/main" id="{57D61071-AC5B-42B2-9AC8-47E326D48F9D}"/>
+                <a16:creationId xmlns:a16="http://schemas.microsoft.com/office/drawing/2014/main" xmlns="" id="{57D61071-AC5B-42B2-9AC8-47E326D48F9D}"/>
               </a:ext>
             </a:extLst>
           </p:cNvPr>
@@ -3821,8 +3821,8 @@
         </p:blipFill>
         <p:spPr>
           <a:xfrm>
-            <a:off x="237625" y="42030886"/>
-            <a:ext cx="3456162" cy="827736"/>
+            <a:off x="237660" y="42035519"/>
+            <a:ext cx="3456670" cy="827827"/>
           </a:xfrm>
           <a:prstGeom prst="rect">
             <a:avLst/>
@@ -3834,7 +3834,7 @@
           <p:cNvPr id="34" name="Picture 33">
             <a:extLst>
               <a:ext uri="{FF2B5EF4-FFF2-40B4-BE49-F238E27FC236}">
-                <a16:creationId xmlns:a16="http://schemas.microsoft.com/office/drawing/2014/main" id="{96007492-C48A-41CF-AD99-39166572FA35}"/>
+                <a16:creationId xmlns:a16="http://schemas.microsoft.com/office/drawing/2014/main" xmlns="" id="{96007492-C48A-41CF-AD99-39166572FA35}"/>
               </a:ext>
             </a:extLst>
           </p:cNvPr>
@@ -3856,8 +3856,8 @@
         </p:blipFill>
         <p:spPr>
           <a:xfrm>
-            <a:off x="3997848" y="41564688"/>
-            <a:ext cx="1889203" cy="1566503"/>
+            <a:off x="3998436" y="41569270"/>
+            <a:ext cx="1889481" cy="1566676"/>
           </a:xfrm>
           <a:prstGeom prst="rect">
             <a:avLst/>
@@ -3879,7 +3879,7 @@
           <p:cNvPr id="35" name="TextBox 34">
             <a:extLst>
               <a:ext uri="{FF2B5EF4-FFF2-40B4-BE49-F238E27FC236}">
-                <a16:creationId xmlns:a16="http://schemas.microsoft.com/office/drawing/2014/main" id="{FD1E00FF-0C3B-4DEB-9A22-B15A2A4305D1}"/>
+                <a16:creationId xmlns:a16="http://schemas.microsoft.com/office/drawing/2014/main" xmlns="" id="{FD1E00FF-0C3B-4DEB-9A22-B15A2A4305D1}"/>
               </a:ext>
             </a:extLst>
           </p:cNvPr>
@@ -3888,8 +3888,8 @@
         </p:nvSpPr>
         <p:spPr>
           <a:xfrm>
-            <a:off x="30129529" y="-2381"/>
-            <a:ext cx="2272140" cy="554059"/>
+            <a:off x="30133957" y="-2381"/>
+            <a:ext cx="2272474" cy="554120"/>
           </a:xfrm>
           <a:prstGeom prst="rect">
             <a:avLst/>
@@ -3897,7 +3897,7 @@
           <a:noFill/>
         </p:spPr>
         <p:txBody>
-          <a:bodyPr wrap="square" lIns="91449" tIns="45725" rIns="91449" bIns="45725" rtlCol="0">
+          <a:bodyPr wrap="square" lIns="91458" tIns="45730" rIns="91458" bIns="45730" rtlCol="0">
             <a:spAutoFit/>
           </a:bodyPr>
           <a:lstStyle/>
@@ -3924,7 +3924,7 @@
           <p:cNvPr id="36" name="Group 35">
             <a:extLst>
               <a:ext uri="{FF2B5EF4-FFF2-40B4-BE49-F238E27FC236}">
-                <a16:creationId xmlns:a16="http://schemas.microsoft.com/office/drawing/2014/main" id="{FA965725-A401-41A8-8CF1-A77E14832757}"/>
+                <a16:creationId xmlns:a16="http://schemas.microsoft.com/office/drawing/2014/main" xmlns="" id="{FA965725-A401-41A8-8CF1-A77E14832757}"/>
               </a:ext>
             </a:extLst>
           </p:cNvPr>
@@ -3933,8 +3933,8 @@
         </p:nvGrpSpPr>
         <p:grpSpPr>
           <a:xfrm>
-            <a:off x="720000" y="9312304"/>
-            <a:ext cx="14400001" cy="4706376"/>
+            <a:off x="720107" y="9313330"/>
+            <a:ext cx="14402117" cy="4706895"/>
             <a:chOff x="488" y="1"/>
             <a:chExt cx="3090728" cy="1327283"/>
           </a:xfrm>
@@ -3944,7 +3944,7 @@
             <p:cNvPr id="37" name="תיבת טקסט 18">
               <a:extLst>
                 <a:ext uri="{FF2B5EF4-FFF2-40B4-BE49-F238E27FC236}">
-                  <a16:creationId xmlns:a16="http://schemas.microsoft.com/office/drawing/2014/main" id="{DFA3AD4F-9BEE-44BC-8F51-FA5B66553EE6}"/>
+                  <a16:creationId xmlns:a16="http://schemas.microsoft.com/office/drawing/2014/main" xmlns="" id="{DFA3AD4F-9BEE-44BC-8F51-FA5B66553EE6}"/>
                 </a:ext>
               </a:extLst>
             </p:cNvPr>
@@ -3975,7 +3975,7 @@
             </a:bodyPr>
             <a:lstStyle/>
             <a:p>
-              <a:pPr marL="457246" indent="-457246">
+              <a:pPr marL="457292" indent="-457292">
                 <a:buFont typeface="Wingdings" pitchFamily="2" charset="2"/>
                 <a:buChar char="ü"/>
               </a:pPr>
@@ -3985,7 +3985,7 @@
               </a:r>
             </a:p>
             <a:p>
-              <a:pPr marL="457246" indent="-457246">
+              <a:pPr marL="457292" indent="-457292">
                 <a:buFont typeface="Wingdings" pitchFamily="2" charset="2"/>
                 <a:buChar char="ü"/>
               </a:pPr>
@@ -3995,7 +3995,7 @@
               </a:r>
             </a:p>
             <a:p>
-              <a:pPr marL="457246" indent="-457246">
+              <a:pPr marL="457292" indent="-457292">
                 <a:buFont typeface="Wingdings" pitchFamily="2" charset="2"/>
                 <a:buChar char="ü"/>
               </a:pPr>
@@ -4024,7 +4024,7 @@
             <p:cNvPr id="38" name="Text Box 24">
               <a:extLst>
                 <a:ext uri="{FF2B5EF4-FFF2-40B4-BE49-F238E27FC236}">
-                  <a16:creationId xmlns:a16="http://schemas.microsoft.com/office/drawing/2014/main" id="{A9FDB1ED-C4C0-480D-80A6-DF5E91D7F8BC}"/>
+                  <a16:creationId xmlns:a16="http://schemas.microsoft.com/office/drawing/2014/main" xmlns="" id="{A9FDB1ED-C4C0-480D-80A6-DF5E91D7F8BC}"/>
                 </a:ext>
               </a:extLst>
             </p:cNvPr>
@@ -4082,7 +4082,7 @@
           <p:cNvPr id="39" name="Group 38">
             <a:extLst>
               <a:ext uri="{FF2B5EF4-FFF2-40B4-BE49-F238E27FC236}">
-                <a16:creationId xmlns:a16="http://schemas.microsoft.com/office/drawing/2014/main" id="{AB331618-4256-41BA-8FDD-536DA6766F66}"/>
+                <a16:creationId xmlns:a16="http://schemas.microsoft.com/office/drawing/2014/main" xmlns="" id="{AB331618-4256-41BA-8FDD-536DA6766F66}"/>
               </a:ext>
             </a:extLst>
           </p:cNvPr>
@@ -4093,8 +4093,8 @@
         </p:nvGrpSpPr>
         <p:grpSpPr>
           <a:xfrm>
-            <a:off x="447015" y="32504408"/>
-            <a:ext cx="14502311" cy="5704431"/>
+            <a:off x="447081" y="32507991"/>
+            <a:ext cx="14504443" cy="5705060"/>
             <a:chOff x="9279172" y="23749276"/>
             <a:chExt cx="13551736" cy="5330722"/>
           </a:xfrm>
@@ -4104,7 +4104,7 @@
             <p:cNvPr id="40" name="Group 39">
               <a:extLst>
                 <a:ext uri="{FF2B5EF4-FFF2-40B4-BE49-F238E27FC236}">
-                  <a16:creationId xmlns:a16="http://schemas.microsoft.com/office/drawing/2014/main" id="{5B9B95DD-047D-422E-9197-8EB8322A507F}"/>
+                  <a16:creationId xmlns:a16="http://schemas.microsoft.com/office/drawing/2014/main" xmlns="" id="{5B9B95DD-047D-422E-9197-8EB8322A507F}"/>
                 </a:ext>
               </a:extLst>
             </p:cNvPr>
@@ -4124,7 +4124,7 @@
               <p:cNvPr id="42" name="Group 41">
                 <a:extLst>
                   <a:ext uri="{FF2B5EF4-FFF2-40B4-BE49-F238E27FC236}">
-                    <a16:creationId xmlns:a16="http://schemas.microsoft.com/office/drawing/2014/main" id="{0F05674C-EA0D-400B-AF01-2B79607B49E6}"/>
+                    <a16:creationId xmlns:a16="http://schemas.microsoft.com/office/drawing/2014/main" xmlns="" id="{0F05674C-EA0D-400B-AF01-2B79607B49E6}"/>
                   </a:ext>
                 </a:extLst>
               </p:cNvPr>
@@ -4144,7 +4144,7 @@
                 <p:cNvPr id="44" name="Group 43">
                   <a:extLst>
                     <a:ext uri="{FF2B5EF4-FFF2-40B4-BE49-F238E27FC236}">
-                      <a16:creationId xmlns:a16="http://schemas.microsoft.com/office/drawing/2014/main" id="{B60FC61F-D124-4385-9B15-65551D1814D4}"/>
+                      <a16:creationId xmlns:a16="http://schemas.microsoft.com/office/drawing/2014/main" xmlns="" id="{B60FC61F-D124-4385-9B15-65551D1814D4}"/>
                     </a:ext>
                   </a:extLst>
                 </p:cNvPr>
@@ -4164,7 +4164,7 @@
                   <p:cNvPr id="46" name="Group 45">
                     <a:extLst>
                       <a:ext uri="{FF2B5EF4-FFF2-40B4-BE49-F238E27FC236}">
-                        <a16:creationId xmlns:a16="http://schemas.microsoft.com/office/drawing/2014/main" id="{7EE2AEAC-C313-4E78-9FAF-E53B60D27895}"/>
+                        <a16:creationId xmlns:a16="http://schemas.microsoft.com/office/drawing/2014/main" xmlns="" id="{7EE2AEAC-C313-4E78-9FAF-E53B60D27895}"/>
                       </a:ext>
                     </a:extLst>
                   </p:cNvPr>
@@ -4186,7 +4186,7 @@
                     <p:cNvPr id="48" name="Picture 47" descr="A close up of a mans face&#10;&#10;Description automatically generated">
                       <a:extLst>
                         <a:ext uri="{FF2B5EF4-FFF2-40B4-BE49-F238E27FC236}">
-                          <a16:creationId xmlns:a16="http://schemas.microsoft.com/office/drawing/2014/main" id="{2957E089-22FB-4FBD-A6DA-88A57E473D60}"/>
+                          <a16:creationId xmlns:a16="http://schemas.microsoft.com/office/drawing/2014/main" xmlns="" id="{2957E089-22FB-4FBD-A6DA-88A57E473D60}"/>
                         </a:ext>
                       </a:extLst>
                     </p:cNvPr>
@@ -4222,7 +4222,7 @@
                     <p:cNvPr id="49" name="Picture 48" descr="A picture containing crossword puzzle&#10;&#10;Description automatically generated">
                       <a:extLst>
                         <a:ext uri="{FF2B5EF4-FFF2-40B4-BE49-F238E27FC236}">
-                          <a16:creationId xmlns:a16="http://schemas.microsoft.com/office/drawing/2014/main" id="{E1BEC1F8-4C66-44D4-BBC9-5E470E373D7F}"/>
+                          <a16:creationId xmlns:a16="http://schemas.microsoft.com/office/drawing/2014/main" xmlns="" id="{E1BEC1F8-4C66-44D4-BBC9-5E470E373D7F}"/>
                         </a:ext>
                       </a:extLst>
                     </p:cNvPr>
@@ -4258,7 +4258,7 @@
                     <p:cNvPr id="50" name="Picture 49" descr="A close up of a logo&#10;&#10;Description automatically generated">
                       <a:extLst>
                         <a:ext uri="{FF2B5EF4-FFF2-40B4-BE49-F238E27FC236}">
-                          <a16:creationId xmlns:a16="http://schemas.microsoft.com/office/drawing/2014/main" id="{D06E24C7-E118-4768-A7AF-D5733E2080D1}"/>
+                          <a16:creationId xmlns:a16="http://schemas.microsoft.com/office/drawing/2014/main" xmlns="" id="{D06E24C7-E118-4768-A7AF-D5733E2080D1}"/>
                         </a:ext>
                       </a:extLst>
                     </p:cNvPr>
@@ -4295,7 +4295,7 @@
                   <p:cNvPr id="47" name="TextBox 46">
                     <a:extLst>
                       <a:ext uri="{FF2B5EF4-FFF2-40B4-BE49-F238E27FC236}">
-                        <a16:creationId xmlns:a16="http://schemas.microsoft.com/office/drawing/2014/main" id="{C79294A2-E6F5-4FE6-A5C7-31B7AD74C375}"/>
+                        <a16:creationId xmlns:a16="http://schemas.microsoft.com/office/drawing/2014/main" xmlns="" id="{C79294A2-E6F5-4FE6-A5C7-31B7AD74C375}"/>
                       </a:ext>
                     </a:extLst>
                   </p:cNvPr>
@@ -4341,7 +4341,7 @@
                 <p:cNvPr id="45" name="TextBox 44">
                   <a:extLst>
                     <a:ext uri="{FF2B5EF4-FFF2-40B4-BE49-F238E27FC236}">
-                      <a16:creationId xmlns:a16="http://schemas.microsoft.com/office/drawing/2014/main" id="{1B59A4E0-9B34-4F5E-95D6-EC4DB8C829AC}"/>
+                      <a16:creationId xmlns:a16="http://schemas.microsoft.com/office/drawing/2014/main" xmlns="" id="{1B59A4E0-9B34-4F5E-95D6-EC4DB8C829AC}"/>
                     </a:ext>
                   </a:extLst>
                 </p:cNvPr>
@@ -4368,7 +4368,7 @@
                 <a:p>
                   <a:pPr algn="ctr"/>
                   <a:r>
-                    <a:rPr lang="en-US" sz="3500" b="1" dirty="0">
+                    <a:rPr lang="en-US" sz="3500" dirty="0">
                       <a:solidFill>
                         <a:srgbClr val="4A929C"/>
                       </a:solidFill>
@@ -4384,7 +4384,7 @@
               <p:cNvPr id="43" name="TextBox 42">
                 <a:extLst>
                   <a:ext uri="{FF2B5EF4-FFF2-40B4-BE49-F238E27FC236}">
-                    <a16:creationId xmlns:a16="http://schemas.microsoft.com/office/drawing/2014/main" id="{4902E1DB-BD07-4673-82A5-D643E909A61D}"/>
+                    <a16:creationId xmlns:a16="http://schemas.microsoft.com/office/drawing/2014/main" xmlns="" id="{4902E1DB-BD07-4673-82A5-D643E909A61D}"/>
                   </a:ext>
                 </a:extLst>
               </p:cNvPr>
@@ -4411,7 +4411,7 @@
               <a:p>
                 <a:pPr algn="ctr"/>
                 <a:r>
-                  <a:rPr lang="en-US" sz="3500" b="1" dirty="0">
+                  <a:rPr lang="en-US" sz="3500" dirty="0">
                     <a:solidFill>
                       <a:srgbClr val="4A929C"/>
                     </a:solidFill>
@@ -4427,7 +4427,7 @@
             <p:cNvPr id="41" name="TextBox 40">
               <a:extLst>
                 <a:ext uri="{FF2B5EF4-FFF2-40B4-BE49-F238E27FC236}">
-                  <a16:creationId xmlns:a16="http://schemas.microsoft.com/office/drawing/2014/main" id="{B6393C5B-F0A1-46CD-AD56-C03B7F835399}"/>
+                  <a16:creationId xmlns:a16="http://schemas.microsoft.com/office/drawing/2014/main" xmlns="" id="{B6393C5B-F0A1-46CD-AD56-C03B7F835399}"/>
                 </a:ext>
               </a:extLst>
             </p:cNvPr>
@@ -4454,7 +4454,7 @@
             <a:p>
               <a:pPr algn="ctr"/>
               <a:r>
-                <a:rPr lang="en-US" sz="3500" b="1" dirty="0">
+                <a:rPr lang="en-US" sz="3500" dirty="0">
                   <a:solidFill>
                     <a:srgbClr val="4A929C"/>
                   </a:solidFill>
@@ -4470,7 +4470,7 @@
           <p:cNvPr id="51" name="Group 50">
             <a:extLst>
               <a:ext uri="{FF2B5EF4-FFF2-40B4-BE49-F238E27FC236}">
-                <a16:creationId xmlns:a16="http://schemas.microsoft.com/office/drawing/2014/main" id="{A6F5447A-CAD7-4B0C-AAAD-385327A25D87}"/>
+                <a16:creationId xmlns:a16="http://schemas.microsoft.com/office/drawing/2014/main" xmlns="" id="{A6F5447A-CAD7-4B0C-AAAD-385327A25D87}"/>
               </a:ext>
             </a:extLst>
           </p:cNvPr>
@@ -4479,8 +4479,8 @@
         </p:nvGrpSpPr>
         <p:grpSpPr>
           <a:xfrm>
-            <a:off x="17280001" y="31360971"/>
-            <a:ext cx="14400002" cy="2074873"/>
+            <a:off x="17282541" y="31364428"/>
+            <a:ext cx="14402118" cy="2075102"/>
             <a:chOff x="-154593" y="1"/>
             <a:chExt cx="3090728" cy="585152"/>
           </a:xfrm>
@@ -4490,7 +4490,7 @@
             <p:cNvPr id="52" name="תיבת טקסט 18">
               <a:extLst>
                 <a:ext uri="{FF2B5EF4-FFF2-40B4-BE49-F238E27FC236}">
-                  <a16:creationId xmlns:a16="http://schemas.microsoft.com/office/drawing/2014/main" id="{2B868D60-4E17-4C1B-82F1-887DBBBB59F6}"/>
+                  <a16:creationId xmlns:a16="http://schemas.microsoft.com/office/drawing/2014/main" xmlns="" id="{2B868D60-4E17-4C1B-82F1-887DBBBB59F6}"/>
                 </a:ext>
               </a:extLst>
             </p:cNvPr>
@@ -4533,7 +4533,7 @@
             <p:cNvPr id="53" name="Text Box 24">
               <a:extLst>
                 <a:ext uri="{FF2B5EF4-FFF2-40B4-BE49-F238E27FC236}">
-                  <a16:creationId xmlns:a16="http://schemas.microsoft.com/office/drawing/2014/main" id="{C182ADF9-CED3-4761-B7DC-EEDC3DB3BE98}"/>
+                  <a16:creationId xmlns:a16="http://schemas.microsoft.com/office/drawing/2014/main" xmlns="" id="{C182ADF9-CED3-4761-B7DC-EEDC3DB3BE98}"/>
                 </a:ext>
               </a:extLst>
             </p:cNvPr>
@@ -4591,7 +4591,7 @@
           <p:cNvPr id="54" name="TextBox 53">
             <a:extLst>
               <a:ext uri="{FF2B5EF4-FFF2-40B4-BE49-F238E27FC236}">
-                <a16:creationId xmlns:a16="http://schemas.microsoft.com/office/drawing/2014/main" id="{5A745D60-7A1A-45E0-8C8E-624EF6E2C95C}"/>
+                <a16:creationId xmlns:a16="http://schemas.microsoft.com/office/drawing/2014/main" xmlns="" id="{5A745D60-7A1A-45E0-8C8E-624EF6E2C95C}"/>
               </a:ext>
             </a:extLst>
           </p:cNvPr>
@@ -4600,8 +4600,8 @@
         </p:nvSpPr>
         <p:spPr>
           <a:xfrm>
-            <a:off x="17856820" y="37894104"/>
-            <a:ext cx="13246362" cy="630952"/>
+            <a:off x="17859445" y="37898281"/>
+            <a:ext cx="13248309" cy="631022"/>
           </a:xfrm>
           <a:prstGeom prst="rect">
             <a:avLst/>
@@ -4609,7 +4609,7 @@
           <a:noFill/>
         </p:spPr>
         <p:txBody>
-          <a:bodyPr wrap="square" lIns="91449" tIns="45725" rIns="91449" bIns="45725" rtlCol="0">
+          <a:bodyPr wrap="square" lIns="91458" tIns="45730" rIns="91458" bIns="45730" rtlCol="0">
             <a:spAutoFit/>
           </a:bodyPr>
           <a:lstStyle/>
@@ -4643,7 +4643,7 @@
           <p:cNvPr id="55" name="Picture 54">
             <a:extLst>
               <a:ext uri="{FF2B5EF4-FFF2-40B4-BE49-F238E27FC236}">
-                <a16:creationId xmlns:a16="http://schemas.microsoft.com/office/drawing/2014/main" id="{603A7175-7B04-40A4-994D-D93110F266A4}"/>
+                <a16:creationId xmlns:a16="http://schemas.microsoft.com/office/drawing/2014/main" xmlns="" id="{603A7175-7B04-40A4-994D-D93110F266A4}"/>
               </a:ext>
             </a:extLst>
           </p:cNvPr>
@@ -4667,8 +4667,8 @@
         </p:blipFill>
         <p:spPr>
           <a:xfrm>
-            <a:off x="9876358" y="15210552"/>
-            <a:ext cx="12601852" cy="12601389"/>
+            <a:off x="9877810" y="15212229"/>
+            <a:ext cx="12603704" cy="12602778"/>
           </a:xfrm>
           <a:prstGeom prst="ellipse">
             <a:avLst/>
@@ -4686,7 +4686,7 @@
           <p:cNvPr id="57" name="Table 56">
             <a:extLst>
               <a:ext uri="{FF2B5EF4-FFF2-40B4-BE49-F238E27FC236}">
-                <a16:creationId xmlns:a16="http://schemas.microsoft.com/office/drawing/2014/main" id="{8B34A129-BE35-458F-B5CF-AF5BE1647015}"/>
+                <a16:creationId xmlns:a16="http://schemas.microsoft.com/office/drawing/2014/main" xmlns="" id="{8B34A129-BE35-458F-B5CF-AF5BE1647015}"/>
               </a:ext>
             </a:extLst>
           </p:cNvPr>
@@ -4702,8 +4702,8 @@
           </p:nvPr>
         </p:nvGraphicFramePr>
         <p:xfrm>
-          <a:off x="21293829" y="33541207"/>
-          <a:ext cx="6372344" cy="4324530"/>
+          <a:off x="21296959" y="33544904"/>
+          <a:ext cx="6373281" cy="4325006"/>
         </p:xfrm>
         <a:graphic>
           <a:graphicData uri="http://schemas.openxmlformats.org/drawingml/2006/table">
@@ -4712,29 +4712,29 @@
                 <a:tableStyleId>{5C22544A-7EE6-4342-B048-85BDC9FD1C3A}</a:tableStyleId>
               </a:tblPr>
               <a:tblGrid>
-                <a:gridCol w="2340344">
+                <a:gridCol w="2340688">
                   <a:extLst>
                     <a:ext uri="{9D8B030D-6E8A-4147-A177-3AD203B41FA5}">
-                      <a16:colId xmlns:a16="http://schemas.microsoft.com/office/drawing/2014/main" val="2977598269"/>
+                      <a16:colId xmlns:a16="http://schemas.microsoft.com/office/drawing/2014/main" xmlns="" val="2977598269"/>
                     </a:ext>
                   </a:extLst>
                 </a:gridCol>
-                <a:gridCol w="2088000">
+                <a:gridCol w="2088307">
                   <a:extLst>
                     <a:ext uri="{9D8B030D-6E8A-4147-A177-3AD203B41FA5}">
-                      <a16:colId xmlns:a16="http://schemas.microsoft.com/office/drawing/2014/main" val="1958273809"/>
+                      <a16:colId xmlns:a16="http://schemas.microsoft.com/office/drawing/2014/main" xmlns="" val="1958273809"/>
                     </a:ext>
                   </a:extLst>
                 </a:gridCol>
-                <a:gridCol w="1944000">
+                <a:gridCol w="1944286">
                   <a:extLst>
                     <a:ext uri="{9D8B030D-6E8A-4147-A177-3AD203B41FA5}">
-                      <a16:colId xmlns:a16="http://schemas.microsoft.com/office/drawing/2014/main" val="1797041600"/>
+                      <a16:colId xmlns:a16="http://schemas.microsoft.com/office/drawing/2014/main" xmlns="" val="1797041600"/>
                     </a:ext>
                   </a:extLst>
                 </a:gridCol>
               </a:tblGrid>
-              <a:tr h="541640">
+              <a:tr h="617858">
                 <a:tc>
                   <a:txBody>
                     <a:bodyPr/>
@@ -4748,7 +4748,7 @@
                       </a:endParaRPr>
                     </a:p>
                   </a:txBody>
-                  <a:tcPr marL="84392" marR="84392" marT="42195" marB="42195" anchor="ctr">
+                  <a:tcPr marL="84404" marR="84404" marT="42200" marB="42200" anchor="ctr">
                     <a:lnL w="38100" cap="flat" cmpd="sng" algn="ctr">
                       <a:solidFill>
                         <a:schemeClr val="tx1"/>
@@ -4814,7 +4814,7 @@
                       </a:r>
                     </a:p>
                   </a:txBody>
-                  <a:tcPr marL="84392" marR="84392" marT="42195" marB="42195" anchor="ctr">
+                  <a:tcPr marL="84404" marR="84404" marT="42200" marB="42200" anchor="ctr">
                     <a:lnL w="38100" cap="flat" cmpd="sng" algn="ctr">
                       <a:solidFill>
                         <a:schemeClr val="tx1"/>
@@ -4880,7 +4880,7 @@
                       </a:r>
                     </a:p>
                   </a:txBody>
-                  <a:tcPr marL="84392" marR="84392" marT="42195" marB="42195" anchor="ctr">
+                  <a:tcPr marL="84404" marR="84404" marT="42200" marB="42200" anchor="ctr">
                     <a:lnL w="38100" cap="flat" cmpd="sng" algn="ctr">
                       <a:solidFill>
                         <a:schemeClr val="tx1"/>
@@ -4932,11 +4932,11 @@
                 </a:tc>
                 <a:extLst>
                   <a:ext uri="{0D108BD9-81ED-4DB2-BD59-A6C34878D82A}">
-                    <a16:rowId xmlns:a16="http://schemas.microsoft.com/office/drawing/2014/main" val="662979093"/>
+                    <a16:rowId xmlns:a16="http://schemas.microsoft.com/office/drawing/2014/main" xmlns="" val="662979093"/>
                   </a:ext>
                 </a:extLst>
               </a:tr>
-              <a:tr h="541640">
+              <a:tr h="617858">
                 <a:tc rowSpan="3">
                   <a:txBody>
                     <a:bodyPr/>
@@ -4958,7 +4958,7 @@
                       </a:endParaRPr>
                     </a:p>
                   </a:txBody>
-                  <a:tcPr marL="84392" marR="84392" marT="42195" marB="42195" anchor="ctr">
+                  <a:tcPr marL="84404" marR="84404" marT="42200" marB="42200" anchor="ctr">
                     <a:lnL w="38100" cap="flat" cmpd="sng" algn="ctr">
                       <a:solidFill>
                         <a:schemeClr val="tx1"/>
@@ -5024,7 +5024,7 @@
                       </a:r>
                     </a:p>
                   </a:txBody>
-                  <a:tcPr marL="84392" marR="84392" marT="42195" marB="42195" anchor="ctr">
+                  <a:tcPr marL="84404" marR="84404" marT="42200" marB="42200" anchor="ctr">
                     <a:lnL w="38100" cap="flat" cmpd="sng" algn="ctr">
                       <a:solidFill>
                         <a:schemeClr val="tx1"/>
@@ -5090,7 +5090,7 @@
                       </a:r>
                     </a:p>
                   </a:txBody>
-                  <a:tcPr marL="84392" marR="84392" marT="42195" marB="42195" anchor="ctr">
+                  <a:tcPr marL="84404" marR="84404" marT="42200" marB="42200" anchor="ctr">
                     <a:lnL w="38100" cap="flat" cmpd="sng" algn="ctr">
                       <a:solidFill>
                         <a:schemeClr val="tx1"/>
@@ -5142,11 +5142,11 @@
                 </a:tc>
                 <a:extLst>
                   <a:ext uri="{0D108BD9-81ED-4DB2-BD59-A6C34878D82A}">
-                    <a16:rowId xmlns:a16="http://schemas.microsoft.com/office/drawing/2014/main" val="2925520719"/>
+                    <a16:rowId xmlns:a16="http://schemas.microsoft.com/office/drawing/2014/main" xmlns="" val="2925520719"/>
                   </a:ext>
                 </a:extLst>
               </a:tr>
-              <a:tr h="541640">
+              <a:tr h="617858">
                 <a:tc vMerge="1">
                   <a:txBody>
                     <a:bodyPr/>
@@ -5213,7 +5213,7 @@
                       </a:r>
                     </a:p>
                   </a:txBody>
-                  <a:tcPr marL="84392" marR="84392" marT="42195" marB="42195" anchor="ctr">
+                  <a:tcPr marL="84404" marR="84404" marT="42200" marB="42200" anchor="ctr">
                     <a:lnL w="38100" cap="flat" cmpd="sng" algn="ctr">
                       <a:solidFill>
                         <a:schemeClr val="tx1"/>
@@ -5279,7 +5279,7 @@
                       </a:r>
                     </a:p>
                   </a:txBody>
-                  <a:tcPr marL="84392" marR="84392" marT="42195" marB="42195" anchor="ctr">
+                  <a:tcPr marL="84404" marR="84404" marT="42200" marB="42200" anchor="ctr">
                     <a:lnL w="38100" cap="flat" cmpd="sng" algn="ctr">
                       <a:solidFill>
                         <a:schemeClr val="tx1"/>
@@ -5331,11 +5331,11 @@
                 </a:tc>
                 <a:extLst>
                   <a:ext uri="{0D108BD9-81ED-4DB2-BD59-A6C34878D82A}">
-                    <a16:rowId xmlns:a16="http://schemas.microsoft.com/office/drawing/2014/main" val="2124887621"/>
+                    <a16:rowId xmlns:a16="http://schemas.microsoft.com/office/drawing/2014/main" xmlns="" val="2124887621"/>
                   </a:ext>
                 </a:extLst>
               </a:tr>
-              <a:tr h="541640">
+              <a:tr h="617858">
                 <a:tc vMerge="1">
                   <a:txBody>
                     <a:bodyPr/>
@@ -5402,7 +5402,7 @@
                       </a:r>
                     </a:p>
                   </a:txBody>
-                  <a:tcPr marL="84392" marR="84392" marT="42195" marB="42195" anchor="ctr">
+                  <a:tcPr marL="84404" marR="84404" marT="42200" marB="42200" anchor="ctr">
                     <a:lnL w="38100" cap="flat" cmpd="sng" algn="ctr">
                       <a:solidFill>
                         <a:schemeClr val="tx1"/>
@@ -5468,7 +5468,7 @@
                       </a:r>
                     </a:p>
                   </a:txBody>
-                  <a:tcPr marL="84392" marR="84392" marT="42195" marB="42195" anchor="ctr">
+                  <a:tcPr marL="84404" marR="84404" marT="42200" marB="42200" anchor="ctr">
                     <a:lnL w="38100" cap="flat" cmpd="sng" algn="ctr">
                       <a:solidFill>
                         <a:schemeClr val="tx1"/>
@@ -5520,11 +5520,11 @@
                 </a:tc>
                 <a:extLst>
                   <a:ext uri="{0D108BD9-81ED-4DB2-BD59-A6C34878D82A}">
-                    <a16:rowId xmlns:a16="http://schemas.microsoft.com/office/drawing/2014/main" val="3021274662"/>
+                    <a16:rowId xmlns:a16="http://schemas.microsoft.com/office/drawing/2014/main" xmlns="" val="3021274662"/>
                   </a:ext>
                 </a:extLst>
               </a:tr>
-              <a:tr h="541640">
+              <a:tr h="617858">
                 <a:tc rowSpan="3">
                   <a:txBody>
                     <a:bodyPr/>
@@ -5554,7 +5554,7 @@
                       </a:endParaRPr>
                     </a:p>
                   </a:txBody>
-                  <a:tcPr marL="84392" marR="84392" marT="42195" marB="42195" anchor="ctr">
+                  <a:tcPr marL="84404" marR="84404" marT="42200" marB="42200" anchor="ctr">
                     <a:lnL w="38100" cap="flat" cmpd="sng" algn="ctr">
                       <a:solidFill>
                         <a:schemeClr val="tx1"/>
@@ -5620,7 +5620,7 @@
                       </a:r>
                     </a:p>
                   </a:txBody>
-                  <a:tcPr marL="84392" marR="84392" marT="42195" marB="42195" anchor="ctr">
+                  <a:tcPr marL="84404" marR="84404" marT="42200" marB="42200" anchor="ctr">
                     <a:lnL w="38100" cap="flat" cmpd="sng" algn="ctr">
                       <a:solidFill>
                         <a:schemeClr val="tx1"/>
@@ -5686,7 +5686,7 @@
                       </a:r>
                     </a:p>
                   </a:txBody>
-                  <a:tcPr marL="84392" marR="84392" marT="42195" marB="42195" anchor="ctr">
+                  <a:tcPr marL="84404" marR="84404" marT="42200" marB="42200" anchor="ctr">
                     <a:lnL w="38100" cap="flat" cmpd="sng" algn="ctr">
                       <a:solidFill>
                         <a:schemeClr val="tx1"/>
@@ -5738,11 +5738,11 @@
                 </a:tc>
                 <a:extLst>
                   <a:ext uri="{0D108BD9-81ED-4DB2-BD59-A6C34878D82A}">
-                    <a16:rowId xmlns:a16="http://schemas.microsoft.com/office/drawing/2014/main" val="3319115553"/>
+                    <a16:rowId xmlns:a16="http://schemas.microsoft.com/office/drawing/2014/main" xmlns="" val="3319115553"/>
                   </a:ext>
                 </a:extLst>
               </a:tr>
-              <a:tr h="541640">
+              <a:tr h="617858">
                 <a:tc vMerge="1">
                   <a:txBody>
                     <a:bodyPr/>
@@ -5809,7 +5809,7 @@
                       </a:r>
                     </a:p>
                   </a:txBody>
-                  <a:tcPr marL="84392" marR="84392" marT="42195" marB="42195" anchor="ctr">
+                  <a:tcPr marL="84404" marR="84404" marT="42200" marB="42200" anchor="ctr">
                     <a:lnL w="38100" cap="flat" cmpd="sng" algn="ctr">
                       <a:solidFill>
                         <a:schemeClr val="tx1"/>
@@ -5875,7 +5875,7 @@
                       </a:r>
                     </a:p>
                   </a:txBody>
-                  <a:tcPr marL="84392" marR="84392" marT="42195" marB="42195" anchor="ctr">
+                  <a:tcPr marL="84404" marR="84404" marT="42200" marB="42200" anchor="ctr">
                     <a:lnL w="38100" cap="flat" cmpd="sng" algn="ctr">
                       <a:solidFill>
                         <a:schemeClr val="tx1"/>
@@ -5927,11 +5927,11 @@
                 </a:tc>
                 <a:extLst>
                   <a:ext uri="{0D108BD9-81ED-4DB2-BD59-A6C34878D82A}">
-                    <a16:rowId xmlns:a16="http://schemas.microsoft.com/office/drawing/2014/main" val="2189012797"/>
+                    <a16:rowId xmlns:a16="http://schemas.microsoft.com/office/drawing/2014/main" xmlns="" val="2189012797"/>
                   </a:ext>
                 </a:extLst>
               </a:tr>
-              <a:tr h="541640">
+              <a:tr h="617858">
                 <a:tc vMerge="1">
                   <a:txBody>
                     <a:bodyPr/>
@@ -5998,7 +5998,7 @@
                       </a:r>
                     </a:p>
                   </a:txBody>
-                  <a:tcPr marL="84392" marR="84392" marT="42195" marB="42195" anchor="ctr">
+                  <a:tcPr marL="84404" marR="84404" marT="42200" marB="42200" anchor="ctr">
                     <a:lnL w="38100" cap="flat" cmpd="sng" algn="ctr">
                       <a:solidFill>
                         <a:schemeClr val="tx1"/>
@@ -6064,7 +6064,7 @@
                       </a:r>
                     </a:p>
                   </a:txBody>
-                  <a:tcPr marL="84392" marR="84392" marT="42195" marB="42195" anchor="ctr">
+                  <a:tcPr marL="84404" marR="84404" marT="42200" marB="42200" anchor="ctr">
                     <a:lnL w="38100" cap="flat" cmpd="sng" algn="ctr">
                       <a:solidFill>
                         <a:schemeClr val="tx1"/>
@@ -6116,7 +6116,7 @@
                 </a:tc>
                 <a:extLst>
                   <a:ext uri="{0D108BD9-81ED-4DB2-BD59-A6C34878D82A}">
-                    <a16:rowId xmlns:a16="http://schemas.microsoft.com/office/drawing/2014/main" val="1799581859"/>
+                    <a16:rowId xmlns:a16="http://schemas.microsoft.com/office/drawing/2014/main" xmlns="" val="1799581859"/>
                   </a:ext>
                 </a:extLst>
               </a:tr>
@@ -6129,7 +6129,7 @@
           <p:cNvPr id="58" name="Group 57">
             <a:extLst>
               <a:ext uri="{FF2B5EF4-FFF2-40B4-BE49-F238E27FC236}">
-                <a16:creationId xmlns:a16="http://schemas.microsoft.com/office/drawing/2014/main" id="{637694B7-B59B-4709-A786-03DE0A339FF9}"/>
+                <a16:creationId xmlns:a16="http://schemas.microsoft.com/office/drawing/2014/main" xmlns="" id="{637694B7-B59B-4709-A786-03DE0A339FF9}"/>
               </a:ext>
             </a:extLst>
           </p:cNvPr>
@@ -6138,8 +6138,8 @@
         </p:nvGrpSpPr>
         <p:grpSpPr>
           <a:xfrm>
-            <a:off x="18658758" y="12887990"/>
-            <a:ext cx="11766529" cy="4995649"/>
+            <a:off x="18661501" y="12889411"/>
+            <a:ext cx="11768258" cy="4996200"/>
             <a:chOff x="18231739" y="12888957"/>
             <a:chExt cx="11764800" cy="4995103"/>
           </a:xfrm>
@@ -6149,7 +6149,7 @@
             <p:cNvPr id="59" name="TextBox 58">
               <a:extLst>
                 <a:ext uri="{FF2B5EF4-FFF2-40B4-BE49-F238E27FC236}">
-                  <a16:creationId xmlns:a16="http://schemas.microsoft.com/office/drawing/2014/main" id="{9AFC47EB-42FA-43B1-B48C-00D6F8E3D06D}"/>
+                  <a16:creationId xmlns:a16="http://schemas.microsoft.com/office/drawing/2014/main" xmlns="" id="{9AFC47EB-42FA-43B1-B48C-00D6F8E3D06D}"/>
                 </a:ext>
               </a:extLst>
             </p:cNvPr>
@@ -6201,7 +6201,7 @@
             <p:cNvPr id="60" name="Group 59">
               <a:extLst>
                 <a:ext uri="{FF2B5EF4-FFF2-40B4-BE49-F238E27FC236}">
-                  <a16:creationId xmlns:a16="http://schemas.microsoft.com/office/drawing/2014/main" id="{ED32B511-0E3E-4DE1-B134-A452408ABAB8}"/>
+                  <a16:creationId xmlns:a16="http://schemas.microsoft.com/office/drawing/2014/main" xmlns="" id="{ED32B511-0E3E-4DE1-B134-A452408ABAB8}"/>
                 </a:ext>
               </a:extLst>
             </p:cNvPr>
@@ -6221,7 +6221,7 @@
               <p:cNvPr id="61" name="Group 60">
                 <a:extLst>
                   <a:ext uri="{FF2B5EF4-FFF2-40B4-BE49-F238E27FC236}">
-                    <a16:creationId xmlns:a16="http://schemas.microsoft.com/office/drawing/2014/main" id="{125B5DCB-4636-445B-A635-238A15DE4132}"/>
+                    <a16:creationId xmlns:a16="http://schemas.microsoft.com/office/drawing/2014/main" xmlns="" id="{125B5DCB-4636-445B-A635-238A15DE4132}"/>
                   </a:ext>
                 </a:extLst>
               </p:cNvPr>
@@ -6241,7 +6241,7 @@
                 <p:cNvPr id="64" name="Picture 63" descr="A close up of a person&#10;&#10;Description automatically generated">
                   <a:extLst>
                     <a:ext uri="{FF2B5EF4-FFF2-40B4-BE49-F238E27FC236}">
-                      <a16:creationId xmlns:a16="http://schemas.microsoft.com/office/drawing/2014/main" id="{81682841-10C6-478C-8E71-C4D5B442C2D4}"/>
+                      <a16:creationId xmlns:a16="http://schemas.microsoft.com/office/drawing/2014/main" xmlns="" id="{81682841-10C6-478C-8E71-C4D5B442C2D4}"/>
                     </a:ext>
                   </a:extLst>
                 </p:cNvPr>
@@ -6277,7 +6277,7 @@
                 <p:cNvPr id="65" name="Picture 64" descr="A close up of a logo&#10;&#10;Description automatically generated">
                   <a:extLst>
                     <a:ext uri="{FF2B5EF4-FFF2-40B4-BE49-F238E27FC236}">
-                      <a16:creationId xmlns:a16="http://schemas.microsoft.com/office/drawing/2014/main" id="{D6B359FB-9A67-42EA-A4D5-41493FC97E4D}"/>
+                      <a16:creationId xmlns:a16="http://schemas.microsoft.com/office/drawing/2014/main" xmlns="" id="{D6B359FB-9A67-42EA-A4D5-41493FC97E4D}"/>
                     </a:ext>
                   </a:extLst>
                 </p:cNvPr>
@@ -6313,7 +6313,7 @@
                 <p:cNvPr id="66" name="Picture 65" descr="A close up of a logo&#10;&#10;Description automatically generated">
                   <a:extLst>
                     <a:ext uri="{FF2B5EF4-FFF2-40B4-BE49-F238E27FC236}">
-                      <a16:creationId xmlns:a16="http://schemas.microsoft.com/office/drawing/2014/main" id="{F7B74625-E64F-42CD-A757-795B53D0C962}"/>
+                      <a16:creationId xmlns:a16="http://schemas.microsoft.com/office/drawing/2014/main" xmlns="" id="{F7B74625-E64F-42CD-A757-795B53D0C962}"/>
                     </a:ext>
                   </a:extLst>
                 </p:cNvPr>
@@ -6349,7 +6349,7 @@
                 <p:cNvPr id="67" name="TextBox 66">
                   <a:extLst>
                     <a:ext uri="{FF2B5EF4-FFF2-40B4-BE49-F238E27FC236}">
-                      <a16:creationId xmlns:a16="http://schemas.microsoft.com/office/drawing/2014/main" id="{3DDD1541-8047-44BB-9199-9795894A96C2}"/>
+                      <a16:creationId xmlns:a16="http://schemas.microsoft.com/office/drawing/2014/main" xmlns="" id="{3DDD1541-8047-44BB-9199-9795894A96C2}"/>
                     </a:ext>
                   </a:extLst>
                 </p:cNvPr>
@@ -6385,7 +6385,7 @@
                 <p:cNvPr id="68" name="TextBox 67">
                   <a:extLst>
                     <a:ext uri="{FF2B5EF4-FFF2-40B4-BE49-F238E27FC236}">
-                      <a16:creationId xmlns:a16="http://schemas.microsoft.com/office/drawing/2014/main" id="{D2C6FFDE-1D92-4368-9EE1-96CB4B026C9A}"/>
+                      <a16:creationId xmlns:a16="http://schemas.microsoft.com/office/drawing/2014/main" xmlns="" id="{D2C6FFDE-1D92-4368-9EE1-96CB4B026C9A}"/>
                     </a:ext>
                   </a:extLst>
                 </p:cNvPr>
@@ -6421,7 +6421,7 @@
                 <p:cNvPr id="69" name="TextBox 68">
                   <a:extLst>
                     <a:ext uri="{FF2B5EF4-FFF2-40B4-BE49-F238E27FC236}">
-                      <a16:creationId xmlns:a16="http://schemas.microsoft.com/office/drawing/2014/main" id="{91FA1A4A-799D-4C1C-B711-221B958168CA}"/>
+                      <a16:creationId xmlns:a16="http://schemas.microsoft.com/office/drawing/2014/main" xmlns="" id="{91FA1A4A-799D-4C1C-B711-221B958168CA}"/>
                     </a:ext>
                   </a:extLst>
                 </p:cNvPr>
@@ -6461,7 +6461,7 @@
                 <p:cNvPr id="70" name="TextBox 69">
                   <a:extLst>
                     <a:ext uri="{FF2B5EF4-FFF2-40B4-BE49-F238E27FC236}">
-                      <a16:creationId xmlns:a16="http://schemas.microsoft.com/office/drawing/2014/main" id="{75333DDE-85A8-4F7A-AB5E-D95541C8839B}"/>
+                      <a16:creationId xmlns:a16="http://schemas.microsoft.com/office/drawing/2014/main" xmlns="" id="{75333DDE-85A8-4F7A-AB5E-D95541C8839B}"/>
                     </a:ext>
                   </a:extLst>
                 </p:cNvPr>
@@ -6501,7 +6501,7 @@
                 <p:cNvPr id="71" name="TextBox 70">
                   <a:extLst>
                     <a:ext uri="{FF2B5EF4-FFF2-40B4-BE49-F238E27FC236}">
-                      <a16:creationId xmlns:a16="http://schemas.microsoft.com/office/drawing/2014/main" id="{BC69923F-D19A-46C6-98D4-0A7872704C55}"/>
+                      <a16:creationId xmlns:a16="http://schemas.microsoft.com/office/drawing/2014/main" xmlns="" id="{BC69923F-D19A-46C6-98D4-0A7872704C55}"/>
                     </a:ext>
                   </a:extLst>
                 </p:cNvPr>
@@ -6542,7 +6542,7 @@
               <p:cNvPr id="62" name="TextBox 61">
                 <a:extLst>
                   <a:ext uri="{FF2B5EF4-FFF2-40B4-BE49-F238E27FC236}">
-                    <a16:creationId xmlns:a16="http://schemas.microsoft.com/office/drawing/2014/main" id="{C52B1F06-4451-433B-937C-57BBD07EF5D0}"/>
+                    <a16:creationId xmlns:a16="http://schemas.microsoft.com/office/drawing/2014/main" xmlns="" id="{C52B1F06-4451-433B-937C-57BBD07EF5D0}"/>
                   </a:ext>
                 </a:extLst>
               </p:cNvPr>
@@ -6599,7 +6599,7 @@
               <p:cNvPr id="63" name="TextBox 62">
                 <a:extLst>
                   <a:ext uri="{FF2B5EF4-FFF2-40B4-BE49-F238E27FC236}">
-                    <a16:creationId xmlns:a16="http://schemas.microsoft.com/office/drawing/2014/main" id="{33AFBAEF-7695-476D-981C-61694EFA6AE1}"/>
+                    <a16:creationId xmlns:a16="http://schemas.microsoft.com/office/drawing/2014/main" xmlns="" id="{33AFBAEF-7695-476D-981C-61694EFA6AE1}"/>
                   </a:ext>
                 </a:extLst>
               </p:cNvPr>
@@ -6658,7 +6658,7 @@
           <p:cNvPr id="83" name="Group 82">
             <a:extLst>
               <a:ext uri="{FF2B5EF4-FFF2-40B4-BE49-F238E27FC236}">
-                <a16:creationId xmlns:a16="http://schemas.microsoft.com/office/drawing/2014/main" id="{152BEAF6-04AF-4A47-9AA3-129D8843DFB7}"/>
+                <a16:creationId xmlns:a16="http://schemas.microsoft.com/office/drawing/2014/main" xmlns="" id="{152BEAF6-04AF-4A47-9AA3-129D8843DFB7}"/>
               </a:ext>
             </a:extLst>
           </p:cNvPr>
@@ -6667,8 +6667,8 @@
         </p:nvGrpSpPr>
         <p:grpSpPr>
           <a:xfrm>
-            <a:off x="2259592" y="14153854"/>
-            <a:ext cx="11335969" cy="4350075"/>
+            <a:off x="2259925" y="14155414"/>
+            <a:ext cx="11337635" cy="4350555"/>
             <a:chOff x="1063844" y="14153854"/>
             <a:chExt cx="11335969" cy="4350075"/>
           </a:xfrm>
@@ -6678,7 +6678,7 @@
             <p:cNvPr id="30" name="Picture 29">
               <a:extLst>
                 <a:ext uri="{FF2B5EF4-FFF2-40B4-BE49-F238E27FC236}">
-                  <a16:creationId xmlns:a16="http://schemas.microsoft.com/office/drawing/2014/main" id="{F1DDB929-1259-4DB5-9EB3-7613CF4EAA90}"/>
+                  <a16:creationId xmlns:a16="http://schemas.microsoft.com/office/drawing/2014/main" xmlns="" id="{F1DDB929-1259-4DB5-9EB3-7613CF4EAA90}"/>
                 </a:ext>
               </a:extLst>
             </p:cNvPr>
@@ -6714,7 +6714,7 @@
             <p:cNvPr id="108" name="Picture 107">
               <a:extLst>
                 <a:ext uri="{FF2B5EF4-FFF2-40B4-BE49-F238E27FC236}">
-                  <a16:creationId xmlns:a16="http://schemas.microsoft.com/office/drawing/2014/main" id="{BCB65BF7-4179-4B4F-9585-E15CF5BFA81A}"/>
+                  <a16:creationId xmlns:a16="http://schemas.microsoft.com/office/drawing/2014/main" xmlns="" id="{BCB65BF7-4179-4B4F-9585-E15CF5BFA81A}"/>
                 </a:ext>
               </a:extLst>
             </p:cNvPr>
@@ -6750,7 +6750,7 @@
             <p:cNvPr id="82" name="Group 81">
               <a:extLst>
                 <a:ext uri="{FF2B5EF4-FFF2-40B4-BE49-F238E27FC236}">
-                  <a16:creationId xmlns:a16="http://schemas.microsoft.com/office/drawing/2014/main" id="{BB8886CF-B6AF-43FF-AFA3-CA17CB1D349C}"/>
+                  <a16:creationId xmlns:a16="http://schemas.microsoft.com/office/drawing/2014/main" xmlns="" id="{BB8886CF-B6AF-43FF-AFA3-CA17CB1D349C}"/>
                 </a:ext>
               </a:extLst>
             </p:cNvPr>
@@ -6770,7 +6770,7 @@
               <p:cNvPr id="3" name="Picture 2" descr="A close up of a mans face&#10;&#10;Description automatically generated">
                 <a:extLst>
                   <a:ext uri="{FF2B5EF4-FFF2-40B4-BE49-F238E27FC236}">
-                    <a16:creationId xmlns:a16="http://schemas.microsoft.com/office/drawing/2014/main" id="{60C6E0F5-EDE5-43BC-A80F-0F77FC9146A1}"/>
+                    <a16:creationId xmlns:a16="http://schemas.microsoft.com/office/drawing/2014/main" xmlns="" id="{60C6E0F5-EDE5-43BC-A80F-0F77FC9146A1}"/>
                   </a:ext>
                 </a:extLst>
               </p:cNvPr>
@@ -6806,7 +6806,7 @@
               <p:cNvPr id="72" name="Group 71">
                 <a:extLst>
                   <a:ext uri="{FF2B5EF4-FFF2-40B4-BE49-F238E27FC236}">
-                    <a16:creationId xmlns:a16="http://schemas.microsoft.com/office/drawing/2014/main" id="{62AC035D-436E-41C1-B871-8391C604BDB0}"/>
+                    <a16:creationId xmlns:a16="http://schemas.microsoft.com/office/drawing/2014/main" xmlns="" id="{62AC035D-436E-41C1-B871-8391C604BDB0}"/>
                   </a:ext>
                 </a:extLst>
               </p:cNvPr>
@@ -6826,7 +6826,7 @@
                 <p:cNvPr id="73" name="Group 72">
                   <a:extLst>
                     <a:ext uri="{FF2B5EF4-FFF2-40B4-BE49-F238E27FC236}">
-                      <a16:creationId xmlns:a16="http://schemas.microsoft.com/office/drawing/2014/main" id="{A69FAACF-ABA8-43EA-B200-A749581D5FFA}"/>
+                      <a16:creationId xmlns:a16="http://schemas.microsoft.com/office/drawing/2014/main" xmlns="" id="{A69FAACF-ABA8-43EA-B200-A749581D5FFA}"/>
                     </a:ext>
                   </a:extLst>
                 </p:cNvPr>
@@ -6846,7 +6846,7 @@
                   <p:cNvPr id="79" name="TextBox 78">
                     <a:extLst>
                       <a:ext uri="{FF2B5EF4-FFF2-40B4-BE49-F238E27FC236}">
-                        <a16:creationId xmlns:a16="http://schemas.microsoft.com/office/drawing/2014/main" id="{C916F37C-FEE4-420B-AE8A-7CA4F54B8DED}"/>
+                        <a16:creationId xmlns:a16="http://schemas.microsoft.com/office/drawing/2014/main" xmlns="" id="{C916F37C-FEE4-420B-AE8A-7CA4F54B8DED}"/>
                       </a:ext>
                     </a:extLst>
                   </p:cNvPr>
@@ -6891,7 +6891,7 @@
                   <p:cNvPr id="80" name="Group 79">
                     <a:extLst>
                       <a:ext uri="{FF2B5EF4-FFF2-40B4-BE49-F238E27FC236}">
-                        <a16:creationId xmlns:a16="http://schemas.microsoft.com/office/drawing/2014/main" id="{8245CA0B-71BC-476F-B724-07C1A7884AB8}"/>
+                        <a16:creationId xmlns:a16="http://schemas.microsoft.com/office/drawing/2014/main" xmlns="" id="{8245CA0B-71BC-476F-B724-07C1A7884AB8}"/>
                       </a:ext>
                     </a:extLst>
                   </p:cNvPr>
@@ -6911,7 +6911,7 @@
                     <p:cNvPr id="84" name="TextBox 83">
                       <a:extLst>
                         <a:ext uri="{FF2B5EF4-FFF2-40B4-BE49-F238E27FC236}">
-                          <a16:creationId xmlns:a16="http://schemas.microsoft.com/office/drawing/2014/main" id="{8C9D5431-47C9-446E-8E17-F2D21D9E0F4E}"/>
+                          <a16:creationId xmlns:a16="http://schemas.microsoft.com/office/drawing/2014/main" xmlns="" id="{8C9D5431-47C9-446E-8E17-F2D21D9E0F4E}"/>
                         </a:ext>
                       </a:extLst>
                     </p:cNvPr>
@@ -6947,7 +6947,7 @@
                     <p:cNvPr id="85" name="TextBox 84">
                       <a:extLst>
                         <a:ext uri="{FF2B5EF4-FFF2-40B4-BE49-F238E27FC236}">
-                          <a16:creationId xmlns:a16="http://schemas.microsoft.com/office/drawing/2014/main" id="{C08A810E-0F9F-4B99-916F-CEC853B93B2E}"/>
+                          <a16:creationId xmlns:a16="http://schemas.microsoft.com/office/drawing/2014/main" xmlns="" id="{C08A810E-0F9F-4B99-916F-CEC853B93B2E}"/>
                         </a:ext>
                       </a:extLst>
                     </p:cNvPr>
@@ -6985,7 +6985,7 @@
                 <p:cNvPr id="74" name="TextBox 73">
                   <a:extLst>
                     <a:ext uri="{FF2B5EF4-FFF2-40B4-BE49-F238E27FC236}">
-                      <a16:creationId xmlns:a16="http://schemas.microsoft.com/office/drawing/2014/main" id="{8783E3E6-8DA0-4B43-8796-87BCCF6FDC3C}"/>
+                      <a16:creationId xmlns:a16="http://schemas.microsoft.com/office/drawing/2014/main" xmlns="" id="{8783E3E6-8DA0-4B43-8796-87BCCF6FDC3C}"/>
                     </a:ext>
                   </a:extLst>
                 </p:cNvPr>
@@ -7025,7 +7025,7 @@
                 <p:cNvPr id="75" name="TextBox 74">
                   <a:extLst>
                     <a:ext uri="{FF2B5EF4-FFF2-40B4-BE49-F238E27FC236}">
-                      <a16:creationId xmlns:a16="http://schemas.microsoft.com/office/drawing/2014/main" id="{E6E73A88-46EA-4CE7-9A89-D02616A68D39}"/>
+                      <a16:creationId xmlns:a16="http://schemas.microsoft.com/office/drawing/2014/main" xmlns="" id="{E6E73A88-46EA-4CE7-9A89-D02616A68D39}"/>
                     </a:ext>
                   </a:extLst>
                 </p:cNvPr>
@@ -7065,7 +7065,7 @@
                 <p:cNvPr id="76" name="TextBox 75">
                   <a:extLst>
                     <a:ext uri="{FF2B5EF4-FFF2-40B4-BE49-F238E27FC236}">
-                      <a16:creationId xmlns:a16="http://schemas.microsoft.com/office/drawing/2014/main" id="{E94ECADF-7BEE-4462-9B64-71E30E31F5F8}"/>
+                      <a16:creationId xmlns:a16="http://schemas.microsoft.com/office/drawing/2014/main" xmlns="" id="{E94ECADF-7BEE-4462-9B64-71E30E31F5F8}"/>
                     </a:ext>
                   </a:extLst>
                 </p:cNvPr>
@@ -7105,7 +7105,7 @@
                 <p:cNvPr id="77" name="TextBox 76">
                   <a:extLst>
                     <a:ext uri="{FF2B5EF4-FFF2-40B4-BE49-F238E27FC236}">
-                      <a16:creationId xmlns:a16="http://schemas.microsoft.com/office/drawing/2014/main" id="{1BEBFB0E-1131-4431-A1CB-0C5AB8076F74}"/>
+                      <a16:creationId xmlns:a16="http://schemas.microsoft.com/office/drawing/2014/main" xmlns="" id="{1BEBFB0E-1131-4431-A1CB-0C5AB8076F74}"/>
                     </a:ext>
                   </a:extLst>
                 </p:cNvPr>
@@ -7145,7 +7145,7 @@
                 <p:cNvPr id="78" name="TextBox 77">
                   <a:extLst>
                     <a:ext uri="{FF2B5EF4-FFF2-40B4-BE49-F238E27FC236}">
-                      <a16:creationId xmlns:a16="http://schemas.microsoft.com/office/drawing/2014/main" id="{0247A0ED-9373-4A7C-B2A7-CF82E9F82D9D}"/>
+                      <a16:creationId xmlns:a16="http://schemas.microsoft.com/office/drawing/2014/main" xmlns="" id="{0247A0ED-9373-4A7C-B2A7-CF82E9F82D9D}"/>
                     </a:ext>
                   </a:extLst>
                 </p:cNvPr>
@@ -7188,7 +7188,7 @@
           <p:cNvPr id="86" name="Group 85">
             <a:extLst>
               <a:ext uri="{FF2B5EF4-FFF2-40B4-BE49-F238E27FC236}">
-                <a16:creationId xmlns:a16="http://schemas.microsoft.com/office/drawing/2014/main" id="{77345A03-AF8A-4091-BFC4-B48BFBAC4FC3}"/>
+                <a16:creationId xmlns:a16="http://schemas.microsoft.com/office/drawing/2014/main" xmlns="" id="{77345A03-AF8A-4091-BFC4-B48BFBAC4FC3}"/>
               </a:ext>
             </a:extLst>
           </p:cNvPr>
@@ -7197,8 +7197,8 @@
         </p:nvGrpSpPr>
         <p:grpSpPr>
           <a:xfrm>
-            <a:off x="1145908" y="24976599"/>
-            <a:ext cx="13572366" cy="4836185"/>
+            <a:off x="1146076" y="24979353"/>
+            <a:ext cx="13574361" cy="4836718"/>
             <a:chOff x="450669" y="24785738"/>
             <a:chExt cx="13570371" cy="4835654"/>
           </a:xfrm>
@@ -7208,7 +7208,7 @@
             <p:cNvPr id="87" name="Group 86">
               <a:extLst>
                 <a:ext uri="{FF2B5EF4-FFF2-40B4-BE49-F238E27FC236}">
-                  <a16:creationId xmlns:a16="http://schemas.microsoft.com/office/drawing/2014/main" id="{96BB160D-7952-462E-8AB7-F23EFCD94AB7}"/>
+                  <a16:creationId xmlns:a16="http://schemas.microsoft.com/office/drawing/2014/main" xmlns="" id="{96BB160D-7952-462E-8AB7-F23EFCD94AB7}"/>
                 </a:ext>
               </a:extLst>
             </p:cNvPr>
@@ -7228,7 +7228,7 @@
               <p:cNvPr id="91" name="Group 90">
                 <a:extLst>
                   <a:ext uri="{FF2B5EF4-FFF2-40B4-BE49-F238E27FC236}">
-                    <a16:creationId xmlns:a16="http://schemas.microsoft.com/office/drawing/2014/main" id="{D877ED0F-2157-4E59-BE17-9E02CDA5B4FB}"/>
+                    <a16:creationId xmlns:a16="http://schemas.microsoft.com/office/drawing/2014/main" xmlns="" id="{D877ED0F-2157-4E59-BE17-9E02CDA5B4FB}"/>
                   </a:ext>
                 </a:extLst>
               </p:cNvPr>
@@ -7248,7 +7248,7 @@
                 <p:cNvPr id="93" name="TextBox 92">
                   <a:extLst>
                     <a:ext uri="{FF2B5EF4-FFF2-40B4-BE49-F238E27FC236}">
-                      <a16:creationId xmlns:a16="http://schemas.microsoft.com/office/drawing/2014/main" id="{E0F126E1-DD37-4C09-9297-4337CA2A2036}"/>
+                      <a16:creationId xmlns:a16="http://schemas.microsoft.com/office/drawing/2014/main" xmlns="" id="{E0F126E1-DD37-4C09-9297-4337CA2A2036}"/>
                     </a:ext>
                   </a:extLst>
                 </p:cNvPr>
@@ -7293,7 +7293,7 @@
                 <p:cNvPr id="94" name="Group 93">
                   <a:extLst>
                     <a:ext uri="{FF2B5EF4-FFF2-40B4-BE49-F238E27FC236}">
-                      <a16:creationId xmlns:a16="http://schemas.microsoft.com/office/drawing/2014/main" id="{B3828EFC-7000-46BF-BD2A-1FC171B21C1C}"/>
+                      <a16:creationId xmlns:a16="http://schemas.microsoft.com/office/drawing/2014/main" xmlns="" id="{B3828EFC-7000-46BF-BD2A-1FC171B21C1C}"/>
                     </a:ext>
                   </a:extLst>
                 </p:cNvPr>
@@ -7313,7 +7313,7 @@
                   <p:cNvPr id="95" name="Group 94">
                     <a:extLst>
                       <a:ext uri="{FF2B5EF4-FFF2-40B4-BE49-F238E27FC236}">
-                        <a16:creationId xmlns:a16="http://schemas.microsoft.com/office/drawing/2014/main" id="{A59C9991-9736-408F-A168-BFB599E667AC}"/>
+                        <a16:creationId xmlns:a16="http://schemas.microsoft.com/office/drawing/2014/main" xmlns="" id="{A59C9991-9736-408F-A168-BFB599E667AC}"/>
                       </a:ext>
                     </a:extLst>
                   </p:cNvPr>
@@ -7333,7 +7333,7 @@
                     <p:cNvPr id="97" name="Group 96">
                       <a:extLst>
                         <a:ext uri="{FF2B5EF4-FFF2-40B4-BE49-F238E27FC236}">
-                          <a16:creationId xmlns:a16="http://schemas.microsoft.com/office/drawing/2014/main" id="{DC5EF675-B421-4463-9738-25F436D61089}"/>
+                          <a16:creationId xmlns:a16="http://schemas.microsoft.com/office/drawing/2014/main" xmlns="" id="{DC5EF675-B421-4463-9738-25F436D61089}"/>
                         </a:ext>
                       </a:extLst>
                     </p:cNvPr>
@@ -7353,7 +7353,7 @@
                       <p:cNvPr id="101" name="Picture 100" descr="A close up of a device&#10;&#10;Description automatically generated">
                         <a:extLst>
                           <a:ext uri="{FF2B5EF4-FFF2-40B4-BE49-F238E27FC236}">
-                            <a16:creationId xmlns:a16="http://schemas.microsoft.com/office/drawing/2014/main" id="{3B7195B5-32C1-4328-86E8-011BFABB93A6}"/>
+                            <a16:creationId xmlns:a16="http://schemas.microsoft.com/office/drawing/2014/main" xmlns="" id="{3B7195B5-32C1-4328-86E8-011BFABB93A6}"/>
                           </a:ext>
                         </a:extLst>
                       </p:cNvPr>
@@ -7389,7 +7389,7 @@
                       <p:cNvPr id="102" name="Picture 101">
                         <a:extLst>
                           <a:ext uri="{FF2B5EF4-FFF2-40B4-BE49-F238E27FC236}">
-                            <a16:creationId xmlns:a16="http://schemas.microsoft.com/office/drawing/2014/main" id="{7E459366-728A-45AF-B85E-046A28505D58}"/>
+                            <a16:creationId xmlns:a16="http://schemas.microsoft.com/office/drawing/2014/main" xmlns="" id="{7E459366-728A-45AF-B85E-046A28505D58}"/>
                           </a:ext>
                         </a:extLst>
                       </p:cNvPr>
@@ -7426,7 +7426,7 @@
                     <p:cNvPr id="98" name="Picture 97" descr="A close up of a device&#10;&#10;Description automatically generated">
                       <a:extLst>
                         <a:ext uri="{FF2B5EF4-FFF2-40B4-BE49-F238E27FC236}">
-                          <a16:creationId xmlns:a16="http://schemas.microsoft.com/office/drawing/2014/main" id="{E24AD8BE-4DE1-4538-9331-4E3990B50345}"/>
+                          <a16:creationId xmlns:a16="http://schemas.microsoft.com/office/drawing/2014/main" xmlns="" id="{E24AD8BE-4DE1-4538-9331-4E3990B50345}"/>
                         </a:ext>
                       </a:extLst>
                     </p:cNvPr>
@@ -7461,7 +7461,7 @@
                     <p:cNvPr id="99" name="Picture 98" descr="A picture containing crossword puzzle, text, black, floor&#10;&#10;Description automatically generated">
                       <a:extLst>
                         <a:ext uri="{FF2B5EF4-FFF2-40B4-BE49-F238E27FC236}">
-                          <a16:creationId xmlns:a16="http://schemas.microsoft.com/office/drawing/2014/main" id="{C80C5476-8CCA-486C-90D3-FA0B1C5D7683}"/>
+                          <a16:creationId xmlns:a16="http://schemas.microsoft.com/office/drawing/2014/main" xmlns="" id="{C80C5476-8CCA-486C-90D3-FA0B1C5D7683}"/>
                         </a:ext>
                       </a:extLst>
                     </p:cNvPr>
@@ -7497,7 +7497,7 @@
                     <p:cNvPr id="100" name="Picture 99">
                       <a:extLst>
                         <a:ext uri="{FF2B5EF4-FFF2-40B4-BE49-F238E27FC236}">
-                          <a16:creationId xmlns:a16="http://schemas.microsoft.com/office/drawing/2014/main" id="{7B2482F8-8B5C-4925-B39C-C0974E45A424}"/>
+                          <a16:creationId xmlns:a16="http://schemas.microsoft.com/office/drawing/2014/main" xmlns="" id="{7B2482F8-8B5C-4925-B39C-C0974E45A424}"/>
                         </a:ext>
                       </a:extLst>
                     </p:cNvPr>
@@ -7534,7 +7534,7 @@
                   <p:cNvPr id="96" name="Rectangle: Rounded Corners 97">
                     <a:extLst>
                       <a:ext uri="{FF2B5EF4-FFF2-40B4-BE49-F238E27FC236}">
-                        <a16:creationId xmlns:a16="http://schemas.microsoft.com/office/drawing/2014/main" id="{7082610D-6AD0-4B72-8799-8EF096B5C63B}"/>
+                        <a16:creationId xmlns:a16="http://schemas.microsoft.com/office/drawing/2014/main" xmlns="" id="{7082610D-6AD0-4B72-8799-8EF096B5C63B}"/>
                       </a:ext>
                     </a:extLst>
                   </p:cNvPr>
@@ -7588,7 +7588,7 @@
               <p:cNvPr id="92" name="Speech Bubble: Oval 187">
                 <a:extLst>
                   <a:ext uri="{FF2B5EF4-FFF2-40B4-BE49-F238E27FC236}">
-                    <a16:creationId xmlns:a16="http://schemas.microsoft.com/office/drawing/2014/main" id="{078F6DC7-CB18-4D83-B6C3-E52851F35E01}"/>
+                    <a16:creationId xmlns:a16="http://schemas.microsoft.com/office/drawing/2014/main" xmlns="" id="{078F6DC7-CB18-4D83-B6C3-E52851F35E01}"/>
                   </a:ext>
                 </a:extLst>
               </p:cNvPr>
@@ -7651,7 +7651,7 @@
             <p:cNvPr id="88" name="Straight Arrow Connector 87">
               <a:extLst>
                 <a:ext uri="{FF2B5EF4-FFF2-40B4-BE49-F238E27FC236}">
-                  <a16:creationId xmlns:a16="http://schemas.microsoft.com/office/drawing/2014/main" id="{1338B41E-BE41-4E7F-AB5D-DBDF1AC91A9C}"/>
+                  <a16:creationId xmlns:a16="http://schemas.microsoft.com/office/drawing/2014/main" xmlns="" id="{1338B41E-BE41-4E7F-AB5D-DBDF1AC91A9C}"/>
                 </a:ext>
               </a:extLst>
             </p:cNvPr>
@@ -7693,7 +7693,7 @@
             <p:cNvPr id="89" name="Straight Arrow Connector 88">
               <a:extLst>
                 <a:ext uri="{FF2B5EF4-FFF2-40B4-BE49-F238E27FC236}">
-                  <a16:creationId xmlns:a16="http://schemas.microsoft.com/office/drawing/2014/main" id="{138E9ACB-E391-4CA5-9E66-988BB55833A3}"/>
+                  <a16:creationId xmlns:a16="http://schemas.microsoft.com/office/drawing/2014/main" xmlns="" id="{138E9ACB-E391-4CA5-9E66-988BB55833A3}"/>
                 </a:ext>
               </a:extLst>
             </p:cNvPr>
@@ -7735,7 +7735,7 @@
             <p:cNvPr id="90" name="Straight Arrow Connector 89">
               <a:extLst>
                 <a:ext uri="{FF2B5EF4-FFF2-40B4-BE49-F238E27FC236}">
-                  <a16:creationId xmlns:a16="http://schemas.microsoft.com/office/drawing/2014/main" id="{2C7BE932-3BC3-4A8A-9590-5CF30E25BF8F}"/>
+                  <a16:creationId xmlns:a16="http://schemas.microsoft.com/office/drawing/2014/main" xmlns="" id="{2C7BE932-3BC3-4A8A-9590-5CF30E25BF8F}"/>
                 </a:ext>
               </a:extLst>
             </p:cNvPr>
@@ -7832,8 +7832,8 @@
         </p:blipFill>
         <p:spPr bwMode="auto">
           <a:xfrm>
-            <a:off x="2410207" y="1880553"/>
-            <a:ext cx="7332277" cy="3600000"/>
+            <a:off x="2410562" y="1880760"/>
+            <a:ext cx="7333355" cy="3600397"/>
           </a:xfrm>
           <a:prstGeom prst="rect">
             <a:avLst/>
@@ -7854,7 +7854,7 @@
           <p:cNvPr id="2" name="Group 1">
             <a:extLst>
               <a:ext uri="{FF2B5EF4-FFF2-40B4-BE49-F238E27FC236}">
-                <a16:creationId xmlns:a16="http://schemas.microsoft.com/office/drawing/2014/main" id="{FE01ADC9-DC53-4BA1-9102-561A6594918C}"/>
+                <a16:creationId xmlns:a16="http://schemas.microsoft.com/office/drawing/2014/main" xmlns="" id="{FE01ADC9-DC53-4BA1-9102-561A6594918C}"/>
               </a:ext>
             </a:extLst>
           </p:cNvPr>
@@ -7863,8 +7863,8 @@
         </p:nvGrpSpPr>
         <p:grpSpPr>
           <a:xfrm>
-            <a:off x="720000" y="21592708"/>
-            <a:ext cx="14400001" cy="3329808"/>
+            <a:off x="720107" y="21595088"/>
+            <a:ext cx="14402117" cy="3330175"/>
             <a:chOff x="720000" y="21592708"/>
             <a:chExt cx="14400001" cy="3329808"/>
           </a:xfrm>
@@ -7874,7 +7874,7 @@
             <p:cNvPr id="6" name="Group 5">
               <a:extLst>
                 <a:ext uri="{FF2B5EF4-FFF2-40B4-BE49-F238E27FC236}">
-                  <a16:creationId xmlns:a16="http://schemas.microsoft.com/office/drawing/2014/main" id="{BCEB0613-7A4B-4017-B08D-16B2F3CF6257}"/>
+                  <a16:creationId xmlns:a16="http://schemas.microsoft.com/office/drawing/2014/main" xmlns="" id="{BCEB0613-7A4B-4017-B08D-16B2F3CF6257}"/>
                 </a:ext>
               </a:extLst>
             </p:cNvPr>
@@ -7896,7 +7896,7 @@
               <p:cNvPr id="7" name="תיבת טקסט 18">
                 <a:extLst>
                   <a:ext uri="{FF2B5EF4-FFF2-40B4-BE49-F238E27FC236}">
-                    <a16:creationId xmlns:a16="http://schemas.microsoft.com/office/drawing/2014/main" id="{16681B08-B5BB-4072-8771-E8321F8CFC99}"/>
+                    <a16:creationId xmlns:a16="http://schemas.microsoft.com/office/drawing/2014/main" xmlns="" id="{16681B08-B5BB-4072-8771-E8321F8CFC99}"/>
                   </a:ext>
                 </a:extLst>
               </p:cNvPr>
@@ -7947,7 +7947,7 @@
                 </a:r>
               </a:p>
               <a:p>
-                <a:pPr marL="457246" indent="-457246">
+                <a:pPr marL="457292" indent="-457292">
                   <a:buFont typeface="Wingdings" pitchFamily="2" charset="2"/>
                   <a:buChar char="ü"/>
                 </a:pPr>
@@ -7961,7 +7961,7 @@
                 </a:r>
               </a:p>
               <a:p>
-                <a:pPr marL="457246" indent="-457246">
+                <a:pPr marL="457292" indent="-457292">
                   <a:buFont typeface="Wingdings" pitchFamily="2" charset="2"/>
                   <a:buChar char="ü"/>
                 </a:pPr>
@@ -7989,7 +7989,7 @@
               <p:cNvPr id="8" name="Text Box 24">
                 <a:extLst>
                   <a:ext uri="{FF2B5EF4-FFF2-40B4-BE49-F238E27FC236}">
-                    <a16:creationId xmlns:a16="http://schemas.microsoft.com/office/drawing/2014/main" id="{381F52DF-4A25-4DD5-9D0F-C809759D92B7}"/>
+                    <a16:creationId xmlns:a16="http://schemas.microsoft.com/office/drawing/2014/main" xmlns="" id="{381F52DF-4A25-4DD5-9D0F-C809759D92B7}"/>
                   </a:ext>
                 </a:extLst>
               </p:cNvPr>
@@ -8047,7 +8047,7 @@
             <p:cNvPr id="106" name="Text Box 24">
               <a:extLst>
                 <a:ext uri="{FF2B5EF4-FFF2-40B4-BE49-F238E27FC236}">
-                  <a16:creationId xmlns:a16="http://schemas.microsoft.com/office/drawing/2014/main" id="{C484DB7D-EC0C-4294-AE42-D6D333610AF3}"/>
+                  <a16:creationId xmlns:a16="http://schemas.microsoft.com/office/drawing/2014/main" xmlns="" id="{C484DB7D-EC0C-4294-AE42-D6D333610AF3}"/>
                 </a:ext>
               </a:extLst>
             </p:cNvPr>
@@ -8105,7 +8105,7 @@
           <p:cNvPr id="4" name="Group 3">
             <a:extLst>
               <a:ext uri="{FF2B5EF4-FFF2-40B4-BE49-F238E27FC236}">
-                <a16:creationId xmlns:a16="http://schemas.microsoft.com/office/drawing/2014/main" id="{AA5F5289-14B3-42EA-8F2F-5184A6F0846E}"/>
+                <a16:creationId xmlns:a16="http://schemas.microsoft.com/office/drawing/2014/main" xmlns="" id="{AA5F5289-14B3-42EA-8F2F-5184A6F0846E}"/>
               </a:ext>
             </a:extLst>
           </p:cNvPr>
@@ -8114,8 +8114,8 @@
         </p:nvGrpSpPr>
         <p:grpSpPr>
           <a:xfrm>
-            <a:off x="720000" y="30279840"/>
-            <a:ext cx="14399996" cy="1980971"/>
+            <a:off x="720106" y="30283178"/>
+            <a:ext cx="14402112" cy="1981189"/>
             <a:chOff x="720000" y="30279840"/>
             <a:chExt cx="14399996" cy="1980971"/>
           </a:xfrm>
@@ -8125,7 +8125,7 @@
             <p:cNvPr id="12" name="Group 11">
               <a:extLst>
                 <a:ext uri="{FF2B5EF4-FFF2-40B4-BE49-F238E27FC236}">
-                  <a16:creationId xmlns:a16="http://schemas.microsoft.com/office/drawing/2014/main" id="{EEA89EBD-FDDE-48A6-8855-66923377C367}"/>
+                  <a16:creationId xmlns:a16="http://schemas.microsoft.com/office/drawing/2014/main" xmlns="" id="{EEA89EBD-FDDE-48A6-8855-66923377C367}"/>
                 </a:ext>
               </a:extLst>
             </p:cNvPr>
@@ -8145,7 +8145,7 @@
               <p:cNvPr id="13" name="תיבת טקסט 18">
                 <a:extLst>
                   <a:ext uri="{FF2B5EF4-FFF2-40B4-BE49-F238E27FC236}">
-                    <a16:creationId xmlns:a16="http://schemas.microsoft.com/office/drawing/2014/main" id="{EFAD3A93-6265-4D90-B121-E7210ACAD82E}"/>
+                    <a16:creationId xmlns:a16="http://schemas.microsoft.com/office/drawing/2014/main" xmlns="" id="{EFAD3A93-6265-4D90-B121-E7210ACAD82E}"/>
                   </a:ext>
                 </a:extLst>
               </p:cNvPr>
@@ -8188,7 +8188,7 @@
               <p:cNvPr id="14" name="Text Box 24">
                 <a:extLst>
                   <a:ext uri="{FF2B5EF4-FFF2-40B4-BE49-F238E27FC236}">
-                    <a16:creationId xmlns:a16="http://schemas.microsoft.com/office/drawing/2014/main" id="{2D0005CC-35A2-4D6D-ABF5-9D776BB2B284}"/>
+                    <a16:creationId xmlns:a16="http://schemas.microsoft.com/office/drawing/2014/main" xmlns="" id="{2D0005CC-35A2-4D6D-ABF5-9D776BB2B284}"/>
                   </a:ext>
                 </a:extLst>
               </p:cNvPr>
@@ -8246,7 +8246,7 @@
             <p:cNvPr id="109" name="Text Box 24">
               <a:extLst>
                 <a:ext uri="{FF2B5EF4-FFF2-40B4-BE49-F238E27FC236}">
-                  <a16:creationId xmlns:a16="http://schemas.microsoft.com/office/drawing/2014/main" id="{7A6020AD-BB24-454C-A9BE-C4A57DD0558E}"/>
+                  <a16:creationId xmlns:a16="http://schemas.microsoft.com/office/drawing/2014/main" xmlns="" id="{7A6020AD-BB24-454C-A9BE-C4A57DD0558E}"/>
                 </a:ext>
               </a:extLst>
             </p:cNvPr>
@@ -8304,7 +8304,7 @@
           <p:cNvPr id="81" name="Group 80">
             <a:extLst>
               <a:ext uri="{FF2B5EF4-FFF2-40B4-BE49-F238E27FC236}">
-                <a16:creationId xmlns:a16="http://schemas.microsoft.com/office/drawing/2014/main" id="{4FF0BA66-9CDE-4AB3-82E4-13037FF12E5D}"/>
+                <a16:creationId xmlns:a16="http://schemas.microsoft.com/office/drawing/2014/main" xmlns="" id="{4FF0BA66-9CDE-4AB3-82E4-13037FF12E5D}"/>
               </a:ext>
             </a:extLst>
           </p:cNvPr>
@@ -8313,8 +8313,8 @@
         </p:nvGrpSpPr>
         <p:grpSpPr>
           <a:xfrm>
-            <a:off x="17280000" y="9235828"/>
-            <a:ext cx="14399997" cy="3698354"/>
+            <a:off x="17282541" y="9236846"/>
+            <a:ext cx="14402113" cy="3698762"/>
             <a:chOff x="17280000" y="9235828"/>
             <a:chExt cx="14399997" cy="3698354"/>
           </a:xfrm>
@@ -8324,7 +8324,7 @@
             <p:cNvPr id="9" name="Group 8">
               <a:extLst>
                 <a:ext uri="{FF2B5EF4-FFF2-40B4-BE49-F238E27FC236}">
-                  <a16:creationId xmlns:a16="http://schemas.microsoft.com/office/drawing/2014/main" id="{213AB796-6D44-478C-94D2-A45B981805E4}"/>
+                  <a16:creationId xmlns:a16="http://schemas.microsoft.com/office/drawing/2014/main" xmlns="" id="{213AB796-6D44-478C-94D2-A45B981805E4}"/>
                 </a:ext>
               </a:extLst>
             </p:cNvPr>
@@ -8344,7 +8344,7 @@
               <p:cNvPr id="10" name="תיבת טקסט 18">
                 <a:extLst>
                   <a:ext uri="{FF2B5EF4-FFF2-40B4-BE49-F238E27FC236}">
-                    <a16:creationId xmlns:a16="http://schemas.microsoft.com/office/drawing/2014/main" id="{5829F93E-C6BE-4714-B2D5-973472A44C1D}"/>
+                    <a16:creationId xmlns:a16="http://schemas.microsoft.com/office/drawing/2014/main" xmlns="" id="{5829F93E-C6BE-4714-B2D5-973472A44C1D}"/>
                   </a:ext>
                 </a:extLst>
               </p:cNvPr>
@@ -8381,7 +8381,7 @@
                 </a:r>
               </a:p>
               <a:p>
-                <a:pPr marL="457246" indent="-457246">
+                <a:pPr marL="457292" indent="-457292">
                   <a:buFont typeface="Wingdings" pitchFamily="2" charset="2"/>
                   <a:buChar char="ü"/>
                 </a:pPr>
@@ -8400,7 +8400,7 @@
                 </a:endParaRPr>
               </a:p>
               <a:p>
-                <a:pPr marL="457246" indent="-457246">
+                <a:pPr marL="457292" indent="-457292">
                   <a:buFont typeface="Wingdings" pitchFamily="2" charset="2"/>
                   <a:buChar char="ü"/>
                 </a:pPr>
@@ -8422,7 +8422,7 @@
               <p:cNvPr id="11" name="Text Box 24">
                 <a:extLst>
                   <a:ext uri="{FF2B5EF4-FFF2-40B4-BE49-F238E27FC236}">
-                    <a16:creationId xmlns:a16="http://schemas.microsoft.com/office/drawing/2014/main" id="{61B4D10A-7422-45CD-A48E-E673CACB8BE8}"/>
+                    <a16:creationId xmlns:a16="http://schemas.microsoft.com/office/drawing/2014/main" xmlns="" id="{61B4D10A-7422-45CD-A48E-E673CACB8BE8}"/>
                   </a:ext>
                 </a:extLst>
               </p:cNvPr>
@@ -8480,7 +8480,7 @@
             <p:cNvPr id="110" name="Text Box 24">
               <a:extLst>
                 <a:ext uri="{FF2B5EF4-FFF2-40B4-BE49-F238E27FC236}">
-                  <a16:creationId xmlns:a16="http://schemas.microsoft.com/office/drawing/2014/main" id="{416AF927-57FE-4603-AD93-C2086E3C9766}"/>
+                  <a16:creationId xmlns:a16="http://schemas.microsoft.com/office/drawing/2014/main" xmlns="" id="{416AF927-57FE-4603-AD93-C2086E3C9766}"/>
                 </a:ext>
               </a:extLst>
             </p:cNvPr>
@@ -8540,7 +8540,7 @@
               <p:cNvPr id="112" name="Table 111">
                 <a:extLst>
                   <a:ext uri="{FF2B5EF4-FFF2-40B4-BE49-F238E27FC236}">
-                    <a16:creationId xmlns:a16="http://schemas.microsoft.com/office/drawing/2014/main" id="{75DCAF6B-1142-4A53-8ECA-23BCA547B62C}"/>
+                    <a16:creationId xmlns:a16="http://schemas.microsoft.com/office/drawing/2014/main" xmlns="" id="{75DCAF6B-1142-4A53-8ECA-23BCA547B62C}"/>
                   </a:ext>
                 </a:extLst>
               </p:cNvPr>
@@ -8550,14 +8550,14 @@
               <p:nvPr>
                 <p:extLst>
                   <p:ext uri="{D42A27DB-BD31-4B8C-83A1-F6EECF244321}">
-                    <p14:modId xmlns:p14="http://schemas.microsoft.com/office/powerpoint/2010/main" val="3929535977"/>
+                    <p14:modId xmlns:p14="http://schemas.microsoft.com/office/powerpoint/2010/main" val="2369005453"/>
                   </p:ext>
                 </p:extLst>
               </p:nvPr>
             </p:nvGraphicFramePr>
             <p:xfrm>
-              <a:off x="17314853" y="20364157"/>
-              <a:ext cx="14420456" cy="9983160"/>
+              <a:off x="17317398" y="21052202"/>
+              <a:ext cx="14422576" cy="9115489"/>
             </p:xfrm>
             <a:graphic>
               <a:graphicData uri="http://schemas.openxmlformats.org/drawingml/2006/table">
@@ -8566,953 +8566,64 @@
                     <a:tableStyleId>{5C22544A-7EE6-4342-B048-85BDC9FD1C3A}</a:tableStyleId>
                   </a:tblPr>
                   <a:tblGrid>
-                    <a:gridCol w="576000">
+                    <a:gridCol w="576085">
                       <a:extLst>
                         <a:ext uri="{9D8B030D-6E8A-4147-A177-3AD203B41FA5}">
-                          <a16:colId xmlns:a16="http://schemas.microsoft.com/office/drawing/2014/main" val="3197574381"/>
+                          <a16:colId xmlns:a16="http://schemas.microsoft.com/office/drawing/2014/main" xmlns="" val="3197574381"/>
                         </a:ext>
                       </a:extLst>
                     </a:gridCol>
-                    <a:gridCol w="1368000">
+                    <a:gridCol w="1368201">
                       <a:extLst>
                         <a:ext uri="{9D8B030D-6E8A-4147-A177-3AD203B41FA5}">
-                          <a16:colId xmlns:a16="http://schemas.microsoft.com/office/drawing/2014/main" val="4074414025"/>
+                          <a16:colId xmlns:a16="http://schemas.microsoft.com/office/drawing/2014/main" xmlns="" val="4074414025"/>
                         </a:ext>
                       </a:extLst>
                     </a:gridCol>
-                    <a:gridCol w="1764000">
+                    <a:gridCol w="1764259">
                       <a:extLst>
                         <a:ext uri="{9D8B030D-6E8A-4147-A177-3AD203B41FA5}">
-                          <a16:colId xmlns:a16="http://schemas.microsoft.com/office/drawing/2014/main" val="3000387878"/>
+                          <a16:colId xmlns:a16="http://schemas.microsoft.com/office/drawing/2014/main" xmlns="" val="3000387878"/>
                         </a:ext>
                       </a:extLst>
                     </a:gridCol>
-                    <a:gridCol w="2701047">
+                    <a:gridCol w="2701444">
                       <a:extLst>
                         <a:ext uri="{9D8B030D-6E8A-4147-A177-3AD203B41FA5}">
-                          <a16:colId xmlns:a16="http://schemas.microsoft.com/office/drawing/2014/main" val="2368814726"/>
+                          <a16:colId xmlns:a16="http://schemas.microsoft.com/office/drawing/2014/main" xmlns="" val="2368814726"/>
                         </a:ext>
                       </a:extLst>
                     </a:gridCol>
-                    <a:gridCol w="2503409">
+                    <a:gridCol w="2503777">
                       <a:extLst>
                         <a:ext uri="{9D8B030D-6E8A-4147-A177-3AD203B41FA5}">
-                          <a16:colId xmlns:a16="http://schemas.microsoft.com/office/drawing/2014/main" val="1709447781"/>
+                          <a16:colId xmlns:a16="http://schemas.microsoft.com/office/drawing/2014/main" xmlns="" val="1709447781"/>
                         </a:ext>
                       </a:extLst>
                     </a:gridCol>
-                    <a:gridCol w="1836000">
+                    <a:gridCol w="1836270">
                       <a:extLst>
                         <a:ext uri="{9D8B030D-6E8A-4147-A177-3AD203B41FA5}">
-                          <a16:colId xmlns:a16="http://schemas.microsoft.com/office/drawing/2014/main" val="2150489925"/>
+                          <a16:colId xmlns:a16="http://schemas.microsoft.com/office/drawing/2014/main" xmlns="" val="2150489925"/>
                         </a:ext>
                       </a:extLst>
                     </a:gridCol>
-                    <a:gridCol w="1836000">
+                    <a:gridCol w="1836270">
                       <a:extLst>
                         <a:ext uri="{9D8B030D-6E8A-4147-A177-3AD203B41FA5}">
-                          <a16:colId xmlns:a16="http://schemas.microsoft.com/office/drawing/2014/main" val="4143285275"/>
+                          <a16:colId xmlns:a16="http://schemas.microsoft.com/office/drawing/2014/main" xmlns="" val="4143285275"/>
                         </a:ext>
                       </a:extLst>
                     </a:gridCol>
-                    <a:gridCol w="1836000">
+                    <a:gridCol w="1836270">
                       <a:extLst>
                         <a:ext uri="{9D8B030D-6E8A-4147-A177-3AD203B41FA5}">
-                          <a16:colId xmlns:a16="http://schemas.microsoft.com/office/drawing/2014/main" val="2491369531"/>
+                          <a16:colId xmlns:a16="http://schemas.microsoft.com/office/drawing/2014/main" xmlns="" val="2491369531"/>
                         </a:ext>
                       </a:extLst>
                     </a:gridCol>
                   </a:tblGrid>
-                  <a:tr h="612000">
-                    <a:tc gridSpan="8">
-                      <a:txBody>
-                        <a:bodyPr/>
-                        <a:lstStyle/>
-                        <a:p>
-                          <a:pPr marL="0" marR="0" lvl="0" indent="0" algn="ctr" defTabSz="3239902" rtl="0" eaLnBrk="1" fontAlgn="auto" latinLnBrk="0" hangingPunct="1">
-                            <a:lnSpc>
-                              <a:spcPct val="100000"/>
-                            </a:lnSpc>
-                            <a:spcBef>
-                              <a:spcPts val="0"/>
-                            </a:spcBef>
-                            <a:spcAft>
-                              <a:spcPts val="0"/>
-                            </a:spcAft>
-                            <a:buClrTx/>
-                            <a:buSzTx/>
-                            <a:buFontTx/>
-                            <a:buNone/>
-                            <a:tabLst/>
-                            <a:defRPr/>
-                          </a:pPr>
-                          <a:r>
-                            <a:rPr lang="en-US" sz="3500" dirty="0">
-                              <a:solidFill>
-                                <a:schemeClr val="tx1"/>
-                              </a:solidFill>
-                            </a:rPr>
-                            <a:t>Classification error (%) on the first 1000 test samples</a:t>
-                          </a:r>
-                        </a:p>
-                      </a:txBody>
-                      <a:tcPr anchor="ctr">
-                        <a:lnL w="38100" cap="flat" cmpd="sng" algn="ctr">
-                          <a:solidFill>
-                            <a:schemeClr val="tx1"/>
-                          </a:solidFill>
-                          <a:prstDash val="solid"/>
-                          <a:round/>
-                          <a:headEnd type="none" w="med" len="med"/>
-                          <a:tailEnd type="none" w="med" len="med"/>
-                        </a:lnL>
-                        <a:lnR w="38100" cap="flat" cmpd="sng" algn="ctr">
-                          <a:solidFill>
-                            <a:schemeClr val="tx1"/>
-                          </a:solidFill>
-                          <a:prstDash val="solid"/>
-                          <a:round/>
-                          <a:headEnd type="none" w="med" len="med"/>
-                          <a:tailEnd type="none" w="med" len="med"/>
-                        </a:lnR>
-                        <a:lnT w="38100" cap="flat" cmpd="sng" algn="ctr">
-                          <a:solidFill>
-                            <a:schemeClr val="tx1"/>
-                          </a:solidFill>
-                          <a:prstDash val="solid"/>
-                          <a:round/>
-                          <a:headEnd type="none" w="med" len="med"/>
-                          <a:tailEnd type="none" w="med" len="med"/>
-                        </a:lnT>
-                        <a:lnB w="38100" cap="flat" cmpd="sng" algn="ctr">
-                          <a:solidFill>
-                            <a:schemeClr val="tx1"/>
-                          </a:solidFill>
-                          <a:prstDash val="solid"/>
-                          <a:round/>
-                          <a:headEnd type="none" w="med" len="med"/>
-                          <a:tailEnd type="none" w="med" len="med"/>
-                        </a:lnB>
-                        <a:noFill/>
-                      </a:tcPr>
-                    </a:tc>
-                    <a:tc hMerge="1">
-                      <a:txBody>
-                        <a:bodyPr/>
-                        <a:lstStyle/>
-                        <a:p>
-                          <a:pPr marL="0" marR="0" lvl="0" indent="0" algn="ctr" defTabSz="3239902" rtl="0" eaLnBrk="1" fontAlgn="auto" latinLnBrk="0" hangingPunct="1">
-                            <a:lnSpc>
-                              <a:spcPct val="100000"/>
-                            </a:lnSpc>
-                            <a:spcBef>
-                              <a:spcPts val="0"/>
-                            </a:spcBef>
-                            <a:spcAft>
-                              <a:spcPts val="0"/>
-                            </a:spcAft>
-                            <a:buClrTx/>
-                            <a:buSzTx/>
-                            <a:buFontTx/>
-                            <a:buNone/>
-                            <a:tabLst/>
-                            <a:defRPr/>
-                          </a:pPr>
-                          <a:endParaRPr lang="en-US" sz="3500" dirty="0">
-                            <a:solidFill>
-                              <a:schemeClr val="tx1"/>
-                            </a:solidFill>
-                          </a:endParaRPr>
-                        </a:p>
-                      </a:txBody>
-                      <a:tcPr anchor="ctr">
-                        <a:lnL w="38100" cap="flat" cmpd="sng" algn="ctr">
-                          <a:solidFill>
-                            <a:schemeClr val="tx1"/>
-                          </a:solidFill>
-                          <a:prstDash val="solid"/>
-                          <a:round/>
-                          <a:headEnd type="none" w="med" len="med"/>
-                          <a:tailEnd type="none" w="med" len="med"/>
-                        </a:lnL>
-                        <a:lnR w="38100" cap="flat" cmpd="sng" algn="ctr">
-                          <a:solidFill>
-                            <a:schemeClr val="tx1"/>
-                          </a:solidFill>
-                          <a:prstDash val="solid"/>
-                          <a:round/>
-                          <a:headEnd type="none" w="med" len="med"/>
-                          <a:tailEnd type="none" w="med" len="med"/>
-                        </a:lnR>
-                        <a:lnT w="38100" cap="flat" cmpd="sng" algn="ctr">
-                          <a:solidFill>
-                            <a:schemeClr val="tx1"/>
-                          </a:solidFill>
-                          <a:prstDash val="solid"/>
-                          <a:round/>
-                          <a:headEnd type="none" w="med" len="med"/>
-                          <a:tailEnd type="none" w="med" len="med"/>
-                        </a:lnT>
-                        <a:lnB w="38100" cap="flat" cmpd="sng" algn="ctr">
-                          <a:solidFill>
-                            <a:schemeClr val="tx1"/>
-                          </a:solidFill>
-                          <a:prstDash val="solid"/>
-                          <a:round/>
-                          <a:headEnd type="none" w="med" len="med"/>
-                          <a:tailEnd type="none" w="med" len="med"/>
-                        </a:lnB>
-                        <a:noFill/>
-                      </a:tcPr>
-                    </a:tc>
-                    <a:tc hMerge="1">
-                      <a:txBody>
-                        <a:bodyPr/>
-                        <a:lstStyle/>
-                        <a:p>
-                          <a:pPr algn="ctr"/>
-                          <a:endParaRPr lang="en-US" sz="3500" dirty="0">
-                            <a:solidFill>
-                              <a:schemeClr val="tx1"/>
-                            </a:solidFill>
-                          </a:endParaRPr>
-                        </a:p>
-                      </a:txBody>
-                      <a:tcPr anchor="ctr">
-                        <a:lnL w="12700" cap="flat" cmpd="sng" algn="ctr">
-                          <a:solidFill>
-                            <a:schemeClr val="tx1"/>
-                          </a:solidFill>
-                          <a:prstDash val="solid"/>
-                          <a:round/>
-                          <a:headEnd type="none" w="med" len="med"/>
-                          <a:tailEnd type="none" w="med" len="med"/>
-                        </a:lnL>
-                        <a:lnR w="12700" cap="flat" cmpd="sng" algn="ctr">
-                          <a:solidFill>
-                            <a:schemeClr val="tx1"/>
-                          </a:solidFill>
-                          <a:prstDash val="solid"/>
-                          <a:round/>
-                          <a:headEnd type="none" w="med" len="med"/>
-                          <a:tailEnd type="none" w="med" len="med"/>
-                        </a:lnR>
-                        <a:lnT w="38100" cap="flat" cmpd="sng" algn="ctr">
-                          <a:solidFill>
-                            <a:schemeClr val="tx1"/>
-                          </a:solidFill>
-                          <a:prstDash val="solid"/>
-                          <a:round/>
-                          <a:headEnd type="none" w="med" len="med"/>
-                          <a:tailEnd type="none" w="med" len="med"/>
-                        </a:lnT>
-                        <a:lnB w="38100" cap="flat" cmpd="sng" algn="ctr">
-                          <a:solidFill>
-                            <a:schemeClr val="tx1"/>
-                          </a:solidFill>
-                          <a:prstDash val="solid"/>
-                          <a:round/>
-                          <a:headEnd type="none" w="med" len="med"/>
-                          <a:tailEnd type="none" w="med" len="med"/>
-                        </a:lnB>
-                        <a:noFill/>
-                      </a:tcPr>
-                    </a:tc>
-                    <a:tc hMerge="1">
-                      <a:txBody>
-                        <a:bodyPr/>
-                        <a:lstStyle/>
-                        <a:p>
-                          <a:pPr algn="ctr"/>
-                          <a:endParaRPr lang="en-US" sz="3500" dirty="0">
-                            <a:solidFill>
-                              <a:schemeClr val="tx1"/>
-                            </a:solidFill>
-                          </a:endParaRPr>
-                        </a:p>
-                      </a:txBody>
-                      <a:tcPr anchor="ctr">
-                        <a:lnL w="12700" cap="flat" cmpd="sng" algn="ctr">
-                          <a:solidFill>
-                            <a:schemeClr val="tx1"/>
-                          </a:solidFill>
-                          <a:prstDash val="solid"/>
-                          <a:round/>
-                          <a:headEnd type="none" w="med" len="med"/>
-                          <a:tailEnd type="none" w="med" len="med"/>
-                        </a:lnL>
-                        <a:lnR w="12700" cap="flat" cmpd="sng" algn="ctr">
-                          <a:solidFill>
-                            <a:schemeClr val="tx1"/>
-                          </a:solidFill>
-                          <a:prstDash val="solid"/>
-                          <a:round/>
-                          <a:headEnd type="none" w="med" len="med"/>
-                          <a:tailEnd type="none" w="med" len="med"/>
-                        </a:lnR>
-                        <a:lnT w="38100" cap="flat" cmpd="sng" algn="ctr">
-                          <a:solidFill>
-                            <a:schemeClr val="tx1"/>
-                          </a:solidFill>
-                          <a:prstDash val="solid"/>
-                          <a:round/>
-                          <a:headEnd type="none" w="med" len="med"/>
-                          <a:tailEnd type="none" w="med" len="med"/>
-                        </a:lnT>
-                        <a:lnB w="38100" cap="flat" cmpd="sng" algn="ctr">
-                          <a:solidFill>
-                            <a:schemeClr val="tx1"/>
-                          </a:solidFill>
-                          <a:prstDash val="solid"/>
-                          <a:round/>
-                          <a:headEnd type="none" w="med" len="med"/>
-                          <a:tailEnd type="none" w="med" len="med"/>
-                        </a:lnB>
-                        <a:noFill/>
-                      </a:tcPr>
-                    </a:tc>
-                    <a:tc hMerge="1">
-                      <a:txBody>
-                        <a:bodyPr/>
-                        <a:lstStyle/>
-                        <a:p>
-                          <a:pPr algn="ctr"/>
-                          <a:endParaRPr lang="en-US" sz="3500" dirty="0">
-                            <a:solidFill>
-                              <a:schemeClr val="tx1"/>
-                            </a:solidFill>
-                          </a:endParaRPr>
-                        </a:p>
-                      </a:txBody>
-                      <a:tcPr anchor="ctr">
-                        <a:lnL w="12700" cap="flat" cmpd="sng" algn="ctr">
-                          <a:solidFill>
-                            <a:schemeClr val="tx1"/>
-                          </a:solidFill>
-                          <a:prstDash val="solid"/>
-                          <a:round/>
-                          <a:headEnd type="none" w="med" len="med"/>
-                          <a:tailEnd type="none" w="med" len="med"/>
-                        </a:lnL>
-                        <a:lnR w="12700" cap="flat" cmpd="sng" algn="ctr">
-                          <a:solidFill>
-                            <a:schemeClr val="tx1"/>
-                          </a:solidFill>
-                          <a:prstDash val="solid"/>
-                          <a:round/>
-                          <a:headEnd type="none" w="med" len="med"/>
-                          <a:tailEnd type="none" w="med" len="med"/>
-                        </a:lnR>
-                        <a:lnT w="38100" cap="flat" cmpd="sng" algn="ctr">
-                          <a:solidFill>
-                            <a:schemeClr val="tx1"/>
-                          </a:solidFill>
-                          <a:prstDash val="solid"/>
-                          <a:round/>
-                          <a:headEnd type="none" w="med" len="med"/>
-                          <a:tailEnd type="none" w="med" len="med"/>
-                        </a:lnT>
-                        <a:lnB w="38100" cap="flat" cmpd="sng" algn="ctr">
-                          <a:solidFill>
-                            <a:schemeClr val="tx1"/>
-                          </a:solidFill>
-                          <a:prstDash val="solid"/>
-                          <a:round/>
-                          <a:headEnd type="none" w="med" len="med"/>
-                          <a:tailEnd type="none" w="med" len="med"/>
-                        </a:lnB>
-                        <a:noFill/>
-                      </a:tcPr>
-                    </a:tc>
-                    <a:tc hMerge="1">
-                      <a:txBody>
-                        <a:bodyPr/>
-                        <a:lstStyle/>
-                        <a:p>
-                          <a:pPr algn="ctr"/>
-                          <a:endParaRPr lang="en-US" sz="3500" dirty="0">
-                            <a:solidFill>
-                              <a:schemeClr val="tx1"/>
-                            </a:solidFill>
-                          </a:endParaRPr>
-                        </a:p>
-                      </a:txBody>
-                      <a:tcPr anchor="ctr">
-                        <a:lnL w="12700" cap="flat" cmpd="sng" algn="ctr">
-                          <a:solidFill>
-                            <a:schemeClr val="tx1"/>
-                          </a:solidFill>
-                          <a:prstDash val="solid"/>
-                          <a:round/>
-                          <a:headEnd type="none" w="med" len="med"/>
-                          <a:tailEnd type="none" w="med" len="med"/>
-                        </a:lnL>
-                        <a:lnR w="12700" cap="flat" cmpd="sng" algn="ctr">
-                          <a:solidFill>
-                            <a:schemeClr val="tx1"/>
-                          </a:solidFill>
-                          <a:prstDash val="solid"/>
-                          <a:round/>
-                          <a:headEnd type="none" w="med" len="med"/>
-                          <a:tailEnd type="none" w="med" len="med"/>
-                        </a:lnR>
-                        <a:lnT w="38100" cap="flat" cmpd="sng" algn="ctr">
-                          <a:solidFill>
-                            <a:schemeClr val="tx1"/>
-                          </a:solidFill>
-                          <a:prstDash val="solid"/>
-                          <a:round/>
-                          <a:headEnd type="none" w="med" len="med"/>
-                          <a:tailEnd type="none" w="med" len="med"/>
-                        </a:lnT>
-                        <a:lnB w="38100" cap="flat" cmpd="sng" algn="ctr">
-                          <a:solidFill>
-                            <a:schemeClr val="tx1"/>
-                          </a:solidFill>
-                          <a:prstDash val="solid"/>
-                          <a:round/>
-                          <a:headEnd type="none" w="med" len="med"/>
-                          <a:tailEnd type="none" w="med" len="med"/>
-                        </a:lnB>
-                        <a:noFill/>
-                      </a:tcPr>
-                    </a:tc>
-                    <a:tc hMerge="1">
-                      <a:txBody>
-                        <a:bodyPr/>
-                        <a:lstStyle/>
-                        <a:p>
-                          <a:pPr algn="ctr"/>
-                          <a:endParaRPr lang="en-US" sz="3500" dirty="0"/>
-                        </a:p>
-                      </a:txBody>
-                      <a:tcPr anchor="ctr">
-                        <a:lnL w="12700" cap="flat" cmpd="sng" algn="ctr">
-                          <a:solidFill>
-                            <a:schemeClr val="tx1"/>
-                          </a:solidFill>
-                          <a:prstDash val="solid"/>
-                          <a:round/>
-                          <a:headEnd type="none" w="med" len="med"/>
-                          <a:tailEnd type="none" w="med" len="med"/>
-                        </a:lnL>
-                        <a:lnR w="12700" cap="flat" cmpd="sng" algn="ctr">
-                          <a:solidFill>
-                            <a:schemeClr val="tx1"/>
-                          </a:solidFill>
-                          <a:prstDash val="solid"/>
-                          <a:round/>
-                          <a:headEnd type="none" w="med" len="med"/>
-                          <a:tailEnd type="none" w="med" len="med"/>
-                        </a:lnR>
-                        <a:lnT w="38100" cap="flat" cmpd="sng" algn="ctr">
-                          <a:solidFill>
-                            <a:schemeClr val="tx1"/>
-                          </a:solidFill>
-                          <a:prstDash val="solid"/>
-                          <a:round/>
-                          <a:headEnd type="none" w="med" len="med"/>
-                          <a:tailEnd type="none" w="med" len="med"/>
-                        </a:lnT>
-                        <a:lnB w="38100" cap="flat" cmpd="sng" algn="ctr">
-                          <a:solidFill>
-                            <a:schemeClr val="tx1"/>
-                          </a:solidFill>
-                          <a:prstDash val="solid"/>
-                          <a:round/>
-                          <a:headEnd type="none" w="med" len="med"/>
-                          <a:tailEnd type="none" w="med" len="med"/>
-                        </a:lnB>
-                        <a:noFill/>
-                      </a:tcPr>
-                    </a:tc>
-                    <a:tc hMerge="1">
-                      <a:txBody>
-                        <a:bodyPr/>
-                        <a:lstStyle/>
-                        <a:p>
-                          <a:pPr algn="ctr"/>
-                          <a:endParaRPr lang="en-US" sz="3500" dirty="0"/>
-                        </a:p>
-                      </a:txBody>
-                      <a:tcPr anchor="ctr">
-                        <a:lnL w="12700" cap="flat" cmpd="sng" algn="ctr">
-                          <a:solidFill>
-                            <a:schemeClr val="tx1"/>
-                          </a:solidFill>
-                          <a:prstDash val="solid"/>
-                          <a:round/>
-                          <a:headEnd type="none" w="med" len="med"/>
-                          <a:tailEnd type="none" w="med" len="med"/>
-                        </a:lnL>
-                        <a:lnR w="38100" cap="flat" cmpd="sng" algn="ctr">
-                          <a:solidFill>
-                            <a:schemeClr val="tx1"/>
-                          </a:solidFill>
-                          <a:prstDash val="solid"/>
-                          <a:round/>
-                          <a:headEnd type="none" w="med" len="med"/>
-                          <a:tailEnd type="none" w="med" len="med"/>
-                        </a:lnR>
-                        <a:lnT w="38100" cap="flat" cmpd="sng" algn="ctr">
-                          <a:solidFill>
-                            <a:schemeClr val="tx1"/>
-                          </a:solidFill>
-                          <a:prstDash val="solid"/>
-                          <a:round/>
-                          <a:headEnd type="none" w="med" len="med"/>
-                          <a:tailEnd type="none" w="med" len="med"/>
-                        </a:lnT>
-                        <a:lnB w="38100" cap="flat" cmpd="sng" algn="ctr">
-                          <a:solidFill>
-                            <a:schemeClr val="tx1"/>
-                          </a:solidFill>
-                          <a:prstDash val="solid"/>
-                          <a:round/>
-                          <a:headEnd type="none" w="med" len="med"/>
-                          <a:tailEnd type="none" w="med" len="med"/>
-                        </a:lnB>
-                        <a:noFill/>
-                      </a:tcPr>
-                    </a:tc>
-                    <a:extLst>
-                      <a:ext uri="{0D108BD9-81ED-4DB2-BD59-A6C34878D82A}">
-                        <a16:rowId xmlns:a16="http://schemas.microsoft.com/office/drawing/2014/main" val="474930310"/>
-                      </a:ext>
-                    </a:extLst>
-                  </a:tr>
-                  <a:tr h="180000">
-                    <a:tc>
-                      <a:txBody>
-                        <a:bodyPr/>
-                        <a:lstStyle/>
-                        <a:p>
-                          <a:pPr algn="ctr"/>
-                          <a:endParaRPr lang="en-US" sz="1000" b="1" dirty="0">
-                            <a:solidFill>
-                              <a:schemeClr val="tx1"/>
-                            </a:solidFill>
-                          </a:endParaRPr>
-                        </a:p>
-                      </a:txBody>
-                      <a:tcPr anchor="ctr">
-                        <a:lnL w="38100" cap="flat" cmpd="sng" algn="ctr">
-                          <a:noFill/>
-                          <a:prstDash val="solid"/>
-                          <a:round/>
-                          <a:headEnd type="none" w="med" len="med"/>
-                          <a:tailEnd type="none" w="med" len="med"/>
-                        </a:lnL>
-                        <a:lnR w="38100" cap="flat" cmpd="sng" algn="ctr">
-                          <a:noFill/>
-                          <a:prstDash val="solid"/>
-                          <a:round/>
-                          <a:headEnd type="none" w="med" len="med"/>
-                          <a:tailEnd type="none" w="med" len="med"/>
-                        </a:lnR>
-                        <a:lnT w="38100" cap="flat" cmpd="sng" algn="ctr">
-                          <a:solidFill>
-                            <a:schemeClr val="tx1"/>
-                          </a:solidFill>
-                          <a:prstDash val="solid"/>
-                          <a:round/>
-                          <a:headEnd type="none" w="med" len="med"/>
-                          <a:tailEnd type="none" w="med" len="med"/>
-                        </a:lnT>
-                        <a:lnB w="38100" cap="flat" cmpd="sng" algn="ctr">
-                          <a:solidFill>
-                            <a:schemeClr val="tx1"/>
-                          </a:solidFill>
-                          <a:prstDash val="solid"/>
-                          <a:round/>
-                          <a:headEnd type="none" w="med" len="med"/>
-                          <a:tailEnd type="none" w="med" len="med"/>
-                        </a:lnB>
-                        <a:lnTlToBr w="12700" cmpd="sng">
-                          <a:noFill/>
-                          <a:prstDash val="solid"/>
-                        </a:lnTlToBr>
-                        <a:lnBlToTr w="12700" cmpd="sng">
-                          <a:noFill/>
-                          <a:prstDash val="solid"/>
-                        </a:lnBlToTr>
-                        <a:noFill/>
-                      </a:tcPr>
-                    </a:tc>
-                    <a:tc gridSpan="7">
-                      <a:txBody>
-                        <a:bodyPr/>
-                        <a:lstStyle/>
-                        <a:p>
-                          <a:pPr algn="ctr"/>
-                          <a:endParaRPr lang="en-US" sz="1000" b="1" dirty="0">
-                            <a:solidFill>
-                              <a:schemeClr val="tx1"/>
-                            </a:solidFill>
-                          </a:endParaRPr>
-                        </a:p>
-                      </a:txBody>
-                      <a:tcPr anchor="ctr">
-                        <a:lnL w="38100" cap="flat" cmpd="sng" algn="ctr">
-                          <a:noFill/>
-                          <a:prstDash val="solid"/>
-                          <a:round/>
-                          <a:headEnd type="none" w="med" len="med"/>
-                          <a:tailEnd type="none" w="med" len="med"/>
-                        </a:lnL>
-                        <a:lnR w="38100" cap="flat" cmpd="sng" algn="ctr">
-                          <a:noFill/>
-                          <a:prstDash val="solid"/>
-                          <a:round/>
-                          <a:headEnd type="none" w="med" len="med"/>
-                          <a:tailEnd type="none" w="med" len="med"/>
-                        </a:lnR>
-                        <a:lnT w="38100" cap="flat" cmpd="sng" algn="ctr">
-                          <a:solidFill>
-                            <a:schemeClr val="tx1"/>
-                          </a:solidFill>
-                          <a:prstDash val="solid"/>
-                          <a:round/>
-                          <a:headEnd type="none" w="med" len="med"/>
-                          <a:tailEnd type="none" w="med" len="med"/>
-                        </a:lnT>
-                        <a:lnB w="38100" cap="flat" cmpd="sng" algn="ctr">
-                          <a:solidFill>
-                            <a:schemeClr val="tx1"/>
-                          </a:solidFill>
-                          <a:prstDash val="solid"/>
-                          <a:round/>
-                          <a:headEnd type="none" w="med" len="med"/>
-                          <a:tailEnd type="none" w="med" len="med"/>
-                        </a:lnB>
-                        <a:lnTlToBr w="12700" cmpd="sng">
-                          <a:noFill/>
-                          <a:prstDash val="solid"/>
-                        </a:lnTlToBr>
-                        <a:lnBlToTr w="12700" cmpd="sng">
-                          <a:noFill/>
-                          <a:prstDash val="solid"/>
-                        </a:lnBlToTr>
-                        <a:noFill/>
-                      </a:tcPr>
-                    </a:tc>
-                    <a:tc hMerge="1">
-                      <a:txBody>
-                        <a:bodyPr/>
-                        <a:lstStyle/>
-                        <a:p>
-                          <a:pPr algn="ctr"/>
-                          <a:endParaRPr lang="en-US" sz="3500" b="1" dirty="0">
-                            <a:solidFill>
-                              <a:schemeClr val="tx1"/>
-                            </a:solidFill>
-                          </a:endParaRPr>
-                        </a:p>
-                      </a:txBody>
-                      <a:tcPr anchor="ctr">
-                        <a:lnL w="12700" cap="flat" cmpd="sng" algn="ctr">
-                          <a:solidFill>
-                            <a:schemeClr val="tx1"/>
-                          </a:solidFill>
-                          <a:prstDash val="solid"/>
-                          <a:round/>
-                          <a:headEnd type="none" w="med" len="med"/>
-                          <a:tailEnd type="none" w="med" len="med"/>
-                        </a:lnL>
-                        <a:lnR w="12700" cap="flat" cmpd="sng" algn="ctr">
-                          <a:solidFill>
-                            <a:schemeClr val="tx1"/>
-                          </a:solidFill>
-                          <a:prstDash val="solid"/>
-                          <a:round/>
-                          <a:headEnd type="none" w="med" len="med"/>
-                          <a:tailEnd type="none" w="med" len="med"/>
-                        </a:lnR>
-                        <a:lnT w="38100" cap="flat" cmpd="sng" algn="ctr">
-                          <a:solidFill>
-                            <a:schemeClr val="tx1"/>
-                          </a:solidFill>
-                          <a:prstDash val="solid"/>
-                          <a:round/>
-                          <a:headEnd type="none" w="med" len="med"/>
-                          <a:tailEnd type="none" w="med" len="med"/>
-                        </a:lnT>
-                        <a:lnB w="38100" cap="flat" cmpd="sng" algn="ctr">
-                          <a:solidFill>
-                            <a:schemeClr val="tx1"/>
-                          </a:solidFill>
-                          <a:prstDash val="solid"/>
-                          <a:round/>
-                          <a:headEnd type="none" w="med" len="med"/>
-                          <a:tailEnd type="none" w="med" len="med"/>
-                        </a:lnB>
-                        <a:noFill/>
-                      </a:tcPr>
-                    </a:tc>
-                    <a:tc hMerge="1">
-                      <a:txBody>
-                        <a:bodyPr/>
-                        <a:lstStyle/>
-                        <a:p>
-                          <a:pPr algn="ctr"/>
-                          <a:endParaRPr lang="en-US" sz="3500" b="1" dirty="0">
-                            <a:solidFill>
-                              <a:schemeClr val="tx1"/>
-                            </a:solidFill>
-                          </a:endParaRPr>
-                        </a:p>
-                      </a:txBody>
-                      <a:tcPr anchor="ctr">
-                        <a:lnL w="12700" cap="flat" cmpd="sng" algn="ctr">
-                          <a:solidFill>
-                            <a:schemeClr val="tx1"/>
-                          </a:solidFill>
-                          <a:prstDash val="solid"/>
-                          <a:round/>
-                          <a:headEnd type="none" w="med" len="med"/>
-                          <a:tailEnd type="none" w="med" len="med"/>
-                        </a:lnL>
-                        <a:lnR w="12700" cap="flat" cmpd="sng" algn="ctr">
-                          <a:solidFill>
-                            <a:schemeClr val="tx1"/>
-                          </a:solidFill>
-                          <a:prstDash val="solid"/>
-                          <a:round/>
-                          <a:headEnd type="none" w="med" len="med"/>
-                          <a:tailEnd type="none" w="med" len="med"/>
-                        </a:lnR>
-                        <a:lnT w="38100" cap="flat" cmpd="sng" algn="ctr">
-                          <a:solidFill>
-                            <a:schemeClr val="tx1"/>
-                          </a:solidFill>
-                          <a:prstDash val="solid"/>
-                          <a:round/>
-                          <a:headEnd type="none" w="med" len="med"/>
-                          <a:tailEnd type="none" w="med" len="med"/>
-                        </a:lnT>
-                        <a:lnB w="38100" cap="flat" cmpd="sng" algn="ctr">
-                          <a:solidFill>
-                            <a:schemeClr val="tx1"/>
-                          </a:solidFill>
-                          <a:prstDash val="solid"/>
-                          <a:round/>
-                          <a:headEnd type="none" w="med" len="med"/>
-                          <a:tailEnd type="none" w="med" len="med"/>
-                        </a:lnB>
-                        <a:noFill/>
-                      </a:tcPr>
-                    </a:tc>
-                    <a:tc hMerge="1">
-                      <a:txBody>
-                        <a:bodyPr/>
-                        <a:lstStyle/>
-                        <a:p>
-                          <a:pPr algn="ctr"/>
-                          <a:endParaRPr lang="en-US" sz="3500" b="1" dirty="0">
-                            <a:solidFill>
-                              <a:schemeClr val="tx1"/>
-                            </a:solidFill>
-                          </a:endParaRPr>
-                        </a:p>
-                      </a:txBody>
-                      <a:tcPr anchor="ctr">
-                        <a:lnL w="12700" cap="flat" cmpd="sng" algn="ctr">
-                          <a:solidFill>
-                            <a:schemeClr val="tx1"/>
-                          </a:solidFill>
-                          <a:prstDash val="solid"/>
-                          <a:round/>
-                          <a:headEnd type="none" w="med" len="med"/>
-                          <a:tailEnd type="none" w="med" len="med"/>
-                        </a:lnL>
-                        <a:lnR w="12700" cap="flat" cmpd="sng" algn="ctr">
-                          <a:solidFill>
-                            <a:schemeClr val="tx1"/>
-                          </a:solidFill>
-                          <a:prstDash val="solid"/>
-                          <a:round/>
-                          <a:headEnd type="none" w="med" len="med"/>
-                          <a:tailEnd type="none" w="med" len="med"/>
-                        </a:lnR>
-                        <a:lnT w="38100" cap="flat" cmpd="sng" algn="ctr">
-                          <a:solidFill>
-                            <a:schemeClr val="tx1"/>
-                          </a:solidFill>
-                          <a:prstDash val="solid"/>
-                          <a:round/>
-                          <a:headEnd type="none" w="med" len="med"/>
-                          <a:tailEnd type="none" w="med" len="med"/>
-                        </a:lnT>
-                        <a:lnB w="38100" cap="flat" cmpd="sng" algn="ctr">
-                          <a:solidFill>
-                            <a:schemeClr val="tx1"/>
-                          </a:solidFill>
-                          <a:prstDash val="solid"/>
-                          <a:round/>
-                          <a:headEnd type="none" w="med" len="med"/>
-                          <a:tailEnd type="none" w="med" len="med"/>
-                        </a:lnB>
-                        <a:noFill/>
-                      </a:tcPr>
-                    </a:tc>
-                    <a:tc hMerge="1">
-                      <a:txBody>
-                        <a:bodyPr/>
-                        <a:lstStyle/>
-                        <a:p>
-                          <a:pPr algn="ctr"/>
-                          <a:endParaRPr lang="en-US" sz="3500" dirty="0">
-                            <a:solidFill>
-                              <a:schemeClr val="tx1"/>
-                            </a:solidFill>
-                          </a:endParaRPr>
-                        </a:p>
-                      </a:txBody>
-                      <a:tcPr anchor="ctr">
-                        <a:lnL w="12700" cap="flat" cmpd="sng" algn="ctr">
-                          <a:solidFill>
-                            <a:schemeClr val="tx1"/>
-                          </a:solidFill>
-                          <a:prstDash val="solid"/>
-                          <a:round/>
-                          <a:headEnd type="none" w="med" len="med"/>
-                          <a:tailEnd type="none" w="med" len="med"/>
-                        </a:lnL>
-                        <a:lnR w="12700" cap="flat" cmpd="sng" algn="ctr">
-                          <a:solidFill>
-                            <a:schemeClr val="tx1"/>
-                          </a:solidFill>
-                          <a:prstDash val="solid"/>
-                          <a:round/>
-                          <a:headEnd type="none" w="med" len="med"/>
-                          <a:tailEnd type="none" w="med" len="med"/>
-                        </a:lnR>
-                        <a:lnT w="38100" cap="flat" cmpd="sng" algn="ctr">
-                          <a:solidFill>
-                            <a:schemeClr val="tx1"/>
-                          </a:solidFill>
-                          <a:prstDash val="solid"/>
-                          <a:round/>
-                          <a:headEnd type="none" w="med" len="med"/>
-                          <a:tailEnd type="none" w="med" len="med"/>
-                        </a:lnT>
-                        <a:lnB w="38100" cap="flat" cmpd="sng" algn="ctr">
-                          <a:solidFill>
-                            <a:schemeClr val="tx1"/>
-                          </a:solidFill>
-                          <a:prstDash val="solid"/>
-                          <a:round/>
-                          <a:headEnd type="none" w="med" len="med"/>
-                          <a:tailEnd type="none" w="med" len="med"/>
-                        </a:lnB>
-                        <a:noFill/>
-                      </a:tcPr>
-                    </a:tc>
-                    <a:tc hMerge="1">
-                      <a:txBody>
-                        <a:bodyPr/>
-                        <a:lstStyle/>
-                        <a:p>
-                          <a:pPr algn="ctr"/>
-                          <a:endParaRPr lang="en-US" sz="3500" dirty="0"/>
-                        </a:p>
-                      </a:txBody>
-                      <a:tcPr anchor="ctr">
-                        <a:lnL w="12700" cap="flat" cmpd="sng" algn="ctr">
-                          <a:solidFill>
-                            <a:schemeClr val="tx1"/>
-                          </a:solidFill>
-                          <a:prstDash val="solid"/>
-                          <a:round/>
-                          <a:headEnd type="none" w="med" len="med"/>
-                          <a:tailEnd type="none" w="med" len="med"/>
-                        </a:lnL>
-                        <a:lnR w="12700" cap="flat" cmpd="sng" algn="ctr">
-                          <a:solidFill>
-                            <a:schemeClr val="tx1"/>
-                          </a:solidFill>
-                          <a:prstDash val="solid"/>
-                          <a:round/>
-                          <a:headEnd type="none" w="med" len="med"/>
-                          <a:tailEnd type="none" w="med" len="med"/>
-                        </a:lnR>
-                        <a:lnT w="38100" cap="flat" cmpd="sng" algn="ctr">
-                          <a:solidFill>
-                            <a:schemeClr val="tx1"/>
-                          </a:solidFill>
-                          <a:prstDash val="solid"/>
-                          <a:round/>
-                          <a:headEnd type="none" w="med" len="med"/>
-                          <a:tailEnd type="none" w="med" len="med"/>
-                        </a:lnT>
-                        <a:lnB w="38100" cap="flat" cmpd="sng" algn="ctr">
-                          <a:solidFill>
-                            <a:schemeClr val="tx1"/>
-                          </a:solidFill>
-                          <a:prstDash val="solid"/>
-                          <a:round/>
-                          <a:headEnd type="none" w="med" len="med"/>
-                          <a:tailEnd type="none" w="med" len="med"/>
-                        </a:lnB>
-                        <a:noFill/>
-                      </a:tcPr>
-                    </a:tc>
-                    <a:tc hMerge="1">
-                      <a:txBody>
-                        <a:bodyPr/>
-                        <a:lstStyle/>
-                        <a:p>
-                          <a:pPr algn="ctr"/>
-                          <a:endParaRPr lang="en-US" sz="3500" dirty="0"/>
-                        </a:p>
-                      </a:txBody>
-                      <a:tcPr anchor="ctr">
-                        <a:lnL w="12700" cap="flat" cmpd="sng" algn="ctr">
-                          <a:solidFill>
-                            <a:schemeClr val="tx1"/>
-                          </a:solidFill>
-                          <a:prstDash val="solid"/>
-                          <a:round/>
-                          <a:headEnd type="none" w="med" len="med"/>
-                          <a:tailEnd type="none" w="med" len="med"/>
-                        </a:lnL>
-                        <a:lnR w="38100" cap="flat" cmpd="sng" algn="ctr">
-                          <a:solidFill>
-                            <a:schemeClr val="tx1"/>
-                          </a:solidFill>
-                          <a:prstDash val="solid"/>
-                          <a:round/>
-                          <a:headEnd type="none" w="med" len="med"/>
-                          <a:tailEnd type="none" w="med" len="med"/>
-                        </a:lnR>
-                        <a:lnT w="38100" cap="flat" cmpd="sng" algn="ctr">
-                          <a:solidFill>
-                            <a:schemeClr val="tx1"/>
-                          </a:solidFill>
-                          <a:prstDash val="solid"/>
-                          <a:round/>
-                          <a:headEnd type="none" w="med" len="med"/>
-                          <a:tailEnd type="none" w="med" len="med"/>
-                        </a:lnT>
-                        <a:lnB w="38100" cap="flat" cmpd="sng" algn="ctr">
-                          <a:solidFill>
-                            <a:schemeClr val="tx1"/>
-                          </a:solidFill>
-                          <a:prstDash val="solid"/>
-                          <a:round/>
-                          <a:headEnd type="none" w="med" len="med"/>
-                          <a:tailEnd type="none" w="med" len="med"/>
-                        </a:lnB>
-                        <a:noFill/>
-                      </a:tcPr>
-                    </a:tc>
-                    <a:extLst>
-                      <a:ext uri="{0D108BD9-81ED-4DB2-BD59-A6C34878D82A}">
-                        <a16:rowId xmlns:a16="http://schemas.microsoft.com/office/drawing/2014/main" val="3581868102"/>
-                      </a:ext>
-                    </a:extLst>
-                  </a:tr>
-                  <a:tr h="370840">
+                  <a:tr h="640151">
                     <a:tc rowSpan="7">
                       <a:txBody>
                         <a:bodyPr/>
@@ -9522,23 +8633,21 @@
                           <a:r>
                             <a:rPr lang="en-US" sz="3500" b="1" dirty="0" err="1">
                               <a:solidFill>
-                                <a:schemeClr val="tx1"/>
+                                <a:srgbClr val="4A929C"/>
                               </a:solidFill>
                             </a:rPr>
                             <a:t>mnist</a:t>
                           </a:r>
                           <a:endParaRPr lang="en-US" sz="3500" b="1" dirty="0">
                             <a:solidFill>
-                              <a:schemeClr val="tx1"/>
+                              <a:srgbClr val="4A929C"/>
                             </a:solidFill>
                           </a:endParaRPr>
                         </a:p>
                       </a:txBody>
-                      <a:tcPr vert="vert270" anchor="ctr">
+                      <a:tcPr marL="91453" marR="91453" marT="45725" marB="45725" vert="vert270" anchor="ctr">
                         <a:lnL w="38100" cap="flat" cmpd="sng" algn="ctr">
-                          <a:solidFill>
-                            <a:schemeClr val="tx1"/>
-                          </a:solidFill>
+                          <a:noFill/>
                           <a:prstDash val="solid"/>
                           <a:round/>
                           <a:headEnd type="none" w="med" len="med"/>
@@ -9554,23 +8663,27 @@
                           <a:tailEnd type="none" w="med" len="med"/>
                         </a:lnR>
                         <a:lnT w="38100" cap="flat" cmpd="sng" algn="ctr">
-                          <a:solidFill>
-                            <a:schemeClr val="tx1"/>
-                          </a:solidFill>
+                          <a:noFill/>
                           <a:prstDash val="solid"/>
                           <a:round/>
                           <a:headEnd type="none" w="med" len="med"/>
                           <a:tailEnd type="none" w="med" len="med"/>
                         </a:lnT>
                         <a:lnB w="38100" cap="flat" cmpd="sng" algn="ctr">
-                          <a:solidFill>
-                            <a:schemeClr val="tx1"/>
-                          </a:solidFill>
-                          <a:prstDash val="solid"/>
-                          <a:round/>
-                          <a:headEnd type="none" w="med" len="med"/>
-                          <a:tailEnd type="none" w="med" len="med"/>
-                        </a:lnB>
+                          <a:noFill/>
+                          <a:prstDash val="solid"/>
+                          <a:round/>
+                          <a:headEnd type="none" w="med" len="med"/>
+                          <a:tailEnd type="none" w="med" len="med"/>
+                        </a:lnB>
+                        <a:lnTlToBr w="12700" cmpd="sng">
+                          <a:noFill/>
+                          <a:prstDash val="solid"/>
+                        </a:lnTlToBr>
+                        <a:lnBlToTr w="12700" cmpd="sng">
+                          <a:noFill/>
+                          <a:prstDash val="solid"/>
+                        </a:lnBlToTr>
                         <a:noFill/>
                       </a:tcPr>
                     </a:tc>
@@ -9581,16 +8694,21 @@
                         <a:p>
                           <a:pPr algn="ctr"/>
                           <a:r>
-                            <a:rPr lang="en-US" sz="3500" b="1" dirty="0">
+                            <a:rPr lang="en-US" sz="3500" b="1" dirty="0" smtClean="0">
                               <a:solidFill>
                                 <a:schemeClr val="tx1"/>
                               </a:solidFill>
                             </a:rPr>
                             <a:t>model</a:t>
                           </a:r>
-                        </a:p>
-                      </a:txBody>
-                      <a:tcPr anchor="ctr">
+                          <a:endParaRPr lang="en-US" sz="3500" b="1" dirty="0">
+                            <a:solidFill>
+                              <a:schemeClr val="tx1"/>
+                            </a:solidFill>
+                          </a:endParaRPr>
+                        </a:p>
+                      </a:txBody>
+                      <a:tcPr marL="91453" marR="91453" marT="45725" marB="45725" anchor="ctr">
                         <a:lnL w="38100" cap="flat" cmpd="sng" algn="ctr">
                           <a:solidFill>
                             <a:schemeClr val="tx1"/>
@@ -9646,7 +8764,7 @@
                           </a:r>
                         </a:p>
                       </a:txBody>
-                      <a:tcPr anchor="ctr">
+                      <a:tcPr marL="91453" marR="91453" marT="45725" marB="45725" anchor="ctr">
                         <a:lnL w="12700" cap="flat" cmpd="sng" algn="ctr">
                           <a:solidFill>
                             <a:schemeClr val="tx1"/>
@@ -9702,7 +8820,7 @@
                           </a:r>
                         </a:p>
                       </a:txBody>
-                      <a:tcPr anchor="ctr">
+                      <a:tcPr marL="91453" marR="91453" marT="45725" marB="45725" anchor="ctr">
                         <a:lnL w="12700" cap="flat" cmpd="sng" algn="ctr">
                           <a:solidFill>
                             <a:schemeClr val="tx1"/>
@@ -9749,16 +8867,21 @@
                         <a:p>
                           <a:pPr algn="ctr"/>
                           <a:r>
-                            <a:rPr lang="en-US" sz="3500" b="1" dirty="0">
+                            <a:rPr lang="en-US" sz="3500" b="1" dirty="0" smtClean="0">
                               <a:solidFill>
                                 <a:schemeClr val="tx1"/>
                               </a:solidFill>
                             </a:rPr>
-                            <a:t>permutated</a:t>
+                            <a:t>Permutated</a:t>
                           </a:r>
-                        </a:p>
-                      </a:txBody>
-                      <a:tcPr anchor="ctr">
+                          <a:endParaRPr lang="en-US" sz="3500" b="1" dirty="0">
+                            <a:solidFill>
+                              <a:schemeClr val="tx1"/>
+                            </a:solidFill>
+                          </a:endParaRPr>
+                        </a:p>
+                      </a:txBody>
+                      <a:tcPr marL="91453" marR="91453" marT="45725" marB="45725" anchor="ctr">
                         <a:lnL w="12700" cap="flat" cmpd="sng" algn="ctr">
                           <a:solidFill>
                             <a:schemeClr val="tx1"/>
@@ -9835,7 +8958,7 @@
                           </a:endParaRPr>
                         </a:p>
                       </a:txBody>
-                      <a:tcPr anchor="ctr">
+                      <a:tcPr marL="91453" marR="91453" marT="45725" marB="45725" anchor="ctr">
                         <a:lnL w="12700" cap="flat" cmpd="sng" algn="ctr">
                           <a:solidFill>
                             <a:schemeClr val="tx1"/>
@@ -9908,7 +9031,7 @@
                           <a:endParaRPr lang="en-US" sz="3500" dirty="0"/>
                         </a:p>
                       </a:txBody>
-                      <a:tcPr anchor="ctr">
+                      <a:tcPr marL="91453" marR="91453" marT="45725" marB="45725" anchor="ctr">
                         <a:lnL w="12700" cap="flat" cmpd="sng" algn="ctr">
                           <a:solidFill>
                             <a:schemeClr val="tx1"/>
@@ -9973,7 +9096,7 @@
                           <a:endParaRPr lang="en-US" sz="3500" dirty="0"/>
                         </a:p>
                       </a:txBody>
-                      <a:tcPr anchor="ctr">
+                      <a:tcPr marL="91453" marR="91453" marT="45725" marB="45725" anchor="ctr">
                         <a:lnL w="12700" cap="flat" cmpd="sng" algn="ctr">
                           <a:solidFill>
                             <a:schemeClr val="tx1"/>
@@ -10015,11 +9138,11 @@
                     </a:tc>
                     <a:extLst>
                       <a:ext uri="{0D108BD9-81ED-4DB2-BD59-A6C34878D82A}">
-                        <a16:rowId xmlns:a16="http://schemas.microsoft.com/office/drawing/2014/main" val="2478262155"/>
+                        <a16:rowId xmlns:a16="http://schemas.microsoft.com/office/drawing/2014/main" xmlns="" val="2478262155"/>
                       </a:ext>
                     </a:extLst>
                   </a:tr>
-                  <a:tr h="370840">
+                  <a:tr h="624909">
                     <a:tc vMerge="1">
                       <a:txBody>
                         <a:bodyPr/>
@@ -10081,7 +9204,7 @@
                           </a:r>
                         </a:p>
                       </a:txBody>
-                      <a:tcPr anchor="ctr">
+                      <a:tcPr marL="91453" marR="91453" marT="45725" marB="45725" anchor="ctr">
                         <a:lnL w="38100" cap="flat" cmpd="sng" algn="ctr">
                           <a:solidFill>
                             <a:schemeClr val="tx1"/>
@@ -10133,7 +9256,7 @@
                           </a:r>
                         </a:p>
                       </a:txBody>
-                      <a:tcPr anchor="ctr">
+                      <a:tcPr marL="91453" marR="91453" marT="45725" marB="45725" anchor="ctr">
                         <a:lnL w="12700" cap="flat" cmpd="sng" algn="ctr">
                           <a:solidFill>
                             <a:schemeClr val="tx1"/>
@@ -10185,7 +9308,7 @@
                           </a:r>
                         </a:p>
                       </a:txBody>
-                      <a:tcPr anchor="ctr">
+                      <a:tcPr marL="91453" marR="91453" marT="45725" marB="45725" anchor="ctr">
                         <a:lnL w="12700" cap="flat" cmpd="sng" algn="ctr">
                           <a:solidFill>
                             <a:schemeClr val="tx1"/>
@@ -10237,7 +9360,7 @@
                           </a:r>
                         </a:p>
                       </a:txBody>
-                      <a:tcPr anchor="ctr">
+                      <a:tcPr marL="91453" marR="91453" marT="45725" marB="45725" anchor="ctr">
                         <a:lnL w="12700" cap="flat" cmpd="sng" algn="ctr">
                           <a:solidFill>
                             <a:schemeClr val="tx1"/>
@@ -10289,7 +9412,7 @@
                           </a:r>
                         </a:p>
                       </a:txBody>
-                      <a:tcPr anchor="ctr">
+                      <a:tcPr marL="91453" marR="91453" marT="45725" marB="45725" anchor="ctr">
                         <a:lnL w="12700" cap="flat" cmpd="sng" algn="ctr">
                           <a:solidFill>
                             <a:schemeClr val="tx1"/>
@@ -10341,7 +9464,7 @@
                           </a:r>
                         </a:p>
                       </a:txBody>
-                      <a:tcPr anchor="ctr">
+                      <a:tcPr marL="91453" marR="91453" marT="45725" marB="45725" anchor="ctr">
                         <a:lnL w="12700" cap="flat" cmpd="sng" algn="ctr">
                           <a:solidFill>
                             <a:schemeClr val="tx1"/>
@@ -10395,7 +9518,7 @@
                           </a:r>
                         </a:p>
                       </a:txBody>
-                      <a:tcPr anchor="ctr">
+                      <a:tcPr marL="91453" marR="91453" marT="45725" marB="45725" anchor="ctr">
                         <a:lnL w="12700" cap="flat" cmpd="sng" algn="ctr">
                           <a:solidFill>
                             <a:schemeClr val="bg1">
@@ -10439,11 +9562,11 @@
                     </a:tc>
                     <a:extLst>
                       <a:ext uri="{0D108BD9-81ED-4DB2-BD59-A6C34878D82A}">
-                        <a16:rowId xmlns:a16="http://schemas.microsoft.com/office/drawing/2014/main" val="574326359"/>
+                        <a16:rowId xmlns:a16="http://schemas.microsoft.com/office/drawing/2014/main" xmlns="" val="574326359"/>
                       </a:ext>
                     </a:extLst>
                   </a:tr>
-                  <a:tr h="370840">
+                  <a:tr h="640151">
                     <a:tc vMerge="1">
                       <a:txBody>
                         <a:bodyPr/>
@@ -10555,7 +9678,7 @@
                                 <m:sSubPr>
                                   <m:ctrlPr>
                                     <a:rPr lang="en-US" sz="3600" b="0" i="1" smtClean="0">
-                                      <a:latin typeface="Cambria Math" panose="02040503050406030204" pitchFamily="18" charset="0"/>
+                                      <a:latin typeface="Cambria Math"/>
                                     </a:rPr>
                                   </m:ctrlPr>
                                 </m:sSubPr>
@@ -10581,7 +9704,7 @@
                           <a:endParaRPr lang="en-US" sz="3600" b="0" dirty="0"/>
                         </a:p>
                       </a:txBody>
-                      <a:tcPr anchor="ctr">
+                      <a:tcPr marL="91453" marR="91453" marT="45725" marB="45725" anchor="ctr">
                         <a:lnL w="12700" cap="flat" cmpd="sng" algn="ctr">
                           <a:solidFill>
                             <a:schemeClr val="tx1"/>
@@ -10637,7 +9760,7 @@
                           </a:r>
                         </a:p>
                       </a:txBody>
-                      <a:tcPr anchor="ctr">
+                      <a:tcPr marL="91453" marR="91453" marT="45725" marB="45725" anchor="ctr">
                         <a:lnL w="12700" cap="flat" cmpd="sng" algn="ctr">
                           <a:solidFill>
                             <a:schemeClr val="tx1"/>
@@ -10693,7 +9816,7 @@
                           </a:r>
                         </a:p>
                       </a:txBody>
-                      <a:tcPr anchor="ctr">
+                      <a:tcPr marL="91453" marR="91453" marT="45725" marB="45725" anchor="ctr">
                         <a:lnL w="12700" cap="flat" cmpd="sng" algn="ctr">
                           <a:solidFill>
                             <a:schemeClr val="tx1"/>
@@ -10742,7 +9865,7 @@
                           <a:endParaRPr lang="en-US" sz="3500" dirty="0"/>
                         </a:p>
                       </a:txBody>
-                      <a:tcPr anchor="ctr">
+                      <a:tcPr marL="91453" marR="91453" marT="45725" marB="45725" anchor="ctr">
                         <a:lnL w="12700" cap="flat" cmpd="sng" algn="ctr">
                           <a:solidFill>
                             <a:schemeClr val="tx1"/>
@@ -10795,7 +9918,7 @@
                           <a:endParaRPr lang="en-US" sz="3500" dirty="0"/>
                         </a:p>
                       </a:txBody>
-                      <a:tcPr anchor="ctr">
+                      <a:tcPr marL="91453" marR="91453" marT="45725" marB="45725" anchor="ctr">
                         <a:lnL w="12700" cap="flat" cmpd="sng" algn="ctr">
                           <a:solidFill>
                             <a:schemeClr val="tx1"/>
@@ -10857,7 +9980,7 @@
                           </a:r>
                         </a:p>
                       </a:txBody>
-                      <a:tcPr anchor="ctr">
+                      <a:tcPr marL="91453" marR="91453" marT="45725" marB="45725" anchor="ctr">
                         <a:lnL w="12700" cap="flat" cmpd="sng" algn="ctr">
                           <a:solidFill>
                             <a:schemeClr val="bg1">
@@ -10901,11 +10024,11 @@
                     </a:tc>
                     <a:extLst>
                       <a:ext uri="{0D108BD9-81ED-4DB2-BD59-A6C34878D82A}">
-                        <a16:rowId xmlns:a16="http://schemas.microsoft.com/office/drawing/2014/main" val="3732417302"/>
+                        <a16:rowId xmlns:a16="http://schemas.microsoft.com/office/drawing/2014/main" xmlns="" val="3732417302"/>
                       </a:ext>
                     </a:extLst>
                   </a:tr>
-                  <a:tr h="370840">
+                  <a:tr h="640151">
                     <a:tc vMerge="1">
                       <a:txBody>
                         <a:bodyPr/>
@@ -10984,7 +10107,7 @@
                                 <m:sSubPr>
                                   <m:ctrlPr>
                                     <a:rPr lang="en-US" sz="3600" b="0" i="1" smtClean="0">
-                                      <a:latin typeface="Cambria Math" panose="02040503050406030204" pitchFamily="18" charset="0"/>
+                                      <a:latin typeface="Cambria Math"/>
                                     </a:rPr>
                                   </m:ctrlPr>
                                 </m:sSubPr>
@@ -11010,7 +10133,7 @@
                           <a:endParaRPr lang="en-US" sz="3500" b="0" dirty="0"/>
                         </a:p>
                       </a:txBody>
-                      <a:tcPr anchor="ctr">
+                      <a:tcPr marL="91453" marR="91453" marT="45725" marB="45725" anchor="ctr">
                         <a:lnL w="12700" cap="flat" cmpd="sng" algn="ctr">
                           <a:solidFill>
                             <a:schemeClr val="tx1"/>
@@ -11066,7 +10189,7 @@
                           </a:r>
                         </a:p>
                       </a:txBody>
-                      <a:tcPr anchor="ctr">
+                      <a:tcPr marL="91453" marR="91453" marT="45725" marB="45725" anchor="ctr">
                         <a:lnL w="12700" cap="flat" cmpd="sng" algn="ctr">
                           <a:solidFill>
                             <a:schemeClr val="tx1"/>
@@ -11122,7 +10245,7 @@
                           </a:r>
                         </a:p>
                       </a:txBody>
-                      <a:tcPr anchor="ctr">
+                      <a:tcPr marL="91453" marR="91453" marT="45725" marB="45725" anchor="ctr">
                         <a:lnL w="12700" cap="flat" cmpd="sng" algn="ctr">
                           <a:solidFill>
                             <a:schemeClr val="tx1"/>
@@ -11274,7 +10397,7 @@
                           </a:r>
                         </a:p>
                       </a:txBody>
-                      <a:tcPr anchor="ctr">
+                      <a:tcPr marL="91453" marR="91453" marT="45725" marB="45725" anchor="ctr">
                         <a:lnL w="12700" cap="flat" cmpd="sng" algn="ctr">
                           <a:solidFill>
                             <a:schemeClr val="bg1">
@@ -11318,11 +10441,11 @@
                     </a:tc>
                     <a:extLst>
                       <a:ext uri="{0D108BD9-81ED-4DB2-BD59-A6C34878D82A}">
-                        <a16:rowId xmlns:a16="http://schemas.microsoft.com/office/drawing/2014/main" val="1610165467"/>
+                        <a16:rowId xmlns:a16="http://schemas.microsoft.com/office/drawing/2014/main" xmlns="" val="1610165467"/>
                       </a:ext>
                     </a:extLst>
                   </a:tr>
-                  <a:tr h="370840">
+                  <a:tr h="640151">
                     <a:tc vMerge="1">
                       <a:txBody>
                         <a:bodyPr/>
@@ -11401,7 +10524,7 @@
                                 <m:sSubPr>
                                   <m:ctrlPr>
                                     <a:rPr lang="en-US" sz="3600" b="0" i="1" smtClean="0">
-                                      <a:latin typeface="Cambria Math" panose="02040503050406030204" pitchFamily="18" charset="0"/>
+                                      <a:latin typeface="Cambria Math"/>
                                     </a:rPr>
                                   </m:ctrlPr>
                                 </m:sSubPr>
@@ -11428,7 +10551,7 @@
                           <a:endParaRPr lang="en-US" sz="3500" b="0" dirty="0"/>
                         </a:p>
                       </a:txBody>
-                      <a:tcPr anchor="ctr">
+                      <a:tcPr marL="91453" marR="91453" marT="45725" marB="45725" anchor="ctr">
                         <a:lnL w="12700" cap="flat" cmpd="sng" algn="ctr">
                           <a:solidFill>
                             <a:schemeClr val="tx1"/>
@@ -11484,7 +10607,7 @@
                           </a:r>
                         </a:p>
                       </a:txBody>
-                      <a:tcPr anchor="ctr">
+                      <a:tcPr marL="91453" marR="91453" marT="45725" marB="45725" anchor="ctr">
                         <a:lnL w="12700" cap="flat" cmpd="sng" algn="ctr">
                           <a:solidFill>
                             <a:schemeClr val="tx1"/>
@@ -11540,7 +10663,7 @@
                           </a:r>
                         </a:p>
                       </a:txBody>
-                      <a:tcPr anchor="ctr">
+                      <a:tcPr marL="91453" marR="91453" marT="45725" marB="45725" anchor="ctr">
                         <a:lnL w="12700" cap="flat" cmpd="sng" algn="ctr">
                           <a:solidFill>
                             <a:schemeClr val="tx1"/>
@@ -11683,21 +10806,16 @@
                         <a:p>
                           <a:pPr algn="ctr"/>
                           <a:r>
-                            <a:rPr lang="en-US" sz="3500">
+                            <a:rPr lang="en-US" sz="3500" dirty="0">
                               <a:solidFill>
                                 <a:srgbClr val="00B050"/>
                               </a:solidFill>
                             </a:rPr>
                             <a:t>4.90</a:t>
                           </a:r>
-                          <a:endParaRPr lang="en-US" sz="3500" dirty="0">
-                            <a:solidFill>
-                              <a:srgbClr val="00B050"/>
-                            </a:solidFill>
-                          </a:endParaRPr>
-                        </a:p>
-                      </a:txBody>
-                      <a:tcPr anchor="ctr">
+                        </a:p>
+                      </a:txBody>
+                      <a:tcPr marL="91453" marR="91453" marT="45725" marB="45725" anchor="ctr">
                         <a:lnL w="12700" cap="flat" cmpd="sng" algn="ctr">
                           <a:solidFill>
                             <a:schemeClr val="bg1">
@@ -11741,11 +10859,11 @@
                     </a:tc>
                     <a:extLst>
                       <a:ext uri="{0D108BD9-81ED-4DB2-BD59-A6C34878D82A}">
-                        <a16:rowId xmlns:a16="http://schemas.microsoft.com/office/drawing/2014/main" val="4128712398"/>
+                        <a16:rowId xmlns:a16="http://schemas.microsoft.com/office/drawing/2014/main" xmlns="" val="4128712398"/>
                       </a:ext>
                     </a:extLst>
                   </a:tr>
-                  <a:tr h="370840">
+                  <a:tr h="624909">
                     <a:tc vMerge="1">
                       <a:txBody>
                         <a:bodyPr/>
@@ -11807,7 +10925,7 @@
                           </a:r>
                         </a:p>
                       </a:txBody>
-                      <a:tcPr anchor="ctr">
+                      <a:tcPr marL="91453" marR="91453" marT="45725" marB="45725" anchor="ctr">
                         <a:lnL w="38100" cap="flat" cmpd="sng" algn="ctr">
                           <a:solidFill>
                             <a:schemeClr val="tx1"/>
@@ -11859,7 +10977,7 @@
                           </a:r>
                         </a:p>
                       </a:txBody>
-                      <a:tcPr anchor="ctr">
+                      <a:tcPr marL="91453" marR="91453" marT="45725" marB="45725" anchor="ctr">
                         <a:lnL w="12700" cap="flat" cmpd="sng" algn="ctr">
                           <a:solidFill>
                             <a:schemeClr val="tx1"/>
@@ -11911,7 +11029,7 @@
                           </a:r>
                         </a:p>
                       </a:txBody>
-                      <a:tcPr anchor="ctr">
+                      <a:tcPr marL="91453" marR="91453" marT="45725" marB="45725" anchor="ctr">
                         <a:lnL w="12700" cap="flat" cmpd="sng" algn="ctr">
                           <a:solidFill>
                             <a:schemeClr val="tx1"/>
@@ -11963,7 +11081,7 @@
                           </a:r>
                         </a:p>
                       </a:txBody>
-                      <a:tcPr anchor="ctr">
+                      <a:tcPr marL="91453" marR="91453" marT="45725" marB="45725" anchor="ctr">
                         <a:lnL w="12700" cap="flat" cmpd="sng" algn="ctr">
                           <a:solidFill>
                             <a:schemeClr val="tx1"/>
@@ -12015,7 +11133,7 @@
                           </a:r>
                         </a:p>
                       </a:txBody>
-                      <a:tcPr anchor="ctr">
+                      <a:tcPr marL="91453" marR="91453" marT="45725" marB="45725" anchor="ctr">
                         <a:lnL w="12700" cap="flat" cmpd="sng" algn="ctr">
                           <a:solidFill>
                             <a:schemeClr val="tx1"/>
@@ -12067,7 +11185,7 @@
                           </a:r>
                         </a:p>
                       </a:txBody>
-                      <a:tcPr anchor="ctr">
+                      <a:tcPr marL="91453" marR="91453" marT="45725" marB="45725" anchor="ctr">
                         <a:lnL w="12700" cap="flat" cmpd="sng" algn="ctr">
                           <a:solidFill>
                             <a:schemeClr val="tx1"/>
@@ -12121,7 +11239,7 @@
                           </a:r>
                         </a:p>
                       </a:txBody>
-                      <a:tcPr anchor="ctr">
+                      <a:tcPr marL="91453" marR="91453" marT="45725" marB="45725" anchor="ctr">
                         <a:lnL w="12700" cap="flat" cmpd="sng" algn="ctr">
                           <a:solidFill>
                             <a:schemeClr val="bg1">
@@ -12165,11 +11283,11 @@
                     </a:tc>
                     <a:extLst>
                       <a:ext uri="{0D108BD9-81ED-4DB2-BD59-A6C34878D82A}">
-                        <a16:rowId xmlns:a16="http://schemas.microsoft.com/office/drawing/2014/main" val="1714240357"/>
+                        <a16:rowId xmlns:a16="http://schemas.microsoft.com/office/drawing/2014/main" xmlns="" val="1714240357"/>
                       </a:ext>
                     </a:extLst>
                   </a:tr>
-                  <a:tr h="370840">
+                  <a:tr h="624909">
                     <a:tc vMerge="1">
                       <a:txBody>
                         <a:bodyPr/>
@@ -12241,7 +11359,7 @@
                           <a:endParaRPr lang="en-US" sz="3500" b="0" dirty="0"/>
                         </a:p>
                       </a:txBody>
-                      <a:tcPr anchor="ctr">
+                      <a:tcPr marL="91453" marR="91453" marT="45725" marB="45725" anchor="ctr">
                         <a:lnL w="12700" cap="flat" cmpd="sng" algn="ctr">
                           <a:solidFill>
                             <a:schemeClr val="tx1"/>
@@ -12297,7 +11415,7 @@
                           </a:r>
                         </a:p>
                       </a:txBody>
-                      <a:tcPr anchor="ctr">
+                      <a:tcPr marL="91453" marR="91453" marT="45725" marB="45725" anchor="ctr">
                         <a:lnL w="12700" cap="flat" cmpd="sng" algn="ctr">
                           <a:solidFill>
                             <a:schemeClr val="tx1"/>
@@ -12353,7 +11471,7 @@
                           </a:r>
                         </a:p>
                       </a:txBody>
-                      <a:tcPr anchor="ctr">
+                      <a:tcPr marL="91453" marR="91453" marT="45725" marB="45725" anchor="ctr">
                         <a:lnL w="12700" cap="flat" cmpd="sng" algn="ctr">
                           <a:solidFill>
                             <a:schemeClr val="tx1"/>
@@ -12402,7 +11520,7 @@
                           <a:endParaRPr lang="en-US" sz="3500" dirty="0"/>
                         </a:p>
                       </a:txBody>
-                      <a:tcPr anchor="ctr">
+                      <a:tcPr marL="91453" marR="91453" marT="45725" marB="45725" anchor="ctr">
                         <a:lnL w="12700" cap="flat" cmpd="sng" algn="ctr">
                           <a:solidFill>
                             <a:schemeClr val="tx1"/>
@@ -12455,7 +11573,7 @@
                           <a:endParaRPr lang="en-US" sz="3500" dirty="0"/>
                         </a:p>
                       </a:txBody>
-                      <a:tcPr anchor="ctr">
+                      <a:tcPr marL="91453" marR="91453" marT="45725" marB="45725" anchor="ctr">
                         <a:lnL w="12700" cap="flat" cmpd="sng" algn="ctr">
                           <a:solidFill>
                             <a:schemeClr val="tx1"/>
@@ -12517,7 +11635,7 @@
                           </a:r>
                         </a:p>
                       </a:txBody>
-                      <a:tcPr anchor="ctr">
+                      <a:tcPr marL="91453" marR="91453" marT="45725" marB="45725" anchor="ctr">
                         <a:lnL w="12700" cap="flat" cmpd="sng" algn="ctr">
                           <a:solidFill>
                             <a:schemeClr val="bg1">
@@ -12561,11 +11679,11 @@
                     </a:tc>
                     <a:extLst>
                       <a:ext uri="{0D108BD9-81ED-4DB2-BD59-A6C34878D82A}">
-                        <a16:rowId xmlns:a16="http://schemas.microsoft.com/office/drawing/2014/main" val="1136772937"/>
+                        <a16:rowId xmlns:a16="http://schemas.microsoft.com/office/drawing/2014/main" xmlns="" val="1136772937"/>
                       </a:ext>
                     </a:extLst>
                   </a:tr>
-                  <a:tr h="244800">
+                  <a:tr h="244827">
                     <a:tc>
                       <a:txBody>
                         <a:bodyPr/>
@@ -12575,7 +11693,7 @@
                           <a:endParaRPr lang="en-US" sz="1000" b="1" dirty="0"/>
                         </a:p>
                       </a:txBody>
-                      <a:tcPr anchor="ctr">
+                      <a:tcPr marL="91453" marR="91453" marT="45725" marB="45725" anchor="ctr">
                         <a:lnL w="38100" cap="flat" cmpd="sng" algn="ctr">
                           <a:noFill/>
                           <a:prstDash val="solid"/>
@@ -12591,18 +11709,14 @@
                           <a:tailEnd type="none" w="med" len="med"/>
                         </a:lnR>
                         <a:lnT w="38100" cap="flat" cmpd="sng" algn="ctr">
-                          <a:solidFill>
-                            <a:schemeClr val="tx1"/>
-                          </a:solidFill>
+                          <a:noFill/>
                           <a:prstDash val="solid"/>
                           <a:round/>
                           <a:headEnd type="none" w="med" len="med"/>
                           <a:tailEnd type="none" w="med" len="med"/>
                         </a:lnT>
                         <a:lnB w="38100" cap="flat" cmpd="sng" algn="ctr">
-                          <a:solidFill>
-                            <a:schemeClr val="tx1"/>
-                          </a:solidFill>
+                          <a:noFill/>
                           <a:prstDash val="solid"/>
                           <a:round/>
                           <a:headEnd type="none" w="med" len="med"/>
@@ -12628,7 +11742,7 @@
                           <a:endParaRPr lang="en-US" sz="1000" b="1" dirty="0"/>
                         </a:p>
                       </a:txBody>
-                      <a:tcPr anchor="ctr">
+                      <a:tcPr marL="91453" marR="91453" marT="45725" marB="45725" anchor="ctr">
                         <a:lnL w="38100" cap="flat" cmpd="sng" algn="ctr">
                           <a:noFill/>
                           <a:prstDash val="solid"/>
@@ -12984,11 +12098,11 @@
                     </a:tc>
                     <a:extLst>
                       <a:ext uri="{0D108BD9-81ED-4DB2-BD59-A6C34878D82A}">
-                        <a16:rowId xmlns:a16="http://schemas.microsoft.com/office/drawing/2014/main" val="273075946"/>
+                        <a16:rowId xmlns:a16="http://schemas.microsoft.com/office/drawing/2014/main" xmlns="" val="273075946"/>
                       </a:ext>
                     </a:extLst>
                   </a:tr>
-                  <a:tr h="370840">
+                  <a:tr h="640151">
                     <a:tc rowSpan="7">
                       <a:txBody>
                         <a:bodyPr/>
@@ -12998,7 +12112,7 @@
                           <a:r>
                             <a:rPr lang="en-US" sz="3500" b="1" dirty="0">
                               <a:solidFill>
-                                <a:schemeClr val="tx1"/>
+                                <a:srgbClr val="4A929C"/>
                               </a:solidFill>
                             </a:rPr>
                             <a:t>fashion-</a:t>
@@ -13006,23 +12120,21 @@
                           <a:r>
                             <a:rPr lang="en-US" sz="3500" b="1" dirty="0" err="1">
                               <a:solidFill>
-                                <a:schemeClr val="tx1"/>
+                                <a:srgbClr val="4A929C"/>
                               </a:solidFill>
                             </a:rPr>
                             <a:t>mnist</a:t>
                           </a:r>
                           <a:endParaRPr lang="en-US" sz="3500" b="1" dirty="0">
                             <a:solidFill>
-                              <a:schemeClr val="tx1"/>
+                              <a:srgbClr val="4A929C"/>
                             </a:solidFill>
                           </a:endParaRPr>
                         </a:p>
                       </a:txBody>
-                      <a:tcPr vert="vert270" anchor="ctr">
+                      <a:tcPr marL="91453" marR="91453" marT="45725" marB="45725" vert="vert270" anchor="ctr">
                         <a:lnL w="38100" cap="flat" cmpd="sng" algn="ctr">
-                          <a:solidFill>
-                            <a:schemeClr val="tx1"/>
-                          </a:solidFill>
+                          <a:noFill/>
                           <a:prstDash val="solid"/>
                           <a:round/>
                           <a:headEnd type="none" w="med" len="med"/>
@@ -13038,23 +12150,27 @@
                           <a:tailEnd type="none" w="med" len="med"/>
                         </a:lnR>
                         <a:lnT w="38100" cap="flat" cmpd="sng" algn="ctr">
-                          <a:solidFill>
-                            <a:schemeClr val="tx1"/>
-                          </a:solidFill>
+                          <a:noFill/>
                           <a:prstDash val="solid"/>
                           <a:round/>
                           <a:headEnd type="none" w="med" len="med"/>
                           <a:tailEnd type="none" w="med" len="med"/>
                         </a:lnT>
                         <a:lnB w="38100" cap="flat" cmpd="sng" algn="ctr">
-                          <a:solidFill>
-                            <a:schemeClr val="tx1"/>
-                          </a:solidFill>
-                          <a:prstDash val="solid"/>
-                          <a:round/>
-                          <a:headEnd type="none" w="med" len="med"/>
-                          <a:tailEnd type="none" w="med" len="med"/>
-                        </a:lnB>
+                          <a:noFill/>
+                          <a:prstDash val="solid"/>
+                          <a:round/>
+                          <a:headEnd type="none" w="med" len="med"/>
+                          <a:tailEnd type="none" w="med" len="med"/>
+                        </a:lnB>
+                        <a:lnTlToBr w="12700" cmpd="sng">
+                          <a:noFill/>
+                          <a:prstDash val="solid"/>
+                        </a:lnTlToBr>
+                        <a:lnBlToTr w="12700" cmpd="sng">
+                          <a:noFill/>
+                          <a:prstDash val="solid"/>
+                        </a:lnBlToTr>
                         <a:noFill/>
                       </a:tcPr>
                     </a:tc>
@@ -13074,7 +12190,7 @@
                           </a:r>
                         </a:p>
                       </a:txBody>
-                      <a:tcPr anchor="ctr">
+                      <a:tcPr marL="91453" marR="91453" marT="45725" marB="45725" anchor="ctr">
                         <a:lnL w="38100" cap="flat" cmpd="sng" algn="ctr">
                           <a:solidFill>
                             <a:schemeClr val="tx1"/>
@@ -13130,7 +12246,7 @@
                           </a:r>
                         </a:p>
                       </a:txBody>
-                      <a:tcPr anchor="ctr">
+                      <a:tcPr marL="91453" marR="91453" marT="45725" marB="45725" anchor="ctr">
                         <a:lnL w="12700" cap="flat" cmpd="sng" algn="ctr">
                           <a:solidFill>
                             <a:schemeClr val="tx1"/>
@@ -13186,7 +12302,7 @@
                           </a:r>
                         </a:p>
                       </a:txBody>
-                      <a:tcPr anchor="ctr">
+                      <a:tcPr marL="91453" marR="91453" marT="45725" marB="45725" anchor="ctr">
                         <a:lnL w="12700" cap="flat" cmpd="sng" algn="ctr">
                           <a:solidFill>
                             <a:schemeClr val="tx1"/>
@@ -13242,7 +12358,7 @@
                           </a:r>
                         </a:p>
                       </a:txBody>
-                      <a:tcPr anchor="ctr">
+                      <a:tcPr marL="91453" marR="91453" marT="45725" marB="45725" anchor="ctr">
                         <a:lnL w="12700" cap="flat" cmpd="sng" algn="ctr">
                           <a:solidFill>
                             <a:schemeClr val="tx1"/>
@@ -13319,7 +12435,7 @@
                           </a:endParaRPr>
                         </a:p>
                       </a:txBody>
-                      <a:tcPr anchor="ctr">
+                      <a:tcPr marL="91453" marR="91453" marT="45725" marB="45725" anchor="ctr">
                         <a:lnL w="12700" cap="flat" cmpd="sng" algn="ctr">
                           <a:solidFill>
                             <a:schemeClr val="tx1"/>
@@ -13392,7 +12508,7 @@
                           <a:endParaRPr lang="en-US" sz="3500" dirty="0"/>
                         </a:p>
                       </a:txBody>
-                      <a:tcPr anchor="ctr">
+                      <a:tcPr marL="91453" marR="91453" marT="45725" marB="45725" anchor="ctr">
                         <a:lnL w="12700" cap="flat" cmpd="sng" algn="ctr">
                           <a:solidFill>
                             <a:schemeClr val="tx1"/>
@@ -13459,7 +12575,7 @@
                           <a:endParaRPr lang="en-US" sz="3500" dirty="0"/>
                         </a:p>
                       </a:txBody>
-                      <a:tcPr anchor="ctr">
+                      <a:tcPr marL="91453" marR="91453" marT="45725" marB="45725" anchor="ctr">
                         <a:lnL w="12700" cap="flat" cmpd="sng" algn="ctr">
                           <a:solidFill>
                             <a:schemeClr val="bg1">
@@ -13503,11 +12619,11 @@
                     </a:tc>
                     <a:extLst>
                       <a:ext uri="{0D108BD9-81ED-4DB2-BD59-A6C34878D82A}">
-                        <a16:rowId xmlns:a16="http://schemas.microsoft.com/office/drawing/2014/main" val="106372282"/>
+                        <a16:rowId xmlns:a16="http://schemas.microsoft.com/office/drawing/2014/main" xmlns="" val="106372282"/>
                       </a:ext>
                     </a:extLst>
                   </a:tr>
-                  <a:tr h="370840">
+                  <a:tr h="624909">
                     <a:tc vMerge="1">
                       <a:txBody>
                         <a:bodyPr/>
@@ -13569,7 +12685,7 @@
                           </a:r>
                         </a:p>
                       </a:txBody>
-                      <a:tcPr anchor="ctr">
+                      <a:tcPr marL="91453" marR="91453" marT="45725" marB="45725" anchor="ctr">
                         <a:lnL w="38100" cap="flat" cmpd="sng" algn="ctr">
                           <a:solidFill>
                             <a:schemeClr val="tx1"/>
@@ -13621,7 +12737,7 @@
                           </a:r>
                         </a:p>
                       </a:txBody>
-                      <a:tcPr anchor="ctr">
+                      <a:tcPr marL="91453" marR="91453" marT="45725" marB="45725" anchor="ctr">
                         <a:lnL w="12700" cap="flat" cmpd="sng" algn="ctr">
                           <a:solidFill>
                             <a:schemeClr val="tx1"/>
@@ -13673,7 +12789,7 @@
                           </a:r>
                         </a:p>
                       </a:txBody>
-                      <a:tcPr anchor="ctr">
+                      <a:tcPr marL="91453" marR="91453" marT="45725" marB="45725" anchor="ctr">
                         <a:lnL w="12700" cap="flat" cmpd="sng" algn="ctr">
                           <a:solidFill>
                             <a:schemeClr val="tx1"/>
@@ -13725,7 +12841,7 @@
                           </a:r>
                         </a:p>
                       </a:txBody>
-                      <a:tcPr anchor="ctr">
+                      <a:tcPr marL="91453" marR="91453" marT="45725" marB="45725" anchor="ctr">
                         <a:lnL w="12700" cap="flat" cmpd="sng" algn="ctr">
                           <a:solidFill>
                             <a:schemeClr val="tx1"/>
@@ -13777,7 +12893,7 @@
                           </a:r>
                         </a:p>
                       </a:txBody>
-                      <a:tcPr anchor="ctr">
+                      <a:tcPr marL="91453" marR="91453" marT="45725" marB="45725" anchor="ctr">
                         <a:lnL w="12700" cap="flat" cmpd="sng" algn="ctr">
                           <a:solidFill>
                             <a:schemeClr val="tx1"/>
@@ -13829,7 +12945,7 @@
                           </a:r>
                         </a:p>
                       </a:txBody>
-                      <a:tcPr anchor="ctr">
+                      <a:tcPr marL="91453" marR="91453" marT="45725" marB="45725" anchor="ctr">
                         <a:lnL w="12700" cap="flat" cmpd="sng" algn="ctr">
                           <a:solidFill>
                             <a:schemeClr val="tx1"/>
@@ -13883,7 +12999,7 @@
                           </a:r>
                         </a:p>
                       </a:txBody>
-                      <a:tcPr anchor="ctr">
+                      <a:tcPr marL="91453" marR="91453" marT="45725" marB="45725" anchor="ctr">
                         <a:lnL w="12700" cap="flat" cmpd="sng" algn="ctr">
                           <a:solidFill>
                             <a:schemeClr val="bg1">
@@ -13927,11 +13043,11 @@
                     </a:tc>
                     <a:extLst>
                       <a:ext uri="{0D108BD9-81ED-4DB2-BD59-A6C34878D82A}">
-                        <a16:rowId xmlns:a16="http://schemas.microsoft.com/office/drawing/2014/main" val="67320090"/>
+                        <a16:rowId xmlns:a16="http://schemas.microsoft.com/office/drawing/2014/main" xmlns="" val="67320090"/>
                       </a:ext>
                     </a:extLst>
                   </a:tr>
-                  <a:tr h="370840">
+                  <a:tr h="640151">
                     <a:tc vMerge="1">
                       <a:txBody>
                         <a:bodyPr/>
@@ -14043,7 +13159,7 @@
                                 <m:sSubPr>
                                   <m:ctrlPr>
                                     <a:rPr lang="en-US" sz="3600" b="0" i="1" smtClean="0">
-                                      <a:latin typeface="Cambria Math" panose="02040503050406030204" pitchFamily="18" charset="0"/>
+                                      <a:latin typeface="Cambria Math"/>
                                     </a:rPr>
                                   </m:ctrlPr>
                                 </m:sSubPr>
@@ -14069,7 +13185,7 @@
                           <a:endParaRPr lang="en-US" sz="3600" b="0" dirty="0"/>
                         </a:p>
                       </a:txBody>
-                      <a:tcPr anchor="ctr">
+                      <a:tcPr marL="91453" marR="91453" marT="45725" marB="45725" anchor="ctr">
                         <a:lnL w="12700" cap="flat" cmpd="sng" algn="ctr">
                           <a:solidFill>
                             <a:schemeClr val="tx1"/>
@@ -14125,7 +13241,7 @@
                           </a:r>
                         </a:p>
                       </a:txBody>
-                      <a:tcPr anchor="ctr">
+                      <a:tcPr marL="91453" marR="91453" marT="45725" marB="45725" anchor="ctr">
                         <a:lnL w="12700" cap="flat" cmpd="sng" algn="ctr">
                           <a:solidFill>
                             <a:schemeClr val="tx1"/>
@@ -14181,7 +13297,7 @@
                           </a:r>
                         </a:p>
                       </a:txBody>
-                      <a:tcPr anchor="ctr">
+                      <a:tcPr marL="91453" marR="91453" marT="45725" marB="45725" anchor="ctr">
                         <a:lnL w="12700" cap="flat" cmpd="sng" algn="ctr">
                           <a:solidFill>
                             <a:schemeClr val="tx1"/>
@@ -14230,7 +13346,7 @@
                           <a:endParaRPr lang="en-US" sz="3500" dirty="0"/>
                         </a:p>
                       </a:txBody>
-                      <a:tcPr anchor="ctr">
+                      <a:tcPr marL="91453" marR="91453" marT="45725" marB="45725" anchor="ctr">
                         <a:lnL w="12700" cap="flat" cmpd="sng" algn="ctr">
                           <a:solidFill>
                             <a:schemeClr val="tx1"/>
@@ -14283,7 +13399,7 @@
                           <a:endParaRPr lang="en-US" sz="3500" dirty="0"/>
                         </a:p>
                       </a:txBody>
-                      <a:tcPr anchor="ctr">
+                      <a:tcPr marL="91453" marR="91453" marT="45725" marB="45725" anchor="ctr">
                         <a:lnL w="12700" cap="flat" cmpd="sng" algn="ctr">
                           <a:solidFill>
                             <a:schemeClr val="tx1"/>
@@ -14345,7 +13461,7 @@
                           </a:r>
                         </a:p>
                       </a:txBody>
-                      <a:tcPr anchor="ctr">
+                      <a:tcPr marL="91453" marR="91453" marT="45725" marB="45725" anchor="ctr">
                         <a:lnL w="12700" cap="flat" cmpd="sng" algn="ctr">
                           <a:solidFill>
                             <a:schemeClr val="bg1">
@@ -14389,11 +13505,11 @@
                     </a:tc>
                     <a:extLst>
                       <a:ext uri="{0D108BD9-81ED-4DB2-BD59-A6C34878D82A}">
-                        <a16:rowId xmlns:a16="http://schemas.microsoft.com/office/drawing/2014/main" val="1110501758"/>
+                        <a16:rowId xmlns:a16="http://schemas.microsoft.com/office/drawing/2014/main" xmlns="" val="1110501758"/>
                       </a:ext>
                     </a:extLst>
                   </a:tr>
-                  <a:tr h="370840">
+                  <a:tr h="640151">
                     <a:tc vMerge="1">
                       <a:txBody>
                         <a:bodyPr/>
@@ -14472,7 +13588,7 @@
                                 <m:sSubPr>
                                   <m:ctrlPr>
                                     <a:rPr lang="en-US" sz="3600" b="0" i="1" smtClean="0">
-                                      <a:latin typeface="Cambria Math" panose="02040503050406030204" pitchFamily="18" charset="0"/>
+                                      <a:latin typeface="Cambria Math"/>
                                     </a:rPr>
                                   </m:ctrlPr>
                                 </m:sSubPr>
@@ -14498,7 +13614,7 @@
                           <a:endParaRPr lang="en-US" sz="3500" b="0" dirty="0"/>
                         </a:p>
                       </a:txBody>
-                      <a:tcPr anchor="ctr">
+                      <a:tcPr marL="91453" marR="91453" marT="45725" marB="45725" anchor="ctr">
                         <a:lnL w="12700" cap="flat" cmpd="sng" algn="ctr">
                           <a:solidFill>
                             <a:schemeClr val="tx1"/>
@@ -14554,7 +13670,7 @@
                           </a:r>
                         </a:p>
                       </a:txBody>
-                      <a:tcPr anchor="ctr">
+                      <a:tcPr marL="91453" marR="91453" marT="45725" marB="45725" anchor="ctr">
                         <a:lnL w="12700" cap="flat" cmpd="sng" algn="ctr">
                           <a:solidFill>
                             <a:schemeClr val="tx1"/>
@@ -14610,7 +13726,7 @@
                           </a:r>
                         </a:p>
                       </a:txBody>
-                      <a:tcPr anchor="ctr">
+                      <a:tcPr marL="91453" marR="91453" marT="45725" marB="45725" anchor="ctr">
                         <a:lnL w="12700" cap="flat" cmpd="sng" algn="ctr">
                           <a:solidFill>
                             <a:schemeClr val="tx1"/>
@@ -14772,7 +13888,7 @@
                           </a:r>
                         </a:p>
                       </a:txBody>
-                      <a:tcPr anchor="ctr">
+                      <a:tcPr marL="91453" marR="91453" marT="45725" marB="45725" anchor="ctr">
                         <a:lnL w="12700" cap="flat" cmpd="sng" algn="ctr">
                           <a:solidFill>
                             <a:schemeClr val="bg1">
@@ -14816,11 +13932,11 @@
                     </a:tc>
                     <a:extLst>
                       <a:ext uri="{0D108BD9-81ED-4DB2-BD59-A6C34878D82A}">
-                        <a16:rowId xmlns:a16="http://schemas.microsoft.com/office/drawing/2014/main" val="3418596869"/>
+                        <a16:rowId xmlns:a16="http://schemas.microsoft.com/office/drawing/2014/main" xmlns="" val="3418596869"/>
                       </a:ext>
                     </a:extLst>
                   </a:tr>
-                  <a:tr h="370840">
+                  <a:tr h="640151">
                     <a:tc vMerge="1">
                       <a:txBody>
                         <a:bodyPr/>
@@ -14899,7 +14015,7 @@
                                 <m:sSubPr>
                                   <m:ctrlPr>
                                     <a:rPr lang="en-US" sz="3600" b="0" i="1" smtClean="0">
-                                      <a:latin typeface="Cambria Math" panose="02040503050406030204" pitchFamily="18" charset="0"/>
+                                      <a:latin typeface="Cambria Math"/>
                                     </a:rPr>
                                   </m:ctrlPr>
                                 </m:sSubPr>
@@ -14926,7 +14042,7 @@
                           <a:endParaRPr lang="en-US" sz="3500" b="0" dirty="0"/>
                         </a:p>
                       </a:txBody>
-                      <a:tcPr anchor="ctr">
+                      <a:tcPr marL="91453" marR="91453" marT="45725" marB="45725" anchor="ctr">
                         <a:lnL w="12700" cap="flat" cmpd="sng" algn="ctr">
                           <a:solidFill>
                             <a:schemeClr val="tx1"/>
@@ -14982,7 +14098,7 @@
                           </a:r>
                         </a:p>
                       </a:txBody>
-                      <a:tcPr anchor="ctr">
+                      <a:tcPr marL="91453" marR="91453" marT="45725" marB="45725" anchor="ctr">
                         <a:lnL w="12700" cap="flat" cmpd="sng" algn="ctr">
                           <a:solidFill>
                             <a:schemeClr val="tx1"/>
@@ -15038,7 +14154,7 @@
                           </a:r>
                         </a:p>
                       </a:txBody>
-                      <a:tcPr anchor="ctr">
+                      <a:tcPr marL="91453" marR="91453" marT="45725" marB="45725" anchor="ctr">
                         <a:lnL w="12700" cap="flat" cmpd="sng" algn="ctr">
                           <a:solidFill>
                             <a:schemeClr val="tx1"/>
@@ -15205,7 +14321,7 @@
                           </a:endParaRPr>
                         </a:p>
                       </a:txBody>
-                      <a:tcPr anchor="ctr">
+                      <a:tcPr marL="91453" marR="91453" marT="45725" marB="45725" anchor="ctr">
                         <a:lnL w="12700" cap="flat" cmpd="sng" algn="ctr">
                           <a:solidFill>
                             <a:schemeClr val="bg1">
@@ -15249,11 +14365,11 @@
                     </a:tc>
                     <a:extLst>
                       <a:ext uri="{0D108BD9-81ED-4DB2-BD59-A6C34878D82A}">
-                        <a16:rowId xmlns:a16="http://schemas.microsoft.com/office/drawing/2014/main" val="115005646"/>
+                        <a16:rowId xmlns:a16="http://schemas.microsoft.com/office/drawing/2014/main" xmlns="" val="115005646"/>
                       </a:ext>
                     </a:extLst>
                   </a:tr>
-                  <a:tr h="370840">
+                  <a:tr h="624909">
                     <a:tc vMerge="1">
                       <a:txBody>
                         <a:bodyPr/>
@@ -15315,7 +14431,7 @@
                           </a:r>
                         </a:p>
                       </a:txBody>
-                      <a:tcPr anchor="ctr">
+                      <a:tcPr marL="91453" marR="91453" marT="45725" marB="45725" anchor="ctr">
                         <a:lnL w="38100" cap="flat" cmpd="sng" algn="ctr">
                           <a:solidFill>
                             <a:schemeClr val="tx1"/>
@@ -15367,7 +14483,7 @@
                           </a:r>
                         </a:p>
                       </a:txBody>
-                      <a:tcPr anchor="ctr">
+                      <a:tcPr marL="91453" marR="91453" marT="45725" marB="45725" anchor="ctr">
                         <a:lnL w="12700" cap="flat" cmpd="sng" algn="ctr">
                           <a:solidFill>
                             <a:schemeClr val="tx1"/>
@@ -15419,7 +14535,7 @@
                           </a:r>
                         </a:p>
                       </a:txBody>
-                      <a:tcPr anchor="ctr">
+                      <a:tcPr marL="91453" marR="91453" marT="45725" marB="45725" anchor="ctr">
                         <a:lnL w="12700" cap="flat" cmpd="sng" algn="ctr">
                           <a:solidFill>
                             <a:schemeClr val="tx1"/>
@@ -15471,7 +14587,7 @@
                           </a:r>
                         </a:p>
                       </a:txBody>
-                      <a:tcPr anchor="ctr">
+                      <a:tcPr marL="91453" marR="91453" marT="45725" marB="45725" anchor="ctr">
                         <a:lnL w="12700" cap="flat" cmpd="sng" algn="ctr">
                           <a:solidFill>
                             <a:schemeClr val="tx1"/>
@@ -15523,7 +14639,7 @@
                           </a:r>
                         </a:p>
                       </a:txBody>
-                      <a:tcPr anchor="ctr">
+                      <a:tcPr marL="91453" marR="91453" marT="45725" marB="45725" anchor="ctr">
                         <a:lnL w="12700" cap="flat" cmpd="sng" algn="ctr">
                           <a:solidFill>
                             <a:schemeClr val="tx1"/>
@@ -15575,7 +14691,7 @@
                           </a:r>
                         </a:p>
                       </a:txBody>
-                      <a:tcPr anchor="ctr">
+                      <a:tcPr marL="91453" marR="91453" marT="45725" marB="45725" anchor="ctr">
                         <a:lnL w="12700" cap="flat" cmpd="sng" algn="ctr">
                           <a:solidFill>
                             <a:schemeClr val="tx1"/>
@@ -15629,7 +14745,7 @@
                           </a:r>
                         </a:p>
                       </a:txBody>
-                      <a:tcPr anchor="ctr">
+                      <a:tcPr marL="91453" marR="91453" marT="45725" marB="45725" anchor="ctr">
                         <a:lnL w="12700" cap="flat" cmpd="sng" algn="ctr">
                           <a:solidFill>
                             <a:schemeClr val="bg1">
@@ -15673,11 +14789,11 @@
                     </a:tc>
                     <a:extLst>
                       <a:ext uri="{0D108BD9-81ED-4DB2-BD59-A6C34878D82A}">
-                        <a16:rowId xmlns:a16="http://schemas.microsoft.com/office/drawing/2014/main" val="2163458290"/>
+                        <a16:rowId xmlns:a16="http://schemas.microsoft.com/office/drawing/2014/main" xmlns="" val="2163458290"/>
                       </a:ext>
                     </a:extLst>
                   </a:tr>
-                  <a:tr h="370840">
+                  <a:tr h="624909">
                     <a:tc vMerge="1">
                       <a:txBody>
                         <a:bodyPr/>
@@ -15749,7 +14865,7 @@
                           <a:endParaRPr lang="en-US" sz="3500" b="0" dirty="0"/>
                         </a:p>
                       </a:txBody>
-                      <a:tcPr anchor="ctr">
+                      <a:tcPr marL="91453" marR="91453" marT="45725" marB="45725" anchor="ctr">
                         <a:lnL w="12700" cap="flat" cmpd="sng" algn="ctr">
                           <a:solidFill>
                             <a:schemeClr val="tx1"/>
@@ -15805,7 +14921,7 @@
                           </a:r>
                         </a:p>
                       </a:txBody>
-                      <a:tcPr anchor="ctr">
+                      <a:tcPr marL="91453" marR="91453" marT="45725" marB="45725" anchor="ctr">
                         <a:lnL w="12700" cap="flat" cmpd="sng" algn="ctr">
                           <a:solidFill>
                             <a:schemeClr val="tx1"/>
@@ -15861,7 +14977,7 @@
                           </a:r>
                         </a:p>
                       </a:txBody>
-                      <a:tcPr anchor="ctr">
+                      <a:tcPr marL="91453" marR="91453" marT="45725" marB="45725" anchor="ctr">
                         <a:lnL w="12700" cap="flat" cmpd="sng" algn="ctr">
                           <a:solidFill>
                             <a:schemeClr val="tx1"/>
@@ -15910,7 +15026,7 @@
                           <a:endParaRPr lang="en-US" sz="3500" dirty="0"/>
                         </a:p>
                       </a:txBody>
-                      <a:tcPr anchor="ctr">
+                      <a:tcPr marL="91453" marR="91453" marT="45725" marB="45725" anchor="ctr">
                         <a:lnL w="12700" cap="flat" cmpd="sng" algn="ctr">
                           <a:solidFill>
                             <a:schemeClr val="tx1"/>
@@ -15963,7 +15079,7 @@
                           <a:endParaRPr lang="en-US" sz="3500" dirty="0"/>
                         </a:p>
                       </a:txBody>
-                      <a:tcPr anchor="ctr">
+                      <a:tcPr marL="91453" marR="91453" marT="45725" marB="45725" anchor="ctr">
                         <a:lnL w="12700" cap="flat" cmpd="sng" algn="ctr">
                           <a:solidFill>
                             <a:schemeClr val="tx1"/>
@@ -16025,7 +15141,7 @@
                           </a:r>
                         </a:p>
                       </a:txBody>
-                      <a:tcPr anchor="ctr">
+                      <a:tcPr marL="91453" marR="91453" marT="45725" marB="45725" anchor="ctr">
                         <a:lnL w="12700" cap="flat" cmpd="sng" algn="ctr">
                           <a:solidFill>
                             <a:schemeClr val="bg1">
@@ -16069,7 +15185,7 @@
                     </a:tc>
                     <a:extLst>
                       <a:ext uri="{0D108BD9-81ED-4DB2-BD59-A6C34878D82A}">
-                        <a16:rowId xmlns:a16="http://schemas.microsoft.com/office/drawing/2014/main" val="20039438"/>
+                        <a16:rowId xmlns:a16="http://schemas.microsoft.com/office/drawing/2014/main" xmlns="" val="20039438"/>
                       </a:ext>
                     </a:extLst>
                   </a:tr>
@@ -16084,7 +15200,7 @@
               <p:cNvPr id="112" name="Table 111">
                 <a:extLst>
                   <a:ext uri="{FF2B5EF4-FFF2-40B4-BE49-F238E27FC236}">
-                    <a16:creationId xmlns:a16="http://schemas.microsoft.com/office/drawing/2014/main" id="{75DCAF6B-1142-4A53-8ECA-23BCA547B62C}"/>
+                    <a16:creationId xmlns:a16="http://schemas.microsoft.com/office/drawing/2014/main" xmlns:a14="http://schemas.microsoft.com/office/drawing/2010/main" xmlns="" id="{75DCAF6B-1142-4A53-8ECA-23BCA547B62C}"/>
                   </a:ext>
                 </a:extLst>
               </p:cNvPr>
@@ -16094,14 +15210,14 @@
               <p:nvPr>
                 <p:extLst>
                   <p:ext uri="{D42A27DB-BD31-4B8C-83A1-F6EECF244321}">
-                    <p14:modId xmlns:p14="http://schemas.microsoft.com/office/powerpoint/2010/main" val="3929535977"/>
+                    <p14:modId xmlns:p14="http://schemas.microsoft.com/office/powerpoint/2010/main" val="2369005453"/>
                   </p:ext>
                 </p:extLst>
               </p:nvPr>
             </p:nvGraphicFramePr>
             <p:xfrm>
-              <a:off x="17314853" y="20364157"/>
-              <a:ext cx="14420456" cy="9983160"/>
+              <a:off x="17317398" y="21052202"/>
+              <a:ext cx="14422576" cy="9115489"/>
             </p:xfrm>
             <a:graphic>
               <a:graphicData uri="http://schemas.openxmlformats.org/drawingml/2006/table">
@@ -16110,953 +15226,64 @@
                     <a:tableStyleId>{5C22544A-7EE6-4342-B048-85BDC9FD1C3A}</a:tableStyleId>
                   </a:tblPr>
                   <a:tblGrid>
-                    <a:gridCol w="576000">
+                    <a:gridCol w="576085">
                       <a:extLst>
                         <a:ext uri="{9D8B030D-6E8A-4147-A177-3AD203B41FA5}">
-                          <a16:colId xmlns:a16="http://schemas.microsoft.com/office/drawing/2014/main" val="3197574381"/>
+                          <a16:colId xmlns:a16="http://schemas.microsoft.com/office/drawing/2014/main" xmlns:a14="http://schemas.microsoft.com/office/drawing/2010/main" xmlns="" val="3197574381"/>
                         </a:ext>
                       </a:extLst>
                     </a:gridCol>
-                    <a:gridCol w="1368000">
+                    <a:gridCol w="1368201">
                       <a:extLst>
                         <a:ext uri="{9D8B030D-6E8A-4147-A177-3AD203B41FA5}">
-                          <a16:colId xmlns:a16="http://schemas.microsoft.com/office/drawing/2014/main" val="4074414025"/>
+                          <a16:colId xmlns:a16="http://schemas.microsoft.com/office/drawing/2014/main" xmlns:a14="http://schemas.microsoft.com/office/drawing/2010/main" xmlns="" val="4074414025"/>
                         </a:ext>
                       </a:extLst>
                     </a:gridCol>
-                    <a:gridCol w="1764000">
+                    <a:gridCol w="1764259">
                       <a:extLst>
                         <a:ext uri="{9D8B030D-6E8A-4147-A177-3AD203B41FA5}">
-                          <a16:colId xmlns:a16="http://schemas.microsoft.com/office/drawing/2014/main" val="3000387878"/>
+                          <a16:colId xmlns:a16="http://schemas.microsoft.com/office/drawing/2014/main" xmlns:a14="http://schemas.microsoft.com/office/drawing/2010/main" xmlns="" val="3000387878"/>
                         </a:ext>
                       </a:extLst>
                     </a:gridCol>
-                    <a:gridCol w="2701047">
+                    <a:gridCol w="2701444">
                       <a:extLst>
                         <a:ext uri="{9D8B030D-6E8A-4147-A177-3AD203B41FA5}">
-                          <a16:colId xmlns:a16="http://schemas.microsoft.com/office/drawing/2014/main" val="2368814726"/>
+                          <a16:colId xmlns:a16="http://schemas.microsoft.com/office/drawing/2014/main" xmlns:a14="http://schemas.microsoft.com/office/drawing/2010/main" xmlns="" val="2368814726"/>
                         </a:ext>
                       </a:extLst>
                     </a:gridCol>
-                    <a:gridCol w="2503409">
+                    <a:gridCol w="2503777">
                       <a:extLst>
                         <a:ext uri="{9D8B030D-6E8A-4147-A177-3AD203B41FA5}">
-                          <a16:colId xmlns:a16="http://schemas.microsoft.com/office/drawing/2014/main" val="1709447781"/>
+                          <a16:colId xmlns:a16="http://schemas.microsoft.com/office/drawing/2014/main" xmlns:a14="http://schemas.microsoft.com/office/drawing/2010/main" xmlns="" val="1709447781"/>
                         </a:ext>
                       </a:extLst>
                     </a:gridCol>
-                    <a:gridCol w="1836000">
+                    <a:gridCol w="1836270">
                       <a:extLst>
                         <a:ext uri="{9D8B030D-6E8A-4147-A177-3AD203B41FA5}">
-                          <a16:colId xmlns:a16="http://schemas.microsoft.com/office/drawing/2014/main" val="2150489925"/>
+                          <a16:colId xmlns:a16="http://schemas.microsoft.com/office/drawing/2014/main" xmlns:a14="http://schemas.microsoft.com/office/drawing/2010/main" xmlns="" val="2150489925"/>
                         </a:ext>
                       </a:extLst>
                     </a:gridCol>
-                    <a:gridCol w="1836000">
+                    <a:gridCol w="1836270">
                       <a:extLst>
                         <a:ext uri="{9D8B030D-6E8A-4147-A177-3AD203B41FA5}">
-                          <a16:colId xmlns:a16="http://schemas.microsoft.com/office/drawing/2014/main" val="4143285275"/>
+                          <a16:colId xmlns:a16="http://schemas.microsoft.com/office/drawing/2014/main" xmlns:a14="http://schemas.microsoft.com/office/drawing/2010/main" xmlns="" val="4143285275"/>
                         </a:ext>
                       </a:extLst>
                     </a:gridCol>
-                    <a:gridCol w="1836000">
+                    <a:gridCol w="1836270">
                       <a:extLst>
                         <a:ext uri="{9D8B030D-6E8A-4147-A177-3AD203B41FA5}">
-                          <a16:colId xmlns:a16="http://schemas.microsoft.com/office/drawing/2014/main" val="2491369531"/>
+                          <a16:colId xmlns:a16="http://schemas.microsoft.com/office/drawing/2014/main" xmlns:a14="http://schemas.microsoft.com/office/drawing/2010/main" xmlns="" val="2491369531"/>
                         </a:ext>
                       </a:extLst>
                     </a:gridCol>
                   </a:tblGrid>
-                  <a:tr h="624840">
-                    <a:tc gridSpan="8">
-                      <a:txBody>
-                        <a:bodyPr/>
-                        <a:lstStyle/>
-                        <a:p>
-                          <a:pPr marL="0" marR="0" lvl="0" indent="0" algn="ctr" defTabSz="3239902" rtl="0" eaLnBrk="1" fontAlgn="auto" latinLnBrk="0" hangingPunct="1">
-                            <a:lnSpc>
-                              <a:spcPct val="100000"/>
-                            </a:lnSpc>
-                            <a:spcBef>
-                              <a:spcPts val="0"/>
-                            </a:spcBef>
-                            <a:spcAft>
-                              <a:spcPts val="0"/>
-                            </a:spcAft>
-                            <a:buClrTx/>
-                            <a:buSzTx/>
-                            <a:buFontTx/>
-                            <a:buNone/>
-                            <a:tabLst/>
-                            <a:defRPr/>
-                          </a:pPr>
-                          <a:r>
-                            <a:rPr lang="en-US" sz="3500" dirty="0">
-                              <a:solidFill>
-                                <a:schemeClr val="tx1"/>
-                              </a:solidFill>
-                            </a:rPr>
-                            <a:t>Classification error (%) on the first 1000 test samples</a:t>
-                          </a:r>
-                        </a:p>
-                      </a:txBody>
-                      <a:tcPr anchor="ctr">
-                        <a:lnL w="38100" cap="flat" cmpd="sng" algn="ctr">
-                          <a:solidFill>
-                            <a:schemeClr val="tx1"/>
-                          </a:solidFill>
-                          <a:prstDash val="solid"/>
-                          <a:round/>
-                          <a:headEnd type="none" w="med" len="med"/>
-                          <a:tailEnd type="none" w="med" len="med"/>
-                        </a:lnL>
-                        <a:lnR w="38100" cap="flat" cmpd="sng" algn="ctr">
-                          <a:solidFill>
-                            <a:schemeClr val="tx1"/>
-                          </a:solidFill>
-                          <a:prstDash val="solid"/>
-                          <a:round/>
-                          <a:headEnd type="none" w="med" len="med"/>
-                          <a:tailEnd type="none" w="med" len="med"/>
-                        </a:lnR>
-                        <a:lnT w="38100" cap="flat" cmpd="sng" algn="ctr">
-                          <a:solidFill>
-                            <a:schemeClr val="tx1"/>
-                          </a:solidFill>
-                          <a:prstDash val="solid"/>
-                          <a:round/>
-                          <a:headEnd type="none" w="med" len="med"/>
-                          <a:tailEnd type="none" w="med" len="med"/>
-                        </a:lnT>
-                        <a:lnB w="38100" cap="flat" cmpd="sng" algn="ctr">
-                          <a:solidFill>
-                            <a:schemeClr val="tx1"/>
-                          </a:solidFill>
-                          <a:prstDash val="solid"/>
-                          <a:round/>
-                          <a:headEnd type="none" w="med" len="med"/>
-                          <a:tailEnd type="none" w="med" len="med"/>
-                        </a:lnB>
-                        <a:noFill/>
-                      </a:tcPr>
-                    </a:tc>
-                    <a:tc hMerge="1">
-                      <a:txBody>
-                        <a:bodyPr/>
-                        <a:lstStyle/>
-                        <a:p>
-                          <a:pPr marL="0" marR="0" lvl="0" indent="0" algn="ctr" defTabSz="3239902" rtl="0" eaLnBrk="1" fontAlgn="auto" latinLnBrk="0" hangingPunct="1">
-                            <a:lnSpc>
-                              <a:spcPct val="100000"/>
-                            </a:lnSpc>
-                            <a:spcBef>
-                              <a:spcPts val="0"/>
-                            </a:spcBef>
-                            <a:spcAft>
-                              <a:spcPts val="0"/>
-                            </a:spcAft>
-                            <a:buClrTx/>
-                            <a:buSzTx/>
-                            <a:buFontTx/>
-                            <a:buNone/>
-                            <a:tabLst/>
-                            <a:defRPr/>
-                          </a:pPr>
-                          <a:endParaRPr lang="en-US" sz="3500" dirty="0">
-                            <a:solidFill>
-                              <a:schemeClr val="tx1"/>
-                            </a:solidFill>
-                          </a:endParaRPr>
-                        </a:p>
-                      </a:txBody>
-                      <a:tcPr anchor="ctr">
-                        <a:lnL w="38100" cap="flat" cmpd="sng" algn="ctr">
-                          <a:solidFill>
-                            <a:schemeClr val="tx1"/>
-                          </a:solidFill>
-                          <a:prstDash val="solid"/>
-                          <a:round/>
-                          <a:headEnd type="none" w="med" len="med"/>
-                          <a:tailEnd type="none" w="med" len="med"/>
-                        </a:lnL>
-                        <a:lnR w="38100" cap="flat" cmpd="sng" algn="ctr">
-                          <a:solidFill>
-                            <a:schemeClr val="tx1"/>
-                          </a:solidFill>
-                          <a:prstDash val="solid"/>
-                          <a:round/>
-                          <a:headEnd type="none" w="med" len="med"/>
-                          <a:tailEnd type="none" w="med" len="med"/>
-                        </a:lnR>
-                        <a:lnT w="38100" cap="flat" cmpd="sng" algn="ctr">
-                          <a:solidFill>
-                            <a:schemeClr val="tx1"/>
-                          </a:solidFill>
-                          <a:prstDash val="solid"/>
-                          <a:round/>
-                          <a:headEnd type="none" w="med" len="med"/>
-                          <a:tailEnd type="none" w="med" len="med"/>
-                        </a:lnT>
-                        <a:lnB w="38100" cap="flat" cmpd="sng" algn="ctr">
-                          <a:solidFill>
-                            <a:schemeClr val="tx1"/>
-                          </a:solidFill>
-                          <a:prstDash val="solid"/>
-                          <a:round/>
-                          <a:headEnd type="none" w="med" len="med"/>
-                          <a:tailEnd type="none" w="med" len="med"/>
-                        </a:lnB>
-                        <a:noFill/>
-                      </a:tcPr>
-                    </a:tc>
-                    <a:tc hMerge="1">
-                      <a:txBody>
-                        <a:bodyPr/>
-                        <a:lstStyle/>
-                        <a:p>
-                          <a:pPr algn="ctr"/>
-                          <a:endParaRPr lang="en-US" sz="3500" dirty="0">
-                            <a:solidFill>
-                              <a:schemeClr val="tx1"/>
-                            </a:solidFill>
-                          </a:endParaRPr>
-                        </a:p>
-                      </a:txBody>
-                      <a:tcPr anchor="ctr">
-                        <a:lnL w="12700" cap="flat" cmpd="sng" algn="ctr">
-                          <a:solidFill>
-                            <a:schemeClr val="tx1"/>
-                          </a:solidFill>
-                          <a:prstDash val="solid"/>
-                          <a:round/>
-                          <a:headEnd type="none" w="med" len="med"/>
-                          <a:tailEnd type="none" w="med" len="med"/>
-                        </a:lnL>
-                        <a:lnR w="12700" cap="flat" cmpd="sng" algn="ctr">
-                          <a:solidFill>
-                            <a:schemeClr val="tx1"/>
-                          </a:solidFill>
-                          <a:prstDash val="solid"/>
-                          <a:round/>
-                          <a:headEnd type="none" w="med" len="med"/>
-                          <a:tailEnd type="none" w="med" len="med"/>
-                        </a:lnR>
-                        <a:lnT w="38100" cap="flat" cmpd="sng" algn="ctr">
-                          <a:solidFill>
-                            <a:schemeClr val="tx1"/>
-                          </a:solidFill>
-                          <a:prstDash val="solid"/>
-                          <a:round/>
-                          <a:headEnd type="none" w="med" len="med"/>
-                          <a:tailEnd type="none" w="med" len="med"/>
-                        </a:lnT>
-                        <a:lnB w="38100" cap="flat" cmpd="sng" algn="ctr">
-                          <a:solidFill>
-                            <a:schemeClr val="tx1"/>
-                          </a:solidFill>
-                          <a:prstDash val="solid"/>
-                          <a:round/>
-                          <a:headEnd type="none" w="med" len="med"/>
-                          <a:tailEnd type="none" w="med" len="med"/>
-                        </a:lnB>
-                        <a:noFill/>
-                      </a:tcPr>
-                    </a:tc>
-                    <a:tc hMerge="1">
-                      <a:txBody>
-                        <a:bodyPr/>
-                        <a:lstStyle/>
-                        <a:p>
-                          <a:pPr algn="ctr"/>
-                          <a:endParaRPr lang="en-US" sz="3500" dirty="0">
-                            <a:solidFill>
-                              <a:schemeClr val="tx1"/>
-                            </a:solidFill>
-                          </a:endParaRPr>
-                        </a:p>
-                      </a:txBody>
-                      <a:tcPr anchor="ctr">
-                        <a:lnL w="12700" cap="flat" cmpd="sng" algn="ctr">
-                          <a:solidFill>
-                            <a:schemeClr val="tx1"/>
-                          </a:solidFill>
-                          <a:prstDash val="solid"/>
-                          <a:round/>
-                          <a:headEnd type="none" w="med" len="med"/>
-                          <a:tailEnd type="none" w="med" len="med"/>
-                        </a:lnL>
-                        <a:lnR w="12700" cap="flat" cmpd="sng" algn="ctr">
-                          <a:solidFill>
-                            <a:schemeClr val="tx1"/>
-                          </a:solidFill>
-                          <a:prstDash val="solid"/>
-                          <a:round/>
-                          <a:headEnd type="none" w="med" len="med"/>
-                          <a:tailEnd type="none" w="med" len="med"/>
-                        </a:lnR>
-                        <a:lnT w="38100" cap="flat" cmpd="sng" algn="ctr">
-                          <a:solidFill>
-                            <a:schemeClr val="tx1"/>
-                          </a:solidFill>
-                          <a:prstDash val="solid"/>
-                          <a:round/>
-                          <a:headEnd type="none" w="med" len="med"/>
-                          <a:tailEnd type="none" w="med" len="med"/>
-                        </a:lnT>
-                        <a:lnB w="38100" cap="flat" cmpd="sng" algn="ctr">
-                          <a:solidFill>
-                            <a:schemeClr val="tx1"/>
-                          </a:solidFill>
-                          <a:prstDash val="solid"/>
-                          <a:round/>
-                          <a:headEnd type="none" w="med" len="med"/>
-                          <a:tailEnd type="none" w="med" len="med"/>
-                        </a:lnB>
-                        <a:noFill/>
-                      </a:tcPr>
-                    </a:tc>
-                    <a:tc hMerge="1">
-                      <a:txBody>
-                        <a:bodyPr/>
-                        <a:lstStyle/>
-                        <a:p>
-                          <a:pPr algn="ctr"/>
-                          <a:endParaRPr lang="en-US" sz="3500" dirty="0">
-                            <a:solidFill>
-                              <a:schemeClr val="tx1"/>
-                            </a:solidFill>
-                          </a:endParaRPr>
-                        </a:p>
-                      </a:txBody>
-                      <a:tcPr anchor="ctr">
-                        <a:lnL w="12700" cap="flat" cmpd="sng" algn="ctr">
-                          <a:solidFill>
-                            <a:schemeClr val="tx1"/>
-                          </a:solidFill>
-                          <a:prstDash val="solid"/>
-                          <a:round/>
-                          <a:headEnd type="none" w="med" len="med"/>
-                          <a:tailEnd type="none" w="med" len="med"/>
-                        </a:lnL>
-                        <a:lnR w="12700" cap="flat" cmpd="sng" algn="ctr">
-                          <a:solidFill>
-                            <a:schemeClr val="tx1"/>
-                          </a:solidFill>
-                          <a:prstDash val="solid"/>
-                          <a:round/>
-                          <a:headEnd type="none" w="med" len="med"/>
-                          <a:tailEnd type="none" w="med" len="med"/>
-                        </a:lnR>
-                        <a:lnT w="38100" cap="flat" cmpd="sng" algn="ctr">
-                          <a:solidFill>
-                            <a:schemeClr val="tx1"/>
-                          </a:solidFill>
-                          <a:prstDash val="solid"/>
-                          <a:round/>
-                          <a:headEnd type="none" w="med" len="med"/>
-                          <a:tailEnd type="none" w="med" len="med"/>
-                        </a:lnT>
-                        <a:lnB w="38100" cap="flat" cmpd="sng" algn="ctr">
-                          <a:solidFill>
-                            <a:schemeClr val="tx1"/>
-                          </a:solidFill>
-                          <a:prstDash val="solid"/>
-                          <a:round/>
-                          <a:headEnd type="none" w="med" len="med"/>
-                          <a:tailEnd type="none" w="med" len="med"/>
-                        </a:lnB>
-                        <a:noFill/>
-                      </a:tcPr>
-                    </a:tc>
-                    <a:tc hMerge="1">
-                      <a:txBody>
-                        <a:bodyPr/>
-                        <a:lstStyle/>
-                        <a:p>
-                          <a:pPr algn="ctr"/>
-                          <a:endParaRPr lang="en-US" sz="3500" dirty="0">
-                            <a:solidFill>
-                              <a:schemeClr val="tx1"/>
-                            </a:solidFill>
-                          </a:endParaRPr>
-                        </a:p>
-                      </a:txBody>
-                      <a:tcPr anchor="ctr">
-                        <a:lnL w="12700" cap="flat" cmpd="sng" algn="ctr">
-                          <a:solidFill>
-                            <a:schemeClr val="tx1"/>
-                          </a:solidFill>
-                          <a:prstDash val="solid"/>
-                          <a:round/>
-                          <a:headEnd type="none" w="med" len="med"/>
-                          <a:tailEnd type="none" w="med" len="med"/>
-                        </a:lnL>
-                        <a:lnR w="12700" cap="flat" cmpd="sng" algn="ctr">
-                          <a:solidFill>
-                            <a:schemeClr val="tx1"/>
-                          </a:solidFill>
-                          <a:prstDash val="solid"/>
-                          <a:round/>
-                          <a:headEnd type="none" w="med" len="med"/>
-                          <a:tailEnd type="none" w="med" len="med"/>
-                        </a:lnR>
-                        <a:lnT w="38100" cap="flat" cmpd="sng" algn="ctr">
-                          <a:solidFill>
-                            <a:schemeClr val="tx1"/>
-                          </a:solidFill>
-                          <a:prstDash val="solid"/>
-                          <a:round/>
-                          <a:headEnd type="none" w="med" len="med"/>
-                          <a:tailEnd type="none" w="med" len="med"/>
-                        </a:lnT>
-                        <a:lnB w="38100" cap="flat" cmpd="sng" algn="ctr">
-                          <a:solidFill>
-                            <a:schemeClr val="tx1"/>
-                          </a:solidFill>
-                          <a:prstDash val="solid"/>
-                          <a:round/>
-                          <a:headEnd type="none" w="med" len="med"/>
-                          <a:tailEnd type="none" w="med" len="med"/>
-                        </a:lnB>
-                        <a:noFill/>
-                      </a:tcPr>
-                    </a:tc>
-                    <a:tc hMerge="1">
-                      <a:txBody>
-                        <a:bodyPr/>
-                        <a:lstStyle/>
-                        <a:p>
-                          <a:pPr algn="ctr"/>
-                          <a:endParaRPr lang="en-US" sz="3500" dirty="0"/>
-                        </a:p>
-                      </a:txBody>
-                      <a:tcPr anchor="ctr">
-                        <a:lnL w="12700" cap="flat" cmpd="sng" algn="ctr">
-                          <a:solidFill>
-                            <a:schemeClr val="tx1"/>
-                          </a:solidFill>
-                          <a:prstDash val="solid"/>
-                          <a:round/>
-                          <a:headEnd type="none" w="med" len="med"/>
-                          <a:tailEnd type="none" w="med" len="med"/>
-                        </a:lnL>
-                        <a:lnR w="12700" cap="flat" cmpd="sng" algn="ctr">
-                          <a:solidFill>
-                            <a:schemeClr val="tx1"/>
-                          </a:solidFill>
-                          <a:prstDash val="solid"/>
-                          <a:round/>
-                          <a:headEnd type="none" w="med" len="med"/>
-                          <a:tailEnd type="none" w="med" len="med"/>
-                        </a:lnR>
-                        <a:lnT w="38100" cap="flat" cmpd="sng" algn="ctr">
-                          <a:solidFill>
-                            <a:schemeClr val="tx1"/>
-                          </a:solidFill>
-                          <a:prstDash val="solid"/>
-                          <a:round/>
-                          <a:headEnd type="none" w="med" len="med"/>
-                          <a:tailEnd type="none" w="med" len="med"/>
-                        </a:lnT>
-                        <a:lnB w="38100" cap="flat" cmpd="sng" algn="ctr">
-                          <a:solidFill>
-                            <a:schemeClr val="tx1"/>
-                          </a:solidFill>
-                          <a:prstDash val="solid"/>
-                          <a:round/>
-                          <a:headEnd type="none" w="med" len="med"/>
-                          <a:tailEnd type="none" w="med" len="med"/>
-                        </a:lnB>
-                        <a:noFill/>
-                      </a:tcPr>
-                    </a:tc>
-                    <a:tc hMerge="1">
-                      <a:txBody>
-                        <a:bodyPr/>
-                        <a:lstStyle/>
-                        <a:p>
-                          <a:pPr algn="ctr"/>
-                          <a:endParaRPr lang="en-US" sz="3500" dirty="0"/>
-                        </a:p>
-                      </a:txBody>
-                      <a:tcPr anchor="ctr">
-                        <a:lnL w="12700" cap="flat" cmpd="sng" algn="ctr">
-                          <a:solidFill>
-                            <a:schemeClr val="tx1"/>
-                          </a:solidFill>
-                          <a:prstDash val="solid"/>
-                          <a:round/>
-                          <a:headEnd type="none" w="med" len="med"/>
-                          <a:tailEnd type="none" w="med" len="med"/>
-                        </a:lnL>
-                        <a:lnR w="38100" cap="flat" cmpd="sng" algn="ctr">
-                          <a:solidFill>
-                            <a:schemeClr val="tx1"/>
-                          </a:solidFill>
-                          <a:prstDash val="solid"/>
-                          <a:round/>
-                          <a:headEnd type="none" w="med" len="med"/>
-                          <a:tailEnd type="none" w="med" len="med"/>
-                        </a:lnR>
-                        <a:lnT w="38100" cap="flat" cmpd="sng" algn="ctr">
-                          <a:solidFill>
-                            <a:schemeClr val="tx1"/>
-                          </a:solidFill>
-                          <a:prstDash val="solid"/>
-                          <a:round/>
-                          <a:headEnd type="none" w="med" len="med"/>
-                          <a:tailEnd type="none" w="med" len="med"/>
-                        </a:lnT>
-                        <a:lnB w="38100" cap="flat" cmpd="sng" algn="ctr">
-                          <a:solidFill>
-                            <a:schemeClr val="tx1"/>
-                          </a:solidFill>
-                          <a:prstDash val="solid"/>
-                          <a:round/>
-                          <a:headEnd type="none" w="med" len="med"/>
-                          <a:tailEnd type="none" w="med" len="med"/>
-                        </a:lnB>
-                        <a:noFill/>
-                      </a:tcPr>
-                    </a:tc>
-                    <a:extLst>
-                      <a:ext uri="{0D108BD9-81ED-4DB2-BD59-A6C34878D82A}">
-                        <a16:rowId xmlns:a16="http://schemas.microsoft.com/office/drawing/2014/main" val="474930310"/>
-                      </a:ext>
-                    </a:extLst>
-                  </a:tr>
-                  <a:tr h="243840">
-                    <a:tc>
-                      <a:txBody>
-                        <a:bodyPr/>
-                        <a:lstStyle/>
-                        <a:p>
-                          <a:pPr algn="ctr"/>
-                          <a:endParaRPr lang="en-US" sz="1000" b="1" dirty="0">
-                            <a:solidFill>
-                              <a:schemeClr val="tx1"/>
-                            </a:solidFill>
-                          </a:endParaRPr>
-                        </a:p>
-                      </a:txBody>
-                      <a:tcPr anchor="ctr">
-                        <a:lnL w="38100" cap="flat" cmpd="sng" algn="ctr">
-                          <a:noFill/>
-                          <a:prstDash val="solid"/>
-                          <a:round/>
-                          <a:headEnd type="none" w="med" len="med"/>
-                          <a:tailEnd type="none" w="med" len="med"/>
-                        </a:lnL>
-                        <a:lnR w="38100" cap="flat" cmpd="sng" algn="ctr">
-                          <a:noFill/>
-                          <a:prstDash val="solid"/>
-                          <a:round/>
-                          <a:headEnd type="none" w="med" len="med"/>
-                          <a:tailEnd type="none" w="med" len="med"/>
-                        </a:lnR>
-                        <a:lnT w="38100" cap="flat" cmpd="sng" algn="ctr">
-                          <a:solidFill>
-                            <a:schemeClr val="tx1"/>
-                          </a:solidFill>
-                          <a:prstDash val="solid"/>
-                          <a:round/>
-                          <a:headEnd type="none" w="med" len="med"/>
-                          <a:tailEnd type="none" w="med" len="med"/>
-                        </a:lnT>
-                        <a:lnB w="38100" cap="flat" cmpd="sng" algn="ctr">
-                          <a:solidFill>
-                            <a:schemeClr val="tx1"/>
-                          </a:solidFill>
-                          <a:prstDash val="solid"/>
-                          <a:round/>
-                          <a:headEnd type="none" w="med" len="med"/>
-                          <a:tailEnd type="none" w="med" len="med"/>
-                        </a:lnB>
-                        <a:lnTlToBr w="12700" cmpd="sng">
-                          <a:noFill/>
-                          <a:prstDash val="solid"/>
-                        </a:lnTlToBr>
-                        <a:lnBlToTr w="12700" cmpd="sng">
-                          <a:noFill/>
-                          <a:prstDash val="solid"/>
-                        </a:lnBlToTr>
-                        <a:noFill/>
-                      </a:tcPr>
-                    </a:tc>
-                    <a:tc gridSpan="7">
-                      <a:txBody>
-                        <a:bodyPr/>
-                        <a:lstStyle/>
-                        <a:p>
-                          <a:pPr algn="ctr"/>
-                          <a:endParaRPr lang="en-US" sz="1000" b="1" dirty="0">
-                            <a:solidFill>
-                              <a:schemeClr val="tx1"/>
-                            </a:solidFill>
-                          </a:endParaRPr>
-                        </a:p>
-                      </a:txBody>
-                      <a:tcPr anchor="ctr">
-                        <a:lnL w="38100" cap="flat" cmpd="sng" algn="ctr">
-                          <a:noFill/>
-                          <a:prstDash val="solid"/>
-                          <a:round/>
-                          <a:headEnd type="none" w="med" len="med"/>
-                          <a:tailEnd type="none" w="med" len="med"/>
-                        </a:lnL>
-                        <a:lnR w="38100" cap="flat" cmpd="sng" algn="ctr">
-                          <a:noFill/>
-                          <a:prstDash val="solid"/>
-                          <a:round/>
-                          <a:headEnd type="none" w="med" len="med"/>
-                          <a:tailEnd type="none" w="med" len="med"/>
-                        </a:lnR>
-                        <a:lnT w="38100" cap="flat" cmpd="sng" algn="ctr">
-                          <a:solidFill>
-                            <a:schemeClr val="tx1"/>
-                          </a:solidFill>
-                          <a:prstDash val="solid"/>
-                          <a:round/>
-                          <a:headEnd type="none" w="med" len="med"/>
-                          <a:tailEnd type="none" w="med" len="med"/>
-                        </a:lnT>
-                        <a:lnB w="38100" cap="flat" cmpd="sng" algn="ctr">
-                          <a:solidFill>
-                            <a:schemeClr val="tx1"/>
-                          </a:solidFill>
-                          <a:prstDash val="solid"/>
-                          <a:round/>
-                          <a:headEnd type="none" w="med" len="med"/>
-                          <a:tailEnd type="none" w="med" len="med"/>
-                        </a:lnB>
-                        <a:lnTlToBr w="12700" cmpd="sng">
-                          <a:noFill/>
-                          <a:prstDash val="solid"/>
-                        </a:lnTlToBr>
-                        <a:lnBlToTr w="12700" cmpd="sng">
-                          <a:noFill/>
-                          <a:prstDash val="solid"/>
-                        </a:lnBlToTr>
-                        <a:noFill/>
-                      </a:tcPr>
-                    </a:tc>
-                    <a:tc hMerge="1">
-                      <a:txBody>
-                        <a:bodyPr/>
-                        <a:lstStyle/>
-                        <a:p>
-                          <a:pPr algn="ctr"/>
-                          <a:endParaRPr lang="en-US" sz="3500" b="1" dirty="0">
-                            <a:solidFill>
-                              <a:schemeClr val="tx1"/>
-                            </a:solidFill>
-                          </a:endParaRPr>
-                        </a:p>
-                      </a:txBody>
-                      <a:tcPr anchor="ctr">
-                        <a:lnL w="12700" cap="flat" cmpd="sng" algn="ctr">
-                          <a:solidFill>
-                            <a:schemeClr val="tx1"/>
-                          </a:solidFill>
-                          <a:prstDash val="solid"/>
-                          <a:round/>
-                          <a:headEnd type="none" w="med" len="med"/>
-                          <a:tailEnd type="none" w="med" len="med"/>
-                        </a:lnL>
-                        <a:lnR w="12700" cap="flat" cmpd="sng" algn="ctr">
-                          <a:solidFill>
-                            <a:schemeClr val="tx1"/>
-                          </a:solidFill>
-                          <a:prstDash val="solid"/>
-                          <a:round/>
-                          <a:headEnd type="none" w="med" len="med"/>
-                          <a:tailEnd type="none" w="med" len="med"/>
-                        </a:lnR>
-                        <a:lnT w="38100" cap="flat" cmpd="sng" algn="ctr">
-                          <a:solidFill>
-                            <a:schemeClr val="tx1"/>
-                          </a:solidFill>
-                          <a:prstDash val="solid"/>
-                          <a:round/>
-                          <a:headEnd type="none" w="med" len="med"/>
-                          <a:tailEnd type="none" w="med" len="med"/>
-                        </a:lnT>
-                        <a:lnB w="38100" cap="flat" cmpd="sng" algn="ctr">
-                          <a:solidFill>
-                            <a:schemeClr val="tx1"/>
-                          </a:solidFill>
-                          <a:prstDash val="solid"/>
-                          <a:round/>
-                          <a:headEnd type="none" w="med" len="med"/>
-                          <a:tailEnd type="none" w="med" len="med"/>
-                        </a:lnB>
-                        <a:noFill/>
-                      </a:tcPr>
-                    </a:tc>
-                    <a:tc hMerge="1">
-                      <a:txBody>
-                        <a:bodyPr/>
-                        <a:lstStyle/>
-                        <a:p>
-                          <a:pPr algn="ctr"/>
-                          <a:endParaRPr lang="en-US" sz="3500" b="1" dirty="0">
-                            <a:solidFill>
-                              <a:schemeClr val="tx1"/>
-                            </a:solidFill>
-                          </a:endParaRPr>
-                        </a:p>
-                      </a:txBody>
-                      <a:tcPr anchor="ctr">
-                        <a:lnL w="12700" cap="flat" cmpd="sng" algn="ctr">
-                          <a:solidFill>
-                            <a:schemeClr val="tx1"/>
-                          </a:solidFill>
-                          <a:prstDash val="solid"/>
-                          <a:round/>
-                          <a:headEnd type="none" w="med" len="med"/>
-                          <a:tailEnd type="none" w="med" len="med"/>
-                        </a:lnL>
-                        <a:lnR w="12700" cap="flat" cmpd="sng" algn="ctr">
-                          <a:solidFill>
-                            <a:schemeClr val="tx1"/>
-                          </a:solidFill>
-                          <a:prstDash val="solid"/>
-                          <a:round/>
-                          <a:headEnd type="none" w="med" len="med"/>
-                          <a:tailEnd type="none" w="med" len="med"/>
-                        </a:lnR>
-                        <a:lnT w="38100" cap="flat" cmpd="sng" algn="ctr">
-                          <a:solidFill>
-                            <a:schemeClr val="tx1"/>
-                          </a:solidFill>
-                          <a:prstDash val="solid"/>
-                          <a:round/>
-                          <a:headEnd type="none" w="med" len="med"/>
-                          <a:tailEnd type="none" w="med" len="med"/>
-                        </a:lnT>
-                        <a:lnB w="38100" cap="flat" cmpd="sng" algn="ctr">
-                          <a:solidFill>
-                            <a:schemeClr val="tx1"/>
-                          </a:solidFill>
-                          <a:prstDash val="solid"/>
-                          <a:round/>
-                          <a:headEnd type="none" w="med" len="med"/>
-                          <a:tailEnd type="none" w="med" len="med"/>
-                        </a:lnB>
-                        <a:noFill/>
-                      </a:tcPr>
-                    </a:tc>
-                    <a:tc hMerge="1">
-                      <a:txBody>
-                        <a:bodyPr/>
-                        <a:lstStyle/>
-                        <a:p>
-                          <a:pPr algn="ctr"/>
-                          <a:endParaRPr lang="en-US" sz="3500" b="1" dirty="0">
-                            <a:solidFill>
-                              <a:schemeClr val="tx1"/>
-                            </a:solidFill>
-                          </a:endParaRPr>
-                        </a:p>
-                      </a:txBody>
-                      <a:tcPr anchor="ctr">
-                        <a:lnL w="12700" cap="flat" cmpd="sng" algn="ctr">
-                          <a:solidFill>
-                            <a:schemeClr val="tx1"/>
-                          </a:solidFill>
-                          <a:prstDash val="solid"/>
-                          <a:round/>
-                          <a:headEnd type="none" w="med" len="med"/>
-                          <a:tailEnd type="none" w="med" len="med"/>
-                        </a:lnL>
-                        <a:lnR w="12700" cap="flat" cmpd="sng" algn="ctr">
-                          <a:solidFill>
-                            <a:schemeClr val="tx1"/>
-                          </a:solidFill>
-                          <a:prstDash val="solid"/>
-                          <a:round/>
-                          <a:headEnd type="none" w="med" len="med"/>
-                          <a:tailEnd type="none" w="med" len="med"/>
-                        </a:lnR>
-                        <a:lnT w="38100" cap="flat" cmpd="sng" algn="ctr">
-                          <a:solidFill>
-                            <a:schemeClr val="tx1"/>
-                          </a:solidFill>
-                          <a:prstDash val="solid"/>
-                          <a:round/>
-                          <a:headEnd type="none" w="med" len="med"/>
-                          <a:tailEnd type="none" w="med" len="med"/>
-                        </a:lnT>
-                        <a:lnB w="38100" cap="flat" cmpd="sng" algn="ctr">
-                          <a:solidFill>
-                            <a:schemeClr val="tx1"/>
-                          </a:solidFill>
-                          <a:prstDash val="solid"/>
-                          <a:round/>
-                          <a:headEnd type="none" w="med" len="med"/>
-                          <a:tailEnd type="none" w="med" len="med"/>
-                        </a:lnB>
-                        <a:noFill/>
-                      </a:tcPr>
-                    </a:tc>
-                    <a:tc hMerge="1">
-                      <a:txBody>
-                        <a:bodyPr/>
-                        <a:lstStyle/>
-                        <a:p>
-                          <a:pPr algn="ctr"/>
-                          <a:endParaRPr lang="en-US" sz="3500" dirty="0">
-                            <a:solidFill>
-                              <a:schemeClr val="tx1"/>
-                            </a:solidFill>
-                          </a:endParaRPr>
-                        </a:p>
-                      </a:txBody>
-                      <a:tcPr anchor="ctr">
-                        <a:lnL w="12700" cap="flat" cmpd="sng" algn="ctr">
-                          <a:solidFill>
-                            <a:schemeClr val="tx1"/>
-                          </a:solidFill>
-                          <a:prstDash val="solid"/>
-                          <a:round/>
-                          <a:headEnd type="none" w="med" len="med"/>
-                          <a:tailEnd type="none" w="med" len="med"/>
-                        </a:lnL>
-                        <a:lnR w="12700" cap="flat" cmpd="sng" algn="ctr">
-                          <a:solidFill>
-                            <a:schemeClr val="tx1"/>
-                          </a:solidFill>
-                          <a:prstDash val="solid"/>
-                          <a:round/>
-                          <a:headEnd type="none" w="med" len="med"/>
-                          <a:tailEnd type="none" w="med" len="med"/>
-                        </a:lnR>
-                        <a:lnT w="38100" cap="flat" cmpd="sng" algn="ctr">
-                          <a:solidFill>
-                            <a:schemeClr val="tx1"/>
-                          </a:solidFill>
-                          <a:prstDash val="solid"/>
-                          <a:round/>
-                          <a:headEnd type="none" w="med" len="med"/>
-                          <a:tailEnd type="none" w="med" len="med"/>
-                        </a:lnT>
-                        <a:lnB w="38100" cap="flat" cmpd="sng" algn="ctr">
-                          <a:solidFill>
-                            <a:schemeClr val="tx1"/>
-                          </a:solidFill>
-                          <a:prstDash val="solid"/>
-                          <a:round/>
-                          <a:headEnd type="none" w="med" len="med"/>
-                          <a:tailEnd type="none" w="med" len="med"/>
-                        </a:lnB>
-                        <a:noFill/>
-                      </a:tcPr>
-                    </a:tc>
-                    <a:tc hMerge="1">
-                      <a:txBody>
-                        <a:bodyPr/>
-                        <a:lstStyle/>
-                        <a:p>
-                          <a:pPr algn="ctr"/>
-                          <a:endParaRPr lang="en-US" sz="3500" dirty="0"/>
-                        </a:p>
-                      </a:txBody>
-                      <a:tcPr anchor="ctr">
-                        <a:lnL w="12700" cap="flat" cmpd="sng" algn="ctr">
-                          <a:solidFill>
-                            <a:schemeClr val="tx1"/>
-                          </a:solidFill>
-                          <a:prstDash val="solid"/>
-                          <a:round/>
-                          <a:headEnd type="none" w="med" len="med"/>
-                          <a:tailEnd type="none" w="med" len="med"/>
-                        </a:lnL>
-                        <a:lnR w="12700" cap="flat" cmpd="sng" algn="ctr">
-                          <a:solidFill>
-                            <a:schemeClr val="tx1"/>
-                          </a:solidFill>
-                          <a:prstDash val="solid"/>
-                          <a:round/>
-                          <a:headEnd type="none" w="med" len="med"/>
-                          <a:tailEnd type="none" w="med" len="med"/>
-                        </a:lnR>
-                        <a:lnT w="38100" cap="flat" cmpd="sng" algn="ctr">
-                          <a:solidFill>
-                            <a:schemeClr val="tx1"/>
-                          </a:solidFill>
-                          <a:prstDash val="solid"/>
-                          <a:round/>
-                          <a:headEnd type="none" w="med" len="med"/>
-                          <a:tailEnd type="none" w="med" len="med"/>
-                        </a:lnT>
-                        <a:lnB w="38100" cap="flat" cmpd="sng" algn="ctr">
-                          <a:solidFill>
-                            <a:schemeClr val="tx1"/>
-                          </a:solidFill>
-                          <a:prstDash val="solid"/>
-                          <a:round/>
-                          <a:headEnd type="none" w="med" len="med"/>
-                          <a:tailEnd type="none" w="med" len="med"/>
-                        </a:lnB>
-                        <a:noFill/>
-                      </a:tcPr>
-                    </a:tc>
-                    <a:tc hMerge="1">
-                      <a:txBody>
-                        <a:bodyPr/>
-                        <a:lstStyle/>
-                        <a:p>
-                          <a:pPr algn="ctr"/>
-                          <a:endParaRPr lang="en-US" sz="3500" dirty="0"/>
-                        </a:p>
-                      </a:txBody>
-                      <a:tcPr anchor="ctr">
-                        <a:lnL w="12700" cap="flat" cmpd="sng" algn="ctr">
-                          <a:solidFill>
-                            <a:schemeClr val="tx1"/>
-                          </a:solidFill>
-                          <a:prstDash val="solid"/>
-                          <a:round/>
-                          <a:headEnd type="none" w="med" len="med"/>
-                          <a:tailEnd type="none" w="med" len="med"/>
-                        </a:lnL>
-                        <a:lnR w="38100" cap="flat" cmpd="sng" algn="ctr">
-                          <a:solidFill>
-                            <a:schemeClr val="tx1"/>
-                          </a:solidFill>
-                          <a:prstDash val="solid"/>
-                          <a:round/>
-                          <a:headEnd type="none" w="med" len="med"/>
-                          <a:tailEnd type="none" w="med" len="med"/>
-                        </a:lnR>
-                        <a:lnT w="38100" cap="flat" cmpd="sng" algn="ctr">
-                          <a:solidFill>
-                            <a:schemeClr val="tx1"/>
-                          </a:solidFill>
-                          <a:prstDash val="solid"/>
-                          <a:round/>
-                          <a:headEnd type="none" w="med" len="med"/>
-                          <a:tailEnd type="none" w="med" len="med"/>
-                        </a:lnT>
-                        <a:lnB w="38100" cap="flat" cmpd="sng" algn="ctr">
-                          <a:solidFill>
-                            <a:schemeClr val="tx1"/>
-                          </a:solidFill>
-                          <a:prstDash val="solid"/>
-                          <a:round/>
-                          <a:headEnd type="none" w="med" len="med"/>
-                          <a:tailEnd type="none" w="med" len="med"/>
-                        </a:lnB>
-                        <a:noFill/>
-                      </a:tcPr>
-                    </a:tc>
-                    <a:extLst>
-                      <a:ext uri="{0D108BD9-81ED-4DB2-BD59-A6C34878D82A}">
-                        <a16:rowId xmlns:a16="http://schemas.microsoft.com/office/drawing/2014/main" val="3581868102"/>
-                      </a:ext>
-                    </a:extLst>
-                  </a:tr>
-                  <a:tr h="640080">
+                  <a:tr h="640151">
                     <a:tc rowSpan="7">
                       <a:txBody>
                         <a:bodyPr/>
@@ -17066,23 +15293,21 @@
                           <a:r>
                             <a:rPr lang="en-US" sz="3500" b="1" dirty="0" err="1">
                               <a:solidFill>
-                                <a:schemeClr val="tx1"/>
+                                <a:srgbClr val="4A929C"/>
                               </a:solidFill>
                             </a:rPr>
                             <a:t>mnist</a:t>
                           </a:r>
                           <a:endParaRPr lang="en-US" sz="3500" b="1" dirty="0">
                             <a:solidFill>
-                              <a:schemeClr val="tx1"/>
+                              <a:srgbClr val="4A929C"/>
                             </a:solidFill>
                           </a:endParaRPr>
                         </a:p>
                       </a:txBody>
-                      <a:tcPr vert="vert270" anchor="ctr">
+                      <a:tcPr marL="91453" marR="91453" marT="45725" marB="45725" vert="vert270" anchor="ctr">
                         <a:lnL w="38100" cap="flat" cmpd="sng" algn="ctr">
-                          <a:solidFill>
-                            <a:schemeClr val="tx1"/>
-                          </a:solidFill>
+                          <a:noFill/>
                           <a:prstDash val="solid"/>
                           <a:round/>
                           <a:headEnd type="none" w="med" len="med"/>
@@ -17098,23 +15323,27 @@
                           <a:tailEnd type="none" w="med" len="med"/>
                         </a:lnR>
                         <a:lnT w="38100" cap="flat" cmpd="sng" algn="ctr">
-                          <a:solidFill>
-                            <a:schemeClr val="tx1"/>
-                          </a:solidFill>
+                          <a:noFill/>
                           <a:prstDash val="solid"/>
                           <a:round/>
                           <a:headEnd type="none" w="med" len="med"/>
                           <a:tailEnd type="none" w="med" len="med"/>
                         </a:lnT>
                         <a:lnB w="38100" cap="flat" cmpd="sng" algn="ctr">
-                          <a:solidFill>
-                            <a:schemeClr val="tx1"/>
-                          </a:solidFill>
-                          <a:prstDash val="solid"/>
-                          <a:round/>
-                          <a:headEnd type="none" w="med" len="med"/>
-                          <a:tailEnd type="none" w="med" len="med"/>
-                        </a:lnB>
+                          <a:noFill/>
+                          <a:prstDash val="solid"/>
+                          <a:round/>
+                          <a:headEnd type="none" w="med" len="med"/>
+                          <a:tailEnd type="none" w="med" len="med"/>
+                        </a:lnB>
+                        <a:lnTlToBr w="12700" cmpd="sng">
+                          <a:noFill/>
+                          <a:prstDash val="solid"/>
+                        </a:lnTlToBr>
+                        <a:lnBlToTr w="12700" cmpd="sng">
+                          <a:noFill/>
+                          <a:prstDash val="solid"/>
+                        </a:lnBlToTr>
                         <a:noFill/>
                       </a:tcPr>
                     </a:tc>
@@ -17125,16 +15354,21 @@
                         <a:p>
                           <a:pPr algn="ctr"/>
                           <a:r>
-                            <a:rPr lang="en-US" sz="3500" b="1" dirty="0">
+                            <a:rPr lang="en-US" sz="3500" b="1" dirty="0" smtClean="0">
                               <a:solidFill>
                                 <a:schemeClr val="tx1"/>
                               </a:solidFill>
                             </a:rPr>
                             <a:t>model</a:t>
                           </a:r>
-                        </a:p>
-                      </a:txBody>
-                      <a:tcPr anchor="ctr">
+                          <a:endParaRPr lang="en-US" sz="3500" b="1" dirty="0">
+                            <a:solidFill>
+                              <a:schemeClr val="tx1"/>
+                            </a:solidFill>
+                          </a:endParaRPr>
+                        </a:p>
+                      </a:txBody>
+                      <a:tcPr marL="91453" marR="91453" marT="45725" marB="45725" anchor="ctr">
                         <a:lnL w="38100" cap="flat" cmpd="sng" algn="ctr">
                           <a:solidFill>
                             <a:schemeClr val="tx1"/>
@@ -17190,7 +15424,7 @@
                           </a:r>
                         </a:p>
                       </a:txBody>
-                      <a:tcPr anchor="ctr">
+                      <a:tcPr marL="91453" marR="91453" marT="45725" marB="45725" anchor="ctr">
                         <a:lnL w="12700" cap="flat" cmpd="sng" algn="ctr">
                           <a:solidFill>
                             <a:schemeClr val="tx1"/>
@@ -17246,7 +15480,7 @@
                           </a:r>
                         </a:p>
                       </a:txBody>
-                      <a:tcPr anchor="ctr">
+                      <a:tcPr marL="91453" marR="91453" marT="45725" marB="45725" anchor="ctr">
                         <a:lnL w="12700" cap="flat" cmpd="sng" algn="ctr">
                           <a:solidFill>
                             <a:schemeClr val="tx1"/>
@@ -17293,16 +15527,21 @@
                         <a:p>
                           <a:pPr algn="ctr"/>
                           <a:r>
-                            <a:rPr lang="en-US" sz="3500" b="1" dirty="0">
+                            <a:rPr lang="en-US" sz="3500" b="1" dirty="0" smtClean="0">
                               <a:solidFill>
                                 <a:schemeClr val="tx1"/>
                               </a:solidFill>
                             </a:rPr>
-                            <a:t>permutated</a:t>
+                            <a:t>Permutated</a:t>
                           </a:r>
-                        </a:p>
-                      </a:txBody>
-                      <a:tcPr anchor="ctr">
+                          <a:endParaRPr lang="en-US" sz="3500" b="1" dirty="0">
+                            <a:solidFill>
+                              <a:schemeClr val="tx1"/>
+                            </a:solidFill>
+                          </a:endParaRPr>
+                        </a:p>
+                      </a:txBody>
+                      <a:tcPr marL="91453" marR="91453" marT="45725" marB="45725" anchor="ctr">
                         <a:lnL w="12700" cap="flat" cmpd="sng" algn="ctr">
                           <a:solidFill>
                             <a:schemeClr val="tx1"/>
@@ -17379,7 +15618,7 @@
                           </a:endParaRPr>
                         </a:p>
                       </a:txBody>
-                      <a:tcPr anchor="ctr">
+                      <a:tcPr marL="91453" marR="91453" marT="45725" marB="45725" anchor="ctr">
                         <a:lnL w="12700" cap="flat" cmpd="sng" algn="ctr">
                           <a:solidFill>
                             <a:schemeClr val="tx1"/>
@@ -17452,7 +15691,7 @@
                           <a:endParaRPr lang="en-US" sz="3500" dirty="0"/>
                         </a:p>
                       </a:txBody>
-                      <a:tcPr anchor="ctr">
+                      <a:tcPr marL="91453" marR="91453" marT="45725" marB="45725" anchor="ctr">
                         <a:lnL w="12700" cap="flat" cmpd="sng" algn="ctr">
                           <a:solidFill>
                             <a:schemeClr val="tx1"/>
@@ -17517,7 +15756,7 @@
                           <a:endParaRPr lang="en-US" sz="3500" dirty="0"/>
                         </a:p>
                       </a:txBody>
-                      <a:tcPr anchor="ctr">
+                      <a:tcPr marL="91453" marR="91453" marT="45725" marB="45725" anchor="ctr">
                         <a:lnL w="12700" cap="flat" cmpd="sng" algn="ctr">
                           <a:solidFill>
                             <a:schemeClr val="tx1"/>
@@ -17559,11 +15798,11 @@
                     </a:tc>
                     <a:extLst>
                       <a:ext uri="{0D108BD9-81ED-4DB2-BD59-A6C34878D82A}">
-                        <a16:rowId xmlns:a16="http://schemas.microsoft.com/office/drawing/2014/main" val="2478262155"/>
+                        <a16:rowId xmlns:a16="http://schemas.microsoft.com/office/drawing/2014/main" xmlns:a14="http://schemas.microsoft.com/office/drawing/2010/main" xmlns="" val="2478262155"/>
                       </a:ext>
                     </a:extLst>
                   </a:tr>
-                  <a:tr h="624840">
+                  <a:tr h="624909">
                     <a:tc vMerge="1">
                       <a:txBody>
                         <a:bodyPr/>
@@ -17625,7 +15864,7 @@
                           </a:r>
                         </a:p>
                       </a:txBody>
-                      <a:tcPr anchor="ctr">
+                      <a:tcPr marL="91453" marR="91453" marT="45725" marB="45725" anchor="ctr">
                         <a:lnL w="38100" cap="flat" cmpd="sng" algn="ctr">
                           <a:solidFill>
                             <a:schemeClr val="tx1"/>
@@ -17677,7 +15916,7 @@
                           </a:r>
                         </a:p>
                       </a:txBody>
-                      <a:tcPr anchor="ctr">
+                      <a:tcPr marL="91453" marR="91453" marT="45725" marB="45725" anchor="ctr">
                         <a:lnL w="12700" cap="flat" cmpd="sng" algn="ctr">
                           <a:solidFill>
                             <a:schemeClr val="tx1"/>
@@ -17729,7 +15968,7 @@
                           </a:r>
                         </a:p>
                       </a:txBody>
-                      <a:tcPr anchor="ctr">
+                      <a:tcPr marL="91453" marR="91453" marT="45725" marB="45725" anchor="ctr">
                         <a:lnL w="12700" cap="flat" cmpd="sng" algn="ctr">
                           <a:solidFill>
                             <a:schemeClr val="tx1"/>
@@ -17781,7 +16020,7 @@
                           </a:r>
                         </a:p>
                       </a:txBody>
-                      <a:tcPr anchor="ctr">
+                      <a:tcPr marL="91453" marR="91453" marT="45725" marB="45725" anchor="ctr">
                         <a:lnL w="12700" cap="flat" cmpd="sng" algn="ctr">
                           <a:solidFill>
                             <a:schemeClr val="tx1"/>
@@ -17833,7 +16072,7 @@
                           </a:r>
                         </a:p>
                       </a:txBody>
-                      <a:tcPr anchor="ctr">
+                      <a:tcPr marL="91453" marR="91453" marT="45725" marB="45725" anchor="ctr">
                         <a:lnL w="12700" cap="flat" cmpd="sng" algn="ctr">
                           <a:solidFill>
                             <a:schemeClr val="tx1"/>
@@ -17885,7 +16124,7 @@
                           </a:r>
                         </a:p>
                       </a:txBody>
-                      <a:tcPr anchor="ctr">
+                      <a:tcPr marL="91453" marR="91453" marT="45725" marB="45725" anchor="ctr">
                         <a:lnL w="12700" cap="flat" cmpd="sng" algn="ctr">
                           <a:solidFill>
                             <a:schemeClr val="tx1"/>
@@ -17939,7 +16178,7 @@
                           </a:r>
                         </a:p>
                       </a:txBody>
-                      <a:tcPr anchor="ctr">
+                      <a:tcPr marL="91453" marR="91453" marT="45725" marB="45725" anchor="ctr">
                         <a:lnL w="12700" cap="flat" cmpd="sng" algn="ctr">
                           <a:solidFill>
                             <a:schemeClr val="bg1">
@@ -17983,11 +16222,11 @@
                     </a:tc>
                     <a:extLst>
                       <a:ext uri="{0D108BD9-81ED-4DB2-BD59-A6C34878D82A}">
-                        <a16:rowId xmlns:a16="http://schemas.microsoft.com/office/drawing/2014/main" val="574326359"/>
+                        <a16:rowId xmlns:a16="http://schemas.microsoft.com/office/drawing/2014/main" xmlns:a14="http://schemas.microsoft.com/office/drawing/2010/main" xmlns="" val="574326359"/>
                       </a:ext>
                     </a:extLst>
                   </a:tr>
-                  <a:tr h="640080">
+                  <a:tr h="640151">
                     <a:tc vMerge="1">
                       <a:txBody>
                         <a:bodyPr/>
@@ -18071,7 +16310,7 @@
                           <a:endParaRPr lang="en-US"/>
                         </a:p>
                       </a:txBody>
-                      <a:tcPr anchor="ctr">
+                      <a:tcPr marL="91453" marR="91453" marT="45725" marB="45725" anchor="ctr">
                         <a:lnL w="12700" cap="flat" cmpd="sng" algn="ctr">
                           <a:solidFill>
                             <a:schemeClr val="tx1"/>
@@ -18108,10 +16347,10 @@
                           <a:headEnd type="none" w="med" len="med"/>
                           <a:tailEnd type="none" w="med" len="med"/>
                         </a:lnB>
-                        <a:blipFill>
+                        <a:blipFill rotWithShape="1">
                           <a:blip r:embed="rId25"/>
                           <a:stretch>
-                            <a:fillRect l="-116955" t="-346667" r="-610727" b="-1162857"/>
+                            <a:fillRect l="-116955" t="-212381" r="-608304" b="-1161905"/>
                           </a:stretch>
                         </a:blipFill>
                       </a:tcPr>
@@ -18132,7 +16371,7 @@
                           </a:r>
                         </a:p>
                       </a:txBody>
-                      <a:tcPr anchor="ctr">
+                      <a:tcPr marL="91453" marR="91453" marT="45725" marB="45725" anchor="ctr">
                         <a:lnL w="12700" cap="flat" cmpd="sng" algn="ctr">
                           <a:solidFill>
                             <a:schemeClr val="tx1"/>
@@ -18188,7 +16427,7 @@
                           </a:r>
                         </a:p>
                       </a:txBody>
-                      <a:tcPr anchor="ctr">
+                      <a:tcPr marL="91453" marR="91453" marT="45725" marB="45725" anchor="ctr">
                         <a:lnL w="12700" cap="flat" cmpd="sng" algn="ctr">
                           <a:solidFill>
                             <a:schemeClr val="tx1"/>
@@ -18237,7 +16476,7 @@
                           <a:endParaRPr lang="en-US" sz="3500" dirty="0"/>
                         </a:p>
                       </a:txBody>
-                      <a:tcPr anchor="ctr">
+                      <a:tcPr marL="91453" marR="91453" marT="45725" marB="45725" anchor="ctr">
                         <a:lnL w="12700" cap="flat" cmpd="sng" algn="ctr">
                           <a:solidFill>
                             <a:schemeClr val="tx1"/>
@@ -18290,7 +16529,7 @@
                           <a:endParaRPr lang="en-US" sz="3500" dirty="0"/>
                         </a:p>
                       </a:txBody>
-                      <a:tcPr anchor="ctr">
+                      <a:tcPr marL="91453" marR="91453" marT="45725" marB="45725" anchor="ctr">
                         <a:lnL w="12700" cap="flat" cmpd="sng" algn="ctr">
                           <a:solidFill>
                             <a:schemeClr val="tx1"/>
@@ -18352,7 +16591,7 @@
                           </a:r>
                         </a:p>
                       </a:txBody>
-                      <a:tcPr anchor="ctr">
+                      <a:tcPr marL="91453" marR="91453" marT="45725" marB="45725" anchor="ctr">
                         <a:lnL w="12700" cap="flat" cmpd="sng" algn="ctr">
                           <a:solidFill>
                             <a:schemeClr val="bg1">
@@ -18396,11 +16635,11 @@
                     </a:tc>
                     <a:extLst>
                       <a:ext uri="{0D108BD9-81ED-4DB2-BD59-A6C34878D82A}">
-                        <a16:rowId xmlns:a16="http://schemas.microsoft.com/office/drawing/2014/main" val="3732417302"/>
+                        <a16:rowId xmlns:a16="http://schemas.microsoft.com/office/drawing/2014/main" xmlns:a14="http://schemas.microsoft.com/office/drawing/2010/main" xmlns="" val="3732417302"/>
                       </a:ext>
                     </a:extLst>
                   </a:tr>
-                  <a:tr h="640080">
+                  <a:tr h="640151">
                     <a:tc vMerge="1">
                       <a:txBody>
                         <a:bodyPr/>
@@ -18467,7 +16706,7 @@
                           <a:endParaRPr lang="en-US"/>
                         </a:p>
                       </a:txBody>
-                      <a:tcPr anchor="ctr">
+                      <a:tcPr marL="91453" marR="91453" marT="45725" marB="45725" anchor="ctr">
                         <a:lnL w="12700" cap="flat" cmpd="sng" algn="ctr">
                           <a:solidFill>
                             <a:schemeClr val="tx1"/>
@@ -18504,10 +16743,10 @@
                           <a:headEnd type="none" w="med" len="med"/>
                           <a:tailEnd type="none" w="med" len="med"/>
                         </a:lnB>
-                        <a:blipFill>
+                        <a:blipFill rotWithShape="1">
                           <a:blip r:embed="rId25"/>
                           <a:stretch>
-                            <a:fillRect l="-116955" t="-446667" r="-610727" b="-1062857"/>
+                            <a:fillRect l="-116955" t="-312381" r="-608304" b="-1061905"/>
                           </a:stretch>
                         </a:blipFill>
                       </a:tcPr>
@@ -18528,7 +16767,7 @@
                           </a:r>
                         </a:p>
                       </a:txBody>
-                      <a:tcPr anchor="ctr">
+                      <a:tcPr marL="91453" marR="91453" marT="45725" marB="45725" anchor="ctr">
                         <a:lnL w="12700" cap="flat" cmpd="sng" algn="ctr">
                           <a:solidFill>
                             <a:schemeClr val="tx1"/>
@@ -18584,7 +16823,7 @@
                           </a:r>
                         </a:p>
                       </a:txBody>
-                      <a:tcPr anchor="ctr">
+                      <a:tcPr marL="91453" marR="91453" marT="45725" marB="45725" anchor="ctr">
                         <a:lnL w="12700" cap="flat" cmpd="sng" algn="ctr">
                           <a:solidFill>
                             <a:schemeClr val="tx1"/>
@@ -18736,7 +16975,7 @@
                           </a:r>
                         </a:p>
                       </a:txBody>
-                      <a:tcPr anchor="ctr">
+                      <a:tcPr marL="91453" marR="91453" marT="45725" marB="45725" anchor="ctr">
                         <a:lnL w="12700" cap="flat" cmpd="sng" algn="ctr">
                           <a:solidFill>
                             <a:schemeClr val="bg1">
@@ -18780,11 +17019,11 @@
                     </a:tc>
                     <a:extLst>
                       <a:ext uri="{0D108BD9-81ED-4DB2-BD59-A6C34878D82A}">
-                        <a16:rowId xmlns:a16="http://schemas.microsoft.com/office/drawing/2014/main" val="1610165467"/>
+                        <a16:rowId xmlns:a16="http://schemas.microsoft.com/office/drawing/2014/main" xmlns:a14="http://schemas.microsoft.com/office/drawing/2010/main" xmlns="" val="1610165467"/>
                       </a:ext>
                     </a:extLst>
                   </a:tr>
-                  <a:tr h="640080">
+                  <a:tr h="640151">
                     <a:tc vMerge="1">
                       <a:txBody>
                         <a:bodyPr/>
@@ -18851,7 +17090,7 @@
                           <a:endParaRPr lang="en-US"/>
                         </a:p>
                       </a:txBody>
-                      <a:tcPr anchor="ctr">
+                      <a:tcPr marL="91453" marR="91453" marT="45725" marB="45725" anchor="ctr">
                         <a:lnL w="12700" cap="flat" cmpd="sng" algn="ctr">
                           <a:solidFill>
                             <a:schemeClr val="tx1"/>
@@ -18888,10 +17127,10 @@
                           <a:headEnd type="none" w="med" len="med"/>
                           <a:tailEnd type="none" w="med" len="med"/>
                         </a:lnB>
-                        <a:blipFill>
+                        <a:blipFill rotWithShape="1">
                           <a:blip r:embed="rId25"/>
                           <a:stretch>
-                            <a:fillRect l="-116955" t="-541509" r="-610727" b="-952830"/>
+                            <a:fillRect l="-116955" t="-412381" r="-608304" b="-961905"/>
                           </a:stretch>
                         </a:blipFill>
                       </a:tcPr>
@@ -18912,7 +17151,7 @@
                           </a:r>
                         </a:p>
                       </a:txBody>
-                      <a:tcPr anchor="ctr">
+                      <a:tcPr marL="91453" marR="91453" marT="45725" marB="45725" anchor="ctr">
                         <a:lnL w="12700" cap="flat" cmpd="sng" algn="ctr">
                           <a:solidFill>
                             <a:schemeClr val="tx1"/>
@@ -18968,7 +17207,7 @@
                           </a:r>
                         </a:p>
                       </a:txBody>
-                      <a:tcPr anchor="ctr">
+                      <a:tcPr marL="91453" marR="91453" marT="45725" marB="45725" anchor="ctr">
                         <a:lnL w="12700" cap="flat" cmpd="sng" algn="ctr">
                           <a:solidFill>
                             <a:schemeClr val="tx1"/>
@@ -19111,21 +17350,16 @@
                         <a:p>
                           <a:pPr algn="ctr"/>
                           <a:r>
-                            <a:rPr lang="en-US" sz="3500">
+                            <a:rPr lang="en-US" sz="3500" dirty="0">
                               <a:solidFill>
                                 <a:srgbClr val="00B050"/>
                               </a:solidFill>
                             </a:rPr>
                             <a:t>4.90</a:t>
                           </a:r>
-                          <a:endParaRPr lang="en-US" sz="3500" dirty="0">
-                            <a:solidFill>
-                              <a:srgbClr val="00B050"/>
-                            </a:solidFill>
-                          </a:endParaRPr>
-                        </a:p>
-                      </a:txBody>
-                      <a:tcPr anchor="ctr">
+                        </a:p>
+                      </a:txBody>
+                      <a:tcPr marL="91453" marR="91453" marT="45725" marB="45725" anchor="ctr">
                         <a:lnL w="12700" cap="flat" cmpd="sng" algn="ctr">
                           <a:solidFill>
                             <a:schemeClr val="bg1">
@@ -19169,11 +17403,11 @@
                     </a:tc>
                     <a:extLst>
                       <a:ext uri="{0D108BD9-81ED-4DB2-BD59-A6C34878D82A}">
-                        <a16:rowId xmlns:a16="http://schemas.microsoft.com/office/drawing/2014/main" val="4128712398"/>
+                        <a16:rowId xmlns:a16="http://schemas.microsoft.com/office/drawing/2014/main" xmlns:a14="http://schemas.microsoft.com/office/drawing/2010/main" xmlns="" val="4128712398"/>
                       </a:ext>
                     </a:extLst>
                   </a:tr>
-                  <a:tr h="624840">
+                  <a:tr h="624909">
                     <a:tc vMerge="1">
                       <a:txBody>
                         <a:bodyPr/>
@@ -19235,7 +17469,7 @@
                           </a:r>
                         </a:p>
                       </a:txBody>
-                      <a:tcPr anchor="ctr">
+                      <a:tcPr marL="91453" marR="91453" marT="45725" marB="45725" anchor="ctr">
                         <a:lnL w="38100" cap="flat" cmpd="sng" algn="ctr">
                           <a:solidFill>
                             <a:schemeClr val="tx1"/>
@@ -19287,7 +17521,7 @@
                           </a:r>
                         </a:p>
                       </a:txBody>
-                      <a:tcPr anchor="ctr">
+                      <a:tcPr marL="91453" marR="91453" marT="45725" marB="45725" anchor="ctr">
                         <a:lnL w="12700" cap="flat" cmpd="sng" algn="ctr">
                           <a:solidFill>
                             <a:schemeClr val="tx1"/>
@@ -19339,7 +17573,7 @@
                           </a:r>
                         </a:p>
                       </a:txBody>
-                      <a:tcPr anchor="ctr">
+                      <a:tcPr marL="91453" marR="91453" marT="45725" marB="45725" anchor="ctr">
                         <a:lnL w="12700" cap="flat" cmpd="sng" algn="ctr">
                           <a:solidFill>
                             <a:schemeClr val="tx1"/>
@@ -19391,7 +17625,7 @@
                           </a:r>
                         </a:p>
                       </a:txBody>
-                      <a:tcPr anchor="ctr">
+                      <a:tcPr marL="91453" marR="91453" marT="45725" marB="45725" anchor="ctr">
                         <a:lnL w="12700" cap="flat" cmpd="sng" algn="ctr">
                           <a:solidFill>
                             <a:schemeClr val="tx1"/>
@@ -19443,7 +17677,7 @@
                           </a:r>
                         </a:p>
                       </a:txBody>
-                      <a:tcPr anchor="ctr">
+                      <a:tcPr marL="91453" marR="91453" marT="45725" marB="45725" anchor="ctr">
                         <a:lnL w="12700" cap="flat" cmpd="sng" algn="ctr">
                           <a:solidFill>
                             <a:schemeClr val="tx1"/>
@@ -19495,7 +17729,7 @@
                           </a:r>
                         </a:p>
                       </a:txBody>
-                      <a:tcPr anchor="ctr">
+                      <a:tcPr marL="91453" marR="91453" marT="45725" marB="45725" anchor="ctr">
                         <a:lnL w="12700" cap="flat" cmpd="sng" algn="ctr">
                           <a:solidFill>
                             <a:schemeClr val="tx1"/>
@@ -19549,7 +17783,7 @@
                           </a:r>
                         </a:p>
                       </a:txBody>
-                      <a:tcPr anchor="ctr">
+                      <a:tcPr marL="91453" marR="91453" marT="45725" marB="45725" anchor="ctr">
                         <a:lnL w="12700" cap="flat" cmpd="sng" algn="ctr">
                           <a:solidFill>
                             <a:schemeClr val="bg1">
@@ -19593,11 +17827,11 @@
                     </a:tc>
                     <a:extLst>
                       <a:ext uri="{0D108BD9-81ED-4DB2-BD59-A6C34878D82A}">
-                        <a16:rowId xmlns:a16="http://schemas.microsoft.com/office/drawing/2014/main" val="1714240357"/>
+                        <a16:rowId xmlns:a16="http://schemas.microsoft.com/office/drawing/2014/main" xmlns:a14="http://schemas.microsoft.com/office/drawing/2010/main" xmlns="" val="1714240357"/>
                       </a:ext>
                     </a:extLst>
                   </a:tr>
-                  <a:tr h="624840">
+                  <a:tr h="624909">
                     <a:tc vMerge="1">
                       <a:txBody>
                         <a:bodyPr/>
@@ -19669,7 +17903,7 @@
                           <a:endParaRPr lang="en-US" sz="3500" b="0" dirty="0"/>
                         </a:p>
                       </a:txBody>
-                      <a:tcPr anchor="ctr">
+                      <a:tcPr marL="91453" marR="91453" marT="45725" marB="45725" anchor="ctr">
                         <a:lnL w="12700" cap="flat" cmpd="sng" algn="ctr">
                           <a:solidFill>
                             <a:schemeClr val="tx1"/>
@@ -19725,7 +17959,7 @@
                           </a:r>
                         </a:p>
                       </a:txBody>
-                      <a:tcPr anchor="ctr">
+                      <a:tcPr marL="91453" marR="91453" marT="45725" marB="45725" anchor="ctr">
                         <a:lnL w="12700" cap="flat" cmpd="sng" algn="ctr">
                           <a:solidFill>
                             <a:schemeClr val="tx1"/>
@@ -19781,7 +18015,7 @@
                           </a:r>
                         </a:p>
                       </a:txBody>
-                      <a:tcPr anchor="ctr">
+                      <a:tcPr marL="91453" marR="91453" marT="45725" marB="45725" anchor="ctr">
                         <a:lnL w="12700" cap="flat" cmpd="sng" algn="ctr">
                           <a:solidFill>
                             <a:schemeClr val="tx1"/>
@@ -19830,7 +18064,7 @@
                           <a:endParaRPr lang="en-US" sz="3500" dirty="0"/>
                         </a:p>
                       </a:txBody>
-                      <a:tcPr anchor="ctr">
+                      <a:tcPr marL="91453" marR="91453" marT="45725" marB="45725" anchor="ctr">
                         <a:lnL w="12700" cap="flat" cmpd="sng" algn="ctr">
                           <a:solidFill>
                             <a:schemeClr val="tx1"/>
@@ -19883,7 +18117,7 @@
                           <a:endParaRPr lang="en-US" sz="3500" dirty="0"/>
                         </a:p>
                       </a:txBody>
-                      <a:tcPr anchor="ctr">
+                      <a:tcPr marL="91453" marR="91453" marT="45725" marB="45725" anchor="ctr">
                         <a:lnL w="12700" cap="flat" cmpd="sng" algn="ctr">
                           <a:solidFill>
                             <a:schemeClr val="tx1"/>
@@ -19945,7 +18179,7 @@
                           </a:r>
                         </a:p>
                       </a:txBody>
-                      <a:tcPr anchor="ctr">
+                      <a:tcPr marL="91453" marR="91453" marT="45725" marB="45725" anchor="ctr">
                         <a:lnL w="12700" cap="flat" cmpd="sng" algn="ctr">
                           <a:solidFill>
                             <a:schemeClr val="bg1">
@@ -19989,11 +18223,11 @@
                     </a:tc>
                     <a:extLst>
                       <a:ext uri="{0D108BD9-81ED-4DB2-BD59-A6C34878D82A}">
-                        <a16:rowId xmlns:a16="http://schemas.microsoft.com/office/drawing/2014/main" val="1136772937"/>
+                        <a16:rowId xmlns:a16="http://schemas.microsoft.com/office/drawing/2014/main" xmlns:a14="http://schemas.microsoft.com/office/drawing/2010/main" xmlns="" val="1136772937"/>
                       </a:ext>
                     </a:extLst>
                   </a:tr>
-                  <a:tr h="244800">
+                  <a:tr h="244827">
                     <a:tc>
                       <a:txBody>
                         <a:bodyPr/>
@@ -20003,7 +18237,7 @@
                           <a:endParaRPr lang="en-US" sz="1000" b="1" dirty="0"/>
                         </a:p>
                       </a:txBody>
-                      <a:tcPr anchor="ctr">
+                      <a:tcPr marL="91453" marR="91453" marT="45725" marB="45725" anchor="ctr">
                         <a:lnL w="38100" cap="flat" cmpd="sng" algn="ctr">
                           <a:noFill/>
                           <a:prstDash val="solid"/>
@@ -20019,18 +18253,14 @@
                           <a:tailEnd type="none" w="med" len="med"/>
                         </a:lnR>
                         <a:lnT w="38100" cap="flat" cmpd="sng" algn="ctr">
-                          <a:solidFill>
-                            <a:schemeClr val="tx1"/>
-                          </a:solidFill>
+                          <a:noFill/>
                           <a:prstDash val="solid"/>
                           <a:round/>
                           <a:headEnd type="none" w="med" len="med"/>
                           <a:tailEnd type="none" w="med" len="med"/>
                         </a:lnT>
                         <a:lnB w="38100" cap="flat" cmpd="sng" algn="ctr">
-                          <a:solidFill>
-                            <a:schemeClr val="tx1"/>
-                          </a:solidFill>
+                          <a:noFill/>
                           <a:prstDash val="solid"/>
                           <a:round/>
                           <a:headEnd type="none" w="med" len="med"/>
@@ -20056,7 +18286,7 @@
                           <a:endParaRPr lang="en-US" sz="1000" b="1" dirty="0"/>
                         </a:p>
                       </a:txBody>
-                      <a:tcPr anchor="ctr">
+                      <a:tcPr marL="91453" marR="91453" marT="45725" marB="45725" anchor="ctr">
                         <a:lnL w="38100" cap="flat" cmpd="sng" algn="ctr">
                           <a:noFill/>
                           <a:prstDash val="solid"/>
@@ -20412,11 +18642,11 @@
                     </a:tc>
                     <a:extLst>
                       <a:ext uri="{0D108BD9-81ED-4DB2-BD59-A6C34878D82A}">
-                        <a16:rowId xmlns:a16="http://schemas.microsoft.com/office/drawing/2014/main" val="273075946"/>
+                        <a16:rowId xmlns:a16="http://schemas.microsoft.com/office/drawing/2014/main" xmlns:a14="http://schemas.microsoft.com/office/drawing/2010/main" xmlns="" val="273075946"/>
                       </a:ext>
                     </a:extLst>
                   </a:tr>
-                  <a:tr h="640080">
+                  <a:tr h="640151">
                     <a:tc rowSpan="7">
                       <a:txBody>
                         <a:bodyPr/>
@@ -20426,7 +18656,7 @@
                           <a:r>
                             <a:rPr lang="en-US" sz="3500" b="1" dirty="0">
                               <a:solidFill>
-                                <a:schemeClr val="tx1"/>
+                                <a:srgbClr val="4A929C"/>
                               </a:solidFill>
                             </a:rPr>
                             <a:t>fashion-</a:t>
@@ -20434,23 +18664,21 @@
                           <a:r>
                             <a:rPr lang="en-US" sz="3500" b="1" dirty="0" err="1">
                               <a:solidFill>
-                                <a:schemeClr val="tx1"/>
+                                <a:srgbClr val="4A929C"/>
                               </a:solidFill>
                             </a:rPr>
                             <a:t>mnist</a:t>
                           </a:r>
                           <a:endParaRPr lang="en-US" sz="3500" b="1" dirty="0">
                             <a:solidFill>
-                              <a:schemeClr val="tx1"/>
+                              <a:srgbClr val="4A929C"/>
                             </a:solidFill>
                           </a:endParaRPr>
                         </a:p>
                       </a:txBody>
-                      <a:tcPr vert="vert270" anchor="ctr">
+                      <a:tcPr marL="91453" marR="91453" marT="45725" marB="45725" vert="vert270" anchor="ctr">
                         <a:lnL w="38100" cap="flat" cmpd="sng" algn="ctr">
-                          <a:solidFill>
-                            <a:schemeClr val="tx1"/>
-                          </a:solidFill>
+                          <a:noFill/>
                           <a:prstDash val="solid"/>
                           <a:round/>
                           <a:headEnd type="none" w="med" len="med"/>
@@ -20466,23 +18694,27 @@
                           <a:tailEnd type="none" w="med" len="med"/>
                         </a:lnR>
                         <a:lnT w="38100" cap="flat" cmpd="sng" algn="ctr">
-                          <a:solidFill>
-                            <a:schemeClr val="tx1"/>
-                          </a:solidFill>
+                          <a:noFill/>
                           <a:prstDash val="solid"/>
                           <a:round/>
                           <a:headEnd type="none" w="med" len="med"/>
                           <a:tailEnd type="none" w="med" len="med"/>
                         </a:lnT>
                         <a:lnB w="38100" cap="flat" cmpd="sng" algn="ctr">
-                          <a:solidFill>
-                            <a:schemeClr val="tx1"/>
-                          </a:solidFill>
-                          <a:prstDash val="solid"/>
-                          <a:round/>
-                          <a:headEnd type="none" w="med" len="med"/>
-                          <a:tailEnd type="none" w="med" len="med"/>
-                        </a:lnB>
+                          <a:noFill/>
+                          <a:prstDash val="solid"/>
+                          <a:round/>
+                          <a:headEnd type="none" w="med" len="med"/>
+                          <a:tailEnd type="none" w="med" len="med"/>
+                        </a:lnB>
+                        <a:lnTlToBr w="12700" cmpd="sng">
+                          <a:noFill/>
+                          <a:prstDash val="solid"/>
+                        </a:lnTlToBr>
+                        <a:lnBlToTr w="12700" cmpd="sng">
+                          <a:noFill/>
+                          <a:prstDash val="solid"/>
+                        </a:lnBlToTr>
                         <a:noFill/>
                       </a:tcPr>
                     </a:tc>
@@ -20502,7 +18734,7 @@
                           </a:r>
                         </a:p>
                       </a:txBody>
-                      <a:tcPr anchor="ctr">
+                      <a:tcPr marL="91453" marR="91453" marT="45725" marB="45725" anchor="ctr">
                         <a:lnL w="38100" cap="flat" cmpd="sng" algn="ctr">
                           <a:solidFill>
                             <a:schemeClr val="tx1"/>
@@ -20558,7 +18790,7 @@
                           </a:r>
                         </a:p>
                       </a:txBody>
-                      <a:tcPr anchor="ctr">
+                      <a:tcPr marL="91453" marR="91453" marT="45725" marB="45725" anchor="ctr">
                         <a:lnL w="12700" cap="flat" cmpd="sng" algn="ctr">
                           <a:solidFill>
                             <a:schemeClr val="tx1"/>
@@ -20614,7 +18846,7 @@
                           </a:r>
                         </a:p>
                       </a:txBody>
-                      <a:tcPr anchor="ctr">
+                      <a:tcPr marL="91453" marR="91453" marT="45725" marB="45725" anchor="ctr">
                         <a:lnL w="12700" cap="flat" cmpd="sng" algn="ctr">
                           <a:solidFill>
                             <a:schemeClr val="tx1"/>
@@ -20670,7 +18902,7 @@
                           </a:r>
                         </a:p>
                       </a:txBody>
-                      <a:tcPr anchor="ctr">
+                      <a:tcPr marL="91453" marR="91453" marT="45725" marB="45725" anchor="ctr">
                         <a:lnL w="12700" cap="flat" cmpd="sng" algn="ctr">
                           <a:solidFill>
                             <a:schemeClr val="tx1"/>
@@ -20747,7 +18979,7 @@
                           </a:endParaRPr>
                         </a:p>
                       </a:txBody>
-                      <a:tcPr anchor="ctr">
+                      <a:tcPr marL="91453" marR="91453" marT="45725" marB="45725" anchor="ctr">
                         <a:lnL w="12700" cap="flat" cmpd="sng" algn="ctr">
                           <a:solidFill>
                             <a:schemeClr val="tx1"/>
@@ -20820,7 +19052,7 @@
                           <a:endParaRPr lang="en-US" sz="3500" dirty="0"/>
                         </a:p>
                       </a:txBody>
-                      <a:tcPr anchor="ctr">
+                      <a:tcPr marL="91453" marR="91453" marT="45725" marB="45725" anchor="ctr">
                         <a:lnL w="12700" cap="flat" cmpd="sng" algn="ctr">
                           <a:solidFill>
                             <a:schemeClr val="tx1"/>
@@ -20887,7 +19119,7 @@
                           <a:endParaRPr lang="en-US" sz="3500" dirty="0"/>
                         </a:p>
                       </a:txBody>
-                      <a:tcPr anchor="ctr">
+                      <a:tcPr marL="91453" marR="91453" marT="45725" marB="45725" anchor="ctr">
                         <a:lnL w="12700" cap="flat" cmpd="sng" algn="ctr">
                           <a:solidFill>
                             <a:schemeClr val="bg1">
@@ -20931,11 +19163,11 @@
                     </a:tc>
                     <a:extLst>
                       <a:ext uri="{0D108BD9-81ED-4DB2-BD59-A6C34878D82A}">
-                        <a16:rowId xmlns:a16="http://schemas.microsoft.com/office/drawing/2014/main" val="106372282"/>
+                        <a16:rowId xmlns:a16="http://schemas.microsoft.com/office/drawing/2014/main" xmlns:a14="http://schemas.microsoft.com/office/drawing/2010/main" xmlns="" val="106372282"/>
                       </a:ext>
                     </a:extLst>
                   </a:tr>
-                  <a:tr h="624840">
+                  <a:tr h="624909">
                     <a:tc vMerge="1">
                       <a:txBody>
                         <a:bodyPr/>
@@ -20997,7 +19229,7 @@
                           </a:r>
                         </a:p>
                       </a:txBody>
-                      <a:tcPr anchor="ctr">
+                      <a:tcPr marL="91453" marR="91453" marT="45725" marB="45725" anchor="ctr">
                         <a:lnL w="38100" cap="flat" cmpd="sng" algn="ctr">
                           <a:solidFill>
                             <a:schemeClr val="tx1"/>
@@ -21049,7 +19281,7 @@
                           </a:r>
                         </a:p>
                       </a:txBody>
-                      <a:tcPr anchor="ctr">
+                      <a:tcPr marL="91453" marR="91453" marT="45725" marB="45725" anchor="ctr">
                         <a:lnL w="12700" cap="flat" cmpd="sng" algn="ctr">
                           <a:solidFill>
                             <a:schemeClr val="tx1"/>
@@ -21101,7 +19333,7 @@
                           </a:r>
                         </a:p>
                       </a:txBody>
-                      <a:tcPr anchor="ctr">
+                      <a:tcPr marL="91453" marR="91453" marT="45725" marB="45725" anchor="ctr">
                         <a:lnL w="12700" cap="flat" cmpd="sng" algn="ctr">
                           <a:solidFill>
                             <a:schemeClr val="tx1"/>
@@ -21153,7 +19385,7 @@
                           </a:r>
                         </a:p>
                       </a:txBody>
-                      <a:tcPr anchor="ctr">
+                      <a:tcPr marL="91453" marR="91453" marT="45725" marB="45725" anchor="ctr">
                         <a:lnL w="12700" cap="flat" cmpd="sng" algn="ctr">
                           <a:solidFill>
                             <a:schemeClr val="tx1"/>
@@ -21205,7 +19437,7 @@
                           </a:r>
                         </a:p>
                       </a:txBody>
-                      <a:tcPr anchor="ctr">
+                      <a:tcPr marL="91453" marR="91453" marT="45725" marB="45725" anchor="ctr">
                         <a:lnL w="12700" cap="flat" cmpd="sng" algn="ctr">
                           <a:solidFill>
                             <a:schemeClr val="tx1"/>
@@ -21257,7 +19489,7 @@
                           </a:r>
                         </a:p>
                       </a:txBody>
-                      <a:tcPr anchor="ctr">
+                      <a:tcPr marL="91453" marR="91453" marT="45725" marB="45725" anchor="ctr">
                         <a:lnL w="12700" cap="flat" cmpd="sng" algn="ctr">
                           <a:solidFill>
                             <a:schemeClr val="tx1"/>
@@ -21311,7 +19543,7 @@
                           </a:r>
                         </a:p>
                       </a:txBody>
-                      <a:tcPr anchor="ctr">
+                      <a:tcPr marL="91453" marR="91453" marT="45725" marB="45725" anchor="ctr">
                         <a:lnL w="12700" cap="flat" cmpd="sng" algn="ctr">
                           <a:solidFill>
                             <a:schemeClr val="bg1">
@@ -21355,11 +19587,11 @@
                     </a:tc>
                     <a:extLst>
                       <a:ext uri="{0D108BD9-81ED-4DB2-BD59-A6C34878D82A}">
-                        <a16:rowId xmlns:a16="http://schemas.microsoft.com/office/drawing/2014/main" val="67320090"/>
+                        <a16:rowId xmlns:a16="http://schemas.microsoft.com/office/drawing/2014/main" xmlns:a14="http://schemas.microsoft.com/office/drawing/2010/main" xmlns="" val="67320090"/>
                       </a:ext>
                     </a:extLst>
                   </a:tr>
-                  <a:tr h="640080">
+                  <a:tr h="640151">
                     <a:tc vMerge="1">
                       <a:txBody>
                         <a:bodyPr/>
@@ -21443,7 +19675,7 @@
                           <a:endParaRPr lang="en-US"/>
                         </a:p>
                       </a:txBody>
-                      <a:tcPr anchor="ctr">
+                      <a:tcPr marL="91453" marR="91453" marT="45725" marB="45725" anchor="ctr">
                         <a:lnL w="12700" cap="flat" cmpd="sng" algn="ctr">
                           <a:solidFill>
                             <a:schemeClr val="tx1"/>
@@ -21480,10 +19712,10 @@
                           <a:headEnd type="none" w="med" len="med"/>
                           <a:tailEnd type="none" w="med" len="med"/>
                         </a:lnB>
-                        <a:blipFill>
+                        <a:blipFill rotWithShape="1">
                           <a:blip r:embed="rId25"/>
                           <a:stretch>
-                            <a:fillRect l="-116955" t="-1079048" r="-610727" b="-430476"/>
+                            <a:fillRect l="-116955" t="-943810" r="-608304" b="-430476"/>
                           </a:stretch>
                         </a:blipFill>
                       </a:tcPr>
@@ -21504,7 +19736,7 @@
                           </a:r>
                         </a:p>
                       </a:txBody>
-                      <a:tcPr anchor="ctr">
+                      <a:tcPr marL="91453" marR="91453" marT="45725" marB="45725" anchor="ctr">
                         <a:lnL w="12700" cap="flat" cmpd="sng" algn="ctr">
                           <a:solidFill>
                             <a:schemeClr val="tx1"/>
@@ -21560,7 +19792,7 @@
                           </a:r>
                         </a:p>
                       </a:txBody>
-                      <a:tcPr anchor="ctr">
+                      <a:tcPr marL="91453" marR="91453" marT="45725" marB="45725" anchor="ctr">
                         <a:lnL w="12700" cap="flat" cmpd="sng" algn="ctr">
                           <a:solidFill>
                             <a:schemeClr val="tx1"/>
@@ -21609,7 +19841,7 @@
                           <a:endParaRPr lang="en-US" sz="3500" dirty="0"/>
                         </a:p>
                       </a:txBody>
-                      <a:tcPr anchor="ctr">
+                      <a:tcPr marL="91453" marR="91453" marT="45725" marB="45725" anchor="ctr">
                         <a:lnL w="12700" cap="flat" cmpd="sng" algn="ctr">
                           <a:solidFill>
                             <a:schemeClr val="tx1"/>
@@ -21662,7 +19894,7 @@
                           <a:endParaRPr lang="en-US" sz="3500" dirty="0"/>
                         </a:p>
                       </a:txBody>
-                      <a:tcPr anchor="ctr">
+                      <a:tcPr marL="91453" marR="91453" marT="45725" marB="45725" anchor="ctr">
                         <a:lnL w="12700" cap="flat" cmpd="sng" algn="ctr">
                           <a:solidFill>
                             <a:schemeClr val="tx1"/>
@@ -21724,7 +19956,7 @@
                           </a:r>
                         </a:p>
                       </a:txBody>
-                      <a:tcPr anchor="ctr">
+                      <a:tcPr marL="91453" marR="91453" marT="45725" marB="45725" anchor="ctr">
                         <a:lnL w="12700" cap="flat" cmpd="sng" algn="ctr">
                           <a:solidFill>
                             <a:schemeClr val="bg1">
@@ -21768,11 +20000,11 @@
                     </a:tc>
                     <a:extLst>
                       <a:ext uri="{0D108BD9-81ED-4DB2-BD59-A6C34878D82A}">
-                        <a16:rowId xmlns:a16="http://schemas.microsoft.com/office/drawing/2014/main" val="1110501758"/>
+                        <a16:rowId xmlns:a16="http://schemas.microsoft.com/office/drawing/2014/main" xmlns:a14="http://schemas.microsoft.com/office/drawing/2010/main" xmlns="" val="1110501758"/>
                       </a:ext>
                     </a:extLst>
                   </a:tr>
-                  <a:tr h="640080">
+                  <a:tr h="640151">
                     <a:tc vMerge="1">
                       <a:txBody>
                         <a:bodyPr/>
@@ -21839,7 +20071,7 @@
                           <a:endParaRPr lang="en-US"/>
                         </a:p>
                       </a:txBody>
-                      <a:tcPr anchor="ctr">
+                      <a:tcPr marL="91453" marR="91453" marT="45725" marB="45725" anchor="ctr">
                         <a:lnL w="12700" cap="flat" cmpd="sng" algn="ctr">
                           <a:solidFill>
                             <a:schemeClr val="tx1"/>
@@ -21876,10 +20108,10 @@
                           <a:headEnd type="none" w="med" len="med"/>
                           <a:tailEnd type="none" w="med" len="med"/>
                         </a:lnB>
-                        <a:blipFill>
+                        <a:blipFill rotWithShape="1">
                           <a:blip r:embed="rId25"/>
                           <a:stretch>
-                            <a:fillRect l="-116955" t="-1179048" r="-610727" b="-330476"/>
+                            <a:fillRect l="-116955" t="-1043810" r="-608304" b="-330476"/>
                           </a:stretch>
                         </a:blipFill>
                       </a:tcPr>
@@ -21900,7 +20132,7 @@
                           </a:r>
                         </a:p>
                       </a:txBody>
-                      <a:tcPr anchor="ctr">
+                      <a:tcPr marL="91453" marR="91453" marT="45725" marB="45725" anchor="ctr">
                         <a:lnL w="12700" cap="flat" cmpd="sng" algn="ctr">
                           <a:solidFill>
                             <a:schemeClr val="tx1"/>
@@ -21956,7 +20188,7 @@
                           </a:r>
                         </a:p>
                       </a:txBody>
-                      <a:tcPr anchor="ctr">
+                      <a:tcPr marL="91453" marR="91453" marT="45725" marB="45725" anchor="ctr">
                         <a:lnL w="12700" cap="flat" cmpd="sng" algn="ctr">
                           <a:solidFill>
                             <a:schemeClr val="tx1"/>
@@ -22118,7 +20350,7 @@
                           </a:r>
                         </a:p>
                       </a:txBody>
-                      <a:tcPr anchor="ctr">
+                      <a:tcPr marL="91453" marR="91453" marT="45725" marB="45725" anchor="ctr">
                         <a:lnL w="12700" cap="flat" cmpd="sng" algn="ctr">
                           <a:solidFill>
                             <a:schemeClr val="bg1">
@@ -22162,11 +20394,11 @@
                     </a:tc>
                     <a:extLst>
                       <a:ext uri="{0D108BD9-81ED-4DB2-BD59-A6C34878D82A}">
-                        <a16:rowId xmlns:a16="http://schemas.microsoft.com/office/drawing/2014/main" val="3418596869"/>
+                        <a16:rowId xmlns:a16="http://schemas.microsoft.com/office/drawing/2014/main" xmlns:a14="http://schemas.microsoft.com/office/drawing/2010/main" xmlns="" val="3418596869"/>
                       </a:ext>
                     </a:extLst>
                   </a:tr>
-                  <a:tr h="640080">
+                  <a:tr h="640151">
                     <a:tc vMerge="1">
                       <a:txBody>
                         <a:bodyPr/>
@@ -22233,7 +20465,7 @@
                           <a:endParaRPr lang="en-US"/>
                         </a:p>
                       </a:txBody>
-                      <a:tcPr anchor="ctr">
+                      <a:tcPr marL="91453" marR="91453" marT="45725" marB="45725" anchor="ctr">
                         <a:lnL w="12700" cap="flat" cmpd="sng" algn="ctr">
                           <a:solidFill>
                             <a:schemeClr val="tx1"/>
@@ -22270,10 +20502,10 @@
                           <a:headEnd type="none" w="med" len="med"/>
                           <a:tailEnd type="none" w="med" len="med"/>
                         </a:lnB>
-                        <a:blipFill>
+                        <a:blipFill rotWithShape="1">
                           <a:blip r:embed="rId25"/>
                           <a:stretch>
-                            <a:fillRect l="-116955" t="-1279048" r="-610727" b="-230476"/>
+                            <a:fillRect l="-116955" t="-1143810" r="-608304" b="-230476"/>
                           </a:stretch>
                         </a:blipFill>
                       </a:tcPr>
@@ -22294,7 +20526,7 @@
                           </a:r>
                         </a:p>
                       </a:txBody>
-                      <a:tcPr anchor="ctr">
+                      <a:tcPr marL="91453" marR="91453" marT="45725" marB="45725" anchor="ctr">
                         <a:lnL w="12700" cap="flat" cmpd="sng" algn="ctr">
                           <a:solidFill>
                             <a:schemeClr val="tx1"/>
@@ -22350,7 +20582,7 @@
                           </a:r>
                         </a:p>
                       </a:txBody>
-                      <a:tcPr anchor="ctr">
+                      <a:tcPr marL="91453" marR="91453" marT="45725" marB="45725" anchor="ctr">
                         <a:lnL w="12700" cap="flat" cmpd="sng" algn="ctr">
                           <a:solidFill>
                             <a:schemeClr val="tx1"/>
@@ -22517,7 +20749,7 @@
                           </a:endParaRPr>
                         </a:p>
                       </a:txBody>
-                      <a:tcPr anchor="ctr">
+                      <a:tcPr marL="91453" marR="91453" marT="45725" marB="45725" anchor="ctr">
                         <a:lnL w="12700" cap="flat" cmpd="sng" algn="ctr">
                           <a:solidFill>
                             <a:schemeClr val="bg1">
@@ -22561,11 +20793,11 @@
                     </a:tc>
                     <a:extLst>
                       <a:ext uri="{0D108BD9-81ED-4DB2-BD59-A6C34878D82A}">
-                        <a16:rowId xmlns:a16="http://schemas.microsoft.com/office/drawing/2014/main" val="115005646"/>
+                        <a16:rowId xmlns:a16="http://schemas.microsoft.com/office/drawing/2014/main" xmlns:a14="http://schemas.microsoft.com/office/drawing/2010/main" xmlns="" val="115005646"/>
                       </a:ext>
                     </a:extLst>
                   </a:tr>
-                  <a:tr h="624840">
+                  <a:tr h="624909">
                     <a:tc vMerge="1">
                       <a:txBody>
                         <a:bodyPr/>
@@ -22627,7 +20859,7 @@
                           </a:r>
                         </a:p>
                       </a:txBody>
-                      <a:tcPr anchor="ctr">
+                      <a:tcPr marL="91453" marR="91453" marT="45725" marB="45725" anchor="ctr">
                         <a:lnL w="38100" cap="flat" cmpd="sng" algn="ctr">
                           <a:solidFill>
                             <a:schemeClr val="tx1"/>
@@ -22679,7 +20911,7 @@
                           </a:r>
                         </a:p>
                       </a:txBody>
-                      <a:tcPr anchor="ctr">
+                      <a:tcPr marL="91453" marR="91453" marT="45725" marB="45725" anchor="ctr">
                         <a:lnL w="12700" cap="flat" cmpd="sng" algn="ctr">
                           <a:solidFill>
                             <a:schemeClr val="tx1"/>
@@ -22731,7 +20963,7 @@
                           </a:r>
                         </a:p>
                       </a:txBody>
-                      <a:tcPr anchor="ctr">
+                      <a:tcPr marL="91453" marR="91453" marT="45725" marB="45725" anchor="ctr">
                         <a:lnL w="12700" cap="flat" cmpd="sng" algn="ctr">
                           <a:solidFill>
                             <a:schemeClr val="tx1"/>
@@ -22783,7 +21015,7 @@
                           </a:r>
                         </a:p>
                       </a:txBody>
-                      <a:tcPr anchor="ctr">
+                      <a:tcPr marL="91453" marR="91453" marT="45725" marB="45725" anchor="ctr">
                         <a:lnL w="12700" cap="flat" cmpd="sng" algn="ctr">
                           <a:solidFill>
                             <a:schemeClr val="tx1"/>
@@ -22835,7 +21067,7 @@
                           </a:r>
                         </a:p>
                       </a:txBody>
-                      <a:tcPr anchor="ctr">
+                      <a:tcPr marL="91453" marR="91453" marT="45725" marB="45725" anchor="ctr">
                         <a:lnL w="12700" cap="flat" cmpd="sng" algn="ctr">
                           <a:solidFill>
                             <a:schemeClr val="tx1"/>
@@ -22887,7 +21119,7 @@
                           </a:r>
                         </a:p>
                       </a:txBody>
-                      <a:tcPr anchor="ctr">
+                      <a:tcPr marL="91453" marR="91453" marT="45725" marB="45725" anchor="ctr">
                         <a:lnL w="12700" cap="flat" cmpd="sng" algn="ctr">
                           <a:solidFill>
                             <a:schemeClr val="tx1"/>
@@ -22941,7 +21173,7 @@
                           </a:r>
                         </a:p>
                       </a:txBody>
-                      <a:tcPr anchor="ctr">
+                      <a:tcPr marL="91453" marR="91453" marT="45725" marB="45725" anchor="ctr">
                         <a:lnL w="12700" cap="flat" cmpd="sng" algn="ctr">
                           <a:solidFill>
                             <a:schemeClr val="bg1">
@@ -22985,11 +21217,11 @@
                     </a:tc>
                     <a:extLst>
                       <a:ext uri="{0D108BD9-81ED-4DB2-BD59-A6C34878D82A}">
-                        <a16:rowId xmlns:a16="http://schemas.microsoft.com/office/drawing/2014/main" val="2163458290"/>
+                        <a16:rowId xmlns:a16="http://schemas.microsoft.com/office/drawing/2014/main" xmlns:a14="http://schemas.microsoft.com/office/drawing/2010/main" xmlns="" val="2163458290"/>
                       </a:ext>
                     </a:extLst>
                   </a:tr>
-                  <a:tr h="624840">
+                  <a:tr h="624909">
                     <a:tc vMerge="1">
                       <a:txBody>
                         <a:bodyPr/>
@@ -23061,7 +21293,7 @@
                           <a:endParaRPr lang="en-US" sz="3500" b="0" dirty="0"/>
                         </a:p>
                       </a:txBody>
-                      <a:tcPr anchor="ctr">
+                      <a:tcPr marL="91453" marR="91453" marT="45725" marB="45725" anchor="ctr">
                         <a:lnL w="12700" cap="flat" cmpd="sng" algn="ctr">
                           <a:solidFill>
                             <a:schemeClr val="tx1"/>
@@ -23117,7 +21349,7 @@
                           </a:r>
                         </a:p>
                       </a:txBody>
-                      <a:tcPr anchor="ctr">
+                      <a:tcPr marL="91453" marR="91453" marT="45725" marB="45725" anchor="ctr">
                         <a:lnL w="12700" cap="flat" cmpd="sng" algn="ctr">
                           <a:solidFill>
                             <a:schemeClr val="tx1"/>
@@ -23173,7 +21405,7 @@
                           </a:r>
                         </a:p>
                       </a:txBody>
-                      <a:tcPr anchor="ctr">
+                      <a:tcPr marL="91453" marR="91453" marT="45725" marB="45725" anchor="ctr">
                         <a:lnL w="12700" cap="flat" cmpd="sng" algn="ctr">
                           <a:solidFill>
                             <a:schemeClr val="tx1"/>
@@ -23222,7 +21454,7 @@
                           <a:endParaRPr lang="en-US" sz="3500" dirty="0"/>
                         </a:p>
                       </a:txBody>
-                      <a:tcPr anchor="ctr">
+                      <a:tcPr marL="91453" marR="91453" marT="45725" marB="45725" anchor="ctr">
                         <a:lnL w="12700" cap="flat" cmpd="sng" algn="ctr">
                           <a:solidFill>
                             <a:schemeClr val="tx1"/>
@@ -23275,7 +21507,7 @@
                           <a:endParaRPr lang="en-US" sz="3500" dirty="0"/>
                         </a:p>
                       </a:txBody>
-                      <a:tcPr anchor="ctr">
+                      <a:tcPr marL="91453" marR="91453" marT="45725" marB="45725" anchor="ctr">
                         <a:lnL w="12700" cap="flat" cmpd="sng" algn="ctr">
                           <a:solidFill>
                             <a:schemeClr val="tx1"/>
@@ -23337,7 +21569,7 @@
                           </a:r>
                         </a:p>
                       </a:txBody>
-                      <a:tcPr anchor="ctr">
+                      <a:tcPr marL="91453" marR="91453" marT="45725" marB="45725" anchor="ctr">
                         <a:lnL w="12700" cap="flat" cmpd="sng" algn="ctr">
                           <a:solidFill>
                             <a:schemeClr val="bg1">
@@ -23381,7 +21613,7 @@
                     </a:tc>
                     <a:extLst>
                       <a:ext uri="{0D108BD9-81ED-4DB2-BD59-A6C34878D82A}">
-                        <a16:rowId xmlns:a16="http://schemas.microsoft.com/office/drawing/2014/main" val="20039438"/>
+                        <a16:rowId xmlns:a16="http://schemas.microsoft.com/office/drawing/2014/main" xmlns:a14="http://schemas.microsoft.com/office/drawing/2010/main" xmlns="" val="20039438"/>
                       </a:ext>
                     </a:extLst>
                   </a:tr>
@@ -23396,7 +21628,7 @@
           <p:cNvPr id="113" name="Text Box 24">
             <a:extLst>
               <a:ext uri="{FF2B5EF4-FFF2-40B4-BE49-F238E27FC236}">
-                <a16:creationId xmlns:a16="http://schemas.microsoft.com/office/drawing/2014/main" id="{6D9FF79C-648C-46CE-B96C-67F2287316E1}"/>
+                <a16:creationId xmlns:a16="http://schemas.microsoft.com/office/drawing/2014/main" xmlns="" id="{6D9FF79C-648C-46CE-B96C-67F2287316E1}"/>
               </a:ext>
             </a:extLst>
           </p:cNvPr>
@@ -23405,8 +21637,8 @@
         </p:nvSpPr>
         <p:spPr>
           <a:xfrm>
-            <a:off x="6120000" y="38751115"/>
-            <a:ext cx="20160000" cy="842992"/>
+            <a:off x="6120900" y="38755386"/>
+            <a:ext cx="20162963" cy="843085"/>
           </a:xfrm>
           <a:prstGeom prst="rect">
             <a:avLst/>
@@ -23422,7 +21654,7 @@
           </a:effectLst>
         </p:spPr>
         <p:txBody>
-          <a:bodyPr rot="0" spcFirstLastPara="0" vert="horz" wrap="square" lIns="91440" tIns="45720" rIns="91440" bIns="45720" numCol="1" spcCol="0" rtlCol="0" fromWordArt="0" anchor="ctr" anchorCtr="0" forceAA="0" compatLnSpc="1">
+          <a:bodyPr rot="0" spcFirstLastPara="0" vert="horz" wrap="square" lIns="91449" tIns="45725" rIns="91449" bIns="45725" numCol="1" spcCol="0" rtlCol="0" fromWordArt="0" anchor="ctr" anchorCtr="0" forceAA="0" compatLnSpc="1">
             <a:prstTxWarp prst="textNoShape">
               <a:avLst/>
             </a:prstTxWarp>
@@ -23456,7 +21688,7 @@
           <p:cNvPr id="111" name="Table 110">
             <a:extLst>
               <a:ext uri="{FF2B5EF4-FFF2-40B4-BE49-F238E27FC236}">
-                <a16:creationId xmlns:a16="http://schemas.microsoft.com/office/drawing/2014/main" id="{256B0E97-9FC0-4336-A0AA-EF10AB8858AB}"/>
+                <a16:creationId xmlns:a16="http://schemas.microsoft.com/office/drawing/2014/main" xmlns="" id="{256B0E97-9FC0-4336-A0AA-EF10AB8858AB}"/>
               </a:ext>
             </a:extLst>
           </p:cNvPr>
@@ -23472,8 +21704,8 @@
           </p:nvPr>
         </p:nvGraphicFramePr>
         <p:xfrm>
-          <a:off x="6120000" y="39593515"/>
-          <a:ext cx="20160000" cy="1738800"/>
+          <a:off x="6120900" y="39597879"/>
+          <a:ext cx="20162964" cy="1738992"/>
         </p:xfrm>
         <a:graphic>
           <a:graphicData uri="http://schemas.openxmlformats.org/drawingml/2006/table">
@@ -23482,29 +21714,29 @@
                 <a:tableStyleId>{5C22544A-7EE6-4342-B048-85BDC9FD1C3A}</a:tableStyleId>
               </a:tblPr>
               <a:tblGrid>
-                <a:gridCol w="6720000">
+                <a:gridCol w="6720988">
                   <a:extLst>
                     <a:ext uri="{9D8B030D-6E8A-4147-A177-3AD203B41FA5}">
-                      <a16:colId xmlns:a16="http://schemas.microsoft.com/office/drawing/2014/main" val="2304463853"/>
+                      <a16:colId xmlns:a16="http://schemas.microsoft.com/office/drawing/2014/main" xmlns="" val="2304463853"/>
                     </a:ext>
                   </a:extLst>
                 </a:gridCol>
-                <a:gridCol w="6720000">
+                <a:gridCol w="6720988">
                   <a:extLst>
                     <a:ext uri="{9D8B030D-6E8A-4147-A177-3AD203B41FA5}">
-                      <a16:colId xmlns:a16="http://schemas.microsoft.com/office/drawing/2014/main" val="3677737521"/>
+                      <a16:colId xmlns:a16="http://schemas.microsoft.com/office/drawing/2014/main" xmlns="" val="3677737521"/>
                     </a:ext>
                   </a:extLst>
                 </a:gridCol>
-                <a:gridCol w="6720000">
+                <a:gridCol w="6720988">
                   <a:extLst>
                     <a:ext uri="{9D8B030D-6E8A-4147-A177-3AD203B41FA5}">
-                      <a16:colId xmlns:a16="http://schemas.microsoft.com/office/drawing/2014/main" val="536389119"/>
+                      <a16:colId xmlns:a16="http://schemas.microsoft.com/office/drawing/2014/main" xmlns="" val="536389119"/>
                     </a:ext>
                   </a:extLst>
                 </a:gridCol>
               </a:tblGrid>
-              <a:tr h="1738800">
+              <a:tr h="1738992">
                 <a:tc>
                   <a:txBody>
                     <a:bodyPr/>
@@ -23540,7 +21772,7 @@
                       </a:r>
                     </a:p>
                   </a:txBody>
-                  <a:tcPr anchor="ctr">
+                  <a:tcPr marL="91453" marR="91453" marT="45725" marB="45725" anchor="ctr">
                     <a:lnL w="38100" cap="flat" cmpd="sng" algn="ctr">
                       <a:noFill/>
                       <a:prstDash val="solid"/>
@@ -23628,7 +21860,7 @@
                       </a:r>
                     </a:p>
                   </a:txBody>
-                  <a:tcPr anchor="ctr">
+                  <a:tcPr marL="91453" marR="91453" marT="45725" marB="45725" anchor="ctr">
                     <a:lnL w="12700" cap="flat" cmpd="sng" algn="ctr">
                       <a:solidFill>
                         <a:schemeClr val="bg1">
@@ -23698,7 +21930,7 @@
                       </a:r>
                     </a:p>
                   </a:txBody>
-                  <a:tcPr anchor="ctr">
+                  <a:tcPr marL="91453" marR="91453" marT="45725" marB="45725" anchor="ctr">
                     <a:lnL w="12700" cap="flat" cmpd="sng" algn="ctr">
                       <a:solidFill>
                         <a:schemeClr val="bg1">
@@ -23744,7 +21976,7 @@
                 </a:tc>
                 <a:extLst>
                   <a:ext uri="{0D108BD9-81ED-4DB2-BD59-A6C34878D82A}">
-                    <a16:rowId xmlns:a16="http://schemas.microsoft.com/office/drawing/2014/main" val="1438742136"/>
+                    <a16:rowId xmlns:a16="http://schemas.microsoft.com/office/drawing/2014/main" xmlns="" val="1438742136"/>
                   </a:ext>
                 </a:extLst>
               </a:tr>
@@ -23752,6 +21984,44 @@
           </a:graphicData>
         </a:graphic>
       </p:graphicFrame>
+      <p:sp>
+        <p:nvSpPr>
+          <p:cNvPr id="18" name="TextBox 17"/>
+          <p:cNvSpPr txBox="1"/>
+          <p:nvPr/>
+        </p:nvSpPr>
+        <p:spPr>
+          <a:xfrm>
+            <a:off x="18619361" y="20292854"/>
+            <a:ext cx="11792933" cy="630942"/>
+          </a:xfrm>
+          <a:prstGeom prst="rect">
+            <a:avLst/>
+          </a:prstGeom>
+          <a:noFill/>
+          <a:ln>
+            <a:noFill/>
+          </a:ln>
+        </p:spPr>
+        <p:txBody>
+          <a:bodyPr wrap="square" rtlCol="0">
+            <a:spAutoFit/>
+          </a:bodyPr>
+          <a:lstStyle/>
+          <a:p>
+            <a:pPr algn="ctr"/>
+            <a:r>
+              <a:rPr lang="en-US" sz="3500" b="1" dirty="0">
+                <a:solidFill>
+                  <a:srgbClr val="4A929C"/>
+                </a:solidFill>
+              </a:rPr>
+              <a:t>Classification error (%) on the first 1000 test samples</a:t>
+            </a:r>
+            <a:endParaRPr lang="en-US" sz="3500" dirty="0"/>
+          </a:p>
+        </p:txBody>
+      </p:sp>
     </p:spTree>
     <p:extLst>
       <p:ext uri="{BB962C8B-B14F-4D97-AF65-F5344CB8AC3E}">
@@ -23808,7 +22078,7 @@
     </a:clrScheme>
     <a:fontScheme name="Office Theme">
       <a:majorFont>
-        <a:latin typeface="Calibri Light" panose="020F0302020204030204"/>
+        <a:latin typeface="Calibri Light"/>
         <a:ea typeface=""/>
         <a:cs typeface=""/>
         <a:font script="Jpan" typeface="游ゴシック Light"/>
@@ -23843,7 +22113,7 @@
         <a:font script="Geor" typeface="Sylfaen"/>
       </a:majorFont>
       <a:minorFont>
-        <a:latin typeface="Calibri" panose="020F0502020204030204"/>
+        <a:latin typeface="Calibri"/>
         <a:ea typeface=""/>
         <a:cs typeface=""/>
         <a:font script="Jpan" typeface="游ゴシック"/>
@@ -24020,7 +22290,7 @@
   <a:extraClrSchemeLst/>
   <a:extLst>
     <a:ext uri="{05A4C25C-085E-4340-85A3-A5531E510DB2}">
-      <thm15:themeFamily xmlns:thm15="http://schemas.microsoft.com/office/thememl/2012/main" name="Office Theme" id="{62F939B6-93AF-4DB8-9C6B-D6C7DFDC589F}" vid="{4A3C46E8-61CC-4603-A589-7422A47A8E4A}"/>
+      <thm15:themeFamily xmlns:thm15="http://schemas.microsoft.com/office/thememl/2012/main" xmlns="" name="Office Theme" id="{62F939B6-93AF-4DB8-9C6B-D6C7DFDC589F}" vid="{4A3C46E8-61CC-4603-A589-7422A47A8E4A}"/>
     </a:ext>
   </a:extLst>
 </a:theme>

--- a/poster.pptx
+++ b/poster.pptx
@@ -106,7 +106,7 @@
   </p:defaultTextStyle>
   <p:extLst>
     <p:ext uri="{EFAFB233-063F-42B5-8137-9DF3F51BA10A}">
-      <p15:sldGuideLst xmlns:p15="http://schemas.microsoft.com/office/powerpoint/2012/main" xmlns="">
+      <p15:sldGuideLst xmlns="" xmlns:p15="http://schemas.microsoft.com/office/powerpoint/2012/main">
         <p15:guide id="1" orient="horz" pos="13605" userDrawn="1">
           <p15:clr>
             <a:srgbClr val="A4A3A4"/>
@@ -3013,7 +3013,7 @@
         <p:spPr bwMode="auto">
           <a:xfrm>
             <a:off x="0" y="0"/>
-            <a:ext cx="32404762" cy="43204762"/>
+            <a:ext cx="32400000" cy="43200000"/>
           </a:xfrm>
           <a:prstGeom prst="rect">
             <a:avLst/>
@@ -3033,7 +3033,7 @@
           <p:cNvPr id="5" name="TextBox 4">
             <a:extLst>
               <a:ext uri="{FF2B5EF4-FFF2-40B4-BE49-F238E27FC236}">
-                <a16:creationId xmlns:a16="http://schemas.microsoft.com/office/drawing/2014/main" xmlns="" id="{21C35AA9-4CC2-4426-A6E4-1B8D70582002}"/>
+                <a16:creationId xmlns="" xmlns:a16="http://schemas.microsoft.com/office/drawing/2014/main" id="{21C35AA9-4CC2-4426-A6E4-1B8D70582002}"/>
               </a:ext>
             </a:extLst>
           </p:cNvPr>
@@ -3085,7 +3085,7 @@
           <p:cNvPr id="15" name="Group 14">
             <a:extLst>
               <a:ext uri="{FF2B5EF4-FFF2-40B4-BE49-F238E27FC236}">
-                <a16:creationId xmlns:a16="http://schemas.microsoft.com/office/drawing/2014/main" xmlns="" id="{86DF5ED0-1140-4DE6-9986-617C295E9972}"/>
+                <a16:creationId xmlns="" xmlns:a16="http://schemas.microsoft.com/office/drawing/2014/main" id="{86DF5ED0-1140-4DE6-9986-617C295E9972}"/>
               </a:ext>
             </a:extLst>
           </p:cNvPr>
@@ -3105,7 +3105,7 @@
             <p:cNvPr id="16" name="תיבת טקסט 18">
               <a:extLst>
                 <a:ext uri="{FF2B5EF4-FFF2-40B4-BE49-F238E27FC236}">
-                  <a16:creationId xmlns:a16="http://schemas.microsoft.com/office/drawing/2014/main" xmlns="" id="{7231FC04-FE29-41A3-A56A-F24A16325C5E}"/>
+                  <a16:creationId xmlns="" xmlns:a16="http://schemas.microsoft.com/office/drawing/2014/main" id="{7231FC04-FE29-41A3-A56A-F24A16325C5E}"/>
                 </a:ext>
               </a:extLst>
             </p:cNvPr>
@@ -3149,7 +3149,7 @@
             <p:cNvPr id="17" name="Text Box 24">
               <a:extLst>
                 <a:ext uri="{FF2B5EF4-FFF2-40B4-BE49-F238E27FC236}">
-                  <a16:creationId xmlns:a16="http://schemas.microsoft.com/office/drawing/2014/main" xmlns="" id="{BBDFD652-0BF1-49B2-8BA9-681958173701}"/>
+                  <a16:creationId xmlns="" xmlns:a16="http://schemas.microsoft.com/office/drawing/2014/main" id="{BBDFD652-0BF1-49B2-8BA9-681958173701}"/>
                 </a:ext>
               </a:extLst>
             </p:cNvPr>
@@ -3207,7 +3207,7 @@
           <p:cNvPr id="21" name="names">
             <a:extLst>
               <a:ext uri="{FF2B5EF4-FFF2-40B4-BE49-F238E27FC236}">
-                <a16:creationId xmlns:a16="http://schemas.microsoft.com/office/drawing/2014/main" xmlns="" id="{50263BFB-E418-4A74-AECE-CAD600D1406C}"/>
+                <a16:creationId xmlns="" xmlns:a16="http://schemas.microsoft.com/office/drawing/2014/main" id="{50263BFB-E418-4A74-AECE-CAD600D1406C}"/>
               </a:ext>
             </a:extLst>
           </p:cNvPr>
@@ -3349,7 +3349,7 @@
           <p:cNvPr id="22" name="Title">
             <a:extLst>
               <a:ext uri="{FF2B5EF4-FFF2-40B4-BE49-F238E27FC236}">
-                <a16:creationId xmlns:a16="http://schemas.microsoft.com/office/drawing/2014/main" xmlns="" id="{815970DA-DF7D-459C-9C4D-F65236746442}"/>
+                <a16:creationId xmlns="" xmlns:a16="http://schemas.microsoft.com/office/drawing/2014/main" id="{815970DA-DF7D-459C-9C4D-F65236746442}"/>
               </a:ext>
             </a:extLst>
           </p:cNvPr>
@@ -3422,7 +3422,7 @@
           <p:cNvPr id="23" name="Picture 22" descr="A close up of a logo&#10;&#10;Description automatically generated">
             <a:extLst>
               <a:ext uri="{FF2B5EF4-FFF2-40B4-BE49-F238E27FC236}">
-                <a16:creationId xmlns:a16="http://schemas.microsoft.com/office/drawing/2014/main" xmlns="" id="{1B0E9798-6ED7-438D-99F7-E4A7EAF64FE6}"/>
+                <a16:creationId xmlns="" xmlns:a16="http://schemas.microsoft.com/office/drawing/2014/main" id="{1B0E9798-6ED7-438D-99F7-E4A7EAF64FE6}"/>
               </a:ext>
             </a:extLst>
           </p:cNvPr>
@@ -3458,7 +3458,7 @@
           <p:cNvPr id="24" name="Group 23">
             <a:extLst>
               <a:ext uri="{FF2B5EF4-FFF2-40B4-BE49-F238E27FC236}">
-                <a16:creationId xmlns:a16="http://schemas.microsoft.com/office/drawing/2014/main" xmlns="" id="{53C697AF-52E9-4D36-A2E7-D8ED4F552308}"/>
+                <a16:creationId xmlns="" xmlns:a16="http://schemas.microsoft.com/office/drawing/2014/main" id="{53C697AF-52E9-4D36-A2E7-D8ED4F552308}"/>
               </a:ext>
             </a:extLst>
           </p:cNvPr>
@@ -3478,7 +3478,7 @@
             <p:cNvPr id="25" name="תיבת טקסט 18">
               <a:extLst>
                 <a:ext uri="{FF2B5EF4-FFF2-40B4-BE49-F238E27FC236}">
-                  <a16:creationId xmlns:a16="http://schemas.microsoft.com/office/drawing/2014/main" xmlns="" id="{6C754D3D-FCC2-4053-9892-AAF25C0F628F}"/>
+                  <a16:creationId xmlns="" xmlns:a16="http://schemas.microsoft.com/office/drawing/2014/main" id="{6C754D3D-FCC2-4053-9892-AAF25C0F628F}"/>
                 </a:ext>
               </a:extLst>
             </p:cNvPr>
@@ -3509,9 +3509,9 @@
             </a:bodyPr>
             <a:lstStyle/>
             <a:p>
-              <a:pPr marL="457292" indent="-457292">
-                <a:buFont typeface="Wingdings" pitchFamily="2" charset="2"/>
-                <a:buChar char="ü"/>
+              <a:pPr marL="571500" indent="-571500">
+                <a:buFont typeface="Arial" pitchFamily="34" charset="0"/>
+                <a:buChar char="•"/>
               </a:pPr>
               <a:r>
                 <a:rPr lang="en-US" sz="3700" dirty="0" err="1"/>
@@ -3531,9 +3531,9 @@
               </a:r>
             </a:p>
             <a:p>
-              <a:pPr marL="457292" indent="-457292">
-                <a:buFont typeface="Wingdings" pitchFamily="2" charset="2"/>
-                <a:buChar char="ü"/>
+              <a:pPr marL="571500" indent="-571500">
+                <a:buFont typeface="Arial" pitchFamily="34" charset="0"/>
+                <a:buChar char="•"/>
               </a:pPr>
               <a:r>
                 <a:rPr lang="en-US" sz="3700" dirty="0"/>
@@ -3547,7 +3547,7 @@
             <p:cNvPr id="26" name="Text Box 24">
               <a:extLst>
                 <a:ext uri="{FF2B5EF4-FFF2-40B4-BE49-F238E27FC236}">
-                  <a16:creationId xmlns:a16="http://schemas.microsoft.com/office/drawing/2014/main" xmlns="" id="{5784222E-502A-4E2C-92F0-7F73523B69C2}"/>
+                  <a16:creationId xmlns="" xmlns:a16="http://schemas.microsoft.com/office/drawing/2014/main" id="{5784222E-502A-4E2C-92F0-7F73523B69C2}"/>
                 </a:ext>
               </a:extLst>
             </p:cNvPr>
@@ -3605,7 +3605,7 @@
           <p:cNvPr id="27" name="Group 26">
             <a:extLst>
               <a:ext uri="{FF2B5EF4-FFF2-40B4-BE49-F238E27FC236}">
-                <a16:creationId xmlns:a16="http://schemas.microsoft.com/office/drawing/2014/main" xmlns="" id="{BE2EB11C-DC87-4601-B21E-EF3216172AD9}"/>
+                <a16:creationId xmlns="" xmlns:a16="http://schemas.microsoft.com/office/drawing/2014/main" id="{BE2EB11C-DC87-4601-B21E-EF3216172AD9}"/>
               </a:ext>
             </a:extLst>
           </p:cNvPr>
@@ -3625,7 +3625,7 @@
             <p:cNvPr id="28" name="תיבת טקסט 18">
               <a:extLst>
                 <a:ext uri="{FF2B5EF4-FFF2-40B4-BE49-F238E27FC236}">
-                  <a16:creationId xmlns:a16="http://schemas.microsoft.com/office/drawing/2014/main" xmlns="" id="{533A65D4-67FB-4E41-9421-FD9DB044B4D3}"/>
+                  <a16:creationId xmlns="" xmlns:a16="http://schemas.microsoft.com/office/drawing/2014/main" id="{533A65D4-67FB-4E41-9421-FD9DB044B4D3}"/>
                 </a:ext>
               </a:extLst>
             </p:cNvPr>
@@ -3669,7 +3669,7 @@
             <p:cNvPr id="29" name="Text Box 24">
               <a:extLst>
                 <a:ext uri="{FF2B5EF4-FFF2-40B4-BE49-F238E27FC236}">
-                  <a16:creationId xmlns:a16="http://schemas.microsoft.com/office/drawing/2014/main" xmlns="" id="{2A78BB05-F2A3-49E9-8FBE-55ACFE4F4914}"/>
+                  <a16:creationId xmlns="" xmlns:a16="http://schemas.microsoft.com/office/drawing/2014/main" id="{2A78BB05-F2A3-49E9-8FBE-55ACFE4F4914}"/>
                 </a:ext>
               </a:extLst>
             </p:cNvPr>
@@ -3727,7 +3727,7 @@
           <p:cNvPr id="31" name="Picture 30">
             <a:extLst>
               <a:ext uri="{FF2B5EF4-FFF2-40B4-BE49-F238E27FC236}">
-                <a16:creationId xmlns:a16="http://schemas.microsoft.com/office/drawing/2014/main" xmlns="" id="{B3F83FF5-25B8-41FA-9C74-5B360C983A7E}"/>
+                <a16:creationId xmlns="" xmlns:a16="http://schemas.microsoft.com/office/drawing/2014/main" id="{B3F83FF5-25B8-41FA-9C74-5B360C983A7E}"/>
               </a:ext>
             </a:extLst>
           </p:cNvPr>
@@ -3762,7 +3762,7 @@
           <p:cNvPr id="32" name="Picture 31">
             <a:extLst>
               <a:ext uri="{FF2B5EF4-FFF2-40B4-BE49-F238E27FC236}">
-                <a16:creationId xmlns:a16="http://schemas.microsoft.com/office/drawing/2014/main" xmlns="" id="{AF35BE45-91AC-4A08-8BFB-02C0C1E2C7A6}"/>
+                <a16:creationId xmlns="" xmlns:a16="http://schemas.microsoft.com/office/drawing/2014/main" id="{AF35BE45-91AC-4A08-8BFB-02C0C1E2C7A6}"/>
               </a:ext>
             </a:extLst>
           </p:cNvPr>
@@ -3798,7 +3798,7 @@
           <p:cNvPr id="33" name="Picture 32">
             <a:extLst>
               <a:ext uri="{FF2B5EF4-FFF2-40B4-BE49-F238E27FC236}">
-                <a16:creationId xmlns:a16="http://schemas.microsoft.com/office/drawing/2014/main" xmlns="" id="{57D61071-AC5B-42B2-9AC8-47E326D48F9D}"/>
+                <a16:creationId xmlns="" xmlns:a16="http://schemas.microsoft.com/office/drawing/2014/main" id="{57D61071-AC5B-42B2-9AC8-47E326D48F9D}"/>
               </a:ext>
             </a:extLst>
           </p:cNvPr>
@@ -3834,7 +3834,7 @@
           <p:cNvPr id="34" name="Picture 33">
             <a:extLst>
               <a:ext uri="{FF2B5EF4-FFF2-40B4-BE49-F238E27FC236}">
-                <a16:creationId xmlns:a16="http://schemas.microsoft.com/office/drawing/2014/main" xmlns="" id="{96007492-C48A-41CF-AD99-39166572FA35}"/>
+                <a16:creationId xmlns="" xmlns:a16="http://schemas.microsoft.com/office/drawing/2014/main" id="{96007492-C48A-41CF-AD99-39166572FA35}"/>
               </a:ext>
             </a:extLst>
           </p:cNvPr>
@@ -3879,7 +3879,7 @@
           <p:cNvPr id="35" name="TextBox 34">
             <a:extLst>
               <a:ext uri="{FF2B5EF4-FFF2-40B4-BE49-F238E27FC236}">
-                <a16:creationId xmlns:a16="http://schemas.microsoft.com/office/drawing/2014/main" xmlns="" id="{FD1E00FF-0C3B-4DEB-9A22-B15A2A4305D1}"/>
+                <a16:creationId xmlns="" xmlns:a16="http://schemas.microsoft.com/office/drawing/2014/main" id="{FD1E00FF-0C3B-4DEB-9A22-B15A2A4305D1}"/>
               </a:ext>
             </a:extLst>
           </p:cNvPr>
@@ -3924,7 +3924,7 @@
           <p:cNvPr id="36" name="Group 35">
             <a:extLst>
               <a:ext uri="{FF2B5EF4-FFF2-40B4-BE49-F238E27FC236}">
-                <a16:creationId xmlns:a16="http://schemas.microsoft.com/office/drawing/2014/main" xmlns="" id="{FA965725-A401-41A8-8CF1-A77E14832757}"/>
+                <a16:creationId xmlns="" xmlns:a16="http://schemas.microsoft.com/office/drawing/2014/main" id="{FA965725-A401-41A8-8CF1-A77E14832757}"/>
               </a:ext>
             </a:extLst>
           </p:cNvPr>
@@ -3944,7 +3944,7 @@
             <p:cNvPr id="37" name="תיבת טקסט 18">
               <a:extLst>
                 <a:ext uri="{FF2B5EF4-FFF2-40B4-BE49-F238E27FC236}">
-                  <a16:creationId xmlns:a16="http://schemas.microsoft.com/office/drawing/2014/main" xmlns="" id="{DFA3AD4F-9BEE-44BC-8F51-FA5B66553EE6}"/>
+                  <a16:creationId xmlns="" xmlns:a16="http://schemas.microsoft.com/office/drawing/2014/main" id="{DFA3AD4F-9BEE-44BC-8F51-FA5B66553EE6}"/>
                 </a:ext>
               </a:extLst>
             </p:cNvPr>
@@ -3975,9 +3975,9 @@
             </a:bodyPr>
             <a:lstStyle/>
             <a:p>
-              <a:pPr marL="457292" indent="-457292">
-                <a:buFont typeface="Wingdings" pitchFamily="2" charset="2"/>
-                <a:buChar char="ü"/>
+              <a:pPr marL="571500" indent="-571500">
+                <a:buFont typeface="Arial" pitchFamily="34" charset="0"/>
+                <a:buChar char="•"/>
               </a:pPr>
               <a:r>
                 <a:rPr lang="en-US" sz="3700" dirty="0"/>
@@ -3985,9 +3985,9 @@
               </a:r>
             </a:p>
             <a:p>
-              <a:pPr marL="457292" indent="-457292">
-                <a:buFont typeface="Wingdings" pitchFamily="2" charset="2"/>
-                <a:buChar char="ü"/>
+              <a:pPr marL="571500" indent="-571500">
+                <a:buFont typeface="Arial" pitchFamily="34" charset="0"/>
+                <a:buChar char="•"/>
               </a:pPr>
               <a:r>
                 <a:rPr lang="en-US" sz="3700" dirty="0"/>
@@ -3995,9 +3995,9 @@
               </a:r>
             </a:p>
             <a:p>
-              <a:pPr marL="457292" indent="-457292">
-                <a:buFont typeface="Wingdings" pitchFamily="2" charset="2"/>
-                <a:buChar char="ü"/>
+              <a:pPr marL="571500" indent="-571500">
+                <a:buFont typeface="Arial" pitchFamily="34" charset="0"/>
+                <a:buChar char="•"/>
               </a:pPr>
               <a:r>
                 <a:rPr lang="en-US" sz="3700" dirty="0"/>
@@ -4024,7 +4024,7 @@
             <p:cNvPr id="38" name="Text Box 24">
               <a:extLst>
                 <a:ext uri="{FF2B5EF4-FFF2-40B4-BE49-F238E27FC236}">
-                  <a16:creationId xmlns:a16="http://schemas.microsoft.com/office/drawing/2014/main" xmlns="" id="{A9FDB1ED-C4C0-480D-80A6-DF5E91D7F8BC}"/>
+                  <a16:creationId xmlns="" xmlns:a16="http://schemas.microsoft.com/office/drawing/2014/main" id="{A9FDB1ED-C4C0-480D-80A6-DF5E91D7F8BC}"/>
                 </a:ext>
               </a:extLst>
             </p:cNvPr>
@@ -4082,7 +4082,7 @@
           <p:cNvPr id="39" name="Group 38">
             <a:extLst>
               <a:ext uri="{FF2B5EF4-FFF2-40B4-BE49-F238E27FC236}">
-                <a16:creationId xmlns:a16="http://schemas.microsoft.com/office/drawing/2014/main" xmlns="" id="{AB331618-4256-41BA-8FDD-536DA6766F66}"/>
+                <a16:creationId xmlns="" xmlns:a16="http://schemas.microsoft.com/office/drawing/2014/main" id="{AB331618-4256-41BA-8FDD-536DA6766F66}"/>
               </a:ext>
             </a:extLst>
           </p:cNvPr>
@@ -4104,7 +4104,7 @@
             <p:cNvPr id="40" name="Group 39">
               <a:extLst>
                 <a:ext uri="{FF2B5EF4-FFF2-40B4-BE49-F238E27FC236}">
-                  <a16:creationId xmlns:a16="http://schemas.microsoft.com/office/drawing/2014/main" xmlns="" id="{5B9B95DD-047D-422E-9197-8EB8322A507F}"/>
+                  <a16:creationId xmlns="" xmlns:a16="http://schemas.microsoft.com/office/drawing/2014/main" id="{5B9B95DD-047D-422E-9197-8EB8322A507F}"/>
                 </a:ext>
               </a:extLst>
             </p:cNvPr>
@@ -4124,7 +4124,7 @@
               <p:cNvPr id="42" name="Group 41">
                 <a:extLst>
                   <a:ext uri="{FF2B5EF4-FFF2-40B4-BE49-F238E27FC236}">
-                    <a16:creationId xmlns:a16="http://schemas.microsoft.com/office/drawing/2014/main" xmlns="" id="{0F05674C-EA0D-400B-AF01-2B79607B49E6}"/>
+                    <a16:creationId xmlns="" xmlns:a16="http://schemas.microsoft.com/office/drawing/2014/main" id="{0F05674C-EA0D-400B-AF01-2B79607B49E6}"/>
                   </a:ext>
                 </a:extLst>
               </p:cNvPr>
@@ -4144,7 +4144,7 @@
                 <p:cNvPr id="44" name="Group 43">
                   <a:extLst>
                     <a:ext uri="{FF2B5EF4-FFF2-40B4-BE49-F238E27FC236}">
-                      <a16:creationId xmlns:a16="http://schemas.microsoft.com/office/drawing/2014/main" xmlns="" id="{B60FC61F-D124-4385-9B15-65551D1814D4}"/>
+                      <a16:creationId xmlns="" xmlns:a16="http://schemas.microsoft.com/office/drawing/2014/main" id="{B60FC61F-D124-4385-9B15-65551D1814D4}"/>
                     </a:ext>
                   </a:extLst>
                 </p:cNvPr>
@@ -4164,7 +4164,7 @@
                   <p:cNvPr id="46" name="Group 45">
                     <a:extLst>
                       <a:ext uri="{FF2B5EF4-FFF2-40B4-BE49-F238E27FC236}">
-                        <a16:creationId xmlns:a16="http://schemas.microsoft.com/office/drawing/2014/main" xmlns="" id="{7EE2AEAC-C313-4E78-9FAF-E53B60D27895}"/>
+                        <a16:creationId xmlns="" xmlns:a16="http://schemas.microsoft.com/office/drawing/2014/main" id="{7EE2AEAC-C313-4E78-9FAF-E53B60D27895}"/>
                       </a:ext>
                     </a:extLst>
                   </p:cNvPr>
@@ -4186,7 +4186,7 @@
                     <p:cNvPr id="48" name="Picture 47" descr="A close up of a mans face&#10;&#10;Description automatically generated">
                       <a:extLst>
                         <a:ext uri="{FF2B5EF4-FFF2-40B4-BE49-F238E27FC236}">
-                          <a16:creationId xmlns:a16="http://schemas.microsoft.com/office/drawing/2014/main" xmlns="" id="{2957E089-22FB-4FBD-A6DA-88A57E473D60}"/>
+                          <a16:creationId xmlns="" xmlns:a16="http://schemas.microsoft.com/office/drawing/2014/main" id="{2957E089-22FB-4FBD-A6DA-88A57E473D60}"/>
                         </a:ext>
                       </a:extLst>
                     </p:cNvPr>
@@ -4222,7 +4222,7 @@
                     <p:cNvPr id="49" name="Picture 48" descr="A picture containing crossword puzzle&#10;&#10;Description automatically generated">
                       <a:extLst>
                         <a:ext uri="{FF2B5EF4-FFF2-40B4-BE49-F238E27FC236}">
-                          <a16:creationId xmlns:a16="http://schemas.microsoft.com/office/drawing/2014/main" xmlns="" id="{E1BEC1F8-4C66-44D4-BBC9-5E470E373D7F}"/>
+                          <a16:creationId xmlns="" xmlns:a16="http://schemas.microsoft.com/office/drawing/2014/main" id="{E1BEC1F8-4C66-44D4-BBC9-5E470E373D7F}"/>
                         </a:ext>
                       </a:extLst>
                     </p:cNvPr>
@@ -4258,7 +4258,7 @@
                     <p:cNvPr id="50" name="Picture 49" descr="A close up of a logo&#10;&#10;Description automatically generated">
                       <a:extLst>
                         <a:ext uri="{FF2B5EF4-FFF2-40B4-BE49-F238E27FC236}">
-                          <a16:creationId xmlns:a16="http://schemas.microsoft.com/office/drawing/2014/main" xmlns="" id="{D06E24C7-E118-4768-A7AF-D5733E2080D1}"/>
+                          <a16:creationId xmlns="" xmlns:a16="http://schemas.microsoft.com/office/drawing/2014/main" id="{D06E24C7-E118-4768-A7AF-D5733E2080D1}"/>
                         </a:ext>
                       </a:extLst>
                     </p:cNvPr>
@@ -4295,7 +4295,7 @@
                   <p:cNvPr id="47" name="TextBox 46">
                     <a:extLst>
                       <a:ext uri="{FF2B5EF4-FFF2-40B4-BE49-F238E27FC236}">
-                        <a16:creationId xmlns:a16="http://schemas.microsoft.com/office/drawing/2014/main" xmlns="" id="{C79294A2-E6F5-4FE6-A5C7-31B7AD74C375}"/>
+                        <a16:creationId xmlns="" xmlns:a16="http://schemas.microsoft.com/office/drawing/2014/main" id="{C79294A2-E6F5-4FE6-A5C7-31B7AD74C375}"/>
                       </a:ext>
                     </a:extLst>
                   </p:cNvPr>
@@ -4341,7 +4341,7 @@
                 <p:cNvPr id="45" name="TextBox 44">
                   <a:extLst>
                     <a:ext uri="{FF2B5EF4-FFF2-40B4-BE49-F238E27FC236}">
-                      <a16:creationId xmlns:a16="http://schemas.microsoft.com/office/drawing/2014/main" xmlns="" id="{1B59A4E0-9B34-4F5E-95D6-EC4DB8C829AC}"/>
+                      <a16:creationId xmlns="" xmlns:a16="http://schemas.microsoft.com/office/drawing/2014/main" id="{1B59A4E0-9B34-4F5E-95D6-EC4DB8C829AC}"/>
                     </a:ext>
                   </a:extLst>
                 </p:cNvPr>
@@ -4384,7 +4384,7 @@
               <p:cNvPr id="43" name="TextBox 42">
                 <a:extLst>
                   <a:ext uri="{FF2B5EF4-FFF2-40B4-BE49-F238E27FC236}">
-                    <a16:creationId xmlns:a16="http://schemas.microsoft.com/office/drawing/2014/main" xmlns="" id="{4902E1DB-BD07-4673-82A5-D643E909A61D}"/>
+                    <a16:creationId xmlns="" xmlns:a16="http://schemas.microsoft.com/office/drawing/2014/main" id="{4902E1DB-BD07-4673-82A5-D643E909A61D}"/>
                   </a:ext>
                 </a:extLst>
               </p:cNvPr>
@@ -4427,7 +4427,7 @@
             <p:cNvPr id="41" name="TextBox 40">
               <a:extLst>
                 <a:ext uri="{FF2B5EF4-FFF2-40B4-BE49-F238E27FC236}">
-                  <a16:creationId xmlns:a16="http://schemas.microsoft.com/office/drawing/2014/main" xmlns="" id="{B6393C5B-F0A1-46CD-AD56-C03B7F835399}"/>
+                  <a16:creationId xmlns="" xmlns:a16="http://schemas.microsoft.com/office/drawing/2014/main" id="{B6393C5B-F0A1-46CD-AD56-C03B7F835399}"/>
                 </a:ext>
               </a:extLst>
             </p:cNvPr>
@@ -4470,7 +4470,7 @@
           <p:cNvPr id="51" name="Group 50">
             <a:extLst>
               <a:ext uri="{FF2B5EF4-FFF2-40B4-BE49-F238E27FC236}">
-                <a16:creationId xmlns:a16="http://schemas.microsoft.com/office/drawing/2014/main" xmlns="" id="{A6F5447A-CAD7-4B0C-AAAD-385327A25D87}"/>
+                <a16:creationId xmlns="" xmlns:a16="http://schemas.microsoft.com/office/drawing/2014/main" id="{A6F5447A-CAD7-4B0C-AAAD-385327A25D87}"/>
               </a:ext>
             </a:extLst>
           </p:cNvPr>
@@ -4490,7 +4490,7 @@
             <p:cNvPr id="52" name="תיבת טקסט 18">
               <a:extLst>
                 <a:ext uri="{FF2B5EF4-FFF2-40B4-BE49-F238E27FC236}">
-                  <a16:creationId xmlns:a16="http://schemas.microsoft.com/office/drawing/2014/main" xmlns="" id="{2B868D60-4E17-4C1B-82F1-887DBBBB59F6}"/>
+                  <a16:creationId xmlns="" xmlns:a16="http://schemas.microsoft.com/office/drawing/2014/main" id="{2B868D60-4E17-4C1B-82F1-887DBBBB59F6}"/>
                 </a:ext>
               </a:extLst>
             </p:cNvPr>
@@ -4533,7 +4533,7 @@
             <p:cNvPr id="53" name="Text Box 24">
               <a:extLst>
                 <a:ext uri="{FF2B5EF4-FFF2-40B4-BE49-F238E27FC236}">
-                  <a16:creationId xmlns:a16="http://schemas.microsoft.com/office/drawing/2014/main" xmlns="" id="{C182ADF9-CED3-4761-B7DC-EEDC3DB3BE98}"/>
+                  <a16:creationId xmlns="" xmlns:a16="http://schemas.microsoft.com/office/drawing/2014/main" id="{C182ADF9-CED3-4761-B7DC-EEDC3DB3BE98}"/>
                 </a:ext>
               </a:extLst>
             </p:cNvPr>
@@ -4591,7 +4591,7 @@
           <p:cNvPr id="54" name="TextBox 53">
             <a:extLst>
               <a:ext uri="{FF2B5EF4-FFF2-40B4-BE49-F238E27FC236}">
-                <a16:creationId xmlns:a16="http://schemas.microsoft.com/office/drawing/2014/main" xmlns="" id="{5A745D60-7A1A-45E0-8C8E-624EF6E2C95C}"/>
+                <a16:creationId xmlns="" xmlns:a16="http://schemas.microsoft.com/office/drawing/2014/main" id="{5A745D60-7A1A-45E0-8C8E-624EF6E2C95C}"/>
               </a:ext>
             </a:extLst>
           </p:cNvPr>
@@ -4643,7 +4643,7 @@
           <p:cNvPr id="55" name="Picture 54">
             <a:extLst>
               <a:ext uri="{FF2B5EF4-FFF2-40B4-BE49-F238E27FC236}">
-                <a16:creationId xmlns:a16="http://schemas.microsoft.com/office/drawing/2014/main" xmlns="" id="{603A7175-7B04-40A4-994D-D93110F266A4}"/>
+                <a16:creationId xmlns="" xmlns:a16="http://schemas.microsoft.com/office/drawing/2014/main" id="{603A7175-7B04-40A4-994D-D93110F266A4}"/>
               </a:ext>
             </a:extLst>
           </p:cNvPr>
@@ -4686,7 +4686,7 @@
           <p:cNvPr id="57" name="Table 56">
             <a:extLst>
               <a:ext uri="{FF2B5EF4-FFF2-40B4-BE49-F238E27FC236}">
-                <a16:creationId xmlns:a16="http://schemas.microsoft.com/office/drawing/2014/main" xmlns="" id="{8B34A129-BE35-458F-B5CF-AF5BE1647015}"/>
+                <a16:creationId xmlns="" xmlns:a16="http://schemas.microsoft.com/office/drawing/2014/main" id="{8B34A129-BE35-458F-B5CF-AF5BE1647015}"/>
               </a:ext>
             </a:extLst>
           </p:cNvPr>
@@ -4715,21 +4715,21 @@
                 <a:gridCol w="2340688">
                   <a:extLst>
                     <a:ext uri="{9D8B030D-6E8A-4147-A177-3AD203B41FA5}">
-                      <a16:colId xmlns:a16="http://schemas.microsoft.com/office/drawing/2014/main" xmlns="" val="2977598269"/>
+                      <a16:colId xmlns="" xmlns:a16="http://schemas.microsoft.com/office/drawing/2014/main" val="2977598269"/>
                     </a:ext>
                   </a:extLst>
                 </a:gridCol>
                 <a:gridCol w="2088307">
                   <a:extLst>
                     <a:ext uri="{9D8B030D-6E8A-4147-A177-3AD203B41FA5}">
-                      <a16:colId xmlns:a16="http://schemas.microsoft.com/office/drawing/2014/main" xmlns="" val="1958273809"/>
+                      <a16:colId xmlns="" xmlns:a16="http://schemas.microsoft.com/office/drawing/2014/main" val="1958273809"/>
                     </a:ext>
                   </a:extLst>
                 </a:gridCol>
                 <a:gridCol w="1944286">
                   <a:extLst>
                     <a:ext uri="{9D8B030D-6E8A-4147-A177-3AD203B41FA5}">
-                      <a16:colId xmlns:a16="http://schemas.microsoft.com/office/drawing/2014/main" xmlns="" val="1797041600"/>
+                      <a16:colId xmlns="" xmlns:a16="http://schemas.microsoft.com/office/drawing/2014/main" val="1797041600"/>
                     </a:ext>
                   </a:extLst>
                 </a:gridCol>
@@ -4932,7 +4932,7 @@
                 </a:tc>
                 <a:extLst>
                   <a:ext uri="{0D108BD9-81ED-4DB2-BD59-A6C34878D82A}">
-                    <a16:rowId xmlns:a16="http://schemas.microsoft.com/office/drawing/2014/main" xmlns="" val="662979093"/>
+                    <a16:rowId xmlns="" xmlns:a16="http://schemas.microsoft.com/office/drawing/2014/main" val="662979093"/>
                   </a:ext>
                 </a:extLst>
               </a:tr>
@@ -5142,7 +5142,7 @@
                 </a:tc>
                 <a:extLst>
                   <a:ext uri="{0D108BD9-81ED-4DB2-BD59-A6C34878D82A}">
-                    <a16:rowId xmlns:a16="http://schemas.microsoft.com/office/drawing/2014/main" xmlns="" val="2925520719"/>
+                    <a16:rowId xmlns="" xmlns:a16="http://schemas.microsoft.com/office/drawing/2014/main" val="2925520719"/>
                   </a:ext>
                 </a:extLst>
               </a:tr>
@@ -5331,7 +5331,7 @@
                 </a:tc>
                 <a:extLst>
                   <a:ext uri="{0D108BD9-81ED-4DB2-BD59-A6C34878D82A}">
-                    <a16:rowId xmlns:a16="http://schemas.microsoft.com/office/drawing/2014/main" xmlns="" val="2124887621"/>
+                    <a16:rowId xmlns="" xmlns:a16="http://schemas.microsoft.com/office/drawing/2014/main" val="2124887621"/>
                   </a:ext>
                 </a:extLst>
               </a:tr>
@@ -5520,7 +5520,7 @@
                 </a:tc>
                 <a:extLst>
                   <a:ext uri="{0D108BD9-81ED-4DB2-BD59-A6C34878D82A}">
-                    <a16:rowId xmlns:a16="http://schemas.microsoft.com/office/drawing/2014/main" xmlns="" val="3021274662"/>
+                    <a16:rowId xmlns="" xmlns:a16="http://schemas.microsoft.com/office/drawing/2014/main" val="3021274662"/>
                   </a:ext>
                 </a:extLst>
               </a:tr>
@@ -5738,7 +5738,7 @@
                 </a:tc>
                 <a:extLst>
                   <a:ext uri="{0D108BD9-81ED-4DB2-BD59-A6C34878D82A}">
-                    <a16:rowId xmlns:a16="http://schemas.microsoft.com/office/drawing/2014/main" xmlns="" val="3319115553"/>
+                    <a16:rowId xmlns="" xmlns:a16="http://schemas.microsoft.com/office/drawing/2014/main" val="3319115553"/>
                   </a:ext>
                 </a:extLst>
               </a:tr>
@@ -5927,7 +5927,7 @@
                 </a:tc>
                 <a:extLst>
                   <a:ext uri="{0D108BD9-81ED-4DB2-BD59-A6C34878D82A}">
-                    <a16:rowId xmlns:a16="http://schemas.microsoft.com/office/drawing/2014/main" xmlns="" val="2189012797"/>
+                    <a16:rowId xmlns="" xmlns:a16="http://schemas.microsoft.com/office/drawing/2014/main" val="2189012797"/>
                   </a:ext>
                 </a:extLst>
               </a:tr>
@@ -6116,7 +6116,7 @@
                 </a:tc>
                 <a:extLst>
                   <a:ext uri="{0D108BD9-81ED-4DB2-BD59-A6C34878D82A}">
-                    <a16:rowId xmlns:a16="http://schemas.microsoft.com/office/drawing/2014/main" xmlns="" val="1799581859"/>
+                    <a16:rowId xmlns="" xmlns:a16="http://schemas.microsoft.com/office/drawing/2014/main" val="1799581859"/>
                   </a:ext>
                 </a:extLst>
               </a:tr>
@@ -6129,7 +6129,7 @@
           <p:cNvPr id="58" name="Group 57">
             <a:extLst>
               <a:ext uri="{FF2B5EF4-FFF2-40B4-BE49-F238E27FC236}">
-                <a16:creationId xmlns:a16="http://schemas.microsoft.com/office/drawing/2014/main" xmlns="" id="{637694B7-B59B-4709-A786-03DE0A339FF9}"/>
+                <a16:creationId xmlns="" xmlns:a16="http://schemas.microsoft.com/office/drawing/2014/main" id="{637694B7-B59B-4709-A786-03DE0A339FF9}"/>
               </a:ext>
             </a:extLst>
           </p:cNvPr>
@@ -6149,7 +6149,7 @@
             <p:cNvPr id="59" name="TextBox 58">
               <a:extLst>
                 <a:ext uri="{FF2B5EF4-FFF2-40B4-BE49-F238E27FC236}">
-                  <a16:creationId xmlns:a16="http://schemas.microsoft.com/office/drawing/2014/main" xmlns="" id="{9AFC47EB-42FA-43B1-B48C-00D6F8E3D06D}"/>
+                  <a16:creationId xmlns="" xmlns:a16="http://schemas.microsoft.com/office/drawing/2014/main" id="{9AFC47EB-42FA-43B1-B48C-00D6F8E3D06D}"/>
                 </a:ext>
               </a:extLst>
             </p:cNvPr>
@@ -6201,7 +6201,7 @@
             <p:cNvPr id="60" name="Group 59">
               <a:extLst>
                 <a:ext uri="{FF2B5EF4-FFF2-40B4-BE49-F238E27FC236}">
-                  <a16:creationId xmlns:a16="http://schemas.microsoft.com/office/drawing/2014/main" xmlns="" id="{ED32B511-0E3E-4DE1-B134-A452408ABAB8}"/>
+                  <a16:creationId xmlns="" xmlns:a16="http://schemas.microsoft.com/office/drawing/2014/main" id="{ED32B511-0E3E-4DE1-B134-A452408ABAB8}"/>
                 </a:ext>
               </a:extLst>
             </p:cNvPr>
@@ -6221,7 +6221,7 @@
               <p:cNvPr id="61" name="Group 60">
                 <a:extLst>
                   <a:ext uri="{FF2B5EF4-FFF2-40B4-BE49-F238E27FC236}">
-                    <a16:creationId xmlns:a16="http://schemas.microsoft.com/office/drawing/2014/main" xmlns="" id="{125B5DCB-4636-445B-A635-238A15DE4132}"/>
+                    <a16:creationId xmlns="" xmlns:a16="http://schemas.microsoft.com/office/drawing/2014/main" id="{125B5DCB-4636-445B-A635-238A15DE4132}"/>
                   </a:ext>
                 </a:extLst>
               </p:cNvPr>
@@ -6241,7 +6241,7 @@
                 <p:cNvPr id="64" name="Picture 63" descr="A close up of a person&#10;&#10;Description automatically generated">
                   <a:extLst>
                     <a:ext uri="{FF2B5EF4-FFF2-40B4-BE49-F238E27FC236}">
-                      <a16:creationId xmlns:a16="http://schemas.microsoft.com/office/drawing/2014/main" xmlns="" id="{81682841-10C6-478C-8E71-C4D5B442C2D4}"/>
+                      <a16:creationId xmlns="" xmlns:a16="http://schemas.microsoft.com/office/drawing/2014/main" id="{81682841-10C6-478C-8E71-C4D5B442C2D4}"/>
                     </a:ext>
                   </a:extLst>
                 </p:cNvPr>
@@ -6277,7 +6277,7 @@
                 <p:cNvPr id="65" name="Picture 64" descr="A close up of a logo&#10;&#10;Description automatically generated">
                   <a:extLst>
                     <a:ext uri="{FF2B5EF4-FFF2-40B4-BE49-F238E27FC236}">
-                      <a16:creationId xmlns:a16="http://schemas.microsoft.com/office/drawing/2014/main" xmlns="" id="{D6B359FB-9A67-42EA-A4D5-41493FC97E4D}"/>
+                      <a16:creationId xmlns="" xmlns:a16="http://schemas.microsoft.com/office/drawing/2014/main" id="{D6B359FB-9A67-42EA-A4D5-41493FC97E4D}"/>
                     </a:ext>
                   </a:extLst>
                 </p:cNvPr>
@@ -6313,7 +6313,7 @@
                 <p:cNvPr id="66" name="Picture 65" descr="A close up of a logo&#10;&#10;Description automatically generated">
                   <a:extLst>
                     <a:ext uri="{FF2B5EF4-FFF2-40B4-BE49-F238E27FC236}">
-                      <a16:creationId xmlns:a16="http://schemas.microsoft.com/office/drawing/2014/main" xmlns="" id="{F7B74625-E64F-42CD-A757-795B53D0C962}"/>
+                      <a16:creationId xmlns="" xmlns:a16="http://schemas.microsoft.com/office/drawing/2014/main" id="{F7B74625-E64F-42CD-A757-795B53D0C962}"/>
                     </a:ext>
                   </a:extLst>
                 </p:cNvPr>
@@ -6349,7 +6349,7 @@
                 <p:cNvPr id="67" name="TextBox 66">
                   <a:extLst>
                     <a:ext uri="{FF2B5EF4-FFF2-40B4-BE49-F238E27FC236}">
-                      <a16:creationId xmlns:a16="http://schemas.microsoft.com/office/drawing/2014/main" xmlns="" id="{3DDD1541-8047-44BB-9199-9795894A96C2}"/>
+                      <a16:creationId xmlns="" xmlns:a16="http://schemas.microsoft.com/office/drawing/2014/main" id="{3DDD1541-8047-44BB-9199-9795894A96C2}"/>
                     </a:ext>
                   </a:extLst>
                 </p:cNvPr>
@@ -6385,7 +6385,7 @@
                 <p:cNvPr id="68" name="TextBox 67">
                   <a:extLst>
                     <a:ext uri="{FF2B5EF4-FFF2-40B4-BE49-F238E27FC236}">
-                      <a16:creationId xmlns:a16="http://schemas.microsoft.com/office/drawing/2014/main" xmlns="" id="{D2C6FFDE-1D92-4368-9EE1-96CB4B026C9A}"/>
+                      <a16:creationId xmlns="" xmlns:a16="http://schemas.microsoft.com/office/drawing/2014/main" id="{D2C6FFDE-1D92-4368-9EE1-96CB4B026C9A}"/>
                     </a:ext>
                   </a:extLst>
                 </p:cNvPr>
@@ -6421,7 +6421,7 @@
                 <p:cNvPr id="69" name="TextBox 68">
                   <a:extLst>
                     <a:ext uri="{FF2B5EF4-FFF2-40B4-BE49-F238E27FC236}">
-                      <a16:creationId xmlns:a16="http://schemas.microsoft.com/office/drawing/2014/main" xmlns="" id="{91FA1A4A-799D-4C1C-B711-221B958168CA}"/>
+                      <a16:creationId xmlns="" xmlns:a16="http://schemas.microsoft.com/office/drawing/2014/main" id="{91FA1A4A-799D-4C1C-B711-221B958168CA}"/>
                     </a:ext>
                   </a:extLst>
                 </p:cNvPr>
@@ -6461,7 +6461,7 @@
                 <p:cNvPr id="70" name="TextBox 69">
                   <a:extLst>
                     <a:ext uri="{FF2B5EF4-FFF2-40B4-BE49-F238E27FC236}">
-                      <a16:creationId xmlns:a16="http://schemas.microsoft.com/office/drawing/2014/main" xmlns="" id="{75333DDE-85A8-4F7A-AB5E-D95541C8839B}"/>
+                      <a16:creationId xmlns="" xmlns:a16="http://schemas.microsoft.com/office/drawing/2014/main" id="{75333DDE-85A8-4F7A-AB5E-D95541C8839B}"/>
                     </a:ext>
                   </a:extLst>
                 </p:cNvPr>
@@ -6501,7 +6501,7 @@
                 <p:cNvPr id="71" name="TextBox 70">
                   <a:extLst>
                     <a:ext uri="{FF2B5EF4-FFF2-40B4-BE49-F238E27FC236}">
-                      <a16:creationId xmlns:a16="http://schemas.microsoft.com/office/drawing/2014/main" xmlns="" id="{BC69923F-D19A-46C6-98D4-0A7872704C55}"/>
+                      <a16:creationId xmlns="" xmlns:a16="http://schemas.microsoft.com/office/drawing/2014/main" id="{BC69923F-D19A-46C6-98D4-0A7872704C55}"/>
                     </a:ext>
                   </a:extLst>
                 </p:cNvPr>
@@ -6542,7 +6542,7 @@
               <p:cNvPr id="62" name="TextBox 61">
                 <a:extLst>
                   <a:ext uri="{FF2B5EF4-FFF2-40B4-BE49-F238E27FC236}">
-                    <a16:creationId xmlns:a16="http://schemas.microsoft.com/office/drawing/2014/main" xmlns="" id="{C52B1F06-4451-433B-937C-57BBD07EF5D0}"/>
+                    <a16:creationId xmlns="" xmlns:a16="http://schemas.microsoft.com/office/drawing/2014/main" id="{C52B1F06-4451-433B-937C-57BBD07EF5D0}"/>
                   </a:ext>
                 </a:extLst>
               </p:cNvPr>
@@ -6599,7 +6599,7 @@
               <p:cNvPr id="63" name="TextBox 62">
                 <a:extLst>
                   <a:ext uri="{FF2B5EF4-FFF2-40B4-BE49-F238E27FC236}">
-                    <a16:creationId xmlns:a16="http://schemas.microsoft.com/office/drawing/2014/main" xmlns="" id="{33AFBAEF-7695-476D-981C-61694EFA6AE1}"/>
+                    <a16:creationId xmlns="" xmlns:a16="http://schemas.microsoft.com/office/drawing/2014/main" id="{33AFBAEF-7695-476D-981C-61694EFA6AE1}"/>
                   </a:ext>
                 </a:extLst>
               </p:cNvPr>
@@ -6658,7 +6658,7 @@
           <p:cNvPr id="83" name="Group 82">
             <a:extLst>
               <a:ext uri="{FF2B5EF4-FFF2-40B4-BE49-F238E27FC236}">
-                <a16:creationId xmlns:a16="http://schemas.microsoft.com/office/drawing/2014/main" xmlns="" id="{152BEAF6-04AF-4A47-9AA3-129D8843DFB7}"/>
+                <a16:creationId xmlns="" xmlns:a16="http://schemas.microsoft.com/office/drawing/2014/main" id="{152BEAF6-04AF-4A47-9AA3-129D8843DFB7}"/>
               </a:ext>
             </a:extLst>
           </p:cNvPr>
@@ -6678,7 +6678,7 @@
             <p:cNvPr id="30" name="Picture 29">
               <a:extLst>
                 <a:ext uri="{FF2B5EF4-FFF2-40B4-BE49-F238E27FC236}">
-                  <a16:creationId xmlns:a16="http://schemas.microsoft.com/office/drawing/2014/main" xmlns="" id="{F1DDB929-1259-4DB5-9EB3-7613CF4EAA90}"/>
+                  <a16:creationId xmlns="" xmlns:a16="http://schemas.microsoft.com/office/drawing/2014/main" id="{F1DDB929-1259-4DB5-9EB3-7613CF4EAA90}"/>
                 </a:ext>
               </a:extLst>
             </p:cNvPr>
@@ -6714,7 +6714,7 @@
             <p:cNvPr id="108" name="Picture 107">
               <a:extLst>
                 <a:ext uri="{FF2B5EF4-FFF2-40B4-BE49-F238E27FC236}">
-                  <a16:creationId xmlns:a16="http://schemas.microsoft.com/office/drawing/2014/main" xmlns="" id="{BCB65BF7-4179-4B4F-9585-E15CF5BFA81A}"/>
+                  <a16:creationId xmlns="" xmlns:a16="http://schemas.microsoft.com/office/drawing/2014/main" id="{BCB65BF7-4179-4B4F-9585-E15CF5BFA81A}"/>
                 </a:ext>
               </a:extLst>
             </p:cNvPr>
@@ -6750,7 +6750,7 @@
             <p:cNvPr id="82" name="Group 81">
               <a:extLst>
                 <a:ext uri="{FF2B5EF4-FFF2-40B4-BE49-F238E27FC236}">
-                  <a16:creationId xmlns:a16="http://schemas.microsoft.com/office/drawing/2014/main" xmlns="" id="{BB8886CF-B6AF-43FF-AFA3-CA17CB1D349C}"/>
+                  <a16:creationId xmlns="" xmlns:a16="http://schemas.microsoft.com/office/drawing/2014/main" id="{BB8886CF-B6AF-43FF-AFA3-CA17CB1D349C}"/>
                 </a:ext>
               </a:extLst>
             </p:cNvPr>
@@ -6770,7 +6770,7 @@
               <p:cNvPr id="3" name="Picture 2" descr="A close up of a mans face&#10;&#10;Description automatically generated">
                 <a:extLst>
                   <a:ext uri="{FF2B5EF4-FFF2-40B4-BE49-F238E27FC236}">
-                    <a16:creationId xmlns:a16="http://schemas.microsoft.com/office/drawing/2014/main" xmlns="" id="{60C6E0F5-EDE5-43BC-A80F-0F77FC9146A1}"/>
+                    <a16:creationId xmlns="" xmlns:a16="http://schemas.microsoft.com/office/drawing/2014/main" id="{60C6E0F5-EDE5-43BC-A80F-0F77FC9146A1}"/>
                   </a:ext>
                 </a:extLst>
               </p:cNvPr>
@@ -6806,7 +6806,7 @@
               <p:cNvPr id="72" name="Group 71">
                 <a:extLst>
                   <a:ext uri="{FF2B5EF4-FFF2-40B4-BE49-F238E27FC236}">
-                    <a16:creationId xmlns:a16="http://schemas.microsoft.com/office/drawing/2014/main" xmlns="" id="{62AC035D-436E-41C1-B871-8391C604BDB0}"/>
+                    <a16:creationId xmlns="" xmlns:a16="http://schemas.microsoft.com/office/drawing/2014/main" id="{62AC035D-436E-41C1-B871-8391C604BDB0}"/>
                   </a:ext>
                 </a:extLst>
               </p:cNvPr>
@@ -6826,7 +6826,7 @@
                 <p:cNvPr id="73" name="Group 72">
                   <a:extLst>
                     <a:ext uri="{FF2B5EF4-FFF2-40B4-BE49-F238E27FC236}">
-                      <a16:creationId xmlns:a16="http://schemas.microsoft.com/office/drawing/2014/main" xmlns="" id="{A69FAACF-ABA8-43EA-B200-A749581D5FFA}"/>
+                      <a16:creationId xmlns="" xmlns:a16="http://schemas.microsoft.com/office/drawing/2014/main" id="{A69FAACF-ABA8-43EA-B200-A749581D5FFA}"/>
                     </a:ext>
                   </a:extLst>
                 </p:cNvPr>
@@ -6846,7 +6846,7 @@
                   <p:cNvPr id="79" name="TextBox 78">
                     <a:extLst>
                       <a:ext uri="{FF2B5EF4-FFF2-40B4-BE49-F238E27FC236}">
-                        <a16:creationId xmlns:a16="http://schemas.microsoft.com/office/drawing/2014/main" xmlns="" id="{C916F37C-FEE4-420B-AE8A-7CA4F54B8DED}"/>
+                        <a16:creationId xmlns="" xmlns:a16="http://schemas.microsoft.com/office/drawing/2014/main" id="{C916F37C-FEE4-420B-AE8A-7CA4F54B8DED}"/>
                       </a:ext>
                     </a:extLst>
                   </p:cNvPr>
@@ -6891,7 +6891,7 @@
                   <p:cNvPr id="80" name="Group 79">
                     <a:extLst>
                       <a:ext uri="{FF2B5EF4-FFF2-40B4-BE49-F238E27FC236}">
-                        <a16:creationId xmlns:a16="http://schemas.microsoft.com/office/drawing/2014/main" xmlns="" id="{8245CA0B-71BC-476F-B724-07C1A7884AB8}"/>
+                        <a16:creationId xmlns="" xmlns:a16="http://schemas.microsoft.com/office/drawing/2014/main" id="{8245CA0B-71BC-476F-B724-07C1A7884AB8}"/>
                       </a:ext>
                     </a:extLst>
                   </p:cNvPr>
@@ -6911,7 +6911,7 @@
                     <p:cNvPr id="84" name="TextBox 83">
                       <a:extLst>
                         <a:ext uri="{FF2B5EF4-FFF2-40B4-BE49-F238E27FC236}">
-                          <a16:creationId xmlns:a16="http://schemas.microsoft.com/office/drawing/2014/main" xmlns="" id="{8C9D5431-47C9-446E-8E17-F2D21D9E0F4E}"/>
+                          <a16:creationId xmlns="" xmlns:a16="http://schemas.microsoft.com/office/drawing/2014/main" id="{8C9D5431-47C9-446E-8E17-F2D21D9E0F4E}"/>
                         </a:ext>
                       </a:extLst>
                     </p:cNvPr>
@@ -6947,7 +6947,7 @@
                     <p:cNvPr id="85" name="TextBox 84">
                       <a:extLst>
                         <a:ext uri="{FF2B5EF4-FFF2-40B4-BE49-F238E27FC236}">
-                          <a16:creationId xmlns:a16="http://schemas.microsoft.com/office/drawing/2014/main" xmlns="" id="{C08A810E-0F9F-4B99-916F-CEC853B93B2E}"/>
+                          <a16:creationId xmlns="" xmlns:a16="http://schemas.microsoft.com/office/drawing/2014/main" id="{C08A810E-0F9F-4B99-916F-CEC853B93B2E}"/>
                         </a:ext>
                       </a:extLst>
                     </p:cNvPr>
@@ -6985,7 +6985,7 @@
                 <p:cNvPr id="74" name="TextBox 73">
                   <a:extLst>
                     <a:ext uri="{FF2B5EF4-FFF2-40B4-BE49-F238E27FC236}">
-                      <a16:creationId xmlns:a16="http://schemas.microsoft.com/office/drawing/2014/main" xmlns="" id="{8783E3E6-8DA0-4B43-8796-87BCCF6FDC3C}"/>
+                      <a16:creationId xmlns="" xmlns:a16="http://schemas.microsoft.com/office/drawing/2014/main" id="{8783E3E6-8DA0-4B43-8796-87BCCF6FDC3C}"/>
                     </a:ext>
                   </a:extLst>
                 </p:cNvPr>
@@ -7025,7 +7025,7 @@
                 <p:cNvPr id="75" name="TextBox 74">
                   <a:extLst>
                     <a:ext uri="{FF2B5EF4-FFF2-40B4-BE49-F238E27FC236}">
-                      <a16:creationId xmlns:a16="http://schemas.microsoft.com/office/drawing/2014/main" xmlns="" id="{E6E73A88-46EA-4CE7-9A89-D02616A68D39}"/>
+                      <a16:creationId xmlns="" xmlns:a16="http://schemas.microsoft.com/office/drawing/2014/main" id="{E6E73A88-46EA-4CE7-9A89-D02616A68D39}"/>
                     </a:ext>
                   </a:extLst>
                 </p:cNvPr>
@@ -7065,7 +7065,7 @@
                 <p:cNvPr id="76" name="TextBox 75">
                   <a:extLst>
                     <a:ext uri="{FF2B5EF4-FFF2-40B4-BE49-F238E27FC236}">
-                      <a16:creationId xmlns:a16="http://schemas.microsoft.com/office/drawing/2014/main" xmlns="" id="{E94ECADF-7BEE-4462-9B64-71E30E31F5F8}"/>
+                      <a16:creationId xmlns="" xmlns:a16="http://schemas.microsoft.com/office/drawing/2014/main" id="{E94ECADF-7BEE-4462-9B64-71E30E31F5F8}"/>
                     </a:ext>
                   </a:extLst>
                 </p:cNvPr>
@@ -7105,7 +7105,7 @@
                 <p:cNvPr id="77" name="TextBox 76">
                   <a:extLst>
                     <a:ext uri="{FF2B5EF4-FFF2-40B4-BE49-F238E27FC236}">
-                      <a16:creationId xmlns:a16="http://schemas.microsoft.com/office/drawing/2014/main" xmlns="" id="{1BEBFB0E-1131-4431-A1CB-0C5AB8076F74}"/>
+                      <a16:creationId xmlns="" xmlns:a16="http://schemas.microsoft.com/office/drawing/2014/main" id="{1BEBFB0E-1131-4431-A1CB-0C5AB8076F74}"/>
                     </a:ext>
                   </a:extLst>
                 </p:cNvPr>
@@ -7145,7 +7145,7 @@
                 <p:cNvPr id="78" name="TextBox 77">
                   <a:extLst>
                     <a:ext uri="{FF2B5EF4-FFF2-40B4-BE49-F238E27FC236}">
-                      <a16:creationId xmlns:a16="http://schemas.microsoft.com/office/drawing/2014/main" xmlns="" id="{0247A0ED-9373-4A7C-B2A7-CF82E9F82D9D}"/>
+                      <a16:creationId xmlns="" xmlns:a16="http://schemas.microsoft.com/office/drawing/2014/main" id="{0247A0ED-9373-4A7C-B2A7-CF82E9F82D9D}"/>
                     </a:ext>
                   </a:extLst>
                 </p:cNvPr>
@@ -7188,7 +7188,7 @@
           <p:cNvPr id="86" name="Group 85">
             <a:extLst>
               <a:ext uri="{FF2B5EF4-FFF2-40B4-BE49-F238E27FC236}">
-                <a16:creationId xmlns:a16="http://schemas.microsoft.com/office/drawing/2014/main" xmlns="" id="{77345A03-AF8A-4091-BFC4-B48BFBAC4FC3}"/>
+                <a16:creationId xmlns="" xmlns:a16="http://schemas.microsoft.com/office/drawing/2014/main" id="{77345A03-AF8A-4091-BFC4-B48BFBAC4FC3}"/>
               </a:ext>
             </a:extLst>
           </p:cNvPr>
@@ -7208,7 +7208,7 @@
             <p:cNvPr id="87" name="Group 86">
               <a:extLst>
                 <a:ext uri="{FF2B5EF4-FFF2-40B4-BE49-F238E27FC236}">
-                  <a16:creationId xmlns:a16="http://schemas.microsoft.com/office/drawing/2014/main" xmlns="" id="{96BB160D-7952-462E-8AB7-F23EFCD94AB7}"/>
+                  <a16:creationId xmlns="" xmlns:a16="http://schemas.microsoft.com/office/drawing/2014/main" id="{96BB160D-7952-462E-8AB7-F23EFCD94AB7}"/>
                 </a:ext>
               </a:extLst>
             </p:cNvPr>
@@ -7228,7 +7228,7 @@
               <p:cNvPr id="91" name="Group 90">
                 <a:extLst>
                   <a:ext uri="{FF2B5EF4-FFF2-40B4-BE49-F238E27FC236}">
-                    <a16:creationId xmlns:a16="http://schemas.microsoft.com/office/drawing/2014/main" xmlns="" id="{D877ED0F-2157-4E59-BE17-9E02CDA5B4FB}"/>
+                    <a16:creationId xmlns="" xmlns:a16="http://schemas.microsoft.com/office/drawing/2014/main" id="{D877ED0F-2157-4E59-BE17-9E02CDA5B4FB}"/>
                   </a:ext>
                 </a:extLst>
               </p:cNvPr>
@@ -7248,7 +7248,7 @@
                 <p:cNvPr id="93" name="TextBox 92">
                   <a:extLst>
                     <a:ext uri="{FF2B5EF4-FFF2-40B4-BE49-F238E27FC236}">
-                      <a16:creationId xmlns:a16="http://schemas.microsoft.com/office/drawing/2014/main" xmlns="" id="{E0F126E1-DD37-4C09-9297-4337CA2A2036}"/>
+                      <a16:creationId xmlns="" xmlns:a16="http://schemas.microsoft.com/office/drawing/2014/main" id="{E0F126E1-DD37-4C09-9297-4337CA2A2036}"/>
                     </a:ext>
                   </a:extLst>
                 </p:cNvPr>
@@ -7293,7 +7293,7 @@
                 <p:cNvPr id="94" name="Group 93">
                   <a:extLst>
                     <a:ext uri="{FF2B5EF4-FFF2-40B4-BE49-F238E27FC236}">
-                      <a16:creationId xmlns:a16="http://schemas.microsoft.com/office/drawing/2014/main" xmlns="" id="{B3828EFC-7000-46BF-BD2A-1FC171B21C1C}"/>
+                      <a16:creationId xmlns="" xmlns:a16="http://schemas.microsoft.com/office/drawing/2014/main" id="{B3828EFC-7000-46BF-BD2A-1FC171B21C1C}"/>
                     </a:ext>
                   </a:extLst>
                 </p:cNvPr>
@@ -7313,7 +7313,7 @@
                   <p:cNvPr id="95" name="Group 94">
                     <a:extLst>
                       <a:ext uri="{FF2B5EF4-FFF2-40B4-BE49-F238E27FC236}">
-                        <a16:creationId xmlns:a16="http://schemas.microsoft.com/office/drawing/2014/main" xmlns="" id="{A59C9991-9736-408F-A168-BFB599E667AC}"/>
+                        <a16:creationId xmlns="" xmlns:a16="http://schemas.microsoft.com/office/drawing/2014/main" id="{A59C9991-9736-408F-A168-BFB599E667AC}"/>
                       </a:ext>
                     </a:extLst>
                   </p:cNvPr>
@@ -7333,7 +7333,7 @@
                     <p:cNvPr id="97" name="Group 96">
                       <a:extLst>
                         <a:ext uri="{FF2B5EF4-FFF2-40B4-BE49-F238E27FC236}">
-                          <a16:creationId xmlns:a16="http://schemas.microsoft.com/office/drawing/2014/main" xmlns="" id="{DC5EF675-B421-4463-9738-25F436D61089}"/>
+                          <a16:creationId xmlns="" xmlns:a16="http://schemas.microsoft.com/office/drawing/2014/main" id="{DC5EF675-B421-4463-9738-25F436D61089}"/>
                         </a:ext>
                       </a:extLst>
                     </p:cNvPr>
@@ -7353,7 +7353,7 @@
                       <p:cNvPr id="101" name="Picture 100" descr="A close up of a device&#10;&#10;Description automatically generated">
                         <a:extLst>
                           <a:ext uri="{FF2B5EF4-FFF2-40B4-BE49-F238E27FC236}">
-                            <a16:creationId xmlns:a16="http://schemas.microsoft.com/office/drawing/2014/main" xmlns="" id="{3B7195B5-32C1-4328-86E8-011BFABB93A6}"/>
+                            <a16:creationId xmlns="" xmlns:a16="http://schemas.microsoft.com/office/drawing/2014/main" id="{3B7195B5-32C1-4328-86E8-011BFABB93A6}"/>
                           </a:ext>
                         </a:extLst>
                       </p:cNvPr>
@@ -7389,7 +7389,7 @@
                       <p:cNvPr id="102" name="Picture 101">
                         <a:extLst>
                           <a:ext uri="{FF2B5EF4-FFF2-40B4-BE49-F238E27FC236}">
-                            <a16:creationId xmlns:a16="http://schemas.microsoft.com/office/drawing/2014/main" xmlns="" id="{7E459366-728A-45AF-B85E-046A28505D58}"/>
+                            <a16:creationId xmlns="" xmlns:a16="http://schemas.microsoft.com/office/drawing/2014/main" id="{7E459366-728A-45AF-B85E-046A28505D58}"/>
                           </a:ext>
                         </a:extLst>
                       </p:cNvPr>
@@ -7426,7 +7426,7 @@
                     <p:cNvPr id="98" name="Picture 97" descr="A close up of a device&#10;&#10;Description automatically generated">
                       <a:extLst>
                         <a:ext uri="{FF2B5EF4-FFF2-40B4-BE49-F238E27FC236}">
-                          <a16:creationId xmlns:a16="http://schemas.microsoft.com/office/drawing/2014/main" xmlns="" id="{E24AD8BE-4DE1-4538-9331-4E3990B50345}"/>
+                          <a16:creationId xmlns="" xmlns:a16="http://schemas.microsoft.com/office/drawing/2014/main" id="{E24AD8BE-4DE1-4538-9331-4E3990B50345}"/>
                         </a:ext>
                       </a:extLst>
                     </p:cNvPr>
@@ -7461,7 +7461,7 @@
                     <p:cNvPr id="99" name="Picture 98" descr="A picture containing crossword puzzle, text, black, floor&#10;&#10;Description automatically generated">
                       <a:extLst>
                         <a:ext uri="{FF2B5EF4-FFF2-40B4-BE49-F238E27FC236}">
-                          <a16:creationId xmlns:a16="http://schemas.microsoft.com/office/drawing/2014/main" xmlns="" id="{C80C5476-8CCA-486C-90D3-FA0B1C5D7683}"/>
+                          <a16:creationId xmlns="" xmlns:a16="http://schemas.microsoft.com/office/drawing/2014/main" id="{C80C5476-8CCA-486C-90D3-FA0B1C5D7683}"/>
                         </a:ext>
                       </a:extLst>
                     </p:cNvPr>
@@ -7497,7 +7497,7 @@
                     <p:cNvPr id="100" name="Picture 99">
                       <a:extLst>
                         <a:ext uri="{FF2B5EF4-FFF2-40B4-BE49-F238E27FC236}">
-                          <a16:creationId xmlns:a16="http://schemas.microsoft.com/office/drawing/2014/main" xmlns="" id="{7B2482F8-8B5C-4925-B39C-C0974E45A424}"/>
+                          <a16:creationId xmlns="" xmlns:a16="http://schemas.microsoft.com/office/drawing/2014/main" id="{7B2482F8-8B5C-4925-B39C-C0974E45A424}"/>
                         </a:ext>
                       </a:extLst>
                     </p:cNvPr>
@@ -7534,7 +7534,7 @@
                   <p:cNvPr id="96" name="Rectangle: Rounded Corners 97">
                     <a:extLst>
                       <a:ext uri="{FF2B5EF4-FFF2-40B4-BE49-F238E27FC236}">
-                        <a16:creationId xmlns:a16="http://schemas.microsoft.com/office/drawing/2014/main" xmlns="" id="{7082610D-6AD0-4B72-8799-8EF096B5C63B}"/>
+                        <a16:creationId xmlns="" xmlns:a16="http://schemas.microsoft.com/office/drawing/2014/main" id="{7082610D-6AD0-4B72-8799-8EF096B5C63B}"/>
                       </a:ext>
                     </a:extLst>
                   </p:cNvPr>
@@ -7588,7 +7588,7 @@
               <p:cNvPr id="92" name="Speech Bubble: Oval 187">
                 <a:extLst>
                   <a:ext uri="{FF2B5EF4-FFF2-40B4-BE49-F238E27FC236}">
-                    <a16:creationId xmlns:a16="http://schemas.microsoft.com/office/drawing/2014/main" xmlns="" id="{078F6DC7-CB18-4D83-B6C3-E52851F35E01}"/>
+                    <a16:creationId xmlns="" xmlns:a16="http://schemas.microsoft.com/office/drawing/2014/main" id="{078F6DC7-CB18-4D83-B6C3-E52851F35E01}"/>
                   </a:ext>
                 </a:extLst>
               </p:cNvPr>
@@ -7651,7 +7651,7 @@
             <p:cNvPr id="88" name="Straight Arrow Connector 87">
               <a:extLst>
                 <a:ext uri="{FF2B5EF4-FFF2-40B4-BE49-F238E27FC236}">
-                  <a16:creationId xmlns:a16="http://schemas.microsoft.com/office/drawing/2014/main" xmlns="" id="{1338B41E-BE41-4E7F-AB5D-DBDF1AC91A9C}"/>
+                  <a16:creationId xmlns="" xmlns:a16="http://schemas.microsoft.com/office/drawing/2014/main" id="{1338B41E-BE41-4E7F-AB5D-DBDF1AC91A9C}"/>
                 </a:ext>
               </a:extLst>
             </p:cNvPr>
@@ -7693,7 +7693,7 @@
             <p:cNvPr id="89" name="Straight Arrow Connector 88">
               <a:extLst>
                 <a:ext uri="{FF2B5EF4-FFF2-40B4-BE49-F238E27FC236}">
-                  <a16:creationId xmlns:a16="http://schemas.microsoft.com/office/drawing/2014/main" xmlns="" id="{138E9ACB-E391-4CA5-9E66-988BB55833A3}"/>
+                  <a16:creationId xmlns="" xmlns:a16="http://schemas.microsoft.com/office/drawing/2014/main" id="{138E9ACB-E391-4CA5-9E66-988BB55833A3}"/>
                 </a:ext>
               </a:extLst>
             </p:cNvPr>
@@ -7735,7 +7735,7 @@
             <p:cNvPr id="90" name="Straight Arrow Connector 89">
               <a:extLst>
                 <a:ext uri="{FF2B5EF4-FFF2-40B4-BE49-F238E27FC236}">
-                  <a16:creationId xmlns:a16="http://schemas.microsoft.com/office/drawing/2014/main" xmlns="" id="{2C7BE932-3BC3-4A8A-9590-5CF30E25BF8F}"/>
+                  <a16:creationId xmlns="" xmlns:a16="http://schemas.microsoft.com/office/drawing/2014/main" id="{2C7BE932-3BC3-4A8A-9590-5CF30E25BF8F}"/>
                 </a:ext>
               </a:extLst>
             </p:cNvPr>
@@ -7854,7 +7854,7 @@
           <p:cNvPr id="2" name="Group 1">
             <a:extLst>
               <a:ext uri="{FF2B5EF4-FFF2-40B4-BE49-F238E27FC236}">
-                <a16:creationId xmlns:a16="http://schemas.microsoft.com/office/drawing/2014/main" xmlns="" id="{FE01ADC9-DC53-4BA1-9102-561A6594918C}"/>
+                <a16:creationId xmlns="" xmlns:a16="http://schemas.microsoft.com/office/drawing/2014/main" id="{FE01ADC9-DC53-4BA1-9102-561A6594918C}"/>
               </a:ext>
             </a:extLst>
           </p:cNvPr>
@@ -7874,7 +7874,7 @@
             <p:cNvPr id="6" name="Group 5">
               <a:extLst>
                 <a:ext uri="{FF2B5EF4-FFF2-40B4-BE49-F238E27FC236}">
-                  <a16:creationId xmlns:a16="http://schemas.microsoft.com/office/drawing/2014/main" xmlns="" id="{BCEB0613-7A4B-4017-B08D-16B2F3CF6257}"/>
+                  <a16:creationId xmlns="" xmlns:a16="http://schemas.microsoft.com/office/drawing/2014/main" id="{BCEB0613-7A4B-4017-B08D-16B2F3CF6257}"/>
                 </a:ext>
               </a:extLst>
             </p:cNvPr>
@@ -7896,7 +7896,7 @@
               <p:cNvPr id="7" name="תיבת טקסט 18">
                 <a:extLst>
                   <a:ext uri="{FF2B5EF4-FFF2-40B4-BE49-F238E27FC236}">
-                    <a16:creationId xmlns:a16="http://schemas.microsoft.com/office/drawing/2014/main" xmlns="" id="{16681B08-B5BB-4072-8771-E8321F8CFC99}"/>
+                    <a16:creationId xmlns="" xmlns:a16="http://schemas.microsoft.com/office/drawing/2014/main" id="{16681B08-B5BB-4072-8771-E8321F8CFC99}"/>
                   </a:ext>
                 </a:extLst>
               </p:cNvPr>
@@ -7947,9 +7947,9 @@
                 </a:r>
               </a:p>
               <a:p>
-                <a:pPr marL="457292" indent="-457292">
-                  <a:buFont typeface="Wingdings" pitchFamily="2" charset="2"/>
-                  <a:buChar char="ü"/>
+                <a:pPr marL="571500" indent="-571500">
+                  <a:buFont typeface="Arial" pitchFamily="34" charset="0"/>
+                  <a:buChar char="•"/>
                 </a:pPr>
                 <a:r>
                   <a:rPr lang="en-US" sz="3700" dirty="0">
@@ -7961,9 +7961,9 @@
                 </a:r>
               </a:p>
               <a:p>
-                <a:pPr marL="457292" indent="-457292">
-                  <a:buFont typeface="Wingdings" pitchFamily="2" charset="2"/>
-                  <a:buChar char="ü"/>
+                <a:pPr marL="571500" indent="-571500">
+                  <a:buFont typeface="Arial" pitchFamily="34" charset="0"/>
+                  <a:buChar char="•"/>
                 </a:pPr>
                 <a:r>
                   <a:rPr lang="en-US" sz="3700" dirty="0">
@@ -7989,7 +7989,7 @@
               <p:cNvPr id="8" name="Text Box 24">
                 <a:extLst>
                   <a:ext uri="{FF2B5EF4-FFF2-40B4-BE49-F238E27FC236}">
-                    <a16:creationId xmlns:a16="http://schemas.microsoft.com/office/drawing/2014/main" xmlns="" id="{381F52DF-4A25-4DD5-9D0F-C809759D92B7}"/>
+                    <a16:creationId xmlns="" xmlns:a16="http://schemas.microsoft.com/office/drawing/2014/main" id="{381F52DF-4A25-4DD5-9D0F-C809759D92B7}"/>
                   </a:ext>
                 </a:extLst>
               </p:cNvPr>
@@ -8047,7 +8047,7 @@
             <p:cNvPr id="106" name="Text Box 24">
               <a:extLst>
                 <a:ext uri="{FF2B5EF4-FFF2-40B4-BE49-F238E27FC236}">
-                  <a16:creationId xmlns:a16="http://schemas.microsoft.com/office/drawing/2014/main" xmlns="" id="{C484DB7D-EC0C-4294-AE42-D6D333610AF3}"/>
+                  <a16:creationId xmlns="" xmlns:a16="http://schemas.microsoft.com/office/drawing/2014/main" id="{C484DB7D-EC0C-4294-AE42-D6D333610AF3}"/>
                 </a:ext>
               </a:extLst>
             </p:cNvPr>
@@ -8105,7 +8105,7 @@
           <p:cNvPr id="4" name="Group 3">
             <a:extLst>
               <a:ext uri="{FF2B5EF4-FFF2-40B4-BE49-F238E27FC236}">
-                <a16:creationId xmlns:a16="http://schemas.microsoft.com/office/drawing/2014/main" xmlns="" id="{AA5F5289-14B3-42EA-8F2F-5184A6F0846E}"/>
+                <a16:creationId xmlns="" xmlns:a16="http://schemas.microsoft.com/office/drawing/2014/main" id="{AA5F5289-14B3-42EA-8F2F-5184A6F0846E}"/>
               </a:ext>
             </a:extLst>
           </p:cNvPr>
@@ -8125,7 +8125,7 @@
             <p:cNvPr id="12" name="Group 11">
               <a:extLst>
                 <a:ext uri="{FF2B5EF4-FFF2-40B4-BE49-F238E27FC236}">
-                  <a16:creationId xmlns:a16="http://schemas.microsoft.com/office/drawing/2014/main" xmlns="" id="{EEA89EBD-FDDE-48A6-8855-66923377C367}"/>
+                  <a16:creationId xmlns="" xmlns:a16="http://schemas.microsoft.com/office/drawing/2014/main" id="{EEA89EBD-FDDE-48A6-8855-66923377C367}"/>
                 </a:ext>
               </a:extLst>
             </p:cNvPr>
@@ -8145,7 +8145,7 @@
               <p:cNvPr id="13" name="תיבת טקסט 18">
                 <a:extLst>
                   <a:ext uri="{FF2B5EF4-FFF2-40B4-BE49-F238E27FC236}">
-                    <a16:creationId xmlns:a16="http://schemas.microsoft.com/office/drawing/2014/main" xmlns="" id="{EFAD3A93-6265-4D90-B121-E7210ACAD82E}"/>
+                    <a16:creationId xmlns="" xmlns:a16="http://schemas.microsoft.com/office/drawing/2014/main" id="{EFAD3A93-6265-4D90-B121-E7210ACAD82E}"/>
                   </a:ext>
                 </a:extLst>
               </p:cNvPr>
@@ -8188,7 +8188,7 @@
               <p:cNvPr id="14" name="Text Box 24">
                 <a:extLst>
                   <a:ext uri="{FF2B5EF4-FFF2-40B4-BE49-F238E27FC236}">
-                    <a16:creationId xmlns:a16="http://schemas.microsoft.com/office/drawing/2014/main" xmlns="" id="{2D0005CC-35A2-4D6D-ABF5-9D776BB2B284}"/>
+                    <a16:creationId xmlns="" xmlns:a16="http://schemas.microsoft.com/office/drawing/2014/main" id="{2D0005CC-35A2-4D6D-ABF5-9D776BB2B284}"/>
                   </a:ext>
                 </a:extLst>
               </p:cNvPr>
@@ -8246,7 +8246,7 @@
             <p:cNvPr id="109" name="Text Box 24">
               <a:extLst>
                 <a:ext uri="{FF2B5EF4-FFF2-40B4-BE49-F238E27FC236}">
-                  <a16:creationId xmlns:a16="http://schemas.microsoft.com/office/drawing/2014/main" xmlns="" id="{7A6020AD-BB24-454C-A9BE-C4A57DD0558E}"/>
+                  <a16:creationId xmlns="" xmlns:a16="http://schemas.microsoft.com/office/drawing/2014/main" id="{7A6020AD-BB24-454C-A9BE-C4A57DD0558E}"/>
                 </a:ext>
               </a:extLst>
             </p:cNvPr>
@@ -8304,7 +8304,7 @@
           <p:cNvPr id="81" name="Group 80">
             <a:extLst>
               <a:ext uri="{FF2B5EF4-FFF2-40B4-BE49-F238E27FC236}">
-                <a16:creationId xmlns:a16="http://schemas.microsoft.com/office/drawing/2014/main" xmlns="" id="{4FF0BA66-9CDE-4AB3-82E4-13037FF12E5D}"/>
+                <a16:creationId xmlns="" xmlns:a16="http://schemas.microsoft.com/office/drawing/2014/main" id="{4FF0BA66-9CDE-4AB3-82E4-13037FF12E5D}"/>
               </a:ext>
             </a:extLst>
           </p:cNvPr>
@@ -8324,7 +8324,7 @@
             <p:cNvPr id="9" name="Group 8">
               <a:extLst>
                 <a:ext uri="{FF2B5EF4-FFF2-40B4-BE49-F238E27FC236}">
-                  <a16:creationId xmlns:a16="http://schemas.microsoft.com/office/drawing/2014/main" xmlns="" id="{213AB796-6D44-478C-94D2-A45B981805E4}"/>
+                  <a16:creationId xmlns="" xmlns:a16="http://schemas.microsoft.com/office/drawing/2014/main" id="{213AB796-6D44-478C-94D2-A45B981805E4}"/>
                 </a:ext>
               </a:extLst>
             </p:cNvPr>
@@ -8344,7 +8344,7 @@
               <p:cNvPr id="10" name="תיבת טקסט 18">
                 <a:extLst>
                   <a:ext uri="{FF2B5EF4-FFF2-40B4-BE49-F238E27FC236}">
-                    <a16:creationId xmlns:a16="http://schemas.microsoft.com/office/drawing/2014/main" xmlns="" id="{5829F93E-C6BE-4714-B2D5-973472A44C1D}"/>
+                    <a16:creationId xmlns="" xmlns:a16="http://schemas.microsoft.com/office/drawing/2014/main" id="{5829F93E-C6BE-4714-B2D5-973472A44C1D}"/>
                   </a:ext>
                 </a:extLst>
               </p:cNvPr>
@@ -8381,9 +8381,9 @@
                 </a:r>
               </a:p>
               <a:p>
-                <a:pPr marL="457292" indent="-457292">
-                  <a:buFont typeface="Wingdings" pitchFamily="2" charset="2"/>
-                  <a:buChar char="ü"/>
+                <a:pPr marL="571500" indent="-571500">
+                  <a:buFont typeface="Arial" pitchFamily="34" charset="0"/>
+                  <a:buChar char="•"/>
                 </a:pPr>
                 <a:r>
                   <a:rPr lang="en-US" sz="3700" dirty="0" err="1"/>
@@ -8400,9 +8400,9 @@
                 </a:endParaRPr>
               </a:p>
               <a:p>
-                <a:pPr marL="457292" indent="-457292">
-                  <a:buFont typeface="Wingdings" pitchFamily="2" charset="2"/>
-                  <a:buChar char="ü"/>
+                <a:pPr marL="571500" indent="-571500">
+                  <a:buFont typeface="Arial" pitchFamily="34" charset="0"/>
+                  <a:buChar char="•"/>
                 </a:pPr>
                 <a:r>
                   <a:rPr lang="en-US" sz="3700" dirty="0"/>
@@ -8422,7 +8422,7 @@
               <p:cNvPr id="11" name="Text Box 24">
                 <a:extLst>
                   <a:ext uri="{FF2B5EF4-FFF2-40B4-BE49-F238E27FC236}">
-                    <a16:creationId xmlns:a16="http://schemas.microsoft.com/office/drawing/2014/main" xmlns="" id="{61B4D10A-7422-45CD-A48E-E673CACB8BE8}"/>
+                    <a16:creationId xmlns="" xmlns:a16="http://schemas.microsoft.com/office/drawing/2014/main" id="{61B4D10A-7422-45CD-A48E-E673CACB8BE8}"/>
                   </a:ext>
                 </a:extLst>
               </p:cNvPr>
@@ -8480,7 +8480,7 @@
             <p:cNvPr id="110" name="Text Box 24">
               <a:extLst>
                 <a:ext uri="{FF2B5EF4-FFF2-40B4-BE49-F238E27FC236}">
-                  <a16:creationId xmlns:a16="http://schemas.microsoft.com/office/drawing/2014/main" xmlns="" id="{416AF927-57FE-4603-AD93-C2086E3C9766}"/>
+                  <a16:creationId xmlns="" xmlns:a16="http://schemas.microsoft.com/office/drawing/2014/main" id="{416AF927-57FE-4603-AD93-C2086E3C9766}"/>
                 </a:ext>
               </a:extLst>
             </p:cNvPr>
@@ -8533,14 +8533,14 @@
           </p:txBody>
         </p:sp>
       </p:grpSp>
-      <mc:AlternateContent xmlns:mc="http://schemas.openxmlformats.org/markup-compatibility/2006">
-        <mc:Choice xmlns:a14="http://schemas.microsoft.com/office/drawing/2010/main" Requires="a14">
+      <mc:AlternateContent xmlns:mc="http://schemas.openxmlformats.org/markup-compatibility/2006" xmlns:a14="http://schemas.microsoft.com/office/drawing/2010/main">
+        <mc:Choice Requires="a14">
           <p:graphicFrame>
             <p:nvGraphicFramePr>
               <p:cNvPr id="112" name="Table 111">
                 <a:extLst>
                   <a:ext uri="{FF2B5EF4-FFF2-40B4-BE49-F238E27FC236}">
-                    <a16:creationId xmlns:a16="http://schemas.microsoft.com/office/drawing/2014/main" xmlns="" id="{75DCAF6B-1142-4A53-8ECA-23BCA547B62C}"/>
+                    <a16:creationId xmlns="" xmlns:a16="http://schemas.microsoft.com/office/drawing/2014/main" id="{75DCAF6B-1142-4A53-8ECA-23BCA547B62C}"/>
                   </a:ext>
                 </a:extLst>
               </p:cNvPr>
@@ -8569,56 +8569,56 @@
                     <a:gridCol w="576085">
                       <a:extLst>
                         <a:ext uri="{9D8B030D-6E8A-4147-A177-3AD203B41FA5}">
-                          <a16:colId xmlns:a16="http://schemas.microsoft.com/office/drawing/2014/main" xmlns="" val="3197574381"/>
+                          <a16:colId xmlns="" xmlns:a16="http://schemas.microsoft.com/office/drawing/2014/main" val="3197574381"/>
                         </a:ext>
                       </a:extLst>
                     </a:gridCol>
                     <a:gridCol w="1368201">
                       <a:extLst>
                         <a:ext uri="{9D8B030D-6E8A-4147-A177-3AD203B41FA5}">
-                          <a16:colId xmlns:a16="http://schemas.microsoft.com/office/drawing/2014/main" xmlns="" val="4074414025"/>
+                          <a16:colId xmlns="" xmlns:a16="http://schemas.microsoft.com/office/drawing/2014/main" val="4074414025"/>
                         </a:ext>
                       </a:extLst>
                     </a:gridCol>
                     <a:gridCol w="1764259">
                       <a:extLst>
                         <a:ext uri="{9D8B030D-6E8A-4147-A177-3AD203B41FA5}">
-                          <a16:colId xmlns:a16="http://schemas.microsoft.com/office/drawing/2014/main" xmlns="" val="3000387878"/>
+                          <a16:colId xmlns="" xmlns:a16="http://schemas.microsoft.com/office/drawing/2014/main" val="3000387878"/>
                         </a:ext>
                       </a:extLst>
                     </a:gridCol>
                     <a:gridCol w="2701444">
                       <a:extLst>
                         <a:ext uri="{9D8B030D-6E8A-4147-A177-3AD203B41FA5}">
-                          <a16:colId xmlns:a16="http://schemas.microsoft.com/office/drawing/2014/main" xmlns="" val="2368814726"/>
+                          <a16:colId xmlns="" xmlns:a16="http://schemas.microsoft.com/office/drawing/2014/main" val="2368814726"/>
                         </a:ext>
                       </a:extLst>
                     </a:gridCol>
                     <a:gridCol w="2503777">
                       <a:extLst>
                         <a:ext uri="{9D8B030D-6E8A-4147-A177-3AD203B41FA5}">
-                          <a16:colId xmlns:a16="http://schemas.microsoft.com/office/drawing/2014/main" xmlns="" val="1709447781"/>
+                          <a16:colId xmlns="" xmlns:a16="http://schemas.microsoft.com/office/drawing/2014/main" val="1709447781"/>
                         </a:ext>
                       </a:extLst>
                     </a:gridCol>
                     <a:gridCol w="1836270">
                       <a:extLst>
                         <a:ext uri="{9D8B030D-6E8A-4147-A177-3AD203B41FA5}">
-                          <a16:colId xmlns:a16="http://schemas.microsoft.com/office/drawing/2014/main" xmlns="" val="2150489925"/>
+                          <a16:colId xmlns="" xmlns:a16="http://schemas.microsoft.com/office/drawing/2014/main" val="2150489925"/>
                         </a:ext>
                       </a:extLst>
                     </a:gridCol>
                     <a:gridCol w="1836270">
                       <a:extLst>
                         <a:ext uri="{9D8B030D-6E8A-4147-A177-3AD203B41FA5}">
-                          <a16:colId xmlns:a16="http://schemas.microsoft.com/office/drawing/2014/main" xmlns="" val="4143285275"/>
+                          <a16:colId xmlns="" xmlns:a16="http://schemas.microsoft.com/office/drawing/2014/main" val="4143285275"/>
                         </a:ext>
                       </a:extLst>
                     </a:gridCol>
                     <a:gridCol w="1836270">
                       <a:extLst>
                         <a:ext uri="{9D8B030D-6E8A-4147-A177-3AD203B41FA5}">
-                          <a16:colId xmlns:a16="http://schemas.microsoft.com/office/drawing/2014/main" xmlns="" val="2491369531"/>
+                          <a16:colId xmlns="" xmlns:a16="http://schemas.microsoft.com/office/drawing/2014/main" val="2491369531"/>
                         </a:ext>
                       </a:extLst>
                     </a:gridCol>
@@ -9138,7 +9138,7 @@
                     </a:tc>
                     <a:extLst>
                       <a:ext uri="{0D108BD9-81ED-4DB2-BD59-A6C34878D82A}">
-                        <a16:rowId xmlns:a16="http://schemas.microsoft.com/office/drawing/2014/main" xmlns="" val="2478262155"/>
+                        <a16:rowId xmlns="" xmlns:a16="http://schemas.microsoft.com/office/drawing/2014/main" val="2478262155"/>
                       </a:ext>
                     </a:extLst>
                   </a:tr>
@@ -9562,7 +9562,7 @@
                     </a:tc>
                     <a:extLst>
                       <a:ext uri="{0D108BD9-81ED-4DB2-BD59-A6C34878D82A}">
-                        <a16:rowId xmlns:a16="http://schemas.microsoft.com/office/drawing/2014/main" xmlns="" val="574326359"/>
+                        <a16:rowId xmlns="" xmlns:a16="http://schemas.microsoft.com/office/drawing/2014/main" val="574326359"/>
                       </a:ext>
                     </a:extLst>
                   </a:tr>
@@ -10024,7 +10024,7 @@
                     </a:tc>
                     <a:extLst>
                       <a:ext uri="{0D108BD9-81ED-4DB2-BD59-A6C34878D82A}">
-                        <a16:rowId xmlns:a16="http://schemas.microsoft.com/office/drawing/2014/main" xmlns="" val="3732417302"/>
+                        <a16:rowId xmlns="" xmlns:a16="http://schemas.microsoft.com/office/drawing/2014/main" val="3732417302"/>
                       </a:ext>
                     </a:extLst>
                   </a:tr>
@@ -10441,7 +10441,7 @@
                     </a:tc>
                     <a:extLst>
                       <a:ext uri="{0D108BD9-81ED-4DB2-BD59-A6C34878D82A}">
-                        <a16:rowId xmlns:a16="http://schemas.microsoft.com/office/drawing/2014/main" xmlns="" val="1610165467"/>
+                        <a16:rowId xmlns="" xmlns:a16="http://schemas.microsoft.com/office/drawing/2014/main" val="1610165467"/>
                       </a:ext>
                     </a:extLst>
                   </a:tr>
@@ -10859,7 +10859,7 @@
                     </a:tc>
                     <a:extLst>
                       <a:ext uri="{0D108BD9-81ED-4DB2-BD59-A6C34878D82A}">
-                        <a16:rowId xmlns:a16="http://schemas.microsoft.com/office/drawing/2014/main" xmlns="" val="4128712398"/>
+                        <a16:rowId xmlns="" xmlns:a16="http://schemas.microsoft.com/office/drawing/2014/main" val="4128712398"/>
                       </a:ext>
                     </a:extLst>
                   </a:tr>
@@ -11283,7 +11283,7 @@
                     </a:tc>
                     <a:extLst>
                       <a:ext uri="{0D108BD9-81ED-4DB2-BD59-A6C34878D82A}">
-                        <a16:rowId xmlns:a16="http://schemas.microsoft.com/office/drawing/2014/main" xmlns="" val="1714240357"/>
+                        <a16:rowId xmlns="" xmlns:a16="http://schemas.microsoft.com/office/drawing/2014/main" val="1714240357"/>
                       </a:ext>
                     </a:extLst>
                   </a:tr>
@@ -11679,7 +11679,7 @@
                     </a:tc>
                     <a:extLst>
                       <a:ext uri="{0D108BD9-81ED-4DB2-BD59-A6C34878D82A}">
-                        <a16:rowId xmlns:a16="http://schemas.microsoft.com/office/drawing/2014/main" xmlns="" val="1136772937"/>
+                        <a16:rowId xmlns="" xmlns:a16="http://schemas.microsoft.com/office/drawing/2014/main" val="1136772937"/>
                       </a:ext>
                     </a:extLst>
                   </a:tr>
@@ -12098,7 +12098,7 @@
                     </a:tc>
                     <a:extLst>
                       <a:ext uri="{0D108BD9-81ED-4DB2-BD59-A6C34878D82A}">
-                        <a16:rowId xmlns:a16="http://schemas.microsoft.com/office/drawing/2014/main" xmlns="" val="273075946"/>
+                        <a16:rowId xmlns="" xmlns:a16="http://schemas.microsoft.com/office/drawing/2014/main" val="273075946"/>
                       </a:ext>
                     </a:extLst>
                   </a:tr>
@@ -12619,7 +12619,7 @@
                     </a:tc>
                     <a:extLst>
                       <a:ext uri="{0D108BD9-81ED-4DB2-BD59-A6C34878D82A}">
-                        <a16:rowId xmlns:a16="http://schemas.microsoft.com/office/drawing/2014/main" xmlns="" val="106372282"/>
+                        <a16:rowId xmlns="" xmlns:a16="http://schemas.microsoft.com/office/drawing/2014/main" val="106372282"/>
                       </a:ext>
                     </a:extLst>
                   </a:tr>
@@ -13043,7 +13043,7 @@
                     </a:tc>
                     <a:extLst>
                       <a:ext uri="{0D108BD9-81ED-4DB2-BD59-A6C34878D82A}">
-                        <a16:rowId xmlns:a16="http://schemas.microsoft.com/office/drawing/2014/main" xmlns="" val="67320090"/>
+                        <a16:rowId xmlns="" xmlns:a16="http://schemas.microsoft.com/office/drawing/2014/main" val="67320090"/>
                       </a:ext>
                     </a:extLst>
                   </a:tr>
@@ -13505,7 +13505,7 @@
                     </a:tc>
                     <a:extLst>
                       <a:ext uri="{0D108BD9-81ED-4DB2-BD59-A6C34878D82A}">
-                        <a16:rowId xmlns:a16="http://schemas.microsoft.com/office/drawing/2014/main" xmlns="" val="1110501758"/>
+                        <a16:rowId xmlns="" xmlns:a16="http://schemas.microsoft.com/office/drawing/2014/main" val="1110501758"/>
                       </a:ext>
                     </a:extLst>
                   </a:tr>
@@ -13932,7 +13932,7 @@
                     </a:tc>
                     <a:extLst>
                       <a:ext uri="{0D108BD9-81ED-4DB2-BD59-A6C34878D82A}">
-                        <a16:rowId xmlns:a16="http://schemas.microsoft.com/office/drawing/2014/main" xmlns="" val="3418596869"/>
+                        <a16:rowId xmlns="" xmlns:a16="http://schemas.microsoft.com/office/drawing/2014/main" val="3418596869"/>
                       </a:ext>
                     </a:extLst>
                   </a:tr>
@@ -14365,7 +14365,7 @@
                     </a:tc>
                     <a:extLst>
                       <a:ext uri="{0D108BD9-81ED-4DB2-BD59-A6C34878D82A}">
-                        <a16:rowId xmlns:a16="http://schemas.microsoft.com/office/drawing/2014/main" xmlns="" val="115005646"/>
+                        <a16:rowId xmlns="" xmlns:a16="http://schemas.microsoft.com/office/drawing/2014/main" val="115005646"/>
                       </a:ext>
                     </a:extLst>
                   </a:tr>
@@ -14789,7 +14789,7 @@
                     </a:tc>
                     <a:extLst>
                       <a:ext uri="{0D108BD9-81ED-4DB2-BD59-A6C34878D82A}">
-                        <a16:rowId xmlns:a16="http://schemas.microsoft.com/office/drawing/2014/main" xmlns="" val="2163458290"/>
+                        <a16:rowId xmlns="" xmlns:a16="http://schemas.microsoft.com/office/drawing/2014/main" val="2163458290"/>
                       </a:ext>
                     </a:extLst>
                   </a:tr>
@@ -15185,7 +15185,7 @@
                     </a:tc>
                     <a:extLst>
                       <a:ext uri="{0D108BD9-81ED-4DB2-BD59-A6C34878D82A}">
-                        <a16:rowId xmlns:a16="http://schemas.microsoft.com/office/drawing/2014/main" xmlns="" val="20039438"/>
+                        <a16:rowId xmlns="" xmlns:a16="http://schemas.microsoft.com/office/drawing/2014/main" val="20039438"/>
                       </a:ext>
                     </a:extLst>
                   </a:tr>
@@ -15194,7 +15194,7 @@
             </a:graphic>
           </p:graphicFrame>
         </mc:Choice>
-        <mc:Fallback>
+        <mc:Fallback xmlns="">
           <p:graphicFrame>
             <p:nvGraphicFramePr>
               <p:cNvPr id="112" name="Table 111">
@@ -21628,7 +21628,7 @@
           <p:cNvPr id="113" name="Text Box 24">
             <a:extLst>
               <a:ext uri="{FF2B5EF4-FFF2-40B4-BE49-F238E27FC236}">
-                <a16:creationId xmlns:a16="http://schemas.microsoft.com/office/drawing/2014/main" xmlns="" id="{6D9FF79C-648C-46CE-B96C-67F2287316E1}"/>
+                <a16:creationId xmlns="" xmlns:a16="http://schemas.microsoft.com/office/drawing/2014/main" id="{6D9FF79C-648C-46CE-B96C-67F2287316E1}"/>
               </a:ext>
             </a:extLst>
           </p:cNvPr>
@@ -21688,7 +21688,7 @@
           <p:cNvPr id="111" name="Table 110">
             <a:extLst>
               <a:ext uri="{FF2B5EF4-FFF2-40B4-BE49-F238E27FC236}">
-                <a16:creationId xmlns:a16="http://schemas.microsoft.com/office/drawing/2014/main" xmlns="" id="{256B0E97-9FC0-4336-A0AA-EF10AB8858AB}"/>
+                <a16:creationId xmlns="" xmlns:a16="http://schemas.microsoft.com/office/drawing/2014/main" id="{256B0E97-9FC0-4336-A0AA-EF10AB8858AB}"/>
               </a:ext>
             </a:extLst>
           </p:cNvPr>
@@ -21717,21 +21717,21 @@
                 <a:gridCol w="6720988">
                   <a:extLst>
                     <a:ext uri="{9D8B030D-6E8A-4147-A177-3AD203B41FA5}">
-                      <a16:colId xmlns:a16="http://schemas.microsoft.com/office/drawing/2014/main" xmlns="" val="2304463853"/>
+                      <a16:colId xmlns="" xmlns:a16="http://schemas.microsoft.com/office/drawing/2014/main" val="2304463853"/>
                     </a:ext>
                   </a:extLst>
                 </a:gridCol>
                 <a:gridCol w="6720988">
                   <a:extLst>
                     <a:ext uri="{9D8B030D-6E8A-4147-A177-3AD203B41FA5}">
-                      <a16:colId xmlns:a16="http://schemas.microsoft.com/office/drawing/2014/main" xmlns="" val="3677737521"/>
+                      <a16:colId xmlns="" xmlns:a16="http://schemas.microsoft.com/office/drawing/2014/main" val="3677737521"/>
                     </a:ext>
                   </a:extLst>
                 </a:gridCol>
                 <a:gridCol w="6720988">
                   <a:extLst>
                     <a:ext uri="{9D8B030D-6E8A-4147-A177-3AD203B41FA5}">
-                      <a16:colId xmlns:a16="http://schemas.microsoft.com/office/drawing/2014/main" xmlns="" val="536389119"/>
+                      <a16:colId xmlns="" xmlns:a16="http://schemas.microsoft.com/office/drawing/2014/main" val="536389119"/>
                     </a:ext>
                   </a:extLst>
                 </a:gridCol>
@@ -21976,7 +21976,7 @@
                 </a:tc>
                 <a:extLst>
                   <a:ext uri="{0D108BD9-81ED-4DB2-BD59-A6C34878D82A}">
-                    <a16:rowId xmlns:a16="http://schemas.microsoft.com/office/drawing/2014/main" xmlns="" val="1438742136"/>
+                    <a16:rowId xmlns="" xmlns:a16="http://schemas.microsoft.com/office/drawing/2014/main" val="1438742136"/>
                   </a:ext>
                 </a:extLst>
               </a:tr>
@@ -22290,7 +22290,7 @@
   <a:extraClrSchemeLst/>
   <a:extLst>
     <a:ext uri="{05A4C25C-085E-4340-85A3-A5531E510DB2}">
-      <thm15:themeFamily xmlns:thm15="http://schemas.microsoft.com/office/thememl/2012/main" xmlns="" name="Office Theme" id="{62F939B6-93AF-4DB8-9C6B-D6C7DFDC589F}" vid="{4A3C46E8-61CC-4603-A589-7422A47A8E4A}"/>
+      <thm15:themeFamily xmlns="" xmlns:thm15="http://schemas.microsoft.com/office/thememl/2012/main" name="Office Theme" id="{62F939B6-93AF-4DB8-9C6B-D6C7DFDC589F}" vid="{4A3C46E8-61CC-4603-A589-7422A47A8E4A}"/>
     </a:ext>
   </a:extLst>
 </a:theme>

--- a/poster.pptx
+++ b/poster.pptx
@@ -2,18 +2,18 @@
 <file path=ppt/presentation.xml><?xml version="1.0" encoding="utf-8"?>
 <p:presentation xmlns:a="http://schemas.openxmlformats.org/drawingml/2006/main" xmlns:r="http://schemas.openxmlformats.org/officeDocument/2006/relationships" xmlns:p="http://schemas.openxmlformats.org/presentationml/2006/main" saveSubsetFonts="1">
   <p:sldMasterIdLst>
-    <p:sldMasterId id="2147483672" r:id="rId1"/>
+    <p:sldMasterId id="2147483684" r:id="rId1"/>
   </p:sldMasterIdLst>
   <p:sldIdLst>
     <p:sldId id="260" r:id="rId2"/>
   </p:sldIdLst>
-  <p:sldSz cx="32404050" cy="43205400"/>
+  <p:sldSz cx="32399288" cy="43200638"/>
   <p:notesSz cx="6858000" cy="9144000"/>
   <p:defaultTextStyle>
     <a:defPPr>
       <a:defRPr lang="en-US"/>
     </a:defPPr>
-    <a:lvl1pPr marL="0" algn="l" defTabSz="457246" rtl="0" eaLnBrk="1" latinLnBrk="0" hangingPunct="1">
+    <a:lvl1pPr marL="0" algn="l" defTabSz="457200" rtl="0" eaLnBrk="1" latinLnBrk="0" hangingPunct="1">
       <a:defRPr sz="1800" kern="1200">
         <a:solidFill>
           <a:schemeClr val="tx1"/>
@@ -23,7 +23,7 @@
         <a:cs typeface="+mn-cs"/>
       </a:defRPr>
     </a:lvl1pPr>
-    <a:lvl2pPr marL="457246" algn="l" defTabSz="457246" rtl="0" eaLnBrk="1" latinLnBrk="0" hangingPunct="1">
+    <a:lvl2pPr marL="457200" algn="l" defTabSz="457200" rtl="0" eaLnBrk="1" latinLnBrk="0" hangingPunct="1">
       <a:defRPr sz="1800" kern="1200">
         <a:solidFill>
           <a:schemeClr val="tx1"/>
@@ -33,7 +33,7 @@
         <a:cs typeface="+mn-cs"/>
       </a:defRPr>
     </a:lvl2pPr>
-    <a:lvl3pPr marL="914491" algn="l" defTabSz="457246" rtl="0" eaLnBrk="1" latinLnBrk="0" hangingPunct="1">
+    <a:lvl3pPr marL="914400" algn="l" defTabSz="457200" rtl="0" eaLnBrk="1" latinLnBrk="0" hangingPunct="1">
       <a:defRPr sz="1800" kern="1200">
         <a:solidFill>
           <a:schemeClr val="tx1"/>
@@ -43,7 +43,7 @@
         <a:cs typeface="+mn-cs"/>
       </a:defRPr>
     </a:lvl3pPr>
-    <a:lvl4pPr marL="1371737" algn="l" defTabSz="457246" rtl="0" eaLnBrk="1" latinLnBrk="0" hangingPunct="1">
+    <a:lvl4pPr marL="1371600" algn="l" defTabSz="457200" rtl="0" eaLnBrk="1" latinLnBrk="0" hangingPunct="1">
       <a:defRPr sz="1800" kern="1200">
         <a:solidFill>
           <a:schemeClr val="tx1"/>
@@ -53,7 +53,7 @@
         <a:cs typeface="+mn-cs"/>
       </a:defRPr>
     </a:lvl4pPr>
-    <a:lvl5pPr marL="1828983" algn="l" defTabSz="457246" rtl="0" eaLnBrk="1" latinLnBrk="0" hangingPunct="1">
+    <a:lvl5pPr marL="1828800" algn="l" defTabSz="457200" rtl="0" eaLnBrk="1" latinLnBrk="0" hangingPunct="1">
       <a:defRPr sz="1800" kern="1200">
         <a:solidFill>
           <a:schemeClr val="tx1"/>
@@ -63,7 +63,7 @@
         <a:cs typeface="+mn-cs"/>
       </a:defRPr>
     </a:lvl5pPr>
-    <a:lvl6pPr marL="2286229" algn="l" defTabSz="457246" rtl="0" eaLnBrk="1" latinLnBrk="0" hangingPunct="1">
+    <a:lvl6pPr marL="2286000" algn="l" defTabSz="457200" rtl="0" eaLnBrk="1" latinLnBrk="0" hangingPunct="1">
       <a:defRPr sz="1800" kern="1200">
         <a:solidFill>
           <a:schemeClr val="tx1"/>
@@ -73,7 +73,7 @@
         <a:cs typeface="+mn-cs"/>
       </a:defRPr>
     </a:lvl6pPr>
-    <a:lvl7pPr marL="2743474" algn="l" defTabSz="457246" rtl="0" eaLnBrk="1" latinLnBrk="0" hangingPunct="1">
+    <a:lvl7pPr marL="2743200" algn="l" defTabSz="457200" rtl="0" eaLnBrk="1" latinLnBrk="0" hangingPunct="1">
       <a:defRPr sz="1800" kern="1200">
         <a:solidFill>
           <a:schemeClr val="tx1"/>
@@ -83,7 +83,7 @@
         <a:cs typeface="+mn-cs"/>
       </a:defRPr>
     </a:lvl7pPr>
-    <a:lvl8pPr marL="3200720" algn="l" defTabSz="457246" rtl="0" eaLnBrk="1" latinLnBrk="0" hangingPunct="1">
+    <a:lvl8pPr marL="3200400" algn="l" defTabSz="457200" rtl="0" eaLnBrk="1" latinLnBrk="0" hangingPunct="1">
       <a:defRPr sz="1800" kern="1200">
         <a:solidFill>
           <a:schemeClr val="tx1"/>
@@ -93,7 +93,7 @@
         <a:cs typeface="+mn-cs"/>
       </a:defRPr>
     </a:lvl8pPr>
-    <a:lvl9pPr marL="3657966" algn="l" defTabSz="457246" rtl="0" eaLnBrk="1" latinLnBrk="0" hangingPunct="1">
+    <a:lvl9pPr marL="3657600" algn="l" defTabSz="457200" rtl="0" eaLnBrk="1" latinLnBrk="0" hangingPunct="1">
       <a:defRPr sz="1800" kern="1200">
         <a:solidFill>
           <a:schemeClr val="tx1"/>
@@ -106,23 +106,33 @@
   </p:defaultTextStyle>
   <p:extLst>
     <p:ext uri="{EFAFB233-063F-42B5-8137-9DF3F51BA10A}">
-      <p15:sldGuideLst xmlns="" xmlns:p15="http://schemas.microsoft.com/office/powerpoint/2012/main">
-        <p15:guide id="1" orient="horz" pos="13605" userDrawn="1">
+      <p15:sldGuideLst xmlns:p15="http://schemas.microsoft.com/office/powerpoint/2012/main">
+        <p15:guide id="1" orient="horz" pos="13604" userDrawn="1">
           <p15:clr>
             <a:srgbClr val="A4A3A4"/>
           </p15:clr>
         </p15:guide>
-        <p15:guide id="2" pos="10203" userDrawn="1">
+        <p15:guide id="2" pos="10202" userDrawn="1">
           <p15:clr>
             <a:srgbClr val="A4A3A4"/>
           </p15:clr>
         </p15:guide>
-        <p15:guide id="3" orient="horz" pos="13606" userDrawn="1">
+        <p15:guide id="3" orient="horz" pos="13605" userDrawn="1">
           <p15:clr>
             <a:srgbClr val="A4A3A4"/>
           </p15:clr>
         </p15:guide>
-        <p15:guide id="4" pos="10204" userDrawn="1">
+        <p15:guide id="4" pos="10203" userDrawn="1">
+          <p15:clr>
+            <a:srgbClr val="A4A3A4"/>
+          </p15:clr>
+        </p15:guide>
+        <p15:guide id="5" orient="horz" pos="13606" userDrawn="1">
+          <p15:clr>
+            <a:srgbClr val="A4A3A4"/>
+          </p15:clr>
+        </p15:guide>
+        <p15:guide id="6" pos="10204" userDrawn="1">
           <p15:clr>
             <a:srgbClr val="A4A3A4"/>
           </p15:clr>
@@ -162,15 +172,15 @@
         </p:nvSpPr>
         <p:spPr>
           <a:xfrm>
-            <a:off x="2430305" y="7070887"/>
-            <a:ext cx="27543443" cy="15041880"/>
+            <a:off x="2429947" y="7070108"/>
+            <a:ext cx="27539395" cy="15040222"/>
           </a:xfrm>
         </p:spPr>
         <p:txBody>
           <a:bodyPr anchor="b"/>
           <a:lstStyle>
             <a:lvl1pPr algn="ctr">
-              <a:defRPr sz="21300"/>
+              <a:defRPr sz="21259"/>
             </a:lvl1pPr>
           </a:lstStyle>
           <a:p>
@@ -194,8 +204,8 @@
         </p:nvSpPr>
         <p:spPr>
           <a:xfrm>
-            <a:off x="4050506" y="22692840"/>
-            <a:ext cx="24303038" cy="10431301"/>
+            <a:off x="4049911" y="22690338"/>
+            <a:ext cx="24299466" cy="10430151"/>
           </a:xfrm>
         </p:spPr>
         <p:txBody>
@@ -203,39 +213,39 @@
           <a:lstStyle>
             <a:lvl1pPr marL="0" indent="0" algn="ctr">
               <a:buNone/>
-              <a:defRPr sz="8500"/>
+              <a:defRPr sz="8504"/>
             </a:lvl1pPr>
-            <a:lvl2pPr marL="1620113" indent="0" algn="ctr">
+            <a:lvl2pPr marL="1619951" indent="0" algn="ctr">
               <a:buNone/>
-              <a:defRPr sz="7100"/>
+              <a:defRPr sz="7086"/>
             </a:lvl2pPr>
-            <a:lvl3pPr marL="3240226" indent="0" algn="ctr">
+            <a:lvl3pPr marL="3239902" indent="0" algn="ctr">
               <a:buNone/>
-              <a:defRPr sz="6400"/>
+              <a:defRPr sz="6378"/>
             </a:lvl3pPr>
-            <a:lvl4pPr marL="4860339" indent="0" algn="ctr">
+            <a:lvl4pPr marL="4859853" indent="0" algn="ctr">
               <a:buNone/>
-              <a:defRPr sz="5700"/>
+              <a:defRPr sz="5669"/>
             </a:lvl4pPr>
-            <a:lvl5pPr marL="6480452" indent="0" algn="ctr">
+            <a:lvl5pPr marL="6479804" indent="0" algn="ctr">
               <a:buNone/>
-              <a:defRPr sz="5700"/>
+              <a:defRPr sz="5669"/>
             </a:lvl5pPr>
-            <a:lvl6pPr marL="8100565" indent="0" algn="ctr">
+            <a:lvl6pPr marL="8099755" indent="0" algn="ctr">
               <a:buNone/>
-              <a:defRPr sz="5700"/>
+              <a:defRPr sz="5669"/>
             </a:lvl6pPr>
-            <a:lvl7pPr marL="9720678" indent="0" algn="ctr">
+            <a:lvl7pPr marL="9719706" indent="0" algn="ctr">
               <a:buNone/>
-              <a:defRPr sz="5700"/>
+              <a:defRPr sz="5669"/>
             </a:lvl7pPr>
-            <a:lvl8pPr marL="11340791" indent="0" algn="ctr">
+            <a:lvl8pPr marL="11339657" indent="0" algn="ctr">
               <a:buNone/>
-              <a:defRPr sz="5700"/>
+              <a:defRPr sz="5669"/>
             </a:lvl8pPr>
-            <a:lvl9pPr marL="12960904" indent="0" algn="ctr">
+            <a:lvl9pPr marL="12959608" indent="0" algn="ctr">
               <a:buNone/>
-              <a:defRPr sz="5700"/>
+              <a:defRPr sz="5669"/>
             </a:lvl9pPr>
           </a:lstStyle>
           <a:p>
@@ -264,7 +274,7 @@
           <a:p>
             <a:fld id="{FD4B236B-4127-4146-99ED-6A730B7745F6}" type="datetimeFigureOut">
               <a:rPr lang="en-US" smtClean="0"/>
-              <a:t>11-Jun-19</a:t>
+              <a:t>6/11/2019</a:t>
             </a:fld>
             <a:endParaRPr lang="en-US"/>
           </a:p>
@@ -272,7 +282,7 @@
       </p:sp>
       <p:sp>
         <p:nvSpPr>
-          <p:cNvPr id="5" name="Footer Placeholder 4" hidden="1"/>
+          <p:cNvPr id="5" name="Footer Placeholder 4"/>
           <p:cNvSpPr>
             <a:spLocks noGrp="1"/>
           </p:cNvSpPr>
@@ -315,7 +325,7 @@
     </p:spTree>
     <p:extLst>
       <p:ext uri="{BB962C8B-B14F-4D97-AF65-F5344CB8AC3E}">
-        <p14:creationId xmlns:p14="http://schemas.microsoft.com/office/powerpoint/2010/main" val="4217376125"/>
+        <p14:creationId xmlns:p14="http://schemas.microsoft.com/office/powerpoint/2010/main" val="1846690497"/>
       </p:ext>
     </p:extLst>
   </p:cSld>
@@ -434,7 +444,7 @@
           <a:p>
             <a:fld id="{FD4B236B-4127-4146-99ED-6A730B7745F6}" type="datetimeFigureOut">
               <a:rPr lang="en-US" smtClean="0"/>
-              <a:t>11-Jun-19</a:t>
+              <a:t>6/11/2019</a:t>
             </a:fld>
             <a:endParaRPr lang="en-US"/>
           </a:p>
@@ -442,7 +452,7 @@
       </p:sp>
       <p:sp>
         <p:nvSpPr>
-          <p:cNvPr id="5" name="Footer Placeholder 4" hidden="1"/>
+          <p:cNvPr id="5" name="Footer Placeholder 4"/>
           <p:cNvSpPr>
             <a:spLocks noGrp="1"/>
           </p:cNvSpPr>
@@ -485,7 +495,7 @@
     </p:spTree>
     <p:extLst>
       <p:ext uri="{BB962C8B-B14F-4D97-AF65-F5344CB8AC3E}">
-        <p14:creationId xmlns:p14="http://schemas.microsoft.com/office/powerpoint/2010/main" val="1555360918"/>
+        <p14:creationId xmlns:p14="http://schemas.microsoft.com/office/powerpoint/2010/main" val="2250122956"/>
       </p:ext>
     </p:extLst>
   </p:cSld>
@@ -524,8 +534,8 @@
         </p:nvSpPr>
         <p:spPr>
           <a:xfrm>
-            <a:off x="23189150" y="2300287"/>
-            <a:ext cx="6987123" cy="36614580"/>
+            <a:off x="23185742" y="2300034"/>
+            <a:ext cx="6986096" cy="36610544"/>
           </a:xfrm>
         </p:spPr>
         <p:txBody>
@@ -552,8 +562,8 @@
         </p:nvSpPr>
         <p:spPr>
           <a:xfrm>
-            <a:off x="2227780" y="2300287"/>
-            <a:ext cx="20556319" cy="36614580"/>
+            <a:off x="2227453" y="2300034"/>
+            <a:ext cx="20553298" cy="36610544"/>
           </a:xfrm>
         </p:spPr>
         <p:txBody>
@@ -614,7 +624,7 @@
           <a:p>
             <a:fld id="{FD4B236B-4127-4146-99ED-6A730B7745F6}" type="datetimeFigureOut">
               <a:rPr lang="en-US" smtClean="0"/>
-              <a:t>11-Jun-19</a:t>
+              <a:t>6/11/2019</a:t>
             </a:fld>
             <a:endParaRPr lang="en-US"/>
           </a:p>
@@ -622,7 +632,7 @@
       </p:sp>
       <p:sp>
         <p:nvSpPr>
-          <p:cNvPr id="5" name="Footer Placeholder 4" hidden="1"/>
+          <p:cNvPr id="5" name="Footer Placeholder 4"/>
           <p:cNvSpPr>
             <a:spLocks noGrp="1"/>
           </p:cNvSpPr>
@@ -665,7 +675,7 @@
     </p:spTree>
     <p:extLst>
       <p:ext uri="{BB962C8B-B14F-4D97-AF65-F5344CB8AC3E}">
-        <p14:creationId xmlns:p14="http://schemas.microsoft.com/office/powerpoint/2010/main" val="1440150583"/>
+        <p14:creationId xmlns:p14="http://schemas.microsoft.com/office/powerpoint/2010/main" val="2743661911"/>
       </p:ext>
     </p:extLst>
   </p:cSld>
@@ -784,7 +794,7 @@
           <a:p>
             <a:fld id="{FD4B236B-4127-4146-99ED-6A730B7745F6}" type="datetimeFigureOut">
               <a:rPr lang="en-US" smtClean="0"/>
-              <a:t>11-Jun-19</a:t>
+              <a:t>6/11/2019</a:t>
             </a:fld>
             <a:endParaRPr lang="en-US"/>
           </a:p>
@@ -792,7 +802,7 @@
       </p:sp>
       <p:sp>
         <p:nvSpPr>
-          <p:cNvPr id="5" name="Footer Placeholder 4" hidden="1"/>
+          <p:cNvPr id="5" name="Footer Placeholder 4"/>
           <p:cNvSpPr>
             <a:spLocks noGrp="1"/>
           </p:cNvSpPr>
@@ -835,7 +845,7 @@
     </p:spTree>
     <p:extLst>
       <p:ext uri="{BB962C8B-B14F-4D97-AF65-F5344CB8AC3E}">
-        <p14:creationId xmlns:p14="http://schemas.microsoft.com/office/powerpoint/2010/main" val="337054921"/>
+        <p14:creationId xmlns:p14="http://schemas.microsoft.com/office/powerpoint/2010/main" val="967560715"/>
       </p:ext>
     </p:extLst>
   </p:cSld>
@@ -874,15 +884,15 @@
         </p:nvSpPr>
         <p:spPr>
           <a:xfrm>
-            <a:off x="2210903" y="10771359"/>
-            <a:ext cx="27948493" cy="17972243"/>
+            <a:off x="2210578" y="10770172"/>
+            <a:ext cx="27944386" cy="17970262"/>
           </a:xfrm>
         </p:spPr>
         <p:txBody>
           <a:bodyPr anchor="b"/>
           <a:lstStyle>
             <a:lvl1pPr>
-              <a:defRPr sz="21300"/>
+              <a:defRPr sz="21259"/>
             </a:lvl1pPr>
           </a:lstStyle>
           <a:p>
@@ -906,8 +916,8 @@
         </p:nvSpPr>
         <p:spPr>
           <a:xfrm>
-            <a:off x="2210903" y="28913627"/>
-            <a:ext cx="27948493" cy="9451178"/>
+            <a:off x="2210578" y="28910440"/>
+            <a:ext cx="27944386" cy="9450136"/>
           </a:xfrm>
         </p:spPr>
         <p:txBody>
@@ -915,15 +925,15 @@
           <a:lstStyle>
             <a:lvl1pPr marL="0" indent="0">
               <a:buNone/>
-              <a:defRPr sz="8500">
+              <a:defRPr sz="8504">
                 <a:solidFill>
                   <a:schemeClr val="tx1"/>
                 </a:solidFill>
               </a:defRPr>
             </a:lvl1pPr>
-            <a:lvl2pPr marL="1620113" indent="0">
+            <a:lvl2pPr marL="1619951" indent="0">
               <a:buNone/>
-              <a:defRPr sz="7100">
+              <a:defRPr sz="7086">
                 <a:solidFill>
                   <a:schemeClr val="tx1">
                     <a:tint val="75000"/>
@@ -931,9 +941,9 @@
                 </a:solidFill>
               </a:defRPr>
             </a:lvl2pPr>
-            <a:lvl3pPr marL="3240226" indent="0">
+            <a:lvl3pPr marL="3239902" indent="0">
               <a:buNone/>
-              <a:defRPr sz="6400">
+              <a:defRPr sz="6378">
                 <a:solidFill>
                   <a:schemeClr val="tx1">
                     <a:tint val="75000"/>
@@ -941,9 +951,9 @@
                 </a:solidFill>
               </a:defRPr>
             </a:lvl3pPr>
-            <a:lvl4pPr marL="4860339" indent="0">
+            <a:lvl4pPr marL="4859853" indent="0">
               <a:buNone/>
-              <a:defRPr sz="5700">
+              <a:defRPr sz="5669">
                 <a:solidFill>
                   <a:schemeClr val="tx1">
                     <a:tint val="75000"/>
@@ -951,9 +961,9 @@
                 </a:solidFill>
               </a:defRPr>
             </a:lvl4pPr>
-            <a:lvl5pPr marL="6480452" indent="0">
+            <a:lvl5pPr marL="6479804" indent="0">
               <a:buNone/>
-              <a:defRPr sz="5700">
+              <a:defRPr sz="5669">
                 <a:solidFill>
                   <a:schemeClr val="tx1">
                     <a:tint val="75000"/>
@@ -961,9 +971,9 @@
                 </a:solidFill>
               </a:defRPr>
             </a:lvl5pPr>
-            <a:lvl6pPr marL="8100565" indent="0">
+            <a:lvl6pPr marL="8099755" indent="0">
               <a:buNone/>
-              <a:defRPr sz="5700">
+              <a:defRPr sz="5669">
                 <a:solidFill>
                   <a:schemeClr val="tx1">
                     <a:tint val="75000"/>
@@ -971,9 +981,9 @@
                 </a:solidFill>
               </a:defRPr>
             </a:lvl6pPr>
-            <a:lvl7pPr marL="9720678" indent="0">
+            <a:lvl7pPr marL="9719706" indent="0">
               <a:buNone/>
-              <a:defRPr sz="5700">
+              <a:defRPr sz="5669">
                 <a:solidFill>
                   <a:schemeClr val="tx1">
                     <a:tint val="75000"/>
@@ -981,9 +991,9 @@
                 </a:solidFill>
               </a:defRPr>
             </a:lvl7pPr>
-            <a:lvl8pPr marL="11340791" indent="0">
+            <a:lvl8pPr marL="11339657" indent="0">
               <a:buNone/>
-              <a:defRPr sz="5700">
+              <a:defRPr sz="5669">
                 <a:solidFill>
                   <a:schemeClr val="tx1">
                     <a:tint val="75000"/>
@@ -991,9 +1001,9 @@
                 </a:solidFill>
               </a:defRPr>
             </a:lvl8pPr>
-            <a:lvl9pPr marL="12960904" indent="0">
+            <a:lvl9pPr marL="12959608" indent="0">
               <a:buNone/>
-              <a:defRPr sz="5700">
+              <a:defRPr sz="5669">
                 <a:solidFill>
                   <a:schemeClr val="tx1">
                     <a:tint val="75000"/>
@@ -1028,7 +1038,7 @@
           <a:p>
             <a:fld id="{FD4B236B-4127-4146-99ED-6A730B7745F6}" type="datetimeFigureOut">
               <a:rPr lang="en-US" smtClean="0"/>
-              <a:t>11-Jun-19</a:t>
+              <a:t>6/11/2019</a:t>
             </a:fld>
             <a:endParaRPr lang="en-US"/>
           </a:p>
@@ -1036,7 +1046,7 @@
       </p:sp>
       <p:sp>
         <p:nvSpPr>
-          <p:cNvPr id="5" name="Footer Placeholder 4" hidden="1"/>
+          <p:cNvPr id="5" name="Footer Placeholder 4"/>
           <p:cNvSpPr>
             <a:spLocks noGrp="1"/>
           </p:cNvSpPr>
@@ -1079,7 +1089,7 @@
     </p:spTree>
     <p:extLst>
       <p:ext uri="{BB962C8B-B14F-4D97-AF65-F5344CB8AC3E}">
-        <p14:creationId xmlns:p14="http://schemas.microsoft.com/office/powerpoint/2010/main" val="208891317"/>
+        <p14:creationId xmlns:p14="http://schemas.microsoft.com/office/powerpoint/2010/main" val="1238531012"/>
       </p:ext>
     </p:extLst>
   </p:cSld>
@@ -1141,8 +1151,8 @@
         </p:nvSpPr>
         <p:spPr>
           <a:xfrm>
-            <a:off x="2227779" y="11501438"/>
-            <a:ext cx="13771721" cy="27413429"/>
+            <a:off x="2227451" y="11500170"/>
+            <a:ext cx="13769697" cy="27410408"/>
           </a:xfrm>
         </p:spPr>
         <p:txBody>
@@ -1198,8 +1208,8 @@
         </p:nvSpPr>
         <p:spPr>
           <a:xfrm>
-            <a:off x="16404551" y="11501438"/>
-            <a:ext cx="13771721" cy="27413429"/>
+            <a:off x="16402140" y="11500170"/>
+            <a:ext cx="13769697" cy="27410408"/>
           </a:xfrm>
         </p:spPr>
         <p:txBody>
@@ -1260,7 +1270,7 @@
           <a:p>
             <a:fld id="{FD4B236B-4127-4146-99ED-6A730B7745F6}" type="datetimeFigureOut">
               <a:rPr lang="en-US" smtClean="0"/>
-              <a:t>11-Jun-19</a:t>
+              <a:t>6/11/2019</a:t>
             </a:fld>
             <a:endParaRPr lang="en-US"/>
           </a:p>
@@ -1268,7 +1278,7 @@
       </p:sp>
       <p:sp>
         <p:nvSpPr>
-          <p:cNvPr id="6" name="Footer Placeholder 5" hidden="1"/>
+          <p:cNvPr id="6" name="Footer Placeholder 5"/>
           <p:cNvSpPr>
             <a:spLocks noGrp="1"/>
           </p:cNvSpPr>
@@ -1311,7 +1321,7 @@
     </p:spTree>
     <p:extLst>
       <p:ext uri="{BB962C8B-B14F-4D97-AF65-F5344CB8AC3E}">
-        <p14:creationId xmlns:p14="http://schemas.microsoft.com/office/powerpoint/2010/main" val="717145825"/>
+        <p14:creationId xmlns:p14="http://schemas.microsoft.com/office/powerpoint/2010/main" val="3591464647"/>
       </p:ext>
     </p:extLst>
   </p:cSld>
@@ -1350,8 +1360,8 @@
         </p:nvSpPr>
         <p:spPr>
           <a:xfrm>
-            <a:off x="2231999" y="2300298"/>
-            <a:ext cx="27948493" cy="8351046"/>
+            <a:off x="2231671" y="2300044"/>
+            <a:ext cx="27944386" cy="8350126"/>
           </a:xfrm>
         </p:spPr>
         <p:txBody>
@@ -1378,8 +1388,8 @@
         </p:nvSpPr>
         <p:spPr>
           <a:xfrm>
-            <a:off x="2232003" y="10591328"/>
-            <a:ext cx="13708430" cy="5190645"/>
+            <a:off x="2231675" y="10590160"/>
+            <a:ext cx="13706415" cy="5190073"/>
           </a:xfrm>
         </p:spPr>
         <p:txBody>
@@ -1387,39 +1397,39 @@
           <a:lstStyle>
             <a:lvl1pPr marL="0" indent="0">
               <a:buNone/>
-              <a:defRPr sz="8500" b="1"/>
+              <a:defRPr sz="8504" b="1"/>
             </a:lvl1pPr>
-            <a:lvl2pPr marL="1620113" indent="0">
+            <a:lvl2pPr marL="1619951" indent="0">
               <a:buNone/>
-              <a:defRPr sz="7100" b="1"/>
+              <a:defRPr sz="7086" b="1"/>
             </a:lvl2pPr>
-            <a:lvl3pPr marL="3240226" indent="0">
+            <a:lvl3pPr marL="3239902" indent="0">
               <a:buNone/>
-              <a:defRPr sz="6400" b="1"/>
+              <a:defRPr sz="6378" b="1"/>
             </a:lvl3pPr>
-            <a:lvl4pPr marL="4860339" indent="0">
+            <a:lvl4pPr marL="4859853" indent="0">
               <a:buNone/>
-              <a:defRPr sz="5700" b="1"/>
+              <a:defRPr sz="5669" b="1"/>
             </a:lvl4pPr>
-            <a:lvl5pPr marL="6480452" indent="0">
+            <a:lvl5pPr marL="6479804" indent="0">
               <a:buNone/>
-              <a:defRPr sz="5700" b="1"/>
+              <a:defRPr sz="5669" b="1"/>
             </a:lvl5pPr>
-            <a:lvl6pPr marL="8100565" indent="0">
+            <a:lvl6pPr marL="8099755" indent="0">
               <a:buNone/>
-              <a:defRPr sz="5700" b="1"/>
+              <a:defRPr sz="5669" b="1"/>
             </a:lvl6pPr>
-            <a:lvl7pPr marL="9720678" indent="0">
+            <a:lvl7pPr marL="9719706" indent="0">
               <a:buNone/>
-              <a:defRPr sz="5700" b="1"/>
+              <a:defRPr sz="5669" b="1"/>
             </a:lvl7pPr>
-            <a:lvl8pPr marL="11340791" indent="0">
+            <a:lvl8pPr marL="11339657" indent="0">
               <a:buNone/>
-              <a:defRPr sz="5700" b="1"/>
+              <a:defRPr sz="5669" b="1"/>
             </a:lvl8pPr>
-            <a:lvl9pPr marL="12960904" indent="0">
+            <a:lvl9pPr marL="12959608" indent="0">
               <a:buNone/>
-              <a:defRPr sz="5700" b="1"/>
+              <a:defRPr sz="5669" b="1"/>
             </a:lvl9pPr>
           </a:lstStyle>
           <a:p>
@@ -1443,8 +1453,8 @@
         </p:nvSpPr>
         <p:spPr>
           <a:xfrm>
-            <a:off x="2232003" y="15781973"/>
-            <a:ext cx="13708430" cy="23212904"/>
+            <a:off x="2231675" y="15780233"/>
+            <a:ext cx="13706415" cy="23210346"/>
           </a:xfrm>
         </p:spPr>
         <p:txBody>
@@ -1500,8 +1510,8 @@
         </p:nvSpPr>
         <p:spPr>
           <a:xfrm>
-            <a:off x="16404553" y="10591328"/>
-            <a:ext cx="13775941" cy="5190645"/>
+            <a:off x="16402142" y="10590160"/>
+            <a:ext cx="13773917" cy="5190073"/>
           </a:xfrm>
         </p:spPr>
         <p:txBody>
@@ -1509,39 +1519,39 @@
           <a:lstStyle>
             <a:lvl1pPr marL="0" indent="0">
               <a:buNone/>
-              <a:defRPr sz="8500" b="1"/>
+              <a:defRPr sz="8504" b="1"/>
             </a:lvl1pPr>
-            <a:lvl2pPr marL="1620113" indent="0">
+            <a:lvl2pPr marL="1619951" indent="0">
               <a:buNone/>
-              <a:defRPr sz="7100" b="1"/>
+              <a:defRPr sz="7086" b="1"/>
             </a:lvl2pPr>
-            <a:lvl3pPr marL="3240226" indent="0">
+            <a:lvl3pPr marL="3239902" indent="0">
               <a:buNone/>
-              <a:defRPr sz="6400" b="1"/>
+              <a:defRPr sz="6378" b="1"/>
             </a:lvl3pPr>
-            <a:lvl4pPr marL="4860339" indent="0">
+            <a:lvl4pPr marL="4859853" indent="0">
               <a:buNone/>
-              <a:defRPr sz="5700" b="1"/>
+              <a:defRPr sz="5669" b="1"/>
             </a:lvl4pPr>
-            <a:lvl5pPr marL="6480452" indent="0">
+            <a:lvl5pPr marL="6479804" indent="0">
               <a:buNone/>
-              <a:defRPr sz="5700" b="1"/>
+              <a:defRPr sz="5669" b="1"/>
             </a:lvl5pPr>
-            <a:lvl6pPr marL="8100565" indent="0">
+            <a:lvl6pPr marL="8099755" indent="0">
               <a:buNone/>
-              <a:defRPr sz="5700" b="1"/>
+              <a:defRPr sz="5669" b="1"/>
             </a:lvl6pPr>
-            <a:lvl7pPr marL="9720678" indent="0">
+            <a:lvl7pPr marL="9719706" indent="0">
               <a:buNone/>
-              <a:defRPr sz="5700" b="1"/>
+              <a:defRPr sz="5669" b="1"/>
             </a:lvl7pPr>
-            <a:lvl8pPr marL="11340791" indent="0">
+            <a:lvl8pPr marL="11339657" indent="0">
               <a:buNone/>
-              <a:defRPr sz="5700" b="1"/>
+              <a:defRPr sz="5669" b="1"/>
             </a:lvl8pPr>
-            <a:lvl9pPr marL="12960904" indent="0">
+            <a:lvl9pPr marL="12959608" indent="0">
               <a:buNone/>
-              <a:defRPr sz="5700" b="1"/>
+              <a:defRPr sz="5669" b="1"/>
             </a:lvl9pPr>
           </a:lstStyle>
           <a:p>
@@ -1565,8 +1575,8 @@
         </p:nvSpPr>
         <p:spPr>
           <a:xfrm>
-            <a:off x="16404553" y="15781973"/>
-            <a:ext cx="13775941" cy="23212904"/>
+            <a:off x="16402142" y="15780233"/>
+            <a:ext cx="13773917" cy="23210346"/>
           </a:xfrm>
         </p:spPr>
         <p:txBody>
@@ -1627,7 +1637,7 @@
           <a:p>
             <a:fld id="{FD4B236B-4127-4146-99ED-6A730B7745F6}" type="datetimeFigureOut">
               <a:rPr lang="en-US" smtClean="0"/>
-              <a:t>11-Jun-19</a:t>
+              <a:t>6/11/2019</a:t>
             </a:fld>
             <a:endParaRPr lang="en-US"/>
           </a:p>
@@ -1635,7 +1645,7 @@
       </p:sp>
       <p:sp>
         <p:nvSpPr>
-          <p:cNvPr id="8" name="Footer Placeholder 7" hidden="1"/>
+          <p:cNvPr id="8" name="Footer Placeholder 7"/>
           <p:cNvSpPr>
             <a:spLocks noGrp="1"/>
           </p:cNvSpPr>
@@ -1678,7 +1688,7 @@
     </p:spTree>
     <p:extLst>
       <p:ext uri="{BB962C8B-B14F-4D97-AF65-F5344CB8AC3E}">
-        <p14:creationId xmlns:p14="http://schemas.microsoft.com/office/powerpoint/2010/main" val="1002844353"/>
+        <p14:creationId xmlns:p14="http://schemas.microsoft.com/office/powerpoint/2010/main" val="536313717"/>
       </p:ext>
     </p:extLst>
   </p:cSld>
@@ -1745,7 +1755,7 @@
           <a:p>
             <a:fld id="{FD4B236B-4127-4146-99ED-6A730B7745F6}" type="datetimeFigureOut">
               <a:rPr lang="en-US" smtClean="0"/>
-              <a:t>11-Jun-19</a:t>
+              <a:t>6/11/2019</a:t>
             </a:fld>
             <a:endParaRPr lang="en-US"/>
           </a:p>
@@ -1753,7 +1763,7 @@
       </p:sp>
       <p:sp>
         <p:nvSpPr>
-          <p:cNvPr id="4" name="Footer Placeholder 3" hidden="1"/>
+          <p:cNvPr id="4" name="Footer Placeholder 3"/>
           <p:cNvSpPr>
             <a:spLocks noGrp="1"/>
           </p:cNvSpPr>
@@ -1796,7 +1806,7 @@
     </p:spTree>
     <p:extLst>
       <p:ext uri="{BB962C8B-B14F-4D97-AF65-F5344CB8AC3E}">
-        <p14:creationId xmlns:p14="http://schemas.microsoft.com/office/powerpoint/2010/main" val="3805613395"/>
+        <p14:creationId xmlns:p14="http://schemas.microsoft.com/office/powerpoint/2010/main" val="1553208229"/>
       </p:ext>
     </p:extLst>
   </p:cSld>
@@ -1840,7 +1850,7 @@
           <a:p>
             <a:fld id="{FD4B236B-4127-4146-99ED-6A730B7745F6}" type="datetimeFigureOut">
               <a:rPr lang="en-US" smtClean="0"/>
-              <a:t>11-Jun-19</a:t>
+              <a:t>6/11/2019</a:t>
             </a:fld>
             <a:endParaRPr lang="en-US"/>
           </a:p>
@@ -1848,7 +1858,7 @@
       </p:sp>
       <p:sp>
         <p:nvSpPr>
-          <p:cNvPr id="3" name="Footer Placeholder 2" hidden="1"/>
+          <p:cNvPr id="3" name="Footer Placeholder 2"/>
           <p:cNvSpPr>
             <a:spLocks noGrp="1"/>
           </p:cNvSpPr>
@@ -1891,7 +1901,7 @@
     </p:spTree>
     <p:extLst>
       <p:ext uri="{BB962C8B-B14F-4D97-AF65-F5344CB8AC3E}">
-        <p14:creationId xmlns:p14="http://schemas.microsoft.com/office/powerpoint/2010/main" val="973736640"/>
+        <p14:creationId xmlns:p14="http://schemas.microsoft.com/office/powerpoint/2010/main" val="3420314203"/>
       </p:ext>
     </p:extLst>
   </p:cSld>
@@ -1930,15 +1940,15 @@
         </p:nvSpPr>
         <p:spPr>
           <a:xfrm>
-            <a:off x="2231999" y="2880360"/>
-            <a:ext cx="10451150" cy="10081260"/>
+            <a:off x="2231671" y="2880042"/>
+            <a:ext cx="10449614" cy="10080149"/>
           </a:xfrm>
         </p:spPr>
         <p:txBody>
           <a:bodyPr anchor="b"/>
           <a:lstStyle>
             <a:lvl1pPr>
-              <a:defRPr sz="11300"/>
+              <a:defRPr sz="11338"/>
             </a:lvl1pPr>
           </a:lstStyle>
           <a:p>
@@ -1962,39 +1972,39 @@
         </p:nvSpPr>
         <p:spPr>
           <a:xfrm>
-            <a:off x="13775941" y="6220788"/>
-            <a:ext cx="16404551" cy="30703837"/>
+            <a:off x="13773917" y="6220102"/>
+            <a:ext cx="16402140" cy="30700453"/>
           </a:xfrm>
         </p:spPr>
         <p:txBody>
           <a:bodyPr/>
           <a:lstStyle>
             <a:lvl1pPr>
-              <a:defRPr sz="11300"/>
+              <a:defRPr sz="11338"/>
             </a:lvl1pPr>
             <a:lvl2pPr>
-              <a:defRPr sz="9900"/>
+              <a:defRPr sz="9921"/>
             </a:lvl2pPr>
             <a:lvl3pPr>
-              <a:defRPr sz="8500"/>
+              <a:defRPr sz="8504"/>
             </a:lvl3pPr>
             <a:lvl4pPr>
-              <a:defRPr sz="7100"/>
+              <a:defRPr sz="7086"/>
             </a:lvl4pPr>
             <a:lvl5pPr>
-              <a:defRPr sz="7100"/>
+              <a:defRPr sz="7086"/>
             </a:lvl5pPr>
             <a:lvl6pPr>
-              <a:defRPr sz="7100"/>
+              <a:defRPr sz="7086"/>
             </a:lvl6pPr>
             <a:lvl7pPr>
-              <a:defRPr sz="7100"/>
+              <a:defRPr sz="7086"/>
             </a:lvl7pPr>
             <a:lvl8pPr>
-              <a:defRPr sz="7100"/>
+              <a:defRPr sz="7086"/>
             </a:lvl8pPr>
             <a:lvl9pPr>
-              <a:defRPr sz="7100"/>
+              <a:defRPr sz="7086"/>
             </a:lvl9pPr>
           </a:lstStyle>
           <a:p>
@@ -2047,8 +2057,8 @@
         </p:nvSpPr>
         <p:spPr>
           <a:xfrm>
-            <a:off x="2231999" y="12961619"/>
-            <a:ext cx="10451150" cy="24013005"/>
+            <a:off x="2231671" y="12960191"/>
+            <a:ext cx="10449614" cy="24010358"/>
           </a:xfrm>
         </p:spPr>
         <p:txBody>
@@ -2056,39 +2066,39 @@
           <a:lstStyle>
             <a:lvl1pPr marL="0" indent="0">
               <a:buNone/>
-              <a:defRPr sz="5700"/>
+              <a:defRPr sz="5669"/>
             </a:lvl1pPr>
-            <a:lvl2pPr marL="1620113" indent="0">
+            <a:lvl2pPr marL="1619951" indent="0">
               <a:buNone/>
-              <a:defRPr sz="5000"/>
+              <a:defRPr sz="4960"/>
             </a:lvl2pPr>
-            <a:lvl3pPr marL="3240226" indent="0">
+            <a:lvl3pPr marL="3239902" indent="0">
               <a:buNone/>
-              <a:defRPr sz="4300"/>
+              <a:defRPr sz="4252"/>
             </a:lvl3pPr>
-            <a:lvl4pPr marL="4860339" indent="0">
+            <a:lvl4pPr marL="4859853" indent="0">
               <a:buNone/>
-              <a:defRPr sz="3500"/>
+              <a:defRPr sz="3543"/>
             </a:lvl4pPr>
-            <a:lvl5pPr marL="6480452" indent="0">
+            <a:lvl5pPr marL="6479804" indent="0">
               <a:buNone/>
-              <a:defRPr sz="3500"/>
+              <a:defRPr sz="3543"/>
             </a:lvl5pPr>
-            <a:lvl6pPr marL="8100565" indent="0">
+            <a:lvl6pPr marL="8099755" indent="0">
               <a:buNone/>
-              <a:defRPr sz="3500"/>
+              <a:defRPr sz="3543"/>
             </a:lvl6pPr>
-            <a:lvl7pPr marL="9720678" indent="0">
+            <a:lvl7pPr marL="9719706" indent="0">
               <a:buNone/>
-              <a:defRPr sz="3500"/>
+              <a:defRPr sz="3543"/>
             </a:lvl7pPr>
-            <a:lvl8pPr marL="11340791" indent="0">
+            <a:lvl8pPr marL="11339657" indent="0">
               <a:buNone/>
-              <a:defRPr sz="3500"/>
+              <a:defRPr sz="3543"/>
             </a:lvl8pPr>
-            <a:lvl9pPr marL="12960904" indent="0">
+            <a:lvl9pPr marL="12959608" indent="0">
               <a:buNone/>
-              <a:defRPr sz="3500"/>
+              <a:defRPr sz="3543"/>
             </a:lvl9pPr>
           </a:lstStyle>
           <a:p>
@@ -2117,7 +2127,7 @@
           <a:p>
             <a:fld id="{FD4B236B-4127-4146-99ED-6A730B7745F6}" type="datetimeFigureOut">
               <a:rPr lang="en-US" smtClean="0"/>
-              <a:t>11-Jun-19</a:t>
+              <a:t>6/11/2019</a:t>
             </a:fld>
             <a:endParaRPr lang="en-US"/>
           </a:p>
@@ -2125,7 +2135,7 @@
       </p:sp>
       <p:sp>
         <p:nvSpPr>
-          <p:cNvPr id="6" name="Footer Placeholder 5" hidden="1"/>
+          <p:cNvPr id="6" name="Footer Placeholder 5"/>
           <p:cNvSpPr>
             <a:spLocks noGrp="1"/>
           </p:cNvSpPr>
@@ -2168,7 +2178,7 @@
     </p:spTree>
     <p:extLst>
       <p:ext uri="{BB962C8B-B14F-4D97-AF65-F5344CB8AC3E}">
-        <p14:creationId xmlns:p14="http://schemas.microsoft.com/office/powerpoint/2010/main" val="2040724130"/>
+        <p14:creationId xmlns:p14="http://schemas.microsoft.com/office/powerpoint/2010/main" val="1584206593"/>
       </p:ext>
     </p:extLst>
   </p:cSld>
@@ -2207,15 +2217,15 @@
         </p:nvSpPr>
         <p:spPr>
           <a:xfrm>
-            <a:off x="2231999" y="2880360"/>
-            <a:ext cx="10451150" cy="10081260"/>
+            <a:off x="2231671" y="2880042"/>
+            <a:ext cx="10449614" cy="10080149"/>
           </a:xfrm>
         </p:spPr>
         <p:txBody>
           <a:bodyPr anchor="b"/>
           <a:lstStyle>
             <a:lvl1pPr>
-              <a:defRPr sz="11300"/>
+              <a:defRPr sz="11338"/>
             </a:lvl1pPr>
           </a:lstStyle>
           <a:p>
@@ -2239,8 +2249,8 @@
         </p:nvSpPr>
         <p:spPr>
           <a:xfrm>
-            <a:off x="13775941" y="6220788"/>
-            <a:ext cx="16404551" cy="30703837"/>
+            <a:off x="13773917" y="6220102"/>
+            <a:ext cx="16402140" cy="30700453"/>
           </a:xfrm>
         </p:spPr>
         <p:txBody>
@@ -2248,39 +2258,39 @@
           <a:lstStyle>
             <a:lvl1pPr marL="0" indent="0">
               <a:buNone/>
-              <a:defRPr sz="11300"/>
+              <a:defRPr sz="11338"/>
             </a:lvl1pPr>
-            <a:lvl2pPr marL="1620113" indent="0">
+            <a:lvl2pPr marL="1619951" indent="0">
               <a:buNone/>
-              <a:defRPr sz="9900"/>
+              <a:defRPr sz="9921"/>
             </a:lvl2pPr>
-            <a:lvl3pPr marL="3240226" indent="0">
+            <a:lvl3pPr marL="3239902" indent="0">
               <a:buNone/>
-              <a:defRPr sz="8500"/>
+              <a:defRPr sz="8504"/>
             </a:lvl3pPr>
-            <a:lvl4pPr marL="4860339" indent="0">
+            <a:lvl4pPr marL="4859853" indent="0">
               <a:buNone/>
-              <a:defRPr sz="7100"/>
+              <a:defRPr sz="7086"/>
             </a:lvl4pPr>
-            <a:lvl5pPr marL="6480452" indent="0">
+            <a:lvl5pPr marL="6479804" indent="0">
               <a:buNone/>
-              <a:defRPr sz="7100"/>
+              <a:defRPr sz="7086"/>
             </a:lvl5pPr>
-            <a:lvl6pPr marL="8100565" indent="0">
+            <a:lvl6pPr marL="8099755" indent="0">
               <a:buNone/>
-              <a:defRPr sz="7100"/>
+              <a:defRPr sz="7086"/>
             </a:lvl6pPr>
-            <a:lvl7pPr marL="9720678" indent="0">
+            <a:lvl7pPr marL="9719706" indent="0">
               <a:buNone/>
-              <a:defRPr sz="7100"/>
+              <a:defRPr sz="7086"/>
             </a:lvl7pPr>
-            <a:lvl8pPr marL="11340791" indent="0">
+            <a:lvl8pPr marL="11339657" indent="0">
               <a:buNone/>
-              <a:defRPr sz="7100"/>
+              <a:defRPr sz="7086"/>
             </a:lvl8pPr>
-            <a:lvl9pPr marL="12960904" indent="0">
+            <a:lvl9pPr marL="12959608" indent="0">
               <a:buNone/>
-              <a:defRPr sz="7100"/>
+              <a:defRPr sz="7086"/>
             </a:lvl9pPr>
           </a:lstStyle>
           <a:p>
@@ -2304,8 +2314,8 @@
         </p:nvSpPr>
         <p:spPr>
           <a:xfrm>
-            <a:off x="2231999" y="12961619"/>
-            <a:ext cx="10451150" cy="24013005"/>
+            <a:off x="2231671" y="12960191"/>
+            <a:ext cx="10449614" cy="24010358"/>
           </a:xfrm>
         </p:spPr>
         <p:txBody>
@@ -2313,39 +2323,39 @@
           <a:lstStyle>
             <a:lvl1pPr marL="0" indent="0">
               <a:buNone/>
-              <a:defRPr sz="5700"/>
+              <a:defRPr sz="5669"/>
             </a:lvl1pPr>
-            <a:lvl2pPr marL="1620113" indent="0">
+            <a:lvl2pPr marL="1619951" indent="0">
               <a:buNone/>
-              <a:defRPr sz="5000"/>
+              <a:defRPr sz="4960"/>
             </a:lvl2pPr>
-            <a:lvl3pPr marL="3240226" indent="0">
+            <a:lvl3pPr marL="3239902" indent="0">
               <a:buNone/>
-              <a:defRPr sz="4300"/>
+              <a:defRPr sz="4252"/>
             </a:lvl3pPr>
-            <a:lvl4pPr marL="4860339" indent="0">
+            <a:lvl4pPr marL="4859853" indent="0">
               <a:buNone/>
-              <a:defRPr sz="3500"/>
+              <a:defRPr sz="3543"/>
             </a:lvl4pPr>
-            <a:lvl5pPr marL="6480452" indent="0">
+            <a:lvl5pPr marL="6479804" indent="0">
               <a:buNone/>
-              <a:defRPr sz="3500"/>
+              <a:defRPr sz="3543"/>
             </a:lvl5pPr>
-            <a:lvl6pPr marL="8100565" indent="0">
+            <a:lvl6pPr marL="8099755" indent="0">
               <a:buNone/>
-              <a:defRPr sz="3500"/>
+              <a:defRPr sz="3543"/>
             </a:lvl6pPr>
-            <a:lvl7pPr marL="9720678" indent="0">
+            <a:lvl7pPr marL="9719706" indent="0">
               <a:buNone/>
-              <a:defRPr sz="3500"/>
+              <a:defRPr sz="3543"/>
             </a:lvl7pPr>
-            <a:lvl8pPr marL="11340791" indent="0">
+            <a:lvl8pPr marL="11339657" indent="0">
               <a:buNone/>
-              <a:defRPr sz="3500"/>
+              <a:defRPr sz="3543"/>
             </a:lvl8pPr>
-            <a:lvl9pPr marL="12960904" indent="0">
+            <a:lvl9pPr marL="12959608" indent="0">
               <a:buNone/>
-              <a:defRPr sz="3500"/>
+              <a:defRPr sz="3543"/>
             </a:lvl9pPr>
           </a:lstStyle>
           <a:p>
@@ -2374,7 +2384,7 @@
           <a:p>
             <a:fld id="{FD4B236B-4127-4146-99ED-6A730B7745F6}" type="datetimeFigureOut">
               <a:rPr lang="en-US" smtClean="0"/>
-              <a:t>11-Jun-19</a:t>
+              <a:t>6/11/2019</a:t>
             </a:fld>
             <a:endParaRPr lang="en-US"/>
           </a:p>
@@ -2382,7 +2392,7 @@
       </p:sp>
       <p:sp>
         <p:nvSpPr>
-          <p:cNvPr id="6" name="Footer Placeholder 5" hidden="1"/>
+          <p:cNvPr id="6" name="Footer Placeholder 5"/>
           <p:cNvSpPr>
             <a:spLocks noGrp="1"/>
           </p:cNvSpPr>
@@ -2425,7 +2435,7 @@
     </p:spTree>
     <p:extLst>
       <p:ext uri="{BB962C8B-B14F-4D97-AF65-F5344CB8AC3E}">
-        <p14:creationId xmlns:p14="http://schemas.microsoft.com/office/powerpoint/2010/main" val="3186998766"/>
+        <p14:creationId xmlns:p14="http://schemas.microsoft.com/office/powerpoint/2010/main" val="3139854555"/>
       </p:ext>
     </p:extLst>
   </p:cSld>
@@ -2469,15 +2479,15 @@
         </p:nvSpPr>
         <p:spPr>
           <a:xfrm>
-            <a:off x="2227779" y="2300298"/>
-            <a:ext cx="27948493" cy="8351046"/>
+            <a:off x="2227451" y="2300044"/>
+            <a:ext cx="27944386" cy="8350126"/>
           </a:xfrm>
           <a:prstGeom prst="rect">
             <a:avLst/>
           </a:prstGeom>
         </p:spPr>
         <p:txBody>
-          <a:bodyPr vert="horz" lIns="91449" tIns="45725" rIns="91449" bIns="45725" rtlCol="0" anchor="ctr">
+          <a:bodyPr vert="horz" lIns="91440" tIns="45720" rIns="91440" bIns="45720" rtlCol="0" anchor="ctr">
             <a:normAutofit/>
           </a:bodyPr>
           <a:lstStyle/>
@@ -2502,15 +2512,15 @@
         </p:nvSpPr>
         <p:spPr>
           <a:xfrm>
-            <a:off x="2227779" y="11501438"/>
-            <a:ext cx="27948493" cy="27413429"/>
+            <a:off x="2227451" y="11500170"/>
+            <a:ext cx="27944386" cy="27410408"/>
           </a:xfrm>
           <a:prstGeom prst="rect">
             <a:avLst/>
           </a:prstGeom>
         </p:spPr>
         <p:txBody>
-          <a:bodyPr vert="horz" lIns="91449" tIns="45725" rIns="91449" bIns="45725" rtlCol="0">
+          <a:bodyPr vert="horz" lIns="91440" tIns="45720" rIns="91440" bIns="45720" rtlCol="0">
             <a:normAutofit/>
           </a:bodyPr>
           <a:lstStyle/>
@@ -2564,18 +2574,18 @@
         </p:nvSpPr>
         <p:spPr>
           <a:xfrm>
-            <a:off x="2227779" y="40045014"/>
-            <a:ext cx="7290911" cy="2300288"/>
+            <a:off x="2227451" y="40040601"/>
+            <a:ext cx="7289840" cy="2300034"/>
           </a:xfrm>
           <a:prstGeom prst="rect">
             <a:avLst/>
           </a:prstGeom>
         </p:spPr>
         <p:txBody>
-          <a:bodyPr vert="horz" lIns="91449" tIns="45725" rIns="91449" bIns="45725" rtlCol="0" anchor="ctr"/>
+          <a:bodyPr vert="horz" lIns="91440" tIns="45720" rIns="91440" bIns="45720" rtlCol="0" anchor="ctr"/>
           <a:lstStyle>
             <a:lvl1pPr algn="l">
-              <a:defRPr sz="4300">
+              <a:defRPr sz="4252">
                 <a:solidFill>
                   <a:schemeClr val="tx1">
                     <a:tint val="75000"/>
@@ -2587,7 +2597,7 @@
           <a:p>
             <a:fld id="{FD4B236B-4127-4146-99ED-6A730B7745F6}" type="datetimeFigureOut">
               <a:rPr lang="en-US" smtClean="0"/>
-              <a:t>11-Jun-19</a:t>
+              <a:t>6/11/2019</a:t>
             </a:fld>
             <a:endParaRPr lang="en-US"/>
           </a:p>
@@ -2595,7 +2605,7 @@
       </p:sp>
       <p:sp>
         <p:nvSpPr>
-          <p:cNvPr id="5" name="Footer Placeholder 4" hidden="1"/>
+          <p:cNvPr id="5" name="Footer Placeholder 4"/>
           <p:cNvSpPr>
             <a:spLocks noGrp="1"/>
           </p:cNvSpPr>
@@ -2605,18 +2615,18 @@
         </p:nvSpPr>
         <p:spPr>
           <a:xfrm>
-            <a:off x="10733842" y="40045014"/>
-            <a:ext cx="10936367" cy="2300288"/>
+            <a:off x="10732264" y="40040601"/>
+            <a:ext cx="10934760" cy="2300034"/>
           </a:xfrm>
           <a:prstGeom prst="rect">
             <a:avLst/>
           </a:prstGeom>
         </p:spPr>
         <p:txBody>
-          <a:bodyPr vert="horz" lIns="91449" tIns="45725" rIns="91449" bIns="45725" rtlCol="0" anchor="ctr"/>
+          <a:bodyPr vert="horz" lIns="91440" tIns="45720" rIns="91440" bIns="45720" rtlCol="0" anchor="ctr"/>
           <a:lstStyle>
             <a:lvl1pPr algn="ctr">
-              <a:defRPr sz="4300">
+              <a:defRPr sz="4252">
                 <a:solidFill>
                   <a:schemeClr val="tx1">
                     <a:tint val="75000"/>
@@ -2642,18 +2652,18 @@
         </p:nvSpPr>
         <p:spPr>
           <a:xfrm>
-            <a:off x="22885360" y="40045014"/>
-            <a:ext cx="7290911" cy="2300288"/>
+            <a:off x="22881997" y="40040601"/>
+            <a:ext cx="7289840" cy="2300034"/>
           </a:xfrm>
           <a:prstGeom prst="rect">
             <a:avLst/>
           </a:prstGeom>
         </p:spPr>
         <p:txBody>
-          <a:bodyPr vert="horz" lIns="91449" tIns="45725" rIns="91449" bIns="45725" rtlCol="0" anchor="ctr"/>
+          <a:bodyPr vert="horz" lIns="91440" tIns="45720" rIns="91440" bIns="45720" rtlCol="0" anchor="ctr"/>
           <a:lstStyle>
             <a:lvl1pPr algn="r">
-              <a:defRPr sz="4300">
+              <a:defRPr sz="4252">
                 <a:solidFill>
                   <a:schemeClr val="tx1">
                     <a:tint val="75000"/>
@@ -2674,27 +2684,27 @@
     </p:spTree>
     <p:extLst>
       <p:ext uri="{BB962C8B-B14F-4D97-AF65-F5344CB8AC3E}">
-        <p14:creationId xmlns:p14="http://schemas.microsoft.com/office/powerpoint/2010/main" val="867111874"/>
+        <p14:creationId xmlns:p14="http://schemas.microsoft.com/office/powerpoint/2010/main" val="2370627621"/>
       </p:ext>
     </p:extLst>
   </p:cSld>
   <p:clrMap bg1="lt1" tx1="dk1" bg2="lt2" tx2="dk2" accent1="accent1" accent2="accent2" accent3="accent3" accent4="accent4" accent5="accent5" accent6="accent6" hlink="hlink" folHlink="folHlink"/>
   <p:sldLayoutIdLst>
-    <p:sldLayoutId id="2147483673" r:id="rId1"/>
-    <p:sldLayoutId id="2147483674" r:id="rId2"/>
-    <p:sldLayoutId id="2147483675" r:id="rId3"/>
-    <p:sldLayoutId id="2147483676" r:id="rId4"/>
-    <p:sldLayoutId id="2147483677" r:id="rId5"/>
-    <p:sldLayoutId id="2147483678" r:id="rId6"/>
-    <p:sldLayoutId id="2147483679" r:id="rId7"/>
-    <p:sldLayoutId id="2147483680" r:id="rId8"/>
-    <p:sldLayoutId id="2147483681" r:id="rId9"/>
-    <p:sldLayoutId id="2147483682" r:id="rId10"/>
-    <p:sldLayoutId id="2147483683" r:id="rId11"/>
+    <p:sldLayoutId id="2147483685" r:id="rId1"/>
+    <p:sldLayoutId id="2147483686" r:id="rId2"/>
+    <p:sldLayoutId id="2147483687" r:id="rId3"/>
+    <p:sldLayoutId id="2147483688" r:id="rId4"/>
+    <p:sldLayoutId id="2147483689" r:id="rId5"/>
+    <p:sldLayoutId id="2147483690" r:id="rId6"/>
+    <p:sldLayoutId id="2147483691" r:id="rId7"/>
+    <p:sldLayoutId id="2147483692" r:id="rId8"/>
+    <p:sldLayoutId id="2147483693" r:id="rId9"/>
+    <p:sldLayoutId id="2147483694" r:id="rId10"/>
+    <p:sldLayoutId id="2147483695" r:id="rId11"/>
   </p:sldLayoutIdLst>
   <p:txStyles>
     <p:titleStyle>
-      <a:lvl1pPr algn="l" defTabSz="3240226" rtl="0" eaLnBrk="1" latinLnBrk="0" hangingPunct="1">
+      <a:lvl1pPr algn="l" defTabSz="3239902" rtl="0" eaLnBrk="1" latinLnBrk="0" hangingPunct="1">
         <a:lnSpc>
           <a:spcPct val="90000"/>
         </a:lnSpc>
@@ -2702,7 +2712,7 @@
           <a:spcPct val="0"/>
         </a:spcBef>
         <a:buNone/>
-        <a:defRPr sz="15600" kern="1200">
+        <a:defRPr sz="15590" kern="1200">
           <a:solidFill>
             <a:schemeClr val="tx1"/>
           </a:solidFill>
@@ -2713,7 +2723,7 @@
       </a:lvl1pPr>
     </p:titleStyle>
     <p:bodyStyle>
-      <a:lvl1pPr marL="810057" indent="-810057" algn="l" defTabSz="3240226" rtl="0" eaLnBrk="1" latinLnBrk="0" hangingPunct="1">
+      <a:lvl1pPr marL="809976" indent="-809976" algn="l" defTabSz="3239902" rtl="0" eaLnBrk="1" latinLnBrk="0" hangingPunct="1">
         <a:lnSpc>
           <a:spcPct val="90000"/>
         </a:lnSpc>
@@ -2722,7 +2732,7 @@
         </a:spcBef>
         <a:buFont typeface="Arial" panose="020B0604020202020204" pitchFamily="34" charset="0"/>
         <a:buChar char="•"/>
-        <a:defRPr sz="9900" kern="1200">
+        <a:defRPr sz="9921" kern="1200">
           <a:solidFill>
             <a:schemeClr val="tx1"/>
           </a:solidFill>
@@ -2731,7 +2741,7 @@
           <a:cs typeface="+mn-cs"/>
         </a:defRPr>
       </a:lvl1pPr>
-      <a:lvl2pPr marL="2430170" indent="-810057" algn="l" defTabSz="3240226" rtl="0" eaLnBrk="1" latinLnBrk="0" hangingPunct="1">
+      <a:lvl2pPr marL="2429927" indent="-809976" algn="l" defTabSz="3239902" rtl="0" eaLnBrk="1" latinLnBrk="0" hangingPunct="1">
         <a:lnSpc>
           <a:spcPct val="90000"/>
         </a:lnSpc>
@@ -2740,7 +2750,7 @@
         </a:spcBef>
         <a:buFont typeface="Arial" panose="020B0604020202020204" pitchFamily="34" charset="0"/>
         <a:buChar char="•"/>
-        <a:defRPr sz="8500" kern="1200">
+        <a:defRPr sz="8504" kern="1200">
           <a:solidFill>
             <a:schemeClr val="tx1"/>
           </a:solidFill>
@@ -2749,7 +2759,7 @@
           <a:cs typeface="+mn-cs"/>
         </a:defRPr>
       </a:lvl2pPr>
-      <a:lvl3pPr marL="4050283" indent="-810057" algn="l" defTabSz="3240226" rtl="0" eaLnBrk="1" latinLnBrk="0" hangingPunct="1">
+      <a:lvl3pPr marL="4049878" indent="-809976" algn="l" defTabSz="3239902" rtl="0" eaLnBrk="1" latinLnBrk="0" hangingPunct="1">
         <a:lnSpc>
           <a:spcPct val="90000"/>
         </a:lnSpc>
@@ -2758,7 +2768,7 @@
         </a:spcBef>
         <a:buFont typeface="Arial" panose="020B0604020202020204" pitchFamily="34" charset="0"/>
         <a:buChar char="•"/>
-        <a:defRPr sz="7100" kern="1200">
+        <a:defRPr sz="7086" kern="1200">
           <a:solidFill>
             <a:schemeClr val="tx1"/>
           </a:solidFill>
@@ -2767,7 +2777,7 @@
           <a:cs typeface="+mn-cs"/>
         </a:defRPr>
       </a:lvl3pPr>
-      <a:lvl4pPr marL="5670396" indent="-810057" algn="l" defTabSz="3240226" rtl="0" eaLnBrk="1" latinLnBrk="0" hangingPunct="1">
+      <a:lvl4pPr marL="5669829" indent="-809976" algn="l" defTabSz="3239902" rtl="0" eaLnBrk="1" latinLnBrk="0" hangingPunct="1">
         <a:lnSpc>
           <a:spcPct val="90000"/>
         </a:lnSpc>
@@ -2776,7 +2786,7 @@
         </a:spcBef>
         <a:buFont typeface="Arial" panose="020B0604020202020204" pitchFamily="34" charset="0"/>
         <a:buChar char="•"/>
-        <a:defRPr sz="6400" kern="1200">
+        <a:defRPr sz="6378" kern="1200">
           <a:solidFill>
             <a:schemeClr val="tx1"/>
           </a:solidFill>
@@ -2785,7 +2795,7 @@
           <a:cs typeface="+mn-cs"/>
         </a:defRPr>
       </a:lvl4pPr>
-      <a:lvl5pPr marL="7290509" indent="-810057" algn="l" defTabSz="3240226" rtl="0" eaLnBrk="1" latinLnBrk="0" hangingPunct="1">
+      <a:lvl5pPr marL="7289780" indent="-809976" algn="l" defTabSz="3239902" rtl="0" eaLnBrk="1" latinLnBrk="0" hangingPunct="1">
         <a:lnSpc>
           <a:spcPct val="90000"/>
         </a:lnSpc>
@@ -2794,7 +2804,7 @@
         </a:spcBef>
         <a:buFont typeface="Arial" panose="020B0604020202020204" pitchFamily="34" charset="0"/>
         <a:buChar char="•"/>
-        <a:defRPr sz="6400" kern="1200">
+        <a:defRPr sz="6378" kern="1200">
           <a:solidFill>
             <a:schemeClr val="tx1"/>
           </a:solidFill>
@@ -2803,7 +2813,7 @@
           <a:cs typeface="+mn-cs"/>
         </a:defRPr>
       </a:lvl5pPr>
-      <a:lvl6pPr marL="8910622" indent="-810057" algn="l" defTabSz="3240226" rtl="0" eaLnBrk="1" latinLnBrk="0" hangingPunct="1">
+      <a:lvl6pPr marL="8909731" indent="-809976" algn="l" defTabSz="3239902" rtl="0" eaLnBrk="1" latinLnBrk="0" hangingPunct="1">
         <a:lnSpc>
           <a:spcPct val="90000"/>
         </a:lnSpc>
@@ -2812,7 +2822,7 @@
         </a:spcBef>
         <a:buFont typeface="Arial" panose="020B0604020202020204" pitchFamily="34" charset="0"/>
         <a:buChar char="•"/>
-        <a:defRPr sz="6400" kern="1200">
+        <a:defRPr sz="6378" kern="1200">
           <a:solidFill>
             <a:schemeClr val="tx1"/>
           </a:solidFill>
@@ -2821,7 +2831,7 @@
           <a:cs typeface="+mn-cs"/>
         </a:defRPr>
       </a:lvl6pPr>
-      <a:lvl7pPr marL="10530735" indent="-810057" algn="l" defTabSz="3240226" rtl="0" eaLnBrk="1" latinLnBrk="0" hangingPunct="1">
+      <a:lvl7pPr marL="10529682" indent="-809976" algn="l" defTabSz="3239902" rtl="0" eaLnBrk="1" latinLnBrk="0" hangingPunct="1">
         <a:lnSpc>
           <a:spcPct val="90000"/>
         </a:lnSpc>
@@ -2830,7 +2840,7 @@
         </a:spcBef>
         <a:buFont typeface="Arial" panose="020B0604020202020204" pitchFamily="34" charset="0"/>
         <a:buChar char="•"/>
-        <a:defRPr sz="6400" kern="1200">
+        <a:defRPr sz="6378" kern="1200">
           <a:solidFill>
             <a:schemeClr val="tx1"/>
           </a:solidFill>
@@ -2839,7 +2849,7 @@
           <a:cs typeface="+mn-cs"/>
         </a:defRPr>
       </a:lvl7pPr>
-      <a:lvl8pPr marL="12150848" indent="-810057" algn="l" defTabSz="3240226" rtl="0" eaLnBrk="1" latinLnBrk="0" hangingPunct="1">
+      <a:lvl8pPr marL="12149633" indent="-809976" algn="l" defTabSz="3239902" rtl="0" eaLnBrk="1" latinLnBrk="0" hangingPunct="1">
         <a:lnSpc>
           <a:spcPct val="90000"/>
         </a:lnSpc>
@@ -2848,7 +2858,7 @@
         </a:spcBef>
         <a:buFont typeface="Arial" panose="020B0604020202020204" pitchFamily="34" charset="0"/>
         <a:buChar char="•"/>
-        <a:defRPr sz="6400" kern="1200">
+        <a:defRPr sz="6378" kern="1200">
           <a:solidFill>
             <a:schemeClr val="tx1"/>
           </a:solidFill>
@@ -2857,7 +2867,7 @@
           <a:cs typeface="+mn-cs"/>
         </a:defRPr>
       </a:lvl8pPr>
-      <a:lvl9pPr marL="13770961" indent="-810057" algn="l" defTabSz="3240226" rtl="0" eaLnBrk="1" latinLnBrk="0" hangingPunct="1">
+      <a:lvl9pPr marL="13769584" indent="-809976" algn="l" defTabSz="3239902" rtl="0" eaLnBrk="1" latinLnBrk="0" hangingPunct="1">
         <a:lnSpc>
           <a:spcPct val="90000"/>
         </a:lnSpc>
@@ -2866,7 +2876,7 @@
         </a:spcBef>
         <a:buFont typeface="Arial" panose="020B0604020202020204" pitchFamily="34" charset="0"/>
         <a:buChar char="•"/>
-        <a:defRPr sz="6400" kern="1200">
+        <a:defRPr sz="6378" kern="1200">
           <a:solidFill>
             <a:schemeClr val="tx1"/>
           </a:solidFill>
@@ -2880,8 +2890,8 @@
       <a:defPPr>
         <a:defRPr lang="en-US"/>
       </a:defPPr>
-      <a:lvl1pPr marL="0" algn="l" defTabSz="3240226" rtl="0" eaLnBrk="1" latinLnBrk="0" hangingPunct="1">
-        <a:defRPr sz="6400" kern="1200">
+      <a:lvl1pPr marL="0" algn="l" defTabSz="3239902" rtl="0" eaLnBrk="1" latinLnBrk="0" hangingPunct="1">
+        <a:defRPr sz="6378" kern="1200">
           <a:solidFill>
             <a:schemeClr val="tx1"/>
           </a:solidFill>
@@ -2890,8 +2900,8 @@
           <a:cs typeface="+mn-cs"/>
         </a:defRPr>
       </a:lvl1pPr>
-      <a:lvl2pPr marL="1620113" algn="l" defTabSz="3240226" rtl="0" eaLnBrk="1" latinLnBrk="0" hangingPunct="1">
-        <a:defRPr sz="6400" kern="1200">
+      <a:lvl2pPr marL="1619951" algn="l" defTabSz="3239902" rtl="0" eaLnBrk="1" latinLnBrk="0" hangingPunct="1">
+        <a:defRPr sz="6378" kern="1200">
           <a:solidFill>
             <a:schemeClr val="tx1"/>
           </a:solidFill>
@@ -2900,8 +2910,8 @@
           <a:cs typeface="+mn-cs"/>
         </a:defRPr>
       </a:lvl2pPr>
-      <a:lvl3pPr marL="3240226" algn="l" defTabSz="3240226" rtl="0" eaLnBrk="1" latinLnBrk="0" hangingPunct="1">
-        <a:defRPr sz="6400" kern="1200">
+      <a:lvl3pPr marL="3239902" algn="l" defTabSz="3239902" rtl="0" eaLnBrk="1" latinLnBrk="0" hangingPunct="1">
+        <a:defRPr sz="6378" kern="1200">
           <a:solidFill>
             <a:schemeClr val="tx1"/>
           </a:solidFill>
@@ -2910,8 +2920,8 @@
           <a:cs typeface="+mn-cs"/>
         </a:defRPr>
       </a:lvl3pPr>
-      <a:lvl4pPr marL="4860339" algn="l" defTabSz="3240226" rtl="0" eaLnBrk="1" latinLnBrk="0" hangingPunct="1">
-        <a:defRPr sz="6400" kern="1200">
+      <a:lvl4pPr marL="4859853" algn="l" defTabSz="3239902" rtl="0" eaLnBrk="1" latinLnBrk="0" hangingPunct="1">
+        <a:defRPr sz="6378" kern="1200">
           <a:solidFill>
             <a:schemeClr val="tx1"/>
           </a:solidFill>
@@ -2920,8 +2930,8 @@
           <a:cs typeface="+mn-cs"/>
         </a:defRPr>
       </a:lvl4pPr>
-      <a:lvl5pPr marL="6480452" algn="l" defTabSz="3240226" rtl="0" eaLnBrk="1" latinLnBrk="0" hangingPunct="1">
-        <a:defRPr sz="6400" kern="1200">
+      <a:lvl5pPr marL="6479804" algn="l" defTabSz="3239902" rtl="0" eaLnBrk="1" latinLnBrk="0" hangingPunct="1">
+        <a:defRPr sz="6378" kern="1200">
           <a:solidFill>
             <a:schemeClr val="tx1"/>
           </a:solidFill>
@@ -2930,8 +2940,8 @@
           <a:cs typeface="+mn-cs"/>
         </a:defRPr>
       </a:lvl5pPr>
-      <a:lvl6pPr marL="8100565" algn="l" defTabSz="3240226" rtl="0" eaLnBrk="1" latinLnBrk="0" hangingPunct="1">
-        <a:defRPr sz="6400" kern="1200">
+      <a:lvl6pPr marL="8099755" algn="l" defTabSz="3239902" rtl="0" eaLnBrk="1" latinLnBrk="0" hangingPunct="1">
+        <a:defRPr sz="6378" kern="1200">
           <a:solidFill>
             <a:schemeClr val="tx1"/>
           </a:solidFill>
@@ -2940,8 +2950,8 @@
           <a:cs typeface="+mn-cs"/>
         </a:defRPr>
       </a:lvl6pPr>
-      <a:lvl7pPr marL="9720678" algn="l" defTabSz="3240226" rtl="0" eaLnBrk="1" latinLnBrk="0" hangingPunct="1">
-        <a:defRPr sz="6400" kern="1200">
+      <a:lvl7pPr marL="9719706" algn="l" defTabSz="3239902" rtl="0" eaLnBrk="1" latinLnBrk="0" hangingPunct="1">
+        <a:defRPr sz="6378" kern="1200">
           <a:solidFill>
             <a:schemeClr val="tx1"/>
           </a:solidFill>
@@ -2950,8 +2960,8 @@
           <a:cs typeface="+mn-cs"/>
         </a:defRPr>
       </a:lvl7pPr>
-      <a:lvl8pPr marL="11340791" algn="l" defTabSz="3240226" rtl="0" eaLnBrk="1" latinLnBrk="0" hangingPunct="1">
-        <a:defRPr sz="6400" kern="1200">
+      <a:lvl8pPr marL="11339657" algn="l" defTabSz="3239902" rtl="0" eaLnBrk="1" latinLnBrk="0" hangingPunct="1">
+        <a:defRPr sz="6378" kern="1200">
           <a:solidFill>
             <a:schemeClr val="tx1"/>
           </a:solidFill>
@@ -2960,8 +2970,8 @@
           <a:cs typeface="+mn-cs"/>
         </a:defRPr>
       </a:lvl8pPr>
-      <a:lvl9pPr marL="12960904" algn="l" defTabSz="3240226" rtl="0" eaLnBrk="1" latinLnBrk="0" hangingPunct="1">
-        <a:defRPr sz="6400" kern="1200">
+      <a:lvl9pPr marL="12959608" algn="l" defTabSz="3239902" rtl="0" eaLnBrk="1" latinLnBrk="0" hangingPunct="1">
+        <a:defRPr sz="6378" kern="1200">
           <a:solidFill>
             <a:schemeClr val="tx1"/>
           </a:solidFill>
@@ -3033,7 +3043,7 @@
           <p:cNvPr id="5" name="TextBox 4">
             <a:extLst>
               <a:ext uri="{FF2B5EF4-FFF2-40B4-BE49-F238E27FC236}">
-                <a16:creationId xmlns="" xmlns:a16="http://schemas.microsoft.com/office/drawing/2014/main" id="{21C35AA9-4CC2-4426-A6E4-1B8D70582002}"/>
+                <a16:creationId xmlns:a16="http://schemas.microsoft.com/office/drawing/2014/main" id="{21C35AA9-4CC2-4426-A6E4-1B8D70582002}"/>
               </a:ext>
             </a:extLst>
           </p:cNvPr>
@@ -3042,7 +3052,7 @@
         </p:nvSpPr>
         <p:spPr>
           <a:xfrm>
-            <a:off x="19668840" y="30513931"/>
+            <a:off x="19666459" y="30511550"/>
             <a:ext cx="9722858" cy="631022"/>
           </a:xfrm>
           <a:prstGeom prst="rect">
@@ -3085,7 +3095,7 @@
           <p:cNvPr id="15" name="Group 14">
             <a:extLst>
               <a:ext uri="{FF2B5EF4-FFF2-40B4-BE49-F238E27FC236}">
-                <a16:creationId xmlns="" xmlns:a16="http://schemas.microsoft.com/office/drawing/2014/main" id="{86DF5ED0-1140-4DE6-9986-617C295E9972}"/>
+                <a16:creationId xmlns:a16="http://schemas.microsoft.com/office/drawing/2014/main" id="{86DF5ED0-1140-4DE6-9986-617C295E9972}"/>
               </a:ext>
             </a:extLst>
           </p:cNvPr>
@@ -3094,7 +3104,7 @@
         </p:nvGrpSpPr>
         <p:grpSpPr>
           <a:xfrm>
-            <a:off x="10801589" y="6277003"/>
+            <a:off x="10799209" y="6274622"/>
             <a:ext cx="10801589" cy="2155678"/>
             <a:chOff x="5565" y="1"/>
             <a:chExt cx="2936192" cy="607873"/>
@@ -3105,7 +3115,7 @@
             <p:cNvPr id="16" name="תיבת טקסט 18">
               <a:extLst>
                 <a:ext uri="{FF2B5EF4-FFF2-40B4-BE49-F238E27FC236}">
-                  <a16:creationId xmlns="" xmlns:a16="http://schemas.microsoft.com/office/drawing/2014/main" id="{7231FC04-FE29-41A3-A56A-F24A16325C5E}"/>
+                  <a16:creationId xmlns:a16="http://schemas.microsoft.com/office/drawing/2014/main" id="{7231FC04-FE29-41A3-A56A-F24A16325C5E}"/>
                 </a:ext>
               </a:extLst>
             </p:cNvPr>
@@ -3149,7 +3159,7 @@
             <p:cNvPr id="17" name="Text Box 24">
               <a:extLst>
                 <a:ext uri="{FF2B5EF4-FFF2-40B4-BE49-F238E27FC236}">
-                  <a16:creationId xmlns="" xmlns:a16="http://schemas.microsoft.com/office/drawing/2014/main" id="{BBDFD652-0BF1-49B2-8BA9-681958173701}"/>
+                  <a16:creationId xmlns:a16="http://schemas.microsoft.com/office/drawing/2014/main" id="{BBDFD652-0BF1-49B2-8BA9-681958173701}"/>
                 </a:ext>
               </a:extLst>
             </p:cNvPr>
@@ -3207,7 +3217,7 @@
           <p:cNvPr id="21" name="names">
             <a:extLst>
               <a:ext uri="{FF2B5EF4-FFF2-40B4-BE49-F238E27FC236}">
-                <a16:creationId xmlns="" xmlns:a16="http://schemas.microsoft.com/office/drawing/2014/main" id="{50263BFB-E418-4A74-AECE-CAD600D1406C}"/>
+                <a16:creationId xmlns:a16="http://schemas.microsoft.com/office/drawing/2014/main" id="{50263BFB-E418-4A74-AECE-CAD600D1406C}"/>
               </a:ext>
             </a:extLst>
           </p:cNvPr>
@@ -3218,7 +3228,7 @@
         </p:nvSpPr>
         <p:spPr bwMode="auto">
           <a:xfrm>
-            <a:off x="11422989" y="3218161"/>
+            <a:off x="11420608" y="3215781"/>
             <a:ext cx="9519430" cy="2401187"/>
           </a:xfrm>
           <a:prstGeom prst="rect">
@@ -3349,7 +3359,7 @@
           <p:cNvPr id="22" name="Title">
             <a:extLst>
               <a:ext uri="{FF2B5EF4-FFF2-40B4-BE49-F238E27FC236}">
-                <a16:creationId xmlns="" xmlns:a16="http://schemas.microsoft.com/office/drawing/2014/main" id="{815970DA-DF7D-459C-9C4D-F65236746442}"/>
+                <a16:creationId xmlns:a16="http://schemas.microsoft.com/office/drawing/2014/main" id="{815970DA-DF7D-459C-9C4D-F65236746442}"/>
               </a:ext>
             </a:extLst>
           </p:cNvPr>
@@ -3358,7 +3368,7 @@
         </p:nvSpPr>
         <p:spPr>
           <a:xfrm>
-            <a:off x="11728070" y="1880762"/>
+            <a:off x="11725689" y="1878382"/>
             <a:ext cx="8909268" cy="1647995"/>
           </a:xfrm>
           <a:prstGeom prst="rect">
@@ -3422,7 +3432,7 @@
           <p:cNvPr id="23" name="Picture 22" descr="A close up of a logo&#10;&#10;Description automatically generated">
             <a:extLst>
               <a:ext uri="{FF2B5EF4-FFF2-40B4-BE49-F238E27FC236}">
-                <a16:creationId xmlns="" xmlns:a16="http://schemas.microsoft.com/office/drawing/2014/main" id="{1B0E9798-6ED7-438D-99F7-E4A7EAF64FE6}"/>
+                <a16:creationId xmlns:a16="http://schemas.microsoft.com/office/drawing/2014/main" id="{1B0E9798-6ED7-438D-99F7-E4A7EAF64FE6}"/>
               </a:ext>
             </a:extLst>
           </p:cNvPr>
@@ -3445,7 +3455,7 @@
         </p:blipFill>
         <p:spPr>
           <a:xfrm>
-            <a:off x="1491353" y="4818954"/>
+            <a:off x="1488972" y="4816573"/>
             <a:ext cx="9171770" cy="4197800"/>
           </a:xfrm>
           <a:prstGeom prst="rect">
@@ -3458,7 +3468,7 @@
           <p:cNvPr id="24" name="Group 23">
             <a:extLst>
               <a:ext uri="{FF2B5EF4-FFF2-40B4-BE49-F238E27FC236}">
-                <a16:creationId xmlns="" xmlns:a16="http://schemas.microsoft.com/office/drawing/2014/main" id="{53C697AF-52E9-4D36-A2E7-D8ED4F552308}"/>
+                <a16:creationId xmlns:a16="http://schemas.microsoft.com/office/drawing/2014/main" id="{53C697AF-52E9-4D36-A2E7-D8ED4F552308}"/>
               </a:ext>
             </a:extLst>
           </p:cNvPr>
@@ -3467,10 +3477,10 @@
         </p:nvGrpSpPr>
         <p:grpSpPr>
           <a:xfrm>
-            <a:off x="720105" y="18902049"/>
-            <a:ext cx="14402118" cy="1921777"/>
-            <a:chOff x="488" y="1"/>
-            <a:chExt cx="3090728" cy="541916"/>
+            <a:off x="1436402" y="18777749"/>
+            <a:ext cx="13683598" cy="2616877"/>
+            <a:chOff x="154718" y="1"/>
+            <a:chExt cx="2936532" cy="737925"/>
           </a:xfrm>
         </p:grpSpPr>
         <p:sp>
@@ -3478,7 +3488,7 @@
             <p:cNvPr id="25" name="תיבת טקסט 18">
               <a:extLst>
                 <a:ext uri="{FF2B5EF4-FFF2-40B4-BE49-F238E27FC236}">
-                  <a16:creationId xmlns="" xmlns:a16="http://schemas.microsoft.com/office/drawing/2014/main" id="{6C754D3D-FCC2-4053-9892-AAF25C0F628F}"/>
+                  <a16:creationId xmlns:a16="http://schemas.microsoft.com/office/drawing/2014/main" id="{6C754D3D-FCC2-4053-9892-AAF25C0F628F}"/>
                 </a:ext>
               </a:extLst>
             </p:cNvPr>
@@ -3487,8 +3497,8 @@
           </p:nvSpPr>
           <p:spPr>
             <a:xfrm>
-              <a:off x="488" y="242463"/>
-              <a:ext cx="3090728" cy="299454"/>
+              <a:off x="154718" y="242463"/>
+              <a:ext cx="2936532" cy="495463"/>
             </a:xfrm>
             <a:prstGeom prst="rect">
               <a:avLst/>
@@ -3540,6 +3550,16 @@
                 <a:t>Using well-known neural nets</a:t>
               </a:r>
             </a:p>
+            <a:p>
+              <a:pPr marL="571500" indent="-571500">
+                <a:buFont typeface="Arial" pitchFamily="34" charset="0"/>
+                <a:buChar char="•"/>
+              </a:pPr>
+              <a:r>
+                <a:rPr lang="en-US" sz="3700" dirty="0"/>
+                <a:t>Training ‘unsecured’ models</a:t>
+              </a:r>
+            </a:p>
           </p:txBody>
         </p:sp>
         <p:sp>
@@ -3547,7 +3567,7 @@
             <p:cNvPr id="26" name="Text Box 24">
               <a:extLst>
                 <a:ext uri="{FF2B5EF4-FFF2-40B4-BE49-F238E27FC236}">
-                  <a16:creationId xmlns="" xmlns:a16="http://schemas.microsoft.com/office/drawing/2014/main" id="{5784222E-502A-4E2C-92F0-7F73523B69C2}"/>
+                  <a16:creationId xmlns:a16="http://schemas.microsoft.com/office/drawing/2014/main" id="{5784222E-502A-4E2C-92F0-7F73523B69C2}"/>
                 </a:ext>
               </a:extLst>
             </p:cNvPr>
@@ -3556,8 +3576,8 @@
           </p:nvSpPr>
           <p:spPr>
             <a:xfrm>
-              <a:off x="488" y="1"/>
-              <a:ext cx="3090728" cy="237739"/>
+              <a:off x="154718" y="1"/>
+              <a:ext cx="2936532" cy="237739"/>
             </a:xfrm>
             <a:prstGeom prst="rect">
               <a:avLst/>
@@ -3605,7 +3625,7 @@
           <p:cNvPr id="27" name="Group 26">
             <a:extLst>
               <a:ext uri="{FF2B5EF4-FFF2-40B4-BE49-F238E27FC236}">
-                <a16:creationId xmlns="" xmlns:a16="http://schemas.microsoft.com/office/drawing/2014/main" id="{BE2EB11C-DC87-4601-B21E-EF3216172AD9}"/>
+                <a16:creationId xmlns:a16="http://schemas.microsoft.com/office/drawing/2014/main" id="{BE2EB11C-DC87-4601-B21E-EF3216172AD9}"/>
               </a:ext>
             </a:extLst>
           </p:cNvPr>
@@ -3614,7 +3634,7 @@
         </p:nvGrpSpPr>
         <p:grpSpPr>
           <a:xfrm>
-            <a:off x="17282541" y="18157575"/>
+            <a:off x="17280160" y="18155194"/>
             <a:ext cx="14402118" cy="1964602"/>
             <a:chOff x="-154593" y="1"/>
             <a:chExt cx="3090728" cy="553992"/>
@@ -3625,7 +3645,7 @@
             <p:cNvPr id="28" name="תיבת טקסט 18">
               <a:extLst>
                 <a:ext uri="{FF2B5EF4-FFF2-40B4-BE49-F238E27FC236}">
-                  <a16:creationId xmlns="" xmlns:a16="http://schemas.microsoft.com/office/drawing/2014/main" id="{533A65D4-67FB-4E41-9421-FD9DB044B4D3}"/>
+                  <a16:creationId xmlns:a16="http://schemas.microsoft.com/office/drawing/2014/main" id="{533A65D4-67FB-4E41-9421-FD9DB044B4D3}"/>
                 </a:ext>
               </a:extLst>
             </p:cNvPr>
@@ -3669,7 +3689,7 @@
             <p:cNvPr id="29" name="Text Box 24">
               <a:extLst>
                 <a:ext uri="{FF2B5EF4-FFF2-40B4-BE49-F238E27FC236}">
-                  <a16:creationId xmlns="" xmlns:a16="http://schemas.microsoft.com/office/drawing/2014/main" id="{2A78BB05-F2A3-49E9-8FBE-55ACFE4F4914}"/>
+                  <a16:creationId xmlns:a16="http://schemas.microsoft.com/office/drawing/2014/main" id="{2A78BB05-F2A3-49E9-8FBE-55ACFE4F4914}"/>
                 </a:ext>
               </a:extLst>
             </p:cNvPr>
@@ -3727,7 +3747,7 @@
           <p:cNvPr id="31" name="Picture 30">
             <a:extLst>
               <a:ext uri="{FF2B5EF4-FFF2-40B4-BE49-F238E27FC236}">
-                <a16:creationId xmlns="" xmlns:a16="http://schemas.microsoft.com/office/drawing/2014/main" id="{B3F83FF5-25B8-41FA-9C74-5B360C983A7E}"/>
+                <a16:creationId xmlns:a16="http://schemas.microsoft.com/office/drawing/2014/main" id="{B3F83FF5-25B8-41FA-9C74-5B360C983A7E}"/>
               </a:ext>
             </a:extLst>
           </p:cNvPr>
@@ -3749,7 +3769,7 @@
         </p:blipFill>
         <p:spPr>
           <a:xfrm>
-            <a:off x="9852396" y="41671915"/>
+            <a:off x="9850016" y="41669535"/>
             <a:ext cx="3269455" cy="1437929"/>
           </a:xfrm>
           <a:prstGeom prst="rect">
@@ -3762,7 +3782,7 @@
           <p:cNvPr id="32" name="Picture 31">
             <a:extLst>
               <a:ext uri="{FF2B5EF4-FFF2-40B4-BE49-F238E27FC236}">
-                <a16:creationId xmlns="" xmlns:a16="http://schemas.microsoft.com/office/drawing/2014/main" id="{AF35BE45-91AC-4A08-8BFB-02C0C1E2C7A6}"/>
+                <a16:creationId xmlns:a16="http://schemas.microsoft.com/office/drawing/2014/main" id="{AF35BE45-91AC-4A08-8BFB-02C0C1E2C7A6}"/>
               </a:ext>
             </a:extLst>
           </p:cNvPr>
@@ -3785,7 +3805,7 @@
         </p:blipFill>
         <p:spPr>
           <a:xfrm>
-            <a:off x="6297493" y="41956578"/>
+            <a:off x="6295113" y="41954197"/>
             <a:ext cx="3484195" cy="1010378"/>
           </a:xfrm>
           <a:prstGeom prst="rect">
@@ -3798,7 +3818,7 @@
           <p:cNvPr id="33" name="Picture 32">
             <a:extLst>
               <a:ext uri="{FF2B5EF4-FFF2-40B4-BE49-F238E27FC236}">
-                <a16:creationId xmlns="" xmlns:a16="http://schemas.microsoft.com/office/drawing/2014/main" id="{57D61071-AC5B-42B2-9AC8-47E326D48F9D}"/>
+                <a16:creationId xmlns:a16="http://schemas.microsoft.com/office/drawing/2014/main" id="{57D61071-AC5B-42B2-9AC8-47E326D48F9D}"/>
               </a:ext>
             </a:extLst>
           </p:cNvPr>
@@ -3821,7 +3841,7 @@
         </p:blipFill>
         <p:spPr>
           <a:xfrm>
-            <a:off x="237660" y="42035519"/>
+            <a:off x="235279" y="42033139"/>
             <a:ext cx="3456670" cy="827827"/>
           </a:xfrm>
           <a:prstGeom prst="rect">
@@ -3834,7 +3854,7 @@
           <p:cNvPr id="34" name="Picture 33">
             <a:extLst>
               <a:ext uri="{FF2B5EF4-FFF2-40B4-BE49-F238E27FC236}">
-                <a16:creationId xmlns="" xmlns:a16="http://schemas.microsoft.com/office/drawing/2014/main" id="{96007492-C48A-41CF-AD99-39166572FA35}"/>
+                <a16:creationId xmlns:a16="http://schemas.microsoft.com/office/drawing/2014/main" id="{96007492-C48A-41CF-AD99-39166572FA35}"/>
               </a:ext>
             </a:extLst>
           </p:cNvPr>
@@ -3856,7 +3876,7 @@
         </p:blipFill>
         <p:spPr>
           <a:xfrm>
-            <a:off x="3998436" y="41569270"/>
+            <a:off x="3996056" y="41566889"/>
             <a:ext cx="1889481" cy="1566676"/>
           </a:xfrm>
           <a:prstGeom prst="rect">
@@ -3879,7 +3899,7 @@
           <p:cNvPr id="35" name="TextBox 34">
             <a:extLst>
               <a:ext uri="{FF2B5EF4-FFF2-40B4-BE49-F238E27FC236}">
-                <a16:creationId xmlns="" xmlns:a16="http://schemas.microsoft.com/office/drawing/2014/main" id="{FD1E00FF-0C3B-4DEB-9A22-B15A2A4305D1}"/>
+                <a16:creationId xmlns:a16="http://schemas.microsoft.com/office/drawing/2014/main" id="{FD1E00FF-0C3B-4DEB-9A22-B15A2A4305D1}"/>
               </a:ext>
             </a:extLst>
           </p:cNvPr>
@@ -3888,7 +3908,7 @@
         </p:nvSpPr>
         <p:spPr>
           <a:xfrm>
-            <a:off x="30133957" y="-2381"/>
+            <a:off x="30131576" y="-4762"/>
             <a:ext cx="2272474" cy="554120"/>
           </a:xfrm>
           <a:prstGeom prst="rect">
@@ -3924,7 +3944,7 @@
           <p:cNvPr id="36" name="Group 35">
             <a:extLst>
               <a:ext uri="{FF2B5EF4-FFF2-40B4-BE49-F238E27FC236}">
-                <a16:creationId xmlns="" xmlns:a16="http://schemas.microsoft.com/office/drawing/2014/main" id="{FA965725-A401-41A8-8CF1-A77E14832757}"/>
+                <a16:creationId xmlns:a16="http://schemas.microsoft.com/office/drawing/2014/main" id="{FA965725-A401-41A8-8CF1-A77E14832757}"/>
               </a:ext>
             </a:extLst>
           </p:cNvPr>
@@ -3933,7 +3953,7 @@
         </p:nvGrpSpPr>
         <p:grpSpPr>
           <a:xfrm>
-            <a:off x="720107" y="9313330"/>
+            <a:off x="717727" y="9310950"/>
             <a:ext cx="14402117" cy="4706895"/>
             <a:chOff x="488" y="1"/>
             <a:chExt cx="3090728" cy="1327283"/>
@@ -3944,7 +3964,7 @@
             <p:cNvPr id="37" name="תיבת טקסט 18">
               <a:extLst>
                 <a:ext uri="{FF2B5EF4-FFF2-40B4-BE49-F238E27FC236}">
-                  <a16:creationId xmlns="" xmlns:a16="http://schemas.microsoft.com/office/drawing/2014/main" id="{DFA3AD4F-9BEE-44BC-8F51-FA5B66553EE6}"/>
+                  <a16:creationId xmlns:a16="http://schemas.microsoft.com/office/drawing/2014/main" id="{DFA3AD4F-9BEE-44BC-8F51-FA5B66553EE6}"/>
                 </a:ext>
               </a:extLst>
             </p:cNvPr>
@@ -4024,7 +4044,7 @@
             <p:cNvPr id="38" name="Text Box 24">
               <a:extLst>
                 <a:ext uri="{FF2B5EF4-FFF2-40B4-BE49-F238E27FC236}">
-                  <a16:creationId xmlns="" xmlns:a16="http://schemas.microsoft.com/office/drawing/2014/main" id="{A9FDB1ED-C4C0-480D-80A6-DF5E91D7F8BC}"/>
+                  <a16:creationId xmlns:a16="http://schemas.microsoft.com/office/drawing/2014/main" id="{A9FDB1ED-C4C0-480D-80A6-DF5E91D7F8BC}"/>
                 </a:ext>
               </a:extLst>
             </p:cNvPr>
@@ -4082,7 +4102,7 @@
           <p:cNvPr id="39" name="Group 38">
             <a:extLst>
               <a:ext uri="{FF2B5EF4-FFF2-40B4-BE49-F238E27FC236}">
-                <a16:creationId xmlns="" xmlns:a16="http://schemas.microsoft.com/office/drawing/2014/main" id="{AB331618-4256-41BA-8FDD-536DA6766F66}"/>
+                <a16:creationId xmlns:a16="http://schemas.microsoft.com/office/drawing/2014/main" id="{AB331618-4256-41BA-8FDD-536DA6766F66}"/>
               </a:ext>
             </a:extLst>
           </p:cNvPr>
@@ -4093,7 +4113,7 @@
         </p:nvGrpSpPr>
         <p:grpSpPr>
           <a:xfrm>
-            <a:off x="447081" y="32507991"/>
+            <a:off x="444701" y="32505610"/>
             <a:ext cx="14504443" cy="5705060"/>
             <a:chOff x="9279172" y="23749276"/>
             <a:chExt cx="13551736" cy="5330722"/>
@@ -4104,7 +4124,7 @@
             <p:cNvPr id="40" name="Group 39">
               <a:extLst>
                 <a:ext uri="{FF2B5EF4-FFF2-40B4-BE49-F238E27FC236}">
-                  <a16:creationId xmlns="" xmlns:a16="http://schemas.microsoft.com/office/drawing/2014/main" id="{5B9B95DD-047D-422E-9197-8EB8322A507F}"/>
+                  <a16:creationId xmlns:a16="http://schemas.microsoft.com/office/drawing/2014/main" id="{5B9B95DD-047D-422E-9197-8EB8322A507F}"/>
                 </a:ext>
               </a:extLst>
             </p:cNvPr>
@@ -4124,7 +4144,7 @@
               <p:cNvPr id="42" name="Group 41">
                 <a:extLst>
                   <a:ext uri="{FF2B5EF4-FFF2-40B4-BE49-F238E27FC236}">
-                    <a16:creationId xmlns="" xmlns:a16="http://schemas.microsoft.com/office/drawing/2014/main" id="{0F05674C-EA0D-400B-AF01-2B79607B49E6}"/>
+                    <a16:creationId xmlns:a16="http://schemas.microsoft.com/office/drawing/2014/main" id="{0F05674C-EA0D-400B-AF01-2B79607B49E6}"/>
                   </a:ext>
                 </a:extLst>
               </p:cNvPr>
@@ -4144,7 +4164,7 @@
                 <p:cNvPr id="44" name="Group 43">
                   <a:extLst>
                     <a:ext uri="{FF2B5EF4-FFF2-40B4-BE49-F238E27FC236}">
-                      <a16:creationId xmlns="" xmlns:a16="http://schemas.microsoft.com/office/drawing/2014/main" id="{B60FC61F-D124-4385-9B15-65551D1814D4}"/>
+                      <a16:creationId xmlns:a16="http://schemas.microsoft.com/office/drawing/2014/main" id="{B60FC61F-D124-4385-9B15-65551D1814D4}"/>
                     </a:ext>
                   </a:extLst>
                 </p:cNvPr>
@@ -4164,7 +4184,7 @@
                   <p:cNvPr id="46" name="Group 45">
                     <a:extLst>
                       <a:ext uri="{FF2B5EF4-FFF2-40B4-BE49-F238E27FC236}">
-                        <a16:creationId xmlns="" xmlns:a16="http://schemas.microsoft.com/office/drawing/2014/main" id="{7EE2AEAC-C313-4E78-9FAF-E53B60D27895}"/>
+                        <a16:creationId xmlns:a16="http://schemas.microsoft.com/office/drawing/2014/main" id="{7EE2AEAC-C313-4E78-9FAF-E53B60D27895}"/>
                       </a:ext>
                     </a:extLst>
                   </p:cNvPr>
@@ -4186,7 +4206,7 @@
                     <p:cNvPr id="48" name="Picture 47" descr="A close up of a mans face&#10;&#10;Description automatically generated">
                       <a:extLst>
                         <a:ext uri="{FF2B5EF4-FFF2-40B4-BE49-F238E27FC236}">
-                          <a16:creationId xmlns="" xmlns:a16="http://schemas.microsoft.com/office/drawing/2014/main" id="{2957E089-22FB-4FBD-A6DA-88A57E473D60}"/>
+                          <a16:creationId xmlns:a16="http://schemas.microsoft.com/office/drawing/2014/main" id="{2957E089-22FB-4FBD-A6DA-88A57E473D60}"/>
                         </a:ext>
                       </a:extLst>
                     </p:cNvPr>
@@ -4222,7 +4242,7 @@
                     <p:cNvPr id="49" name="Picture 48" descr="A picture containing crossword puzzle&#10;&#10;Description automatically generated">
                       <a:extLst>
                         <a:ext uri="{FF2B5EF4-FFF2-40B4-BE49-F238E27FC236}">
-                          <a16:creationId xmlns="" xmlns:a16="http://schemas.microsoft.com/office/drawing/2014/main" id="{E1BEC1F8-4C66-44D4-BBC9-5E470E373D7F}"/>
+                          <a16:creationId xmlns:a16="http://schemas.microsoft.com/office/drawing/2014/main" id="{E1BEC1F8-4C66-44D4-BBC9-5E470E373D7F}"/>
                         </a:ext>
                       </a:extLst>
                     </p:cNvPr>
@@ -4258,7 +4278,7 @@
                     <p:cNvPr id="50" name="Picture 49" descr="A close up of a logo&#10;&#10;Description automatically generated">
                       <a:extLst>
                         <a:ext uri="{FF2B5EF4-FFF2-40B4-BE49-F238E27FC236}">
-                          <a16:creationId xmlns="" xmlns:a16="http://schemas.microsoft.com/office/drawing/2014/main" id="{D06E24C7-E118-4768-A7AF-D5733E2080D1}"/>
+                          <a16:creationId xmlns:a16="http://schemas.microsoft.com/office/drawing/2014/main" id="{D06E24C7-E118-4768-A7AF-D5733E2080D1}"/>
                         </a:ext>
                       </a:extLst>
                     </p:cNvPr>
@@ -4295,7 +4315,7 @@
                   <p:cNvPr id="47" name="TextBox 46">
                     <a:extLst>
                       <a:ext uri="{FF2B5EF4-FFF2-40B4-BE49-F238E27FC236}">
-                        <a16:creationId xmlns="" xmlns:a16="http://schemas.microsoft.com/office/drawing/2014/main" id="{C79294A2-E6F5-4FE6-A5C7-31B7AD74C375}"/>
+                        <a16:creationId xmlns:a16="http://schemas.microsoft.com/office/drawing/2014/main" id="{C79294A2-E6F5-4FE6-A5C7-31B7AD74C375}"/>
                       </a:ext>
                     </a:extLst>
                   </p:cNvPr>
@@ -4341,7 +4361,7 @@
                 <p:cNvPr id="45" name="TextBox 44">
                   <a:extLst>
                     <a:ext uri="{FF2B5EF4-FFF2-40B4-BE49-F238E27FC236}">
-                      <a16:creationId xmlns="" xmlns:a16="http://schemas.microsoft.com/office/drawing/2014/main" id="{1B59A4E0-9B34-4F5E-95D6-EC4DB8C829AC}"/>
+                      <a16:creationId xmlns:a16="http://schemas.microsoft.com/office/drawing/2014/main" id="{1B59A4E0-9B34-4F5E-95D6-EC4DB8C829AC}"/>
                     </a:ext>
                   </a:extLst>
                 </p:cNvPr>
@@ -4384,7 +4404,7 @@
               <p:cNvPr id="43" name="TextBox 42">
                 <a:extLst>
                   <a:ext uri="{FF2B5EF4-FFF2-40B4-BE49-F238E27FC236}">
-                    <a16:creationId xmlns="" xmlns:a16="http://schemas.microsoft.com/office/drawing/2014/main" id="{4902E1DB-BD07-4673-82A5-D643E909A61D}"/>
+                    <a16:creationId xmlns:a16="http://schemas.microsoft.com/office/drawing/2014/main" id="{4902E1DB-BD07-4673-82A5-D643E909A61D}"/>
                   </a:ext>
                 </a:extLst>
               </p:cNvPr>
@@ -4427,7 +4447,7 @@
             <p:cNvPr id="41" name="TextBox 40">
               <a:extLst>
                 <a:ext uri="{FF2B5EF4-FFF2-40B4-BE49-F238E27FC236}">
-                  <a16:creationId xmlns="" xmlns:a16="http://schemas.microsoft.com/office/drawing/2014/main" id="{B6393C5B-F0A1-46CD-AD56-C03B7F835399}"/>
+                  <a16:creationId xmlns:a16="http://schemas.microsoft.com/office/drawing/2014/main" id="{B6393C5B-F0A1-46CD-AD56-C03B7F835399}"/>
                 </a:ext>
               </a:extLst>
             </p:cNvPr>
@@ -4470,7 +4490,7 @@
           <p:cNvPr id="51" name="Group 50">
             <a:extLst>
               <a:ext uri="{FF2B5EF4-FFF2-40B4-BE49-F238E27FC236}">
-                <a16:creationId xmlns="" xmlns:a16="http://schemas.microsoft.com/office/drawing/2014/main" id="{A6F5447A-CAD7-4B0C-AAAD-385327A25D87}"/>
+                <a16:creationId xmlns:a16="http://schemas.microsoft.com/office/drawing/2014/main" id="{A6F5447A-CAD7-4B0C-AAAD-385327A25D87}"/>
               </a:ext>
             </a:extLst>
           </p:cNvPr>
@@ -4479,7 +4499,7 @@
         </p:nvGrpSpPr>
         <p:grpSpPr>
           <a:xfrm>
-            <a:off x="17282541" y="31364428"/>
+            <a:off x="17280160" y="31362047"/>
             <a:ext cx="14402118" cy="2075102"/>
             <a:chOff x="-154593" y="1"/>
             <a:chExt cx="3090728" cy="585152"/>
@@ -4490,7 +4510,7 @@
             <p:cNvPr id="52" name="תיבת טקסט 18">
               <a:extLst>
                 <a:ext uri="{FF2B5EF4-FFF2-40B4-BE49-F238E27FC236}">
-                  <a16:creationId xmlns="" xmlns:a16="http://schemas.microsoft.com/office/drawing/2014/main" id="{2B868D60-4E17-4C1B-82F1-887DBBBB59F6}"/>
+                  <a16:creationId xmlns:a16="http://schemas.microsoft.com/office/drawing/2014/main" id="{2B868D60-4E17-4C1B-82F1-887DBBBB59F6}"/>
                 </a:ext>
               </a:extLst>
             </p:cNvPr>
@@ -4533,7 +4553,7 @@
             <p:cNvPr id="53" name="Text Box 24">
               <a:extLst>
                 <a:ext uri="{FF2B5EF4-FFF2-40B4-BE49-F238E27FC236}">
-                  <a16:creationId xmlns="" xmlns:a16="http://schemas.microsoft.com/office/drawing/2014/main" id="{C182ADF9-CED3-4761-B7DC-EEDC3DB3BE98}"/>
+                  <a16:creationId xmlns:a16="http://schemas.microsoft.com/office/drawing/2014/main" id="{C182ADF9-CED3-4761-B7DC-EEDC3DB3BE98}"/>
                 </a:ext>
               </a:extLst>
             </p:cNvPr>
@@ -4591,7 +4611,7 @@
           <p:cNvPr id="54" name="TextBox 53">
             <a:extLst>
               <a:ext uri="{FF2B5EF4-FFF2-40B4-BE49-F238E27FC236}">
-                <a16:creationId xmlns="" xmlns:a16="http://schemas.microsoft.com/office/drawing/2014/main" id="{5A745D60-7A1A-45E0-8C8E-624EF6E2C95C}"/>
+                <a16:creationId xmlns:a16="http://schemas.microsoft.com/office/drawing/2014/main" id="{5A745D60-7A1A-45E0-8C8E-624EF6E2C95C}"/>
               </a:ext>
             </a:extLst>
           </p:cNvPr>
@@ -4600,7 +4620,7 @@
         </p:nvSpPr>
         <p:spPr>
           <a:xfrm>
-            <a:off x="17859445" y="37898281"/>
+            <a:off x="17857065" y="37895900"/>
             <a:ext cx="13248309" cy="631022"/>
           </a:xfrm>
           <a:prstGeom prst="rect">
@@ -4643,7 +4663,7 @@
           <p:cNvPr id="55" name="Picture 54">
             <a:extLst>
               <a:ext uri="{FF2B5EF4-FFF2-40B4-BE49-F238E27FC236}">
-                <a16:creationId xmlns="" xmlns:a16="http://schemas.microsoft.com/office/drawing/2014/main" id="{603A7175-7B04-40A4-994D-D93110F266A4}"/>
+                <a16:creationId xmlns:a16="http://schemas.microsoft.com/office/drawing/2014/main" id="{603A7175-7B04-40A4-994D-D93110F266A4}"/>
               </a:ext>
             </a:extLst>
           </p:cNvPr>
@@ -4667,7 +4687,7 @@
         </p:blipFill>
         <p:spPr>
           <a:xfrm>
-            <a:off x="9877810" y="15212229"/>
+            <a:off x="9875429" y="15209848"/>
             <a:ext cx="12603704" cy="12602778"/>
           </a:xfrm>
           <a:prstGeom prst="ellipse">
@@ -4686,7 +4706,7 @@
           <p:cNvPr id="57" name="Table 56">
             <a:extLst>
               <a:ext uri="{FF2B5EF4-FFF2-40B4-BE49-F238E27FC236}">
-                <a16:creationId xmlns="" xmlns:a16="http://schemas.microsoft.com/office/drawing/2014/main" id="{8B34A129-BE35-458F-B5CF-AF5BE1647015}"/>
+                <a16:creationId xmlns:a16="http://schemas.microsoft.com/office/drawing/2014/main" id="{8B34A129-BE35-458F-B5CF-AF5BE1647015}"/>
               </a:ext>
             </a:extLst>
           </p:cNvPr>
@@ -4702,7 +4722,7 @@
           </p:nvPr>
         </p:nvGraphicFramePr>
         <p:xfrm>
-          <a:off x="21296959" y="33544904"/>
+          <a:off x="21294579" y="33542523"/>
           <a:ext cx="6373281" cy="4325006"/>
         </p:xfrm>
         <a:graphic>
@@ -4715,21 +4735,21 @@
                 <a:gridCol w="2340688">
                   <a:extLst>
                     <a:ext uri="{9D8B030D-6E8A-4147-A177-3AD203B41FA5}">
-                      <a16:colId xmlns="" xmlns:a16="http://schemas.microsoft.com/office/drawing/2014/main" val="2977598269"/>
+                      <a16:colId xmlns:a16="http://schemas.microsoft.com/office/drawing/2014/main" val="2977598269"/>
                     </a:ext>
                   </a:extLst>
                 </a:gridCol>
                 <a:gridCol w="2088307">
                   <a:extLst>
                     <a:ext uri="{9D8B030D-6E8A-4147-A177-3AD203B41FA5}">
-                      <a16:colId xmlns="" xmlns:a16="http://schemas.microsoft.com/office/drawing/2014/main" val="1958273809"/>
+                      <a16:colId xmlns:a16="http://schemas.microsoft.com/office/drawing/2014/main" val="1958273809"/>
                     </a:ext>
                   </a:extLst>
                 </a:gridCol>
                 <a:gridCol w="1944286">
                   <a:extLst>
                     <a:ext uri="{9D8B030D-6E8A-4147-A177-3AD203B41FA5}">
-                      <a16:colId xmlns="" xmlns:a16="http://schemas.microsoft.com/office/drawing/2014/main" val="1797041600"/>
+                      <a16:colId xmlns:a16="http://schemas.microsoft.com/office/drawing/2014/main" val="1797041600"/>
                     </a:ext>
                   </a:extLst>
                 </a:gridCol>
@@ -4932,7 +4952,7 @@
                 </a:tc>
                 <a:extLst>
                   <a:ext uri="{0D108BD9-81ED-4DB2-BD59-A6C34878D82A}">
-                    <a16:rowId xmlns="" xmlns:a16="http://schemas.microsoft.com/office/drawing/2014/main" val="662979093"/>
+                    <a16:rowId xmlns:a16="http://schemas.microsoft.com/office/drawing/2014/main" val="662979093"/>
                   </a:ext>
                 </a:extLst>
               </a:tr>
@@ -5142,7 +5162,7 @@
                 </a:tc>
                 <a:extLst>
                   <a:ext uri="{0D108BD9-81ED-4DB2-BD59-A6C34878D82A}">
-                    <a16:rowId xmlns="" xmlns:a16="http://schemas.microsoft.com/office/drawing/2014/main" val="2925520719"/>
+                    <a16:rowId xmlns:a16="http://schemas.microsoft.com/office/drawing/2014/main" val="2925520719"/>
                   </a:ext>
                 </a:extLst>
               </a:tr>
@@ -5331,7 +5351,7 @@
                 </a:tc>
                 <a:extLst>
                   <a:ext uri="{0D108BD9-81ED-4DB2-BD59-A6C34878D82A}">
-                    <a16:rowId xmlns="" xmlns:a16="http://schemas.microsoft.com/office/drawing/2014/main" val="2124887621"/>
+                    <a16:rowId xmlns:a16="http://schemas.microsoft.com/office/drawing/2014/main" val="2124887621"/>
                   </a:ext>
                 </a:extLst>
               </a:tr>
@@ -5520,7 +5540,7 @@
                 </a:tc>
                 <a:extLst>
                   <a:ext uri="{0D108BD9-81ED-4DB2-BD59-A6C34878D82A}">
-                    <a16:rowId xmlns="" xmlns:a16="http://schemas.microsoft.com/office/drawing/2014/main" val="3021274662"/>
+                    <a16:rowId xmlns:a16="http://schemas.microsoft.com/office/drawing/2014/main" val="3021274662"/>
                   </a:ext>
                 </a:extLst>
               </a:tr>
@@ -5738,7 +5758,7 @@
                 </a:tc>
                 <a:extLst>
                   <a:ext uri="{0D108BD9-81ED-4DB2-BD59-A6C34878D82A}">
-                    <a16:rowId xmlns="" xmlns:a16="http://schemas.microsoft.com/office/drawing/2014/main" val="3319115553"/>
+                    <a16:rowId xmlns:a16="http://schemas.microsoft.com/office/drawing/2014/main" val="3319115553"/>
                   </a:ext>
                 </a:extLst>
               </a:tr>
@@ -5927,7 +5947,7 @@
                 </a:tc>
                 <a:extLst>
                   <a:ext uri="{0D108BD9-81ED-4DB2-BD59-A6C34878D82A}">
-                    <a16:rowId xmlns="" xmlns:a16="http://schemas.microsoft.com/office/drawing/2014/main" val="2189012797"/>
+                    <a16:rowId xmlns:a16="http://schemas.microsoft.com/office/drawing/2014/main" val="2189012797"/>
                   </a:ext>
                 </a:extLst>
               </a:tr>
@@ -6116,7 +6136,7 @@
                 </a:tc>
                 <a:extLst>
                   <a:ext uri="{0D108BD9-81ED-4DB2-BD59-A6C34878D82A}">
-                    <a16:rowId xmlns="" xmlns:a16="http://schemas.microsoft.com/office/drawing/2014/main" val="1799581859"/>
+                    <a16:rowId xmlns:a16="http://schemas.microsoft.com/office/drawing/2014/main" val="1799581859"/>
                   </a:ext>
                 </a:extLst>
               </a:tr>
@@ -6129,7 +6149,7 @@
           <p:cNvPr id="58" name="Group 57">
             <a:extLst>
               <a:ext uri="{FF2B5EF4-FFF2-40B4-BE49-F238E27FC236}">
-                <a16:creationId xmlns="" xmlns:a16="http://schemas.microsoft.com/office/drawing/2014/main" id="{637694B7-B59B-4709-A786-03DE0A339FF9}"/>
+                <a16:creationId xmlns:a16="http://schemas.microsoft.com/office/drawing/2014/main" id="{637694B7-B59B-4709-A786-03DE0A339FF9}"/>
               </a:ext>
             </a:extLst>
           </p:cNvPr>
@@ -6138,7 +6158,7 @@
         </p:nvGrpSpPr>
         <p:grpSpPr>
           <a:xfrm>
-            <a:off x="18661501" y="12889411"/>
+            <a:off x="18659120" y="12887030"/>
             <a:ext cx="11768258" cy="4996200"/>
             <a:chOff x="18231739" y="12888957"/>
             <a:chExt cx="11764800" cy="4995103"/>
@@ -6149,7 +6169,7 @@
             <p:cNvPr id="59" name="TextBox 58">
               <a:extLst>
                 <a:ext uri="{FF2B5EF4-FFF2-40B4-BE49-F238E27FC236}">
-                  <a16:creationId xmlns="" xmlns:a16="http://schemas.microsoft.com/office/drawing/2014/main" id="{9AFC47EB-42FA-43B1-B48C-00D6F8E3D06D}"/>
+                  <a16:creationId xmlns:a16="http://schemas.microsoft.com/office/drawing/2014/main" id="{9AFC47EB-42FA-43B1-B48C-00D6F8E3D06D}"/>
                 </a:ext>
               </a:extLst>
             </p:cNvPr>
@@ -6201,7 +6221,7 @@
             <p:cNvPr id="60" name="Group 59">
               <a:extLst>
                 <a:ext uri="{FF2B5EF4-FFF2-40B4-BE49-F238E27FC236}">
-                  <a16:creationId xmlns="" xmlns:a16="http://schemas.microsoft.com/office/drawing/2014/main" id="{ED32B511-0E3E-4DE1-B134-A452408ABAB8}"/>
+                  <a16:creationId xmlns:a16="http://schemas.microsoft.com/office/drawing/2014/main" id="{ED32B511-0E3E-4DE1-B134-A452408ABAB8}"/>
                 </a:ext>
               </a:extLst>
             </p:cNvPr>
@@ -6221,7 +6241,7 @@
               <p:cNvPr id="61" name="Group 60">
                 <a:extLst>
                   <a:ext uri="{FF2B5EF4-FFF2-40B4-BE49-F238E27FC236}">
-                    <a16:creationId xmlns="" xmlns:a16="http://schemas.microsoft.com/office/drawing/2014/main" id="{125B5DCB-4636-445B-A635-238A15DE4132}"/>
+                    <a16:creationId xmlns:a16="http://schemas.microsoft.com/office/drawing/2014/main" id="{125B5DCB-4636-445B-A635-238A15DE4132}"/>
                   </a:ext>
                 </a:extLst>
               </p:cNvPr>
@@ -6241,7 +6261,7 @@
                 <p:cNvPr id="64" name="Picture 63" descr="A close up of a person&#10;&#10;Description automatically generated">
                   <a:extLst>
                     <a:ext uri="{FF2B5EF4-FFF2-40B4-BE49-F238E27FC236}">
-                      <a16:creationId xmlns="" xmlns:a16="http://schemas.microsoft.com/office/drawing/2014/main" id="{81682841-10C6-478C-8E71-C4D5B442C2D4}"/>
+                      <a16:creationId xmlns:a16="http://schemas.microsoft.com/office/drawing/2014/main" id="{81682841-10C6-478C-8E71-C4D5B442C2D4}"/>
                     </a:ext>
                   </a:extLst>
                 </p:cNvPr>
@@ -6277,7 +6297,7 @@
                 <p:cNvPr id="65" name="Picture 64" descr="A close up of a logo&#10;&#10;Description automatically generated">
                   <a:extLst>
                     <a:ext uri="{FF2B5EF4-FFF2-40B4-BE49-F238E27FC236}">
-                      <a16:creationId xmlns="" xmlns:a16="http://schemas.microsoft.com/office/drawing/2014/main" id="{D6B359FB-9A67-42EA-A4D5-41493FC97E4D}"/>
+                      <a16:creationId xmlns:a16="http://schemas.microsoft.com/office/drawing/2014/main" id="{D6B359FB-9A67-42EA-A4D5-41493FC97E4D}"/>
                     </a:ext>
                   </a:extLst>
                 </p:cNvPr>
@@ -6313,7 +6333,7 @@
                 <p:cNvPr id="66" name="Picture 65" descr="A close up of a logo&#10;&#10;Description automatically generated">
                   <a:extLst>
                     <a:ext uri="{FF2B5EF4-FFF2-40B4-BE49-F238E27FC236}">
-                      <a16:creationId xmlns="" xmlns:a16="http://schemas.microsoft.com/office/drawing/2014/main" id="{F7B74625-E64F-42CD-A757-795B53D0C962}"/>
+                      <a16:creationId xmlns:a16="http://schemas.microsoft.com/office/drawing/2014/main" id="{F7B74625-E64F-42CD-A757-795B53D0C962}"/>
                     </a:ext>
                   </a:extLst>
                 </p:cNvPr>
@@ -6349,7 +6369,7 @@
                 <p:cNvPr id="67" name="TextBox 66">
                   <a:extLst>
                     <a:ext uri="{FF2B5EF4-FFF2-40B4-BE49-F238E27FC236}">
-                      <a16:creationId xmlns="" xmlns:a16="http://schemas.microsoft.com/office/drawing/2014/main" id="{3DDD1541-8047-44BB-9199-9795894A96C2}"/>
+                      <a16:creationId xmlns:a16="http://schemas.microsoft.com/office/drawing/2014/main" id="{3DDD1541-8047-44BB-9199-9795894A96C2}"/>
                     </a:ext>
                   </a:extLst>
                 </p:cNvPr>
@@ -6385,7 +6405,7 @@
                 <p:cNvPr id="68" name="TextBox 67">
                   <a:extLst>
                     <a:ext uri="{FF2B5EF4-FFF2-40B4-BE49-F238E27FC236}">
-                      <a16:creationId xmlns="" xmlns:a16="http://schemas.microsoft.com/office/drawing/2014/main" id="{D2C6FFDE-1D92-4368-9EE1-96CB4B026C9A}"/>
+                      <a16:creationId xmlns:a16="http://schemas.microsoft.com/office/drawing/2014/main" id="{D2C6FFDE-1D92-4368-9EE1-96CB4B026C9A}"/>
                     </a:ext>
                   </a:extLst>
                 </p:cNvPr>
@@ -6421,7 +6441,7 @@
                 <p:cNvPr id="69" name="TextBox 68">
                   <a:extLst>
                     <a:ext uri="{FF2B5EF4-FFF2-40B4-BE49-F238E27FC236}">
-                      <a16:creationId xmlns="" xmlns:a16="http://schemas.microsoft.com/office/drawing/2014/main" id="{91FA1A4A-799D-4C1C-B711-221B958168CA}"/>
+                      <a16:creationId xmlns:a16="http://schemas.microsoft.com/office/drawing/2014/main" id="{91FA1A4A-799D-4C1C-B711-221B958168CA}"/>
                     </a:ext>
                   </a:extLst>
                 </p:cNvPr>
@@ -6461,7 +6481,7 @@
                 <p:cNvPr id="70" name="TextBox 69">
                   <a:extLst>
                     <a:ext uri="{FF2B5EF4-FFF2-40B4-BE49-F238E27FC236}">
-                      <a16:creationId xmlns="" xmlns:a16="http://schemas.microsoft.com/office/drawing/2014/main" id="{75333DDE-85A8-4F7A-AB5E-D95541C8839B}"/>
+                      <a16:creationId xmlns:a16="http://schemas.microsoft.com/office/drawing/2014/main" id="{75333DDE-85A8-4F7A-AB5E-D95541C8839B}"/>
                     </a:ext>
                   </a:extLst>
                 </p:cNvPr>
@@ -6501,7 +6521,7 @@
                 <p:cNvPr id="71" name="TextBox 70">
                   <a:extLst>
                     <a:ext uri="{FF2B5EF4-FFF2-40B4-BE49-F238E27FC236}">
-                      <a16:creationId xmlns="" xmlns:a16="http://schemas.microsoft.com/office/drawing/2014/main" id="{BC69923F-D19A-46C6-98D4-0A7872704C55}"/>
+                      <a16:creationId xmlns:a16="http://schemas.microsoft.com/office/drawing/2014/main" id="{BC69923F-D19A-46C6-98D4-0A7872704C55}"/>
                     </a:ext>
                   </a:extLst>
                 </p:cNvPr>
@@ -6542,7 +6562,7 @@
               <p:cNvPr id="62" name="TextBox 61">
                 <a:extLst>
                   <a:ext uri="{FF2B5EF4-FFF2-40B4-BE49-F238E27FC236}">
-                    <a16:creationId xmlns="" xmlns:a16="http://schemas.microsoft.com/office/drawing/2014/main" id="{C52B1F06-4451-433B-937C-57BBD07EF5D0}"/>
+                    <a16:creationId xmlns:a16="http://schemas.microsoft.com/office/drawing/2014/main" id="{C52B1F06-4451-433B-937C-57BBD07EF5D0}"/>
                   </a:ext>
                 </a:extLst>
               </p:cNvPr>
@@ -6599,7 +6619,7 @@
               <p:cNvPr id="63" name="TextBox 62">
                 <a:extLst>
                   <a:ext uri="{FF2B5EF4-FFF2-40B4-BE49-F238E27FC236}">
-                    <a16:creationId xmlns="" xmlns:a16="http://schemas.microsoft.com/office/drawing/2014/main" id="{33AFBAEF-7695-476D-981C-61694EFA6AE1}"/>
+                    <a16:creationId xmlns:a16="http://schemas.microsoft.com/office/drawing/2014/main" id="{33AFBAEF-7695-476D-981C-61694EFA6AE1}"/>
                   </a:ext>
                 </a:extLst>
               </p:cNvPr>
@@ -6658,7 +6678,7 @@
           <p:cNvPr id="83" name="Group 82">
             <a:extLst>
               <a:ext uri="{FF2B5EF4-FFF2-40B4-BE49-F238E27FC236}">
-                <a16:creationId xmlns="" xmlns:a16="http://schemas.microsoft.com/office/drawing/2014/main" id="{152BEAF6-04AF-4A47-9AA3-129D8843DFB7}"/>
+                <a16:creationId xmlns:a16="http://schemas.microsoft.com/office/drawing/2014/main" id="{152BEAF6-04AF-4A47-9AA3-129D8843DFB7}"/>
               </a:ext>
             </a:extLst>
           </p:cNvPr>
@@ -6667,7 +6687,7 @@
         </p:nvGrpSpPr>
         <p:grpSpPr>
           <a:xfrm>
-            <a:off x="2259925" y="14155414"/>
+            <a:off x="2257545" y="14153034"/>
             <a:ext cx="11337635" cy="4350555"/>
             <a:chOff x="1063844" y="14153854"/>
             <a:chExt cx="11335969" cy="4350075"/>
@@ -6678,7 +6698,7 @@
             <p:cNvPr id="30" name="Picture 29">
               <a:extLst>
                 <a:ext uri="{FF2B5EF4-FFF2-40B4-BE49-F238E27FC236}">
-                  <a16:creationId xmlns="" xmlns:a16="http://schemas.microsoft.com/office/drawing/2014/main" id="{F1DDB929-1259-4DB5-9EB3-7613CF4EAA90}"/>
+                  <a16:creationId xmlns:a16="http://schemas.microsoft.com/office/drawing/2014/main" id="{F1DDB929-1259-4DB5-9EB3-7613CF4EAA90}"/>
                 </a:ext>
               </a:extLst>
             </p:cNvPr>
@@ -6714,7 +6734,7 @@
             <p:cNvPr id="108" name="Picture 107">
               <a:extLst>
                 <a:ext uri="{FF2B5EF4-FFF2-40B4-BE49-F238E27FC236}">
-                  <a16:creationId xmlns="" xmlns:a16="http://schemas.microsoft.com/office/drawing/2014/main" id="{BCB65BF7-4179-4B4F-9585-E15CF5BFA81A}"/>
+                  <a16:creationId xmlns:a16="http://schemas.microsoft.com/office/drawing/2014/main" id="{BCB65BF7-4179-4B4F-9585-E15CF5BFA81A}"/>
                 </a:ext>
               </a:extLst>
             </p:cNvPr>
@@ -6750,7 +6770,7 @@
             <p:cNvPr id="82" name="Group 81">
               <a:extLst>
                 <a:ext uri="{FF2B5EF4-FFF2-40B4-BE49-F238E27FC236}">
-                  <a16:creationId xmlns="" xmlns:a16="http://schemas.microsoft.com/office/drawing/2014/main" id="{BB8886CF-B6AF-43FF-AFA3-CA17CB1D349C}"/>
+                  <a16:creationId xmlns:a16="http://schemas.microsoft.com/office/drawing/2014/main" id="{BB8886CF-B6AF-43FF-AFA3-CA17CB1D349C}"/>
                 </a:ext>
               </a:extLst>
             </p:cNvPr>
@@ -6770,7 +6790,7 @@
               <p:cNvPr id="3" name="Picture 2" descr="A close up of a mans face&#10;&#10;Description automatically generated">
                 <a:extLst>
                   <a:ext uri="{FF2B5EF4-FFF2-40B4-BE49-F238E27FC236}">
-                    <a16:creationId xmlns="" xmlns:a16="http://schemas.microsoft.com/office/drawing/2014/main" id="{60C6E0F5-EDE5-43BC-A80F-0F77FC9146A1}"/>
+                    <a16:creationId xmlns:a16="http://schemas.microsoft.com/office/drawing/2014/main" id="{60C6E0F5-EDE5-43BC-A80F-0F77FC9146A1}"/>
                   </a:ext>
                 </a:extLst>
               </p:cNvPr>
@@ -6806,7 +6826,7 @@
               <p:cNvPr id="72" name="Group 71">
                 <a:extLst>
                   <a:ext uri="{FF2B5EF4-FFF2-40B4-BE49-F238E27FC236}">
-                    <a16:creationId xmlns="" xmlns:a16="http://schemas.microsoft.com/office/drawing/2014/main" id="{62AC035D-436E-41C1-B871-8391C604BDB0}"/>
+                    <a16:creationId xmlns:a16="http://schemas.microsoft.com/office/drawing/2014/main" id="{62AC035D-436E-41C1-B871-8391C604BDB0}"/>
                   </a:ext>
                 </a:extLst>
               </p:cNvPr>
@@ -6826,7 +6846,7 @@
                 <p:cNvPr id="73" name="Group 72">
                   <a:extLst>
                     <a:ext uri="{FF2B5EF4-FFF2-40B4-BE49-F238E27FC236}">
-                      <a16:creationId xmlns="" xmlns:a16="http://schemas.microsoft.com/office/drawing/2014/main" id="{A69FAACF-ABA8-43EA-B200-A749581D5FFA}"/>
+                      <a16:creationId xmlns:a16="http://schemas.microsoft.com/office/drawing/2014/main" id="{A69FAACF-ABA8-43EA-B200-A749581D5FFA}"/>
                     </a:ext>
                   </a:extLst>
                 </p:cNvPr>
@@ -6846,7 +6866,7 @@
                   <p:cNvPr id="79" name="TextBox 78">
                     <a:extLst>
                       <a:ext uri="{FF2B5EF4-FFF2-40B4-BE49-F238E27FC236}">
-                        <a16:creationId xmlns="" xmlns:a16="http://schemas.microsoft.com/office/drawing/2014/main" id="{C916F37C-FEE4-420B-AE8A-7CA4F54B8DED}"/>
+                        <a16:creationId xmlns:a16="http://schemas.microsoft.com/office/drawing/2014/main" id="{C916F37C-FEE4-420B-AE8A-7CA4F54B8DED}"/>
                       </a:ext>
                     </a:extLst>
                   </p:cNvPr>
@@ -6891,7 +6911,7 @@
                   <p:cNvPr id="80" name="Group 79">
                     <a:extLst>
                       <a:ext uri="{FF2B5EF4-FFF2-40B4-BE49-F238E27FC236}">
-                        <a16:creationId xmlns="" xmlns:a16="http://schemas.microsoft.com/office/drawing/2014/main" id="{8245CA0B-71BC-476F-B724-07C1A7884AB8}"/>
+                        <a16:creationId xmlns:a16="http://schemas.microsoft.com/office/drawing/2014/main" id="{8245CA0B-71BC-476F-B724-07C1A7884AB8}"/>
                       </a:ext>
                     </a:extLst>
                   </p:cNvPr>
@@ -6911,7 +6931,7 @@
                     <p:cNvPr id="84" name="TextBox 83">
                       <a:extLst>
                         <a:ext uri="{FF2B5EF4-FFF2-40B4-BE49-F238E27FC236}">
-                          <a16:creationId xmlns="" xmlns:a16="http://schemas.microsoft.com/office/drawing/2014/main" id="{8C9D5431-47C9-446E-8E17-F2D21D9E0F4E}"/>
+                          <a16:creationId xmlns:a16="http://schemas.microsoft.com/office/drawing/2014/main" id="{8C9D5431-47C9-446E-8E17-F2D21D9E0F4E}"/>
                         </a:ext>
                       </a:extLst>
                     </p:cNvPr>
@@ -6947,7 +6967,7 @@
                     <p:cNvPr id="85" name="TextBox 84">
                       <a:extLst>
                         <a:ext uri="{FF2B5EF4-FFF2-40B4-BE49-F238E27FC236}">
-                          <a16:creationId xmlns="" xmlns:a16="http://schemas.microsoft.com/office/drawing/2014/main" id="{C08A810E-0F9F-4B99-916F-CEC853B93B2E}"/>
+                          <a16:creationId xmlns:a16="http://schemas.microsoft.com/office/drawing/2014/main" id="{C08A810E-0F9F-4B99-916F-CEC853B93B2E}"/>
                         </a:ext>
                       </a:extLst>
                     </p:cNvPr>
@@ -6985,7 +7005,7 @@
                 <p:cNvPr id="74" name="TextBox 73">
                   <a:extLst>
                     <a:ext uri="{FF2B5EF4-FFF2-40B4-BE49-F238E27FC236}">
-                      <a16:creationId xmlns="" xmlns:a16="http://schemas.microsoft.com/office/drawing/2014/main" id="{8783E3E6-8DA0-4B43-8796-87BCCF6FDC3C}"/>
+                      <a16:creationId xmlns:a16="http://schemas.microsoft.com/office/drawing/2014/main" id="{8783E3E6-8DA0-4B43-8796-87BCCF6FDC3C}"/>
                     </a:ext>
                   </a:extLst>
                 </p:cNvPr>
@@ -7025,7 +7045,7 @@
                 <p:cNvPr id="75" name="TextBox 74">
                   <a:extLst>
                     <a:ext uri="{FF2B5EF4-FFF2-40B4-BE49-F238E27FC236}">
-                      <a16:creationId xmlns="" xmlns:a16="http://schemas.microsoft.com/office/drawing/2014/main" id="{E6E73A88-46EA-4CE7-9A89-D02616A68D39}"/>
+                      <a16:creationId xmlns:a16="http://schemas.microsoft.com/office/drawing/2014/main" id="{E6E73A88-46EA-4CE7-9A89-D02616A68D39}"/>
                     </a:ext>
                   </a:extLst>
                 </p:cNvPr>
@@ -7065,7 +7085,7 @@
                 <p:cNvPr id="76" name="TextBox 75">
                   <a:extLst>
                     <a:ext uri="{FF2B5EF4-FFF2-40B4-BE49-F238E27FC236}">
-                      <a16:creationId xmlns="" xmlns:a16="http://schemas.microsoft.com/office/drawing/2014/main" id="{E94ECADF-7BEE-4462-9B64-71E30E31F5F8}"/>
+                      <a16:creationId xmlns:a16="http://schemas.microsoft.com/office/drawing/2014/main" id="{E94ECADF-7BEE-4462-9B64-71E30E31F5F8}"/>
                     </a:ext>
                   </a:extLst>
                 </p:cNvPr>
@@ -7105,7 +7125,7 @@
                 <p:cNvPr id="77" name="TextBox 76">
                   <a:extLst>
                     <a:ext uri="{FF2B5EF4-FFF2-40B4-BE49-F238E27FC236}">
-                      <a16:creationId xmlns="" xmlns:a16="http://schemas.microsoft.com/office/drawing/2014/main" id="{1BEBFB0E-1131-4431-A1CB-0C5AB8076F74}"/>
+                      <a16:creationId xmlns:a16="http://schemas.microsoft.com/office/drawing/2014/main" id="{1BEBFB0E-1131-4431-A1CB-0C5AB8076F74}"/>
                     </a:ext>
                   </a:extLst>
                 </p:cNvPr>
@@ -7145,7 +7165,7 @@
                 <p:cNvPr id="78" name="TextBox 77">
                   <a:extLst>
                     <a:ext uri="{FF2B5EF4-FFF2-40B4-BE49-F238E27FC236}">
-                      <a16:creationId xmlns="" xmlns:a16="http://schemas.microsoft.com/office/drawing/2014/main" id="{0247A0ED-9373-4A7C-B2A7-CF82E9F82D9D}"/>
+                      <a16:creationId xmlns:a16="http://schemas.microsoft.com/office/drawing/2014/main" id="{0247A0ED-9373-4A7C-B2A7-CF82E9F82D9D}"/>
                     </a:ext>
                   </a:extLst>
                 </p:cNvPr>
@@ -7188,7 +7208,7 @@
           <p:cNvPr id="86" name="Group 85">
             <a:extLst>
               <a:ext uri="{FF2B5EF4-FFF2-40B4-BE49-F238E27FC236}">
-                <a16:creationId xmlns="" xmlns:a16="http://schemas.microsoft.com/office/drawing/2014/main" id="{77345A03-AF8A-4091-BFC4-B48BFBAC4FC3}"/>
+                <a16:creationId xmlns:a16="http://schemas.microsoft.com/office/drawing/2014/main" id="{77345A03-AF8A-4091-BFC4-B48BFBAC4FC3}"/>
               </a:ext>
             </a:extLst>
           </p:cNvPr>
@@ -7197,7 +7217,7 @@
         </p:nvGrpSpPr>
         <p:grpSpPr>
           <a:xfrm>
-            <a:off x="1146076" y="24979353"/>
+            <a:off x="1143696" y="24976972"/>
             <a:ext cx="13574361" cy="4836718"/>
             <a:chOff x="450669" y="24785738"/>
             <a:chExt cx="13570371" cy="4835654"/>
@@ -7208,7 +7228,7 @@
             <p:cNvPr id="87" name="Group 86">
               <a:extLst>
                 <a:ext uri="{FF2B5EF4-FFF2-40B4-BE49-F238E27FC236}">
-                  <a16:creationId xmlns="" xmlns:a16="http://schemas.microsoft.com/office/drawing/2014/main" id="{96BB160D-7952-462E-8AB7-F23EFCD94AB7}"/>
+                  <a16:creationId xmlns:a16="http://schemas.microsoft.com/office/drawing/2014/main" id="{96BB160D-7952-462E-8AB7-F23EFCD94AB7}"/>
                 </a:ext>
               </a:extLst>
             </p:cNvPr>
@@ -7228,7 +7248,7 @@
               <p:cNvPr id="91" name="Group 90">
                 <a:extLst>
                   <a:ext uri="{FF2B5EF4-FFF2-40B4-BE49-F238E27FC236}">
-                    <a16:creationId xmlns="" xmlns:a16="http://schemas.microsoft.com/office/drawing/2014/main" id="{D877ED0F-2157-4E59-BE17-9E02CDA5B4FB}"/>
+                    <a16:creationId xmlns:a16="http://schemas.microsoft.com/office/drawing/2014/main" id="{D877ED0F-2157-4E59-BE17-9E02CDA5B4FB}"/>
                   </a:ext>
                 </a:extLst>
               </p:cNvPr>
@@ -7248,7 +7268,7 @@
                 <p:cNvPr id="93" name="TextBox 92">
                   <a:extLst>
                     <a:ext uri="{FF2B5EF4-FFF2-40B4-BE49-F238E27FC236}">
-                      <a16:creationId xmlns="" xmlns:a16="http://schemas.microsoft.com/office/drawing/2014/main" id="{E0F126E1-DD37-4C09-9297-4337CA2A2036}"/>
+                      <a16:creationId xmlns:a16="http://schemas.microsoft.com/office/drawing/2014/main" id="{E0F126E1-DD37-4C09-9297-4337CA2A2036}"/>
                     </a:ext>
                   </a:extLst>
                 </p:cNvPr>
@@ -7293,7 +7313,7 @@
                 <p:cNvPr id="94" name="Group 93">
                   <a:extLst>
                     <a:ext uri="{FF2B5EF4-FFF2-40B4-BE49-F238E27FC236}">
-                      <a16:creationId xmlns="" xmlns:a16="http://schemas.microsoft.com/office/drawing/2014/main" id="{B3828EFC-7000-46BF-BD2A-1FC171B21C1C}"/>
+                      <a16:creationId xmlns:a16="http://schemas.microsoft.com/office/drawing/2014/main" id="{B3828EFC-7000-46BF-BD2A-1FC171B21C1C}"/>
                     </a:ext>
                   </a:extLst>
                 </p:cNvPr>
@@ -7313,7 +7333,7 @@
                   <p:cNvPr id="95" name="Group 94">
                     <a:extLst>
                       <a:ext uri="{FF2B5EF4-FFF2-40B4-BE49-F238E27FC236}">
-                        <a16:creationId xmlns="" xmlns:a16="http://schemas.microsoft.com/office/drawing/2014/main" id="{A59C9991-9736-408F-A168-BFB599E667AC}"/>
+                        <a16:creationId xmlns:a16="http://schemas.microsoft.com/office/drawing/2014/main" id="{A59C9991-9736-408F-A168-BFB599E667AC}"/>
                       </a:ext>
                     </a:extLst>
                   </p:cNvPr>
@@ -7333,7 +7353,7 @@
                     <p:cNvPr id="97" name="Group 96">
                       <a:extLst>
                         <a:ext uri="{FF2B5EF4-FFF2-40B4-BE49-F238E27FC236}">
-                          <a16:creationId xmlns="" xmlns:a16="http://schemas.microsoft.com/office/drawing/2014/main" id="{DC5EF675-B421-4463-9738-25F436D61089}"/>
+                          <a16:creationId xmlns:a16="http://schemas.microsoft.com/office/drawing/2014/main" id="{DC5EF675-B421-4463-9738-25F436D61089}"/>
                         </a:ext>
                       </a:extLst>
                     </p:cNvPr>
@@ -7353,7 +7373,7 @@
                       <p:cNvPr id="101" name="Picture 100" descr="A close up of a device&#10;&#10;Description automatically generated">
                         <a:extLst>
                           <a:ext uri="{FF2B5EF4-FFF2-40B4-BE49-F238E27FC236}">
-                            <a16:creationId xmlns="" xmlns:a16="http://schemas.microsoft.com/office/drawing/2014/main" id="{3B7195B5-32C1-4328-86E8-011BFABB93A6}"/>
+                            <a16:creationId xmlns:a16="http://schemas.microsoft.com/office/drawing/2014/main" id="{3B7195B5-32C1-4328-86E8-011BFABB93A6}"/>
                           </a:ext>
                         </a:extLst>
                       </p:cNvPr>
@@ -7389,7 +7409,7 @@
                       <p:cNvPr id="102" name="Picture 101">
                         <a:extLst>
                           <a:ext uri="{FF2B5EF4-FFF2-40B4-BE49-F238E27FC236}">
-                            <a16:creationId xmlns="" xmlns:a16="http://schemas.microsoft.com/office/drawing/2014/main" id="{7E459366-728A-45AF-B85E-046A28505D58}"/>
+                            <a16:creationId xmlns:a16="http://schemas.microsoft.com/office/drawing/2014/main" id="{7E459366-728A-45AF-B85E-046A28505D58}"/>
                           </a:ext>
                         </a:extLst>
                       </p:cNvPr>
@@ -7426,7 +7446,7 @@
                     <p:cNvPr id="98" name="Picture 97" descr="A close up of a device&#10;&#10;Description automatically generated">
                       <a:extLst>
                         <a:ext uri="{FF2B5EF4-FFF2-40B4-BE49-F238E27FC236}">
-                          <a16:creationId xmlns="" xmlns:a16="http://schemas.microsoft.com/office/drawing/2014/main" id="{E24AD8BE-4DE1-4538-9331-4E3990B50345}"/>
+                          <a16:creationId xmlns:a16="http://schemas.microsoft.com/office/drawing/2014/main" id="{E24AD8BE-4DE1-4538-9331-4E3990B50345}"/>
                         </a:ext>
                       </a:extLst>
                     </p:cNvPr>
@@ -7461,7 +7481,7 @@
                     <p:cNvPr id="99" name="Picture 98" descr="A picture containing crossword puzzle, text, black, floor&#10;&#10;Description automatically generated">
                       <a:extLst>
                         <a:ext uri="{FF2B5EF4-FFF2-40B4-BE49-F238E27FC236}">
-                          <a16:creationId xmlns="" xmlns:a16="http://schemas.microsoft.com/office/drawing/2014/main" id="{C80C5476-8CCA-486C-90D3-FA0B1C5D7683}"/>
+                          <a16:creationId xmlns:a16="http://schemas.microsoft.com/office/drawing/2014/main" id="{C80C5476-8CCA-486C-90D3-FA0B1C5D7683}"/>
                         </a:ext>
                       </a:extLst>
                     </p:cNvPr>
@@ -7497,7 +7517,7 @@
                     <p:cNvPr id="100" name="Picture 99">
                       <a:extLst>
                         <a:ext uri="{FF2B5EF4-FFF2-40B4-BE49-F238E27FC236}">
-                          <a16:creationId xmlns="" xmlns:a16="http://schemas.microsoft.com/office/drawing/2014/main" id="{7B2482F8-8B5C-4925-B39C-C0974E45A424}"/>
+                          <a16:creationId xmlns:a16="http://schemas.microsoft.com/office/drawing/2014/main" id="{7B2482F8-8B5C-4925-B39C-C0974E45A424}"/>
                         </a:ext>
                       </a:extLst>
                     </p:cNvPr>
@@ -7534,7 +7554,7 @@
                   <p:cNvPr id="96" name="Rectangle: Rounded Corners 97">
                     <a:extLst>
                       <a:ext uri="{FF2B5EF4-FFF2-40B4-BE49-F238E27FC236}">
-                        <a16:creationId xmlns="" xmlns:a16="http://schemas.microsoft.com/office/drawing/2014/main" id="{7082610D-6AD0-4B72-8799-8EF096B5C63B}"/>
+                        <a16:creationId xmlns:a16="http://schemas.microsoft.com/office/drawing/2014/main" id="{7082610D-6AD0-4B72-8799-8EF096B5C63B}"/>
                       </a:ext>
                     </a:extLst>
                   </p:cNvPr>
@@ -7588,7 +7608,7 @@
               <p:cNvPr id="92" name="Speech Bubble: Oval 187">
                 <a:extLst>
                   <a:ext uri="{FF2B5EF4-FFF2-40B4-BE49-F238E27FC236}">
-                    <a16:creationId xmlns="" xmlns:a16="http://schemas.microsoft.com/office/drawing/2014/main" id="{078F6DC7-CB18-4D83-B6C3-E52851F35E01}"/>
+                    <a16:creationId xmlns:a16="http://schemas.microsoft.com/office/drawing/2014/main" id="{078F6DC7-CB18-4D83-B6C3-E52851F35E01}"/>
                   </a:ext>
                 </a:extLst>
               </p:cNvPr>
@@ -7651,7 +7671,7 @@
             <p:cNvPr id="88" name="Straight Arrow Connector 87">
               <a:extLst>
                 <a:ext uri="{FF2B5EF4-FFF2-40B4-BE49-F238E27FC236}">
-                  <a16:creationId xmlns="" xmlns:a16="http://schemas.microsoft.com/office/drawing/2014/main" id="{1338B41E-BE41-4E7F-AB5D-DBDF1AC91A9C}"/>
+                  <a16:creationId xmlns:a16="http://schemas.microsoft.com/office/drawing/2014/main" id="{1338B41E-BE41-4E7F-AB5D-DBDF1AC91A9C}"/>
                 </a:ext>
               </a:extLst>
             </p:cNvPr>
@@ -7693,7 +7713,7 @@
             <p:cNvPr id="89" name="Straight Arrow Connector 88">
               <a:extLst>
                 <a:ext uri="{FF2B5EF4-FFF2-40B4-BE49-F238E27FC236}">
-                  <a16:creationId xmlns="" xmlns:a16="http://schemas.microsoft.com/office/drawing/2014/main" id="{138E9ACB-E391-4CA5-9E66-988BB55833A3}"/>
+                  <a16:creationId xmlns:a16="http://schemas.microsoft.com/office/drawing/2014/main" id="{138E9ACB-E391-4CA5-9E66-988BB55833A3}"/>
                 </a:ext>
               </a:extLst>
             </p:cNvPr>
@@ -7735,7 +7755,7 @@
             <p:cNvPr id="90" name="Straight Arrow Connector 89">
               <a:extLst>
                 <a:ext uri="{FF2B5EF4-FFF2-40B4-BE49-F238E27FC236}">
-                  <a16:creationId xmlns="" xmlns:a16="http://schemas.microsoft.com/office/drawing/2014/main" id="{2C7BE932-3BC3-4A8A-9590-5CF30E25BF8F}"/>
+                  <a16:creationId xmlns:a16="http://schemas.microsoft.com/office/drawing/2014/main" id="{2C7BE932-3BC3-4A8A-9590-5CF30E25BF8F}"/>
                 </a:ext>
               </a:extLst>
             </p:cNvPr>
@@ -7832,7 +7852,7 @@
         </p:blipFill>
         <p:spPr bwMode="auto">
           <a:xfrm>
-            <a:off x="2410562" y="1880760"/>
+            <a:off x="2408182" y="1878380"/>
             <a:ext cx="7333355" cy="3600397"/>
           </a:xfrm>
           <a:prstGeom prst="rect">
@@ -7854,7 +7874,7 @@
           <p:cNvPr id="2" name="Group 1">
             <a:extLst>
               <a:ext uri="{FF2B5EF4-FFF2-40B4-BE49-F238E27FC236}">
-                <a16:creationId xmlns="" xmlns:a16="http://schemas.microsoft.com/office/drawing/2014/main" id="{FE01ADC9-DC53-4BA1-9102-561A6594918C}"/>
+                <a16:creationId xmlns:a16="http://schemas.microsoft.com/office/drawing/2014/main" id="{FE01ADC9-DC53-4BA1-9102-561A6594918C}"/>
               </a:ext>
             </a:extLst>
           </p:cNvPr>
@@ -7863,7 +7883,7 @@
         </p:nvGrpSpPr>
         <p:grpSpPr>
           <a:xfrm>
-            <a:off x="720107" y="21595088"/>
+            <a:off x="717727" y="21592708"/>
             <a:ext cx="14402117" cy="3330175"/>
             <a:chOff x="720000" y="21592708"/>
             <a:chExt cx="14400001" cy="3329808"/>
@@ -7874,7 +7894,7 @@
             <p:cNvPr id="6" name="Group 5">
               <a:extLst>
                 <a:ext uri="{FF2B5EF4-FFF2-40B4-BE49-F238E27FC236}">
-                  <a16:creationId xmlns="" xmlns:a16="http://schemas.microsoft.com/office/drawing/2014/main" id="{BCEB0613-7A4B-4017-B08D-16B2F3CF6257}"/>
+                  <a16:creationId xmlns:a16="http://schemas.microsoft.com/office/drawing/2014/main" id="{BCEB0613-7A4B-4017-B08D-16B2F3CF6257}"/>
                 </a:ext>
               </a:extLst>
             </p:cNvPr>
@@ -7896,7 +7916,7 @@
               <p:cNvPr id="7" name="תיבת טקסט 18">
                 <a:extLst>
                   <a:ext uri="{FF2B5EF4-FFF2-40B4-BE49-F238E27FC236}">
-                    <a16:creationId xmlns="" xmlns:a16="http://schemas.microsoft.com/office/drawing/2014/main" id="{16681B08-B5BB-4072-8771-E8321F8CFC99}"/>
+                    <a16:creationId xmlns:a16="http://schemas.microsoft.com/office/drawing/2014/main" id="{16681B08-B5BB-4072-8771-E8321F8CFC99}"/>
                   </a:ext>
                 </a:extLst>
               </p:cNvPr>
@@ -7989,7 +8009,7 @@
               <p:cNvPr id="8" name="Text Box 24">
                 <a:extLst>
                   <a:ext uri="{FF2B5EF4-FFF2-40B4-BE49-F238E27FC236}">
-                    <a16:creationId xmlns="" xmlns:a16="http://schemas.microsoft.com/office/drawing/2014/main" id="{381F52DF-4A25-4DD5-9D0F-C809759D92B7}"/>
+                    <a16:creationId xmlns:a16="http://schemas.microsoft.com/office/drawing/2014/main" id="{381F52DF-4A25-4DD5-9D0F-C809759D92B7}"/>
                   </a:ext>
                 </a:extLst>
               </p:cNvPr>
@@ -8047,7 +8067,7 @@
             <p:cNvPr id="106" name="Text Box 24">
               <a:extLst>
                 <a:ext uri="{FF2B5EF4-FFF2-40B4-BE49-F238E27FC236}">
-                  <a16:creationId xmlns="" xmlns:a16="http://schemas.microsoft.com/office/drawing/2014/main" id="{C484DB7D-EC0C-4294-AE42-D6D333610AF3}"/>
+                  <a16:creationId xmlns:a16="http://schemas.microsoft.com/office/drawing/2014/main" id="{C484DB7D-EC0C-4294-AE42-D6D333610AF3}"/>
                 </a:ext>
               </a:extLst>
             </p:cNvPr>
@@ -8087,14 +8107,14 @@
                 </a:spcAft>
               </a:pPr>
               <a:r>
-                <a:rPr lang="en-US" sz="5500" b="1" u="sng" kern="0" dirty="0">
+                <a:rPr lang="en-US" sz="5500" b="1" kern="0" dirty="0">
                   <a:solidFill>
                     <a:srgbClr val="FF8000"/>
                   </a:solidFill>
                   <a:latin typeface="Calibri" panose="020F0502020204030204" pitchFamily="34" charset="0"/>
                   <a:cs typeface="Arial" panose="020B0604020202020204" pitchFamily="34" charset="0"/>
                 </a:rPr>
-                <a:t>1</a:t>
+                <a:t>2</a:t>
               </a:r>
             </a:p>
           </p:txBody>
@@ -8105,7 +8125,7 @@
           <p:cNvPr id="4" name="Group 3">
             <a:extLst>
               <a:ext uri="{FF2B5EF4-FFF2-40B4-BE49-F238E27FC236}">
-                <a16:creationId xmlns="" xmlns:a16="http://schemas.microsoft.com/office/drawing/2014/main" id="{AA5F5289-14B3-42EA-8F2F-5184A6F0846E}"/>
+                <a16:creationId xmlns:a16="http://schemas.microsoft.com/office/drawing/2014/main" id="{AA5F5289-14B3-42EA-8F2F-5184A6F0846E}"/>
               </a:ext>
             </a:extLst>
           </p:cNvPr>
@@ -8114,7 +8134,7 @@
         </p:nvGrpSpPr>
         <p:grpSpPr>
           <a:xfrm>
-            <a:off x="720106" y="30283178"/>
+            <a:off x="717725" y="30280798"/>
             <a:ext cx="14402112" cy="1981189"/>
             <a:chOff x="720000" y="30279840"/>
             <a:chExt cx="14399996" cy="1980971"/>
@@ -8125,7 +8145,7 @@
             <p:cNvPr id="12" name="Group 11">
               <a:extLst>
                 <a:ext uri="{FF2B5EF4-FFF2-40B4-BE49-F238E27FC236}">
-                  <a16:creationId xmlns="" xmlns:a16="http://schemas.microsoft.com/office/drawing/2014/main" id="{EEA89EBD-FDDE-48A6-8855-66923377C367}"/>
+                  <a16:creationId xmlns:a16="http://schemas.microsoft.com/office/drawing/2014/main" id="{EEA89EBD-FDDE-48A6-8855-66923377C367}"/>
                 </a:ext>
               </a:extLst>
             </p:cNvPr>
@@ -8145,7 +8165,7 @@
               <p:cNvPr id="13" name="תיבת טקסט 18">
                 <a:extLst>
                   <a:ext uri="{FF2B5EF4-FFF2-40B4-BE49-F238E27FC236}">
-                    <a16:creationId xmlns="" xmlns:a16="http://schemas.microsoft.com/office/drawing/2014/main" id="{EFAD3A93-6265-4D90-B121-E7210ACAD82E}"/>
+                    <a16:creationId xmlns:a16="http://schemas.microsoft.com/office/drawing/2014/main" id="{EFAD3A93-6265-4D90-B121-E7210ACAD82E}"/>
                   </a:ext>
                 </a:extLst>
               </p:cNvPr>
@@ -8188,7 +8208,7 @@
               <p:cNvPr id="14" name="Text Box 24">
                 <a:extLst>
                   <a:ext uri="{FF2B5EF4-FFF2-40B4-BE49-F238E27FC236}">
-                    <a16:creationId xmlns="" xmlns:a16="http://schemas.microsoft.com/office/drawing/2014/main" id="{2D0005CC-35A2-4D6D-ABF5-9D776BB2B284}"/>
+                    <a16:creationId xmlns:a16="http://schemas.microsoft.com/office/drawing/2014/main" id="{2D0005CC-35A2-4D6D-ABF5-9D776BB2B284}"/>
                   </a:ext>
                 </a:extLst>
               </p:cNvPr>
@@ -8246,7 +8266,7 @@
             <p:cNvPr id="109" name="Text Box 24">
               <a:extLst>
                 <a:ext uri="{FF2B5EF4-FFF2-40B4-BE49-F238E27FC236}">
-                  <a16:creationId xmlns="" xmlns:a16="http://schemas.microsoft.com/office/drawing/2014/main" id="{7A6020AD-BB24-454C-A9BE-C4A57DD0558E}"/>
+                  <a16:creationId xmlns:a16="http://schemas.microsoft.com/office/drawing/2014/main" id="{7A6020AD-BB24-454C-A9BE-C4A57DD0558E}"/>
                 </a:ext>
               </a:extLst>
             </p:cNvPr>
@@ -8286,14 +8306,14 @@
                 </a:spcAft>
               </a:pPr>
               <a:r>
-                <a:rPr lang="en-US" sz="5500" b="1" u="sng" kern="0" dirty="0">
+                <a:rPr lang="en-US" sz="5500" b="1" kern="0" dirty="0">
                   <a:solidFill>
                     <a:srgbClr val="FF8000"/>
                   </a:solidFill>
                   <a:latin typeface="Calibri" panose="020F0502020204030204" pitchFamily="34" charset="0"/>
                   <a:cs typeface="Arial" panose="020B0604020202020204" pitchFamily="34" charset="0"/>
                 </a:rPr>
-                <a:t>2</a:t>
+                <a:t>3</a:t>
               </a:r>
             </a:p>
           </p:txBody>
@@ -8304,7 +8324,7 @@
           <p:cNvPr id="81" name="Group 80">
             <a:extLst>
               <a:ext uri="{FF2B5EF4-FFF2-40B4-BE49-F238E27FC236}">
-                <a16:creationId xmlns="" xmlns:a16="http://schemas.microsoft.com/office/drawing/2014/main" id="{4FF0BA66-9CDE-4AB3-82E4-13037FF12E5D}"/>
+                <a16:creationId xmlns:a16="http://schemas.microsoft.com/office/drawing/2014/main" id="{4FF0BA66-9CDE-4AB3-82E4-13037FF12E5D}"/>
               </a:ext>
             </a:extLst>
           </p:cNvPr>
@@ -8313,7 +8333,7 @@
         </p:nvGrpSpPr>
         <p:grpSpPr>
           <a:xfrm>
-            <a:off x="17282541" y="9236846"/>
+            <a:off x="17280161" y="9234465"/>
             <a:ext cx="14402113" cy="3698762"/>
             <a:chOff x="17280000" y="9235828"/>
             <a:chExt cx="14399997" cy="3698354"/>
@@ -8324,7 +8344,7 @@
             <p:cNvPr id="9" name="Group 8">
               <a:extLst>
                 <a:ext uri="{FF2B5EF4-FFF2-40B4-BE49-F238E27FC236}">
-                  <a16:creationId xmlns="" xmlns:a16="http://schemas.microsoft.com/office/drawing/2014/main" id="{213AB796-6D44-478C-94D2-A45B981805E4}"/>
+                  <a16:creationId xmlns:a16="http://schemas.microsoft.com/office/drawing/2014/main" id="{213AB796-6D44-478C-94D2-A45B981805E4}"/>
                 </a:ext>
               </a:extLst>
             </p:cNvPr>
@@ -8344,7 +8364,7 @@
               <p:cNvPr id="10" name="תיבת טקסט 18">
                 <a:extLst>
                   <a:ext uri="{FF2B5EF4-FFF2-40B4-BE49-F238E27FC236}">
-                    <a16:creationId xmlns="" xmlns:a16="http://schemas.microsoft.com/office/drawing/2014/main" id="{5829F93E-C6BE-4714-B2D5-973472A44C1D}"/>
+                    <a16:creationId xmlns:a16="http://schemas.microsoft.com/office/drawing/2014/main" id="{5829F93E-C6BE-4714-B2D5-973472A44C1D}"/>
                   </a:ext>
                 </a:extLst>
               </p:cNvPr>
@@ -8422,7 +8442,7 @@
               <p:cNvPr id="11" name="Text Box 24">
                 <a:extLst>
                   <a:ext uri="{FF2B5EF4-FFF2-40B4-BE49-F238E27FC236}">
-                    <a16:creationId xmlns="" xmlns:a16="http://schemas.microsoft.com/office/drawing/2014/main" id="{61B4D10A-7422-45CD-A48E-E673CACB8BE8}"/>
+                    <a16:creationId xmlns:a16="http://schemas.microsoft.com/office/drawing/2014/main" id="{61B4D10A-7422-45CD-A48E-E673CACB8BE8}"/>
                   </a:ext>
                 </a:extLst>
               </p:cNvPr>
@@ -8480,7 +8500,7 @@
             <p:cNvPr id="110" name="Text Box 24">
               <a:extLst>
                 <a:ext uri="{FF2B5EF4-FFF2-40B4-BE49-F238E27FC236}">
-                  <a16:creationId xmlns="" xmlns:a16="http://schemas.microsoft.com/office/drawing/2014/main" id="{416AF927-57FE-4603-AD93-C2086E3C9766}"/>
+                  <a16:creationId xmlns:a16="http://schemas.microsoft.com/office/drawing/2014/main" id="{416AF927-57FE-4603-AD93-C2086E3C9766}"/>
                 </a:ext>
               </a:extLst>
             </p:cNvPr>
@@ -8520,27 +8540,27 @@
                 </a:spcAft>
               </a:pPr>
               <a:r>
-                <a:rPr lang="en-US" sz="5500" b="1" u="sng" kern="0" dirty="0">
+                <a:rPr lang="en-US" sz="5500" b="1" kern="0" dirty="0">
                   <a:solidFill>
                     <a:srgbClr val="FF8000"/>
                   </a:solidFill>
                   <a:latin typeface="Calibri" panose="020F0502020204030204" pitchFamily="34" charset="0"/>
                   <a:cs typeface="Arial" panose="020B0604020202020204" pitchFamily="34" charset="0"/>
                 </a:rPr>
-                <a:t>3</a:t>
+                <a:t>4</a:t>
               </a:r>
             </a:p>
           </p:txBody>
         </p:sp>
       </p:grpSp>
-      <mc:AlternateContent xmlns:mc="http://schemas.openxmlformats.org/markup-compatibility/2006" xmlns:a14="http://schemas.microsoft.com/office/drawing/2010/main">
-        <mc:Choice Requires="a14">
+      <mc:AlternateContent xmlns:mc="http://schemas.openxmlformats.org/markup-compatibility/2006">
+        <mc:Choice xmlns:a14="http://schemas.microsoft.com/office/drawing/2010/main" Requires="a14">
           <p:graphicFrame>
             <p:nvGraphicFramePr>
               <p:cNvPr id="112" name="Table 111">
                 <a:extLst>
                   <a:ext uri="{FF2B5EF4-FFF2-40B4-BE49-F238E27FC236}">
-                    <a16:creationId xmlns="" xmlns:a16="http://schemas.microsoft.com/office/drawing/2014/main" id="{75DCAF6B-1142-4A53-8ECA-23BCA547B62C}"/>
+                    <a16:creationId xmlns:a16="http://schemas.microsoft.com/office/drawing/2014/main" id="{75DCAF6B-1142-4A53-8ECA-23BCA547B62C}"/>
                   </a:ext>
                 </a:extLst>
               </p:cNvPr>
@@ -8556,7 +8576,7 @@
               </p:nvPr>
             </p:nvGraphicFramePr>
             <p:xfrm>
-              <a:off x="17317398" y="21052202"/>
+              <a:off x="17315017" y="21049822"/>
               <a:ext cx="14422576" cy="9115489"/>
             </p:xfrm>
             <a:graphic>
@@ -8569,56 +8589,56 @@
                     <a:gridCol w="576085">
                       <a:extLst>
                         <a:ext uri="{9D8B030D-6E8A-4147-A177-3AD203B41FA5}">
-                          <a16:colId xmlns="" xmlns:a16="http://schemas.microsoft.com/office/drawing/2014/main" val="3197574381"/>
+                          <a16:colId xmlns:a16="http://schemas.microsoft.com/office/drawing/2014/main" val="3197574381"/>
                         </a:ext>
                       </a:extLst>
                     </a:gridCol>
                     <a:gridCol w="1368201">
                       <a:extLst>
                         <a:ext uri="{9D8B030D-6E8A-4147-A177-3AD203B41FA5}">
-                          <a16:colId xmlns="" xmlns:a16="http://schemas.microsoft.com/office/drawing/2014/main" val="4074414025"/>
+                          <a16:colId xmlns:a16="http://schemas.microsoft.com/office/drawing/2014/main" val="4074414025"/>
                         </a:ext>
                       </a:extLst>
                     </a:gridCol>
                     <a:gridCol w="1764259">
                       <a:extLst>
                         <a:ext uri="{9D8B030D-6E8A-4147-A177-3AD203B41FA5}">
-                          <a16:colId xmlns="" xmlns:a16="http://schemas.microsoft.com/office/drawing/2014/main" val="3000387878"/>
+                          <a16:colId xmlns:a16="http://schemas.microsoft.com/office/drawing/2014/main" val="3000387878"/>
                         </a:ext>
                       </a:extLst>
                     </a:gridCol>
                     <a:gridCol w="2701444">
                       <a:extLst>
                         <a:ext uri="{9D8B030D-6E8A-4147-A177-3AD203B41FA5}">
-                          <a16:colId xmlns="" xmlns:a16="http://schemas.microsoft.com/office/drawing/2014/main" val="2368814726"/>
+                          <a16:colId xmlns:a16="http://schemas.microsoft.com/office/drawing/2014/main" val="2368814726"/>
                         </a:ext>
                       </a:extLst>
                     </a:gridCol>
                     <a:gridCol w="2503777">
                       <a:extLst>
                         <a:ext uri="{9D8B030D-6E8A-4147-A177-3AD203B41FA5}">
-                          <a16:colId xmlns="" xmlns:a16="http://schemas.microsoft.com/office/drawing/2014/main" val="1709447781"/>
+                          <a16:colId xmlns:a16="http://schemas.microsoft.com/office/drawing/2014/main" val="1709447781"/>
                         </a:ext>
                       </a:extLst>
                     </a:gridCol>
                     <a:gridCol w="1836270">
                       <a:extLst>
                         <a:ext uri="{9D8B030D-6E8A-4147-A177-3AD203B41FA5}">
-                          <a16:colId xmlns="" xmlns:a16="http://schemas.microsoft.com/office/drawing/2014/main" val="2150489925"/>
+                          <a16:colId xmlns:a16="http://schemas.microsoft.com/office/drawing/2014/main" val="2150489925"/>
                         </a:ext>
                       </a:extLst>
                     </a:gridCol>
                     <a:gridCol w="1836270">
                       <a:extLst>
                         <a:ext uri="{9D8B030D-6E8A-4147-A177-3AD203B41FA5}">
-                          <a16:colId xmlns="" xmlns:a16="http://schemas.microsoft.com/office/drawing/2014/main" val="4143285275"/>
+                          <a16:colId xmlns:a16="http://schemas.microsoft.com/office/drawing/2014/main" val="4143285275"/>
                         </a:ext>
                       </a:extLst>
                     </a:gridCol>
                     <a:gridCol w="1836270">
                       <a:extLst>
                         <a:ext uri="{9D8B030D-6E8A-4147-A177-3AD203B41FA5}">
-                          <a16:colId xmlns="" xmlns:a16="http://schemas.microsoft.com/office/drawing/2014/main" val="2491369531"/>
+                          <a16:colId xmlns:a16="http://schemas.microsoft.com/office/drawing/2014/main" val="2491369531"/>
                         </a:ext>
                       </a:extLst>
                     </a:gridCol>
@@ -8694,18 +8714,13 @@
                         <a:p>
                           <a:pPr algn="ctr"/>
                           <a:r>
-                            <a:rPr lang="en-US" sz="3500" b="1" dirty="0" smtClean="0">
+                            <a:rPr lang="en-US" sz="3500" b="1" dirty="0">
                               <a:solidFill>
                                 <a:schemeClr val="tx1"/>
                               </a:solidFill>
                             </a:rPr>
                             <a:t>model</a:t>
                           </a:r>
-                          <a:endParaRPr lang="en-US" sz="3500" b="1" dirty="0">
-                            <a:solidFill>
-                              <a:schemeClr val="tx1"/>
-                            </a:solidFill>
-                          </a:endParaRPr>
                         </a:p>
                       </a:txBody>
                       <a:tcPr marL="91453" marR="91453" marT="45725" marB="45725" anchor="ctr">
@@ -8867,18 +8882,13 @@
                         <a:p>
                           <a:pPr algn="ctr"/>
                           <a:r>
-                            <a:rPr lang="en-US" sz="3500" b="1" dirty="0" smtClean="0">
+                            <a:rPr lang="en-US" sz="3500" b="1" dirty="0">
                               <a:solidFill>
                                 <a:schemeClr val="tx1"/>
                               </a:solidFill>
                             </a:rPr>
                             <a:t>Permutated</a:t>
                           </a:r>
-                          <a:endParaRPr lang="en-US" sz="3500" b="1" dirty="0">
-                            <a:solidFill>
-                              <a:schemeClr val="tx1"/>
-                            </a:solidFill>
-                          </a:endParaRPr>
                         </a:p>
                       </a:txBody>
                       <a:tcPr marL="91453" marR="91453" marT="45725" marB="45725" anchor="ctr">
@@ -9138,7 +9148,7 @@
                     </a:tc>
                     <a:extLst>
                       <a:ext uri="{0D108BD9-81ED-4DB2-BD59-A6C34878D82A}">
-                        <a16:rowId xmlns="" xmlns:a16="http://schemas.microsoft.com/office/drawing/2014/main" val="2478262155"/>
+                        <a16:rowId xmlns:a16="http://schemas.microsoft.com/office/drawing/2014/main" val="2478262155"/>
                       </a:ext>
                     </a:extLst>
                   </a:tr>
@@ -9562,7 +9572,7 @@
                     </a:tc>
                     <a:extLst>
                       <a:ext uri="{0D108BD9-81ED-4DB2-BD59-A6C34878D82A}">
-                        <a16:rowId xmlns="" xmlns:a16="http://schemas.microsoft.com/office/drawing/2014/main" val="574326359"/>
+                        <a16:rowId xmlns:a16="http://schemas.microsoft.com/office/drawing/2014/main" val="574326359"/>
                       </a:ext>
                     </a:extLst>
                   </a:tr>
@@ -9678,7 +9688,7 @@
                                 <m:sSubPr>
                                   <m:ctrlPr>
                                     <a:rPr lang="en-US" sz="3600" b="0" i="1" smtClean="0">
-                                      <a:latin typeface="Cambria Math"/>
+                                      <a:latin typeface="Cambria Math" panose="02040503050406030204" pitchFamily="18" charset="0"/>
                                     </a:rPr>
                                   </m:ctrlPr>
                                 </m:sSubPr>
@@ -10024,7 +10034,7 @@
                     </a:tc>
                     <a:extLst>
                       <a:ext uri="{0D108BD9-81ED-4DB2-BD59-A6C34878D82A}">
-                        <a16:rowId xmlns="" xmlns:a16="http://schemas.microsoft.com/office/drawing/2014/main" val="3732417302"/>
+                        <a16:rowId xmlns:a16="http://schemas.microsoft.com/office/drawing/2014/main" val="3732417302"/>
                       </a:ext>
                     </a:extLst>
                   </a:tr>
@@ -10107,7 +10117,7 @@
                                 <m:sSubPr>
                                   <m:ctrlPr>
                                     <a:rPr lang="en-US" sz="3600" b="0" i="1" smtClean="0">
-                                      <a:latin typeface="Cambria Math"/>
+                                      <a:latin typeface="Cambria Math" panose="02040503050406030204" pitchFamily="18" charset="0"/>
                                     </a:rPr>
                                   </m:ctrlPr>
                                 </m:sSubPr>
@@ -10441,7 +10451,7 @@
                     </a:tc>
                     <a:extLst>
                       <a:ext uri="{0D108BD9-81ED-4DB2-BD59-A6C34878D82A}">
-                        <a16:rowId xmlns="" xmlns:a16="http://schemas.microsoft.com/office/drawing/2014/main" val="1610165467"/>
+                        <a16:rowId xmlns:a16="http://schemas.microsoft.com/office/drawing/2014/main" val="1610165467"/>
                       </a:ext>
                     </a:extLst>
                   </a:tr>
@@ -10524,7 +10534,7 @@
                                 <m:sSubPr>
                                   <m:ctrlPr>
                                     <a:rPr lang="en-US" sz="3600" b="0" i="1" smtClean="0">
-                                      <a:latin typeface="Cambria Math"/>
+                                      <a:latin typeface="Cambria Math" panose="02040503050406030204" pitchFamily="18" charset="0"/>
                                     </a:rPr>
                                   </m:ctrlPr>
                                 </m:sSubPr>
@@ -10859,7 +10869,7 @@
                     </a:tc>
                     <a:extLst>
                       <a:ext uri="{0D108BD9-81ED-4DB2-BD59-A6C34878D82A}">
-                        <a16:rowId xmlns="" xmlns:a16="http://schemas.microsoft.com/office/drawing/2014/main" val="4128712398"/>
+                        <a16:rowId xmlns:a16="http://schemas.microsoft.com/office/drawing/2014/main" val="4128712398"/>
                       </a:ext>
                     </a:extLst>
                   </a:tr>
@@ -11283,7 +11293,7 @@
                     </a:tc>
                     <a:extLst>
                       <a:ext uri="{0D108BD9-81ED-4DB2-BD59-A6C34878D82A}">
-                        <a16:rowId xmlns="" xmlns:a16="http://schemas.microsoft.com/office/drawing/2014/main" val="1714240357"/>
+                        <a16:rowId xmlns:a16="http://schemas.microsoft.com/office/drawing/2014/main" val="1714240357"/>
                       </a:ext>
                     </a:extLst>
                   </a:tr>
@@ -11679,7 +11689,7 @@
                     </a:tc>
                     <a:extLst>
                       <a:ext uri="{0D108BD9-81ED-4DB2-BD59-A6C34878D82A}">
-                        <a16:rowId xmlns="" xmlns:a16="http://schemas.microsoft.com/office/drawing/2014/main" val="1136772937"/>
+                        <a16:rowId xmlns:a16="http://schemas.microsoft.com/office/drawing/2014/main" val="1136772937"/>
                       </a:ext>
                     </a:extLst>
                   </a:tr>
@@ -12098,7 +12108,7 @@
                     </a:tc>
                     <a:extLst>
                       <a:ext uri="{0D108BD9-81ED-4DB2-BD59-A6C34878D82A}">
-                        <a16:rowId xmlns="" xmlns:a16="http://schemas.microsoft.com/office/drawing/2014/main" val="273075946"/>
+                        <a16:rowId xmlns:a16="http://schemas.microsoft.com/office/drawing/2014/main" val="273075946"/>
                       </a:ext>
                     </a:extLst>
                   </a:tr>
@@ -12619,7 +12629,7 @@
                     </a:tc>
                     <a:extLst>
                       <a:ext uri="{0D108BD9-81ED-4DB2-BD59-A6C34878D82A}">
-                        <a16:rowId xmlns="" xmlns:a16="http://schemas.microsoft.com/office/drawing/2014/main" val="106372282"/>
+                        <a16:rowId xmlns:a16="http://schemas.microsoft.com/office/drawing/2014/main" val="106372282"/>
                       </a:ext>
                     </a:extLst>
                   </a:tr>
@@ -13043,7 +13053,7 @@
                     </a:tc>
                     <a:extLst>
                       <a:ext uri="{0D108BD9-81ED-4DB2-BD59-A6C34878D82A}">
-                        <a16:rowId xmlns="" xmlns:a16="http://schemas.microsoft.com/office/drawing/2014/main" val="67320090"/>
+                        <a16:rowId xmlns:a16="http://schemas.microsoft.com/office/drawing/2014/main" val="67320090"/>
                       </a:ext>
                     </a:extLst>
                   </a:tr>
@@ -13159,7 +13169,7 @@
                                 <m:sSubPr>
                                   <m:ctrlPr>
                                     <a:rPr lang="en-US" sz="3600" b="0" i="1" smtClean="0">
-                                      <a:latin typeface="Cambria Math"/>
+                                      <a:latin typeface="Cambria Math" panose="02040503050406030204" pitchFamily="18" charset="0"/>
                                     </a:rPr>
                                   </m:ctrlPr>
                                 </m:sSubPr>
@@ -13505,7 +13515,7 @@
                     </a:tc>
                     <a:extLst>
                       <a:ext uri="{0D108BD9-81ED-4DB2-BD59-A6C34878D82A}">
-                        <a16:rowId xmlns="" xmlns:a16="http://schemas.microsoft.com/office/drawing/2014/main" val="1110501758"/>
+                        <a16:rowId xmlns:a16="http://schemas.microsoft.com/office/drawing/2014/main" val="1110501758"/>
                       </a:ext>
                     </a:extLst>
                   </a:tr>
@@ -13588,7 +13598,7 @@
                                 <m:sSubPr>
                                   <m:ctrlPr>
                                     <a:rPr lang="en-US" sz="3600" b="0" i="1" smtClean="0">
-                                      <a:latin typeface="Cambria Math"/>
+                                      <a:latin typeface="Cambria Math" panose="02040503050406030204" pitchFamily="18" charset="0"/>
                                     </a:rPr>
                                   </m:ctrlPr>
                                 </m:sSubPr>
@@ -13932,7 +13942,7 @@
                     </a:tc>
                     <a:extLst>
                       <a:ext uri="{0D108BD9-81ED-4DB2-BD59-A6C34878D82A}">
-                        <a16:rowId xmlns="" xmlns:a16="http://schemas.microsoft.com/office/drawing/2014/main" val="3418596869"/>
+                        <a16:rowId xmlns:a16="http://schemas.microsoft.com/office/drawing/2014/main" val="3418596869"/>
                       </a:ext>
                     </a:extLst>
                   </a:tr>
@@ -14015,7 +14025,7 @@
                                 <m:sSubPr>
                                   <m:ctrlPr>
                                     <a:rPr lang="en-US" sz="3600" b="0" i="1" smtClean="0">
-                                      <a:latin typeface="Cambria Math"/>
+                                      <a:latin typeface="Cambria Math" panose="02040503050406030204" pitchFamily="18" charset="0"/>
                                     </a:rPr>
                                   </m:ctrlPr>
                                 </m:sSubPr>
@@ -14365,7 +14375,7 @@
                     </a:tc>
                     <a:extLst>
                       <a:ext uri="{0D108BD9-81ED-4DB2-BD59-A6C34878D82A}">
-                        <a16:rowId xmlns="" xmlns:a16="http://schemas.microsoft.com/office/drawing/2014/main" val="115005646"/>
+                        <a16:rowId xmlns:a16="http://schemas.microsoft.com/office/drawing/2014/main" val="115005646"/>
                       </a:ext>
                     </a:extLst>
                   </a:tr>
@@ -14789,7 +14799,7 @@
                     </a:tc>
                     <a:extLst>
                       <a:ext uri="{0D108BD9-81ED-4DB2-BD59-A6C34878D82A}">
-                        <a16:rowId xmlns="" xmlns:a16="http://schemas.microsoft.com/office/drawing/2014/main" val="2163458290"/>
+                        <a16:rowId xmlns:a16="http://schemas.microsoft.com/office/drawing/2014/main" val="2163458290"/>
                       </a:ext>
                     </a:extLst>
                   </a:tr>
@@ -15185,7 +15195,7 @@
                     </a:tc>
                     <a:extLst>
                       <a:ext uri="{0D108BD9-81ED-4DB2-BD59-A6C34878D82A}">
-                        <a16:rowId xmlns="" xmlns:a16="http://schemas.microsoft.com/office/drawing/2014/main" val="20039438"/>
+                        <a16:rowId xmlns:a16="http://schemas.microsoft.com/office/drawing/2014/main" val="20039438"/>
                       </a:ext>
                     </a:extLst>
                   </a:tr>
@@ -15194,13 +15204,13 @@
             </a:graphic>
           </p:graphicFrame>
         </mc:Choice>
-        <mc:Fallback xmlns="">
+        <mc:Fallback>
           <p:graphicFrame>
             <p:nvGraphicFramePr>
               <p:cNvPr id="112" name="Table 111">
                 <a:extLst>
                   <a:ext uri="{FF2B5EF4-FFF2-40B4-BE49-F238E27FC236}">
-                    <a16:creationId xmlns:a16="http://schemas.microsoft.com/office/drawing/2014/main" xmlns:a14="http://schemas.microsoft.com/office/drawing/2010/main" xmlns="" id="{75DCAF6B-1142-4A53-8ECA-23BCA547B62C}"/>
+                    <a16:creationId xmlns:a16="http://schemas.microsoft.com/office/drawing/2014/main" id="{75DCAF6B-1142-4A53-8ECA-23BCA547B62C}"/>
                   </a:ext>
                 </a:extLst>
               </p:cNvPr>
@@ -15216,7 +15226,7 @@
               </p:nvPr>
             </p:nvGraphicFramePr>
             <p:xfrm>
-              <a:off x="17317398" y="21052202"/>
+              <a:off x="17315017" y="21049822"/>
               <a:ext cx="14422576" cy="9115489"/>
             </p:xfrm>
             <a:graphic>
@@ -15229,56 +15239,56 @@
                     <a:gridCol w="576085">
                       <a:extLst>
                         <a:ext uri="{9D8B030D-6E8A-4147-A177-3AD203B41FA5}">
-                          <a16:colId xmlns:a16="http://schemas.microsoft.com/office/drawing/2014/main" xmlns:a14="http://schemas.microsoft.com/office/drawing/2010/main" xmlns="" val="3197574381"/>
+                          <a16:colId xmlns:a16="http://schemas.microsoft.com/office/drawing/2014/main" val="3197574381"/>
                         </a:ext>
                       </a:extLst>
                     </a:gridCol>
                     <a:gridCol w="1368201">
                       <a:extLst>
                         <a:ext uri="{9D8B030D-6E8A-4147-A177-3AD203B41FA5}">
-                          <a16:colId xmlns:a16="http://schemas.microsoft.com/office/drawing/2014/main" xmlns:a14="http://schemas.microsoft.com/office/drawing/2010/main" xmlns="" val="4074414025"/>
+                          <a16:colId xmlns:a16="http://schemas.microsoft.com/office/drawing/2014/main" val="4074414025"/>
                         </a:ext>
                       </a:extLst>
                     </a:gridCol>
                     <a:gridCol w="1764259">
                       <a:extLst>
                         <a:ext uri="{9D8B030D-6E8A-4147-A177-3AD203B41FA5}">
-                          <a16:colId xmlns:a16="http://schemas.microsoft.com/office/drawing/2014/main" xmlns:a14="http://schemas.microsoft.com/office/drawing/2010/main" xmlns="" val="3000387878"/>
+                          <a16:colId xmlns:a16="http://schemas.microsoft.com/office/drawing/2014/main" val="3000387878"/>
                         </a:ext>
                       </a:extLst>
                     </a:gridCol>
                     <a:gridCol w="2701444">
                       <a:extLst>
                         <a:ext uri="{9D8B030D-6E8A-4147-A177-3AD203B41FA5}">
-                          <a16:colId xmlns:a16="http://schemas.microsoft.com/office/drawing/2014/main" xmlns:a14="http://schemas.microsoft.com/office/drawing/2010/main" xmlns="" val="2368814726"/>
+                          <a16:colId xmlns:a16="http://schemas.microsoft.com/office/drawing/2014/main" val="2368814726"/>
                         </a:ext>
                       </a:extLst>
                     </a:gridCol>
                     <a:gridCol w="2503777">
                       <a:extLst>
                         <a:ext uri="{9D8B030D-6E8A-4147-A177-3AD203B41FA5}">
-                          <a16:colId xmlns:a16="http://schemas.microsoft.com/office/drawing/2014/main" xmlns:a14="http://schemas.microsoft.com/office/drawing/2010/main" xmlns="" val="1709447781"/>
+                          <a16:colId xmlns:a16="http://schemas.microsoft.com/office/drawing/2014/main" val="1709447781"/>
                         </a:ext>
                       </a:extLst>
                     </a:gridCol>
                     <a:gridCol w="1836270">
                       <a:extLst>
                         <a:ext uri="{9D8B030D-6E8A-4147-A177-3AD203B41FA5}">
-                          <a16:colId xmlns:a16="http://schemas.microsoft.com/office/drawing/2014/main" xmlns:a14="http://schemas.microsoft.com/office/drawing/2010/main" xmlns="" val="2150489925"/>
+                          <a16:colId xmlns:a16="http://schemas.microsoft.com/office/drawing/2014/main" val="2150489925"/>
                         </a:ext>
                       </a:extLst>
                     </a:gridCol>
                     <a:gridCol w="1836270">
                       <a:extLst>
                         <a:ext uri="{9D8B030D-6E8A-4147-A177-3AD203B41FA5}">
-                          <a16:colId xmlns:a16="http://schemas.microsoft.com/office/drawing/2014/main" xmlns:a14="http://schemas.microsoft.com/office/drawing/2010/main" xmlns="" val="4143285275"/>
+                          <a16:colId xmlns:a16="http://schemas.microsoft.com/office/drawing/2014/main" val="4143285275"/>
                         </a:ext>
                       </a:extLst>
                     </a:gridCol>
                     <a:gridCol w="1836270">
                       <a:extLst>
                         <a:ext uri="{9D8B030D-6E8A-4147-A177-3AD203B41FA5}">
-                          <a16:colId xmlns:a16="http://schemas.microsoft.com/office/drawing/2014/main" xmlns:a14="http://schemas.microsoft.com/office/drawing/2010/main" xmlns="" val="2491369531"/>
+                          <a16:colId xmlns:a16="http://schemas.microsoft.com/office/drawing/2014/main" val="2491369531"/>
                         </a:ext>
                       </a:extLst>
                     </a:gridCol>
@@ -15354,18 +15364,13 @@
                         <a:p>
                           <a:pPr algn="ctr"/>
                           <a:r>
-                            <a:rPr lang="en-US" sz="3500" b="1" dirty="0" smtClean="0">
+                            <a:rPr lang="en-US" sz="3500" b="1" dirty="0">
                               <a:solidFill>
                                 <a:schemeClr val="tx1"/>
                               </a:solidFill>
                             </a:rPr>
                             <a:t>model</a:t>
                           </a:r>
-                          <a:endParaRPr lang="en-US" sz="3500" b="1" dirty="0">
-                            <a:solidFill>
-                              <a:schemeClr val="tx1"/>
-                            </a:solidFill>
-                          </a:endParaRPr>
                         </a:p>
                       </a:txBody>
                       <a:tcPr marL="91453" marR="91453" marT="45725" marB="45725" anchor="ctr">
@@ -15527,18 +15532,13 @@
                         <a:p>
                           <a:pPr algn="ctr"/>
                           <a:r>
-                            <a:rPr lang="en-US" sz="3500" b="1" dirty="0" smtClean="0">
+                            <a:rPr lang="en-US" sz="3500" b="1" dirty="0">
                               <a:solidFill>
                                 <a:schemeClr val="tx1"/>
                               </a:solidFill>
                             </a:rPr>
                             <a:t>Permutated</a:t>
                           </a:r>
-                          <a:endParaRPr lang="en-US" sz="3500" b="1" dirty="0">
-                            <a:solidFill>
-                              <a:schemeClr val="tx1"/>
-                            </a:solidFill>
-                          </a:endParaRPr>
                         </a:p>
                       </a:txBody>
                       <a:tcPr marL="91453" marR="91453" marT="45725" marB="45725" anchor="ctr">
@@ -15798,7 +15798,7 @@
                     </a:tc>
                     <a:extLst>
                       <a:ext uri="{0D108BD9-81ED-4DB2-BD59-A6C34878D82A}">
-                        <a16:rowId xmlns:a16="http://schemas.microsoft.com/office/drawing/2014/main" xmlns:a14="http://schemas.microsoft.com/office/drawing/2010/main" xmlns="" val="2478262155"/>
+                        <a16:rowId xmlns:a16="http://schemas.microsoft.com/office/drawing/2014/main" val="2478262155"/>
                       </a:ext>
                     </a:extLst>
                   </a:tr>
@@ -16222,7 +16222,7 @@
                     </a:tc>
                     <a:extLst>
                       <a:ext uri="{0D108BD9-81ED-4DB2-BD59-A6C34878D82A}">
-                        <a16:rowId xmlns:a16="http://schemas.microsoft.com/office/drawing/2014/main" xmlns:a14="http://schemas.microsoft.com/office/drawing/2010/main" xmlns="" val="574326359"/>
+                        <a16:rowId xmlns:a16="http://schemas.microsoft.com/office/drawing/2014/main" val="574326359"/>
                       </a:ext>
                     </a:extLst>
                   </a:tr>
@@ -16347,10 +16347,10 @@
                           <a:headEnd type="none" w="med" len="med"/>
                           <a:tailEnd type="none" w="med" len="med"/>
                         </a:lnB>
-                        <a:blipFill rotWithShape="1">
+                        <a:blipFill>
                           <a:blip r:embed="rId25"/>
                           <a:stretch>
-                            <a:fillRect l="-116955" t="-212381" r="-608304" b="-1161905"/>
+                            <a:fillRect l="-116552" t="-212381" r="-608276" b="-1161905"/>
                           </a:stretch>
                         </a:blipFill>
                       </a:tcPr>
@@ -16635,7 +16635,7 @@
                     </a:tc>
                     <a:extLst>
                       <a:ext uri="{0D108BD9-81ED-4DB2-BD59-A6C34878D82A}">
-                        <a16:rowId xmlns:a16="http://schemas.microsoft.com/office/drawing/2014/main" xmlns:a14="http://schemas.microsoft.com/office/drawing/2010/main" xmlns="" val="3732417302"/>
+                        <a16:rowId xmlns:a16="http://schemas.microsoft.com/office/drawing/2014/main" val="3732417302"/>
                       </a:ext>
                     </a:extLst>
                   </a:tr>
@@ -16743,10 +16743,10 @@
                           <a:headEnd type="none" w="med" len="med"/>
                           <a:tailEnd type="none" w="med" len="med"/>
                         </a:lnB>
-                        <a:blipFill rotWithShape="1">
+                        <a:blipFill>
                           <a:blip r:embed="rId25"/>
                           <a:stretch>
-                            <a:fillRect l="-116955" t="-312381" r="-608304" b="-1061905"/>
+                            <a:fillRect l="-116552" t="-312381" r="-608276" b="-1061905"/>
                           </a:stretch>
                         </a:blipFill>
                       </a:tcPr>
@@ -17019,7 +17019,7 @@
                     </a:tc>
                     <a:extLst>
                       <a:ext uri="{0D108BD9-81ED-4DB2-BD59-A6C34878D82A}">
-                        <a16:rowId xmlns:a16="http://schemas.microsoft.com/office/drawing/2014/main" xmlns:a14="http://schemas.microsoft.com/office/drawing/2010/main" xmlns="" val="1610165467"/>
+                        <a16:rowId xmlns:a16="http://schemas.microsoft.com/office/drawing/2014/main" val="1610165467"/>
                       </a:ext>
                     </a:extLst>
                   </a:tr>
@@ -17127,10 +17127,10 @@
                           <a:headEnd type="none" w="med" len="med"/>
                           <a:tailEnd type="none" w="med" len="med"/>
                         </a:lnB>
-                        <a:blipFill rotWithShape="1">
+                        <a:blipFill>
                           <a:blip r:embed="rId25"/>
                           <a:stretch>
-                            <a:fillRect l="-116955" t="-412381" r="-608304" b="-961905"/>
+                            <a:fillRect l="-116552" t="-412381" r="-608276" b="-961905"/>
                           </a:stretch>
                         </a:blipFill>
                       </a:tcPr>
@@ -17403,7 +17403,7 @@
                     </a:tc>
                     <a:extLst>
                       <a:ext uri="{0D108BD9-81ED-4DB2-BD59-A6C34878D82A}">
-                        <a16:rowId xmlns:a16="http://schemas.microsoft.com/office/drawing/2014/main" xmlns:a14="http://schemas.microsoft.com/office/drawing/2010/main" xmlns="" val="4128712398"/>
+                        <a16:rowId xmlns:a16="http://schemas.microsoft.com/office/drawing/2014/main" val="4128712398"/>
                       </a:ext>
                     </a:extLst>
                   </a:tr>
@@ -17827,7 +17827,7 @@
                     </a:tc>
                     <a:extLst>
                       <a:ext uri="{0D108BD9-81ED-4DB2-BD59-A6C34878D82A}">
-                        <a16:rowId xmlns:a16="http://schemas.microsoft.com/office/drawing/2014/main" xmlns:a14="http://schemas.microsoft.com/office/drawing/2010/main" xmlns="" val="1714240357"/>
+                        <a16:rowId xmlns:a16="http://schemas.microsoft.com/office/drawing/2014/main" val="1714240357"/>
                       </a:ext>
                     </a:extLst>
                   </a:tr>
@@ -18223,7 +18223,7 @@
                     </a:tc>
                     <a:extLst>
                       <a:ext uri="{0D108BD9-81ED-4DB2-BD59-A6C34878D82A}">
-                        <a16:rowId xmlns:a16="http://schemas.microsoft.com/office/drawing/2014/main" xmlns:a14="http://schemas.microsoft.com/office/drawing/2010/main" xmlns="" val="1136772937"/>
+                        <a16:rowId xmlns:a16="http://schemas.microsoft.com/office/drawing/2014/main" val="1136772937"/>
                       </a:ext>
                     </a:extLst>
                   </a:tr>
@@ -18642,7 +18642,7 @@
                     </a:tc>
                     <a:extLst>
                       <a:ext uri="{0D108BD9-81ED-4DB2-BD59-A6C34878D82A}">
-                        <a16:rowId xmlns:a16="http://schemas.microsoft.com/office/drawing/2014/main" xmlns:a14="http://schemas.microsoft.com/office/drawing/2010/main" xmlns="" val="273075946"/>
+                        <a16:rowId xmlns:a16="http://schemas.microsoft.com/office/drawing/2014/main" val="273075946"/>
                       </a:ext>
                     </a:extLst>
                   </a:tr>
@@ -19163,7 +19163,7 @@
                     </a:tc>
                     <a:extLst>
                       <a:ext uri="{0D108BD9-81ED-4DB2-BD59-A6C34878D82A}">
-                        <a16:rowId xmlns:a16="http://schemas.microsoft.com/office/drawing/2014/main" xmlns:a14="http://schemas.microsoft.com/office/drawing/2010/main" xmlns="" val="106372282"/>
+                        <a16:rowId xmlns:a16="http://schemas.microsoft.com/office/drawing/2014/main" val="106372282"/>
                       </a:ext>
                     </a:extLst>
                   </a:tr>
@@ -19587,7 +19587,7 @@
                     </a:tc>
                     <a:extLst>
                       <a:ext uri="{0D108BD9-81ED-4DB2-BD59-A6C34878D82A}">
-                        <a16:rowId xmlns:a16="http://schemas.microsoft.com/office/drawing/2014/main" xmlns:a14="http://schemas.microsoft.com/office/drawing/2010/main" xmlns="" val="67320090"/>
+                        <a16:rowId xmlns:a16="http://schemas.microsoft.com/office/drawing/2014/main" val="67320090"/>
                       </a:ext>
                     </a:extLst>
                   </a:tr>
@@ -19712,10 +19712,10 @@
                           <a:headEnd type="none" w="med" len="med"/>
                           <a:tailEnd type="none" w="med" len="med"/>
                         </a:lnB>
-                        <a:blipFill rotWithShape="1">
+                        <a:blipFill>
                           <a:blip r:embed="rId25"/>
                           <a:stretch>
-                            <a:fillRect l="-116955" t="-943810" r="-608304" b="-430476"/>
+                            <a:fillRect l="-116552" t="-943810" r="-608276" b="-430476"/>
                           </a:stretch>
                         </a:blipFill>
                       </a:tcPr>
@@ -20000,7 +20000,7 @@
                     </a:tc>
                     <a:extLst>
                       <a:ext uri="{0D108BD9-81ED-4DB2-BD59-A6C34878D82A}">
-                        <a16:rowId xmlns:a16="http://schemas.microsoft.com/office/drawing/2014/main" xmlns:a14="http://schemas.microsoft.com/office/drawing/2010/main" xmlns="" val="1110501758"/>
+                        <a16:rowId xmlns:a16="http://schemas.microsoft.com/office/drawing/2014/main" val="1110501758"/>
                       </a:ext>
                     </a:extLst>
                   </a:tr>
@@ -20108,10 +20108,10 @@
                           <a:headEnd type="none" w="med" len="med"/>
                           <a:tailEnd type="none" w="med" len="med"/>
                         </a:lnB>
-                        <a:blipFill rotWithShape="1">
+                        <a:blipFill>
                           <a:blip r:embed="rId25"/>
                           <a:stretch>
-                            <a:fillRect l="-116955" t="-1043810" r="-608304" b="-330476"/>
+                            <a:fillRect l="-116552" t="-1043810" r="-608276" b="-330476"/>
                           </a:stretch>
                         </a:blipFill>
                       </a:tcPr>
@@ -20394,7 +20394,7 @@
                     </a:tc>
                     <a:extLst>
                       <a:ext uri="{0D108BD9-81ED-4DB2-BD59-A6C34878D82A}">
-                        <a16:rowId xmlns:a16="http://schemas.microsoft.com/office/drawing/2014/main" xmlns:a14="http://schemas.microsoft.com/office/drawing/2010/main" xmlns="" val="3418596869"/>
+                        <a16:rowId xmlns:a16="http://schemas.microsoft.com/office/drawing/2014/main" val="3418596869"/>
                       </a:ext>
                     </a:extLst>
                   </a:tr>
@@ -20502,10 +20502,10 @@
                           <a:headEnd type="none" w="med" len="med"/>
                           <a:tailEnd type="none" w="med" len="med"/>
                         </a:lnB>
-                        <a:blipFill rotWithShape="1">
+                        <a:blipFill>
                           <a:blip r:embed="rId25"/>
                           <a:stretch>
-                            <a:fillRect l="-116955" t="-1143810" r="-608304" b="-230476"/>
+                            <a:fillRect l="-116552" t="-1143810" r="-608276" b="-230476"/>
                           </a:stretch>
                         </a:blipFill>
                       </a:tcPr>
@@ -20793,7 +20793,7 @@
                     </a:tc>
                     <a:extLst>
                       <a:ext uri="{0D108BD9-81ED-4DB2-BD59-A6C34878D82A}">
-                        <a16:rowId xmlns:a16="http://schemas.microsoft.com/office/drawing/2014/main" xmlns:a14="http://schemas.microsoft.com/office/drawing/2010/main" xmlns="" val="115005646"/>
+                        <a16:rowId xmlns:a16="http://schemas.microsoft.com/office/drawing/2014/main" val="115005646"/>
                       </a:ext>
                     </a:extLst>
                   </a:tr>
@@ -21217,7 +21217,7 @@
                     </a:tc>
                     <a:extLst>
                       <a:ext uri="{0D108BD9-81ED-4DB2-BD59-A6C34878D82A}">
-                        <a16:rowId xmlns:a16="http://schemas.microsoft.com/office/drawing/2014/main" xmlns:a14="http://schemas.microsoft.com/office/drawing/2010/main" xmlns="" val="2163458290"/>
+                        <a16:rowId xmlns:a16="http://schemas.microsoft.com/office/drawing/2014/main" val="2163458290"/>
                       </a:ext>
                     </a:extLst>
                   </a:tr>
@@ -21613,7 +21613,7 @@
                     </a:tc>
                     <a:extLst>
                       <a:ext uri="{0D108BD9-81ED-4DB2-BD59-A6C34878D82A}">
-                        <a16:rowId xmlns:a16="http://schemas.microsoft.com/office/drawing/2014/main" xmlns:a14="http://schemas.microsoft.com/office/drawing/2010/main" xmlns="" val="20039438"/>
+                        <a16:rowId xmlns:a16="http://schemas.microsoft.com/office/drawing/2014/main" val="20039438"/>
                       </a:ext>
                     </a:extLst>
                   </a:tr>
@@ -21628,7 +21628,7 @@
           <p:cNvPr id="113" name="Text Box 24">
             <a:extLst>
               <a:ext uri="{FF2B5EF4-FFF2-40B4-BE49-F238E27FC236}">
-                <a16:creationId xmlns="" xmlns:a16="http://schemas.microsoft.com/office/drawing/2014/main" id="{6D9FF79C-648C-46CE-B96C-67F2287316E1}"/>
+                <a16:creationId xmlns:a16="http://schemas.microsoft.com/office/drawing/2014/main" id="{6D9FF79C-648C-46CE-B96C-67F2287316E1}"/>
               </a:ext>
             </a:extLst>
           </p:cNvPr>
@@ -21637,7 +21637,7 @@
         </p:nvSpPr>
         <p:spPr>
           <a:xfrm>
-            <a:off x="6120900" y="38755386"/>
+            <a:off x="6118520" y="38753006"/>
             <a:ext cx="20162963" cy="843085"/>
           </a:xfrm>
           <a:prstGeom prst="rect">
@@ -21688,7 +21688,7 @@
           <p:cNvPr id="111" name="Table 110">
             <a:extLst>
               <a:ext uri="{FF2B5EF4-FFF2-40B4-BE49-F238E27FC236}">
-                <a16:creationId xmlns="" xmlns:a16="http://schemas.microsoft.com/office/drawing/2014/main" id="{256B0E97-9FC0-4336-A0AA-EF10AB8858AB}"/>
+                <a16:creationId xmlns:a16="http://schemas.microsoft.com/office/drawing/2014/main" id="{256B0E97-9FC0-4336-A0AA-EF10AB8858AB}"/>
               </a:ext>
             </a:extLst>
           </p:cNvPr>
@@ -21704,7 +21704,7 @@
           </p:nvPr>
         </p:nvGraphicFramePr>
         <p:xfrm>
-          <a:off x="6120900" y="39597879"/>
+          <a:off x="6118519" y="39595498"/>
           <a:ext cx="20162964" cy="1738992"/>
         </p:xfrm>
         <a:graphic>
@@ -21717,21 +21717,21 @@
                 <a:gridCol w="6720988">
                   <a:extLst>
                     <a:ext uri="{9D8B030D-6E8A-4147-A177-3AD203B41FA5}">
-                      <a16:colId xmlns="" xmlns:a16="http://schemas.microsoft.com/office/drawing/2014/main" val="2304463853"/>
+                      <a16:colId xmlns:a16="http://schemas.microsoft.com/office/drawing/2014/main" val="2304463853"/>
                     </a:ext>
                   </a:extLst>
                 </a:gridCol>
                 <a:gridCol w="6720988">
                   <a:extLst>
                     <a:ext uri="{9D8B030D-6E8A-4147-A177-3AD203B41FA5}">
-                      <a16:colId xmlns="" xmlns:a16="http://schemas.microsoft.com/office/drawing/2014/main" val="3677737521"/>
+                      <a16:colId xmlns:a16="http://schemas.microsoft.com/office/drawing/2014/main" val="3677737521"/>
                     </a:ext>
                   </a:extLst>
                 </a:gridCol>
                 <a:gridCol w="6720988">
                   <a:extLst>
                     <a:ext uri="{9D8B030D-6E8A-4147-A177-3AD203B41FA5}">
-                      <a16:colId xmlns="" xmlns:a16="http://schemas.microsoft.com/office/drawing/2014/main" val="536389119"/>
+                      <a16:colId xmlns:a16="http://schemas.microsoft.com/office/drawing/2014/main" val="536389119"/>
                     </a:ext>
                   </a:extLst>
                 </a:gridCol>
@@ -21976,7 +21976,7 @@
                 </a:tc>
                 <a:extLst>
                   <a:ext uri="{0D108BD9-81ED-4DB2-BD59-A6C34878D82A}">
-                    <a16:rowId xmlns="" xmlns:a16="http://schemas.microsoft.com/office/drawing/2014/main" val="1438742136"/>
+                    <a16:rowId xmlns:a16="http://schemas.microsoft.com/office/drawing/2014/main" val="1438742136"/>
                   </a:ext>
                 </a:extLst>
               </a:tr>
@@ -21992,7 +21992,7 @@
         </p:nvSpPr>
         <p:spPr>
           <a:xfrm>
-            <a:off x="18619361" y="20292854"/>
+            <a:off x="18616981" y="20290473"/>
             <a:ext cx="11792933" cy="630942"/>
           </a:xfrm>
           <a:prstGeom prst="rect">
@@ -22019,6 +22019,63 @@
               <a:t>Classification error (%) on the first 1000 test samples</a:t>
             </a:r>
             <a:endParaRPr lang="en-US" sz="3500" dirty="0"/>
+          </a:p>
+        </p:txBody>
+      </p:sp>
+      <p:sp>
+        <p:nvSpPr>
+          <p:cNvPr id="114" name="Text Box 24">
+            <a:extLst>
+              <a:ext uri="{FF2B5EF4-FFF2-40B4-BE49-F238E27FC236}">
+                <a16:creationId xmlns:a16="http://schemas.microsoft.com/office/drawing/2014/main" id="{69EF3450-8E24-42D9-8B1D-9196AFF8CEF3}"/>
+              </a:ext>
+            </a:extLst>
+          </p:cNvPr>
+          <p:cNvSpPr txBox="1"/>
+          <p:nvPr/>
+        </p:nvSpPr>
+        <p:spPr>
+          <a:xfrm>
+            <a:off x="716400" y="18777600"/>
+            <a:ext cx="720106" cy="843085"/>
+          </a:xfrm>
+          <a:prstGeom prst="rect">
+            <a:avLst/>
+          </a:prstGeom>
+          <a:solidFill>
+            <a:schemeClr val="bg1"/>
+          </a:solidFill>
+          <a:ln w="6350">
+            <a:noFill/>
+          </a:ln>
+        </p:spPr>
+        <p:txBody>
+          <a:bodyPr rot="0" spcFirstLastPara="0" vert="horz" wrap="square" lIns="91440" tIns="45720" rIns="91440" bIns="45720" numCol="1" spcCol="0" rtlCol="0" fromWordArt="0" anchor="ctr" anchorCtr="0" forceAA="0" compatLnSpc="1">
+            <a:prstTxWarp prst="textNoShape">
+              <a:avLst/>
+            </a:prstTxWarp>
+            <a:noAutofit/>
+          </a:bodyPr>
+          <a:lstStyle/>
+          <a:p>
+            <a:pPr algn="ctr">
+              <a:lnSpc>
+                <a:spcPct val="115000"/>
+              </a:lnSpc>
+              <a:spcAft>
+                <a:spcPts val="1000"/>
+              </a:spcAft>
+            </a:pPr>
+            <a:r>
+              <a:rPr lang="en-US" sz="5500" b="1" kern="0" dirty="0">
+                <a:solidFill>
+                  <a:srgbClr val="FF8000"/>
+                </a:solidFill>
+                <a:latin typeface="Calibri" panose="020F0502020204030204" pitchFamily="34" charset="0"/>
+                <a:cs typeface="Arial" panose="020B0604020202020204" pitchFamily="34" charset="0"/>
+              </a:rPr>
+              <a:t>1</a:t>
+            </a:r>
           </a:p>
         </p:txBody>
       </p:sp>
@@ -22078,7 +22135,7 @@
     </a:clrScheme>
     <a:fontScheme name="Office Theme">
       <a:majorFont>
-        <a:latin typeface="Calibri Light"/>
+        <a:latin typeface="Calibri Light" panose="020F0302020204030204"/>
         <a:ea typeface=""/>
         <a:cs typeface=""/>
         <a:font script="Jpan" typeface="游ゴシック Light"/>
@@ -22113,7 +22170,7 @@
         <a:font script="Geor" typeface="Sylfaen"/>
       </a:majorFont>
       <a:minorFont>
-        <a:latin typeface="Calibri"/>
+        <a:latin typeface="Calibri" panose="020F0502020204030204"/>
         <a:ea typeface=""/>
         <a:cs typeface=""/>
         <a:font script="Jpan" typeface="游ゴシック"/>
@@ -22290,7 +22347,7 @@
   <a:extraClrSchemeLst/>
   <a:extLst>
     <a:ext uri="{05A4C25C-085E-4340-85A3-A5531E510DB2}">
-      <thm15:themeFamily xmlns="" xmlns:thm15="http://schemas.microsoft.com/office/thememl/2012/main" name="Office Theme" id="{62F939B6-93AF-4DB8-9C6B-D6C7DFDC589F}" vid="{4A3C46E8-61CC-4603-A589-7422A47A8E4A}"/>
+      <thm15:themeFamily xmlns:thm15="http://schemas.microsoft.com/office/thememl/2012/main" name="Office Theme" id="{62F939B6-93AF-4DB8-9C6B-D6C7DFDC589F}" vid="{4A3C46E8-61CC-4603-A589-7422A47A8E4A}"/>
     </a:ext>
   </a:extLst>
 </a:theme>

--- a/poster.pptx
+++ b/poster.pptx
@@ -274,7 +274,7 @@
           <a:p>
             <a:fld id="{FD4B236B-4127-4146-99ED-6A730B7745F6}" type="datetimeFigureOut">
               <a:rPr lang="en-US" smtClean="0"/>
-              <a:t>6/11/2019</a:t>
+              <a:t>6/12/2019</a:t>
             </a:fld>
             <a:endParaRPr lang="en-US"/>
           </a:p>
@@ -444,7 +444,7 @@
           <a:p>
             <a:fld id="{FD4B236B-4127-4146-99ED-6A730B7745F6}" type="datetimeFigureOut">
               <a:rPr lang="en-US" smtClean="0"/>
-              <a:t>6/11/2019</a:t>
+              <a:t>6/12/2019</a:t>
             </a:fld>
             <a:endParaRPr lang="en-US"/>
           </a:p>
@@ -624,7 +624,7 @@
           <a:p>
             <a:fld id="{FD4B236B-4127-4146-99ED-6A730B7745F6}" type="datetimeFigureOut">
               <a:rPr lang="en-US" smtClean="0"/>
-              <a:t>6/11/2019</a:t>
+              <a:t>6/12/2019</a:t>
             </a:fld>
             <a:endParaRPr lang="en-US"/>
           </a:p>
@@ -794,7 +794,7 @@
           <a:p>
             <a:fld id="{FD4B236B-4127-4146-99ED-6A730B7745F6}" type="datetimeFigureOut">
               <a:rPr lang="en-US" smtClean="0"/>
-              <a:t>6/11/2019</a:t>
+              <a:t>6/12/2019</a:t>
             </a:fld>
             <a:endParaRPr lang="en-US"/>
           </a:p>
@@ -1038,7 +1038,7 @@
           <a:p>
             <a:fld id="{FD4B236B-4127-4146-99ED-6A730B7745F6}" type="datetimeFigureOut">
               <a:rPr lang="en-US" smtClean="0"/>
-              <a:t>6/11/2019</a:t>
+              <a:t>6/12/2019</a:t>
             </a:fld>
             <a:endParaRPr lang="en-US"/>
           </a:p>
@@ -1270,7 +1270,7 @@
           <a:p>
             <a:fld id="{FD4B236B-4127-4146-99ED-6A730B7745F6}" type="datetimeFigureOut">
               <a:rPr lang="en-US" smtClean="0"/>
-              <a:t>6/11/2019</a:t>
+              <a:t>6/12/2019</a:t>
             </a:fld>
             <a:endParaRPr lang="en-US"/>
           </a:p>
@@ -1637,7 +1637,7 @@
           <a:p>
             <a:fld id="{FD4B236B-4127-4146-99ED-6A730B7745F6}" type="datetimeFigureOut">
               <a:rPr lang="en-US" smtClean="0"/>
-              <a:t>6/11/2019</a:t>
+              <a:t>6/12/2019</a:t>
             </a:fld>
             <a:endParaRPr lang="en-US"/>
           </a:p>
@@ -1755,7 +1755,7 @@
           <a:p>
             <a:fld id="{FD4B236B-4127-4146-99ED-6A730B7745F6}" type="datetimeFigureOut">
               <a:rPr lang="en-US" smtClean="0"/>
-              <a:t>6/11/2019</a:t>
+              <a:t>6/12/2019</a:t>
             </a:fld>
             <a:endParaRPr lang="en-US"/>
           </a:p>
@@ -1850,7 +1850,7 @@
           <a:p>
             <a:fld id="{FD4B236B-4127-4146-99ED-6A730B7745F6}" type="datetimeFigureOut">
               <a:rPr lang="en-US" smtClean="0"/>
-              <a:t>6/11/2019</a:t>
+              <a:t>6/12/2019</a:t>
             </a:fld>
             <a:endParaRPr lang="en-US"/>
           </a:p>
@@ -2127,7 +2127,7 @@
           <a:p>
             <a:fld id="{FD4B236B-4127-4146-99ED-6A730B7745F6}" type="datetimeFigureOut">
               <a:rPr lang="en-US" smtClean="0"/>
-              <a:t>6/11/2019</a:t>
+              <a:t>6/12/2019</a:t>
             </a:fld>
             <a:endParaRPr lang="en-US"/>
           </a:p>
@@ -2384,7 +2384,7 @@
           <a:p>
             <a:fld id="{FD4B236B-4127-4146-99ED-6A730B7745F6}" type="datetimeFigureOut">
               <a:rPr lang="en-US" smtClean="0"/>
-              <a:t>6/11/2019</a:t>
+              <a:t>6/12/2019</a:t>
             </a:fld>
             <a:endParaRPr lang="en-US"/>
           </a:p>
@@ -2597,7 +2597,7 @@
           <a:p>
             <a:fld id="{FD4B236B-4127-4146-99ED-6A730B7745F6}" type="datetimeFigureOut">
               <a:rPr lang="en-US" smtClean="0"/>
-              <a:t>6/11/2019</a:t>
+              <a:t>6/12/2019</a:t>
             </a:fld>
             <a:endParaRPr lang="en-US"/>
           </a:p>
@@ -3038,58 +3038,6 @@
           </a:extLst>
         </p:spPr>
       </p:pic>
-      <p:sp>
-        <p:nvSpPr>
-          <p:cNvPr id="5" name="TextBox 4">
-            <a:extLst>
-              <a:ext uri="{FF2B5EF4-FFF2-40B4-BE49-F238E27FC236}">
-                <a16:creationId xmlns:a16="http://schemas.microsoft.com/office/drawing/2014/main" id="{21C35AA9-4CC2-4426-A6E4-1B8D70582002}"/>
-              </a:ext>
-            </a:extLst>
-          </p:cNvPr>
-          <p:cNvSpPr txBox="1"/>
-          <p:nvPr/>
-        </p:nvSpPr>
-        <p:spPr>
-          <a:xfrm>
-            <a:off x="19666459" y="30511550"/>
-            <a:ext cx="9722858" cy="631022"/>
-          </a:xfrm>
-          <a:prstGeom prst="rect">
-            <a:avLst/>
-          </a:prstGeom>
-          <a:noFill/>
-        </p:spPr>
-        <p:txBody>
-          <a:bodyPr wrap="square" lIns="91458" tIns="45730" rIns="91458" bIns="45730" rtlCol="0">
-            <a:spAutoFit/>
-          </a:bodyPr>
-          <a:lstStyle/>
-          <a:p>
-            <a:pPr algn="ctr"/>
-            <a:r>
-              <a:rPr lang="en-US" sz="3500" b="1" dirty="0">
-                <a:solidFill>
-                  <a:srgbClr val="4A929C"/>
-                </a:solidFill>
-              </a:rPr>
-              <a:t>Table 1:</a:t>
-            </a:r>
-            <a:r>
-              <a:rPr lang="en-US" sz="3500" b="1" dirty="0">
-                <a:solidFill>
-                  <a:srgbClr val="5F8388"/>
-                </a:solidFill>
-              </a:rPr>
-              <a:t> </a:t>
-            </a:r>
-            <a:r>
-              <a:rPr lang="en-US" sz="3500" dirty="0"/>
-              <a:t>table containing all the results</a:t>
-            </a:r>
-          </a:p>
-        </p:txBody>
-      </p:sp>
       <p:grpSp>
         <p:nvGrpSpPr>
           <p:cNvPr id="15" name="Group 14">
@@ -3148,7 +3096,7 @@
             <a:p>
               <a:pPr algn="ctr"/>
               <a:r>
-                <a:rPr lang="en-US" sz="3500" b="1" dirty="0"/>
+                <a:rPr lang="en-US" sz="3500" dirty="0"/>
                 <a:t>Building high accuracy DNN models which are sufficiently resistant to adversarial attacks</a:t>
               </a:r>
             </a:p>
@@ -3171,8 +3119,10 @@
               <a:off x="5565" y="1"/>
               <a:ext cx="2936192" cy="237739"/>
             </a:xfrm>
-            <a:prstGeom prst="rect">
-              <a:avLst/>
+            <a:prstGeom prst="roundRect">
+              <a:avLst>
+                <a:gd name="adj" fmla="val 50000"/>
+              </a:avLst>
             </a:prstGeom>
             <a:solidFill>
               <a:srgbClr val="FF8000"/>
@@ -3463,285 +3413,6 @@
           </a:prstGeom>
         </p:spPr>
       </p:pic>
-      <p:grpSp>
-        <p:nvGrpSpPr>
-          <p:cNvPr id="24" name="Group 23">
-            <a:extLst>
-              <a:ext uri="{FF2B5EF4-FFF2-40B4-BE49-F238E27FC236}">
-                <a16:creationId xmlns:a16="http://schemas.microsoft.com/office/drawing/2014/main" id="{53C697AF-52E9-4D36-A2E7-D8ED4F552308}"/>
-              </a:ext>
-            </a:extLst>
-          </p:cNvPr>
-          <p:cNvGrpSpPr/>
-          <p:nvPr/>
-        </p:nvGrpSpPr>
-        <p:grpSpPr>
-          <a:xfrm>
-            <a:off x="1436402" y="18777749"/>
-            <a:ext cx="13683598" cy="2616877"/>
-            <a:chOff x="154718" y="1"/>
-            <a:chExt cx="2936532" cy="737925"/>
-          </a:xfrm>
-        </p:grpSpPr>
-        <p:sp>
-          <p:nvSpPr>
-            <p:cNvPr id="25" name="תיבת טקסט 18">
-              <a:extLst>
-                <a:ext uri="{FF2B5EF4-FFF2-40B4-BE49-F238E27FC236}">
-                  <a16:creationId xmlns:a16="http://schemas.microsoft.com/office/drawing/2014/main" id="{6C754D3D-FCC2-4053-9892-AAF25C0F628F}"/>
-                </a:ext>
-              </a:extLst>
-            </p:cNvPr>
-            <p:cNvSpPr txBox="1"/>
-            <p:nvPr/>
-          </p:nvSpPr>
-          <p:spPr>
-            <a:xfrm>
-              <a:off x="154718" y="242463"/>
-              <a:ext cx="2936532" cy="495463"/>
-            </a:xfrm>
-            <a:prstGeom prst="rect">
-              <a:avLst/>
-            </a:prstGeom>
-            <a:noFill/>
-            <a:ln w="25400" cap="flat" cmpd="sng" algn="ctr">
-              <a:noFill/>
-              <a:prstDash val="solid"/>
-            </a:ln>
-            <a:effectLst/>
-          </p:spPr>
-          <p:txBody>
-            <a:bodyPr rot="0" spcFirstLastPara="0" vert="horz" wrap="square" lIns="91440" tIns="45720" rIns="91440" bIns="45720" numCol="1" spcCol="0" rtlCol="1" fromWordArt="0" anchor="t" anchorCtr="0" forceAA="0" compatLnSpc="1">
-              <a:prstTxWarp prst="textNoShape">
-                <a:avLst/>
-              </a:prstTxWarp>
-              <a:noAutofit/>
-            </a:bodyPr>
-            <a:lstStyle/>
-            <a:p>
-              <a:pPr marL="571500" indent="-571500">
-                <a:buFont typeface="Arial" pitchFamily="34" charset="0"/>
-                <a:buChar char="•"/>
-              </a:pPr>
-              <a:r>
-                <a:rPr lang="en-US" sz="3700" dirty="0" err="1"/>
-                <a:t>Mnist</a:t>
-              </a:r>
-              <a:r>
-                <a:rPr lang="en-US" sz="3700" dirty="0"/>
-                <a:t> and Fashion-</a:t>
-              </a:r>
-              <a:r>
-                <a:rPr lang="en-US" sz="3700" dirty="0" err="1"/>
-                <a:t>Mnist</a:t>
-              </a:r>
-              <a:r>
-                <a:rPr lang="en-US" sz="3700" dirty="0"/>
-                <a:t> datasets</a:t>
-              </a:r>
-            </a:p>
-            <a:p>
-              <a:pPr marL="571500" indent="-571500">
-                <a:buFont typeface="Arial" pitchFamily="34" charset="0"/>
-                <a:buChar char="•"/>
-              </a:pPr>
-              <a:r>
-                <a:rPr lang="en-US" sz="3700" dirty="0"/>
-                <a:t>Using well-known neural nets</a:t>
-              </a:r>
-            </a:p>
-            <a:p>
-              <a:pPr marL="571500" indent="-571500">
-                <a:buFont typeface="Arial" pitchFamily="34" charset="0"/>
-                <a:buChar char="•"/>
-              </a:pPr>
-              <a:r>
-                <a:rPr lang="en-US" sz="3700" dirty="0"/>
-                <a:t>Training ‘unsecured’ models</a:t>
-              </a:r>
-            </a:p>
-          </p:txBody>
-        </p:sp>
-        <p:sp>
-          <p:nvSpPr>
-            <p:cNvPr id="26" name="Text Box 24">
-              <a:extLst>
-                <a:ext uri="{FF2B5EF4-FFF2-40B4-BE49-F238E27FC236}">
-                  <a16:creationId xmlns:a16="http://schemas.microsoft.com/office/drawing/2014/main" id="{5784222E-502A-4E2C-92F0-7F73523B69C2}"/>
-                </a:ext>
-              </a:extLst>
-            </p:cNvPr>
-            <p:cNvSpPr txBox="1"/>
-            <p:nvPr/>
-          </p:nvSpPr>
-          <p:spPr>
-            <a:xfrm>
-              <a:off x="154718" y="1"/>
-              <a:ext cx="2936532" cy="237739"/>
-            </a:xfrm>
-            <a:prstGeom prst="rect">
-              <a:avLst/>
-            </a:prstGeom>
-            <a:solidFill>
-              <a:srgbClr val="FF8000"/>
-            </a:solidFill>
-            <a:ln w="6350">
-              <a:noFill/>
-            </a:ln>
-          </p:spPr>
-          <p:txBody>
-            <a:bodyPr rot="0" spcFirstLastPara="0" vert="horz" wrap="square" lIns="91440" tIns="45720" rIns="91440" bIns="45720" numCol="1" spcCol="0" rtlCol="0" fromWordArt="0" anchor="ctr" anchorCtr="0" forceAA="0" compatLnSpc="1">
-              <a:prstTxWarp prst="textNoShape">
-                <a:avLst/>
-              </a:prstTxWarp>
-              <a:noAutofit/>
-            </a:bodyPr>
-            <a:lstStyle/>
-            <a:p>
-              <a:pPr>
-                <a:lnSpc>
-                  <a:spcPct val="115000"/>
-                </a:lnSpc>
-                <a:spcAft>
-                  <a:spcPts val="1000"/>
-                </a:spcAft>
-              </a:pPr>
-              <a:r>
-                <a:rPr lang="en-US" sz="4000" b="1" kern="0" dirty="0">
-                  <a:solidFill>
-                    <a:srgbClr val="FFFFFF"/>
-                  </a:solidFill>
-                  <a:latin typeface="Calibri" panose="020F0502020204030204" pitchFamily="34" charset="0"/>
-                  <a:cs typeface="Arial" panose="020B0604020202020204" pitchFamily="34" charset="0"/>
-                </a:rPr>
-                <a:t>Set-Up</a:t>
-              </a:r>
-            </a:p>
-          </p:txBody>
-        </p:sp>
-      </p:grpSp>
-      <p:grpSp>
-        <p:nvGrpSpPr>
-          <p:cNvPr id="27" name="Group 26">
-            <a:extLst>
-              <a:ext uri="{FF2B5EF4-FFF2-40B4-BE49-F238E27FC236}">
-                <a16:creationId xmlns:a16="http://schemas.microsoft.com/office/drawing/2014/main" id="{BE2EB11C-DC87-4601-B21E-EF3216172AD9}"/>
-              </a:ext>
-            </a:extLst>
-          </p:cNvPr>
-          <p:cNvGrpSpPr/>
-          <p:nvPr/>
-        </p:nvGrpSpPr>
-        <p:grpSpPr>
-          <a:xfrm>
-            <a:off x="17280160" y="18155194"/>
-            <a:ext cx="14402118" cy="1964602"/>
-            <a:chOff x="-154593" y="1"/>
-            <a:chExt cx="3090728" cy="553992"/>
-          </a:xfrm>
-        </p:grpSpPr>
-        <p:sp>
-          <p:nvSpPr>
-            <p:cNvPr id="28" name="תיבת טקסט 18">
-              <a:extLst>
-                <a:ext uri="{FF2B5EF4-FFF2-40B4-BE49-F238E27FC236}">
-                  <a16:creationId xmlns:a16="http://schemas.microsoft.com/office/drawing/2014/main" id="{533A65D4-67FB-4E41-9421-FD9DB044B4D3}"/>
-                </a:ext>
-              </a:extLst>
-            </p:cNvPr>
-            <p:cNvSpPr txBox="1"/>
-            <p:nvPr/>
-          </p:nvSpPr>
-          <p:spPr>
-            <a:xfrm>
-              <a:off x="-154593" y="242463"/>
-              <a:ext cx="3090728" cy="311530"/>
-            </a:xfrm>
-            <a:prstGeom prst="rect">
-              <a:avLst/>
-            </a:prstGeom>
-            <a:noFill/>
-            <a:ln w="25400" cap="flat" cmpd="sng" algn="ctr">
-              <a:noFill/>
-              <a:prstDash val="solid"/>
-            </a:ln>
-            <a:effectLst/>
-          </p:spPr>
-          <p:txBody>
-            <a:bodyPr rot="0" spcFirstLastPara="0" vert="horz" wrap="square" lIns="91440" tIns="45720" rIns="91440" bIns="45720" numCol="1" spcCol="0" rtlCol="1" fromWordArt="0" anchor="t" anchorCtr="0" forceAA="0" compatLnSpc="1">
-              <a:prstTxWarp prst="textNoShape">
-                <a:avLst/>
-              </a:prstTxWarp>
-              <a:noAutofit/>
-            </a:bodyPr>
-            <a:lstStyle/>
-            <a:p>
-              <a:pPr lvl="0"/>
-              <a:r>
-                <a:rPr lang="en-US" sz="3700" dirty="0"/>
-                <a:t>There’s a slight tradeoff between accuracy on the original images and the accuracy on the adversarial images, but overall, accuracies are good</a:t>
-              </a:r>
-            </a:p>
-          </p:txBody>
-        </p:sp>
-        <p:sp>
-          <p:nvSpPr>
-            <p:cNvPr id="29" name="Text Box 24">
-              <a:extLst>
-                <a:ext uri="{FF2B5EF4-FFF2-40B4-BE49-F238E27FC236}">
-                  <a16:creationId xmlns:a16="http://schemas.microsoft.com/office/drawing/2014/main" id="{2A78BB05-F2A3-49E9-8FBE-55ACFE4F4914}"/>
-                </a:ext>
-              </a:extLst>
-            </p:cNvPr>
-            <p:cNvSpPr txBox="1"/>
-            <p:nvPr/>
-          </p:nvSpPr>
-          <p:spPr>
-            <a:xfrm>
-              <a:off x="-154593" y="1"/>
-              <a:ext cx="3090728" cy="237739"/>
-            </a:xfrm>
-            <a:prstGeom prst="rect">
-              <a:avLst/>
-            </a:prstGeom>
-            <a:solidFill>
-              <a:srgbClr val="FF8000"/>
-            </a:solidFill>
-            <a:ln w="6350">
-              <a:noFill/>
-            </a:ln>
-          </p:spPr>
-          <p:txBody>
-            <a:bodyPr rot="0" spcFirstLastPara="0" vert="horz" wrap="square" lIns="91440" tIns="45720" rIns="91440" bIns="45720" numCol="1" spcCol="0" rtlCol="0" fromWordArt="0" anchor="ctr" anchorCtr="0" forceAA="0" compatLnSpc="1">
-              <a:prstTxWarp prst="textNoShape">
-                <a:avLst/>
-              </a:prstTxWarp>
-              <a:noAutofit/>
-            </a:bodyPr>
-            <a:lstStyle/>
-            <a:p>
-              <a:pPr>
-                <a:lnSpc>
-                  <a:spcPct val="115000"/>
-                </a:lnSpc>
-                <a:spcAft>
-                  <a:spcPts val="1000"/>
-                </a:spcAft>
-              </a:pPr>
-              <a:r>
-                <a:rPr lang="en-US" sz="4000" b="1" kern="0" dirty="0">
-                  <a:solidFill>
-                    <a:srgbClr val="FFFFFF"/>
-                  </a:solidFill>
-                  <a:latin typeface="Calibri" panose="020F0502020204030204" pitchFamily="34" charset="0"/>
-                  <a:cs typeface="Arial" panose="020B0604020202020204" pitchFamily="34" charset="0"/>
-                </a:rPr>
-                <a:t>Results</a:t>
-              </a:r>
-            </a:p>
-          </p:txBody>
-        </p:sp>
-      </p:grpSp>
       <p:pic>
         <p:nvPicPr>
           <p:cNvPr id="31" name="Picture 30">
@@ -3939,725 +3610,6 @@
           </a:p>
         </p:txBody>
       </p:sp>
-      <p:grpSp>
-        <p:nvGrpSpPr>
-          <p:cNvPr id="36" name="Group 35">
-            <a:extLst>
-              <a:ext uri="{FF2B5EF4-FFF2-40B4-BE49-F238E27FC236}">
-                <a16:creationId xmlns:a16="http://schemas.microsoft.com/office/drawing/2014/main" id="{FA965725-A401-41A8-8CF1-A77E14832757}"/>
-              </a:ext>
-            </a:extLst>
-          </p:cNvPr>
-          <p:cNvGrpSpPr/>
-          <p:nvPr/>
-        </p:nvGrpSpPr>
-        <p:grpSpPr>
-          <a:xfrm>
-            <a:off x="717727" y="9310950"/>
-            <a:ext cx="14402117" cy="4706895"/>
-            <a:chOff x="488" y="1"/>
-            <a:chExt cx="3090728" cy="1327283"/>
-          </a:xfrm>
-        </p:grpSpPr>
-        <p:sp>
-          <p:nvSpPr>
-            <p:cNvPr id="37" name="תיבת טקסט 18">
-              <a:extLst>
-                <a:ext uri="{FF2B5EF4-FFF2-40B4-BE49-F238E27FC236}">
-                  <a16:creationId xmlns:a16="http://schemas.microsoft.com/office/drawing/2014/main" id="{DFA3AD4F-9BEE-44BC-8F51-FA5B66553EE6}"/>
-                </a:ext>
-              </a:extLst>
-            </p:cNvPr>
-            <p:cNvSpPr txBox="1"/>
-            <p:nvPr/>
-          </p:nvSpPr>
-          <p:spPr>
-            <a:xfrm>
-              <a:off x="488" y="242463"/>
-              <a:ext cx="3090728" cy="1084821"/>
-            </a:xfrm>
-            <a:prstGeom prst="rect">
-              <a:avLst/>
-            </a:prstGeom>
-            <a:noFill/>
-            <a:ln w="25400" cap="flat" cmpd="sng" algn="ctr">
-              <a:noFill/>
-              <a:prstDash val="solid"/>
-            </a:ln>
-            <a:effectLst/>
-          </p:spPr>
-          <p:txBody>
-            <a:bodyPr rot="0" spcFirstLastPara="0" vert="horz" wrap="square" lIns="91440" tIns="45720" rIns="91440" bIns="45720" numCol="1" spcCol="0" rtlCol="1" fromWordArt="0" anchor="t" anchorCtr="0" forceAA="0" compatLnSpc="1">
-              <a:prstTxWarp prst="textNoShape">
-                <a:avLst/>
-              </a:prstTxWarp>
-              <a:noAutofit/>
-            </a:bodyPr>
-            <a:lstStyle/>
-            <a:p>
-              <a:pPr marL="571500" indent="-571500">
-                <a:buFont typeface="Arial" pitchFamily="34" charset="0"/>
-                <a:buChar char="•"/>
-              </a:pPr>
-              <a:r>
-                <a:rPr lang="en-US" sz="3700" dirty="0"/>
-                <a:t>An adversarial example is an instance with small, intentional feature perturbations that causes a machine learning model to make a false prediction.</a:t>
-              </a:r>
-            </a:p>
-            <a:p>
-              <a:pPr marL="571500" indent="-571500">
-                <a:buFont typeface="Arial" pitchFamily="34" charset="0"/>
-                <a:buChar char="•"/>
-              </a:pPr>
-              <a:r>
-                <a:rPr lang="en-US" sz="3700" dirty="0"/>
-                <a:t>The goal is to Find a way to train ‘secured’ models such that this sort of attacks should not affect them.</a:t>
-              </a:r>
-            </a:p>
-            <a:p>
-              <a:pPr marL="571500" indent="-571500">
-                <a:buFont typeface="Arial" pitchFamily="34" charset="0"/>
-                <a:buChar char="•"/>
-              </a:pPr>
-              <a:r>
-                <a:rPr lang="en-US" sz="3700" dirty="0"/>
-                <a:t>Project based on the article </a:t>
-              </a:r>
-              <a:r>
-                <a:rPr lang="en-US" sz="3700" dirty="0">
-                  <a:solidFill>
-                    <a:srgbClr val="0563C1"/>
-                  </a:solidFill>
-                  <a:latin typeface="Calibri" panose="020F0502020204030204" pitchFamily="34" charset="0"/>
-                  <a:ea typeface="Calibri" panose="020F0502020204030204" pitchFamily="34" charset="0"/>
-                  <a:cs typeface="Arial" panose="020B0604020202020204" pitchFamily="34" charset="0"/>
-                  <a:hlinkClick r:id="rId8"/>
-                </a:rPr>
-                <a:t>Bridging machine learning and cryptography in defense against adversarial attacks</a:t>
-              </a:r>
-              <a:endParaRPr lang="en-US" sz="3700" dirty="0"/>
-            </a:p>
-          </p:txBody>
-        </p:sp>
-        <p:sp>
-          <p:nvSpPr>
-            <p:cNvPr id="38" name="Text Box 24">
-              <a:extLst>
-                <a:ext uri="{FF2B5EF4-FFF2-40B4-BE49-F238E27FC236}">
-                  <a16:creationId xmlns:a16="http://schemas.microsoft.com/office/drawing/2014/main" id="{A9FDB1ED-C4C0-480D-80A6-DF5E91D7F8BC}"/>
-                </a:ext>
-              </a:extLst>
-            </p:cNvPr>
-            <p:cNvSpPr txBox="1"/>
-            <p:nvPr/>
-          </p:nvSpPr>
-          <p:spPr>
-            <a:xfrm>
-              <a:off x="488" y="1"/>
-              <a:ext cx="3090728" cy="237739"/>
-            </a:xfrm>
-            <a:prstGeom prst="rect">
-              <a:avLst/>
-            </a:prstGeom>
-            <a:solidFill>
-              <a:srgbClr val="FF8000"/>
-            </a:solidFill>
-            <a:ln w="6350">
-              <a:noFill/>
-            </a:ln>
-          </p:spPr>
-          <p:txBody>
-            <a:bodyPr rot="0" spcFirstLastPara="0" vert="horz" wrap="square" lIns="91440" tIns="45720" rIns="91440" bIns="45720" numCol="1" spcCol="0" rtlCol="0" fromWordArt="0" anchor="ctr" anchorCtr="0" forceAA="0" compatLnSpc="1">
-              <a:prstTxWarp prst="textNoShape">
-                <a:avLst/>
-              </a:prstTxWarp>
-              <a:noAutofit/>
-            </a:bodyPr>
-            <a:lstStyle/>
-            <a:p>
-              <a:pPr>
-                <a:lnSpc>
-                  <a:spcPct val="115000"/>
-                </a:lnSpc>
-                <a:spcAft>
-                  <a:spcPts val="1000"/>
-                </a:spcAft>
-              </a:pPr>
-              <a:r>
-                <a:rPr lang="en-US" sz="4000" b="1" kern="0" dirty="0">
-                  <a:solidFill>
-                    <a:srgbClr val="FFFFFF"/>
-                  </a:solidFill>
-                  <a:latin typeface="Calibri" panose="020F0502020204030204" pitchFamily="34" charset="0"/>
-                  <a:cs typeface="Arial" panose="020B0604020202020204" pitchFamily="34" charset="0"/>
-                </a:rPr>
-                <a:t>Background and Goal</a:t>
-              </a:r>
-            </a:p>
-          </p:txBody>
-        </p:sp>
-      </p:grpSp>
-      <p:grpSp>
-        <p:nvGrpSpPr>
-          <p:cNvPr id="39" name="Group 38">
-            <a:extLst>
-              <a:ext uri="{FF2B5EF4-FFF2-40B4-BE49-F238E27FC236}">
-                <a16:creationId xmlns:a16="http://schemas.microsoft.com/office/drawing/2014/main" id="{AB331618-4256-41BA-8FDD-536DA6766F66}"/>
-              </a:ext>
-            </a:extLst>
-          </p:cNvPr>
-          <p:cNvGrpSpPr>
-            <a:grpSpLocks noChangeAspect="1"/>
-          </p:cNvGrpSpPr>
-          <p:nvPr/>
-        </p:nvGrpSpPr>
-        <p:grpSpPr>
-          <a:xfrm>
-            <a:off x="444701" y="32505610"/>
-            <a:ext cx="14504443" cy="5705060"/>
-            <a:chOff x="9279172" y="23749276"/>
-            <a:chExt cx="13551736" cy="5330722"/>
-          </a:xfrm>
-        </p:grpSpPr>
-        <p:grpSp>
-          <p:nvGrpSpPr>
-            <p:cNvPr id="40" name="Group 39">
-              <a:extLst>
-                <a:ext uri="{FF2B5EF4-FFF2-40B4-BE49-F238E27FC236}">
-                  <a16:creationId xmlns:a16="http://schemas.microsoft.com/office/drawing/2014/main" id="{5B9B95DD-047D-422E-9197-8EB8322A507F}"/>
-                </a:ext>
-              </a:extLst>
-            </p:cNvPr>
-            <p:cNvGrpSpPr/>
-            <p:nvPr/>
-          </p:nvGrpSpPr>
-          <p:grpSpPr>
-            <a:xfrm>
-              <a:off x="9279172" y="23749277"/>
-              <a:ext cx="13551736" cy="5330721"/>
-              <a:chOff x="9279172" y="23749277"/>
-              <a:chExt cx="13551736" cy="5330721"/>
-            </a:xfrm>
-          </p:grpSpPr>
-          <p:grpSp>
-            <p:nvGrpSpPr>
-              <p:cNvPr id="42" name="Group 41">
-                <a:extLst>
-                  <a:ext uri="{FF2B5EF4-FFF2-40B4-BE49-F238E27FC236}">
-                    <a16:creationId xmlns:a16="http://schemas.microsoft.com/office/drawing/2014/main" id="{0F05674C-EA0D-400B-AF01-2B79607B49E6}"/>
-                  </a:ext>
-                </a:extLst>
-              </p:cNvPr>
-              <p:cNvGrpSpPr/>
-              <p:nvPr/>
-            </p:nvGrpSpPr>
-            <p:grpSpPr>
-              <a:xfrm>
-                <a:off x="9279172" y="23750663"/>
-                <a:ext cx="13551736" cy="5329335"/>
-                <a:chOff x="9279172" y="23750663"/>
-                <a:chExt cx="13551736" cy="5329335"/>
-              </a:xfrm>
-            </p:grpSpPr>
-            <p:grpSp>
-              <p:nvGrpSpPr>
-                <p:cNvPr id="44" name="Group 43">
-                  <a:extLst>
-                    <a:ext uri="{FF2B5EF4-FFF2-40B4-BE49-F238E27FC236}">
-                      <a16:creationId xmlns:a16="http://schemas.microsoft.com/office/drawing/2014/main" id="{B60FC61F-D124-4385-9B15-65551D1814D4}"/>
-                    </a:ext>
-                  </a:extLst>
-                </p:cNvPr>
-                <p:cNvGrpSpPr/>
-                <p:nvPr/>
-              </p:nvGrpSpPr>
-              <p:grpSpPr>
-                <a:xfrm>
-                  <a:off x="9279172" y="23895961"/>
-                  <a:ext cx="13551736" cy="5184037"/>
-                  <a:chOff x="9279172" y="23895961"/>
-                  <a:chExt cx="13551736" cy="5184037"/>
-                </a:xfrm>
-              </p:grpSpPr>
-              <p:grpSp>
-                <p:nvGrpSpPr>
-                  <p:cNvPr id="46" name="Group 45">
-                    <a:extLst>
-                      <a:ext uri="{FF2B5EF4-FFF2-40B4-BE49-F238E27FC236}">
-                        <a16:creationId xmlns:a16="http://schemas.microsoft.com/office/drawing/2014/main" id="{7EE2AEAC-C313-4E78-9FAF-E53B60D27895}"/>
-                      </a:ext>
-                    </a:extLst>
-                  </p:cNvPr>
-                  <p:cNvGrpSpPr>
-                    <a:grpSpLocks noChangeAspect="1"/>
-                  </p:cNvGrpSpPr>
-                  <p:nvPr/>
-                </p:nvGrpSpPr>
-                <p:grpSpPr>
-                  <a:xfrm>
-                    <a:off x="9279172" y="23895961"/>
-                    <a:ext cx="13551736" cy="3704893"/>
-                    <a:chOff x="5936044" y="23646432"/>
-                    <a:chExt cx="18610397" cy="5087877"/>
-                  </a:xfrm>
-                </p:grpSpPr>
-                <p:pic>
-                  <p:nvPicPr>
-                    <p:cNvPr id="48" name="Picture 47" descr="A close up of a mans face&#10;&#10;Description automatically generated">
-                      <a:extLst>
-                        <a:ext uri="{FF2B5EF4-FFF2-40B4-BE49-F238E27FC236}">
-                          <a16:creationId xmlns:a16="http://schemas.microsoft.com/office/drawing/2014/main" id="{2957E089-22FB-4FBD-A6DA-88A57E473D60}"/>
-                        </a:ext>
-                      </a:extLst>
-                    </p:cNvPr>
-                    <p:cNvPicPr>
-                      <a:picLocks noChangeAspect="1"/>
-                    </p:cNvPicPr>
-                    <p:nvPr/>
-                  </p:nvPicPr>
-                  <p:blipFill>
-                    <a:blip r:embed="rId9">
-                      <a:extLst>
-                        <a:ext uri="{28A0092B-C50C-407E-A947-70E740481C1C}">
-                          <a14:useLocalDpi xmlns:a14="http://schemas.microsoft.com/office/drawing/2010/main" val="0"/>
-                        </a:ext>
-                      </a:extLst>
-                    </a:blip>
-                    <a:stretch>
-                      <a:fillRect/>
-                    </a:stretch>
-                  </p:blipFill>
-                  <p:spPr>
-                    <a:xfrm>
-                      <a:off x="17770518" y="23646432"/>
-                      <a:ext cx="6775923" cy="5081943"/>
-                    </a:xfrm>
-                    <a:prstGeom prst="rect">
-                      <a:avLst/>
-                    </a:prstGeom>
-                  </p:spPr>
-                </p:pic>
-                <p:pic>
-                  <p:nvPicPr>
-                    <p:cNvPr id="49" name="Picture 48" descr="A picture containing crossword puzzle&#10;&#10;Description automatically generated">
-                      <a:extLst>
-                        <a:ext uri="{FF2B5EF4-FFF2-40B4-BE49-F238E27FC236}">
-                          <a16:creationId xmlns:a16="http://schemas.microsoft.com/office/drawing/2014/main" id="{E1BEC1F8-4C66-44D4-BBC9-5E470E373D7F}"/>
-                        </a:ext>
-                      </a:extLst>
-                    </p:cNvPr>
-                    <p:cNvPicPr>
-                      <a:picLocks noChangeAspect="1"/>
-                    </p:cNvPicPr>
-                    <p:nvPr/>
-                  </p:nvPicPr>
-                  <p:blipFill>
-                    <a:blip r:embed="rId10">
-                      <a:extLst>
-                        <a:ext uri="{28A0092B-C50C-407E-A947-70E740481C1C}">
-                          <a14:useLocalDpi xmlns:a14="http://schemas.microsoft.com/office/drawing/2010/main" val="0"/>
-                        </a:ext>
-                      </a:extLst>
-                    </a:blip>
-                    <a:stretch>
-                      <a:fillRect/>
-                    </a:stretch>
-                  </p:blipFill>
-                  <p:spPr>
-                    <a:xfrm>
-                      <a:off x="11859928" y="23646433"/>
-                      <a:ext cx="6775923" cy="5081943"/>
-                    </a:xfrm>
-                    <a:prstGeom prst="rect">
-                      <a:avLst/>
-                    </a:prstGeom>
-                  </p:spPr>
-                </p:pic>
-                <p:pic>
-                  <p:nvPicPr>
-                    <p:cNvPr id="50" name="Picture 49" descr="A close up of a logo&#10;&#10;Description automatically generated">
-                      <a:extLst>
-                        <a:ext uri="{FF2B5EF4-FFF2-40B4-BE49-F238E27FC236}">
-                          <a16:creationId xmlns:a16="http://schemas.microsoft.com/office/drawing/2014/main" id="{D06E24C7-E118-4768-A7AF-D5733E2080D1}"/>
-                        </a:ext>
-                      </a:extLst>
-                    </p:cNvPr>
-                    <p:cNvPicPr>
-                      <a:picLocks noChangeAspect="1"/>
-                    </p:cNvPicPr>
-                    <p:nvPr/>
-                  </p:nvPicPr>
-                  <p:blipFill>
-                    <a:blip r:embed="rId11">
-                      <a:extLst>
-                        <a:ext uri="{28A0092B-C50C-407E-A947-70E740481C1C}">
-                          <a14:useLocalDpi xmlns:a14="http://schemas.microsoft.com/office/drawing/2010/main" val="0"/>
-                        </a:ext>
-                      </a:extLst>
-                    </a:blip>
-                    <a:stretch>
-                      <a:fillRect/>
-                    </a:stretch>
-                  </p:blipFill>
-                  <p:spPr>
-                    <a:xfrm>
-                      <a:off x="5936044" y="23652366"/>
-                      <a:ext cx="6775927" cy="5081943"/>
-                    </a:xfrm>
-                    <a:prstGeom prst="rect">
-                      <a:avLst/>
-                    </a:prstGeom>
-                  </p:spPr>
-                </p:pic>
-              </p:grpSp>
-              <p:sp>
-                <p:nvSpPr>
-                  <p:cNvPr id="47" name="TextBox 46">
-                    <a:extLst>
-                      <a:ext uri="{FF2B5EF4-FFF2-40B4-BE49-F238E27FC236}">
-                        <a16:creationId xmlns:a16="http://schemas.microsoft.com/office/drawing/2014/main" id="{C79294A2-E6F5-4FE6-A5C7-31B7AD74C375}"/>
-                      </a:ext>
-                    </a:extLst>
-                  </p:cNvPr>
-                  <p:cNvSpPr txBox="1"/>
-                  <p:nvPr/>
-                </p:nvSpPr>
-                <p:spPr>
-                  <a:xfrm>
-                    <a:off x="10151638" y="27483743"/>
-                    <a:ext cx="11930136" cy="1596255"/>
-                  </a:xfrm>
-                  <a:prstGeom prst="rect">
-                    <a:avLst/>
-                  </a:prstGeom>
-                  <a:noFill/>
-                </p:spPr>
-                <p:txBody>
-                  <a:bodyPr wrap="square" rtlCol="0">
-                    <a:spAutoFit/>
-                  </a:bodyPr>
-                  <a:lstStyle/>
-                  <a:p>
-                    <a:pPr algn="ctr"/>
-                    <a:r>
-                      <a:rPr lang="en-US" sz="3500" b="1" dirty="0">
-                        <a:solidFill>
-                          <a:srgbClr val="4A929C"/>
-                        </a:solidFill>
-                      </a:rPr>
-                      <a:t>Figure 3:</a:t>
-                    </a:r>
-                    <a:r>
-                      <a:rPr lang="en-US" sz="3500" dirty="0"/>
-                      <a:t> Sample of the encrypted images. Interesting to see how for the human eye it’s difficult to distinguish between various classes but a DNN model classifies quite well, as can be seen in table 1</a:t>
-                    </a:r>
-                    <a:endParaRPr lang="en-US" sz="3500" b="1" dirty="0"/>
-                  </a:p>
-                </p:txBody>
-              </p:sp>
-            </p:grpSp>
-            <p:sp>
-              <p:nvSpPr>
-                <p:cNvPr id="45" name="TextBox 44">
-                  <a:extLst>
-                    <a:ext uri="{FF2B5EF4-FFF2-40B4-BE49-F238E27FC236}">
-                      <a16:creationId xmlns:a16="http://schemas.microsoft.com/office/drawing/2014/main" id="{1B59A4E0-9B34-4F5E-95D6-EC4DB8C829AC}"/>
-                    </a:ext>
-                  </a:extLst>
-                </p:cNvPr>
-                <p:cNvSpPr txBox="1"/>
-                <p:nvPr/>
-              </p:nvSpPr>
-              <p:spPr>
-                <a:xfrm>
-                  <a:off x="11016321" y="23750663"/>
-                  <a:ext cx="1567300" cy="589608"/>
-                </a:xfrm>
-                <a:prstGeom prst="rect">
-                  <a:avLst/>
-                </a:prstGeom>
-                <a:solidFill>
-                  <a:schemeClr val="bg1"/>
-                </a:solidFill>
-              </p:spPr>
-              <p:txBody>
-                <a:bodyPr wrap="square" rtlCol="0">
-                  <a:spAutoFit/>
-                </a:bodyPr>
-                <a:lstStyle/>
-                <a:p>
-                  <a:pPr algn="ctr"/>
-                  <a:r>
-                    <a:rPr lang="en-US" sz="3500" dirty="0">
-                      <a:solidFill>
-                        <a:srgbClr val="4A929C"/>
-                      </a:solidFill>
-                    </a:rPr>
-                    <a:t>original</a:t>
-                  </a:r>
-                </a:p>
-              </p:txBody>
-            </p:sp>
-          </p:grpSp>
-          <p:sp>
-            <p:nvSpPr>
-              <p:cNvPr id="43" name="TextBox 42">
-                <a:extLst>
-                  <a:ext uri="{FF2B5EF4-FFF2-40B4-BE49-F238E27FC236}">
-                    <a16:creationId xmlns:a16="http://schemas.microsoft.com/office/drawing/2014/main" id="{4902E1DB-BD07-4673-82A5-D643E909A61D}"/>
-                  </a:ext>
-                </a:extLst>
-              </p:cNvPr>
-              <p:cNvSpPr txBox="1"/>
-              <p:nvPr/>
-            </p:nvSpPr>
-            <p:spPr>
-              <a:xfrm>
-                <a:off x="14887636" y="23749277"/>
-                <a:ext cx="2336370" cy="589608"/>
-              </a:xfrm>
-              <a:prstGeom prst="rect">
-                <a:avLst/>
-              </a:prstGeom>
-              <a:solidFill>
-                <a:schemeClr val="bg1"/>
-              </a:solidFill>
-            </p:spPr>
-            <p:txBody>
-              <a:bodyPr wrap="square" rtlCol="0">
-                <a:spAutoFit/>
-              </a:bodyPr>
-              <a:lstStyle/>
-              <a:p>
-                <a:pPr algn="ctr"/>
-                <a:r>
-                  <a:rPr lang="en-US" sz="3500" dirty="0">
-                    <a:solidFill>
-                      <a:srgbClr val="4A929C"/>
-                    </a:solidFill>
-                  </a:rPr>
-                  <a:t>permutated</a:t>
-                </a:r>
-              </a:p>
-            </p:txBody>
-          </p:sp>
-        </p:grpSp>
-        <p:sp>
-          <p:nvSpPr>
-            <p:cNvPr id="41" name="TextBox 40">
-              <a:extLst>
-                <a:ext uri="{FF2B5EF4-FFF2-40B4-BE49-F238E27FC236}">
-                  <a16:creationId xmlns:a16="http://schemas.microsoft.com/office/drawing/2014/main" id="{B6393C5B-F0A1-46CD-AD56-C03B7F835399}"/>
-                </a:ext>
-              </a:extLst>
-            </p:cNvPr>
-            <p:cNvSpPr txBox="1"/>
-            <p:nvPr/>
-          </p:nvSpPr>
-          <p:spPr>
-            <a:xfrm>
-              <a:off x="19580694" y="23749276"/>
-              <a:ext cx="1567300" cy="589608"/>
-            </a:xfrm>
-            <a:prstGeom prst="rect">
-              <a:avLst/>
-            </a:prstGeom>
-            <a:solidFill>
-              <a:schemeClr val="bg1"/>
-            </a:solidFill>
-          </p:spPr>
-          <p:txBody>
-            <a:bodyPr wrap="square" rtlCol="0">
-              <a:spAutoFit/>
-            </a:bodyPr>
-            <a:lstStyle/>
-            <a:p>
-              <a:pPr algn="ctr"/>
-              <a:r>
-                <a:rPr lang="en-US" sz="3500" dirty="0">
-                  <a:solidFill>
-                    <a:srgbClr val="4A929C"/>
-                  </a:solidFill>
-                </a:rPr>
-                <a:t>ctr</a:t>
-              </a:r>
-            </a:p>
-          </p:txBody>
-        </p:sp>
-      </p:grpSp>
-      <p:grpSp>
-        <p:nvGrpSpPr>
-          <p:cNvPr id="51" name="Group 50">
-            <a:extLst>
-              <a:ext uri="{FF2B5EF4-FFF2-40B4-BE49-F238E27FC236}">
-                <a16:creationId xmlns:a16="http://schemas.microsoft.com/office/drawing/2014/main" id="{A6F5447A-CAD7-4B0C-AAAD-385327A25D87}"/>
-              </a:ext>
-            </a:extLst>
-          </p:cNvPr>
-          <p:cNvGrpSpPr/>
-          <p:nvPr/>
-        </p:nvGrpSpPr>
-        <p:grpSpPr>
-          <a:xfrm>
-            <a:off x="17280160" y="31362047"/>
-            <a:ext cx="14402118" cy="2075102"/>
-            <a:chOff x="-154593" y="1"/>
-            <a:chExt cx="3090728" cy="585152"/>
-          </a:xfrm>
-        </p:grpSpPr>
-        <p:sp>
-          <p:nvSpPr>
-            <p:cNvPr id="52" name="תיבת טקסט 18">
-              <a:extLst>
-                <a:ext uri="{FF2B5EF4-FFF2-40B4-BE49-F238E27FC236}">
-                  <a16:creationId xmlns:a16="http://schemas.microsoft.com/office/drawing/2014/main" id="{2B868D60-4E17-4C1B-82F1-887DBBBB59F6}"/>
-                </a:ext>
-              </a:extLst>
-            </p:cNvPr>
-            <p:cNvSpPr txBox="1"/>
-            <p:nvPr/>
-          </p:nvSpPr>
-          <p:spPr>
-            <a:xfrm>
-              <a:off x="-154593" y="242463"/>
-              <a:ext cx="3090728" cy="342690"/>
-            </a:xfrm>
-            <a:prstGeom prst="rect">
-              <a:avLst/>
-            </a:prstGeom>
-            <a:noFill/>
-            <a:ln w="25400" cap="flat" cmpd="sng" algn="ctr">
-              <a:noFill/>
-              <a:prstDash val="solid"/>
-            </a:ln>
-            <a:effectLst/>
-          </p:spPr>
-          <p:txBody>
-            <a:bodyPr rot="0" spcFirstLastPara="0" vert="horz" wrap="square" lIns="91440" tIns="45720" rIns="91440" bIns="45720" numCol="1" spcCol="0" rtlCol="1" fromWordArt="0" anchor="t" anchorCtr="0" forceAA="0" compatLnSpc="1">
-              <a:prstTxWarp prst="textNoShape">
-                <a:avLst/>
-              </a:prstTxWarp>
-              <a:noAutofit/>
-            </a:bodyPr>
-            <a:lstStyle/>
-            <a:p>
-              <a:r>
-                <a:rPr lang="en-US" sz="3700" dirty="0"/>
-                <a:t>To verify that the learning ability of a permutation model does not result from high density in small images, we trained models on padded images. </a:t>
-              </a:r>
-            </a:p>
-          </p:txBody>
-        </p:sp>
-        <p:sp>
-          <p:nvSpPr>
-            <p:cNvPr id="53" name="Text Box 24">
-              <a:extLst>
-                <a:ext uri="{FF2B5EF4-FFF2-40B4-BE49-F238E27FC236}">
-                  <a16:creationId xmlns:a16="http://schemas.microsoft.com/office/drawing/2014/main" id="{C182ADF9-CED3-4761-B7DC-EEDC3DB3BE98}"/>
-                </a:ext>
-              </a:extLst>
-            </p:cNvPr>
-            <p:cNvSpPr txBox="1"/>
-            <p:nvPr/>
-          </p:nvSpPr>
-          <p:spPr>
-            <a:xfrm>
-              <a:off x="-154593" y="1"/>
-              <a:ext cx="3090728" cy="237739"/>
-            </a:xfrm>
-            <a:prstGeom prst="rect">
-              <a:avLst/>
-            </a:prstGeom>
-            <a:solidFill>
-              <a:srgbClr val="FF8000"/>
-            </a:solidFill>
-            <a:ln w="6350">
-              <a:noFill/>
-            </a:ln>
-          </p:spPr>
-          <p:txBody>
-            <a:bodyPr rot="0" spcFirstLastPara="0" vert="horz" wrap="square" lIns="91440" tIns="45720" rIns="91440" bIns="45720" numCol="1" spcCol="0" rtlCol="0" fromWordArt="0" anchor="ctr" anchorCtr="0" forceAA="0" compatLnSpc="1">
-              <a:prstTxWarp prst="textNoShape">
-                <a:avLst/>
-              </a:prstTxWarp>
-              <a:noAutofit/>
-            </a:bodyPr>
-            <a:lstStyle/>
-            <a:p>
-              <a:pPr>
-                <a:lnSpc>
-                  <a:spcPct val="115000"/>
-                </a:lnSpc>
-                <a:spcAft>
-                  <a:spcPts val="1000"/>
-                </a:spcAft>
-              </a:pPr>
-              <a:r>
-                <a:rPr lang="en-US" sz="4000" b="1" kern="0" dirty="0">
-                  <a:solidFill>
-                    <a:srgbClr val="FFFFFF"/>
-                  </a:solidFill>
-                  <a:latin typeface="Calibri" panose="020F0502020204030204" pitchFamily="34" charset="0"/>
-                  <a:cs typeface="Arial" panose="020B0604020202020204" pitchFamily="34" charset="0"/>
-                </a:rPr>
-                <a:t>Success with Permutation , Coincidence? </a:t>
-              </a:r>
-            </a:p>
-          </p:txBody>
-        </p:sp>
-      </p:grpSp>
-      <p:sp>
-        <p:nvSpPr>
-          <p:cNvPr id="54" name="TextBox 53">
-            <a:extLst>
-              <a:ext uri="{FF2B5EF4-FFF2-40B4-BE49-F238E27FC236}">
-                <a16:creationId xmlns:a16="http://schemas.microsoft.com/office/drawing/2014/main" id="{5A745D60-7A1A-45E0-8C8E-624EF6E2C95C}"/>
-              </a:ext>
-            </a:extLst>
-          </p:cNvPr>
-          <p:cNvSpPr txBox="1"/>
-          <p:nvPr/>
-        </p:nvSpPr>
-        <p:spPr>
-          <a:xfrm>
-            <a:off x="17857065" y="37895900"/>
-            <a:ext cx="13248309" cy="631022"/>
-          </a:xfrm>
-          <a:prstGeom prst="rect">
-            <a:avLst/>
-          </a:prstGeom>
-          <a:noFill/>
-        </p:spPr>
-        <p:txBody>
-          <a:bodyPr wrap="square" lIns="91458" tIns="45730" rIns="91458" bIns="45730" rtlCol="0">
-            <a:spAutoFit/>
-          </a:bodyPr>
-          <a:lstStyle/>
-          <a:p>
-            <a:pPr algn="ctr"/>
-            <a:r>
-              <a:rPr lang="en-US" sz="3500" b="1" dirty="0">
-                <a:solidFill>
-                  <a:srgbClr val="4A929C"/>
-                </a:solidFill>
-              </a:rPr>
-              <a:t>Table 2:</a:t>
-            </a:r>
-            <a:r>
-              <a:rPr lang="en-US" sz="3500" b="1" dirty="0">
-                <a:solidFill>
-                  <a:srgbClr val="5F8388"/>
-                </a:solidFill>
-              </a:rPr>
-              <a:t> </a:t>
-            </a:r>
-            <a:r>
-              <a:rPr lang="en-US" sz="3500" dirty="0"/>
-              <a:t>results for training permutated data, various image dimensions</a:t>
-            </a:r>
-          </a:p>
-        </p:txBody>
-      </p:sp>
       <p:pic>
         <p:nvPicPr>
           <p:cNvPr id="55" name="Picture 54">
@@ -4673,7 +3625,7 @@
           <p:nvPr/>
         </p:nvPicPr>
         <p:blipFill>
-          <a:blip r:embed="rId12">
+          <a:blip r:embed="rId8">
             <a:alphaModFix amt="5000"/>
             <a:extLst>
               <a:ext uri="{28A0092B-C50C-407E-A947-70E740481C1C}">
@@ -6144,1655 +5096,6 @@
           </a:graphicData>
         </a:graphic>
       </p:graphicFrame>
-      <p:grpSp>
-        <p:nvGrpSpPr>
-          <p:cNvPr id="58" name="Group 57">
-            <a:extLst>
-              <a:ext uri="{FF2B5EF4-FFF2-40B4-BE49-F238E27FC236}">
-                <a16:creationId xmlns:a16="http://schemas.microsoft.com/office/drawing/2014/main" id="{637694B7-B59B-4709-A786-03DE0A339FF9}"/>
-              </a:ext>
-            </a:extLst>
-          </p:cNvPr>
-          <p:cNvGrpSpPr/>
-          <p:nvPr/>
-        </p:nvGrpSpPr>
-        <p:grpSpPr>
-          <a:xfrm>
-            <a:off x="18659120" y="12887030"/>
-            <a:ext cx="11768258" cy="4996200"/>
-            <a:chOff x="18231739" y="12888957"/>
-            <a:chExt cx="11764800" cy="4995103"/>
-          </a:xfrm>
-        </p:grpSpPr>
-        <p:sp>
-          <p:nvSpPr>
-            <p:cNvPr id="59" name="TextBox 58">
-              <a:extLst>
-                <a:ext uri="{FF2B5EF4-FFF2-40B4-BE49-F238E27FC236}">
-                  <a16:creationId xmlns:a16="http://schemas.microsoft.com/office/drawing/2014/main" id="{9AFC47EB-42FA-43B1-B48C-00D6F8E3D06D}"/>
-                </a:ext>
-              </a:extLst>
-            </p:cNvPr>
-            <p:cNvSpPr txBox="1"/>
-            <p:nvPr/>
-          </p:nvSpPr>
-          <p:spPr>
-            <a:xfrm>
-              <a:off x="18257217" y="17253188"/>
-              <a:ext cx="11654258" cy="630872"/>
-            </a:xfrm>
-            <a:prstGeom prst="rect">
-              <a:avLst/>
-            </a:prstGeom>
-            <a:noFill/>
-          </p:spPr>
-          <p:txBody>
-            <a:bodyPr wrap="square" rtlCol="0">
-              <a:spAutoFit/>
-            </a:bodyPr>
-            <a:lstStyle/>
-            <a:p>
-              <a:pPr algn="ctr"/>
-              <a:r>
-                <a:rPr lang="en-US" sz="3500" b="1" dirty="0">
-                  <a:solidFill>
-                    <a:srgbClr val="4A929C"/>
-                  </a:solidFill>
-                </a:rPr>
-                <a:t>Figure 4:</a:t>
-              </a:r>
-              <a:r>
-                <a:rPr lang="en-US" sz="3500" b="1" dirty="0">
-                  <a:solidFill>
-                    <a:srgbClr val="5F8388"/>
-                  </a:solidFill>
-                </a:rPr>
-                <a:t> </a:t>
-              </a:r>
-              <a:r>
-                <a:rPr lang="en-US" sz="3500" dirty="0"/>
-                <a:t>visualization of a CW attack secured by permutation</a:t>
-              </a:r>
-            </a:p>
-          </p:txBody>
-        </p:sp>
-        <p:grpSp>
-          <p:nvGrpSpPr>
-            <p:cNvPr id="60" name="Group 59">
-              <a:extLst>
-                <a:ext uri="{FF2B5EF4-FFF2-40B4-BE49-F238E27FC236}">
-                  <a16:creationId xmlns:a16="http://schemas.microsoft.com/office/drawing/2014/main" id="{ED32B511-0E3E-4DE1-B134-A452408ABAB8}"/>
-                </a:ext>
-              </a:extLst>
-            </p:cNvPr>
-            <p:cNvGrpSpPr/>
-            <p:nvPr/>
-          </p:nvGrpSpPr>
-          <p:grpSpPr>
-            <a:xfrm>
-              <a:off x="18231739" y="12888957"/>
-              <a:ext cx="11764800" cy="4316616"/>
-              <a:chOff x="18231739" y="12706077"/>
-              <a:chExt cx="11764800" cy="4316616"/>
-            </a:xfrm>
-          </p:grpSpPr>
-          <p:grpSp>
-            <p:nvGrpSpPr>
-              <p:cNvPr id="61" name="Group 60">
-                <a:extLst>
-                  <a:ext uri="{FF2B5EF4-FFF2-40B4-BE49-F238E27FC236}">
-                    <a16:creationId xmlns:a16="http://schemas.microsoft.com/office/drawing/2014/main" id="{125B5DCB-4636-445B-A635-238A15DE4132}"/>
-                  </a:ext>
-                </a:extLst>
-              </p:cNvPr>
-              <p:cNvGrpSpPr/>
-              <p:nvPr/>
-            </p:nvGrpSpPr>
-            <p:grpSpPr>
-              <a:xfrm>
-                <a:off x="18466786" y="12706077"/>
-                <a:ext cx="11265149" cy="3493447"/>
-                <a:chOff x="18466786" y="12706077"/>
-                <a:chExt cx="11265149" cy="3493447"/>
-              </a:xfrm>
-            </p:grpSpPr>
-            <p:pic>
-              <p:nvPicPr>
-                <p:cNvPr id="64" name="Picture 63" descr="A close up of a person&#10;&#10;Description automatically generated">
-                  <a:extLst>
-                    <a:ext uri="{FF2B5EF4-FFF2-40B4-BE49-F238E27FC236}">
-                      <a16:creationId xmlns:a16="http://schemas.microsoft.com/office/drawing/2014/main" id="{81682841-10C6-478C-8E71-C4D5B442C2D4}"/>
-                    </a:ext>
-                  </a:extLst>
-                </p:cNvPr>
-                <p:cNvPicPr>
-                  <a:picLocks noChangeAspect="1"/>
-                </p:cNvPicPr>
-                <p:nvPr/>
-              </p:nvPicPr>
-              <p:blipFill>
-                <a:blip r:embed="rId13">
-                  <a:extLst>
-                    <a:ext uri="{28A0092B-C50C-407E-A947-70E740481C1C}">
-                      <a14:useLocalDpi xmlns:a14="http://schemas.microsoft.com/office/drawing/2010/main" val="0"/>
-                    </a:ext>
-                  </a:extLst>
-                </a:blip>
-                <a:stretch>
-                  <a:fillRect/>
-                </a:stretch>
-              </p:blipFill>
-              <p:spPr>
-                <a:xfrm>
-                  <a:off x="21937517" y="12960000"/>
-                  <a:ext cx="4319365" cy="3239524"/>
-                </a:xfrm>
-                <a:prstGeom prst="rect">
-                  <a:avLst/>
-                </a:prstGeom>
-              </p:spPr>
-            </p:pic>
-            <p:pic>
-              <p:nvPicPr>
-                <p:cNvPr id="65" name="Picture 64" descr="A close up of a logo&#10;&#10;Description automatically generated">
-                  <a:extLst>
-                    <a:ext uri="{FF2B5EF4-FFF2-40B4-BE49-F238E27FC236}">
-                      <a16:creationId xmlns:a16="http://schemas.microsoft.com/office/drawing/2014/main" id="{D6B359FB-9A67-42EA-A4D5-41493FC97E4D}"/>
-                    </a:ext>
-                  </a:extLst>
-                </p:cNvPr>
-                <p:cNvPicPr>
-                  <a:picLocks noChangeAspect="1"/>
-                </p:cNvPicPr>
-                <p:nvPr/>
-              </p:nvPicPr>
-              <p:blipFill>
-                <a:blip r:embed="rId14">
-                  <a:extLst>
-                    <a:ext uri="{28A0092B-C50C-407E-A947-70E740481C1C}">
-                      <a14:useLocalDpi xmlns:a14="http://schemas.microsoft.com/office/drawing/2010/main" val="0"/>
-                    </a:ext>
-                  </a:extLst>
-                </a:blip>
-                <a:stretch>
-                  <a:fillRect/>
-                </a:stretch>
-              </p:blipFill>
-              <p:spPr>
-                <a:xfrm>
-                  <a:off x="18466786" y="12958582"/>
-                  <a:ext cx="4319365" cy="3239524"/>
-                </a:xfrm>
-                <a:prstGeom prst="rect">
-                  <a:avLst/>
-                </a:prstGeom>
-              </p:spPr>
-            </p:pic>
-            <p:pic>
-              <p:nvPicPr>
-                <p:cNvPr id="66" name="Picture 65" descr="A close up of a logo&#10;&#10;Description automatically generated">
-                  <a:extLst>
-                    <a:ext uri="{FF2B5EF4-FFF2-40B4-BE49-F238E27FC236}">
-                      <a16:creationId xmlns:a16="http://schemas.microsoft.com/office/drawing/2014/main" id="{F7B74625-E64F-42CD-A757-795B53D0C962}"/>
-                    </a:ext>
-                  </a:extLst>
-                </p:cNvPr>
-                <p:cNvPicPr>
-                  <a:picLocks noChangeAspect="1"/>
-                </p:cNvPicPr>
-                <p:nvPr/>
-              </p:nvPicPr>
-              <p:blipFill>
-                <a:blip r:embed="rId15">
-                  <a:extLst>
-                    <a:ext uri="{28A0092B-C50C-407E-A947-70E740481C1C}">
-                      <a14:useLocalDpi xmlns:a14="http://schemas.microsoft.com/office/drawing/2010/main" val="0"/>
-                    </a:ext>
-                  </a:extLst>
-                </a:blip>
-                <a:stretch>
-                  <a:fillRect/>
-                </a:stretch>
-              </p:blipFill>
-              <p:spPr>
-                <a:xfrm>
-                  <a:off x="25412570" y="12960000"/>
-                  <a:ext cx="4319365" cy="3239524"/>
-                </a:xfrm>
-                <a:prstGeom prst="rect">
-                  <a:avLst/>
-                </a:prstGeom>
-              </p:spPr>
-            </p:pic>
-            <p:sp>
-              <p:nvSpPr>
-                <p:cNvPr id="67" name="TextBox 66">
-                  <a:extLst>
-                    <a:ext uri="{FF2B5EF4-FFF2-40B4-BE49-F238E27FC236}">
-                      <a16:creationId xmlns:a16="http://schemas.microsoft.com/office/drawing/2014/main" id="{3DDD1541-8047-44BB-9199-9795894A96C2}"/>
-                    </a:ext>
-                  </a:extLst>
-                </p:cNvPr>
-                <p:cNvSpPr txBox="1"/>
-                <p:nvPr/>
-              </p:nvSpPr>
-              <p:spPr>
-                <a:xfrm>
-                  <a:off x="25407458" y="14065200"/>
-                  <a:ext cx="974300" cy="630872"/>
-                </a:xfrm>
-                <a:prstGeom prst="rect">
-                  <a:avLst/>
-                </a:prstGeom>
-                <a:noFill/>
-              </p:spPr>
-              <p:txBody>
-                <a:bodyPr wrap="square" rtlCol="0">
-                  <a:spAutoFit/>
-                </a:bodyPr>
-                <a:lstStyle/>
-                <a:p>
-                  <a:pPr algn="ctr"/>
-                  <a:r>
-                    <a:rPr lang="en-US" sz="3500" b="1" dirty="0"/>
-                    <a:t>=</a:t>
-                  </a:r>
-                </a:p>
-              </p:txBody>
-            </p:sp>
-            <p:sp>
-              <p:nvSpPr>
-                <p:cNvPr id="68" name="TextBox 67">
-                  <a:extLst>
-                    <a:ext uri="{FF2B5EF4-FFF2-40B4-BE49-F238E27FC236}">
-                      <a16:creationId xmlns:a16="http://schemas.microsoft.com/office/drawing/2014/main" id="{D2C6FFDE-1D92-4368-9EE1-96CB4B026C9A}"/>
-                    </a:ext>
-                  </a:extLst>
-                </p:cNvPr>
-                <p:cNvSpPr txBox="1"/>
-                <p:nvPr/>
-              </p:nvSpPr>
-              <p:spPr>
-                <a:xfrm>
-                  <a:off x="21935059" y="14063899"/>
-                  <a:ext cx="974300" cy="630872"/>
-                </a:xfrm>
-                <a:prstGeom prst="rect">
-                  <a:avLst/>
-                </a:prstGeom>
-                <a:noFill/>
-              </p:spPr>
-              <p:txBody>
-                <a:bodyPr wrap="square" rtlCol="0">
-                  <a:spAutoFit/>
-                </a:bodyPr>
-                <a:lstStyle/>
-                <a:p>
-                  <a:pPr algn="ctr"/>
-                  <a:r>
-                    <a:rPr lang="en-US" sz="3500" b="1" dirty="0"/>
-                    <a:t>+</a:t>
-                  </a:r>
-                </a:p>
-              </p:txBody>
-            </p:sp>
-            <p:sp>
-              <p:nvSpPr>
-                <p:cNvPr id="69" name="TextBox 68">
-                  <a:extLst>
-                    <a:ext uri="{FF2B5EF4-FFF2-40B4-BE49-F238E27FC236}">
-                      <a16:creationId xmlns:a16="http://schemas.microsoft.com/office/drawing/2014/main" id="{91FA1A4A-799D-4C1C-B711-221B958168CA}"/>
-                    </a:ext>
-                  </a:extLst>
-                </p:cNvPr>
-                <p:cNvSpPr txBox="1"/>
-                <p:nvPr/>
-              </p:nvSpPr>
-              <p:spPr>
-                <a:xfrm>
-                  <a:off x="26506276" y="12706077"/>
-                  <a:ext cx="2185741" cy="630872"/>
-                </a:xfrm>
-                <a:prstGeom prst="rect">
-                  <a:avLst/>
-                </a:prstGeom>
-                <a:noFill/>
-              </p:spPr>
-              <p:txBody>
-                <a:bodyPr wrap="square" rtlCol="0">
-                  <a:spAutoFit/>
-                </a:bodyPr>
-                <a:lstStyle/>
-                <a:p>
-                  <a:pPr algn="ctr"/>
-                  <a:r>
-                    <a:rPr lang="en-US" sz="3500" dirty="0">
-                      <a:solidFill>
-                        <a:srgbClr val="4A929C"/>
-                      </a:solidFill>
-                    </a:rPr>
-                    <a:t>adversarial</a:t>
-                  </a:r>
-                </a:p>
-              </p:txBody>
-            </p:sp>
-            <p:sp>
-              <p:nvSpPr>
-                <p:cNvPr id="70" name="TextBox 69">
-                  <a:extLst>
-                    <a:ext uri="{FF2B5EF4-FFF2-40B4-BE49-F238E27FC236}">
-                      <a16:creationId xmlns:a16="http://schemas.microsoft.com/office/drawing/2014/main" id="{75333DDE-85A8-4F7A-AB5E-D95541C8839B}"/>
-                    </a:ext>
-                  </a:extLst>
-                </p:cNvPr>
-                <p:cNvSpPr txBox="1"/>
-                <p:nvPr/>
-              </p:nvSpPr>
-              <p:spPr>
-                <a:xfrm>
-                  <a:off x="23325078" y="12706077"/>
-                  <a:ext cx="1556920" cy="630872"/>
-                </a:xfrm>
-                <a:prstGeom prst="rect">
-                  <a:avLst/>
-                </a:prstGeom>
-                <a:noFill/>
-              </p:spPr>
-              <p:txBody>
-                <a:bodyPr wrap="square" rtlCol="0">
-                  <a:spAutoFit/>
-                </a:bodyPr>
-                <a:lstStyle/>
-                <a:p>
-                  <a:pPr algn="ctr"/>
-                  <a:r>
-                    <a:rPr lang="en-US" sz="3500" dirty="0">
-                      <a:solidFill>
-                        <a:srgbClr val="4A929C"/>
-                      </a:solidFill>
-                    </a:rPr>
-                    <a:t>noise</a:t>
-                  </a:r>
-                </a:p>
-              </p:txBody>
-            </p:sp>
-            <p:sp>
-              <p:nvSpPr>
-                <p:cNvPr id="71" name="TextBox 70">
-                  <a:extLst>
-                    <a:ext uri="{FF2B5EF4-FFF2-40B4-BE49-F238E27FC236}">
-                      <a16:creationId xmlns:a16="http://schemas.microsoft.com/office/drawing/2014/main" id="{BC69923F-D19A-46C6-98D4-0A7872704C55}"/>
-                    </a:ext>
-                  </a:extLst>
-                </p:cNvPr>
-                <p:cNvSpPr txBox="1"/>
-                <p:nvPr/>
-              </p:nvSpPr>
-              <p:spPr>
-                <a:xfrm>
-                  <a:off x="19884886" y="12707358"/>
-                  <a:ext cx="1556920" cy="630872"/>
-                </a:xfrm>
-                <a:prstGeom prst="rect">
-                  <a:avLst/>
-                </a:prstGeom>
-                <a:noFill/>
-              </p:spPr>
-              <p:txBody>
-                <a:bodyPr wrap="square" rtlCol="0">
-                  <a:spAutoFit/>
-                </a:bodyPr>
-                <a:lstStyle/>
-                <a:p>
-                  <a:pPr algn="ctr"/>
-                  <a:r>
-                    <a:rPr lang="en-US" sz="3500" dirty="0">
-                      <a:solidFill>
-                        <a:srgbClr val="4A929C"/>
-                      </a:solidFill>
-                    </a:rPr>
-                    <a:t>original</a:t>
-                  </a:r>
-                </a:p>
-              </p:txBody>
-            </p:sp>
-          </p:grpSp>
-          <p:sp>
-            <p:nvSpPr>
-              <p:cNvPr id="62" name="TextBox 61">
-                <a:extLst>
-                  <a:ext uri="{FF2B5EF4-FFF2-40B4-BE49-F238E27FC236}">
-                    <a16:creationId xmlns:a16="http://schemas.microsoft.com/office/drawing/2014/main" id="{C52B1F06-4451-433B-937C-57BBD07EF5D0}"/>
-                  </a:ext>
-                </a:extLst>
-              </p:cNvPr>
-              <p:cNvSpPr txBox="1"/>
-              <p:nvPr/>
-            </p:nvSpPr>
-            <p:spPr>
-              <a:xfrm>
-                <a:off x="18231739" y="15853271"/>
-                <a:ext cx="4803830" cy="1169422"/>
-              </a:xfrm>
-              <a:prstGeom prst="rect">
-                <a:avLst/>
-              </a:prstGeom>
-              <a:noFill/>
-            </p:spPr>
-            <p:txBody>
-              <a:bodyPr wrap="square" rtlCol="0">
-                <a:spAutoFit/>
-              </a:bodyPr>
-              <a:lstStyle/>
-              <a:p>
-                <a:r>
-                  <a:rPr lang="en-US" sz="3500" dirty="0"/>
-                  <a:t>insecure:	</a:t>
-                </a:r>
-                <a:r>
-                  <a:rPr lang="en-US" sz="3500" dirty="0">
-                    <a:solidFill>
-                      <a:schemeClr val="accent6"/>
-                    </a:solidFill>
-                  </a:rPr>
-                  <a:t>100% it’s “two”</a:t>
-                </a:r>
-              </a:p>
-              <a:p>
-                <a:r>
-                  <a:rPr lang="en-US" sz="3500" dirty="0"/>
-                  <a:t>secure:		</a:t>
-                </a:r>
-                <a:r>
-                  <a:rPr lang="en-US" sz="3500" dirty="0">
-                    <a:solidFill>
-                      <a:schemeClr val="accent6"/>
-                    </a:solidFill>
-                  </a:rPr>
-                  <a:t>100% it’s “two”</a:t>
-                </a:r>
-              </a:p>
-            </p:txBody>
-          </p:sp>
-          <p:sp>
-            <p:nvSpPr>
-              <p:cNvPr id="63" name="TextBox 62">
-                <a:extLst>
-                  <a:ext uri="{FF2B5EF4-FFF2-40B4-BE49-F238E27FC236}">
-                    <a16:creationId xmlns:a16="http://schemas.microsoft.com/office/drawing/2014/main" id="{33AFBAEF-7695-476D-981C-61694EFA6AE1}"/>
-                  </a:ext>
-                </a:extLst>
-              </p:cNvPr>
-              <p:cNvSpPr txBox="1"/>
-              <p:nvPr/>
-            </p:nvSpPr>
-            <p:spPr>
-              <a:xfrm>
-                <a:off x="25192709" y="15852138"/>
-                <a:ext cx="4803830" cy="1169423"/>
-              </a:xfrm>
-              <a:prstGeom prst="rect">
-                <a:avLst/>
-              </a:prstGeom>
-              <a:noFill/>
-            </p:spPr>
-            <p:txBody>
-              <a:bodyPr wrap="square" rtlCol="0">
-                <a:spAutoFit/>
-              </a:bodyPr>
-              <a:lstStyle/>
-              <a:p>
-                <a:r>
-                  <a:rPr lang="en-US" sz="3500" dirty="0"/>
-                  <a:t>insecure:	</a:t>
-                </a:r>
-                <a:r>
-                  <a:rPr lang="en-US" sz="3500" dirty="0">
-                    <a:solidFill>
-                      <a:srgbClr val="FF0000"/>
-                    </a:solidFill>
-                  </a:rPr>
-                  <a:t>49% it’s “one”</a:t>
-                </a:r>
-              </a:p>
-              <a:p>
-                <a:r>
-                  <a:rPr lang="en-US" sz="3500" dirty="0"/>
-                  <a:t>secure:		</a:t>
-                </a:r>
-                <a:r>
-                  <a:rPr lang="en-US" sz="3500" dirty="0">
-                    <a:solidFill>
-                      <a:schemeClr val="accent6"/>
-                    </a:solidFill>
-                  </a:rPr>
-                  <a:t>100% it’s “two”</a:t>
-                </a:r>
-              </a:p>
-            </p:txBody>
-          </p:sp>
-        </p:grpSp>
-      </p:grpSp>
-      <p:grpSp>
-        <p:nvGrpSpPr>
-          <p:cNvPr id="83" name="Group 82">
-            <a:extLst>
-              <a:ext uri="{FF2B5EF4-FFF2-40B4-BE49-F238E27FC236}">
-                <a16:creationId xmlns:a16="http://schemas.microsoft.com/office/drawing/2014/main" id="{152BEAF6-04AF-4A47-9AA3-129D8843DFB7}"/>
-              </a:ext>
-            </a:extLst>
-          </p:cNvPr>
-          <p:cNvGrpSpPr/>
-          <p:nvPr/>
-        </p:nvGrpSpPr>
-        <p:grpSpPr>
-          <a:xfrm>
-            <a:off x="2257545" y="14153034"/>
-            <a:ext cx="11337635" cy="4350555"/>
-            <a:chOff x="1063844" y="14153854"/>
-            <a:chExt cx="11335969" cy="4350075"/>
-          </a:xfrm>
-        </p:grpSpPr>
-        <p:pic>
-          <p:nvPicPr>
-            <p:cNvPr id="30" name="Picture 29">
-              <a:extLst>
-                <a:ext uri="{FF2B5EF4-FFF2-40B4-BE49-F238E27FC236}">
-                  <a16:creationId xmlns:a16="http://schemas.microsoft.com/office/drawing/2014/main" id="{F1DDB929-1259-4DB5-9EB3-7613CF4EAA90}"/>
-                </a:ext>
-              </a:extLst>
-            </p:cNvPr>
-            <p:cNvPicPr>
-              <a:picLocks noChangeAspect="1"/>
-            </p:cNvPicPr>
-            <p:nvPr/>
-          </p:nvPicPr>
-          <p:blipFill>
-            <a:blip r:embed="rId16">
-              <a:extLst>
-                <a:ext uri="{28A0092B-C50C-407E-A947-70E740481C1C}">
-                  <a14:useLocalDpi xmlns:a14="http://schemas.microsoft.com/office/drawing/2010/main" val="0"/>
-                </a:ext>
-              </a:extLst>
-            </a:blip>
-            <a:stretch>
-              <a:fillRect/>
-            </a:stretch>
-          </p:blipFill>
-          <p:spPr>
-            <a:xfrm>
-              <a:off x="4582094" y="14400000"/>
-              <a:ext cx="4320000" cy="3240000"/>
-            </a:xfrm>
-            <a:prstGeom prst="rect">
-              <a:avLst/>
-            </a:prstGeom>
-          </p:spPr>
-        </p:pic>
-        <p:pic>
-          <p:nvPicPr>
-            <p:cNvPr id="108" name="Picture 107">
-              <a:extLst>
-                <a:ext uri="{FF2B5EF4-FFF2-40B4-BE49-F238E27FC236}">
-                  <a16:creationId xmlns:a16="http://schemas.microsoft.com/office/drawing/2014/main" id="{BCB65BF7-4179-4B4F-9585-E15CF5BFA81A}"/>
-                </a:ext>
-              </a:extLst>
-            </p:cNvPr>
-            <p:cNvPicPr>
-              <a:picLocks noChangeAspect="1"/>
-            </p:cNvPicPr>
-            <p:nvPr/>
-          </p:nvPicPr>
-          <p:blipFill>
-            <a:blip r:embed="rId17">
-              <a:extLst>
-                <a:ext uri="{28A0092B-C50C-407E-A947-70E740481C1C}">
-                  <a14:useLocalDpi xmlns:a14="http://schemas.microsoft.com/office/drawing/2010/main" val="0"/>
-                </a:ext>
-              </a:extLst>
-            </a:blip>
-            <a:stretch>
-              <a:fillRect/>
-            </a:stretch>
-          </p:blipFill>
-          <p:spPr>
-            <a:xfrm>
-              <a:off x="8079813" y="14400000"/>
-              <a:ext cx="4320000" cy="3240000"/>
-            </a:xfrm>
-            <a:prstGeom prst="rect">
-              <a:avLst/>
-            </a:prstGeom>
-          </p:spPr>
-        </p:pic>
-        <p:grpSp>
-          <p:nvGrpSpPr>
-            <p:cNvPr id="82" name="Group 81">
-              <a:extLst>
-                <a:ext uri="{FF2B5EF4-FFF2-40B4-BE49-F238E27FC236}">
-                  <a16:creationId xmlns:a16="http://schemas.microsoft.com/office/drawing/2014/main" id="{BB8886CF-B6AF-43FF-AFA3-CA17CB1D349C}"/>
-                </a:ext>
-              </a:extLst>
-            </p:cNvPr>
-            <p:cNvGrpSpPr/>
-            <p:nvPr/>
-          </p:nvGrpSpPr>
-          <p:grpSpPr>
-            <a:xfrm>
-              <a:off x="1063844" y="14153854"/>
-              <a:ext cx="10964518" cy="4350075"/>
-              <a:chOff x="1063844" y="14153854"/>
-              <a:chExt cx="10964518" cy="4350075"/>
-            </a:xfrm>
-          </p:grpSpPr>
-          <p:pic>
-            <p:nvPicPr>
-              <p:cNvPr id="3" name="Picture 2" descr="A close up of a mans face&#10;&#10;Description automatically generated">
-                <a:extLst>
-                  <a:ext uri="{FF2B5EF4-FFF2-40B4-BE49-F238E27FC236}">
-                    <a16:creationId xmlns:a16="http://schemas.microsoft.com/office/drawing/2014/main" id="{60C6E0F5-EDE5-43BC-A80F-0F77FC9146A1}"/>
-                  </a:ext>
-                </a:extLst>
-              </p:cNvPr>
-              <p:cNvPicPr>
-                <a:picLocks noChangeAspect="1"/>
-              </p:cNvPicPr>
-              <p:nvPr/>
-            </p:nvPicPr>
-            <p:blipFill>
-              <a:blip r:embed="rId18">
-                <a:extLst>
-                  <a:ext uri="{28A0092B-C50C-407E-A947-70E740481C1C}">
-                    <a14:useLocalDpi xmlns:a14="http://schemas.microsoft.com/office/drawing/2010/main" val="0"/>
-                  </a:ext>
-                </a:extLst>
-              </a:blip>
-              <a:stretch>
-                <a:fillRect/>
-              </a:stretch>
-            </p:blipFill>
-            <p:spPr>
-              <a:xfrm>
-                <a:off x="1085852" y="14400000"/>
-                <a:ext cx="4320000" cy="3240000"/>
-              </a:xfrm>
-              <a:prstGeom prst="rect">
-                <a:avLst/>
-              </a:prstGeom>
-            </p:spPr>
-          </p:pic>
-          <p:grpSp>
-            <p:nvGrpSpPr>
-              <p:cNvPr id="72" name="Group 71">
-                <a:extLst>
-                  <a:ext uri="{FF2B5EF4-FFF2-40B4-BE49-F238E27FC236}">
-                    <a16:creationId xmlns:a16="http://schemas.microsoft.com/office/drawing/2014/main" id="{62AC035D-436E-41C1-B871-8391C604BDB0}"/>
-                  </a:ext>
-                </a:extLst>
-              </p:cNvPr>
-              <p:cNvGrpSpPr/>
-              <p:nvPr/>
-            </p:nvGrpSpPr>
-            <p:grpSpPr>
-              <a:xfrm>
-                <a:off x="1063844" y="14153854"/>
-                <a:ext cx="10964518" cy="4350075"/>
-                <a:chOff x="1043894" y="14268344"/>
-                <a:chExt cx="10962909" cy="4349594"/>
-              </a:xfrm>
-            </p:grpSpPr>
-            <p:grpSp>
-              <p:nvGrpSpPr>
-                <p:cNvPr id="73" name="Group 72">
-                  <a:extLst>
-                    <a:ext uri="{FF2B5EF4-FFF2-40B4-BE49-F238E27FC236}">
-                      <a16:creationId xmlns:a16="http://schemas.microsoft.com/office/drawing/2014/main" id="{A69FAACF-ABA8-43EA-B200-A749581D5FFA}"/>
-                    </a:ext>
-                  </a:extLst>
-                </p:cNvPr>
-                <p:cNvGrpSpPr/>
-                <p:nvPr/>
-              </p:nvGrpSpPr>
-              <p:grpSpPr>
-                <a:xfrm>
-                  <a:off x="2606511" y="15622402"/>
-                  <a:ext cx="8229600" cy="2995536"/>
-                  <a:chOff x="2606511" y="15317602"/>
-                  <a:chExt cx="8229600" cy="2995536"/>
-                </a:xfrm>
-              </p:grpSpPr>
-              <p:sp>
-                <p:nvSpPr>
-                  <p:cNvPr id="79" name="TextBox 78">
-                    <a:extLst>
-                      <a:ext uri="{FF2B5EF4-FFF2-40B4-BE49-F238E27FC236}">
-                        <a16:creationId xmlns:a16="http://schemas.microsoft.com/office/drawing/2014/main" id="{C916F37C-FEE4-420B-AE8A-7CA4F54B8DED}"/>
-                      </a:ext>
-                    </a:extLst>
-                  </p:cNvPr>
-                  <p:cNvSpPr txBox="1"/>
-                  <p:nvPr/>
-                </p:nvSpPr>
-                <p:spPr>
-                  <a:xfrm>
-                    <a:off x="2606511" y="17682265"/>
-                    <a:ext cx="8229600" cy="630873"/>
-                  </a:xfrm>
-                  <a:prstGeom prst="rect">
-                    <a:avLst/>
-                  </a:prstGeom>
-                  <a:noFill/>
-                </p:spPr>
-                <p:txBody>
-                  <a:bodyPr wrap="square" rtlCol="0">
-                    <a:spAutoFit/>
-                  </a:bodyPr>
-                  <a:lstStyle/>
-                  <a:p>
-                    <a:pPr algn="ctr"/>
-                    <a:r>
-                      <a:rPr lang="en-US" sz="3500" b="1" dirty="0">
-                        <a:solidFill>
-                          <a:srgbClr val="4A929C"/>
-                        </a:solidFill>
-                      </a:rPr>
-                      <a:t>Figure 1:</a:t>
-                    </a:r>
-                    <a:r>
-                      <a:rPr lang="en-US" sz="3500" dirty="0"/>
-                      <a:t> example of an adversarial image</a:t>
-                    </a:r>
-                    <a:endParaRPr lang="en-US" sz="3500" b="1" dirty="0"/>
-                  </a:p>
-                </p:txBody>
-              </p:sp>
-              <p:grpSp>
-                <p:nvGrpSpPr>
-                  <p:cNvPr id="80" name="Group 79">
-                    <a:extLst>
-                      <a:ext uri="{FF2B5EF4-FFF2-40B4-BE49-F238E27FC236}">
-                        <a16:creationId xmlns:a16="http://schemas.microsoft.com/office/drawing/2014/main" id="{8245CA0B-71BC-476F-B724-07C1A7884AB8}"/>
-                      </a:ext>
-                    </a:extLst>
-                  </p:cNvPr>
-                  <p:cNvGrpSpPr/>
-                  <p:nvPr/>
-                </p:nvGrpSpPr>
-                <p:grpSpPr>
-                  <a:xfrm>
-                    <a:off x="4539563" y="15317602"/>
-                    <a:ext cx="4477144" cy="631617"/>
-                    <a:chOff x="4539563" y="15317602"/>
-                    <a:chExt cx="4477144" cy="631617"/>
-                  </a:xfrm>
-                </p:grpSpPr>
-                <p:sp>
-                  <p:nvSpPr>
-                    <p:cNvPr id="84" name="TextBox 83">
-                      <a:extLst>
-                        <a:ext uri="{FF2B5EF4-FFF2-40B4-BE49-F238E27FC236}">
-                          <a16:creationId xmlns:a16="http://schemas.microsoft.com/office/drawing/2014/main" id="{8C9D5431-47C9-446E-8E17-F2D21D9E0F4E}"/>
-                        </a:ext>
-                      </a:extLst>
-                    </p:cNvPr>
-                    <p:cNvSpPr txBox="1"/>
-                    <p:nvPr/>
-                  </p:nvSpPr>
-                  <p:spPr>
-                    <a:xfrm>
-                      <a:off x="8042407" y="15318346"/>
-                      <a:ext cx="974300" cy="630873"/>
-                    </a:xfrm>
-                    <a:prstGeom prst="rect">
-                      <a:avLst/>
-                    </a:prstGeom>
-                    <a:noFill/>
-                  </p:spPr>
-                  <p:txBody>
-                    <a:bodyPr wrap="square" rtlCol="0">
-                      <a:spAutoFit/>
-                    </a:bodyPr>
-                    <a:lstStyle/>
-                    <a:p>
-                      <a:pPr algn="ctr"/>
-                      <a:r>
-                        <a:rPr lang="en-US" sz="3500" b="1" dirty="0"/>
-                        <a:t>=</a:t>
-                      </a:r>
-                    </a:p>
-                  </p:txBody>
-                </p:sp>
-                <p:sp>
-                  <p:nvSpPr>
-                    <p:cNvPr id="85" name="TextBox 84">
-                      <a:extLst>
-                        <a:ext uri="{FF2B5EF4-FFF2-40B4-BE49-F238E27FC236}">
-                          <a16:creationId xmlns:a16="http://schemas.microsoft.com/office/drawing/2014/main" id="{C08A810E-0F9F-4B99-916F-CEC853B93B2E}"/>
-                        </a:ext>
-                      </a:extLst>
-                    </p:cNvPr>
-                    <p:cNvSpPr txBox="1"/>
-                    <p:nvPr/>
-                  </p:nvSpPr>
-                  <p:spPr>
-                    <a:xfrm>
-                      <a:off x="4539563" y="15317602"/>
-                      <a:ext cx="974300" cy="630873"/>
-                    </a:xfrm>
-                    <a:prstGeom prst="rect">
-                      <a:avLst/>
-                    </a:prstGeom>
-                    <a:noFill/>
-                  </p:spPr>
-                  <p:txBody>
-                    <a:bodyPr wrap="square" rtlCol="0">
-                      <a:spAutoFit/>
-                    </a:bodyPr>
-                    <a:lstStyle/>
-                    <a:p>
-                      <a:pPr algn="ctr"/>
-                      <a:r>
-                        <a:rPr lang="en-US" sz="3500" b="1" dirty="0"/>
-                        <a:t>+</a:t>
-                      </a:r>
-                    </a:p>
-                  </p:txBody>
-                </p:sp>
-              </p:grpSp>
-            </p:grpSp>
-            <p:sp>
-              <p:nvSpPr>
-                <p:cNvPr id="74" name="TextBox 73">
-                  <a:extLst>
-                    <a:ext uri="{FF2B5EF4-FFF2-40B4-BE49-F238E27FC236}">
-                      <a16:creationId xmlns:a16="http://schemas.microsoft.com/office/drawing/2014/main" id="{8783E3E6-8DA0-4B43-8796-87BCCF6FDC3C}"/>
-                    </a:ext>
-                  </a:extLst>
-                </p:cNvPr>
-                <p:cNvSpPr txBox="1"/>
-                <p:nvPr/>
-              </p:nvSpPr>
-              <p:spPr>
-                <a:xfrm>
-                  <a:off x="1043894" y="17392895"/>
-                  <a:ext cx="4363375" cy="630872"/>
-                </a:xfrm>
-                <a:prstGeom prst="rect">
-                  <a:avLst/>
-                </a:prstGeom>
-                <a:noFill/>
-              </p:spPr>
-              <p:txBody>
-                <a:bodyPr wrap="square" rtlCol="0">
-                  <a:spAutoFit/>
-                </a:bodyPr>
-                <a:lstStyle/>
-                <a:p>
-                  <a:pPr algn="ctr"/>
-                  <a:r>
-                    <a:rPr lang="en-US" sz="3500" dirty="0">
-                      <a:solidFill>
-                        <a:schemeClr val="accent6"/>
-                      </a:solidFill>
-                    </a:rPr>
-                    <a:t>100% it’s “ankle boot”</a:t>
-                  </a:r>
-                </a:p>
-              </p:txBody>
-            </p:sp>
-            <p:sp>
-              <p:nvSpPr>
-                <p:cNvPr id="75" name="TextBox 74">
-                  <a:extLst>
-                    <a:ext uri="{FF2B5EF4-FFF2-40B4-BE49-F238E27FC236}">
-                      <a16:creationId xmlns:a16="http://schemas.microsoft.com/office/drawing/2014/main" id="{E6E73A88-46EA-4CE7-9A89-D02616A68D39}"/>
-                    </a:ext>
-                  </a:extLst>
-                </p:cNvPr>
-                <p:cNvSpPr txBox="1"/>
-                <p:nvPr/>
-              </p:nvSpPr>
-              <p:spPr>
-                <a:xfrm>
-                  <a:off x="8430229" y="17394149"/>
-                  <a:ext cx="3576574" cy="630872"/>
-                </a:xfrm>
-                <a:prstGeom prst="rect">
-                  <a:avLst/>
-                </a:prstGeom>
-                <a:noFill/>
-              </p:spPr>
-              <p:txBody>
-                <a:bodyPr wrap="square" rtlCol="0">
-                  <a:spAutoFit/>
-                </a:bodyPr>
-                <a:lstStyle/>
-                <a:p>
-                  <a:pPr algn="ctr"/>
-                  <a:r>
-                    <a:rPr lang="en-US" sz="3500" dirty="0">
-                      <a:solidFill>
-                        <a:srgbClr val="FF0000"/>
-                      </a:solidFill>
-                    </a:rPr>
-                    <a:t>52% it’s “sandal”</a:t>
-                  </a:r>
-                </a:p>
-              </p:txBody>
-            </p:sp>
-            <p:sp>
-              <p:nvSpPr>
-                <p:cNvPr id="76" name="TextBox 75">
-                  <a:extLst>
-                    <a:ext uri="{FF2B5EF4-FFF2-40B4-BE49-F238E27FC236}">
-                      <a16:creationId xmlns:a16="http://schemas.microsoft.com/office/drawing/2014/main" id="{E94ECADF-7BEE-4462-9B64-71E30E31F5F8}"/>
-                    </a:ext>
-                  </a:extLst>
-                </p:cNvPr>
-                <p:cNvSpPr txBox="1"/>
-                <p:nvPr/>
-              </p:nvSpPr>
-              <p:spPr>
-                <a:xfrm>
-                  <a:off x="9114887" y="14269694"/>
-                  <a:ext cx="2216500" cy="630873"/>
-                </a:xfrm>
-                <a:prstGeom prst="rect">
-                  <a:avLst/>
-                </a:prstGeom>
-                <a:noFill/>
-              </p:spPr>
-              <p:txBody>
-                <a:bodyPr wrap="square" rtlCol="0">
-                  <a:spAutoFit/>
-                </a:bodyPr>
-                <a:lstStyle/>
-                <a:p>
-                  <a:pPr algn="ctr"/>
-                  <a:r>
-                    <a:rPr lang="en-US" sz="3500" dirty="0">
-                      <a:solidFill>
-                        <a:srgbClr val="4A929C"/>
-                      </a:solidFill>
-                    </a:rPr>
-                    <a:t>adversarial</a:t>
-                  </a:r>
-                </a:p>
-              </p:txBody>
-            </p:sp>
-            <p:sp>
-              <p:nvSpPr>
-                <p:cNvPr id="77" name="TextBox 76">
-                  <a:extLst>
-                    <a:ext uri="{FF2B5EF4-FFF2-40B4-BE49-F238E27FC236}">
-                      <a16:creationId xmlns:a16="http://schemas.microsoft.com/office/drawing/2014/main" id="{1BEBFB0E-1131-4431-A1CB-0C5AB8076F74}"/>
-                    </a:ext>
-                  </a:extLst>
-                </p:cNvPr>
-                <p:cNvSpPr txBox="1"/>
-                <p:nvPr/>
-              </p:nvSpPr>
-              <p:spPr>
-                <a:xfrm>
-                  <a:off x="5994279" y="14269694"/>
-                  <a:ext cx="1556920" cy="630873"/>
-                </a:xfrm>
-                <a:prstGeom prst="rect">
-                  <a:avLst/>
-                </a:prstGeom>
-                <a:noFill/>
-              </p:spPr>
-              <p:txBody>
-                <a:bodyPr wrap="square" rtlCol="0">
-                  <a:spAutoFit/>
-                </a:bodyPr>
-                <a:lstStyle/>
-                <a:p>
-                  <a:pPr algn="ctr"/>
-                  <a:r>
-                    <a:rPr lang="en-US" sz="3500" dirty="0">
-                      <a:solidFill>
-                        <a:srgbClr val="4A929C"/>
-                      </a:solidFill>
-                    </a:rPr>
-                    <a:t>noise</a:t>
-                  </a:r>
-                </a:p>
-              </p:txBody>
-            </p:sp>
-            <p:sp>
-              <p:nvSpPr>
-                <p:cNvPr id="78" name="TextBox 77">
-                  <a:extLst>
-                    <a:ext uri="{FF2B5EF4-FFF2-40B4-BE49-F238E27FC236}">
-                      <a16:creationId xmlns:a16="http://schemas.microsoft.com/office/drawing/2014/main" id="{0247A0ED-9373-4A7C-B2A7-CF82E9F82D9D}"/>
-                    </a:ext>
-                  </a:extLst>
-                </p:cNvPr>
-                <p:cNvSpPr txBox="1"/>
-                <p:nvPr/>
-              </p:nvSpPr>
-              <p:spPr>
-                <a:xfrm>
-                  <a:off x="2519973" y="14268344"/>
-                  <a:ext cx="1556920" cy="630873"/>
-                </a:xfrm>
-                <a:prstGeom prst="rect">
-                  <a:avLst/>
-                </a:prstGeom>
-                <a:noFill/>
-              </p:spPr>
-              <p:txBody>
-                <a:bodyPr wrap="square" rtlCol="0">
-                  <a:spAutoFit/>
-                </a:bodyPr>
-                <a:lstStyle/>
-                <a:p>
-                  <a:pPr algn="ctr"/>
-                  <a:r>
-                    <a:rPr lang="en-US" sz="3500" dirty="0">
-                      <a:solidFill>
-                        <a:srgbClr val="4A929C"/>
-                      </a:solidFill>
-                    </a:rPr>
-                    <a:t>original</a:t>
-                  </a:r>
-                </a:p>
-              </p:txBody>
-            </p:sp>
-          </p:grpSp>
-        </p:grpSp>
-      </p:grpSp>
-      <p:grpSp>
-        <p:nvGrpSpPr>
-          <p:cNvPr id="86" name="Group 85">
-            <a:extLst>
-              <a:ext uri="{FF2B5EF4-FFF2-40B4-BE49-F238E27FC236}">
-                <a16:creationId xmlns:a16="http://schemas.microsoft.com/office/drawing/2014/main" id="{77345A03-AF8A-4091-BFC4-B48BFBAC4FC3}"/>
-              </a:ext>
-            </a:extLst>
-          </p:cNvPr>
-          <p:cNvGrpSpPr/>
-          <p:nvPr/>
-        </p:nvGrpSpPr>
-        <p:grpSpPr>
-          <a:xfrm>
-            <a:off x="1143696" y="24976972"/>
-            <a:ext cx="13574361" cy="4836718"/>
-            <a:chOff x="450669" y="24785738"/>
-            <a:chExt cx="13570371" cy="4835654"/>
-          </a:xfrm>
-        </p:grpSpPr>
-        <p:grpSp>
-          <p:nvGrpSpPr>
-            <p:cNvPr id="87" name="Group 86">
-              <a:extLst>
-                <a:ext uri="{FF2B5EF4-FFF2-40B4-BE49-F238E27FC236}">
-                  <a16:creationId xmlns:a16="http://schemas.microsoft.com/office/drawing/2014/main" id="{96BB160D-7952-462E-8AB7-F23EFCD94AB7}"/>
-                </a:ext>
-              </a:extLst>
-            </p:cNvPr>
-            <p:cNvGrpSpPr/>
-            <p:nvPr/>
-          </p:nvGrpSpPr>
-          <p:grpSpPr>
-            <a:xfrm>
-              <a:off x="450669" y="24785738"/>
-              <a:ext cx="13570371" cy="4835654"/>
-              <a:chOff x="770709" y="24785738"/>
-              <a:chExt cx="13570371" cy="4835654"/>
-            </a:xfrm>
-          </p:grpSpPr>
-          <p:grpSp>
-            <p:nvGrpSpPr>
-              <p:cNvPr id="91" name="Group 90">
-                <a:extLst>
-                  <a:ext uri="{FF2B5EF4-FFF2-40B4-BE49-F238E27FC236}">
-                    <a16:creationId xmlns:a16="http://schemas.microsoft.com/office/drawing/2014/main" id="{D877ED0F-2157-4E59-BE17-9E02CDA5B4FB}"/>
-                  </a:ext>
-                </a:extLst>
-              </p:cNvPr>
-              <p:cNvGrpSpPr/>
-              <p:nvPr/>
-            </p:nvGrpSpPr>
-            <p:grpSpPr>
-              <a:xfrm>
-                <a:off x="770709" y="24785738"/>
-                <a:ext cx="12034654" cy="4835654"/>
-                <a:chOff x="770709" y="24541898"/>
-                <a:chExt cx="12034654" cy="4835654"/>
-              </a:xfrm>
-            </p:grpSpPr>
-            <p:sp>
-              <p:nvSpPr>
-                <p:cNvPr id="93" name="TextBox 92">
-                  <a:extLst>
-                    <a:ext uri="{FF2B5EF4-FFF2-40B4-BE49-F238E27FC236}">
-                      <a16:creationId xmlns:a16="http://schemas.microsoft.com/office/drawing/2014/main" id="{E0F126E1-DD37-4C09-9297-4337CA2A2036}"/>
-                    </a:ext>
-                  </a:extLst>
-                </p:cNvPr>
-                <p:cNvSpPr txBox="1"/>
-                <p:nvPr/>
-              </p:nvSpPr>
-              <p:spPr>
-                <a:xfrm>
-                  <a:off x="2341907" y="28746679"/>
-                  <a:ext cx="10463456" cy="630873"/>
-                </a:xfrm>
-                <a:prstGeom prst="rect">
-                  <a:avLst/>
-                </a:prstGeom>
-                <a:noFill/>
-              </p:spPr>
-              <p:txBody>
-                <a:bodyPr wrap="square" rtlCol="0">
-                  <a:spAutoFit/>
-                </a:bodyPr>
-                <a:lstStyle/>
-                <a:p>
-                  <a:pPr algn="ctr"/>
-                  <a:r>
-                    <a:rPr lang="en-US" sz="3500" b="1" dirty="0">
-                      <a:solidFill>
-                        <a:srgbClr val="4A929C"/>
-                      </a:solidFill>
-                    </a:rPr>
-                    <a:t>Figure 2:</a:t>
-                  </a:r>
-                  <a:r>
-                    <a:rPr lang="en-US" sz="3500" dirty="0"/>
-                    <a:t> architecture for securing models</a:t>
-                  </a:r>
-                  <a:endParaRPr lang="en-US" sz="3500" b="1" dirty="0"/>
-                </a:p>
-              </p:txBody>
-            </p:sp>
-            <p:grpSp>
-              <p:nvGrpSpPr>
-                <p:cNvPr id="94" name="Group 93">
-                  <a:extLst>
-                    <a:ext uri="{FF2B5EF4-FFF2-40B4-BE49-F238E27FC236}">
-                      <a16:creationId xmlns:a16="http://schemas.microsoft.com/office/drawing/2014/main" id="{B3828EFC-7000-46BF-BD2A-1FC171B21C1C}"/>
-                    </a:ext>
-                  </a:extLst>
-                </p:cNvPr>
-                <p:cNvGrpSpPr/>
-                <p:nvPr/>
-              </p:nvGrpSpPr>
-              <p:grpSpPr>
-                <a:xfrm>
-                  <a:off x="770709" y="24541898"/>
-                  <a:ext cx="10993515" cy="4047773"/>
-                  <a:chOff x="4090983" y="20099382"/>
-                  <a:chExt cx="10993515" cy="4047773"/>
-                </a:xfrm>
-              </p:grpSpPr>
-              <p:grpSp>
-                <p:nvGrpSpPr>
-                  <p:cNvPr id="95" name="Group 94">
-                    <a:extLst>
-                      <a:ext uri="{FF2B5EF4-FFF2-40B4-BE49-F238E27FC236}">
-                        <a16:creationId xmlns:a16="http://schemas.microsoft.com/office/drawing/2014/main" id="{A59C9991-9736-408F-A168-BFB599E667AC}"/>
-                      </a:ext>
-                    </a:extLst>
-                  </p:cNvPr>
-                  <p:cNvGrpSpPr/>
-                  <p:nvPr/>
-                </p:nvGrpSpPr>
-                <p:grpSpPr>
-                  <a:xfrm>
-                    <a:off x="4090983" y="20586785"/>
-                    <a:ext cx="10821078" cy="3203523"/>
-                    <a:chOff x="4273863" y="20373425"/>
-                    <a:chExt cx="10821078" cy="3203523"/>
-                  </a:xfrm>
-                </p:grpSpPr>
-                <p:grpSp>
-                  <p:nvGrpSpPr>
-                    <p:cNvPr id="97" name="Group 96">
-                      <a:extLst>
-                        <a:ext uri="{FF2B5EF4-FFF2-40B4-BE49-F238E27FC236}">
-                          <a16:creationId xmlns:a16="http://schemas.microsoft.com/office/drawing/2014/main" id="{DC5EF675-B421-4463-9738-25F436D61089}"/>
-                        </a:ext>
-                      </a:extLst>
-                    </p:cNvPr>
-                    <p:cNvGrpSpPr/>
-                    <p:nvPr/>
-                  </p:nvGrpSpPr>
-                  <p:grpSpPr>
-                    <a:xfrm>
-                      <a:off x="7039334" y="21202506"/>
-                      <a:ext cx="963162" cy="1565513"/>
-                      <a:chOff x="15465968" y="19638480"/>
-                      <a:chExt cx="963162" cy="1565513"/>
-                    </a:xfrm>
-                  </p:grpSpPr>
-                  <p:pic>
-                    <p:nvPicPr>
-                      <p:cNvPr id="101" name="Picture 100" descr="A close up of a device&#10;&#10;Description automatically generated">
-                        <a:extLst>
-                          <a:ext uri="{FF2B5EF4-FFF2-40B4-BE49-F238E27FC236}">
-                            <a16:creationId xmlns:a16="http://schemas.microsoft.com/office/drawing/2014/main" id="{3B7195B5-32C1-4328-86E8-011BFABB93A6}"/>
-                          </a:ext>
-                        </a:extLst>
-                      </p:cNvPr>
-                      <p:cNvPicPr>
-                        <a:picLocks noChangeAspect="1"/>
-                      </p:cNvPicPr>
-                      <p:nvPr/>
-                    </p:nvPicPr>
-                    <p:blipFill>
-                      <a:blip r:embed="rId19">
-                        <a:extLst>
-                          <a:ext uri="{28A0092B-C50C-407E-A947-70E740481C1C}">
-                            <a14:useLocalDpi xmlns:a14="http://schemas.microsoft.com/office/drawing/2010/main" val="0"/>
-                          </a:ext>
-                        </a:extLst>
-                      </a:blip>
-                      <a:stretch>
-                        <a:fillRect/>
-                      </a:stretch>
-                    </p:blipFill>
-                    <p:spPr>
-                      <a:xfrm>
-                        <a:off x="15529130" y="20303993"/>
-                        <a:ext cx="900000" cy="900000"/>
-                      </a:xfrm>
-                      <a:prstGeom prst="rect">
-                        <a:avLst/>
-                      </a:prstGeom>
-                    </p:spPr>
-                  </p:pic>
-                  <p:pic>
-                    <p:nvPicPr>
-                      <p:cNvPr id="102" name="Picture 101">
-                        <a:extLst>
-                          <a:ext uri="{FF2B5EF4-FFF2-40B4-BE49-F238E27FC236}">
-                            <a16:creationId xmlns:a16="http://schemas.microsoft.com/office/drawing/2014/main" id="{7E459366-728A-45AF-B85E-046A28505D58}"/>
-                          </a:ext>
-                        </a:extLst>
-                      </p:cNvPr>
-                      <p:cNvPicPr>
-                        <a:picLocks noChangeAspect="1"/>
-                      </p:cNvPicPr>
-                      <p:nvPr/>
-                    </p:nvPicPr>
-                    <p:blipFill>
-                      <a:blip r:embed="rId20" cstate="print">
-                        <a:extLst>
-                          <a:ext uri="{28A0092B-C50C-407E-A947-70E740481C1C}">
-                            <a14:useLocalDpi xmlns:a14="http://schemas.microsoft.com/office/drawing/2010/main" val="0"/>
-                          </a:ext>
-                        </a:extLst>
-                      </a:blip>
-                      <a:stretch>
-                        <a:fillRect/>
-                      </a:stretch>
-                    </p:blipFill>
-                    <p:spPr>
-                      <a:xfrm>
-                        <a:off x="15465968" y="19638480"/>
-                        <a:ext cx="914400" cy="913468"/>
-                      </a:xfrm>
-                      <a:prstGeom prst="rect">
-                        <a:avLst/>
-                      </a:prstGeom>
-                    </p:spPr>
-                  </p:pic>
-                </p:grpSp>
-                <p:pic>
-                  <p:nvPicPr>
-                    <p:cNvPr id="98" name="Picture 97" descr="A close up of a device&#10;&#10;Description automatically generated">
-                      <a:extLst>
-                        <a:ext uri="{FF2B5EF4-FFF2-40B4-BE49-F238E27FC236}">
-                          <a16:creationId xmlns:a16="http://schemas.microsoft.com/office/drawing/2014/main" id="{E24AD8BE-4DE1-4538-9331-4E3990B50345}"/>
-                        </a:ext>
-                      </a:extLst>
-                    </p:cNvPr>
-                    <p:cNvPicPr>
-                      <a:picLocks noChangeAspect="1"/>
-                    </p:cNvPicPr>
-                    <p:nvPr/>
-                  </p:nvPicPr>
-                  <p:blipFill rotWithShape="1">
-                    <a:blip r:embed="rId21">
-                      <a:extLst>
-                        <a:ext uri="{28A0092B-C50C-407E-A947-70E740481C1C}">
-                          <a14:useLocalDpi xmlns:a14="http://schemas.microsoft.com/office/drawing/2010/main" val="0"/>
-                        </a:ext>
-                      </a:extLst>
-                    </a:blip>
-                    <a:srcRect l="18802"/>
-                    <a:stretch/>
-                  </p:blipFill>
-                  <p:spPr>
-                    <a:xfrm>
-                      <a:off x="4273863" y="20827697"/>
-                      <a:ext cx="2338503" cy="2160000"/>
-                    </a:xfrm>
-                    <a:prstGeom prst="rect">
-                      <a:avLst/>
-                    </a:prstGeom>
-                  </p:spPr>
-                </p:pic>
-                <p:pic>
-                  <p:nvPicPr>
-                    <p:cNvPr id="99" name="Picture 98" descr="A picture containing crossword puzzle, text, black, floor&#10;&#10;Description automatically generated">
-                      <a:extLst>
-                        <a:ext uri="{FF2B5EF4-FFF2-40B4-BE49-F238E27FC236}">
-                          <a16:creationId xmlns:a16="http://schemas.microsoft.com/office/drawing/2014/main" id="{C80C5476-8CCA-486C-90D3-FA0B1C5D7683}"/>
-                        </a:ext>
-                      </a:extLst>
-                    </p:cNvPr>
-                    <p:cNvPicPr>
-                      <a:picLocks noChangeAspect="1"/>
-                    </p:cNvPicPr>
-                    <p:nvPr/>
-                  </p:nvPicPr>
-                  <p:blipFill>
-                    <a:blip r:embed="rId22">
-                      <a:extLst>
-                        <a:ext uri="{28A0092B-C50C-407E-A947-70E740481C1C}">
-                          <a14:useLocalDpi xmlns:a14="http://schemas.microsoft.com/office/drawing/2010/main" val="0"/>
-                        </a:ext>
-                      </a:extLst>
-                    </a:blip>
-                    <a:stretch>
-                      <a:fillRect/>
-                    </a:stretch>
-                  </p:blipFill>
-                  <p:spPr>
-                    <a:xfrm>
-                      <a:off x="8354111" y="20827697"/>
-                      <a:ext cx="2880000" cy="2160000"/>
-                    </a:xfrm>
-                    <a:prstGeom prst="rect">
-                      <a:avLst/>
-                    </a:prstGeom>
-                  </p:spPr>
-                </p:pic>
-                <p:pic>
-                  <p:nvPicPr>
-                    <p:cNvPr id="100" name="Picture 99">
-                      <a:extLst>
-                        <a:ext uri="{FF2B5EF4-FFF2-40B4-BE49-F238E27FC236}">
-                          <a16:creationId xmlns:a16="http://schemas.microsoft.com/office/drawing/2014/main" id="{7B2482F8-8B5C-4925-B39C-C0974E45A424}"/>
-                        </a:ext>
-                      </a:extLst>
-                    </p:cNvPr>
-                    <p:cNvPicPr>
-                      <a:picLocks noChangeAspect="1"/>
-                    </p:cNvPicPr>
-                    <p:nvPr/>
-                  </p:nvPicPr>
-                  <p:blipFill>
-                    <a:blip r:embed="rId23">
-                      <a:extLst>
-                        <a:ext uri="{28A0092B-C50C-407E-A947-70E740481C1C}">
-                          <a14:useLocalDpi xmlns:a14="http://schemas.microsoft.com/office/drawing/2010/main" val="0"/>
-                        </a:ext>
-                      </a:extLst>
-                    </a:blip>
-                    <a:stretch>
-                      <a:fillRect/>
-                    </a:stretch>
-                  </p:blipFill>
-                  <p:spPr>
-                    <a:xfrm>
-                      <a:off x="11620221" y="20373425"/>
-                      <a:ext cx="3474720" cy="3203523"/>
-                    </a:xfrm>
-                    <a:prstGeom prst="rect">
-                      <a:avLst/>
-                    </a:prstGeom>
-                  </p:spPr>
-                </p:pic>
-              </p:grpSp>
-              <p:sp>
-                <p:nvSpPr>
-                  <p:cNvPr id="96" name="Rectangle: Rounded Corners 97">
-                    <a:extLst>
-                      <a:ext uri="{FF2B5EF4-FFF2-40B4-BE49-F238E27FC236}">
-                        <a16:creationId xmlns:a16="http://schemas.microsoft.com/office/drawing/2014/main" id="{7082610D-6AD0-4B72-8799-8EF096B5C63B}"/>
-                      </a:ext>
-                    </a:extLst>
-                  </p:cNvPr>
-                  <p:cNvSpPr/>
-                  <p:nvPr/>
-                </p:nvSpPr>
-                <p:spPr>
-                  <a:xfrm>
-                    <a:off x="6329133" y="20099382"/>
-                    <a:ext cx="8755365" cy="4047773"/>
-                  </a:xfrm>
-                  <a:prstGeom prst="roundRect">
-                    <a:avLst/>
-                  </a:prstGeom>
-                  <a:noFill/>
-                  <a:ln w="76200">
-                    <a:solidFill>
-                      <a:srgbClr val="4A929C"/>
-                    </a:solidFill>
-                  </a:ln>
-                </p:spPr>
-                <p:style>
-                  <a:lnRef idx="2">
-                    <a:schemeClr val="accent1">
-                      <a:shade val="50000"/>
-                    </a:schemeClr>
-                  </a:lnRef>
-                  <a:fillRef idx="1">
-                    <a:schemeClr val="accent1"/>
-                  </a:fillRef>
-                  <a:effectRef idx="0">
-                    <a:schemeClr val="accent1"/>
-                  </a:effectRef>
-                  <a:fontRef idx="minor">
-                    <a:schemeClr val="lt1"/>
-                  </a:fontRef>
-                </p:style>
-                <p:txBody>
-                  <a:bodyPr rtlCol="0" anchor="ctr"/>
-                  <a:lstStyle/>
-                  <a:p>
-                    <a:pPr algn="ctr"/>
-                    <a:endParaRPr lang="en-US" dirty="0"/>
-                  </a:p>
-                </p:txBody>
-              </p:sp>
-            </p:grpSp>
-          </p:grpSp>
-          <p:sp>
-            <p:nvSpPr>
-              <p:cNvPr id="92" name="Speech Bubble: Oval 187">
-                <a:extLst>
-                  <a:ext uri="{FF2B5EF4-FFF2-40B4-BE49-F238E27FC236}">
-                    <a16:creationId xmlns:a16="http://schemas.microsoft.com/office/drawing/2014/main" id="{078F6DC7-CB18-4D83-B6C3-E52851F35E01}"/>
-                  </a:ext>
-                </a:extLst>
-              </p:cNvPr>
-              <p:cNvSpPr/>
-              <p:nvPr/>
-            </p:nvSpPr>
-            <p:spPr>
-              <a:xfrm>
-                <a:off x="11936463" y="25832243"/>
-                <a:ext cx="2404617" cy="1061710"/>
-              </a:xfrm>
-              <a:prstGeom prst="wedgeEllipseCallout">
-                <a:avLst>
-                  <a:gd name="adj1" fmla="val -57939"/>
-                  <a:gd name="adj2" fmla="val 46599"/>
-                </a:avLst>
-              </a:prstGeom>
-              <a:noFill/>
-              <a:ln w="76200">
-                <a:solidFill>
-                  <a:srgbClr val="4A929C"/>
-                </a:solidFill>
-              </a:ln>
-            </p:spPr>
-            <p:style>
-              <a:lnRef idx="2">
-                <a:schemeClr val="accent1">
-                  <a:shade val="50000"/>
-                </a:schemeClr>
-              </a:lnRef>
-              <a:fillRef idx="1">
-                <a:schemeClr val="accent1"/>
-              </a:fillRef>
-              <a:effectRef idx="0">
-                <a:schemeClr val="accent1"/>
-              </a:effectRef>
-              <a:fontRef idx="minor">
-                <a:schemeClr val="lt1"/>
-              </a:fontRef>
-            </p:style>
-            <p:txBody>
-              <a:bodyPr rtlCol="0" anchor="ctr"/>
-              <a:lstStyle/>
-              <a:p>
-                <a:pPr algn="ctr"/>
-                <a:r>
-                  <a:rPr lang="en-US" sz="3500" b="1" dirty="0">
-                    <a:solidFill>
-                      <a:srgbClr val="FF8000"/>
-                    </a:solidFill>
-                  </a:rPr>
-                  <a:t>T-shirt</a:t>
-                </a:r>
-              </a:p>
-            </p:txBody>
-          </p:sp>
-        </p:grpSp>
-        <p:cxnSp>
-          <p:nvCxnSpPr>
-            <p:cNvPr id="88" name="Straight Arrow Connector 87">
-              <a:extLst>
-                <a:ext uri="{FF2B5EF4-FFF2-40B4-BE49-F238E27FC236}">
-                  <a16:creationId xmlns:a16="http://schemas.microsoft.com/office/drawing/2014/main" id="{1338B41E-BE41-4E7F-AB5D-DBDF1AC91A9C}"/>
-                </a:ext>
-              </a:extLst>
-            </p:cNvPr>
-            <p:cNvCxnSpPr/>
-            <p:nvPr/>
-          </p:nvCxnSpPr>
-          <p:spPr>
-            <a:xfrm>
-              <a:off x="7076284" y="26791200"/>
-              <a:ext cx="640080" cy="0"/>
-            </a:xfrm>
-            <a:prstGeom prst="straightConnector1">
-              <a:avLst/>
-            </a:prstGeom>
-            <a:ln w="38100">
-              <a:solidFill>
-                <a:srgbClr val="4A929C"/>
-              </a:solidFill>
-              <a:tailEnd type="triangle"/>
-            </a:ln>
-          </p:spPr>
-          <p:style>
-            <a:lnRef idx="1">
-              <a:schemeClr val="accent1"/>
-            </a:lnRef>
-            <a:fillRef idx="0">
-              <a:schemeClr val="accent1"/>
-            </a:fillRef>
-            <a:effectRef idx="0">
-              <a:schemeClr val="accent1"/>
-            </a:effectRef>
-            <a:fontRef idx="minor">
-              <a:schemeClr val="tx1"/>
-            </a:fontRef>
-          </p:style>
-        </p:cxnSp>
-        <p:cxnSp>
-          <p:nvCxnSpPr>
-            <p:cNvPr id="89" name="Straight Arrow Connector 88">
-              <a:extLst>
-                <a:ext uri="{FF2B5EF4-FFF2-40B4-BE49-F238E27FC236}">
-                  <a16:creationId xmlns:a16="http://schemas.microsoft.com/office/drawing/2014/main" id="{138E9ACB-E391-4CA5-9E66-988BB55833A3}"/>
-                </a:ext>
-              </a:extLst>
-            </p:cNvPr>
-            <p:cNvCxnSpPr/>
-            <p:nvPr/>
-          </p:nvCxnSpPr>
-          <p:spPr>
-            <a:xfrm>
-              <a:off x="4365837" y="26792679"/>
-              <a:ext cx="640080" cy="0"/>
-            </a:xfrm>
-            <a:prstGeom prst="straightConnector1">
-              <a:avLst/>
-            </a:prstGeom>
-            <a:ln w="38100">
-              <a:solidFill>
-                <a:srgbClr val="4A929C"/>
-              </a:solidFill>
-              <a:tailEnd type="triangle"/>
-            </a:ln>
-          </p:spPr>
-          <p:style>
-            <a:lnRef idx="1">
-              <a:schemeClr val="accent1"/>
-            </a:lnRef>
-            <a:fillRef idx="0">
-              <a:schemeClr val="accent1"/>
-            </a:fillRef>
-            <a:effectRef idx="0">
-              <a:schemeClr val="accent1"/>
-            </a:effectRef>
-            <a:fontRef idx="minor">
-              <a:schemeClr val="tx1"/>
-            </a:fontRef>
-          </p:style>
-        </p:cxnSp>
-        <p:cxnSp>
-          <p:nvCxnSpPr>
-            <p:cNvPr id="90" name="Straight Arrow Connector 89">
-              <a:extLst>
-                <a:ext uri="{FF2B5EF4-FFF2-40B4-BE49-F238E27FC236}">
-                  <a16:creationId xmlns:a16="http://schemas.microsoft.com/office/drawing/2014/main" id="{2C7BE932-3BC3-4A8A-9590-5CF30E25BF8F}"/>
-                </a:ext>
-              </a:extLst>
-            </p:cNvPr>
-            <p:cNvCxnSpPr/>
-            <p:nvPr/>
-          </p:nvCxnSpPr>
-          <p:spPr>
-            <a:xfrm>
-              <a:off x="2343021" y="26791200"/>
-              <a:ext cx="748987" cy="0"/>
-            </a:xfrm>
-            <a:prstGeom prst="straightConnector1">
-              <a:avLst/>
-            </a:prstGeom>
-            <a:ln w="38100">
-              <a:solidFill>
-                <a:srgbClr val="4A929C"/>
-              </a:solidFill>
-              <a:tailEnd type="triangle"/>
-            </a:ln>
-          </p:spPr>
-          <p:style>
-            <a:lnRef idx="1">
-              <a:schemeClr val="accent1"/>
-            </a:lnRef>
-            <a:fillRef idx="0">
-              <a:schemeClr val="accent1"/>
-            </a:fillRef>
-            <a:effectRef idx="0">
-              <a:schemeClr val="accent1"/>
-            </a:effectRef>
-            <a:fontRef idx="minor">
-              <a:schemeClr val="tx1"/>
-            </a:fontRef>
-          </p:style>
-        </p:cxnSp>
-      </p:grpSp>
       <p:sp>
         <p:nvSpPr>
           <p:cNvPr id="104" name="Date Placeholder 103" hidden="1"/>
@@ -7840,7 +5143,7 @@
           <p:nvPr/>
         </p:nvPicPr>
         <p:blipFill rotWithShape="1">
-          <a:blip r:embed="rId24">
+          <a:blip r:embed="rId9">
             <a:extLst>
               <a:ext uri="{28A0092B-C50C-407E-A947-70E740481C1C}">
                 <a14:useLocalDpi xmlns:a14="http://schemas.microsoft.com/office/drawing/2010/main" val="0"/>
@@ -7869,692 +5172,8 @@
           </a:extLst>
         </p:spPr>
       </p:pic>
-      <p:grpSp>
-        <p:nvGrpSpPr>
-          <p:cNvPr id="2" name="Group 1">
-            <a:extLst>
-              <a:ext uri="{FF2B5EF4-FFF2-40B4-BE49-F238E27FC236}">
-                <a16:creationId xmlns:a16="http://schemas.microsoft.com/office/drawing/2014/main" id="{FE01ADC9-DC53-4BA1-9102-561A6594918C}"/>
-              </a:ext>
-            </a:extLst>
-          </p:cNvPr>
-          <p:cNvGrpSpPr/>
-          <p:nvPr/>
-        </p:nvGrpSpPr>
-        <p:grpSpPr>
-          <a:xfrm>
-            <a:off x="717727" y="21592708"/>
-            <a:ext cx="14402117" cy="3330175"/>
-            <a:chOff x="720000" y="21592708"/>
-            <a:chExt cx="14400001" cy="3329808"/>
-          </a:xfrm>
-        </p:grpSpPr>
-        <p:grpSp>
-          <p:nvGrpSpPr>
-            <p:cNvPr id="6" name="Group 5">
-              <a:extLst>
-                <a:ext uri="{FF2B5EF4-FFF2-40B4-BE49-F238E27FC236}">
-                  <a16:creationId xmlns:a16="http://schemas.microsoft.com/office/drawing/2014/main" id="{BCEB0613-7A4B-4017-B08D-16B2F3CF6257}"/>
-                </a:ext>
-              </a:extLst>
-            </p:cNvPr>
-            <p:cNvGrpSpPr>
-              <a:grpSpLocks/>
-            </p:cNvGrpSpPr>
-            <p:nvPr/>
-          </p:nvGrpSpPr>
-          <p:grpSpPr>
-            <a:xfrm>
-              <a:off x="1440002" y="21638450"/>
-              <a:ext cx="13679999" cy="3284066"/>
-              <a:chOff x="155025" y="1"/>
-              <a:chExt cx="2936191" cy="926166"/>
-            </a:xfrm>
-          </p:grpSpPr>
-          <p:sp>
-            <p:nvSpPr>
-              <p:cNvPr id="7" name="תיבת טקסט 18">
-                <a:extLst>
-                  <a:ext uri="{FF2B5EF4-FFF2-40B4-BE49-F238E27FC236}">
-                    <a16:creationId xmlns:a16="http://schemas.microsoft.com/office/drawing/2014/main" id="{16681B08-B5BB-4072-8771-E8321F8CFC99}"/>
-                  </a:ext>
-                </a:extLst>
-              </p:cNvPr>
-              <p:cNvSpPr txBox="1"/>
-              <p:nvPr/>
-            </p:nvSpPr>
-            <p:spPr>
-              <a:xfrm>
-                <a:off x="155025" y="242463"/>
-                <a:ext cx="2936191" cy="683704"/>
-              </a:xfrm>
-              <a:prstGeom prst="rect">
-                <a:avLst/>
-              </a:prstGeom>
-              <a:noFill/>
-              <a:ln w="25400" cap="flat" cmpd="sng" algn="ctr">
-                <a:noFill/>
-                <a:prstDash val="solid"/>
-              </a:ln>
-              <a:effectLst/>
-            </p:spPr>
-            <p:txBody>
-              <a:bodyPr rot="0" spcFirstLastPara="0" vert="horz" wrap="square" lIns="91440" tIns="45720" rIns="91440" bIns="45720" numCol="1" spcCol="0" rtlCol="1" fromWordArt="0" anchor="t" anchorCtr="0" forceAA="0" compatLnSpc="1">
-                <a:prstTxWarp prst="textNoShape">
-                  <a:avLst/>
-                </a:prstTxWarp>
-                <a:noAutofit/>
-              </a:bodyPr>
-              <a:lstStyle/>
-              <a:p>
-                <a:r>
-                  <a:rPr lang="en-US" sz="3700" dirty="0">
-                    <a:latin typeface="Calibri" panose="020F0502020204030204" pitchFamily="34" charset="0"/>
-                    <a:ea typeface="Calibri" panose="020F0502020204030204" pitchFamily="34" charset="0"/>
-                    <a:cs typeface="Arial" panose="020B0604020202020204" pitchFamily="34" charset="0"/>
-                  </a:rPr>
-                  <a:t>Approach: training models on encrypted images.</a:t>
-                </a:r>
-              </a:p>
-              <a:p>
-                <a:r>
-                  <a:rPr lang="en-US" sz="3700" dirty="0">
-                    <a:latin typeface="Calibri" panose="020F0502020204030204" pitchFamily="34" charset="0"/>
-                    <a:ea typeface="Calibri" panose="020F0502020204030204" pitchFamily="34" charset="0"/>
-                    <a:cs typeface="Arial" panose="020B0604020202020204" pitchFamily="34" charset="0"/>
-                  </a:rPr>
-                  <a:t>Encryption techniques:</a:t>
-                </a:r>
-              </a:p>
-              <a:p>
-                <a:pPr marL="571500" indent="-571500">
-                  <a:buFont typeface="Arial" pitchFamily="34" charset="0"/>
-                  <a:buChar char="•"/>
-                </a:pPr>
-                <a:r>
-                  <a:rPr lang="en-US" sz="3700" dirty="0">
-                    <a:latin typeface="Calibri" panose="020F0502020204030204" pitchFamily="34" charset="0"/>
-                    <a:ea typeface="Calibri" panose="020F0502020204030204" pitchFamily="34" charset="0"/>
-                    <a:cs typeface="Arial" panose="020B0604020202020204" pitchFamily="34" charset="0"/>
-                  </a:rPr>
-                  <a:t>Permutation</a:t>
-                </a:r>
-              </a:p>
-              <a:p>
-                <a:pPr marL="571500" indent="-571500">
-                  <a:buFont typeface="Arial" pitchFamily="34" charset="0"/>
-                  <a:buChar char="•"/>
-                </a:pPr>
-                <a:r>
-                  <a:rPr lang="en-US" sz="3700" dirty="0">
-                    <a:latin typeface="Calibri" panose="020F0502020204030204" pitchFamily="34" charset="0"/>
-                    <a:ea typeface="Calibri" panose="020F0502020204030204" pitchFamily="34" charset="0"/>
-                    <a:cs typeface="Arial" panose="020B0604020202020204" pitchFamily="34" charset="0"/>
-                  </a:rPr>
-                  <a:t>AES in ECB, CBC and CTR modes</a:t>
-                </a:r>
-                <a:endParaRPr lang="en-US" sz="3700" dirty="0"/>
-              </a:p>
-              <a:p>
-                <a:endParaRPr lang="en-US" sz="3700" dirty="0">
-                  <a:latin typeface="Calibri" panose="020F0502020204030204" pitchFamily="34" charset="0"/>
-                  <a:ea typeface="Calibri" panose="020F0502020204030204" pitchFamily="34" charset="0"/>
-                  <a:cs typeface="Arial" panose="020B0604020202020204" pitchFamily="34" charset="0"/>
-                </a:endParaRPr>
-              </a:p>
-            </p:txBody>
-          </p:sp>
-          <p:sp>
-            <p:nvSpPr>
-              <p:cNvPr id="8" name="Text Box 24">
-                <a:extLst>
-                  <a:ext uri="{FF2B5EF4-FFF2-40B4-BE49-F238E27FC236}">
-                    <a16:creationId xmlns:a16="http://schemas.microsoft.com/office/drawing/2014/main" id="{381F52DF-4A25-4DD5-9D0F-C809759D92B7}"/>
-                  </a:ext>
-                </a:extLst>
-              </p:cNvPr>
-              <p:cNvSpPr txBox="1"/>
-              <p:nvPr/>
-            </p:nvSpPr>
-            <p:spPr>
-              <a:xfrm>
-                <a:off x="155025" y="1"/>
-                <a:ext cx="2936191" cy="237739"/>
-              </a:xfrm>
-              <a:prstGeom prst="rect">
-                <a:avLst/>
-              </a:prstGeom>
-              <a:solidFill>
-                <a:srgbClr val="FF8000"/>
-              </a:solidFill>
-              <a:ln w="6350">
-                <a:noFill/>
-              </a:ln>
-            </p:spPr>
-            <p:txBody>
-              <a:bodyPr rot="0" spcFirstLastPara="0" vert="horz" wrap="square" lIns="91440" tIns="45720" rIns="91440" bIns="45720" numCol="1" spcCol="0" rtlCol="0" fromWordArt="0" anchor="ctr" anchorCtr="0" forceAA="0" compatLnSpc="1">
-                <a:prstTxWarp prst="textNoShape">
-                  <a:avLst/>
-                </a:prstTxWarp>
-                <a:noAutofit/>
-              </a:bodyPr>
-              <a:lstStyle/>
-              <a:p>
-                <a:pPr>
-                  <a:lnSpc>
-                    <a:spcPct val="115000"/>
-                  </a:lnSpc>
-                  <a:spcAft>
-                    <a:spcPts val="1000"/>
-                  </a:spcAft>
-                </a:pPr>
-                <a:r>
-                  <a:rPr lang="en-US" sz="4000" b="1" kern="0" dirty="0">
-                    <a:solidFill>
-                      <a:srgbClr val="FFFFFF"/>
-                    </a:solidFill>
-                    <a:latin typeface="Calibri" panose="020F0502020204030204" pitchFamily="34" charset="0"/>
-                    <a:cs typeface="Arial" panose="020B0604020202020204" pitchFamily="34" charset="0"/>
-                  </a:rPr>
-                  <a:t>Securing Models</a:t>
-                </a:r>
-              </a:p>
-            </p:txBody>
-          </p:sp>
-        </p:grpSp>
-        <p:sp>
-          <p:nvSpPr>
-            <p:cNvPr id="106" name="Text Box 24">
-              <a:extLst>
-                <a:ext uri="{FF2B5EF4-FFF2-40B4-BE49-F238E27FC236}">
-                  <a16:creationId xmlns:a16="http://schemas.microsoft.com/office/drawing/2014/main" id="{C484DB7D-EC0C-4294-AE42-D6D333610AF3}"/>
-                </a:ext>
-              </a:extLst>
-            </p:cNvPr>
-            <p:cNvSpPr txBox="1"/>
-            <p:nvPr/>
-          </p:nvSpPr>
-          <p:spPr>
-            <a:xfrm>
-              <a:off x="720000" y="21592708"/>
-              <a:ext cx="720000" cy="842992"/>
-            </a:xfrm>
-            <a:prstGeom prst="rect">
-              <a:avLst/>
-            </a:prstGeom>
-            <a:solidFill>
-              <a:schemeClr val="bg1"/>
-            </a:solidFill>
-            <a:ln w="6350">
-              <a:noFill/>
-            </a:ln>
-          </p:spPr>
-          <p:txBody>
-            <a:bodyPr rot="0" spcFirstLastPara="0" vert="horz" wrap="square" lIns="91440" tIns="45720" rIns="91440" bIns="45720" numCol="1" spcCol="0" rtlCol="0" fromWordArt="0" anchor="ctr" anchorCtr="0" forceAA="0" compatLnSpc="1">
-              <a:prstTxWarp prst="textNoShape">
-                <a:avLst/>
-              </a:prstTxWarp>
-              <a:noAutofit/>
-            </a:bodyPr>
-            <a:lstStyle/>
-            <a:p>
-              <a:pPr algn="ctr">
-                <a:lnSpc>
-                  <a:spcPct val="115000"/>
-                </a:lnSpc>
-                <a:spcAft>
-                  <a:spcPts val="1000"/>
-                </a:spcAft>
-              </a:pPr>
-              <a:r>
-                <a:rPr lang="en-US" sz="5500" b="1" kern="0" dirty="0">
-                  <a:solidFill>
-                    <a:srgbClr val="FF8000"/>
-                  </a:solidFill>
-                  <a:latin typeface="Calibri" panose="020F0502020204030204" pitchFamily="34" charset="0"/>
-                  <a:cs typeface="Arial" panose="020B0604020202020204" pitchFamily="34" charset="0"/>
-                </a:rPr>
-                <a:t>2</a:t>
-              </a:r>
-            </a:p>
-          </p:txBody>
-        </p:sp>
-      </p:grpSp>
-      <p:grpSp>
-        <p:nvGrpSpPr>
-          <p:cNvPr id="4" name="Group 3">
-            <a:extLst>
-              <a:ext uri="{FF2B5EF4-FFF2-40B4-BE49-F238E27FC236}">
-                <a16:creationId xmlns:a16="http://schemas.microsoft.com/office/drawing/2014/main" id="{AA5F5289-14B3-42EA-8F2F-5184A6F0846E}"/>
-              </a:ext>
-            </a:extLst>
-          </p:cNvPr>
-          <p:cNvGrpSpPr/>
-          <p:nvPr/>
-        </p:nvGrpSpPr>
-        <p:grpSpPr>
-          <a:xfrm>
-            <a:off x="717725" y="30280798"/>
-            <a:ext cx="14402112" cy="1981189"/>
-            <a:chOff x="720000" y="30279840"/>
-            <a:chExt cx="14399996" cy="1980971"/>
-          </a:xfrm>
-        </p:grpSpPr>
-        <p:grpSp>
-          <p:nvGrpSpPr>
-            <p:cNvPr id="12" name="Group 11">
-              <a:extLst>
-                <a:ext uri="{FF2B5EF4-FFF2-40B4-BE49-F238E27FC236}">
-                  <a16:creationId xmlns:a16="http://schemas.microsoft.com/office/drawing/2014/main" id="{EEA89EBD-FDDE-48A6-8855-66923377C367}"/>
-                </a:ext>
-              </a:extLst>
-            </p:cNvPr>
-            <p:cNvGrpSpPr/>
-            <p:nvPr/>
-          </p:nvGrpSpPr>
-          <p:grpSpPr>
-            <a:xfrm>
-              <a:off x="1439998" y="30339246"/>
-              <a:ext cx="13679998" cy="1921565"/>
-              <a:chOff x="155024" y="1"/>
-              <a:chExt cx="2936191" cy="541916"/>
-            </a:xfrm>
-          </p:grpSpPr>
-          <p:sp>
-            <p:nvSpPr>
-              <p:cNvPr id="13" name="תיבת טקסט 18">
-                <a:extLst>
-                  <a:ext uri="{FF2B5EF4-FFF2-40B4-BE49-F238E27FC236}">
-                    <a16:creationId xmlns:a16="http://schemas.microsoft.com/office/drawing/2014/main" id="{EFAD3A93-6265-4D90-B121-E7210ACAD82E}"/>
-                  </a:ext>
-                </a:extLst>
-              </p:cNvPr>
-              <p:cNvSpPr txBox="1"/>
-              <p:nvPr/>
-            </p:nvSpPr>
-            <p:spPr>
-              <a:xfrm>
-                <a:off x="155024" y="242463"/>
-                <a:ext cx="2936191" cy="299454"/>
-              </a:xfrm>
-              <a:prstGeom prst="rect">
-                <a:avLst/>
-              </a:prstGeom>
-              <a:noFill/>
-              <a:ln w="25400" cap="flat" cmpd="sng" algn="ctr">
-                <a:noFill/>
-                <a:prstDash val="solid"/>
-              </a:ln>
-              <a:effectLst/>
-            </p:spPr>
-            <p:txBody>
-              <a:bodyPr rot="0" spcFirstLastPara="0" vert="horz" wrap="square" lIns="91440" tIns="45720" rIns="91440" bIns="45720" numCol="1" spcCol="0" rtlCol="1" fromWordArt="0" anchor="t" anchorCtr="0" forceAA="0" compatLnSpc="1">
-                <a:prstTxWarp prst="textNoShape">
-                  <a:avLst/>
-                </a:prstTxWarp>
-                <a:noAutofit/>
-              </a:bodyPr>
-              <a:lstStyle/>
-              <a:p>
-                <a:r>
-                  <a:rPr lang="en-US" sz="3700" dirty="0"/>
-                  <a:t>Eliminated the models that did not learn well. Learning encrypted images is not very intuitive, as can be seen in figure 3.</a:t>
-                </a:r>
-              </a:p>
-            </p:txBody>
-          </p:sp>
-          <p:sp>
-            <p:nvSpPr>
-              <p:cNvPr id="14" name="Text Box 24">
-                <a:extLst>
-                  <a:ext uri="{FF2B5EF4-FFF2-40B4-BE49-F238E27FC236}">
-                    <a16:creationId xmlns:a16="http://schemas.microsoft.com/office/drawing/2014/main" id="{2D0005CC-35A2-4D6D-ABF5-9D776BB2B284}"/>
-                  </a:ext>
-                </a:extLst>
-              </p:cNvPr>
-              <p:cNvSpPr txBox="1"/>
-              <p:nvPr/>
-            </p:nvSpPr>
-            <p:spPr>
-              <a:xfrm>
-                <a:off x="155024" y="1"/>
-                <a:ext cx="2936191" cy="237739"/>
-              </a:xfrm>
-              <a:prstGeom prst="rect">
-                <a:avLst/>
-              </a:prstGeom>
-              <a:solidFill>
-                <a:srgbClr val="FF8000"/>
-              </a:solidFill>
-              <a:ln w="6350">
-                <a:noFill/>
-              </a:ln>
-            </p:spPr>
-            <p:txBody>
-              <a:bodyPr rot="0" spcFirstLastPara="0" vert="horz" wrap="square" lIns="91440" tIns="45720" rIns="91440" bIns="45720" numCol="1" spcCol="0" rtlCol="0" fromWordArt="0" anchor="ctr" anchorCtr="0" forceAA="0" compatLnSpc="1">
-                <a:prstTxWarp prst="textNoShape">
-                  <a:avLst/>
-                </a:prstTxWarp>
-                <a:noAutofit/>
-              </a:bodyPr>
-              <a:lstStyle/>
-              <a:p>
-                <a:pPr>
-                  <a:lnSpc>
-                    <a:spcPct val="115000"/>
-                  </a:lnSpc>
-                  <a:spcAft>
-                    <a:spcPts val="1000"/>
-                  </a:spcAft>
-                </a:pPr>
-                <a:r>
-                  <a:rPr lang="en-US" sz="4000" b="1" kern="0" dirty="0">
-                    <a:solidFill>
-                      <a:srgbClr val="FFFFFF"/>
-                    </a:solidFill>
-                    <a:latin typeface="Calibri" panose="020F0502020204030204" pitchFamily="34" charset="0"/>
-                    <a:cs typeface="Arial" panose="020B0604020202020204" pitchFamily="34" charset="0"/>
-                  </a:rPr>
-                  <a:t>Cutting Loose Ends</a:t>
-                </a:r>
-              </a:p>
-            </p:txBody>
-          </p:sp>
-        </p:grpSp>
-        <p:sp>
-          <p:nvSpPr>
-            <p:cNvPr id="109" name="Text Box 24">
-              <a:extLst>
-                <a:ext uri="{FF2B5EF4-FFF2-40B4-BE49-F238E27FC236}">
-                  <a16:creationId xmlns:a16="http://schemas.microsoft.com/office/drawing/2014/main" id="{7A6020AD-BB24-454C-A9BE-C4A57DD0558E}"/>
-                </a:ext>
-              </a:extLst>
-            </p:cNvPr>
-            <p:cNvSpPr txBox="1"/>
-            <p:nvPr/>
-          </p:nvSpPr>
-          <p:spPr>
-            <a:xfrm>
-              <a:off x="720000" y="30279840"/>
-              <a:ext cx="720000" cy="842992"/>
-            </a:xfrm>
-            <a:prstGeom prst="rect">
-              <a:avLst/>
-            </a:prstGeom>
-            <a:solidFill>
-              <a:schemeClr val="bg1"/>
-            </a:solidFill>
-            <a:ln w="6350">
-              <a:noFill/>
-            </a:ln>
-          </p:spPr>
-          <p:txBody>
-            <a:bodyPr rot="0" spcFirstLastPara="0" vert="horz" wrap="square" lIns="91440" tIns="45720" rIns="91440" bIns="45720" numCol="1" spcCol="0" rtlCol="0" fromWordArt="0" anchor="ctr" anchorCtr="0" forceAA="0" compatLnSpc="1">
-              <a:prstTxWarp prst="textNoShape">
-                <a:avLst/>
-              </a:prstTxWarp>
-              <a:noAutofit/>
-            </a:bodyPr>
-            <a:lstStyle/>
-            <a:p>
-              <a:pPr algn="ctr">
-                <a:lnSpc>
-                  <a:spcPct val="115000"/>
-                </a:lnSpc>
-                <a:spcAft>
-                  <a:spcPts val="1000"/>
-                </a:spcAft>
-              </a:pPr>
-              <a:r>
-                <a:rPr lang="en-US" sz="5500" b="1" kern="0" dirty="0">
-                  <a:solidFill>
-                    <a:srgbClr val="FF8000"/>
-                  </a:solidFill>
-                  <a:latin typeface="Calibri" panose="020F0502020204030204" pitchFamily="34" charset="0"/>
-                  <a:cs typeface="Arial" panose="020B0604020202020204" pitchFamily="34" charset="0"/>
-                </a:rPr>
-                <a:t>3</a:t>
-              </a:r>
-            </a:p>
-          </p:txBody>
-        </p:sp>
-      </p:grpSp>
-      <p:grpSp>
-        <p:nvGrpSpPr>
-          <p:cNvPr id="81" name="Group 80">
-            <a:extLst>
-              <a:ext uri="{FF2B5EF4-FFF2-40B4-BE49-F238E27FC236}">
-                <a16:creationId xmlns:a16="http://schemas.microsoft.com/office/drawing/2014/main" id="{4FF0BA66-9CDE-4AB3-82E4-13037FF12E5D}"/>
-              </a:ext>
-            </a:extLst>
-          </p:cNvPr>
-          <p:cNvGrpSpPr/>
-          <p:nvPr/>
-        </p:nvGrpSpPr>
-        <p:grpSpPr>
-          <a:xfrm>
-            <a:off x="17280161" y="9234465"/>
-            <a:ext cx="14402113" cy="3698762"/>
-            <a:chOff x="17280000" y="9235828"/>
-            <a:chExt cx="14399997" cy="3698354"/>
-          </a:xfrm>
-        </p:grpSpPr>
-        <p:grpSp>
-          <p:nvGrpSpPr>
-            <p:cNvPr id="9" name="Group 8">
-              <a:extLst>
-                <a:ext uri="{FF2B5EF4-FFF2-40B4-BE49-F238E27FC236}">
-                  <a16:creationId xmlns:a16="http://schemas.microsoft.com/office/drawing/2014/main" id="{213AB796-6D44-478C-94D2-A45B981805E4}"/>
-                </a:ext>
-              </a:extLst>
-            </p:cNvPr>
-            <p:cNvGrpSpPr/>
-            <p:nvPr/>
-          </p:nvGrpSpPr>
-          <p:grpSpPr>
-            <a:xfrm>
-              <a:off x="17999999" y="9311602"/>
-              <a:ext cx="13679998" cy="3622580"/>
-              <a:chOff x="-57" y="1"/>
-              <a:chExt cx="2936191" cy="1021633"/>
-            </a:xfrm>
-          </p:grpSpPr>
-          <p:sp>
-            <p:nvSpPr>
-              <p:cNvPr id="10" name="תיבת טקסט 18">
-                <a:extLst>
-                  <a:ext uri="{FF2B5EF4-FFF2-40B4-BE49-F238E27FC236}">
-                    <a16:creationId xmlns:a16="http://schemas.microsoft.com/office/drawing/2014/main" id="{5829F93E-C6BE-4714-B2D5-973472A44C1D}"/>
-                  </a:ext>
-                </a:extLst>
-              </p:cNvPr>
-              <p:cNvSpPr txBox="1"/>
-              <p:nvPr/>
-            </p:nvSpPr>
-            <p:spPr>
-              <a:xfrm>
-                <a:off x="-57" y="242463"/>
-                <a:ext cx="2936191" cy="779171"/>
-              </a:xfrm>
-              <a:prstGeom prst="rect">
-                <a:avLst/>
-              </a:prstGeom>
-              <a:noFill/>
-              <a:ln w="25400" cap="flat" cmpd="sng" algn="ctr">
-                <a:noFill/>
-                <a:prstDash val="solid"/>
-              </a:ln>
-              <a:effectLst/>
-            </p:spPr>
-            <p:txBody>
-              <a:bodyPr rot="0" spcFirstLastPara="0" vert="horz" wrap="square" lIns="91440" tIns="45720" rIns="91440" bIns="45720" numCol="1" spcCol="0" rtlCol="1" fromWordArt="0" anchor="t" anchorCtr="0" forceAA="0" compatLnSpc="1">
-                <a:prstTxWarp prst="textNoShape">
-                  <a:avLst/>
-                </a:prstTxWarp>
-                <a:noAutofit/>
-              </a:bodyPr>
-              <a:lstStyle/>
-              <a:p>
-                <a:r>
-                  <a:rPr lang="en-US" sz="3700" dirty="0"/>
-                  <a:t>Attacks:</a:t>
-                </a:r>
-              </a:p>
-              <a:p>
-                <a:pPr marL="571500" indent="-571500">
-                  <a:buFont typeface="Arial" pitchFamily="34" charset="0"/>
-                  <a:buChar char="•"/>
-                </a:pPr>
-                <a:r>
-                  <a:rPr lang="en-US" sz="3700" dirty="0" err="1"/>
-                  <a:t>Carlini</a:t>
-                </a:r>
-                <a:r>
-                  <a:rPr lang="en-US" sz="3700" dirty="0"/>
-                  <a:t> &amp; Wagner, CW</a:t>
-                </a:r>
-                <a:endParaRPr lang="en-US" sz="3700" dirty="0">
-                  <a:latin typeface="Calibri" panose="020F0502020204030204" pitchFamily="34" charset="0"/>
-                  <a:ea typeface="Calibri" panose="020F0502020204030204" pitchFamily="34" charset="0"/>
-                  <a:cs typeface="Arial" panose="020B0604020202020204" pitchFamily="34" charset="0"/>
-                </a:endParaRPr>
-              </a:p>
-              <a:p>
-                <a:pPr marL="571500" indent="-571500">
-                  <a:buFont typeface="Arial" pitchFamily="34" charset="0"/>
-                  <a:buChar char="•"/>
-                </a:pPr>
-                <a:r>
-                  <a:rPr lang="en-US" sz="3700" dirty="0"/>
-                  <a:t>Fast Gradient Sign Method, FGSM</a:t>
-                </a:r>
-              </a:p>
-              <a:p>
-                <a:r>
-                  <a:rPr lang="en-US" sz="3700" dirty="0"/>
-                  <a:t>‘gray-box’ scenario, i.e. the attacker knows the architecture of the model but has no access to the private key.</a:t>
-                </a:r>
-              </a:p>
-            </p:txBody>
-          </p:sp>
-          <p:sp>
-            <p:nvSpPr>
-              <p:cNvPr id="11" name="Text Box 24">
-                <a:extLst>
-                  <a:ext uri="{FF2B5EF4-FFF2-40B4-BE49-F238E27FC236}">
-                    <a16:creationId xmlns:a16="http://schemas.microsoft.com/office/drawing/2014/main" id="{61B4D10A-7422-45CD-A48E-E673CACB8BE8}"/>
-                  </a:ext>
-                </a:extLst>
-              </p:cNvPr>
-              <p:cNvSpPr txBox="1"/>
-              <p:nvPr/>
-            </p:nvSpPr>
-            <p:spPr>
-              <a:xfrm>
-                <a:off x="-57" y="1"/>
-                <a:ext cx="2936191" cy="237739"/>
-              </a:xfrm>
-              <a:prstGeom prst="rect">
-                <a:avLst/>
-              </a:prstGeom>
-              <a:solidFill>
-                <a:srgbClr val="FF8000"/>
-              </a:solidFill>
-              <a:ln w="6350">
-                <a:noFill/>
-              </a:ln>
-            </p:spPr>
-            <p:txBody>
-              <a:bodyPr rot="0" spcFirstLastPara="0" vert="horz" wrap="square" lIns="91440" tIns="45720" rIns="91440" bIns="45720" numCol="1" spcCol="0" rtlCol="0" fromWordArt="0" anchor="ctr" anchorCtr="0" forceAA="0" compatLnSpc="1">
-                <a:prstTxWarp prst="textNoShape">
-                  <a:avLst/>
-                </a:prstTxWarp>
-                <a:noAutofit/>
-              </a:bodyPr>
-              <a:lstStyle/>
-              <a:p>
-                <a:pPr>
-                  <a:lnSpc>
-                    <a:spcPct val="115000"/>
-                  </a:lnSpc>
-                  <a:spcAft>
-                    <a:spcPts val="1000"/>
-                  </a:spcAft>
-                </a:pPr>
-                <a:r>
-                  <a:rPr lang="en-US" sz="4000" b="1" kern="0" dirty="0">
-                    <a:solidFill>
-                      <a:srgbClr val="FFFFFF"/>
-                    </a:solidFill>
-                    <a:latin typeface="Calibri" panose="020F0502020204030204" pitchFamily="34" charset="0"/>
-                    <a:cs typeface="Arial" panose="020B0604020202020204" pitchFamily="34" charset="0"/>
-                  </a:rPr>
-                  <a:t>Attacking</a:t>
-                </a:r>
-              </a:p>
-            </p:txBody>
-          </p:sp>
-        </p:grpSp>
-        <p:sp>
-          <p:nvSpPr>
-            <p:cNvPr id="110" name="Text Box 24">
-              <a:extLst>
-                <a:ext uri="{FF2B5EF4-FFF2-40B4-BE49-F238E27FC236}">
-                  <a16:creationId xmlns:a16="http://schemas.microsoft.com/office/drawing/2014/main" id="{416AF927-57FE-4603-AD93-C2086E3C9766}"/>
-                </a:ext>
-              </a:extLst>
-            </p:cNvPr>
-            <p:cNvSpPr txBox="1"/>
-            <p:nvPr/>
-          </p:nvSpPr>
-          <p:spPr>
-            <a:xfrm>
-              <a:off x="17280000" y="9235828"/>
-              <a:ext cx="720000" cy="842992"/>
-            </a:xfrm>
-            <a:prstGeom prst="rect">
-              <a:avLst/>
-            </a:prstGeom>
-            <a:solidFill>
-              <a:schemeClr val="bg1"/>
-            </a:solidFill>
-            <a:ln w="6350">
-              <a:noFill/>
-            </a:ln>
-          </p:spPr>
-          <p:txBody>
-            <a:bodyPr rot="0" spcFirstLastPara="0" vert="horz" wrap="square" lIns="91440" tIns="45720" rIns="91440" bIns="45720" numCol="1" spcCol="0" rtlCol="0" fromWordArt="0" anchor="ctr" anchorCtr="0" forceAA="0" compatLnSpc="1">
-              <a:prstTxWarp prst="textNoShape">
-                <a:avLst/>
-              </a:prstTxWarp>
-              <a:noAutofit/>
-            </a:bodyPr>
-            <a:lstStyle/>
-            <a:p>
-              <a:pPr algn="ctr">
-                <a:lnSpc>
-                  <a:spcPct val="115000"/>
-                </a:lnSpc>
-                <a:spcAft>
-                  <a:spcPts val="1000"/>
-                </a:spcAft>
-              </a:pPr>
-              <a:r>
-                <a:rPr lang="en-US" sz="5500" b="1" kern="0" dirty="0">
-                  <a:solidFill>
-                    <a:srgbClr val="FF8000"/>
-                  </a:solidFill>
-                  <a:latin typeface="Calibri" panose="020F0502020204030204" pitchFamily="34" charset="0"/>
-                  <a:cs typeface="Arial" panose="020B0604020202020204" pitchFamily="34" charset="0"/>
-                </a:rPr>
-                <a:t>4</a:t>
-              </a:r>
-            </a:p>
-          </p:txBody>
-        </p:sp>
-      </p:grpSp>
-      <mc:AlternateContent xmlns:mc="http://schemas.openxmlformats.org/markup-compatibility/2006">
-        <mc:Choice xmlns:a14="http://schemas.microsoft.com/office/drawing/2010/main" Requires="a14">
+      <mc:AlternateContent xmlns:mc="http://schemas.openxmlformats.org/markup-compatibility/2006" xmlns:a14="http://schemas.microsoft.com/office/drawing/2010/main">
+        <mc:Choice Requires="a14">
           <p:graphicFrame>
             <p:nvGraphicFramePr>
               <p:cNvPr id="112" name="Table 111">
@@ -8570,13 +5189,13 @@
               <p:nvPr>
                 <p:extLst>
                   <p:ext uri="{D42A27DB-BD31-4B8C-83A1-F6EECF244321}">
-                    <p14:modId xmlns:p14="http://schemas.microsoft.com/office/powerpoint/2010/main" val="2369005453"/>
+                    <p14:modId xmlns:p14="http://schemas.microsoft.com/office/powerpoint/2010/main" val="1549223526"/>
                   </p:ext>
                 </p:extLst>
               </p:nvPr>
             </p:nvGraphicFramePr>
             <p:xfrm>
-              <a:off x="17315017" y="21049822"/>
+              <a:off x="17315017" y="20653582"/>
               <a:ext cx="14422576" cy="9115489"/>
             </p:xfrm>
             <a:graphic>
@@ -15204,7 +11823,7 @@
             </a:graphic>
           </p:graphicFrame>
         </mc:Choice>
-        <mc:Fallback>
+        <mc:Fallback xmlns="">
           <p:graphicFrame>
             <p:nvGraphicFramePr>
               <p:cNvPr id="112" name="Table 111">
@@ -15220,13 +11839,13 @@
               <p:nvPr>
                 <p:extLst>
                   <p:ext uri="{D42A27DB-BD31-4B8C-83A1-F6EECF244321}">
-                    <p14:modId xmlns:p14="http://schemas.microsoft.com/office/powerpoint/2010/main" val="2369005453"/>
+                    <p14:modId xmlns:p14="http://schemas.microsoft.com/office/powerpoint/2010/main" val="1549223526"/>
                   </p:ext>
                 </p:extLst>
               </p:nvPr>
             </p:nvGraphicFramePr>
             <p:xfrm>
-              <a:off x="17315017" y="21049822"/>
+              <a:off x="17315017" y="20653582"/>
               <a:ext cx="14422576" cy="9115489"/>
             </p:xfrm>
             <a:graphic>
@@ -16348,7 +12967,7 @@
                           <a:tailEnd type="none" w="med" len="med"/>
                         </a:lnB>
                         <a:blipFill>
-                          <a:blip r:embed="rId25"/>
+                          <a:blip r:embed="rId26"/>
                           <a:stretch>
                             <a:fillRect l="-116552" t="-212381" r="-608276" b="-1161905"/>
                           </a:stretch>
@@ -16744,7 +13363,7 @@
                           <a:tailEnd type="none" w="med" len="med"/>
                         </a:lnB>
                         <a:blipFill>
-                          <a:blip r:embed="rId25"/>
+                          <a:blip r:embed="rId26"/>
                           <a:stretch>
                             <a:fillRect l="-116552" t="-312381" r="-608276" b="-1061905"/>
                           </a:stretch>
@@ -17128,7 +13747,7 @@
                           <a:tailEnd type="none" w="med" len="med"/>
                         </a:lnB>
                         <a:blipFill>
-                          <a:blip r:embed="rId25"/>
+                          <a:blip r:embed="rId26"/>
                           <a:stretch>
                             <a:fillRect l="-116552" t="-412381" r="-608276" b="-961905"/>
                           </a:stretch>
@@ -19713,7 +16332,7 @@
                           <a:tailEnd type="none" w="med" len="med"/>
                         </a:lnB>
                         <a:blipFill>
-                          <a:blip r:embed="rId25"/>
+                          <a:blip r:embed="rId26"/>
                           <a:stretch>
                             <a:fillRect l="-116552" t="-943810" r="-608276" b="-430476"/>
                           </a:stretch>
@@ -20109,7 +16728,7 @@
                           <a:tailEnd type="none" w="med" len="med"/>
                         </a:lnB>
                         <a:blipFill>
-                          <a:blip r:embed="rId25"/>
+                          <a:blip r:embed="rId26"/>
                           <a:stretch>
                             <a:fillRect l="-116552" t="-1043810" r="-608276" b="-330476"/>
                           </a:stretch>
@@ -20503,7 +17122,7 @@
                           <a:tailEnd type="none" w="med" len="med"/>
                         </a:lnB>
                         <a:blipFill>
-                          <a:blip r:embed="rId25"/>
+                          <a:blip r:embed="rId26"/>
                           <a:stretch>
                             <a:fillRect l="-116552" t="-1143810" r="-608276" b="-230476"/>
                           </a:stretch>
@@ -21640,8 +18259,10 @@
             <a:off x="6118520" y="38753006"/>
             <a:ext cx="20162963" cy="843085"/>
           </a:xfrm>
-          <a:prstGeom prst="rect">
-            <a:avLst/>
+          <a:prstGeom prst="roundRect">
+            <a:avLst>
+              <a:gd name="adj" fmla="val 50000"/>
+            </a:avLst>
           </a:prstGeom>
           <a:solidFill>
             <a:srgbClr val="FF8000"/>
@@ -21685,10 +18306,10 @@
       </p:sp>
       <p:graphicFrame>
         <p:nvGraphicFramePr>
-          <p:cNvPr id="111" name="Table 110">
+          <p:cNvPr id="115" name="Table 114">
             <a:extLst>
               <a:ext uri="{FF2B5EF4-FFF2-40B4-BE49-F238E27FC236}">
-                <a16:creationId xmlns:a16="http://schemas.microsoft.com/office/drawing/2014/main" id="{256B0E97-9FC0-4336-A0AA-EF10AB8858AB}"/>
+                <a16:creationId xmlns:a16="http://schemas.microsoft.com/office/drawing/2014/main" id="{60AB6869-4442-47D5-A6D5-F5FF01BD3FA2}"/>
               </a:ext>
             </a:extLst>
           </p:cNvPr>
@@ -21698,14 +18319,14 @@
           <p:nvPr>
             <p:extLst>
               <p:ext uri="{D42A27DB-BD31-4B8C-83A1-F6EECF244321}">
-                <p14:modId xmlns:p14="http://schemas.microsoft.com/office/powerpoint/2010/main" val="2649121743"/>
+                <p14:modId xmlns:p14="http://schemas.microsoft.com/office/powerpoint/2010/main" val="3007788342"/>
               </p:ext>
             </p:extLst>
           </p:nvPr>
         </p:nvGraphicFramePr>
         <p:xfrm>
-          <a:off x="6118519" y="39595498"/>
-          <a:ext cx="20162964" cy="1738992"/>
+          <a:off x="6118519" y="39596400"/>
+          <a:ext cx="20174400" cy="1738992"/>
         </p:xfrm>
         <a:graphic>
           <a:graphicData uri="http://schemas.openxmlformats.org/drawingml/2006/table">
@@ -21714,24 +18335,45 @@
                 <a:tableStyleId>{5C22544A-7EE6-4342-B048-85BDC9FD1C3A}</a:tableStyleId>
               </a:tblPr>
               <a:tblGrid>
-                <a:gridCol w="6720988">
+                <a:gridCol w="1080000">
                   <a:extLst>
                     <a:ext uri="{9D8B030D-6E8A-4147-A177-3AD203B41FA5}">
                       <a16:colId xmlns:a16="http://schemas.microsoft.com/office/drawing/2014/main" val="2304463853"/>
                     </a:ext>
                   </a:extLst>
                 </a:gridCol>
-                <a:gridCol w="6720988">
+                <a:gridCol w="5644800">
+                  <a:extLst>
+                    <a:ext uri="{9D8B030D-6E8A-4147-A177-3AD203B41FA5}">
+                      <a16:colId xmlns:a16="http://schemas.microsoft.com/office/drawing/2014/main" val="136540558"/>
+                    </a:ext>
+                  </a:extLst>
+                </a:gridCol>
+                <a:gridCol w="1080000">
                   <a:extLst>
                     <a:ext uri="{9D8B030D-6E8A-4147-A177-3AD203B41FA5}">
                       <a16:colId xmlns:a16="http://schemas.microsoft.com/office/drawing/2014/main" val="3677737521"/>
                     </a:ext>
                   </a:extLst>
                 </a:gridCol>
-                <a:gridCol w="6720988">
+                <a:gridCol w="5644800">
+                  <a:extLst>
+                    <a:ext uri="{9D8B030D-6E8A-4147-A177-3AD203B41FA5}">
+                      <a16:colId xmlns:a16="http://schemas.microsoft.com/office/drawing/2014/main" val="2531497944"/>
+                    </a:ext>
+                  </a:extLst>
+                </a:gridCol>
+                <a:gridCol w="1080000">
                   <a:extLst>
                     <a:ext uri="{9D8B030D-6E8A-4147-A177-3AD203B41FA5}">
                       <a16:colId xmlns:a16="http://schemas.microsoft.com/office/drawing/2014/main" val="536389119"/>
+                    </a:ext>
+                  </a:extLst>
+                </a:gridCol>
+                <a:gridCol w="5644800">
+                  <a:extLst>
+                    <a:ext uri="{9D8B030D-6E8A-4147-A177-3AD203B41FA5}">
+                      <a16:colId xmlns:a16="http://schemas.microsoft.com/office/drawing/2014/main" val="2668247915"/>
                     </a:ext>
                   </a:extLst>
                 </a:gridCol>
@@ -21742,7 +18384,7 @@
                     <a:bodyPr/>
                     <a:lstStyle/>
                     <a:p>
-                      <a:pPr marL="457200" marR="0" lvl="0" indent="-457200" algn="ctr" defTabSz="3239902" rtl="0" eaLnBrk="1" fontAlgn="auto" latinLnBrk="0" hangingPunct="1">
+                      <a:pPr marL="900000" marR="0" lvl="0" indent="-457200" algn="ctr" defTabSz="3239902" rtl="0" eaLnBrk="1" fontAlgn="auto" latinLnBrk="0" hangingPunct="1">
                         <a:lnSpc>
                           <a:spcPct val="100000"/>
                         </a:lnSpc>
@@ -21768,12 +18410,87 @@
                             <a:schemeClr val="tx1"/>
                           </a:solidFill>
                         </a:rPr>
-                        <a:t>Improve accuracy on AES-ECB model</a:t>
+                        <a:t> </a:t>
                       </a:r>
                     </a:p>
                   </a:txBody>
                   <a:tcPr marL="91453" marR="91453" marT="45725" marB="45725" anchor="ctr">
                     <a:lnL w="38100" cap="flat" cmpd="sng" algn="ctr">
+                      <a:noFill/>
+                      <a:prstDash val="solid"/>
+                      <a:round/>
+                      <a:headEnd type="none" w="med" len="med"/>
+                      <a:tailEnd type="none" w="med" len="med"/>
+                    </a:lnL>
+                    <a:lnR w="12700" cap="flat" cmpd="sng" algn="ctr">
+                      <a:noFill/>
+                      <a:prstDash val="solid"/>
+                      <a:round/>
+                      <a:headEnd type="none" w="med" len="med"/>
+                      <a:tailEnd type="none" w="med" len="med"/>
+                    </a:lnR>
+                    <a:lnT w="38100" cap="flat" cmpd="sng" algn="ctr">
+                      <a:noFill/>
+                      <a:prstDash val="solid"/>
+                      <a:round/>
+                      <a:headEnd type="none" w="med" len="med"/>
+                      <a:tailEnd type="none" w="med" len="med"/>
+                    </a:lnT>
+                    <a:lnB w="38100" cap="flat" cmpd="sng" algn="ctr">
+                      <a:noFill/>
+                      <a:prstDash val="solid"/>
+                      <a:round/>
+                      <a:headEnd type="none" w="med" len="med"/>
+                      <a:tailEnd type="none" w="med" len="med"/>
+                    </a:lnB>
+                    <a:lnTlToBr w="12700" cmpd="sng">
+                      <a:noFill/>
+                      <a:prstDash val="solid"/>
+                    </a:lnTlToBr>
+                    <a:lnBlToTr w="12700" cmpd="sng">
+                      <a:noFill/>
+                      <a:prstDash val="solid"/>
+                    </a:lnBlToTr>
+                    <a:noFill/>
+                  </a:tcPr>
+                </a:tc>
+                <a:tc>
+                  <a:txBody>
+                    <a:bodyPr/>
+                    <a:lstStyle/>
+                    <a:p>
+                      <a:pPr marL="0" marR="0" lvl="0" indent="0" algn="ctr" defTabSz="3239902" rtl="0" eaLnBrk="1" fontAlgn="auto" latinLnBrk="0" hangingPunct="1">
+                        <a:lnSpc>
+                          <a:spcPct val="100000"/>
+                        </a:lnSpc>
+                        <a:spcBef>
+                          <a:spcPts val="0"/>
+                        </a:spcBef>
+                        <a:spcAft>
+                          <a:spcPts val="0"/>
+                        </a:spcAft>
+                        <a:buClrTx/>
+                        <a:buSzTx/>
+                        <a:buFont typeface="Arial" panose="020B0604020202020204" pitchFamily="34" charset="0"/>
+                        <a:buNone/>
+                        <a:tabLst/>
+                        <a:defRPr/>
+                      </a:pPr>
+                      <a:r>
+                        <a:rPr lang="en-US" sz="3500" b="0" dirty="0">
+                          <a:ln>
+                            <a:noFill/>
+                          </a:ln>
+                          <a:solidFill>
+                            <a:schemeClr val="tx1"/>
+                          </a:solidFill>
+                        </a:rPr>
+                        <a:t>Improve accuracy on AES-ECB model</a:t>
+                      </a:r>
+                    </a:p>
+                  </a:txBody>
+                  <a:tcPr marL="0" marR="91453" marT="45725" marB="45725" anchor="ctr">
+                    <a:lnL w="12700" cap="flat" cmpd="sng" algn="ctr">
                       <a:noFill/>
                       <a:prstDash val="solid"/>
                       <a:round/>
@@ -21821,9 +18538,22 @@
                     <a:bodyPr/>
                     <a:lstStyle/>
                     <a:p>
-                      <a:pPr marL="571500" indent="-571500" algn="ctr">
+                      <a:pPr marL="900000" marR="0" lvl="0" indent="-457200" algn="ctr" defTabSz="3239902" rtl="0" eaLnBrk="1" fontAlgn="auto" latinLnBrk="0" hangingPunct="1">
+                        <a:lnSpc>
+                          <a:spcPct val="100000"/>
+                        </a:lnSpc>
+                        <a:spcBef>
+                          <a:spcPts val="0"/>
+                        </a:spcBef>
+                        <a:spcAft>
+                          <a:spcPts val="0"/>
+                        </a:spcAft>
+                        <a:buClrTx/>
+                        <a:buSzTx/>
                         <a:buFont typeface="Arial" panose="020B0604020202020204" pitchFamily="34" charset="0"/>
                         <a:buChar char="•"/>
+                        <a:tabLst/>
+                        <a:defRPr/>
                       </a:pPr>
                       <a:r>
                         <a:rPr lang="en-US" sz="3500" b="0" dirty="0">
@@ -21834,29 +18564,7 @@
                             <a:schemeClr val="tx1"/>
                           </a:solidFill>
                         </a:rPr>
-                        <a:t>Nicholas </a:t>
-                      </a:r>
-                      <a:r>
-                        <a:rPr lang="en-US" sz="3500" b="0" dirty="0" err="1">
-                          <a:ln>
-                            <a:noFill/>
-                          </a:ln>
-                          <a:solidFill>
-                            <a:schemeClr val="tx1"/>
-                          </a:solidFill>
-                        </a:rPr>
-                        <a:t>Carlini</a:t>
-                      </a:r>
-                      <a:r>
-                        <a:rPr lang="en-US" sz="3500" b="0" dirty="0">
-                          <a:ln>
-                            <a:noFill/>
-                          </a:ln>
-                          <a:solidFill>
-                            <a:schemeClr val="tx1"/>
-                          </a:solidFill>
-                        </a:rPr>
-                        <a:t> (‘C’ in CW) believes that CW might still defeat these defenses</a:t>
+                        <a:t> </a:t>
                       </a:r>
                     </a:p>
                   </a:txBody>
@@ -21867,6 +18575,90 @@
                           <a:lumMod val="65000"/>
                         </a:schemeClr>
                       </a:solidFill>
+                      <a:prstDash val="solid"/>
+                      <a:round/>
+                      <a:headEnd type="none" w="med" len="med"/>
+                      <a:tailEnd type="none" w="med" len="med"/>
+                    </a:lnL>
+                    <a:lnR w="12700" cap="flat" cmpd="sng" algn="ctr">
+                      <a:noFill/>
+                      <a:prstDash val="solid"/>
+                      <a:round/>
+                      <a:headEnd type="none" w="med" len="med"/>
+                      <a:tailEnd type="none" w="med" len="med"/>
+                    </a:lnR>
+                    <a:lnT w="38100" cap="flat" cmpd="sng" algn="ctr">
+                      <a:noFill/>
+                      <a:prstDash val="solid"/>
+                      <a:round/>
+                      <a:headEnd type="none" w="med" len="med"/>
+                      <a:tailEnd type="none" w="med" len="med"/>
+                    </a:lnT>
+                    <a:lnB w="38100" cap="flat" cmpd="sng" algn="ctr">
+                      <a:noFill/>
+                      <a:prstDash val="solid"/>
+                      <a:round/>
+                      <a:headEnd type="none" w="med" len="med"/>
+                      <a:tailEnd type="none" w="med" len="med"/>
+                    </a:lnB>
+                    <a:lnTlToBr w="12700" cmpd="sng">
+                      <a:noFill/>
+                      <a:prstDash val="solid"/>
+                    </a:lnTlToBr>
+                    <a:lnBlToTr w="12700" cmpd="sng">
+                      <a:noFill/>
+                      <a:prstDash val="solid"/>
+                    </a:lnBlToTr>
+                    <a:noFill/>
+                  </a:tcPr>
+                </a:tc>
+                <a:tc>
+                  <a:txBody>
+                    <a:bodyPr/>
+                    <a:lstStyle/>
+                    <a:p>
+                      <a:pPr marL="0" indent="0" algn="ctr">
+                        <a:buFont typeface="Arial" panose="020B0604020202020204" pitchFamily="34" charset="0"/>
+                        <a:buNone/>
+                      </a:pPr>
+                      <a:r>
+                        <a:rPr lang="en-US" sz="3500" b="0" dirty="0">
+                          <a:ln>
+                            <a:noFill/>
+                          </a:ln>
+                          <a:solidFill>
+                            <a:schemeClr val="tx1"/>
+                          </a:solidFill>
+                        </a:rPr>
+                        <a:t>Nicholas </a:t>
+                      </a:r>
+                      <a:r>
+                        <a:rPr lang="en-US" sz="3500" b="0" dirty="0" err="1">
+                          <a:ln>
+                            <a:noFill/>
+                          </a:ln>
+                          <a:solidFill>
+                            <a:schemeClr val="tx1"/>
+                          </a:solidFill>
+                        </a:rPr>
+                        <a:t>Carlini</a:t>
+                      </a:r>
+                      <a:r>
+                        <a:rPr lang="en-US" sz="3500" b="0" dirty="0">
+                          <a:ln>
+                            <a:noFill/>
+                          </a:ln>
+                          <a:solidFill>
+                            <a:schemeClr val="tx1"/>
+                          </a:solidFill>
+                        </a:rPr>
+                        <a:t> (‘C’ in CW) believes that CW might still defeat these defenses</a:t>
+                      </a:r>
+                    </a:p>
+                  </a:txBody>
+                  <a:tcPr marL="0" marR="91453" marT="45725" marB="45725" anchor="ctr">
+                    <a:lnL w="12700" cap="flat" cmpd="sng" algn="ctr">
+                      <a:noFill/>
                       <a:prstDash val="solid"/>
                       <a:round/>
                       <a:headEnd type="none" w="med" len="med"/>
@@ -21913,9 +18705,22 @@
                     <a:bodyPr/>
                     <a:lstStyle/>
                     <a:p>
-                      <a:pPr marL="457200" indent="-457200" algn="ctr">
+                      <a:pPr marL="900000" marR="0" lvl="0" indent="-457200" algn="ctr" defTabSz="3239902" rtl="0" eaLnBrk="1" fontAlgn="auto" latinLnBrk="0" hangingPunct="1">
+                        <a:lnSpc>
+                          <a:spcPct val="100000"/>
+                        </a:lnSpc>
+                        <a:spcBef>
+                          <a:spcPts val="0"/>
+                        </a:spcBef>
+                        <a:spcAft>
+                          <a:spcPts val="0"/>
+                        </a:spcAft>
+                        <a:buClrTx/>
+                        <a:buSzTx/>
                         <a:buFont typeface="Arial" panose="020B0604020202020204" pitchFamily="34" charset="0"/>
                         <a:buChar char="•"/>
+                        <a:tabLst/>
+                        <a:defRPr/>
                       </a:pPr>
                       <a:r>
                         <a:rPr lang="en-US" sz="3500" b="0" dirty="0">
@@ -21926,7 +18731,7 @@
                             <a:schemeClr val="tx1"/>
                           </a:solidFill>
                         </a:rPr>
-                        <a:t>Test on more complicated datasets; i.e. Cifar-10</a:t>
+                        <a:t> </a:t>
                       </a:r>
                     </a:p>
                   </a:txBody>
@@ -21974,6 +18779,68 @@
                     <a:noFill/>
                   </a:tcPr>
                 </a:tc>
+                <a:tc>
+                  <a:txBody>
+                    <a:bodyPr/>
+                    <a:lstStyle/>
+                    <a:p>
+                      <a:pPr marL="0" indent="0" algn="ctr">
+                        <a:buFont typeface="Arial" panose="020B0604020202020204" pitchFamily="34" charset="0"/>
+                        <a:buNone/>
+                      </a:pPr>
+                      <a:r>
+                        <a:rPr lang="en-US" sz="3500" b="0" dirty="0">
+                          <a:ln>
+                            <a:noFill/>
+                          </a:ln>
+                          <a:solidFill>
+                            <a:schemeClr val="tx1"/>
+                          </a:solidFill>
+                        </a:rPr>
+                        <a:t>Test on more complicated datasets; i.e. Cifar-10</a:t>
+                      </a:r>
+                    </a:p>
+                  </a:txBody>
+                  <a:tcPr marL="0" marR="91453" marT="45725" marB="45725" anchor="ctr">
+                    <a:lnL w="12700" cap="flat" cmpd="sng" algn="ctr">
+                      <a:noFill/>
+                      <a:prstDash val="solid"/>
+                      <a:round/>
+                      <a:headEnd type="none" w="med" len="med"/>
+                      <a:tailEnd type="none" w="med" len="med"/>
+                    </a:lnL>
+                    <a:lnR w="38100" cap="flat" cmpd="sng" algn="ctr">
+                      <a:noFill/>
+                      <a:prstDash val="solid"/>
+                      <a:round/>
+                      <a:headEnd type="none" w="med" len="med"/>
+                      <a:tailEnd type="none" w="med" len="med"/>
+                    </a:lnR>
+                    <a:lnT w="38100" cap="flat" cmpd="sng" algn="ctr">
+                      <a:noFill/>
+                      <a:prstDash val="solid"/>
+                      <a:round/>
+                      <a:headEnd type="none" w="med" len="med"/>
+                      <a:tailEnd type="none" w="med" len="med"/>
+                    </a:lnT>
+                    <a:lnB w="38100" cap="flat" cmpd="sng" algn="ctr">
+                      <a:noFill/>
+                      <a:prstDash val="solid"/>
+                      <a:round/>
+                      <a:headEnd type="none" w="med" len="med"/>
+                      <a:tailEnd type="none" w="med" len="med"/>
+                    </a:lnB>
+                    <a:lnTlToBr w="12700" cmpd="sng">
+                      <a:noFill/>
+                      <a:prstDash val="solid"/>
+                    </a:lnTlToBr>
+                    <a:lnBlToTr w="12700" cmpd="sng">
+                      <a:noFill/>
+                      <a:prstDash val="solid"/>
+                    </a:lnBlToTr>
+                    <a:noFill/>
+                  </a:tcPr>
+                </a:tc>
                 <a:extLst>
                   <a:ext uri="{0D108BD9-81ED-4DB2-BD59-A6C34878D82A}">
                     <a16:rowId xmlns:a16="http://schemas.microsoft.com/office/drawing/2014/main" val="1438742136"/>
@@ -21984,101 +18851,3872 @@
           </a:graphicData>
         </a:graphic>
       </p:graphicFrame>
-      <p:sp>
-        <p:nvSpPr>
-          <p:cNvPr id="18" name="TextBox 17"/>
-          <p:cNvSpPr txBox="1"/>
-          <p:nvPr/>
-        </p:nvSpPr>
-        <p:spPr>
-          <a:xfrm>
-            <a:off x="18616981" y="20290473"/>
-            <a:ext cx="11792933" cy="630942"/>
-          </a:xfrm>
-          <a:prstGeom prst="rect">
-            <a:avLst/>
-          </a:prstGeom>
-          <a:noFill/>
-          <a:ln>
-            <a:noFill/>
-          </a:ln>
-        </p:spPr>
-        <p:txBody>
-          <a:bodyPr wrap="square" rtlCol="0">
-            <a:spAutoFit/>
-          </a:bodyPr>
-          <a:lstStyle/>
-          <a:p>
-            <a:pPr algn="ctr"/>
-            <a:r>
-              <a:rPr lang="en-US" sz="3500" b="1" dirty="0">
-                <a:solidFill>
-                  <a:srgbClr val="4A929C"/>
-                </a:solidFill>
-              </a:rPr>
-              <a:t>Classification error (%) on the first 1000 test samples</a:t>
-            </a:r>
-            <a:endParaRPr lang="en-US" sz="3500" dirty="0"/>
-          </a:p>
-        </p:txBody>
-      </p:sp>
-      <p:sp>
-        <p:nvSpPr>
-          <p:cNvPr id="114" name="Text Box 24">
+      <p:grpSp>
+        <p:nvGrpSpPr>
+          <p:cNvPr id="36" name="Group 35">
             <a:extLst>
               <a:ext uri="{FF2B5EF4-FFF2-40B4-BE49-F238E27FC236}">
-                <a16:creationId xmlns:a16="http://schemas.microsoft.com/office/drawing/2014/main" id="{69EF3450-8E24-42D9-8B1D-9196AFF8CEF3}"/>
+                <a16:creationId xmlns:a16="http://schemas.microsoft.com/office/drawing/2014/main" id="{8E5C5259-2C43-41F0-8851-D1BFB5C7A280}"/>
               </a:ext>
             </a:extLst>
           </p:cNvPr>
-          <p:cNvSpPr txBox="1"/>
+          <p:cNvGrpSpPr/>
           <p:nvPr/>
-        </p:nvSpPr>
-        <p:spPr>
+        </p:nvGrpSpPr>
+        <p:grpSpPr>
           <a:xfrm>
-            <a:off x="716400" y="18777600"/>
-            <a:ext cx="720106" cy="843085"/>
+            <a:off x="716400" y="9309600"/>
+            <a:ext cx="14403602" cy="9358111"/>
+            <a:chOff x="716400" y="9309600"/>
+            <a:chExt cx="14403602" cy="9358111"/>
           </a:xfrm>
-          <a:prstGeom prst="rect">
-            <a:avLst/>
-          </a:prstGeom>
-          <a:solidFill>
-            <a:schemeClr val="bg1"/>
-          </a:solidFill>
-          <a:ln w="6350">
+        </p:grpSpPr>
+        <p:sp>
+          <p:nvSpPr>
+            <p:cNvPr id="37" name="תיבת טקסט 18">
+              <a:extLst>
+                <a:ext uri="{FF2B5EF4-FFF2-40B4-BE49-F238E27FC236}">
+                  <a16:creationId xmlns:a16="http://schemas.microsoft.com/office/drawing/2014/main" id="{DFA3AD4F-9BEE-44BC-8F51-FA5B66553EE6}"/>
+                </a:ext>
+              </a:extLst>
+            </p:cNvPr>
+            <p:cNvSpPr txBox="1"/>
+            <p:nvPr/>
+          </p:nvSpPr>
+          <p:spPr>
+            <a:xfrm>
+              <a:off x="1436400" y="10170784"/>
+              <a:ext cx="13683602" cy="3847061"/>
+            </a:xfrm>
+            <a:prstGeom prst="rect">
+              <a:avLst/>
+            </a:prstGeom>
             <a:noFill/>
-          </a:ln>
-        </p:spPr>
-        <p:txBody>
-          <a:bodyPr rot="0" spcFirstLastPara="0" vert="horz" wrap="square" lIns="91440" tIns="45720" rIns="91440" bIns="45720" numCol="1" spcCol="0" rtlCol="0" fromWordArt="0" anchor="ctr" anchorCtr="0" forceAA="0" compatLnSpc="1">
-            <a:prstTxWarp prst="textNoShape">
+            <a:ln w="25400" cap="flat" cmpd="sng" algn="ctr">
+              <a:noFill/>
+              <a:prstDash val="solid"/>
+            </a:ln>
+            <a:effectLst/>
+          </p:spPr>
+          <p:txBody>
+            <a:bodyPr rot="0" spcFirstLastPara="0" vert="horz" wrap="square" lIns="91440" tIns="45720" rIns="91440" bIns="45720" numCol="1" spcCol="0" rtlCol="1" fromWordArt="0" anchor="t" anchorCtr="0" forceAA="0" compatLnSpc="1">
+              <a:prstTxWarp prst="textNoShape">
+                <a:avLst/>
+              </a:prstTxWarp>
+              <a:noAutofit/>
+            </a:bodyPr>
+            <a:lstStyle/>
+            <a:p>
+              <a:pPr marL="571500" indent="-571500">
+                <a:buFont typeface="Wingdings" panose="05000000000000000000" pitchFamily="2" charset="2"/>
+                <a:buChar char="q"/>
+              </a:pPr>
+              <a:r>
+                <a:rPr lang="en-US" sz="3700" dirty="0"/>
+                <a:t>An adversarial example is an instance with small, intentional feature perturbations that causes a machine learning model to make a false prediction.</a:t>
+              </a:r>
+            </a:p>
+            <a:p>
+              <a:pPr marL="571500" indent="-571500">
+                <a:buFont typeface="Wingdings" panose="05000000000000000000" pitchFamily="2" charset="2"/>
+                <a:buChar char="q"/>
+              </a:pPr>
+              <a:r>
+                <a:rPr lang="en-US" sz="3700" dirty="0"/>
+                <a:t>The goal is to find a way to train ‘secured’ models such that this sort of attacks should not affect them.</a:t>
+              </a:r>
+            </a:p>
+            <a:p>
+              <a:pPr marL="571500" indent="-571500">
+                <a:buFont typeface="Wingdings" panose="05000000000000000000" pitchFamily="2" charset="2"/>
+                <a:buChar char="q"/>
+              </a:pPr>
+              <a:r>
+                <a:rPr lang="en-US" sz="3700" dirty="0"/>
+                <a:t>Project based on the article </a:t>
+              </a:r>
+              <a:r>
+                <a:rPr lang="en-US" sz="3700" dirty="0">
+                  <a:solidFill>
+                    <a:srgbClr val="0563C1"/>
+                  </a:solidFill>
+                  <a:latin typeface="Calibri" panose="020F0502020204030204" pitchFamily="34" charset="0"/>
+                  <a:ea typeface="Calibri" panose="020F0502020204030204" pitchFamily="34" charset="0"/>
+                  <a:cs typeface="Arial" panose="020B0604020202020204" pitchFamily="34" charset="0"/>
+                </a:rPr>
+                <a:t>Bridging machine learning and cryptography in defense against adversarial attacks</a:t>
+              </a:r>
+              <a:endParaRPr lang="en-US" sz="3700" dirty="0"/>
+            </a:p>
+          </p:txBody>
+        </p:sp>
+        <p:grpSp>
+          <p:nvGrpSpPr>
+            <p:cNvPr id="83" name="Group 82">
+              <a:extLst>
+                <a:ext uri="{FF2B5EF4-FFF2-40B4-BE49-F238E27FC236}">
+                  <a16:creationId xmlns:a16="http://schemas.microsoft.com/office/drawing/2014/main" id="{152BEAF6-04AF-4A47-9AA3-129D8843DFB7}"/>
+                </a:ext>
+              </a:extLst>
+            </p:cNvPr>
+            <p:cNvGrpSpPr/>
+            <p:nvPr/>
+          </p:nvGrpSpPr>
+          <p:grpSpPr>
+            <a:xfrm>
+              <a:off x="2257545" y="14317156"/>
+              <a:ext cx="11337635" cy="4350555"/>
+              <a:chOff x="1063844" y="14153854"/>
+              <a:chExt cx="11335969" cy="4350075"/>
+            </a:xfrm>
+          </p:grpSpPr>
+          <p:pic>
+            <p:nvPicPr>
+              <p:cNvPr id="30" name="Picture 29">
+                <a:extLst>
+                  <a:ext uri="{FF2B5EF4-FFF2-40B4-BE49-F238E27FC236}">
+                    <a16:creationId xmlns:a16="http://schemas.microsoft.com/office/drawing/2014/main" id="{F1DDB929-1259-4DB5-9EB3-7613CF4EAA90}"/>
+                  </a:ext>
+                </a:extLst>
+              </p:cNvPr>
+              <p:cNvPicPr>
+                <a:picLocks noChangeAspect="1"/>
+              </p:cNvPicPr>
+              <p:nvPr/>
+            </p:nvPicPr>
+            <p:blipFill>
+              <a:blip r:embed="rId27">
+                <a:extLst>
+                  <a:ext uri="{28A0092B-C50C-407E-A947-70E740481C1C}">
+                    <a14:useLocalDpi xmlns:a14="http://schemas.microsoft.com/office/drawing/2010/main" val="0"/>
+                  </a:ext>
+                </a:extLst>
+              </a:blip>
+              <a:stretch>
+                <a:fillRect/>
+              </a:stretch>
+            </p:blipFill>
+            <p:spPr>
+              <a:xfrm>
+                <a:off x="4582094" y="14400000"/>
+                <a:ext cx="4320000" cy="3240000"/>
+              </a:xfrm>
+              <a:prstGeom prst="rect">
+                <a:avLst/>
+              </a:prstGeom>
+            </p:spPr>
+          </p:pic>
+          <p:pic>
+            <p:nvPicPr>
+              <p:cNvPr id="108" name="Picture 107">
+                <a:extLst>
+                  <a:ext uri="{FF2B5EF4-FFF2-40B4-BE49-F238E27FC236}">
+                    <a16:creationId xmlns:a16="http://schemas.microsoft.com/office/drawing/2014/main" id="{BCB65BF7-4179-4B4F-9585-E15CF5BFA81A}"/>
+                  </a:ext>
+                </a:extLst>
+              </p:cNvPr>
+              <p:cNvPicPr>
+                <a:picLocks noChangeAspect="1"/>
+              </p:cNvPicPr>
+              <p:nvPr/>
+            </p:nvPicPr>
+            <p:blipFill>
+              <a:blip r:embed="rId28">
+                <a:extLst>
+                  <a:ext uri="{28A0092B-C50C-407E-A947-70E740481C1C}">
+                    <a14:useLocalDpi xmlns:a14="http://schemas.microsoft.com/office/drawing/2010/main" val="0"/>
+                  </a:ext>
+                </a:extLst>
+              </a:blip>
+              <a:stretch>
+                <a:fillRect/>
+              </a:stretch>
+            </p:blipFill>
+            <p:spPr>
+              <a:xfrm>
+                <a:off x="8079813" y="14400000"/>
+                <a:ext cx="4320000" cy="3240000"/>
+              </a:xfrm>
+              <a:prstGeom prst="rect">
+                <a:avLst/>
+              </a:prstGeom>
+            </p:spPr>
+          </p:pic>
+          <p:grpSp>
+            <p:nvGrpSpPr>
+              <p:cNvPr id="82" name="Group 81">
+                <a:extLst>
+                  <a:ext uri="{FF2B5EF4-FFF2-40B4-BE49-F238E27FC236}">
+                    <a16:creationId xmlns:a16="http://schemas.microsoft.com/office/drawing/2014/main" id="{BB8886CF-B6AF-43FF-AFA3-CA17CB1D349C}"/>
+                  </a:ext>
+                </a:extLst>
+              </p:cNvPr>
+              <p:cNvGrpSpPr/>
+              <p:nvPr/>
+            </p:nvGrpSpPr>
+            <p:grpSpPr>
+              <a:xfrm>
+                <a:off x="1063844" y="14153854"/>
+                <a:ext cx="10964518" cy="4350075"/>
+                <a:chOff x="1063844" y="14153854"/>
+                <a:chExt cx="10964518" cy="4350075"/>
+              </a:xfrm>
+            </p:grpSpPr>
+            <p:pic>
+              <p:nvPicPr>
+                <p:cNvPr id="3" name="Picture 2" descr="A close up of a mans face&#10;&#10;Description automatically generated">
+                  <a:extLst>
+                    <a:ext uri="{FF2B5EF4-FFF2-40B4-BE49-F238E27FC236}">
+                      <a16:creationId xmlns:a16="http://schemas.microsoft.com/office/drawing/2014/main" id="{60C6E0F5-EDE5-43BC-A80F-0F77FC9146A1}"/>
+                    </a:ext>
+                  </a:extLst>
+                </p:cNvPr>
+                <p:cNvPicPr>
+                  <a:picLocks noChangeAspect="1"/>
+                </p:cNvPicPr>
+                <p:nvPr/>
+              </p:nvPicPr>
+              <p:blipFill>
+                <a:blip r:embed="rId29">
+                  <a:extLst>
+                    <a:ext uri="{28A0092B-C50C-407E-A947-70E740481C1C}">
+                      <a14:useLocalDpi xmlns:a14="http://schemas.microsoft.com/office/drawing/2010/main" val="0"/>
+                    </a:ext>
+                  </a:extLst>
+                </a:blip>
+                <a:stretch>
+                  <a:fillRect/>
+                </a:stretch>
+              </p:blipFill>
+              <p:spPr>
+                <a:xfrm>
+                  <a:off x="1085852" y="14400000"/>
+                  <a:ext cx="4320000" cy="3240000"/>
+                </a:xfrm>
+                <a:prstGeom prst="rect">
+                  <a:avLst/>
+                </a:prstGeom>
+              </p:spPr>
+            </p:pic>
+            <p:grpSp>
+              <p:nvGrpSpPr>
+                <p:cNvPr id="72" name="Group 71">
+                  <a:extLst>
+                    <a:ext uri="{FF2B5EF4-FFF2-40B4-BE49-F238E27FC236}">
+                      <a16:creationId xmlns:a16="http://schemas.microsoft.com/office/drawing/2014/main" id="{62AC035D-436E-41C1-B871-8391C604BDB0}"/>
+                    </a:ext>
+                  </a:extLst>
+                </p:cNvPr>
+                <p:cNvGrpSpPr/>
+                <p:nvPr/>
+              </p:nvGrpSpPr>
+              <p:grpSpPr>
+                <a:xfrm>
+                  <a:off x="1063844" y="14153854"/>
+                  <a:ext cx="10964518" cy="4350075"/>
+                  <a:chOff x="1043894" y="14268344"/>
+                  <a:chExt cx="10962909" cy="4349594"/>
+                </a:xfrm>
+              </p:grpSpPr>
+              <p:grpSp>
+                <p:nvGrpSpPr>
+                  <p:cNvPr id="73" name="Group 72">
+                    <a:extLst>
+                      <a:ext uri="{FF2B5EF4-FFF2-40B4-BE49-F238E27FC236}">
+                        <a16:creationId xmlns:a16="http://schemas.microsoft.com/office/drawing/2014/main" id="{A69FAACF-ABA8-43EA-B200-A749581D5FFA}"/>
+                      </a:ext>
+                    </a:extLst>
+                  </p:cNvPr>
+                  <p:cNvGrpSpPr/>
+                  <p:nvPr/>
+                </p:nvGrpSpPr>
+                <p:grpSpPr>
+                  <a:xfrm>
+                    <a:off x="2606511" y="15622402"/>
+                    <a:ext cx="8229600" cy="2995536"/>
+                    <a:chOff x="2606511" y="15317602"/>
+                    <a:chExt cx="8229600" cy="2995536"/>
+                  </a:xfrm>
+                </p:grpSpPr>
+                <p:sp>
+                  <p:nvSpPr>
+                    <p:cNvPr id="79" name="TextBox 78">
+                      <a:extLst>
+                        <a:ext uri="{FF2B5EF4-FFF2-40B4-BE49-F238E27FC236}">
+                          <a16:creationId xmlns:a16="http://schemas.microsoft.com/office/drawing/2014/main" id="{C916F37C-FEE4-420B-AE8A-7CA4F54B8DED}"/>
+                        </a:ext>
+                      </a:extLst>
+                    </p:cNvPr>
+                    <p:cNvSpPr txBox="1"/>
+                    <p:nvPr/>
+                  </p:nvSpPr>
+                  <p:spPr>
+                    <a:xfrm>
+                      <a:off x="2606511" y="17682265"/>
+                      <a:ext cx="8229600" cy="630873"/>
+                    </a:xfrm>
+                    <a:prstGeom prst="rect">
+                      <a:avLst/>
+                    </a:prstGeom>
+                    <a:noFill/>
+                  </p:spPr>
+                  <p:txBody>
+                    <a:bodyPr wrap="square" rtlCol="0">
+                      <a:spAutoFit/>
+                    </a:bodyPr>
+                    <a:lstStyle/>
+                    <a:p>
+                      <a:pPr algn="ctr"/>
+                      <a:r>
+                        <a:rPr lang="en-US" sz="3500" dirty="0">
+                          <a:solidFill>
+                            <a:srgbClr val="4A929C"/>
+                          </a:solidFill>
+                        </a:rPr>
+                        <a:t>example of an adversarial image</a:t>
+                      </a:r>
+                      <a:endParaRPr lang="en-US" sz="3500" b="1" dirty="0">
+                        <a:solidFill>
+                          <a:srgbClr val="4A929C"/>
+                        </a:solidFill>
+                      </a:endParaRPr>
+                    </a:p>
+                  </p:txBody>
+                </p:sp>
+                <p:grpSp>
+                  <p:nvGrpSpPr>
+                    <p:cNvPr id="80" name="Group 79">
+                      <a:extLst>
+                        <a:ext uri="{FF2B5EF4-FFF2-40B4-BE49-F238E27FC236}">
+                          <a16:creationId xmlns:a16="http://schemas.microsoft.com/office/drawing/2014/main" id="{8245CA0B-71BC-476F-B724-07C1A7884AB8}"/>
+                        </a:ext>
+                      </a:extLst>
+                    </p:cNvPr>
+                    <p:cNvGrpSpPr/>
+                    <p:nvPr/>
+                  </p:nvGrpSpPr>
+                  <p:grpSpPr>
+                    <a:xfrm>
+                      <a:off x="4539563" y="15317602"/>
+                      <a:ext cx="4477144" cy="631617"/>
+                      <a:chOff x="4539563" y="15317602"/>
+                      <a:chExt cx="4477144" cy="631617"/>
+                    </a:xfrm>
+                  </p:grpSpPr>
+                  <p:sp>
+                    <p:nvSpPr>
+                      <p:cNvPr id="84" name="TextBox 83">
+                        <a:extLst>
+                          <a:ext uri="{FF2B5EF4-FFF2-40B4-BE49-F238E27FC236}">
+                            <a16:creationId xmlns:a16="http://schemas.microsoft.com/office/drawing/2014/main" id="{8C9D5431-47C9-446E-8E17-F2D21D9E0F4E}"/>
+                          </a:ext>
+                        </a:extLst>
+                      </p:cNvPr>
+                      <p:cNvSpPr txBox="1"/>
+                      <p:nvPr/>
+                    </p:nvSpPr>
+                    <p:spPr>
+                      <a:xfrm>
+                        <a:off x="8042407" y="15318346"/>
+                        <a:ext cx="974300" cy="630873"/>
+                      </a:xfrm>
+                      <a:prstGeom prst="rect">
+                        <a:avLst/>
+                      </a:prstGeom>
+                      <a:noFill/>
+                    </p:spPr>
+                    <p:txBody>
+                      <a:bodyPr wrap="square" rtlCol="0">
+                        <a:spAutoFit/>
+                      </a:bodyPr>
+                      <a:lstStyle/>
+                      <a:p>
+                        <a:pPr algn="ctr"/>
+                        <a:r>
+                          <a:rPr lang="en-US" sz="3500" b="1" dirty="0"/>
+                          <a:t>=</a:t>
+                        </a:r>
+                      </a:p>
+                    </p:txBody>
+                  </p:sp>
+                  <p:sp>
+                    <p:nvSpPr>
+                      <p:cNvPr id="85" name="TextBox 84">
+                        <a:extLst>
+                          <a:ext uri="{FF2B5EF4-FFF2-40B4-BE49-F238E27FC236}">
+                            <a16:creationId xmlns:a16="http://schemas.microsoft.com/office/drawing/2014/main" id="{C08A810E-0F9F-4B99-916F-CEC853B93B2E}"/>
+                          </a:ext>
+                        </a:extLst>
+                      </p:cNvPr>
+                      <p:cNvSpPr txBox="1"/>
+                      <p:nvPr/>
+                    </p:nvSpPr>
+                    <p:spPr>
+                      <a:xfrm>
+                        <a:off x="4539563" y="15317602"/>
+                        <a:ext cx="974300" cy="630873"/>
+                      </a:xfrm>
+                      <a:prstGeom prst="rect">
+                        <a:avLst/>
+                      </a:prstGeom>
+                      <a:noFill/>
+                    </p:spPr>
+                    <p:txBody>
+                      <a:bodyPr wrap="square" rtlCol="0">
+                        <a:spAutoFit/>
+                      </a:bodyPr>
+                      <a:lstStyle/>
+                      <a:p>
+                        <a:pPr algn="ctr"/>
+                        <a:r>
+                          <a:rPr lang="en-US" sz="3500" b="1" dirty="0"/>
+                          <a:t>+</a:t>
+                        </a:r>
+                      </a:p>
+                    </p:txBody>
+                  </p:sp>
+                </p:grpSp>
+              </p:grpSp>
+              <p:sp>
+                <p:nvSpPr>
+                  <p:cNvPr id="74" name="TextBox 73">
+                    <a:extLst>
+                      <a:ext uri="{FF2B5EF4-FFF2-40B4-BE49-F238E27FC236}">
+                        <a16:creationId xmlns:a16="http://schemas.microsoft.com/office/drawing/2014/main" id="{8783E3E6-8DA0-4B43-8796-87BCCF6FDC3C}"/>
+                      </a:ext>
+                    </a:extLst>
+                  </p:cNvPr>
+                  <p:cNvSpPr txBox="1"/>
+                  <p:nvPr/>
+                </p:nvSpPr>
+                <p:spPr>
+                  <a:xfrm>
+                    <a:off x="1043894" y="17392895"/>
+                    <a:ext cx="4363375" cy="630872"/>
+                  </a:xfrm>
+                  <a:prstGeom prst="rect">
+                    <a:avLst/>
+                  </a:prstGeom>
+                  <a:noFill/>
+                </p:spPr>
+                <p:txBody>
+                  <a:bodyPr wrap="square" rtlCol="0">
+                    <a:spAutoFit/>
+                  </a:bodyPr>
+                  <a:lstStyle/>
+                  <a:p>
+                    <a:pPr algn="ctr"/>
+                    <a:r>
+                      <a:rPr lang="en-US" sz="3500" dirty="0">
+                        <a:solidFill>
+                          <a:schemeClr val="accent6"/>
+                        </a:solidFill>
+                      </a:rPr>
+                      <a:t>100% it’s “ankle boot”</a:t>
+                    </a:r>
+                  </a:p>
+                </p:txBody>
+              </p:sp>
+              <p:sp>
+                <p:nvSpPr>
+                  <p:cNvPr id="75" name="TextBox 74">
+                    <a:extLst>
+                      <a:ext uri="{FF2B5EF4-FFF2-40B4-BE49-F238E27FC236}">
+                        <a16:creationId xmlns:a16="http://schemas.microsoft.com/office/drawing/2014/main" id="{E6E73A88-46EA-4CE7-9A89-D02616A68D39}"/>
+                      </a:ext>
+                    </a:extLst>
+                  </p:cNvPr>
+                  <p:cNvSpPr txBox="1"/>
+                  <p:nvPr/>
+                </p:nvSpPr>
+                <p:spPr>
+                  <a:xfrm>
+                    <a:off x="8430229" y="17394149"/>
+                    <a:ext cx="3576574" cy="630872"/>
+                  </a:xfrm>
+                  <a:prstGeom prst="rect">
+                    <a:avLst/>
+                  </a:prstGeom>
+                  <a:noFill/>
+                </p:spPr>
+                <p:txBody>
+                  <a:bodyPr wrap="square" rtlCol="0">
+                    <a:spAutoFit/>
+                  </a:bodyPr>
+                  <a:lstStyle/>
+                  <a:p>
+                    <a:pPr algn="ctr"/>
+                    <a:r>
+                      <a:rPr lang="en-US" sz="3500" dirty="0">
+                        <a:solidFill>
+                          <a:srgbClr val="FF0000"/>
+                        </a:solidFill>
+                      </a:rPr>
+                      <a:t>52% it’s “sandal”</a:t>
+                    </a:r>
+                  </a:p>
+                </p:txBody>
+              </p:sp>
+              <p:sp>
+                <p:nvSpPr>
+                  <p:cNvPr id="76" name="TextBox 75">
+                    <a:extLst>
+                      <a:ext uri="{FF2B5EF4-FFF2-40B4-BE49-F238E27FC236}">
+                        <a16:creationId xmlns:a16="http://schemas.microsoft.com/office/drawing/2014/main" id="{E94ECADF-7BEE-4462-9B64-71E30E31F5F8}"/>
+                      </a:ext>
+                    </a:extLst>
+                  </p:cNvPr>
+                  <p:cNvSpPr txBox="1"/>
+                  <p:nvPr/>
+                </p:nvSpPr>
+                <p:spPr>
+                  <a:xfrm>
+                    <a:off x="9114887" y="14269694"/>
+                    <a:ext cx="2216500" cy="630873"/>
+                  </a:xfrm>
+                  <a:prstGeom prst="rect">
+                    <a:avLst/>
+                  </a:prstGeom>
+                  <a:noFill/>
+                </p:spPr>
+                <p:txBody>
+                  <a:bodyPr wrap="square" rtlCol="0">
+                    <a:spAutoFit/>
+                  </a:bodyPr>
+                  <a:lstStyle/>
+                  <a:p>
+                    <a:pPr algn="ctr"/>
+                    <a:r>
+                      <a:rPr lang="en-US" sz="3500" dirty="0">
+                        <a:solidFill>
+                          <a:srgbClr val="4A929C"/>
+                        </a:solidFill>
+                      </a:rPr>
+                      <a:t>adversarial</a:t>
+                    </a:r>
+                  </a:p>
+                </p:txBody>
+              </p:sp>
+              <p:sp>
+                <p:nvSpPr>
+                  <p:cNvPr id="77" name="TextBox 76">
+                    <a:extLst>
+                      <a:ext uri="{FF2B5EF4-FFF2-40B4-BE49-F238E27FC236}">
+                        <a16:creationId xmlns:a16="http://schemas.microsoft.com/office/drawing/2014/main" id="{1BEBFB0E-1131-4431-A1CB-0C5AB8076F74}"/>
+                      </a:ext>
+                    </a:extLst>
+                  </p:cNvPr>
+                  <p:cNvSpPr txBox="1"/>
+                  <p:nvPr/>
+                </p:nvSpPr>
+                <p:spPr>
+                  <a:xfrm>
+                    <a:off x="5994279" y="14269694"/>
+                    <a:ext cx="1556920" cy="630873"/>
+                  </a:xfrm>
+                  <a:prstGeom prst="rect">
+                    <a:avLst/>
+                  </a:prstGeom>
+                  <a:noFill/>
+                </p:spPr>
+                <p:txBody>
+                  <a:bodyPr wrap="square" rtlCol="0">
+                    <a:spAutoFit/>
+                  </a:bodyPr>
+                  <a:lstStyle/>
+                  <a:p>
+                    <a:pPr algn="ctr"/>
+                    <a:r>
+                      <a:rPr lang="en-US" sz="3500" dirty="0">
+                        <a:solidFill>
+                          <a:srgbClr val="4A929C"/>
+                        </a:solidFill>
+                      </a:rPr>
+                      <a:t>noise</a:t>
+                    </a:r>
+                  </a:p>
+                </p:txBody>
+              </p:sp>
+              <p:sp>
+                <p:nvSpPr>
+                  <p:cNvPr id="78" name="TextBox 77">
+                    <a:extLst>
+                      <a:ext uri="{FF2B5EF4-FFF2-40B4-BE49-F238E27FC236}">
+                        <a16:creationId xmlns:a16="http://schemas.microsoft.com/office/drawing/2014/main" id="{0247A0ED-9373-4A7C-B2A7-CF82E9F82D9D}"/>
+                      </a:ext>
+                    </a:extLst>
+                  </p:cNvPr>
+                  <p:cNvSpPr txBox="1"/>
+                  <p:nvPr/>
+                </p:nvSpPr>
+                <p:spPr>
+                  <a:xfrm>
+                    <a:off x="2519973" y="14268344"/>
+                    <a:ext cx="1556920" cy="630873"/>
+                  </a:xfrm>
+                  <a:prstGeom prst="rect">
+                    <a:avLst/>
+                  </a:prstGeom>
+                  <a:noFill/>
+                </p:spPr>
+                <p:txBody>
+                  <a:bodyPr wrap="square" rtlCol="0">
+                    <a:spAutoFit/>
+                  </a:bodyPr>
+                  <a:lstStyle/>
+                  <a:p>
+                    <a:pPr algn="ctr"/>
+                    <a:r>
+                      <a:rPr lang="en-US" sz="3500" dirty="0">
+                        <a:solidFill>
+                          <a:srgbClr val="4A929C"/>
+                        </a:solidFill>
+                      </a:rPr>
+                      <a:t>original</a:t>
+                    </a:r>
+                  </a:p>
+                </p:txBody>
+              </p:sp>
+            </p:grpSp>
+          </p:grpSp>
+        </p:grpSp>
+        <p:sp>
+          <p:nvSpPr>
+            <p:cNvPr id="124" name="Text Box 24">
+              <a:extLst>
+                <a:ext uri="{FF2B5EF4-FFF2-40B4-BE49-F238E27FC236}">
+                  <a16:creationId xmlns:a16="http://schemas.microsoft.com/office/drawing/2014/main" id="{27B38341-DDF5-4423-9D2D-6E3044C7E78B}"/>
+                </a:ext>
+              </a:extLst>
+            </p:cNvPr>
+            <p:cNvSpPr txBox="1"/>
+            <p:nvPr/>
+          </p:nvSpPr>
+          <p:spPr>
+            <a:xfrm>
+              <a:off x="716400" y="9309600"/>
+              <a:ext cx="14403600" cy="843085"/>
+            </a:xfrm>
+            <a:prstGeom prst="chevron">
               <a:avLst/>
-            </a:prstTxWarp>
-            <a:noAutofit/>
-          </a:bodyPr>
-          <a:lstStyle/>
-          <a:p>
-            <a:pPr algn="ctr">
-              <a:lnSpc>
-                <a:spcPct val="115000"/>
-              </a:lnSpc>
-              <a:spcAft>
-                <a:spcPts val="1000"/>
-              </a:spcAft>
-            </a:pPr>
-            <a:r>
-              <a:rPr lang="en-US" sz="5500" b="1" kern="0" dirty="0">
+            </a:prstGeom>
+            <a:gradFill flip="none" rotWithShape="1">
+              <a:gsLst>
+                <a:gs pos="50000">
+                  <a:srgbClr val="FF8000">
+                    <a:lumMod val="100000"/>
+                    <a:alpha val="75000"/>
+                  </a:srgbClr>
+                </a:gs>
+                <a:gs pos="0">
+                  <a:srgbClr val="FF8000"/>
+                </a:gs>
+                <a:gs pos="83000">
+                  <a:srgbClr val="FF8000">
+                    <a:alpha val="50000"/>
+                  </a:srgbClr>
+                </a:gs>
+              </a:gsLst>
+              <a:lin ang="0" scaled="1"/>
+              <a:tileRect/>
+            </a:gradFill>
+            <a:ln w="6350">
+              <a:noFill/>
+            </a:ln>
+            <a:effectLst/>
+          </p:spPr>
+          <p:txBody>
+            <a:bodyPr rot="0" spcFirstLastPara="0" vert="horz" wrap="square" lIns="91440" tIns="45720" rIns="91440" bIns="45720" numCol="1" spcCol="0" rtlCol="0" fromWordArt="0" anchor="ctr" anchorCtr="0" forceAA="0" compatLnSpc="1">
+              <a:prstTxWarp prst="textNoShape">
+                <a:avLst/>
+              </a:prstTxWarp>
+              <a:noAutofit/>
+            </a:bodyPr>
+            <a:lstStyle/>
+            <a:p>
+              <a:pPr>
+                <a:lnSpc>
+                  <a:spcPct val="115000"/>
+                </a:lnSpc>
+                <a:spcAft>
+                  <a:spcPts val="1000"/>
+                </a:spcAft>
+              </a:pPr>
+              <a:r>
+                <a:rPr lang="en-US" sz="4000" b="1" kern="0" dirty="0">
+                  <a:solidFill>
+                    <a:srgbClr val="FFFFFF"/>
+                  </a:solidFill>
+                  <a:latin typeface="Calibri" panose="020F0502020204030204" pitchFamily="34" charset="0"/>
+                  <a:cs typeface="Arial" panose="020B0604020202020204" pitchFamily="34" charset="0"/>
+                </a:rPr>
+                <a:t>			Background and Goal</a:t>
+              </a:r>
+            </a:p>
+          </p:txBody>
+        </p:sp>
+        <p:sp>
+          <p:nvSpPr>
+            <p:cNvPr id="126" name="Text Box 24">
+              <a:extLst>
+                <a:ext uri="{FF2B5EF4-FFF2-40B4-BE49-F238E27FC236}">
+                  <a16:creationId xmlns:a16="http://schemas.microsoft.com/office/drawing/2014/main" id="{B45D65E9-CB82-45BF-97AF-5D33A6DA1875}"/>
+                </a:ext>
+              </a:extLst>
+            </p:cNvPr>
+            <p:cNvSpPr txBox="1"/>
+            <p:nvPr/>
+          </p:nvSpPr>
+          <p:spPr>
+            <a:xfrm>
+              <a:off x="1508880" y="9309600"/>
+              <a:ext cx="842400" cy="843085"/>
+            </a:xfrm>
+            <a:prstGeom prst="ellipse">
+              <a:avLst/>
+            </a:prstGeom>
+            <a:solidFill>
+              <a:schemeClr val="bg1"/>
+            </a:solidFill>
+            <a:ln w="63500" cmpd="dbl">
+              <a:solidFill>
+                <a:srgbClr val="FF8000"/>
+              </a:solidFill>
+            </a:ln>
+          </p:spPr>
+          <p:txBody>
+            <a:bodyPr rot="0" spcFirstLastPara="0" vert="horz" wrap="square" lIns="91440" tIns="45720" rIns="91440" bIns="45720" numCol="1" spcCol="0" rtlCol="0" fromWordArt="0" anchor="ctr" anchorCtr="0" forceAA="0" compatLnSpc="1">
+              <a:prstTxWarp prst="textNoShape">
+                <a:avLst/>
+              </a:prstTxWarp>
+              <a:noAutofit/>
+            </a:bodyPr>
+            <a:lstStyle/>
+            <a:p>
+              <a:pPr algn="ctr">
+                <a:lnSpc>
+                  <a:spcPct val="115000"/>
+                </a:lnSpc>
+                <a:spcAft>
+                  <a:spcPts val="1000"/>
+                </a:spcAft>
+              </a:pPr>
+              <a:r>
+                <a:rPr lang="en-US" sz="5500" b="1" kern="0" dirty="0">
+                  <a:solidFill>
+                    <a:srgbClr val="FF8000"/>
+                  </a:solidFill>
+                  <a:latin typeface="Calibri" panose="020F0502020204030204" pitchFamily="34" charset="0"/>
+                  <a:cs typeface="Arial" panose="020B0604020202020204" pitchFamily="34" charset="0"/>
+                </a:rPr>
+                <a:t>0</a:t>
+              </a:r>
+            </a:p>
+          </p:txBody>
+        </p:sp>
+      </p:grpSp>
+      <p:grpSp>
+        <p:nvGrpSpPr>
+          <p:cNvPr id="27" name="Group 26">
+            <a:extLst>
+              <a:ext uri="{FF2B5EF4-FFF2-40B4-BE49-F238E27FC236}">
+                <a16:creationId xmlns:a16="http://schemas.microsoft.com/office/drawing/2014/main" id="{7960A5DA-723E-4CF5-A7CB-4918ECC6BC21}"/>
+              </a:ext>
+            </a:extLst>
+          </p:cNvPr>
+          <p:cNvGrpSpPr/>
+          <p:nvPr/>
+        </p:nvGrpSpPr>
+        <p:grpSpPr>
+          <a:xfrm>
+            <a:off x="17280000" y="18154800"/>
+            <a:ext cx="14403600" cy="12428775"/>
+            <a:chOff x="17280000" y="18154800"/>
+            <a:chExt cx="14403600" cy="12428775"/>
+          </a:xfrm>
+        </p:grpSpPr>
+        <p:sp>
+          <p:nvSpPr>
+            <p:cNvPr id="18" name="TextBox 17"/>
+            <p:cNvSpPr txBox="1"/>
+            <p:nvPr/>
+          </p:nvSpPr>
+          <p:spPr>
+            <a:xfrm>
+              <a:off x="18616981" y="29952633"/>
+              <a:ext cx="11792933" cy="630942"/>
+            </a:xfrm>
+            <a:prstGeom prst="rect">
+              <a:avLst/>
+            </a:prstGeom>
+            <a:noFill/>
+            <a:ln>
+              <a:noFill/>
+            </a:ln>
+          </p:spPr>
+          <p:txBody>
+            <a:bodyPr wrap="square" rtlCol="0">
+              <a:spAutoFit/>
+            </a:bodyPr>
+            <a:lstStyle/>
+            <a:p>
+              <a:pPr algn="ctr"/>
+              <a:r>
+                <a:rPr lang="en-US" sz="3500" dirty="0">
+                  <a:solidFill>
+                    <a:srgbClr val="4A929C"/>
+                  </a:solidFill>
+                </a:rPr>
+                <a:t>classification error (%) on the first 1000 test samples</a:t>
+              </a:r>
+              <a:endParaRPr lang="en-US" sz="3500" dirty="0"/>
+            </a:p>
+          </p:txBody>
+        </p:sp>
+        <p:grpSp>
+          <p:nvGrpSpPr>
+            <p:cNvPr id="14" name="Group 13">
+              <a:extLst>
+                <a:ext uri="{FF2B5EF4-FFF2-40B4-BE49-F238E27FC236}">
+                  <a16:creationId xmlns:a16="http://schemas.microsoft.com/office/drawing/2014/main" id="{79D4DAC0-24E7-494E-9124-BC5E5684AAA3}"/>
+                </a:ext>
+              </a:extLst>
+            </p:cNvPr>
+            <p:cNvGrpSpPr/>
+            <p:nvPr/>
+          </p:nvGrpSpPr>
+          <p:grpSpPr>
+            <a:xfrm>
+              <a:off x="17280000" y="18154800"/>
+              <a:ext cx="14403600" cy="1964996"/>
+              <a:chOff x="17280000" y="18154800"/>
+              <a:chExt cx="14403600" cy="1964996"/>
+            </a:xfrm>
+          </p:grpSpPr>
+          <p:sp>
+            <p:nvSpPr>
+              <p:cNvPr id="28" name="תיבת טקסט 18">
+                <a:extLst>
+                  <a:ext uri="{FF2B5EF4-FFF2-40B4-BE49-F238E27FC236}">
+                    <a16:creationId xmlns:a16="http://schemas.microsoft.com/office/drawing/2014/main" id="{533A65D4-67FB-4E41-9421-FD9DB044B4D3}"/>
+                  </a:ext>
+                </a:extLst>
+              </p:cNvPr>
+              <p:cNvSpPr txBox="1"/>
+              <p:nvPr/>
+            </p:nvSpPr>
+            <p:spPr>
+              <a:xfrm>
+                <a:off x="17999998" y="19015028"/>
+                <a:ext cx="13683599" cy="1104768"/>
+              </a:xfrm>
+              <a:prstGeom prst="rect">
+                <a:avLst/>
+              </a:prstGeom>
+              <a:noFill/>
+              <a:ln w="25400" cap="flat" cmpd="sng" algn="ctr">
+                <a:noFill/>
+                <a:prstDash val="solid"/>
+              </a:ln>
+              <a:effectLst/>
+            </p:spPr>
+            <p:txBody>
+              <a:bodyPr rot="0" spcFirstLastPara="0" vert="horz" wrap="square" lIns="91440" tIns="45720" rIns="91440" bIns="45720" numCol="1" spcCol="0" rtlCol="1" fromWordArt="0" anchor="t" anchorCtr="0" forceAA="0" compatLnSpc="1">
+                <a:prstTxWarp prst="textNoShape">
+                  <a:avLst/>
+                </a:prstTxWarp>
+                <a:noAutofit/>
+              </a:bodyPr>
+              <a:lstStyle/>
+              <a:p>
+                <a:pPr lvl="0"/>
+                <a:r>
+                  <a:rPr lang="en-US" sz="3700" dirty="0"/>
+                  <a:t>There’s a slight tradeoff between accuracy on the original images and the accuracy on the </a:t>
+                </a:r>
+                <a:r>
+                  <a:rPr lang="en-US" sz="3700" dirty="0" err="1"/>
+                  <a:t>adversarials</a:t>
+                </a:r>
+                <a:r>
+                  <a:rPr lang="en-US" sz="3700" dirty="0"/>
+                  <a:t>, but overall, accuracies are good</a:t>
+                </a:r>
+              </a:p>
+            </p:txBody>
+          </p:sp>
+          <p:grpSp>
+            <p:nvGrpSpPr>
+              <p:cNvPr id="12" name="Group 11">
+                <a:extLst>
+                  <a:ext uri="{FF2B5EF4-FFF2-40B4-BE49-F238E27FC236}">
+                    <a16:creationId xmlns:a16="http://schemas.microsoft.com/office/drawing/2014/main" id="{79BCB213-F4DD-436F-88AA-A24C81F24350}"/>
+                  </a:ext>
+                </a:extLst>
+              </p:cNvPr>
+              <p:cNvGrpSpPr/>
+              <p:nvPr/>
+            </p:nvGrpSpPr>
+            <p:grpSpPr>
+              <a:xfrm>
+                <a:off x="17280000" y="18154800"/>
+                <a:ext cx="14403600" cy="843085"/>
+                <a:chOff x="17280000" y="18154800"/>
+                <a:chExt cx="14403600" cy="843085"/>
+              </a:xfrm>
+            </p:grpSpPr>
+            <p:sp>
+              <p:nvSpPr>
+                <p:cNvPr id="122" name="Text Box 24">
+                  <a:extLst>
+                    <a:ext uri="{FF2B5EF4-FFF2-40B4-BE49-F238E27FC236}">
+                      <a16:creationId xmlns:a16="http://schemas.microsoft.com/office/drawing/2014/main" id="{AA25DFA3-D40A-4236-B0D2-AD3050A17056}"/>
+                    </a:ext>
+                  </a:extLst>
+                </p:cNvPr>
+                <p:cNvSpPr txBox="1"/>
+                <p:nvPr/>
+              </p:nvSpPr>
+              <p:spPr>
+                <a:xfrm>
+                  <a:off x="17280000" y="18154800"/>
+                  <a:ext cx="14403600" cy="843085"/>
+                </a:xfrm>
+                <a:prstGeom prst="chevron">
+                  <a:avLst/>
+                </a:prstGeom>
+                <a:gradFill flip="none" rotWithShape="1">
+                  <a:gsLst>
+                    <a:gs pos="50000">
+                      <a:srgbClr val="FF8000">
+                        <a:lumMod val="100000"/>
+                        <a:alpha val="75000"/>
+                      </a:srgbClr>
+                    </a:gs>
+                    <a:gs pos="0">
+                      <a:srgbClr val="FF8000"/>
+                    </a:gs>
+                    <a:gs pos="83000">
+                      <a:srgbClr val="FF8000">
+                        <a:alpha val="50000"/>
+                      </a:srgbClr>
+                    </a:gs>
+                  </a:gsLst>
+                  <a:lin ang="0" scaled="1"/>
+                  <a:tileRect/>
+                </a:gradFill>
+                <a:ln w="6350">
+                  <a:noFill/>
+                </a:ln>
+                <a:effectLst/>
+              </p:spPr>
+              <p:txBody>
+                <a:bodyPr rot="0" spcFirstLastPara="0" vert="horz" wrap="square" lIns="91440" tIns="45720" rIns="91440" bIns="45720" numCol="1" spcCol="0" rtlCol="0" fromWordArt="0" anchor="ctr" anchorCtr="0" forceAA="0" compatLnSpc="1">
+                  <a:prstTxWarp prst="textNoShape">
+                    <a:avLst/>
+                  </a:prstTxWarp>
+                  <a:noAutofit/>
+                </a:bodyPr>
+                <a:lstStyle/>
+                <a:p>
+                  <a:pPr algn="ctr">
+                    <a:lnSpc>
+                      <a:spcPct val="115000"/>
+                    </a:lnSpc>
+                    <a:spcAft>
+                      <a:spcPts val="1000"/>
+                    </a:spcAft>
+                  </a:pPr>
+                  <a:r>
+                    <a:rPr lang="en-US" sz="4000" b="1" kern="0" dirty="0">
+                      <a:solidFill>
+                        <a:srgbClr val="FFFFFF"/>
+                      </a:solidFill>
+                      <a:latin typeface="Calibri" panose="020F0502020204030204" pitchFamily="34" charset="0"/>
+                      <a:cs typeface="Arial" panose="020B0604020202020204" pitchFamily="34" charset="0"/>
+                    </a:rPr>
+                    <a:t>			Results</a:t>
+                  </a:r>
+                </a:p>
+              </p:txBody>
+            </p:sp>
+            <p:sp>
+              <p:nvSpPr>
+                <p:cNvPr id="128" name="Text Box 24">
+                  <a:extLst>
+                    <a:ext uri="{FF2B5EF4-FFF2-40B4-BE49-F238E27FC236}">
+                      <a16:creationId xmlns:a16="http://schemas.microsoft.com/office/drawing/2014/main" id="{DE9595E1-3A0F-42ED-BFB7-9B479B96BB8A}"/>
+                    </a:ext>
+                  </a:extLst>
+                </p:cNvPr>
+                <p:cNvSpPr txBox="1"/>
+                <p:nvPr/>
+              </p:nvSpPr>
+              <p:spPr>
+                <a:xfrm>
+                  <a:off x="18072000" y="18154800"/>
+                  <a:ext cx="842400" cy="843085"/>
+                </a:xfrm>
+                <a:prstGeom prst="ellipse">
+                  <a:avLst/>
+                </a:prstGeom>
+                <a:solidFill>
+                  <a:schemeClr val="bg1"/>
+                </a:solidFill>
+                <a:ln w="63500" cmpd="dbl">
+                  <a:solidFill>
+                    <a:srgbClr val="FF8000"/>
+                  </a:solidFill>
+                </a:ln>
+              </p:spPr>
+              <p:txBody>
+                <a:bodyPr rot="0" spcFirstLastPara="0" vert="horz" wrap="square" lIns="91440" tIns="45720" rIns="91440" bIns="45720" numCol="1" spcCol="0" rtlCol="0" fromWordArt="0" anchor="ctr" anchorCtr="0" forceAA="0" compatLnSpc="1">
+                  <a:prstTxWarp prst="textNoShape">
+                    <a:avLst/>
+                  </a:prstTxWarp>
+                  <a:noAutofit/>
+                </a:bodyPr>
+                <a:lstStyle/>
+                <a:p>
+                  <a:pPr algn="ctr">
+                    <a:lnSpc>
+                      <a:spcPct val="115000"/>
+                    </a:lnSpc>
+                    <a:spcAft>
+                      <a:spcPts val="1000"/>
+                    </a:spcAft>
+                  </a:pPr>
+                  <a:r>
+                    <a:rPr lang="en-US" sz="5500" b="1" kern="0" dirty="0">
+                      <a:solidFill>
+                        <a:srgbClr val="FF8000"/>
+                      </a:solidFill>
+                      <a:latin typeface="Calibri" panose="020F0502020204030204" pitchFamily="34" charset="0"/>
+                      <a:cs typeface="Arial" panose="020B0604020202020204" pitchFamily="34" charset="0"/>
+                    </a:rPr>
+                    <a:t>5</a:t>
+                  </a:r>
+                </a:p>
+              </p:txBody>
+            </p:sp>
+          </p:grpSp>
+        </p:grpSp>
+      </p:grpSp>
+      <p:grpSp>
+        <p:nvGrpSpPr>
+          <p:cNvPr id="5" name="Group 4">
+            <a:extLst>
+              <a:ext uri="{FF2B5EF4-FFF2-40B4-BE49-F238E27FC236}">
+                <a16:creationId xmlns:a16="http://schemas.microsoft.com/office/drawing/2014/main" id="{C78D1FE8-ACDE-4774-BE27-0179F2C703D1}"/>
+              </a:ext>
+            </a:extLst>
+          </p:cNvPr>
+          <p:cNvGrpSpPr/>
+          <p:nvPr/>
+        </p:nvGrpSpPr>
+        <p:grpSpPr>
+          <a:xfrm>
+            <a:off x="716400" y="22132800"/>
+            <a:ext cx="14403600" cy="8173256"/>
+            <a:chOff x="716400" y="22132800"/>
+            <a:chExt cx="14403600" cy="8173256"/>
+          </a:xfrm>
+        </p:grpSpPr>
+        <p:grpSp>
+          <p:nvGrpSpPr>
+            <p:cNvPr id="20" name="Group 19">
+              <a:extLst>
+                <a:ext uri="{FF2B5EF4-FFF2-40B4-BE49-F238E27FC236}">
+                  <a16:creationId xmlns:a16="http://schemas.microsoft.com/office/drawing/2014/main" id="{D465996D-4ABD-4508-9B07-178750AF8B31}"/>
+                </a:ext>
+              </a:extLst>
+            </p:cNvPr>
+            <p:cNvGrpSpPr/>
+            <p:nvPr/>
+          </p:nvGrpSpPr>
+          <p:grpSpPr>
+            <a:xfrm>
+              <a:off x="1143696" y="22990655"/>
+              <a:ext cx="13976148" cy="7315401"/>
+              <a:chOff x="1143696" y="22498289"/>
+              <a:chExt cx="13976148" cy="7315401"/>
+            </a:xfrm>
+          </p:grpSpPr>
+          <p:grpSp>
+            <p:nvGrpSpPr>
+              <p:cNvPr id="86" name="Group 85">
+                <a:extLst>
+                  <a:ext uri="{FF2B5EF4-FFF2-40B4-BE49-F238E27FC236}">
+                    <a16:creationId xmlns:a16="http://schemas.microsoft.com/office/drawing/2014/main" id="{77345A03-AF8A-4091-BFC4-B48BFBAC4FC3}"/>
+                  </a:ext>
+                </a:extLst>
+              </p:cNvPr>
+              <p:cNvGrpSpPr/>
+              <p:nvPr/>
+            </p:nvGrpSpPr>
+            <p:grpSpPr>
+              <a:xfrm>
+                <a:off x="1143696" y="24976972"/>
+                <a:ext cx="13574361" cy="4836718"/>
+                <a:chOff x="450669" y="24785738"/>
+                <a:chExt cx="13570371" cy="4835654"/>
+              </a:xfrm>
+            </p:grpSpPr>
+            <p:grpSp>
+              <p:nvGrpSpPr>
+                <p:cNvPr id="87" name="Group 86">
+                  <a:extLst>
+                    <a:ext uri="{FF2B5EF4-FFF2-40B4-BE49-F238E27FC236}">
+                      <a16:creationId xmlns:a16="http://schemas.microsoft.com/office/drawing/2014/main" id="{96BB160D-7952-462E-8AB7-F23EFCD94AB7}"/>
+                    </a:ext>
+                  </a:extLst>
+                </p:cNvPr>
+                <p:cNvGrpSpPr/>
+                <p:nvPr/>
+              </p:nvGrpSpPr>
+              <p:grpSpPr>
+                <a:xfrm>
+                  <a:off x="450669" y="24785738"/>
+                  <a:ext cx="13570371" cy="4835654"/>
+                  <a:chOff x="770709" y="24785738"/>
+                  <a:chExt cx="13570371" cy="4835654"/>
+                </a:xfrm>
+              </p:grpSpPr>
+              <p:grpSp>
+                <p:nvGrpSpPr>
+                  <p:cNvPr id="91" name="Group 90">
+                    <a:extLst>
+                      <a:ext uri="{FF2B5EF4-FFF2-40B4-BE49-F238E27FC236}">
+                        <a16:creationId xmlns:a16="http://schemas.microsoft.com/office/drawing/2014/main" id="{D877ED0F-2157-4E59-BE17-9E02CDA5B4FB}"/>
+                      </a:ext>
+                    </a:extLst>
+                  </p:cNvPr>
+                  <p:cNvGrpSpPr/>
+                  <p:nvPr/>
+                </p:nvGrpSpPr>
+                <p:grpSpPr>
+                  <a:xfrm>
+                    <a:off x="770709" y="24785738"/>
+                    <a:ext cx="12034654" cy="4835654"/>
+                    <a:chOff x="770709" y="24541898"/>
+                    <a:chExt cx="12034654" cy="4835654"/>
+                  </a:xfrm>
+                </p:grpSpPr>
+                <p:sp>
+                  <p:nvSpPr>
+                    <p:cNvPr id="93" name="TextBox 92">
+                      <a:extLst>
+                        <a:ext uri="{FF2B5EF4-FFF2-40B4-BE49-F238E27FC236}">
+                          <a16:creationId xmlns:a16="http://schemas.microsoft.com/office/drawing/2014/main" id="{E0F126E1-DD37-4C09-9297-4337CA2A2036}"/>
+                        </a:ext>
+                      </a:extLst>
+                    </p:cNvPr>
+                    <p:cNvSpPr txBox="1"/>
+                    <p:nvPr/>
+                  </p:nvSpPr>
+                  <p:spPr>
+                    <a:xfrm>
+                      <a:off x="2341907" y="28746679"/>
+                      <a:ext cx="10463456" cy="630873"/>
+                    </a:xfrm>
+                    <a:prstGeom prst="rect">
+                      <a:avLst/>
+                    </a:prstGeom>
+                    <a:noFill/>
+                  </p:spPr>
+                  <p:txBody>
+                    <a:bodyPr wrap="square" rtlCol="0">
+                      <a:spAutoFit/>
+                    </a:bodyPr>
+                    <a:lstStyle/>
+                    <a:p>
+                      <a:pPr algn="ctr"/>
+                      <a:r>
+                        <a:rPr lang="en-US" sz="3500" dirty="0">
+                          <a:solidFill>
+                            <a:srgbClr val="4A929C"/>
+                          </a:solidFill>
+                        </a:rPr>
+                        <a:t>architecture for securing models</a:t>
+                      </a:r>
+                      <a:endParaRPr lang="en-US" sz="3500" b="1" dirty="0">
+                        <a:solidFill>
+                          <a:srgbClr val="4A929C"/>
+                        </a:solidFill>
+                      </a:endParaRPr>
+                    </a:p>
+                  </p:txBody>
+                </p:sp>
+                <p:grpSp>
+                  <p:nvGrpSpPr>
+                    <p:cNvPr id="94" name="Group 93">
+                      <a:extLst>
+                        <a:ext uri="{FF2B5EF4-FFF2-40B4-BE49-F238E27FC236}">
+                          <a16:creationId xmlns:a16="http://schemas.microsoft.com/office/drawing/2014/main" id="{B3828EFC-7000-46BF-BD2A-1FC171B21C1C}"/>
+                        </a:ext>
+                      </a:extLst>
+                    </p:cNvPr>
+                    <p:cNvGrpSpPr/>
+                    <p:nvPr/>
+                  </p:nvGrpSpPr>
+                  <p:grpSpPr>
+                    <a:xfrm>
+                      <a:off x="770709" y="24541898"/>
+                      <a:ext cx="10993515" cy="4047773"/>
+                      <a:chOff x="4090983" y="20099382"/>
+                      <a:chExt cx="10993515" cy="4047773"/>
+                    </a:xfrm>
+                  </p:grpSpPr>
+                  <p:grpSp>
+                    <p:nvGrpSpPr>
+                      <p:cNvPr id="95" name="Group 94">
+                        <a:extLst>
+                          <a:ext uri="{FF2B5EF4-FFF2-40B4-BE49-F238E27FC236}">
+                            <a16:creationId xmlns:a16="http://schemas.microsoft.com/office/drawing/2014/main" id="{A59C9991-9736-408F-A168-BFB599E667AC}"/>
+                          </a:ext>
+                        </a:extLst>
+                      </p:cNvPr>
+                      <p:cNvGrpSpPr/>
+                      <p:nvPr/>
+                    </p:nvGrpSpPr>
+                    <p:grpSpPr>
+                      <a:xfrm>
+                        <a:off x="4090983" y="20586785"/>
+                        <a:ext cx="10821078" cy="3203523"/>
+                        <a:chOff x="4273863" y="20373425"/>
+                        <a:chExt cx="10821078" cy="3203523"/>
+                      </a:xfrm>
+                    </p:grpSpPr>
+                    <p:grpSp>
+                      <p:nvGrpSpPr>
+                        <p:cNvPr id="97" name="Group 96">
+                          <a:extLst>
+                            <a:ext uri="{FF2B5EF4-FFF2-40B4-BE49-F238E27FC236}">
+                              <a16:creationId xmlns:a16="http://schemas.microsoft.com/office/drawing/2014/main" id="{DC5EF675-B421-4463-9738-25F436D61089}"/>
+                            </a:ext>
+                          </a:extLst>
+                        </p:cNvPr>
+                        <p:cNvGrpSpPr/>
+                        <p:nvPr/>
+                      </p:nvGrpSpPr>
+                      <p:grpSpPr>
+                        <a:xfrm>
+                          <a:off x="7039334" y="21202506"/>
+                          <a:ext cx="963162" cy="1565513"/>
+                          <a:chOff x="15465968" y="19638480"/>
+                          <a:chExt cx="963162" cy="1565513"/>
+                        </a:xfrm>
+                      </p:grpSpPr>
+                      <p:pic>
+                        <p:nvPicPr>
+                          <p:cNvPr id="101" name="Picture 100" descr="A close up of a device&#10;&#10;Description automatically generated">
+                            <a:extLst>
+                              <a:ext uri="{FF2B5EF4-FFF2-40B4-BE49-F238E27FC236}">
+                                <a16:creationId xmlns:a16="http://schemas.microsoft.com/office/drawing/2014/main" id="{3B7195B5-32C1-4328-86E8-011BFABB93A6}"/>
+                              </a:ext>
+                            </a:extLst>
+                          </p:cNvPr>
+                          <p:cNvPicPr>
+                            <a:picLocks noChangeAspect="1"/>
+                          </p:cNvPicPr>
+                          <p:nvPr/>
+                        </p:nvPicPr>
+                        <p:blipFill>
+                          <a:blip r:embed="rId30">
+                            <a:extLst>
+                              <a:ext uri="{28A0092B-C50C-407E-A947-70E740481C1C}">
+                                <a14:useLocalDpi xmlns:a14="http://schemas.microsoft.com/office/drawing/2010/main" val="0"/>
+                              </a:ext>
+                            </a:extLst>
+                          </a:blip>
+                          <a:stretch>
+                            <a:fillRect/>
+                          </a:stretch>
+                        </p:blipFill>
+                        <p:spPr>
+                          <a:xfrm>
+                            <a:off x="15529130" y="20303993"/>
+                            <a:ext cx="900000" cy="900000"/>
+                          </a:xfrm>
+                          <a:prstGeom prst="rect">
+                            <a:avLst/>
+                          </a:prstGeom>
+                        </p:spPr>
+                      </p:pic>
+                      <p:pic>
+                        <p:nvPicPr>
+                          <p:cNvPr id="102" name="Picture 101">
+                            <a:extLst>
+                              <a:ext uri="{FF2B5EF4-FFF2-40B4-BE49-F238E27FC236}">
+                                <a16:creationId xmlns:a16="http://schemas.microsoft.com/office/drawing/2014/main" id="{7E459366-728A-45AF-B85E-046A28505D58}"/>
+                              </a:ext>
+                            </a:extLst>
+                          </p:cNvPr>
+                          <p:cNvPicPr>
+                            <a:picLocks noChangeAspect="1"/>
+                          </p:cNvPicPr>
+                          <p:nvPr/>
+                        </p:nvPicPr>
+                        <p:blipFill>
+                          <a:blip r:embed="rId31" cstate="print">
+                            <a:extLst>
+                              <a:ext uri="{28A0092B-C50C-407E-A947-70E740481C1C}">
+                                <a14:useLocalDpi xmlns:a14="http://schemas.microsoft.com/office/drawing/2010/main" val="0"/>
+                              </a:ext>
+                            </a:extLst>
+                          </a:blip>
+                          <a:stretch>
+                            <a:fillRect/>
+                          </a:stretch>
+                        </p:blipFill>
+                        <p:spPr>
+                          <a:xfrm>
+                            <a:off x="15465968" y="19638480"/>
+                            <a:ext cx="914400" cy="913468"/>
+                          </a:xfrm>
+                          <a:prstGeom prst="rect">
+                            <a:avLst/>
+                          </a:prstGeom>
+                        </p:spPr>
+                      </p:pic>
+                    </p:grpSp>
+                    <p:pic>
+                      <p:nvPicPr>
+                        <p:cNvPr id="98" name="Picture 97" descr="A close up of a device&#10;&#10;Description automatically generated">
+                          <a:extLst>
+                            <a:ext uri="{FF2B5EF4-FFF2-40B4-BE49-F238E27FC236}">
+                              <a16:creationId xmlns:a16="http://schemas.microsoft.com/office/drawing/2014/main" id="{E24AD8BE-4DE1-4538-9331-4E3990B50345}"/>
+                            </a:ext>
+                          </a:extLst>
+                        </p:cNvPr>
+                        <p:cNvPicPr>
+                          <a:picLocks noChangeAspect="1"/>
+                        </p:cNvPicPr>
+                        <p:nvPr/>
+                      </p:nvPicPr>
+                      <p:blipFill rotWithShape="1">
+                        <a:blip r:embed="rId32">
+                          <a:extLst>
+                            <a:ext uri="{28A0092B-C50C-407E-A947-70E740481C1C}">
+                              <a14:useLocalDpi xmlns:a14="http://schemas.microsoft.com/office/drawing/2010/main" val="0"/>
+                            </a:ext>
+                          </a:extLst>
+                        </a:blip>
+                        <a:srcRect l="18802"/>
+                        <a:stretch/>
+                      </p:blipFill>
+                      <p:spPr>
+                        <a:xfrm>
+                          <a:off x="4273863" y="20827697"/>
+                          <a:ext cx="2338503" cy="2160000"/>
+                        </a:xfrm>
+                        <a:prstGeom prst="rect">
+                          <a:avLst/>
+                        </a:prstGeom>
+                      </p:spPr>
+                    </p:pic>
+                    <p:pic>
+                      <p:nvPicPr>
+                        <p:cNvPr id="99" name="Picture 98" descr="A picture containing crossword puzzle, text, black, floor&#10;&#10;Description automatically generated">
+                          <a:extLst>
+                            <a:ext uri="{FF2B5EF4-FFF2-40B4-BE49-F238E27FC236}">
+                              <a16:creationId xmlns:a16="http://schemas.microsoft.com/office/drawing/2014/main" id="{C80C5476-8CCA-486C-90D3-FA0B1C5D7683}"/>
+                            </a:ext>
+                          </a:extLst>
+                        </p:cNvPr>
+                        <p:cNvPicPr>
+                          <a:picLocks noChangeAspect="1"/>
+                        </p:cNvPicPr>
+                        <p:nvPr/>
+                      </p:nvPicPr>
+                      <p:blipFill>
+                        <a:blip r:embed="rId33">
+                          <a:extLst>
+                            <a:ext uri="{28A0092B-C50C-407E-A947-70E740481C1C}">
+                              <a14:useLocalDpi xmlns:a14="http://schemas.microsoft.com/office/drawing/2010/main" val="0"/>
+                            </a:ext>
+                          </a:extLst>
+                        </a:blip>
+                        <a:stretch>
+                          <a:fillRect/>
+                        </a:stretch>
+                      </p:blipFill>
+                      <p:spPr>
+                        <a:xfrm>
+                          <a:off x="8354111" y="20827697"/>
+                          <a:ext cx="2880000" cy="2160000"/>
+                        </a:xfrm>
+                        <a:prstGeom prst="rect">
+                          <a:avLst/>
+                        </a:prstGeom>
+                      </p:spPr>
+                    </p:pic>
+                    <p:pic>
+                      <p:nvPicPr>
+                        <p:cNvPr id="100" name="Picture 99">
+                          <a:extLst>
+                            <a:ext uri="{FF2B5EF4-FFF2-40B4-BE49-F238E27FC236}">
+                              <a16:creationId xmlns:a16="http://schemas.microsoft.com/office/drawing/2014/main" id="{7B2482F8-8B5C-4925-B39C-C0974E45A424}"/>
+                            </a:ext>
+                          </a:extLst>
+                        </p:cNvPr>
+                        <p:cNvPicPr>
+                          <a:picLocks noChangeAspect="1"/>
+                        </p:cNvPicPr>
+                        <p:nvPr/>
+                      </p:nvPicPr>
+                      <p:blipFill>
+                        <a:blip r:embed="rId34">
+                          <a:extLst>
+                            <a:ext uri="{28A0092B-C50C-407E-A947-70E740481C1C}">
+                              <a14:useLocalDpi xmlns:a14="http://schemas.microsoft.com/office/drawing/2010/main" val="0"/>
+                            </a:ext>
+                          </a:extLst>
+                        </a:blip>
+                        <a:stretch>
+                          <a:fillRect/>
+                        </a:stretch>
+                      </p:blipFill>
+                      <p:spPr>
+                        <a:xfrm>
+                          <a:off x="11620221" y="20373425"/>
+                          <a:ext cx="3474720" cy="3203523"/>
+                        </a:xfrm>
+                        <a:prstGeom prst="rect">
+                          <a:avLst/>
+                        </a:prstGeom>
+                      </p:spPr>
+                    </p:pic>
+                  </p:grpSp>
+                  <p:sp>
+                    <p:nvSpPr>
+                      <p:cNvPr id="96" name="Rectangle: Rounded Corners 97">
+                        <a:extLst>
+                          <a:ext uri="{FF2B5EF4-FFF2-40B4-BE49-F238E27FC236}">
+                            <a16:creationId xmlns:a16="http://schemas.microsoft.com/office/drawing/2014/main" id="{7082610D-6AD0-4B72-8799-8EF096B5C63B}"/>
+                          </a:ext>
+                        </a:extLst>
+                      </p:cNvPr>
+                      <p:cNvSpPr/>
+                      <p:nvPr/>
+                    </p:nvSpPr>
+                    <p:spPr>
+                      <a:xfrm>
+                        <a:off x="6329133" y="20099382"/>
+                        <a:ext cx="8755365" cy="4047773"/>
+                      </a:xfrm>
+                      <a:prstGeom prst="roundRect">
+                        <a:avLst/>
+                      </a:prstGeom>
+                      <a:noFill/>
+                      <a:ln w="76200">
+                        <a:solidFill>
+                          <a:srgbClr val="4A929C"/>
+                        </a:solidFill>
+                      </a:ln>
+                    </p:spPr>
+                    <p:style>
+                      <a:lnRef idx="2">
+                        <a:schemeClr val="accent1">
+                          <a:shade val="50000"/>
+                        </a:schemeClr>
+                      </a:lnRef>
+                      <a:fillRef idx="1">
+                        <a:schemeClr val="accent1"/>
+                      </a:fillRef>
+                      <a:effectRef idx="0">
+                        <a:schemeClr val="accent1"/>
+                      </a:effectRef>
+                      <a:fontRef idx="minor">
+                        <a:schemeClr val="lt1"/>
+                      </a:fontRef>
+                    </p:style>
+                    <p:txBody>
+                      <a:bodyPr rtlCol="0" anchor="ctr"/>
+                      <a:lstStyle/>
+                      <a:p>
+                        <a:pPr algn="ctr"/>
+                        <a:endParaRPr lang="en-US" dirty="0"/>
+                      </a:p>
+                    </p:txBody>
+                  </p:sp>
+                </p:grpSp>
+              </p:grpSp>
+              <p:sp>
+                <p:nvSpPr>
+                  <p:cNvPr id="92" name="Speech Bubble: Oval 187">
+                    <a:extLst>
+                      <a:ext uri="{FF2B5EF4-FFF2-40B4-BE49-F238E27FC236}">
+                        <a16:creationId xmlns:a16="http://schemas.microsoft.com/office/drawing/2014/main" id="{078F6DC7-CB18-4D83-B6C3-E52851F35E01}"/>
+                      </a:ext>
+                    </a:extLst>
+                  </p:cNvPr>
+                  <p:cNvSpPr/>
+                  <p:nvPr/>
+                </p:nvSpPr>
+                <p:spPr>
+                  <a:xfrm>
+                    <a:off x="11936463" y="25832243"/>
+                    <a:ext cx="2404617" cy="1061710"/>
+                  </a:xfrm>
+                  <a:prstGeom prst="wedgeEllipseCallout">
+                    <a:avLst>
+                      <a:gd name="adj1" fmla="val -57939"/>
+                      <a:gd name="adj2" fmla="val 46599"/>
+                    </a:avLst>
+                  </a:prstGeom>
+                  <a:noFill/>
+                  <a:ln w="76200">
+                    <a:solidFill>
+                      <a:srgbClr val="4A929C"/>
+                    </a:solidFill>
+                  </a:ln>
+                </p:spPr>
+                <p:style>
+                  <a:lnRef idx="2">
+                    <a:schemeClr val="accent1">
+                      <a:shade val="50000"/>
+                    </a:schemeClr>
+                  </a:lnRef>
+                  <a:fillRef idx="1">
+                    <a:schemeClr val="accent1"/>
+                  </a:fillRef>
+                  <a:effectRef idx="0">
+                    <a:schemeClr val="accent1"/>
+                  </a:effectRef>
+                  <a:fontRef idx="minor">
+                    <a:schemeClr val="lt1"/>
+                  </a:fontRef>
+                </p:style>
+                <p:txBody>
+                  <a:bodyPr rtlCol="0" anchor="ctr"/>
+                  <a:lstStyle/>
+                  <a:p>
+                    <a:pPr algn="ctr"/>
+                    <a:r>
+                      <a:rPr lang="en-US" sz="3500" b="1" dirty="0">
+                        <a:solidFill>
+                          <a:srgbClr val="FF8000"/>
+                        </a:solidFill>
+                      </a:rPr>
+                      <a:t>T-shirt</a:t>
+                    </a:r>
+                  </a:p>
+                </p:txBody>
+              </p:sp>
+            </p:grpSp>
+            <p:cxnSp>
+              <p:nvCxnSpPr>
+                <p:cNvPr id="88" name="Straight Arrow Connector 87">
+                  <a:extLst>
+                    <a:ext uri="{FF2B5EF4-FFF2-40B4-BE49-F238E27FC236}">
+                      <a16:creationId xmlns:a16="http://schemas.microsoft.com/office/drawing/2014/main" id="{1338B41E-BE41-4E7F-AB5D-DBDF1AC91A9C}"/>
+                    </a:ext>
+                  </a:extLst>
+                </p:cNvPr>
+                <p:cNvCxnSpPr/>
+                <p:nvPr/>
+              </p:nvCxnSpPr>
+              <p:spPr>
+                <a:xfrm>
+                  <a:off x="7076284" y="26791200"/>
+                  <a:ext cx="640080" cy="0"/>
+                </a:xfrm>
+                <a:prstGeom prst="straightConnector1">
+                  <a:avLst/>
+                </a:prstGeom>
+                <a:ln w="38100">
+                  <a:solidFill>
+                    <a:srgbClr val="4A929C"/>
+                  </a:solidFill>
+                  <a:tailEnd type="triangle"/>
+                </a:ln>
+              </p:spPr>
+              <p:style>
+                <a:lnRef idx="1">
+                  <a:schemeClr val="accent1"/>
+                </a:lnRef>
+                <a:fillRef idx="0">
+                  <a:schemeClr val="accent1"/>
+                </a:fillRef>
+                <a:effectRef idx="0">
+                  <a:schemeClr val="accent1"/>
+                </a:effectRef>
+                <a:fontRef idx="minor">
+                  <a:schemeClr val="tx1"/>
+                </a:fontRef>
+              </p:style>
+            </p:cxnSp>
+            <p:cxnSp>
+              <p:nvCxnSpPr>
+                <p:cNvPr id="89" name="Straight Arrow Connector 88">
+                  <a:extLst>
+                    <a:ext uri="{FF2B5EF4-FFF2-40B4-BE49-F238E27FC236}">
+                      <a16:creationId xmlns:a16="http://schemas.microsoft.com/office/drawing/2014/main" id="{138E9ACB-E391-4CA5-9E66-988BB55833A3}"/>
+                    </a:ext>
+                  </a:extLst>
+                </p:cNvPr>
+                <p:cNvCxnSpPr/>
+                <p:nvPr/>
+              </p:nvCxnSpPr>
+              <p:spPr>
+                <a:xfrm>
+                  <a:off x="4365837" y="26792679"/>
+                  <a:ext cx="640080" cy="0"/>
+                </a:xfrm>
+                <a:prstGeom prst="straightConnector1">
+                  <a:avLst/>
+                </a:prstGeom>
+                <a:ln w="38100">
+                  <a:solidFill>
+                    <a:srgbClr val="4A929C"/>
+                  </a:solidFill>
+                  <a:tailEnd type="triangle"/>
+                </a:ln>
+              </p:spPr>
+              <p:style>
+                <a:lnRef idx="1">
+                  <a:schemeClr val="accent1"/>
+                </a:lnRef>
+                <a:fillRef idx="0">
+                  <a:schemeClr val="accent1"/>
+                </a:fillRef>
+                <a:effectRef idx="0">
+                  <a:schemeClr val="accent1"/>
+                </a:effectRef>
+                <a:fontRef idx="minor">
+                  <a:schemeClr val="tx1"/>
+                </a:fontRef>
+              </p:style>
+            </p:cxnSp>
+            <p:cxnSp>
+              <p:nvCxnSpPr>
+                <p:cNvPr id="90" name="Straight Arrow Connector 89">
+                  <a:extLst>
+                    <a:ext uri="{FF2B5EF4-FFF2-40B4-BE49-F238E27FC236}">
+                      <a16:creationId xmlns:a16="http://schemas.microsoft.com/office/drawing/2014/main" id="{2C7BE932-3BC3-4A8A-9590-5CF30E25BF8F}"/>
+                    </a:ext>
+                  </a:extLst>
+                </p:cNvPr>
+                <p:cNvCxnSpPr/>
+                <p:nvPr/>
+              </p:nvCxnSpPr>
+              <p:spPr>
+                <a:xfrm>
+                  <a:off x="2343021" y="26791200"/>
+                  <a:ext cx="748987" cy="0"/>
+                </a:xfrm>
+                <a:prstGeom prst="straightConnector1">
+                  <a:avLst/>
+                </a:prstGeom>
+                <a:ln w="38100">
+                  <a:solidFill>
+                    <a:srgbClr val="4A929C"/>
+                  </a:solidFill>
+                  <a:tailEnd type="triangle"/>
+                </a:ln>
+              </p:spPr>
+              <p:style>
+                <a:lnRef idx="1">
+                  <a:schemeClr val="accent1"/>
+                </a:lnRef>
+                <a:fillRef idx="0">
+                  <a:schemeClr val="accent1"/>
+                </a:fillRef>
+                <a:effectRef idx="0">
+                  <a:schemeClr val="accent1"/>
+                </a:effectRef>
+                <a:fontRef idx="minor">
+                  <a:schemeClr val="tx1"/>
+                </a:fontRef>
+              </p:style>
+            </p:cxnSp>
+          </p:grpSp>
+          <p:sp>
+            <p:nvSpPr>
+              <p:cNvPr id="7" name="תיבת טקסט 18">
+                <a:extLst>
+                  <a:ext uri="{FF2B5EF4-FFF2-40B4-BE49-F238E27FC236}">
+                    <a16:creationId xmlns:a16="http://schemas.microsoft.com/office/drawing/2014/main" id="{16681B08-B5BB-4072-8771-E8321F8CFC99}"/>
+                  </a:ext>
+                </a:extLst>
+              </p:cNvPr>
+              <p:cNvSpPr txBox="1"/>
+              <p:nvPr/>
+            </p:nvSpPr>
+            <p:spPr>
+              <a:xfrm>
+                <a:off x="1437835" y="22498289"/>
+                <a:ext cx="13682009" cy="2424594"/>
+              </a:xfrm>
+              <a:prstGeom prst="rect">
+                <a:avLst/>
+              </a:prstGeom>
+              <a:noFill/>
+              <a:ln w="25400" cap="flat" cmpd="sng" algn="ctr">
+                <a:noFill/>
+                <a:prstDash val="solid"/>
+              </a:ln>
+              <a:effectLst/>
+            </p:spPr>
+            <p:txBody>
+              <a:bodyPr rot="0" spcFirstLastPara="0" vert="horz" wrap="square" lIns="91440" tIns="45720" rIns="91440" bIns="45720" numCol="1" spcCol="0" rtlCol="1" fromWordArt="0" anchor="t" anchorCtr="0" forceAA="0" compatLnSpc="1">
+                <a:prstTxWarp prst="textNoShape">
+                  <a:avLst/>
+                </a:prstTxWarp>
+                <a:noAutofit/>
+              </a:bodyPr>
+              <a:lstStyle/>
+              <a:p>
+                <a:r>
+                  <a:rPr lang="en-US" sz="3700" dirty="0">
+                    <a:latin typeface="Calibri" panose="020F0502020204030204" pitchFamily="34" charset="0"/>
+                    <a:ea typeface="Calibri" panose="020F0502020204030204" pitchFamily="34" charset="0"/>
+                    <a:cs typeface="Arial" panose="020B0604020202020204" pitchFamily="34" charset="0"/>
+                  </a:rPr>
+                  <a:t>Approach: training models on encrypted images.</a:t>
+                </a:r>
+              </a:p>
+              <a:p>
+                <a:r>
+                  <a:rPr lang="en-US" sz="3700" dirty="0">
+                    <a:latin typeface="Calibri" panose="020F0502020204030204" pitchFamily="34" charset="0"/>
+                    <a:ea typeface="Calibri" panose="020F0502020204030204" pitchFamily="34" charset="0"/>
+                    <a:cs typeface="Arial" panose="020B0604020202020204" pitchFamily="34" charset="0"/>
+                  </a:rPr>
+                  <a:t>Encryption techniques:</a:t>
+                </a:r>
+              </a:p>
+              <a:p>
+                <a:pPr marL="571500" indent="-571500">
+                  <a:buFont typeface="Wingdings" panose="05000000000000000000" pitchFamily="2" charset="2"/>
+                  <a:buChar char="v"/>
+                </a:pPr>
+                <a:r>
+                  <a:rPr lang="en-US" sz="3700" dirty="0">
+                    <a:latin typeface="Calibri" panose="020F0502020204030204" pitchFamily="34" charset="0"/>
+                    <a:ea typeface="Calibri" panose="020F0502020204030204" pitchFamily="34" charset="0"/>
+                    <a:cs typeface="Arial" panose="020B0604020202020204" pitchFamily="34" charset="0"/>
+                  </a:rPr>
+                  <a:t>Permutation</a:t>
+                </a:r>
+              </a:p>
+              <a:p>
+                <a:pPr marL="571500" indent="-571500">
+                  <a:buFont typeface="Wingdings" panose="05000000000000000000" pitchFamily="2" charset="2"/>
+                  <a:buChar char="v"/>
+                </a:pPr>
+                <a:r>
+                  <a:rPr lang="en-US" sz="3700" dirty="0">
+                    <a:latin typeface="Calibri" panose="020F0502020204030204" pitchFamily="34" charset="0"/>
+                    <a:ea typeface="Calibri" panose="020F0502020204030204" pitchFamily="34" charset="0"/>
+                    <a:cs typeface="Arial" panose="020B0604020202020204" pitchFamily="34" charset="0"/>
+                  </a:rPr>
+                  <a:t>AES in ECB, CBC and CTR modes</a:t>
+                </a:r>
+                <a:endParaRPr lang="en-US" sz="3700" dirty="0"/>
+              </a:p>
+              <a:p>
+                <a:endParaRPr lang="en-US" sz="3700" dirty="0">
+                  <a:latin typeface="Calibri" panose="020F0502020204030204" pitchFamily="34" charset="0"/>
+                  <a:ea typeface="Calibri" panose="020F0502020204030204" pitchFamily="34" charset="0"/>
+                  <a:cs typeface="Arial" panose="020B0604020202020204" pitchFamily="34" charset="0"/>
+                </a:endParaRPr>
+              </a:p>
+            </p:txBody>
+          </p:sp>
+        </p:grpSp>
+        <p:grpSp>
+          <p:nvGrpSpPr>
+            <p:cNvPr id="4" name="Group 3">
+              <a:extLst>
+                <a:ext uri="{FF2B5EF4-FFF2-40B4-BE49-F238E27FC236}">
+                  <a16:creationId xmlns:a16="http://schemas.microsoft.com/office/drawing/2014/main" id="{0B372712-1C67-456D-ABCD-34C284A2ABEF}"/>
+                </a:ext>
+              </a:extLst>
+            </p:cNvPr>
+            <p:cNvGrpSpPr/>
+            <p:nvPr/>
+          </p:nvGrpSpPr>
+          <p:grpSpPr>
+            <a:xfrm>
+              <a:off x="716400" y="22132800"/>
+              <a:ext cx="14403600" cy="843085"/>
+              <a:chOff x="716400" y="22132800"/>
+              <a:chExt cx="14403600" cy="843085"/>
+            </a:xfrm>
+          </p:grpSpPr>
+          <p:sp>
+            <p:nvSpPr>
+              <p:cNvPr id="120" name="Text Box 24">
+                <a:extLst>
+                  <a:ext uri="{FF2B5EF4-FFF2-40B4-BE49-F238E27FC236}">
+                    <a16:creationId xmlns:a16="http://schemas.microsoft.com/office/drawing/2014/main" id="{FDE47F35-01A0-469E-A4EA-F4319A3C15AA}"/>
+                  </a:ext>
+                </a:extLst>
+              </p:cNvPr>
+              <p:cNvSpPr txBox="1"/>
+              <p:nvPr/>
+            </p:nvSpPr>
+            <p:spPr>
+              <a:xfrm>
+                <a:off x="716400" y="22132800"/>
+                <a:ext cx="14403600" cy="843085"/>
+              </a:xfrm>
+              <a:prstGeom prst="chevron">
+                <a:avLst/>
+              </a:prstGeom>
+              <a:gradFill flip="none" rotWithShape="1">
+                <a:gsLst>
+                  <a:gs pos="50000">
+                    <a:srgbClr val="FF8000">
+                      <a:lumMod val="100000"/>
+                      <a:alpha val="75000"/>
+                    </a:srgbClr>
+                  </a:gs>
+                  <a:gs pos="0">
+                    <a:srgbClr val="FF8000"/>
+                  </a:gs>
+                  <a:gs pos="83000">
+                    <a:srgbClr val="FF8000">
+                      <a:alpha val="50000"/>
+                    </a:srgbClr>
+                  </a:gs>
+                </a:gsLst>
+                <a:lin ang="0" scaled="1"/>
+                <a:tileRect/>
+              </a:gradFill>
+              <a:ln w="6350">
+                <a:noFill/>
+              </a:ln>
+              <a:effectLst/>
+            </p:spPr>
+            <p:txBody>
+              <a:bodyPr rot="0" spcFirstLastPara="0" vert="horz" wrap="square" lIns="91440" tIns="45720" rIns="91440" bIns="45720" numCol="1" spcCol="0" rtlCol="0" fromWordArt="0" anchor="ctr" anchorCtr="0" forceAA="0" compatLnSpc="1">
+                <a:prstTxWarp prst="textNoShape">
+                  <a:avLst/>
+                </a:prstTxWarp>
+                <a:noAutofit/>
+              </a:bodyPr>
+              <a:lstStyle/>
+              <a:p>
+                <a:pPr algn="ctr">
+                  <a:lnSpc>
+                    <a:spcPct val="115000"/>
+                  </a:lnSpc>
+                  <a:spcAft>
+                    <a:spcPts val="1000"/>
+                  </a:spcAft>
+                </a:pPr>
+                <a:r>
+                  <a:rPr lang="en-US" sz="4000" b="1" kern="0" dirty="0">
+                    <a:solidFill>
+                      <a:srgbClr val="FFFFFF"/>
+                    </a:solidFill>
+                    <a:latin typeface="Calibri" panose="020F0502020204030204" pitchFamily="34" charset="0"/>
+                    <a:cs typeface="Arial" panose="020B0604020202020204" pitchFamily="34" charset="0"/>
+                  </a:rPr>
+                  <a:t>			Securing Models</a:t>
+                </a:r>
+              </a:p>
+            </p:txBody>
+          </p:sp>
+          <p:sp>
+            <p:nvSpPr>
+              <p:cNvPr id="129" name="Text Box 24">
+                <a:extLst>
+                  <a:ext uri="{FF2B5EF4-FFF2-40B4-BE49-F238E27FC236}">
+                    <a16:creationId xmlns:a16="http://schemas.microsoft.com/office/drawing/2014/main" id="{E82AE824-384B-48E2-BFBA-B265B3FCF609}"/>
+                  </a:ext>
+                </a:extLst>
+              </p:cNvPr>
+              <p:cNvSpPr txBox="1"/>
+              <p:nvPr/>
+            </p:nvSpPr>
+            <p:spPr>
+              <a:xfrm>
+                <a:off x="1508400" y="22132800"/>
+                <a:ext cx="842400" cy="843085"/>
+              </a:xfrm>
+              <a:prstGeom prst="ellipse">
+                <a:avLst/>
+              </a:prstGeom>
+              <a:solidFill>
+                <a:schemeClr val="bg1"/>
+              </a:solidFill>
+              <a:ln w="63500" cmpd="dbl">
                 <a:solidFill>
                   <a:srgbClr val="FF8000"/>
                 </a:solidFill>
+              </a:ln>
+            </p:spPr>
+            <p:txBody>
+              <a:bodyPr rot="0" spcFirstLastPara="0" vert="horz" wrap="square" lIns="91440" tIns="45720" rIns="91440" bIns="45720" numCol="1" spcCol="0" rtlCol="0" fromWordArt="0" anchor="ctr" anchorCtr="0" forceAA="0" compatLnSpc="1">
+                <a:prstTxWarp prst="textNoShape">
+                  <a:avLst/>
+                </a:prstTxWarp>
+                <a:noAutofit/>
+              </a:bodyPr>
+              <a:lstStyle/>
+              <a:p>
+                <a:pPr algn="ctr">
+                  <a:lnSpc>
+                    <a:spcPct val="115000"/>
+                  </a:lnSpc>
+                  <a:spcAft>
+                    <a:spcPts val="1000"/>
+                  </a:spcAft>
+                </a:pPr>
+                <a:r>
+                  <a:rPr lang="en-US" sz="5500" b="1" kern="0" dirty="0">
+                    <a:solidFill>
+                      <a:srgbClr val="FF8000"/>
+                    </a:solidFill>
+                    <a:latin typeface="Calibri" panose="020F0502020204030204" pitchFamily="34" charset="0"/>
+                    <a:cs typeface="Arial" panose="020B0604020202020204" pitchFamily="34" charset="0"/>
+                  </a:rPr>
+                  <a:t>2</a:t>
+                </a:r>
+              </a:p>
+            </p:txBody>
+          </p:sp>
+        </p:grpSp>
+      </p:grpSp>
+      <p:grpSp>
+        <p:nvGrpSpPr>
+          <p:cNvPr id="2" name="Group 1">
+            <a:extLst>
+              <a:ext uri="{FF2B5EF4-FFF2-40B4-BE49-F238E27FC236}">
+                <a16:creationId xmlns:a16="http://schemas.microsoft.com/office/drawing/2014/main" id="{DDB16EC3-AA06-4342-BDE6-AE0E0925A0EC}"/>
+              </a:ext>
+            </a:extLst>
+          </p:cNvPr>
+          <p:cNvGrpSpPr/>
+          <p:nvPr/>
+        </p:nvGrpSpPr>
+        <p:grpSpPr>
+          <a:xfrm>
+            <a:off x="716400" y="19035655"/>
+            <a:ext cx="14403600" cy="2616877"/>
+            <a:chOff x="716400" y="19035655"/>
+            <a:chExt cx="14403600" cy="2616877"/>
+          </a:xfrm>
+        </p:grpSpPr>
+        <p:grpSp>
+          <p:nvGrpSpPr>
+            <p:cNvPr id="24" name="Group 23">
+              <a:extLst>
+                <a:ext uri="{FF2B5EF4-FFF2-40B4-BE49-F238E27FC236}">
+                  <a16:creationId xmlns:a16="http://schemas.microsoft.com/office/drawing/2014/main" id="{53C697AF-52E9-4D36-A2E7-D8ED4F552308}"/>
+                </a:ext>
+              </a:extLst>
+            </p:cNvPr>
+            <p:cNvGrpSpPr/>
+            <p:nvPr/>
+          </p:nvGrpSpPr>
+          <p:grpSpPr>
+            <a:xfrm>
+              <a:off x="716400" y="19035655"/>
+              <a:ext cx="14403600" cy="2616877"/>
+              <a:chOff x="204" y="1"/>
+              <a:chExt cx="3091046" cy="737925"/>
+            </a:xfrm>
+          </p:grpSpPr>
+          <p:sp>
+            <p:nvSpPr>
+              <p:cNvPr id="25" name="תיבת טקסט 18">
+                <a:extLst>
+                  <a:ext uri="{FF2B5EF4-FFF2-40B4-BE49-F238E27FC236}">
+                    <a16:creationId xmlns:a16="http://schemas.microsoft.com/office/drawing/2014/main" id="{6C754D3D-FCC2-4053-9892-AAF25C0F628F}"/>
+                  </a:ext>
+                </a:extLst>
+              </p:cNvPr>
+              <p:cNvSpPr txBox="1"/>
+              <p:nvPr/>
+            </p:nvSpPr>
+            <p:spPr>
+              <a:xfrm>
+                <a:off x="154718" y="242463"/>
+                <a:ext cx="2936532" cy="495463"/>
+              </a:xfrm>
+              <a:prstGeom prst="rect">
+                <a:avLst/>
+              </a:prstGeom>
+              <a:noFill/>
+              <a:ln w="25400" cap="flat" cmpd="sng" algn="ctr">
+                <a:noFill/>
+                <a:prstDash val="solid"/>
+              </a:ln>
+              <a:effectLst/>
+            </p:spPr>
+            <p:txBody>
+              <a:bodyPr rot="0" spcFirstLastPara="0" vert="horz" wrap="square" lIns="91440" tIns="45720" rIns="91440" bIns="45720" numCol="1" spcCol="0" rtlCol="1" fromWordArt="0" anchor="t" anchorCtr="0" forceAA="0" compatLnSpc="1">
+                <a:prstTxWarp prst="textNoShape">
+                  <a:avLst/>
+                </a:prstTxWarp>
+                <a:noAutofit/>
+              </a:bodyPr>
+              <a:lstStyle/>
+              <a:p>
+                <a:pPr marL="571500" indent="-571500">
+                  <a:buFont typeface="Wingdings" panose="05000000000000000000" pitchFamily="2" charset="2"/>
+                  <a:buChar char="ü"/>
+                </a:pPr>
+                <a:r>
+                  <a:rPr lang="en-US" sz="3700" dirty="0" err="1"/>
+                  <a:t>Mnist</a:t>
+                </a:r>
+                <a:r>
+                  <a:rPr lang="en-US" sz="3700" dirty="0"/>
+                  <a:t> and Fashion-</a:t>
+                </a:r>
+                <a:r>
+                  <a:rPr lang="en-US" sz="3700" dirty="0" err="1"/>
+                  <a:t>Mnist</a:t>
+                </a:r>
+                <a:r>
+                  <a:rPr lang="en-US" sz="3700" dirty="0"/>
+                  <a:t> datasets</a:t>
+                </a:r>
+              </a:p>
+              <a:p>
+                <a:pPr marL="571500" indent="-571500">
+                  <a:buFont typeface="Wingdings" panose="05000000000000000000" pitchFamily="2" charset="2"/>
+                  <a:buChar char="ü"/>
+                </a:pPr>
+                <a:r>
+                  <a:rPr lang="en-US" sz="3700" dirty="0"/>
+                  <a:t>Using well-known neural nets</a:t>
+                </a:r>
+              </a:p>
+              <a:p>
+                <a:pPr marL="571500" indent="-571500">
+                  <a:buFont typeface="Wingdings" panose="05000000000000000000" pitchFamily="2" charset="2"/>
+                  <a:buChar char="ü"/>
+                </a:pPr>
+                <a:r>
+                  <a:rPr lang="en-US" sz="3700" dirty="0"/>
+                  <a:t>Training ‘unsecured’ models</a:t>
+                </a:r>
+              </a:p>
+            </p:txBody>
+          </p:sp>
+          <p:sp>
+            <p:nvSpPr>
+              <p:cNvPr id="26" name="Text Box 24">
+                <a:extLst>
+                  <a:ext uri="{FF2B5EF4-FFF2-40B4-BE49-F238E27FC236}">
+                    <a16:creationId xmlns:a16="http://schemas.microsoft.com/office/drawing/2014/main" id="{5784222E-502A-4E2C-92F0-7F73523B69C2}"/>
+                  </a:ext>
+                </a:extLst>
+              </p:cNvPr>
+              <p:cNvSpPr txBox="1"/>
+              <p:nvPr/>
+            </p:nvSpPr>
+            <p:spPr>
+              <a:xfrm>
+                <a:off x="204" y="1"/>
+                <a:ext cx="3091046" cy="237739"/>
+              </a:xfrm>
+              <a:prstGeom prst="chevron">
+                <a:avLst/>
+              </a:prstGeom>
+              <a:gradFill flip="none" rotWithShape="1">
+                <a:gsLst>
+                  <a:gs pos="50000">
+                    <a:srgbClr val="FF8000">
+                      <a:lumMod val="100000"/>
+                      <a:alpha val="75000"/>
+                    </a:srgbClr>
+                  </a:gs>
+                  <a:gs pos="0">
+                    <a:srgbClr val="FF8000"/>
+                  </a:gs>
+                  <a:gs pos="83000">
+                    <a:srgbClr val="FF8000">
+                      <a:alpha val="50000"/>
+                    </a:srgbClr>
+                  </a:gs>
+                </a:gsLst>
+                <a:lin ang="0" scaled="1"/>
+                <a:tileRect/>
+              </a:gradFill>
+              <a:ln w="6350">
+                <a:noFill/>
+              </a:ln>
+              <a:effectLst/>
+            </p:spPr>
+            <p:txBody>
+              <a:bodyPr rot="0" spcFirstLastPara="0" vert="horz" wrap="square" lIns="91440" tIns="45720" rIns="91440" bIns="45720" numCol="1" spcCol="0" rtlCol="0" fromWordArt="0" anchor="ctr" anchorCtr="0" forceAA="0" compatLnSpc="1">
+                <a:prstTxWarp prst="textNoShape">
+                  <a:avLst/>
+                </a:prstTxWarp>
+                <a:noAutofit/>
+              </a:bodyPr>
+              <a:lstStyle/>
+              <a:p>
+                <a:pPr algn="ctr">
+                  <a:lnSpc>
+                    <a:spcPct val="115000"/>
+                  </a:lnSpc>
+                  <a:spcAft>
+                    <a:spcPts val="1000"/>
+                  </a:spcAft>
+                </a:pPr>
+                <a:r>
+                  <a:rPr lang="en-US" sz="4000" b="1" kern="0" dirty="0">
+                    <a:solidFill>
+                      <a:srgbClr val="FFFFFF"/>
+                    </a:solidFill>
+                    <a:latin typeface="Calibri" panose="020F0502020204030204" pitchFamily="34" charset="0"/>
+                    <a:cs typeface="Arial" panose="020B0604020202020204" pitchFamily="34" charset="0"/>
+                  </a:rPr>
+                  <a:t>			Set-Up</a:t>
+                </a:r>
+              </a:p>
+            </p:txBody>
+          </p:sp>
+        </p:grpSp>
+        <p:sp>
+          <p:nvSpPr>
+            <p:cNvPr id="130" name="Text Box 24">
+              <a:extLst>
+                <a:ext uri="{FF2B5EF4-FFF2-40B4-BE49-F238E27FC236}">
+                  <a16:creationId xmlns:a16="http://schemas.microsoft.com/office/drawing/2014/main" id="{81267207-65EC-4A34-B8E6-6AC9975B0BBC}"/>
+                </a:ext>
+              </a:extLst>
+            </p:cNvPr>
+            <p:cNvSpPr txBox="1"/>
+            <p:nvPr/>
+          </p:nvSpPr>
+          <p:spPr>
+            <a:xfrm>
+              <a:off x="1508400" y="19036800"/>
+              <a:ext cx="842400" cy="843085"/>
+            </a:xfrm>
+            <a:prstGeom prst="ellipse">
+              <a:avLst/>
+            </a:prstGeom>
+            <a:solidFill>
+              <a:schemeClr val="bg1"/>
+            </a:solidFill>
+            <a:ln w="63500" cmpd="dbl">
+              <a:solidFill>
+                <a:srgbClr val="FF8000"/>
+              </a:solidFill>
+            </a:ln>
+          </p:spPr>
+          <p:txBody>
+            <a:bodyPr rot="0" spcFirstLastPara="0" vert="horz" wrap="square" lIns="91440" tIns="45720" rIns="91440" bIns="45720" numCol="1" spcCol="0" rtlCol="0" fromWordArt="0" anchor="ctr" anchorCtr="0" forceAA="0" compatLnSpc="1">
+              <a:prstTxWarp prst="textNoShape">
+                <a:avLst/>
+              </a:prstTxWarp>
+              <a:noAutofit/>
+            </a:bodyPr>
+            <a:lstStyle/>
+            <a:p>
+              <a:pPr algn="ctr">
+                <a:lnSpc>
+                  <a:spcPct val="115000"/>
+                </a:lnSpc>
+                <a:spcAft>
+                  <a:spcPts val="1000"/>
+                </a:spcAft>
+              </a:pPr>
+              <a:r>
+                <a:rPr lang="en-US" sz="5500" b="1" kern="0" dirty="0">
+                  <a:solidFill>
+                    <a:srgbClr val="FF8000"/>
+                  </a:solidFill>
+                  <a:latin typeface="Calibri" panose="020F0502020204030204" pitchFamily="34" charset="0"/>
+                  <a:cs typeface="Arial" panose="020B0604020202020204" pitchFamily="34" charset="0"/>
+                </a:rPr>
+                <a:t>1</a:t>
+              </a:r>
+            </a:p>
+          </p:txBody>
+        </p:sp>
+      </p:grpSp>
+      <p:grpSp>
+        <p:nvGrpSpPr>
+          <p:cNvPr id="11" name="Group 10">
+            <a:extLst>
+              <a:ext uri="{FF2B5EF4-FFF2-40B4-BE49-F238E27FC236}">
+                <a16:creationId xmlns:a16="http://schemas.microsoft.com/office/drawing/2014/main" id="{E83706BF-83B1-40F5-89A3-20F21306C2C8}"/>
+              </a:ext>
+            </a:extLst>
+          </p:cNvPr>
+          <p:cNvGrpSpPr/>
+          <p:nvPr/>
+        </p:nvGrpSpPr>
+        <p:grpSpPr>
+          <a:xfrm>
+            <a:off x="17280000" y="9309600"/>
+            <a:ext cx="14403600" cy="8597824"/>
+            <a:chOff x="17280000" y="9309600"/>
+            <a:chExt cx="14403600" cy="8597824"/>
+          </a:xfrm>
+        </p:grpSpPr>
+        <p:grpSp>
+          <p:nvGrpSpPr>
+            <p:cNvPr id="58" name="Group 57">
+              <a:extLst>
+                <a:ext uri="{FF2B5EF4-FFF2-40B4-BE49-F238E27FC236}">
+                  <a16:creationId xmlns:a16="http://schemas.microsoft.com/office/drawing/2014/main" id="{637694B7-B59B-4709-A786-03DE0A339FF9}"/>
+                </a:ext>
+              </a:extLst>
+            </p:cNvPr>
+            <p:cNvGrpSpPr/>
+            <p:nvPr/>
+          </p:nvGrpSpPr>
+          <p:grpSpPr>
+            <a:xfrm>
+              <a:off x="18957141" y="12911224"/>
+              <a:ext cx="11768258" cy="4996200"/>
+              <a:chOff x="18231739" y="12888957"/>
+              <a:chExt cx="11764800" cy="4995103"/>
+            </a:xfrm>
+          </p:grpSpPr>
+          <p:sp>
+            <p:nvSpPr>
+              <p:cNvPr id="59" name="TextBox 58">
+                <a:extLst>
+                  <a:ext uri="{FF2B5EF4-FFF2-40B4-BE49-F238E27FC236}">
+                    <a16:creationId xmlns:a16="http://schemas.microsoft.com/office/drawing/2014/main" id="{9AFC47EB-42FA-43B1-B48C-00D6F8E3D06D}"/>
+                  </a:ext>
+                </a:extLst>
+              </p:cNvPr>
+              <p:cNvSpPr txBox="1"/>
+              <p:nvPr/>
+            </p:nvSpPr>
+            <p:spPr>
+              <a:xfrm>
+                <a:off x="18257217" y="17253188"/>
+                <a:ext cx="11654258" cy="630872"/>
+              </a:xfrm>
+              <a:prstGeom prst="rect">
+                <a:avLst/>
+              </a:prstGeom>
+              <a:noFill/>
+            </p:spPr>
+            <p:txBody>
+              <a:bodyPr wrap="square" rtlCol="0">
+                <a:spAutoFit/>
+              </a:bodyPr>
+              <a:lstStyle/>
+              <a:p>
+                <a:pPr algn="ctr"/>
+                <a:r>
+                  <a:rPr lang="en-US" sz="3500" dirty="0">
+                    <a:solidFill>
+                      <a:srgbClr val="4A929C"/>
+                    </a:solidFill>
+                  </a:rPr>
+                  <a:t>visualization of a CW attack secured by permutation</a:t>
+                </a:r>
+              </a:p>
+            </p:txBody>
+          </p:sp>
+          <p:grpSp>
+            <p:nvGrpSpPr>
+              <p:cNvPr id="60" name="Group 59">
+                <a:extLst>
+                  <a:ext uri="{FF2B5EF4-FFF2-40B4-BE49-F238E27FC236}">
+                    <a16:creationId xmlns:a16="http://schemas.microsoft.com/office/drawing/2014/main" id="{ED32B511-0E3E-4DE1-B134-A452408ABAB8}"/>
+                  </a:ext>
+                </a:extLst>
+              </p:cNvPr>
+              <p:cNvGrpSpPr/>
+              <p:nvPr/>
+            </p:nvGrpSpPr>
+            <p:grpSpPr>
+              <a:xfrm>
+                <a:off x="18231739" y="12888957"/>
+                <a:ext cx="11764800" cy="4316616"/>
+                <a:chOff x="18231739" y="12706077"/>
+                <a:chExt cx="11764800" cy="4316616"/>
+              </a:xfrm>
+            </p:grpSpPr>
+            <p:grpSp>
+              <p:nvGrpSpPr>
+                <p:cNvPr id="61" name="Group 60">
+                  <a:extLst>
+                    <a:ext uri="{FF2B5EF4-FFF2-40B4-BE49-F238E27FC236}">
+                      <a16:creationId xmlns:a16="http://schemas.microsoft.com/office/drawing/2014/main" id="{125B5DCB-4636-445B-A635-238A15DE4132}"/>
+                    </a:ext>
+                  </a:extLst>
+                </p:cNvPr>
+                <p:cNvGrpSpPr/>
+                <p:nvPr/>
+              </p:nvGrpSpPr>
+              <p:grpSpPr>
+                <a:xfrm>
+                  <a:off x="18466786" y="12706077"/>
+                  <a:ext cx="11265149" cy="3493447"/>
+                  <a:chOff x="18466786" y="12706077"/>
+                  <a:chExt cx="11265149" cy="3493447"/>
+                </a:xfrm>
+              </p:grpSpPr>
+              <p:pic>
+                <p:nvPicPr>
+                  <p:cNvPr id="64" name="Picture 63" descr="A close up of a person&#10;&#10;Description automatically generated">
+                    <a:extLst>
+                      <a:ext uri="{FF2B5EF4-FFF2-40B4-BE49-F238E27FC236}">
+                        <a16:creationId xmlns:a16="http://schemas.microsoft.com/office/drawing/2014/main" id="{81682841-10C6-478C-8E71-C4D5B442C2D4}"/>
+                      </a:ext>
+                    </a:extLst>
+                  </p:cNvPr>
+                  <p:cNvPicPr>
+                    <a:picLocks noChangeAspect="1"/>
+                  </p:cNvPicPr>
+                  <p:nvPr/>
+                </p:nvPicPr>
+                <p:blipFill>
+                  <a:blip r:embed="rId35">
+                    <a:extLst>
+                      <a:ext uri="{28A0092B-C50C-407E-A947-70E740481C1C}">
+                        <a14:useLocalDpi xmlns:a14="http://schemas.microsoft.com/office/drawing/2010/main" val="0"/>
+                      </a:ext>
+                    </a:extLst>
+                  </a:blip>
+                  <a:stretch>
+                    <a:fillRect/>
+                  </a:stretch>
+                </p:blipFill>
+                <p:spPr>
+                  <a:xfrm>
+                    <a:off x="21937517" y="12960000"/>
+                    <a:ext cx="4319365" cy="3239524"/>
+                  </a:xfrm>
+                  <a:prstGeom prst="rect">
+                    <a:avLst/>
+                  </a:prstGeom>
+                </p:spPr>
+              </p:pic>
+              <p:pic>
+                <p:nvPicPr>
+                  <p:cNvPr id="65" name="Picture 64" descr="A close up of a logo&#10;&#10;Description automatically generated">
+                    <a:extLst>
+                      <a:ext uri="{FF2B5EF4-FFF2-40B4-BE49-F238E27FC236}">
+                        <a16:creationId xmlns:a16="http://schemas.microsoft.com/office/drawing/2014/main" id="{D6B359FB-9A67-42EA-A4D5-41493FC97E4D}"/>
+                      </a:ext>
+                    </a:extLst>
+                  </p:cNvPr>
+                  <p:cNvPicPr>
+                    <a:picLocks noChangeAspect="1"/>
+                  </p:cNvPicPr>
+                  <p:nvPr/>
+                </p:nvPicPr>
+                <p:blipFill>
+                  <a:blip r:embed="rId36">
+                    <a:extLst>
+                      <a:ext uri="{28A0092B-C50C-407E-A947-70E740481C1C}">
+                        <a14:useLocalDpi xmlns:a14="http://schemas.microsoft.com/office/drawing/2010/main" val="0"/>
+                      </a:ext>
+                    </a:extLst>
+                  </a:blip>
+                  <a:stretch>
+                    <a:fillRect/>
+                  </a:stretch>
+                </p:blipFill>
+                <p:spPr>
+                  <a:xfrm>
+                    <a:off x="18466786" y="12958582"/>
+                    <a:ext cx="4319365" cy="3239524"/>
+                  </a:xfrm>
+                  <a:prstGeom prst="rect">
+                    <a:avLst/>
+                  </a:prstGeom>
+                </p:spPr>
+              </p:pic>
+              <p:pic>
+                <p:nvPicPr>
+                  <p:cNvPr id="66" name="Picture 65" descr="A close up of a logo&#10;&#10;Description automatically generated">
+                    <a:extLst>
+                      <a:ext uri="{FF2B5EF4-FFF2-40B4-BE49-F238E27FC236}">
+                        <a16:creationId xmlns:a16="http://schemas.microsoft.com/office/drawing/2014/main" id="{F7B74625-E64F-42CD-A757-795B53D0C962}"/>
+                      </a:ext>
+                    </a:extLst>
+                  </p:cNvPr>
+                  <p:cNvPicPr>
+                    <a:picLocks noChangeAspect="1"/>
+                  </p:cNvPicPr>
+                  <p:nvPr/>
+                </p:nvPicPr>
+                <p:blipFill>
+                  <a:blip r:embed="rId37">
+                    <a:extLst>
+                      <a:ext uri="{28A0092B-C50C-407E-A947-70E740481C1C}">
+                        <a14:useLocalDpi xmlns:a14="http://schemas.microsoft.com/office/drawing/2010/main" val="0"/>
+                      </a:ext>
+                    </a:extLst>
+                  </a:blip>
+                  <a:stretch>
+                    <a:fillRect/>
+                  </a:stretch>
+                </p:blipFill>
+                <p:spPr>
+                  <a:xfrm>
+                    <a:off x="25412570" y="12960000"/>
+                    <a:ext cx="4319365" cy="3239524"/>
+                  </a:xfrm>
+                  <a:prstGeom prst="rect">
+                    <a:avLst/>
+                  </a:prstGeom>
+                </p:spPr>
+              </p:pic>
+              <p:sp>
+                <p:nvSpPr>
+                  <p:cNvPr id="67" name="TextBox 66">
+                    <a:extLst>
+                      <a:ext uri="{FF2B5EF4-FFF2-40B4-BE49-F238E27FC236}">
+                        <a16:creationId xmlns:a16="http://schemas.microsoft.com/office/drawing/2014/main" id="{3DDD1541-8047-44BB-9199-9795894A96C2}"/>
+                      </a:ext>
+                    </a:extLst>
+                  </p:cNvPr>
+                  <p:cNvSpPr txBox="1"/>
+                  <p:nvPr/>
+                </p:nvSpPr>
+                <p:spPr>
+                  <a:xfrm>
+                    <a:off x="25407458" y="14065200"/>
+                    <a:ext cx="974300" cy="630872"/>
+                  </a:xfrm>
+                  <a:prstGeom prst="rect">
+                    <a:avLst/>
+                  </a:prstGeom>
+                  <a:noFill/>
+                </p:spPr>
+                <p:txBody>
+                  <a:bodyPr wrap="square" rtlCol="0">
+                    <a:spAutoFit/>
+                  </a:bodyPr>
+                  <a:lstStyle/>
+                  <a:p>
+                    <a:pPr algn="ctr"/>
+                    <a:r>
+                      <a:rPr lang="en-US" sz="3500" b="1" dirty="0"/>
+                      <a:t>=</a:t>
+                    </a:r>
+                  </a:p>
+                </p:txBody>
+              </p:sp>
+              <p:sp>
+                <p:nvSpPr>
+                  <p:cNvPr id="68" name="TextBox 67">
+                    <a:extLst>
+                      <a:ext uri="{FF2B5EF4-FFF2-40B4-BE49-F238E27FC236}">
+                        <a16:creationId xmlns:a16="http://schemas.microsoft.com/office/drawing/2014/main" id="{D2C6FFDE-1D92-4368-9EE1-96CB4B026C9A}"/>
+                      </a:ext>
+                    </a:extLst>
+                  </p:cNvPr>
+                  <p:cNvSpPr txBox="1"/>
+                  <p:nvPr/>
+                </p:nvSpPr>
+                <p:spPr>
+                  <a:xfrm>
+                    <a:off x="21935059" y="14063899"/>
+                    <a:ext cx="974300" cy="630872"/>
+                  </a:xfrm>
+                  <a:prstGeom prst="rect">
+                    <a:avLst/>
+                  </a:prstGeom>
+                  <a:noFill/>
+                </p:spPr>
+                <p:txBody>
+                  <a:bodyPr wrap="square" rtlCol="0">
+                    <a:spAutoFit/>
+                  </a:bodyPr>
+                  <a:lstStyle/>
+                  <a:p>
+                    <a:pPr algn="ctr"/>
+                    <a:r>
+                      <a:rPr lang="en-US" sz="3500" b="1" dirty="0"/>
+                      <a:t>+</a:t>
+                    </a:r>
+                  </a:p>
+                </p:txBody>
+              </p:sp>
+              <p:sp>
+                <p:nvSpPr>
+                  <p:cNvPr id="69" name="TextBox 68">
+                    <a:extLst>
+                      <a:ext uri="{FF2B5EF4-FFF2-40B4-BE49-F238E27FC236}">
+                        <a16:creationId xmlns:a16="http://schemas.microsoft.com/office/drawing/2014/main" id="{91FA1A4A-799D-4C1C-B711-221B958168CA}"/>
+                      </a:ext>
+                    </a:extLst>
+                  </p:cNvPr>
+                  <p:cNvSpPr txBox="1"/>
+                  <p:nvPr/>
+                </p:nvSpPr>
+                <p:spPr>
+                  <a:xfrm>
+                    <a:off x="26506276" y="12706077"/>
+                    <a:ext cx="2185741" cy="630872"/>
+                  </a:xfrm>
+                  <a:prstGeom prst="rect">
+                    <a:avLst/>
+                  </a:prstGeom>
+                  <a:noFill/>
+                </p:spPr>
+                <p:txBody>
+                  <a:bodyPr wrap="square" rtlCol="0">
+                    <a:spAutoFit/>
+                  </a:bodyPr>
+                  <a:lstStyle/>
+                  <a:p>
+                    <a:pPr algn="ctr"/>
+                    <a:r>
+                      <a:rPr lang="en-US" sz="3500" dirty="0">
+                        <a:solidFill>
+                          <a:srgbClr val="4A929C"/>
+                        </a:solidFill>
+                      </a:rPr>
+                      <a:t>adversarial</a:t>
+                    </a:r>
+                  </a:p>
+                </p:txBody>
+              </p:sp>
+              <p:sp>
+                <p:nvSpPr>
+                  <p:cNvPr id="70" name="TextBox 69">
+                    <a:extLst>
+                      <a:ext uri="{FF2B5EF4-FFF2-40B4-BE49-F238E27FC236}">
+                        <a16:creationId xmlns:a16="http://schemas.microsoft.com/office/drawing/2014/main" id="{75333DDE-85A8-4F7A-AB5E-D95541C8839B}"/>
+                      </a:ext>
+                    </a:extLst>
+                  </p:cNvPr>
+                  <p:cNvSpPr txBox="1"/>
+                  <p:nvPr/>
+                </p:nvSpPr>
+                <p:spPr>
+                  <a:xfrm>
+                    <a:off x="23325078" y="12706077"/>
+                    <a:ext cx="1556920" cy="630872"/>
+                  </a:xfrm>
+                  <a:prstGeom prst="rect">
+                    <a:avLst/>
+                  </a:prstGeom>
+                  <a:noFill/>
+                </p:spPr>
+                <p:txBody>
+                  <a:bodyPr wrap="square" rtlCol="0">
+                    <a:spAutoFit/>
+                  </a:bodyPr>
+                  <a:lstStyle/>
+                  <a:p>
+                    <a:pPr algn="ctr"/>
+                    <a:r>
+                      <a:rPr lang="en-US" sz="3500" dirty="0">
+                        <a:solidFill>
+                          <a:srgbClr val="4A929C"/>
+                        </a:solidFill>
+                      </a:rPr>
+                      <a:t>noise</a:t>
+                    </a:r>
+                  </a:p>
+                </p:txBody>
+              </p:sp>
+              <p:sp>
+                <p:nvSpPr>
+                  <p:cNvPr id="71" name="TextBox 70">
+                    <a:extLst>
+                      <a:ext uri="{FF2B5EF4-FFF2-40B4-BE49-F238E27FC236}">
+                        <a16:creationId xmlns:a16="http://schemas.microsoft.com/office/drawing/2014/main" id="{BC69923F-D19A-46C6-98D4-0A7872704C55}"/>
+                      </a:ext>
+                    </a:extLst>
+                  </p:cNvPr>
+                  <p:cNvSpPr txBox="1"/>
+                  <p:nvPr/>
+                </p:nvSpPr>
+                <p:spPr>
+                  <a:xfrm>
+                    <a:off x="19884886" y="12707358"/>
+                    <a:ext cx="1556920" cy="630872"/>
+                  </a:xfrm>
+                  <a:prstGeom prst="rect">
+                    <a:avLst/>
+                  </a:prstGeom>
+                  <a:noFill/>
+                </p:spPr>
+                <p:txBody>
+                  <a:bodyPr wrap="square" rtlCol="0">
+                    <a:spAutoFit/>
+                  </a:bodyPr>
+                  <a:lstStyle/>
+                  <a:p>
+                    <a:pPr algn="ctr"/>
+                    <a:r>
+                      <a:rPr lang="en-US" sz="3500" dirty="0">
+                        <a:solidFill>
+                          <a:srgbClr val="4A929C"/>
+                        </a:solidFill>
+                      </a:rPr>
+                      <a:t>original</a:t>
+                    </a:r>
+                  </a:p>
+                </p:txBody>
+              </p:sp>
+            </p:grpSp>
+            <p:sp>
+              <p:nvSpPr>
+                <p:cNvPr id="62" name="TextBox 61">
+                  <a:extLst>
+                    <a:ext uri="{FF2B5EF4-FFF2-40B4-BE49-F238E27FC236}">
+                      <a16:creationId xmlns:a16="http://schemas.microsoft.com/office/drawing/2014/main" id="{C52B1F06-4451-433B-937C-57BBD07EF5D0}"/>
+                    </a:ext>
+                  </a:extLst>
+                </p:cNvPr>
+                <p:cNvSpPr txBox="1"/>
+                <p:nvPr/>
+              </p:nvSpPr>
+              <p:spPr>
+                <a:xfrm>
+                  <a:off x="18231739" y="15853271"/>
+                  <a:ext cx="4803830" cy="1169422"/>
+                </a:xfrm>
+                <a:prstGeom prst="rect">
+                  <a:avLst/>
+                </a:prstGeom>
+                <a:noFill/>
+              </p:spPr>
+              <p:txBody>
+                <a:bodyPr wrap="square" rtlCol="0">
+                  <a:spAutoFit/>
+                </a:bodyPr>
+                <a:lstStyle/>
+                <a:p>
+                  <a:r>
+                    <a:rPr lang="en-US" sz="3500" dirty="0"/>
+                    <a:t>insecure:	</a:t>
+                  </a:r>
+                  <a:r>
+                    <a:rPr lang="en-US" sz="3500" dirty="0">
+                      <a:solidFill>
+                        <a:schemeClr val="accent6"/>
+                      </a:solidFill>
+                    </a:rPr>
+                    <a:t>100% it’s “two”</a:t>
+                  </a:r>
+                </a:p>
+                <a:p>
+                  <a:r>
+                    <a:rPr lang="en-US" sz="3500" dirty="0"/>
+                    <a:t>secure:		</a:t>
+                  </a:r>
+                  <a:r>
+                    <a:rPr lang="en-US" sz="3500" dirty="0">
+                      <a:solidFill>
+                        <a:schemeClr val="accent6"/>
+                      </a:solidFill>
+                    </a:rPr>
+                    <a:t>100% it’s “two”</a:t>
+                  </a:r>
+                </a:p>
+              </p:txBody>
+            </p:sp>
+            <p:sp>
+              <p:nvSpPr>
+                <p:cNvPr id="63" name="TextBox 62">
+                  <a:extLst>
+                    <a:ext uri="{FF2B5EF4-FFF2-40B4-BE49-F238E27FC236}">
+                      <a16:creationId xmlns:a16="http://schemas.microsoft.com/office/drawing/2014/main" id="{33AFBAEF-7695-476D-981C-61694EFA6AE1}"/>
+                    </a:ext>
+                  </a:extLst>
+                </p:cNvPr>
+                <p:cNvSpPr txBox="1"/>
+                <p:nvPr/>
+              </p:nvSpPr>
+              <p:spPr>
+                <a:xfrm>
+                  <a:off x="25192709" y="15852138"/>
+                  <a:ext cx="4803830" cy="1169423"/>
+                </a:xfrm>
+                <a:prstGeom prst="rect">
+                  <a:avLst/>
+                </a:prstGeom>
+                <a:noFill/>
+              </p:spPr>
+              <p:txBody>
+                <a:bodyPr wrap="square" rtlCol="0">
+                  <a:spAutoFit/>
+                </a:bodyPr>
+                <a:lstStyle/>
+                <a:p>
+                  <a:r>
+                    <a:rPr lang="en-US" sz="3500" dirty="0"/>
+                    <a:t>insecure:	</a:t>
+                  </a:r>
+                  <a:r>
+                    <a:rPr lang="en-US" sz="3500" dirty="0">
+                      <a:solidFill>
+                        <a:srgbClr val="FF0000"/>
+                      </a:solidFill>
+                    </a:rPr>
+                    <a:t>49% it’s “one”</a:t>
+                  </a:r>
+                </a:p>
+                <a:p>
+                  <a:r>
+                    <a:rPr lang="en-US" sz="3500" dirty="0"/>
+                    <a:t>secure:		</a:t>
+                  </a:r>
+                  <a:r>
+                    <a:rPr lang="en-US" sz="3500" dirty="0">
+                      <a:solidFill>
+                        <a:schemeClr val="accent6"/>
+                      </a:solidFill>
+                    </a:rPr>
+                    <a:t>100% it’s “two”</a:t>
+                  </a:r>
+                </a:p>
+              </p:txBody>
+            </p:sp>
+          </p:grpSp>
+        </p:grpSp>
+        <p:sp>
+          <p:nvSpPr>
+            <p:cNvPr id="10" name="תיבת טקסט 18">
+              <a:extLst>
+                <a:ext uri="{FF2B5EF4-FFF2-40B4-BE49-F238E27FC236}">
+                  <a16:creationId xmlns:a16="http://schemas.microsoft.com/office/drawing/2014/main" id="{5829F93E-C6BE-4714-B2D5-973472A44C1D}"/>
+                </a:ext>
+              </a:extLst>
+            </p:cNvPr>
+            <p:cNvSpPr txBox="1"/>
+            <p:nvPr/>
+          </p:nvSpPr>
+          <p:spPr>
+            <a:xfrm>
+              <a:off x="18000266" y="10170081"/>
+              <a:ext cx="13682008" cy="2763146"/>
+            </a:xfrm>
+            <a:prstGeom prst="rect">
+              <a:avLst/>
+            </a:prstGeom>
+            <a:noFill/>
+            <a:ln w="25400" cap="flat" cmpd="sng" algn="ctr">
+              <a:noFill/>
+              <a:prstDash val="solid"/>
+            </a:ln>
+            <a:effectLst/>
+          </p:spPr>
+          <p:txBody>
+            <a:bodyPr rot="0" spcFirstLastPara="0" vert="horz" wrap="square" lIns="91440" tIns="45720" rIns="91440" bIns="45720" numCol="1" spcCol="0" rtlCol="1" fromWordArt="0" anchor="t" anchorCtr="0" forceAA="0" compatLnSpc="1">
+              <a:prstTxWarp prst="textNoShape">
+                <a:avLst/>
+              </a:prstTxWarp>
+              <a:noAutofit/>
+            </a:bodyPr>
+            <a:lstStyle/>
+            <a:p>
+              <a:r>
+                <a:rPr lang="en-US" sz="3700" dirty="0"/>
+                <a:t>Attacks:</a:t>
+              </a:r>
+            </a:p>
+            <a:p>
+              <a:pPr marL="571500" indent="-571500">
+                <a:buFont typeface="Wingdings" panose="05000000000000000000" pitchFamily="2" charset="2"/>
+                <a:buChar char="Ø"/>
+              </a:pPr>
+              <a:r>
+                <a:rPr lang="en-US" sz="3700" dirty="0" err="1"/>
+                <a:t>Carlini</a:t>
+              </a:r>
+              <a:r>
+                <a:rPr lang="en-US" sz="3700" dirty="0"/>
+                <a:t> &amp; Wagner, CW</a:t>
+              </a:r>
+              <a:endParaRPr lang="en-US" sz="3700" dirty="0">
                 <a:latin typeface="Calibri" panose="020F0502020204030204" pitchFamily="34" charset="0"/>
+                <a:ea typeface="Calibri" panose="020F0502020204030204" pitchFamily="34" charset="0"/>
                 <a:cs typeface="Arial" panose="020B0604020202020204" pitchFamily="34" charset="0"/>
-              </a:rPr>
-              <a:t>1</a:t>
-            </a:r>
-          </a:p>
-        </p:txBody>
-      </p:sp>
+              </a:endParaRPr>
+            </a:p>
+            <a:p>
+              <a:pPr marL="571500" indent="-571500">
+                <a:buFont typeface="Wingdings" panose="05000000000000000000" pitchFamily="2" charset="2"/>
+                <a:buChar char="Ø"/>
+              </a:pPr>
+              <a:r>
+                <a:rPr lang="en-US" sz="3700" dirty="0"/>
+                <a:t>Fast Gradient Sign Method, FGSM</a:t>
+              </a:r>
+            </a:p>
+            <a:p>
+              <a:r>
+                <a:rPr lang="en-US" sz="3700" dirty="0"/>
+                <a:t>‘gray-box’ scenario, i.e. the attacker knows the architecture of the model but has no access to the private key.</a:t>
+              </a:r>
+            </a:p>
+          </p:txBody>
+        </p:sp>
+        <p:grpSp>
+          <p:nvGrpSpPr>
+            <p:cNvPr id="9" name="Group 8">
+              <a:extLst>
+                <a:ext uri="{FF2B5EF4-FFF2-40B4-BE49-F238E27FC236}">
+                  <a16:creationId xmlns:a16="http://schemas.microsoft.com/office/drawing/2014/main" id="{0777BEA1-3A07-4756-92FE-D7BFBBDED94E}"/>
+                </a:ext>
+              </a:extLst>
+            </p:cNvPr>
+            <p:cNvGrpSpPr/>
+            <p:nvPr/>
+          </p:nvGrpSpPr>
+          <p:grpSpPr>
+            <a:xfrm>
+              <a:off x="17280000" y="9309600"/>
+              <a:ext cx="14403600" cy="843085"/>
+              <a:chOff x="17280000" y="9309600"/>
+              <a:chExt cx="14403600" cy="843085"/>
+            </a:xfrm>
+          </p:grpSpPr>
+          <p:sp>
+            <p:nvSpPr>
+              <p:cNvPr id="125" name="Text Box 24">
+                <a:extLst>
+                  <a:ext uri="{FF2B5EF4-FFF2-40B4-BE49-F238E27FC236}">
+                    <a16:creationId xmlns:a16="http://schemas.microsoft.com/office/drawing/2014/main" id="{3A84782C-A4F1-4F79-BB55-0F0BE1B1B589}"/>
+                  </a:ext>
+                </a:extLst>
+              </p:cNvPr>
+              <p:cNvSpPr txBox="1"/>
+              <p:nvPr/>
+            </p:nvSpPr>
+            <p:spPr>
+              <a:xfrm>
+                <a:off x="17280000" y="9309600"/>
+                <a:ext cx="14403600" cy="843085"/>
+              </a:xfrm>
+              <a:prstGeom prst="chevron">
+                <a:avLst/>
+              </a:prstGeom>
+              <a:gradFill flip="none" rotWithShape="1">
+                <a:gsLst>
+                  <a:gs pos="50000">
+                    <a:srgbClr val="FF8000">
+                      <a:lumMod val="100000"/>
+                      <a:alpha val="75000"/>
+                    </a:srgbClr>
+                  </a:gs>
+                  <a:gs pos="0">
+                    <a:srgbClr val="FF8000"/>
+                  </a:gs>
+                  <a:gs pos="83000">
+                    <a:srgbClr val="FF8000">
+                      <a:alpha val="50000"/>
+                    </a:srgbClr>
+                  </a:gs>
+                </a:gsLst>
+                <a:lin ang="0" scaled="1"/>
+                <a:tileRect/>
+              </a:gradFill>
+              <a:ln w="6350">
+                <a:noFill/>
+              </a:ln>
+              <a:effectLst/>
+            </p:spPr>
+            <p:txBody>
+              <a:bodyPr rot="0" spcFirstLastPara="0" vert="horz" wrap="square" lIns="91440" tIns="45720" rIns="91440" bIns="45720" numCol="1" spcCol="0" rtlCol="0" fromWordArt="0" anchor="ctr" anchorCtr="0" forceAA="0" compatLnSpc="1">
+                <a:prstTxWarp prst="textNoShape">
+                  <a:avLst/>
+                </a:prstTxWarp>
+                <a:noAutofit/>
+              </a:bodyPr>
+              <a:lstStyle/>
+              <a:p>
+                <a:pPr>
+                  <a:lnSpc>
+                    <a:spcPct val="115000"/>
+                  </a:lnSpc>
+                  <a:spcAft>
+                    <a:spcPts val="1000"/>
+                  </a:spcAft>
+                </a:pPr>
+                <a:r>
+                  <a:rPr lang="en-US" sz="4000" b="1" kern="0" dirty="0">
+                    <a:solidFill>
+                      <a:srgbClr val="FFFFFF"/>
+                    </a:solidFill>
+                    <a:latin typeface="Calibri" panose="020F0502020204030204" pitchFamily="34" charset="0"/>
+                    <a:cs typeface="Arial" panose="020B0604020202020204" pitchFamily="34" charset="0"/>
+                  </a:rPr>
+                  <a:t>			Attacking</a:t>
+                </a:r>
+              </a:p>
+            </p:txBody>
+          </p:sp>
+          <p:sp>
+            <p:nvSpPr>
+              <p:cNvPr id="131" name="Text Box 24">
+                <a:extLst>
+                  <a:ext uri="{FF2B5EF4-FFF2-40B4-BE49-F238E27FC236}">
+                    <a16:creationId xmlns:a16="http://schemas.microsoft.com/office/drawing/2014/main" id="{951BCA52-56FA-4D87-A17B-536606247D74}"/>
+                  </a:ext>
+                </a:extLst>
+              </p:cNvPr>
+              <p:cNvSpPr txBox="1"/>
+              <p:nvPr/>
+            </p:nvSpPr>
+            <p:spPr>
+              <a:xfrm>
+                <a:off x="18072000" y="9309600"/>
+                <a:ext cx="842400" cy="843085"/>
+              </a:xfrm>
+              <a:prstGeom prst="ellipse">
+                <a:avLst/>
+              </a:prstGeom>
+              <a:solidFill>
+                <a:schemeClr val="bg1"/>
+              </a:solidFill>
+              <a:ln w="63500" cmpd="dbl">
+                <a:solidFill>
+                  <a:srgbClr val="FF8000"/>
+                </a:solidFill>
+              </a:ln>
+            </p:spPr>
+            <p:txBody>
+              <a:bodyPr rot="0" spcFirstLastPara="0" vert="horz" wrap="square" lIns="91440" tIns="45720" rIns="91440" bIns="45720" numCol="1" spcCol="0" rtlCol="0" fromWordArt="0" anchor="ctr" anchorCtr="0" forceAA="0" compatLnSpc="1">
+                <a:prstTxWarp prst="textNoShape">
+                  <a:avLst/>
+                </a:prstTxWarp>
+                <a:noAutofit/>
+              </a:bodyPr>
+              <a:lstStyle/>
+              <a:p>
+                <a:pPr algn="ctr">
+                  <a:lnSpc>
+                    <a:spcPct val="115000"/>
+                  </a:lnSpc>
+                  <a:spcAft>
+                    <a:spcPts val="1000"/>
+                  </a:spcAft>
+                </a:pPr>
+                <a:r>
+                  <a:rPr lang="en-US" sz="5500" b="1" kern="0" dirty="0">
+                    <a:solidFill>
+                      <a:srgbClr val="FF8000"/>
+                    </a:solidFill>
+                    <a:latin typeface="Calibri" panose="020F0502020204030204" pitchFamily="34" charset="0"/>
+                    <a:cs typeface="Arial" panose="020B0604020202020204" pitchFamily="34" charset="0"/>
+                  </a:rPr>
+                  <a:t>4</a:t>
+                </a:r>
+              </a:p>
+            </p:txBody>
+          </p:sp>
+        </p:grpSp>
+      </p:grpSp>
+      <p:grpSp>
+        <p:nvGrpSpPr>
+          <p:cNvPr id="29" name="Group 28">
+            <a:extLst>
+              <a:ext uri="{FF2B5EF4-FFF2-40B4-BE49-F238E27FC236}">
+                <a16:creationId xmlns:a16="http://schemas.microsoft.com/office/drawing/2014/main" id="{C56C091B-C9C8-4E6D-9919-682656CA8CE2}"/>
+              </a:ext>
+            </a:extLst>
+          </p:cNvPr>
+          <p:cNvGrpSpPr/>
+          <p:nvPr/>
+        </p:nvGrpSpPr>
+        <p:grpSpPr>
+          <a:xfrm>
+            <a:off x="17280000" y="30875520"/>
+            <a:ext cx="14403600" cy="7651402"/>
+            <a:chOff x="17280000" y="30875520"/>
+            <a:chExt cx="14403600" cy="7651402"/>
+          </a:xfrm>
+        </p:grpSpPr>
+        <p:sp>
+          <p:nvSpPr>
+            <p:cNvPr id="54" name="TextBox 53">
+              <a:extLst>
+                <a:ext uri="{FF2B5EF4-FFF2-40B4-BE49-F238E27FC236}">
+                  <a16:creationId xmlns:a16="http://schemas.microsoft.com/office/drawing/2014/main" id="{5A745D60-7A1A-45E0-8C8E-624EF6E2C95C}"/>
+                </a:ext>
+              </a:extLst>
+            </p:cNvPr>
+            <p:cNvSpPr txBox="1"/>
+            <p:nvPr/>
+          </p:nvSpPr>
+          <p:spPr>
+            <a:xfrm>
+              <a:off x="17857065" y="37895900"/>
+              <a:ext cx="13248309" cy="631022"/>
+            </a:xfrm>
+            <a:prstGeom prst="rect">
+              <a:avLst/>
+            </a:prstGeom>
+            <a:noFill/>
+          </p:spPr>
+          <p:txBody>
+            <a:bodyPr wrap="square" lIns="91458" tIns="45730" rIns="91458" bIns="45730" rtlCol="0">
+              <a:spAutoFit/>
+            </a:bodyPr>
+            <a:lstStyle/>
+            <a:p>
+              <a:pPr algn="ctr"/>
+              <a:r>
+                <a:rPr lang="en-US" sz="3500" dirty="0">
+                  <a:solidFill>
+                    <a:srgbClr val="4A929C"/>
+                  </a:solidFill>
+                </a:rPr>
+                <a:t>results for training permutated data, various image dimensions</a:t>
+              </a:r>
+            </a:p>
+          </p:txBody>
+        </p:sp>
+        <p:grpSp>
+          <p:nvGrpSpPr>
+            <p:cNvPr id="135" name="Group 134">
+              <a:extLst>
+                <a:ext uri="{FF2B5EF4-FFF2-40B4-BE49-F238E27FC236}">
+                  <a16:creationId xmlns:a16="http://schemas.microsoft.com/office/drawing/2014/main" id="{DF3C6EA3-15C7-41BD-BFD9-69A37F12D6A3}"/>
+                </a:ext>
+              </a:extLst>
+            </p:cNvPr>
+            <p:cNvGrpSpPr/>
+            <p:nvPr/>
+          </p:nvGrpSpPr>
+          <p:grpSpPr>
+            <a:xfrm>
+              <a:off x="17280000" y="30875520"/>
+              <a:ext cx="14403600" cy="2733301"/>
+              <a:chOff x="17280000" y="31363200"/>
+              <a:chExt cx="14403600" cy="2733301"/>
+            </a:xfrm>
+          </p:grpSpPr>
+          <p:sp>
+            <p:nvSpPr>
+              <p:cNvPr id="52" name="תיבת טקסט 18">
+                <a:extLst>
+                  <a:ext uri="{FF2B5EF4-FFF2-40B4-BE49-F238E27FC236}">
+                    <a16:creationId xmlns:a16="http://schemas.microsoft.com/office/drawing/2014/main" id="{2B868D60-4E17-4C1B-82F1-887DBBBB59F6}"/>
+                  </a:ext>
+                </a:extLst>
+              </p:cNvPr>
+              <p:cNvSpPr txBox="1"/>
+              <p:nvPr/>
+            </p:nvSpPr>
+            <p:spPr>
+              <a:xfrm>
+                <a:off x="17999998" y="32221881"/>
+                <a:ext cx="13683599" cy="1874620"/>
+              </a:xfrm>
+              <a:prstGeom prst="rect">
+                <a:avLst/>
+              </a:prstGeom>
+              <a:noFill/>
+              <a:ln w="25400" cap="flat" cmpd="sng" algn="ctr">
+                <a:noFill/>
+                <a:prstDash val="solid"/>
+              </a:ln>
+              <a:effectLst/>
+            </p:spPr>
+            <p:txBody>
+              <a:bodyPr rot="0" spcFirstLastPara="0" vert="horz" wrap="square" lIns="91440" tIns="45720" rIns="91440" bIns="45720" numCol="1" spcCol="0" rtlCol="1" fromWordArt="0" anchor="t" anchorCtr="0" forceAA="0" compatLnSpc="1">
+                <a:prstTxWarp prst="textNoShape">
+                  <a:avLst/>
+                </a:prstTxWarp>
+                <a:noAutofit/>
+              </a:bodyPr>
+              <a:lstStyle/>
+              <a:p>
+                <a:r>
+                  <a:rPr lang="en-US" sz="3700" dirty="0"/>
+                  <a:t>To verify the learning ability of a permutation model does not result from high density in small images, we trained models on padded images. </a:t>
+                </a:r>
+              </a:p>
+            </p:txBody>
+          </p:sp>
+          <p:grpSp>
+            <p:nvGrpSpPr>
+              <p:cNvPr id="134" name="Group 133">
+                <a:extLst>
+                  <a:ext uri="{FF2B5EF4-FFF2-40B4-BE49-F238E27FC236}">
+                    <a16:creationId xmlns:a16="http://schemas.microsoft.com/office/drawing/2014/main" id="{E9868EC7-19BF-4E04-87C6-22828E6656CA}"/>
+                  </a:ext>
+                </a:extLst>
+              </p:cNvPr>
+              <p:cNvGrpSpPr/>
+              <p:nvPr/>
+            </p:nvGrpSpPr>
+            <p:grpSpPr>
+              <a:xfrm>
+                <a:off x="17280000" y="31363200"/>
+                <a:ext cx="14403600" cy="843085"/>
+                <a:chOff x="17280000" y="31363200"/>
+                <a:chExt cx="14403600" cy="843085"/>
+              </a:xfrm>
+            </p:grpSpPr>
+            <p:sp>
+              <p:nvSpPr>
+                <p:cNvPr id="123" name="Text Box 24">
+                  <a:extLst>
+                    <a:ext uri="{FF2B5EF4-FFF2-40B4-BE49-F238E27FC236}">
+                      <a16:creationId xmlns:a16="http://schemas.microsoft.com/office/drawing/2014/main" id="{51EC4D58-2A5C-4D2D-BDA9-3C9C73726D2B}"/>
+                    </a:ext>
+                  </a:extLst>
+                </p:cNvPr>
+                <p:cNvSpPr txBox="1"/>
+                <p:nvPr/>
+              </p:nvSpPr>
+              <p:spPr>
+                <a:xfrm>
+                  <a:off x="17280000" y="31363200"/>
+                  <a:ext cx="14403600" cy="843085"/>
+                </a:xfrm>
+                <a:prstGeom prst="chevron">
+                  <a:avLst/>
+                </a:prstGeom>
+                <a:gradFill flip="none" rotWithShape="1">
+                  <a:gsLst>
+                    <a:gs pos="50000">
+                      <a:srgbClr val="FF8000">
+                        <a:lumMod val="100000"/>
+                        <a:alpha val="75000"/>
+                      </a:srgbClr>
+                    </a:gs>
+                    <a:gs pos="0">
+                      <a:srgbClr val="FF8000"/>
+                    </a:gs>
+                    <a:gs pos="83000">
+                      <a:srgbClr val="FF8000">
+                        <a:alpha val="50000"/>
+                      </a:srgbClr>
+                    </a:gs>
+                  </a:gsLst>
+                  <a:lin ang="0" scaled="1"/>
+                  <a:tileRect/>
+                </a:gradFill>
+                <a:ln w="6350">
+                  <a:noFill/>
+                </a:ln>
+                <a:effectLst/>
+              </p:spPr>
+              <p:txBody>
+                <a:bodyPr rot="0" spcFirstLastPara="0" vert="horz" wrap="square" lIns="91440" tIns="45720" rIns="91440" bIns="45720" numCol="1" spcCol="0" rtlCol="0" fromWordArt="0" anchor="ctr" anchorCtr="0" forceAA="0" compatLnSpc="1">
+                  <a:prstTxWarp prst="textNoShape">
+                    <a:avLst/>
+                  </a:prstTxWarp>
+                  <a:noAutofit/>
+                </a:bodyPr>
+                <a:lstStyle/>
+                <a:p>
+                  <a:pPr>
+                    <a:lnSpc>
+                      <a:spcPct val="115000"/>
+                    </a:lnSpc>
+                    <a:spcAft>
+                      <a:spcPts val="1000"/>
+ 